--- a/trunk/Project 1/Part Final/CS554_EuroTeam_Project1.pptx
+++ b/trunk/Project 1/Part Final/CS554_EuroTeam_Project1.pptx
@@ -7200,19 +7200,7 @@
                 <a:latin typeface="+mn-lt"/>
                 <a:cs typeface="+mn-cs"/>
               </a:rPr>
-              <a:t> </a:t>
-            </a:r>
-            <a:r>
-              <a:rPr sz="1800" b="0" baseline="0" dirty="0" smtClean="0">
-                <a:solidFill>
-                  <a:schemeClr val="bg1">
-                    <a:lumMod val="50000"/>
-                  </a:schemeClr>
-                </a:solidFill>
-                <a:latin typeface="+mn-lt"/>
-                <a:cs typeface="+mn-cs"/>
-              </a:rPr>
-              <a:t>15st</a:t>
+              <a:t> 15st</a:t>
             </a:r>
             <a:r>
               <a:rPr sz="1800" b="0" dirty="0" smtClean="0">
@@ -8359,14 +8347,6 @@
               </a:rPr>
               <a:t> 15st, 2009</a:t>
             </a:r>
-            <a:endParaRPr lang="fr-FR" sz="1050" b="1" baseline="0" dirty="0" smtClean="0">
-              <a:solidFill>
-                <a:schemeClr val="bg1">
-                  <a:lumMod val="50000"/>
-                </a:schemeClr>
-              </a:solidFill>
-              <a:latin typeface="+mn-lt"/>
-            </a:endParaRPr>
           </a:p>
           <a:p>
             <a:pPr algn="r">
@@ -8468,17 +8448,6 @@
                 <a:latin typeface="+mn-lt"/>
               </a:rPr>
               <a:t>STARCK</a:t>
-            </a:r>
-            <a:r>
-              <a:rPr lang="fr-FR" sz="1050" b="1" baseline="0" dirty="0" smtClean="0">
-                <a:solidFill>
-                  <a:schemeClr val="bg1">
-                    <a:lumMod val="50000"/>
-                  </a:schemeClr>
-                </a:solidFill>
-                <a:latin typeface="+mn-lt"/>
-              </a:rPr>
-              <a:t/>
             </a:r>
             <a:br>
               <a:rPr lang="fr-FR" sz="1050" b="1" baseline="0" dirty="0" smtClean="0">
@@ -9124,16 +9093,7 @@
                 </a:solidFill>
                 <a:ea typeface="굴림" charset="-127"/>
               </a:rPr>
-              <a:t> - Project </a:t>
-            </a:r>
-            <a:r>
-              <a:rPr lang="fr-FR" altLang="ko-KR" sz="900" baseline="0" dirty="0" smtClean="0">
-                <a:solidFill>
-                  <a:srgbClr xmlns:mc="http://schemas.openxmlformats.org/markup-compatibility/2006" xmlns:a14="http://schemas.microsoft.com/office/drawing/2007/7/7/main" val="7F7F7F" mc:Ignorable=""/>
-                </a:solidFill>
-                <a:ea typeface="굴림" charset="-127"/>
-              </a:rPr>
-              <a:t>1</a:t>
+              <a:t> - Project 1</a:t>
             </a:r>
             <a:endParaRPr lang="fr-FR" altLang="ko-KR" sz="900" dirty="0">
               <a:solidFill>
@@ -9215,19 +9175,7 @@
                 <a:latin typeface="+mn-lt"/>
                 <a:cs typeface="+mn-cs"/>
               </a:rPr>
-              <a:t> / </a:t>
-            </a:r>
-            <a:r>
-              <a:rPr lang="fr-FR" sz="1100" b="1" kern="0" dirty="0" smtClean="0">
-                <a:solidFill>
-                  <a:schemeClr val="bg1">
-                    <a:lumMod val="65000"/>
-                  </a:schemeClr>
-                </a:solidFill>
-                <a:latin typeface="+mn-lt"/>
-                <a:cs typeface="+mn-cs"/>
-              </a:rPr>
-              <a:t>x    </a:t>
+              <a:t> / x    </a:t>
             </a:r>
             <a:endParaRPr lang="fr-FR" sz="1100" b="1" kern="0" dirty="0">
               <a:solidFill>
@@ -9329,17 +9277,7 @@
                 <a:latin typeface="Calibri" pitchFamily="34" charset="0"/>
                 <a:ea typeface="굴림" charset="-127"/>
               </a:rPr>
-              <a:t> </a:t>
-            </a:r>
-            <a:r>
-              <a:rPr lang="fr-FR" altLang="ko-KR" sz="1000" baseline="0" dirty="0" smtClean="0">
-                <a:solidFill>
-                  <a:srgbClr xmlns:mc="http://schemas.openxmlformats.org/markup-compatibility/2006" xmlns:a14="http://schemas.microsoft.com/office/drawing/2007/7/7/main" val="7F7F7F" mc:Ignorable=""/>
-                </a:solidFill>
-                <a:latin typeface="Calibri" pitchFamily="34" charset="0"/>
-                <a:ea typeface="굴림" charset="-127"/>
-              </a:rPr>
-              <a:t>15st</a:t>
+              <a:t> 15st</a:t>
             </a:r>
             <a:r>
               <a:rPr lang="fr-FR" altLang="ko-KR" sz="1000" dirty="0" smtClean="0">
@@ -10259,29 +10197,8 @@
                   </a:outerShdw>
                 </a:effectLst>
               </a:rPr>
-              <a:t>Project </a:t>
-            </a:r>
-            <a:r>
-              <a:rPr lang="fr-FR" sz="2400" b="1" dirty="0" smtClean="0">
-                <a:effectLst>
-                  <a:outerShdw blurRad="38100" dist="38100" dir="2700000" algn="tl">
-                    <a:srgbClr xmlns:mc="http://schemas.openxmlformats.org/markup-compatibility/2006" xmlns:a14="http://schemas.microsoft.com/office/drawing/2007/7/7/main" val="000000" mc:Ignorable="">
-                      <a:alpha val="43137"/>
-                    </a:srgbClr>
-                  </a:outerShdw>
-                </a:effectLst>
-              </a:rPr>
-              <a:t>1</a:t>
-            </a:r>
-            <a:endParaRPr lang="fr-FR" sz="2400" b="1" dirty="0" smtClean="0">
-              <a:effectLst>
-                <a:outerShdw blurRad="38100" dist="38100" dir="2700000" algn="tl">
-                  <a:srgbClr xmlns:mc="http://schemas.openxmlformats.org/markup-compatibility/2006" xmlns:a14="http://schemas.microsoft.com/office/drawing/2007/7/7/main" val="000000" mc:Ignorable="">
-                    <a:alpha val="43137"/>
-                  </a:srgbClr>
-                </a:outerShdw>
-              </a:effectLst>
-            </a:endParaRPr>
+              <a:t>Project 1</a:t>
+            </a:r>
           </a:p>
         </p:txBody>
       </p:sp>
@@ -10842,6 +10759,49 @@
           </a:p>
         </p:txBody>
       </p:sp>
+      <p:pic>
+        <p:nvPicPr>
+          <p:cNvPr id="5" name="Picture 2" descr="D:\Bureau\spacecraft1.jpg"/>
+          <p:cNvPicPr>
+            <a:picLocks noChangeAspect="1" noChangeArrowheads="1"/>
+          </p:cNvPicPr>
+          <p:nvPr/>
+        </p:nvPicPr>
+        <p:blipFill>
+          <a:blip r:embed="rId2" cstate="print"/>
+          <a:srcRect/>
+          <a:stretch>
+            <a:fillRect/>
+          </a:stretch>
+        </p:blipFill>
+        <p:spPr bwMode="auto">
+          <a:xfrm rot="376165">
+            <a:off x="6441122" y="1256731"/>
+            <a:ext cx="2510206" cy="1697273"/>
+          </a:xfrm>
+          <a:prstGeom prst="roundRect">
+            <a:avLst>
+              <a:gd name="adj" fmla="val 8594"/>
+            </a:avLst>
+          </a:prstGeom>
+          <a:solidFill>
+            <a:srgbClr xmlns:mc="http://schemas.openxmlformats.org/markup-compatibility/2006" xmlns:a14="http://schemas.microsoft.com/office/drawing/2007/7/7/main" val="FFFFFF" mc:Ignorable="">
+              <a:shade val="85000"/>
+            </a:srgbClr>
+          </a:solidFill>
+          <a:ln>
+            <a:noFill/>
+          </a:ln>
+          <a:effectLst>
+            <a:outerShdw blurRad="50800" dist="38100" dir="8100000" algn="tr" rotWithShape="0">
+              <a:prstClr val="black">
+                <a:alpha val="40000"/>
+              </a:prstClr>
+            </a:outerShdw>
+            <a:reflection blurRad="12700" stA="38000" endPos="28000" dist="5000" dir="5400000" sy="-100000" algn="bl" rotWithShape="0"/>
+          </a:effectLst>
+        </p:spPr>
+      </p:pic>
     </p:spTree>
     <p:extLst>
       <p:ext uri="{BB962C8B-B14F-4D97-AF65-F5344CB8AC3E}">
@@ -11611,6 +11571,49 @@
           </a:p>
         </p:txBody>
       </p:sp>
+      <p:pic>
+        <p:nvPicPr>
+          <p:cNvPr id="5" name="Picture 2" descr="D:\Bureau\spacecraft1.jpg"/>
+          <p:cNvPicPr>
+            <a:picLocks noChangeAspect="1" noChangeArrowheads="1"/>
+          </p:cNvPicPr>
+          <p:nvPr/>
+        </p:nvPicPr>
+        <p:blipFill>
+          <a:blip r:embed="rId2" cstate="print"/>
+          <a:srcRect/>
+          <a:stretch>
+            <a:fillRect/>
+          </a:stretch>
+        </p:blipFill>
+        <p:spPr bwMode="auto">
+          <a:xfrm rot="376165">
+            <a:off x="6513130" y="1256731"/>
+            <a:ext cx="2510206" cy="1697273"/>
+          </a:xfrm>
+          <a:prstGeom prst="roundRect">
+            <a:avLst>
+              <a:gd name="adj" fmla="val 8594"/>
+            </a:avLst>
+          </a:prstGeom>
+          <a:solidFill>
+            <a:srgbClr xmlns:mc="http://schemas.openxmlformats.org/markup-compatibility/2006" xmlns:a14="http://schemas.microsoft.com/office/drawing/2007/7/7/main" val="FFFFFF" mc:Ignorable="">
+              <a:shade val="85000"/>
+            </a:srgbClr>
+          </a:solidFill>
+          <a:ln>
+            <a:noFill/>
+          </a:ln>
+          <a:effectLst>
+            <a:outerShdw blurRad="50800" dist="38100" dir="8100000" algn="tr" rotWithShape="0">
+              <a:prstClr val="black">
+                <a:alpha val="40000"/>
+              </a:prstClr>
+            </a:outerShdw>
+            <a:reflection blurRad="12700" stA="38000" endPos="28000" dist="5000" dir="5400000" sy="-100000" algn="bl" rotWithShape="0"/>
+          </a:effectLst>
+        </p:spPr>
+      </p:pic>
     </p:spTree>
     <p:extLst>
       <p:ext uri="{BB962C8B-B14F-4D97-AF65-F5344CB8AC3E}">
@@ -11872,8 +11875,12 @@
               <a:buNone/>
             </a:pPr>
             <a:r>
+              <a:rPr lang="fr-FR" sz="2400" i="1" dirty="0" err="1" smtClean="0"/>
+              <a:t>Protoypes</a:t>
+            </a:r>
+            <a:r>
               <a:rPr lang="fr-FR" sz="2400" i="1" dirty="0" smtClean="0"/>
-              <a:t>User interface design &amp; </a:t>
+              <a:t> &amp; </a:t>
             </a:r>
             <a:r>
               <a:rPr lang="fr-FR" sz="2400" i="1" dirty="0" err="1" smtClean="0"/>
@@ -12223,6 +12230,49 @@
           </a:p>
         </p:txBody>
       </p:sp>
+      <p:pic>
+        <p:nvPicPr>
+          <p:cNvPr id="6" name="Picture 2" descr="D:\Bureau\spacecraft1.jpg"/>
+          <p:cNvPicPr>
+            <a:picLocks noChangeAspect="1" noChangeArrowheads="1"/>
+          </p:cNvPicPr>
+          <p:nvPr/>
+        </p:nvPicPr>
+        <p:blipFill>
+          <a:blip r:embed="rId2" cstate="print"/>
+          <a:srcRect/>
+          <a:stretch>
+            <a:fillRect/>
+          </a:stretch>
+        </p:blipFill>
+        <p:spPr bwMode="auto">
+          <a:xfrm rot="376165">
+            <a:off x="6513130" y="1256731"/>
+            <a:ext cx="2510206" cy="1697273"/>
+          </a:xfrm>
+          <a:prstGeom prst="roundRect">
+            <a:avLst>
+              <a:gd name="adj" fmla="val 8594"/>
+            </a:avLst>
+          </a:prstGeom>
+          <a:solidFill>
+            <a:srgbClr xmlns:mc="http://schemas.openxmlformats.org/markup-compatibility/2006" xmlns:a14="http://schemas.microsoft.com/office/drawing/2007/7/7/main" val="FFFFFF" mc:Ignorable="">
+              <a:shade val="85000"/>
+            </a:srgbClr>
+          </a:solidFill>
+          <a:ln>
+            <a:noFill/>
+          </a:ln>
+          <a:effectLst>
+            <a:outerShdw blurRad="50800" dist="38100" dir="8100000" algn="tr" rotWithShape="0">
+              <a:prstClr val="black">
+                <a:alpha val="40000"/>
+              </a:prstClr>
+            </a:outerShdw>
+            <a:reflection blurRad="12700" stA="38000" endPos="28000" dist="5000" dir="5400000" sy="-100000" algn="bl" rotWithShape="0"/>
+          </a:effectLst>
+        </p:spPr>
+      </p:pic>
     </p:spTree>
     <p:extLst>
       <p:ext uri="{BB962C8B-B14F-4D97-AF65-F5344CB8AC3E}">
@@ -12283,22 +12333,448 @@
           </a:p>
         </p:txBody>
       </p:sp>
+      <p:pic>
+        <p:nvPicPr>
+          <p:cNvPr id="1026" name="Picture 2" descr="D:\Bureau\Computer and globe1.jpg"/>
+          <p:cNvPicPr>
+            <a:picLocks noChangeAspect="1" noChangeArrowheads="1"/>
+          </p:cNvPicPr>
+          <p:nvPr/>
+        </p:nvPicPr>
+        <p:blipFill rotWithShape="1">
+          <a:blip r:embed="rId2">
+            <a:clrChange>
+              <a:clrFrom>
+                <a:srgbClr xmlns:mc="http://schemas.openxmlformats.org/markup-compatibility/2006" xmlns:a14="http://schemas.microsoft.com/office/drawing/2007/7/7/main" val="FFFFFF" mc:Ignorable=""/>
+              </a:clrFrom>
+              <a:clrTo>
+                <a:srgbClr xmlns:mc="http://schemas.openxmlformats.org/markup-compatibility/2006" xmlns:a14="http://schemas.microsoft.com/office/drawing/2007/7/7/main" val="FFFFFF" mc:Ignorable="">
+                  <a:alpha val="0"/>
+                </a:srgbClr>
+              </a:clrTo>
+            </a:clrChange>
+            <a:extLst>
+              <a:ext uri="28A0092B-C50C-407e-A947-70E740481C1C">
+                <a14:useLocalDpi xmlns:a14="http://schemas.microsoft.com/office/drawing/2007/7/7/main" val="0"/>
+              </a:ext>
+            </a:extLst>
+          </a:blip>
+          <a:srcRect r="1753"/>
+          <a:stretch/>
+        </p:blipFill>
+        <p:spPr bwMode="auto">
+          <a:xfrm>
+            <a:off x="0" y="1484784"/>
+            <a:ext cx="9036456" cy="3096344"/>
+          </a:xfrm>
+          <a:prstGeom prst="rect">
+            <a:avLst/>
+          </a:prstGeom>
+          <a:noFill/>
+          <a:extLst>
+            <a:ext uri="{909E8E84-426E-40dd-AFC4-6F175D3DCCD1}">
+              <a14:hiddenFill xmlns:a14="http://schemas.microsoft.com/office/drawing/2007/7/7/main">
+                <a:solidFill>
+                  <a:srgbClr xmlns:mc="http://schemas.openxmlformats.org/markup-compatibility/2006" val="FFFFFF" mc:Ignorable=""/>
+                </a:solidFill>
+              </a14:hiddenFill>
+            </a:ext>
+          </a:extLst>
+        </p:spPr>
+      </p:pic>
       <p:sp>
         <p:nvSpPr>
-          <p:cNvPr id="4" name="Text Placeholder 3"/>
-          <p:cNvSpPr>
-            <a:spLocks noGrp="1"/>
-          </p:cNvSpPr>
-          <p:nvPr>
-            <p:ph type="body" sz="quarter" idx="10"/>
-          </p:nvPr>
+          <p:cNvPr id="2" name="TextBox 1"/>
+          <p:cNvSpPr txBox="1"/>
+          <p:nvPr/>
         </p:nvSpPr>
-        <p:spPr/>
+        <p:spPr>
+          <a:xfrm>
+            <a:off x="539552" y="4597677"/>
+            <a:ext cx="2092239" cy="991041"/>
+          </a:xfrm>
+          <a:prstGeom prst="rect">
+            <a:avLst/>
+          </a:prstGeom>
+          <a:noFill/>
+          <a:ln>
+            <a:noFill/>
+          </a:ln>
+        </p:spPr>
         <p:txBody>
-          <a:bodyPr/>
+          <a:bodyPr wrap="none" rtlCol="0">
+            <a:spAutoFit/>
+          </a:bodyPr>
           <a:lstStyle/>
           <a:p>
-            <a:endParaRPr lang="fr-FR" dirty="0"/>
+            <a:pPr marL="0" marR="0" indent="0" algn="ctr" defTabSz="914400" rtl="0" eaLnBrk="1" fontAlgn="auto" latinLnBrk="0" hangingPunct="1">
+              <a:lnSpc>
+                <a:spcPct val="100000"/>
+              </a:lnSpc>
+              <a:spcBef>
+                <a:spcPct val="20000"/>
+              </a:spcBef>
+              <a:spcAft>
+                <a:spcPts val="0"/>
+              </a:spcAft>
+              <a:buClrTx/>
+              <a:buSzTx/>
+              <a:buFontTx/>
+              <a:buNone/>
+              <a:tabLst/>
+            </a:pPr>
+            <a:r>
+              <a:rPr kumimoji="0" lang="fr-FR" sz="2000" b="1" i="0" u="none" strike="noStrike" kern="0" cap="none" spc="0" normalizeH="0" baseline="0" noProof="0" dirty="0" err="1" smtClean="0">
+                <a:ln>
+                  <a:noFill/>
+                </a:ln>
+                <a:solidFill>
+                  <a:schemeClr val="accent6"/>
+                </a:solidFill>
+                <a:effectLst/>
+                <a:uLnTx/>
+                <a:uFillTx/>
+                <a:latin typeface="+mn-lt"/>
+                <a:ea typeface="+mn-ea"/>
+                <a:cs typeface="+mn-cs"/>
+              </a:rPr>
+              <a:t>Screen</a:t>
+            </a:r>
+            <a:r>
+              <a:rPr kumimoji="0" lang="fr-FR" sz="2000" b="1" i="0" u="none" strike="noStrike" kern="0" cap="none" spc="0" normalizeH="0" baseline="0" noProof="0" dirty="0" smtClean="0">
+                <a:ln>
+                  <a:noFill/>
+                </a:ln>
+                <a:solidFill>
+                  <a:schemeClr val="accent6"/>
+                </a:solidFill>
+                <a:effectLst/>
+                <a:uLnTx/>
+                <a:uFillTx/>
+                <a:latin typeface="+mn-lt"/>
+                <a:ea typeface="+mn-ea"/>
+                <a:cs typeface="+mn-cs"/>
+              </a:rPr>
+              <a:t> 1</a:t>
+            </a:r>
+          </a:p>
+          <a:p>
+            <a:pPr marL="0" marR="0" indent="0" algn="ctr" defTabSz="914400" rtl="0" eaLnBrk="1" fontAlgn="auto" latinLnBrk="0" hangingPunct="1">
+              <a:lnSpc>
+                <a:spcPct val="100000"/>
+              </a:lnSpc>
+              <a:spcBef>
+                <a:spcPct val="20000"/>
+              </a:spcBef>
+              <a:spcAft>
+                <a:spcPts val="0"/>
+              </a:spcAft>
+              <a:buClrTx/>
+              <a:buSzTx/>
+              <a:buFontTx/>
+              <a:buNone/>
+              <a:tabLst/>
+            </a:pPr>
+            <a:r>
+              <a:rPr lang="fr-FR" sz="3200" b="1" kern="0" dirty="0" smtClean="0">
+                <a:solidFill>
+                  <a:schemeClr val="accent6"/>
+                </a:solidFill>
+                <a:effectLst>
+                  <a:outerShdw blurRad="38100" dist="38100" dir="2700000" algn="tl">
+                    <a:srgbClr xmlns:mc="http://schemas.openxmlformats.org/markup-compatibility/2006" xmlns:a14="http://schemas.microsoft.com/office/drawing/2007/7/7/main" val="000000" mc:Ignorable="">
+                      <a:alpha val="43137"/>
+                    </a:srgbClr>
+                  </a:outerShdw>
+                </a:effectLst>
+                <a:latin typeface="+mn-lt"/>
+                <a:cs typeface="+mn-cs"/>
+              </a:rPr>
+              <a:t>System List</a:t>
+            </a:r>
+            <a:endParaRPr kumimoji="0" lang="fr-FR" sz="3200" b="1" i="0" u="none" strike="noStrike" kern="0" cap="none" spc="0" normalizeH="0" baseline="0" noProof="0" dirty="0" smtClean="0">
+              <a:ln>
+                <a:noFill/>
+              </a:ln>
+              <a:solidFill>
+                <a:schemeClr val="accent6"/>
+              </a:solidFill>
+              <a:effectLst>
+                <a:outerShdw blurRad="38100" dist="38100" dir="2700000" algn="tl">
+                  <a:srgbClr xmlns:mc="http://schemas.openxmlformats.org/markup-compatibility/2006" xmlns:a14="http://schemas.microsoft.com/office/drawing/2007/7/7/main" val="000000" mc:Ignorable="">
+                    <a:alpha val="43137"/>
+                  </a:srgbClr>
+                </a:outerShdw>
+              </a:effectLst>
+              <a:uLnTx/>
+              <a:uFillTx/>
+              <a:latin typeface="+mn-lt"/>
+              <a:cs typeface="+mn-cs"/>
+            </a:endParaRPr>
+          </a:p>
+        </p:txBody>
+      </p:sp>
+      <p:sp>
+        <p:nvSpPr>
+          <p:cNvPr id="7" name="TextBox 6"/>
+          <p:cNvSpPr txBox="1"/>
+          <p:nvPr/>
+        </p:nvSpPr>
+        <p:spPr>
+          <a:xfrm>
+            <a:off x="2915816" y="4597677"/>
+            <a:ext cx="3557384" cy="991041"/>
+          </a:xfrm>
+          <a:prstGeom prst="rect">
+            <a:avLst/>
+          </a:prstGeom>
+          <a:noFill/>
+          <a:ln>
+            <a:noFill/>
+          </a:ln>
+        </p:spPr>
+        <p:txBody>
+          <a:bodyPr wrap="none" rtlCol="0">
+            <a:spAutoFit/>
+          </a:bodyPr>
+          <a:lstStyle/>
+          <a:p>
+            <a:pPr marL="0" marR="0" indent="0" algn="ctr" defTabSz="914400" rtl="0" eaLnBrk="1" fontAlgn="auto" latinLnBrk="0" hangingPunct="1">
+              <a:lnSpc>
+                <a:spcPct val="100000"/>
+              </a:lnSpc>
+              <a:spcBef>
+                <a:spcPct val="20000"/>
+              </a:spcBef>
+              <a:spcAft>
+                <a:spcPts val="0"/>
+              </a:spcAft>
+              <a:buClrTx/>
+              <a:buSzTx/>
+              <a:buFontTx/>
+              <a:buNone/>
+              <a:tabLst/>
+            </a:pPr>
+            <a:r>
+              <a:rPr kumimoji="0" lang="fr-FR" sz="2000" b="1" i="0" u="none" strike="noStrike" kern="0" cap="none" spc="0" normalizeH="0" baseline="0" noProof="0" dirty="0" err="1" smtClean="0">
+                <a:ln>
+                  <a:noFill/>
+                </a:ln>
+                <a:solidFill>
+                  <a:schemeClr val="accent6"/>
+                </a:solidFill>
+                <a:effectLst/>
+                <a:uLnTx/>
+                <a:uFillTx/>
+                <a:latin typeface="+mn-lt"/>
+                <a:ea typeface="+mn-ea"/>
+                <a:cs typeface="+mn-cs"/>
+              </a:rPr>
+              <a:t>Screen</a:t>
+            </a:r>
+            <a:r>
+              <a:rPr kumimoji="0" lang="fr-FR" sz="2000" b="1" i="0" u="none" strike="noStrike" kern="0" cap="none" spc="0" normalizeH="0" baseline="0" noProof="0" dirty="0" smtClean="0">
+                <a:ln>
+                  <a:noFill/>
+                </a:ln>
+                <a:solidFill>
+                  <a:schemeClr val="accent6"/>
+                </a:solidFill>
+                <a:effectLst/>
+                <a:uLnTx/>
+                <a:uFillTx/>
+                <a:latin typeface="+mn-lt"/>
+                <a:ea typeface="+mn-ea"/>
+                <a:cs typeface="+mn-cs"/>
+              </a:rPr>
+              <a:t> 2</a:t>
+            </a:r>
+          </a:p>
+          <a:p>
+            <a:pPr marL="0" marR="0" indent="0" algn="ctr" defTabSz="914400" rtl="0" eaLnBrk="1" fontAlgn="auto" latinLnBrk="0" hangingPunct="1">
+              <a:lnSpc>
+                <a:spcPct val="100000"/>
+              </a:lnSpc>
+              <a:spcBef>
+                <a:spcPct val="20000"/>
+              </a:spcBef>
+              <a:spcAft>
+                <a:spcPts val="0"/>
+              </a:spcAft>
+              <a:buClrTx/>
+              <a:buSzTx/>
+              <a:buFontTx/>
+              <a:buNone/>
+              <a:tabLst/>
+            </a:pPr>
+            <a:r>
+              <a:rPr lang="fr-FR" sz="3200" b="1" kern="0" dirty="0" smtClean="0">
+                <a:solidFill>
+                  <a:schemeClr val="accent6"/>
+                </a:solidFill>
+                <a:effectLst>
+                  <a:outerShdw blurRad="38100" dist="38100" dir="2700000" algn="tl">
+                    <a:srgbClr xmlns:mc="http://schemas.openxmlformats.org/markup-compatibility/2006" xmlns:a14="http://schemas.microsoft.com/office/drawing/2007/7/7/main" val="000000" mc:Ignorable="">
+                      <a:alpha val="43137"/>
+                    </a:srgbClr>
+                  </a:outerShdw>
+                </a:effectLst>
+                <a:latin typeface="+mn-lt"/>
+                <a:cs typeface="+mn-cs"/>
+              </a:rPr>
+              <a:t>System Information</a:t>
+            </a:r>
+            <a:endParaRPr kumimoji="0" lang="fr-FR" sz="3200" b="1" i="0" u="none" strike="noStrike" kern="0" cap="none" spc="0" normalizeH="0" baseline="0" noProof="0" dirty="0" smtClean="0">
+              <a:ln>
+                <a:noFill/>
+              </a:ln>
+              <a:solidFill>
+                <a:schemeClr val="accent6"/>
+              </a:solidFill>
+              <a:effectLst>
+                <a:outerShdw blurRad="38100" dist="38100" dir="2700000" algn="tl">
+                  <a:srgbClr xmlns:mc="http://schemas.openxmlformats.org/markup-compatibility/2006" xmlns:a14="http://schemas.microsoft.com/office/drawing/2007/7/7/main" val="000000" mc:Ignorable="">
+                    <a:alpha val="43137"/>
+                  </a:srgbClr>
+                </a:outerShdw>
+              </a:effectLst>
+              <a:uLnTx/>
+              <a:uFillTx/>
+              <a:latin typeface="+mn-lt"/>
+              <a:cs typeface="+mn-cs"/>
+            </a:endParaRPr>
+          </a:p>
+        </p:txBody>
+      </p:sp>
+      <p:sp>
+        <p:nvSpPr>
+          <p:cNvPr id="8" name="TextBox 7"/>
+          <p:cNvSpPr txBox="1"/>
+          <p:nvPr/>
+        </p:nvSpPr>
+        <p:spPr>
+          <a:xfrm>
+            <a:off x="7161170" y="4597677"/>
+            <a:ext cx="1090363" cy="991041"/>
+          </a:xfrm>
+          <a:prstGeom prst="rect">
+            <a:avLst/>
+          </a:prstGeom>
+          <a:noFill/>
+          <a:ln>
+            <a:noFill/>
+          </a:ln>
+        </p:spPr>
+        <p:txBody>
+          <a:bodyPr wrap="none" rtlCol="0">
+            <a:spAutoFit/>
+          </a:bodyPr>
+          <a:lstStyle/>
+          <a:p>
+            <a:pPr marL="0" marR="0" indent="0" algn="ctr" defTabSz="914400" rtl="0" eaLnBrk="1" fontAlgn="auto" latinLnBrk="0" hangingPunct="1">
+              <a:lnSpc>
+                <a:spcPct val="100000"/>
+              </a:lnSpc>
+              <a:spcBef>
+                <a:spcPct val="20000"/>
+              </a:spcBef>
+              <a:spcAft>
+                <a:spcPts val="0"/>
+              </a:spcAft>
+              <a:buClrTx/>
+              <a:buSzTx/>
+              <a:buFontTx/>
+              <a:buNone/>
+              <a:tabLst/>
+            </a:pPr>
+            <a:r>
+              <a:rPr kumimoji="0" lang="fr-FR" sz="2000" b="1" i="0" u="none" strike="noStrike" kern="0" cap="none" spc="0" normalizeH="0" baseline="0" noProof="0" dirty="0" err="1" smtClean="0">
+                <a:ln>
+                  <a:noFill/>
+                </a:ln>
+                <a:solidFill>
+                  <a:schemeClr val="accent6"/>
+                </a:solidFill>
+                <a:effectLst/>
+                <a:uLnTx/>
+                <a:uFillTx/>
+                <a:latin typeface="+mn-lt"/>
+                <a:ea typeface="+mn-ea"/>
+                <a:cs typeface="+mn-cs"/>
+              </a:rPr>
+              <a:t>Screen</a:t>
+            </a:r>
+            <a:r>
+              <a:rPr kumimoji="0" lang="fr-FR" sz="2000" b="1" i="0" u="none" strike="noStrike" kern="0" cap="none" spc="0" normalizeH="0" baseline="0" noProof="0" dirty="0" smtClean="0">
+                <a:ln>
+                  <a:noFill/>
+                </a:ln>
+                <a:solidFill>
+                  <a:schemeClr val="accent6"/>
+                </a:solidFill>
+                <a:effectLst/>
+                <a:uLnTx/>
+                <a:uFillTx/>
+                <a:latin typeface="+mn-lt"/>
+                <a:ea typeface="+mn-ea"/>
+                <a:cs typeface="+mn-cs"/>
+              </a:rPr>
+              <a:t> 3</a:t>
+            </a:r>
+          </a:p>
+          <a:p>
+            <a:pPr marL="0" marR="0" indent="0" algn="ctr" defTabSz="914400" rtl="0" eaLnBrk="1" fontAlgn="auto" latinLnBrk="0" hangingPunct="1">
+              <a:lnSpc>
+                <a:spcPct val="100000"/>
+              </a:lnSpc>
+              <a:spcBef>
+                <a:spcPct val="20000"/>
+              </a:spcBef>
+              <a:spcAft>
+                <a:spcPts val="0"/>
+              </a:spcAft>
+              <a:buClrTx/>
+              <a:buSzTx/>
+              <a:buFontTx/>
+              <a:buNone/>
+              <a:tabLst/>
+            </a:pPr>
+            <a:r>
+              <a:rPr lang="fr-FR" sz="3200" b="1" kern="0" dirty="0" smtClean="0">
+                <a:solidFill>
+                  <a:schemeClr val="accent6"/>
+                </a:solidFill>
+                <a:effectLst>
+                  <a:outerShdw blurRad="38100" dist="38100" dir="2700000" algn="tl">
+                    <a:srgbClr xmlns:mc="http://schemas.openxmlformats.org/markup-compatibility/2006" xmlns:a14="http://schemas.microsoft.com/office/drawing/2007/7/7/main" val="000000" mc:Ignorable="">
+                      <a:alpha val="43137"/>
+                    </a:srgbClr>
+                  </a:outerShdw>
+                </a:effectLst>
+                <a:latin typeface="+mn-lt"/>
+                <a:cs typeface="+mn-cs"/>
+              </a:rPr>
+              <a:t>Logs</a:t>
+            </a:r>
+            <a:endParaRPr kumimoji="0" lang="fr-FR" sz="3200" b="1" i="0" u="none" strike="noStrike" kern="0" cap="none" spc="0" normalizeH="0" baseline="0" noProof="0" dirty="0" smtClean="0">
+              <a:ln>
+                <a:noFill/>
+              </a:ln>
+              <a:solidFill>
+                <a:schemeClr val="accent6"/>
+              </a:solidFill>
+              <a:effectLst>
+                <a:outerShdw blurRad="38100" dist="38100" dir="2700000" algn="tl">
+                  <a:srgbClr xmlns:mc="http://schemas.openxmlformats.org/markup-compatibility/2006" xmlns:a14="http://schemas.microsoft.com/office/drawing/2007/7/7/main" val="000000" mc:Ignorable="">
+                    <a:alpha val="43137"/>
+                  </a:srgbClr>
+                </a:outerShdw>
+              </a:effectLst>
+              <a:uLnTx/>
+              <a:uFillTx/>
+              <a:latin typeface="+mn-lt"/>
+              <a:cs typeface="+mn-cs"/>
+            </a:endParaRPr>
           </a:p>
         </p:txBody>
       </p:sp>
@@ -12367,11 +12843,7 @@
             </a:pPr>
             <a:r>
               <a:rPr dirty="0" smtClean="0"/>
-              <a:t>Table of </a:t>
-            </a:r>
-            <a:r>
-              <a:rPr dirty="0" smtClean="0"/>
-              <a:t>Contents</a:t>
+              <a:t>Table of Contents</a:t>
             </a:r>
             <a:endParaRPr dirty="0"/>
           </a:p>
@@ -12471,9 +12943,6 @@
               </a:rPr>
               <a:t> (use-case model)</a:t>
             </a:r>
-            <a:endParaRPr lang="fr-FR" altLang="ko-KR" dirty="0" smtClean="0">
-              <a:ea typeface="굴림" charset="-127"/>
-            </a:endParaRPr>
           </a:p>
           <a:p>
             <a:pPr eaLnBrk="1" hangingPunct="1">
@@ -12555,9 +13024,6 @@
               </a:rPr>
               <a:t> &amp; design</a:t>
             </a:r>
-            <a:endParaRPr altLang="ko-KR" dirty="0" smtClean="0">
-              <a:ea typeface="굴림" charset="-127"/>
-            </a:endParaRPr>
           </a:p>
           <a:p>
             <a:pPr eaLnBrk="1" hangingPunct="1">
@@ -13897,29 +14363,8 @@
                   </a:outerShdw>
                 </a:effectLst>
               </a:rPr>
-              <a:t>Project </a:t>
-            </a:r>
-            <a:r>
-              <a:rPr lang="fr-FR" sz="2400" b="1" dirty="0" smtClean="0">
-                <a:effectLst>
-                  <a:outerShdw blurRad="38100" dist="38100" dir="2700000" algn="tl">
-                    <a:srgbClr xmlns:mc="http://schemas.openxmlformats.org/markup-compatibility/2006" xmlns:a14="http://schemas.microsoft.com/office/drawing/2007/7/7/main" val="000000" mc:Ignorable="">
-                      <a:alpha val="43137"/>
-                    </a:srgbClr>
-                  </a:outerShdw>
-                </a:effectLst>
-              </a:rPr>
-              <a:t>1</a:t>
-            </a:r>
-            <a:endParaRPr lang="fr-FR" sz="2400" b="1" dirty="0" smtClean="0">
-              <a:effectLst>
-                <a:outerShdw blurRad="38100" dist="38100" dir="2700000" algn="tl">
-                  <a:srgbClr xmlns:mc="http://schemas.openxmlformats.org/markup-compatibility/2006" xmlns:a14="http://schemas.microsoft.com/office/drawing/2007/7/7/main" val="000000" mc:Ignorable="">
-                    <a:alpha val="43137"/>
-                  </a:srgbClr>
-                </a:outerShdw>
-              </a:effectLst>
-            </a:endParaRPr>
+              <a:t>Project 1</a:t>
+            </a:r>
           </a:p>
         </p:txBody>
       </p:sp>
@@ -14094,6 +14539,43 @@
               <a:t>.</a:t>
             </a:r>
             <a:endParaRPr lang="en-US" sz="1600" dirty="0"/>
+          </a:p>
+          <a:p>
+            <a:endParaRPr lang="en-US" altLang="ko-KR" sz="1600" dirty="0" smtClean="0">
+              <a:ea typeface="굴림" charset="-127"/>
+            </a:endParaRPr>
+          </a:p>
+          <a:p>
+            <a:pPr lvl="0"/>
+            <a:r>
+              <a:rPr lang="en-US" sz="1600" u="sng" dirty="0">
+                <a:hlinkClick r:id="rId2"/>
+              </a:rPr>
+              <a:t>http://</a:t>
+            </a:r>
+            <a:r>
+              <a:rPr lang="en-US" sz="1600" u="sng" dirty="0" smtClean="0">
+                <a:hlinkClick r:id="rId2"/>
+              </a:rPr>
+              <a:t>www.bredemeyer.com/pdf_files/NonFunctReq.PDF</a:t>
+            </a:r>
+            <a:r>
+              <a:rPr lang="en-US" sz="1600" dirty="0" smtClean="0"/>
+              <a:t>,</a:t>
+            </a:r>
+            <a:r>
+              <a:rPr lang="fr-FR" sz="1600" dirty="0"/>
+              <a:t> </a:t>
+            </a:r>
+            <a:r>
+              <a:rPr lang="en-US" sz="1600" dirty="0" smtClean="0"/>
+              <a:t>about </a:t>
+            </a:r>
+            <a:r>
+              <a:rPr lang="en-US" sz="1600" dirty="0"/>
+              <a:t>non-function requirements</a:t>
+            </a:r>
+            <a:endParaRPr lang="fr-FR" sz="1600" dirty="0"/>
           </a:p>
           <a:p>
             <a:endParaRPr lang="en-US" altLang="ko-KR" sz="1600" dirty="0" smtClean="0">
@@ -14536,6 +15018,49 @@
           </a:p>
         </p:txBody>
       </p:sp>
+      <p:pic>
+        <p:nvPicPr>
+          <p:cNvPr id="5" name="Picture 2" descr="D:\Bureau\spacecraft1.jpg"/>
+          <p:cNvPicPr>
+            <a:picLocks noChangeAspect="1" noChangeArrowheads="1"/>
+          </p:cNvPicPr>
+          <p:nvPr/>
+        </p:nvPicPr>
+        <p:blipFill>
+          <a:blip r:embed="rId2" cstate="print"/>
+          <a:srcRect/>
+          <a:stretch>
+            <a:fillRect/>
+          </a:stretch>
+        </p:blipFill>
+        <p:spPr bwMode="auto">
+          <a:xfrm rot="376165">
+            <a:off x="6441122" y="1256731"/>
+            <a:ext cx="2510206" cy="1697273"/>
+          </a:xfrm>
+          <a:prstGeom prst="roundRect">
+            <a:avLst>
+              <a:gd name="adj" fmla="val 8594"/>
+            </a:avLst>
+          </a:prstGeom>
+          <a:solidFill>
+            <a:srgbClr xmlns:mc="http://schemas.openxmlformats.org/markup-compatibility/2006" xmlns:a14="http://schemas.microsoft.com/office/drawing/2007/7/7/main" val="FFFFFF" mc:Ignorable="">
+              <a:shade val="85000"/>
+            </a:srgbClr>
+          </a:solidFill>
+          <a:ln>
+            <a:noFill/>
+          </a:ln>
+          <a:effectLst>
+            <a:outerShdw blurRad="50800" dist="38100" dir="8100000" algn="tr" rotWithShape="0">
+              <a:prstClr val="black">
+                <a:alpha val="40000"/>
+              </a:prstClr>
+            </a:outerShdw>
+            <a:reflection blurRad="12700" stA="38000" endPos="28000" dist="5000" dir="5400000" sy="-100000" algn="bl" rotWithShape="0"/>
+          </a:effectLst>
+        </p:spPr>
+      </p:pic>
     </p:spTree>
     <p:extLst>
       <p:ext uri="{BB962C8B-B14F-4D97-AF65-F5344CB8AC3E}">

--- a/trunk/Project 1/Part Final/CS554_EuroTeam_Project1.pptx
+++ b/trunk/Project 1/Part Final/CS554_EuroTeam_Project1.pptx
@@ -2161,15 +2161,15 @@
     </dgm:pt>
   </dgm:ptLst>
   <dgm:cxnLst>
+    <dgm:cxn modelId="{1243EC71-5E7D-4C79-8704-ECBB153E68A6}" type="presOf" srcId="{5D0FFDA3-D15D-4CA2-8EFE-9EC8899DE1F5}" destId="{8241D08B-CB62-4962-9D9B-1D2183EA71DA}" srcOrd="0" destOrd="0" presId="urn:microsoft.com/office/officeart/2005/8/layout/hList3"/>
+    <dgm:cxn modelId="{D0830010-8404-4079-8A87-B903D6175051}" type="presOf" srcId="{ACBE8AEB-35DB-410A-ADBF-310666E7673F}" destId="{22A99387-A6D2-43E3-AF24-6FADF6F83837}" srcOrd="0" destOrd="0" presId="urn:microsoft.com/office/officeart/2005/8/layout/hList3"/>
+    <dgm:cxn modelId="{9470F95E-218E-46C8-AA4B-C00989CBD572}" srcId="{ACBE8AEB-35DB-410A-ADBF-310666E7673F}" destId="{5D0FFDA3-D15D-4CA2-8EFE-9EC8899DE1F5}" srcOrd="0" destOrd="0" parTransId="{A3C5E0B0-61D6-4B14-923B-AE59DC3B303B}" sibTransId="{3B6787F9-15E3-4A84-8556-E58B129391CE}"/>
     <dgm:cxn modelId="{1C367138-309B-4DC0-A5E4-ED5BF5BE92A3}" srcId="{ACBE8AEB-35DB-410A-ADBF-310666E7673F}" destId="{4365DE52-E75B-46CF-A8D4-AF910C52CA6B}" srcOrd="2" destOrd="0" parTransId="{1C7DE86A-33AB-4B0E-A01C-A0274405A7E0}" sibTransId="{1F7876FF-1296-47A3-9D0A-43540679CDE7}"/>
-    <dgm:cxn modelId="{5782D883-7ABF-495F-9F16-D8ACB573A0EE}" srcId="{9D494135-09CA-43EB-BFD9-20DB75AA542C}" destId="{ACBE8AEB-35DB-410A-ADBF-310666E7673F}" srcOrd="0" destOrd="0" parTransId="{1E35ABE8-2196-4DA1-8C90-7221860D6B0D}" sibTransId="{C6F29DB6-9F8E-4A11-8A71-6E071E0ADDEC}"/>
-    <dgm:cxn modelId="{1243EC71-5E7D-4C79-8704-ECBB153E68A6}" type="presOf" srcId="{5D0FFDA3-D15D-4CA2-8EFE-9EC8899DE1F5}" destId="{8241D08B-CB62-4962-9D9B-1D2183EA71DA}" srcOrd="0" destOrd="0" presId="urn:microsoft.com/office/officeart/2005/8/layout/hList3"/>
-    <dgm:cxn modelId="{1ED252CA-507D-404C-82E8-B2351F233BEB}" type="presOf" srcId="{9D494135-09CA-43EB-BFD9-20DB75AA542C}" destId="{E6657A53-48FF-420B-98E9-7F064B529D85}" srcOrd="0" destOrd="0" presId="urn:microsoft.com/office/officeart/2005/8/layout/hList3"/>
+    <dgm:cxn modelId="{554533F8-4688-45C6-A101-B13B7DA5EE15}" srcId="{ACBE8AEB-35DB-410A-ADBF-310666E7673F}" destId="{E7D032B1-869F-46B7-AAC1-1906493EC5B4}" srcOrd="1" destOrd="0" parTransId="{172A57E4-5BDA-416B-A087-9DCD0CC43916}" sibTransId="{70BABF1A-F8CA-4CBF-BBA9-0251CC5284A6}"/>
     <dgm:cxn modelId="{3764D938-70C6-4419-906F-AB46C2F234D9}" type="presOf" srcId="{E7D032B1-869F-46B7-AAC1-1906493EC5B4}" destId="{36A69038-D135-4966-B855-369C1C83C96F}" srcOrd="0" destOrd="0" presId="urn:microsoft.com/office/officeart/2005/8/layout/hList3"/>
     <dgm:cxn modelId="{1DBCA53E-5181-4A8C-8FC4-CAC47AF9E584}" type="presOf" srcId="{4365DE52-E75B-46CF-A8D4-AF910C52CA6B}" destId="{C9068F78-E09E-4543-A698-C5622D67FE22}" srcOrd="0" destOrd="0" presId="urn:microsoft.com/office/officeart/2005/8/layout/hList3"/>
-    <dgm:cxn modelId="{554533F8-4688-45C6-A101-B13B7DA5EE15}" srcId="{ACBE8AEB-35DB-410A-ADBF-310666E7673F}" destId="{E7D032B1-869F-46B7-AAC1-1906493EC5B4}" srcOrd="1" destOrd="0" parTransId="{172A57E4-5BDA-416B-A087-9DCD0CC43916}" sibTransId="{70BABF1A-F8CA-4CBF-BBA9-0251CC5284A6}"/>
-    <dgm:cxn modelId="{D0830010-8404-4079-8A87-B903D6175051}" type="presOf" srcId="{ACBE8AEB-35DB-410A-ADBF-310666E7673F}" destId="{22A99387-A6D2-43E3-AF24-6FADF6F83837}" srcOrd="0" destOrd="0" presId="urn:microsoft.com/office/officeart/2005/8/layout/hList3"/>
-    <dgm:cxn modelId="{9470F95E-218E-46C8-AA4B-C00989CBD572}" srcId="{ACBE8AEB-35DB-410A-ADBF-310666E7673F}" destId="{5D0FFDA3-D15D-4CA2-8EFE-9EC8899DE1F5}" srcOrd="0" destOrd="0" parTransId="{A3C5E0B0-61D6-4B14-923B-AE59DC3B303B}" sibTransId="{3B6787F9-15E3-4A84-8556-E58B129391CE}"/>
+    <dgm:cxn modelId="{1ED252CA-507D-404C-82E8-B2351F233BEB}" type="presOf" srcId="{9D494135-09CA-43EB-BFD9-20DB75AA542C}" destId="{E6657A53-48FF-420B-98E9-7F064B529D85}" srcOrd="0" destOrd="0" presId="urn:microsoft.com/office/officeart/2005/8/layout/hList3"/>
+    <dgm:cxn modelId="{5782D883-7ABF-495F-9F16-D8ACB573A0EE}" srcId="{9D494135-09CA-43EB-BFD9-20DB75AA542C}" destId="{ACBE8AEB-35DB-410A-ADBF-310666E7673F}" srcOrd="0" destOrd="0" parTransId="{1E35ABE8-2196-4DA1-8C90-7221860D6B0D}" sibTransId="{C6F29DB6-9F8E-4A11-8A71-6E071E0ADDEC}"/>
     <dgm:cxn modelId="{EA499AF1-251E-4BB4-A9CD-2C3B2E72C5AD}" type="presParOf" srcId="{E6657A53-48FF-420B-98E9-7F064B529D85}" destId="{22A99387-A6D2-43E3-AF24-6FADF6F83837}" srcOrd="0" destOrd="0" presId="urn:microsoft.com/office/officeart/2005/8/layout/hList3"/>
     <dgm:cxn modelId="{47B6DF35-E158-4379-8EE6-8F620371B5B2}" type="presParOf" srcId="{E6657A53-48FF-420B-98E9-7F064B529D85}" destId="{7EEC38D5-F24F-4C37-9A58-F8B1A282CD14}" srcOrd="1" destOrd="0" presId="urn:microsoft.com/office/officeart/2005/8/layout/hList3"/>
     <dgm:cxn modelId="{68629683-FB1C-4502-8D24-1477364C5740}" type="presParOf" srcId="{7EEC38D5-F24F-4C37-9A58-F8B1A282CD14}" destId="{8241D08B-CB62-4962-9D9B-1D2183EA71DA}" srcOrd="0" destOrd="0" presId="urn:microsoft.com/office/officeart/2005/8/layout/hList3"/>
@@ -2181,7 +2181,7 @@
   <dgm:whole/>
   <dgm:extLst>
     <a:ext uri="http://schemas.microsoft.com/office/drawing/2008/diagram">
-      <dsp:dataModelExt xmlns:dsp="http://schemas.microsoft.com/office/drawing/2008/diagram" relId="rId6" minVer="http://schemas.openxmlformats.org/drawingml/2006/diagram"/>
+      <dsp:dataModelExt xmlns:dsp="http://schemas.microsoft.com/office/drawing/2008/diagram" xmlns="" relId="rId6" minVer="http://schemas.openxmlformats.org/drawingml/2006/diagram"/>
     </a:ext>
   </dgm:extLst>
 </dgm:dataModel>
@@ -2559,17 +2559,17 @@
     </dgm:pt>
   </dgm:ptLst>
   <dgm:cxnLst>
+    <dgm:cxn modelId="{1CBF82AB-BF7B-4B92-BDC3-30FB2E34505E}" type="presOf" srcId="{605D1FB5-210C-400A-84F5-CC35A8B043CD}" destId="{516ADAB7-51A2-475F-9B07-19C15A498B8B}" srcOrd="0" destOrd="0" presId="urn:microsoft.com/office/officeart/2005/8/layout/hList9"/>
+    <dgm:cxn modelId="{27A5C3A7-FFEC-43DB-B588-ACAA917EC5C8}" srcId="{8D73F130-D4FE-4A3F-997E-91783F8E3C5A}" destId="{605D1FB5-210C-400A-84F5-CC35A8B043CD}" srcOrd="0" destOrd="0" parTransId="{1B1BDADB-A07A-4BF8-B109-8C6A50FCA85D}" sibTransId="{2E12EE24-BA26-4312-8130-60E8FCEDC966}"/>
+    <dgm:cxn modelId="{3458A928-9BA9-494A-BE54-33DE67BAA60E}" type="presOf" srcId="{F354600A-FA0F-41C5-BB41-5F47F1DD004C}" destId="{059821B1-0007-4BD2-8DF8-B0CE19FE433D}" srcOrd="0" destOrd="0" presId="urn:microsoft.com/office/officeart/2005/8/layout/hList9"/>
+    <dgm:cxn modelId="{5F7A4614-3D5C-49AC-8F54-AE7718054F93}" type="presOf" srcId="{F354600A-FA0F-41C5-BB41-5F47F1DD004C}" destId="{6F2621B6-EE9B-4C67-B676-9DA2A381AB51}" srcOrd="1" destOrd="0" presId="urn:microsoft.com/office/officeart/2005/8/layout/hList9"/>
+    <dgm:cxn modelId="{F2589879-376E-4214-97C2-32ED1D0B3340}" type="presOf" srcId="{F81607D8-20A8-4A19-9734-B55244566E51}" destId="{2E8A679C-8039-49E0-892C-C2D30B2F3D40}" srcOrd="0" destOrd="0" presId="urn:microsoft.com/office/officeart/2005/8/layout/hList9"/>
+    <dgm:cxn modelId="{C2AE079F-E677-46EA-B271-267DF46DF7DD}" srcId="{A4CD16CE-6FF8-4F5B-AA56-6CB89BBB69F9}" destId="{F81607D8-20A8-4A19-9734-B55244566E51}" srcOrd="1" destOrd="0" parTransId="{7ADCA484-D0D0-4850-AB77-532033927D0F}" sibTransId="{00B5D94F-4CF5-4537-BCFB-3CF754B77F10}"/>
+    <dgm:cxn modelId="{18EE1485-D2E5-4AA7-AF35-BC0B2D5505EC}" type="presOf" srcId="{605D1FB5-210C-400A-84F5-CC35A8B043CD}" destId="{BBE1B8DB-BA6E-42AB-84CC-21D3D717CF28}" srcOrd="1" destOrd="0" presId="urn:microsoft.com/office/officeart/2005/8/layout/hList9"/>
+    <dgm:cxn modelId="{52F81A1A-1771-4EB0-A5A2-6101A8D1E157}" srcId="{A4CD16CE-6FF8-4F5B-AA56-6CB89BBB69F9}" destId="{8D73F130-D4FE-4A3F-997E-91783F8E3C5A}" srcOrd="0" destOrd="0" parTransId="{8D55B929-D748-4020-9E50-F71AE1BF2180}" sibTransId="{63764104-D552-4B83-B394-ADE3D817BFA6}"/>
+    <dgm:cxn modelId="{10A24AD0-7A54-4679-9AA7-62D80A440BA7}" srcId="{F81607D8-20A8-4A19-9734-B55244566E51}" destId="{F354600A-FA0F-41C5-BB41-5F47F1DD004C}" srcOrd="0" destOrd="0" parTransId="{5CC45C8D-1D11-4FE9-85C2-2E10B61F566B}" sibTransId="{B16D21DD-C17C-47F9-9D34-274541494D98}"/>
+    <dgm:cxn modelId="{BB2F6249-B04A-475E-8420-C32498D56A1C}" type="presOf" srcId="{8D73F130-D4FE-4A3F-997E-91783F8E3C5A}" destId="{A5D57D14-3203-4073-944D-7AAE4755C0D5}" srcOrd="0" destOrd="0" presId="urn:microsoft.com/office/officeart/2005/8/layout/hList9"/>
     <dgm:cxn modelId="{E18BF595-3687-45BC-A5D6-94634170F3C4}" type="presOf" srcId="{A4CD16CE-6FF8-4F5B-AA56-6CB89BBB69F9}" destId="{5374C97F-BB9F-435F-A1D9-E5249B9981AF}" srcOrd="0" destOrd="0" presId="urn:microsoft.com/office/officeart/2005/8/layout/hList9"/>
-    <dgm:cxn modelId="{52F81A1A-1771-4EB0-A5A2-6101A8D1E157}" srcId="{A4CD16CE-6FF8-4F5B-AA56-6CB89BBB69F9}" destId="{8D73F130-D4FE-4A3F-997E-91783F8E3C5A}" srcOrd="0" destOrd="0" parTransId="{8D55B929-D748-4020-9E50-F71AE1BF2180}" sibTransId="{63764104-D552-4B83-B394-ADE3D817BFA6}"/>
-    <dgm:cxn modelId="{C2AE079F-E677-46EA-B271-267DF46DF7DD}" srcId="{A4CD16CE-6FF8-4F5B-AA56-6CB89BBB69F9}" destId="{F81607D8-20A8-4A19-9734-B55244566E51}" srcOrd="1" destOrd="0" parTransId="{7ADCA484-D0D0-4850-AB77-532033927D0F}" sibTransId="{00B5D94F-4CF5-4537-BCFB-3CF754B77F10}"/>
-    <dgm:cxn modelId="{10A24AD0-7A54-4679-9AA7-62D80A440BA7}" srcId="{F81607D8-20A8-4A19-9734-B55244566E51}" destId="{F354600A-FA0F-41C5-BB41-5F47F1DD004C}" srcOrd="0" destOrd="0" parTransId="{5CC45C8D-1D11-4FE9-85C2-2E10B61F566B}" sibTransId="{B16D21DD-C17C-47F9-9D34-274541494D98}"/>
-    <dgm:cxn modelId="{1CBF82AB-BF7B-4B92-BDC3-30FB2E34505E}" type="presOf" srcId="{605D1FB5-210C-400A-84F5-CC35A8B043CD}" destId="{516ADAB7-51A2-475F-9B07-19C15A498B8B}" srcOrd="0" destOrd="0" presId="urn:microsoft.com/office/officeart/2005/8/layout/hList9"/>
-    <dgm:cxn modelId="{3458A928-9BA9-494A-BE54-33DE67BAA60E}" type="presOf" srcId="{F354600A-FA0F-41C5-BB41-5F47F1DD004C}" destId="{059821B1-0007-4BD2-8DF8-B0CE19FE433D}" srcOrd="0" destOrd="0" presId="urn:microsoft.com/office/officeart/2005/8/layout/hList9"/>
-    <dgm:cxn modelId="{BB2F6249-B04A-475E-8420-C32498D56A1C}" type="presOf" srcId="{8D73F130-D4FE-4A3F-997E-91783F8E3C5A}" destId="{A5D57D14-3203-4073-944D-7AAE4755C0D5}" srcOrd="0" destOrd="0" presId="urn:microsoft.com/office/officeart/2005/8/layout/hList9"/>
-    <dgm:cxn modelId="{18EE1485-D2E5-4AA7-AF35-BC0B2D5505EC}" type="presOf" srcId="{605D1FB5-210C-400A-84F5-CC35A8B043CD}" destId="{BBE1B8DB-BA6E-42AB-84CC-21D3D717CF28}" srcOrd="1" destOrd="0" presId="urn:microsoft.com/office/officeart/2005/8/layout/hList9"/>
-    <dgm:cxn modelId="{5F7A4614-3D5C-49AC-8F54-AE7718054F93}" type="presOf" srcId="{F354600A-FA0F-41C5-BB41-5F47F1DD004C}" destId="{6F2621B6-EE9B-4C67-B676-9DA2A381AB51}" srcOrd="1" destOrd="0" presId="urn:microsoft.com/office/officeart/2005/8/layout/hList9"/>
-    <dgm:cxn modelId="{27A5C3A7-FFEC-43DB-B588-ACAA917EC5C8}" srcId="{8D73F130-D4FE-4A3F-997E-91783F8E3C5A}" destId="{605D1FB5-210C-400A-84F5-CC35A8B043CD}" srcOrd="0" destOrd="0" parTransId="{1B1BDADB-A07A-4BF8-B109-8C6A50FCA85D}" sibTransId="{2E12EE24-BA26-4312-8130-60E8FCEDC966}"/>
-    <dgm:cxn modelId="{F2589879-376E-4214-97C2-32ED1D0B3340}" type="presOf" srcId="{F81607D8-20A8-4A19-9734-B55244566E51}" destId="{2E8A679C-8039-49E0-892C-C2D30B2F3D40}" srcOrd="0" destOrd="0" presId="urn:microsoft.com/office/officeart/2005/8/layout/hList9"/>
     <dgm:cxn modelId="{7BDB378F-C8B4-44E9-AC0E-C305C211855D}" type="presParOf" srcId="{5374C97F-BB9F-435F-A1D9-E5249B9981AF}" destId="{4306F6C7-F29A-44DE-BDEE-37BD6E8601F2}" srcOrd="0" destOrd="0" presId="urn:microsoft.com/office/officeart/2005/8/layout/hList9"/>
     <dgm:cxn modelId="{AA9706AF-FEAC-4884-8CFF-1451CC709BBB}" type="presParOf" srcId="{5374C97F-BB9F-435F-A1D9-E5249B9981AF}" destId="{DF24BEE9-57AA-491D-83C3-892959C63237}" srcOrd="1" destOrd="0" presId="urn:microsoft.com/office/officeart/2005/8/layout/hList9"/>
     <dgm:cxn modelId="{D005810B-D4D1-4BBA-9B80-788F62AC3DDB}" type="presParOf" srcId="{DF24BEE9-57AA-491D-83C3-892959C63237}" destId="{8D80059E-51C1-4499-89EA-CFB623FEEC83}" srcOrd="0" destOrd="0" presId="urn:microsoft.com/office/officeart/2005/8/layout/hList9"/>
@@ -2592,7 +2592,7 @@
   <dgm:whole/>
   <dgm:extLst>
     <a:ext uri="http://schemas.microsoft.com/office/drawing/2008/diagram">
-      <dsp:dataModelExt xmlns:dsp="http://schemas.microsoft.com/office/drawing/2008/diagram" relId="rId6" minVer="http://schemas.openxmlformats.org/drawingml/2006/diagram"/>
+      <dsp:dataModelExt xmlns:dsp="http://schemas.microsoft.com/office/drawing/2008/diagram" xmlns="" relId="rId6" minVer="http://schemas.openxmlformats.org/drawingml/2006/diagram"/>
     </a:ext>
   </dgm:extLst>
 </dgm:dataModel>
@@ -6378,7 +6378,7 @@
               <a:pPr>
                 <a:defRPr/>
               </a:pPr>
-              <a:t>13/10/2009</a:t>
+              <a:t>14/10/2009</a:t>
             </a:fld>
             <a:endParaRPr lang="fr-FR" altLang="ko-KR"/>
           </a:p>
@@ -6466,7 +6466,7 @@
               <a:pPr>
                 <a:defRPr/>
               </a:pPr>
-              <a:t>‹#›</a:t>
+              <a:t>‹N°›</a:t>
             </a:fld>
             <a:endParaRPr lang="fr-FR" altLang="ko-KR"/>
           </a:p>
@@ -6475,7 +6475,7 @@
     </p:spTree>
     <p:extLst>
       <p:ext uri="{BB962C8B-B14F-4D97-AF65-F5344CB8AC3E}">
-        <p14:creationId xmlns:p14="http://schemas.microsoft.com/office/powerpoint/2007/7/12/main" val="3216856891"/>
+        <p14:creationId xmlns:p14="http://schemas.microsoft.com/office/powerpoint/2007/7/12/main" xmlns="" val="3216856891"/>
       </p:ext>
     </p:extLst>
   </p:cSld>
@@ -6587,7 +6587,7 @@
               <a:pPr>
                 <a:defRPr/>
               </a:pPr>
-              <a:t>13/10/2009</a:t>
+              <a:t>14/10/2009</a:t>
             </a:fld>
             <a:endParaRPr lang="fr-FR" altLang="ko-KR"/>
           </a:p>
@@ -6771,7 +6771,7 @@
               <a:pPr>
                 <a:defRPr/>
               </a:pPr>
-              <a:t>‹#›</a:t>
+              <a:t>‹N°›</a:t>
             </a:fld>
             <a:endParaRPr lang="fr-FR" altLang="ko-KR"/>
           </a:p>
@@ -6780,7 +6780,7 @@
     </p:spTree>
     <p:extLst>
       <p:ext uri="{BB962C8B-B14F-4D97-AF65-F5344CB8AC3E}">
-        <p14:creationId xmlns:p14="http://schemas.microsoft.com/office/powerpoint/2007/7/12/main" val="3483236166"/>
+        <p14:creationId xmlns:p14="http://schemas.microsoft.com/office/powerpoint/2007/7/12/main" xmlns="" val="3483236166"/>
       </p:ext>
     </p:extLst>
   </p:cSld>
@@ -6983,7 +6983,7 @@
             </a:pPr>
             <a:endParaRPr lang="ko-KR" altLang="ko-KR">
               <a:solidFill>
-                <a:srgbClr xmlns:mc="http://schemas.openxmlformats.org/markup-compatibility/2006" xmlns:a14="http://schemas.microsoft.com/office/drawing/2007/7/7/main" val="000000" mc:Ignorable=""/>
+                <a:srgbClr val="000000"/>
               </a:solidFill>
               <a:cs typeface="Arial" charset="0"/>
             </a:endParaRPr>
@@ -7042,7 +7042,7 @@
             </a:pPr>
             <a:endParaRPr lang="ko-KR" altLang="ko-KR">
               <a:solidFill>
-                <a:srgbClr xmlns:mc="http://schemas.openxmlformats.org/markup-compatibility/2006" xmlns:a14="http://schemas.microsoft.com/office/drawing/2007/7/7/main" val="000000" mc:Ignorable=""/>
+                <a:srgbClr val="000000"/>
               </a:solidFill>
               <a:cs typeface="Arial" charset="0"/>
             </a:endParaRPr>
@@ -7103,7 +7103,7 @@
             </a:pPr>
             <a:endParaRPr lang="ko-KR" altLang="ko-KR">
               <a:solidFill>
-                <a:srgbClr xmlns:mc="http://schemas.openxmlformats.org/markup-compatibility/2006" xmlns:a14="http://schemas.microsoft.com/office/drawing/2007/7/7/main" val="000000" mc:Ignorable=""/>
+                <a:srgbClr val="000000"/>
               </a:solidFill>
               <a:cs typeface="Arial" charset="0"/>
             </a:endParaRPr>
@@ -7179,7 +7179,7 @@
               <a:defRPr/>
             </a:pPr>
             <a:r>
-              <a:rPr sz="1800" b="0" dirty="0" err="1" smtClean="0">
+              <a:rPr sz="1800" b="0" err="1" smtClean="0">
                 <a:solidFill>
                   <a:schemeClr val="bg1">
                     <a:lumMod val="50000"/>
@@ -7191,7 +7191,7 @@
               <a:t>October</a:t>
             </a:r>
             <a:r>
-              <a:rPr sz="1800" b="0" baseline="0" dirty="0" smtClean="0">
+              <a:rPr sz="1800" b="0" baseline="0" smtClean="0">
                 <a:solidFill>
                   <a:schemeClr val="bg1">
                     <a:lumMod val="50000"/>
@@ -7200,10 +7200,10 @@
                 <a:latin typeface="+mn-lt"/>
                 <a:cs typeface="+mn-cs"/>
               </a:rPr>
-              <a:t> 15st</a:t>
-            </a:r>
-            <a:r>
-              <a:rPr sz="1800" b="0" dirty="0" smtClean="0">
+              <a:t> </a:t>
+            </a:r>
+            <a:r>
+              <a:rPr sz="1800" b="0" baseline="0" smtClean="0">
                 <a:solidFill>
                   <a:schemeClr val="bg1">
                     <a:lumMod val="50000"/>
@@ -7212,7 +7212,31 @@
                 <a:latin typeface="+mn-lt"/>
                 <a:cs typeface="+mn-cs"/>
               </a:rPr>
-              <a:t>, 2009</a:t>
+              <a:t>15th</a:t>
+            </a:r>
+            <a:r>
+              <a:rPr sz="1800" b="0" smtClean="0">
+                <a:solidFill>
+                  <a:schemeClr val="bg1">
+                    <a:lumMod val="50000"/>
+                  </a:schemeClr>
+                </a:solidFill>
+                <a:latin typeface="+mn-lt"/>
+                <a:cs typeface="+mn-cs"/>
+              </a:rPr>
+              <a:t>, </a:t>
+            </a:r>
+            <a:r>
+              <a:rPr sz="1800" b="0" dirty="0" smtClean="0">
+                <a:solidFill>
+                  <a:schemeClr val="bg1">
+                    <a:lumMod val="50000"/>
+                  </a:schemeClr>
+                </a:solidFill>
+                <a:latin typeface="+mn-lt"/>
+                <a:cs typeface="+mn-cs"/>
+              </a:rPr>
+              <a:t>2009</a:t>
             </a:r>
             <a:endParaRPr sz="1800" b="0" kern="0" dirty="0">
               <a:solidFill>
@@ -7431,7 +7455,7 @@
   <p:timing>
     <p:tnLst>
       <p:par>
-        <p:cTn xmlns:p14="http://schemas.microsoft.com/office/powerpoint/2007/7/12/main" id="1" dur="indefinite" restart="never" nodeType="tmRoot"/>
+        <p:cTn id="1" dur="indefinite" restart="never" nodeType="tmRoot"/>
       </p:par>
     </p:tnLst>
   </p:timing>
@@ -7507,7 +7531,7 @@
             </a:pPr>
             <a:endParaRPr lang="ko-KR" altLang="ko-KR">
               <a:solidFill>
-                <a:srgbClr xmlns:mc="http://schemas.openxmlformats.org/markup-compatibility/2006" xmlns:a14="http://schemas.microsoft.com/office/drawing/2007/7/7/main" val="000000" mc:Ignorable=""/>
+                <a:srgbClr val="000000"/>
               </a:solidFill>
               <a:cs typeface="Arial" charset="0"/>
             </a:endParaRPr>
@@ -7568,7 +7592,7 @@
             </a:pPr>
             <a:endParaRPr lang="ko-KR" altLang="ko-KR">
               <a:solidFill>
-                <a:srgbClr xmlns:mc="http://schemas.openxmlformats.org/markup-compatibility/2006" xmlns:a14="http://schemas.microsoft.com/office/drawing/2007/7/7/main" val="000000" mc:Ignorable=""/>
+                <a:srgbClr val="000000"/>
               </a:solidFill>
               <a:cs typeface="Arial" charset="0"/>
             </a:endParaRPr>
@@ -7665,7 +7689,7 @@
           <a:lstStyle>
             <a:lvl1pPr marL="0" indent="354013">
               <a:buClr>
-                <a:srgbClr xmlns:mc="http://schemas.openxmlformats.org/markup-compatibility/2006" xmlns:a14="http://schemas.microsoft.com/office/drawing/2007/7/7/main" val="DA7E18" mc:Ignorable=""/>
+                <a:srgbClr val="DA7E18"/>
               </a:buClr>
               <a:buSzPct val="120000"/>
               <a:buFont typeface="+mj-lt"/>
@@ -7674,7 +7698,7 @@
             </a:lvl1pPr>
             <a:lvl2pPr marL="633413" indent="354013">
               <a:buClr>
-                <a:srgbClr xmlns:mc="http://schemas.openxmlformats.org/markup-compatibility/2006" xmlns:a14="http://schemas.microsoft.com/office/drawing/2007/7/7/main" val="E5AB1B" mc:Ignorable=""/>
+                <a:srgbClr val="E5AB1B"/>
               </a:buClr>
               <a:buSzPct val="120000"/>
               <a:buFont typeface="+mj-lt"/>
@@ -7745,7 +7769,7 @@
   <p:timing>
     <p:tnLst>
       <p:par>
-        <p:cTn xmlns:p14="http://schemas.microsoft.com/office/powerpoint/2007/7/12/main" id="1" dur="indefinite" restart="never" nodeType="tmRoot"/>
+        <p:cTn id="1" dur="indefinite" restart="never" nodeType="tmRoot"/>
       </p:par>
     </p:tnLst>
   </p:timing>
@@ -7814,7 +7838,7 @@
             </a:pPr>
             <a:endParaRPr lang="ko-KR" altLang="ko-KR">
               <a:solidFill>
-                <a:srgbClr xmlns:mc="http://schemas.openxmlformats.org/markup-compatibility/2006" xmlns:a14="http://schemas.microsoft.com/office/drawing/2007/7/7/main" val="000000" mc:Ignorable=""/>
+                <a:srgbClr val="000000"/>
               </a:solidFill>
               <a:cs typeface="Arial" charset="0"/>
             </a:endParaRPr>
@@ -7847,7 +7871,7 @@
             </a:pPr>
             <a:endParaRPr lang="ko-KR" altLang="ko-KR" sz="1100" b="1">
               <a:solidFill>
-                <a:srgbClr xmlns:mc="http://schemas.openxmlformats.org/markup-compatibility/2006" xmlns:a14="http://schemas.microsoft.com/office/drawing/2007/7/7/main" val="A0A0A0" mc:Ignorable=""/>
+                <a:srgbClr val="A0A0A0"/>
               </a:solidFill>
               <a:latin typeface="Calibri" pitchFamily="34" charset="0"/>
             </a:endParaRPr>
@@ -7942,7 +7966,7 @@
           <a:lstStyle>
             <a:lvl1pPr marL="0" indent="354013">
               <a:buClr>
-                <a:srgbClr xmlns:mc="http://schemas.openxmlformats.org/markup-compatibility/2006" xmlns:a14="http://schemas.microsoft.com/office/drawing/2007/7/7/main" val="DA7E18" mc:Ignorable=""/>
+                <a:srgbClr val="DA7E18"/>
               </a:buClr>
               <a:buSzPct val="70000"/>
               <a:buFont typeface="Wingdings" pitchFamily="2" charset="2"/>
@@ -7951,7 +7975,7 @@
             </a:lvl1pPr>
             <a:lvl2pPr>
               <a:buClr>
-                <a:srgbClr xmlns:mc="http://schemas.openxmlformats.org/markup-compatibility/2006" xmlns:a14="http://schemas.microsoft.com/office/drawing/2007/7/7/main" val="E5AB1B" mc:Ignorable=""/>
+                <a:srgbClr val="E5AB1B"/>
               </a:buClr>
               <a:buSzPct val="70000"/>
               <a:buFont typeface="Wingdings" pitchFamily="2" charset="2"/>
@@ -8022,7 +8046,7 @@
   <p:timing>
     <p:tnLst>
       <p:par>
-        <p:cTn xmlns:p14="http://schemas.microsoft.com/office/powerpoint/2007/7/12/main" id="1" dur="indefinite" restart="never" nodeType="tmRoot"/>
+        <p:cTn id="1" dur="indefinite" restart="never" nodeType="tmRoot"/>
       </p:par>
     </p:tnLst>
   </p:timing>
@@ -8345,7 +8369,29 @@
                 </a:solidFill>
                 <a:latin typeface="+mn-lt"/>
               </a:rPr>
-              <a:t> 15st, 2009</a:t>
+              <a:t> </a:t>
+            </a:r>
+            <a:r>
+              <a:rPr lang="fr-FR" sz="1050" b="1" baseline="0" dirty="0" smtClean="0">
+                <a:solidFill>
+                  <a:schemeClr val="bg1">
+                    <a:lumMod val="50000"/>
+                  </a:schemeClr>
+                </a:solidFill>
+                <a:latin typeface="+mn-lt"/>
+              </a:rPr>
+              <a:t>15th, </a:t>
+            </a:r>
+            <a:r>
+              <a:rPr lang="fr-FR" sz="1050" b="1" baseline="0" dirty="0" smtClean="0">
+                <a:solidFill>
+                  <a:schemeClr val="bg1">
+                    <a:lumMod val="50000"/>
+                  </a:schemeClr>
+                </a:solidFill>
+                <a:latin typeface="+mn-lt"/>
+              </a:rPr>
+              <a:t>2009</a:t>
             </a:r>
           </a:p>
           <a:p>
@@ -8497,16 +8543,16 @@
               <a:defRPr sz="3600" b="0" cap="none" spc="0">
                 <a:ln w="18415" cmpd="sng">
                   <a:solidFill>
-                    <a:srgbClr xmlns:mc="http://schemas.openxmlformats.org/markup-compatibility/2006" xmlns:a14="http://schemas.microsoft.com/office/drawing/2007/7/7/main" val="FFFFFF" mc:Ignorable=""/>
+                    <a:srgbClr val="FFFFFF"/>
                   </a:solidFill>
                   <a:prstDash val="solid"/>
                 </a:ln>
                 <a:solidFill>
-                  <a:srgbClr xmlns:mc="http://schemas.openxmlformats.org/markup-compatibility/2006" xmlns:a14="http://schemas.microsoft.com/office/drawing/2007/7/7/main" val="FFFFFF" mc:Ignorable=""/>
+                  <a:srgbClr val="FFFFFF"/>
                 </a:solidFill>
                 <a:effectLst>
                   <a:outerShdw blurRad="63500" dir="3600000" algn="tl" rotWithShape="0">
-                    <a:srgbClr xmlns:mc="http://schemas.openxmlformats.org/markup-compatibility/2006" xmlns:a14="http://schemas.microsoft.com/office/drawing/2007/7/7/main" val="000000" mc:Ignorable="">
+                    <a:srgbClr val="000000">
                       <a:alpha val="70000"/>
                     </a:srgbClr>
                   </a:outerShdw>
@@ -8646,7 +8692,7 @@
             </a:avLst>
           </a:prstGeom>
           <a:solidFill>
-            <a:srgbClr xmlns:mc="http://schemas.openxmlformats.org/markup-compatibility/2006" xmlns:a14="http://schemas.microsoft.com/office/drawing/2007/7/7/main" val="FFFFFF" mc:Ignorable="">
+            <a:srgbClr val="FFFFFF">
               <a:shade val="85000"/>
             </a:srgbClr>
           </a:solidFill>
@@ -8670,7 +8716,7 @@
           <a:blip r:embed="rId4">
             <a:extLst>
               <a:ext uri="28A0092B-C50C-407e-A947-70E740481C1C">
-                <a14:useLocalDpi xmlns:a14="http://schemas.microsoft.com/office/drawing/2007/7/7/main" val="0"/>
+                <a14:useLocalDpi xmlns:a14="http://schemas.microsoft.com/office/drawing/2007/7/7/main" xmlns="" val="0"/>
               </a:ext>
             </a:extLst>
           </a:blip>
@@ -8690,14 +8736,14 @@
           <a:noFill/>
           <a:extLst>
             <a:ext uri="{909E8E84-426E-40dd-AFC4-6F175D3DCCD1}">
-              <a14:hiddenFill xmlns:a14="http://schemas.microsoft.com/office/drawing/2007/7/7/main">
+              <a14:hiddenFill xmlns:a14="http://schemas.microsoft.com/office/drawing/2007/7/7/main" xmlns="">
                 <a:solidFill>
                   <a:schemeClr val="accent1"/>
                 </a:solidFill>
               </a14:hiddenFill>
             </a:ext>
             <a:ext uri="{91240B29-F687-4f45-9708-019B960494DF}">
-              <a14:hiddenLine xmlns:a14="http://schemas.microsoft.com/office/drawing/2007/7/7/main" w="9525">
+              <a14:hiddenLine xmlns:a14="http://schemas.microsoft.com/office/drawing/2007/7/7/main" xmlns="" w="9525">
                 <a:solidFill>
                   <a:schemeClr val="tx1"/>
                 </a:solidFill>
@@ -8707,7 +8753,7 @@
               </a14:hiddenLine>
             </a:ext>
             <a:ext uri="{AF507438-7753-43e0-B8FC-AC1667EBCBE1}">
-              <a14:hiddenEffects xmlns:a14="http://schemas.microsoft.com/office/drawing/2007/7/7/main">
+              <a14:hiddenEffects xmlns:a14="http://schemas.microsoft.com/office/drawing/2007/7/7/main" xmlns="">
                 <a:effectLst>
                   <a:outerShdw dist="35921" dir="2700000" algn="ctr" rotWithShape="0">
                     <a:schemeClr val="bg2"/>
@@ -8721,7 +8767,7 @@
     </p:spTree>
     <p:extLst>
       <p:ext uri="{BB962C8B-B14F-4D97-AF65-F5344CB8AC3E}">
-        <p14:creationId xmlns:p14="http://schemas.microsoft.com/office/powerpoint/2007/7/12/main" val="1066328049"/>
+        <p14:creationId xmlns:p14="http://schemas.microsoft.com/office/powerpoint/2007/7/12/main" xmlns="" val="1066328049"/>
       </p:ext>
     </p:extLst>
   </p:cSld>
@@ -8731,7 +8777,7 @@
   <p:timing>
     <p:tnLst>
       <p:par>
-        <p:cTn xmlns:p14="http://schemas.microsoft.com/office/powerpoint/2007/7/12/main" id="1" dur="indefinite" restart="never" nodeType="tmRoot"/>
+        <p:cTn id="1" dur="indefinite" restart="never" nodeType="tmRoot"/>
       </p:par>
     </p:tnLst>
   </p:timing>
@@ -8814,7 +8860,7 @@
             </a:pPr>
             <a:endParaRPr lang="ko-KR" altLang="ko-KR">
               <a:solidFill>
-                <a:srgbClr xmlns:mc="http://schemas.openxmlformats.org/markup-compatibility/2006" xmlns:a14="http://schemas.microsoft.com/office/drawing/2007/7/7/main" val="000000" mc:Ignorable=""/>
+                <a:srgbClr val="000000"/>
               </a:solidFill>
               <a:cs typeface="Arial" charset="0"/>
             </a:endParaRPr>
@@ -8873,7 +8919,7 @@
             </a:pPr>
             <a:endParaRPr lang="ko-KR" altLang="ko-KR">
               <a:solidFill>
-                <a:srgbClr xmlns:mc="http://schemas.openxmlformats.org/markup-compatibility/2006" xmlns:a14="http://schemas.microsoft.com/office/drawing/2007/7/7/main" val="000000" mc:Ignorable=""/>
+                <a:srgbClr val="000000"/>
               </a:solidFill>
               <a:cs typeface="Arial" charset="0"/>
             </a:endParaRPr>
@@ -8932,7 +8978,7 @@
             </a:pPr>
             <a:endParaRPr lang="ko-KR" altLang="ko-KR">
               <a:solidFill>
-                <a:srgbClr xmlns:mc="http://schemas.openxmlformats.org/markup-compatibility/2006" xmlns:a14="http://schemas.microsoft.com/office/drawing/2007/7/7/main" val="000000" mc:Ignorable=""/>
+                <a:srgbClr val="000000"/>
               </a:solidFill>
               <a:cs typeface="Arial" charset="0"/>
             </a:endParaRPr>
@@ -8965,7 +9011,7 @@
             </a:pPr>
             <a:endParaRPr lang="ko-KR" altLang="ko-KR" sz="1100" b="1">
               <a:solidFill>
-                <a:srgbClr xmlns:mc="http://schemas.openxmlformats.org/markup-compatibility/2006" xmlns:a14="http://schemas.microsoft.com/office/drawing/2007/7/7/main" val="A0A0A0" mc:Ignorable=""/>
+                <a:srgbClr val="A0A0A0"/>
               </a:solidFill>
               <a:latin typeface="Calibri" pitchFamily="34" charset="0"/>
             </a:endParaRPr>
@@ -9080,7 +9126,7 @@
             <a:r>
               <a:rPr lang="fr-FR" altLang="ko-KR" sz="900" dirty="0" smtClean="0">
                 <a:solidFill>
-                  <a:srgbClr xmlns:mc="http://schemas.openxmlformats.org/markup-compatibility/2006" xmlns:a14="http://schemas.microsoft.com/office/drawing/2007/7/7/main" val="7F7F7F" mc:Ignorable=""/>
+                  <a:srgbClr val="7F7F7F"/>
                 </a:solidFill>
                 <a:ea typeface="굴림" charset="-127"/>
               </a:rPr>
@@ -9089,7 +9135,7 @@
             <a:r>
               <a:rPr lang="fr-FR" altLang="ko-KR" sz="900" baseline="0" dirty="0" smtClean="0">
                 <a:solidFill>
-                  <a:srgbClr xmlns:mc="http://schemas.openxmlformats.org/markup-compatibility/2006" xmlns:a14="http://schemas.microsoft.com/office/drawing/2007/7/7/main" val="7F7F7F" mc:Ignorable=""/>
+                  <a:srgbClr val="7F7F7F"/>
                 </a:solidFill>
                 <a:ea typeface="굴림" charset="-127"/>
               </a:rPr>
@@ -9097,7 +9143,7 @@
             </a:r>
             <a:endParaRPr lang="fr-FR" altLang="ko-KR" sz="900" dirty="0">
               <a:solidFill>
-                <a:srgbClr xmlns:mc="http://schemas.openxmlformats.org/markup-compatibility/2006" xmlns:a14="http://schemas.microsoft.com/office/drawing/2007/7/7/main" val="7F7F7F" mc:Ignorable=""/>
+                <a:srgbClr val="7F7F7F"/>
               </a:solidFill>
               <a:ea typeface="굴림" charset="-127"/>
             </a:endParaRPr>
@@ -9163,7 +9209,7 @@
                 </a:spcAft>
                 <a:defRPr/>
               </a:pPr>
-              <a:t>‹#›</a:t>
+              <a:t>‹N°›</a:t>
             </a:fld>
             <a:r>
               <a:rPr lang="fr-FR" sz="1100" b="1" kern="0" dirty="0" smtClean="0">
@@ -9262,7 +9308,7 @@
             <a:r>
               <a:rPr lang="fr-FR" altLang="ko-KR" sz="1000" dirty="0" err="1" smtClean="0">
                 <a:solidFill>
-                  <a:srgbClr xmlns:mc="http://schemas.openxmlformats.org/markup-compatibility/2006" xmlns:a14="http://schemas.microsoft.com/office/drawing/2007/7/7/main" val="7F7F7F" mc:Ignorable=""/>
+                  <a:srgbClr val="7F7F7F"/>
                 </a:solidFill>
                 <a:latin typeface="Calibri" pitchFamily="34" charset="0"/>
                 <a:ea typeface="굴림" charset="-127"/>
@@ -9272,7 +9318,7 @@
             <a:r>
               <a:rPr lang="fr-FR" altLang="ko-KR" sz="1000" baseline="0" dirty="0" smtClean="0">
                 <a:solidFill>
-                  <a:srgbClr xmlns:mc="http://schemas.openxmlformats.org/markup-compatibility/2006" xmlns:a14="http://schemas.microsoft.com/office/drawing/2007/7/7/main" val="7F7F7F" mc:Ignorable=""/>
+                  <a:srgbClr val="7F7F7F"/>
                 </a:solidFill>
                 <a:latin typeface="Calibri" pitchFamily="34" charset="0"/>
                 <a:ea typeface="굴림" charset="-127"/>
@@ -9282,7 +9328,7 @@
             <a:r>
               <a:rPr lang="fr-FR" altLang="ko-KR" sz="1000" dirty="0" smtClean="0">
                 <a:solidFill>
-                  <a:srgbClr xmlns:mc="http://schemas.openxmlformats.org/markup-compatibility/2006" xmlns:a14="http://schemas.microsoft.com/office/drawing/2007/7/7/main" val="7F7F7F" mc:Ignorable=""/>
+                  <a:srgbClr val="7F7F7F"/>
                 </a:solidFill>
                 <a:latin typeface="Calibri" pitchFamily="34" charset="0"/>
                 <a:ea typeface="굴림" charset="-127"/>
@@ -9292,7 +9338,7 @@
             <a:r>
               <a:rPr lang="fr-FR" altLang="ko-KR" sz="1000" dirty="0">
                 <a:solidFill>
-                  <a:srgbClr xmlns:mc="http://schemas.openxmlformats.org/markup-compatibility/2006" xmlns:a14="http://schemas.microsoft.com/office/drawing/2007/7/7/main" val="7F7F7F" mc:Ignorable=""/>
+                  <a:srgbClr val="7F7F7F"/>
                 </a:solidFill>
                 <a:latin typeface="Calibri" pitchFamily="34" charset="0"/>
                 <a:ea typeface="굴림" charset="-127"/>
@@ -9301,7 +9347,7 @@
             </a:r>
             <a:endParaRPr lang="fr-FR" altLang="ko-KR" sz="900" dirty="0">
               <a:solidFill>
-                <a:srgbClr xmlns:mc="http://schemas.openxmlformats.org/markup-compatibility/2006" xmlns:a14="http://schemas.microsoft.com/office/drawing/2007/7/7/main" val="7F7F7F" mc:Ignorable=""/>
+                <a:srgbClr val="7F7F7F"/>
               </a:solidFill>
               <a:latin typeface="Calibri" pitchFamily="34" charset="0"/>
               <a:ea typeface="굴림" charset="-127"/>
@@ -9321,7 +9367,7 @@
   <p:timing>
     <p:tnLst>
       <p:par>
-        <p:cTn xmlns:p14="http://schemas.microsoft.com/office/powerpoint/2007/7/12/main" id="1" dur="indefinite" restart="never" nodeType="tmRoot"/>
+        <p:cTn id="1" dur="indefinite" restart="never" nodeType="tmRoot"/>
       </p:par>
     </p:tnLst>
   </p:timing>
@@ -9743,11 +9789,11 @@
             <a:r>
               <a:rPr altLang="ko-KR" dirty="0" smtClean="0">
                 <a:solidFill>
-                  <a:srgbClr xmlns:mc="http://schemas.openxmlformats.org/markup-compatibility/2006" xmlns:a14="http://schemas.microsoft.com/office/drawing/2007/7/7/main" val="C44F00" mc:Ignorable=""/>
+                  <a:srgbClr val="C44F00"/>
                 </a:solidFill>
                 <a:effectLst>
                   <a:outerShdw blurRad="38100" dist="38100" dir="2700000" algn="tl">
-                    <a:srgbClr xmlns:mc="http://schemas.openxmlformats.org/markup-compatibility/2006" xmlns:a14="http://schemas.microsoft.com/office/drawing/2007/7/7/main" val="C0C0C0" mc:Ignorable=""/>
+                    <a:srgbClr val="C0C0C0"/>
                   </a:outerShdw>
                 </a:effectLst>
                 <a:ea typeface="굴림" charset="-127"/>
@@ -9762,11 +9808,11 @@
             <a:r>
               <a:rPr altLang="ko-KR" dirty="0" smtClean="0">
                 <a:solidFill>
-                  <a:srgbClr xmlns:mc="http://schemas.openxmlformats.org/markup-compatibility/2006" xmlns:a14="http://schemas.microsoft.com/office/drawing/2007/7/7/main" val="595959" mc:Ignorable=""/>
+                  <a:srgbClr val="595959"/>
                 </a:solidFill>
                 <a:effectLst>
                   <a:outerShdw blurRad="38100" dist="38100" dir="2700000" algn="tl">
-                    <a:srgbClr xmlns:mc="http://schemas.openxmlformats.org/markup-compatibility/2006" xmlns:a14="http://schemas.microsoft.com/office/drawing/2007/7/7/main" val="C0C0C0" mc:Ignorable=""/>
+                    <a:srgbClr val="C0C0C0"/>
                   </a:outerShdw>
                 </a:effectLst>
                 <a:ea typeface="굴림" charset="-127"/>
@@ -9776,11 +9822,11 @@
             <a:r>
               <a:rPr altLang="ko-KR" dirty="0" err="1" smtClean="0">
                 <a:solidFill>
-                  <a:srgbClr xmlns:mc="http://schemas.openxmlformats.org/markup-compatibility/2006" xmlns:a14="http://schemas.microsoft.com/office/drawing/2007/7/7/main" val="595959" mc:Ignorable=""/>
+                  <a:srgbClr val="595959"/>
                 </a:solidFill>
                 <a:effectLst>
                   <a:outerShdw blurRad="38100" dist="38100" dir="2700000" algn="tl">
-                    <a:srgbClr xmlns:mc="http://schemas.openxmlformats.org/markup-compatibility/2006" xmlns:a14="http://schemas.microsoft.com/office/drawing/2007/7/7/main" val="C0C0C0" mc:Ignorable=""/>
+                    <a:srgbClr val="C0C0C0"/>
                   </a:outerShdw>
                 </a:effectLst>
                 <a:ea typeface="굴림" charset="-127"/>
@@ -9790,11 +9836,11 @@
             <a:r>
               <a:rPr altLang="ko-KR" dirty="0" smtClean="0">
                 <a:solidFill>
-                  <a:srgbClr xmlns:mc="http://schemas.openxmlformats.org/markup-compatibility/2006" xmlns:a14="http://schemas.microsoft.com/office/drawing/2007/7/7/main" val="595959" mc:Ignorable=""/>
+                  <a:srgbClr val="595959"/>
                 </a:solidFill>
                 <a:effectLst>
                   <a:outerShdw blurRad="38100" dist="38100" dir="2700000" algn="tl">
-                    <a:srgbClr xmlns:mc="http://schemas.openxmlformats.org/markup-compatibility/2006" xmlns:a14="http://schemas.microsoft.com/office/drawing/2007/7/7/main" val="C0C0C0" mc:Ignorable=""/>
+                    <a:srgbClr val="C0C0C0"/>
                   </a:outerShdw>
                 </a:effectLst>
                 <a:ea typeface="굴림" charset="-127"/>
@@ -9809,11 +9855,11 @@
             <a:r>
               <a:rPr altLang="ko-KR" dirty="0" smtClean="0">
                 <a:solidFill>
-                  <a:srgbClr xmlns:mc="http://schemas.openxmlformats.org/markup-compatibility/2006" xmlns:a14="http://schemas.microsoft.com/office/drawing/2007/7/7/main" val="595959" mc:Ignorable=""/>
+                  <a:srgbClr val="595959"/>
                 </a:solidFill>
                 <a:effectLst>
                   <a:outerShdw blurRad="38100" dist="38100" dir="2700000" algn="tl">
-                    <a:srgbClr xmlns:mc="http://schemas.openxmlformats.org/markup-compatibility/2006" xmlns:a14="http://schemas.microsoft.com/office/drawing/2007/7/7/main" val="C0C0C0" mc:Ignorable=""/>
+                    <a:srgbClr val="C0C0C0"/>
                   </a:outerShdw>
                 </a:effectLst>
                 <a:ea typeface="굴림" charset="-127"/>
@@ -9827,11 +9873,11 @@
             </a:pPr>
             <a:endParaRPr altLang="ko-KR" dirty="0" smtClean="0">
               <a:solidFill>
-                <a:srgbClr xmlns:mc="http://schemas.openxmlformats.org/markup-compatibility/2006" xmlns:a14="http://schemas.microsoft.com/office/drawing/2007/7/7/main" val="8F481E" mc:Ignorable=""/>
+                <a:srgbClr val="8F481E"/>
               </a:solidFill>
               <a:effectLst>
                 <a:outerShdw blurRad="38100" dist="38100" dir="2700000" algn="tl">
-                  <a:srgbClr xmlns:mc="http://schemas.openxmlformats.org/markup-compatibility/2006" xmlns:a14="http://schemas.microsoft.com/office/drawing/2007/7/7/main" val="C0C0C0" mc:Ignorable=""/>
+                  <a:srgbClr val="C0C0C0"/>
                 </a:outerShdw>
               </a:effectLst>
               <a:ea typeface="굴림" charset="-127"/>
@@ -9876,7 +9922,7 @@
                 </a:ln>
                 <a:effectLst>
                   <a:outerShdw blurRad="38100" dist="38100" dir="2700000" algn="tl">
-                    <a:srgbClr xmlns:mc="http://schemas.openxmlformats.org/markup-compatibility/2006" xmlns:a14="http://schemas.microsoft.com/office/drawing/2007/7/7/main" val="000000" mc:Ignorable="">
+                    <a:srgbClr val="000000">
                       <a:alpha val="43137"/>
                     </a:srgbClr>
                   </a:outerShdw>
@@ -9894,7 +9940,7 @@
                 </a:solidFill>
                 <a:effectLst>
                   <a:outerShdw blurRad="38100" dist="38100" dir="2700000" algn="tl">
-                    <a:srgbClr xmlns:mc="http://schemas.openxmlformats.org/markup-compatibility/2006" xmlns:a14="http://schemas.microsoft.com/office/drawing/2007/7/7/main" val="000000" mc:Ignorable="">
+                    <a:srgbClr val="000000">
                       <a:alpha val="43137"/>
                     </a:srgbClr>
                   </a:outerShdw>
@@ -9912,7 +9958,7 @@
                 </a:solidFill>
                 <a:effectLst>
                   <a:outerShdw blurRad="38100" dist="38100" dir="2700000" algn="tl">
-                    <a:srgbClr xmlns:mc="http://schemas.openxmlformats.org/markup-compatibility/2006" xmlns:a14="http://schemas.microsoft.com/office/drawing/2007/7/7/main" val="000000" mc:Ignorable="">
+                    <a:srgbClr val="000000">
                       <a:alpha val="43137"/>
                     </a:srgbClr>
                   </a:outerShdw>
@@ -9929,7 +9975,7 @@
                 </a:solidFill>
                 <a:effectLst>
                   <a:outerShdw blurRad="38100" dist="38100" dir="2700000" algn="tl">
-                    <a:srgbClr xmlns:mc="http://schemas.openxmlformats.org/markup-compatibility/2006" xmlns:a14="http://schemas.microsoft.com/office/drawing/2007/7/7/main" val="000000" mc:Ignorable="">
+                    <a:srgbClr val="000000">
                       <a:alpha val="43137"/>
                     </a:srgbClr>
                   </a:outerShdw>
@@ -9949,7 +9995,7 @@
                 </a:solidFill>
                 <a:effectLst>
                   <a:outerShdw blurRad="38100" dist="38100" dir="2700000" algn="tl">
-                    <a:srgbClr xmlns:mc="http://schemas.openxmlformats.org/markup-compatibility/2006" xmlns:a14="http://schemas.microsoft.com/office/drawing/2007/7/7/main" val="000000" mc:Ignorable="">
+                    <a:srgbClr val="000000">
                       <a:alpha val="43137"/>
                     </a:srgbClr>
                   </a:outerShdw>
@@ -9969,7 +10015,7 @@
                 </a:solidFill>
                 <a:effectLst>
                   <a:outerShdw blurRad="38100" dist="38100" dir="2700000" algn="tl">
-                    <a:srgbClr xmlns:mc="http://schemas.openxmlformats.org/markup-compatibility/2006" xmlns:a14="http://schemas.microsoft.com/office/drawing/2007/7/7/main" val="000000" mc:Ignorable="">
+                    <a:srgbClr val="000000">
                       <a:alpha val="43137"/>
                     </a:srgbClr>
                   </a:outerShdw>
@@ -9989,7 +10035,7 @@
                 </a:solidFill>
                 <a:effectLst>
                   <a:outerShdw blurRad="38100" dist="38100" dir="2700000" algn="tl">
-                    <a:srgbClr xmlns:mc="http://schemas.openxmlformats.org/markup-compatibility/2006" xmlns:a14="http://schemas.microsoft.com/office/drawing/2007/7/7/main" val="000000" mc:Ignorable="">
+                    <a:srgbClr val="000000">
                       <a:alpha val="43137"/>
                     </a:srgbClr>
                   </a:outerShdw>
@@ -10009,7 +10055,7 @@
                 </a:solidFill>
                 <a:effectLst>
                   <a:outerShdw blurRad="38100" dist="38100" dir="2700000" algn="tl">
-                    <a:srgbClr xmlns:mc="http://schemas.openxmlformats.org/markup-compatibility/2006" xmlns:a14="http://schemas.microsoft.com/office/drawing/2007/7/7/main" val="000000" mc:Ignorable="">
+                    <a:srgbClr val="000000">
                       <a:alpha val="43137"/>
                     </a:srgbClr>
                   </a:outerShdw>
@@ -10028,7 +10074,7 @@
               </a:solidFill>
               <a:effectLst>
                 <a:outerShdw blurRad="38100" dist="38100" dir="2700000" algn="tl">
-                  <a:srgbClr xmlns:mc="http://schemas.openxmlformats.org/markup-compatibility/2006" xmlns:a14="http://schemas.microsoft.com/office/drawing/2007/7/7/main" val="000000" mc:Ignorable="">
+                  <a:srgbClr val="000000">
                     <a:alpha val="43137"/>
                   </a:srgbClr>
                 </a:outerShdw>
@@ -10098,7 +10144,7 @@
             </a:avLst>
           </a:prstGeom>
           <a:solidFill>
-            <a:srgbClr xmlns:mc="http://schemas.openxmlformats.org/markup-compatibility/2006" xmlns:a14="http://schemas.microsoft.com/office/drawing/2007/7/7/main" val="FFFFFF" mc:Ignorable="">
+            <a:srgbClr val="FFFFFF">
               <a:shade val="85000"/>
             </a:srgbClr>
           </a:solidFill>
@@ -10136,7 +10182,7 @@
             </a:avLst>
           </a:prstGeom>
           <a:solidFill>
-            <a:srgbClr xmlns:mc="http://schemas.openxmlformats.org/markup-compatibility/2006" xmlns:a14="http://schemas.microsoft.com/office/drawing/2007/7/7/main" val="FFFFFF" mc:Ignorable="">
+            <a:srgbClr val="FFFFFF">
               <a:shade val="85000"/>
             </a:srgbClr>
           </a:solidFill>
@@ -10191,7 +10237,7 @@
               <a:rPr lang="fr-FR" sz="2400" b="1" dirty="0" smtClean="0">
                 <a:effectLst>
                   <a:outerShdw blurRad="38100" dist="38100" dir="2700000" algn="tl">
-                    <a:srgbClr xmlns:mc="http://schemas.openxmlformats.org/markup-compatibility/2006" xmlns:a14="http://schemas.microsoft.com/office/drawing/2007/7/7/main" val="000000" mc:Ignorable="">
+                    <a:srgbClr val="000000">
                       <a:alpha val="43137"/>
                     </a:srgbClr>
                   </a:outerShdw>
@@ -10210,7 +10256,7 @@
   <p:timing>
     <p:tnLst>
       <p:par>
-        <p:cTn xmlns:p14="http://schemas.microsoft.com/office/powerpoint/2007/7/12/main" id="1" dur="indefinite" restart="never" nodeType="tmRoot"/>
+        <p:cTn id="1" dur="indefinite" restart="never" nodeType="tmRoot"/>
       </p:par>
     </p:tnLst>
   </p:timing>
@@ -10280,7 +10326,7 @@
           <p:nvPr>
             <p:extLst>
               <p:ext uri="{D42A27DB-BD31-4B8C-83A1-F6EECF244321}">
-                <p14:modId xmlns:p14="http://schemas.microsoft.com/office/powerpoint/2007/7/12/main" val="697457039"/>
+                <p14:modId xmlns:p14="http://schemas.microsoft.com/office/powerpoint/2007/7/12/main" xmlns="" val="697457039"/>
               </p:ext>
             </p:extLst>
           </p:nvPr>
@@ -10326,7 +10372,7 @@
     </p:spTree>
     <p:extLst>
       <p:ext uri="{BB962C8B-B14F-4D97-AF65-F5344CB8AC3E}">
-        <p14:creationId xmlns:p14="http://schemas.microsoft.com/office/powerpoint/2007/7/12/main" val="4039325657"/>
+        <p14:creationId xmlns:p14="http://schemas.microsoft.com/office/powerpoint/2007/7/12/main" xmlns="" val="4039325657"/>
       </p:ext>
     </p:extLst>
   </p:cSld>
@@ -10336,7 +10382,7 @@
   <p:timing>
     <p:tnLst>
       <p:par>
-        <p:cTn xmlns:p14="http://schemas.microsoft.com/office/powerpoint/2007/7/12/main" id="1" dur="indefinite" restart="never" nodeType="tmRoot"/>
+        <p:cTn id="1" dur="indefinite" restart="never" nodeType="tmRoot"/>
       </p:par>
     </p:tnLst>
   </p:timing>
@@ -10459,16 +10505,16 @@
               <a:defRPr lang="fr-FR" sz="3600" b="0" cap="none" spc="0">
                 <a:ln w="18415" cmpd="sng">
                   <a:solidFill>
-                    <a:srgbClr xmlns:mc="http://schemas.openxmlformats.org/markup-compatibility/2006" xmlns:a14="http://schemas.microsoft.com/office/drawing/2007/7/7/main" val="FFFFFF" mc:Ignorable=""/>
+                    <a:srgbClr val="FFFFFF"/>
                   </a:solidFill>
                   <a:prstDash val="solid"/>
                 </a:ln>
                 <a:solidFill>
-                  <a:srgbClr xmlns:mc="http://schemas.openxmlformats.org/markup-compatibility/2006" xmlns:a14="http://schemas.microsoft.com/office/drawing/2007/7/7/main" val="FFFFFF" mc:Ignorable=""/>
+                  <a:srgbClr val="FFFFFF"/>
                 </a:solidFill>
                 <a:effectLst>
                   <a:outerShdw blurRad="63500" dir="3600000" algn="tl" rotWithShape="0">
-                    <a:srgbClr xmlns:mc="http://schemas.openxmlformats.org/markup-compatibility/2006" xmlns:a14="http://schemas.microsoft.com/office/drawing/2007/7/7/main" val="000000" mc:Ignorable="">
+                    <a:srgbClr val="000000">
                       <a:alpha val="70000"/>
                     </a:srgbClr>
                   </a:outerShdw>
@@ -10606,7 +10652,7 @@
           <a:p>
             <a:pPr indent="273050" eaLnBrk="1" hangingPunct="1">
               <a:buClr>
-                <a:srgbClr xmlns:mc="http://schemas.openxmlformats.org/markup-compatibility/2006" xmlns:a14="http://schemas.microsoft.com/office/drawing/2007/7/7/main" val="C44F00" mc:Ignorable=""/>
+                <a:srgbClr val="C44F00"/>
               </a:buClr>
               <a:buFont typeface="Calibri" pitchFamily="34" charset="0"/>
               <a:buAutoNum type="arabicPeriod"/>
@@ -10628,7 +10674,7 @@
           <a:p>
             <a:pPr indent="273050" eaLnBrk="1" hangingPunct="1">
               <a:buClr>
-                <a:srgbClr xmlns:mc="http://schemas.openxmlformats.org/markup-compatibility/2006" xmlns:a14="http://schemas.microsoft.com/office/drawing/2007/7/7/main" val="C44F00" mc:Ignorable=""/>
+                <a:srgbClr val="C44F00"/>
               </a:buClr>
               <a:buFont typeface="Calibri" pitchFamily="34" charset="0"/>
               <a:buAutoNum type="arabicPeriod"/>
@@ -10647,7 +10693,7 @@
           <a:p>
             <a:pPr indent="273050" eaLnBrk="1" hangingPunct="1">
               <a:buClr>
-                <a:srgbClr xmlns:mc="http://schemas.openxmlformats.org/markup-compatibility/2006" xmlns:a14="http://schemas.microsoft.com/office/drawing/2007/7/7/main" val="C44F00" mc:Ignorable=""/>
+                <a:srgbClr val="C44F00"/>
               </a:buClr>
               <a:buFont typeface="Calibri" pitchFamily="34" charset="0"/>
               <a:buAutoNum type="arabicPeriod"/>
@@ -10669,7 +10715,7 @@
           <a:p>
             <a:pPr indent="273050" eaLnBrk="1" hangingPunct="1">
               <a:buClr>
-                <a:srgbClr xmlns:mc="http://schemas.openxmlformats.org/markup-compatibility/2006" xmlns:a14="http://schemas.microsoft.com/office/drawing/2007/7/7/main" val="C44F00" mc:Ignorable=""/>
+                <a:srgbClr val="C44F00"/>
               </a:buClr>
               <a:buFont typeface="Calibri" pitchFamily="34" charset="0"/>
               <a:buAutoNum type="arabicPeriod"/>
@@ -10688,7 +10734,7 @@
           <a:p>
             <a:pPr indent="273050" eaLnBrk="1" hangingPunct="1">
               <a:buClr>
-                <a:srgbClr xmlns:mc="http://schemas.openxmlformats.org/markup-compatibility/2006" xmlns:a14="http://schemas.microsoft.com/office/drawing/2007/7/7/main" val="C44F00" mc:Ignorable=""/>
+                <a:srgbClr val="C44F00"/>
               </a:buClr>
               <a:buFont typeface="Calibri" pitchFamily="34" charset="0"/>
               <a:buAutoNum type="arabicPeriod"/>
@@ -10710,7 +10756,7 @@
           <a:p>
             <a:pPr indent="273050" eaLnBrk="1" hangingPunct="1">
               <a:buClr>
-                <a:srgbClr xmlns:mc="http://schemas.openxmlformats.org/markup-compatibility/2006" xmlns:a14="http://schemas.microsoft.com/office/drawing/2007/7/7/main" val="C44F00" mc:Ignorable=""/>
+                <a:srgbClr val="C44F00"/>
               </a:buClr>
               <a:buFont typeface="Calibri" pitchFamily="34" charset="0"/>
               <a:buAutoNum type="arabicPeriod"/>
@@ -10729,7 +10775,7 @@
           <a:p>
             <a:pPr indent="273050" eaLnBrk="1" hangingPunct="1">
               <a:buClr>
-                <a:srgbClr xmlns:mc="http://schemas.openxmlformats.org/markup-compatibility/2006" xmlns:a14="http://schemas.microsoft.com/office/drawing/2007/7/7/main" val="C44F00" mc:Ignorable=""/>
+                <a:srgbClr val="C44F00"/>
               </a:buClr>
               <a:buFont typeface="Calibri" pitchFamily="34" charset="0"/>
               <a:buAutoNum type="arabicPeriod"/>
@@ -10785,7 +10831,7 @@
             </a:avLst>
           </a:prstGeom>
           <a:solidFill>
-            <a:srgbClr xmlns:mc="http://schemas.openxmlformats.org/markup-compatibility/2006" xmlns:a14="http://schemas.microsoft.com/office/drawing/2007/7/7/main" val="FFFFFF" mc:Ignorable="">
+            <a:srgbClr val="FFFFFF">
               <a:shade val="85000"/>
             </a:srgbClr>
           </a:solidFill>
@@ -10805,7 +10851,7 @@
     </p:spTree>
     <p:extLst>
       <p:ext uri="{BB962C8B-B14F-4D97-AF65-F5344CB8AC3E}">
-        <p14:creationId xmlns:p14="http://schemas.microsoft.com/office/powerpoint/2007/7/12/main" val="2737251238"/>
+        <p14:creationId xmlns:p14="http://schemas.microsoft.com/office/powerpoint/2007/7/12/main" xmlns="" val="2737251238"/>
       </p:ext>
     </p:extLst>
   </p:cSld>
@@ -10815,7 +10861,7 @@
   <p:timing>
     <p:tnLst>
       <p:par>
-        <p:cTn xmlns:p14="http://schemas.microsoft.com/office/powerpoint/2007/7/12/main" id="1" dur="indefinite" restart="never" nodeType="tmRoot"/>
+        <p:cTn id="1" dur="indefinite" restart="never" nodeType="tmRoot"/>
       </p:par>
     </p:tnLst>
   </p:timing>
@@ -10895,7 +10941,7 @@
           <a:blip r:embed="rId2">
             <a:extLst>
               <a:ext uri="28A0092B-C50C-407e-A947-70E740481C1C">
-                <a14:useLocalDpi xmlns:a14="http://schemas.microsoft.com/office/drawing/2007/7/7/main" val="0"/>
+                <a14:useLocalDpi xmlns:a14="http://schemas.microsoft.com/office/drawing/2007/7/7/main" xmlns="" val="0"/>
               </a:ext>
             </a:extLst>
           </a:blip>
@@ -10917,14 +10963,14 @@
           </a:ln>
           <a:effectLst>
             <a:outerShdw blurRad="190500" algn="tl" rotWithShape="0">
-              <a:srgbClr xmlns:mc="http://schemas.openxmlformats.org/markup-compatibility/2006" xmlns:a14="http://schemas.microsoft.com/office/drawing/2007/7/7/main" val="000000" mc:Ignorable="">
+              <a:srgbClr val="000000">
                 <a:alpha val="70000"/>
               </a:srgbClr>
             </a:outerShdw>
           </a:effectLst>
           <a:extLst>
             <a:ext uri="{909E8E84-426E-40dd-AFC4-6F175D3DCCD1}">
-              <a14:hiddenFill xmlns:a14="http://schemas.microsoft.com/office/drawing/2007/7/7/main">
+              <a14:hiddenFill xmlns:a14="http://schemas.microsoft.com/office/drawing/2007/7/7/main" xmlns="">
                 <a:solidFill>
                   <a:srgbClr xmlns:mc="http://schemas.openxmlformats.org/markup-compatibility/2006" val="FFFFFF" mc:Ignorable=""/>
                 </a:solidFill>
@@ -10936,7 +10982,7 @@
     </p:spTree>
     <p:extLst>
       <p:ext uri="{BB962C8B-B14F-4D97-AF65-F5344CB8AC3E}">
-        <p14:creationId xmlns:p14="http://schemas.microsoft.com/office/powerpoint/2007/7/12/main" val="3147034357"/>
+        <p14:creationId xmlns:p14="http://schemas.microsoft.com/office/powerpoint/2007/7/12/main" xmlns="" val="3147034357"/>
       </p:ext>
     </p:extLst>
   </p:cSld>
@@ -10946,7 +10992,7 @@
   <p:timing>
     <p:tnLst>
       <p:par>
-        <p:cTn xmlns:p14="http://schemas.microsoft.com/office/powerpoint/2007/7/12/main" id="1" dur="indefinite" restart="never" nodeType="tmRoot"/>
+        <p:cTn id="1" dur="indefinite" restart="never" nodeType="tmRoot"/>
       </p:par>
     </p:tnLst>
   </p:timing>
@@ -11023,7 +11069,7 @@
     </p:spTree>
     <p:extLst>
       <p:ext uri="{BB962C8B-B14F-4D97-AF65-F5344CB8AC3E}">
-        <p14:creationId xmlns:p14="http://schemas.microsoft.com/office/powerpoint/2007/7/12/main" val="4259651497"/>
+        <p14:creationId xmlns:p14="http://schemas.microsoft.com/office/powerpoint/2007/7/12/main" xmlns="" val="4259651497"/>
       </p:ext>
     </p:extLst>
   </p:cSld>
@@ -11033,7 +11079,7 @@
   <p:timing>
     <p:tnLst>
       <p:par>
-        <p:cTn xmlns:p14="http://schemas.microsoft.com/office/powerpoint/2007/7/12/main" id="1" dur="indefinite" restart="never" nodeType="tmRoot"/>
+        <p:cTn id="1" dur="indefinite" restart="never" nodeType="tmRoot"/>
       </p:par>
     </p:tnLst>
   </p:timing>
@@ -11122,7 +11168,7 @@
     </p:spTree>
     <p:extLst>
       <p:ext uri="{BB962C8B-B14F-4D97-AF65-F5344CB8AC3E}">
-        <p14:creationId xmlns:p14="http://schemas.microsoft.com/office/powerpoint/2007/7/12/main" val="3699348174"/>
+        <p14:creationId xmlns:p14="http://schemas.microsoft.com/office/powerpoint/2007/7/12/main" xmlns="" val="3699348174"/>
       </p:ext>
     </p:extLst>
   </p:cSld>
@@ -11132,7 +11178,7 @@
   <p:timing>
     <p:tnLst>
       <p:par>
-        <p:cTn xmlns:p14="http://schemas.microsoft.com/office/powerpoint/2007/7/12/main" id="1" dur="indefinite" restart="never" nodeType="tmRoot"/>
+        <p:cTn id="1" dur="indefinite" restart="never" nodeType="tmRoot"/>
       </p:par>
     </p:tnLst>
   </p:timing>
@@ -11271,16 +11317,16 @@
               <a:defRPr lang="fr-FR" sz="3600" b="0" cap="none" spc="0">
                 <a:ln w="18415" cmpd="sng">
                   <a:solidFill>
-                    <a:srgbClr xmlns:mc="http://schemas.openxmlformats.org/markup-compatibility/2006" xmlns:a14="http://schemas.microsoft.com/office/drawing/2007/7/7/main" val="FFFFFF" mc:Ignorable=""/>
+                    <a:srgbClr val="FFFFFF"/>
                   </a:solidFill>
                   <a:prstDash val="solid"/>
                 </a:ln>
                 <a:solidFill>
-                  <a:srgbClr xmlns:mc="http://schemas.openxmlformats.org/markup-compatibility/2006" xmlns:a14="http://schemas.microsoft.com/office/drawing/2007/7/7/main" val="FFFFFF" mc:Ignorable=""/>
+                  <a:srgbClr val="FFFFFF"/>
                 </a:solidFill>
                 <a:effectLst>
                   <a:outerShdw blurRad="63500" dir="3600000" algn="tl" rotWithShape="0">
-                    <a:srgbClr xmlns:mc="http://schemas.openxmlformats.org/markup-compatibility/2006" xmlns:a14="http://schemas.microsoft.com/office/drawing/2007/7/7/main" val="000000" mc:Ignorable="">
+                    <a:srgbClr val="000000">
                       <a:alpha val="70000"/>
                     </a:srgbClr>
                   </a:outerShdw>
@@ -11418,7 +11464,7 @@
           <a:p>
             <a:pPr indent="273050" eaLnBrk="1" hangingPunct="1">
               <a:buClr>
-                <a:srgbClr xmlns:mc="http://schemas.openxmlformats.org/markup-compatibility/2006" xmlns:a14="http://schemas.microsoft.com/office/drawing/2007/7/7/main" val="C44F00" mc:Ignorable=""/>
+                <a:srgbClr val="C44F00"/>
               </a:buClr>
               <a:buFont typeface="Calibri" pitchFamily="34" charset="0"/>
               <a:buAutoNum type="arabicPeriod"/>
@@ -11440,7 +11486,7 @@
           <a:p>
             <a:pPr indent="273050" eaLnBrk="1" hangingPunct="1">
               <a:buClr>
-                <a:srgbClr xmlns:mc="http://schemas.openxmlformats.org/markup-compatibility/2006" xmlns:a14="http://schemas.microsoft.com/office/drawing/2007/7/7/main" val="C44F00" mc:Ignorable=""/>
+                <a:srgbClr val="C44F00"/>
               </a:buClr>
               <a:buFont typeface="Calibri" pitchFamily="34" charset="0"/>
               <a:buAutoNum type="arabicPeriod"/>
@@ -11459,7 +11505,7 @@
           <a:p>
             <a:pPr indent="273050" eaLnBrk="1" hangingPunct="1">
               <a:buClr>
-                <a:srgbClr xmlns:mc="http://schemas.openxmlformats.org/markup-compatibility/2006" xmlns:a14="http://schemas.microsoft.com/office/drawing/2007/7/7/main" val="C44F00" mc:Ignorable=""/>
+                <a:srgbClr val="C44F00"/>
               </a:buClr>
               <a:buFont typeface="Calibri" pitchFamily="34" charset="0"/>
               <a:buAutoNum type="arabicPeriod"/>
@@ -11481,7 +11527,7 @@
           <a:p>
             <a:pPr indent="273050" eaLnBrk="1" hangingPunct="1">
               <a:buClr>
-                <a:srgbClr xmlns:mc="http://schemas.openxmlformats.org/markup-compatibility/2006" xmlns:a14="http://schemas.microsoft.com/office/drawing/2007/7/7/main" val="C44F00" mc:Ignorable=""/>
+                <a:srgbClr val="C44F00"/>
               </a:buClr>
               <a:buFont typeface="Calibri" pitchFamily="34" charset="0"/>
               <a:buAutoNum type="arabicPeriod"/>
@@ -11500,7 +11546,7 @@
           <a:p>
             <a:pPr indent="273050" eaLnBrk="1" hangingPunct="1">
               <a:buClr>
-                <a:srgbClr xmlns:mc="http://schemas.openxmlformats.org/markup-compatibility/2006" xmlns:a14="http://schemas.microsoft.com/office/drawing/2007/7/7/main" val="C44F00" mc:Ignorable=""/>
+                <a:srgbClr val="C44F00"/>
               </a:buClr>
               <a:buFont typeface="Calibri" pitchFamily="34" charset="0"/>
               <a:buAutoNum type="arabicPeriod"/>
@@ -11522,7 +11568,7 @@
           <a:p>
             <a:pPr indent="273050" eaLnBrk="1" hangingPunct="1">
               <a:buClr>
-                <a:srgbClr xmlns:mc="http://schemas.openxmlformats.org/markup-compatibility/2006" xmlns:a14="http://schemas.microsoft.com/office/drawing/2007/7/7/main" val="C44F00" mc:Ignorable=""/>
+                <a:srgbClr val="C44F00"/>
               </a:buClr>
               <a:buFont typeface="Calibri" pitchFamily="34" charset="0"/>
               <a:buAutoNum type="arabicPeriod"/>
@@ -11541,7 +11587,7 @@
           <a:p>
             <a:pPr indent="273050" eaLnBrk="1" hangingPunct="1">
               <a:buClr>
-                <a:srgbClr xmlns:mc="http://schemas.openxmlformats.org/markup-compatibility/2006" xmlns:a14="http://schemas.microsoft.com/office/drawing/2007/7/7/main" val="C44F00" mc:Ignorable=""/>
+                <a:srgbClr val="C44F00"/>
               </a:buClr>
               <a:buFont typeface="Calibri" pitchFamily="34" charset="0"/>
               <a:buAutoNum type="arabicPeriod"/>
@@ -11597,7 +11643,7 @@
             </a:avLst>
           </a:prstGeom>
           <a:solidFill>
-            <a:srgbClr xmlns:mc="http://schemas.openxmlformats.org/markup-compatibility/2006" xmlns:a14="http://schemas.microsoft.com/office/drawing/2007/7/7/main" val="FFFFFF" mc:Ignorable="">
+            <a:srgbClr val="FFFFFF">
               <a:shade val="85000"/>
             </a:srgbClr>
           </a:solidFill>
@@ -11617,7 +11663,7 @@
     </p:spTree>
     <p:extLst>
       <p:ext uri="{BB962C8B-B14F-4D97-AF65-F5344CB8AC3E}">
-        <p14:creationId xmlns:p14="http://schemas.microsoft.com/office/powerpoint/2007/7/12/main" val="1603447579"/>
+        <p14:creationId xmlns:p14="http://schemas.microsoft.com/office/powerpoint/2007/7/12/main" xmlns="" val="1603447579"/>
       </p:ext>
     </p:extLst>
   </p:cSld>
@@ -11627,7 +11673,7 @@
   <p:timing>
     <p:tnLst>
       <p:par>
-        <p:cTn xmlns:p14="http://schemas.microsoft.com/office/powerpoint/2007/7/12/main" id="1" dur="indefinite" restart="never" nodeType="tmRoot"/>
+        <p:cTn id="1" dur="indefinite" restart="never" nodeType="tmRoot"/>
       </p:par>
     </p:tnLst>
   </p:timing>
@@ -11704,7 +11750,7 @@
     </p:spTree>
     <p:extLst>
       <p:ext uri="{BB962C8B-B14F-4D97-AF65-F5344CB8AC3E}">
-        <p14:creationId xmlns:p14="http://schemas.microsoft.com/office/powerpoint/2007/7/12/main" val="1394414490"/>
+        <p14:creationId xmlns:p14="http://schemas.microsoft.com/office/powerpoint/2007/7/12/main" xmlns="" val="1394414490"/>
       </p:ext>
     </p:extLst>
   </p:cSld>
@@ -11714,7 +11760,7 @@
   <p:timing>
     <p:tnLst>
       <p:par>
-        <p:cTn xmlns:p14="http://schemas.microsoft.com/office/powerpoint/2007/7/12/main" id="1" dur="indefinite" restart="never" nodeType="tmRoot"/>
+        <p:cTn id="1" dur="indefinite" restart="never" nodeType="tmRoot"/>
       </p:par>
     </p:tnLst>
   </p:timing>
@@ -11791,7 +11837,7 @@
     </p:spTree>
     <p:extLst>
       <p:ext uri="{BB962C8B-B14F-4D97-AF65-F5344CB8AC3E}">
-        <p14:creationId xmlns:p14="http://schemas.microsoft.com/office/powerpoint/2007/7/12/main" val="4280331692"/>
+        <p14:creationId xmlns:p14="http://schemas.microsoft.com/office/powerpoint/2007/7/12/main" xmlns="" val="4280331692"/>
       </p:ext>
     </p:extLst>
   </p:cSld>
@@ -11801,7 +11847,7 @@
   <p:timing>
     <p:tnLst>
       <p:par>
-        <p:cTn xmlns:p14="http://schemas.microsoft.com/office/powerpoint/2007/7/12/main" id="1" dur="indefinite" restart="never" nodeType="tmRoot"/>
+        <p:cTn id="1" dur="indefinite" restart="never" nodeType="tmRoot"/>
       </p:par>
     </p:tnLst>
   </p:timing>
@@ -11875,12 +11921,12 @@
               <a:buNone/>
             </a:pPr>
             <a:r>
-              <a:rPr lang="fr-FR" sz="2400" i="1" dirty="0" err="1" smtClean="0"/>
-              <a:t>Protoypes</a:t>
+              <a:rPr lang="fr-FR" sz="2400" i="1" smtClean="0"/>
+              <a:t>Prototypes </a:t>
             </a:r>
             <a:r>
               <a:rPr lang="fr-FR" sz="2400" i="1" dirty="0" smtClean="0"/>
-              <a:t> &amp; </a:t>
+              <a:t>&amp; </a:t>
             </a:r>
             <a:r>
               <a:rPr lang="fr-FR" sz="2400" i="1" dirty="0" err="1" smtClean="0"/>
@@ -11930,16 +11976,16 @@
               <a:defRPr lang="fr-FR" sz="3600" b="0" cap="none" spc="0">
                 <a:ln w="18415" cmpd="sng">
                   <a:solidFill>
-                    <a:srgbClr xmlns:mc="http://schemas.openxmlformats.org/markup-compatibility/2006" xmlns:a14="http://schemas.microsoft.com/office/drawing/2007/7/7/main" val="FFFFFF" mc:Ignorable=""/>
+                    <a:srgbClr val="FFFFFF"/>
                   </a:solidFill>
                   <a:prstDash val="solid"/>
                 </a:ln>
                 <a:solidFill>
-                  <a:srgbClr xmlns:mc="http://schemas.openxmlformats.org/markup-compatibility/2006" xmlns:a14="http://schemas.microsoft.com/office/drawing/2007/7/7/main" val="FFFFFF" mc:Ignorable=""/>
+                  <a:srgbClr val="FFFFFF"/>
                 </a:solidFill>
                 <a:effectLst>
                   <a:outerShdw blurRad="63500" dir="3600000" algn="tl" rotWithShape="0">
-                    <a:srgbClr xmlns:mc="http://schemas.openxmlformats.org/markup-compatibility/2006" xmlns:a14="http://schemas.microsoft.com/office/drawing/2007/7/7/main" val="000000" mc:Ignorable="">
+                    <a:srgbClr val="000000">
                       <a:alpha val="70000"/>
                     </a:srgbClr>
                   </a:outerShdw>
@@ -12077,7 +12123,7 @@
           <a:p>
             <a:pPr indent="273050" eaLnBrk="1" hangingPunct="1">
               <a:buClr>
-                <a:srgbClr xmlns:mc="http://schemas.openxmlformats.org/markup-compatibility/2006" xmlns:a14="http://schemas.microsoft.com/office/drawing/2007/7/7/main" val="C44F00" mc:Ignorable=""/>
+                <a:srgbClr val="C44F00"/>
               </a:buClr>
               <a:buFont typeface="Calibri" pitchFamily="34" charset="0"/>
               <a:buAutoNum type="arabicPeriod"/>
@@ -12099,7 +12145,7 @@
           <a:p>
             <a:pPr indent="273050" eaLnBrk="1" hangingPunct="1">
               <a:buClr>
-                <a:srgbClr xmlns:mc="http://schemas.openxmlformats.org/markup-compatibility/2006" xmlns:a14="http://schemas.microsoft.com/office/drawing/2007/7/7/main" val="C44F00" mc:Ignorable=""/>
+                <a:srgbClr val="C44F00"/>
               </a:buClr>
               <a:buFont typeface="Calibri" pitchFamily="34" charset="0"/>
               <a:buAutoNum type="arabicPeriod"/>
@@ -12118,7 +12164,7 @@
           <a:p>
             <a:pPr indent="273050" eaLnBrk="1" hangingPunct="1">
               <a:buClr>
-                <a:srgbClr xmlns:mc="http://schemas.openxmlformats.org/markup-compatibility/2006" xmlns:a14="http://schemas.microsoft.com/office/drawing/2007/7/7/main" val="C44F00" mc:Ignorable=""/>
+                <a:srgbClr val="C44F00"/>
               </a:buClr>
               <a:buFont typeface="Calibri" pitchFamily="34" charset="0"/>
               <a:buAutoNum type="arabicPeriod"/>
@@ -12140,7 +12186,7 @@
           <a:p>
             <a:pPr indent="273050" eaLnBrk="1" hangingPunct="1">
               <a:buClr>
-                <a:srgbClr xmlns:mc="http://schemas.openxmlformats.org/markup-compatibility/2006" xmlns:a14="http://schemas.microsoft.com/office/drawing/2007/7/7/main" val="C44F00" mc:Ignorable=""/>
+                <a:srgbClr val="C44F00"/>
               </a:buClr>
               <a:buFont typeface="Calibri" pitchFamily="34" charset="0"/>
               <a:buAutoNum type="arabicPeriod"/>
@@ -12159,7 +12205,7 @@
           <a:p>
             <a:pPr indent="273050" eaLnBrk="1" hangingPunct="1">
               <a:buClr>
-                <a:srgbClr xmlns:mc="http://schemas.openxmlformats.org/markup-compatibility/2006" xmlns:a14="http://schemas.microsoft.com/office/drawing/2007/7/7/main" val="C44F00" mc:Ignorable=""/>
+                <a:srgbClr val="C44F00"/>
               </a:buClr>
               <a:buFont typeface="Calibri" pitchFamily="34" charset="0"/>
               <a:buAutoNum type="arabicPeriod"/>
@@ -12181,7 +12227,7 @@
           <a:p>
             <a:pPr indent="273050" eaLnBrk="1" hangingPunct="1">
               <a:buClr>
-                <a:srgbClr xmlns:mc="http://schemas.openxmlformats.org/markup-compatibility/2006" xmlns:a14="http://schemas.microsoft.com/office/drawing/2007/7/7/main" val="C44F00" mc:Ignorable=""/>
+                <a:srgbClr val="C44F00"/>
               </a:buClr>
               <a:buFont typeface="Calibri" pitchFamily="34" charset="0"/>
               <a:buAutoNum type="arabicPeriod"/>
@@ -12200,7 +12246,7 @@
           <a:p>
             <a:pPr indent="273050" eaLnBrk="1" hangingPunct="1">
               <a:buClr>
-                <a:srgbClr xmlns:mc="http://schemas.openxmlformats.org/markup-compatibility/2006" xmlns:a14="http://schemas.microsoft.com/office/drawing/2007/7/7/main" val="C44F00" mc:Ignorable=""/>
+                <a:srgbClr val="C44F00"/>
               </a:buClr>
               <a:buFont typeface="Calibri" pitchFamily="34" charset="0"/>
               <a:buAutoNum type="arabicPeriod"/>
@@ -12256,7 +12302,7 @@
             </a:avLst>
           </a:prstGeom>
           <a:solidFill>
-            <a:srgbClr xmlns:mc="http://schemas.openxmlformats.org/markup-compatibility/2006" xmlns:a14="http://schemas.microsoft.com/office/drawing/2007/7/7/main" val="FFFFFF" mc:Ignorable="">
+            <a:srgbClr val="FFFFFF">
               <a:shade val="85000"/>
             </a:srgbClr>
           </a:solidFill>
@@ -12276,7 +12322,7 @@
     </p:spTree>
     <p:extLst>
       <p:ext uri="{BB962C8B-B14F-4D97-AF65-F5344CB8AC3E}">
-        <p14:creationId xmlns:p14="http://schemas.microsoft.com/office/powerpoint/2007/7/12/main" val="1603447579"/>
+        <p14:creationId xmlns:p14="http://schemas.microsoft.com/office/powerpoint/2007/7/12/main" xmlns="" val="1603447579"/>
       </p:ext>
     </p:extLst>
   </p:cSld>
@@ -12286,7 +12332,7 @@
   <p:timing>
     <p:tnLst>
       <p:par>
-        <p:cTn xmlns:p14="http://schemas.microsoft.com/office/powerpoint/2007/7/12/main" id="1" dur="indefinite" restart="never" nodeType="tmRoot"/>
+        <p:cTn id="1" dur="indefinite" restart="never" nodeType="tmRoot"/>
       </p:par>
     </p:tnLst>
   </p:timing>
@@ -12345,17 +12391,17 @@
           <a:blip r:embed="rId2">
             <a:clrChange>
               <a:clrFrom>
-                <a:srgbClr xmlns:mc="http://schemas.openxmlformats.org/markup-compatibility/2006" xmlns:a14="http://schemas.microsoft.com/office/drawing/2007/7/7/main" val="FFFFFF" mc:Ignorable=""/>
+                <a:srgbClr val="FFFFFF"/>
               </a:clrFrom>
               <a:clrTo>
-                <a:srgbClr xmlns:mc="http://schemas.openxmlformats.org/markup-compatibility/2006" xmlns:a14="http://schemas.microsoft.com/office/drawing/2007/7/7/main" val="FFFFFF" mc:Ignorable="">
+                <a:srgbClr val="FFFFFF">
                   <a:alpha val="0"/>
                 </a:srgbClr>
               </a:clrTo>
             </a:clrChange>
             <a:extLst>
               <a:ext uri="28A0092B-C50C-407e-A947-70E740481C1C">
-                <a14:useLocalDpi xmlns:a14="http://schemas.microsoft.com/office/drawing/2007/7/7/main" val="0"/>
+                <a14:useLocalDpi xmlns:a14="http://schemas.microsoft.com/office/drawing/2007/7/7/main" xmlns="" val="0"/>
               </a:ext>
             </a:extLst>
           </a:blip>
@@ -12373,7 +12419,7 @@
           <a:noFill/>
           <a:extLst>
             <a:ext uri="{909E8E84-426E-40dd-AFC4-6F175D3DCCD1}">
-              <a14:hiddenFill xmlns:a14="http://schemas.microsoft.com/office/drawing/2007/7/7/main">
+              <a14:hiddenFill xmlns:a14="http://schemas.microsoft.com/office/drawing/2007/7/7/main" xmlns="">
                 <a:solidFill>
                   <a:srgbClr xmlns:mc="http://schemas.openxmlformats.org/markup-compatibility/2006" val="FFFFFF" mc:Ignorable=""/>
                 </a:solidFill>
@@ -12482,7 +12528,7 @@
                 </a:solidFill>
                 <a:effectLst>
                   <a:outerShdw blurRad="38100" dist="38100" dir="2700000" algn="tl">
-                    <a:srgbClr xmlns:mc="http://schemas.openxmlformats.org/markup-compatibility/2006" xmlns:a14="http://schemas.microsoft.com/office/drawing/2007/7/7/main" val="000000" mc:Ignorable="">
+                    <a:srgbClr val="000000">
                       <a:alpha val="43137"/>
                     </a:srgbClr>
                   </a:outerShdw>
@@ -12501,7 +12547,7 @@
               </a:solidFill>
               <a:effectLst>
                 <a:outerShdw blurRad="38100" dist="38100" dir="2700000" algn="tl">
-                  <a:srgbClr xmlns:mc="http://schemas.openxmlformats.org/markup-compatibility/2006" xmlns:a14="http://schemas.microsoft.com/office/drawing/2007/7/7/main" val="000000" mc:Ignorable="">
+                  <a:srgbClr val="000000">
                     <a:alpha val="43137"/>
                   </a:srgbClr>
                 </a:outerShdw>
@@ -12614,7 +12660,7 @@
                 </a:solidFill>
                 <a:effectLst>
                   <a:outerShdw blurRad="38100" dist="38100" dir="2700000" algn="tl">
-                    <a:srgbClr xmlns:mc="http://schemas.openxmlformats.org/markup-compatibility/2006" xmlns:a14="http://schemas.microsoft.com/office/drawing/2007/7/7/main" val="000000" mc:Ignorable="">
+                    <a:srgbClr val="000000">
                       <a:alpha val="43137"/>
                     </a:srgbClr>
                   </a:outerShdw>
@@ -12633,7 +12679,7 @@
               </a:solidFill>
               <a:effectLst>
                 <a:outerShdw blurRad="38100" dist="38100" dir="2700000" algn="tl">
-                  <a:srgbClr xmlns:mc="http://schemas.openxmlformats.org/markup-compatibility/2006" xmlns:a14="http://schemas.microsoft.com/office/drawing/2007/7/7/main" val="000000" mc:Ignorable="">
+                  <a:srgbClr val="000000">
                     <a:alpha val="43137"/>
                   </a:srgbClr>
                 </a:outerShdw>
@@ -12746,7 +12792,7 @@
                 </a:solidFill>
                 <a:effectLst>
                   <a:outerShdw blurRad="38100" dist="38100" dir="2700000" algn="tl">
-                    <a:srgbClr xmlns:mc="http://schemas.openxmlformats.org/markup-compatibility/2006" xmlns:a14="http://schemas.microsoft.com/office/drawing/2007/7/7/main" val="000000" mc:Ignorable="">
+                    <a:srgbClr val="000000">
                       <a:alpha val="43137"/>
                     </a:srgbClr>
                   </a:outerShdw>
@@ -12765,7 +12811,7 @@
               </a:solidFill>
               <a:effectLst>
                 <a:outerShdw blurRad="38100" dist="38100" dir="2700000" algn="tl">
-                  <a:srgbClr xmlns:mc="http://schemas.openxmlformats.org/markup-compatibility/2006" xmlns:a14="http://schemas.microsoft.com/office/drawing/2007/7/7/main" val="000000" mc:Ignorable="">
+                  <a:srgbClr val="000000">
                     <a:alpha val="43137"/>
                   </a:srgbClr>
                 </a:outerShdw>
@@ -12781,7 +12827,7 @@
     </p:spTree>
     <p:extLst>
       <p:ext uri="{BB962C8B-B14F-4D97-AF65-F5344CB8AC3E}">
-        <p14:creationId xmlns:p14="http://schemas.microsoft.com/office/powerpoint/2007/7/12/main" val="578897846"/>
+        <p14:creationId xmlns:p14="http://schemas.microsoft.com/office/powerpoint/2007/7/12/main" xmlns="" val="578897846"/>
       </p:ext>
     </p:extLst>
   </p:cSld>
@@ -12791,7 +12837,7 @@
   <p:timing>
     <p:tnLst>
       <p:par>
-        <p:cTn xmlns:p14="http://schemas.microsoft.com/office/powerpoint/2007/7/12/main" id="1" dur="indefinite" restart="never" nodeType="tmRoot"/>
+        <p:cTn id="1" dur="indefinite" restart="never" nodeType="tmRoot"/>
       </p:par>
     </p:tnLst>
   </p:timing>
@@ -13078,7 +13124,7 @@
             </a:avLst>
           </a:prstGeom>
           <a:solidFill>
-            <a:srgbClr xmlns:mc="http://schemas.openxmlformats.org/markup-compatibility/2006" xmlns:a14="http://schemas.microsoft.com/office/drawing/2007/7/7/main" val="FFFFFF" mc:Ignorable="">
+            <a:srgbClr val="FFFFFF">
               <a:shade val="85000"/>
             </a:srgbClr>
           </a:solidFill>
@@ -13103,7 +13149,7 @@
   <p:timing>
     <p:tnLst>
       <p:par>
-        <p:cTn xmlns:p14="http://schemas.microsoft.com/office/powerpoint/2007/7/12/main" id="1" dur="indefinite" restart="never" nodeType="tmRoot"/>
+        <p:cTn id="1" dur="indefinite" restart="never" nodeType="tmRoot"/>
       </p:par>
     </p:tnLst>
   </p:timing>
@@ -13225,7 +13271,7 @@
           <a:blip r:embed="rId2">
             <a:extLst>
               <a:ext uri="28A0092B-C50C-407e-A947-70E740481C1C">
-                <a14:useLocalDpi xmlns:a14="http://schemas.microsoft.com/office/drawing/2007/7/7/main" val="0"/>
+                <a14:useLocalDpi xmlns:a14="http://schemas.microsoft.com/office/drawing/2007/7/7/main" xmlns="" val="0"/>
               </a:ext>
             </a:extLst>
           </a:blip>
@@ -13245,7 +13291,7 @@
           <a:noFill/>
           <a:extLst>
             <a:ext uri="{909E8E84-426E-40dd-AFC4-6F175D3DCCD1}">
-              <a14:hiddenFill xmlns:a14="http://schemas.microsoft.com/office/drawing/2007/7/7/main">
+              <a14:hiddenFill xmlns:a14="http://schemas.microsoft.com/office/drawing/2007/7/7/main" xmlns="">
                 <a:solidFill>
                   <a:srgbClr xmlns:mc="http://schemas.openxmlformats.org/markup-compatibility/2006" val="FFFFFF" mc:Ignorable=""/>
                 </a:solidFill>
@@ -13257,7 +13303,7 @@
     </p:spTree>
     <p:extLst>
       <p:ext uri="{BB962C8B-B14F-4D97-AF65-F5344CB8AC3E}">
-        <p14:creationId xmlns:p14="http://schemas.microsoft.com/office/powerpoint/2007/7/12/main" val="2278854831"/>
+        <p14:creationId xmlns:p14="http://schemas.microsoft.com/office/powerpoint/2007/7/12/main" xmlns="" val="2278854831"/>
       </p:ext>
     </p:extLst>
   </p:cSld>
@@ -13267,7 +13313,7 @@
   <p:timing>
     <p:tnLst>
       <p:par>
-        <p:cTn xmlns:p14="http://schemas.microsoft.com/office/powerpoint/2007/7/12/main" id="1" dur="indefinite" restart="never" nodeType="tmRoot"/>
+        <p:cTn id="1" dur="indefinite" restart="never" nodeType="tmRoot"/>
       </p:par>
     </p:tnLst>
   </p:timing>
@@ -13389,7 +13435,7 @@
           <a:blip r:embed="rId2">
             <a:extLst>
               <a:ext uri="28A0092B-C50C-407e-A947-70E740481C1C">
-                <a14:useLocalDpi xmlns:a14="http://schemas.microsoft.com/office/drawing/2007/7/7/main" val="0"/>
+                <a14:useLocalDpi xmlns:a14="http://schemas.microsoft.com/office/drawing/2007/7/7/main" xmlns="" val="0"/>
               </a:ext>
             </a:extLst>
           </a:blip>
@@ -13409,14 +13455,14 @@
           <a:noFill/>
           <a:extLst>
             <a:ext uri="{909E8E84-426E-40dd-AFC4-6F175D3DCCD1}">
-              <a14:hiddenFill xmlns:a14="http://schemas.microsoft.com/office/drawing/2007/7/7/main">
+              <a14:hiddenFill xmlns:a14="http://schemas.microsoft.com/office/drawing/2007/7/7/main" xmlns="">
                 <a:solidFill>
                   <a:srgbClr xmlns:mc="http://schemas.openxmlformats.org/markup-compatibility/2006" val="FFFFFF" mc:Ignorable=""/>
                 </a:solidFill>
               </a14:hiddenFill>
             </a:ext>
             <a:ext uri="{53640926-AAD7-44d8-BBD7-CCE9431645EC}">
-              <a14:shadowObscured xmlns:a14="http://schemas.microsoft.com/office/drawing/2007/7/7/main" val="1"/>
+              <a14:shadowObscured xmlns:a14="http://schemas.microsoft.com/office/drawing/2007/7/7/main" xmlns="" val="1"/>
             </a:ext>
           </a:extLst>
         </p:spPr>
@@ -13424,7 +13470,7 @@
     </p:spTree>
     <p:extLst>
       <p:ext uri="{BB962C8B-B14F-4D97-AF65-F5344CB8AC3E}">
-        <p14:creationId xmlns:p14="http://schemas.microsoft.com/office/powerpoint/2007/7/12/main" val="1829070041"/>
+        <p14:creationId xmlns:p14="http://schemas.microsoft.com/office/powerpoint/2007/7/12/main" xmlns="" val="1829070041"/>
       </p:ext>
     </p:extLst>
   </p:cSld>
@@ -13434,7 +13480,7 @@
   <p:timing>
     <p:tnLst>
       <p:par>
-        <p:cTn xmlns:p14="http://schemas.microsoft.com/office/powerpoint/2007/7/12/main" id="1" dur="indefinite" restart="never" nodeType="tmRoot"/>
+        <p:cTn id="1" dur="indefinite" restart="never" nodeType="tmRoot"/>
       </p:par>
     </p:tnLst>
   </p:timing>
@@ -13556,7 +13602,7 @@
           <a:blip r:embed="rId2">
             <a:extLst>
               <a:ext uri="28A0092B-C50C-407e-A947-70E740481C1C">
-                <a14:useLocalDpi xmlns:a14="http://schemas.microsoft.com/office/drawing/2007/7/7/main" val="0"/>
+                <a14:useLocalDpi xmlns:a14="http://schemas.microsoft.com/office/drawing/2007/7/7/main" xmlns="" val="0"/>
               </a:ext>
             </a:extLst>
           </a:blip>
@@ -13576,7 +13622,7 @@
           <a:noFill/>
           <a:extLst>
             <a:ext uri="{909E8E84-426E-40dd-AFC4-6F175D3DCCD1}">
-              <a14:hiddenFill xmlns:a14="http://schemas.microsoft.com/office/drawing/2007/7/7/main">
+              <a14:hiddenFill xmlns:a14="http://schemas.microsoft.com/office/drawing/2007/7/7/main" xmlns="">
                 <a:solidFill>
                   <a:srgbClr xmlns:mc="http://schemas.openxmlformats.org/markup-compatibility/2006" val="FFFFFF" mc:Ignorable=""/>
                 </a:solidFill>
@@ -13588,7 +13634,7 @@
     </p:spTree>
     <p:extLst>
       <p:ext uri="{BB962C8B-B14F-4D97-AF65-F5344CB8AC3E}">
-        <p14:creationId xmlns:p14="http://schemas.microsoft.com/office/powerpoint/2007/7/12/main" val="1829070041"/>
+        <p14:creationId xmlns:p14="http://schemas.microsoft.com/office/powerpoint/2007/7/12/main" xmlns="" val="1829070041"/>
       </p:ext>
     </p:extLst>
   </p:cSld>
@@ -13598,7 +13644,7 @@
   <p:timing>
     <p:tnLst>
       <p:par>
-        <p:cTn xmlns:p14="http://schemas.microsoft.com/office/powerpoint/2007/7/12/main" id="1" dur="indefinite" restart="never" nodeType="tmRoot"/>
+        <p:cTn id="1" dur="indefinite" restart="never" nodeType="tmRoot"/>
       </p:par>
     </p:tnLst>
   </p:timing>
@@ -13671,7 +13717,7 @@
     </p:spTree>
     <p:extLst>
       <p:ext uri="{BB962C8B-B14F-4D97-AF65-F5344CB8AC3E}">
-        <p14:creationId xmlns:p14="http://schemas.microsoft.com/office/powerpoint/2007/7/12/main" val="1215991128"/>
+        <p14:creationId xmlns:p14="http://schemas.microsoft.com/office/powerpoint/2007/7/12/main" xmlns="" val="1215991128"/>
       </p:ext>
     </p:extLst>
   </p:cSld>
@@ -13681,7 +13727,7 @@
   <p:timing>
     <p:tnLst>
       <p:par>
-        <p:cTn xmlns:p14="http://schemas.microsoft.com/office/powerpoint/2007/7/12/main" id="1" dur="indefinite" restart="never" nodeType="tmRoot"/>
+        <p:cTn id="1" dur="indefinite" restart="never" nodeType="tmRoot"/>
       </p:par>
     </p:tnLst>
   </p:timing>
@@ -13919,7 +13965,7 @@
           <p:nvPr>
             <p:extLst>
               <p:ext uri="{D42A27DB-BD31-4B8C-83A1-F6EECF244321}">
-                <p14:modId xmlns:p14="http://schemas.microsoft.com/office/powerpoint/2007/7/12/main" val="1184675271"/>
+                <p14:modId xmlns:p14="http://schemas.microsoft.com/office/powerpoint/2007/7/12/main" xmlns="" val="1184675271"/>
               </p:ext>
             </p:extLst>
           </p:nvPr>
@@ -13937,7 +13983,7 @@
     </p:spTree>
     <p:extLst>
       <p:ext uri="{BB962C8B-B14F-4D97-AF65-F5344CB8AC3E}">
-        <p14:creationId xmlns:p14="http://schemas.microsoft.com/office/powerpoint/2007/7/12/main" val="454031538"/>
+        <p14:creationId xmlns:p14="http://schemas.microsoft.com/office/powerpoint/2007/7/12/main" xmlns="" val="454031538"/>
       </p:ext>
     </p:extLst>
   </p:cSld>
@@ -13947,7 +13993,7 @@
   <p:timing>
     <p:tnLst>
       <p:par>
-        <p:cTn xmlns:p14="http://schemas.microsoft.com/office/powerpoint/2007/7/12/main" id="1" dur="indefinite" restart="never" nodeType="tmRoot"/>
+        <p:cTn id="1" dur="indefinite" restart="never" nodeType="tmRoot"/>
       </p:par>
     </p:tnLst>
   </p:timing>
@@ -14001,11 +14047,11 @@
             <a:r>
               <a:rPr altLang="ko-KR" smtClean="0">
                 <a:solidFill>
-                  <a:srgbClr xmlns:mc="http://schemas.openxmlformats.org/markup-compatibility/2006" xmlns:a14="http://schemas.microsoft.com/office/drawing/2007/7/7/main" val="C44F00" mc:Ignorable=""/>
+                  <a:srgbClr val="C44F00"/>
                 </a:solidFill>
                 <a:effectLst>
                   <a:outerShdw blurRad="38100" dist="38100" dir="2700000" algn="tl">
-                    <a:srgbClr xmlns:mc="http://schemas.openxmlformats.org/markup-compatibility/2006" xmlns:a14="http://schemas.microsoft.com/office/drawing/2007/7/7/main" val="C0C0C0" mc:Ignorable=""/>
+                    <a:srgbClr val="C0C0C0"/>
                   </a:outerShdw>
                 </a:effectLst>
                 <a:ea typeface="굴림" charset="-127"/>
@@ -14020,11 +14066,11 @@
             <a:r>
               <a:rPr altLang="ko-KR" smtClean="0">
                 <a:solidFill>
-                  <a:srgbClr xmlns:mc="http://schemas.openxmlformats.org/markup-compatibility/2006" xmlns:a14="http://schemas.microsoft.com/office/drawing/2007/7/7/main" val="595959" mc:Ignorable=""/>
+                  <a:srgbClr val="595959"/>
                 </a:solidFill>
                 <a:effectLst>
                   <a:outerShdw blurRad="38100" dist="38100" dir="2700000" algn="tl">
-                    <a:srgbClr xmlns:mc="http://schemas.openxmlformats.org/markup-compatibility/2006" xmlns:a14="http://schemas.microsoft.com/office/drawing/2007/7/7/main" val="C0C0C0" mc:Ignorable=""/>
+                    <a:srgbClr val="C0C0C0"/>
                   </a:outerShdw>
                 </a:effectLst>
                 <a:ea typeface="굴림" charset="-127"/>
@@ -14039,11 +14085,11 @@
             <a:r>
               <a:rPr altLang="ko-KR" smtClean="0">
                 <a:solidFill>
-                  <a:srgbClr xmlns:mc="http://schemas.openxmlformats.org/markup-compatibility/2006" xmlns:a14="http://schemas.microsoft.com/office/drawing/2007/7/7/main" val="595959" mc:Ignorable=""/>
+                  <a:srgbClr val="595959"/>
                 </a:solidFill>
                 <a:effectLst>
                   <a:outerShdw blurRad="38100" dist="38100" dir="2700000" algn="tl">
-                    <a:srgbClr xmlns:mc="http://schemas.openxmlformats.org/markup-compatibility/2006" xmlns:a14="http://schemas.microsoft.com/office/drawing/2007/7/7/main" val="C0C0C0" mc:Ignorable=""/>
+                    <a:srgbClr val="C0C0C0"/>
                   </a:outerShdw>
                 </a:effectLst>
                 <a:ea typeface="굴림" charset="-127"/>
@@ -14057,11 +14103,11 @@
             </a:pPr>
             <a:endParaRPr altLang="ko-KR" smtClean="0">
               <a:solidFill>
-                <a:srgbClr xmlns:mc="http://schemas.openxmlformats.org/markup-compatibility/2006" xmlns:a14="http://schemas.microsoft.com/office/drawing/2007/7/7/main" val="8F481E" mc:Ignorable=""/>
+                <a:srgbClr val="8F481E"/>
               </a:solidFill>
               <a:effectLst>
                 <a:outerShdw blurRad="38100" dist="38100" dir="2700000" algn="tl">
-                  <a:srgbClr xmlns:mc="http://schemas.openxmlformats.org/markup-compatibility/2006" xmlns:a14="http://schemas.microsoft.com/office/drawing/2007/7/7/main" val="C0C0C0" mc:Ignorable=""/>
+                  <a:srgbClr val="C0C0C0"/>
                 </a:outerShdw>
               </a:effectLst>
               <a:ea typeface="굴림" charset="-127"/>
@@ -14106,7 +14152,7 @@
                 </a:ln>
                 <a:effectLst>
                   <a:outerShdw blurRad="38100" dist="38100" dir="2700000" algn="tl">
-                    <a:srgbClr xmlns:mc="http://schemas.openxmlformats.org/markup-compatibility/2006" xmlns:a14="http://schemas.microsoft.com/office/drawing/2007/7/7/main" val="000000" mc:Ignorable="">
+                    <a:srgbClr val="000000">
                       <a:alpha val="43137"/>
                     </a:srgbClr>
                   </a:outerShdw>
@@ -14124,7 +14170,7 @@
                 </a:solidFill>
                 <a:effectLst>
                   <a:outerShdw blurRad="38100" dist="38100" dir="2700000" algn="tl">
-                    <a:srgbClr xmlns:mc="http://schemas.openxmlformats.org/markup-compatibility/2006" xmlns:a14="http://schemas.microsoft.com/office/drawing/2007/7/7/main" val="000000" mc:Ignorable="">
+                    <a:srgbClr val="000000">
                       <a:alpha val="43137"/>
                     </a:srgbClr>
                   </a:outerShdw>
@@ -14142,7 +14188,7 @@
                 </a:solidFill>
                 <a:effectLst>
                   <a:outerShdw blurRad="38100" dist="38100" dir="2700000" algn="tl">
-                    <a:srgbClr xmlns:mc="http://schemas.openxmlformats.org/markup-compatibility/2006" xmlns:a14="http://schemas.microsoft.com/office/drawing/2007/7/7/main" val="000000" mc:Ignorable="">
+                    <a:srgbClr val="000000">
                       <a:alpha val="43137"/>
                     </a:srgbClr>
                   </a:outerShdw>
@@ -14159,7 +14205,7 @@
                 </a:solidFill>
                 <a:effectLst>
                   <a:outerShdw blurRad="38100" dist="38100" dir="2700000" algn="tl">
-                    <a:srgbClr xmlns:mc="http://schemas.openxmlformats.org/markup-compatibility/2006" xmlns:a14="http://schemas.microsoft.com/office/drawing/2007/7/7/main" val="000000" mc:Ignorable="">
+                    <a:srgbClr val="000000">
                       <a:alpha val="43137"/>
                     </a:srgbClr>
                   </a:outerShdw>
@@ -14179,7 +14225,7 @@
                 </a:solidFill>
                 <a:effectLst>
                   <a:outerShdw blurRad="38100" dist="38100" dir="2700000" algn="tl">
-                    <a:srgbClr xmlns:mc="http://schemas.openxmlformats.org/markup-compatibility/2006" xmlns:a14="http://schemas.microsoft.com/office/drawing/2007/7/7/main" val="000000" mc:Ignorable="">
+                    <a:srgbClr val="000000">
                       <a:alpha val="43137"/>
                     </a:srgbClr>
                   </a:outerShdw>
@@ -14198,7 +14244,7 @@
               </a:solidFill>
               <a:effectLst>
                 <a:outerShdw blurRad="38100" dist="38100" dir="2700000" algn="tl">
-                  <a:srgbClr xmlns:mc="http://schemas.openxmlformats.org/markup-compatibility/2006" xmlns:a14="http://schemas.microsoft.com/office/drawing/2007/7/7/main" val="000000" mc:Ignorable="">
+                  <a:srgbClr val="000000">
                     <a:alpha val="43137"/>
                   </a:srgbClr>
                 </a:outerShdw>
@@ -14264,7 +14310,7 @@
             </a:avLst>
           </a:prstGeom>
           <a:solidFill>
-            <a:srgbClr xmlns:mc="http://schemas.openxmlformats.org/markup-compatibility/2006" xmlns:a14="http://schemas.microsoft.com/office/drawing/2007/7/7/main" val="FFFFFF" mc:Ignorable="">
+            <a:srgbClr val="FFFFFF">
               <a:shade val="85000"/>
             </a:srgbClr>
           </a:solidFill>
@@ -14302,7 +14348,7 @@
             </a:avLst>
           </a:prstGeom>
           <a:solidFill>
-            <a:srgbClr xmlns:mc="http://schemas.openxmlformats.org/markup-compatibility/2006" xmlns:a14="http://schemas.microsoft.com/office/drawing/2007/7/7/main" val="FFFFFF" mc:Ignorable="">
+            <a:srgbClr val="FFFFFF">
               <a:shade val="85000"/>
             </a:srgbClr>
           </a:solidFill>
@@ -14357,7 +14403,7 @@
               <a:rPr lang="fr-FR" sz="2400" b="1" dirty="0" smtClean="0">
                 <a:effectLst>
                   <a:outerShdw blurRad="38100" dist="38100" dir="2700000" algn="tl">
-                    <a:srgbClr xmlns:mc="http://schemas.openxmlformats.org/markup-compatibility/2006" xmlns:a14="http://schemas.microsoft.com/office/drawing/2007/7/7/main" val="000000" mc:Ignorable="">
+                    <a:srgbClr val="000000">
                       <a:alpha val="43137"/>
                     </a:srgbClr>
                   </a:outerShdw>
@@ -14376,7 +14422,7 @@
   <p:timing>
     <p:tnLst>
       <p:par>
-        <p:cTn xmlns:p14="http://schemas.microsoft.com/office/powerpoint/2007/7/12/main" id="1" dur="indefinite" restart="never" nodeType="tmRoot"/>
+        <p:cTn id="1" dur="indefinite" restart="never" nodeType="tmRoot"/>
       </p:par>
     </p:tnLst>
   </p:timing>
@@ -14592,7 +14638,7 @@
   <p:timing>
     <p:tnLst>
       <p:par>
-        <p:cTn xmlns:p14="http://schemas.microsoft.com/office/powerpoint/2007/7/12/main" id="1" dur="indefinite" restart="never" nodeType="tmRoot"/>
+        <p:cTn id="1" dur="indefinite" restart="never" nodeType="tmRoot"/>
       </p:par>
     </p:tnLst>
   </p:timing>
@@ -14718,16 +14764,16 @@
               <a:defRPr lang="fr-FR" sz="3600" b="0" cap="none" spc="0">
                 <a:ln w="18415" cmpd="sng">
                   <a:solidFill>
-                    <a:srgbClr xmlns:mc="http://schemas.openxmlformats.org/markup-compatibility/2006" xmlns:a14="http://schemas.microsoft.com/office/drawing/2007/7/7/main" val="FFFFFF" mc:Ignorable=""/>
+                    <a:srgbClr val="FFFFFF"/>
                   </a:solidFill>
                   <a:prstDash val="solid"/>
                 </a:ln>
                 <a:solidFill>
-                  <a:srgbClr xmlns:mc="http://schemas.openxmlformats.org/markup-compatibility/2006" xmlns:a14="http://schemas.microsoft.com/office/drawing/2007/7/7/main" val="FFFFFF" mc:Ignorable=""/>
+                  <a:srgbClr val="FFFFFF"/>
                 </a:solidFill>
                 <a:effectLst>
                   <a:outerShdw blurRad="63500" dir="3600000" algn="tl" rotWithShape="0">
-                    <a:srgbClr xmlns:mc="http://schemas.openxmlformats.org/markup-compatibility/2006" xmlns:a14="http://schemas.microsoft.com/office/drawing/2007/7/7/main" val="000000" mc:Ignorable="">
+                    <a:srgbClr val="000000">
                       <a:alpha val="70000"/>
                     </a:srgbClr>
                   </a:outerShdw>
@@ -14865,7 +14911,7 @@
           <a:p>
             <a:pPr indent="273050" eaLnBrk="1" hangingPunct="1">
               <a:buClr>
-                <a:srgbClr xmlns:mc="http://schemas.openxmlformats.org/markup-compatibility/2006" xmlns:a14="http://schemas.microsoft.com/office/drawing/2007/7/7/main" val="C44F00" mc:Ignorable=""/>
+                <a:srgbClr val="C44F00"/>
               </a:buClr>
               <a:buFont typeface="Calibri" pitchFamily="34" charset="0"/>
               <a:buAutoNum type="arabicPeriod"/>
@@ -14887,7 +14933,7 @@
           <a:p>
             <a:pPr indent="273050" eaLnBrk="1" hangingPunct="1">
               <a:buClr>
-                <a:srgbClr xmlns:mc="http://schemas.openxmlformats.org/markup-compatibility/2006" xmlns:a14="http://schemas.microsoft.com/office/drawing/2007/7/7/main" val="C44F00" mc:Ignorable=""/>
+                <a:srgbClr val="C44F00"/>
               </a:buClr>
               <a:buFont typeface="Calibri" pitchFamily="34" charset="0"/>
               <a:buAutoNum type="arabicPeriod"/>
@@ -14906,7 +14952,7 @@
           <a:p>
             <a:pPr indent="273050" eaLnBrk="1" hangingPunct="1">
               <a:buClr>
-                <a:srgbClr xmlns:mc="http://schemas.openxmlformats.org/markup-compatibility/2006" xmlns:a14="http://schemas.microsoft.com/office/drawing/2007/7/7/main" val="C44F00" mc:Ignorable=""/>
+                <a:srgbClr val="C44F00"/>
               </a:buClr>
               <a:buFont typeface="Calibri" pitchFamily="34" charset="0"/>
               <a:buAutoNum type="arabicPeriod"/>
@@ -14928,7 +14974,7 @@
           <a:p>
             <a:pPr indent="273050" eaLnBrk="1" hangingPunct="1">
               <a:buClr>
-                <a:srgbClr xmlns:mc="http://schemas.openxmlformats.org/markup-compatibility/2006" xmlns:a14="http://schemas.microsoft.com/office/drawing/2007/7/7/main" val="C44F00" mc:Ignorable=""/>
+                <a:srgbClr val="C44F00"/>
               </a:buClr>
               <a:buFont typeface="Calibri" pitchFamily="34" charset="0"/>
               <a:buAutoNum type="arabicPeriod"/>
@@ -14947,7 +14993,7 @@
           <a:p>
             <a:pPr indent="273050" eaLnBrk="1" hangingPunct="1">
               <a:buClr>
-                <a:srgbClr xmlns:mc="http://schemas.openxmlformats.org/markup-compatibility/2006" xmlns:a14="http://schemas.microsoft.com/office/drawing/2007/7/7/main" val="C44F00" mc:Ignorable=""/>
+                <a:srgbClr val="C44F00"/>
               </a:buClr>
               <a:buFont typeface="Calibri" pitchFamily="34" charset="0"/>
               <a:buAutoNum type="arabicPeriod"/>
@@ -14969,7 +15015,7 @@
           <a:p>
             <a:pPr indent="273050" eaLnBrk="1" hangingPunct="1">
               <a:buClr>
-                <a:srgbClr xmlns:mc="http://schemas.openxmlformats.org/markup-compatibility/2006" xmlns:a14="http://schemas.microsoft.com/office/drawing/2007/7/7/main" val="C44F00" mc:Ignorable=""/>
+                <a:srgbClr val="C44F00"/>
               </a:buClr>
               <a:buFont typeface="Calibri" pitchFamily="34" charset="0"/>
               <a:buAutoNum type="arabicPeriod"/>
@@ -14988,7 +15034,7 @@
           <a:p>
             <a:pPr indent="273050" eaLnBrk="1" hangingPunct="1">
               <a:buClr>
-                <a:srgbClr xmlns:mc="http://schemas.openxmlformats.org/markup-compatibility/2006" xmlns:a14="http://schemas.microsoft.com/office/drawing/2007/7/7/main" val="C44F00" mc:Ignorable=""/>
+                <a:srgbClr val="C44F00"/>
               </a:buClr>
               <a:buFont typeface="Calibri" pitchFamily="34" charset="0"/>
               <a:buAutoNum type="arabicPeriod"/>
@@ -15044,7 +15090,7 @@
             </a:avLst>
           </a:prstGeom>
           <a:solidFill>
-            <a:srgbClr xmlns:mc="http://schemas.openxmlformats.org/markup-compatibility/2006" xmlns:a14="http://schemas.microsoft.com/office/drawing/2007/7/7/main" val="FFFFFF" mc:Ignorable="">
+            <a:srgbClr val="FFFFFF">
               <a:shade val="85000"/>
             </a:srgbClr>
           </a:solidFill>
@@ -15064,7 +15110,7 @@
     </p:spTree>
     <p:extLst>
       <p:ext uri="{BB962C8B-B14F-4D97-AF65-F5344CB8AC3E}">
-        <p14:creationId xmlns:p14="http://schemas.microsoft.com/office/powerpoint/2007/7/12/main" val="2996111515"/>
+        <p14:creationId xmlns:p14="http://schemas.microsoft.com/office/powerpoint/2007/7/12/main" xmlns="" val="2996111515"/>
       </p:ext>
     </p:extLst>
   </p:cSld>
@@ -15074,7 +15120,7 @@
   <p:timing>
     <p:tnLst>
       <p:par>
-        <p:cTn xmlns:p14="http://schemas.microsoft.com/office/powerpoint/2007/7/12/main" id="1" dur="indefinite" restart="never" nodeType="tmRoot"/>
+        <p:cTn id="1" dur="indefinite" restart="never" nodeType="tmRoot"/>
       </p:par>
     </p:tnLst>
   </p:timing>
@@ -15147,7 +15193,7 @@
     </p:spTree>
     <p:extLst>
       <p:ext uri="{BB962C8B-B14F-4D97-AF65-F5344CB8AC3E}">
-        <p14:creationId xmlns:p14="http://schemas.microsoft.com/office/powerpoint/2007/7/12/main" val="3707259682"/>
+        <p14:creationId xmlns:p14="http://schemas.microsoft.com/office/powerpoint/2007/7/12/main" xmlns="" val="3707259682"/>
       </p:ext>
     </p:extLst>
   </p:cSld>
@@ -15157,7 +15203,7 @@
   <p:timing>
     <p:tnLst>
       <p:par>
-        <p:cTn xmlns:p14="http://schemas.microsoft.com/office/powerpoint/2007/7/12/main" id="1" dur="indefinite" restart="never" nodeType="tmRoot"/>
+        <p:cTn id="1" dur="indefinite" restart="never" nodeType="tmRoot"/>
       </p:par>
     </p:tnLst>
   </p:timing>
@@ -15246,7 +15292,7 @@
     </p:spTree>
     <p:extLst>
       <p:ext uri="{BB962C8B-B14F-4D97-AF65-F5344CB8AC3E}">
-        <p14:creationId xmlns:p14="http://schemas.microsoft.com/office/powerpoint/2007/7/12/main" val="3819095931"/>
+        <p14:creationId xmlns:p14="http://schemas.microsoft.com/office/powerpoint/2007/7/12/main" xmlns="" val="3819095931"/>
       </p:ext>
     </p:extLst>
   </p:cSld>
@@ -15256,7 +15302,7 @@
   <p:timing>
     <p:tnLst>
       <p:par>
-        <p:cTn xmlns:p14="http://schemas.microsoft.com/office/powerpoint/2007/7/12/main" id="1" dur="indefinite" restart="never" nodeType="tmRoot"/>
+        <p:cTn id="1" dur="indefinite" restart="never" nodeType="tmRoot"/>
       </p:par>
     </p:tnLst>
   </p:timing>
@@ -15516,7 +15562,7 @@
                 <a:spcPct val="0"/>
               </a:spcAft>
               <a:buClr>
-                <a:srgbClr xmlns:mc="http://schemas.openxmlformats.org/markup-compatibility/2006" xmlns:a14="http://schemas.microsoft.com/office/drawing/2007/7/7/main" val="DA7E18" mc:Ignorable=""/>
+                <a:srgbClr val="DA7E18"/>
               </a:buClr>
               <a:buSzPct val="70000"/>
               <a:buFont typeface="Wingdings" pitchFamily="2" charset="2"/>
@@ -15538,7 +15584,7 @@
                 <a:spcPct val="0"/>
               </a:spcAft>
               <a:buClr>
-                <a:srgbClr xmlns:mc="http://schemas.openxmlformats.org/markup-compatibility/2006" xmlns:a14="http://schemas.microsoft.com/office/drawing/2007/7/7/main" val="E5AB1B" mc:Ignorable=""/>
+                <a:srgbClr val="E5AB1B"/>
               </a:buClr>
               <a:buSzPct val="70000"/>
               <a:buFont typeface="Wingdings" pitchFamily="2" charset="2"/>
@@ -15920,7 +15966,7 @@
                 <a:spcPct val="0"/>
               </a:spcAft>
               <a:buClr>
-                <a:srgbClr xmlns:mc="http://schemas.openxmlformats.org/markup-compatibility/2006" xmlns:a14="http://schemas.microsoft.com/office/drawing/2007/7/7/main" val="DA7E18" mc:Ignorable=""/>
+                <a:srgbClr val="DA7E18"/>
               </a:buClr>
               <a:buSzPct val="70000"/>
               <a:buFont typeface="Wingdings" pitchFamily="2" charset="2"/>
@@ -15942,7 +15988,7 @@
                 <a:spcPct val="0"/>
               </a:spcAft>
               <a:buClr>
-                <a:srgbClr xmlns:mc="http://schemas.openxmlformats.org/markup-compatibility/2006" xmlns:a14="http://schemas.microsoft.com/office/drawing/2007/7/7/main" val="E5AB1B" mc:Ignorable=""/>
+                <a:srgbClr val="E5AB1B"/>
               </a:buClr>
               <a:buSzPct val="70000"/>
               <a:buFont typeface="Wingdings" pitchFamily="2" charset="2"/>
@@ -16140,7 +16186,7 @@
                 <a:spcPct val="0"/>
               </a:spcAft>
               <a:buClr>
-                <a:srgbClr xmlns:mc="http://schemas.openxmlformats.org/markup-compatibility/2006" xmlns:a14="http://schemas.microsoft.com/office/drawing/2007/7/7/main" val="DA7E18" mc:Ignorable=""/>
+                <a:srgbClr val="DA7E18"/>
               </a:buClr>
               <a:buSzPct val="70000"/>
               <a:buFont typeface="Wingdings" pitchFamily="2" charset="2"/>
@@ -16162,7 +16208,7 @@
                 <a:spcPct val="0"/>
               </a:spcAft>
               <a:buClr>
-                <a:srgbClr xmlns:mc="http://schemas.openxmlformats.org/markup-compatibility/2006" xmlns:a14="http://schemas.microsoft.com/office/drawing/2007/7/7/main" val="E5AB1B" mc:Ignorable=""/>
+                <a:srgbClr val="E5AB1B"/>
               </a:buClr>
               <a:buSzPct val="70000"/>
               <a:buFont typeface="Wingdings" pitchFamily="2" charset="2"/>
@@ -16360,7 +16406,7 @@
                 <a:spcPct val="0"/>
               </a:spcAft>
               <a:buClr>
-                <a:srgbClr xmlns:mc="http://schemas.openxmlformats.org/markup-compatibility/2006" xmlns:a14="http://schemas.microsoft.com/office/drawing/2007/7/7/main" val="DA7E18" mc:Ignorable=""/>
+                <a:srgbClr val="DA7E18"/>
               </a:buClr>
               <a:buSzPct val="70000"/>
               <a:buFont typeface="Wingdings" pitchFamily="2" charset="2"/>
@@ -16382,7 +16428,7 @@
                 <a:spcPct val="0"/>
               </a:spcAft>
               <a:buClr>
-                <a:srgbClr xmlns:mc="http://schemas.openxmlformats.org/markup-compatibility/2006" xmlns:a14="http://schemas.microsoft.com/office/drawing/2007/7/7/main" val="E5AB1B" mc:Ignorable=""/>
+                <a:srgbClr val="E5AB1B"/>
               </a:buClr>
               <a:buSzPct val="70000"/>
               <a:buFont typeface="Wingdings" pitchFamily="2" charset="2"/>
@@ -16575,7 +16621,7 @@
                 <a:spcPct val="0"/>
               </a:spcAft>
               <a:buClr>
-                <a:srgbClr xmlns:mc="http://schemas.openxmlformats.org/markup-compatibility/2006" xmlns:a14="http://schemas.microsoft.com/office/drawing/2007/7/7/main" val="DA7E18" mc:Ignorable=""/>
+                <a:srgbClr val="DA7E18"/>
               </a:buClr>
               <a:buSzPct val="70000"/>
               <a:buFont typeface="Wingdings" pitchFamily="2" charset="2"/>
@@ -16597,7 +16643,7 @@
                 <a:spcPct val="0"/>
               </a:spcAft>
               <a:buClr>
-                <a:srgbClr xmlns:mc="http://schemas.openxmlformats.org/markup-compatibility/2006" xmlns:a14="http://schemas.microsoft.com/office/drawing/2007/7/7/main" val="E5AB1B" mc:Ignorable=""/>
+                <a:srgbClr val="E5AB1B"/>
               </a:buClr>
               <a:buSzPct val="70000"/>
               <a:buFont typeface="Wingdings" pitchFamily="2" charset="2"/>
@@ -16774,7 +16820,7 @@
                 <a:spcPct val="0"/>
               </a:spcAft>
               <a:buClr>
-                <a:srgbClr xmlns:mc="http://schemas.openxmlformats.org/markup-compatibility/2006" xmlns:a14="http://schemas.microsoft.com/office/drawing/2007/7/7/main" val="DA7E18" mc:Ignorable=""/>
+                <a:srgbClr val="DA7E18"/>
               </a:buClr>
               <a:buSzPct val="70000"/>
               <a:buFont typeface="Wingdings" pitchFamily="2" charset="2"/>
@@ -16796,7 +16842,7 @@
                 <a:spcPct val="0"/>
               </a:spcAft>
               <a:buClr>
-                <a:srgbClr xmlns:mc="http://schemas.openxmlformats.org/markup-compatibility/2006" xmlns:a14="http://schemas.microsoft.com/office/drawing/2007/7/7/main" val="E5AB1B" mc:Ignorable=""/>
+                <a:srgbClr val="E5AB1B"/>
               </a:buClr>
               <a:buSzPct val="70000"/>
               <a:buFont typeface="Wingdings" pitchFamily="2" charset="2"/>
@@ -16935,7 +16981,7 @@
     </p:spTree>
     <p:extLst>
       <p:ext uri="{BB962C8B-B14F-4D97-AF65-F5344CB8AC3E}">
-        <p14:creationId xmlns:p14="http://schemas.microsoft.com/office/powerpoint/2007/7/12/main" val="1726127084"/>
+        <p14:creationId xmlns:p14="http://schemas.microsoft.com/office/powerpoint/2007/7/12/main" xmlns="" val="1726127084"/>
       </p:ext>
     </p:extLst>
   </p:cSld>
@@ -16945,7 +16991,7 @@
   <p:timing>
     <p:tnLst>
       <p:par>
-        <p:cTn xmlns:p14="http://schemas.microsoft.com/office/powerpoint/2007/7/12/main" id="1" dur="indefinite" restart="never" nodeType="tmRoot"/>
+        <p:cTn id="1" dur="indefinite" restart="never" nodeType="tmRoot"/>
       </p:par>
     </p:tnLst>
   </p:timing>
@@ -17565,7 +17611,7 @@
                 <a:spcPct val="0"/>
               </a:spcAft>
               <a:buClr>
-                <a:srgbClr xmlns:mc="http://schemas.openxmlformats.org/markup-compatibility/2006" xmlns:a14="http://schemas.microsoft.com/office/drawing/2007/7/7/main" val="DA7E18" mc:Ignorable=""/>
+                <a:srgbClr val="DA7E18"/>
               </a:buClr>
               <a:buSzPct val="70000"/>
               <a:buFont typeface="Wingdings" pitchFamily="2" charset="2"/>
@@ -17587,7 +17633,7 @@
                 <a:spcPct val="0"/>
               </a:spcAft>
               <a:buClr>
-                <a:srgbClr xmlns:mc="http://schemas.openxmlformats.org/markup-compatibility/2006" xmlns:a14="http://schemas.microsoft.com/office/drawing/2007/7/7/main" val="E5AB1B" mc:Ignorable=""/>
+                <a:srgbClr val="E5AB1B"/>
               </a:buClr>
               <a:buSzPct val="70000"/>
               <a:buFont typeface="Wingdings" pitchFamily="2" charset="2"/>
@@ -17764,7 +17810,7 @@
                 <a:spcPct val="0"/>
               </a:spcAft>
               <a:buClr>
-                <a:srgbClr xmlns:mc="http://schemas.openxmlformats.org/markup-compatibility/2006" xmlns:a14="http://schemas.microsoft.com/office/drawing/2007/7/7/main" val="DA7E18" mc:Ignorable=""/>
+                <a:srgbClr val="DA7E18"/>
               </a:buClr>
               <a:buSzPct val="70000"/>
               <a:buFont typeface="Wingdings" pitchFamily="2" charset="2"/>
@@ -17786,7 +17832,7 @@
                 <a:spcPct val="0"/>
               </a:spcAft>
               <a:buClr>
-                <a:srgbClr xmlns:mc="http://schemas.openxmlformats.org/markup-compatibility/2006" xmlns:a14="http://schemas.microsoft.com/office/drawing/2007/7/7/main" val="E5AB1B" mc:Ignorable=""/>
+                <a:srgbClr val="E5AB1B"/>
               </a:buClr>
               <a:buSzPct val="70000"/>
               <a:buFont typeface="Wingdings" pitchFamily="2" charset="2"/>
@@ -18160,7 +18206,7 @@
                 <a:spcPct val="0"/>
               </a:spcAft>
               <a:buClr>
-                <a:srgbClr xmlns:mc="http://schemas.openxmlformats.org/markup-compatibility/2006" xmlns:a14="http://schemas.microsoft.com/office/drawing/2007/7/7/main" val="DA7E18" mc:Ignorable=""/>
+                <a:srgbClr val="DA7E18"/>
               </a:buClr>
               <a:buSzPct val="70000"/>
               <a:buFont typeface="Wingdings" pitchFamily="2" charset="2"/>
@@ -18182,7 +18228,7 @@
                 <a:spcPct val="0"/>
               </a:spcAft>
               <a:buClr>
-                <a:srgbClr xmlns:mc="http://schemas.openxmlformats.org/markup-compatibility/2006" xmlns:a14="http://schemas.microsoft.com/office/drawing/2007/7/7/main" val="E5AB1B" mc:Ignorable=""/>
+                <a:srgbClr val="E5AB1B"/>
               </a:buClr>
               <a:buSzPct val="70000"/>
               <a:buFont typeface="Wingdings" pitchFamily="2" charset="2"/>
@@ -18358,7 +18404,7 @@
                 <a:spcPct val="0"/>
               </a:spcAft>
               <a:buClr>
-                <a:srgbClr xmlns:mc="http://schemas.openxmlformats.org/markup-compatibility/2006" xmlns:a14="http://schemas.microsoft.com/office/drawing/2007/7/7/main" val="DA7E18" mc:Ignorable=""/>
+                <a:srgbClr val="DA7E18"/>
               </a:buClr>
               <a:buSzPct val="70000"/>
               <a:buFont typeface="Wingdings" pitchFamily="2" charset="2"/>
@@ -18380,7 +18426,7 @@
                 <a:spcPct val="0"/>
               </a:spcAft>
               <a:buClr>
-                <a:srgbClr xmlns:mc="http://schemas.openxmlformats.org/markup-compatibility/2006" xmlns:a14="http://schemas.microsoft.com/office/drawing/2007/7/7/main" val="E5AB1B" mc:Ignorable=""/>
+                <a:srgbClr val="E5AB1B"/>
               </a:buClr>
               <a:buSzPct val="70000"/>
               <a:buFont typeface="Wingdings" pitchFamily="2" charset="2"/>
@@ -18741,7 +18787,7 @@
                 </a:solidFill>
                 <a:effectLst>
                   <a:outerShdw blurRad="38100" dist="38100" dir="2700000" algn="tl">
-                    <a:srgbClr xmlns:mc="http://schemas.openxmlformats.org/markup-compatibility/2006" xmlns:a14="http://schemas.microsoft.com/office/drawing/2007/7/7/main" val="000000" mc:Ignorable="">
+                    <a:srgbClr val="000000">
                       <a:alpha val="43137"/>
                     </a:srgbClr>
                   </a:outerShdw>
@@ -18758,7 +18804,7 @@
                 </a:solidFill>
                 <a:effectLst>
                   <a:outerShdw blurRad="38100" dist="38100" dir="2700000" algn="tl">
-                    <a:srgbClr xmlns:mc="http://schemas.openxmlformats.org/markup-compatibility/2006" xmlns:a14="http://schemas.microsoft.com/office/drawing/2007/7/7/main" val="000000" mc:Ignorable="">
+                    <a:srgbClr val="000000">
                       <a:alpha val="43137"/>
                     </a:srgbClr>
                   </a:outerShdw>
@@ -18775,7 +18821,7 @@
                 </a:solidFill>
                 <a:effectLst>
                   <a:outerShdw blurRad="38100" dist="38100" dir="2700000" algn="tl">
-                    <a:srgbClr xmlns:mc="http://schemas.openxmlformats.org/markup-compatibility/2006" xmlns:a14="http://schemas.microsoft.com/office/drawing/2007/7/7/main" val="000000" mc:Ignorable="">
+                    <a:srgbClr val="000000">
                       <a:alpha val="43137"/>
                     </a:srgbClr>
                   </a:outerShdw>
@@ -18792,7 +18838,7 @@
                 </a:solidFill>
                 <a:effectLst>
                   <a:outerShdw blurRad="38100" dist="38100" dir="2700000" algn="tl">
-                    <a:srgbClr xmlns:mc="http://schemas.openxmlformats.org/markup-compatibility/2006" xmlns:a14="http://schemas.microsoft.com/office/drawing/2007/7/7/main" val="000000" mc:Ignorable="">
+                    <a:srgbClr val="000000">
                       <a:alpha val="43137"/>
                     </a:srgbClr>
                   </a:outerShdw>
@@ -18832,7 +18878,7 @@
     </p:spTree>
     <p:extLst>
       <p:ext uri="{BB962C8B-B14F-4D97-AF65-F5344CB8AC3E}">
-        <p14:creationId xmlns:p14="http://schemas.microsoft.com/office/powerpoint/2007/7/12/main" val="2769818375"/>
+        <p14:creationId xmlns:p14="http://schemas.microsoft.com/office/powerpoint/2007/7/12/main" xmlns="" val="2769818375"/>
       </p:ext>
     </p:extLst>
   </p:cSld>
@@ -18842,7 +18888,7 @@
   <p:timing>
     <p:tnLst>
       <p:par>
-        <p:cTn xmlns:p14="http://schemas.microsoft.com/office/powerpoint/2007/7/12/main" id="1" dur="indefinite" restart="never" nodeType="tmRoot"/>
+        <p:cTn id="1" dur="indefinite" restart="never" nodeType="tmRoot"/>
       </p:par>
     </p:tnLst>
   </p:timing>
@@ -18994,7 +19040,7 @@
                 </a:solidFill>
                 <a:effectLst>
                   <a:outerShdw blurRad="38100" dist="38100" dir="2700000" algn="tl">
-                    <a:srgbClr xmlns:mc="http://schemas.openxmlformats.org/markup-compatibility/2006" xmlns:a14="http://schemas.microsoft.com/office/drawing/2007/7/7/main" val="000000" mc:Ignorable="">
+                    <a:srgbClr val="000000">
                       <a:alpha val="43137"/>
                     </a:srgbClr>
                   </a:outerShdw>
@@ -19550,7 +19596,7 @@
                 <a:spcPct val="0"/>
               </a:spcAft>
               <a:buClr>
-                <a:srgbClr xmlns:mc="http://schemas.openxmlformats.org/markup-compatibility/2006" xmlns:a14="http://schemas.microsoft.com/office/drawing/2007/7/7/main" val="DA7E18" mc:Ignorable=""/>
+                <a:srgbClr val="DA7E18"/>
               </a:buClr>
               <a:buSzPct val="70000"/>
               <a:buFont typeface="Wingdings" pitchFamily="2" charset="2"/>
@@ -19572,7 +19618,7 @@
                 <a:spcPct val="0"/>
               </a:spcAft>
               <a:buClr>
-                <a:srgbClr xmlns:mc="http://schemas.openxmlformats.org/markup-compatibility/2006" xmlns:a14="http://schemas.microsoft.com/office/drawing/2007/7/7/main" val="E5AB1B" mc:Ignorable=""/>
+                <a:srgbClr val="E5AB1B"/>
               </a:buClr>
               <a:buSzPct val="70000"/>
               <a:buFont typeface="Wingdings" pitchFamily="2" charset="2"/>
@@ -19749,7 +19795,7 @@
                 <a:spcPct val="0"/>
               </a:spcAft>
               <a:buClr>
-                <a:srgbClr xmlns:mc="http://schemas.openxmlformats.org/markup-compatibility/2006" xmlns:a14="http://schemas.microsoft.com/office/drawing/2007/7/7/main" val="DA7E18" mc:Ignorable=""/>
+                <a:srgbClr val="DA7E18"/>
               </a:buClr>
               <a:buSzPct val="70000"/>
               <a:buFont typeface="Wingdings" pitchFamily="2" charset="2"/>
@@ -19771,7 +19817,7 @@
                 <a:spcPct val="0"/>
               </a:spcAft>
               <a:buClr>
-                <a:srgbClr xmlns:mc="http://schemas.openxmlformats.org/markup-compatibility/2006" xmlns:a14="http://schemas.microsoft.com/office/drawing/2007/7/7/main" val="E5AB1B" mc:Ignorable=""/>
+                <a:srgbClr val="E5AB1B"/>
               </a:buClr>
               <a:buSzPct val="70000"/>
               <a:buFont typeface="Wingdings" pitchFamily="2" charset="2"/>
@@ -20149,7 +20195,7 @@
                 <a:spcPct val="0"/>
               </a:spcAft>
               <a:buClr>
-                <a:srgbClr xmlns:mc="http://schemas.openxmlformats.org/markup-compatibility/2006" xmlns:a14="http://schemas.microsoft.com/office/drawing/2007/7/7/main" val="DA7E18" mc:Ignorable=""/>
+                <a:srgbClr val="DA7E18"/>
               </a:buClr>
               <a:buSzPct val="70000"/>
               <a:buFont typeface="Wingdings" pitchFamily="2" charset="2"/>
@@ -20171,7 +20217,7 @@
                 <a:spcPct val="0"/>
               </a:spcAft>
               <a:buClr>
-                <a:srgbClr xmlns:mc="http://schemas.openxmlformats.org/markup-compatibility/2006" xmlns:a14="http://schemas.microsoft.com/office/drawing/2007/7/7/main" val="E5AB1B" mc:Ignorable=""/>
+                <a:srgbClr val="E5AB1B"/>
               </a:buClr>
               <a:buSzPct val="70000"/>
               <a:buFont typeface="Wingdings" pitchFamily="2" charset="2"/>
@@ -20351,7 +20397,7 @@
                 <a:spcPct val="0"/>
               </a:spcAft>
               <a:buClr>
-                <a:srgbClr xmlns:mc="http://schemas.openxmlformats.org/markup-compatibility/2006" xmlns:a14="http://schemas.microsoft.com/office/drawing/2007/7/7/main" val="DA7E18" mc:Ignorable=""/>
+                <a:srgbClr val="DA7E18"/>
               </a:buClr>
               <a:buSzPct val="70000"/>
               <a:buFont typeface="Wingdings" pitchFamily="2" charset="2"/>
@@ -20373,7 +20419,7 @@
                 <a:spcPct val="0"/>
               </a:spcAft>
               <a:buClr>
-                <a:srgbClr xmlns:mc="http://schemas.openxmlformats.org/markup-compatibility/2006" xmlns:a14="http://schemas.microsoft.com/office/drawing/2007/7/7/main" val="E5AB1B" mc:Ignorable=""/>
+                <a:srgbClr val="E5AB1B"/>
               </a:buClr>
               <a:buSzPct val="70000"/>
               <a:buFont typeface="Wingdings" pitchFamily="2" charset="2"/>
@@ -20695,7 +20741,7 @@
     </p:spTree>
     <p:extLst>
       <p:ext uri="{BB962C8B-B14F-4D97-AF65-F5344CB8AC3E}">
-        <p14:creationId xmlns:p14="http://schemas.microsoft.com/office/powerpoint/2007/7/12/main" val="2463560530"/>
+        <p14:creationId xmlns:p14="http://schemas.microsoft.com/office/powerpoint/2007/7/12/main" xmlns="" val="2463560530"/>
       </p:ext>
     </p:extLst>
   </p:cSld>
@@ -20705,7 +20751,7 @@
   <p:timing>
     <p:tnLst>
       <p:par>
-        <p:cTn xmlns:p14="http://schemas.microsoft.com/office/powerpoint/2007/7/12/main" id="1" dur="indefinite" restart="never" nodeType="tmRoot"/>
+        <p:cTn id="1" dur="indefinite" restart="never" nodeType="tmRoot"/>
       </p:par>
     </p:tnLst>
   </p:timing>
@@ -20857,7 +20903,7 @@
                 </a:solidFill>
                 <a:effectLst>
                   <a:outerShdw blurRad="38100" dist="38100" dir="2700000" algn="tl">
-                    <a:srgbClr xmlns:mc="http://schemas.openxmlformats.org/markup-compatibility/2006" xmlns:a14="http://schemas.microsoft.com/office/drawing/2007/7/7/main" val="000000" mc:Ignorable="">
+                    <a:srgbClr val="000000">
                       <a:alpha val="43137"/>
                     </a:srgbClr>
                   </a:outerShdw>
@@ -21431,7 +21477,7 @@
                 <a:spcPct val="0"/>
               </a:spcAft>
               <a:buClr>
-                <a:srgbClr xmlns:mc="http://schemas.openxmlformats.org/markup-compatibility/2006" xmlns:a14="http://schemas.microsoft.com/office/drawing/2007/7/7/main" val="DA7E18" mc:Ignorable=""/>
+                <a:srgbClr val="DA7E18"/>
               </a:buClr>
               <a:buSzPct val="70000"/>
               <a:buFont typeface="Wingdings" pitchFamily="2" charset="2"/>
@@ -21453,7 +21499,7 @@
                 <a:spcPct val="0"/>
               </a:spcAft>
               <a:buClr>
-                <a:srgbClr xmlns:mc="http://schemas.openxmlformats.org/markup-compatibility/2006" xmlns:a14="http://schemas.microsoft.com/office/drawing/2007/7/7/main" val="E5AB1B" mc:Ignorable=""/>
+                <a:srgbClr val="E5AB1B"/>
               </a:buClr>
               <a:buSzPct val="70000"/>
               <a:buFont typeface="Wingdings" pitchFamily="2" charset="2"/>
@@ -21630,7 +21676,7 @@
                 <a:spcPct val="0"/>
               </a:spcAft>
               <a:buClr>
-                <a:srgbClr xmlns:mc="http://schemas.openxmlformats.org/markup-compatibility/2006" xmlns:a14="http://schemas.microsoft.com/office/drawing/2007/7/7/main" val="DA7E18" mc:Ignorable=""/>
+                <a:srgbClr val="DA7E18"/>
               </a:buClr>
               <a:buSzPct val="70000"/>
               <a:buFont typeface="Wingdings" pitchFamily="2" charset="2"/>
@@ -21652,7 +21698,7 @@
                 <a:spcPct val="0"/>
               </a:spcAft>
               <a:buClr>
-                <a:srgbClr xmlns:mc="http://schemas.openxmlformats.org/markup-compatibility/2006" xmlns:a14="http://schemas.microsoft.com/office/drawing/2007/7/7/main" val="E5AB1B" mc:Ignorable=""/>
+                <a:srgbClr val="E5AB1B"/>
               </a:buClr>
               <a:buSzPct val="70000"/>
               <a:buFont typeface="Wingdings" pitchFamily="2" charset="2"/>
@@ -22016,7 +22062,7 @@
                 <a:spcPct val="0"/>
               </a:spcAft>
               <a:buClr>
-                <a:srgbClr xmlns:mc="http://schemas.openxmlformats.org/markup-compatibility/2006" xmlns:a14="http://schemas.microsoft.com/office/drawing/2007/7/7/main" val="DA7E18" mc:Ignorable=""/>
+                <a:srgbClr val="DA7E18"/>
               </a:buClr>
               <a:buSzPct val="70000"/>
               <a:buFont typeface="Wingdings" pitchFamily="2" charset="2"/>
@@ -22038,7 +22084,7 @@
                 <a:spcPct val="0"/>
               </a:spcAft>
               <a:buClr>
-                <a:srgbClr xmlns:mc="http://schemas.openxmlformats.org/markup-compatibility/2006" xmlns:a14="http://schemas.microsoft.com/office/drawing/2007/7/7/main" val="E5AB1B" mc:Ignorable=""/>
+                <a:srgbClr val="E5AB1B"/>
               </a:buClr>
               <a:buSzPct val="70000"/>
               <a:buFont typeface="Wingdings" pitchFamily="2" charset="2"/>
@@ -22218,7 +22264,7 @@
                 <a:spcPct val="0"/>
               </a:spcAft>
               <a:buClr>
-                <a:srgbClr xmlns:mc="http://schemas.openxmlformats.org/markup-compatibility/2006" xmlns:a14="http://schemas.microsoft.com/office/drawing/2007/7/7/main" val="DA7E18" mc:Ignorable=""/>
+                <a:srgbClr val="DA7E18"/>
               </a:buClr>
               <a:buSzPct val="70000"/>
               <a:buFont typeface="Wingdings" pitchFamily="2" charset="2"/>
@@ -22240,7 +22286,7 @@
                 <a:spcPct val="0"/>
               </a:spcAft>
               <a:buClr>
-                <a:srgbClr xmlns:mc="http://schemas.openxmlformats.org/markup-compatibility/2006" xmlns:a14="http://schemas.microsoft.com/office/drawing/2007/7/7/main" val="E5AB1B" mc:Ignorable=""/>
+                <a:srgbClr val="E5AB1B"/>
               </a:buClr>
               <a:buSzPct val="70000"/>
               <a:buFont typeface="Wingdings" pitchFamily="2" charset="2"/>
@@ -22562,7 +22608,7 @@
     </p:spTree>
     <p:extLst>
       <p:ext uri="{BB962C8B-B14F-4D97-AF65-F5344CB8AC3E}">
-        <p14:creationId xmlns:p14="http://schemas.microsoft.com/office/powerpoint/2007/7/12/main" val="4144121202"/>
+        <p14:creationId xmlns:p14="http://schemas.microsoft.com/office/powerpoint/2007/7/12/main" xmlns="" val="4144121202"/>
       </p:ext>
     </p:extLst>
   </p:cSld>
@@ -22572,7 +22618,7 @@
   <p:timing>
     <p:tnLst>
       <p:par>
-        <p:cTn xmlns:p14="http://schemas.microsoft.com/office/powerpoint/2007/7/12/main" id="1" dur="indefinite" restart="never" nodeType="tmRoot"/>
+        <p:cTn id="1" dur="indefinite" restart="never" nodeType="tmRoot"/>
       </p:par>
     </p:tnLst>
   </p:timing>
@@ -22590,34 +22636,34 @@
         <a:sysClr val="window" lastClr="FFFFFF"/>
       </a:lt1>
       <a:dk2>
-        <a:srgbClr xmlns:mc="http://schemas.openxmlformats.org/markup-compatibility/2006" xmlns:a14="http://schemas.microsoft.com/office/drawing/2007/7/7/main" val="424456" mc:Ignorable=""/>
+        <a:srgbClr val="424456"/>
       </a:dk2>
       <a:lt2>
-        <a:srgbClr xmlns:mc="http://schemas.openxmlformats.org/markup-compatibility/2006" xmlns:a14="http://schemas.microsoft.com/office/drawing/2007/7/7/main" val="DEDEDE" mc:Ignorable=""/>
+        <a:srgbClr val="DEDEDE"/>
       </a:lt2>
       <a:accent1>
-        <a:srgbClr xmlns:mc="http://schemas.openxmlformats.org/markup-compatibility/2006" xmlns:a14="http://schemas.microsoft.com/office/drawing/2007/7/7/main" val="53548A" mc:Ignorable=""/>
+        <a:srgbClr val="53548A"/>
       </a:accent1>
       <a:accent2>
-        <a:srgbClr xmlns:mc="http://schemas.openxmlformats.org/markup-compatibility/2006" xmlns:a14="http://schemas.microsoft.com/office/drawing/2007/7/7/main" val="438086" mc:Ignorable=""/>
+        <a:srgbClr val="438086"/>
       </a:accent2>
       <a:accent3>
-        <a:srgbClr xmlns:mc="http://schemas.openxmlformats.org/markup-compatibility/2006" xmlns:a14="http://schemas.microsoft.com/office/drawing/2007/7/7/main" val="A04DA3" mc:Ignorable=""/>
+        <a:srgbClr val="A04DA3"/>
       </a:accent3>
       <a:accent4>
-        <a:srgbClr xmlns:mc="http://schemas.openxmlformats.org/markup-compatibility/2006" xmlns:a14="http://schemas.microsoft.com/office/drawing/2007/7/7/main" val="C4652D" mc:Ignorable=""/>
+        <a:srgbClr val="C4652D"/>
       </a:accent4>
       <a:accent5>
-        <a:srgbClr xmlns:mc="http://schemas.openxmlformats.org/markup-compatibility/2006" xmlns:a14="http://schemas.microsoft.com/office/drawing/2007/7/7/main" val="8B5D3D" mc:Ignorable=""/>
+        <a:srgbClr val="8B5D3D"/>
       </a:accent5>
       <a:accent6>
-        <a:srgbClr xmlns:mc="http://schemas.openxmlformats.org/markup-compatibility/2006" xmlns:a14="http://schemas.microsoft.com/office/drawing/2007/7/7/main" val="5C92B5" mc:Ignorable=""/>
+        <a:srgbClr val="5C92B5"/>
       </a:accent6>
       <a:hlink>
-        <a:srgbClr xmlns:mc="http://schemas.openxmlformats.org/markup-compatibility/2006" xmlns:a14="http://schemas.microsoft.com/office/drawing/2007/7/7/main" val="67AFBD" mc:Ignorable=""/>
+        <a:srgbClr val="67AFBD"/>
       </a:hlink>
       <a:folHlink>
-        <a:srgbClr xmlns:mc="http://schemas.openxmlformats.org/markup-compatibility/2006" xmlns:a14="http://schemas.microsoft.com/office/drawing/2007/7/7/main" val="C2A874" mc:Ignorable=""/>
+        <a:srgbClr val="C2A874"/>
       </a:folHlink>
     </a:clrScheme>
     <a:fontScheme name="Office">
@@ -22768,7 +22814,7 @@
         <a:effectStyle>
           <a:effectLst>
             <a:outerShdw blurRad="65500" dist="38100" dir="5400000" rotWithShape="0">
-              <a:srgbClr xmlns:mc="http://schemas.openxmlformats.org/markup-compatibility/2006" xmlns:a14="http://schemas.microsoft.com/office/drawing/2007/7/7/main" val="000000" mc:Ignorable="">
+              <a:srgbClr val="000000">
                 <a:alpha val="40000"/>
               </a:srgbClr>
             </a:outerShdw>
@@ -22777,7 +22823,7 @@
         <a:effectStyle>
           <a:effectLst>
             <a:outerShdw blurRad="65500" dist="38100" dir="5400000" rotWithShape="0">
-              <a:srgbClr xmlns:mc="http://schemas.openxmlformats.org/markup-compatibility/2006" xmlns:a14="http://schemas.microsoft.com/office/drawing/2007/7/7/main" val="000000" mc:Ignorable="">
+              <a:srgbClr val="000000">
                 <a:alpha val="40000"/>
               </a:srgbClr>
             </a:outerShdw>
@@ -22786,7 +22832,7 @@
         <a:effectStyle>
           <a:effectLst>
             <a:outerShdw blurRad="65500" dist="38100" dir="5400000" rotWithShape="0">
-              <a:srgbClr xmlns:mc="http://schemas.openxmlformats.org/markup-compatibility/2006" xmlns:a14="http://schemas.microsoft.com/office/drawing/2007/7/7/main" val="000000" mc:Ignorable="">
+              <a:srgbClr val="000000">
                 <a:alpha val="40000"/>
               </a:srgbClr>
             </a:outerShdw>
@@ -22916,34 +22962,34 @@
         <a:sysClr val="window" lastClr="FFFFFF"/>
       </a:lt1>
       <a:dk2>
-        <a:srgbClr xmlns:mc="http://schemas.openxmlformats.org/markup-compatibility/2006" xmlns:a14="http://schemas.microsoft.com/office/drawing/2007/7/7/main" val="1F497D" mc:Ignorable=""/>
+        <a:srgbClr val="1F497D"/>
       </a:dk2>
       <a:lt2>
-        <a:srgbClr xmlns:mc="http://schemas.openxmlformats.org/markup-compatibility/2006" xmlns:a14="http://schemas.microsoft.com/office/drawing/2007/7/7/main" val="EEECE1" mc:Ignorable=""/>
+        <a:srgbClr val="EEECE1"/>
       </a:lt2>
       <a:accent1>
-        <a:srgbClr xmlns:mc="http://schemas.openxmlformats.org/markup-compatibility/2006" xmlns:a14="http://schemas.microsoft.com/office/drawing/2007/7/7/main" val="4F81BD" mc:Ignorable=""/>
+        <a:srgbClr val="4F81BD"/>
       </a:accent1>
       <a:accent2>
-        <a:srgbClr xmlns:mc="http://schemas.openxmlformats.org/markup-compatibility/2006" xmlns:a14="http://schemas.microsoft.com/office/drawing/2007/7/7/main" val="C0504D" mc:Ignorable=""/>
+        <a:srgbClr val="C0504D"/>
       </a:accent2>
       <a:accent3>
-        <a:srgbClr xmlns:mc="http://schemas.openxmlformats.org/markup-compatibility/2006" xmlns:a14="http://schemas.microsoft.com/office/drawing/2007/7/7/main" val="9BBB59" mc:Ignorable=""/>
+        <a:srgbClr val="9BBB59"/>
       </a:accent3>
       <a:accent4>
-        <a:srgbClr xmlns:mc="http://schemas.openxmlformats.org/markup-compatibility/2006" xmlns:a14="http://schemas.microsoft.com/office/drawing/2007/7/7/main" val="8064A2" mc:Ignorable=""/>
+        <a:srgbClr val="8064A2"/>
       </a:accent4>
       <a:accent5>
-        <a:srgbClr xmlns:mc="http://schemas.openxmlformats.org/markup-compatibility/2006" xmlns:a14="http://schemas.microsoft.com/office/drawing/2007/7/7/main" val="4BACC6" mc:Ignorable=""/>
+        <a:srgbClr val="4BACC6"/>
       </a:accent5>
       <a:accent6>
-        <a:srgbClr xmlns:mc="http://schemas.openxmlformats.org/markup-compatibility/2006" xmlns:a14="http://schemas.microsoft.com/office/drawing/2007/7/7/main" val="F79646" mc:Ignorable=""/>
+        <a:srgbClr val="F79646"/>
       </a:accent6>
       <a:hlink>
-        <a:srgbClr xmlns:mc="http://schemas.openxmlformats.org/markup-compatibility/2006" xmlns:a14="http://schemas.microsoft.com/office/drawing/2007/7/7/main" val="0000FF" mc:Ignorable=""/>
+        <a:srgbClr val="0000FF"/>
       </a:hlink>
       <a:folHlink>
-        <a:srgbClr xmlns:mc="http://schemas.openxmlformats.org/markup-compatibility/2006" xmlns:a14="http://schemas.microsoft.com/office/drawing/2007/7/7/main" val="800080" mc:Ignorable=""/>
+        <a:srgbClr val="800080"/>
       </a:folHlink>
     </a:clrScheme>
     <a:fontScheme name="Office">
@@ -23095,7 +23141,7 @@
         <a:effectStyle>
           <a:effectLst>
             <a:outerShdw blurRad="40000" dist="20000" dir="5400000" rotWithShape="0">
-              <a:srgbClr xmlns:mc="http://schemas.openxmlformats.org/markup-compatibility/2006" xmlns:a14="http://schemas.microsoft.com/office/drawing/2007/7/7/main" val="000000" mc:Ignorable="">
+              <a:srgbClr val="000000">
                 <a:alpha val="38000"/>
               </a:srgbClr>
             </a:outerShdw>
@@ -23104,7 +23150,7 @@
         <a:effectStyle>
           <a:effectLst>
             <a:outerShdw blurRad="40000" dist="23000" dir="5400000" rotWithShape="0">
-              <a:srgbClr xmlns:mc="http://schemas.openxmlformats.org/markup-compatibility/2006" xmlns:a14="http://schemas.microsoft.com/office/drawing/2007/7/7/main" val="000000" mc:Ignorable="">
+              <a:srgbClr val="000000">
                 <a:alpha val="35000"/>
               </a:srgbClr>
             </a:outerShdw>
@@ -23113,7 +23159,7 @@
         <a:effectStyle>
           <a:effectLst>
             <a:outerShdw blurRad="40000" dist="23000" dir="5400000" rotWithShape="0">
-              <a:srgbClr xmlns:mc="http://schemas.openxmlformats.org/markup-compatibility/2006" xmlns:a14="http://schemas.microsoft.com/office/drawing/2007/7/7/main" val="000000" mc:Ignorable="">
+              <a:srgbClr val="000000">
                 <a:alpha val="35000"/>
               </a:srgbClr>
             </a:outerShdw>
@@ -23199,34 +23245,34 @@
         <a:sysClr val="window" lastClr="FFFFFF"/>
       </a:lt1>
       <a:dk2>
-        <a:srgbClr xmlns:mc="http://schemas.openxmlformats.org/markup-compatibility/2006" xmlns:a14="http://schemas.microsoft.com/office/drawing/2007/7/7/main" val="1F497D" mc:Ignorable=""/>
+        <a:srgbClr val="1F497D"/>
       </a:dk2>
       <a:lt2>
-        <a:srgbClr xmlns:mc="http://schemas.openxmlformats.org/markup-compatibility/2006" xmlns:a14="http://schemas.microsoft.com/office/drawing/2007/7/7/main" val="EEECE1" mc:Ignorable=""/>
+        <a:srgbClr val="EEECE1"/>
       </a:lt2>
       <a:accent1>
-        <a:srgbClr xmlns:mc="http://schemas.openxmlformats.org/markup-compatibility/2006" xmlns:a14="http://schemas.microsoft.com/office/drawing/2007/7/7/main" val="4F81BD" mc:Ignorable=""/>
+        <a:srgbClr val="4F81BD"/>
       </a:accent1>
       <a:accent2>
-        <a:srgbClr xmlns:mc="http://schemas.openxmlformats.org/markup-compatibility/2006" xmlns:a14="http://schemas.microsoft.com/office/drawing/2007/7/7/main" val="C0504D" mc:Ignorable=""/>
+        <a:srgbClr val="C0504D"/>
       </a:accent2>
       <a:accent3>
-        <a:srgbClr xmlns:mc="http://schemas.openxmlformats.org/markup-compatibility/2006" xmlns:a14="http://schemas.microsoft.com/office/drawing/2007/7/7/main" val="9BBB59" mc:Ignorable=""/>
+        <a:srgbClr val="9BBB59"/>
       </a:accent3>
       <a:accent4>
-        <a:srgbClr xmlns:mc="http://schemas.openxmlformats.org/markup-compatibility/2006" xmlns:a14="http://schemas.microsoft.com/office/drawing/2007/7/7/main" val="8064A2" mc:Ignorable=""/>
+        <a:srgbClr val="8064A2"/>
       </a:accent4>
       <a:accent5>
-        <a:srgbClr xmlns:mc="http://schemas.openxmlformats.org/markup-compatibility/2006" xmlns:a14="http://schemas.microsoft.com/office/drawing/2007/7/7/main" val="4BACC6" mc:Ignorable=""/>
+        <a:srgbClr val="4BACC6"/>
       </a:accent5>
       <a:accent6>
-        <a:srgbClr xmlns:mc="http://schemas.openxmlformats.org/markup-compatibility/2006" xmlns:a14="http://schemas.microsoft.com/office/drawing/2007/7/7/main" val="F79646" mc:Ignorable=""/>
+        <a:srgbClr val="F79646"/>
       </a:accent6>
       <a:hlink>
-        <a:srgbClr xmlns:mc="http://schemas.openxmlformats.org/markup-compatibility/2006" xmlns:a14="http://schemas.microsoft.com/office/drawing/2007/7/7/main" val="0000FF" mc:Ignorable=""/>
+        <a:srgbClr val="0000FF"/>
       </a:hlink>
       <a:folHlink>
-        <a:srgbClr xmlns:mc="http://schemas.openxmlformats.org/markup-compatibility/2006" xmlns:a14="http://schemas.microsoft.com/office/drawing/2007/7/7/main" val="800080" mc:Ignorable=""/>
+        <a:srgbClr val="800080"/>
       </a:folHlink>
     </a:clrScheme>
     <a:fontScheme name="Office">
@@ -23378,7 +23424,7 @@
         <a:effectStyle>
           <a:effectLst>
             <a:outerShdw blurRad="40000" dist="20000" dir="5400000" rotWithShape="0">
-              <a:srgbClr xmlns:mc="http://schemas.openxmlformats.org/markup-compatibility/2006" xmlns:a14="http://schemas.microsoft.com/office/drawing/2007/7/7/main" val="000000" mc:Ignorable="">
+              <a:srgbClr val="000000">
                 <a:alpha val="38000"/>
               </a:srgbClr>
             </a:outerShdw>
@@ -23387,7 +23433,7 @@
         <a:effectStyle>
           <a:effectLst>
             <a:outerShdw blurRad="40000" dist="23000" dir="5400000" rotWithShape="0">
-              <a:srgbClr xmlns:mc="http://schemas.openxmlformats.org/markup-compatibility/2006" xmlns:a14="http://schemas.microsoft.com/office/drawing/2007/7/7/main" val="000000" mc:Ignorable="">
+              <a:srgbClr val="000000">
                 <a:alpha val="35000"/>
               </a:srgbClr>
             </a:outerShdw>
@@ -23396,7 +23442,7 @@
         <a:effectStyle>
           <a:effectLst>
             <a:outerShdw blurRad="40000" dist="23000" dir="5400000" rotWithShape="0">
-              <a:srgbClr xmlns:mc="http://schemas.openxmlformats.org/markup-compatibility/2006" xmlns:a14="http://schemas.microsoft.com/office/drawing/2007/7/7/main" val="000000" mc:Ignorable="">
+              <a:srgbClr val="000000">
                 <a:alpha val="35000"/>
               </a:srgbClr>
             </a:outerShdw>

--- a/trunk/Project 1/Part Final/CS554_EuroTeam_Project1.pptx
+++ b/trunk/Project 1/Part Final/CS554_EuroTeam_Project1.pptx
@@ -5,38 +5,40 @@
     <p:sldMasterId id="2147483660" r:id="rId2"/>
   </p:sldMasterIdLst>
   <p:notesMasterIdLst>
-    <p:notesMasterId r:id="rId29"/>
+    <p:notesMasterId r:id="rId31"/>
   </p:notesMasterIdLst>
   <p:handoutMasterIdLst>
-    <p:handoutMasterId r:id="rId30"/>
+    <p:handoutMasterId r:id="rId32"/>
   </p:handoutMasterIdLst>
   <p:sldIdLst>
     <p:sldId id="256" r:id="rId3"/>
     <p:sldId id="261" r:id="rId4"/>
     <p:sldId id="342" r:id="rId5"/>
     <p:sldId id="334" r:id="rId6"/>
-    <p:sldId id="311" r:id="rId7"/>
-    <p:sldId id="310" r:id="rId8"/>
-    <p:sldId id="335" r:id="rId9"/>
-    <p:sldId id="337" r:id="rId10"/>
-    <p:sldId id="338" r:id="rId11"/>
-    <p:sldId id="333" r:id="rId12"/>
-    <p:sldId id="343" r:id="rId13"/>
-    <p:sldId id="339" r:id="rId14"/>
-    <p:sldId id="340" r:id="rId15"/>
+    <p:sldId id="310" r:id="rId7"/>
+    <p:sldId id="335" r:id="rId8"/>
+    <p:sldId id="337" r:id="rId9"/>
+    <p:sldId id="338" r:id="rId10"/>
+    <p:sldId id="333" r:id="rId11"/>
+    <p:sldId id="343" r:id="rId12"/>
+    <p:sldId id="339" r:id="rId13"/>
+    <p:sldId id="340" r:id="rId14"/>
+    <p:sldId id="357" r:id="rId15"/>
     <p:sldId id="341" r:id="rId16"/>
-    <p:sldId id="344" r:id="rId17"/>
-    <p:sldId id="346" r:id="rId18"/>
-    <p:sldId id="347" r:id="rId19"/>
-    <p:sldId id="345" r:id="rId20"/>
-    <p:sldId id="348" r:id="rId21"/>
-    <p:sldId id="353" r:id="rId22"/>
-    <p:sldId id="354" r:id="rId23"/>
-    <p:sldId id="355" r:id="rId24"/>
-    <p:sldId id="352" r:id="rId25"/>
-    <p:sldId id="332" r:id="rId26"/>
-    <p:sldId id="308" r:id="rId27"/>
-    <p:sldId id="286" r:id="rId28"/>
+    <p:sldId id="358" r:id="rId17"/>
+    <p:sldId id="344" r:id="rId18"/>
+    <p:sldId id="346" r:id="rId19"/>
+    <p:sldId id="347" r:id="rId20"/>
+    <p:sldId id="359" r:id="rId21"/>
+    <p:sldId id="345" r:id="rId22"/>
+    <p:sldId id="348" r:id="rId23"/>
+    <p:sldId id="353" r:id="rId24"/>
+    <p:sldId id="354" r:id="rId25"/>
+    <p:sldId id="355" r:id="rId26"/>
+    <p:sldId id="352" r:id="rId27"/>
+    <p:sldId id="332" r:id="rId28"/>
+    <p:sldId id="308" r:id="rId29"/>
+    <p:sldId id="286" r:id="rId30"/>
   </p:sldIdLst>
   <p:sldSz cx="9144000" cy="6858000" type="screen4x3"/>
   <p:notesSz cx="7099300" cy="10234613"/>
@@ -1797,67 +1799,67 @@
       </dgm:t>
     </dgm:pt>
     <dgm:pt modelId="{ACBE8AEB-35DB-410A-ADBF-310666E7673F}">
-      <dgm:prSet phldrT="[Text]"/>
+      <dgm:prSet phldrT="[Text]" custT="1"/>
       <dgm:spPr/>
       <dgm:t>
         <a:bodyPr/>
         <a:lstStyle/>
         <a:p>
           <a:r>
-            <a:rPr lang="fr-FR" dirty="0" smtClean="0"/>
+            <a:rPr lang="fr-FR" sz="2400" dirty="0" smtClean="0"/>
             <a:t>New aspects of </a:t>
           </a:r>
           <a:r>
-            <a:rPr lang="fr-FR" dirty="0" err="1" smtClean="0"/>
+            <a:rPr lang="fr-FR" sz="2400" dirty="0" err="1" smtClean="0"/>
             <a:t>requirements</a:t>
           </a:r>
           <a:r>
-            <a:rPr lang="fr-FR" dirty="0" smtClean="0"/>
+            <a:rPr lang="fr-FR" sz="2400" dirty="0" smtClean="0"/>
             <a:t> </a:t>
           </a:r>
           <a:r>
-            <a:rPr lang="fr-FR" dirty="0" err="1" smtClean="0"/>
+            <a:rPr lang="fr-FR" sz="2400" dirty="0" err="1" smtClean="0"/>
             <a:t>were</a:t>
           </a:r>
           <a:r>
-            <a:rPr lang="fr-FR" dirty="0" smtClean="0"/>
+            <a:rPr lang="fr-FR" sz="2400" dirty="0" smtClean="0"/>
             <a:t> </a:t>
           </a:r>
           <a:r>
-            <a:rPr lang="fr-FR" dirty="0" err="1" smtClean="0"/>
+            <a:rPr lang="fr-FR" sz="2400" dirty="0" err="1" smtClean="0"/>
             <a:t>emphasized</a:t>
           </a:r>
           <a:r>
-            <a:rPr lang="fr-FR" dirty="0" smtClean="0"/>
+            <a:rPr lang="fr-FR" sz="2400" dirty="0" smtClean="0"/>
             <a:t> </a:t>
           </a:r>
           <a:r>
-            <a:rPr lang="fr-FR" dirty="0" err="1" smtClean="0"/>
+            <a:rPr lang="fr-FR" sz="2400" dirty="0" err="1" smtClean="0"/>
             <a:t>using</a:t>
           </a:r>
           <a:r>
-            <a:rPr lang="fr-FR" dirty="0" smtClean="0"/>
+            <a:rPr lang="fr-FR" sz="2400" dirty="0" smtClean="0"/>
             <a:t> </a:t>
           </a:r>
           <a:r>
-            <a:rPr lang="fr-FR" dirty="0" err="1" smtClean="0"/>
+            <a:rPr lang="fr-FR" sz="2400" dirty="0" err="1" smtClean="0"/>
             <a:t>problem</a:t>
           </a:r>
           <a:r>
-            <a:rPr lang="fr-FR" dirty="0" smtClean="0"/>
+            <a:rPr lang="fr-FR" sz="2400" dirty="0" smtClean="0"/>
             <a:t> frames. </a:t>
           </a:r>
         </a:p>
         <a:p>
           <a:r>
-            <a:rPr lang="fr-FR" dirty="0" err="1" smtClean="0"/>
+            <a:rPr lang="fr-FR" sz="2400" dirty="0" err="1" smtClean="0"/>
             <a:t>Necessity</a:t>
           </a:r>
           <a:r>
-            <a:rPr lang="fr-FR" dirty="0" smtClean="0"/>
+            <a:rPr lang="fr-FR" sz="2400" dirty="0" smtClean="0"/>
             <a:t> of:</a:t>
           </a:r>
-          <a:endParaRPr lang="fr-FR" dirty="0"/>
+          <a:endParaRPr lang="fr-FR" sz="2400" dirty="0"/>
         </a:p>
       </dgm:t>
     </dgm:pt>
@@ -2161,15 +2163,15 @@
     </dgm:pt>
   </dgm:ptLst>
   <dgm:cxnLst>
+    <dgm:cxn modelId="{1C367138-309B-4DC0-A5E4-ED5BF5BE92A3}" srcId="{ACBE8AEB-35DB-410A-ADBF-310666E7673F}" destId="{4365DE52-E75B-46CF-A8D4-AF910C52CA6B}" srcOrd="2" destOrd="0" parTransId="{1C7DE86A-33AB-4B0E-A01C-A0274405A7E0}" sibTransId="{1F7876FF-1296-47A3-9D0A-43540679CDE7}"/>
+    <dgm:cxn modelId="{5782D883-7ABF-495F-9F16-D8ACB573A0EE}" srcId="{9D494135-09CA-43EB-BFD9-20DB75AA542C}" destId="{ACBE8AEB-35DB-410A-ADBF-310666E7673F}" srcOrd="0" destOrd="0" parTransId="{1E35ABE8-2196-4DA1-8C90-7221860D6B0D}" sibTransId="{C6F29DB6-9F8E-4A11-8A71-6E071E0ADDEC}"/>
     <dgm:cxn modelId="{1243EC71-5E7D-4C79-8704-ECBB153E68A6}" type="presOf" srcId="{5D0FFDA3-D15D-4CA2-8EFE-9EC8899DE1F5}" destId="{8241D08B-CB62-4962-9D9B-1D2183EA71DA}" srcOrd="0" destOrd="0" presId="urn:microsoft.com/office/officeart/2005/8/layout/hList3"/>
+    <dgm:cxn modelId="{1ED252CA-507D-404C-82E8-B2351F233BEB}" type="presOf" srcId="{9D494135-09CA-43EB-BFD9-20DB75AA542C}" destId="{E6657A53-48FF-420B-98E9-7F064B529D85}" srcOrd="0" destOrd="0" presId="urn:microsoft.com/office/officeart/2005/8/layout/hList3"/>
+    <dgm:cxn modelId="{3764D938-70C6-4419-906F-AB46C2F234D9}" type="presOf" srcId="{E7D032B1-869F-46B7-AAC1-1906493EC5B4}" destId="{36A69038-D135-4966-B855-369C1C83C96F}" srcOrd="0" destOrd="0" presId="urn:microsoft.com/office/officeart/2005/8/layout/hList3"/>
+    <dgm:cxn modelId="{1DBCA53E-5181-4A8C-8FC4-CAC47AF9E584}" type="presOf" srcId="{4365DE52-E75B-46CF-A8D4-AF910C52CA6B}" destId="{C9068F78-E09E-4543-A698-C5622D67FE22}" srcOrd="0" destOrd="0" presId="urn:microsoft.com/office/officeart/2005/8/layout/hList3"/>
+    <dgm:cxn modelId="{554533F8-4688-45C6-A101-B13B7DA5EE15}" srcId="{ACBE8AEB-35DB-410A-ADBF-310666E7673F}" destId="{E7D032B1-869F-46B7-AAC1-1906493EC5B4}" srcOrd="1" destOrd="0" parTransId="{172A57E4-5BDA-416B-A087-9DCD0CC43916}" sibTransId="{70BABF1A-F8CA-4CBF-BBA9-0251CC5284A6}"/>
     <dgm:cxn modelId="{D0830010-8404-4079-8A87-B903D6175051}" type="presOf" srcId="{ACBE8AEB-35DB-410A-ADBF-310666E7673F}" destId="{22A99387-A6D2-43E3-AF24-6FADF6F83837}" srcOrd="0" destOrd="0" presId="urn:microsoft.com/office/officeart/2005/8/layout/hList3"/>
     <dgm:cxn modelId="{9470F95E-218E-46C8-AA4B-C00989CBD572}" srcId="{ACBE8AEB-35DB-410A-ADBF-310666E7673F}" destId="{5D0FFDA3-D15D-4CA2-8EFE-9EC8899DE1F5}" srcOrd="0" destOrd="0" parTransId="{A3C5E0B0-61D6-4B14-923B-AE59DC3B303B}" sibTransId="{3B6787F9-15E3-4A84-8556-E58B129391CE}"/>
-    <dgm:cxn modelId="{1C367138-309B-4DC0-A5E4-ED5BF5BE92A3}" srcId="{ACBE8AEB-35DB-410A-ADBF-310666E7673F}" destId="{4365DE52-E75B-46CF-A8D4-AF910C52CA6B}" srcOrd="2" destOrd="0" parTransId="{1C7DE86A-33AB-4B0E-A01C-A0274405A7E0}" sibTransId="{1F7876FF-1296-47A3-9D0A-43540679CDE7}"/>
-    <dgm:cxn modelId="{554533F8-4688-45C6-A101-B13B7DA5EE15}" srcId="{ACBE8AEB-35DB-410A-ADBF-310666E7673F}" destId="{E7D032B1-869F-46B7-AAC1-1906493EC5B4}" srcOrd="1" destOrd="0" parTransId="{172A57E4-5BDA-416B-A087-9DCD0CC43916}" sibTransId="{70BABF1A-F8CA-4CBF-BBA9-0251CC5284A6}"/>
-    <dgm:cxn modelId="{3764D938-70C6-4419-906F-AB46C2F234D9}" type="presOf" srcId="{E7D032B1-869F-46B7-AAC1-1906493EC5B4}" destId="{36A69038-D135-4966-B855-369C1C83C96F}" srcOrd="0" destOrd="0" presId="urn:microsoft.com/office/officeart/2005/8/layout/hList3"/>
-    <dgm:cxn modelId="{1DBCA53E-5181-4A8C-8FC4-CAC47AF9E584}" type="presOf" srcId="{4365DE52-E75B-46CF-A8D4-AF910C52CA6B}" destId="{C9068F78-E09E-4543-A698-C5622D67FE22}" srcOrd="0" destOrd="0" presId="urn:microsoft.com/office/officeart/2005/8/layout/hList3"/>
-    <dgm:cxn modelId="{1ED252CA-507D-404C-82E8-B2351F233BEB}" type="presOf" srcId="{9D494135-09CA-43EB-BFD9-20DB75AA542C}" destId="{E6657A53-48FF-420B-98E9-7F064B529D85}" srcOrd="0" destOrd="0" presId="urn:microsoft.com/office/officeart/2005/8/layout/hList3"/>
-    <dgm:cxn modelId="{5782D883-7ABF-495F-9F16-D8ACB573A0EE}" srcId="{9D494135-09CA-43EB-BFD9-20DB75AA542C}" destId="{ACBE8AEB-35DB-410A-ADBF-310666E7673F}" srcOrd="0" destOrd="0" parTransId="{1E35ABE8-2196-4DA1-8C90-7221860D6B0D}" sibTransId="{C6F29DB6-9F8E-4A11-8A71-6E071E0ADDEC}"/>
     <dgm:cxn modelId="{EA499AF1-251E-4BB4-A9CD-2C3B2E72C5AD}" type="presParOf" srcId="{E6657A53-48FF-420B-98E9-7F064B529D85}" destId="{22A99387-A6D2-43E3-AF24-6FADF6F83837}" srcOrd="0" destOrd="0" presId="urn:microsoft.com/office/officeart/2005/8/layout/hList3"/>
     <dgm:cxn modelId="{47B6DF35-E158-4379-8EE6-8F620371B5B2}" type="presParOf" srcId="{E6657A53-48FF-420B-98E9-7F064B529D85}" destId="{7EEC38D5-F24F-4C37-9A58-F8B1A282CD14}" srcOrd="1" destOrd="0" presId="urn:microsoft.com/office/officeart/2005/8/layout/hList3"/>
     <dgm:cxn modelId="{68629683-FB1C-4502-8D24-1477364C5740}" type="presParOf" srcId="{7EEC38D5-F24F-4C37-9A58-F8B1A282CD14}" destId="{8241D08B-CB62-4962-9D9B-1D2183EA71DA}" srcOrd="0" destOrd="0" presId="urn:microsoft.com/office/officeart/2005/8/layout/hList3"/>
@@ -2181,7 +2183,7 @@
   <dgm:whole/>
   <dgm:extLst>
     <a:ext uri="http://schemas.microsoft.com/office/drawing/2008/diagram">
-      <dsp:dataModelExt xmlns:dsp="http://schemas.microsoft.com/office/drawing/2008/diagram" xmlns="" relId="rId6" minVer="http://schemas.openxmlformats.org/drawingml/2006/diagram"/>
+      <dsp:dataModelExt xmlns:dsp="http://schemas.microsoft.com/office/drawing/2008/diagram" relId="rId7" minVer="http://schemas.openxmlformats.org/drawingml/2006/diagram"/>
     </a:ext>
   </dgm:extLst>
 </dgm:dataModel>
@@ -2559,17 +2561,17 @@
     </dgm:pt>
   </dgm:ptLst>
   <dgm:cxnLst>
+    <dgm:cxn modelId="{E18BF595-3687-45BC-A5D6-94634170F3C4}" type="presOf" srcId="{A4CD16CE-6FF8-4F5B-AA56-6CB89BBB69F9}" destId="{5374C97F-BB9F-435F-A1D9-E5249B9981AF}" srcOrd="0" destOrd="0" presId="urn:microsoft.com/office/officeart/2005/8/layout/hList9"/>
+    <dgm:cxn modelId="{52F81A1A-1771-4EB0-A5A2-6101A8D1E157}" srcId="{A4CD16CE-6FF8-4F5B-AA56-6CB89BBB69F9}" destId="{8D73F130-D4FE-4A3F-997E-91783F8E3C5A}" srcOrd="0" destOrd="0" parTransId="{8D55B929-D748-4020-9E50-F71AE1BF2180}" sibTransId="{63764104-D552-4B83-B394-ADE3D817BFA6}"/>
+    <dgm:cxn modelId="{C2AE079F-E677-46EA-B271-267DF46DF7DD}" srcId="{A4CD16CE-6FF8-4F5B-AA56-6CB89BBB69F9}" destId="{F81607D8-20A8-4A19-9734-B55244566E51}" srcOrd="1" destOrd="0" parTransId="{7ADCA484-D0D0-4850-AB77-532033927D0F}" sibTransId="{00B5D94F-4CF5-4537-BCFB-3CF754B77F10}"/>
+    <dgm:cxn modelId="{10A24AD0-7A54-4679-9AA7-62D80A440BA7}" srcId="{F81607D8-20A8-4A19-9734-B55244566E51}" destId="{F354600A-FA0F-41C5-BB41-5F47F1DD004C}" srcOrd="0" destOrd="0" parTransId="{5CC45C8D-1D11-4FE9-85C2-2E10B61F566B}" sibTransId="{B16D21DD-C17C-47F9-9D34-274541494D98}"/>
     <dgm:cxn modelId="{1CBF82AB-BF7B-4B92-BDC3-30FB2E34505E}" type="presOf" srcId="{605D1FB5-210C-400A-84F5-CC35A8B043CD}" destId="{516ADAB7-51A2-475F-9B07-19C15A498B8B}" srcOrd="0" destOrd="0" presId="urn:microsoft.com/office/officeart/2005/8/layout/hList9"/>
+    <dgm:cxn modelId="{3458A928-9BA9-494A-BE54-33DE67BAA60E}" type="presOf" srcId="{F354600A-FA0F-41C5-BB41-5F47F1DD004C}" destId="{059821B1-0007-4BD2-8DF8-B0CE19FE433D}" srcOrd="0" destOrd="0" presId="urn:microsoft.com/office/officeart/2005/8/layout/hList9"/>
+    <dgm:cxn modelId="{BB2F6249-B04A-475E-8420-C32498D56A1C}" type="presOf" srcId="{8D73F130-D4FE-4A3F-997E-91783F8E3C5A}" destId="{A5D57D14-3203-4073-944D-7AAE4755C0D5}" srcOrd="0" destOrd="0" presId="urn:microsoft.com/office/officeart/2005/8/layout/hList9"/>
+    <dgm:cxn modelId="{18EE1485-D2E5-4AA7-AF35-BC0B2D5505EC}" type="presOf" srcId="{605D1FB5-210C-400A-84F5-CC35A8B043CD}" destId="{BBE1B8DB-BA6E-42AB-84CC-21D3D717CF28}" srcOrd="1" destOrd="0" presId="urn:microsoft.com/office/officeart/2005/8/layout/hList9"/>
+    <dgm:cxn modelId="{5F7A4614-3D5C-49AC-8F54-AE7718054F93}" type="presOf" srcId="{F354600A-FA0F-41C5-BB41-5F47F1DD004C}" destId="{6F2621B6-EE9B-4C67-B676-9DA2A381AB51}" srcOrd="1" destOrd="0" presId="urn:microsoft.com/office/officeart/2005/8/layout/hList9"/>
     <dgm:cxn modelId="{27A5C3A7-FFEC-43DB-B588-ACAA917EC5C8}" srcId="{8D73F130-D4FE-4A3F-997E-91783F8E3C5A}" destId="{605D1FB5-210C-400A-84F5-CC35A8B043CD}" srcOrd="0" destOrd="0" parTransId="{1B1BDADB-A07A-4BF8-B109-8C6A50FCA85D}" sibTransId="{2E12EE24-BA26-4312-8130-60E8FCEDC966}"/>
-    <dgm:cxn modelId="{3458A928-9BA9-494A-BE54-33DE67BAA60E}" type="presOf" srcId="{F354600A-FA0F-41C5-BB41-5F47F1DD004C}" destId="{059821B1-0007-4BD2-8DF8-B0CE19FE433D}" srcOrd="0" destOrd="0" presId="urn:microsoft.com/office/officeart/2005/8/layout/hList9"/>
-    <dgm:cxn modelId="{5F7A4614-3D5C-49AC-8F54-AE7718054F93}" type="presOf" srcId="{F354600A-FA0F-41C5-BB41-5F47F1DD004C}" destId="{6F2621B6-EE9B-4C67-B676-9DA2A381AB51}" srcOrd="1" destOrd="0" presId="urn:microsoft.com/office/officeart/2005/8/layout/hList9"/>
     <dgm:cxn modelId="{F2589879-376E-4214-97C2-32ED1D0B3340}" type="presOf" srcId="{F81607D8-20A8-4A19-9734-B55244566E51}" destId="{2E8A679C-8039-49E0-892C-C2D30B2F3D40}" srcOrd="0" destOrd="0" presId="urn:microsoft.com/office/officeart/2005/8/layout/hList9"/>
-    <dgm:cxn modelId="{C2AE079F-E677-46EA-B271-267DF46DF7DD}" srcId="{A4CD16CE-6FF8-4F5B-AA56-6CB89BBB69F9}" destId="{F81607D8-20A8-4A19-9734-B55244566E51}" srcOrd="1" destOrd="0" parTransId="{7ADCA484-D0D0-4850-AB77-532033927D0F}" sibTransId="{00B5D94F-4CF5-4537-BCFB-3CF754B77F10}"/>
-    <dgm:cxn modelId="{18EE1485-D2E5-4AA7-AF35-BC0B2D5505EC}" type="presOf" srcId="{605D1FB5-210C-400A-84F5-CC35A8B043CD}" destId="{BBE1B8DB-BA6E-42AB-84CC-21D3D717CF28}" srcOrd="1" destOrd="0" presId="urn:microsoft.com/office/officeart/2005/8/layout/hList9"/>
-    <dgm:cxn modelId="{52F81A1A-1771-4EB0-A5A2-6101A8D1E157}" srcId="{A4CD16CE-6FF8-4F5B-AA56-6CB89BBB69F9}" destId="{8D73F130-D4FE-4A3F-997E-91783F8E3C5A}" srcOrd="0" destOrd="0" parTransId="{8D55B929-D748-4020-9E50-F71AE1BF2180}" sibTransId="{63764104-D552-4B83-B394-ADE3D817BFA6}"/>
-    <dgm:cxn modelId="{10A24AD0-7A54-4679-9AA7-62D80A440BA7}" srcId="{F81607D8-20A8-4A19-9734-B55244566E51}" destId="{F354600A-FA0F-41C5-BB41-5F47F1DD004C}" srcOrd="0" destOrd="0" parTransId="{5CC45C8D-1D11-4FE9-85C2-2E10B61F566B}" sibTransId="{B16D21DD-C17C-47F9-9D34-274541494D98}"/>
-    <dgm:cxn modelId="{BB2F6249-B04A-475E-8420-C32498D56A1C}" type="presOf" srcId="{8D73F130-D4FE-4A3F-997E-91783F8E3C5A}" destId="{A5D57D14-3203-4073-944D-7AAE4755C0D5}" srcOrd="0" destOrd="0" presId="urn:microsoft.com/office/officeart/2005/8/layout/hList9"/>
-    <dgm:cxn modelId="{E18BF595-3687-45BC-A5D6-94634170F3C4}" type="presOf" srcId="{A4CD16CE-6FF8-4F5B-AA56-6CB89BBB69F9}" destId="{5374C97F-BB9F-435F-A1D9-E5249B9981AF}" srcOrd="0" destOrd="0" presId="urn:microsoft.com/office/officeart/2005/8/layout/hList9"/>
     <dgm:cxn modelId="{7BDB378F-C8B4-44E9-AC0E-C305C211855D}" type="presParOf" srcId="{5374C97F-BB9F-435F-A1D9-E5249B9981AF}" destId="{4306F6C7-F29A-44DE-BDEE-37BD6E8601F2}" srcOrd="0" destOrd="0" presId="urn:microsoft.com/office/officeart/2005/8/layout/hList9"/>
     <dgm:cxn modelId="{AA9706AF-FEAC-4884-8CFF-1451CC709BBB}" type="presParOf" srcId="{5374C97F-BB9F-435F-A1D9-E5249B9981AF}" destId="{DF24BEE9-57AA-491D-83C3-892959C63237}" srcOrd="1" destOrd="0" presId="urn:microsoft.com/office/officeart/2005/8/layout/hList9"/>
     <dgm:cxn modelId="{D005810B-D4D1-4BBA-9B80-788F62AC3DDB}" type="presParOf" srcId="{DF24BEE9-57AA-491D-83C3-892959C63237}" destId="{8D80059E-51C1-4499-89EA-CFB623FEEC83}" srcOrd="0" destOrd="0" presId="urn:microsoft.com/office/officeart/2005/8/layout/hList9"/>
@@ -2592,7 +2594,7 @@
   <dgm:whole/>
   <dgm:extLst>
     <a:ext uri="http://schemas.microsoft.com/office/drawing/2008/diagram">
-      <dsp:dataModelExt xmlns:dsp="http://schemas.microsoft.com/office/drawing/2008/diagram" xmlns="" relId="rId6" minVer="http://schemas.openxmlformats.org/drawingml/2006/diagram"/>
+      <dsp:dataModelExt xmlns:dsp="http://schemas.microsoft.com/office/drawing/2008/diagram" relId="rId6" minVer="http://schemas.openxmlformats.org/drawingml/2006/diagram"/>
     </a:ext>
   </dgm:extLst>
 </dgm:dataModel>
@@ -2652,12 +2654,12 @@
         <a:fontRef idx="minor"/>
       </dsp:style>
       <dsp:txBody>
-        <a:bodyPr spcFirstLastPara="0" vert="horz" wrap="square" lIns="99060" tIns="99060" rIns="99060" bIns="99060" numCol="1" spcCol="1270" anchor="ctr" anchorCtr="0">
+        <a:bodyPr spcFirstLastPara="0" vert="horz" wrap="square" lIns="91440" tIns="91440" rIns="91440" bIns="91440" numCol="1" spcCol="1270" anchor="ctr" anchorCtr="0">
           <a:noAutofit/>
         </a:bodyPr>
         <a:lstStyle/>
         <a:p>
-          <a:pPr lvl="0" algn="ctr" defTabSz="1155700">
+          <a:pPr lvl="0" algn="ctr" defTabSz="1066800">
             <a:lnSpc>
               <a:spcPct val="90000"/>
             </a:lnSpc>
@@ -2669,52 +2671,52 @@
             </a:spcAft>
           </a:pPr>
           <a:r>
-            <a:rPr lang="fr-FR" sz="2600" kern="1200" dirty="0" smtClean="0"/>
+            <a:rPr lang="fr-FR" sz="2400" kern="1200" dirty="0" smtClean="0"/>
             <a:t>New aspects of </a:t>
           </a:r>
           <a:r>
-            <a:rPr lang="fr-FR" sz="2600" kern="1200" dirty="0" err="1" smtClean="0"/>
+            <a:rPr lang="fr-FR" sz="2400" kern="1200" dirty="0" err="1" smtClean="0"/>
             <a:t>requirements</a:t>
           </a:r>
           <a:r>
-            <a:rPr lang="fr-FR" sz="2600" kern="1200" dirty="0" smtClean="0"/>
+            <a:rPr lang="fr-FR" sz="2400" kern="1200" dirty="0" smtClean="0"/>
             <a:t> </a:t>
           </a:r>
           <a:r>
-            <a:rPr lang="fr-FR" sz="2600" kern="1200" dirty="0" err="1" smtClean="0"/>
+            <a:rPr lang="fr-FR" sz="2400" kern="1200" dirty="0" err="1" smtClean="0"/>
             <a:t>were</a:t>
           </a:r>
           <a:r>
-            <a:rPr lang="fr-FR" sz="2600" kern="1200" dirty="0" smtClean="0"/>
+            <a:rPr lang="fr-FR" sz="2400" kern="1200" dirty="0" smtClean="0"/>
             <a:t> </a:t>
           </a:r>
           <a:r>
-            <a:rPr lang="fr-FR" sz="2600" kern="1200" dirty="0" err="1" smtClean="0"/>
+            <a:rPr lang="fr-FR" sz="2400" kern="1200" dirty="0" err="1" smtClean="0"/>
             <a:t>emphasized</a:t>
           </a:r>
           <a:r>
-            <a:rPr lang="fr-FR" sz="2600" kern="1200" dirty="0" smtClean="0"/>
+            <a:rPr lang="fr-FR" sz="2400" kern="1200" dirty="0" smtClean="0"/>
             <a:t> </a:t>
           </a:r>
           <a:r>
-            <a:rPr lang="fr-FR" sz="2600" kern="1200" dirty="0" err="1" smtClean="0"/>
+            <a:rPr lang="fr-FR" sz="2400" kern="1200" dirty="0" err="1" smtClean="0"/>
             <a:t>using</a:t>
           </a:r>
           <a:r>
-            <a:rPr lang="fr-FR" sz="2600" kern="1200" dirty="0" smtClean="0"/>
+            <a:rPr lang="fr-FR" sz="2400" kern="1200" dirty="0" smtClean="0"/>
             <a:t> </a:t>
           </a:r>
           <a:r>
-            <a:rPr lang="fr-FR" sz="2600" kern="1200" dirty="0" err="1" smtClean="0"/>
+            <a:rPr lang="fr-FR" sz="2400" kern="1200" dirty="0" err="1" smtClean="0"/>
             <a:t>problem</a:t>
           </a:r>
           <a:r>
-            <a:rPr lang="fr-FR" sz="2600" kern="1200" dirty="0" smtClean="0"/>
+            <a:rPr lang="fr-FR" sz="2400" kern="1200" dirty="0" smtClean="0"/>
             <a:t> frames. </a:t>
           </a:r>
         </a:p>
         <a:p>
-          <a:pPr lvl="0" algn="ctr" defTabSz="1155700">
+          <a:pPr lvl="0" algn="ctr" defTabSz="1066800">
             <a:lnSpc>
               <a:spcPct val="90000"/>
             </a:lnSpc>
@@ -2726,14 +2728,14 @@
             </a:spcAft>
           </a:pPr>
           <a:r>
-            <a:rPr lang="fr-FR" sz="2600" kern="1200" dirty="0" err="1" smtClean="0"/>
+            <a:rPr lang="fr-FR" sz="2400" kern="1200" dirty="0" err="1" smtClean="0"/>
             <a:t>Necessity</a:t>
           </a:r>
           <a:r>
-            <a:rPr lang="fr-FR" sz="2600" kern="1200" dirty="0" smtClean="0"/>
+            <a:rPr lang="fr-FR" sz="2400" kern="1200" dirty="0" smtClean="0"/>
             <a:t> of:</a:t>
           </a:r>
-          <a:endParaRPr lang="fr-FR" sz="2600" kern="1200" dirty="0"/>
+          <a:endParaRPr lang="fr-FR" sz="2400" kern="1200" dirty="0"/>
         </a:p>
       </dsp:txBody>
       <dsp:txXfrm>
@@ -6466,7 +6468,7 @@
               <a:pPr>
                 <a:defRPr/>
               </a:pPr>
-              <a:t>‹N°›</a:t>
+              <a:t>‹#›</a:t>
             </a:fld>
             <a:endParaRPr lang="fr-FR" altLang="ko-KR"/>
           </a:p>
@@ -6475,7 +6477,7 @@
     </p:spTree>
     <p:extLst>
       <p:ext uri="{BB962C8B-B14F-4D97-AF65-F5344CB8AC3E}">
-        <p14:creationId xmlns:p14="http://schemas.microsoft.com/office/powerpoint/2007/7/12/main" xmlns="" val="3216856891"/>
+        <p14:creationId xmlns:p14="http://schemas.microsoft.com/office/powerpoint/2007/7/12/main" val="3216856891"/>
       </p:ext>
     </p:extLst>
   </p:cSld>
@@ -6771,7 +6773,7 @@
               <a:pPr>
                 <a:defRPr/>
               </a:pPr>
-              <a:t>‹N°›</a:t>
+              <a:t>‹#›</a:t>
             </a:fld>
             <a:endParaRPr lang="fr-FR" altLang="ko-KR"/>
           </a:p>
@@ -6780,7 +6782,7 @@
     </p:spTree>
     <p:extLst>
       <p:ext uri="{BB962C8B-B14F-4D97-AF65-F5344CB8AC3E}">
-        <p14:creationId xmlns:p14="http://schemas.microsoft.com/office/powerpoint/2007/7/12/main" xmlns="" val="3483236166"/>
+        <p14:creationId xmlns:p14="http://schemas.microsoft.com/office/powerpoint/2007/7/12/main" val="3483236166"/>
       </p:ext>
     </p:extLst>
   </p:cSld>
@@ -6910,6 +6912,191 @@
 </p:notesMaster>
 </file>
 
+<file path=ppt/notesSlides/notesSlide1.xml><?xml version="1.0" encoding="utf-8"?>
+<p:notes xmlns:a="http://schemas.openxmlformats.org/drawingml/2006/main" xmlns:r="http://schemas.openxmlformats.org/officeDocument/2006/relationships" xmlns:p="http://schemas.openxmlformats.org/presentationml/2006/main">
+  <p:cSld>
+    <p:spTree>
+      <p:nvGrpSpPr>
+        <p:cNvPr id="1" name=""/>
+        <p:cNvGrpSpPr/>
+        <p:nvPr/>
+      </p:nvGrpSpPr>
+      <p:grpSpPr>
+        <a:xfrm>
+          <a:off x="0" y="0"/>
+          <a:ext cx="0" cy="0"/>
+          <a:chOff x="0" y="0"/>
+          <a:chExt cx="0" cy="0"/>
+        </a:xfrm>
+      </p:grpSpPr>
+      <p:sp>
+        <p:nvSpPr>
+          <p:cNvPr id="2" name="Slide Image Placeholder 1"/>
+          <p:cNvSpPr>
+            <a:spLocks noGrp="1" noRot="1" noChangeAspect="1"/>
+          </p:cNvSpPr>
+          <p:nvPr>
+            <p:ph type="sldImg"/>
+          </p:nvPr>
+        </p:nvSpPr>
+        <p:spPr/>
+      </p:sp>
+      <p:sp>
+        <p:nvSpPr>
+          <p:cNvPr id="3" name="Notes Placeholder 2"/>
+          <p:cNvSpPr>
+            <a:spLocks noGrp="1"/>
+          </p:cNvSpPr>
+          <p:nvPr>
+            <p:ph type="body" idx="1"/>
+          </p:nvPr>
+        </p:nvSpPr>
+        <p:spPr/>
+        <p:txBody>
+          <a:bodyPr/>
+          <a:lstStyle/>
+          <a:p>
+            <a:r>
+              <a:rPr lang="fr-FR" dirty="0" err="1" smtClean="0"/>
+              <a:t>Problem</a:t>
+            </a:r>
+            <a:r>
+              <a:rPr lang="fr-FR" dirty="0" smtClean="0"/>
+              <a:t> frames technique </a:t>
+            </a:r>
+            <a:r>
+              <a:rPr lang="fr-FR" dirty="0" err="1" smtClean="0"/>
+              <a:t>provides</a:t>
+            </a:r>
+            <a:r>
+              <a:rPr lang="fr-FR" dirty="0" smtClean="0"/>
+              <a:t> patterns </a:t>
+            </a:r>
+            <a:r>
+              <a:rPr lang="fr-FR" dirty="0" err="1" smtClean="0"/>
+              <a:t>that</a:t>
+            </a:r>
+            <a:r>
+              <a:rPr lang="fr-FR" dirty="0" smtClean="0"/>
+              <a:t> </a:t>
+            </a:r>
+            <a:r>
+              <a:rPr lang="fr-FR" dirty="0" err="1" smtClean="0"/>
+              <a:t>allows</a:t>
+            </a:r>
+            <a:r>
+              <a:rPr lang="fr-FR" dirty="0" smtClean="0"/>
+              <a:t> us to </a:t>
+            </a:r>
+            <a:r>
+              <a:rPr lang="fr-FR" dirty="0" err="1" smtClean="0"/>
+              <a:t>identify</a:t>
+            </a:r>
+            <a:r>
+              <a:rPr lang="fr-FR" dirty="0" smtClean="0"/>
+              <a:t> </a:t>
+            </a:r>
+            <a:r>
+              <a:rPr lang="fr-FR" dirty="0" err="1" smtClean="0"/>
+              <a:t>each</a:t>
+            </a:r>
+            <a:r>
+              <a:rPr lang="fr-FR" dirty="0" smtClean="0"/>
+              <a:t> </a:t>
+            </a:r>
+            <a:r>
+              <a:rPr lang="fr-FR" dirty="0" err="1" smtClean="0"/>
+              <a:t>decomposed</a:t>
+            </a:r>
+            <a:r>
+              <a:rPr lang="fr-FR" dirty="0" smtClean="0"/>
+              <a:t> </a:t>
+            </a:r>
+            <a:r>
+              <a:rPr lang="fr-FR" dirty="0" err="1" smtClean="0"/>
+              <a:t>problem</a:t>
+            </a:r>
+            <a:r>
+              <a:rPr lang="fr-FR" dirty="0" smtClean="0"/>
+              <a:t> as a </a:t>
+            </a:r>
+            <a:r>
+              <a:rPr lang="fr-FR" dirty="0" err="1" smtClean="0"/>
+              <a:t>singular</a:t>
+            </a:r>
+            <a:r>
+              <a:rPr lang="fr-FR" dirty="0" smtClean="0"/>
+              <a:t> </a:t>
+            </a:r>
+            <a:r>
+              <a:rPr lang="fr-FR" dirty="0" err="1" smtClean="0"/>
+              <a:t>problem</a:t>
+            </a:r>
+            <a:r>
+              <a:rPr lang="fr-FR" dirty="0" smtClean="0"/>
+              <a:t> </a:t>
+            </a:r>
+            <a:r>
+              <a:rPr lang="fr-FR" dirty="0" err="1" smtClean="0"/>
+              <a:t>belonging</a:t>
+            </a:r>
+            <a:r>
+              <a:rPr lang="fr-FR" dirty="0" smtClean="0"/>
+              <a:t> to a </a:t>
+            </a:r>
+            <a:r>
+              <a:rPr lang="fr-FR" dirty="0" err="1" smtClean="0"/>
+              <a:t>standardized</a:t>
+            </a:r>
+            <a:r>
+              <a:rPr lang="fr-FR" dirty="0" smtClean="0"/>
+              <a:t> type</a:t>
+            </a:r>
+          </a:p>
+        </p:txBody>
+      </p:sp>
+      <p:sp>
+        <p:nvSpPr>
+          <p:cNvPr id="4" name="Slide Number Placeholder 3"/>
+          <p:cNvSpPr>
+            <a:spLocks noGrp="1"/>
+          </p:cNvSpPr>
+          <p:nvPr>
+            <p:ph type="sldNum" sz="quarter" idx="10"/>
+          </p:nvPr>
+        </p:nvSpPr>
+        <p:spPr/>
+        <p:txBody>
+          <a:bodyPr/>
+          <a:lstStyle/>
+          <a:p>
+            <a:pPr>
+              <a:defRPr/>
+            </a:pPr>
+            <a:fld id="{8BBA4D75-12B9-468F-AA45-2284F9C64867}" type="slidenum">
+              <a:rPr lang="fr-FR" altLang="ko-KR" smtClean="0"/>
+              <a:pPr>
+                <a:defRPr/>
+              </a:pPr>
+              <a:t>9</a:t>
+            </a:fld>
+            <a:endParaRPr lang="fr-FR" altLang="ko-KR"/>
+          </a:p>
+        </p:txBody>
+      </p:sp>
+    </p:spTree>
+    <p:extLst>
+      <p:ext uri="{BB962C8B-B14F-4D97-AF65-F5344CB8AC3E}">
+        <p14:creationId xmlns:p14="http://schemas.microsoft.com/office/powerpoint/2007/7/12/main" val="3392303487"/>
+      </p:ext>
+    </p:extLst>
+  </p:cSld>
+  <p:clrMapOvr>
+    <a:masterClrMapping/>
+  </p:clrMapOvr>
+</p:notes>
+</file>
+
 <file path=ppt/slideLayouts/slideLayout1.xml><?xml version="1.0" encoding="utf-8"?>
 <p:sldLayout xmlns:a="http://schemas.openxmlformats.org/drawingml/2006/main" xmlns:r="http://schemas.openxmlformats.org/officeDocument/2006/relationships" xmlns:p="http://schemas.openxmlformats.org/presentationml/2006/main" showMasterSp="0" preserve="1" userDrawn="1">
   <p:cSld name="Titre">
@@ -6983,7 +7170,7 @@
             </a:pPr>
             <a:endParaRPr lang="ko-KR" altLang="ko-KR">
               <a:solidFill>
-                <a:srgbClr val="000000"/>
+                <a:srgbClr xmlns:mc="http://schemas.openxmlformats.org/markup-compatibility/2006" xmlns:a14="http://schemas.microsoft.com/office/drawing/2007/7/7/main" val="000000" mc:Ignorable=""/>
               </a:solidFill>
               <a:cs typeface="Arial" charset="0"/>
             </a:endParaRPr>
@@ -7042,7 +7229,7 @@
             </a:pPr>
             <a:endParaRPr lang="ko-KR" altLang="ko-KR">
               <a:solidFill>
-                <a:srgbClr val="000000"/>
+                <a:srgbClr xmlns:mc="http://schemas.openxmlformats.org/markup-compatibility/2006" xmlns:a14="http://schemas.microsoft.com/office/drawing/2007/7/7/main" val="000000" mc:Ignorable=""/>
               </a:solidFill>
               <a:cs typeface="Arial" charset="0"/>
             </a:endParaRPr>
@@ -7103,7 +7290,7 @@
             </a:pPr>
             <a:endParaRPr lang="ko-KR" altLang="ko-KR">
               <a:solidFill>
-                <a:srgbClr val="000000"/>
+                <a:srgbClr xmlns:mc="http://schemas.openxmlformats.org/markup-compatibility/2006" xmlns:a14="http://schemas.microsoft.com/office/drawing/2007/7/7/main" val="000000" mc:Ignorable=""/>
               </a:solidFill>
               <a:cs typeface="Arial" charset="0"/>
             </a:endParaRPr>
@@ -7200,19 +7387,7 @@
                 <a:latin typeface="+mn-lt"/>
                 <a:cs typeface="+mn-cs"/>
               </a:rPr>
-              <a:t> </a:t>
-            </a:r>
-            <a:r>
-              <a:rPr sz="1800" b="0" baseline="0" smtClean="0">
-                <a:solidFill>
-                  <a:schemeClr val="bg1">
-                    <a:lumMod val="50000"/>
-                  </a:schemeClr>
-                </a:solidFill>
-                <a:latin typeface="+mn-lt"/>
-                <a:cs typeface="+mn-cs"/>
-              </a:rPr>
-              <a:t>15th</a:t>
+              <a:t> 15th</a:t>
             </a:r>
             <a:r>
               <a:rPr sz="1800" b="0" smtClean="0">
@@ -7455,7 +7630,7 @@
   <p:timing>
     <p:tnLst>
       <p:par>
-        <p:cTn id="1" dur="indefinite" restart="never" nodeType="tmRoot"/>
+        <p:cTn xmlns:p14="http://schemas.microsoft.com/office/powerpoint/2007/7/12/main" id="1" dur="indefinite" restart="never" nodeType="tmRoot"/>
       </p:par>
     </p:tnLst>
   </p:timing>
@@ -7531,7 +7706,7 @@
             </a:pPr>
             <a:endParaRPr lang="ko-KR" altLang="ko-KR">
               <a:solidFill>
-                <a:srgbClr val="000000"/>
+                <a:srgbClr xmlns:mc="http://schemas.openxmlformats.org/markup-compatibility/2006" xmlns:a14="http://schemas.microsoft.com/office/drawing/2007/7/7/main" val="000000" mc:Ignorable=""/>
               </a:solidFill>
               <a:cs typeface="Arial" charset="0"/>
             </a:endParaRPr>
@@ -7592,7 +7767,7 @@
             </a:pPr>
             <a:endParaRPr lang="ko-KR" altLang="ko-KR">
               <a:solidFill>
-                <a:srgbClr val="000000"/>
+                <a:srgbClr xmlns:mc="http://schemas.openxmlformats.org/markup-compatibility/2006" xmlns:a14="http://schemas.microsoft.com/office/drawing/2007/7/7/main" val="000000" mc:Ignorable=""/>
               </a:solidFill>
               <a:cs typeface="Arial" charset="0"/>
             </a:endParaRPr>
@@ -7689,7 +7864,7 @@
           <a:lstStyle>
             <a:lvl1pPr marL="0" indent="354013">
               <a:buClr>
-                <a:srgbClr val="DA7E18"/>
+                <a:srgbClr xmlns:mc="http://schemas.openxmlformats.org/markup-compatibility/2006" xmlns:a14="http://schemas.microsoft.com/office/drawing/2007/7/7/main" val="DA7E18" mc:Ignorable=""/>
               </a:buClr>
               <a:buSzPct val="120000"/>
               <a:buFont typeface="+mj-lt"/>
@@ -7698,7 +7873,7 @@
             </a:lvl1pPr>
             <a:lvl2pPr marL="633413" indent="354013">
               <a:buClr>
-                <a:srgbClr val="E5AB1B"/>
+                <a:srgbClr xmlns:mc="http://schemas.openxmlformats.org/markup-compatibility/2006" xmlns:a14="http://schemas.microsoft.com/office/drawing/2007/7/7/main" val="E5AB1B" mc:Ignorable=""/>
               </a:buClr>
               <a:buSzPct val="120000"/>
               <a:buFont typeface="+mj-lt"/>
@@ -7769,7 +7944,7 @@
   <p:timing>
     <p:tnLst>
       <p:par>
-        <p:cTn id="1" dur="indefinite" restart="never" nodeType="tmRoot"/>
+        <p:cTn xmlns:p14="http://schemas.microsoft.com/office/powerpoint/2007/7/12/main" id="1" dur="indefinite" restart="never" nodeType="tmRoot"/>
       </p:par>
     </p:tnLst>
   </p:timing>
@@ -7838,7 +8013,7 @@
             </a:pPr>
             <a:endParaRPr lang="ko-KR" altLang="ko-KR">
               <a:solidFill>
-                <a:srgbClr val="000000"/>
+                <a:srgbClr xmlns:mc="http://schemas.openxmlformats.org/markup-compatibility/2006" xmlns:a14="http://schemas.microsoft.com/office/drawing/2007/7/7/main" val="000000" mc:Ignorable=""/>
               </a:solidFill>
               <a:cs typeface="Arial" charset="0"/>
             </a:endParaRPr>
@@ -7871,7 +8046,7 @@
             </a:pPr>
             <a:endParaRPr lang="ko-KR" altLang="ko-KR" sz="1100" b="1">
               <a:solidFill>
-                <a:srgbClr val="A0A0A0"/>
+                <a:srgbClr xmlns:mc="http://schemas.openxmlformats.org/markup-compatibility/2006" xmlns:a14="http://schemas.microsoft.com/office/drawing/2007/7/7/main" val="A0A0A0" mc:Ignorable=""/>
               </a:solidFill>
               <a:latin typeface="Calibri" pitchFamily="34" charset="0"/>
             </a:endParaRPr>
@@ -7966,7 +8141,7 @@
           <a:lstStyle>
             <a:lvl1pPr marL="0" indent="354013">
               <a:buClr>
-                <a:srgbClr val="DA7E18"/>
+                <a:srgbClr xmlns:mc="http://schemas.openxmlformats.org/markup-compatibility/2006" xmlns:a14="http://schemas.microsoft.com/office/drawing/2007/7/7/main" val="DA7E18" mc:Ignorable=""/>
               </a:buClr>
               <a:buSzPct val="70000"/>
               <a:buFont typeface="Wingdings" pitchFamily="2" charset="2"/>
@@ -7975,7 +8150,7 @@
             </a:lvl1pPr>
             <a:lvl2pPr>
               <a:buClr>
-                <a:srgbClr val="E5AB1B"/>
+                <a:srgbClr xmlns:mc="http://schemas.openxmlformats.org/markup-compatibility/2006" xmlns:a14="http://schemas.microsoft.com/office/drawing/2007/7/7/main" val="E5AB1B" mc:Ignorable=""/>
               </a:buClr>
               <a:buSzPct val="70000"/>
               <a:buFont typeface="Wingdings" pitchFamily="2" charset="2"/>
@@ -8046,7 +8221,7 @@
   <p:timing>
     <p:tnLst>
       <p:par>
-        <p:cTn id="1" dur="indefinite" restart="never" nodeType="tmRoot"/>
+        <p:cTn xmlns:p14="http://schemas.microsoft.com/office/powerpoint/2007/7/12/main" id="1" dur="indefinite" restart="never" nodeType="tmRoot"/>
       </p:par>
     </p:tnLst>
   </p:timing>
@@ -8369,29 +8544,7 @@
                 </a:solidFill>
                 <a:latin typeface="+mn-lt"/>
               </a:rPr>
-              <a:t> </a:t>
-            </a:r>
-            <a:r>
-              <a:rPr lang="fr-FR" sz="1050" b="1" baseline="0" dirty="0" smtClean="0">
-                <a:solidFill>
-                  <a:schemeClr val="bg1">
-                    <a:lumMod val="50000"/>
-                  </a:schemeClr>
-                </a:solidFill>
-                <a:latin typeface="+mn-lt"/>
-              </a:rPr>
-              <a:t>15th, </a:t>
-            </a:r>
-            <a:r>
-              <a:rPr lang="fr-FR" sz="1050" b="1" baseline="0" dirty="0" smtClean="0">
-                <a:solidFill>
-                  <a:schemeClr val="bg1">
-                    <a:lumMod val="50000"/>
-                  </a:schemeClr>
-                </a:solidFill>
-                <a:latin typeface="+mn-lt"/>
-              </a:rPr>
-              <a:t>2009</a:t>
+              <a:t> 15th, 2009</a:t>
             </a:r>
           </a:p>
           <a:p>
@@ -8543,16 +8696,16 @@
               <a:defRPr sz="3600" b="0" cap="none" spc="0">
                 <a:ln w="18415" cmpd="sng">
                   <a:solidFill>
-                    <a:srgbClr val="FFFFFF"/>
+                    <a:srgbClr xmlns:mc="http://schemas.openxmlformats.org/markup-compatibility/2006" xmlns:a14="http://schemas.microsoft.com/office/drawing/2007/7/7/main" val="FFFFFF" mc:Ignorable=""/>
                   </a:solidFill>
                   <a:prstDash val="solid"/>
                 </a:ln>
                 <a:solidFill>
-                  <a:srgbClr val="FFFFFF"/>
+                  <a:srgbClr xmlns:mc="http://schemas.openxmlformats.org/markup-compatibility/2006" xmlns:a14="http://schemas.microsoft.com/office/drawing/2007/7/7/main" val="FFFFFF" mc:Ignorable=""/>
                 </a:solidFill>
                 <a:effectLst>
                   <a:outerShdw blurRad="63500" dir="3600000" algn="tl" rotWithShape="0">
-                    <a:srgbClr val="000000">
+                    <a:srgbClr xmlns:mc="http://schemas.openxmlformats.org/markup-compatibility/2006" xmlns:a14="http://schemas.microsoft.com/office/drawing/2007/7/7/main" val="000000" mc:Ignorable="">
                       <a:alpha val="70000"/>
                     </a:srgbClr>
                   </a:outerShdw>
@@ -8692,7 +8845,7 @@
             </a:avLst>
           </a:prstGeom>
           <a:solidFill>
-            <a:srgbClr val="FFFFFF">
+            <a:srgbClr xmlns:mc="http://schemas.openxmlformats.org/markup-compatibility/2006" xmlns:a14="http://schemas.microsoft.com/office/drawing/2007/7/7/main" val="FFFFFF" mc:Ignorable="">
               <a:shade val="85000"/>
             </a:srgbClr>
           </a:solidFill>
@@ -8716,7 +8869,7 @@
           <a:blip r:embed="rId4">
             <a:extLst>
               <a:ext uri="28A0092B-C50C-407e-A947-70E740481C1C">
-                <a14:useLocalDpi xmlns:a14="http://schemas.microsoft.com/office/drawing/2007/7/7/main" xmlns="" val="0"/>
+                <a14:useLocalDpi xmlns:a14="http://schemas.microsoft.com/office/drawing/2007/7/7/main" val="0"/>
               </a:ext>
             </a:extLst>
           </a:blip>
@@ -8736,14 +8889,14 @@
           <a:noFill/>
           <a:extLst>
             <a:ext uri="{909E8E84-426E-40dd-AFC4-6F175D3DCCD1}">
-              <a14:hiddenFill xmlns:a14="http://schemas.microsoft.com/office/drawing/2007/7/7/main" xmlns="">
+              <a14:hiddenFill xmlns:a14="http://schemas.microsoft.com/office/drawing/2007/7/7/main">
                 <a:solidFill>
                   <a:schemeClr val="accent1"/>
                 </a:solidFill>
               </a14:hiddenFill>
             </a:ext>
             <a:ext uri="{91240B29-F687-4f45-9708-019B960494DF}">
-              <a14:hiddenLine xmlns:a14="http://schemas.microsoft.com/office/drawing/2007/7/7/main" xmlns="" w="9525">
+              <a14:hiddenLine xmlns:a14="http://schemas.microsoft.com/office/drawing/2007/7/7/main" w="9525">
                 <a:solidFill>
                   <a:schemeClr val="tx1"/>
                 </a:solidFill>
@@ -8753,7 +8906,7 @@
               </a14:hiddenLine>
             </a:ext>
             <a:ext uri="{AF507438-7753-43e0-B8FC-AC1667EBCBE1}">
-              <a14:hiddenEffects xmlns:a14="http://schemas.microsoft.com/office/drawing/2007/7/7/main" xmlns="">
+              <a14:hiddenEffects xmlns:a14="http://schemas.microsoft.com/office/drawing/2007/7/7/main">
                 <a:effectLst>
                   <a:outerShdw dist="35921" dir="2700000" algn="ctr" rotWithShape="0">
                     <a:schemeClr val="bg2"/>
@@ -8767,7 +8920,7 @@
     </p:spTree>
     <p:extLst>
       <p:ext uri="{BB962C8B-B14F-4D97-AF65-F5344CB8AC3E}">
-        <p14:creationId xmlns:p14="http://schemas.microsoft.com/office/powerpoint/2007/7/12/main" xmlns="" val="1066328049"/>
+        <p14:creationId xmlns:p14="http://schemas.microsoft.com/office/powerpoint/2007/7/12/main" val="1066328049"/>
       </p:ext>
     </p:extLst>
   </p:cSld>
@@ -8777,7 +8930,7 @@
   <p:timing>
     <p:tnLst>
       <p:par>
-        <p:cTn id="1" dur="indefinite" restart="never" nodeType="tmRoot"/>
+        <p:cTn xmlns:p14="http://schemas.microsoft.com/office/powerpoint/2007/7/12/main" id="1" dur="indefinite" restart="never" nodeType="tmRoot"/>
       </p:par>
     </p:tnLst>
   </p:timing>
@@ -8860,7 +9013,7 @@
             </a:pPr>
             <a:endParaRPr lang="ko-KR" altLang="ko-KR">
               <a:solidFill>
-                <a:srgbClr val="000000"/>
+                <a:srgbClr xmlns:mc="http://schemas.openxmlformats.org/markup-compatibility/2006" xmlns:a14="http://schemas.microsoft.com/office/drawing/2007/7/7/main" val="000000" mc:Ignorable=""/>
               </a:solidFill>
               <a:cs typeface="Arial" charset="0"/>
             </a:endParaRPr>
@@ -8919,7 +9072,7 @@
             </a:pPr>
             <a:endParaRPr lang="ko-KR" altLang="ko-KR">
               <a:solidFill>
-                <a:srgbClr val="000000"/>
+                <a:srgbClr xmlns:mc="http://schemas.openxmlformats.org/markup-compatibility/2006" xmlns:a14="http://schemas.microsoft.com/office/drawing/2007/7/7/main" val="000000" mc:Ignorable=""/>
               </a:solidFill>
               <a:cs typeface="Arial" charset="0"/>
             </a:endParaRPr>
@@ -8978,7 +9131,7 @@
             </a:pPr>
             <a:endParaRPr lang="ko-KR" altLang="ko-KR">
               <a:solidFill>
-                <a:srgbClr val="000000"/>
+                <a:srgbClr xmlns:mc="http://schemas.openxmlformats.org/markup-compatibility/2006" xmlns:a14="http://schemas.microsoft.com/office/drawing/2007/7/7/main" val="000000" mc:Ignorable=""/>
               </a:solidFill>
               <a:cs typeface="Arial" charset="0"/>
             </a:endParaRPr>
@@ -9011,7 +9164,7 @@
             </a:pPr>
             <a:endParaRPr lang="ko-KR" altLang="ko-KR" sz="1100" b="1">
               <a:solidFill>
-                <a:srgbClr val="A0A0A0"/>
+                <a:srgbClr xmlns:mc="http://schemas.openxmlformats.org/markup-compatibility/2006" xmlns:a14="http://schemas.microsoft.com/office/drawing/2007/7/7/main" val="A0A0A0" mc:Ignorable=""/>
               </a:solidFill>
               <a:latin typeface="Calibri" pitchFamily="34" charset="0"/>
             </a:endParaRPr>
@@ -9126,7 +9279,7 @@
             <a:r>
               <a:rPr lang="fr-FR" altLang="ko-KR" sz="900" dirty="0" smtClean="0">
                 <a:solidFill>
-                  <a:srgbClr val="7F7F7F"/>
+                  <a:srgbClr xmlns:mc="http://schemas.openxmlformats.org/markup-compatibility/2006" xmlns:a14="http://schemas.microsoft.com/office/drawing/2007/7/7/main" val="7F7F7F" mc:Ignorable=""/>
                 </a:solidFill>
                 <a:ea typeface="굴림" charset="-127"/>
               </a:rPr>
@@ -9135,7 +9288,7 @@
             <a:r>
               <a:rPr lang="fr-FR" altLang="ko-KR" sz="900" baseline="0" dirty="0" smtClean="0">
                 <a:solidFill>
-                  <a:srgbClr val="7F7F7F"/>
+                  <a:srgbClr xmlns:mc="http://schemas.openxmlformats.org/markup-compatibility/2006" xmlns:a14="http://schemas.microsoft.com/office/drawing/2007/7/7/main" val="7F7F7F" mc:Ignorable=""/>
                 </a:solidFill>
                 <a:ea typeface="굴림" charset="-127"/>
               </a:rPr>
@@ -9143,7 +9296,7 @@
             </a:r>
             <a:endParaRPr lang="fr-FR" altLang="ko-KR" sz="900" dirty="0">
               <a:solidFill>
-                <a:srgbClr val="7F7F7F"/>
+                <a:srgbClr xmlns:mc="http://schemas.openxmlformats.org/markup-compatibility/2006" xmlns:a14="http://schemas.microsoft.com/office/drawing/2007/7/7/main" val="7F7F7F" mc:Ignorable=""/>
               </a:solidFill>
               <a:ea typeface="굴림" charset="-127"/>
             </a:endParaRPr>
@@ -9209,7 +9362,7 @@
                 </a:spcAft>
                 <a:defRPr/>
               </a:pPr>
-              <a:t>‹N°›</a:t>
+              <a:t>‹#›</a:t>
             </a:fld>
             <a:r>
               <a:rPr lang="fr-FR" sz="1100" b="1" kern="0" dirty="0" smtClean="0">
@@ -9308,7 +9461,7 @@
             <a:r>
               <a:rPr lang="fr-FR" altLang="ko-KR" sz="1000" dirty="0" err="1" smtClean="0">
                 <a:solidFill>
-                  <a:srgbClr val="7F7F7F"/>
+                  <a:srgbClr xmlns:mc="http://schemas.openxmlformats.org/markup-compatibility/2006" xmlns:a14="http://schemas.microsoft.com/office/drawing/2007/7/7/main" val="7F7F7F" mc:Ignorable=""/>
                 </a:solidFill>
                 <a:latin typeface="Calibri" pitchFamily="34" charset="0"/>
                 <a:ea typeface="굴림" charset="-127"/>
@@ -9318,7 +9471,7 @@
             <a:r>
               <a:rPr lang="fr-FR" altLang="ko-KR" sz="1000" baseline="0" dirty="0" smtClean="0">
                 <a:solidFill>
-                  <a:srgbClr val="7F7F7F"/>
+                  <a:srgbClr xmlns:mc="http://schemas.openxmlformats.org/markup-compatibility/2006" xmlns:a14="http://schemas.microsoft.com/office/drawing/2007/7/7/main" val="7F7F7F" mc:Ignorable=""/>
                 </a:solidFill>
                 <a:latin typeface="Calibri" pitchFamily="34" charset="0"/>
                 <a:ea typeface="굴림" charset="-127"/>
@@ -9328,7 +9481,7 @@
             <a:r>
               <a:rPr lang="fr-FR" altLang="ko-KR" sz="1000" dirty="0" smtClean="0">
                 <a:solidFill>
-                  <a:srgbClr val="7F7F7F"/>
+                  <a:srgbClr xmlns:mc="http://schemas.openxmlformats.org/markup-compatibility/2006" xmlns:a14="http://schemas.microsoft.com/office/drawing/2007/7/7/main" val="7F7F7F" mc:Ignorable=""/>
                 </a:solidFill>
                 <a:latin typeface="Calibri" pitchFamily="34" charset="0"/>
                 <a:ea typeface="굴림" charset="-127"/>
@@ -9338,7 +9491,7 @@
             <a:r>
               <a:rPr lang="fr-FR" altLang="ko-KR" sz="1000" dirty="0">
                 <a:solidFill>
-                  <a:srgbClr val="7F7F7F"/>
+                  <a:srgbClr xmlns:mc="http://schemas.openxmlformats.org/markup-compatibility/2006" xmlns:a14="http://schemas.microsoft.com/office/drawing/2007/7/7/main" val="7F7F7F" mc:Ignorable=""/>
                 </a:solidFill>
                 <a:latin typeface="Calibri" pitchFamily="34" charset="0"/>
                 <a:ea typeface="굴림" charset="-127"/>
@@ -9347,7 +9500,7 @@
             </a:r>
             <a:endParaRPr lang="fr-FR" altLang="ko-KR" sz="900" dirty="0">
               <a:solidFill>
-                <a:srgbClr val="7F7F7F"/>
+                <a:srgbClr xmlns:mc="http://schemas.openxmlformats.org/markup-compatibility/2006" xmlns:a14="http://schemas.microsoft.com/office/drawing/2007/7/7/main" val="7F7F7F" mc:Ignorable=""/>
               </a:solidFill>
               <a:latin typeface="Calibri" pitchFamily="34" charset="0"/>
               <a:ea typeface="굴림" charset="-127"/>
@@ -9367,7 +9520,7 @@
   <p:timing>
     <p:tnLst>
       <p:par>
-        <p:cTn id="1" dur="indefinite" restart="never" nodeType="tmRoot"/>
+        <p:cTn xmlns:p14="http://schemas.microsoft.com/office/powerpoint/2007/7/12/main" id="1" dur="indefinite" restart="never" nodeType="tmRoot"/>
       </p:par>
     </p:tnLst>
   </p:timing>
@@ -9789,11 +9942,11 @@
             <a:r>
               <a:rPr altLang="ko-KR" dirty="0" smtClean="0">
                 <a:solidFill>
-                  <a:srgbClr val="C44F00"/>
+                  <a:srgbClr xmlns:mc="http://schemas.openxmlformats.org/markup-compatibility/2006" xmlns:a14="http://schemas.microsoft.com/office/drawing/2007/7/7/main" val="C44F00" mc:Ignorable=""/>
                 </a:solidFill>
                 <a:effectLst>
                   <a:outerShdw blurRad="38100" dist="38100" dir="2700000" algn="tl">
-                    <a:srgbClr val="C0C0C0"/>
+                    <a:srgbClr xmlns:mc="http://schemas.openxmlformats.org/markup-compatibility/2006" xmlns:a14="http://schemas.microsoft.com/office/drawing/2007/7/7/main" val="C0C0C0" mc:Ignorable=""/>
                   </a:outerShdw>
                 </a:effectLst>
                 <a:ea typeface="굴림" charset="-127"/>
@@ -9808,11 +9961,11 @@
             <a:r>
               <a:rPr altLang="ko-KR" dirty="0" smtClean="0">
                 <a:solidFill>
-                  <a:srgbClr val="595959"/>
+                  <a:srgbClr xmlns:mc="http://schemas.openxmlformats.org/markup-compatibility/2006" xmlns:a14="http://schemas.microsoft.com/office/drawing/2007/7/7/main" val="595959" mc:Ignorable=""/>
                 </a:solidFill>
                 <a:effectLst>
                   <a:outerShdw blurRad="38100" dist="38100" dir="2700000" algn="tl">
-                    <a:srgbClr val="C0C0C0"/>
+                    <a:srgbClr xmlns:mc="http://schemas.openxmlformats.org/markup-compatibility/2006" xmlns:a14="http://schemas.microsoft.com/office/drawing/2007/7/7/main" val="C0C0C0" mc:Ignorable=""/>
                   </a:outerShdw>
                 </a:effectLst>
                 <a:ea typeface="굴림" charset="-127"/>
@@ -9822,11 +9975,11 @@
             <a:r>
               <a:rPr altLang="ko-KR" dirty="0" err="1" smtClean="0">
                 <a:solidFill>
-                  <a:srgbClr val="595959"/>
+                  <a:srgbClr xmlns:mc="http://schemas.openxmlformats.org/markup-compatibility/2006" xmlns:a14="http://schemas.microsoft.com/office/drawing/2007/7/7/main" val="595959" mc:Ignorable=""/>
                 </a:solidFill>
                 <a:effectLst>
                   <a:outerShdw blurRad="38100" dist="38100" dir="2700000" algn="tl">
-                    <a:srgbClr val="C0C0C0"/>
+                    <a:srgbClr xmlns:mc="http://schemas.openxmlformats.org/markup-compatibility/2006" xmlns:a14="http://schemas.microsoft.com/office/drawing/2007/7/7/main" val="C0C0C0" mc:Ignorable=""/>
                   </a:outerShdw>
                 </a:effectLst>
                 <a:ea typeface="굴림" charset="-127"/>
@@ -9836,11 +9989,11 @@
             <a:r>
               <a:rPr altLang="ko-KR" dirty="0" smtClean="0">
                 <a:solidFill>
-                  <a:srgbClr val="595959"/>
+                  <a:srgbClr xmlns:mc="http://schemas.openxmlformats.org/markup-compatibility/2006" xmlns:a14="http://schemas.microsoft.com/office/drawing/2007/7/7/main" val="595959" mc:Ignorable=""/>
                 </a:solidFill>
                 <a:effectLst>
                   <a:outerShdw blurRad="38100" dist="38100" dir="2700000" algn="tl">
-                    <a:srgbClr val="C0C0C0"/>
+                    <a:srgbClr xmlns:mc="http://schemas.openxmlformats.org/markup-compatibility/2006" xmlns:a14="http://schemas.microsoft.com/office/drawing/2007/7/7/main" val="C0C0C0" mc:Ignorable=""/>
                   </a:outerShdw>
                 </a:effectLst>
                 <a:ea typeface="굴림" charset="-127"/>
@@ -9855,11 +10008,11 @@
             <a:r>
               <a:rPr altLang="ko-KR" dirty="0" smtClean="0">
                 <a:solidFill>
-                  <a:srgbClr val="595959"/>
+                  <a:srgbClr xmlns:mc="http://schemas.openxmlformats.org/markup-compatibility/2006" xmlns:a14="http://schemas.microsoft.com/office/drawing/2007/7/7/main" val="595959" mc:Ignorable=""/>
                 </a:solidFill>
                 <a:effectLst>
                   <a:outerShdw blurRad="38100" dist="38100" dir="2700000" algn="tl">
-                    <a:srgbClr val="C0C0C0"/>
+                    <a:srgbClr xmlns:mc="http://schemas.openxmlformats.org/markup-compatibility/2006" xmlns:a14="http://schemas.microsoft.com/office/drawing/2007/7/7/main" val="C0C0C0" mc:Ignorable=""/>
                   </a:outerShdw>
                 </a:effectLst>
                 <a:ea typeface="굴림" charset="-127"/>
@@ -9873,11 +10026,11 @@
             </a:pPr>
             <a:endParaRPr altLang="ko-KR" dirty="0" smtClean="0">
               <a:solidFill>
-                <a:srgbClr val="8F481E"/>
+                <a:srgbClr xmlns:mc="http://schemas.openxmlformats.org/markup-compatibility/2006" xmlns:a14="http://schemas.microsoft.com/office/drawing/2007/7/7/main" val="8F481E" mc:Ignorable=""/>
               </a:solidFill>
               <a:effectLst>
                 <a:outerShdw blurRad="38100" dist="38100" dir="2700000" algn="tl">
-                  <a:srgbClr val="C0C0C0"/>
+                  <a:srgbClr xmlns:mc="http://schemas.openxmlformats.org/markup-compatibility/2006" xmlns:a14="http://schemas.microsoft.com/office/drawing/2007/7/7/main" val="C0C0C0" mc:Ignorable=""/>
                 </a:outerShdw>
               </a:effectLst>
               <a:ea typeface="굴림" charset="-127"/>
@@ -9922,7 +10075,7 @@
                 </a:ln>
                 <a:effectLst>
                   <a:outerShdw blurRad="38100" dist="38100" dir="2700000" algn="tl">
-                    <a:srgbClr val="000000">
+                    <a:srgbClr xmlns:mc="http://schemas.openxmlformats.org/markup-compatibility/2006" xmlns:a14="http://schemas.microsoft.com/office/drawing/2007/7/7/main" val="000000" mc:Ignorable="">
                       <a:alpha val="43137"/>
                     </a:srgbClr>
                   </a:outerShdw>
@@ -9940,7 +10093,7 @@
                 </a:solidFill>
                 <a:effectLst>
                   <a:outerShdw blurRad="38100" dist="38100" dir="2700000" algn="tl">
-                    <a:srgbClr val="000000">
+                    <a:srgbClr xmlns:mc="http://schemas.openxmlformats.org/markup-compatibility/2006" xmlns:a14="http://schemas.microsoft.com/office/drawing/2007/7/7/main" val="000000" mc:Ignorable="">
                       <a:alpha val="43137"/>
                     </a:srgbClr>
                   </a:outerShdw>
@@ -9958,7 +10111,7 @@
                 </a:solidFill>
                 <a:effectLst>
                   <a:outerShdw blurRad="38100" dist="38100" dir="2700000" algn="tl">
-                    <a:srgbClr val="000000">
+                    <a:srgbClr xmlns:mc="http://schemas.openxmlformats.org/markup-compatibility/2006" xmlns:a14="http://schemas.microsoft.com/office/drawing/2007/7/7/main" val="000000" mc:Ignorable="">
                       <a:alpha val="43137"/>
                     </a:srgbClr>
                   </a:outerShdw>
@@ -9975,7 +10128,7 @@
                 </a:solidFill>
                 <a:effectLst>
                   <a:outerShdw blurRad="38100" dist="38100" dir="2700000" algn="tl">
-                    <a:srgbClr val="000000">
+                    <a:srgbClr xmlns:mc="http://schemas.openxmlformats.org/markup-compatibility/2006" xmlns:a14="http://schemas.microsoft.com/office/drawing/2007/7/7/main" val="000000" mc:Ignorable="">
                       <a:alpha val="43137"/>
                     </a:srgbClr>
                   </a:outerShdw>
@@ -9995,7 +10148,7 @@
                 </a:solidFill>
                 <a:effectLst>
                   <a:outerShdw blurRad="38100" dist="38100" dir="2700000" algn="tl">
-                    <a:srgbClr val="000000">
+                    <a:srgbClr xmlns:mc="http://schemas.openxmlformats.org/markup-compatibility/2006" xmlns:a14="http://schemas.microsoft.com/office/drawing/2007/7/7/main" val="000000" mc:Ignorable="">
                       <a:alpha val="43137"/>
                     </a:srgbClr>
                   </a:outerShdw>
@@ -10015,7 +10168,7 @@
                 </a:solidFill>
                 <a:effectLst>
                   <a:outerShdw blurRad="38100" dist="38100" dir="2700000" algn="tl">
-                    <a:srgbClr val="000000">
+                    <a:srgbClr xmlns:mc="http://schemas.openxmlformats.org/markup-compatibility/2006" xmlns:a14="http://schemas.microsoft.com/office/drawing/2007/7/7/main" val="000000" mc:Ignorable="">
                       <a:alpha val="43137"/>
                     </a:srgbClr>
                   </a:outerShdw>
@@ -10035,7 +10188,7 @@
                 </a:solidFill>
                 <a:effectLst>
                   <a:outerShdw blurRad="38100" dist="38100" dir="2700000" algn="tl">
-                    <a:srgbClr val="000000">
+                    <a:srgbClr xmlns:mc="http://schemas.openxmlformats.org/markup-compatibility/2006" xmlns:a14="http://schemas.microsoft.com/office/drawing/2007/7/7/main" val="000000" mc:Ignorable="">
                       <a:alpha val="43137"/>
                     </a:srgbClr>
                   </a:outerShdw>
@@ -10055,7 +10208,7 @@
                 </a:solidFill>
                 <a:effectLst>
                   <a:outerShdw blurRad="38100" dist="38100" dir="2700000" algn="tl">
-                    <a:srgbClr val="000000">
+                    <a:srgbClr xmlns:mc="http://schemas.openxmlformats.org/markup-compatibility/2006" xmlns:a14="http://schemas.microsoft.com/office/drawing/2007/7/7/main" val="000000" mc:Ignorable="">
                       <a:alpha val="43137"/>
                     </a:srgbClr>
                   </a:outerShdw>
@@ -10074,7 +10227,7 @@
               </a:solidFill>
               <a:effectLst>
                 <a:outerShdw blurRad="38100" dist="38100" dir="2700000" algn="tl">
-                  <a:srgbClr val="000000">
+                  <a:srgbClr xmlns:mc="http://schemas.openxmlformats.org/markup-compatibility/2006" xmlns:a14="http://schemas.microsoft.com/office/drawing/2007/7/7/main" val="000000" mc:Ignorable="">
                     <a:alpha val="43137"/>
                   </a:srgbClr>
                 </a:outerShdw>
@@ -10144,7 +10297,7 @@
             </a:avLst>
           </a:prstGeom>
           <a:solidFill>
-            <a:srgbClr val="FFFFFF">
+            <a:srgbClr xmlns:mc="http://schemas.openxmlformats.org/markup-compatibility/2006" xmlns:a14="http://schemas.microsoft.com/office/drawing/2007/7/7/main" val="FFFFFF" mc:Ignorable="">
               <a:shade val="85000"/>
             </a:srgbClr>
           </a:solidFill>
@@ -10182,7 +10335,7 @@
             </a:avLst>
           </a:prstGeom>
           <a:solidFill>
-            <a:srgbClr val="FFFFFF">
+            <a:srgbClr xmlns:mc="http://schemas.openxmlformats.org/markup-compatibility/2006" xmlns:a14="http://schemas.microsoft.com/office/drawing/2007/7/7/main" val="FFFFFF" mc:Ignorable="">
               <a:shade val="85000"/>
             </a:srgbClr>
           </a:solidFill>
@@ -10237,7 +10390,7 @@
               <a:rPr lang="fr-FR" sz="2400" b="1" dirty="0" smtClean="0">
                 <a:effectLst>
                   <a:outerShdw blurRad="38100" dist="38100" dir="2700000" algn="tl">
-                    <a:srgbClr val="000000">
+                    <a:srgbClr xmlns:mc="http://schemas.openxmlformats.org/markup-compatibility/2006" xmlns:a14="http://schemas.microsoft.com/office/drawing/2007/7/7/main" val="000000" mc:Ignorable="">
                       <a:alpha val="43137"/>
                     </a:srgbClr>
                   </a:outerShdw>
@@ -10256,7 +10409,7 @@
   <p:timing>
     <p:tnLst>
       <p:par>
-        <p:cTn id="1" dur="indefinite" restart="never" nodeType="tmRoot"/>
+        <p:cTn xmlns:p14="http://schemas.microsoft.com/office/powerpoint/2007/7/12/main" id="1" dur="indefinite" restart="never" nodeType="tmRoot"/>
       </p:par>
     </p:tnLst>
   </p:timing>
@@ -10264,132 +10417,6 @@
 </file>
 
 <file path=ppt/slides/slide10.xml><?xml version="1.0" encoding="utf-8"?>
-<p:sld xmlns:a="http://schemas.openxmlformats.org/drawingml/2006/main" xmlns:r="http://schemas.openxmlformats.org/officeDocument/2006/relationships" xmlns:p="http://schemas.openxmlformats.org/presentationml/2006/main">
-  <p:cSld>
-    <p:spTree>
-      <p:nvGrpSpPr>
-        <p:cNvPr id="1" name=""/>
-        <p:cNvGrpSpPr/>
-        <p:nvPr/>
-      </p:nvGrpSpPr>
-      <p:grpSpPr>
-        <a:xfrm>
-          <a:off x="0" y="0"/>
-          <a:ext cx="0" cy="0"/>
-          <a:chOff x="0" y="0"/>
-          <a:chExt cx="0" cy="0"/>
-        </a:xfrm>
-      </p:grpSpPr>
-      <p:sp>
-        <p:nvSpPr>
-          <p:cNvPr id="2" name="Title 1"/>
-          <p:cNvSpPr>
-            <a:spLocks noGrp="1"/>
-          </p:cNvSpPr>
-          <p:nvPr>
-            <p:ph type="ctrTitle"/>
-          </p:nvPr>
-        </p:nvSpPr>
-        <p:spPr/>
-        <p:txBody>
-          <a:bodyPr/>
-          <a:lstStyle/>
-          <a:p>
-            <a:r>
-              <a:rPr lang="fr-FR" dirty="0" err="1"/>
-              <a:t>Problem</a:t>
-            </a:r>
-            <a:r>
-              <a:rPr lang="fr-FR" dirty="0"/>
-              <a:t> </a:t>
-            </a:r>
-            <a:r>
-              <a:rPr lang="fr-FR" dirty="0" smtClean="0"/>
-              <a:t>frames (</a:t>
-            </a:r>
-            <a:r>
-              <a:rPr lang="fr-FR" dirty="0" err="1" smtClean="0"/>
-              <a:t>cont</a:t>
-            </a:r>
-            <a:r>
-              <a:rPr lang="fr-FR" dirty="0" smtClean="0"/>
-              <a:t>.)</a:t>
-            </a:r>
-            <a:endParaRPr lang="fr-FR" dirty="0"/>
-          </a:p>
-        </p:txBody>
-      </p:sp>
-      <p:graphicFrame>
-        <p:nvGraphicFramePr>
-          <p:cNvPr id="4" name="Diagram 3"/>
-          <p:cNvGraphicFramePr/>
-          <p:nvPr>
-            <p:extLst>
-              <p:ext uri="{D42A27DB-BD31-4B8C-83A1-F6EECF244321}">
-                <p14:modId xmlns:p14="http://schemas.microsoft.com/office/powerpoint/2007/7/12/main" xmlns="" val="697457039"/>
-              </p:ext>
-            </p:extLst>
-          </p:nvPr>
-        </p:nvGraphicFramePr>
-        <p:xfrm>
-          <a:off x="1059653" y="1707262"/>
-          <a:ext cx="7227123" cy="4818082"/>
-        </p:xfrm>
-        <a:graphic>
-          <a:graphicData uri="http://schemas.openxmlformats.org/drawingml/2006/diagram">
-            <dgm:relIds xmlns:dgm="http://schemas.openxmlformats.org/drawingml/2006/diagram" xmlns:r="http://schemas.openxmlformats.org/officeDocument/2006/relationships" r:dm="rId2" r:lo="rId3" r:qs="rId4" r:cs="rId5"/>
-          </a:graphicData>
-        </a:graphic>
-      </p:graphicFrame>
-      <p:sp>
-        <p:nvSpPr>
-          <p:cNvPr id="5" name="Text Placeholder 2"/>
-          <p:cNvSpPr>
-            <a:spLocks noGrp="1"/>
-          </p:cNvSpPr>
-          <p:nvPr>
-            <p:ph type="body" sz="quarter" idx="10"/>
-          </p:nvPr>
-        </p:nvSpPr>
-        <p:spPr>
-          <a:xfrm>
-            <a:off x="285750" y="1124744"/>
-            <a:ext cx="8643968" cy="576064"/>
-          </a:xfrm>
-        </p:spPr>
-        <p:txBody>
-          <a:bodyPr/>
-          <a:lstStyle/>
-          <a:p>
-            <a:r>
-              <a:rPr lang="fr-FR" dirty="0" smtClean="0"/>
-              <a:t>Conclusion:</a:t>
-            </a:r>
-            <a:endParaRPr lang="fr-FR" dirty="0"/>
-          </a:p>
-        </p:txBody>
-      </p:sp>
-    </p:spTree>
-    <p:extLst>
-      <p:ext uri="{BB962C8B-B14F-4D97-AF65-F5344CB8AC3E}">
-        <p14:creationId xmlns:p14="http://schemas.microsoft.com/office/powerpoint/2007/7/12/main" xmlns="" val="4039325657"/>
-      </p:ext>
-    </p:extLst>
-  </p:cSld>
-  <p:clrMapOvr>
-    <a:masterClrMapping/>
-  </p:clrMapOvr>
-  <p:timing>
-    <p:tnLst>
-      <p:par>
-        <p:cTn id="1" dur="indefinite" restart="never" nodeType="tmRoot"/>
-      </p:par>
-    </p:tnLst>
-  </p:timing>
-</p:sld>
-</file>
-
-<file path=ppt/slides/slide11.xml><?xml version="1.0" encoding="utf-8"?>
 <p:sld xmlns:a="http://schemas.openxmlformats.org/drawingml/2006/main" xmlns:r="http://schemas.openxmlformats.org/officeDocument/2006/relationships" xmlns:p="http://schemas.openxmlformats.org/presentationml/2006/main">
   <p:cSld>
     <p:spTree>
@@ -10505,16 +10532,16 @@
               <a:defRPr lang="fr-FR" sz="3600" b="0" cap="none" spc="0">
                 <a:ln w="18415" cmpd="sng">
                   <a:solidFill>
-                    <a:srgbClr val="FFFFFF"/>
+                    <a:srgbClr xmlns:mc="http://schemas.openxmlformats.org/markup-compatibility/2006" xmlns:a14="http://schemas.microsoft.com/office/drawing/2007/7/7/main" val="FFFFFF" mc:Ignorable=""/>
                   </a:solidFill>
                   <a:prstDash val="solid"/>
                 </a:ln>
                 <a:solidFill>
-                  <a:srgbClr val="FFFFFF"/>
+                  <a:srgbClr xmlns:mc="http://schemas.openxmlformats.org/markup-compatibility/2006" xmlns:a14="http://schemas.microsoft.com/office/drawing/2007/7/7/main" val="FFFFFF" mc:Ignorable=""/>
                 </a:solidFill>
                 <a:effectLst>
                   <a:outerShdw blurRad="63500" dir="3600000" algn="tl" rotWithShape="0">
-                    <a:srgbClr val="000000">
+                    <a:srgbClr xmlns:mc="http://schemas.openxmlformats.org/markup-compatibility/2006" xmlns:a14="http://schemas.microsoft.com/office/drawing/2007/7/7/main" val="000000" mc:Ignorable="">
                       <a:alpha val="70000"/>
                     </a:srgbClr>
                   </a:outerShdw>
@@ -10652,7 +10679,7 @@
           <a:p>
             <a:pPr indent="273050" eaLnBrk="1" hangingPunct="1">
               <a:buClr>
-                <a:srgbClr val="C44F00"/>
+                <a:srgbClr xmlns:mc="http://schemas.openxmlformats.org/markup-compatibility/2006" xmlns:a14="http://schemas.microsoft.com/office/drawing/2007/7/7/main" val="C44F00" mc:Ignorable=""/>
               </a:buClr>
               <a:buFont typeface="Calibri" pitchFamily="34" charset="0"/>
               <a:buAutoNum type="arabicPeriod"/>
@@ -10674,7 +10701,7 @@
           <a:p>
             <a:pPr indent="273050" eaLnBrk="1" hangingPunct="1">
               <a:buClr>
-                <a:srgbClr val="C44F00"/>
+                <a:srgbClr xmlns:mc="http://schemas.openxmlformats.org/markup-compatibility/2006" xmlns:a14="http://schemas.microsoft.com/office/drawing/2007/7/7/main" val="C44F00" mc:Ignorable=""/>
               </a:buClr>
               <a:buFont typeface="Calibri" pitchFamily="34" charset="0"/>
               <a:buAutoNum type="arabicPeriod"/>
@@ -10693,7 +10720,7 @@
           <a:p>
             <a:pPr indent="273050" eaLnBrk="1" hangingPunct="1">
               <a:buClr>
-                <a:srgbClr val="C44F00"/>
+                <a:srgbClr xmlns:mc="http://schemas.openxmlformats.org/markup-compatibility/2006" xmlns:a14="http://schemas.microsoft.com/office/drawing/2007/7/7/main" val="C44F00" mc:Ignorable=""/>
               </a:buClr>
               <a:buFont typeface="Calibri" pitchFamily="34" charset="0"/>
               <a:buAutoNum type="arabicPeriod"/>
@@ -10715,7 +10742,7 @@
           <a:p>
             <a:pPr indent="273050" eaLnBrk="1" hangingPunct="1">
               <a:buClr>
-                <a:srgbClr val="C44F00"/>
+                <a:srgbClr xmlns:mc="http://schemas.openxmlformats.org/markup-compatibility/2006" xmlns:a14="http://schemas.microsoft.com/office/drawing/2007/7/7/main" val="C44F00" mc:Ignorable=""/>
               </a:buClr>
               <a:buFont typeface="Calibri" pitchFamily="34" charset="0"/>
               <a:buAutoNum type="arabicPeriod"/>
@@ -10734,7 +10761,7 @@
           <a:p>
             <a:pPr indent="273050" eaLnBrk="1" hangingPunct="1">
               <a:buClr>
-                <a:srgbClr val="C44F00"/>
+                <a:srgbClr xmlns:mc="http://schemas.openxmlformats.org/markup-compatibility/2006" xmlns:a14="http://schemas.microsoft.com/office/drawing/2007/7/7/main" val="C44F00" mc:Ignorable=""/>
               </a:buClr>
               <a:buFont typeface="Calibri" pitchFamily="34" charset="0"/>
               <a:buAutoNum type="arabicPeriod"/>
@@ -10756,7 +10783,7 @@
           <a:p>
             <a:pPr indent="273050" eaLnBrk="1" hangingPunct="1">
               <a:buClr>
-                <a:srgbClr val="C44F00"/>
+                <a:srgbClr xmlns:mc="http://schemas.openxmlformats.org/markup-compatibility/2006" xmlns:a14="http://schemas.microsoft.com/office/drawing/2007/7/7/main" val="C44F00" mc:Ignorable=""/>
               </a:buClr>
               <a:buFont typeface="Calibri" pitchFamily="34" charset="0"/>
               <a:buAutoNum type="arabicPeriod"/>
@@ -10775,7 +10802,7 @@
           <a:p>
             <a:pPr indent="273050" eaLnBrk="1" hangingPunct="1">
               <a:buClr>
-                <a:srgbClr val="C44F00"/>
+                <a:srgbClr xmlns:mc="http://schemas.openxmlformats.org/markup-compatibility/2006" xmlns:a14="http://schemas.microsoft.com/office/drawing/2007/7/7/main" val="C44F00" mc:Ignorable=""/>
               </a:buClr>
               <a:buFont typeface="Calibri" pitchFamily="34" charset="0"/>
               <a:buAutoNum type="arabicPeriod"/>
@@ -10831,7 +10858,7 @@
             </a:avLst>
           </a:prstGeom>
           <a:solidFill>
-            <a:srgbClr val="FFFFFF">
+            <a:srgbClr xmlns:mc="http://schemas.openxmlformats.org/markup-compatibility/2006" xmlns:a14="http://schemas.microsoft.com/office/drawing/2007/7/7/main" val="FFFFFF" mc:Ignorable="">
               <a:shade val="85000"/>
             </a:srgbClr>
           </a:solidFill>
@@ -10851,7 +10878,7 @@
     </p:spTree>
     <p:extLst>
       <p:ext uri="{BB962C8B-B14F-4D97-AF65-F5344CB8AC3E}">
-        <p14:creationId xmlns:p14="http://schemas.microsoft.com/office/powerpoint/2007/7/12/main" xmlns="" val="2737251238"/>
+        <p14:creationId xmlns:p14="http://schemas.microsoft.com/office/powerpoint/2007/7/12/main" val="2737251238"/>
       </p:ext>
     </p:extLst>
   </p:cSld>
@@ -10861,7 +10888,138 @@
   <p:timing>
     <p:tnLst>
       <p:par>
-        <p:cTn id="1" dur="indefinite" restart="never" nodeType="tmRoot"/>
+        <p:cTn xmlns:p14="http://schemas.microsoft.com/office/powerpoint/2007/7/12/main" id="1" dur="indefinite" restart="never" nodeType="tmRoot"/>
+      </p:par>
+    </p:tnLst>
+  </p:timing>
+</p:sld>
+</file>
+
+<file path=ppt/slides/slide11.xml><?xml version="1.0" encoding="utf-8"?>
+<p:sld xmlns:a="http://schemas.openxmlformats.org/drawingml/2006/main" xmlns:r="http://schemas.openxmlformats.org/officeDocument/2006/relationships" xmlns:p="http://schemas.openxmlformats.org/presentationml/2006/main">
+  <p:cSld>
+    <p:spTree>
+      <p:nvGrpSpPr>
+        <p:cNvPr id="1" name=""/>
+        <p:cNvGrpSpPr/>
+        <p:nvPr/>
+      </p:nvGrpSpPr>
+      <p:grpSpPr>
+        <a:xfrm>
+          <a:off x="0" y="0"/>
+          <a:ext cx="0" cy="0"/>
+          <a:chOff x="0" y="0"/>
+          <a:chExt cx="0" cy="0"/>
+        </a:xfrm>
+      </p:grpSpPr>
+      <p:sp>
+        <p:nvSpPr>
+          <p:cNvPr id="2" name="Title 1"/>
+          <p:cNvSpPr>
+            <a:spLocks noGrp="1"/>
+          </p:cNvSpPr>
+          <p:nvPr>
+            <p:ph type="ctrTitle"/>
+          </p:nvPr>
+        </p:nvSpPr>
+        <p:spPr/>
+        <p:txBody>
+          <a:bodyPr/>
+          <a:lstStyle/>
+          <a:p>
+            <a:r>
+              <a:rPr lang="fr-FR" dirty="0" smtClean="0"/>
+              <a:t>Use case </a:t>
+            </a:r>
+            <a:r>
+              <a:rPr lang="fr-FR" dirty="0" err="1" smtClean="0"/>
+              <a:t>diagram</a:t>
+            </a:r>
+            <a:endParaRPr lang="fr-FR" dirty="0"/>
+          </a:p>
+        </p:txBody>
+      </p:sp>
+      <p:sp>
+        <p:nvSpPr>
+          <p:cNvPr id="3" name="Text Placeholder 2"/>
+          <p:cNvSpPr>
+            <a:spLocks noGrp="1"/>
+          </p:cNvSpPr>
+          <p:nvPr>
+            <p:ph type="body" sz="quarter" idx="10"/>
+          </p:nvPr>
+        </p:nvSpPr>
+        <p:spPr/>
+        <p:txBody>
+          <a:bodyPr/>
+          <a:lstStyle/>
+          <a:p>
+            <a:endParaRPr lang="fr-FR"/>
+          </a:p>
+        </p:txBody>
+      </p:sp>
+      <p:pic>
+        <p:nvPicPr>
+          <p:cNvPr id="4" name="Picture 3" descr="D:\Documents\UTBM\MON CURSUS\GI05\KAIST\Projects\euroteam\Project 1\Part Final\Design\Images\UseCase Diagram.png"/>
+          <p:cNvPicPr/>
+          <p:nvPr/>
+        </p:nvPicPr>
+        <p:blipFill>
+          <a:blip r:embed="rId2">
+            <a:extLst>
+              <a:ext uri="28A0092B-C50C-407e-A947-70E740481C1C">
+                <a14:useLocalDpi xmlns:a14="http://schemas.microsoft.com/office/drawing/2007/7/7/main" val="0"/>
+              </a:ext>
+            </a:extLst>
+          </a:blip>
+          <a:srcRect/>
+          <a:stretch>
+            <a:fillRect/>
+          </a:stretch>
+        </p:blipFill>
+        <p:spPr bwMode="auto">
+          <a:xfrm>
+            <a:off x="179512" y="1268760"/>
+            <a:ext cx="8805964" cy="5184576"/>
+          </a:xfrm>
+          <a:prstGeom prst="rect">
+            <a:avLst/>
+          </a:prstGeom>
+          <a:ln>
+            <a:noFill/>
+          </a:ln>
+          <a:effectLst>
+            <a:outerShdw blurRad="190500" algn="tl" rotWithShape="0">
+              <a:srgbClr xmlns:mc="http://schemas.openxmlformats.org/markup-compatibility/2006" xmlns:a14="http://schemas.microsoft.com/office/drawing/2007/7/7/main" val="000000" mc:Ignorable="">
+                <a:alpha val="70000"/>
+              </a:srgbClr>
+            </a:outerShdw>
+          </a:effectLst>
+          <a:extLst>
+            <a:ext uri="{909E8E84-426E-40dd-AFC4-6F175D3DCCD1}">
+              <a14:hiddenFill xmlns:a14="http://schemas.microsoft.com/office/drawing/2007/7/7/main">
+                <a:solidFill>
+                  <a:srgbClr xmlns:mc="http://schemas.openxmlformats.org/markup-compatibility/2006" val="FFFFFF" mc:Ignorable=""/>
+                </a:solidFill>
+              </a14:hiddenFill>
+            </a:ext>
+          </a:extLst>
+        </p:spPr>
+      </p:pic>
+    </p:spTree>
+    <p:extLst>
+      <p:ext uri="{BB962C8B-B14F-4D97-AF65-F5344CB8AC3E}">
+        <p14:creationId xmlns:p14="http://schemas.microsoft.com/office/powerpoint/2007/7/12/main" val="3147034357"/>
+      </p:ext>
+    </p:extLst>
+  </p:cSld>
+  <p:clrMapOvr>
+    <a:masterClrMapping/>
+  </p:clrMapOvr>
+  <p:timing>
+    <p:tnLst>
+      <p:par>
+        <p:cTn xmlns:p14="http://schemas.microsoft.com/office/powerpoint/2007/7/12/main" id="1" dur="indefinite" restart="never" nodeType="tmRoot"/>
       </p:par>
     </p:tnLst>
   </p:timing>
@@ -10901,12 +11059,16 @@
           <a:lstStyle/>
           <a:p>
             <a:r>
+              <a:rPr lang="fr-FR" dirty="0" err="1" smtClean="0"/>
+              <a:t>Sequence</a:t>
+            </a:r>
+            <a:r>
               <a:rPr lang="fr-FR" dirty="0" smtClean="0"/>
-              <a:t>Use case </a:t>
+              <a:t> </a:t>
             </a:r>
             <a:r>
               <a:rPr lang="fr-FR" dirty="0" err="1" smtClean="0"/>
-              <a:t>diagram</a:t>
+              <a:t>diagrams</a:t>
             </a:r>
             <a:endParaRPr lang="fr-FR" dirty="0"/>
           </a:p>
@@ -10933,15 +11095,17 @@
       </p:sp>
       <p:pic>
         <p:nvPicPr>
-          <p:cNvPr id="4" name="Picture 3" descr="D:\Documents\UTBM\MON CURSUS\GI05\KAIST\Projects\euroteam\Project 1\Part Final\Design\Images\UseCase Diagram.png"/>
-          <p:cNvPicPr/>
+          <p:cNvPr id="1026" name="Picture 2" descr="D:\Documents\UTBM\MON CURSUS\GI05\KAIST\Projects\euroteam\Project 1\Part Final\Design\Images\2.Sequence Diagram - Safe response in case of hazardous conditions.png"/>
+          <p:cNvPicPr>
+            <a:picLocks noChangeAspect="1" noChangeArrowheads="1"/>
+          </p:cNvPicPr>
           <p:nvPr/>
         </p:nvPicPr>
         <p:blipFill>
           <a:blip r:embed="rId2">
             <a:extLst>
               <a:ext uri="28A0092B-C50C-407e-A947-70E740481C1C">
-                <a14:useLocalDpi xmlns:a14="http://schemas.microsoft.com/office/drawing/2007/7/7/main" xmlns="" val="0"/>
+                <a14:useLocalDpi xmlns:a14="http://schemas.microsoft.com/office/drawing/2007/7/7/main" val="0"/>
               </a:ext>
             </a:extLst>
           </a:blip>
@@ -10952,29 +11116,23 @@
         </p:blipFill>
         <p:spPr bwMode="auto">
           <a:xfrm>
-            <a:off x="179512" y="1268760"/>
-            <a:ext cx="8805964" cy="5184576"/>
+            <a:off x="1196280" y="980728"/>
+            <a:ext cx="7264152" cy="5672871"/>
           </a:xfrm>
           <a:prstGeom prst="rect">
             <a:avLst/>
           </a:prstGeom>
-          <a:ln>
-            <a:noFill/>
-          </a:ln>
-          <a:effectLst>
-            <a:outerShdw blurRad="190500" algn="tl" rotWithShape="0">
-              <a:srgbClr val="000000">
-                <a:alpha val="70000"/>
-              </a:srgbClr>
-            </a:outerShdw>
-          </a:effectLst>
+          <a:noFill/>
           <a:extLst>
             <a:ext uri="{909E8E84-426E-40dd-AFC4-6F175D3DCCD1}">
-              <a14:hiddenFill xmlns:a14="http://schemas.microsoft.com/office/drawing/2007/7/7/main" xmlns="">
+              <a14:hiddenFill xmlns:a14="http://schemas.microsoft.com/office/drawing/2007/7/7/main">
                 <a:solidFill>
                   <a:srgbClr xmlns:mc="http://schemas.openxmlformats.org/markup-compatibility/2006" val="FFFFFF" mc:Ignorable=""/>
                 </a:solidFill>
               </a14:hiddenFill>
+            </a:ext>
+            <a:ext uri="{53640926-AAD7-44d8-BBD7-CCE9431645EC}">
+              <a14:shadowObscured xmlns:a14="http://schemas.microsoft.com/office/drawing/2007/7/7/main" val="1"/>
             </a:ext>
           </a:extLst>
         </p:spPr>
@@ -10982,7 +11140,7 @@
     </p:spTree>
     <p:extLst>
       <p:ext uri="{BB962C8B-B14F-4D97-AF65-F5344CB8AC3E}">
-        <p14:creationId xmlns:p14="http://schemas.microsoft.com/office/powerpoint/2007/7/12/main" xmlns="" val="3147034357"/>
+        <p14:creationId xmlns:p14="http://schemas.microsoft.com/office/powerpoint/2007/7/12/main" val="4259651497"/>
       </p:ext>
     </p:extLst>
   </p:cSld>
@@ -10992,7 +11150,7 @@
   <p:timing>
     <p:tnLst>
       <p:par>
-        <p:cTn id="1" dur="indefinite" restart="never" nodeType="tmRoot"/>
+        <p:cTn xmlns:p14="http://schemas.microsoft.com/office/powerpoint/2007/7/12/main" id="1" dur="indefinite" restart="never" nodeType="tmRoot"/>
       </p:par>
     </p:tnLst>
   </p:timing>
@@ -11031,19 +11189,7 @@
           <a:bodyPr/>
           <a:lstStyle/>
           <a:p>
-            <a:r>
-              <a:rPr lang="fr-FR" dirty="0" err="1" smtClean="0"/>
-              <a:t>Sequence</a:t>
-            </a:r>
-            <a:r>
-              <a:rPr lang="fr-FR" dirty="0" smtClean="0"/>
-              <a:t> </a:t>
-            </a:r>
-            <a:r>
-              <a:rPr lang="fr-FR" dirty="0" err="1" smtClean="0"/>
-              <a:t>diagrams</a:t>
-            </a:r>
-            <a:endParaRPr lang="fr-FR" dirty="0"/>
+            <a:endParaRPr lang="fr-FR"/>
           </a:p>
         </p:txBody>
       </p:sp>
@@ -11062,14 +11208,106 @@
           <a:bodyPr/>
           <a:lstStyle/>
           <a:p>
-            <a:endParaRPr lang="fr-FR"/>
+            <a:endParaRPr lang="fr-FR" dirty="0"/>
           </a:p>
         </p:txBody>
       </p:sp>
+      <p:sp>
+        <p:nvSpPr>
+          <p:cNvPr id="5" name="Rectangle 4"/>
+          <p:cNvSpPr/>
+          <p:nvPr/>
+        </p:nvSpPr>
+        <p:spPr>
+          <a:xfrm>
+            <a:off x="0" y="0"/>
+            <a:ext cx="9144000" cy="6858000"/>
+          </a:xfrm>
+          <a:prstGeom prst="rect">
+            <a:avLst/>
+          </a:prstGeom>
+          <a:solidFill>
+            <a:schemeClr val="bg1"/>
+          </a:solidFill>
+          <a:ln>
+            <a:solidFill>
+              <a:schemeClr val="bg1"/>
+            </a:solidFill>
+          </a:ln>
+        </p:spPr>
+        <p:style>
+          <a:lnRef idx="2">
+            <a:schemeClr val="accent1">
+              <a:shade val="50000"/>
+            </a:schemeClr>
+          </a:lnRef>
+          <a:fillRef idx="1">
+            <a:schemeClr val="accent1"/>
+          </a:fillRef>
+          <a:effectRef idx="0">
+            <a:schemeClr val="accent1"/>
+          </a:effectRef>
+          <a:fontRef idx="minor">
+            <a:schemeClr val="lt1"/>
+          </a:fontRef>
+        </p:style>
+        <p:txBody>
+          <a:bodyPr rtlCol="0" anchor="ctr"/>
+          <a:lstStyle/>
+          <a:p>
+            <a:pPr algn="ctr"/>
+            <a:endParaRPr lang="fr-FR"/>
+          </a:p>
+        </p:txBody>
+      </p:sp>
+      <p:pic>
+        <p:nvPicPr>
+          <p:cNvPr id="7" name="Picture 2" descr="D:\Documents\UTBM\MON CURSUS\GI05\KAIST\Projects\euroteam\Project 1\Part Final\Design\Images\2.Sequence Diagram - Safe response in case of hazardous conditions.png"/>
+          <p:cNvPicPr>
+            <a:picLocks noChangeAspect="1" noChangeArrowheads="1"/>
+          </p:cNvPicPr>
+          <p:nvPr/>
+        </p:nvPicPr>
+        <p:blipFill>
+          <a:blip r:embed="rId2">
+            <a:extLst>
+              <a:ext uri="28A0092B-C50C-407e-A947-70E740481C1C">
+                <a14:useLocalDpi xmlns:a14="http://schemas.microsoft.com/office/drawing/2007/7/7/main" val="0"/>
+              </a:ext>
+            </a:extLst>
+          </a:blip>
+          <a:srcRect/>
+          <a:stretch>
+            <a:fillRect/>
+          </a:stretch>
+        </p:blipFill>
+        <p:spPr bwMode="auto">
+          <a:xfrm>
+            <a:off x="254778" y="0"/>
+            <a:ext cx="8781718" cy="6858000"/>
+          </a:xfrm>
+          <a:prstGeom prst="rect">
+            <a:avLst/>
+          </a:prstGeom>
+          <a:noFill/>
+          <a:extLst>
+            <a:ext uri="{909E8E84-426E-40dd-AFC4-6F175D3DCCD1}">
+              <a14:hiddenFill xmlns:a14="http://schemas.microsoft.com/office/drawing/2007/7/7/main">
+                <a:solidFill>
+                  <a:srgbClr xmlns:mc="http://schemas.openxmlformats.org/markup-compatibility/2006" val="FFFFFF" mc:Ignorable=""/>
+                </a:solidFill>
+              </a14:hiddenFill>
+            </a:ext>
+            <a:ext uri="{53640926-AAD7-44d8-BBD7-CCE9431645EC}">
+              <a14:shadowObscured xmlns:a14="http://schemas.microsoft.com/office/drawing/2007/7/7/main" val="1"/>
+            </a:ext>
+          </a:extLst>
+        </p:spPr>
+      </p:pic>
     </p:spTree>
     <p:extLst>
       <p:ext uri="{BB962C8B-B14F-4D97-AF65-F5344CB8AC3E}">
-        <p14:creationId xmlns:p14="http://schemas.microsoft.com/office/powerpoint/2007/7/12/main" xmlns="" val="4259651497"/>
+        <p14:creationId xmlns:p14="http://schemas.microsoft.com/office/powerpoint/2007/7/12/main" val="4241276353"/>
       </p:ext>
     </p:extLst>
   </p:cSld>
@@ -11079,7 +11317,7 @@
   <p:timing>
     <p:tnLst>
       <p:par>
-        <p:cTn id="1" dur="indefinite" restart="never" nodeType="tmRoot"/>
+        <p:cTn xmlns:p14="http://schemas.microsoft.com/office/powerpoint/2007/7/12/main" id="1" dur="indefinite" restart="never" nodeType="tmRoot"/>
       </p:par>
     </p:tnLst>
   </p:timing>
@@ -11161,14 +11399,58 @@
           <a:bodyPr/>
           <a:lstStyle/>
           <a:p>
-            <a:endParaRPr lang="fr-FR"/>
+            <a:endParaRPr lang="fr-FR" dirty="0"/>
           </a:p>
         </p:txBody>
       </p:sp>
+      <p:pic>
+        <p:nvPicPr>
+          <p:cNvPr id="2050" name="Picture 2" descr="D:\Documents\UTBM\MON CURSUS\GI05\KAIST\Projects\euroteam\Project 1\Part Final\Design\Images\5.Start system, restart system &amp; refresh system state.png"/>
+          <p:cNvPicPr>
+            <a:picLocks noChangeAspect="1" noChangeArrowheads="1"/>
+          </p:cNvPicPr>
+          <p:nvPr/>
+        </p:nvPicPr>
+        <p:blipFill>
+          <a:blip r:embed="rId2">
+            <a:extLst>
+              <a:ext uri="28A0092B-C50C-407e-A947-70E740481C1C">
+                <a14:useLocalDpi xmlns:a14="http://schemas.microsoft.com/office/drawing/2007/7/7/main" val="0"/>
+              </a:ext>
+            </a:extLst>
+          </a:blip>
+          <a:srcRect/>
+          <a:stretch>
+            <a:fillRect/>
+          </a:stretch>
+        </p:blipFill>
+        <p:spPr bwMode="auto">
+          <a:xfrm>
+            <a:off x="899592" y="1124744"/>
+            <a:ext cx="7272808" cy="5430711"/>
+          </a:xfrm>
+          <a:prstGeom prst="rect">
+            <a:avLst/>
+          </a:prstGeom>
+          <a:noFill/>
+          <a:extLst>
+            <a:ext uri="{909E8E84-426E-40dd-AFC4-6F175D3DCCD1}">
+              <a14:hiddenFill xmlns:a14="http://schemas.microsoft.com/office/drawing/2007/7/7/main">
+                <a:solidFill>
+                  <a:srgbClr xmlns:mc="http://schemas.openxmlformats.org/markup-compatibility/2006" val="FFFFFF" mc:Ignorable=""/>
+                </a:solidFill>
+              </a14:hiddenFill>
+            </a:ext>
+            <a:ext uri="{53640926-AAD7-44d8-BBD7-CCE9431645EC}">
+              <a14:shadowObscured xmlns:a14="http://schemas.microsoft.com/office/drawing/2007/7/7/main" val="1"/>
+            </a:ext>
+          </a:extLst>
+        </p:spPr>
+      </p:pic>
     </p:spTree>
     <p:extLst>
       <p:ext uri="{BB962C8B-B14F-4D97-AF65-F5344CB8AC3E}">
-        <p14:creationId xmlns:p14="http://schemas.microsoft.com/office/powerpoint/2007/7/12/main" xmlns="" val="3699348174"/>
+        <p14:creationId xmlns:p14="http://schemas.microsoft.com/office/powerpoint/2007/7/12/main" val="3699348174"/>
       </p:ext>
     </p:extLst>
   </p:cSld>
@@ -11178,7 +11460,7 @@
   <p:timing>
     <p:tnLst>
       <p:par>
-        <p:cTn id="1" dur="indefinite" restart="never" nodeType="tmRoot"/>
+        <p:cTn xmlns:p14="http://schemas.microsoft.com/office/powerpoint/2007/7/12/main" id="1" dur="indefinite" restart="never" nodeType="tmRoot"/>
       </p:par>
     </p:tnLst>
   </p:timing>
@@ -11186,6 +11468,173 @@
 </file>
 
 <file path=ppt/slides/slide15.xml><?xml version="1.0" encoding="utf-8"?>
+<p:sld xmlns:a="http://schemas.openxmlformats.org/drawingml/2006/main" xmlns:r="http://schemas.openxmlformats.org/officeDocument/2006/relationships" xmlns:p="http://schemas.openxmlformats.org/presentationml/2006/main">
+  <p:cSld>
+    <p:spTree>
+      <p:nvGrpSpPr>
+        <p:cNvPr id="1" name=""/>
+        <p:cNvGrpSpPr/>
+        <p:nvPr/>
+      </p:nvGrpSpPr>
+      <p:grpSpPr>
+        <a:xfrm>
+          <a:off x="0" y="0"/>
+          <a:ext cx="0" cy="0"/>
+          <a:chOff x="0" y="0"/>
+          <a:chExt cx="0" cy="0"/>
+        </a:xfrm>
+      </p:grpSpPr>
+      <p:sp>
+        <p:nvSpPr>
+          <p:cNvPr id="2" name="Title 1"/>
+          <p:cNvSpPr>
+            <a:spLocks noGrp="1"/>
+          </p:cNvSpPr>
+          <p:nvPr>
+            <p:ph type="ctrTitle"/>
+          </p:nvPr>
+        </p:nvSpPr>
+        <p:spPr/>
+        <p:txBody>
+          <a:bodyPr/>
+          <a:lstStyle/>
+          <a:p>
+            <a:endParaRPr lang="fr-FR"/>
+          </a:p>
+        </p:txBody>
+      </p:sp>
+      <p:sp>
+        <p:nvSpPr>
+          <p:cNvPr id="3" name="Text Placeholder 2"/>
+          <p:cNvSpPr>
+            <a:spLocks noGrp="1"/>
+          </p:cNvSpPr>
+          <p:nvPr>
+            <p:ph type="body" sz="quarter" idx="10"/>
+          </p:nvPr>
+        </p:nvSpPr>
+        <p:spPr/>
+        <p:txBody>
+          <a:bodyPr/>
+          <a:lstStyle/>
+          <a:p>
+            <a:endParaRPr lang="fr-FR" dirty="0"/>
+          </a:p>
+        </p:txBody>
+      </p:sp>
+      <p:sp>
+        <p:nvSpPr>
+          <p:cNvPr id="5" name="Rectangle 4"/>
+          <p:cNvSpPr/>
+          <p:nvPr/>
+        </p:nvSpPr>
+        <p:spPr>
+          <a:xfrm>
+            <a:off x="0" y="0"/>
+            <a:ext cx="9144000" cy="6858000"/>
+          </a:xfrm>
+          <a:prstGeom prst="rect">
+            <a:avLst/>
+          </a:prstGeom>
+          <a:solidFill>
+            <a:schemeClr val="bg1"/>
+          </a:solidFill>
+          <a:ln>
+            <a:solidFill>
+              <a:schemeClr val="bg1"/>
+            </a:solidFill>
+          </a:ln>
+        </p:spPr>
+        <p:style>
+          <a:lnRef idx="2">
+            <a:schemeClr val="accent1">
+              <a:shade val="50000"/>
+            </a:schemeClr>
+          </a:lnRef>
+          <a:fillRef idx="1">
+            <a:schemeClr val="accent1"/>
+          </a:fillRef>
+          <a:effectRef idx="0">
+            <a:schemeClr val="accent1"/>
+          </a:effectRef>
+          <a:fontRef idx="minor">
+            <a:schemeClr val="lt1"/>
+          </a:fontRef>
+        </p:style>
+        <p:txBody>
+          <a:bodyPr rtlCol="0" anchor="ctr"/>
+          <a:lstStyle/>
+          <a:p>
+            <a:pPr algn="ctr"/>
+            <a:endParaRPr lang="fr-FR"/>
+          </a:p>
+        </p:txBody>
+      </p:sp>
+      <p:pic>
+        <p:nvPicPr>
+          <p:cNvPr id="6" name="Picture 2" descr="D:\Documents\UTBM\MON CURSUS\GI05\KAIST\Projects\euroteam\Project 1\Part Final\Design\Images\5.Start system, restart system &amp; refresh system state.png"/>
+          <p:cNvPicPr>
+            <a:picLocks noChangeAspect="1" noChangeArrowheads="1"/>
+          </p:cNvPicPr>
+          <p:nvPr/>
+        </p:nvPicPr>
+        <p:blipFill>
+          <a:blip r:embed="rId2">
+            <a:extLst>
+              <a:ext uri="28A0092B-C50C-407e-A947-70E740481C1C">
+                <a14:useLocalDpi xmlns:a14="http://schemas.microsoft.com/office/drawing/2007/7/7/main" val="0"/>
+              </a:ext>
+            </a:extLst>
+          </a:blip>
+          <a:srcRect/>
+          <a:stretch>
+            <a:fillRect/>
+          </a:stretch>
+        </p:blipFill>
+        <p:spPr bwMode="auto">
+          <a:xfrm>
+            <a:off x="35496" y="0"/>
+            <a:ext cx="9184233" cy="6858000"/>
+          </a:xfrm>
+          <a:prstGeom prst="rect">
+            <a:avLst/>
+          </a:prstGeom>
+          <a:noFill/>
+          <a:extLst>
+            <a:ext uri="{909E8E84-426E-40dd-AFC4-6F175D3DCCD1}">
+              <a14:hiddenFill xmlns:a14="http://schemas.microsoft.com/office/drawing/2007/7/7/main">
+                <a:solidFill>
+                  <a:srgbClr xmlns:mc="http://schemas.openxmlformats.org/markup-compatibility/2006" val="FFFFFF" mc:Ignorable=""/>
+                </a:solidFill>
+              </a14:hiddenFill>
+            </a:ext>
+            <a:ext uri="{53640926-AAD7-44d8-BBD7-CCE9431645EC}">
+              <a14:shadowObscured xmlns:a14="http://schemas.microsoft.com/office/drawing/2007/7/7/main" val="1"/>
+            </a:ext>
+          </a:extLst>
+        </p:spPr>
+      </p:pic>
+    </p:spTree>
+    <p:extLst>
+      <p:ext uri="{BB962C8B-B14F-4D97-AF65-F5344CB8AC3E}">
+        <p14:creationId xmlns:p14="http://schemas.microsoft.com/office/powerpoint/2007/7/12/main" val="3246030475"/>
+      </p:ext>
+    </p:extLst>
+  </p:cSld>
+  <p:clrMapOvr>
+    <a:masterClrMapping/>
+  </p:clrMapOvr>
+  <p:timing>
+    <p:tnLst>
+      <p:par>
+        <p:cTn xmlns:p14="http://schemas.microsoft.com/office/powerpoint/2007/7/12/main" id="1" dur="indefinite" restart="never" nodeType="tmRoot"/>
+      </p:par>
+    </p:tnLst>
+  </p:timing>
+</p:sld>
+</file>
+
+<file path=ppt/slides/slide16.xml><?xml version="1.0" encoding="utf-8"?>
 <p:sld xmlns:a="http://schemas.openxmlformats.org/drawingml/2006/main" xmlns:r="http://schemas.openxmlformats.org/officeDocument/2006/relationships" xmlns:p="http://schemas.openxmlformats.org/presentationml/2006/main">
   <p:cSld>
     <p:spTree>
@@ -11317,16 +11766,16 @@
               <a:defRPr lang="fr-FR" sz="3600" b="0" cap="none" spc="0">
                 <a:ln w="18415" cmpd="sng">
                   <a:solidFill>
-                    <a:srgbClr val="FFFFFF"/>
+                    <a:srgbClr xmlns:mc="http://schemas.openxmlformats.org/markup-compatibility/2006" xmlns:a14="http://schemas.microsoft.com/office/drawing/2007/7/7/main" val="FFFFFF" mc:Ignorable=""/>
                   </a:solidFill>
                   <a:prstDash val="solid"/>
                 </a:ln>
                 <a:solidFill>
-                  <a:srgbClr val="FFFFFF"/>
+                  <a:srgbClr xmlns:mc="http://schemas.openxmlformats.org/markup-compatibility/2006" xmlns:a14="http://schemas.microsoft.com/office/drawing/2007/7/7/main" val="FFFFFF" mc:Ignorable=""/>
                 </a:solidFill>
                 <a:effectLst>
                   <a:outerShdw blurRad="63500" dir="3600000" algn="tl" rotWithShape="0">
-                    <a:srgbClr val="000000">
+                    <a:srgbClr xmlns:mc="http://schemas.openxmlformats.org/markup-compatibility/2006" xmlns:a14="http://schemas.microsoft.com/office/drawing/2007/7/7/main" val="000000" mc:Ignorable="">
                       <a:alpha val="70000"/>
                     </a:srgbClr>
                   </a:outerShdw>
@@ -11464,7 +11913,7 @@
           <a:p>
             <a:pPr indent="273050" eaLnBrk="1" hangingPunct="1">
               <a:buClr>
-                <a:srgbClr val="C44F00"/>
+                <a:srgbClr xmlns:mc="http://schemas.openxmlformats.org/markup-compatibility/2006" xmlns:a14="http://schemas.microsoft.com/office/drawing/2007/7/7/main" val="C44F00" mc:Ignorable=""/>
               </a:buClr>
               <a:buFont typeface="Calibri" pitchFamily="34" charset="0"/>
               <a:buAutoNum type="arabicPeriod"/>
@@ -11486,7 +11935,7 @@
           <a:p>
             <a:pPr indent="273050" eaLnBrk="1" hangingPunct="1">
               <a:buClr>
-                <a:srgbClr val="C44F00"/>
+                <a:srgbClr xmlns:mc="http://schemas.openxmlformats.org/markup-compatibility/2006" xmlns:a14="http://schemas.microsoft.com/office/drawing/2007/7/7/main" val="C44F00" mc:Ignorable=""/>
               </a:buClr>
               <a:buFont typeface="Calibri" pitchFamily="34" charset="0"/>
               <a:buAutoNum type="arabicPeriod"/>
@@ -11505,7 +11954,7 @@
           <a:p>
             <a:pPr indent="273050" eaLnBrk="1" hangingPunct="1">
               <a:buClr>
-                <a:srgbClr val="C44F00"/>
+                <a:srgbClr xmlns:mc="http://schemas.openxmlformats.org/markup-compatibility/2006" xmlns:a14="http://schemas.microsoft.com/office/drawing/2007/7/7/main" val="C44F00" mc:Ignorable=""/>
               </a:buClr>
               <a:buFont typeface="Calibri" pitchFamily="34" charset="0"/>
               <a:buAutoNum type="arabicPeriod"/>
@@ -11527,7 +11976,7 @@
           <a:p>
             <a:pPr indent="273050" eaLnBrk="1" hangingPunct="1">
               <a:buClr>
-                <a:srgbClr val="C44F00"/>
+                <a:srgbClr xmlns:mc="http://schemas.openxmlformats.org/markup-compatibility/2006" xmlns:a14="http://schemas.microsoft.com/office/drawing/2007/7/7/main" val="C44F00" mc:Ignorable=""/>
               </a:buClr>
               <a:buFont typeface="Calibri" pitchFamily="34" charset="0"/>
               <a:buAutoNum type="arabicPeriod"/>
@@ -11546,7 +11995,7 @@
           <a:p>
             <a:pPr indent="273050" eaLnBrk="1" hangingPunct="1">
               <a:buClr>
-                <a:srgbClr val="C44F00"/>
+                <a:srgbClr xmlns:mc="http://schemas.openxmlformats.org/markup-compatibility/2006" xmlns:a14="http://schemas.microsoft.com/office/drawing/2007/7/7/main" val="C44F00" mc:Ignorable=""/>
               </a:buClr>
               <a:buFont typeface="Calibri" pitchFamily="34" charset="0"/>
               <a:buAutoNum type="arabicPeriod"/>
@@ -11568,7 +12017,7 @@
           <a:p>
             <a:pPr indent="273050" eaLnBrk="1" hangingPunct="1">
               <a:buClr>
-                <a:srgbClr val="C44F00"/>
+                <a:srgbClr xmlns:mc="http://schemas.openxmlformats.org/markup-compatibility/2006" xmlns:a14="http://schemas.microsoft.com/office/drawing/2007/7/7/main" val="C44F00" mc:Ignorable=""/>
               </a:buClr>
               <a:buFont typeface="Calibri" pitchFamily="34" charset="0"/>
               <a:buAutoNum type="arabicPeriod"/>
@@ -11587,7 +12036,7 @@
           <a:p>
             <a:pPr indent="273050" eaLnBrk="1" hangingPunct="1">
               <a:buClr>
-                <a:srgbClr val="C44F00"/>
+                <a:srgbClr xmlns:mc="http://schemas.openxmlformats.org/markup-compatibility/2006" xmlns:a14="http://schemas.microsoft.com/office/drawing/2007/7/7/main" val="C44F00" mc:Ignorable=""/>
               </a:buClr>
               <a:buFont typeface="Calibri" pitchFamily="34" charset="0"/>
               <a:buAutoNum type="arabicPeriod"/>
@@ -11643,7 +12092,7 @@
             </a:avLst>
           </a:prstGeom>
           <a:solidFill>
-            <a:srgbClr val="FFFFFF">
+            <a:srgbClr xmlns:mc="http://schemas.openxmlformats.org/markup-compatibility/2006" xmlns:a14="http://schemas.microsoft.com/office/drawing/2007/7/7/main" val="FFFFFF" mc:Ignorable="">
               <a:shade val="85000"/>
             </a:srgbClr>
           </a:solidFill>
@@ -11663,7 +12112,7 @@
     </p:spTree>
     <p:extLst>
       <p:ext uri="{BB962C8B-B14F-4D97-AF65-F5344CB8AC3E}">
-        <p14:creationId xmlns:p14="http://schemas.microsoft.com/office/powerpoint/2007/7/12/main" xmlns="" val="1603447579"/>
+        <p14:creationId xmlns:p14="http://schemas.microsoft.com/office/powerpoint/2007/7/12/main" val="1603447579"/>
       </p:ext>
     </p:extLst>
   </p:cSld>
@@ -11673,14 +12122,14 @@
   <p:timing>
     <p:tnLst>
       <p:par>
-        <p:cTn id="1" dur="indefinite" restart="never" nodeType="tmRoot"/>
+        <p:cTn xmlns:p14="http://schemas.microsoft.com/office/powerpoint/2007/7/12/main" id="1" dur="indefinite" restart="never" nodeType="tmRoot"/>
       </p:par>
     </p:tnLst>
   </p:timing>
 </p:sld>
 </file>
 
-<file path=ppt/slides/slide16.xml><?xml version="1.0" encoding="utf-8"?>
+<file path=ppt/slides/slide17.xml><?xml version="1.0" encoding="utf-8"?>
 <p:sld xmlns:a="http://schemas.openxmlformats.org/drawingml/2006/main" xmlns:r="http://schemas.openxmlformats.org/officeDocument/2006/relationships" xmlns:p="http://schemas.openxmlformats.org/presentationml/2006/main">
   <p:cSld>
     <p:spTree>
@@ -11743,14 +12192,74 @@
           <a:bodyPr/>
           <a:lstStyle/>
           <a:p>
-            <a:endParaRPr lang="fr-FR"/>
+            <a:endParaRPr lang="fr-FR" dirty="0"/>
           </a:p>
         </p:txBody>
       </p:sp>
+      <p:pic>
+        <p:nvPicPr>
+          <p:cNvPr id="3076" name="Picture 4"/>
+          <p:cNvPicPr>
+            <a:picLocks noChangeAspect="1" noChangeArrowheads="1"/>
+          </p:cNvPicPr>
+          <p:nvPr/>
+        </p:nvPicPr>
+        <p:blipFill>
+          <a:blip r:embed="rId2" cstate="print">
+            <a:extLst>
+              <a:ext uri="28A0092B-C50C-407e-A947-70E740481C1C">
+                <a14:useLocalDpi xmlns:a14="http://schemas.microsoft.com/office/drawing/2007/7/7/main" val="0"/>
+              </a:ext>
+            </a:extLst>
+          </a:blip>
+          <a:srcRect/>
+          <a:stretch>
+            <a:fillRect/>
+          </a:stretch>
+        </p:blipFill>
+        <p:spPr bwMode="auto">
+          <a:xfrm>
+            <a:off x="323528" y="1124744"/>
+            <a:ext cx="8579051" cy="5733256"/>
+          </a:xfrm>
+          <a:prstGeom prst="rect">
+            <a:avLst/>
+          </a:prstGeom>
+          <a:noFill/>
+          <a:extLst>
+            <a:ext uri="{909E8E84-426E-40dd-AFC4-6F175D3DCCD1}">
+              <a14:hiddenFill xmlns:a14="http://schemas.microsoft.com/office/drawing/2007/7/7/main">
+                <a:solidFill>
+                  <a:schemeClr val="accent1"/>
+                </a:solidFill>
+              </a14:hiddenFill>
+            </a:ext>
+            <a:ext uri="{91240B29-F687-4f45-9708-019B960494DF}">
+              <a14:hiddenLine xmlns:a14="http://schemas.microsoft.com/office/drawing/2007/7/7/main" w="9525">
+                <a:solidFill>
+                  <a:schemeClr val="tx1"/>
+                </a:solidFill>
+                <a:miter lim="800000"/>
+                <a:headEnd/>
+                <a:tailEnd/>
+              </a14:hiddenLine>
+            </a:ext>
+            <a:ext uri="{AF507438-7753-43e0-B8FC-AC1667EBCBE1}">
+              <a14:hiddenEffects xmlns:a14="http://schemas.microsoft.com/office/drawing/2007/7/7/main">
+                <a:effectLst>
+                  <a:outerShdw dist="35921" dir="2700000" algn="ctr" rotWithShape="0">
+                    <a:schemeClr val="bg2"/>
+                  </a:outerShdw>
+                </a:effectLst>
+              </a14:hiddenEffects>
+            </a:ext>
+          </a:extLst>
+        </p:spPr>
+      </p:pic>
     </p:spTree>
     <p:extLst>
       <p:ext uri="{BB962C8B-B14F-4D97-AF65-F5344CB8AC3E}">
-        <p14:creationId xmlns:p14="http://schemas.microsoft.com/office/powerpoint/2007/7/12/main" xmlns="" val="1394414490"/>
+        <p14:creationId xmlns:p14="http://schemas.microsoft.com/office/powerpoint/2007/7/12/main" val="1394414490"/>
       </p:ext>
     </p:extLst>
   </p:cSld>
@@ -11760,14 +12269,14 @@
   <p:timing>
     <p:tnLst>
       <p:par>
-        <p:cTn id="1" dur="indefinite" restart="never" nodeType="tmRoot"/>
+        <p:cTn xmlns:p14="http://schemas.microsoft.com/office/powerpoint/2007/7/12/main" id="1" dur="indefinite" restart="never" nodeType="tmRoot"/>
       </p:par>
     </p:tnLst>
   </p:timing>
 </p:sld>
 </file>
 
-<file path=ppt/slides/slide17.xml><?xml version="1.0" encoding="utf-8"?>
+<file path=ppt/slides/slide18.xml><?xml version="1.0" encoding="utf-8"?>
 <p:sld xmlns:a="http://schemas.openxmlformats.org/drawingml/2006/main" xmlns:r="http://schemas.openxmlformats.org/officeDocument/2006/relationships" xmlns:p="http://schemas.openxmlformats.org/presentationml/2006/main">
   <p:cSld>
     <p:spTree>
@@ -11830,14 +12339,14 @@
           <a:bodyPr/>
           <a:lstStyle/>
           <a:p>
-            <a:endParaRPr lang="fr-FR"/>
+            <a:endParaRPr lang="fr-FR" dirty="0"/>
           </a:p>
         </p:txBody>
       </p:sp>
     </p:spTree>
     <p:extLst>
       <p:ext uri="{BB962C8B-B14F-4D97-AF65-F5344CB8AC3E}">
-        <p14:creationId xmlns:p14="http://schemas.microsoft.com/office/powerpoint/2007/7/12/main" xmlns="" val="4280331692"/>
+        <p14:creationId xmlns:p14="http://schemas.microsoft.com/office/powerpoint/2007/7/12/main" val="4280331692"/>
       </p:ext>
     </p:extLst>
   </p:cSld>
@@ -11847,492 +12356,7 @@
   <p:timing>
     <p:tnLst>
       <p:par>
-        <p:cTn id="1" dur="indefinite" restart="never" nodeType="tmRoot"/>
-      </p:par>
-    </p:tnLst>
-  </p:timing>
-</p:sld>
-</file>
-
-<file path=ppt/slides/slide18.xml><?xml version="1.0" encoding="utf-8"?>
-<p:sld xmlns:a="http://schemas.openxmlformats.org/drawingml/2006/main" xmlns:r="http://schemas.openxmlformats.org/officeDocument/2006/relationships" xmlns:p="http://schemas.openxmlformats.org/presentationml/2006/main">
-  <p:cSld>
-    <p:spTree>
-      <p:nvGrpSpPr>
-        <p:cNvPr id="1" name=""/>
-        <p:cNvGrpSpPr/>
-        <p:nvPr/>
-      </p:nvGrpSpPr>
-      <p:grpSpPr>
-        <a:xfrm>
-          <a:off x="0" y="0"/>
-          <a:ext cx="0" cy="0"/>
-          <a:chOff x="0" y="0"/>
-          <a:chExt cx="0" cy="0"/>
-        </a:xfrm>
-      </p:grpSpPr>
-      <p:sp>
-        <p:nvSpPr>
-          <p:cNvPr id="4" name="Text Placeholder 3"/>
-          <p:cNvSpPr>
-            <a:spLocks noGrp="1"/>
-          </p:cNvSpPr>
-          <p:nvPr>
-            <p:ph type="body" sz="quarter" idx="10"/>
-          </p:nvPr>
-        </p:nvSpPr>
-        <p:spPr>
-          <a:xfrm>
-            <a:off x="168494" y="773824"/>
-            <a:ext cx="7643866" cy="1143008"/>
-          </a:xfrm>
-        </p:spPr>
-        <p:txBody>
-          <a:bodyPr/>
-          <a:lstStyle/>
-          <a:p>
-            <a:r>
-              <a:rPr lang="fr-FR" dirty="0"/>
-              <a:t>4</a:t>
-            </a:r>
-            <a:r>
-              <a:rPr lang="fr-FR" dirty="0" smtClean="0"/>
-              <a:t>. </a:t>
-            </a:r>
-            <a:r>
-              <a:rPr lang="fr-FR" dirty="0" err="1" smtClean="0"/>
-              <a:t>Usability</a:t>
-            </a:r>
-            <a:r>
-              <a:rPr lang="fr-FR" dirty="0" smtClean="0"/>
-              <a:t> </a:t>
-            </a:r>
-            <a:r>
-              <a:rPr lang="fr-FR" dirty="0" err="1" smtClean="0"/>
-              <a:t>analysis</a:t>
-            </a:r>
-            <a:r>
-              <a:rPr lang="fr-FR" dirty="0" smtClean="0"/>
-              <a:t> &amp; design</a:t>
-            </a:r>
-          </a:p>
-          <a:p>
-            <a:pPr lvl="1" indent="0">
-              <a:buNone/>
-            </a:pPr>
-            <a:r>
-              <a:rPr lang="fr-FR" sz="2400" i="1" smtClean="0"/>
-              <a:t>Prototypes </a:t>
-            </a:r>
-            <a:r>
-              <a:rPr lang="fr-FR" sz="2400" i="1" dirty="0" smtClean="0"/>
-              <a:t>&amp; </a:t>
-            </a:r>
-            <a:r>
-              <a:rPr lang="fr-FR" sz="2400" i="1" dirty="0" err="1" smtClean="0"/>
-              <a:t>usability</a:t>
-            </a:r>
-            <a:r>
-              <a:rPr lang="fr-FR" sz="2400" i="1" dirty="0" smtClean="0"/>
-              <a:t> scenarios discussions</a:t>
-            </a:r>
-          </a:p>
-        </p:txBody>
-      </p:sp>
-      <p:sp>
-        <p:nvSpPr>
-          <p:cNvPr id="7" name="Espace réservé du texte 2"/>
-          <p:cNvSpPr txBox="1">
-            <a:spLocks/>
-          </p:cNvSpPr>
-          <p:nvPr/>
-        </p:nvSpPr>
-        <p:spPr bwMode="auto">
-          <a:xfrm>
-            <a:off x="827584" y="2924944"/>
-            <a:ext cx="7671197" cy="3071834"/>
-          </a:xfrm>
-          <a:prstGeom prst="rect">
-            <a:avLst/>
-          </a:prstGeom>
-          <a:noFill/>
-          <a:ln>
-            <a:miter lim="800000"/>
-            <a:headEnd/>
-            <a:tailEnd/>
-          </a:ln>
-        </p:spPr>
-        <p:txBody>
-          <a:bodyPr vert="horz" wrap="square" lIns="91440" tIns="45720" rIns="91440" bIns="45720" numCol="1" anchor="t" anchorCtr="0" compatLnSpc="1"/>
-          <a:lstStyle>
-            <a:lvl1pPr marL="0" indent="0" algn="l" rtl="0" eaLnBrk="0" fontAlgn="base" hangingPunct="0">
-              <a:spcBef>
-                <a:spcPct val="20000"/>
-              </a:spcBef>
-              <a:spcAft>
-                <a:spcPct val="0"/>
-              </a:spcAft>
-              <a:buNone/>
-              <a:defRPr lang="fr-FR" sz="3600" b="0" cap="none" spc="0">
-                <a:ln w="18415" cmpd="sng">
-                  <a:solidFill>
-                    <a:srgbClr val="FFFFFF"/>
-                  </a:solidFill>
-                  <a:prstDash val="solid"/>
-                </a:ln>
-                <a:solidFill>
-                  <a:srgbClr val="FFFFFF"/>
-                </a:solidFill>
-                <a:effectLst>
-                  <a:outerShdw blurRad="63500" dir="3600000" algn="tl" rotWithShape="0">
-                    <a:srgbClr val="000000">
-                      <a:alpha val="70000"/>
-                    </a:srgbClr>
-                  </a:outerShdw>
-                </a:effectLst>
-                <a:latin typeface="+mn-lt"/>
-                <a:ea typeface="+mn-ea"/>
-                <a:cs typeface="+mn-cs"/>
-              </a:defRPr>
-            </a:lvl1pPr>
-            <a:lvl2pPr marL="742950" indent="-285750" algn="l" rtl="0" eaLnBrk="0" fontAlgn="base" hangingPunct="0">
-              <a:spcBef>
-                <a:spcPct val="20000"/>
-              </a:spcBef>
-              <a:spcAft>
-                <a:spcPct val="0"/>
-              </a:spcAft>
-              <a:buChar char="–"/>
-              <a:defRPr lang="fr-FR" sz="1100">
-                <a:solidFill>
-                  <a:schemeClr val="tx1"/>
-                </a:solidFill>
-                <a:latin typeface="+mn-lt"/>
-                <a:ea typeface="+mn-ea"/>
-                <a:cs typeface="+mn-cs"/>
-              </a:defRPr>
-            </a:lvl2pPr>
-            <a:lvl3pPr marL="1143000" indent="-228600" algn="l" rtl="0" eaLnBrk="0" fontAlgn="base" hangingPunct="0">
-              <a:spcBef>
-                <a:spcPct val="20000"/>
-              </a:spcBef>
-              <a:spcAft>
-                <a:spcPct val="0"/>
-              </a:spcAft>
-              <a:buChar char="•"/>
-              <a:defRPr lang="fr-FR" sz="1100">
-                <a:solidFill>
-                  <a:schemeClr val="tx1"/>
-                </a:solidFill>
-                <a:latin typeface="+mn-lt"/>
-                <a:ea typeface="+mn-ea"/>
-                <a:cs typeface="+mn-cs"/>
-              </a:defRPr>
-            </a:lvl3pPr>
-            <a:lvl4pPr marL="1600200" indent="-228600" algn="l" rtl="0" eaLnBrk="0" fontAlgn="base" hangingPunct="0">
-              <a:spcBef>
-                <a:spcPct val="20000"/>
-              </a:spcBef>
-              <a:spcAft>
-                <a:spcPct val="0"/>
-              </a:spcAft>
-              <a:buChar char="–"/>
-              <a:defRPr lang="fr-FR" sz="1100">
-                <a:solidFill>
-                  <a:schemeClr val="tx1"/>
-                </a:solidFill>
-                <a:latin typeface="+mn-lt"/>
-                <a:ea typeface="+mn-ea"/>
-                <a:cs typeface="+mn-cs"/>
-              </a:defRPr>
-            </a:lvl4pPr>
-            <a:lvl5pPr marL="2057400" indent="-228600" algn="l" rtl="0" eaLnBrk="0" fontAlgn="base" hangingPunct="0">
-              <a:spcBef>
-                <a:spcPct val="20000"/>
-              </a:spcBef>
-              <a:spcAft>
-                <a:spcPct val="0"/>
-              </a:spcAft>
-              <a:buChar char="»"/>
-              <a:defRPr lang="fr-FR" sz="1100">
-                <a:solidFill>
-                  <a:schemeClr val="tx1"/>
-                </a:solidFill>
-                <a:latin typeface="+mn-lt"/>
-                <a:ea typeface="+mn-ea"/>
-                <a:cs typeface="+mn-cs"/>
-              </a:defRPr>
-            </a:lvl5pPr>
-            <a:lvl6pPr marL="2514600" indent="-228600" algn="l" rtl="0" eaLnBrk="1" latinLnBrk="0" hangingPunct="1">
-              <a:spcBef>
-                <a:spcPct val="20000"/>
-              </a:spcBef>
-              <a:buChar char="•"/>
-              <a:defRPr kumimoji="0" lang="fr-FR" sz="2000">
-                <a:solidFill>
-                  <a:schemeClr val="tx1"/>
-                </a:solidFill>
-                <a:latin typeface="+mn-lt"/>
-                <a:ea typeface="+mn-ea"/>
-                <a:cs typeface="+mn-cs"/>
-              </a:defRPr>
-            </a:lvl6pPr>
-            <a:lvl7pPr marL="2971800" indent="-228600" algn="l" rtl="0" eaLnBrk="1" latinLnBrk="0" hangingPunct="1">
-              <a:spcBef>
-                <a:spcPct val="20000"/>
-              </a:spcBef>
-              <a:buChar char="•"/>
-              <a:defRPr kumimoji="0" lang="fr-FR" sz="2000">
-                <a:solidFill>
-                  <a:schemeClr val="tx1"/>
-                </a:solidFill>
-                <a:latin typeface="+mn-lt"/>
-                <a:ea typeface="+mn-ea"/>
-                <a:cs typeface="+mn-cs"/>
-              </a:defRPr>
-            </a:lvl7pPr>
-            <a:lvl8pPr marL="3429000" indent="-228600" algn="l" rtl="0" eaLnBrk="1" latinLnBrk="0" hangingPunct="1">
-              <a:spcBef>
-                <a:spcPct val="20000"/>
-              </a:spcBef>
-              <a:buChar char="•"/>
-              <a:defRPr kumimoji="0" lang="fr-FR" sz="2000">
-                <a:solidFill>
-                  <a:schemeClr val="tx1"/>
-                </a:solidFill>
-                <a:latin typeface="+mn-lt"/>
-                <a:ea typeface="+mn-ea"/>
-                <a:cs typeface="+mn-cs"/>
-              </a:defRPr>
-            </a:lvl8pPr>
-            <a:lvl9pPr marL="3886200" indent="-228600" algn="l" rtl="0" eaLnBrk="1" latinLnBrk="0" hangingPunct="1">
-              <a:spcBef>
-                <a:spcPct val="20000"/>
-              </a:spcBef>
-              <a:buChar char="•"/>
-              <a:defRPr kumimoji="0" lang="fr-FR" sz="2000">
-                <a:solidFill>
-                  <a:schemeClr val="tx1"/>
-                </a:solidFill>
-                <a:latin typeface="+mn-lt"/>
-                <a:ea typeface="+mn-ea"/>
-                <a:cs typeface="+mn-cs"/>
-              </a:defRPr>
-            </a:lvl9pPr>
-          </a:lstStyle>
-          <a:p>
-            <a:pPr indent="273050" eaLnBrk="1" hangingPunct="1">
-              <a:buClr>
-                <a:srgbClr val="C44F00"/>
-              </a:buClr>
-              <a:buFont typeface="Calibri" pitchFamily="34" charset="0"/>
-              <a:buAutoNum type="arabicPeriod"/>
-            </a:pPr>
-            <a:r>
-              <a:rPr lang="en-US" altLang="ko-KR" sz="1600" dirty="0" smtClean="0">
-                <a:ln>
-                  <a:noFill/>
-                </a:ln>
-                <a:solidFill>
-                  <a:schemeClr val="tx1"/>
-                </a:solidFill>
-                <a:effectLst/>
-                <a:ea typeface="굴림" charset="-127"/>
-              </a:rPr>
-              <a:t>Problem understanding</a:t>
-            </a:r>
-          </a:p>
-          <a:p>
-            <a:pPr indent="273050" eaLnBrk="1" hangingPunct="1">
-              <a:buClr>
-                <a:srgbClr val="C44F00"/>
-              </a:buClr>
-              <a:buFont typeface="Calibri" pitchFamily="34" charset="0"/>
-              <a:buAutoNum type="arabicPeriod"/>
-            </a:pPr>
-            <a:endParaRPr lang="en-US" altLang="ko-KR" sz="1600" dirty="0">
-              <a:ln>
-                <a:noFill/>
-              </a:ln>
-              <a:solidFill>
-                <a:schemeClr val="tx1"/>
-              </a:solidFill>
-              <a:effectLst/>
-              <a:ea typeface="굴림" charset="-127"/>
-            </a:endParaRPr>
-          </a:p>
-          <a:p>
-            <a:pPr indent="273050" eaLnBrk="1" hangingPunct="1">
-              <a:buClr>
-                <a:srgbClr val="C44F00"/>
-              </a:buClr>
-              <a:buFont typeface="Calibri" pitchFamily="34" charset="0"/>
-              <a:buAutoNum type="arabicPeriod"/>
-            </a:pPr>
-            <a:r>
-              <a:rPr lang="en-US" altLang="ko-KR" sz="1600" dirty="0" smtClean="0">
-                <a:ln>
-                  <a:noFill/>
-                </a:ln>
-                <a:solidFill>
-                  <a:schemeClr val="tx1"/>
-                </a:solidFill>
-                <a:effectLst/>
-                <a:ea typeface="굴림" charset="-127"/>
-              </a:rPr>
-              <a:t>Functional requirements (use-case model)</a:t>
-            </a:r>
-          </a:p>
-          <a:p>
-            <a:pPr indent="273050" eaLnBrk="1" hangingPunct="1">
-              <a:buClr>
-                <a:srgbClr val="C44F00"/>
-              </a:buClr>
-              <a:buFont typeface="Calibri" pitchFamily="34" charset="0"/>
-              <a:buAutoNum type="arabicPeriod"/>
-            </a:pPr>
-            <a:endParaRPr lang="en-US" altLang="ko-KR" sz="1600" dirty="0">
-              <a:ln>
-                <a:noFill/>
-              </a:ln>
-              <a:solidFill>
-                <a:schemeClr val="tx1"/>
-              </a:solidFill>
-              <a:effectLst/>
-              <a:ea typeface="굴림" charset="-127"/>
-            </a:endParaRPr>
-          </a:p>
-          <a:p>
-            <a:pPr indent="273050" eaLnBrk="1" hangingPunct="1">
-              <a:buClr>
-                <a:srgbClr val="C44F00"/>
-              </a:buClr>
-              <a:buFont typeface="Calibri" pitchFamily="34" charset="0"/>
-              <a:buAutoNum type="arabicPeriod"/>
-            </a:pPr>
-            <a:r>
-              <a:rPr lang="en-US" altLang="ko-KR" sz="1600" dirty="0" smtClean="0">
-                <a:ln>
-                  <a:noFill/>
-                </a:ln>
-                <a:solidFill>
-                  <a:schemeClr val="tx1"/>
-                </a:solidFill>
-                <a:effectLst/>
-                <a:ea typeface="굴림" charset="-127"/>
-              </a:rPr>
-              <a:t>Non-functional requirements</a:t>
-            </a:r>
-          </a:p>
-          <a:p>
-            <a:pPr indent="273050" eaLnBrk="1" hangingPunct="1">
-              <a:buClr>
-                <a:srgbClr val="C44F00"/>
-              </a:buClr>
-              <a:buFont typeface="Calibri" pitchFamily="34" charset="0"/>
-              <a:buAutoNum type="arabicPeriod"/>
-            </a:pPr>
-            <a:endParaRPr lang="en-US" altLang="ko-KR" sz="1600" dirty="0">
-              <a:ln>
-                <a:noFill/>
-              </a:ln>
-              <a:solidFill>
-                <a:schemeClr val="tx1"/>
-              </a:solidFill>
-              <a:effectLst/>
-              <a:ea typeface="굴림" charset="-127"/>
-            </a:endParaRPr>
-          </a:p>
-          <a:p>
-            <a:pPr indent="273050" eaLnBrk="1" hangingPunct="1">
-              <a:buClr>
-                <a:srgbClr val="C44F00"/>
-              </a:buClr>
-              <a:buFont typeface="Calibri" pitchFamily="34" charset="0"/>
-              <a:buAutoNum type="arabicPeriod"/>
-            </a:pPr>
-            <a:r>
-              <a:rPr lang="en-US" altLang="ko-KR" sz="1800" b="1" u="sng" dirty="0" smtClean="0">
-                <a:ln>
-                  <a:noFill/>
-                </a:ln>
-                <a:solidFill>
-                  <a:schemeClr val="tx1"/>
-                </a:solidFill>
-                <a:effectLst/>
-                <a:ea typeface="굴림" charset="-127"/>
-              </a:rPr>
-              <a:t>Usability analysis &amp; design</a:t>
-            </a:r>
-          </a:p>
-          <a:p>
-            <a:pPr lvl="1" eaLnBrk="1" hangingPunct="1">
-              <a:buFontTx/>
-              <a:buNone/>
-            </a:pPr>
-            <a:endParaRPr lang="en-US" altLang="ko-KR" dirty="0" smtClean="0">
-              <a:ea typeface="굴림" charset="-127"/>
-            </a:endParaRPr>
-          </a:p>
-        </p:txBody>
-      </p:sp>
-      <p:pic>
-        <p:nvPicPr>
-          <p:cNvPr id="6" name="Picture 2" descr="D:\Bureau\spacecraft1.jpg"/>
-          <p:cNvPicPr>
-            <a:picLocks noChangeAspect="1" noChangeArrowheads="1"/>
-          </p:cNvPicPr>
-          <p:nvPr/>
-        </p:nvPicPr>
-        <p:blipFill>
-          <a:blip r:embed="rId2" cstate="print"/>
-          <a:srcRect/>
-          <a:stretch>
-            <a:fillRect/>
-          </a:stretch>
-        </p:blipFill>
-        <p:spPr bwMode="auto">
-          <a:xfrm rot="376165">
-            <a:off x="6513130" y="1256731"/>
-            <a:ext cx="2510206" cy="1697273"/>
-          </a:xfrm>
-          <a:prstGeom prst="roundRect">
-            <a:avLst>
-              <a:gd name="adj" fmla="val 8594"/>
-            </a:avLst>
-          </a:prstGeom>
-          <a:solidFill>
-            <a:srgbClr val="FFFFFF">
-              <a:shade val="85000"/>
-            </a:srgbClr>
-          </a:solidFill>
-          <a:ln>
-            <a:noFill/>
-          </a:ln>
-          <a:effectLst>
-            <a:outerShdw blurRad="50800" dist="38100" dir="8100000" algn="tr" rotWithShape="0">
-              <a:prstClr val="black">
-                <a:alpha val="40000"/>
-              </a:prstClr>
-            </a:outerShdw>
-            <a:reflection blurRad="12700" stA="38000" endPos="28000" dist="5000" dir="5400000" sy="-100000" algn="bl" rotWithShape="0"/>
-          </a:effectLst>
-        </p:spPr>
-      </p:pic>
-    </p:spTree>
-    <p:extLst>
-      <p:ext uri="{BB962C8B-B14F-4D97-AF65-F5344CB8AC3E}">
-        <p14:creationId xmlns:p14="http://schemas.microsoft.com/office/powerpoint/2007/7/12/main" xmlns="" val="1603447579"/>
-      </p:ext>
-    </p:extLst>
-  </p:cSld>
-  <p:clrMapOvr>
-    <a:masterClrMapping/>
-  </p:clrMapOvr>
-  <p:timing>
-    <p:tnLst>
-      <p:par>
-        <p:cTn id="1" dur="indefinite" restart="never" nodeType="tmRoot"/>
+        <p:cTn xmlns:p14="http://schemas.microsoft.com/office/powerpoint/2007/7/12/main" id="1" dur="indefinite" restart="never" nodeType="tmRoot"/>
       </p:par>
     </p:tnLst>
   </p:timing>
@@ -12358,7 +12382,7 @@
       </p:grpSpPr>
       <p:sp>
         <p:nvSpPr>
-          <p:cNvPr id="3" name="Title 2"/>
+          <p:cNvPr id="2" name="Title 1"/>
           <p:cNvSpPr>
             <a:spLocks noGrp="1"/>
           </p:cNvSpPr>
@@ -12372,462 +12396,106 @@
           <a:lstStyle/>
           <a:p>
             <a:r>
+              <a:rPr lang="fr-FR" dirty="0" err="1" smtClean="0"/>
+              <a:t>Improvised</a:t>
+            </a:r>
+            <a:r>
               <a:rPr lang="fr-FR" dirty="0" smtClean="0"/>
-              <a:t>User interface design</a:t>
+              <a:t> </a:t>
+            </a:r>
+            <a:r>
+              <a:rPr lang="fr-FR" dirty="0" err="1" smtClean="0"/>
+              <a:t>attributes</a:t>
             </a:r>
             <a:endParaRPr lang="fr-FR" dirty="0"/>
-          </a:p>
-        </p:txBody>
-      </p:sp>
-      <p:pic>
-        <p:nvPicPr>
-          <p:cNvPr id="1026" name="Picture 2" descr="D:\Bureau\Computer and globe1.jpg"/>
-          <p:cNvPicPr>
-            <a:picLocks noChangeAspect="1" noChangeArrowheads="1"/>
-          </p:cNvPicPr>
-          <p:nvPr/>
-        </p:nvPicPr>
-        <p:blipFill rotWithShape="1">
-          <a:blip r:embed="rId2">
-            <a:clrChange>
-              <a:clrFrom>
-                <a:srgbClr val="FFFFFF"/>
-              </a:clrFrom>
-              <a:clrTo>
-                <a:srgbClr val="FFFFFF">
-                  <a:alpha val="0"/>
-                </a:srgbClr>
-              </a:clrTo>
-            </a:clrChange>
-            <a:extLst>
-              <a:ext uri="28A0092B-C50C-407e-A947-70E740481C1C">
-                <a14:useLocalDpi xmlns:a14="http://schemas.microsoft.com/office/drawing/2007/7/7/main" xmlns="" val="0"/>
-              </a:ext>
-            </a:extLst>
-          </a:blip>
-          <a:srcRect r="1753"/>
-          <a:stretch/>
-        </p:blipFill>
-        <p:spPr bwMode="auto">
-          <a:xfrm>
-            <a:off x="0" y="1484784"/>
-            <a:ext cx="9036456" cy="3096344"/>
-          </a:xfrm>
-          <a:prstGeom prst="rect">
-            <a:avLst/>
-          </a:prstGeom>
-          <a:noFill/>
-          <a:extLst>
-            <a:ext uri="{909E8E84-426E-40dd-AFC4-6F175D3DCCD1}">
-              <a14:hiddenFill xmlns:a14="http://schemas.microsoft.com/office/drawing/2007/7/7/main" xmlns="">
-                <a:solidFill>
-                  <a:srgbClr xmlns:mc="http://schemas.openxmlformats.org/markup-compatibility/2006" val="FFFFFF" mc:Ignorable=""/>
-                </a:solidFill>
-              </a14:hiddenFill>
-            </a:ext>
-          </a:extLst>
-        </p:spPr>
-      </p:pic>
-      <p:sp>
-        <p:nvSpPr>
-          <p:cNvPr id="2" name="TextBox 1"/>
-          <p:cNvSpPr txBox="1"/>
-          <p:nvPr/>
-        </p:nvSpPr>
-        <p:spPr>
-          <a:xfrm>
-            <a:off x="539552" y="4597677"/>
-            <a:ext cx="2092239" cy="991041"/>
-          </a:xfrm>
-          <a:prstGeom prst="rect">
-            <a:avLst/>
-          </a:prstGeom>
-          <a:noFill/>
-          <a:ln>
-            <a:noFill/>
-          </a:ln>
-        </p:spPr>
-        <p:txBody>
-          <a:bodyPr wrap="none" rtlCol="0">
-            <a:spAutoFit/>
-          </a:bodyPr>
-          <a:lstStyle/>
-          <a:p>
-            <a:pPr marL="0" marR="0" indent="0" algn="ctr" defTabSz="914400" rtl="0" eaLnBrk="1" fontAlgn="auto" latinLnBrk="0" hangingPunct="1">
-              <a:lnSpc>
-                <a:spcPct val="100000"/>
-              </a:lnSpc>
-              <a:spcBef>
-                <a:spcPct val="20000"/>
-              </a:spcBef>
-              <a:spcAft>
-                <a:spcPts val="0"/>
-              </a:spcAft>
-              <a:buClrTx/>
-              <a:buSzTx/>
-              <a:buFontTx/>
-              <a:buNone/>
-              <a:tabLst/>
-            </a:pPr>
-            <a:r>
-              <a:rPr kumimoji="0" lang="fr-FR" sz="2000" b="1" i="0" u="none" strike="noStrike" kern="0" cap="none" spc="0" normalizeH="0" baseline="0" noProof="0" dirty="0" err="1" smtClean="0">
-                <a:ln>
-                  <a:noFill/>
-                </a:ln>
-                <a:solidFill>
-                  <a:schemeClr val="accent6"/>
-                </a:solidFill>
-                <a:effectLst/>
-                <a:uLnTx/>
-                <a:uFillTx/>
-                <a:latin typeface="+mn-lt"/>
-                <a:ea typeface="+mn-ea"/>
-                <a:cs typeface="+mn-cs"/>
-              </a:rPr>
-              <a:t>Screen</a:t>
-            </a:r>
-            <a:r>
-              <a:rPr kumimoji="0" lang="fr-FR" sz="2000" b="1" i="0" u="none" strike="noStrike" kern="0" cap="none" spc="0" normalizeH="0" baseline="0" noProof="0" dirty="0" smtClean="0">
-                <a:ln>
-                  <a:noFill/>
-                </a:ln>
-                <a:solidFill>
-                  <a:schemeClr val="accent6"/>
-                </a:solidFill>
-                <a:effectLst/>
-                <a:uLnTx/>
-                <a:uFillTx/>
-                <a:latin typeface="+mn-lt"/>
-                <a:ea typeface="+mn-ea"/>
-                <a:cs typeface="+mn-cs"/>
-              </a:rPr>
-              <a:t> 1</a:t>
-            </a:r>
-          </a:p>
-          <a:p>
-            <a:pPr marL="0" marR="0" indent="0" algn="ctr" defTabSz="914400" rtl="0" eaLnBrk="1" fontAlgn="auto" latinLnBrk="0" hangingPunct="1">
-              <a:lnSpc>
-                <a:spcPct val="100000"/>
-              </a:lnSpc>
-              <a:spcBef>
-                <a:spcPct val="20000"/>
-              </a:spcBef>
-              <a:spcAft>
-                <a:spcPts val="0"/>
-              </a:spcAft>
-              <a:buClrTx/>
-              <a:buSzTx/>
-              <a:buFontTx/>
-              <a:buNone/>
-              <a:tabLst/>
-            </a:pPr>
-            <a:r>
-              <a:rPr lang="fr-FR" sz="3200" b="1" kern="0" dirty="0" smtClean="0">
-                <a:solidFill>
-                  <a:schemeClr val="accent6"/>
-                </a:solidFill>
-                <a:effectLst>
-                  <a:outerShdw blurRad="38100" dist="38100" dir="2700000" algn="tl">
-                    <a:srgbClr val="000000">
-                      <a:alpha val="43137"/>
-                    </a:srgbClr>
-                  </a:outerShdw>
-                </a:effectLst>
-                <a:latin typeface="+mn-lt"/>
-                <a:cs typeface="+mn-cs"/>
-              </a:rPr>
-              <a:t>System List</a:t>
-            </a:r>
-            <a:endParaRPr kumimoji="0" lang="fr-FR" sz="3200" b="1" i="0" u="none" strike="noStrike" kern="0" cap="none" spc="0" normalizeH="0" baseline="0" noProof="0" dirty="0" smtClean="0">
-              <a:ln>
-                <a:noFill/>
-              </a:ln>
-              <a:solidFill>
-                <a:schemeClr val="accent6"/>
-              </a:solidFill>
-              <a:effectLst>
-                <a:outerShdw blurRad="38100" dist="38100" dir="2700000" algn="tl">
-                  <a:srgbClr val="000000">
-                    <a:alpha val="43137"/>
-                  </a:srgbClr>
-                </a:outerShdw>
-              </a:effectLst>
-              <a:uLnTx/>
-              <a:uFillTx/>
-              <a:latin typeface="+mn-lt"/>
-              <a:cs typeface="+mn-cs"/>
-            </a:endParaRPr>
           </a:p>
         </p:txBody>
       </p:sp>
       <p:sp>
         <p:nvSpPr>
-          <p:cNvPr id="7" name="TextBox 6"/>
-          <p:cNvSpPr txBox="1"/>
-          <p:nvPr/>
+          <p:cNvPr id="3" name="Text Placeholder 2"/>
+          <p:cNvSpPr>
+            <a:spLocks noGrp="1"/>
+          </p:cNvSpPr>
+          <p:nvPr>
+            <p:ph type="body" sz="quarter" idx="10"/>
+          </p:nvPr>
         </p:nvSpPr>
-        <p:spPr>
-          <a:xfrm>
-            <a:off x="2915816" y="4597677"/>
-            <a:ext cx="3557384" cy="991041"/>
-          </a:xfrm>
-          <a:prstGeom prst="rect">
-            <a:avLst/>
-          </a:prstGeom>
-          <a:noFill/>
-          <a:ln>
-            <a:noFill/>
-          </a:ln>
-        </p:spPr>
+        <p:spPr/>
         <p:txBody>
-          <a:bodyPr wrap="none" rtlCol="0">
-            <a:spAutoFit/>
-          </a:bodyPr>
+          <a:bodyPr/>
           <a:lstStyle/>
           <a:p>
-            <a:pPr marL="0" marR="0" indent="0" algn="ctr" defTabSz="914400" rtl="0" eaLnBrk="1" fontAlgn="auto" latinLnBrk="0" hangingPunct="1">
-              <a:lnSpc>
-                <a:spcPct val="100000"/>
-              </a:lnSpc>
-              <a:spcBef>
-                <a:spcPct val="20000"/>
-              </a:spcBef>
-              <a:spcAft>
-                <a:spcPts val="0"/>
-              </a:spcAft>
-              <a:buClrTx/>
-              <a:buSzTx/>
-              <a:buFontTx/>
-              <a:buNone/>
-              <a:tabLst/>
-            </a:pPr>
-            <a:r>
-              <a:rPr kumimoji="0" lang="fr-FR" sz="2000" b="1" i="0" u="none" strike="noStrike" kern="0" cap="none" spc="0" normalizeH="0" baseline="0" noProof="0" dirty="0" err="1" smtClean="0">
-                <a:ln>
-                  <a:noFill/>
-                </a:ln>
-                <a:solidFill>
-                  <a:schemeClr val="accent6"/>
-                </a:solidFill>
-                <a:effectLst/>
-                <a:uLnTx/>
-                <a:uFillTx/>
-                <a:latin typeface="+mn-lt"/>
-                <a:ea typeface="+mn-ea"/>
-                <a:cs typeface="+mn-cs"/>
-              </a:rPr>
-              <a:t>Screen</a:t>
-            </a:r>
-            <a:r>
-              <a:rPr kumimoji="0" lang="fr-FR" sz="2000" b="1" i="0" u="none" strike="noStrike" kern="0" cap="none" spc="0" normalizeH="0" baseline="0" noProof="0" dirty="0" smtClean="0">
-                <a:ln>
-                  <a:noFill/>
-                </a:ln>
-                <a:solidFill>
-                  <a:schemeClr val="accent6"/>
-                </a:solidFill>
-                <a:effectLst/>
-                <a:uLnTx/>
-                <a:uFillTx/>
-                <a:latin typeface="+mn-lt"/>
-                <a:ea typeface="+mn-ea"/>
-                <a:cs typeface="+mn-cs"/>
-              </a:rPr>
-              <a:t> 2</a:t>
-            </a:r>
-          </a:p>
-          <a:p>
-            <a:pPr marL="0" marR="0" indent="0" algn="ctr" defTabSz="914400" rtl="0" eaLnBrk="1" fontAlgn="auto" latinLnBrk="0" hangingPunct="1">
-              <a:lnSpc>
-                <a:spcPct val="100000"/>
-              </a:lnSpc>
-              <a:spcBef>
-                <a:spcPct val="20000"/>
-              </a:spcBef>
-              <a:spcAft>
-                <a:spcPts val="0"/>
-              </a:spcAft>
-              <a:buClrTx/>
-              <a:buSzTx/>
-              <a:buFontTx/>
-              <a:buNone/>
-              <a:tabLst/>
-            </a:pPr>
-            <a:r>
-              <a:rPr lang="fr-FR" sz="3200" b="1" kern="0" dirty="0" smtClean="0">
-                <a:solidFill>
-                  <a:schemeClr val="accent6"/>
-                </a:solidFill>
-                <a:effectLst>
-                  <a:outerShdw blurRad="38100" dist="38100" dir="2700000" algn="tl">
-                    <a:srgbClr val="000000">
-                      <a:alpha val="43137"/>
-                    </a:srgbClr>
-                  </a:outerShdw>
-                </a:effectLst>
-                <a:latin typeface="+mn-lt"/>
-                <a:cs typeface="+mn-cs"/>
-              </a:rPr>
-              <a:t>System Information</a:t>
-            </a:r>
-            <a:endParaRPr kumimoji="0" lang="fr-FR" sz="3200" b="1" i="0" u="none" strike="noStrike" kern="0" cap="none" spc="0" normalizeH="0" baseline="0" noProof="0" dirty="0" smtClean="0">
-              <a:ln>
-                <a:noFill/>
-              </a:ln>
-              <a:solidFill>
-                <a:schemeClr val="accent6"/>
-              </a:solidFill>
-              <a:effectLst>
-                <a:outerShdw blurRad="38100" dist="38100" dir="2700000" algn="tl">
-                  <a:srgbClr val="000000">
-                    <a:alpha val="43137"/>
-                  </a:srgbClr>
-                </a:outerShdw>
-              </a:effectLst>
-              <a:uLnTx/>
-              <a:uFillTx/>
-              <a:latin typeface="+mn-lt"/>
-              <a:cs typeface="+mn-cs"/>
-            </a:endParaRPr>
+            <a:endParaRPr lang="fr-FR" dirty="0"/>
           </a:p>
         </p:txBody>
       </p:sp>
-      <p:sp>
-        <p:nvSpPr>
-          <p:cNvPr id="8" name="TextBox 7"/>
-          <p:cNvSpPr txBox="1"/>
-          <p:nvPr/>
-        </p:nvSpPr>
-        <p:spPr>
-          <a:xfrm>
-            <a:off x="7161170" y="4597677"/>
-            <a:ext cx="1090363" cy="991041"/>
-          </a:xfrm>
-          <a:prstGeom prst="rect">
-            <a:avLst/>
-          </a:prstGeom>
-          <a:noFill/>
-          <a:ln>
-            <a:noFill/>
-          </a:ln>
-        </p:spPr>
-        <p:txBody>
-          <a:bodyPr wrap="none" rtlCol="0">
-            <a:spAutoFit/>
-          </a:bodyPr>
-          <a:lstStyle/>
-          <a:p>
-            <a:pPr marL="0" marR="0" indent="0" algn="ctr" defTabSz="914400" rtl="0" eaLnBrk="1" fontAlgn="auto" latinLnBrk="0" hangingPunct="1">
-              <a:lnSpc>
-                <a:spcPct val="100000"/>
-              </a:lnSpc>
-              <a:spcBef>
-                <a:spcPct val="20000"/>
-              </a:spcBef>
-              <a:spcAft>
-                <a:spcPts val="0"/>
-              </a:spcAft>
-              <a:buClrTx/>
-              <a:buSzTx/>
-              <a:buFontTx/>
-              <a:buNone/>
-              <a:tabLst/>
-            </a:pPr>
-            <a:r>
-              <a:rPr kumimoji="0" lang="fr-FR" sz="2000" b="1" i="0" u="none" strike="noStrike" kern="0" cap="none" spc="0" normalizeH="0" baseline="0" noProof="0" dirty="0" err="1" smtClean="0">
-                <a:ln>
-                  <a:noFill/>
-                </a:ln>
-                <a:solidFill>
-                  <a:schemeClr val="accent6"/>
-                </a:solidFill>
-                <a:effectLst/>
-                <a:uLnTx/>
-                <a:uFillTx/>
-                <a:latin typeface="+mn-lt"/>
-                <a:ea typeface="+mn-ea"/>
-                <a:cs typeface="+mn-cs"/>
-              </a:rPr>
-              <a:t>Screen</a:t>
-            </a:r>
-            <a:r>
-              <a:rPr kumimoji="0" lang="fr-FR" sz="2000" b="1" i="0" u="none" strike="noStrike" kern="0" cap="none" spc="0" normalizeH="0" baseline="0" noProof="0" dirty="0" smtClean="0">
-                <a:ln>
-                  <a:noFill/>
-                </a:ln>
-                <a:solidFill>
-                  <a:schemeClr val="accent6"/>
-                </a:solidFill>
-                <a:effectLst/>
-                <a:uLnTx/>
-                <a:uFillTx/>
-                <a:latin typeface="+mn-lt"/>
-                <a:ea typeface="+mn-ea"/>
-                <a:cs typeface="+mn-cs"/>
-              </a:rPr>
-              <a:t> 3</a:t>
-            </a:r>
-          </a:p>
-          <a:p>
-            <a:pPr marL="0" marR="0" indent="0" algn="ctr" defTabSz="914400" rtl="0" eaLnBrk="1" fontAlgn="auto" latinLnBrk="0" hangingPunct="1">
-              <a:lnSpc>
-                <a:spcPct val="100000"/>
-              </a:lnSpc>
-              <a:spcBef>
-                <a:spcPct val="20000"/>
-              </a:spcBef>
-              <a:spcAft>
-                <a:spcPts val="0"/>
-              </a:spcAft>
-              <a:buClrTx/>
-              <a:buSzTx/>
-              <a:buFontTx/>
-              <a:buNone/>
-              <a:tabLst/>
-            </a:pPr>
-            <a:r>
-              <a:rPr lang="fr-FR" sz="3200" b="1" kern="0" dirty="0" smtClean="0">
-                <a:solidFill>
-                  <a:schemeClr val="accent6"/>
-                </a:solidFill>
-                <a:effectLst>
-                  <a:outerShdw blurRad="38100" dist="38100" dir="2700000" algn="tl">
-                    <a:srgbClr val="000000">
-                      <a:alpha val="43137"/>
-                    </a:srgbClr>
-                  </a:outerShdw>
-                </a:effectLst>
-                <a:latin typeface="+mn-lt"/>
-                <a:cs typeface="+mn-cs"/>
-              </a:rPr>
-              <a:t>Logs</a:t>
-            </a:r>
-            <a:endParaRPr kumimoji="0" lang="fr-FR" sz="3200" b="1" i="0" u="none" strike="noStrike" kern="0" cap="none" spc="0" normalizeH="0" baseline="0" noProof="0" dirty="0" smtClean="0">
-              <a:ln>
-                <a:noFill/>
-              </a:ln>
-              <a:solidFill>
-                <a:schemeClr val="accent6"/>
-              </a:solidFill>
-              <a:effectLst>
-                <a:outerShdw blurRad="38100" dist="38100" dir="2700000" algn="tl">
-                  <a:srgbClr val="000000">
-                    <a:alpha val="43137"/>
-                  </a:srgbClr>
-                </a:outerShdw>
-              </a:effectLst>
-              <a:uLnTx/>
-              <a:uFillTx/>
-              <a:latin typeface="+mn-lt"/>
-              <a:cs typeface="+mn-cs"/>
-            </a:endParaRPr>
-          </a:p>
-        </p:txBody>
-      </p:sp>
+      <p:graphicFrame>
+        <p:nvGraphicFramePr>
+          <p:cNvPr id="7" name="Object 6"/>
+          <p:cNvGraphicFramePr>
+            <a:graphicFrameLocks noChangeAspect="1"/>
+          </p:cNvGraphicFramePr>
+          <p:nvPr>
+            <p:extLst>
+              <p:ext uri="{D42A27DB-BD31-4B8C-83A1-F6EECF244321}">
+                <p14:modId xmlns:p14="http://schemas.microsoft.com/office/powerpoint/2007/7/12/main" val="163580420"/>
+              </p:ext>
+            </p:extLst>
+          </p:nvPr>
+        </p:nvGraphicFramePr>
+        <p:xfrm>
+          <a:off x="323528" y="1196752"/>
+          <a:ext cx="8664634" cy="4392488"/>
+        </p:xfrm>
+        <a:graphic>
+          <a:graphicData uri="http://schemas.openxmlformats.org/presentationml/2006/ole">
+            <mc:AlternateContent xmlns:mc="http://schemas.openxmlformats.org/markup-compatibility/2006">
+              <mc:Choice xmlns:v="urn:schemas-microsoft-com:vml" Requires="v">
+                <p:oleObj spid="_x0000_s7171" name="Document" r:id="rId4" imgW="6537672" imgH="3316923" progId="Word.Document.12">
+                  <p:embed/>
+                </p:oleObj>
+              </mc:Choice>
+              <mc:Fallback>
+                <p:oleObj name="Document" r:id="rId4" imgW="6537672" imgH="3316923" progId="Word.Document.12">
+                  <p:embed/>
+                  <p:pic>
+                    <p:nvPicPr>
+                      <p:cNvPr id="0" name=""/>
+                      <p:cNvPicPr/>
+                      <p:nvPr/>
+                    </p:nvPicPr>
+                    <p:blipFill>
+                      <a:blip r:embed="rId5"/>
+                      <a:stretch>
+                        <a:fillRect/>
+                      </a:stretch>
+                    </p:blipFill>
+                    <p:spPr>
+                      <a:xfrm>
+                        <a:off x="0" y="0"/>
+                        <a:ext cx="8664634" cy="4392488"/>
+                      </a:xfrm>
+                      <a:prstGeom prst="rect">
+                        <a:avLst/>
+                      </a:prstGeom>
+                      <a:ln w="12700">
+                        <a:solidFill>
+                          <a:prstClr val="black"/>
+                        </a:solidFill>
+                      </a:ln>
+                    </p:spPr>
+                  </p:pic>
+                </p:oleObj>
+              </mc:Fallback>
+            </mc:AlternateContent>
+          </a:graphicData>
+        </a:graphic>
+      </p:graphicFrame>
     </p:spTree>
     <p:extLst>
       <p:ext uri="{BB962C8B-B14F-4D97-AF65-F5344CB8AC3E}">
-        <p14:creationId xmlns:p14="http://schemas.microsoft.com/office/powerpoint/2007/7/12/main" xmlns="" val="578897846"/>
+        <p14:creationId xmlns:p14="http://schemas.microsoft.com/office/powerpoint/2007/7/12/main" val="315467668"/>
       </p:ext>
     </p:extLst>
   </p:cSld>
@@ -12837,7 +12505,7 @@
   <p:timing>
     <p:tnLst>
       <p:par>
-        <p:cTn id="1" dur="indefinite" restart="never" nodeType="tmRoot"/>
+        <p:cTn xmlns:p14="http://schemas.microsoft.com/office/powerpoint/2007/7/12/main" id="1" dur="indefinite" restart="never" nodeType="tmRoot"/>
       </p:par>
     </p:tnLst>
   </p:timing>
@@ -13124,7 +12792,7 @@
             </a:avLst>
           </a:prstGeom>
           <a:solidFill>
-            <a:srgbClr val="FFFFFF">
+            <a:srgbClr xmlns:mc="http://schemas.openxmlformats.org/markup-compatibility/2006" xmlns:a14="http://schemas.microsoft.com/office/drawing/2007/7/7/main" val="FFFFFF" mc:Ignorable="">
               <a:shade val="85000"/>
             </a:srgbClr>
           </a:solidFill>
@@ -13149,7 +12817,7 @@
   <p:timing>
     <p:tnLst>
       <p:par>
-        <p:cTn id="1" dur="indefinite" restart="never" nodeType="tmRoot"/>
+        <p:cTn xmlns:p14="http://schemas.microsoft.com/office/powerpoint/2007/7/12/main" id="1" dur="indefinite" restart="never" nodeType="tmRoot"/>
       </p:par>
     </p:tnLst>
   </p:timing>
@@ -13157,6 +12825,996 @@
 </file>
 
 <file path=ppt/slides/slide20.xml><?xml version="1.0" encoding="utf-8"?>
+<p:sld xmlns:a="http://schemas.openxmlformats.org/drawingml/2006/main" xmlns:r="http://schemas.openxmlformats.org/officeDocument/2006/relationships" xmlns:p="http://schemas.openxmlformats.org/presentationml/2006/main">
+  <p:cSld>
+    <p:spTree>
+      <p:nvGrpSpPr>
+        <p:cNvPr id="1" name=""/>
+        <p:cNvGrpSpPr/>
+        <p:nvPr/>
+      </p:nvGrpSpPr>
+      <p:grpSpPr>
+        <a:xfrm>
+          <a:off x="0" y="0"/>
+          <a:ext cx="0" cy="0"/>
+          <a:chOff x="0" y="0"/>
+          <a:chExt cx="0" cy="0"/>
+        </a:xfrm>
+      </p:grpSpPr>
+      <p:sp>
+        <p:nvSpPr>
+          <p:cNvPr id="4" name="Text Placeholder 3"/>
+          <p:cNvSpPr>
+            <a:spLocks noGrp="1"/>
+          </p:cNvSpPr>
+          <p:nvPr>
+            <p:ph type="body" sz="quarter" idx="10"/>
+          </p:nvPr>
+        </p:nvSpPr>
+        <p:spPr>
+          <a:xfrm>
+            <a:off x="168494" y="773824"/>
+            <a:ext cx="7643866" cy="1143008"/>
+          </a:xfrm>
+        </p:spPr>
+        <p:txBody>
+          <a:bodyPr/>
+          <a:lstStyle/>
+          <a:p>
+            <a:r>
+              <a:rPr lang="fr-FR" dirty="0"/>
+              <a:t>4</a:t>
+            </a:r>
+            <a:r>
+              <a:rPr lang="fr-FR" dirty="0" smtClean="0"/>
+              <a:t>. </a:t>
+            </a:r>
+            <a:r>
+              <a:rPr lang="fr-FR" dirty="0" err="1" smtClean="0"/>
+              <a:t>Usability</a:t>
+            </a:r>
+            <a:r>
+              <a:rPr lang="fr-FR" dirty="0" smtClean="0"/>
+              <a:t> </a:t>
+            </a:r>
+            <a:r>
+              <a:rPr lang="fr-FR" dirty="0" err="1" smtClean="0"/>
+              <a:t>analysis</a:t>
+            </a:r>
+            <a:r>
+              <a:rPr lang="fr-FR" dirty="0" smtClean="0"/>
+              <a:t> &amp; design</a:t>
+            </a:r>
+          </a:p>
+          <a:p>
+            <a:pPr lvl="1" indent="0">
+              <a:buNone/>
+            </a:pPr>
+            <a:r>
+              <a:rPr lang="fr-FR" sz="2400" i="1" smtClean="0"/>
+              <a:t>Prototypes </a:t>
+            </a:r>
+            <a:r>
+              <a:rPr lang="fr-FR" sz="2400" i="1" dirty="0" smtClean="0"/>
+              <a:t>&amp; </a:t>
+            </a:r>
+            <a:r>
+              <a:rPr lang="fr-FR" sz="2400" i="1" dirty="0" err="1" smtClean="0"/>
+              <a:t>usability</a:t>
+            </a:r>
+            <a:r>
+              <a:rPr lang="fr-FR" sz="2400" i="1" dirty="0" smtClean="0"/>
+              <a:t> scenarios discussions</a:t>
+            </a:r>
+          </a:p>
+        </p:txBody>
+      </p:sp>
+      <p:sp>
+        <p:nvSpPr>
+          <p:cNvPr id="7" name="Espace réservé du texte 2"/>
+          <p:cNvSpPr txBox="1">
+            <a:spLocks/>
+          </p:cNvSpPr>
+          <p:nvPr/>
+        </p:nvSpPr>
+        <p:spPr bwMode="auto">
+          <a:xfrm>
+            <a:off x="827584" y="2924944"/>
+            <a:ext cx="7671197" cy="3071834"/>
+          </a:xfrm>
+          <a:prstGeom prst="rect">
+            <a:avLst/>
+          </a:prstGeom>
+          <a:noFill/>
+          <a:ln>
+            <a:miter lim="800000"/>
+            <a:headEnd/>
+            <a:tailEnd/>
+          </a:ln>
+        </p:spPr>
+        <p:txBody>
+          <a:bodyPr vert="horz" wrap="square" lIns="91440" tIns="45720" rIns="91440" bIns="45720" numCol="1" anchor="t" anchorCtr="0" compatLnSpc="1"/>
+          <a:lstStyle>
+            <a:lvl1pPr marL="0" indent="0" algn="l" rtl="0" eaLnBrk="0" fontAlgn="base" hangingPunct="0">
+              <a:spcBef>
+                <a:spcPct val="20000"/>
+              </a:spcBef>
+              <a:spcAft>
+                <a:spcPct val="0"/>
+              </a:spcAft>
+              <a:buNone/>
+              <a:defRPr lang="fr-FR" sz="3600" b="0" cap="none" spc="0">
+                <a:ln w="18415" cmpd="sng">
+                  <a:solidFill>
+                    <a:srgbClr xmlns:mc="http://schemas.openxmlformats.org/markup-compatibility/2006" xmlns:a14="http://schemas.microsoft.com/office/drawing/2007/7/7/main" val="FFFFFF" mc:Ignorable=""/>
+                  </a:solidFill>
+                  <a:prstDash val="solid"/>
+                </a:ln>
+                <a:solidFill>
+                  <a:srgbClr xmlns:mc="http://schemas.openxmlformats.org/markup-compatibility/2006" xmlns:a14="http://schemas.microsoft.com/office/drawing/2007/7/7/main" val="FFFFFF" mc:Ignorable=""/>
+                </a:solidFill>
+                <a:effectLst>
+                  <a:outerShdw blurRad="63500" dir="3600000" algn="tl" rotWithShape="0">
+                    <a:srgbClr xmlns:mc="http://schemas.openxmlformats.org/markup-compatibility/2006" xmlns:a14="http://schemas.microsoft.com/office/drawing/2007/7/7/main" val="000000" mc:Ignorable="">
+                      <a:alpha val="70000"/>
+                    </a:srgbClr>
+                  </a:outerShdw>
+                </a:effectLst>
+                <a:latin typeface="+mn-lt"/>
+                <a:ea typeface="+mn-ea"/>
+                <a:cs typeface="+mn-cs"/>
+              </a:defRPr>
+            </a:lvl1pPr>
+            <a:lvl2pPr marL="742950" indent="-285750" algn="l" rtl="0" eaLnBrk="0" fontAlgn="base" hangingPunct="0">
+              <a:spcBef>
+                <a:spcPct val="20000"/>
+              </a:spcBef>
+              <a:spcAft>
+                <a:spcPct val="0"/>
+              </a:spcAft>
+              <a:buChar char="–"/>
+              <a:defRPr lang="fr-FR" sz="1100">
+                <a:solidFill>
+                  <a:schemeClr val="tx1"/>
+                </a:solidFill>
+                <a:latin typeface="+mn-lt"/>
+                <a:ea typeface="+mn-ea"/>
+                <a:cs typeface="+mn-cs"/>
+              </a:defRPr>
+            </a:lvl2pPr>
+            <a:lvl3pPr marL="1143000" indent="-228600" algn="l" rtl="0" eaLnBrk="0" fontAlgn="base" hangingPunct="0">
+              <a:spcBef>
+                <a:spcPct val="20000"/>
+              </a:spcBef>
+              <a:spcAft>
+                <a:spcPct val="0"/>
+              </a:spcAft>
+              <a:buChar char="•"/>
+              <a:defRPr lang="fr-FR" sz="1100">
+                <a:solidFill>
+                  <a:schemeClr val="tx1"/>
+                </a:solidFill>
+                <a:latin typeface="+mn-lt"/>
+                <a:ea typeface="+mn-ea"/>
+                <a:cs typeface="+mn-cs"/>
+              </a:defRPr>
+            </a:lvl3pPr>
+            <a:lvl4pPr marL="1600200" indent="-228600" algn="l" rtl="0" eaLnBrk="0" fontAlgn="base" hangingPunct="0">
+              <a:spcBef>
+                <a:spcPct val="20000"/>
+              </a:spcBef>
+              <a:spcAft>
+                <a:spcPct val="0"/>
+              </a:spcAft>
+              <a:buChar char="–"/>
+              <a:defRPr lang="fr-FR" sz="1100">
+                <a:solidFill>
+                  <a:schemeClr val="tx1"/>
+                </a:solidFill>
+                <a:latin typeface="+mn-lt"/>
+                <a:ea typeface="+mn-ea"/>
+                <a:cs typeface="+mn-cs"/>
+              </a:defRPr>
+            </a:lvl4pPr>
+            <a:lvl5pPr marL="2057400" indent="-228600" algn="l" rtl="0" eaLnBrk="0" fontAlgn="base" hangingPunct="0">
+              <a:spcBef>
+                <a:spcPct val="20000"/>
+              </a:spcBef>
+              <a:spcAft>
+                <a:spcPct val="0"/>
+              </a:spcAft>
+              <a:buChar char="»"/>
+              <a:defRPr lang="fr-FR" sz="1100">
+                <a:solidFill>
+                  <a:schemeClr val="tx1"/>
+                </a:solidFill>
+                <a:latin typeface="+mn-lt"/>
+                <a:ea typeface="+mn-ea"/>
+                <a:cs typeface="+mn-cs"/>
+              </a:defRPr>
+            </a:lvl5pPr>
+            <a:lvl6pPr marL="2514600" indent="-228600" algn="l" rtl="0" eaLnBrk="1" latinLnBrk="0" hangingPunct="1">
+              <a:spcBef>
+                <a:spcPct val="20000"/>
+              </a:spcBef>
+              <a:buChar char="•"/>
+              <a:defRPr kumimoji="0" lang="fr-FR" sz="2000">
+                <a:solidFill>
+                  <a:schemeClr val="tx1"/>
+                </a:solidFill>
+                <a:latin typeface="+mn-lt"/>
+                <a:ea typeface="+mn-ea"/>
+                <a:cs typeface="+mn-cs"/>
+              </a:defRPr>
+            </a:lvl6pPr>
+            <a:lvl7pPr marL="2971800" indent="-228600" algn="l" rtl="0" eaLnBrk="1" latinLnBrk="0" hangingPunct="1">
+              <a:spcBef>
+                <a:spcPct val="20000"/>
+              </a:spcBef>
+              <a:buChar char="•"/>
+              <a:defRPr kumimoji="0" lang="fr-FR" sz="2000">
+                <a:solidFill>
+                  <a:schemeClr val="tx1"/>
+                </a:solidFill>
+                <a:latin typeface="+mn-lt"/>
+                <a:ea typeface="+mn-ea"/>
+                <a:cs typeface="+mn-cs"/>
+              </a:defRPr>
+            </a:lvl7pPr>
+            <a:lvl8pPr marL="3429000" indent="-228600" algn="l" rtl="0" eaLnBrk="1" latinLnBrk="0" hangingPunct="1">
+              <a:spcBef>
+                <a:spcPct val="20000"/>
+              </a:spcBef>
+              <a:buChar char="•"/>
+              <a:defRPr kumimoji="0" lang="fr-FR" sz="2000">
+                <a:solidFill>
+                  <a:schemeClr val="tx1"/>
+                </a:solidFill>
+                <a:latin typeface="+mn-lt"/>
+                <a:ea typeface="+mn-ea"/>
+                <a:cs typeface="+mn-cs"/>
+              </a:defRPr>
+            </a:lvl8pPr>
+            <a:lvl9pPr marL="3886200" indent="-228600" algn="l" rtl="0" eaLnBrk="1" latinLnBrk="0" hangingPunct="1">
+              <a:spcBef>
+                <a:spcPct val="20000"/>
+              </a:spcBef>
+              <a:buChar char="•"/>
+              <a:defRPr kumimoji="0" lang="fr-FR" sz="2000">
+                <a:solidFill>
+                  <a:schemeClr val="tx1"/>
+                </a:solidFill>
+                <a:latin typeface="+mn-lt"/>
+                <a:ea typeface="+mn-ea"/>
+                <a:cs typeface="+mn-cs"/>
+              </a:defRPr>
+            </a:lvl9pPr>
+          </a:lstStyle>
+          <a:p>
+            <a:pPr indent="273050" eaLnBrk="1" hangingPunct="1">
+              <a:buClr>
+                <a:srgbClr xmlns:mc="http://schemas.openxmlformats.org/markup-compatibility/2006" xmlns:a14="http://schemas.microsoft.com/office/drawing/2007/7/7/main" val="C44F00" mc:Ignorable=""/>
+              </a:buClr>
+              <a:buFont typeface="Calibri" pitchFamily="34" charset="0"/>
+              <a:buAutoNum type="arabicPeriod"/>
+            </a:pPr>
+            <a:r>
+              <a:rPr lang="en-US" altLang="ko-KR" sz="1600" dirty="0" smtClean="0">
+                <a:ln>
+                  <a:noFill/>
+                </a:ln>
+                <a:solidFill>
+                  <a:schemeClr val="tx1"/>
+                </a:solidFill>
+                <a:effectLst/>
+                <a:ea typeface="굴림" charset="-127"/>
+              </a:rPr>
+              <a:t>Problem understanding</a:t>
+            </a:r>
+          </a:p>
+          <a:p>
+            <a:pPr indent="273050" eaLnBrk="1" hangingPunct="1">
+              <a:buClr>
+                <a:srgbClr xmlns:mc="http://schemas.openxmlformats.org/markup-compatibility/2006" xmlns:a14="http://schemas.microsoft.com/office/drawing/2007/7/7/main" val="C44F00" mc:Ignorable=""/>
+              </a:buClr>
+              <a:buFont typeface="Calibri" pitchFamily="34" charset="0"/>
+              <a:buAutoNum type="arabicPeriod"/>
+            </a:pPr>
+            <a:endParaRPr lang="en-US" altLang="ko-KR" sz="1600" dirty="0">
+              <a:ln>
+                <a:noFill/>
+              </a:ln>
+              <a:solidFill>
+                <a:schemeClr val="tx1"/>
+              </a:solidFill>
+              <a:effectLst/>
+              <a:ea typeface="굴림" charset="-127"/>
+            </a:endParaRPr>
+          </a:p>
+          <a:p>
+            <a:pPr indent="273050" eaLnBrk="1" hangingPunct="1">
+              <a:buClr>
+                <a:srgbClr xmlns:mc="http://schemas.openxmlformats.org/markup-compatibility/2006" xmlns:a14="http://schemas.microsoft.com/office/drawing/2007/7/7/main" val="C44F00" mc:Ignorable=""/>
+              </a:buClr>
+              <a:buFont typeface="Calibri" pitchFamily="34" charset="0"/>
+              <a:buAutoNum type="arabicPeriod"/>
+            </a:pPr>
+            <a:r>
+              <a:rPr lang="en-US" altLang="ko-KR" sz="1600" dirty="0" smtClean="0">
+                <a:ln>
+                  <a:noFill/>
+                </a:ln>
+                <a:solidFill>
+                  <a:schemeClr val="tx1"/>
+                </a:solidFill>
+                <a:effectLst/>
+                <a:ea typeface="굴림" charset="-127"/>
+              </a:rPr>
+              <a:t>Functional requirements (use-case model)</a:t>
+            </a:r>
+          </a:p>
+          <a:p>
+            <a:pPr indent="273050" eaLnBrk="1" hangingPunct="1">
+              <a:buClr>
+                <a:srgbClr xmlns:mc="http://schemas.openxmlformats.org/markup-compatibility/2006" xmlns:a14="http://schemas.microsoft.com/office/drawing/2007/7/7/main" val="C44F00" mc:Ignorable=""/>
+              </a:buClr>
+              <a:buFont typeface="Calibri" pitchFamily="34" charset="0"/>
+              <a:buAutoNum type="arabicPeriod"/>
+            </a:pPr>
+            <a:endParaRPr lang="en-US" altLang="ko-KR" sz="1600" dirty="0">
+              <a:ln>
+                <a:noFill/>
+              </a:ln>
+              <a:solidFill>
+                <a:schemeClr val="tx1"/>
+              </a:solidFill>
+              <a:effectLst/>
+              <a:ea typeface="굴림" charset="-127"/>
+            </a:endParaRPr>
+          </a:p>
+          <a:p>
+            <a:pPr indent="273050" eaLnBrk="1" hangingPunct="1">
+              <a:buClr>
+                <a:srgbClr xmlns:mc="http://schemas.openxmlformats.org/markup-compatibility/2006" xmlns:a14="http://schemas.microsoft.com/office/drawing/2007/7/7/main" val="C44F00" mc:Ignorable=""/>
+              </a:buClr>
+              <a:buFont typeface="Calibri" pitchFamily="34" charset="0"/>
+              <a:buAutoNum type="arabicPeriod"/>
+            </a:pPr>
+            <a:r>
+              <a:rPr lang="en-US" altLang="ko-KR" sz="1600" dirty="0" smtClean="0">
+                <a:ln>
+                  <a:noFill/>
+                </a:ln>
+                <a:solidFill>
+                  <a:schemeClr val="tx1"/>
+                </a:solidFill>
+                <a:effectLst/>
+                <a:ea typeface="굴림" charset="-127"/>
+              </a:rPr>
+              <a:t>Non-functional requirements</a:t>
+            </a:r>
+          </a:p>
+          <a:p>
+            <a:pPr indent="273050" eaLnBrk="1" hangingPunct="1">
+              <a:buClr>
+                <a:srgbClr xmlns:mc="http://schemas.openxmlformats.org/markup-compatibility/2006" xmlns:a14="http://schemas.microsoft.com/office/drawing/2007/7/7/main" val="C44F00" mc:Ignorable=""/>
+              </a:buClr>
+              <a:buFont typeface="Calibri" pitchFamily="34" charset="0"/>
+              <a:buAutoNum type="arabicPeriod"/>
+            </a:pPr>
+            <a:endParaRPr lang="en-US" altLang="ko-KR" sz="1600" dirty="0">
+              <a:ln>
+                <a:noFill/>
+              </a:ln>
+              <a:solidFill>
+                <a:schemeClr val="tx1"/>
+              </a:solidFill>
+              <a:effectLst/>
+              <a:ea typeface="굴림" charset="-127"/>
+            </a:endParaRPr>
+          </a:p>
+          <a:p>
+            <a:pPr indent="273050" eaLnBrk="1" hangingPunct="1">
+              <a:buClr>
+                <a:srgbClr xmlns:mc="http://schemas.openxmlformats.org/markup-compatibility/2006" xmlns:a14="http://schemas.microsoft.com/office/drawing/2007/7/7/main" val="C44F00" mc:Ignorable=""/>
+              </a:buClr>
+              <a:buFont typeface="Calibri" pitchFamily="34" charset="0"/>
+              <a:buAutoNum type="arabicPeriod"/>
+            </a:pPr>
+            <a:r>
+              <a:rPr lang="en-US" altLang="ko-KR" sz="1800" b="1" u="sng" dirty="0" smtClean="0">
+                <a:ln>
+                  <a:noFill/>
+                </a:ln>
+                <a:solidFill>
+                  <a:schemeClr val="tx1"/>
+                </a:solidFill>
+                <a:effectLst/>
+                <a:ea typeface="굴림" charset="-127"/>
+              </a:rPr>
+              <a:t>Usability analysis &amp; design</a:t>
+            </a:r>
+          </a:p>
+          <a:p>
+            <a:pPr lvl="1" eaLnBrk="1" hangingPunct="1">
+              <a:buFontTx/>
+              <a:buNone/>
+            </a:pPr>
+            <a:endParaRPr lang="en-US" altLang="ko-KR" dirty="0" smtClean="0">
+              <a:ea typeface="굴림" charset="-127"/>
+            </a:endParaRPr>
+          </a:p>
+        </p:txBody>
+      </p:sp>
+      <p:pic>
+        <p:nvPicPr>
+          <p:cNvPr id="6" name="Picture 2" descr="D:\Bureau\spacecraft1.jpg"/>
+          <p:cNvPicPr>
+            <a:picLocks noChangeAspect="1" noChangeArrowheads="1"/>
+          </p:cNvPicPr>
+          <p:nvPr/>
+        </p:nvPicPr>
+        <p:blipFill>
+          <a:blip r:embed="rId2" cstate="print"/>
+          <a:srcRect/>
+          <a:stretch>
+            <a:fillRect/>
+          </a:stretch>
+        </p:blipFill>
+        <p:spPr bwMode="auto">
+          <a:xfrm rot="376165">
+            <a:off x="6513130" y="1256731"/>
+            <a:ext cx="2510206" cy="1697273"/>
+          </a:xfrm>
+          <a:prstGeom prst="roundRect">
+            <a:avLst>
+              <a:gd name="adj" fmla="val 8594"/>
+            </a:avLst>
+          </a:prstGeom>
+          <a:solidFill>
+            <a:srgbClr xmlns:mc="http://schemas.openxmlformats.org/markup-compatibility/2006" xmlns:a14="http://schemas.microsoft.com/office/drawing/2007/7/7/main" val="FFFFFF" mc:Ignorable="">
+              <a:shade val="85000"/>
+            </a:srgbClr>
+          </a:solidFill>
+          <a:ln>
+            <a:noFill/>
+          </a:ln>
+          <a:effectLst>
+            <a:outerShdw blurRad="50800" dist="38100" dir="8100000" algn="tr" rotWithShape="0">
+              <a:prstClr val="black">
+                <a:alpha val="40000"/>
+              </a:prstClr>
+            </a:outerShdw>
+            <a:reflection blurRad="12700" stA="38000" endPos="28000" dist="5000" dir="5400000" sy="-100000" algn="bl" rotWithShape="0"/>
+          </a:effectLst>
+        </p:spPr>
+      </p:pic>
+    </p:spTree>
+    <p:extLst>
+      <p:ext uri="{BB962C8B-B14F-4D97-AF65-F5344CB8AC3E}">
+        <p14:creationId xmlns:p14="http://schemas.microsoft.com/office/powerpoint/2007/7/12/main" val="1603447579"/>
+      </p:ext>
+    </p:extLst>
+  </p:cSld>
+  <p:clrMapOvr>
+    <a:masterClrMapping/>
+  </p:clrMapOvr>
+  <p:timing>
+    <p:tnLst>
+      <p:par>
+        <p:cTn xmlns:p14="http://schemas.microsoft.com/office/powerpoint/2007/7/12/main" id="1" dur="indefinite" restart="never" nodeType="tmRoot"/>
+      </p:par>
+    </p:tnLst>
+  </p:timing>
+</p:sld>
+</file>
+
+<file path=ppt/slides/slide21.xml><?xml version="1.0" encoding="utf-8"?>
+<p:sld xmlns:a="http://schemas.openxmlformats.org/drawingml/2006/main" xmlns:r="http://schemas.openxmlformats.org/officeDocument/2006/relationships" xmlns:p="http://schemas.openxmlformats.org/presentationml/2006/main">
+  <p:cSld>
+    <p:spTree>
+      <p:nvGrpSpPr>
+        <p:cNvPr id="1" name=""/>
+        <p:cNvGrpSpPr/>
+        <p:nvPr/>
+      </p:nvGrpSpPr>
+      <p:grpSpPr>
+        <a:xfrm>
+          <a:off x="0" y="0"/>
+          <a:ext cx="0" cy="0"/>
+          <a:chOff x="0" y="0"/>
+          <a:chExt cx="0" cy="0"/>
+        </a:xfrm>
+      </p:grpSpPr>
+      <p:sp>
+        <p:nvSpPr>
+          <p:cNvPr id="3" name="Title 2"/>
+          <p:cNvSpPr>
+            <a:spLocks noGrp="1"/>
+          </p:cNvSpPr>
+          <p:nvPr>
+            <p:ph type="ctrTitle"/>
+          </p:nvPr>
+        </p:nvSpPr>
+        <p:spPr/>
+        <p:txBody>
+          <a:bodyPr/>
+          <a:lstStyle/>
+          <a:p>
+            <a:r>
+              <a:rPr lang="fr-FR" dirty="0" smtClean="0"/>
+              <a:t>User interface design</a:t>
+            </a:r>
+            <a:endParaRPr lang="fr-FR" dirty="0"/>
+          </a:p>
+        </p:txBody>
+      </p:sp>
+      <p:pic>
+        <p:nvPicPr>
+          <p:cNvPr id="1026" name="Picture 2" descr="D:\Bureau\Computer and globe1.jpg"/>
+          <p:cNvPicPr>
+            <a:picLocks noChangeAspect="1" noChangeArrowheads="1"/>
+          </p:cNvPicPr>
+          <p:nvPr/>
+        </p:nvPicPr>
+        <p:blipFill rotWithShape="1">
+          <a:blip r:embed="rId2">
+            <a:clrChange>
+              <a:clrFrom>
+                <a:srgbClr xmlns:mc="http://schemas.openxmlformats.org/markup-compatibility/2006" xmlns:a14="http://schemas.microsoft.com/office/drawing/2007/7/7/main" val="FFFFFF" mc:Ignorable=""/>
+              </a:clrFrom>
+              <a:clrTo>
+                <a:srgbClr xmlns:mc="http://schemas.openxmlformats.org/markup-compatibility/2006" xmlns:a14="http://schemas.microsoft.com/office/drawing/2007/7/7/main" val="FFFFFF" mc:Ignorable="">
+                  <a:alpha val="0"/>
+                </a:srgbClr>
+              </a:clrTo>
+            </a:clrChange>
+            <a:extLst>
+              <a:ext uri="28A0092B-C50C-407e-A947-70E740481C1C">
+                <a14:useLocalDpi xmlns:a14="http://schemas.microsoft.com/office/drawing/2007/7/7/main" val="0"/>
+              </a:ext>
+            </a:extLst>
+          </a:blip>
+          <a:srcRect r="1753"/>
+          <a:stretch/>
+        </p:blipFill>
+        <p:spPr bwMode="auto">
+          <a:xfrm>
+            <a:off x="0" y="1484784"/>
+            <a:ext cx="9036456" cy="3096344"/>
+          </a:xfrm>
+          <a:prstGeom prst="rect">
+            <a:avLst/>
+          </a:prstGeom>
+          <a:noFill/>
+          <a:extLst>
+            <a:ext uri="{909E8E84-426E-40dd-AFC4-6F175D3DCCD1}">
+              <a14:hiddenFill xmlns:a14="http://schemas.microsoft.com/office/drawing/2007/7/7/main">
+                <a:solidFill>
+                  <a:srgbClr xmlns:mc="http://schemas.openxmlformats.org/markup-compatibility/2006" val="FFFFFF" mc:Ignorable=""/>
+                </a:solidFill>
+              </a14:hiddenFill>
+            </a:ext>
+          </a:extLst>
+        </p:spPr>
+      </p:pic>
+      <p:sp>
+        <p:nvSpPr>
+          <p:cNvPr id="2" name="TextBox 1"/>
+          <p:cNvSpPr txBox="1"/>
+          <p:nvPr/>
+        </p:nvSpPr>
+        <p:spPr>
+          <a:xfrm>
+            <a:off x="539552" y="4597677"/>
+            <a:ext cx="2092239" cy="991041"/>
+          </a:xfrm>
+          <a:prstGeom prst="rect">
+            <a:avLst/>
+          </a:prstGeom>
+          <a:noFill/>
+          <a:ln>
+            <a:noFill/>
+          </a:ln>
+        </p:spPr>
+        <p:txBody>
+          <a:bodyPr wrap="none" rtlCol="0">
+            <a:spAutoFit/>
+          </a:bodyPr>
+          <a:lstStyle/>
+          <a:p>
+            <a:pPr marL="0" marR="0" indent="0" algn="ctr" defTabSz="914400" rtl="0" eaLnBrk="1" fontAlgn="auto" latinLnBrk="0" hangingPunct="1">
+              <a:lnSpc>
+                <a:spcPct val="100000"/>
+              </a:lnSpc>
+              <a:spcBef>
+                <a:spcPct val="20000"/>
+              </a:spcBef>
+              <a:spcAft>
+                <a:spcPts val="0"/>
+              </a:spcAft>
+              <a:buClrTx/>
+              <a:buSzTx/>
+              <a:buFontTx/>
+              <a:buNone/>
+              <a:tabLst/>
+            </a:pPr>
+            <a:r>
+              <a:rPr kumimoji="0" lang="fr-FR" sz="2000" b="1" i="0" u="none" strike="noStrike" kern="0" cap="none" spc="0" normalizeH="0" baseline="0" noProof="0" dirty="0" err="1" smtClean="0">
+                <a:ln>
+                  <a:noFill/>
+                </a:ln>
+                <a:solidFill>
+                  <a:schemeClr val="accent6"/>
+                </a:solidFill>
+                <a:effectLst/>
+                <a:uLnTx/>
+                <a:uFillTx/>
+                <a:latin typeface="+mn-lt"/>
+                <a:ea typeface="+mn-ea"/>
+                <a:cs typeface="+mn-cs"/>
+              </a:rPr>
+              <a:t>Screen</a:t>
+            </a:r>
+            <a:r>
+              <a:rPr kumimoji="0" lang="fr-FR" sz="2000" b="1" i="0" u="none" strike="noStrike" kern="0" cap="none" spc="0" normalizeH="0" baseline="0" noProof="0" dirty="0" smtClean="0">
+                <a:ln>
+                  <a:noFill/>
+                </a:ln>
+                <a:solidFill>
+                  <a:schemeClr val="accent6"/>
+                </a:solidFill>
+                <a:effectLst/>
+                <a:uLnTx/>
+                <a:uFillTx/>
+                <a:latin typeface="+mn-lt"/>
+                <a:ea typeface="+mn-ea"/>
+                <a:cs typeface="+mn-cs"/>
+              </a:rPr>
+              <a:t> 1</a:t>
+            </a:r>
+          </a:p>
+          <a:p>
+            <a:pPr marL="0" marR="0" indent="0" algn="ctr" defTabSz="914400" rtl="0" eaLnBrk="1" fontAlgn="auto" latinLnBrk="0" hangingPunct="1">
+              <a:lnSpc>
+                <a:spcPct val="100000"/>
+              </a:lnSpc>
+              <a:spcBef>
+                <a:spcPct val="20000"/>
+              </a:spcBef>
+              <a:spcAft>
+                <a:spcPts val="0"/>
+              </a:spcAft>
+              <a:buClrTx/>
+              <a:buSzTx/>
+              <a:buFontTx/>
+              <a:buNone/>
+              <a:tabLst/>
+            </a:pPr>
+            <a:r>
+              <a:rPr lang="fr-FR" sz="3200" b="1" kern="0" dirty="0" smtClean="0">
+                <a:solidFill>
+                  <a:schemeClr val="accent6"/>
+                </a:solidFill>
+                <a:effectLst>
+                  <a:outerShdw blurRad="38100" dist="38100" dir="2700000" algn="tl">
+                    <a:srgbClr xmlns:mc="http://schemas.openxmlformats.org/markup-compatibility/2006" xmlns:a14="http://schemas.microsoft.com/office/drawing/2007/7/7/main" val="000000" mc:Ignorable="">
+                      <a:alpha val="43137"/>
+                    </a:srgbClr>
+                  </a:outerShdw>
+                </a:effectLst>
+                <a:latin typeface="+mn-lt"/>
+                <a:cs typeface="+mn-cs"/>
+              </a:rPr>
+              <a:t>System List</a:t>
+            </a:r>
+            <a:endParaRPr kumimoji="0" lang="fr-FR" sz="3200" b="1" i="0" u="none" strike="noStrike" kern="0" cap="none" spc="0" normalizeH="0" baseline="0" noProof="0" dirty="0" smtClean="0">
+              <a:ln>
+                <a:noFill/>
+              </a:ln>
+              <a:solidFill>
+                <a:schemeClr val="accent6"/>
+              </a:solidFill>
+              <a:effectLst>
+                <a:outerShdw blurRad="38100" dist="38100" dir="2700000" algn="tl">
+                  <a:srgbClr xmlns:mc="http://schemas.openxmlformats.org/markup-compatibility/2006" xmlns:a14="http://schemas.microsoft.com/office/drawing/2007/7/7/main" val="000000" mc:Ignorable="">
+                    <a:alpha val="43137"/>
+                  </a:srgbClr>
+                </a:outerShdw>
+              </a:effectLst>
+              <a:uLnTx/>
+              <a:uFillTx/>
+              <a:latin typeface="+mn-lt"/>
+              <a:cs typeface="+mn-cs"/>
+            </a:endParaRPr>
+          </a:p>
+        </p:txBody>
+      </p:sp>
+      <p:sp>
+        <p:nvSpPr>
+          <p:cNvPr id="7" name="TextBox 6"/>
+          <p:cNvSpPr txBox="1"/>
+          <p:nvPr/>
+        </p:nvSpPr>
+        <p:spPr>
+          <a:xfrm>
+            <a:off x="2915816" y="4597677"/>
+            <a:ext cx="3557384" cy="991041"/>
+          </a:xfrm>
+          <a:prstGeom prst="rect">
+            <a:avLst/>
+          </a:prstGeom>
+          <a:noFill/>
+          <a:ln>
+            <a:noFill/>
+          </a:ln>
+        </p:spPr>
+        <p:txBody>
+          <a:bodyPr wrap="none" rtlCol="0">
+            <a:spAutoFit/>
+          </a:bodyPr>
+          <a:lstStyle/>
+          <a:p>
+            <a:pPr marL="0" marR="0" indent="0" algn="ctr" defTabSz="914400" rtl="0" eaLnBrk="1" fontAlgn="auto" latinLnBrk="0" hangingPunct="1">
+              <a:lnSpc>
+                <a:spcPct val="100000"/>
+              </a:lnSpc>
+              <a:spcBef>
+                <a:spcPct val="20000"/>
+              </a:spcBef>
+              <a:spcAft>
+                <a:spcPts val="0"/>
+              </a:spcAft>
+              <a:buClrTx/>
+              <a:buSzTx/>
+              <a:buFontTx/>
+              <a:buNone/>
+              <a:tabLst/>
+            </a:pPr>
+            <a:r>
+              <a:rPr kumimoji="0" lang="fr-FR" sz="2000" b="1" i="0" u="none" strike="noStrike" kern="0" cap="none" spc="0" normalizeH="0" baseline="0" noProof="0" dirty="0" err="1" smtClean="0">
+                <a:ln>
+                  <a:noFill/>
+                </a:ln>
+                <a:solidFill>
+                  <a:schemeClr val="accent6"/>
+                </a:solidFill>
+                <a:effectLst/>
+                <a:uLnTx/>
+                <a:uFillTx/>
+                <a:latin typeface="+mn-lt"/>
+                <a:ea typeface="+mn-ea"/>
+                <a:cs typeface="+mn-cs"/>
+              </a:rPr>
+              <a:t>Screen</a:t>
+            </a:r>
+            <a:r>
+              <a:rPr kumimoji="0" lang="fr-FR" sz="2000" b="1" i="0" u="none" strike="noStrike" kern="0" cap="none" spc="0" normalizeH="0" baseline="0" noProof="0" dirty="0" smtClean="0">
+                <a:ln>
+                  <a:noFill/>
+                </a:ln>
+                <a:solidFill>
+                  <a:schemeClr val="accent6"/>
+                </a:solidFill>
+                <a:effectLst/>
+                <a:uLnTx/>
+                <a:uFillTx/>
+                <a:latin typeface="+mn-lt"/>
+                <a:ea typeface="+mn-ea"/>
+                <a:cs typeface="+mn-cs"/>
+              </a:rPr>
+              <a:t> 2</a:t>
+            </a:r>
+          </a:p>
+          <a:p>
+            <a:pPr marL="0" marR="0" indent="0" algn="ctr" defTabSz="914400" rtl="0" eaLnBrk="1" fontAlgn="auto" latinLnBrk="0" hangingPunct="1">
+              <a:lnSpc>
+                <a:spcPct val="100000"/>
+              </a:lnSpc>
+              <a:spcBef>
+                <a:spcPct val="20000"/>
+              </a:spcBef>
+              <a:spcAft>
+                <a:spcPts val="0"/>
+              </a:spcAft>
+              <a:buClrTx/>
+              <a:buSzTx/>
+              <a:buFontTx/>
+              <a:buNone/>
+              <a:tabLst/>
+            </a:pPr>
+            <a:r>
+              <a:rPr lang="fr-FR" sz="3200" b="1" kern="0" dirty="0" smtClean="0">
+                <a:solidFill>
+                  <a:schemeClr val="accent6"/>
+                </a:solidFill>
+                <a:effectLst>
+                  <a:outerShdw blurRad="38100" dist="38100" dir="2700000" algn="tl">
+                    <a:srgbClr xmlns:mc="http://schemas.openxmlformats.org/markup-compatibility/2006" xmlns:a14="http://schemas.microsoft.com/office/drawing/2007/7/7/main" val="000000" mc:Ignorable="">
+                      <a:alpha val="43137"/>
+                    </a:srgbClr>
+                  </a:outerShdw>
+                </a:effectLst>
+                <a:latin typeface="+mn-lt"/>
+                <a:cs typeface="+mn-cs"/>
+              </a:rPr>
+              <a:t>System Information</a:t>
+            </a:r>
+            <a:endParaRPr kumimoji="0" lang="fr-FR" sz="3200" b="1" i="0" u="none" strike="noStrike" kern="0" cap="none" spc="0" normalizeH="0" baseline="0" noProof="0" dirty="0" smtClean="0">
+              <a:ln>
+                <a:noFill/>
+              </a:ln>
+              <a:solidFill>
+                <a:schemeClr val="accent6"/>
+              </a:solidFill>
+              <a:effectLst>
+                <a:outerShdw blurRad="38100" dist="38100" dir="2700000" algn="tl">
+                  <a:srgbClr xmlns:mc="http://schemas.openxmlformats.org/markup-compatibility/2006" xmlns:a14="http://schemas.microsoft.com/office/drawing/2007/7/7/main" val="000000" mc:Ignorable="">
+                    <a:alpha val="43137"/>
+                  </a:srgbClr>
+                </a:outerShdw>
+              </a:effectLst>
+              <a:uLnTx/>
+              <a:uFillTx/>
+              <a:latin typeface="+mn-lt"/>
+              <a:cs typeface="+mn-cs"/>
+            </a:endParaRPr>
+          </a:p>
+        </p:txBody>
+      </p:sp>
+      <p:sp>
+        <p:nvSpPr>
+          <p:cNvPr id="8" name="TextBox 7"/>
+          <p:cNvSpPr txBox="1"/>
+          <p:nvPr/>
+        </p:nvSpPr>
+        <p:spPr>
+          <a:xfrm>
+            <a:off x="7161170" y="4597677"/>
+            <a:ext cx="1090363" cy="991041"/>
+          </a:xfrm>
+          <a:prstGeom prst="rect">
+            <a:avLst/>
+          </a:prstGeom>
+          <a:noFill/>
+          <a:ln>
+            <a:noFill/>
+          </a:ln>
+        </p:spPr>
+        <p:txBody>
+          <a:bodyPr wrap="none" rtlCol="0">
+            <a:spAutoFit/>
+          </a:bodyPr>
+          <a:lstStyle/>
+          <a:p>
+            <a:pPr marL="0" marR="0" indent="0" algn="ctr" defTabSz="914400" rtl="0" eaLnBrk="1" fontAlgn="auto" latinLnBrk="0" hangingPunct="1">
+              <a:lnSpc>
+                <a:spcPct val="100000"/>
+              </a:lnSpc>
+              <a:spcBef>
+                <a:spcPct val="20000"/>
+              </a:spcBef>
+              <a:spcAft>
+                <a:spcPts val="0"/>
+              </a:spcAft>
+              <a:buClrTx/>
+              <a:buSzTx/>
+              <a:buFontTx/>
+              <a:buNone/>
+              <a:tabLst/>
+            </a:pPr>
+            <a:r>
+              <a:rPr kumimoji="0" lang="fr-FR" sz="2000" b="1" i="0" u="none" strike="noStrike" kern="0" cap="none" spc="0" normalizeH="0" baseline="0" noProof="0" dirty="0" err="1" smtClean="0">
+                <a:ln>
+                  <a:noFill/>
+                </a:ln>
+                <a:solidFill>
+                  <a:schemeClr val="accent6"/>
+                </a:solidFill>
+                <a:effectLst/>
+                <a:uLnTx/>
+                <a:uFillTx/>
+                <a:latin typeface="+mn-lt"/>
+                <a:ea typeface="+mn-ea"/>
+                <a:cs typeface="+mn-cs"/>
+              </a:rPr>
+              <a:t>Screen</a:t>
+            </a:r>
+            <a:r>
+              <a:rPr kumimoji="0" lang="fr-FR" sz="2000" b="1" i="0" u="none" strike="noStrike" kern="0" cap="none" spc="0" normalizeH="0" baseline="0" noProof="0" dirty="0" smtClean="0">
+                <a:ln>
+                  <a:noFill/>
+                </a:ln>
+                <a:solidFill>
+                  <a:schemeClr val="accent6"/>
+                </a:solidFill>
+                <a:effectLst/>
+                <a:uLnTx/>
+                <a:uFillTx/>
+                <a:latin typeface="+mn-lt"/>
+                <a:ea typeface="+mn-ea"/>
+                <a:cs typeface="+mn-cs"/>
+              </a:rPr>
+              <a:t> 3</a:t>
+            </a:r>
+          </a:p>
+          <a:p>
+            <a:pPr marL="0" marR="0" indent="0" algn="ctr" defTabSz="914400" rtl="0" eaLnBrk="1" fontAlgn="auto" latinLnBrk="0" hangingPunct="1">
+              <a:lnSpc>
+                <a:spcPct val="100000"/>
+              </a:lnSpc>
+              <a:spcBef>
+                <a:spcPct val="20000"/>
+              </a:spcBef>
+              <a:spcAft>
+                <a:spcPts val="0"/>
+              </a:spcAft>
+              <a:buClrTx/>
+              <a:buSzTx/>
+              <a:buFontTx/>
+              <a:buNone/>
+              <a:tabLst/>
+            </a:pPr>
+            <a:r>
+              <a:rPr lang="fr-FR" sz="3200" b="1" kern="0" dirty="0" smtClean="0">
+                <a:solidFill>
+                  <a:schemeClr val="accent6"/>
+                </a:solidFill>
+                <a:effectLst>
+                  <a:outerShdw blurRad="38100" dist="38100" dir="2700000" algn="tl">
+                    <a:srgbClr xmlns:mc="http://schemas.openxmlformats.org/markup-compatibility/2006" xmlns:a14="http://schemas.microsoft.com/office/drawing/2007/7/7/main" val="000000" mc:Ignorable="">
+                      <a:alpha val="43137"/>
+                    </a:srgbClr>
+                  </a:outerShdw>
+                </a:effectLst>
+                <a:latin typeface="+mn-lt"/>
+                <a:cs typeface="+mn-cs"/>
+              </a:rPr>
+              <a:t>Logs</a:t>
+            </a:r>
+            <a:endParaRPr kumimoji="0" lang="fr-FR" sz="3200" b="1" i="0" u="none" strike="noStrike" kern="0" cap="none" spc="0" normalizeH="0" baseline="0" noProof="0" dirty="0" smtClean="0">
+              <a:ln>
+                <a:noFill/>
+              </a:ln>
+              <a:solidFill>
+                <a:schemeClr val="accent6"/>
+              </a:solidFill>
+              <a:effectLst>
+                <a:outerShdw blurRad="38100" dist="38100" dir="2700000" algn="tl">
+                  <a:srgbClr xmlns:mc="http://schemas.openxmlformats.org/markup-compatibility/2006" xmlns:a14="http://schemas.microsoft.com/office/drawing/2007/7/7/main" val="000000" mc:Ignorable="">
+                    <a:alpha val="43137"/>
+                  </a:srgbClr>
+                </a:outerShdw>
+              </a:effectLst>
+              <a:uLnTx/>
+              <a:uFillTx/>
+              <a:latin typeface="+mn-lt"/>
+              <a:cs typeface="+mn-cs"/>
+            </a:endParaRPr>
+          </a:p>
+        </p:txBody>
+      </p:sp>
+    </p:spTree>
+    <p:extLst>
+      <p:ext uri="{BB962C8B-B14F-4D97-AF65-F5344CB8AC3E}">
+        <p14:creationId xmlns:p14="http://schemas.microsoft.com/office/powerpoint/2007/7/12/main" val="578897846"/>
+      </p:ext>
+    </p:extLst>
+  </p:cSld>
+  <p:clrMapOvr>
+    <a:masterClrMapping/>
+  </p:clrMapOvr>
+  <p:timing>
+    <p:tnLst>
+      <p:par>
+        <p:cTn xmlns:p14="http://schemas.microsoft.com/office/powerpoint/2007/7/12/main" id="1" dur="indefinite" restart="never" nodeType="tmRoot"/>
+      </p:par>
+    </p:tnLst>
+  </p:timing>
+</p:sld>
+</file>
+
+<file path=ppt/slides/slide22.xml><?xml version="1.0" encoding="utf-8"?>
 <p:sld xmlns:a="http://schemas.openxmlformats.org/drawingml/2006/main" xmlns:r="http://schemas.openxmlformats.org/officeDocument/2006/relationships" xmlns:p="http://schemas.openxmlformats.org/presentationml/2006/main">
   <p:cSld>
     <p:spTree>
@@ -13271,7 +13929,7 @@
           <a:blip r:embed="rId2">
             <a:extLst>
               <a:ext uri="28A0092B-C50C-407e-A947-70E740481C1C">
-                <a14:useLocalDpi xmlns:a14="http://schemas.microsoft.com/office/drawing/2007/7/7/main" xmlns="" val="0"/>
+                <a14:useLocalDpi xmlns:a14="http://schemas.microsoft.com/office/drawing/2007/7/7/main" val="0"/>
               </a:ext>
             </a:extLst>
           </a:blip>
@@ -13291,7 +13949,7 @@
           <a:noFill/>
           <a:extLst>
             <a:ext uri="{909E8E84-426E-40dd-AFC4-6F175D3DCCD1}">
-              <a14:hiddenFill xmlns:a14="http://schemas.microsoft.com/office/drawing/2007/7/7/main" xmlns="">
+              <a14:hiddenFill xmlns:a14="http://schemas.microsoft.com/office/drawing/2007/7/7/main">
                 <a:solidFill>
                   <a:srgbClr xmlns:mc="http://schemas.openxmlformats.org/markup-compatibility/2006" val="FFFFFF" mc:Ignorable=""/>
                 </a:solidFill>
@@ -13303,7 +13961,7 @@
     </p:spTree>
     <p:extLst>
       <p:ext uri="{BB962C8B-B14F-4D97-AF65-F5344CB8AC3E}">
-        <p14:creationId xmlns:p14="http://schemas.microsoft.com/office/powerpoint/2007/7/12/main" xmlns="" val="2278854831"/>
+        <p14:creationId xmlns:p14="http://schemas.microsoft.com/office/powerpoint/2007/7/12/main" val="2278854831"/>
       </p:ext>
     </p:extLst>
   </p:cSld>
@@ -13313,14 +13971,14 @@
   <p:timing>
     <p:tnLst>
       <p:par>
-        <p:cTn id="1" dur="indefinite" restart="never" nodeType="tmRoot"/>
+        <p:cTn xmlns:p14="http://schemas.microsoft.com/office/powerpoint/2007/7/12/main" id="1" dur="indefinite" restart="never" nodeType="tmRoot"/>
       </p:par>
     </p:tnLst>
   </p:timing>
 </p:sld>
 </file>
 
-<file path=ppt/slides/slide21.xml><?xml version="1.0" encoding="utf-8"?>
+<file path=ppt/slides/slide23.xml><?xml version="1.0" encoding="utf-8"?>
 <p:sld xmlns:a="http://schemas.openxmlformats.org/drawingml/2006/main" xmlns:r="http://schemas.openxmlformats.org/officeDocument/2006/relationships" xmlns:p="http://schemas.openxmlformats.org/presentationml/2006/main">
   <p:cSld>
     <p:spTree>
@@ -13435,7 +14093,7 @@
           <a:blip r:embed="rId2">
             <a:extLst>
               <a:ext uri="28A0092B-C50C-407e-A947-70E740481C1C">
-                <a14:useLocalDpi xmlns:a14="http://schemas.microsoft.com/office/drawing/2007/7/7/main" xmlns="" val="0"/>
+                <a14:useLocalDpi xmlns:a14="http://schemas.microsoft.com/office/drawing/2007/7/7/main" val="0"/>
               </a:ext>
             </a:extLst>
           </a:blip>
@@ -13455,14 +14113,14 @@
           <a:noFill/>
           <a:extLst>
             <a:ext uri="{909E8E84-426E-40dd-AFC4-6F175D3DCCD1}">
-              <a14:hiddenFill xmlns:a14="http://schemas.microsoft.com/office/drawing/2007/7/7/main" xmlns="">
+              <a14:hiddenFill xmlns:a14="http://schemas.microsoft.com/office/drawing/2007/7/7/main">
                 <a:solidFill>
                   <a:srgbClr xmlns:mc="http://schemas.openxmlformats.org/markup-compatibility/2006" val="FFFFFF" mc:Ignorable=""/>
                 </a:solidFill>
               </a14:hiddenFill>
             </a:ext>
             <a:ext uri="{53640926-AAD7-44d8-BBD7-CCE9431645EC}">
-              <a14:shadowObscured xmlns:a14="http://schemas.microsoft.com/office/drawing/2007/7/7/main" xmlns="" val="1"/>
+              <a14:shadowObscured xmlns:a14="http://schemas.microsoft.com/office/drawing/2007/7/7/main" val="1"/>
             </a:ext>
           </a:extLst>
         </p:spPr>
@@ -13470,7 +14128,7 @@
     </p:spTree>
     <p:extLst>
       <p:ext uri="{BB962C8B-B14F-4D97-AF65-F5344CB8AC3E}">
-        <p14:creationId xmlns:p14="http://schemas.microsoft.com/office/powerpoint/2007/7/12/main" xmlns="" val="1829070041"/>
+        <p14:creationId xmlns:p14="http://schemas.microsoft.com/office/powerpoint/2007/7/12/main" val="1829070041"/>
       </p:ext>
     </p:extLst>
   </p:cSld>
@@ -13480,14 +14138,14 @@
   <p:timing>
     <p:tnLst>
       <p:par>
-        <p:cTn id="1" dur="indefinite" restart="never" nodeType="tmRoot"/>
+        <p:cTn xmlns:p14="http://schemas.microsoft.com/office/powerpoint/2007/7/12/main" id="1" dur="indefinite" restart="never" nodeType="tmRoot"/>
       </p:par>
     </p:tnLst>
   </p:timing>
 </p:sld>
 </file>
 
-<file path=ppt/slides/slide22.xml><?xml version="1.0" encoding="utf-8"?>
+<file path=ppt/slides/slide24.xml><?xml version="1.0" encoding="utf-8"?>
 <p:sld xmlns:a="http://schemas.openxmlformats.org/drawingml/2006/main" xmlns:r="http://schemas.openxmlformats.org/officeDocument/2006/relationships" xmlns:p="http://schemas.openxmlformats.org/presentationml/2006/main">
   <p:cSld>
     <p:spTree>
@@ -13602,7 +14260,7 @@
           <a:blip r:embed="rId2">
             <a:extLst>
               <a:ext uri="28A0092B-C50C-407e-A947-70E740481C1C">
-                <a14:useLocalDpi xmlns:a14="http://schemas.microsoft.com/office/drawing/2007/7/7/main" xmlns="" val="0"/>
+                <a14:useLocalDpi xmlns:a14="http://schemas.microsoft.com/office/drawing/2007/7/7/main" val="0"/>
               </a:ext>
             </a:extLst>
           </a:blip>
@@ -13622,7 +14280,7 @@
           <a:noFill/>
           <a:extLst>
             <a:ext uri="{909E8E84-426E-40dd-AFC4-6F175D3DCCD1}">
-              <a14:hiddenFill xmlns:a14="http://schemas.microsoft.com/office/drawing/2007/7/7/main" xmlns="">
+              <a14:hiddenFill xmlns:a14="http://schemas.microsoft.com/office/drawing/2007/7/7/main">
                 <a:solidFill>
                   <a:srgbClr xmlns:mc="http://schemas.openxmlformats.org/markup-compatibility/2006" val="FFFFFF" mc:Ignorable=""/>
                 </a:solidFill>
@@ -13634,7 +14292,7 @@
     </p:spTree>
     <p:extLst>
       <p:ext uri="{BB962C8B-B14F-4D97-AF65-F5344CB8AC3E}">
-        <p14:creationId xmlns:p14="http://schemas.microsoft.com/office/powerpoint/2007/7/12/main" xmlns="" val="1829070041"/>
+        <p14:creationId xmlns:p14="http://schemas.microsoft.com/office/powerpoint/2007/7/12/main" val="1829070041"/>
       </p:ext>
     </p:extLst>
   </p:cSld>
@@ -13644,14 +14302,14 @@
   <p:timing>
     <p:tnLst>
       <p:par>
-        <p:cTn id="1" dur="indefinite" restart="never" nodeType="tmRoot"/>
+        <p:cTn xmlns:p14="http://schemas.microsoft.com/office/powerpoint/2007/7/12/main" id="1" dur="indefinite" restart="never" nodeType="tmRoot"/>
       </p:par>
     </p:tnLst>
   </p:timing>
 </p:sld>
 </file>
 
-<file path=ppt/slides/slide23.xml><?xml version="1.0" encoding="utf-8"?>
+<file path=ppt/slides/slide25.xml><?xml version="1.0" encoding="utf-8"?>
 <p:sld xmlns:a="http://schemas.openxmlformats.org/drawingml/2006/main" xmlns:r="http://schemas.openxmlformats.org/officeDocument/2006/relationships" xmlns:p="http://schemas.openxmlformats.org/presentationml/2006/main">
   <p:cSld>
     <p:spTree>
@@ -13705,19 +14363,266 @@
             <p:ph type="body" sz="quarter" idx="10"/>
           </p:nvPr>
         </p:nvSpPr>
-        <p:spPr/>
+        <p:spPr>
+          <a:xfrm>
+            <a:off x="285750" y="1268760"/>
+            <a:ext cx="8643968" cy="5303490"/>
+          </a:xfrm>
+        </p:spPr>
         <p:txBody>
           <a:bodyPr/>
           <a:lstStyle/>
           <a:p>
-            <a:endParaRPr lang="fr-FR"/>
+            <a:pPr indent="0" eaLnBrk="1" hangingPunct="1">
+              <a:buSzPct val="100000"/>
+              <a:buNone/>
+            </a:pPr>
+            <a:r>
+              <a:rPr lang="en-US" altLang="ko-KR" sz="4000" b="1" dirty="0" smtClean="0">
+                <a:solidFill>
+                  <a:srgbClr xmlns:mc="http://schemas.openxmlformats.org/markup-compatibility/2006" xmlns:a14="http://schemas.microsoft.com/office/drawing/2007/7/7/main" val="C44F00" mc:Ignorable=""/>
+                </a:solidFill>
+                <a:effectLst>
+                  <a:outerShdw blurRad="38100" dist="38100" dir="2700000" algn="tl">
+                    <a:srgbClr xmlns:mc="http://schemas.openxmlformats.org/markup-compatibility/2006" xmlns:a14="http://schemas.microsoft.com/office/drawing/2007/7/7/main" val="000000" mc:Ignorable="">
+                      <a:alpha val="43137"/>
+                    </a:srgbClr>
+                  </a:outerShdw>
+                </a:effectLst>
+                <a:ea typeface="굴림" charset="-127"/>
+              </a:rPr>
+              <a:t>24</a:t>
+            </a:r>
+            <a:r>
+              <a:rPr lang="en-US" altLang="ko-KR" dirty="0" smtClean="0">
+                <a:ea typeface="굴림" charset="-127"/>
+              </a:rPr>
+              <a:t> 	Views has to be consistent from one to another</a:t>
+            </a:r>
+          </a:p>
+          <a:p>
+            <a:pPr indent="0" eaLnBrk="1" hangingPunct="1">
+              <a:buSzPct val="100000"/>
+              <a:buNone/>
+            </a:pPr>
+            <a:r>
+              <a:rPr lang="en-US" altLang="ko-KR" sz="4000" b="1" dirty="0">
+                <a:solidFill>
+                  <a:srgbClr xmlns:mc="http://schemas.openxmlformats.org/markup-compatibility/2006" xmlns:a14="http://schemas.microsoft.com/office/drawing/2007/7/7/main" val="C44F00" mc:Ignorable=""/>
+                </a:solidFill>
+                <a:effectLst>
+                  <a:outerShdw blurRad="38100" dist="38100" dir="2700000" algn="tl">
+                    <a:srgbClr xmlns:mc="http://schemas.openxmlformats.org/markup-compatibility/2006" xmlns:a14="http://schemas.microsoft.com/office/drawing/2007/7/7/main" val="000000" mc:Ignorable="">
+                      <a:alpha val="43137"/>
+                    </a:srgbClr>
+                  </a:outerShdw>
+                </a:effectLst>
+                <a:ea typeface="굴림" charset="-127"/>
+              </a:rPr>
+              <a:t>25</a:t>
+            </a:r>
+            <a:r>
+              <a:rPr lang="en-US" altLang="ko-KR" sz="3200" b="1" dirty="0" smtClean="0">
+                <a:solidFill>
+                  <a:srgbClr xmlns:mc="http://schemas.openxmlformats.org/markup-compatibility/2006" xmlns:a14="http://schemas.microsoft.com/office/drawing/2007/7/7/main" val="C44F00" mc:Ignorable=""/>
+                </a:solidFill>
+                <a:effectLst>
+                  <a:outerShdw blurRad="38100" dist="38100" dir="2700000" algn="tl">
+                    <a:srgbClr xmlns:mc="http://schemas.openxmlformats.org/markup-compatibility/2006" xmlns:a14="http://schemas.microsoft.com/office/drawing/2007/7/7/main" val="000000" mc:Ignorable="">
+                      <a:alpha val="43137"/>
+                    </a:srgbClr>
+                  </a:outerShdw>
+                </a:effectLst>
+                <a:ea typeface="굴림" charset="-127"/>
+              </a:rPr>
+              <a:t> 	</a:t>
+            </a:r>
+            <a:r>
+              <a:rPr lang="en-US" altLang="ko-KR" dirty="0" smtClean="0">
+                <a:ea typeface="굴림" charset="-127"/>
+              </a:rPr>
+              <a:t>Modification in one screen affect the others</a:t>
+            </a:r>
+          </a:p>
+          <a:p>
+            <a:pPr indent="0" eaLnBrk="1" hangingPunct="1">
+              <a:buSzPct val="100000"/>
+              <a:buNone/>
+            </a:pPr>
+            <a:r>
+              <a:rPr lang="en-US" altLang="ko-KR" sz="4000" b="1" dirty="0">
+                <a:solidFill>
+                  <a:srgbClr xmlns:mc="http://schemas.openxmlformats.org/markup-compatibility/2006" xmlns:a14="http://schemas.microsoft.com/office/drawing/2007/7/7/main" val="C44F00" mc:Ignorable=""/>
+                </a:solidFill>
+                <a:effectLst>
+                  <a:outerShdw blurRad="38100" dist="38100" dir="2700000" algn="tl">
+                    <a:srgbClr xmlns:mc="http://schemas.openxmlformats.org/markup-compatibility/2006" xmlns:a14="http://schemas.microsoft.com/office/drawing/2007/7/7/main" val="000000" mc:Ignorable="">
+                      <a:alpha val="43137"/>
+                    </a:srgbClr>
+                  </a:outerShdw>
+                </a:effectLst>
+                <a:ea typeface="굴림" charset="-127"/>
+              </a:rPr>
+              <a:t>15</a:t>
+            </a:r>
+            <a:r>
+              <a:rPr lang="en-US" altLang="ko-KR" dirty="0" smtClean="0">
+                <a:ea typeface="굴림" charset="-127"/>
+              </a:rPr>
+              <a:t> 	Concurrent activities</a:t>
+            </a:r>
+            <a:endParaRPr lang="en-US" altLang="ko-KR" b="1" dirty="0" smtClean="0">
+              <a:ea typeface="굴림" charset="-127"/>
+            </a:endParaRPr>
+          </a:p>
+          <a:p>
+            <a:pPr indent="0" eaLnBrk="1" hangingPunct="1">
+              <a:buSzPct val="100000"/>
+              <a:buNone/>
+            </a:pPr>
+            <a:r>
+              <a:rPr lang="en-US" altLang="ko-KR" sz="4000" b="1" dirty="0">
+                <a:solidFill>
+                  <a:srgbClr xmlns:mc="http://schemas.openxmlformats.org/markup-compatibility/2006" xmlns:a14="http://schemas.microsoft.com/office/drawing/2007/7/7/main" val="C44F00" mc:Ignorable=""/>
+                </a:solidFill>
+                <a:effectLst>
+                  <a:outerShdw blurRad="38100" dist="38100" dir="2700000" algn="tl">
+                    <a:srgbClr xmlns:mc="http://schemas.openxmlformats.org/markup-compatibility/2006" xmlns:a14="http://schemas.microsoft.com/office/drawing/2007/7/7/main" val="000000" mc:Ignorable="">
+                      <a:alpha val="43137"/>
+                    </a:srgbClr>
+                  </a:outerShdw>
+                </a:effectLst>
+                <a:ea typeface="굴림" charset="-127"/>
+              </a:rPr>
+              <a:t>16</a:t>
+            </a:r>
+            <a:r>
+              <a:rPr lang="en-US" altLang="ko-KR" dirty="0" smtClean="0">
+                <a:ea typeface="굴림" charset="-127"/>
+              </a:rPr>
+              <a:t> 	Navigation within a single view </a:t>
+            </a:r>
+            <a:endParaRPr lang="en-US" altLang="ko-KR" b="1" dirty="0" smtClean="0">
+              <a:ea typeface="굴림" charset="-127"/>
+            </a:endParaRPr>
+          </a:p>
+          <a:p>
+            <a:pPr indent="0" eaLnBrk="1" hangingPunct="1">
+              <a:buSzPct val="100000"/>
+              <a:buNone/>
+            </a:pPr>
+            <a:r>
+              <a:rPr lang="en-US" altLang="ko-KR" sz="4000" b="1" dirty="0">
+                <a:solidFill>
+                  <a:srgbClr xmlns:mc="http://schemas.openxmlformats.org/markup-compatibility/2006" xmlns:a14="http://schemas.microsoft.com/office/drawing/2007/7/7/main" val="C44F00" mc:Ignorable=""/>
+                </a:solidFill>
+                <a:effectLst>
+                  <a:outerShdw blurRad="38100" dist="38100" dir="2700000" algn="tl">
+                    <a:srgbClr xmlns:mc="http://schemas.openxmlformats.org/markup-compatibility/2006" xmlns:a14="http://schemas.microsoft.com/office/drawing/2007/7/7/main" val="000000" mc:Ignorable="">
+                      <a:alpha val="43137"/>
+                    </a:srgbClr>
+                  </a:outerShdw>
+                </a:effectLst>
+                <a:ea typeface="굴림" charset="-127"/>
+              </a:rPr>
+              <a:t>26</a:t>
+            </a:r>
+            <a:r>
+              <a:rPr lang="en-US" altLang="ko-KR" sz="2000" dirty="0" smtClean="0">
+                <a:ea typeface="굴림" charset="-127"/>
+              </a:rPr>
+              <a:t> </a:t>
+            </a:r>
+            <a:r>
+              <a:rPr lang="en-US" altLang="ko-KR" dirty="0" smtClean="0">
+                <a:ea typeface="굴림" charset="-127"/>
+              </a:rPr>
+              <a:t>	Displaying in different views &amp; ways</a:t>
+            </a:r>
+            <a:endParaRPr lang="en-US" altLang="ko-KR" b="1" dirty="0" smtClean="0">
+              <a:ea typeface="굴림" charset="-127"/>
+            </a:endParaRPr>
+          </a:p>
+          <a:p>
+            <a:pPr indent="0" eaLnBrk="1" hangingPunct="1">
+              <a:buSzPct val="100000"/>
+              <a:buNone/>
+            </a:pPr>
+            <a:r>
+              <a:rPr lang="en-US" altLang="ko-KR" sz="4000" b="1" dirty="0">
+                <a:solidFill>
+                  <a:srgbClr xmlns:mc="http://schemas.openxmlformats.org/markup-compatibility/2006" xmlns:a14="http://schemas.microsoft.com/office/drawing/2007/7/7/main" val="C44F00" mc:Ignorable=""/>
+                </a:solidFill>
+                <a:effectLst>
+                  <a:outerShdw blurRad="38100" dist="38100" dir="2700000" algn="tl">
+                    <a:srgbClr xmlns:mc="http://schemas.openxmlformats.org/markup-compatibility/2006" xmlns:a14="http://schemas.microsoft.com/office/drawing/2007/7/7/main" val="000000" mc:Ignorable="">
+                      <a:alpha val="43137"/>
+                    </a:srgbClr>
+                  </a:outerShdw>
+                </a:effectLst>
+                <a:ea typeface="굴림" charset="-127"/>
+              </a:rPr>
+              <a:t>03</a:t>
+            </a:r>
+            <a:r>
+              <a:rPr lang="en-US" altLang="ko-KR" sz="2000" dirty="0" smtClean="0">
+                <a:ea typeface="굴림" charset="-127"/>
+              </a:rPr>
+              <a:t> </a:t>
+            </a:r>
+            <a:r>
+              <a:rPr lang="en-US" altLang="ko-KR" dirty="0" smtClean="0">
+                <a:ea typeface="굴림" charset="-127"/>
+              </a:rPr>
+              <a:t>	Canceling actions</a:t>
+            </a:r>
+            <a:endParaRPr lang="en-US" altLang="ko-KR" b="1" dirty="0" smtClean="0">
+              <a:ea typeface="굴림" charset="-127"/>
+            </a:endParaRPr>
+          </a:p>
+          <a:p>
+            <a:pPr indent="0" eaLnBrk="1" hangingPunct="1">
+              <a:buSzPct val="100000"/>
+              <a:buNone/>
+            </a:pPr>
+            <a:r>
+              <a:rPr lang="en-US" altLang="ko-KR" sz="4000" b="1" dirty="0">
+                <a:solidFill>
+                  <a:srgbClr xmlns:mc="http://schemas.openxmlformats.org/markup-compatibility/2006" xmlns:a14="http://schemas.microsoft.com/office/drawing/2007/7/7/main" val="C44F00" mc:Ignorable=""/>
+                </a:solidFill>
+                <a:effectLst>
+                  <a:outerShdw blurRad="38100" dist="38100" dir="2700000" algn="tl">
+                    <a:srgbClr xmlns:mc="http://schemas.openxmlformats.org/markup-compatibility/2006" xmlns:a14="http://schemas.microsoft.com/office/drawing/2007/7/7/main" val="000000" mc:Ignorable="">
+                      <a:alpha val="43137"/>
+                    </a:srgbClr>
+                  </a:outerShdw>
+                </a:effectLst>
+                <a:ea typeface="굴림" charset="-127"/>
+              </a:rPr>
+              <a:t>19</a:t>
+            </a:r>
+            <a:r>
+              <a:rPr lang="en-US" altLang="ko-KR" dirty="0">
+                <a:ea typeface="굴림" charset="-127"/>
+              </a:rPr>
+              <a:t> </a:t>
+            </a:r>
+            <a:r>
+              <a:rPr lang="en-US" altLang="ko-KR" dirty="0" smtClean="0">
+                <a:ea typeface="굴림" charset="-127"/>
+              </a:rPr>
+              <a:t>	Display expected duration of any action</a:t>
+            </a:r>
+            <a:endParaRPr lang="en-US" altLang="ko-KR" b="1" dirty="0" smtClean="0">
+              <a:ea typeface="굴림" charset="-127"/>
+            </a:endParaRPr>
           </a:p>
         </p:txBody>
       </p:sp>
     </p:spTree>
     <p:extLst>
       <p:ext uri="{BB962C8B-B14F-4D97-AF65-F5344CB8AC3E}">
-        <p14:creationId xmlns:p14="http://schemas.microsoft.com/office/powerpoint/2007/7/12/main" xmlns="" val="1215991128"/>
+        <p14:creationId xmlns:p14="http://schemas.microsoft.com/office/powerpoint/2007/7/12/main" val="1215991128"/>
       </p:ext>
     </p:extLst>
   </p:cSld>
@@ -13727,14 +14632,14 @@
   <p:timing>
     <p:tnLst>
       <p:par>
-        <p:cTn id="1" dur="indefinite" restart="never" nodeType="tmRoot"/>
+        <p:cTn xmlns:p14="http://schemas.microsoft.com/office/powerpoint/2007/7/12/main" id="1" dur="indefinite" restart="never" nodeType="tmRoot"/>
       </p:par>
     </p:tnLst>
   </p:timing>
 </p:sld>
 </file>
 
-<file path=ppt/slides/slide24.xml><?xml version="1.0" encoding="utf-8"?>
+<file path=ppt/slides/slide26.xml><?xml version="1.0" encoding="utf-8"?>
 <p:sld xmlns:a="http://schemas.openxmlformats.org/drawingml/2006/main" xmlns:r="http://schemas.openxmlformats.org/officeDocument/2006/relationships" xmlns:p="http://schemas.openxmlformats.org/presentationml/2006/main">
   <p:cSld>
     <p:spTree>
@@ -13794,46 +14699,15 @@
           <a:bodyPr/>
           <a:lstStyle/>
           <a:p>
-            <a:r>
-              <a:rPr lang="fr-FR" dirty="0" err="1" smtClean="0"/>
-              <a:t>Problem</a:t>
-            </a:r>
-            <a:r>
-              <a:rPr lang="fr-FR" dirty="0" smtClean="0"/>
-              <a:t> frames </a:t>
-            </a:r>
-            <a:r>
-              <a:rPr lang="fr-FR" dirty="0" err="1" smtClean="0"/>
-              <a:t>provides</a:t>
-            </a:r>
-            <a:r>
-              <a:rPr lang="fr-FR" dirty="0" smtClean="0"/>
-              <a:t> us a new perspective </a:t>
-            </a:r>
-            <a:r>
-              <a:rPr lang="fr-FR" dirty="0" err="1" smtClean="0"/>
-              <a:t>around</a:t>
-            </a:r>
-            <a:r>
-              <a:rPr lang="fr-FR" dirty="0" smtClean="0"/>
-              <a:t> </a:t>
-            </a:r>
-            <a:r>
-              <a:rPr lang="fr-FR" dirty="0" err="1" smtClean="0"/>
-              <a:t>analysis</a:t>
-            </a:r>
-            <a:r>
-              <a:rPr lang="fr-FR" dirty="0" smtClean="0"/>
-              <a:t> </a:t>
-            </a:r>
-          </a:p>
-          <a:p>
             <a:endParaRPr lang="fr-FR" dirty="0" smtClean="0"/>
           </a:p>
           <a:p>
             <a:endParaRPr lang="fr-FR" dirty="0" smtClean="0"/>
           </a:p>
           <a:p>
+            <a:endParaRPr lang="fr-FR" dirty="0" smtClean="0"/>
+          </a:p>
+          <a:p>
             <a:endParaRPr lang="fr-FR" dirty="0"/>
           </a:p>
           <a:p>
@@ -13847,104 +14721,6 @@
           </a:p>
           <a:p>
             <a:endParaRPr lang="fr-FR" dirty="0" smtClean="0"/>
-          </a:p>
-          <a:p>
-            <a:r>
-              <a:rPr lang="fr-FR" dirty="0" err="1" smtClean="0"/>
-              <a:t>Problem</a:t>
-            </a:r>
-            <a:r>
-              <a:rPr lang="fr-FR" dirty="0" smtClean="0"/>
-              <a:t> frames technique </a:t>
-            </a:r>
-            <a:r>
-              <a:rPr lang="fr-FR" dirty="0" err="1" smtClean="0"/>
-              <a:t>provides</a:t>
-            </a:r>
-            <a:r>
-              <a:rPr lang="fr-FR" dirty="0" smtClean="0"/>
-              <a:t> patterns </a:t>
-            </a:r>
-            <a:r>
-              <a:rPr lang="fr-FR" dirty="0" err="1" smtClean="0"/>
-              <a:t>that</a:t>
-            </a:r>
-            <a:r>
-              <a:rPr lang="fr-FR" dirty="0" smtClean="0"/>
-              <a:t> </a:t>
-            </a:r>
-            <a:r>
-              <a:rPr lang="fr-FR" dirty="0" err="1" smtClean="0"/>
-              <a:t>allows</a:t>
-            </a:r>
-            <a:r>
-              <a:rPr lang="fr-FR" dirty="0" smtClean="0"/>
-              <a:t> us to </a:t>
-            </a:r>
-            <a:r>
-              <a:rPr lang="fr-FR" dirty="0" err="1" smtClean="0"/>
-              <a:t>identify</a:t>
-            </a:r>
-            <a:r>
-              <a:rPr lang="fr-FR" dirty="0" smtClean="0"/>
-              <a:t> </a:t>
-            </a:r>
-            <a:r>
-              <a:rPr lang="fr-FR" dirty="0" err="1" smtClean="0"/>
-              <a:t>each</a:t>
-            </a:r>
-            <a:r>
-              <a:rPr lang="fr-FR" dirty="0" smtClean="0"/>
-              <a:t> </a:t>
-            </a:r>
-            <a:r>
-              <a:rPr lang="fr-FR" dirty="0" err="1" smtClean="0"/>
-              <a:t>decomposed</a:t>
-            </a:r>
-            <a:r>
-              <a:rPr lang="fr-FR" dirty="0" smtClean="0"/>
-              <a:t> </a:t>
-            </a:r>
-            <a:r>
-              <a:rPr lang="fr-FR" dirty="0" err="1" smtClean="0"/>
-              <a:t>problem</a:t>
-            </a:r>
-            <a:r>
-              <a:rPr lang="fr-FR" dirty="0" smtClean="0"/>
-              <a:t> as a </a:t>
-            </a:r>
-            <a:r>
-              <a:rPr lang="fr-FR" dirty="0" err="1" smtClean="0"/>
-              <a:t>singular</a:t>
-            </a:r>
-            <a:r>
-              <a:rPr lang="fr-FR" dirty="0" smtClean="0"/>
-              <a:t> </a:t>
-            </a:r>
-            <a:r>
-              <a:rPr lang="fr-FR" dirty="0" err="1" smtClean="0"/>
-              <a:t>problem</a:t>
-            </a:r>
-            <a:r>
-              <a:rPr lang="fr-FR" dirty="0" smtClean="0"/>
-              <a:t> </a:t>
-            </a:r>
-            <a:r>
-              <a:rPr lang="fr-FR" dirty="0" err="1" smtClean="0"/>
-              <a:t>belonging</a:t>
-            </a:r>
-            <a:r>
-              <a:rPr lang="fr-FR" dirty="0" smtClean="0"/>
-              <a:t> to a </a:t>
-            </a:r>
-            <a:r>
-              <a:rPr lang="fr-FR" dirty="0" err="1" smtClean="0"/>
-              <a:t>standardized</a:t>
-            </a:r>
-            <a:r>
-              <a:rPr lang="fr-FR" dirty="0" smtClean="0"/>
-              <a:t> type</a:t>
-            </a:r>
           </a:p>
           <a:p>
             <a:endParaRPr lang="fr-FR" dirty="0" smtClean="0"/>
@@ -13965,7 +14741,7 @@
           <p:nvPr>
             <p:extLst>
               <p:ext uri="{D42A27DB-BD31-4B8C-83A1-F6EECF244321}">
-                <p14:modId xmlns:p14="http://schemas.microsoft.com/office/powerpoint/2007/7/12/main" xmlns="" val="1184675271"/>
+                <p14:modId xmlns:p14="http://schemas.microsoft.com/office/powerpoint/2007/7/12/main" val="1184675271"/>
               </p:ext>
             </p:extLst>
           </p:nvPr>
@@ -13983,7 +14759,7 @@
     </p:spTree>
     <p:extLst>
       <p:ext uri="{BB962C8B-B14F-4D97-AF65-F5344CB8AC3E}">
-        <p14:creationId xmlns:p14="http://schemas.microsoft.com/office/powerpoint/2007/7/12/main" xmlns="" val="454031538"/>
+        <p14:creationId xmlns:p14="http://schemas.microsoft.com/office/powerpoint/2007/7/12/main" val="454031538"/>
       </p:ext>
     </p:extLst>
   </p:cSld>
@@ -13993,14 +14769,14 @@
   <p:timing>
     <p:tnLst>
       <p:par>
-        <p:cTn id="1" dur="indefinite" restart="never" nodeType="tmRoot"/>
+        <p:cTn xmlns:p14="http://schemas.microsoft.com/office/powerpoint/2007/7/12/main" id="1" dur="indefinite" restart="never" nodeType="tmRoot"/>
       </p:par>
     </p:tnLst>
   </p:timing>
 </p:sld>
 </file>
 
-<file path=ppt/slides/slide25.xml><?xml version="1.0" encoding="utf-8"?>
+<file path=ppt/slides/slide27.xml><?xml version="1.0" encoding="utf-8"?>
 <p:sld xmlns:a="http://schemas.openxmlformats.org/drawingml/2006/main" xmlns:r="http://schemas.openxmlformats.org/officeDocument/2006/relationships" xmlns:p="http://schemas.openxmlformats.org/presentationml/2006/main">
   <p:cSld>
     <p:spTree>
@@ -14047,11 +14823,11 @@
             <a:r>
               <a:rPr altLang="ko-KR" smtClean="0">
                 <a:solidFill>
-                  <a:srgbClr val="C44F00"/>
+                  <a:srgbClr xmlns:mc="http://schemas.openxmlformats.org/markup-compatibility/2006" xmlns:a14="http://schemas.microsoft.com/office/drawing/2007/7/7/main" val="C44F00" mc:Ignorable=""/>
                 </a:solidFill>
                 <a:effectLst>
                   <a:outerShdw blurRad="38100" dist="38100" dir="2700000" algn="tl">
-                    <a:srgbClr val="C0C0C0"/>
+                    <a:srgbClr xmlns:mc="http://schemas.openxmlformats.org/markup-compatibility/2006" xmlns:a14="http://schemas.microsoft.com/office/drawing/2007/7/7/main" val="C0C0C0" mc:Ignorable=""/>
                   </a:outerShdw>
                 </a:effectLst>
                 <a:ea typeface="굴림" charset="-127"/>
@@ -14066,11 +14842,11 @@
             <a:r>
               <a:rPr altLang="ko-KR" smtClean="0">
                 <a:solidFill>
-                  <a:srgbClr val="595959"/>
+                  <a:srgbClr xmlns:mc="http://schemas.openxmlformats.org/markup-compatibility/2006" xmlns:a14="http://schemas.microsoft.com/office/drawing/2007/7/7/main" val="595959" mc:Ignorable=""/>
                 </a:solidFill>
                 <a:effectLst>
                   <a:outerShdw blurRad="38100" dist="38100" dir="2700000" algn="tl">
-                    <a:srgbClr val="C0C0C0"/>
+                    <a:srgbClr xmlns:mc="http://schemas.openxmlformats.org/markup-compatibility/2006" xmlns:a14="http://schemas.microsoft.com/office/drawing/2007/7/7/main" val="C0C0C0" mc:Ignorable=""/>
                   </a:outerShdw>
                 </a:effectLst>
                 <a:ea typeface="굴림" charset="-127"/>
@@ -14085,11 +14861,11 @@
             <a:r>
               <a:rPr altLang="ko-KR" smtClean="0">
                 <a:solidFill>
-                  <a:srgbClr val="595959"/>
+                  <a:srgbClr xmlns:mc="http://schemas.openxmlformats.org/markup-compatibility/2006" xmlns:a14="http://schemas.microsoft.com/office/drawing/2007/7/7/main" val="595959" mc:Ignorable=""/>
                 </a:solidFill>
                 <a:effectLst>
                   <a:outerShdw blurRad="38100" dist="38100" dir="2700000" algn="tl">
-                    <a:srgbClr val="C0C0C0"/>
+                    <a:srgbClr xmlns:mc="http://schemas.openxmlformats.org/markup-compatibility/2006" xmlns:a14="http://schemas.microsoft.com/office/drawing/2007/7/7/main" val="C0C0C0" mc:Ignorable=""/>
                   </a:outerShdw>
                 </a:effectLst>
                 <a:ea typeface="굴림" charset="-127"/>
@@ -14103,11 +14879,11 @@
             </a:pPr>
             <a:endParaRPr altLang="ko-KR" smtClean="0">
               <a:solidFill>
-                <a:srgbClr val="8F481E"/>
+                <a:srgbClr xmlns:mc="http://schemas.openxmlformats.org/markup-compatibility/2006" xmlns:a14="http://schemas.microsoft.com/office/drawing/2007/7/7/main" val="8F481E" mc:Ignorable=""/>
               </a:solidFill>
               <a:effectLst>
                 <a:outerShdw blurRad="38100" dist="38100" dir="2700000" algn="tl">
-                  <a:srgbClr val="C0C0C0"/>
+                  <a:srgbClr xmlns:mc="http://schemas.openxmlformats.org/markup-compatibility/2006" xmlns:a14="http://schemas.microsoft.com/office/drawing/2007/7/7/main" val="C0C0C0" mc:Ignorable=""/>
                 </a:outerShdw>
               </a:effectLst>
               <a:ea typeface="굴림" charset="-127"/>
@@ -14152,7 +14928,7 @@
                 </a:ln>
                 <a:effectLst>
                   <a:outerShdw blurRad="38100" dist="38100" dir="2700000" algn="tl">
-                    <a:srgbClr val="000000">
+                    <a:srgbClr xmlns:mc="http://schemas.openxmlformats.org/markup-compatibility/2006" xmlns:a14="http://schemas.microsoft.com/office/drawing/2007/7/7/main" val="000000" mc:Ignorable="">
                       <a:alpha val="43137"/>
                     </a:srgbClr>
                   </a:outerShdw>
@@ -14170,7 +14946,7 @@
                 </a:solidFill>
                 <a:effectLst>
                   <a:outerShdw blurRad="38100" dist="38100" dir="2700000" algn="tl">
-                    <a:srgbClr val="000000">
+                    <a:srgbClr xmlns:mc="http://schemas.openxmlformats.org/markup-compatibility/2006" xmlns:a14="http://schemas.microsoft.com/office/drawing/2007/7/7/main" val="000000" mc:Ignorable="">
                       <a:alpha val="43137"/>
                     </a:srgbClr>
                   </a:outerShdw>
@@ -14188,7 +14964,7 @@
                 </a:solidFill>
                 <a:effectLst>
                   <a:outerShdw blurRad="38100" dist="38100" dir="2700000" algn="tl">
-                    <a:srgbClr val="000000">
+                    <a:srgbClr xmlns:mc="http://schemas.openxmlformats.org/markup-compatibility/2006" xmlns:a14="http://schemas.microsoft.com/office/drawing/2007/7/7/main" val="000000" mc:Ignorable="">
                       <a:alpha val="43137"/>
                     </a:srgbClr>
                   </a:outerShdw>
@@ -14205,7 +14981,7 @@
                 </a:solidFill>
                 <a:effectLst>
                   <a:outerShdw blurRad="38100" dist="38100" dir="2700000" algn="tl">
-                    <a:srgbClr val="000000">
+                    <a:srgbClr xmlns:mc="http://schemas.openxmlformats.org/markup-compatibility/2006" xmlns:a14="http://schemas.microsoft.com/office/drawing/2007/7/7/main" val="000000" mc:Ignorable="">
                       <a:alpha val="43137"/>
                     </a:srgbClr>
                   </a:outerShdw>
@@ -14225,7 +15001,7 @@
                 </a:solidFill>
                 <a:effectLst>
                   <a:outerShdw blurRad="38100" dist="38100" dir="2700000" algn="tl">
-                    <a:srgbClr val="000000">
+                    <a:srgbClr xmlns:mc="http://schemas.openxmlformats.org/markup-compatibility/2006" xmlns:a14="http://schemas.microsoft.com/office/drawing/2007/7/7/main" val="000000" mc:Ignorable="">
                       <a:alpha val="43137"/>
                     </a:srgbClr>
                   </a:outerShdw>
@@ -14244,7 +15020,7 @@
               </a:solidFill>
               <a:effectLst>
                 <a:outerShdw blurRad="38100" dist="38100" dir="2700000" algn="tl">
-                  <a:srgbClr val="000000">
+                  <a:srgbClr xmlns:mc="http://schemas.openxmlformats.org/markup-compatibility/2006" xmlns:a14="http://schemas.microsoft.com/office/drawing/2007/7/7/main" val="000000" mc:Ignorable="">
                     <a:alpha val="43137"/>
                   </a:srgbClr>
                 </a:outerShdw>
@@ -14310,7 +15086,7 @@
             </a:avLst>
           </a:prstGeom>
           <a:solidFill>
-            <a:srgbClr val="FFFFFF">
+            <a:srgbClr xmlns:mc="http://schemas.openxmlformats.org/markup-compatibility/2006" xmlns:a14="http://schemas.microsoft.com/office/drawing/2007/7/7/main" val="FFFFFF" mc:Ignorable="">
               <a:shade val="85000"/>
             </a:srgbClr>
           </a:solidFill>
@@ -14348,7 +15124,7 @@
             </a:avLst>
           </a:prstGeom>
           <a:solidFill>
-            <a:srgbClr val="FFFFFF">
+            <a:srgbClr xmlns:mc="http://schemas.openxmlformats.org/markup-compatibility/2006" xmlns:a14="http://schemas.microsoft.com/office/drawing/2007/7/7/main" val="FFFFFF" mc:Ignorable="">
               <a:shade val="85000"/>
             </a:srgbClr>
           </a:solidFill>
@@ -14403,7 +15179,7 @@
               <a:rPr lang="fr-FR" sz="2400" b="1" dirty="0" smtClean="0">
                 <a:effectLst>
                   <a:outerShdw blurRad="38100" dist="38100" dir="2700000" algn="tl">
-                    <a:srgbClr val="000000">
+                    <a:srgbClr xmlns:mc="http://schemas.openxmlformats.org/markup-compatibility/2006" xmlns:a14="http://schemas.microsoft.com/office/drawing/2007/7/7/main" val="000000" mc:Ignorable="">
                       <a:alpha val="43137"/>
                     </a:srgbClr>
                   </a:outerShdw>
@@ -14422,14 +15198,14 @@
   <p:timing>
     <p:tnLst>
       <p:par>
-        <p:cTn id="1" dur="indefinite" restart="never" nodeType="tmRoot"/>
+        <p:cTn xmlns:p14="http://schemas.microsoft.com/office/powerpoint/2007/7/12/main" id="1" dur="indefinite" restart="never" nodeType="tmRoot"/>
       </p:par>
     </p:tnLst>
   </p:timing>
 </p:sld>
 </file>
 
-<file path=ppt/slides/slide26.xml><?xml version="1.0" encoding="utf-8"?>
+<file path=ppt/slides/slide28.xml><?xml version="1.0" encoding="utf-8"?>
 <p:sld xmlns:a="http://schemas.openxmlformats.org/drawingml/2006/main" xmlns:r="http://schemas.openxmlformats.org/officeDocument/2006/relationships" xmlns:p="http://schemas.openxmlformats.org/presentationml/2006/main">
   <p:cSld>
     <p:spTree>
@@ -14638,7 +15414,7 @@
   <p:timing>
     <p:tnLst>
       <p:par>
-        <p:cTn id="1" dur="indefinite" restart="never" nodeType="tmRoot"/>
+        <p:cTn xmlns:p14="http://schemas.microsoft.com/office/powerpoint/2007/7/12/main" id="1" dur="indefinite" restart="never" nodeType="tmRoot"/>
       </p:par>
     </p:tnLst>
   </p:timing>
@@ -14764,16 +15540,16 @@
               <a:defRPr lang="fr-FR" sz="3600" b="0" cap="none" spc="0">
                 <a:ln w="18415" cmpd="sng">
                   <a:solidFill>
-                    <a:srgbClr val="FFFFFF"/>
+                    <a:srgbClr xmlns:mc="http://schemas.openxmlformats.org/markup-compatibility/2006" xmlns:a14="http://schemas.microsoft.com/office/drawing/2007/7/7/main" val="FFFFFF" mc:Ignorable=""/>
                   </a:solidFill>
                   <a:prstDash val="solid"/>
                 </a:ln>
                 <a:solidFill>
-                  <a:srgbClr val="FFFFFF"/>
+                  <a:srgbClr xmlns:mc="http://schemas.openxmlformats.org/markup-compatibility/2006" xmlns:a14="http://schemas.microsoft.com/office/drawing/2007/7/7/main" val="FFFFFF" mc:Ignorable=""/>
                 </a:solidFill>
                 <a:effectLst>
                   <a:outerShdw blurRad="63500" dir="3600000" algn="tl" rotWithShape="0">
-                    <a:srgbClr val="000000">
+                    <a:srgbClr xmlns:mc="http://schemas.openxmlformats.org/markup-compatibility/2006" xmlns:a14="http://schemas.microsoft.com/office/drawing/2007/7/7/main" val="000000" mc:Ignorable="">
                       <a:alpha val="70000"/>
                     </a:srgbClr>
                   </a:outerShdw>
@@ -14911,7 +15687,7 @@
           <a:p>
             <a:pPr indent="273050" eaLnBrk="1" hangingPunct="1">
               <a:buClr>
-                <a:srgbClr val="C44F00"/>
+                <a:srgbClr xmlns:mc="http://schemas.openxmlformats.org/markup-compatibility/2006" xmlns:a14="http://schemas.microsoft.com/office/drawing/2007/7/7/main" val="C44F00" mc:Ignorable=""/>
               </a:buClr>
               <a:buFont typeface="Calibri" pitchFamily="34" charset="0"/>
               <a:buAutoNum type="arabicPeriod"/>
@@ -14933,7 +15709,7 @@
           <a:p>
             <a:pPr indent="273050" eaLnBrk="1" hangingPunct="1">
               <a:buClr>
-                <a:srgbClr val="C44F00"/>
+                <a:srgbClr xmlns:mc="http://schemas.openxmlformats.org/markup-compatibility/2006" xmlns:a14="http://schemas.microsoft.com/office/drawing/2007/7/7/main" val="C44F00" mc:Ignorable=""/>
               </a:buClr>
               <a:buFont typeface="Calibri" pitchFamily="34" charset="0"/>
               <a:buAutoNum type="arabicPeriod"/>
@@ -14952,7 +15728,7 @@
           <a:p>
             <a:pPr indent="273050" eaLnBrk="1" hangingPunct="1">
               <a:buClr>
-                <a:srgbClr val="C44F00"/>
+                <a:srgbClr xmlns:mc="http://schemas.openxmlformats.org/markup-compatibility/2006" xmlns:a14="http://schemas.microsoft.com/office/drawing/2007/7/7/main" val="C44F00" mc:Ignorable=""/>
               </a:buClr>
               <a:buFont typeface="Calibri" pitchFamily="34" charset="0"/>
               <a:buAutoNum type="arabicPeriod"/>
@@ -14974,7 +15750,7 @@
           <a:p>
             <a:pPr indent="273050" eaLnBrk="1" hangingPunct="1">
               <a:buClr>
-                <a:srgbClr val="C44F00"/>
+                <a:srgbClr xmlns:mc="http://schemas.openxmlformats.org/markup-compatibility/2006" xmlns:a14="http://schemas.microsoft.com/office/drawing/2007/7/7/main" val="C44F00" mc:Ignorable=""/>
               </a:buClr>
               <a:buFont typeface="Calibri" pitchFamily="34" charset="0"/>
               <a:buAutoNum type="arabicPeriod"/>
@@ -14993,7 +15769,7 @@
           <a:p>
             <a:pPr indent="273050" eaLnBrk="1" hangingPunct="1">
               <a:buClr>
-                <a:srgbClr val="C44F00"/>
+                <a:srgbClr xmlns:mc="http://schemas.openxmlformats.org/markup-compatibility/2006" xmlns:a14="http://schemas.microsoft.com/office/drawing/2007/7/7/main" val="C44F00" mc:Ignorable=""/>
               </a:buClr>
               <a:buFont typeface="Calibri" pitchFamily="34" charset="0"/>
               <a:buAutoNum type="arabicPeriod"/>
@@ -15015,7 +15791,7 @@
           <a:p>
             <a:pPr indent="273050" eaLnBrk="1" hangingPunct="1">
               <a:buClr>
-                <a:srgbClr val="C44F00"/>
+                <a:srgbClr xmlns:mc="http://schemas.openxmlformats.org/markup-compatibility/2006" xmlns:a14="http://schemas.microsoft.com/office/drawing/2007/7/7/main" val="C44F00" mc:Ignorable=""/>
               </a:buClr>
               <a:buFont typeface="Calibri" pitchFamily="34" charset="0"/>
               <a:buAutoNum type="arabicPeriod"/>
@@ -15034,7 +15810,7 @@
           <a:p>
             <a:pPr indent="273050" eaLnBrk="1" hangingPunct="1">
               <a:buClr>
-                <a:srgbClr val="C44F00"/>
+                <a:srgbClr xmlns:mc="http://schemas.openxmlformats.org/markup-compatibility/2006" xmlns:a14="http://schemas.microsoft.com/office/drawing/2007/7/7/main" val="C44F00" mc:Ignorable=""/>
               </a:buClr>
               <a:buFont typeface="Calibri" pitchFamily="34" charset="0"/>
               <a:buAutoNum type="arabicPeriod"/>
@@ -15090,7 +15866,7 @@
             </a:avLst>
           </a:prstGeom>
           <a:solidFill>
-            <a:srgbClr val="FFFFFF">
+            <a:srgbClr xmlns:mc="http://schemas.openxmlformats.org/markup-compatibility/2006" xmlns:a14="http://schemas.microsoft.com/office/drawing/2007/7/7/main" val="FFFFFF" mc:Ignorable="">
               <a:shade val="85000"/>
             </a:srgbClr>
           </a:solidFill>
@@ -15110,7 +15886,7 @@
     </p:spTree>
     <p:extLst>
       <p:ext uri="{BB962C8B-B14F-4D97-AF65-F5344CB8AC3E}">
-        <p14:creationId xmlns:p14="http://schemas.microsoft.com/office/powerpoint/2007/7/12/main" xmlns="" val="2996111515"/>
+        <p14:creationId xmlns:p14="http://schemas.microsoft.com/office/powerpoint/2007/7/12/main" val="2996111515"/>
       </p:ext>
     </p:extLst>
   </p:cSld>
@@ -15120,7 +15896,7 @@
   <p:timing>
     <p:tnLst>
       <p:par>
-        <p:cTn id="1" dur="indefinite" restart="never" nodeType="tmRoot"/>
+        <p:cTn xmlns:p14="http://schemas.microsoft.com/office/powerpoint/2007/7/12/main" id="1" dur="indefinite" restart="never" nodeType="tmRoot"/>
       </p:par>
     </p:tnLst>
   </p:timing>
@@ -15167,6 +15943,14 @@
               <a:rPr lang="fr-FR" dirty="0" err="1" smtClean="0"/>
               <a:t>purpose</a:t>
             </a:r>
+            <a:r>
+              <a:rPr lang="fr-FR" dirty="0" smtClean="0"/>
+              <a:t> &amp; </a:t>
+            </a:r>
+            <a:r>
+              <a:rPr lang="fr-FR" dirty="0" err="1" smtClean="0"/>
+              <a:t>requirements</a:t>
+            </a:r>
             <a:endParaRPr lang="fr-FR" dirty="0"/>
           </a:p>
         </p:txBody>
@@ -15186,14 +15970,207 @@
           <a:bodyPr/>
           <a:lstStyle/>
           <a:p>
-            <a:endParaRPr lang="fr-FR"/>
+            <a:r>
+              <a:rPr lang="en-US" b="1" dirty="0" smtClean="0"/>
+              <a:t>F</a:t>
+            </a:r>
+            <a:r>
+              <a:rPr lang="en-US" dirty="0" smtClean="0"/>
+              <a:t>ault </a:t>
+            </a:r>
+            <a:r>
+              <a:rPr lang="en-US" b="1" dirty="0"/>
+              <a:t>D</a:t>
+            </a:r>
+            <a:r>
+              <a:rPr lang="en-US" dirty="0"/>
+              <a:t>etection, </a:t>
+            </a:r>
+            <a:r>
+              <a:rPr lang="en-US" b="1" dirty="0"/>
+              <a:t>I</a:t>
+            </a:r>
+            <a:r>
+              <a:rPr lang="en-US" dirty="0"/>
+              <a:t>solation and </a:t>
+            </a:r>
+            <a:r>
+              <a:rPr lang="en-US" b="1" dirty="0"/>
+              <a:t>R</a:t>
+            </a:r>
+            <a:r>
+              <a:rPr lang="en-US" dirty="0"/>
+              <a:t>ecovery system (</a:t>
+            </a:r>
+            <a:r>
+              <a:rPr lang="en-US" b="1" dirty="0"/>
+              <a:t>FDIR</a:t>
+            </a:r>
+            <a:r>
+              <a:rPr lang="en-US" dirty="0" smtClean="0"/>
+              <a:t>) system is monitoring systems for spacecraft. </a:t>
+            </a:r>
+          </a:p>
+          <a:p>
+            <a:endParaRPr lang="en-US" dirty="0"/>
+          </a:p>
+          <a:p>
+            <a:r>
+              <a:rPr lang="en-US" dirty="0" smtClean="0"/>
+              <a:t>FDIR</a:t>
+            </a:r>
+          </a:p>
+          <a:p>
+            <a:pPr lvl="1"/>
+            <a:r>
+              <a:rPr lang="en-US" dirty="0"/>
+              <a:t>Guarantee the completion of any time critical </a:t>
+            </a:r>
+            <a:r>
+              <a:rPr lang="en-US" dirty="0" smtClean="0"/>
+              <a:t>activities</a:t>
+            </a:r>
+          </a:p>
+          <a:p>
+            <a:pPr lvl="1"/>
+            <a:r>
+              <a:rPr lang="fr-FR" dirty="0" err="1" smtClean="0"/>
+              <a:t>Provide</a:t>
+            </a:r>
+            <a:r>
+              <a:rPr lang="fr-FR" dirty="0" smtClean="0"/>
+              <a:t> </a:t>
+            </a:r>
+            <a:r>
+              <a:rPr lang="fr-FR" dirty="0" err="1" smtClean="0"/>
+              <a:t>manual</a:t>
+            </a:r>
+            <a:r>
+              <a:rPr lang="fr-FR" dirty="0" smtClean="0"/>
+              <a:t> control</a:t>
+            </a:r>
+          </a:p>
+          <a:p>
+            <a:pPr lvl="1"/>
+            <a:r>
+              <a:rPr lang="fr-FR" dirty="0" smtClean="0"/>
+              <a:t>Display information </a:t>
+            </a:r>
+            <a:r>
+              <a:rPr lang="fr-FR" dirty="0" err="1" smtClean="0"/>
+              <a:t>continuously</a:t>
+            </a:r>
+            <a:endParaRPr lang="fr-FR" dirty="0" smtClean="0"/>
+          </a:p>
+          <a:p>
+            <a:pPr lvl="1"/>
+            <a:r>
+              <a:rPr lang="fr-FR" dirty="0" err="1" smtClean="0"/>
+              <a:t>Collect</a:t>
+            </a:r>
+            <a:r>
+              <a:rPr lang="fr-FR" dirty="0" smtClean="0"/>
+              <a:t> data to data </a:t>
+            </a:r>
+            <a:r>
+              <a:rPr lang="fr-FR" dirty="0" err="1" smtClean="0"/>
+              <a:t>storage</a:t>
+            </a:r>
+            <a:endParaRPr lang="fr-FR" dirty="0" smtClean="0"/>
+          </a:p>
+          <a:p>
+            <a:pPr lvl="1"/>
+            <a:r>
+              <a:rPr lang="fr-FR" dirty="0" err="1" smtClean="0"/>
+              <a:t>Locate</a:t>
+            </a:r>
+            <a:r>
+              <a:rPr lang="fr-FR" dirty="0" smtClean="0"/>
+              <a:t> the </a:t>
+            </a:r>
+            <a:r>
+              <a:rPr lang="fr-FR" dirty="0" err="1" smtClean="0"/>
+              <a:t>fault</a:t>
+            </a:r>
+            <a:endParaRPr lang="fr-FR" dirty="0" smtClean="0"/>
+          </a:p>
+          <a:p>
+            <a:pPr lvl="1"/>
+            <a:r>
+              <a:rPr lang="fr-FR" dirty="0" smtClean="0"/>
+              <a:t>Store </a:t>
+            </a:r>
+            <a:r>
+              <a:rPr lang="fr-FR" dirty="0" err="1" smtClean="0"/>
+              <a:t>irresolvable</a:t>
+            </a:r>
+            <a:r>
+              <a:rPr lang="fr-FR" dirty="0" smtClean="0"/>
+              <a:t> conditions in reports</a:t>
+            </a:r>
+          </a:p>
+          <a:p>
+            <a:pPr lvl="1"/>
+            <a:r>
+              <a:rPr lang="fr-FR" dirty="0" err="1" smtClean="0"/>
+              <a:t>Automatic</a:t>
+            </a:r>
+            <a:r>
+              <a:rPr lang="fr-FR" dirty="0" smtClean="0"/>
+              <a:t> </a:t>
+            </a:r>
+            <a:r>
+              <a:rPr lang="fr-FR" dirty="0" err="1" smtClean="0"/>
+              <a:t>recovery</a:t>
+            </a:r>
+            <a:r>
+              <a:rPr lang="fr-FR" dirty="0" smtClean="0"/>
+              <a:t> to </a:t>
+            </a:r>
+            <a:r>
+              <a:rPr lang="fr-FR" dirty="0" err="1" smtClean="0"/>
+              <a:t>failure</a:t>
+            </a:r>
+            <a:endParaRPr lang="fr-FR" dirty="0" smtClean="0"/>
+          </a:p>
+          <a:p>
+            <a:pPr lvl="1"/>
+            <a:r>
+              <a:rPr lang="fr-FR" dirty="0" err="1" smtClean="0"/>
+              <a:t>Keep</a:t>
+            </a:r>
+            <a:r>
+              <a:rPr lang="fr-FR" dirty="0" smtClean="0"/>
+              <a:t> the control </a:t>
+            </a:r>
+            <a:r>
+              <a:rPr lang="en-US" dirty="0" smtClean="0"/>
+              <a:t>with </a:t>
+            </a:r>
+            <a:r>
+              <a:rPr lang="en-US" dirty="0"/>
+              <a:t>safety, </a:t>
+            </a:r>
+            <a:r>
+              <a:rPr lang="en-US" dirty="0" err="1"/>
+              <a:t>observability</a:t>
+            </a:r>
+            <a:r>
+              <a:rPr lang="en-US" dirty="0"/>
+              <a:t> &amp; </a:t>
+            </a:r>
+            <a:r>
+              <a:rPr lang="en-US" dirty="0" err="1"/>
+              <a:t>commandability</a:t>
+            </a:r>
+            <a:endParaRPr lang="fr-FR" dirty="0"/>
           </a:p>
         </p:txBody>
       </p:sp>
     </p:spTree>
     <p:extLst>
       <p:ext uri="{BB962C8B-B14F-4D97-AF65-F5344CB8AC3E}">
-        <p14:creationId xmlns:p14="http://schemas.microsoft.com/office/powerpoint/2007/7/12/main" xmlns="" val="3707259682"/>
+        <p14:creationId xmlns:p14="http://schemas.microsoft.com/office/powerpoint/2007/7/12/main" val="3707259682"/>
       </p:ext>
     </p:extLst>
   </p:cSld>
@@ -15203,7 +16180,7 @@
   <p:timing>
     <p:tnLst>
       <p:par>
-        <p:cTn id="1" dur="indefinite" restart="never" nodeType="tmRoot"/>
+        <p:cTn xmlns:p14="http://schemas.microsoft.com/office/powerpoint/2007/7/12/main" id="1" dur="indefinite" restart="never" nodeType="tmRoot"/>
       </p:par>
     </p:tnLst>
   </p:timing>
@@ -15211,105 +16188,6 @@
 </file>
 
 <file path=ppt/slides/slide5.xml><?xml version="1.0" encoding="utf-8"?>
-<p:sld xmlns:a="http://schemas.openxmlformats.org/drawingml/2006/main" xmlns:r="http://schemas.openxmlformats.org/officeDocument/2006/relationships" xmlns:p="http://schemas.openxmlformats.org/presentationml/2006/main">
-  <p:cSld>
-    <p:spTree>
-      <p:nvGrpSpPr>
-        <p:cNvPr id="1" name=""/>
-        <p:cNvGrpSpPr/>
-        <p:nvPr/>
-      </p:nvGrpSpPr>
-      <p:grpSpPr>
-        <a:xfrm>
-          <a:off x="0" y="0"/>
-          <a:ext cx="0" cy="0"/>
-          <a:chOff x="0" y="0"/>
-          <a:chExt cx="0" cy="0"/>
-        </a:xfrm>
-      </p:grpSpPr>
-      <p:sp>
-        <p:nvSpPr>
-          <p:cNvPr id="2" name="Title 1"/>
-          <p:cNvSpPr>
-            <a:spLocks noGrp="1"/>
-          </p:cNvSpPr>
-          <p:nvPr>
-            <p:ph type="ctrTitle"/>
-          </p:nvPr>
-        </p:nvSpPr>
-        <p:spPr/>
-        <p:txBody>
-          <a:bodyPr/>
-          <a:lstStyle/>
-          <a:p>
-            <a:r>
-              <a:rPr lang="fr-FR" dirty="0" smtClean="0"/>
-              <a:t>System </a:t>
-            </a:r>
-            <a:r>
-              <a:rPr lang="fr-FR" dirty="0" err="1" smtClean="0"/>
-              <a:t>requirements</a:t>
-            </a:r>
-            <a:endParaRPr lang="fr-FR" dirty="0"/>
-          </a:p>
-        </p:txBody>
-      </p:sp>
-      <p:sp>
-        <p:nvSpPr>
-          <p:cNvPr id="3" name="Text Placeholder 2"/>
-          <p:cNvSpPr>
-            <a:spLocks noGrp="1"/>
-          </p:cNvSpPr>
-          <p:nvPr>
-            <p:ph type="body" sz="quarter" idx="10"/>
-          </p:nvPr>
-        </p:nvSpPr>
-        <p:spPr>
-          <a:xfrm>
-            <a:off x="285750" y="1005830"/>
-            <a:ext cx="8643968" cy="5447506"/>
-          </a:xfrm>
-        </p:spPr>
-        <p:txBody>
-          <a:bodyPr/>
-          <a:lstStyle/>
-          <a:p>
-            <a:pPr lvl="1"/>
-            <a:endParaRPr lang="fr-FR" dirty="0"/>
-          </a:p>
-          <a:p>
-            <a:endParaRPr lang="fr-FR" dirty="0" smtClean="0"/>
-          </a:p>
-          <a:p>
-            <a:pPr lvl="1"/>
-            <a:endParaRPr lang="fr-FR" dirty="0" smtClean="0"/>
-          </a:p>
-          <a:p>
-            <a:endParaRPr lang="fr-FR" dirty="0" smtClean="0"/>
-          </a:p>
-        </p:txBody>
-      </p:sp>
-    </p:spTree>
-    <p:extLst>
-      <p:ext uri="{BB962C8B-B14F-4D97-AF65-F5344CB8AC3E}">
-        <p14:creationId xmlns:p14="http://schemas.microsoft.com/office/powerpoint/2007/7/12/main" xmlns="" val="3819095931"/>
-      </p:ext>
-    </p:extLst>
-  </p:cSld>
-  <p:clrMapOvr>
-    <a:masterClrMapping/>
-  </p:clrMapOvr>
-  <p:timing>
-    <p:tnLst>
-      <p:par>
-        <p:cTn id="1" dur="indefinite" restart="never" nodeType="tmRoot"/>
-      </p:par>
-    </p:tnLst>
-  </p:timing>
-</p:sld>
-</file>
-
-<file path=ppt/slides/slide6.xml><?xml version="1.0" encoding="utf-8"?>
 <p:sld xmlns:a="http://schemas.openxmlformats.org/drawingml/2006/main" xmlns:r="http://schemas.openxmlformats.org/officeDocument/2006/relationships" xmlns:p="http://schemas.openxmlformats.org/presentationml/2006/main">
   <p:cSld>
     <p:spTree>
@@ -15562,7 +16440,7 @@
                 <a:spcPct val="0"/>
               </a:spcAft>
               <a:buClr>
-                <a:srgbClr val="DA7E18"/>
+                <a:srgbClr xmlns:mc="http://schemas.openxmlformats.org/markup-compatibility/2006" xmlns:a14="http://schemas.microsoft.com/office/drawing/2007/7/7/main" val="DA7E18" mc:Ignorable=""/>
               </a:buClr>
               <a:buSzPct val="70000"/>
               <a:buFont typeface="Wingdings" pitchFamily="2" charset="2"/>
@@ -15584,7 +16462,7 @@
                 <a:spcPct val="0"/>
               </a:spcAft>
               <a:buClr>
-                <a:srgbClr val="E5AB1B"/>
+                <a:srgbClr xmlns:mc="http://schemas.openxmlformats.org/markup-compatibility/2006" xmlns:a14="http://schemas.microsoft.com/office/drawing/2007/7/7/main" val="E5AB1B" mc:Ignorable=""/>
               </a:buClr>
               <a:buSzPct val="70000"/>
               <a:buFont typeface="Wingdings" pitchFamily="2" charset="2"/>
@@ -15966,7 +16844,7 @@
                 <a:spcPct val="0"/>
               </a:spcAft>
               <a:buClr>
-                <a:srgbClr val="DA7E18"/>
+                <a:srgbClr xmlns:mc="http://schemas.openxmlformats.org/markup-compatibility/2006" xmlns:a14="http://schemas.microsoft.com/office/drawing/2007/7/7/main" val="DA7E18" mc:Ignorable=""/>
               </a:buClr>
               <a:buSzPct val="70000"/>
               <a:buFont typeface="Wingdings" pitchFamily="2" charset="2"/>
@@ -15988,7 +16866,7 @@
                 <a:spcPct val="0"/>
               </a:spcAft>
               <a:buClr>
-                <a:srgbClr val="E5AB1B"/>
+                <a:srgbClr xmlns:mc="http://schemas.openxmlformats.org/markup-compatibility/2006" xmlns:a14="http://schemas.microsoft.com/office/drawing/2007/7/7/main" val="E5AB1B" mc:Ignorable=""/>
               </a:buClr>
               <a:buSzPct val="70000"/>
               <a:buFont typeface="Wingdings" pitchFamily="2" charset="2"/>
@@ -16186,7 +17064,7 @@
                 <a:spcPct val="0"/>
               </a:spcAft>
               <a:buClr>
-                <a:srgbClr val="DA7E18"/>
+                <a:srgbClr xmlns:mc="http://schemas.openxmlformats.org/markup-compatibility/2006" xmlns:a14="http://schemas.microsoft.com/office/drawing/2007/7/7/main" val="DA7E18" mc:Ignorable=""/>
               </a:buClr>
               <a:buSzPct val="70000"/>
               <a:buFont typeface="Wingdings" pitchFamily="2" charset="2"/>
@@ -16208,7 +17086,7 @@
                 <a:spcPct val="0"/>
               </a:spcAft>
               <a:buClr>
-                <a:srgbClr val="E5AB1B"/>
+                <a:srgbClr xmlns:mc="http://schemas.openxmlformats.org/markup-compatibility/2006" xmlns:a14="http://schemas.microsoft.com/office/drawing/2007/7/7/main" val="E5AB1B" mc:Ignorable=""/>
               </a:buClr>
               <a:buSzPct val="70000"/>
               <a:buFont typeface="Wingdings" pitchFamily="2" charset="2"/>
@@ -16406,7 +17284,7 @@
                 <a:spcPct val="0"/>
               </a:spcAft>
               <a:buClr>
-                <a:srgbClr val="DA7E18"/>
+                <a:srgbClr xmlns:mc="http://schemas.openxmlformats.org/markup-compatibility/2006" xmlns:a14="http://schemas.microsoft.com/office/drawing/2007/7/7/main" val="DA7E18" mc:Ignorable=""/>
               </a:buClr>
               <a:buSzPct val="70000"/>
               <a:buFont typeface="Wingdings" pitchFamily="2" charset="2"/>
@@ -16428,7 +17306,7 @@
                 <a:spcPct val="0"/>
               </a:spcAft>
               <a:buClr>
-                <a:srgbClr val="E5AB1B"/>
+                <a:srgbClr xmlns:mc="http://schemas.openxmlformats.org/markup-compatibility/2006" xmlns:a14="http://schemas.microsoft.com/office/drawing/2007/7/7/main" val="E5AB1B" mc:Ignorable=""/>
               </a:buClr>
               <a:buSzPct val="70000"/>
               <a:buFont typeface="Wingdings" pitchFamily="2" charset="2"/>
@@ -16621,7 +17499,7 @@
                 <a:spcPct val="0"/>
               </a:spcAft>
               <a:buClr>
-                <a:srgbClr val="DA7E18"/>
+                <a:srgbClr xmlns:mc="http://schemas.openxmlformats.org/markup-compatibility/2006" xmlns:a14="http://schemas.microsoft.com/office/drawing/2007/7/7/main" val="DA7E18" mc:Ignorable=""/>
               </a:buClr>
               <a:buSzPct val="70000"/>
               <a:buFont typeface="Wingdings" pitchFamily="2" charset="2"/>
@@ -16643,7 +17521,7 @@
                 <a:spcPct val="0"/>
               </a:spcAft>
               <a:buClr>
-                <a:srgbClr val="E5AB1B"/>
+                <a:srgbClr xmlns:mc="http://schemas.openxmlformats.org/markup-compatibility/2006" xmlns:a14="http://schemas.microsoft.com/office/drawing/2007/7/7/main" val="E5AB1B" mc:Ignorable=""/>
               </a:buClr>
               <a:buSzPct val="70000"/>
               <a:buFont typeface="Wingdings" pitchFamily="2" charset="2"/>
@@ -16820,7 +17698,7 @@
                 <a:spcPct val="0"/>
               </a:spcAft>
               <a:buClr>
-                <a:srgbClr val="DA7E18"/>
+                <a:srgbClr xmlns:mc="http://schemas.openxmlformats.org/markup-compatibility/2006" xmlns:a14="http://schemas.microsoft.com/office/drawing/2007/7/7/main" val="DA7E18" mc:Ignorable=""/>
               </a:buClr>
               <a:buSzPct val="70000"/>
               <a:buFont typeface="Wingdings" pitchFamily="2" charset="2"/>
@@ -16842,7 +17720,7 @@
                 <a:spcPct val="0"/>
               </a:spcAft>
               <a:buClr>
-                <a:srgbClr val="E5AB1B"/>
+                <a:srgbClr xmlns:mc="http://schemas.openxmlformats.org/markup-compatibility/2006" xmlns:a14="http://schemas.microsoft.com/office/drawing/2007/7/7/main" val="E5AB1B" mc:Ignorable=""/>
               </a:buClr>
               <a:buSzPct val="70000"/>
               <a:buFont typeface="Wingdings" pitchFamily="2" charset="2"/>
@@ -16981,7 +17859,7 @@
     </p:spTree>
     <p:extLst>
       <p:ext uri="{BB962C8B-B14F-4D97-AF65-F5344CB8AC3E}">
-        <p14:creationId xmlns:p14="http://schemas.microsoft.com/office/powerpoint/2007/7/12/main" xmlns="" val="1726127084"/>
+        <p14:creationId xmlns:p14="http://schemas.microsoft.com/office/powerpoint/2007/7/12/main" val="1726127084"/>
       </p:ext>
     </p:extLst>
   </p:cSld>
@@ -16991,14 +17869,14 @@
   <p:timing>
     <p:tnLst>
       <p:par>
-        <p:cTn id="1" dur="indefinite" restart="never" nodeType="tmRoot"/>
+        <p:cTn xmlns:p14="http://schemas.microsoft.com/office/powerpoint/2007/7/12/main" id="1" dur="indefinite" restart="never" nodeType="tmRoot"/>
       </p:par>
     </p:tnLst>
   </p:timing>
 </p:sld>
 </file>
 
-<file path=ppt/slides/slide7.xml><?xml version="1.0" encoding="utf-8"?>
+<file path=ppt/slides/slide6.xml><?xml version="1.0" encoding="utf-8"?>
 <p:sld xmlns:a="http://schemas.openxmlformats.org/drawingml/2006/main" xmlns:r="http://schemas.openxmlformats.org/officeDocument/2006/relationships" xmlns:p="http://schemas.openxmlformats.org/presentationml/2006/main">
   <p:cSld>
     <p:spTree>
@@ -17611,7 +18489,7 @@
                 <a:spcPct val="0"/>
               </a:spcAft>
               <a:buClr>
-                <a:srgbClr val="DA7E18"/>
+                <a:srgbClr xmlns:mc="http://schemas.openxmlformats.org/markup-compatibility/2006" xmlns:a14="http://schemas.microsoft.com/office/drawing/2007/7/7/main" val="DA7E18" mc:Ignorable=""/>
               </a:buClr>
               <a:buSzPct val="70000"/>
               <a:buFont typeface="Wingdings" pitchFamily="2" charset="2"/>
@@ -17633,7 +18511,7 @@
                 <a:spcPct val="0"/>
               </a:spcAft>
               <a:buClr>
-                <a:srgbClr val="E5AB1B"/>
+                <a:srgbClr xmlns:mc="http://schemas.openxmlformats.org/markup-compatibility/2006" xmlns:a14="http://schemas.microsoft.com/office/drawing/2007/7/7/main" val="E5AB1B" mc:Ignorable=""/>
               </a:buClr>
               <a:buSzPct val="70000"/>
               <a:buFont typeface="Wingdings" pitchFamily="2" charset="2"/>
@@ -17810,7 +18688,7 @@
                 <a:spcPct val="0"/>
               </a:spcAft>
               <a:buClr>
-                <a:srgbClr val="DA7E18"/>
+                <a:srgbClr xmlns:mc="http://schemas.openxmlformats.org/markup-compatibility/2006" xmlns:a14="http://schemas.microsoft.com/office/drawing/2007/7/7/main" val="DA7E18" mc:Ignorable=""/>
               </a:buClr>
               <a:buSzPct val="70000"/>
               <a:buFont typeface="Wingdings" pitchFamily="2" charset="2"/>
@@ -17832,7 +18710,7 @@
                 <a:spcPct val="0"/>
               </a:spcAft>
               <a:buClr>
-                <a:srgbClr val="E5AB1B"/>
+                <a:srgbClr xmlns:mc="http://schemas.openxmlformats.org/markup-compatibility/2006" xmlns:a14="http://schemas.microsoft.com/office/drawing/2007/7/7/main" val="E5AB1B" mc:Ignorable=""/>
               </a:buClr>
               <a:buSzPct val="70000"/>
               <a:buFont typeface="Wingdings" pitchFamily="2" charset="2"/>
@@ -18206,7 +19084,7 @@
                 <a:spcPct val="0"/>
               </a:spcAft>
               <a:buClr>
-                <a:srgbClr val="DA7E18"/>
+                <a:srgbClr xmlns:mc="http://schemas.openxmlformats.org/markup-compatibility/2006" xmlns:a14="http://schemas.microsoft.com/office/drawing/2007/7/7/main" val="DA7E18" mc:Ignorable=""/>
               </a:buClr>
               <a:buSzPct val="70000"/>
               <a:buFont typeface="Wingdings" pitchFamily="2" charset="2"/>
@@ -18228,7 +19106,7 @@
                 <a:spcPct val="0"/>
               </a:spcAft>
               <a:buClr>
-                <a:srgbClr val="E5AB1B"/>
+                <a:srgbClr xmlns:mc="http://schemas.openxmlformats.org/markup-compatibility/2006" xmlns:a14="http://schemas.microsoft.com/office/drawing/2007/7/7/main" val="E5AB1B" mc:Ignorable=""/>
               </a:buClr>
               <a:buSzPct val="70000"/>
               <a:buFont typeface="Wingdings" pitchFamily="2" charset="2"/>
@@ -18404,7 +19282,7 @@
                 <a:spcPct val="0"/>
               </a:spcAft>
               <a:buClr>
-                <a:srgbClr val="DA7E18"/>
+                <a:srgbClr xmlns:mc="http://schemas.openxmlformats.org/markup-compatibility/2006" xmlns:a14="http://schemas.microsoft.com/office/drawing/2007/7/7/main" val="DA7E18" mc:Ignorable=""/>
               </a:buClr>
               <a:buSzPct val="70000"/>
               <a:buFont typeface="Wingdings" pitchFamily="2" charset="2"/>
@@ -18426,7 +19304,7 @@
                 <a:spcPct val="0"/>
               </a:spcAft>
               <a:buClr>
-                <a:srgbClr val="E5AB1B"/>
+                <a:srgbClr xmlns:mc="http://schemas.openxmlformats.org/markup-compatibility/2006" xmlns:a14="http://schemas.microsoft.com/office/drawing/2007/7/7/main" val="E5AB1B" mc:Ignorable=""/>
               </a:buClr>
               <a:buSzPct val="70000"/>
               <a:buFont typeface="Wingdings" pitchFamily="2" charset="2"/>
@@ -18787,7 +19665,7 @@
                 </a:solidFill>
                 <a:effectLst>
                   <a:outerShdw blurRad="38100" dist="38100" dir="2700000" algn="tl">
-                    <a:srgbClr val="000000">
+                    <a:srgbClr xmlns:mc="http://schemas.openxmlformats.org/markup-compatibility/2006" xmlns:a14="http://schemas.microsoft.com/office/drawing/2007/7/7/main" val="000000" mc:Ignorable="">
                       <a:alpha val="43137"/>
                     </a:srgbClr>
                   </a:outerShdw>
@@ -18804,7 +19682,7 @@
                 </a:solidFill>
                 <a:effectLst>
                   <a:outerShdw blurRad="38100" dist="38100" dir="2700000" algn="tl">
-                    <a:srgbClr val="000000">
+                    <a:srgbClr xmlns:mc="http://schemas.openxmlformats.org/markup-compatibility/2006" xmlns:a14="http://schemas.microsoft.com/office/drawing/2007/7/7/main" val="000000" mc:Ignorable="">
                       <a:alpha val="43137"/>
                     </a:srgbClr>
                   </a:outerShdw>
@@ -18821,7 +19699,7 @@
                 </a:solidFill>
                 <a:effectLst>
                   <a:outerShdw blurRad="38100" dist="38100" dir="2700000" algn="tl">
-                    <a:srgbClr val="000000">
+                    <a:srgbClr xmlns:mc="http://schemas.openxmlformats.org/markup-compatibility/2006" xmlns:a14="http://schemas.microsoft.com/office/drawing/2007/7/7/main" val="000000" mc:Ignorable="">
                       <a:alpha val="43137"/>
                     </a:srgbClr>
                   </a:outerShdw>
@@ -18838,7 +19716,7 @@
                 </a:solidFill>
                 <a:effectLst>
                   <a:outerShdw blurRad="38100" dist="38100" dir="2700000" algn="tl">
-                    <a:srgbClr val="000000">
+                    <a:srgbClr xmlns:mc="http://schemas.openxmlformats.org/markup-compatibility/2006" xmlns:a14="http://schemas.microsoft.com/office/drawing/2007/7/7/main" val="000000" mc:Ignorable="">
                       <a:alpha val="43137"/>
                     </a:srgbClr>
                   </a:outerShdw>
@@ -18878,7 +19756,7 @@
     </p:spTree>
     <p:extLst>
       <p:ext uri="{BB962C8B-B14F-4D97-AF65-F5344CB8AC3E}">
-        <p14:creationId xmlns:p14="http://schemas.microsoft.com/office/powerpoint/2007/7/12/main" xmlns="" val="2769818375"/>
+        <p14:creationId xmlns:p14="http://schemas.microsoft.com/office/powerpoint/2007/7/12/main" val="2769818375"/>
       </p:ext>
     </p:extLst>
   </p:cSld>
@@ -18888,14 +19766,14 @@
   <p:timing>
     <p:tnLst>
       <p:par>
-        <p:cTn id="1" dur="indefinite" restart="never" nodeType="tmRoot"/>
+        <p:cTn xmlns:p14="http://schemas.microsoft.com/office/powerpoint/2007/7/12/main" id="1" dur="indefinite" restart="never" nodeType="tmRoot"/>
       </p:par>
     </p:tnLst>
   </p:timing>
 </p:sld>
 </file>
 
-<file path=ppt/slides/slide8.xml><?xml version="1.0" encoding="utf-8"?>
+<file path=ppt/slides/slide7.xml><?xml version="1.0" encoding="utf-8"?>
 <p:sld xmlns:a="http://schemas.openxmlformats.org/drawingml/2006/main" xmlns:r="http://schemas.openxmlformats.org/officeDocument/2006/relationships" xmlns:p="http://schemas.openxmlformats.org/presentationml/2006/main">
   <p:cSld>
     <p:spTree>
@@ -19040,7 +19918,7 @@
                 </a:solidFill>
                 <a:effectLst>
                   <a:outerShdw blurRad="38100" dist="38100" dir="2700000" algn="tl">
-                    <a:srgbClr val="000000">
+                    <a:srgbClr xmlns:mc="http://schemas.openxmlformats.org/markup-compatibility/2006" xmlns:a14="http://schemas.microsoft.com/office/drawing/2007/7/7/main" val="000000" mc:Ignorable="">
                       <a:alpha val="43137"/>
                     </a:srgbClr>
                   </a:outerShdw>
@@ -19596,7 +20474,7 @@
                 <a:spcPct val="0"/>
               </a:spcAft>
               <a:buClr>
-                <a:srgbClr val="DA7E18"/>
+                <a:srgbClr xmlns:mc="http://schemas.openxmlformats.org/markup-compatibility/2006" xmlns:a14="http://schemas.microsoft.com/office/drawing/2007/7/7/main" val="DA7E18" mc:Ignorable=""/>
               </a:buClr>
               <a:buSzPct val="70000"/>
               <a:buFont typeface="Wingdings" pitchFamily="2" charset="2"/>
@@ -19618,7 +20496,7 @@
                 <a:spcPct val="0"/>
               </a:spcAft>
               <a:buClr>
-                <a:srgbClr val="E5AB1B"/>
+                <a:srgbClr xmlns:mc="http://schemas.openxmlformats.org/markup-compatibility/2006" xmlns:a14="http://schemas.microsoft.com/office/drawing/2007/7/7/main" val="E5AB1B" mc:Ignorable=""/>
               </a:buClr>
               <a:buSzPct val="70000"/>
               <a:buFont typeface="Wingdings" pitchFamily="2" charset="2"/>
@@ -19795,7 +20673,7 @@
                 <a:spcPct val="0"/>
               </a:spcAft>
               <a:buClr>
-                <a:srgbClr val="DA7E18"/>
+                <a:srgbClr xmlns:mc="http://schemas.openxmlformats.org/markup-compatibility/2006" xmlns:a14="http://schemas.microsoft.com/office/drawing/2007/7/7/main" val="DA7E18" mc:Ignorable=""/>
               </a:buClr>
               <a:buSzPct val="70000"/>
               <a:buFont typeface="Wingdings" pitchFamily="2" charset="2"/>
@@ -19817,7 +20695,7 @@
                 <a:spcPct val="0"/>
               </a:spcAft>
               <a:buClr>
-                <a:srgbClr val="E5AB1B"/>
+                <a:srgbClr xmlns:mc="http://schemas.openxmlformats.org/markup-compatibility/2006" xmlns:a14="http://schemas.microsoft.com/office/drawing/2007/7/7/main" val="E5AB1B" mc:Ignorable=""/>
               </a:buClr>
               <a:buSzPct val="70000"/>
               <a:buFont typeface="Wingdings" pitchFamily="2" charset="2"/>
@@ -20195,7 +21073,7 @@
                 <a:spcPct val="0"/>
               </a:spcAft>
               <a:buClr>
-                <a:srgbClr val="DA7E18"/>
+                <a:srgbClr xmlns:mc="http://schemas.openxmlformats.org/markup-compatibility/2006" xmlns:a14="http://schemas.microsoft.com/office/drawing/2007/7/7/main" val="DA7E18" mc:Ignorable=""/>
               </a:buClr>
               <a:buSzPct val="70000"/>
               <a:buFont typeface="Wingdings" pitchFamily="2" charset="2"/>
@@ -20217,7 +21095,7 @@
                 <a:spcPct val="0"/>
               </a:spcAft>
               <a:buClr>
-                <a:srgbClr val="E5AB1B"/>
+                <a:srgbClr xmlns:mc="http://schemas.openxmlformats.org/markup-compatibility/2006" xmlns:a14="http://schemas.microsoft.com/office/drawing/2007/7/7/main" val="E5AB1B" mc:Ignorable=""/>
               </a:buClr>
               <a:buSzPct val="70000"/>
               <a:buFont typeface="Wingdings" pitchFamily="2" charset="2"/>
@@ -20397,7 +21275,7 @@
                 <a:spcPct val="0"/>
               </a:spcAft>
               <a:buClr>
-                <a:srgbClr val="DA7E18"/>
+                <a:srgbClr xmlns:mc="http://schemas.openxmlformats.org/markup-compatibility/2006" xmlns:a14="http://schemas.microsoft.com/office/drawing/2007/7/7/main" val="DA7E18" mc:Ignorable=""/>
               </a:buClr>
               <a:buSzPct val="70000"/>
               <a:buFont typeface="Wingdings" pitchFamily="2" charset="2"/>
@@ -20419,7 +21297,7 @@
                 <a:spcPct val="0"/>
               </a:spcAft>
               <a:buClr>
-                <a:srgbClr val="E5AB1B"/>
+                <a:srgbClr xmlns:mc="http://schemas.openxmlformats.org/markup-compatibility/2006" xmlns:a14="http://schemas.microsoft.com/office/drawing/2007/7/7/main" val="E5AB1B" mc:Ignorable=""/>
               </a:buClr>
               <a:buSzPct val="70000"/>
               <a:buFont typeface="Wingdings" pitchFamily="2" charset="2"/>
@@ -20741,7 +21619,7 @@
     </p:spTree>
     <p:extLst>
       <p:ext uri="{BB962C8B-B14F-4D97-AF65-F5344CB8AC3E}">
-        <p14:creationId xmlns:p14="http://schemas.microsoft.com/office/powerpoint/2007/7/12/main" xmlns="" val="2463560530"/>
+        <p14:creationId xmlns:p14="http://schemas.microsoft.com/office/powerpoint/2007/7/12/main" val="2463560530"/>
       </p:ext>
     </p:extLst>
   </p:cSld>
@@ -20751,14 +21629,14 @@
   <p:timing>
     <p:tnLst>
       <p:par>
-        <p:cTn id="1" dur="indefinite" restart="never" nodeType="tmRoot"/>
+        <p:cTn xmlns:p14="http://schemas.microsoft.com/office/powerpoint/2007/7/12/main" id="1" dur="indefinite" restart="never" nodeType="tmRoot"/>
       </p:par>
     </p:tnLst>
   </p:timing>
 </p:sld>
 </file>
 
-<file path=ppt/slides/slide9.xml><?xml version="1.0" encoding="utf-8"?>
+<file path=ppt/slides/slide8.xml><?xml version="1.0" encoding="utf-8"?>
 <p:sld xmlns:a="http://schemas.openxmlformats.org/drawingml/2006/main" xmlns:r="http://schemas.openxmlformats.org/officeDocument/2006/relationships" xmlns:p="http://schemas.openxmlformats.org/presentationml/2006/main">
   <p:cSld>
     <p:spTree>
@@ -20903,7 +21781,7 @@
                 </a:solidFill>
                 <a:effectLst>
                   <a:outerShdw blurRad="38100" dist="38100" dir="2700000" algn="tl">
-                    <a:srgbClr val="000000">
+                    <a:srgbClr xmlns:mc="http://schemas.openxmlformats.org/markup-compatibility/2006" xmlns:a14="http://schemas.microsoft.com/office/drawing/2007/7/7/main" val="000000" mc:Ignorable="">
                       <a:alpha val="43137"/>
                     </a:srgbClr>
                   </a:outerShdw>
@@ -21477,7 +22355,7 @@
                 <a:spcPct val="0"/>
               </a:spcAft>
               <a:buClr>
-                <a:srgbClr val="DA7E18"/>
+                <a:srgbClr xmlns:mc="http://schemas.openxmlformats.org/markup-compatibility/2006" xmlns:a14="http://schemas.microsoft.com/office/drawing/2007/7/7/main" val="DA7E18" mc:Ignorable=""/>
               </a:buClr>
               <a:buSzPct val="70000"/>
               <a:buFont typeface="Wingdings" pitchFamily="2" charset="2"/>
@@ -21499,7 +22377,7 @@
                 <a:spcPct val="0"/>
               </a:spcAft>
               <a:buClr>
-                <a:srgbClr val="E5AB1B"/>
+                <a:srgbClr xmlns:mc="http://schemas.openxmlformats.org/markup-compatibility/2006" xmlns:a14="http://schemas.microsoft.com/office/drawing/2007/7/7/main" val="E5AB1B" mc:Ignorable=""/>
               </a:buClr>
               <a:buSzPct val="70000"/>
               <a:buFont typeface="Wingdings" pitchFamily="2" charset="2"/>
@@ -21676,7 +22554,7 @@
                 <a:spcPct val="0"/>
               </a:spcAft>
               <a:buClr>
-                <a:srgbClr val="DA7E18"/>
+                <a:srgbClr xmlns:mc="http://schemas.openxmlformats.org/markup-compatibility/2006" xmlns:a14="http://schemas.microsoft.com/office/drawing/2007/7/7/main" val="DA7E18" mc:Ignorable=""/>
               </a:buClr>
               <a:buSzPct val="70000"/>
               <a:buFont typeface="Wingdings" pitchFamily="2" charset="2"/>
@@ -21698,7 +22576,7 @@
                 <a:spcPct val="0"/>
               </a:spcAft>
               <a:buClr>
-                <a:srgbClr val="E5AB1B"/>
+                <a:srgbClr xmlns:mc="http://schemas.openxmlformats.org/markup-compatibility/2006" xmlns:a14="http://schemas.microsoft.com/office/drawing/2007/7/7/main" val="E5AB1B" mc:Ignorable=""/>
               </a:buClr>
               <a:buSzPct val="70000"/>
               <a:buFont typeface="Wingdings" pitchFamily="2" charset="2"/>
@@ -22062,7 +22940,7 @@
                 <a:spcPct val="0"/>
               </a:spcAft>
               <a:buClr>
-                <a:srgbClr val="DA7E18"/>
+                <a:srgbClr xmlns:mc="http://schemas.openxmlformats.org/markup-compatibility/2006" xmlns:a14="http://schemas.microsoft.com/office/drawing/2007/7/7/main" val="DA7E18" mc:Ignorable=""/>
               </a:buClr>
               <a:buSzPct val="70000"/>
               <a:buFont typeface="Wingdings" pitchFamily="2" charset="2"/>
@@ -22084,7 +22962,7 @@
                 <a:spcPct val="0"/>
               </a:spcAft>
               <a:buClr>
-                <a:srgbClr val="E5AB1B"/>
+                <a:srgbClr xmlns:mc="http://schemas.openxmlformats.org/markup-compatibility/2006" xmlns:a14="http://schemas.microsoft.com/office/drawing/2007/7/7/main" val="E5AB1B" mc:Ignorable=""/>
               </a:buClr>
               <a:buSzPct val="70000"/>
               <a:buFont typeface="Wingdings" pitchFamily="2" charset="2"/>
@@ -22264,7 +23142,7 @@
                 <a:spcPct val="0"/>
               </a:spcAft>
               <a:buClr>
-                <a:srgbClr val="DA7E18"/>
+                <a:srgbClr xmlns:mc="http://schemas.openxmlformats.org/markup-compatibility/2006" xmlns:a14="http://schemas.microsoft.com/office/drawing/2007/7/7/main" val="DA7E18" mc:Ignorable=""/>
               </a:buClr>
               <a:buSzPct val="70000"/>
               <a:buFont typeface="Wingdings" pitchFamily="2" charset="2"/>
@@ -22286,7 +23164,7 @@
                 <a:spcPct val="0"/>
               </a:spcAft>
               <a:buClr>
-                <a:srgbClr val="E5AB1B"/>
+                <a:srgbClr xmlns:mc="http://schemas.openxmlformats.org/markup-compatibility/2006" xmlns:a14="http://schemas.microsoft.com/office/drawing/2007/7/7/main" val="E5AB1B" mc:Ignorable=""/>
               </a:buClr>
               <a:buSzPct val="70000"/>
               <a:buFont typeface="Wingdings" pitchFamily="2" charset="2"/>
@@ -22608,7 +23486,7 @@
     </p:spTree>
     <p:extLst>
       <p:ext uri="{BB962C8B-B14F-4D97-AF65-F5344CB8AC3E}">
-        <p14:creationId xmlns:p14="http://schemas.microsoft.com/office/powerpoint/2007/7/12/main" xmlns="" val="4144121202"/>
+        <p14:creationId xmlns:p14="http://schemas.microsoft.com/office/powerpoint/2007/7/12/main" val="4144121202"/>
       </p:ext>
     </p:extLst>
   </p:cSld>
@@ -22618,7 +23496,133 @@
   <p:timing>
     <p:tnLst>
       <p:par>
-        <p:cTn id="1" dur="indefinite" restart="never" nodeType="tmRoot"/>
+        <p:cTn xmlns:p14="http://schemas.microsoft.com/office/powerpoint/2007/7/12/main" id="1" dur="indefinite" restart="never" nodeType="tmRoot"/>
+      </p:par>
+    </p:tnLst>
+  </p:timing>
+</p:sld>
+</file>
+
+<file path=ppt/slides/slide9.xml><?xml version="1.0" encoding="utf-8"?>
+<p:sld xmlns:a="http://schemas.openxmlformats.org/drawingml/2006/main" xmlns:r="http://schemas.openxmlformats.org/officeDocument/2006/relationships" xmlns:p="http://schemas.openxmlformats.org/presentationml/2006/main">
+  <p:cSld>
+    <p:spTree>
+      <p:nvGrpSpPr>
+        <p:cNvPr id="1" name=""/>
+        <p:cNvGrpSpPr/>
+        <p:nvPr/>
+      </p:nvGrpSpPr>
+      <p:grpSpPr>
+        <a:xfrm>
+          <a:off x="0" y="0"/>
+          <a:ext cx="0" cy="0"/>
+          <a:chOff x="0" y="0"/>
+          <a:chExt cx="0" cy="0"/>
+        </a:xfrm>
+      </p:grpSpPr>
+      <p:sp>
+        <p:nvSpPr>
+          <p:cNvPr id="2" name="Title 1"/>
+          <p:cNvSpPr>
+            <a:spLocks noGrp="1"/>
+          </p:cNvSpPr>
+          <p:nvPr>
+            <p:ph type="ctrTitle"/>
+          </p:nvPr>
+        </p:nvSpPr>
+        <p:spPr/>
+        <p:txBody>
+          <a:bodyPr/>
+          <a:lstStyle/>
+          <a:p>
+            <a:r>
+              <a:rPr lang="fr-FR" dirty="0" err="1"/>
+              <a:t>Problem</a:t>
+            </a:r>
+            <a:r>
+              <a:rPr lang="fr-FR" dirty="0"/>
+              <a:t> </a:t>
+            </a:r>
+            <a:r>
+              <a:rPr lang="fr-FR" dirty="0" smtClean="0"/>
+              <a:t>frames (</a:t>
+            </a:r>
+            <a:r>
+              <a:rPr lang="fr-FR" dirty="0" err="1" smtClean="0"/>
+              <a:t>cont</a:t>
+            </a:r>
+            <a:r>
+              <a:rPr lang="fr-FR" dirty="0" smtClean="0"/>
+              <a:t>.)</a:t>
+            </a:r>
+            <a:endParaRPr lang="fr-FR" dirty="0"/>
+          </a:p>
+        </p:txBody>
+      </p:sp>
+      <p:graphicFrame>
+        <p:nvGraphicFramePr>
+          <p:cNvPr id="4" name="Diagram 3"/>
+          <p:cNvGraphicFramePr/>
+          <p:nvPr>
+            <p:extLst>
+              <p:ext uri="{D42A27DB-BD31-4B8C-83A1-F6EECF244321}">
+                <p14:modId xmlns:p14="http://schemas.microsoft.com/office/powerpoint/2007/7/12/main" val="1786889323"/>
+              </p:ext>
+            </p:extLst>
+          </p:nvPr>
+        </p:nvGraphicFramePr>
+        <p:xfrm>
+          <a:off x="1059653" y="1707262"/>
+          <a:ext cx="7227123" cy="4818082"/>
+        </p:xfrm>
+        <a:graphic>
+          <a:graphicData uri="http://schemas.openxmlformats.org/drawingml/2006/diagram">
+            <dgm:relIds xmlns:dgm="http://schemas.openxmlformats.org/drawingml/2006/diagram" xmlns:r="http://schemas.openxmlformats.org/officeDocument/2006/relationships" r:dm="rId3" r:lo="rId4" r:qs="rId5" r:cs="rId6"/>
+          </a:graphicData>
+        </a:graphic>
+      </p:graphicFrame>
+      <p:sp>
+        <p:nvSpPr>
+          <p:cNvPr id="5" name="Text Placeholder 2"/>
+          <p:cNvSpPr>
+            <a:spLocks noGrp="1"/>
+          </p:cNvSpPr>
+          <p:nvPr>
+            <p:ph type="body" sz="quarter" idx="10"/>
+          </p:nvPr>
+        </p:nvSpPr>
+        <p:spPr>
+          <a:xfrm>
+            <a:off x="285750" y="1124744"/>
+            <a:ext cx="8643968" cy="576064"/>
+          </a:xfrm>
+        </p:spPr>
+        <p:txBody>
+          <a:bodyPr/>
+          <a:lstStyle/>
+          <a:p>
+            <a:r>
+              <a:rPr lang="fr-FR" dirty="0" smtClean="0"/>
+              <a:t>Conclusion:</a:t>
+            </a:r>
+            <a:endParaRPr lang="fr-FR" dirty="0"/>
+          </a:p>
+        </p:txBody>
+      </p:sp>
+    </p:spTree>
+    <p:extLst>
+      <p:ext uri="{BB962C8B-B14F-4D97-AF65-F5344CB8AC3E}">
+        <p14:creationId xmlns:p14="http://schemas.microsoft.com/office/powerpoint/2007/7/12/main" val="4039325657"/>
+      </p:ext>
+    </p:extLst>
+  </p:cSld>
+  <p:clrMapOvr>
+    <a:masterClrMapping/>
+  </p:clrMapOvr>
+  <p:timing>
+    <p:tnLst>
+      <p:par>
+        <p:cTn xmlns:p14="http://schemas.microsoft.com/office/powerpoint/2007/7/12/main" id="1" dur="indefinite" restart="never" nodeType="tmRoot"/>
       </p:par>
     </p:tnLst>
   </p:timing>
@@ -22636,34 +23640,34 @@
         <a:sysClr val="window" lastClr="FFFFFF"/>
       </a:lt1>
       <a:dk2>
-        <a:srgbClr val="424456"/>
+        <a:srgbClr xmlns:mc="http://schemas.openxmlformats.org/markup-compatibility/2006" xmlns:a14="http://schemas.microsoft.com/office/drawing/2007/7/7/main" val="424456" mc:Ignorable=""/>
       </a:dk2>
       <a:lt2>
-        <a:srgbClr val="DEDEDE"/>
+        <a:srgbClr xmlns:mc="http://schemas.openxmlformats.org/markup-compatibility/2006" xmlns:a14="http://schemas.microsoft.com/office/drawing/2007/7/7/main" val="DEDEDE" mc:Ignorable=""/>
       </a:lt2>
       <a:accent1>
-        <a:srgbClr val="53548A"/>
+        <a:srgbClr xmlns:mc="http://schemas.openxmlformats.org/markup-compatibility/2006" xmlns:a14="http://schemas.microsoft.com/office/drawing/2007/7/7/main" val="53548A" mc:Ignorable=""/>
       </a:accent1>
       <a:accent2>
-        <a:srgbClr val="438086"/>
+        <a:srgbClr xmlns:mc="http://schemas.openxmlformats.org/markup-compatibility/2006" xmlns:a14="http://schemas.microsoft.com/office/drawing/2007/7/7/main" val="438086" mc:Ignorable=""/>
       </a:accent2>
       <a:accent3>
-        <a:srgbClr val="A04DA3"/>
+        <a:srgbClr xmlns:mc="http://schemas.openxmlformats.org/markup-compatibility/2006" xmlns:a14="http://schemas.microsoft.com/office/drawing/2007/7/7/main" val="A04DA3" mc:Ignorable=""/>
       </a:accent3>
       <a:accent4>
-        <a:srgbClr val="C4652D"/>
+        <a:srgbClr xmlns:mc="http://schemas.openxmlformats.org/markup-compatibility/2006" xmlns:a14="http://schemas.microsoft.com/office/drawing/2007/7/7/main" val="C4652D" mc:Ignorable=""/>
       </a:accent4>
       <a:accent5>
-        <a:srgbClr val="8B5D3D"/>
+        <a:srgbClr xmlns:mc="http://schemas.openxmlformats.org/markup-compatibility/2006" xmlns:a14="http://schemas.microsoft.com/office/drawing/2007/7/7/main" val="8B5D3D" mc:Ignorable=""/>
       </a:accent5>
       <a:accent6>
-        <a:srgbClr val="5C92B5"/>
+        <a:srgbClr xmlns:mc="http://schemas.openxmlformats.org/markup-compatibility/2006" xmlns:a14="http://schemas.microsoft.com/office/drawing/2007/7/7/main" val="5C92B5" mc:Ignorable=""/>
       </a:accent6>
       <a:hlink>
-        <a:srgbClr val="67AFBD"/>
+        <a:srgbClr xmlns:mc="http://schemas.openxmlformats.org/markup-compatibility/2006" xmlns:a14="http://schemas.microsoft.com/office/drawing/2007/7/7/main" val="67AFBD" mc:Ignorable=""/>
       </a:hlink>
       <a:folHlink>
-        <a:srgbClr val="C2A874"/>
+        <a:srgbClr xmlns:mc="http://schemas.openxmlformats.org/markup-compatibility/2006" xmlns:a14="http://schemas.microsoft.com/office/drawing/2007/7/7/main" val="C2A874" mc:Ignorable=""/>
       </a:folHlink>
     </a:clrScheme>
     <a:fontScheme name="Office">
@@ -22814,7 +23818,7 @@
         <a:effectStyle>
           <a:effectLst>
             <a:outerShdw blurRad="65500" dist="38100" dir="5400000" rotWithShape="0">
-              <a:srgbClr val="000000">
+              <a:srgbClr xmlns:mc="http://schemas.openxmlformats.org/markup-compatibility/2006" xmlns:a14="http://schemas.microsoft.com/office/drawing/2007/7/7/main" val="000000" mc:Ignorable="">
                 <a:alpha val="40000"/>
               </a:srgbClr>
             </a:outerShdw>
@@ -22823,7 +23827,7 @@
         <a:effectStyle>
           <a:effectLst>
             <a:outerShdw blurRad="65500" dist="38100" dir="5400000" rotWithShape="0">
-              <a:srgbClr val="000000">
+              <a:srgbClr xmlns:mc="http://schemas.openxmlformats.org/markup-compatibility/2006" xmlns:a14="http://schemas.microsoft.com/office/drawing/2007/7/7/main" val="000000" mc:Ignorable="">
                 <a:alpha val="40000"/>
               </a:srgbClr>
             </a:outerShdw>
@@ -22832,7 +23836,7 @@
         <a:effectStyle>
           <a:effectLst>
             <a:outerShdw blurRad="65500" dist="38100" dir="5400000" rotWithShape="0">
-              <a:srgbClr val="000000">
+              <a:srgbClr xmlns:mc="http://schemas.openxmlformats.org/markup-compatibility/2006" xmlns:a14="http://schemas.microsoft.com/office/drawing/2007/7/7/main" val="000000" mc:Ignorable="">
                 <a:alpha val="40000"/>
               </a:srgbClr>
             </a:outerShdw>
@@ -22962,34 +23966,34 @@
         <a:sysClr val="window" lastClr="FFFFFF"/>
       </a:lt1>
       <a:dk2>
-        <a:srgbClr val="1F497D"/>
+        <a:srgbClr xmlns:mc="http://schemas.openxmlformats.org/markup-compatibility/2006" xmlns:a14="http://schemas.microsoft.com/office/drawing/2007/7/7/main" val="1F497D" mc:Ignorable=""/>
       </a:dk2>
       <a:lt2>
-        <a:srgbClr val="EEECE1"/>
+        <a:srgbClr xmlns:mc="http://schemas.openxmlformats.org/markup-compatibility/2006" xmlns:a14="http://schemas.microsoft.com/office/drawing/2007/7/7/main" val="EEECE1" mc:Ignorable=""/>
       </a:lt2>
       <a:accent1>
-        <a:srgbClr val="4F81BD"/>
+        <a:srgbClr xmlns:mc="http://schemas.openxmlformats.org/markup-compatibility/2006" xmlns:a14="http://schemas.microsoft.com/office/drawing/2007/7/7/main" val="4F81BD" mc:Ignorable=""/>
       </a:accent1>
       <a:accent2>
-        <a:srgbClr val="C0504D"/>
+        <a:srgbClr xmlns:mc="http://schemas.openxmlformats.org/markup-compatibility/2006" xmlns:a14="http://schemas.microsoft.com/office/drawing/2007/7/7/main" val="C0504D" mc:Ignorable=""/>
       </a:accent2>
       <a:accent3>
-        <a:srgbClr val="9BBB59"/>
+        <a:srgbClr xmlns:mc="http://schemas.openxmlformats.org/markup-compatibility/2006" xmlns:a14="http://schemas.microsoft.com/office/drawing/2007/7/7/main" val="9BBB59" mc:Ignorable=""/>
       </a:accent3>
       <a:accent4>
-        <a:srgbClr val="8064A2"/>
+        <a:srgbClr xmlns:mc="http://schemas.openxmlformats.org/markup-compatibility/2006" xmlns:a14="http://schemas.microsoft.com/office/drawing/2007/7/7/main" val="8064A2" mc:Ignorable=""/>
       </a:accent4>
       <a:accent5>
-        <a:srgbClr val="4BACC6"/>
+        <a:srgbClr xmlns:mc="http://schemas.openxmlformats.org/markup-compatibility/2006" xmlns:a14="http://schemas.microsoft.com/office/drawing/2007/7/7/main" val="4BACC6" mc:Ignorable=""/>
       </a:accent5>
       <a:accent6>
-        <a:srgbClr val="F79646"/>
+        <a:srgbClr xmlns:mc="http://schemas.openxmlformats.org/markup-compatibility/2006" xmlns:a14="http://schemas.microsoft.com/office/drawing/2007/7/7/main" val="F79646" mc:Ignorable=""/>
       </a:accent6>
       <a:hlink>
-        <a:srgbClr val="0000FF"/>
+        <a:srgbClr xmlns:mc="http://schemas.openxmlformats.org/markup-compatibility/2006" xmlns:a14="http://schemas.microsoft.com/office/drawing/2007/7/7/main" val="0000FF" mc:Ignorable=""/>
       </a:hlink>
       <a:folHlink>
-        <a:srgbClr val="800080"/>
+        <a:srgbClr xmlns:mc="http://schemas.openxmlformats.org/markup-compatibility/2006" xmlns:a14="http://schemas.microsoft.com/office/drawing/2007/7/7/main" val="800080" mc:Ignorable=""/>
       </a:folHlink>
     </a:clrScheme>
     <a:fontScheme name="Office">
@@ -23141,7 +24145,7 @@
         <a:effectStyle>
           <a:effectLst>
             <a:outerShdw blurRad="40000" dist="20000" dir="5400000" rotWithShape="0">
-              <a:srgbClr val="000000">
+              <a:srgbClr xmlns:mc="http://schemas.openxmlformats.org/markup-compatibility/2006" xmlns:a14="http://schemas.microsoft.com/office/drawing/2007/7/7/main" val="000000" mc:Ignorable="">
                 <a:alpha val="38000"/>
               </a:srgbClr>
             </a:outerShdw>
@@ -23150,7 +24154,7 @@
         <a:effectStyle>
           <a:effectLst>
             <a:outerShdw blurRad="40000" dist="23000" dir="5400000" rotWithShape="0">
-              <a:srgbClr val="000000">
+              <a:srgbClr xmlns:mc="http://schemas.openxmlformats.org/markup-compatibility/2006" xmlns:a14="http://schemas.microsoft.com/office/drawing/2007/7/7/main" val="000000" mc:Ignorable="">
                 <a:alpha val="35000"/>
               </a:srgbClr>
             </a:outerShdw>
@@ -23159,7 +24163,7 @@
         <a:effectStyle>
           <a:effectLst>
             <a:outerShdw blurRad="40000" dist="23000" dir="5400000" rotWithShape="0">
-              <a:srgbClr val="000000">
+              <a:srgbClr xmlns:mc="http://schemas.openxmlformats.org/markup-compatibility/2006" xmlns:a14="http://schemas.microsoft.com/office/drawing/2007/7/7/main" val="000000" mc:Ignorable="">
                 <a:alpha val="35000"/>
               </a:srgbClr>
             </a:outerShdw>
@@ -23245,34 +24249,34 @@
         <a:sysClr val="window" lastClr="FFFFFF"/>
       </a:lt1>
       <a:dk2>
-        <a:srgbClr val="1F497D"/>
+        <a:srgbClr xmlns:mc="http://schemas.openxmlformats.org/markup-compatibility/2006" xmlns:a14="http://schemas.microsoft.com/office/drawing/2007/7/7/main" val="1F497D" mc:Ignorable=""/>
       </a:dk2>
       <a:lt2>
-        <a:srgbClr val="EEECE1"/>
+        <a:srgbClr xmlns:mc="http://schemas.openxmlformats.org/markup-compatibility/2006" xmlns:a14="http://schemas.microsoft.com/office/drawing/2007/7/7/main" val="EEECE1" mc:Ignorable=""/>
       </a:lt2>
       <a:accent1>
-        <a:srgbClr val="4F81BD"/>
+        <a:srgbClr xmlns:mc="http://schemas.openxmlformats.org/markup-compatibility/2006" xmlns:a14="http://schemas.microsoft.com/office/drawing/2007/7/7/main" val="4F81BD" mc:Ignorable=""/>
       </a:accent1>
       <a:accent2>
-        <a:srgbClr val="C0504D"/>
+        <a:srgbClr xmlns:mc="http://schemas.openxmlformats.org/markup-compatibility/2006" xmlns:a14="http://schemas.microsoft.com/office/drawing/2007/7/7/main" val="C0504D" mc:Ignorable=""/>
       </a:accent2>
       <a:accent3>
-        <a:srgbClr val="9BBB59"/>
+        <a:srgbClr xmlns:mc="http://schemas.openxmlformats.org/markup-compatibility/2006" xmlns:a14="http://schemas.microsoft.com/office/drawing/2007/7/7/main" val="9BBB59" mc:Ignorable=""/>
       </a:accent3>
       <a:accent4>
-        <a:srgbClr val="8064A2"/>
+        <a:srgbClr xmlns:mc="http://schemas.openxmlformats.org/markup-compatibility/2006" xmlns:a14="http://schemas.microsoft.com/office/drawing/2007/7/7/main" val="8064A2" mc:Ignorable=""/>
       </a:accent4>
       <a:accent5>
-        <a:srgbClr val="4BACC6"/>
+        <a:srgbClr xmlns:mc="http://schemas.openxmlformats.org/markup-compatibility/2006" xmlns:a14="http://schemas.microsoft.com/office/drawing/2007/7/7/main" val="4BACC6" mc:Ignorable=""/>
       </a:accent5>
       <a:accent6>
-        <a:srgbClr val="F79646"/>
+        <a:srgbClr xmlns:mc="http://schemas.openxmlformats.org/markup-compatibility/2006" xmlns:a14="http://schemas.microsoft.com/office/drawing/2007/7/7/main" val="F79646" mc:Ignorable=""/>
       </a:accent6>
       <a:hlink>
-        <a:srgbClr val="0000FF"/>
+        <a:srgbClr xmlns:mc="http://schemas.openxmlformats.org/markup-compatibility/2006" xmlns:a14="http://schemas.microsoft.com/office/drawing/2007/7/7/main" val="0000FF" mc:Ignorable=""/>
       </a:hlink>
       <a:folHlink>
-        <a:srgbClr val="800080"/>
+        <a:srgbClr xmlns:mc="http://schemas.openxmlformats.org/markup-compatibility/2006" xmlns:a14="http://schemas.microsoft.com/office/drawing/2007/7/7/main" val="800080" mc:Ignorable=""/>
       </a:folHlink>
     </a:clrScheme>
     <a:fontScheme name="Office">
@@ -23424,7 +24428,7 @@
         <a:effectStyle>
           <a:effectLst>
             <a:outerShdw blurRad="40000" dist="20000" dir="5400000" rotWithShape="0">
-              <a:srgbClr val="000000">
+              <a:srgbClr xmlns:mc="http://schemas.openxmlformats.org/markup-compatibility/2006" xmlns:a14="http://schemas.microsoft.com/office/drawing/2007/7/7/main" val="000000" mc:Ignorable="">
                 <a:alpha val="38000"/>
               </a:srgbClr>
             </a:outerShdw>
@@ -23433,7 +24437,7 @@
         <a:effectStyle>
           <a:effectLst>
             <a:outerShdw blurRad="40000" dist="23000" dir="5400000" rotWithShape="0">
-              <a:srgbClr val="000000">
+              <a:srgbClr xmlns:mc="http://schemas.openxmlformats.org/markup-compatibility/2006" xmlns:a14="http://schemas.microsoft.com/office/drawing/2007/7/7/main" val="000000" mc:Ignorable="">
                 <a:alpha val="35000"/>
               </a:srgbClr>
             </a:outerShdw>
@@ -23442,7 +24446,7 @@
         <a:effectStyle>
           <a:effectLst>
             <a:outerShdw blurRad="40000" dist="23000" dir="5400000" rotWithShape="0">
-              <a:srgbClr val="000000">
+              <a:srgbClr xmlns:mc="http://schemas.openxmlformats.org/markup-compatibility/2006" xmlns:a14="http://schemas.microsoft.com/office/drawing/2007/7/7/main" val="000000" mc:Ignorable="">
                 <a:alpha val="35000"/>
               </a:srgbClr>
             </a:outerShdw>

--- a/trunk/Project 1/Part Final/CS554_EuroTeam_Project1.pptx
+++ b/trunk/Project 1/Part Final/CS554_EuroTeam_Project1.pptx
@@ -5,10 +5,10 @@
     <p:sldMasterId id="2147483660" r:id="rId2"/>
   </p:sldMasterIdLst>
   <p:notesMasterIdLst>
-    <p:notesMasterId r:id="rId31"/>
+    <p:notesMasterId r:id="rId30"/>
   </p:notesMasterIdLst>
   <p:handoutMasterIdLst>
-    <p:handoutMasterId r:id="rId32"/>
+    <p:handoutMasterId r:id="rId31"/>
   </p:handoutMasterIdLst>
   <p:sldIdLst>
     <p:sldId id="256" r:id="rId3"/>
@@ -18,27 +18,26 @@
     <p:sldId id="310" r:id="rId7"/>
     <p:sldId id="335" r:id="rId8"/>
     <p:sldId id="337" r:id="rId9"/>
-    <p:sldId id="338" r:id="rId10"/>
-    <p:sldId id="333" r:id="rId11"/>
-    <p:sldId id="343" r:id="rId12"/>
-    <p:sldId id="339" r:id="rId13"/>
-    <p:sldId id="340" r:id="rId14"/>
-    <p:sldId id="357" r:id="rId15"/>
-    <p:sldId id="341" r:id="rId16"/>
-    <p:sldId id="358" r:id="rId17"/>
-    <p:sldId id="344" r:id="rId18"/>
-    <p:sldId id="346" r:id="rId19"/>
-    <p:sldId id="347" r:id="rId20"/>
-    <p:sldId id="359" r:id="rId21"/>
-    <p:sldId id="345" r:id="rId22"/>
-    <p:sldId id="348" r:id="rId23"/>
-    <p:sldId id="353" r:id="rId24"/>
-    <p:sldId id="354" r:id="rId25"/>
-    <p:sldId id="355" r:id="rId26"/>
-    <p:sldId id="352" r:id="rId27"/>
-    <p:sldId id="332" r:id="rId28"/>
-    <p:sldId id="308" r:id="rId29"/>
-    <p:sldId id="286" r:id="rId30"/>
+    <p:sldId id="333" r:id="rId10"/>
+    <p:sldId id="343" r:id="rId11"/>
+    <p:sldId id="339" r:id="rId12"/>
+    <p:sldId id="340" r:id="rId13"/>
+    <p:sldId id="357" r:id="rId14"/>
+    <p:sldId id="341" r:id="rId15"/>
+    <p:sldId id="358" r:id="rId16"/>
+    <p:sldId id="344" r:id="rId17"/>
+    <p:sldId id="346" r:id="rId18"/>
+    <p:sldId id="347" r:id="rId19"/>
+    <p:sldId id="359" r:id="rId20"/>
+    <p:sldId id="345" r:id="rId21"/>
+    <p:sldId id="348" r:id="rId22"/>
+    <p:sldId id="353" r:id="rId23"/>
+    <p:sldId id="354" r:id="rId24"/>
+    <p:sldId id="355" r:id="rId25"/>
+    <p:sldId id="352" r:id="rId26"/>
+    <p:sldId id="332" r:id="rId27"/>
+    <p:sldId id="308" r:id="rId28"/>
+    <p:sldId id="286" r:id="rId29"/>
   </p:sldIdLst>
   <p:sldSz cx="9144000" cy="6858000" type="screen4x3"/>
   <p:notesSz cx="7099300" cy="10234613"/>
@@ -7078,7 +7077,7 @@
               <a:pPr>
                 <a:defRPr/>
               </a:pPr>
-              <a:t>9</a:t>
+              <a:t>8</a:t>
             </a:fld>
             <a:endParaRPr lang="fr-FR" altLang="ko-KR"/>
           </a:p>
@@ -10435,7 +10434,34 @@
       </p:grpSpPr>
       <p:sp>
         <p:nvSpPr>
-          <p:cNvPr id="4" name="Text Placeholder 3"/>
+          <p:cNvPr id="2" name="Title 1"/>
+          <p:cNvSpPr>
+            <a:spLocks noGrp="1"/>
+          </p:cNvSpPr>
+          <p:nvPr>
+            <p:ph type="ctrTitle"/>
+          </p:nvPr>
+        </p:nvSpPr>
+        <p:spPr/>
+        <p:txBody>
+          <a:bodyPr/>
+          <a:lstStyle/>
+          <a:p>
+            <a:r>
+              <a:rPr lang="fr-FR" dirty="0" smtClean="0"/>
+              <a:t>Use case </a:t>
+            </a:r>
+            <a:r>
+              <a:rPr lang="fr-FR" dirty="0" err="1" smtClean="0"/>
+              <a:t>diagram</a:t>
+            </a:r>
+            <a:endParaRPr lang="fr-FR" dirty="0"/>
+          </a:p>
+        </p:txBody>
+      </p:sp>
+      <p:sp>
+        <p:nvSpPr>
+          <p:cNvPr id="3" name="Text Placeholder 2"/>
           <p:cNvSpPr>
             <a:spLocks noGrp="1"/>
           </p:cNvSpPr>
@@ -10443,442 +10469,67 @@
             <p:ph type="body" sz="quarter" idx="10"/>
           </p:nvPr>
         </p:nvSpPr>
-        <p:spPr>
-          <a:xfrm>
-            <a:off x="168494" y="773824"/>
-            <a:ext cx="7643866" cy="1143008"/>
-          </a:xfrm>
-        </p:spPr>
+        <p:spPr/>
         <p:txBody>
           <a:bodyPr/>
           <a:lstStyle/>
           <a:p>
-            <a:r>
-              <a:rPr lang="fr-FR" dirty="0" smtClean="0"/>
-              <a:t>2. </a:t>
-            </a:r>
-            <a:r>
-              <a:rPr lang="fr-FR" dirty="0" err="1" smtClean="0"/>
-              <a:t>Functional</a:t>
-            </a:r>
-            <a:r>
-              <a:rPr lang="fr-FR" dirty="0" smtClean="0"/>
-              <a:t> </a:t>
-            </a:r>
-            <a:r>
-              <a:rPr lang="fr-FR" dirty="0" err="1" smtClean="0"/>
-              <a:t>requirements</a:t>
-            </a:r>
-            <a:endParaRPr lang="fr-FR" dirty="0" smtClean="0"/>
-          </a:p>
-          <a:p>
-            <a:pPr lvl="1" indent="0">
-              <a:buNone/>
-            </a:pPr>
-            <a:r>
-              <a:rPr lang="fr-FR" sz="2400" i="1" dirty="0" smtClean="0"/>
-              <a:t>Use-case &amp; </a:t>
-            </a:r>
-            <a:r>
-              <a:rPr lang="fr-FR" sz="2400" i="1" dirty="0" err="1" smtClean="0"/>
-              <a:t>sequences</a:t>
-            </a:r>
-            <a:r>
-              <a:rPr lang="fr-FR" sz="2400" i="1" dirty="0" smtClean="0"/>
-              <a:t> </a:t>
-            </a:r>
-            <a:r>
-              <a:rPr lang="fr-FR" sz="2400" i="1" dirty="0" err="1" smtClean="0"/>
-              <a:t>diagrams</a:t>
-            </a:r>
-            <a:endParaRPr lang="fr-FR" sz="2400" i="1" dirty="0" smtClean="0"/>
-          </a:p>
-        </p:txBody>
-      </p:sp>
-      <p:sp>
-        <p:nvSpPr>
-          <p:cNvPr id="7" name="Espace réservé du texte 2"/>
-          <p:cNvSpPr txBox="1">
-            <a:spLocks/>
-          </p:cNvSpPr>
-          <p:nvPr/>
-        </p:nvSpPr>
-        <p:spPr bwMode="auto">
-          <a:xfrm>
-            <a:off x="827584" y="2924944"/>
-            <a:ext cx="7671197" cy="3071834"/>
-          </a:xfrm>
-          <a:prstGeom prst="rect">
-            <a:avLst/>
-          </a:prstGeom>
-          <a:noFill/>
-          <a:ln>
-            <a:miter lim="800000"/>
-            <a:headEnd/>
-            <a:tailEnd/>
-          </a:ln>
-        </p:spPr>
-        <p:txBody>
-          <a:bodyPr vert="horz" wrap="square" lIns="91440" tIns="45720" rIns="91440" bIns="45720" numCol="1" anchor="t" anchorCtr="0" compatLnSpc="1"/>
-          <a:lstStyle>
-            <a:lvl1pPr marL="0" indent="0" algn="l" rtl="0" eaLnBrk="0" fontAlgn="base" hangingPunct="0">
-              <a:spcBef>
-                <a:spcPct val="20000"/>
-              </a:spcBef>
-              <a:spcAft>
-                <a:spcPct val="0"/>
-              </a:spcAft>
-              <a:buNone/>
-              <a:defRPr lang="fr-FR" sz="3600" b="0" cap="none" spc="0">
-                <a:ln w="18415" cmpd="sng">
-                  <a:solidFill>
-                    <a:srgbClr xmlns:mc="http://schemas.openxmlformats.org/markup-compatibility/2006" xmlns:a14="http://schemas.microsoft.com/office/drawing/2007/7/7/main" val="FFFFFF" mc:Ignorable=""/>
-                  </a:solidFill>
-                  <a:prstDash val="solid"/>
-                </a:ln>
-                <a:solidFill>
-                  <a:srgbClr xmlns:mc="http://schemas.openxmlformats.org/markup-compatibility/2006" xmlns:a14="http://schemas.microsoft.com/office/drawing/2007/7/7/main" val="FFFFFF" mc:Ignorable=""/>
-                </a:solidFill>
-                <a:effectLst>
-                  <a:outerShdw blurRad="63500" dir="3600000" algn="tl" rotWithShape="0">
-                    <a:srgbClr xmlns:mc="http://schemas.openxmlformats.org/markup-compatibility/2006" xmlns:a14="http://schemas.microsoft.com/office/drawing/2007/7/7/main" val="000000" mc:Ignorable="">
-                      <a:alpha val="70000"/>
-                    </a:srgbClr>
-                  </a:outerShdw>
-                </a:effectLst>
-                <a:latin typeface="+mn-lt"/>
-                <a:ea typeface="+mn-ea"/>
-                <a:cs typeface="+mn-cs"/>
-              </a:defRPr>
-            </a:lvl1pPr>
-            <a:lvl2pPr marL="742950" indent="-285750" algn="l" rtl="0" eaLnBrk="0" fontAlgn="base" hangingPunct="0">
-              <a:spcBef>
-                <a:spcPct val="20000"/>
-              </a:spcBef>
-              <a:spcAft>
-                <a:spcPct val="0"/>
-              </a:spcAft>
-              <a:buChar char="–"/>
-              <a:defRPr lang="fr-FR" sz="1100">
-                <a:solidFill>
-                  <a:schemeClr val="tx1"/>
-                </a:solidFill>
-                <a:latin typeface="+mn-lt"/>
-                <a:ea typeface="+mn-ea"/>
-                <a:cs typeface="+mn-cs"/>
-              </a:defRPr>
-            </a:lvl2pPr>
-            <a:lvl3pPr marL="1143000" indent="-228600" algn="l" rtl="0" eaLnBrk="0" fontAlgn="base" hangingPunct="0">
-              <a:spcBef>
-                <a:spcPct val="20000"/>
-              </a:spcBef>
-              <a:spcAft>
-                <a:spcPct val="0"/>
-              </a:spcAft>
-              <a:buChar char="•"/>
-              <a:defRPr lang="fr-FR" sz="1100">
-                <a:solidFill>
-                  <a:schemeClr val="tx1"/>
-                </a:solidFill>
-                <a:latin typeface="+mn-lt"/>
-                <a:ea typeface="+mn-ea"/>
-                <a:cs typeface="+mn-cs"/>
-              </a:defRPr>
-            </a:lvl3pPr>
-            <a:lvl4pPr marL="1600200" indent="-228600" algn="l" rtl="0" eaLnBrk="0" fontAlgn="base" hangingPunct="0">
-              <a:spcBef>
-                <a:spcPct val="20000"/>
-              </a:spcBef>
-              <a:spcAft>
-                <a:spcPct val="0"/>
-              </a:spcAft>
-              <a:buChar char="–"/>
-              <a:defRPr lang="fr-FR" sz="1100">
-                <a:solidFill>
-                  <a:schemeClr val="tx1"/>
-                </a:solidFill>
-                <a:latin typeface="+mn-lt"/>
-                <a:ea typeface="+mn-ea"/>
-                <a:cs typeface="+mn-cs"/>
-              </a:defRPr>
-            </a:lvl4pPr>
-            <a:lvl5pPr marL="2057400" indent="-228600" algn="l" rtl="0" eaLnBrk="0" fontAlgn="base" hangingPunct="0">
-              <a:spcBef>
-                <a:spcPct val="20000"/>
-              </a:spcBef>
-              <a:spcAft>
-                <a:spcPct val="0"/>
-              </a:spcAft>
-              <a:buChar char="»"/>
-              <a:defRPr lang="fr-FR" sz="1100">
-                <a:solidFill>
-                  <a:schemeClr val="tx1"/>
-                </a:solidFill>
-                <a:latin typeface="+mn-lt"/>
-                <a:ea typeface="+mn-ea"/>
-                <a:cs typeface="+mn-cs"/>
-              </a:defRPr>
-            </a:lvl5pPr>
-            <a:lvl6pPr marL="2514600" indent="-228600" algn="l" rtl="0" eaLnBrk="1" latinLnBrk="0" hangingPunct="1">
-              <a:spcBef>
-                <a:spcPct val="20000"/>
-              </a:spcBef>
-              <a:buChar char="•"/>
-              <a:defRPr kumimoji="0" lang="fr-FR" sz="2000">
-                <a:solidFill>
-                  <a:schemeClr val="tx1"/>
-                </a:solidFill>
-                <a:latin typeface="+mn-lt"/>
-                <a:ea typeface="+mn-ea"/>
-                <a:cs typeface="+mn-cs"/>
-              </a:defRPr>
-            </a:lvl6pPr>
-            <a:lvl7pPr marL="2971800" indent="-228600" algn="l" rtl="0" eaLnBrk="1" latinLnBrk="0" hangingPunct="1">
-              <a:spcBef>
-                <a:spcPct val="20000"/>
-              </a:spcBef>
-              <a:buChar char="•"/>
-              <a:defRPr kumimoji="0" lang="fr-FR" sz="2000">
-                <a:solidFill>
-                  <a:schemeClr val="tx1"/>
-                </a:solidFill>
-                <a:latin typeface="+mn-lt"/>
-                <a:ea typeface="+mn-ea"/>
-                <a:cs typeface="+mn-cs"/>
-              </a:defRPr>
-            </a:lvl7pPr>
-            <a:lvl8pPr marL="3429000" indent="-228600" algn="l" rtl="0" eaLnBrk="1" latinLnBrk="0" hangingPunct="1">
-              <a:spcBef>
-                <a:spcPct val="20000"/>
-              </a:spcBef>
-              <a:buChar char="•"/>
-              <a:defRPr kumimoji="0" lang="fr-FR" sz="2000">
-                <a:solidFill>
-                  <a:schemeClr val="tx1"/>
-                </a:solidFill>
-                <a:latin typeface="+mn-lt"/>
-                <a:ea typeface="+mn-ea"/>
-                <a:cs typeface="+mn-cs"/>
-              </a:defRPr>
-            </a:lvl8pPr>
-            <a:lvl9pPr marL="3886200" indent="-228600" algn="l" rtl="0" eaLnBrk="1" latinLnBrk="0" hangingPunct="1">
-              <a:spcBef>
-                <a:spcPct val="20000"/>
-              </a:spcBef>
-              <a:buChar char="•"/>
-              <a:defRPr kumimoji="0" lang="fr-FR" sz="2000">
-                <a:solidFill>
-                  <a:schemeClr val="tx1"/>
-                </a:solidFill>
-                <a:latin typeface="+mn-lt"/>
-                <a:ea typeface="+mn-ea"/>
-                <a:cs typeface="+mn-cs"/>
-              </a:defRPr>
-            </a:lvl9pPr>
-          </a:lstStyle>
-          <a:p>
-            <a:pPr indent="273050" eaLnBrk="1" hangingPunct="1">
-              <a:buClr>
-                <a:srgbClr xmlns:mc="http://schemas.openxmlformats.org/markup-compatibility/2006" xmlns:a14="http://schemas.microsoft.com/office/drawing/2007/7/7/main" val="C44F00" mc:Ignorable=""/>
-              </a:buClr>
-              <a:buFont typeface="Calibri" pitchFamily="34" charset="0"/>
-              <a:buAutoNum type="arabicPeriod"/>
-            </a:pPr>
-            <a:r>
-              <a:rPr lang="en-US" altLang="ko-KR" sz="1600" dirty="0" smtClean="0">
-                <a:ln>
-                  <a:noFill/>
-                </a:ln>
-                <a:solidFill>
-                  <a:schemeClr val="tx1"/>
-                </a:solidFill>
-                <a:effectLst/>
-                <a:ea typeface="굴림" charset="-127"/>
-              </a:rPr>
-              <a:t>Problem understanding</a:t>
-            </a:r>
-          </a:p>
-          <a:p>
-            <a:pPr indent="273050" eaLnBrk="1" hangingPunct="1">
-              <a:buClr>
-                <a:srgbClr xmlns:mc="http://schemas.openxmlformats.org/markup-compatibility/2006" xmlns:a14="http://schemas.microsoft.com/office/drawing/2007/7/7/main" val="C44F00" mc:Ignorable=""/>
-              </a:buClr>
-              <a:buFont typeface="Calibri" pitchFamily="34" charset="0"/>
-              <a:buAutoNum type="arabicPeriod"/>
-            </a:pPr>
-            <a:endParaRPr lang="en-US" altLang="ko-KR" sz="1600" dirty="0">
-              <a:ln>
-                <a:noFill/>
-              </a:ln>
-              <a:solidFill>
-                <a:schemeClr val="tx1"/>
-              </a:solidFill>
-              <a:effectLst/>
-              <a:ea typeface="굴림" charset="-127"/>
-            </a:endParaRPr>
-          </a:p>
-          <a:p>
-            <a:pPr indent="273050" eaLnBrk="1" hangingPunct="1">
-              <a:buClr>
-                <a:srgbClr xmlns:mc="http://schemas.openxmlformats.org/markup-compatibility/2006" xmlns:a14="http://schemas.microsoft.com/office/drawing/2007/7/7/main" val="C44F00" mc:Ignorable=""/>
-              </a:buClr>
-              <a:buFont typeface="Calibri" pitchFamily="34" charset="0"/>
-              <a:buAutoNum type="arabicPeriod"/>
-            </a:pPr>
-            <a:r>
-              <a:rPr lang="en-US" altLang="ko-KR" sz="1800" b="1" u="sng" dirty="0" smtClean="0">
-                <a:ln>
-                  <a:noFill/>
-                </a:ln>
-                <a:solidFill>
-                  <a:schemeClr val="tx1"/>
-                </a:solidFill>
-                <a:effectLst/>
-                <a:ea typeface="굴림" charset="-127"/>
-              </a:rPr>
-              <a:t>Functional requirements (use-case model)</a:t>
-            </a:r>
-          </a:p>
-          <a:p>
-            <a:pPr indent="273050" eaLnBrk="1" hangingPunct="1">
-              <a:buClr>
-                <a:srgbClr xmlns:mc="http://schemas.openxmlformats.org/markup-compatibility/2006" xmlns:a14="http://schemas.microsoft.com/office/drawing/2007/7/7/main" val="C44F00" mc:Ignorable=""/>
-              </a:buClr>
-              <a:buFont typeface="Calibri" pitchFamily="34" charset="0"/>
-              <a:buAutoNum type="arabicPeriod"/>
-            </a:pPr>
-            <a:endParaRPr lang="en-US" altLang="ko-KR" sz="1600" dirty="0">
-              <a:ln>
-                <a:noFill/>
-              </a:ln>
-              <a:solidFill>
-                <a:schemeClr val="tx1"/>
-              </a:solidFill>
-              <a:effectLst/>
-              <a:ea typeface="굴림" charset="-127"/>
-            </a:endParaRPr>
-          </a:p>
-          <a:p>
-            <a:pPr indent="273050" eaLnBrk="1" hangingPunct="1">
-              <a:buClr>
-                <a:srgbClr xmlns:mc="http://schemas.openxmlformats.org/markup-compatibility/2006" xmlns:a14="http://schemas.microsoft.com/office/drawing/2007/7/7/main" val="C44F00" mc:Ignorable=""/>
-              </a:buClr>
-              <a:buFont typeface="Calibri" pitchFamily="34" charset="0"/>
-              <a:buAutoNum type="arabicPeriod"/>
-            </a:pPr>
-            <a:r>
-              <a:rPr lang="en-US" altLang="ko-KR" sz="1600" dirty="0" smtClean="0">
-                <a:ln>
-                  <a:noFill/>
-                </a:ln>
-                <a:solidFill>
-                  <a:schemeClr val="tx1"/>
-                </a:solidFill>
-                <a:effectLst/>
-                <a:ea typeface="굴림" charset="-127"/>
-              </a:rPr>
-              <a:t>Non-functional requirements</a:t>
-            </a:r>
-          </a:p>
-          <a:p>
-            <a:pPr indent="273050" eaLnBrk="1" hangingPunct="1">
-              <a:buClr>
-                <a:srgbClr xmlns:mc="http://schemas.openxmlformats.org/markup-compatibility/2006" xmlns:a14="http://schemas.microsoft.com/office/drawing/2007/7/7/main" val="C44F00" mc:Ignorable=""/>
-              </a:buClr>
-              <a:buFont typeface="Calibri" pitchFamily="34" charset="0"/>
-              <a:buAutoNum type="arabicPeriod"/>
-            </a:pPr>
-            <a:endParaRPr lang="en-US" altLang="ko-KR" sz="1600" dirty="0">
-              <a:ln>
-                <a:noFill/>
-              </a:ln>
-              <a:solidFill>
-                <a:schemeClr val="tx1"/>
-              </a:solidFill>
-              <a:effectLst/>
-              <a:ea typeface="굴림" charset="-127"/>
-            </a:endParaRPr>
-          </a:p>
-          <a:p>
-            <a:pPr indent="273050" eaLnBrk="1" hangingPunct="1">
-              <a:buClr>
-                <a:srgbClr xmlns:mc="http://schemas.openxmlformats.org/markup-compatibility/2006" xmlns:a14="http://schemas.microsoft.com/office/drawing/2007/7/7/main" val="C44F00" mc:Ignorable=""/>
-              </a:buClr>
-              <a:buFont typeface="Calibri" pitchFamily="34" charset="0"/>
-              <a:buAutoNum type="arabicPeriod"/>
-            </a:pPr>
-            <a:r>
-              <a:rPr lang="en-US" altLang="ko-KR" sz="1600" dirty="0" smtClean="0">
-                <a:ln>
-                  <a:noFill/>
-                </a:ln>
-                <a:solidFill>
-                  <a:schemeClr val="tx1"/>
-                </a:solidFill>
-                <a:effectLst/>
-                <a:ea typeface="굴림" charset="-127"/>
-              </a:rPr>
-              <a:t>Usability analysis &amp; design</a:t>
-            </a:r>
-          </a:p>
-          <a:p>
-            <a:pPr lvl="1" eaLnBrk="1" hangingPunct="1">
-              <a:buFontTx/>
-              <a:buNone/>
-            </a:pPr>
-            <a:endParaRPr lang="en-US" altLang="ko-KR" dirty="0" smtClean="0">
-              <a:ea typeface="굴림" charset="-127"/>
-            </a:endParaRPr>
+            <a:endParaRPr lang="fr-FR"/>
           </a:p>
         </p:txBody>
       </p:sp>
       <p:pic>
         <p:nvPicPr>
-          <p:cNvPr id="5" name="Picture 2" descr="D:\Bureau\spacecraft1.jpg"/>
-          <p:cNvPicPr>
-            <a:picLocks noChangeAspect="1" noChangeArrowheads="1"/>
-          </p:cNvPicPr>
+          <p:cNvPr id="4" name="Picture 3" descr="D:\Documents\UTBM\MON CURSUS\GI05\KAIST\Projects\euroteam\Project 1\Part Final\Design\Images\UseCase Diagram.png"/>
+          <p:cNvPicPr/>
           <p:nvPr/>
         </p:nvPicPr>
         <p:blipFill>
-          <a:blip r:embed="rId2" cstate="print"/>
+          <a:blip r:embed="rId2">
+            <a:extLst>
+              <a:ext uri="28A0092B-C50C-407e-A947-70E740481C1C">
+                <a14:useLocalDpi xmlns:a14="http://schemas.microsoft.com/office/drawing/2007/7/7/main" val="0"/>
+              </a:ext>
+            </a:extLst>
+          </a:blip>
           <a:srcRect/>
           <a:stretch>
             <a:fillRect/>
           </a:stretch>
         </p:blipFill>
         <p:spPr bwMode="auto">
-          <a:xfrm rot="376165">
-            <a:off x="6441122" y="1256731"/>
-            <a:ext cx="2510206" cy="1697273"/>
+          <a:xfrm>
+            <a:off x="179512" y="1268760"/>
+            <a:ext cx="8805964" cy="5184576"/>
           </a:xfrm>
-          <a:prstGeom prst="roundRect">
-            <a:avLst>
-              <a:gd name="adj" fmla="val 8594"/>
-            </a:avLst>
+          <a:prstGeom prst="rect">
+            <a:avLst/>
           </a:prstGeom>
-          <a:solidFill>
-            <a:srgbClr xmlns:mc="http://schemas.openxmlformats.org/markup-compatibility/2006" xmlns:a14="http://schemas.microsoft.com/office/drawing/2007/7/7/main" val="FFFFFF" mc:Ignorable="">
-              <a:shade val="85000"/>
-            </a:srgbClr>
-          </a:solidFill>
           <a:ln>
             <a:noFill/>
           </a:ln>
           <a:effectLst>
-            <a:outerShdw blurRad="50800" dist="38100" dir="8100000" algn="tr" rotWithShape="0">
-              <a:prstClr val="black">
-                <a:alpha val="40000"/>
-              </a:prstClr>
+            <a:outerShdw blurRad="190500" algn="tl" rotWithShape="0">
+              <a:srgbClr xmlns:mc="http://schemas.openxmlformats.org/markup-compatibility/2006" xmlns:a14="http://schemas.microsoft.com/office/drawing/2007/7/7/main" val="000000" mc:Ignorable="">
+                <a:alpha val="70000"/>
+              </a:srgbClr>
             </a:outerShdw>
-            <a:reflection blurRad="12700" stA="38000" endPos="28000" dist="5000" dir="5400000" sy="-100000" algn="bl" rotWithShape="0"/>
           </a:effectLst>
+          <a:extLst>
+            <a:ext uri="{909E8E84-426E-40dd-AFC4-6F175D3DCCD1}">
+              <a14:hiddenFill xmlns:a14="http://schemas.microsoft.com/office/drawing/2007/7/7/main">
+                <a:solidFill>
+                  <a:srgbClr xmlns:mc="http://schemas.openxmlformats.org/markup-compatibility/2006" val="FFFFFF" mc:Ignorable=""/>
+                </a:solidFill>
+              </a14:hiddenFill>
+            </a:ext>
+          </a:extLst>
         </p:spPr>
       </p:pic>
     </p:spTree>
     <p:extLst>
       <p:ext uri="{BB962C8B-B14F-4D97-AF65-F5344CB8AC3E}">
-        <p14:creationId xmlns:p14="http://schemas.microsoft.com/office/powerpoint/2007/7/12/main" val="2737251238"/>
+        <p14:creationId xmlns:p14="http://schemas.microsoft.com/office/powerpoint/2007/7/12/main" val="3147034357"/>
       </p:ext>
     </p:extLst>
   </p:cSld>
@@ -10928,12 +10579,16 @@
           <a:lstStyle/>
           <a:p>
             <a:r>
+              <a:rPr lang="fr-FR" dirty="0" err="1" smtClean="0"/>
+              <a:t>Sequence</a:t>
+            </a:r>
+            <a:r>
               <a:rPr lang="fr-FR" dirty="0" smtClean="0"/>
-              <a:t>Use case </a:t>
+              <a:t> </a:t>
             </a:r>
             <a:r>
               <a:rPr lang="fr-FR" dirty="0" err="1" smtClean="0"/>
-              <a:t>diagram</a:t>
+              <a:t>diagrams</a:t>
             </a:r>
             <a:endParaRPr lang="fr-FR" dirty="0"/>
           </a:p>
@@ -10960,8 +10615,10 @@
       </p:sp>
       <p:pic>
         <p:nvPicPr>
-          <p:cNvPr id="4" name="Picture 3" descr="D:\Documents\UTBM\MON CURSUS\GI05\KAIST\Projects\euroteam\Project 1\Part Final\Design\Images\UseCase Diagram.png"/>
-          <p:cNvPicPr/>
+          <p:cNvPr id="1026" name="Picture 2" descr="D:\Documents\UTBM\MON CURSUS\GI05\KAIST\Projects\euroteam\Project 1\Part Final\Design\Images\2.Sequence Diagram - Safe response in case of hazardous conditions.png"/>
+          <p:cNvPicPr>
+            <a:picLocks noChangeAspect="1" noChangeArrowheads="1"/>
+          </p:cNvPicPr>
           <p:nvPr/>
         </p:nvPicPr>
         <p:blipFill>
@@ -10979,22 +10636,13 @@
         </p:blipFill>
         <p:spPr bwMode="auto">
           <a:xfrm>
-            <a:off x="179512" y="1268760"/>
-            <a:ext cx="8805964" cy="5184576"/>
+            <a:off x="1196280" y="980728"/>
+            <a:ext cx="7264152" cy="5672871"/>
           </a:xfrm>
           <a:prstGeom prst="rect">
             <a:avLst/>
           </a:prstGeom>
-          <a:ln>
-            <a:noFill/>
-          </a:ln>
-          <a:effectLst>
-            <a:outerShdw blurRad="190500" algn="tl" rotWithShape="0">
-              <a:srgbClr xmlns:mc="http://schemas.openxmlformats.org/markup-compatibility/2006" xmlns:a14="http://schemas.microsoft.com/office/drawing/2007/7/7/main" val="000000" mc:Ignorable="">
-                <a:alpha val="70000"/>
-              </a:srgbClr>
-            </a:outerShdw>
-          </a:effectLst>
+          <a:noFill/>
           <a:extLst>
             <a:ext uri="{909E8E84-426E-40dd-AFC4-6F175D3DCCD1}">
               <a14:hiddenFill xmlns:a14="http://schemas.microsoft.com/office/drawing/2007/7/7/main">
@@ -11002,6 +10650,9 @@
                   <a:srgbClr xmlns:mc="http://schemas.openxmlformats.org/markup-compatibility/2006" val="FFFFFF" mc:Ignorable=""/>
                 </a:solidFill>
               </a14:hiddenFill>
+            </a:ext>
+            <a:ext uri="{53640926-AAD7-44d8-BBD7-CCE9431645EC}">
+              <a14:shadowObscured xmlns:a14="http://schemas.microsoft.com/office/drawing/2007/7/7/main" val="1"/>
             </a:ext>
           </a:extLst>
         </p:spPr>
@@ -11009,7 +10660,7 @@
     </p:spTree>
     <p:extLst>
       <p:ext uri="{BB962C8B-B14F-4D97-AF65-F5344CB8AC3E}">
-        <p14:creationId xmlns:p14="http://schemas.microsoft.com/office/powerpoint/2007/7/12/main" val="3147034357"/>
+        <p14:creationId xmlns:p14="http://schemas.microsoft.com/office/powerpoint/2007/7/12/main" val="4259651497"/>
       </p:ext>
     </p:extLst>
   </p:cSld>
@@ -11058,19 +10709,7 @@
           <a:bodyPr/>
           <a:lstStyle/>
           <a:p>
-            <a:r>
-              <a:rPr lang="fr-FR" dirty="0" err="1" smtClean="0"/>
-              <a:t>Sequence</a:t>
-            </a:r>
-            <a:r>
-              <a:rPr lang="fr-FR" dirty="0" smtClean="0"/>
-              <a:t> </a:t>
-            </a:r>
-            <a:r>
-              <a:rPr lang="fr-FR" dirty="0" err="1" smtClean="0"/>
-              <a:t>diagrams</a:t>
-            </a:r>
-            <a:endParaRPr lang="fr-FR" dirty="0"/>
+            <a:endParaRPr lang="fr-FR"/>
           </a:p>
         </p:txBody>
       </p:sp>
@@ -11089,13 +10728,61 @@
           <a:bodyPr/>
           <a:lstStyle/>
           <a:p>
+            <a:endParaRPr lang="fr-FR" dirty="0"/>
+          </a:p>
+        </p:txBody>
+      </p:sp>
+      <p:sp>
+        <p:nvSpPr>
+          <p:cNvPr id="5" name="Rectangle 4"/>
+          <p:cNvSpPr/>
+          <p:nvPr/>
+        </p:nvSpPr>
+        <p:spPr>
+          <a:xfrm>
+            <a:off x="0" y="0"/>
+            <a:ext cx="9144000" cy="6858000"/>
+          </a:xfrm>
+          <a:prstGeom prst="rect">
+            <a:avLst/>
+          </a:prstGeom>
+          <a:solidFill>
+            <a:schemeClr val="bg1"/>
+          </a:solidFill>
+          <a:ln>
+            <a:solidFill>
+              <a:schemeClr val="bg1"/>
+            </a:solidFill>
+          </a:ln>
+        </p:spPr>
+        <p:style>
+          <a:lnRef idx="2">
+            <a:schemeClr val="accent1">
+              <a:shade val="50000"/>
+            </a:schemeClr>
+          </a:lnRef>
+          <a:fillRef idx="1">
+            <a:schemeClr val="accent1"/>
+          </a:fillRef>
+          <a:effectRef idx="0">
+            <a:schemeClr val="accent1"/>
+          </a:effectRef>
+          <a:fontRef idx="minor">
+            <a:schemeClr val="lt1"/>
+          </a:fontRef>
+        </p:style>
+        <p:txBody>
+          <a:bodyPr rtlCol="0" anchor="ctr"/>
+          <a:lstStyle/>
+          <a:p>
+            <a:pPr algn="ctr"/>
             <a:endParaRPr lang="fr-FR"/>
           </a:p>
         </p:txBody>
       </p:sp>
       <p:pic>
         <p:nvPicPr>
-          <p:cNvPr id="1026" name="Picture 2" descr="D:\Documents\UTBM\MON CURSUS\GI05\KAIST\Projects\euroteam\Project 1\Part Final\Design\Images\2.Sequence Diagram - Safe response in case of hazardous conditions.png"/>
+          <p:cNvPr id="7" name="Picture 2" descr="D:\Documents\UTBM\MON CURSUS\GI05\KAIST\Projects\euroteam\Project 1\Part Final\Design\Images\2.Sequence Diagram - Safe response in case of hazardous conditions.png"/>
           <p:cNvPicPr>
             <a:picLocks noChangeAspect="1" noChangeArrowheads="1"/>
           </p:cNvPicPr>
@@ -11116,8 +10803,8 @@
         </p:blipFill>
         <p:spPr bwMode="auto">
           <a:xfrm>
-            <a:off x="1196280" y="980728"/>
-            <a:ext cx="7264152" cy="5672871"/>
+            <a:off x="254778" y="0"/>
+            <a:ext cx="8781718" cy="6858000"/>
           </a:xfrm>
           <a:prstGeom prst="rect">
             <a:avLst/>
@@ -11140,7 +10827,7 @@
     </p:spTree>
     <p:extLst>
       <p:ext uri="{BB962C8B-B14F-4D97-AF65-F5344CB8AC3E}">
-        <p14:creationId xmlns:p14="http://schemas.microsoft.com/office/powerpoint/2007/7/12/main" val="4259651497"/>
+        <p14:creationId xmlns:p14="http://schemas.microsoft.com/office/powerpoint/2007/7/12/main" val="4241276353"/>
       </p:ext>
     </p:extLst>
   </p:cSld>
@@ -11189,7 +10876,31 @@
           <a:bodyPr/>
           <a:lstStyle/>
           <a:p>
-            <a:endParaRPr lang="fr-FR"/>
+            <a:r>
+              <a:rPr lang="fr-FR" dirty="0" err="1" smtClean="0"/>
+              <a:t>Sequence</a:t>
+            </a:r>
+            <a:r>
+              <a:rPr lang="fr-FR" dirty="0" smtClean="0"/>
+              <a:t> </a:t>
+            </a:r>
+            <a:r>
+              <a:rPr lang="fr-FR" dirty="0" err="1" smtClean="0"/>
+              <a:t>diagrams</a:t>
+            </a:r>
+            <a:r>
+              <a:rPr lang="fr-FR" dirty="0" smtClean="0"/>
+              <a:t> (</a:t>
+            </a:r>
+            <a:r>
+              <a:rPr lang="fr-FR" dirty="0" err="1" smtClean="0"/>
+              <a:t>cont</a:t>
+            </a:r>
+            <a:r>
+              <a:rPr lang="fr-FR" dirty="0" smtClean="0"/>
+              <a:t>.)</a:t>
+            </a:r>
+            <a:endParaRPr lang="fr-FR" dirty="0"/>
           </a:p>
         </p:txBody>
       </p:sp>
@@ -11212,57 +10923,9 @@
           </a:p>
         </p:txBody>
       </p:sp>
-      <p:sp>
-        <p:nvSpPr>
-          <p:cNvPr id="5" name="Rectangle 4"/>
-          <p:cNvSpPr/>
-          <p:nvPr/>
-        </p:nvSpPr>
-        <p:spPr>
-          <a:xfrm>
-            <a:off x="0" y="0"/>
-            <a:ext cx="9144000" cy="6858000"/>
-          </a:xfrm>
-          <a:prstGeom prst="rect">
-            <a:avLst/>
-          </a:prstGeom>
-          <a:solidFill>
-            <a:schemeClr val="bg1"/>
-          </a:solidFill>
-          <a:ln>
-            <a:solidFill>
-              <a:schemeClr val="bg1"/>
-            </a:solidFill>
-          </a:ln>
-        </p:spPr>
-        <p:style>
-          <a:lnRef idx="2">
-            <a:schemeClr val="accent1">
-              <a:shade val="50000"/>
-            </a:schemeClr>
-          </a:lnRef>
-          <a:fillRef idx="1">
-            <a:schemeClr val="accent1"/>
-          </a:fillRef>
-          <a:effectRef idx="0">
-            <a:schemeClr val="accent1"/>
-          </a:effectRef>
-          <a:fontRef idx="minor">
-            <a:schemeClr val="lt1"/>
-          </a:fontRef>
-        </p:style>
-        <p:txBody>
-          <a:bodyPr rtlCol="0" anchor="ctr"/>
-          <a:lstStyle/>
-          <a:p>
-            <a:pPr algn="ctr"/>
-            <a:endParaRPr lang="fr-FR"/>
-          </a:p>
-        </p:txBody>
-      </p:sp>
       <p:pic>
         <p:nvPicPr>
-          <p:cNvPr id="7" name="Picture 2" descr="D:\Documents\UTBM\MON CURSUS\GI05\KAIST\Projects\euroteam\Project 1\Part Final\Design\Images\2.Sequence Diagram - Safe response in case of hazardous conditions.png"/>
+          <p:cNvPr id="2050" name="Picture 2" descr="D:\Documents\UTBM\MON CURSUS\GI05\KAIST\Projects\euroteam\Project 1\Part Final\Design\Images\5.Start system, restart system &amp; refresh system state.png"/>
           <p:cNvPicPr>
             <a:picLocks noChangeAspect="1" noChangeArrowheads="1"/>
           </p:cNvPicPr>
@@ -11283,8 +10946,8 @@
         </p:blipFill>
         <p:spPr bwMode="auto">
           <a:xfrm>
-            <a:off x="254778" y="0"/>
-            <a:ext cx="8781718" cy="6858000"/>
+            <a:off x="899592" y="1124744"/>
+            <a:ext cx="7272808" cy="5430711"/>
           </a:xfrm>
           <a:prstGeom prst="rect">
             <a:avLst/>
@@ -11307,7 +10970,7 @@
     </p:spTree>
     <p:extLst>
       <p:ext uri="{BB962C8B-B14F-4D97-AF65-F5344CB8AC3E}">
-        <p14:creationId xmlns:p14="http://schemas.microsoft.com/office/powerpoint/2007/7/12/main" val="4241276353"/>
+        <p14:creationId xmlns:p14="http://schemas.microsoft.com/office/powerpoint/2007/7/12/main" val="3699348174"/>
       </p:ext>
     </p:extLst>
   </p:cSld>
@@ -11356,149 +11019,6 @@
           <a:bodyPr/>
           <a:lstStyle/>
           <a:p>
-            <a:r>
-              <a:rPr lang="fr-FR" dirty="0" err="1" smtClean="0"/>
-              <a:t>Sequence</a:t>
-            </a:r>
-            <a:r>
-              <a:rPr lang="fr-FR" dirty="0" smtClean="0"/>
-              <a:t> </a:t>
-            </a:r>
-            <a:r>
-              <a:rPr lang="fr-FR" dirty="0" err="1" smtClean="0"/>
-              <a:t>diagrams</a:t>
-            </a:r>
-            <a:r>
-              <a:rPr lang="fr-FR" dirty="0" smtClean="0"/>
-              <a:t> (</a:t>
-            </a:r>
-            <a:r>
-              <a:rPr lang="fr-FR" dirty="0" err="1" smtClean="0"/>
-              <a:t>cont</a:t>
-            </a:r>
-            <a:r>
-              <a:rPr lang="fr-FR" dirty="0" smtClean="0"/>
-              <a:t>.)</a:t>
-            </a:r>
-            <a:endParaRPr lang="fr-FR" dirty="0"/>
-          </a:p>
-        </p:txBody>
-      </p:sp>
-      <p:sp>
-        <p:nvSpPr>
-          <p:cNvPr id="3" name="Text Placeholder 2"/>
-          <p:cNvSpPr>
-            <a:spLocks noGrp="1"/>
-          </p:cNvSpPr>
-          <p:nvPr>
-            <p:ph type="body" sz="quarter" idx="10"/>
-          </p:nvPr>
-        </p:nvSpPr>
-        <p:spPr/>
-        <p:txBody>
-          <a:bodyPr/>
-          <a:lstStyle/>
-          <a:p>
-            <a:endParaRPr lang="fr-FR" dirty="0"/>
-          </a:p>
-        </p:txBody>
-      </p:sp>
-      <p:pic>
-        <p:nvPicPr>
-          <p:cNvPr id="2050" name="Picture 2" descr="D:\Documents\UTBM\MON CURSUS\GI05\KAIST\Projects\euroteam\Project 1\Part Final\Design\Images\5.Start system, restart system &amp; refresh system state.png"/>
-          <p:cNvPicPr>
-            <a:picLocks noChangeAspect="1" noChangeArrowheads="1"/>
-          </p:cNvPicPr>
-          <p:nvPr/>
-        </p:nvPicPr>
-        <p:blipFill>
-          <a:blip r:embed="rId2">
-            <a:extLst>
-              <a:ext uri="28A0092B-C50C-407e-A947-70E740481C1C">
-                <a14:useLocalDpi xmlns:a14="http://schemas.microsoft.com/office/drawing/2007/7/7/main" val="0"/>
-              </a:ext>
-            </a:extLst>
-          </a:blip>
-          <a:srcRect/>
-          <a:stretch>
-            <a:fillRect/>
-          </a:stretch>
-        </p:blipFill>
-        <p:spPr bwMode="auto">
-          <a:xfrm>
-            <a:off x="899592" y="1124744"/>
-            <a:ext cx="7272808" cy="5430711"/>
-          </a:xfrm>
-          <a:prstGeom prst="rect">
-            <a:avLst/>
-          </a:prstGeom>
-          <a:noFill/>
-          <a:extLst>
-            <a:ext uri="{909E8E84-426E-40dd-AFC4-6F175D3DCCD1}">
-              <a14:hiddenFill xmlns:a14="http://schemas.microsoft.com/office/drawing/2007/7/7/main">
-                <a:solidFill>
-                  <a:srgbClr xmlns:mc="http://schemas.openxmlformats.org/markup-compatibility/2006" val="FFFFFF" mc:Ignorable=""/>
-                </a:solidFill>
-              </a14:hiddenFill>
-            </a:ext>
-            <a:ext uri="{53640926-AAD7-44d8-BBD7-CCE9431645EC}">
-              <a14:shadowObscured xmlns:a14="http://schemas.microsoft.com/office/drawing/2007/7/7/main" val="1"/>
-            </a:ext>
-          </a:extLst>
-        </p:spPr>
-      </p:pic>
-    </p:spTree>
-    <p:extLst>
-      <p:ext uri="{BB962C8B-B14F-4D97-AF65-F5344CB8AC3E}">
-        <p14:creationId xmlns:p14="http://schemas.microsoft.com/office/powerpoint/2007/7/12/main" val="3699348174"/>
-      </p:ext>
-    </p:extLst>
-  </p:cSld>
-  <p:clrMapOvr>
-    <a:masterClrMapping/>
-  </p:clrMapOvr>
-  <p:timing>
-    <p:tnLst>
-      <p:par>
-        <p:cTn xmlns:p14="http://schemas.microsoft.com/office/powerpoint/2007/7/12/main" id="1" dur="indefinite" restart="never" nodeType="tmRoot"/>
-      </p:par>
-    </p:tnLst>
-  </p:timing>
-</p:sld>
-</file>
-
-<file path=ppt/slides/slide15.xml><?xml version="1.0" encoding="utf-8"?>
-<p:sld xmlns:a="http://schemas.openxmlformats.org/drawingml/2006/main" xmlns:r="http://schemas.openxmlformats.org/officeDocument/2006/relationships" xmlns:p="http://schemas.openxmlformats.org/presentationml/2006/main">
-  <p:cSld>
-    <p:spTree>
-      <p:nvGrpSpPr>
-        <p:cNvPr id="1" name=""/>
-        <p:cNvGrpSpPr/>
-        <p:nvPr/>
-      </p:nvGrpSpPr>
-      <p:grpSpPr>
-        <a:xfrm>
-          <a:off x="0" y="0"/>
-          <a:ext cx="0" cy="0"/>
-          <a:chOff x="0" y="0"/>
-          <a:chExt cx="0" cy="0"/>
-        </a:xfrm>
-      </p:grpSpPr>
-      <p:sp>
-        <p:nvSpPr>
-          <p:cNvPr id="2" name="Title 1"/>
-          <p:cNvSpPr>
-            <a:spLocks noGrp="1"/>
-          </p:cNvSpPr>
-          <p:nvPr>
-            <p:ph type="ctrTitle"/>
-          </p:nvPr>
-        </p:nvSpPr>
-        <p:spPr/>
-        <p:txBody>
-          <a:bodyPr/>
-          <a:lstStyle/>
-          <a:p>
             <a:endParaRPr lang="fr-FR"/>
           </a:p>
         </p:txBody>
@@ -11634,7 +11154,7 @@
 </p:sld>
 </file>
 
-<file path=ppt/slides/slide16.xml><?xml version="1.0" encoding="utf-8"?>
+<file path=ppt/slides/slide15.xml><?xml version="1.0" encoding="utf-8"?>
 <p:sld xmlns:a="http://schemas.openxmlformats.org/drawingml/2006/main" xmlns:r="http://schemas.openxmlformats.org/officeDocument/2006/relationships" xmlns:p="http://schemas.openxmlformats.org/presentationml/2006/main">
   <p:cSld>
     <p:spTree>
@@ -12129,7 +11649,7 @@
 </p:sld>
 </file>
 
-<file path=ppt/slides/slide17.xml><?xml version="1.0" encoding="utf-8"?>
+<file path=ppt/slides/slide16.xml><?xml version="1.0" encoding="utf-8"?>
 <p:sld xmlns:a="http://schemas.openxmlformats.org/drawingml/2006/main" xmlns:r="http://schemas.openxmlformats.org/officeDocument/2006/relationships" xmlns:p="http://schemas.openxmlformats.org/presentationml/2006/main">
   <p:cSld>
     <p:spTree>
@@ -12260,6 +11780,134 @@
     <p:extLst>
       <p:ext uri="{BB962C8B-B14F-4D97-AF65-F5344CB8AC3E}">
         <p14:creationId xmlns:p14="http://schemas.microsoft.com/office/powerpoint/2007/7/12/main" val="1394414490"/>
+      </p:ext>
+    </p:extLst>
+  </p:cSld>
+  <p:clrMapOvr>
+    <a:masterClrMapping/>
+  </p:clrMapOvr>
+  <p:timing>
+    <p:tnLst>
+      <p:par>
+        <p:cTn xmlns:p14="http://schemas.microsoft.com/office/powerpoint/2007/7/12/main" id="1" dur="indefinite" restart="never" nodeType="tmRoot"/>
+      </p:par>
+    </p:tnLst>
+  </p:timing>
+</p:sld>
+</file>
+
+<file path=ppt/slides/slide17.xml><?xml version="1.0" encoding="utf-8"?>
+<p:sld xmlns:a="http://schemas.openxmlformats.org/drawingml/2006/main" xmlns:r="http://schemas.openxmlformats.org/officeDocument/2006/relationships" xmlns:p="http://schemas.openxmlformats.org/presentationml/2006/main">
+  <p:cSld>
+    <p:spTree>
+      <p:nvGrpSpPr>
+        <p:cNvPr id="1" name=""/>
+        <p:cNvGrpSpPr/>
+        <p:nvPr/>
+      </p:nvGrpSpPr>
+      <p:grpSpPr>
+        <a:xfrm>
+          <a:off x="0" y="0"/>
+          <a:ext cx="0" cy="0"/>
+          <a:chOff x="0" y="0"/>
+          <a:chExt cx="0" cy="0"/>
+        </a:xfrm>
+      </p:grpSpPr>
+      <p:sp>
+        <p:nvSpPr>
+          <p:cNvPr id="2" name="Title 1"/>
+          <p:cNvSpPr>
+            <a:spLocks noGrp="1"/>
+          </p:cNvSpPr>
+          <p:nvPr>
+            <p:ph type="ctrTitle"/>
+          </p:nvPr>
+        </p:nvSpPr>
+        <p:spPr/>
+        <p:txBody>
+          <a:bodyPr/>
+          <a:lstStyle/>
+          <a:p>
+            <a:r>
+              <a:rPr lang="fr-FR" dirty="0" err="1" smtClean="0"/>
+              <a:t>Improvised</a:t>
+            </a:r>
+            <a:r>
+              <a:rPr lang="fr-FR" dirty="0" smtClean="0"/>
+              <a:t> </a:t>
+            </a:r>
+            <a:r>
+              <a:rPr lang="fr-FR" dirty="0" err="1" smtClean="0"/>
+              <a:t>attributes</a:t>
+            </a:r>
+            <a:endParaRPr lang="fr-FR" dirty="0"/>
+          </a:p>
+        </p:txBody>
+      </p:sp>
+      <p:sp>
+        <p:nvSpPr>
+          <p:cNvPr id="3" name="Text Placeholder 2"/>
+          <p:cNvSpPr>
+            <a:spLocks noGrp="1"/>
+          </p:cNvSpPr>
+          <p:nvPr>
+            <p:ph type="body" sz="quarter" idx="10"/>
+          </p:nvPr>
+        </p:nvSpPr>
+        <p:spPr/>
+        <p:txBody>
+          <a:bodyPr/>
+          <a:lstStyle/>
+          <a:p>
+            <a:endParaRPr lang="fr-FR" dirty="0"/>
+          </a:p>
+        </p:txBody>
+      </p:sp>
+      <p:pic>
+        <p:nvPicPr>
+          <p:cNvPr id="8195" name="Picture 3" descr="D:\Bureau\Capturer.PNG"/>
+          <p:cNvPicPr>
+            <a:picLocks noChangeAspect="1" noChangeArrowheads="1"/>
+          </p:cNvPicPr>
+          <p:nvPr/>
+        </p:nvPicPr>
+        <p:blipFill>
+          <a:blip r:embed="rId2">
+            <a:extLst>
+              <a:ext uri="28A0092B-C50C-407e-A947-70E740481C1C">
+                <a14:useLocalDpi xmlns:a14="http://schemas.microsoft.com/office/drawing/2007/7/7/main" val="0"/>
+              </a:ext>
+            </a:extLst>
+          </a:blip>
+          <a:srcRect/>
+          <a:stretch>
+            <a:fillRect/>
+          </a:stretch>
+        </p:blipFill>
+        <p:spPr bwMode="auto">
+          <a:xfrm>
+            <a:off x="251520" y="1412776"/>
+            <a:ext cx="8769923" cy="4536504"/>
+          </a:xfrm>
+          <a:prstGeom prst="rect">
+            <a:avLst/>
+          </a:prstGeom>
+          <a:noFill/>
+          <a:extLst>
+            <a:ext uri="{909E8E84-426E-40dd-AFC4-6F175D3DCCD1}">
+              <a14:hiddenFill xmlns:a14="http://schemas.microsoft.com/office/drawing/2007/7/7/main">
+                <a:solidFill>
+                  <a:srgbClr xmlns:mc="http://schemas.openxmlformats.org/markup-compatibility/2006" val="FFFFFF" mc:Ignorable=""/>
+                </a:solidFill>
+              </a14:hiddenFill>
+            </a:ext>
+          </a:extLst>
+        </p:spPr>
+      </p:pic>
+    </p:spTree>
+    <p:extLst>
+      <p:ext uri="{BB962C8B-B14F-4D97-AF65-F5344CB8AC3E}">
+        <p14:creationId xmlns:p14="http://schemas.microsoft.com/office/powerpoint/2007/7/12/main" val="4280331692"/>
       </p:ext>
     </p:extLst>
   </p:cSld>
@@ -12343,10 +11991,51 @@
           </a:p>
         </p:txBody>
       </p:sp>
+      <p:pic>
+        <p:nvPicPr>
+          <p:cNvPr id="7172" name="Picture 4" descr="D:\Bureau\Capturer2.PNG"/>
+          <p:cNvPicPr>
+            <a:picLocks noChangeAspect="1" noChangeArrowheads="1"/>
+          </p:cNvPicPr>
+          <p:nvPr/>
+        </p:nvPicPr>
+        <p:blipFill>
+          <a:blip r:embed="rId2">
+            <a:extLst>
+              <a:ext uri="28A0092B-C50C-407e-A947-70E740481C1C">
+                <a14:useLocalDpi xmlns:a14="http://schemas.microsoft.com/office/drawing/2007/7/7/main" val="0"/>
+              </a:ext>
+            </a:extLst>
+          </a:blip>
+          <a:srcRect/>
+          <a:stretch>
+            <a:fillRect/>
+          </a:stretch>
+        </p:blipFill>
+        <p:spPr bwMode="auto">
+          <a:xfrm>
+            <a:off x="251520" y="1695831"/>
+            <a:ext cx="8712968" cy="3749393"/>
+          </a:xfrm>
+          <a:prstGeom prst="rect">
+            <a:avLst/>
+          </a:prstGeom>
+          <a:noFill/>
+          <a:extLst>
+            <a:ext uri="{909E8E84-426E-40dd-AFC4-6F175D3DCCD1}">
+              <a14:hiddenFill xmlns:a14="http://schemas.microsoft.com/office/drawing/2007/7/7/main">
+                <a:solidFill>
+                  <a:srgbClr xmlns:mc="http://schemas.openxmlformats.org/markup-compatibility/2006" val="FFFFFF" mc:Ignorable=""/>
+                </a:solidFill>
+              </a14:hiddenFill>
+            </a:ext>
+          </a:extLst>
+        </p:spPr>
+      </p:pic>
     </p:spTree>
     <p:extLst>
       <p:ext uri="{BB962C8B-B14F-4D97-AF65-F5344CB8AC3E}">
-        <p14:creationId xmlns:p14="http://schemas.microsoft.com/office/powerpoint/2007/7/12/main" val="4280331692"/>
+        <p14:creationId xmlns:p14="http://schemas.microsoft.com/office/powerpoint/2007/7/12/main" val="315467668"/>
       </p:ext>
     </p:extLst>
   </p:cSld>
@@ -12382,38 +12071,7 @@
       </p:grpSpPr>
       <p:sp>
         <p:nvSpPr>
-          <p:cNvPr id="2" name="Title 1"/>
-          <p:cNvSpPr>
-            <a:spLocks noGrp="1"/>
-          </p:cNvSpPr>
-          <p:nvPr>
-            <p:ph type="ctrTitle"/>
-          </p:nvPr>
-        </p:nvSpPr>
-        <p:spPr/>
-        <p:txBody>
-          <a:bodyPr/>
-          <a:lstStyle/>
-          <a:p>
-            <a:r>
-              <a:rPr lang="fr-FR" dirty="0" err="1" smtClean="0"/>
-              <a:t>Improvised</a:t>
-            </a:r>
-            <a:r>
-              <a:rPr lang="fr-FR" dirty="0" smtClean="0"/>
-              <a:t> </a:t>
-            </a:r>
-            <a:r>
-              <a:rPr lang="fr-FR" dirty="0" err="1" smtClean="0"/>
-              <a:t>attributes</a:t>
-            </a:r>
-            <a:endParaRPr lang="fr-FR" dirty="0"/>
-          </a:p>
-        </p:txBody>
-      </p:sp>
-      <p:sp>
-        <p:nvSpPr>
-          <p:cNvPr id="3" name="Text Placeholder 2"/>
+          <p:cNvPr id="4" name="Text Placeholder 3"/>
           <p:cNvSpPr>
             <a:spLocks noGrp="1"/>
           </p:cNvSpPr>
@@ -12421,81 +12079,448 @@
             <p:ph type="body" sz="quarter" idx="10"/>
           </p:nvPr>
         </p:nvSpPr>
-        <p:spPr/>
+        <p:spPr>
+          <a:xfrm>
+            <a:off x="168494" y="773824"/>
+            <a:ext cx="7643866" cy="1143008"/>
+          </a:xfrm>
+        </p:spPr>
         <p:txBody>
           <a:bodyPr/>
           <a:lstStyle/>
           <a:p>
-            <a:endParaRPr lang="fr-FR" dirty="0"/>
+            <a:r>
+              <a:rPr lang="fr-FR" dirty="0"/>
+              <a:t>4</a:t>
+            </a:r>
+            <a:r>
+              <a:rPr lang="fr-FR" dirty="0" smtClean="0"/>
+              <a:t>. </a:t>
+            </a:r>
+            <a:r>
+              <a:rPr lang="fr-FR" dirty="0" err="1" smtClean="0"/>
+              <a:t>Usability</a:t>
+            </a:r>
+            <a:r>
+              <a:rPr lang="fr-FR" dirty="0" smtClean="0"/>
+              <a:t> </a:t>
+            </a:r>
+            <a:r>
+              <a:rPr lang="fr-FR" dirty="0" err="1" smtClean="0"/>
+              <a:t>analysis</a:t>
+            </a:r>
+            <a:r>
+              <a:rPr lang="fr-FR" dirty="0" smtClean="0"/>
+              <a:t> &amp; design</a:t>
+            </a:r>
+          </a:p>
+          <a:p>
+            <a:pPr lvl="1" indent="0">
+              <a:buNone/>
+            </a:pPr>
+            <a:r>
+              <a:rPr lang="fr-FR" sz="2400" i="1" smtClean="0"/>
+              <a:t>Prototypes </a:t>
+            </a:r>
+            <a:r>
+              <a:rPr lang="fr-FR" sz="2400" i="1" dirty="0" smtClean="0"/>
+              <a:t>&amp; </a:t>
+            </a:r>
+            <a:r>
+              <a:rPr lang="fr-FR" sz="2400" i="1" dirty="0" err="1" smtClean="0"/>
+              <a:t>usability</a:t>
+            </a:r>
+            <a:r>
+              <a:rPr lang="fr-FR" sz="2400" i="1" dirty="0" smtClean="0"/>
+              <a:t> scenarios discussions</a:t>
+            </a:r>
           </a:p>
         </p:txBody>
       </p:sp>
-      <p:graphicFrame>
-        <p:nvGraphicFramePr>
-          <p:cNvPr id="7" name="Object 6"/>
-          <p:cNvGraphicFramePr>
-            <a:graphicFrameLocks noChangeAspect="1"/>
-          </p:cNvGraphicFramePr>
-          <p:nvPr>
-            <p:extLst>
-              <p:ext uri="{D42A27DB-BD31-4B8C-83A1-F6EECF244321}">
-                <p14:modId xmlns:p14="http://schemas.microsoft.com/office/powerpoint/2007/7/12/main" val="163580420"/>
-              </p:ext>
-            </p:extLst>
-          </p:nvPr>
-        </p:nvGraphicFramePr>
-        <p:xfrm>
-          <a:off x="323528" y="1196752"/>
-          <a:ext cx="8664634" cy="4392488"/>
-        </p:xfrm>
-        <a:graphic>
-          <a:graphicData uri="http://schemas.openxmlformats.org/presentationml/2006/ole">
-            <mc:AlternateContent xmlns:mc="http://schemas.openxmlformats.org/markup-compatibility/2006">
-              <mc:Choice xmlns:v="urn:schemas-microsoft-com:vml" Requires="v">
-                <p:oleObj spid="_x0000_s7171" name="Document" r:id="rId4" imgW="6537672" imgH="3316923" progId="Word.Document.12">
-                  <p:embed/>
-                </p:oleObj>
-              </mc:Choice>
-              <mc:Fallback>
-                <p:oleObj name="Document" r:id="rId4" imgW="6537672" imgH="3316923" progId="Word.Document.12">
-                  <p:embed/>
-                  <p:pic>
-                    <p:nvPicPr>
-                      <p:cNvPr id="0" name=""/>
-                      <p:cNvPicPr/>
-                      <p:nvPr/>
-                    </p:nvPicPr>
-                    <p:blipFill>
-                      <a:blip r:embed="rId5"/>
-                      <a:stretch>
-                        <a:fillRect/>
-                      </a:stretch>
-                    </p:blipFill>
-                    <p:spPr>
-                      <a:xfrm>
-                        <a:off x="0" y="0"/>
-                        <a:ext cx="8664634" cy="4392488"/>
-                      </a:xfrm>
-                      <a:prstGeom prst="rect">
-                        <a:avLst/>
-                      </a:prstGeom>
-                      <a:ln w="12700">
-                        <a:solidFill>
-                          <a:prstClr val="black"/>
-                        </a:solidFill>
-                      </a:ln>
-                    </p:spPr>
-                  </p:pic>
-                </p:oleObj>
-              </mc:Fallback>
-            </mc:AlternateContent>
-          </a:graphicData>
-        </a:graphic>
-      </p:graphicFrame>
+      <p:sp>
+        <p:nvSpPr>
+          <p:cNvPr id="7" name="Espace réservé du texte 2"/>
+          <p:cNvSpPr txBox="1">
+            <a:spLocks/>
+          </p:cNvSpPr>
+          <p:nvPr/>
+        </p:nvSpPr>
+        <p:spPr bwMode="auto">
+          <a:xfrm>
+            <a:off x="827584" y="2924944"/>
+            <a:ext cx="7671197" cy="3071834"/>
+          </a:xfrm>
+          <a:prstGeom prst="rect">
+            <a:avLst/>
+          </a:prstGeom>
+          <a:noFill/>
+          <a:ln>
+            <a:miter lim="800000"/>
+            <a:headEnd/>
+            <a:tailEnd/>
+          </a:ln>
+        </p:spPr>
+        <p:txBody>
+          <a:bodyPr vert="horz" wrap="square" lIns="91440" tIns="45720" rIns="91440" bIns="45720" numCol="1" anchor="t" anchorCtr="0" compatLnSpc="1"/>
+          <a:lstStyle>
+            <a:lvl1pPr marL="0" indent="0" algn="l" rtl="0" eaLnBrk="0" fontAlgn="base" hangingPunct="0">
+              <a:spcBef>
+                <a:spcPct val="20000"/>
+              </a:spcBef>
+              <a:spcAft>
+                <a:spcPct val="0"/>
+              </a:spcAft>
+              <a:buNone/>
+              <a:defRPr lang="fr-FR" sz="3600" b="0" cap="none" spc="0">
+                <a:ln w="18415" cmpd="sng">
+                  <a:solidFill>
+                    <a:srgbClr xmlns:mc="http://schemas.openxmlformats.org/markup-compatibility/2006" xmlns:a14="http://schemas.microsoft.com/office/drawing/2007/7/7/main" val="FFFFFF" mc:Ignorable=""/>
+                  </a:solidFill>
+                  <a:prstDash val="solid"/>
+                </a:ln>
+                <a:solidFill>
+                  <a:srgbClr xmlns:mc="http://schemas.openxmlformats.org/markup-compatibility/2006" xmlns:a14="http://schemas.microsoft.com/office/drawing/2007/7/7/main" val="FFFFFF" mc:Ignorable=""/>
+                </a:solidFill>
+                <a:effectLst>
+                  <a:outerShdw blurRad="63500" dir="3600000" algn="tl" rotWithShape="0">
+                    <a:srgbClr xmlns:mc="http://schemas.openxmlformats.org/markup-compatibility/2006" xmlns:a14="http://schemas.microsoft.com/office/drawing/2007/7/7/main" val="000000" mc:Ignorable="">
+                      <a:alpha val="70000"/>
+                    </a:srgbClr>
+                  </a:outerShdw>
+                </a:effectLst>
+                <a:latin typeface="+mn-lt"/>
+                <a:ea typeface="+mn-ea"/>
+                <a:cs typeface="+mn-cs"/>
+              </a:defRPr>
+            </a:lvl1pPr>
+            <a:lvl2pPr marL="742950" indent="-285750" algn="l" rtl="0" eaLnBrk="0" fontAlgn="base" hangingPunct="0">
+              <a:spcBef>
+                <a:spcPct val="20000"/>
+              </a:spcBef>
+              <a:spcAft>
+                <a:spcPct val="0"/>
+              </a:spcAft>
+              <a:buChar char="–"/>
+              <a:defRPr lang="fr-FR" sz="1100">
+                <a:solidFill>
+                  <a:schemeClr val="tx1"/>
+                </a:solidFill>
+                <a:latin typeface="+mn-lt"/>
+                <a:ea typeface="+mn-ea"/>
+                <a:cs typeface="+mn-cs"/>
+              </a:defRPr>
+            </a:lvl2pPr>
+            <a:lvl3pPr marL="1143000" indent="-228600" algn="l" rtl="0" eaLnBrk="0" fontAlgn="base" hangingPunct="0">
+              <a:spcBef>
+                <a:spcPct val="20000"/>
+              </a:spcBef>
+              <a:spcAft>
+                <a:spcPct val="0"/>
+              </a:spcAft>
+              <a:buChar char="•"/>
+              <a:defRPr lang="fr-FR" sz="1100">
+                <a:solidFill>
+                  <a:schemeClr val="tx1"/>
+                </a:solidFill>
+                <a:latin typeface="+mn-lt"/>
+                <a:ea typeface="+mn-ea"/>
+                <a:cs typeface="+mn-cs"/>
+              </a:defRPr>
+            </a:lvl3pPr>
+            <a:lvl4pPr marL="1600200" indent="-228600" algn="l" rtl="0" eaLnBrk="0" fontAlgn="base" hangingPunct="0">
+              <a:spcBef>
+                <a:spcPct val="20000"/>
+              </a:spcBef>
+              <a:spcAft>
+                <a:spcPct val="0"/>
+              </a:spcAft>
+              <a:buChar char="–"/>
+              <a:defRPr lang="fr-FR" sz="1100">
+                <a:solidFill>
+                  <a:schemeClr val="tx1"/>
+                </a:solidFill>
+                <a:latin typeface="+mn-lt"/>
+                <a:ea typeface="+mn-ea"/>
+                <a:cs typeface="+mn-cs"/>
+              </a:defRPr>
+            </a:lvl4pPr>
+            <a:lvl5pPr marL="2057400" indent="-228600" algn="l" rtl="0" eaLnBrk="0" fontAlgn="base" hangingPunct="0">
+              <a:spcBef>
+                <a:spcPct val="20000"/>
+              </a:spcBef>
+              <a:spcAft>
+                <a:spcPct val="0"/>
+              </a:spcAft>
+              <a:buChar char="»"/>
+              <a:defRPr lang="fr-FR" sz="1100">
+                <a:solidFill>
+                  <a:schemeClr val="tx1"/>
+                </a:solidFill>
+                <a:latin typeface="+mn-lt"/>
+                <a:ea typeface="+mn-ea"/>
+                <a:cs typeface="+mn-cs"/>
+              </a:defRPr>
+            </a:lvl5pPr>
+            <a:lvl6pPr marL="2514600" indent="-228600" algn="l" rtl="0" eaLnBrk="1" latinLnBrk="0" hangingPunct="1">
+              <a:spcBef>
+                <a:spcPct val="20000"/>
+              </a:spcBef>
+              <a:buChar char="•"/>
+              <a:defRPr kumimoji="0" lang="fr-FR" sz="2000">
+                <a:solidFill>
+                  <a:schemeClr val="tx1"/>
+                </a:solidFill>
+                <a:latin typeface="+mn-lt"/>
+                <a:ea typeface="+mn-ea"/>
+                <a:cs typeface="+mn-cs"/>
+              </a:defRPr>
+            </a:lvl6pPr>
+            <a:lvl7pPr marL="2971800" indent="-228600" algn="l" rtl="0" eaLnBrk="1" latinLnBrk="0" hangingPunct="1">
+              <a:spcBef>
+                <a:spcPct val="20000"/>
+              </a:spcBef>
+              <a:buChar char="•"/>
+              <a:defRPr kumimoji="0" lang="fr-FR" sz="2000">
+                <a:solidFill>
+                  <a:schemeClr val="tx1"/>
+                </a:solidFill>
+                <a:latin typeface="+mn-lt"/>
+                <a:ea typeface="+mn-ea"/>
+                <a:cs typeface="+mn-cs"/>
+              </a:defRPr>
+            </a:lvl7pPr>
+            <a:lvl8pPr marL="3429000" indent="-228600" algn="l" rtl="0" eaLnBrk="1" latinLnBrk="0" hangingPunct="1">
+              <a:spcBef>
+                <a:spcPct val="20000"/>
+              </a:spcBef>
+              <a:buChar char="•"/>
+              <a:defRPr kumimoji="0" lang="fr-FR" sz="2000">
+                <a:solidFill>
+                  <a:schemeClr val="tx1"/>
+                </a:solidFill>
+                <a:latin typeface="+mn-lt"/>
+                <a:ea typeface="+mn-ea"/>
+                <a:cs typeface="+mn-cs"/>
+              </a:defRPr>
+            </a:lvl8pPr>
+            <a:lvl9pPr marL="3886200" indent="-228600" algn="l" rtl="0" eaLnBrk="1" latinLnBrk="0" hangingPunct="1">
+              <a:spcBef>
+                <a:spcPct val="20000"/>
+              </a:spcBef>
+              <a:buChar char="•"/>
+              <a:defRPr kumimoji="0" lang="fr-FR" sz="2000">
+                <a:solidFill>
+                  <a:schemeClr val="tx1"/>
+                </a:solidFill>
+                <a:latin typeface="+mn-lt"/>
+                <a:ea typeface="+mn-ea"/>
+                <a:cs typeface="+mn-cs"/>
+              </a:defRPr>
+            </a:lvl9pPr>
+          </a:lstStyle>
+          <a:p>
+            <a:pPr indent="273050" eaLnBrk="1" hangingPunct="1">
+              <a:buClr>
+                <a:srgbClr xmlns:mc="http://schemas.openxmlformats.org/markup-compatibility/2006" xmlns:a14="http://schemas.microsoft.com/office/drawing/2007/7/7/main" val="C44F00" mc:Ignorable=""/>
+              </a:buClr>
+              <a:buFont typeface="Calibri" pitchFamily="34" charset="0"/>
+              <a:buAutoNum type="arabicPeriod"/>
+            </a:pPr>
+            <a:r>
+              <a:rPr lang="en-US" altLang="ko-KR" sz="1600" dirty="0" smtClean="0">
+                <a:ln>
+                  <a:noFill/>
+                </a:ln>
+                <a:solidFill>
+                  <a:schemeClr val="tx1"/>
+                </a:solidFill>
+                <a:effectLst/>
+                <a:ea typeface="굴림" charset="-127"/>
+              </a:rPr>
+              <a:t>Problem understanding</a:t>
+            </a:r>
+          </a:p>
+          <a:p>
+            <a:pPr indent="273050" eaLnBrk="1" hangingPunct="1">
+              <a:buClr>
+                <a:srgbClr xmlns:mc="http://schemas.openxmlformats.org/markup-compatibility/2006" xmlns:a14="http://schemas.microsoft.com/office/drawing/2007/7/7/main" val="C44F00" mc:Ignorable=""/>
+              </a:buClr>
+              <a:buFont typeface="Calibri" pitchFamily="34" charset="0"/>
+              <a:buAutoNum type="arabicPeriod"/>
+            </a:pPr>
+            <a:endParaRPr lang="en-US" altLang="ko-KR" sz="1600" dirty="0">
+              <a:ln>
+                <a:noFill/>
+              </a:ln>
+              <a:solidFill>
+                <a:schemeClr val="tx1"/>
+              </a:solidFill>
+              <a:effectLst/>
+              <a:ea typeface="굴림" charset="-127"/>
+            </a:endParaRPr>
+          </a:p>
+          <a:p>
+            <a:pPr indent="273050" eaLnBrk="1" hangingPunct="1">
+              <a:buClr>
+                <a:srgbClr xmlns:mc="http://schemas.openxmlformats.org/markup-compatibility/2006" xmlns:a14="http://schemas.microsoft.com/office/drawing/2007/7/7/main" val="C44F00" mc:Ignorable=""/>
+              </a:buClr>
+              <a:buFont typeface="Calibri" pitchFamily="34" charset="0"/>
+              <a:buAutoNum type="arabicPeriod"/>
+            </a:pPr>
+            <a:r>
+              <a:rPr lang="en-US" altLang="ko-KR" sz="1600" dirty="0" smtClean="0">
+                <a:ln>
+                  <a:noFill/>
+                </a:ln>
+                <a:solidFill>
+                  <a:schemeClr val="tx1"/>
+                </a:solidFill>
+                <a:effectLst/>
+                <a:ea typeface="굴림" charset="-127"/>
+              </a:rPr>
+              <a:t>Functional requirements (use-case model)</a:t>
+            </a:r>
+          </a:p>
+          <a:p>
+            <a:pPr indent="273050" eaLnBrk="1" hangingPunct="1">
+              <a:buClr>
+                <a:srgbClr xmlns:mc="http://schemas.openxmlformats.org/markup-compatibility/2006" xmlns:a14="http://schemas.microsoft.com/office/drawing/2007/7/7/main" val="C44F00" mc:Ignorable=""/>
+              </a:buClr>
+              <a:buFont typeface="Calibri" pitchFamily="34" charset="0"/>
+              <a:buAutoNum type="arabicPeriod"/>
+            </a:pPr>
+            <a:endParaRPr lang="en-US" altLang="ko-KR" sz="1600" dirty="0">
+              <a:ln>
+                <a:noFill/>
+              </a:ln>
+              <a:solidFill>
+                <a:schemeClr val="tx1"/>
+              </a:solidFill>
+              <a:effectLst/>
+              <a:ea typeface="굴림" charset="-127"/>
+            </a:endParaRPr>
+          </a:p>
+          <a:p>
+            <a:pPr indent="273050" eaLnBrk="1" hangingPunct="1">
+              <a:buClr>
+                <a:srgbClr xmlns:mc="http://schemas.openxmlformats.org/markup-compatibility/2006" xmlns:a14="http://schemas.microsoft.com/office/drawing/2007/7/7/main" val="C44F00" mc:Ignorable=""/>
+              </a:buClr>
+              <a:buFont typeface="Calibri" pitchFamily="34" charset="0"/>
+              <a:buAutoNum type="arabicPeriod"/>
+            </a:pPr>
+            <a:r>
+              <a:rPr lang="en-US" altLang="ko-KR" sz="1600" dirty="0" smtClean="0">
+                <a:ln>
+                  <a:noFill/>
+                </a:ln>
+                <a:solidFill>
+                  <a:schemeClr val="tx1"/>
+                </a:solidFill>
+                <a:effectLst/>
+                <a:ea typeface="굴림" charset="-127"/>
+              </a:rPr>
+              <a:t>Non-functional requirements</a:t>
+            </a:r>
+          </a:p>
+          <a:p>
+            <a:pPr indent="273050" eaLnBrk="1" hangingPunct="1">
+              <a:buClr>
+                <a:srgbClr xmlns:mc="http://schemas.openxmlformats.org/markup-compatibility/2006" xmlns:a14="http://schemas.microsoft.com/office/drawing/2007/7/7/main" val="C44F00" mc:Ignorable=""/>
+              </a:buClr>
+              <a:buFont typeface="Calibri" pitchFamily="34" charset="0"/>
+              <a:buAutoNum type="arabicPeriod"/>
+            </a:pPr>
+            <a:endParaRPr lang="en-US" altLang="ko-KR" sz="1600" dirty="0">
+              <a:ln>
+                <a:noFill/>
+              </a:ln>
+              <a:solidFill>
+                <a:schemeClr val="tx1"/>
+              </a:solidFill>
+              <a:effectLst/>
+              <a:ea typeface="굴림" charset="-127"/>
+            </a:endParaRPr>
+          </a:p>
+          <a:p>
+            <a:pPr indent="273050" eaLnBrk="1" hangingPunct="1">
+              <a:buClr>
+                <a:srgbClr xmlns:mc="http://schemas.openxmlformats.org/markup-compatibility/2006" xmlns:a14="http://schemas.microsoft.com/office/drawing/2007/7/7/main" val="C44F00" mc:Ignorable=""/>
+              </a:buClr>
+              <a:buFont typeface="Calibri" pitchFamily="34" charset="0"/>
+              <a:buAutoNum type="arabicPeriod"/>
+            </a:pPr>
+            <a:r>
+              <a:rPr lang="en-US" altLang="ko-KR" sz="1800" b="1" u="sng" dirty="0" smtClean="0">
+                <a:ln>
+                  <a:noFill/>
+                </a:ln>
+                <a:solidFill>
+                  <a:schemeClr val="tx1"/>
+                </a:solidFill>
+                <a:effectLst/>
+                <a:ea typeface="굴림" charset="-127"/>
+              </a:rPr>
+              <a:t>Usability analysis &amp; design</a:t>
+            </a:r>
+          </a:p>
+          <a:p>
+            <a:pPr lvl="1" eaLnBrk="1" hangingPunct="1">
+              <a:buFontTx/>
+              <a:buNone/>
+            </a:pPr>
+            <a:endParaRPr lang="en-US" altLang="ko-KR" dirty="0" smtClean="0">
+              <a:ea typeface="굴림" charset="-127"/>
+            </a:endParaRPr>
+          </a:p>
+        </p:txBody>
+      </p:sp>
+      <p:pic>
+        <p:nvPicPr>
+          <p:cNvPr id="6" name="Picture 2" descr="D:\Bureau\spacecraft1.jpg"/>
+          <p:cNvPicPr>
+            <a:picLocks noChangeAspect="1" noChangeArrowheads="1"/>
+          </p:cNvPicPr>
+          <p:nvPr/>
+        </p:nvPicPr>
+        <p:blipFill>
+          <a:blip r:embed="rId2" cstate="print"/>
+          <a:srcRect/>
+          <a:stretch>
+            <a:fillRect/>
+          </a:stretch>
+        </p:blipFill>
+        <p:spPr bwMode="auto">
+          <a:xfrm rot="376165">
+            <a:off x="6513130" y="1256731"/>
+            <a:ext cx="2510206" cy="1697273"/>
+          </a:xfrm>
+          <a:prstGeom prst="roundRect">
+            <a:avLst>
+              <a:gd name="adj" fmla="val 8594"/>
+            </a:avLst>
+          </a:prstGeom>
+          <a:solidFill>
+            <a:srgbClr xmlns:mc="http://schemas.openxmlformats.org/markup-compatibility/2006" xmlns:a14="http://schemas.microsoft.com/office/drawing/2007/7/7/main" val="FFFFFF" mc:Ignorable="">
+              <a:shade val="85000"/>
+            </a:srgbClr>
+          </a:solidFill>
+          <a:ln>
+            <a:noFill/>
+          </a:ln>
+          <a:effectLst>
+            <a:outerShdw blurRad="50800" dist="38100" dir="8100000" algn="tr" rotWithShape="0">
+              <a:prstClr val="black">
+                <a:alpha val="40000"/>
+              </a:prstClr>
+            </a:outerShdw>
+            <a:reflection blurRad="12700" stA="38000" endPos="28000" dist="5000" dir="5400000" sy="-100000" algn="bl" rotWithShape="0"/>
+          </a:effectLst>
+        </p:spPr>
+      </p:pic>
     </p:spTree>
     <p:extLst>
       <p:ext uri="{BB962C8B-B14F-4D97-AF65-F5344CB8AC3E}">
-        <p14:creationId xmlns:p14="http://schemas.microsoft.com/office/powerpoint/2007/7/12/main" val="315467668"/>
+        <p14:creationId xmlns:p14="http://schemas.microsoft.com/office/powerpoint/2007/7/12/main" val="1603447579"/>
       </p:ext>
     </p:extLst>
   </p:cSld>
@@ -12843,491 +12868,6 @@
       </p:grpSpPr>
       <p:sp>
         <p:nvSpPr>
-          <p:cNvPr id="4" name="Text Placeholder 3"/>
-          <p:cNvSpPr>
-            <a:spLocks noGrp="1"/>
-          </p:cNvSpPr>
-          <p:nvPr>
-            <p:ph type="body" sz="quarter" idx="10"/>
-          </p:nvPr>
-        </p:nvSpPr>
-        <p:spPr>
-          <a:xfrm>
-            <a:off x="168494" y="773824"/>
-            <a:ext cx="7643866" cy="1143008"/>
-          </a:xfrm>
-        </p:spPr>
-        <p:txBody>
-          <a:bodyPr/>
-          <a:lstStyle/>
-          <a:p>
-            <a:r>
-              <a:rPr lang="fr-FR" dirty="0"/>
-              <a:t>4</a:t>
-            </a:r>
-            <a:r>
-              <a:rPr lang="fr-FR" dirty="0" smtClean="0"/>
-              <a:t>. </a:t>
-            </a:r>
-            <a:r>
-              <a:rPr lang="fr-FR" dirty="0" err="1" smtClean="0"/>
-              <a:t>Usability</a:t>
-            </a:r>
-            <a:r>
-              <a:rPr lang="fr-FR" dirty="0" smtClean="0"/>
-              <a:t> </a:t>
-            </a:r>
-            <a:r>
-              <a:rPr lang="fr-FR" dirty="0" err="1" smtClean="0"/>
-              <a:t>analysis</a:t>
-            </a:r>
-            <a:r>
-              <a:rPr lang="fr-FR" dirty="0" smtClean="0"/>
-              <a:t> &amp; design</a:t>
-            </a:r>
-          </a:p>
-          <a:p>
-            <a:pPr lvl="1" indent="0">
-              <a:buNone/>
-            </a:pPr>
-            <a:r>
-              <a:rPr lang="fr-FR" sz="2400" i="1" smtClean="0"/>
-              <a:t>Prototypes </a:t>
-            </a:r>
-            <a:r>
-              <a:rPr lang="fr-FR" sz="2400" i="1" dirty="0" smtClean="0"/>
-              <a:t>&amp; </a:t>
-            </a:r>
-            <a:r>
-              <a:rPr lang="fr-FR" sz="2400" i="1" dirty="0" err="1" smtClean="0"/>
-              <a:t>usability</a:t>
-            </a:r>
-            <a:r>
-              <a:rPr lang="fr-FR" sz="2400" i="1" dirty="0" smtClean="0"/>
-              <a:t> scenarios discussions</a:t>
-            </a:r>
-          </a:p>
-        </p:txBody>
-      </p:sp>
-      <p:sp>
-        <p:nvSpPr>
-          <p:cNvPr id="7" name="Espace réservé du texte 2"/>
-          <p:cNvSpPr txBox="1">
-            <a:spLocks/>
-          </p:cNvSpPr>
-          <p:nvPr/>
-        </p:nvSpPr>
-        <p:spPr bwMode="auto">
-          <a:xfrm>
-            <a:off x="827584" y="2924944"/>
-            <a:ext cx="7671197" cy="3071834"/>
-          </a:xfrm>
-          <a:prstGeom prst="rect">
-            <a:avLst/>
-          </a:prstGeom>
-          <a:noFill/>
-          <a:ln>
-            <a:miter lim="800000"/>
-            <a:headEnd/>
-            <a:tailEnd/>
-          </a:ln>
-        </p:spPr>
-        <p:txBody>
-          <a:bodyPr vert="horz" wrap="square" lIns="91440" tIns="45720" rIns="91440" bIns="45720" numCol="1" anchor="t" anchorCtr="0" compatLnSpc="1"/>
-          <a:lstStyle>
-            <a:lvl1pPr marL="0" indent="0" algn="l" rtl="0" eaLnBrk="0" fontAlgn="base" hangingPunct="0">
-              <a:spcBef>
-                <a:spcPct val="20000"/>
-              </a:spcBef>
-              <a:spcAft>
-                <a:spcPct val="0"/>
-              </a:spcAft>
-              <a:buNone/>
-              <a:defRPr lang="fr-FR" sz="3600" b="0" cap="none" spc="0">
-                <a:ln w="18415" cmpd="sng">
-                  <a:solidFill>
-                    <a:srgbClr xmlns:mc="http://schemas.openxmlformats.org/markup-compatibility/2006" xmlns:a14="http://schemas.microsoft.com/office/drawing/2007/7/7/main" val="FFFFFF" mc:Ignorable=""/>
-                  </a:solidFill>
-                  <a:prstDash val="solid"/>
-                </a:ln>
-                <a:solidFill>
-                  <a:srgbClr xmlns:mc="http://schemas.openxmlformats.org/markup-compatibility/2006" xmlns:a14="http://schemas.microsoft.com/office/drawing/2007/7/7/main" val="FFFFFF" mc:Ignorable=""/>
-                </a:solidFill>
-                <a:effectLst>
-                  <a:outerShdw blurRad="63500" dir="3600000" algn="tl" rotWithShape="0">
-                    <a:srgbClr xmlns:mc="http://schemas.openxmlformats.org/markup-compatibility/2006" xmlns:a14="http://schemas.microsoft.com/office/drawing/2007/7/7/main" val="000000" mc:Ignorable="">
-                      <a:alpha val="70000"/>
-                    </a:srgbClr>
-                  </a:outerShdw>
-                </a:effectLst>
-                <a:latin typeface="+mn-lt"/>
-                <a:ea typeface="+mn-ea"/>
-                <a:cs typeface="+mn-cs"/>
-              </a:defRPr>
-            </a:lvl1pPr>
-            <a:lvl2pPr marL="742950" indent="-285750" algn="l" rtl="0" eaLnBrk="0" fontAlgn="base" hangingPunct="0">
-              <a:spcBef>
-                <a:spcPct val="20000"/>
-              </a:spcBef>
-              <a:spcAft>
-                <a:spcPct val="0"/>
-              </a:spcAft>
-              <a:buChar char="–"/>
-              <a:defRPr lang="fr-FR" sz="1100">
-                <a:solidFill>
-                  <a:schemeClr val="tx1"/>
-                </a:solidFill>
-                <a:latin typeface="+mn-lt"/>
-                <a:ea typeface="+mn-ea"/>
-                <a:cs typeface="+mn-cs"/>
-              </a:defRPr>
-            </a:lvl2pPr>
-            <a:lvl3pPr marL="1143000" indent="-228600" algn="l" rtl="0" eaLnBrk="0" fontAlgn="base" hangingPunct="0">
-              <a:spcBef>
-                <a:spcPct val="20000"/>
-              </a:spcBef>
-              <a:spcAft>
-                <a:spcPct val="0"/>
-              </a:spcAft>
-              <a:buChar char="•"/>
-              <a:defRPr lang="fr-FR" sz="1100">
-                <a:solidFill>
-                  <a:schemeClr val="tx1"/>
-                </a:solidFill>
-                <a:latin typeface="+mn-lt"/>
-                <a:ea typeface="+mn-ea"/>
-                <a:cs typeface="+mn-cs"/>
-              </a:defRPr>
-            </a:lvl3pPr>
-            <a:lvl4pPr marL="1600200" indent="-228600" algn="l" rtl="0" eaLnBrk="0" fontAlgn="base" hangingPunct="0">
-              <a:spcBef>
-                <a:spcPct val="20000"/>
-              </a:spcBef>
-              <a:spcAft>
-                <a:spcPct val="0"/>
-              </a:spcAft>
-              <a:buChar char="–"/>
-              <a:defRPr lang="fr-FR" sz="1100">
-                <a:solidFill>
-                  <a:schemeClr val="tx1"/>
-                </a:solidFill>
-                <a:latin typeface="+mn-lt"/>
-                <a:ea typeface="+mn-ea"/>
-                <a:cs typeface="+mn-cs"/>
-              </a:defRPr>
-            </a:lvl4pPr>
-            <a:lvl5pPr marL="2057400" indent="-228600" algn="l" rtl="0" eaLnBrk="0" fontAlgn="base" hangingPunct="0">
-              <a:spcBef>
-                <a:spcPct val="20000"/>
-              </a:spcBef>
-              <a:spcAft>
-                <a:spcPct val="0"/>
-              </a:spcAft>
-              <a:buChar char="»"/>
-              <a:defRPr lang="fr-FR" sz="1100">
-                <a:solidFill>
-                  <a:schemeClr val="tx1"/>
-                </a:solidFill>
-                <a:latin typeface="+mn-lt"/>
-                <a:ea typeface="+mn-ea"/>
-                <a:cs typeface="+mn-cs"/>
-              </a:defRPr>
-            </a:lvl5pPr>
-            <a:lvl6pPr marL="2514600" indent="-228600" algn="l" rtl="0" eaLnBrk="1" latinLnBrk="0" hangingPunct="1">
-              <a:spcBef>
-                <a:spcPct val="20000"/>
-              </a:spcBef>
-              <a:buChar char="•"/>
-              <a:defRPr kumimoji="0" lang="fr-FR" sz="2000">
-                <a:solidFill>
-                  <a:schemeClr val="tx1"/>
-                </a:solidFill>
-                <a:latin typeface="+mn-lt"/>
-                <a:ea typeface="+mn-ea"/>
-                <a:cs typeface="+mn-cs"/>
-              </a:defRPr>
-            </a:lvl6pPr>
-            <a:lvl7pPr marL="2971800" indent="-228600" algn="l" rtl="0" eaLnBrk="1" latinLnBrk="0" hangingPunct="1">
-              <a:spcBef>
-                <a:spcPct val="20000"/>
-              </a:spcBef>
-              <a:buChar char="•"/>
-              <a:defRPr kumimoji="0" lang="fr-FR" sz="2000">
-                <a:solidFill>
-                  <a:schemeClr val="tx1"/>
-                </a:solidFill>
-                <a:latin typeface="+mn-lt"/>
-                <a:ea typeface="+mn-ea"/>
-                <a:cs typeface="+mn-cs"/>
-              </a:defRPr>
-            </a:lvl7pPr>
-            <a:lvl8pPr marL="3429000" indent="-228600" algn="l" rtl="0" eaLnBrk="1" latinLnBrk="0" hangingPunct="1">
-              <a:spcBef>
-                <a:spcPct val="20000"/>
-              </a:spcBef>
-              <a:buChar char="•"/>
-              <a:defRPr kumimoji="0" lang="fr-FR" sz="2000">
-                <a:solidFill>
-                  <a:schemeClr val="tx1"/>
-                </a:solidFill>
-                <a:latin typeface="+mn-lt"/>
-                <a:ea typeface="+mn-ea"/>
-                <a:cs typeface="+mn-cs"/>
-              </a:defRPr>
-            </a:lvl8pPr>
-            <a:lvl9pPr marL="3886200" indent="-228600" algn="l" rtl="0" eaLnBrk="1" latinLnBrk="0" hangingPunct="1">
-              <a:spcBef>
-                <a:spcPct val="20000"/>
-              </a:spcBef>
-              <a:buChar char="•"/>
-              <a:defRPr kumimoji="0" lang="fr-FR" sz="2000">
-                <a:solidFill>
-                  <a:schemeClr val="tx1"/>
-                </a:solidFill>
-                <a:latin typeface="+mn-lt"/>
-                <a:ea typeface="+mn-ea"/>
-                <a:cs typeface="+mn-cs"/>
-              </a:defRPr>
-            </a:lvl9pPr>
-          </a:lstStyle>
-          <a:p>
-            <a:pPr indent="273050" eaLnBrk="1" hangingPunct="1">
-              <a:buClr>
-                <a:srgbClr xmlns:mc="http://schemas.openxmlformats.org/markup-compatibility/2006" xmlns:a14="http://schemas.microsoft.com/office/drawing/2007/7/7/main" val="C44F00" mc:Ignorable=""/>
-              </a:buClr>
-              <a:buFont typeface="Calibri" pitchFamily="34" charset="0"/>
-              <a:buAutoNum type="arabicPeriod"/>
-            </a:pPr>
-            <a:r>
-              <a:rPr lang="en-US" altLang="ko-KR" sz="1600" dirty="0" smtClean="0">
-                <a:ln>
-                  <a:noFill/>
-                </a:ln>
-                <a:solidFill>
-                  <a:schemeClr val="tx1"/>
-                </a:solidFill>
-                <a:effectLst/>
-                <a:ea typeface="굴림" charset="-127"/>
-              </a:rPr>
-              <a:t>Problem understanding</a:t>
-            </a:r>
-          </a:p>
-          <a:p>
-            <a:pPr indent="273050" eaLnBrk="1" hangingPunct="1">
-              <a:buClr>
-                <a:srgbClr xmlns:mc="http://schemas.openxmlformats.org/markup-compatibility/2006" xmlns:a14="http://schemas.microsoft.com/office/drawing/2007/7/7/main" val="C44F00" mc:Ignorable=""/>
-              </a:buClr>
-              <a:buFont typeface="Calibri" pitchFamily="34" charset="0"/>
-              <a:buAutoNum type="arabicPeriod"/>
-            </a:pPr>
-            <a:endParaRPr lang="en-US" altLang="ko-KR" sz="1600" dirty="0">
-              <a:ln>
-                <a:noFill/>
-              </a:ln>
-              <a:solidFill>
-                <a:schemeClr val="tx1"/>
-              </a:solidFill>
-              <a:effectLst/>
-              <a:ea typeface="굴림" charset="-127"/>
-            </a:endParaRPr>
-          </a:p>
-          <a:p>
-            <a:pPr indent="273050" eaLnBrk="1" hangingPunct="1">
-              <a:buClr>
-                <a:srgbClr xmlns:mc="http://schemas.openxmlformats.org/markup-compatibility/2006" xmlns:a14="http://schemas.microsoft.com/office/drawing/2007/7/7/main" val="C44F00" mc:Ignorable=""/>
-              </a:buClr>
-              <a:buFont typeface="Calibri" pitchFamily="34" charset="0"/>
-              <a:buAutoNum type="arabicPeriod"/>
-            </a:pPr>
-            <a:r>
-              <a:rPr lang="en-US" altLang="ko-KR" sz="1600" dirty="0" smtClean="0">
-                <a:ln>
-                  <a:noFill/>
-                </a:ln>
-                <a:solidFill>
-                  <a:schemeClr val="tx1"/>
-                </a:solidFill>
-                <a:effectLst/>
-                <a:ea typeface="굴림" charset="-127"/>
-              </a:rPr>
-              <a:t>Functional requirements (use-case model)</a:t>
-            </a:r>
-          </a:p>
-          <a:p>
-            <a:pPr indent="273050" eaLnBrk="1" hangingPunct="1">
-              <a:buClr>
-                <a:srgbClr xmlns:mc="http://schemas.openxmlformats.org/markup-compatibility/2006" xmlns:a14="http://schemas.microsoft.com/office/drawing/2007/7/7/main" val="C44F00" mc:Ignorable=""/>
-              </a:buClr>
-              <a:buFont typeface="Calibri" pitchFamily="34" charset="0"/>
-              <a:buAutoNum type="arabicPeriod"/>
-            </a:pPr>
-            <a:endParaRPr lang="en-US" altLang="ko-KR" sz="1600" dirty="0">
-              <a:ln>
-                <a:noFill/>
-              </a:ln>
-              <a:solidFill>
-                <a:schemeClr val="tx1"/>
-              </a:solidFill>
-              <a:effectLst/>
-              <a:ea typeface="굴림" charset="-127"/>
-            </a:endParaRPr>
-          </a:p>
-          <a:p>
-            <a:pPr indent="273050" eaLnBrk="1" hangingPunct="1">
-              <a:buClr>
-                <a:srgbClr xmlns:mc="http://schemas.openxmlformats.org/markup-compatibility/2006" xmlns:a14="http://schemas.microsoft.com/office/drawing/2007/7/7/main" val="C44F00" mc:Ignorable=""/>
-              </a:buClr>
-              <a:buFont typeface="Calibri" pitchFamily="34" charset="0"/>
-              <a:buAutoNum type="arabicPeriod"/>
-            </a:pPr>
-            <a:r>
-              <a:rPr lang="en-US" altLang="ko-KR" sz="1600" dirty="0" smtClean="0">
-                <a:ln>
-                  <a:noFill/>
-                </a:ln>
-                <a:solidFill>
-                  <a:schemeClr val="tx1"/>
-                </a:solidFill>
-                <a:effectLst/>
-                <a:ea typeface="굴림" charset="-127"/>
-              </a:rPr>
-              <a:t>Non-functional requirements</a:t>
-            </a:r>
-          </a:p>
-          <a:p>
-            <a:pPr indent="273050" eaLnBrk="1" hangingPunct="1">
-              <a:buClr>
-                <a:srgbClr xmlns:mc="http://schemas.openxmlformats.org/markup-compatibility/2006" xmlns:a14="http://schemas.microsoft.com/office/drawing/2007/7/7/main" val="C44F00" mc:Ignorable=""/>
-              </a:buClr>
-              <a:buFont typeface="Calibri" pitchFamily="34" charset="0"/>
-              <a:buAutoNum type="arabicPeriod"/>
-            </a:pPr>
-            <a:endParaRPr lang="en-US" altLang="ko-KR" sz="1600" dirty="0">
-              <a:ln>
-                <a:noFill/>
-              </a:ln>
-              <a:solidFill>
-                <a:schemeClr val="tx1"/>
-              </a:solidFill>
-              <a:effectLst/>
-              <a:ea typeface="굴림" charset="-127"/>
-            </a:endParaRPr>
-          </a:p>
-          <a:p>
-            <a:pPr indent="273050" eaLnBrk="1" hangingPunct="1">
-              <a:buClr>
-                <a:srgbClr xmlns:mc="http://schemas.openxmlformats.org/markup-compatibility/2006" xmlns:a14="http://schemas.microsoft.com/office/drawing/2007/7/7/main" val="C44F00" mc:Ignorable=""/>
-              </a:buClr>
-              <a:buFont typeface="Calibri" pitchFamily="34" charset="0"/>
-              <a:buAutoNum type="arabicPeriod"/>
-            </a:pPr>
-            <a:r>
-              <a:rPr lang="en-US" altLang="ko-KR" sz="1800" b="1" u="sng" dirty="0" smtClean="0">
-                <a:ln>
-                  <a:noFill/>
-                </a:ln>
-                <a:solidFill>
-                  <a:schemeClr val="tx1"/>
-                </a:solidFill>
-                <a:effectLst/>
-                <a:ea typeface="굴림" charset="-127"/>
-              </a:rPr>
-              <a:t>Usability analysis &amp; design</a:t>
-            </a:r>
-          </a:p>
-          <a:p>
-            <a:pPr lvl="1" eaLnBrk="1" hangingPunct="1">
-              <a:buFontTx/>
-              <a:buNone/>
-            </a:pPr>
-            <a:endParaRPr lang="en-US" altLang="ko-KR" dirty="0" smtClean="0">
-              <a:ea typeface="굴림" charset="-127"/>
-            </a:endParaRPr>
-          </a:p>
-        </p:txBody>
-      </p:sp>
-      <p:pic>
-        <p:nvPicPr>
-          <p:cNvPr id="6" name="Picture 2" descr="D:\Bureau\spacecraft1.jpg"/>
-          <p:cNvPicPr>
-            <a:picLocks noChangeAspect="1" noChangeArrowheads="1"/>
-          </p:cNvPicPr>
-          <p:nvPr/>
-        </p:nvPicPr>
-        <p:blipFill>
-          <a:blip r:embed="rId2" cstate="print"/>
-          <a:srcRect/>
-          <a:stretch>
-            <a:fillRect/>
-          </a:stretch>
-        </p:blipFill>
-        <p:spPr bwMode="auto">
-          <a:xfrm rot="376165">
-            <a:off x="6513130" y="1256731"/>
-            <a:ext cx="2510206" cy="1697273"/>
-          </a:xfrm>
-          <a:prstGeom prst="roundRect">
-            <a:avLst>
-              <a:gd name="adj" fmla="val 8594"/>
-            </a:avLst>
-          </a:prstGeom>
-          <a:solidFill>
-            <a:srgbClr xmlns:mc="http://schemas.openxmlformats.org/markup-compatibility/2006" xmlns:a14="http://schemas.microsoft.com/office/drawing/2007/7/7/main" val="FFFFFF" mc:Ignorable="">
-              <a:shade val="85000"/>
-            </a:srgbClr>
-          </a:solidFill>
-          <a:ln>
-            <a:noFill/>
-          </a:ln>
-          <a:effectLst>
-            <a:outerShdw blurRad="50800" dist="38100" dir="8100000" algn="tr" rotWithShape="0">
-              <a:prstClr val="black">
-                <a:alpha val="40000"/>
-              </a:prstClr>
-            </a:outerShdw>
-            <a:reflection blurRad="12700" stA="38000" endPos="28000" dist="5000" dir="5400000" sy="-100000" algn="bl" rotWithShape="0"/>
-          </a:effectLst>
-        </p:spPr>
-      </p:pic>
-    </p:spTree>
-    <p:extLst>
-      <p:ext uri="{BB962C8B-B14F-4D97-AF65-F5344CB8AC3E}">
-        <p14:creationId xmlns:p14="http://schemas.microsoft.com/office/powerpoint/2007/7/12/main" val="1603447579"/>
-      </p:ext>
-    </p:extLst>
-  </p:cSld>
-  <p:clrMapOvr>
-    <a:masterClrMapping/>
-  </p:clrMapOvr>
-  <p:timing>
-    <p:tnLst>
-      <p:par>
-        <p:cTn xmlns:p14="http://schemas.microsoft.com/office/powerpoint/2007/7/12/main" id="1" dur="indefinite" restart="never" nodeType="tmRoot"/>
-      </p:par>
-    </p:tnLst>
-  </p:timing>
-</p:sld>
-</file>
-
-<file path=ppt/slides/slide21.xml><?xml version="1.0" encoding="utf-8"?>
-<p:sld xmlns:a="http://schemas.openxmlformats.org/drawingml/2006/main" xmlns:r="http://schemas.openxmlformats.org/officeDocument/2006/relationships" xmlns:p="http://schemas.openxmlformats.org/presentationml/2006/main">
-  <p:cSld>
-    <p:spTree>
-      <p:nvGrpSpPr>
-        <p:cNvPr id="1" name=""/>
-        <p:cNvGrpSpPr/>
-        <p:nvPr/>
-      </p:nvGrpSpPr>
-      <p:grpSpPr>
-        <a:xfrm>
-          <a:off x="0" y="0"/>
-          <a:ext cx="0" cy="0"/>
-          <a:chOff x="0" y="0"/>
-          <a:chExt cx="0" cy="0"/>
-        </a:xfrm>
-      </p:grpSpPr>
-      <p:sp>
-        <p:nvSpPr>
           <p:cNvPr id="3" name="Title 2"/>
           <p:cNvSpPr>
             <a:spLocks noGrp="1"/>
@@ -13798,6 +13338,170 @@
     <p:extLst>
       <p:ext uri="{BB962C8B-B14F-4D97-AF65-F5344CB8AC3E}">
         <p14:creationId xmlns:p14="http://schemas.microsoft.com/office/powerpoint/2007/7/12/main" val="578897846"/>
+      </p:ext>
+    </p:extLst>
+  </p:cSld>
+  <p:clrMapOvr>
+    <a:masterClrMapping/>
+  </p:clrMapOvr>
+  <p:timing>
+    <p:tnLst>
+      <p:par>
+        <p:cTn xmlns:p14="http://schemas.microsoft.com/office/powerpoint/2007/7/12/main" id="1" dur="indefinite" restart="never" nodeType="tmRoot"/>
+      </p:par>
+    </p:tnLst>
+  </p:timing>
+</p:sld>
+</file>
+
+<file path=ppt/slides/slide21.xml><?xml version="1.0" encoding="utf-8"?>
+<p:sld xmlns:a="http://schemas.openxmlformats.org/drawingml/2006/main" xmlns:r="http://schemas.openxmlformats.org/officeDocument/2006/relationships" xmlns:p="http://schemas.openxmlformats.org/presentationml/2006/main">
+  <p:cSld>
+    <p:spTree>
+      <p:nvGrpSpPr>
+        <p:cNvPr id="1" name=""/>
+        <p:cNvGrpSpPr/>
+        <p:nvPr/>
+      </p:nvGrpSpPr>
+      <p:grpSpPr>
+        <a:xfrm>
+          <a:off x="0" y="0"/>
+          <a:ext cx="0" cy="0"/>
+          <a:chOff x="0" y="0"/>
+          <a:chExt cx="0" cy="0"/>
+        </a:xfrm>
+      </p:grpSpPr>
+      <p:sp>
+        <p:nvSpPr>
+          <p:cNvPr id="2" name="Title 1"/>
+          <p:cNvSpPr>
+            <a:spLocks noGrp="1"/>
+          </p:cNvSpPr>
+          <p:nvPr>
+            <p:ph type="ctrTitle"/>
+          </p:nvPr>
+        </p:nvSpPr>
+        <p:spPr/>
+        <p:txBody>
+          <a:bodyPr/>
+          <a:lstStyle/>
+          <a:p>
+            <a:endParaRPr lang="fr-FR"/>
+          </a:p>
+        </p:txBody>
+      </p:sp>
+      <p:sp>
+        <p:nvSpPr>
+          <p:cNvPr id="3" name="Text Placeholder 2"/>
+          <p:cNvSpPr>
+            <a:spLocks noGrp="1"/>
+          </p:cNvSpPr>
+          <p:nvPr>
+            <p:ph type="body" sz="quarter" idx="10"/>
+          </p:nvPr>
+        </p:nvSpPr>
+        <p:spPr/>
+        <p:txBody>
+          <a:bodyPr/>
+          <a:lstStyle/>
+          <a:p>
+            <a:endParaRPr lang="fr-FR" dirty="0"/>
+          </a:p>
+        </p:txBody>
+      </p:sp>
+      <p:sp>
+        <p:nvSpPr>
+          <p:cNvPr id="5" name="Rectangle 4"/>
+          <p:cNvSpPr/>
+          <p:nvPr/>
+        </p:nvSpPr>
+        <p:spPr>
+          <a:xfrm>
+            <a:off x="0" y="0"/>
+            <a:ext cx="9144000" cy="6858000"/>
+          </a:xfrm>
+          <a:prstGeom prst="rect">
+            <a:avLst/>
+          </a:prstGeom>
+          <a:solidFill>
+            <a:schemeClr val="tx1"/>
+          </a:solidFill>
+          <a:ln>
+            <a:solidFill>
+              <a:schemeClr val="tx1"/>
+            </a:solidFill>
+          </a:ln>
+        </p:spPr>
+        <p:style>
+          <a:lnRef idx="2">
+            <a:schemeClr val="accent1">
+              <a:shade val="50000"/>
+            </a:schemeClr>
+          </a:lnRef>
+          <a:fillRef idx="1">
+            <a:schemeClr val="accent1"/>
+          </a:fillRef>
+          <a:effectRef idx="0">
+            <a:schemeClr val="accent1"/>
+          </a:effectRef>
+          <a:fontRef idx="minor">
+            <a:schemeClr val="lt1"/>
+          </a:fontRef>
+        </p:style>
+        <p:txBody>
+          <a:bodyPr rtlCol="0" anchor="ctr"/>
+          <a:lstStyle/>
+          <a:p>
+            <a:pPr algn="ctr"/>
+            <a:endParaRPr lang="fr-FR"/>
+          </a:p>
+        </p:txBody>
+      </p:sp>
+      <p:pic>
+        <p:nvPicPr>
+          <p:cNvPr id="6" name="Picture 2" descr="D:\Documents\UTBM\MON CURSUS\GI05\KAIST\Projects\euroteam\Project 1\Part Final\Prototypes\screen1_Systems.jpg"/>
+          <p:cNvPicPr>
+            <a:picLocks noChangeAspect="1" noChangeArrowheads="1"/>
+          </p:cNvPicPr>
+          <p:nvPr/>
+        </p:nvPicPr>
+        <p:blipFill>
+          <a:blip r:embed="rId2">
+            <a:extLst>
+              <a:ext uri="28A0092B-C50C-407e-A947-70E740481C1C">
+                <a14:useLocalDpi xmlns:a14="http://schemas.microsoft.com/office/drawing/2007/7/7/main" val="0"/>
+              </a:ext>
+            </a:extLst>
+          </a:blip>
+          <a:srcRect/>
+          <a:stretch>
+            <a:fillRect/>
+          </a:stretch>
+        </p:blipFill>
+        <p:spPr bwMode="auto">
+          <a:xfrm>
+            <a:off x="251520" y="-1"/>
+            <a:ext cx="8568952" cy="6855161"/>
+          </a:xfrm>
+          <a:prstGeom prst="rect">
+            <a:avLst/>
+          </a:prstGeom>
+          <a:noFill/>
+          <a:extLst>
+            <a:ext uri="{909E8E84-426E-40dd-AFC4-6F175D3DCCD1}">
+              <a14:hiddenFill xmlns:a14="http://schemas.microsoft.com/office/drawing/2007/7/7/main">
+                <a:solidFill>
+                  <a:srgbClr xmlns:mc="http://schemas.openxmlformats.org/markup-compatibility/2006" val="FFFFFF" mc:Ignorable=""/>
+                </a:solidFill>
+              </a14:hiddenFill>
+            </a:ext>
+          </a:extLst>
+        </p:spPr>
+      </p:pic>
+    </p:spTree>
+    <p:extLst>
+      <p:ext uri="{BB962C8B-B14F-4D97-AF65-F5344CB8AC3E}">
+        <p14:creationId xmlns:p14="http://schemas.microsoft.com/office/powerpoint/2007/7/12/main" val="2278854831"/>
       </p:ext>
     </p:extLst>
   </p:cSld>
@@ -13919,7 +13623,7 @@
       </p:sp>
       <p:pic>
         <p:nvPicPr>
-          <p:cNvPr id="6" name="Picture 2" descr="D:\Documents\UTBM\MON CURSUS\GI05\KAIST\Projects\euroteam\Project 1\Part Final\Prototypes\screen1_Systems.jpg"/>
+          <p:cNvPr id="4098" name="Picture 2" descr="D:\Documents\UTBM\MON CURSUS\GI05\KAIST\Projects\euroteam\Project 1\Part Final\Prototypes\screen2_Information.jpg"/>
           <p:cNvPicPr>
             <a:picLocks noChangeAspect="1" noChangeArrowheads="1"/>
           </p:cNvPicPr>
@@ -13940,8 +13644,8 @@
         </p:blipFill>
         <p:spPr bwMode="auto">
           <a:xfrm>
-            <a:off x="251520" y="-1"/>
-            <a:ext cx="8568952" cy="6855161"/>
+            <a:off x="324480" y="30984"/>
+            <a:ext cx="8568000" cy="6854400"/>
           </a:xfrm>
           <a:prstGeom prst="rect">
             <a:avLst/>
@@ -13955,13 +13659,16 @@
                 </a:solidFill>
               </a14:hiddenFill>
             </a:ext>
+            <a:ext uri="{53640926-AAD7-44d8-BBD7-CCE9431645EC}">
+              <a14:shadowObscured xmlns:a14="http://schemas.microsoft.com/office/drawing/2007/7/7/main" val="1"/>
+            </a:ext>
           </a:extLst>
         </p:spPr>
       </p:pic>
     </p:spTree>
     <p:extLst>
       <p:ext uri="{BB962C8B-B14F-4D97-AF65-F5344CB8AC3E}">
-        <p14:creationId xmlns:p14="http://schemas.microsoft.com/office/powerpoint/2007/7/12/main" val="2278854831"/>
+        <p14:creationId xmlns:p14="http://schemas.microsoft.com/office/powerpoint/2007/7/12/main" val="1829070041"/>
       </p:ext>
     </p:extLst>
   </p:cSld>
@@ -14083,7 +13790,7 @@
       </p:sp>
       <p:pic>
         <p:nvPicPr>
-          <p:cNvPr id="4098" name="Picture 2" descr="D:\Documents\UTBM\MON CURSUS\GI05\KAIST\Projects\euroteam\Project 1\Part Final\Prototypes\screen2_Information.jpg"/>
+          <p:cNvPr id="5122" name="Picture 2" descr="D:\Documents\UTBM\MON CURSUS\GI05\KAIST\Projects\euroteam\Project 1\Part Final\Prototypes\screen3_Logs.jpg"/>
           <p:cNvPicPr>
             <a:picLocks noChangeAspect="1" noChangeArrowheads="1"/>
           </p:cNvPicPr>
@@ -14104,7 +13811,7 @@
         </p:blipFill>
         <p:spPr bwMode="auto">
           <a:xfrm>
-            <a:off x="324480" y="30984"/>
+            <a:off x="323528" y="0"/>
             <a:ext cx="8568000" cy="6854400"/>
           </a:xfrm>
           <a:prstGeom prst="rect">
@@ -14118,9 +13825,6 @@
                   <a:srgbClr xmlns:mc="http://schemas.openxmlformats.org/markup-compatibility/2006" val="FFFFFF" mc:Ignorable=""/>
                 </a:solidFill>
               </a14:hiddenFill>
-            </a:ext>
-            <a:ext uri="{53640926-AAD7-44d8-BBD7-CCE9431645EC}">
-              <a14:shadowObscured xmlns:a14="http://schemas.microsoft.com/office/drawing/2007/7/7/main" val="1"/>
             </a:ext>
           </a:extLst>
         </p:spPr>
@@ -14164,170 +13868,6 @@
       </p:grpSpPr>
       <p:sp>
         <p:nvSpPr>
-          <p:cNvPr id="2" name="Title 1"/>
-          <p:cNvSpPr>
-            <a:spLocks noGrp="1"/>
-          </p:cNvSpPr>
-          <p:nvPr>
-            <p:ph type="ctrTitle"/>
-          </p:nvPr>
-        </p:nvSpPr>
-        <p:spPr/>
-        <p:txBody>
-          <a:bodyPr/>
-          <a:lstStyle/>
-          <a:p>
-            <a:endParaRPr lang="fr-FR"/>
-          </a:p>
-        </p:txBody>
-      </p:sp>
-      <p:sp>
-        <p:nvSpPr>
-          <p:cNvPr id="3" name="Text Placeholder 2"/>
-          <p:cNvSpPr>
-            <a:spLocks noGrp="1"/>
-          </p:cNvSpPr>
-          <p:nvPr>
-            <p:ph type="body" sz="quarter" idx="10"/>
-          </p:nvPr>
-        </p:nvSpPr>
-        <p:spPr/>
-        <p:txBody>
-          <a:bodyPr/>
-          <a:lstStyle/>
-          <a:p>
-            <a:endParaRPr lang="fr-FR" dirty="0"/>
-          </a:p>
-        </p:txBody>
-      </p:sp>
-      <p:sp>
-        <p:nvSpPr>
-          <p:cNvPr id="5" name="Rectangle 4"/>
-          <p:cNvSpPr/>
-          <p:nvPr/>
-        </p:nvSpPr>
-        <p:spPr>
-          <a:xfrm>
-            <a:off x="0" y="0"/>
-            <a:ext cx="9144000" cy="6858000"/>
-          </a:xfrm>
-          <a:prstGeom prst="rect">
-            <a:avLst/>
-          </a:prstGeom>
-          <a:solidFill>
-            <a:schemeClr val="tx1"/>
-          </a:solidFill>
-          <a:ln>
-            <a:solidFill>
-              <a:schemeClr val="tx1"/>
-            </a:solidFill>
-          </a:ln>
-        </p:spPr>
-        <p:style>
-          <a:lnRef idx="2">
-            <a:schemeClr val="accent1">
-              <a:shade val="50000"/>
-            </a:schemeClr>
-          </a:lnRef>
-          <a:fillRef idx="1">
-            <a:schemeClr val="accent1"/>
-          </a:fillRef>
-          <a:effectRef idx="0">
-            <a:schemeClr val="accent1"/>
-          </a:effectRef>
-          <a:fontRef idx="minor">
-            <a:schemeClr val="lt1"/>
-          </a:fontRef>
-        </p:style>
-        <p:txBody>
-          <a:bodyPr rtlCol="0" anchor="ctr"/>
-          <a:lstStyle/>
-          <a:p>
-            <a:pPr algn="ctr"/>
-            <a:endParaRPr lang="fr-FR"/>
-          </a:p>
-        </p:txBody>
-      </p:sp>
-      <p:pic>
-        <p:nvPicPr>
-          <p:cNvPr id="5122" name="Picture 2" descr="D:\Documents\UTBM\MON CURSUS\GI05\KAIST\Projects\euroteam\Project 1\Part Final\Prototypes\screen3_Logs.jpg"/>
-          <p:cNvPicPr>
-            <a:picLocks noChangeAspect="1" noChangeArrowheads="1"/>
-          </p:cNvPicPr>
-          <p:nvPr/>
-        </p:nvPicPr>
-        <p:blipFill>
-          <a:blip r:embed="rId2">
-            <a:extLst>
-              <a:ext uri="28A0092B-C50C-407e-A947-70E740481C1C">
-                <a14:useLocalDpi xmlns:a14="http://schemas.microsoft.com/office/drawing/2007/7/7/main" val="0"/>
-              </a:ext>
-            </a:extLst>
-          </a:blip>
-          <a:srcRect/>
-          <a:stretch>
-            <a:fillRect/>
-          </a:stretch>
-        </p:blipFill>
-        <p:spPr bwMode="auto">
-          <a:xfrm>
-            <a:off x="323528" y="0"/>
-            <a:ext cx="8568000" cy="6854400"/>
-          </a:xfrm>
-          <a:prstGeom prst="rect">
-            <a:avLst/>
-          </a:prstGeom>
-          <a:noFill/>
-          <a:extLst>
-            <a:ext uri="{909E8E84-426E-40dd-AFC4-6F175D3DCCD1}">
-              <a14:hiddenFill xmlns:a14="http://schemas.microsoft.com/office/drawing/2007/7/7/main">
-                <a:solidFill>
-                  <a:srgbClr xmlns:mc="http://schemas.openxmlformats.org/markup-compatibility/2006" val="FFFFFF" mc:Ignorable=""/>
-                </a:solidFill>
-              </a14:hiddenFill>
-            </a:ext>
-          </a:extLst>
-        </p:spPr>
-      </p:pic>
-    </p:spTree>
-    <p:extLst>
-      <p:ext uri="{BB962C8B-B14F-4D97-AF65-F5344CB8AC3E}">
-        <p14:creationId xmlns:p14="http://schemas.microsoft.com/office/powerpoint/2007/7/12/main" val="1829070041"/>
-      </p:ext>
-    </p:extLst>
-  </p:cSld>
-  <p:clrMapOvr>
-    <a:masterClrMapping/>
-  </p:clrMapOvr>
-  <p:timing>
-    <p:tnLst>
-      <p:par>
-        <p:cTn xmlns:p14="http://schemas.microsoft.com/office/powerpoint/2007/7/12/main" id="1" dur="indefinite" restart="never" nodeType="tmRoot"/>
-      </p:par>
-    </p:tnLst>
-  </p:timing>
-</p:sld>
-</file>
-
-<file path=ppt/slides/slide25.xml><?xml version="1.0" encoding="utf-8"?>
-<p:sld xmlns:a="http://schemas.openxmlformats.org/drawingml/2006/main" xmlns:r="http://schemas.openxmlformats.org/officeDocument/2006/relationships" xmlns:p="http://schemas.openxmlformats.org/presentationml/2006/main">
-  <p:cSld>
-    <p:spTree>
-      <p:nvGrpSpPr>
-        <p:cNvPr id="1" name=""/>
-        <p:cNvGrpSpPr/>
-        <p:nvPr/>
-      </p:nvGrpSpPr>
-      <p:grpSpPr>
-        <a:xfrm>
-          <a:off x="0" y="0"/>
-          <a:ext cx="0" cy="0"/>
-          <a:chOff x="0" y="0"/>
-          <a:chExt cx="0" cy="0"/>
-        </a:xfrm>
-      </p:grpSpPr>
-      <p:sp>
-        <p:nvSpPr>
           <p:cNvPr id="3" name="Title 2"/>
           <p:cNvSpPr>
             <a:spLocks noGrp="1"/>
@@ -14639,7 +14179,7 @@
 </p:sld>
 </file>
 
-<file path=ppt/slides/slide26.xml><?xml version="1.0" encoding="utf-8"?>
+<file path=ppt/slides/slide25.xml><?xml version="1.0" encoding="utf-8"?>
 <p:sld xmlns:a="http://schemas.openxmlformats.org/drawingml/2006/main" xmlns:r="http://schemas.openxmlformats.org/officeDocument/2006/relationships" xmlns:p="http://schemas.openxmlformats.org/presentationml/2006/main">
   <p:cSld>
     <p:spTree>
@@ -14776,7 +14316,7 @@
 </p:sld>
 </file>
 
-<file path=ppt/slides/slide27.xml><?xml version="1.0" encoding="utf-8"?>
+<file path=ppt/slides/slide26.xml><?xml version="1.0" encoding="utf-8"?>
 <p:sld xmlns:a="http://schemas.openxmlformats.org/drawingml/2006/main" xmlns:r="http://schemas.openxmlformats.org/officeDocument/2006/relationships" xmlns:p="http://schemas.openxmlformats.org/presentationml/2006/main">
   <p:cSld>
     <p:spTree>
@@ -15205,7 +14745,7 @@
 </p:sld>
 </file>
 
-<file path=ppt/slides/slide28.xml><?xml version="1.0" encoding="utf-8"?>
+<file path=ppt/slides/slide27.xml><?xml version="1.0" encoding="utf-8"?>
 <p:sld xmlns:a="http://schemas.openxmlformats.org/drawingml/2006/main" xmlns:r="http://schemas.openxmlformats.org/officeDocument/2006/relationships" xmlns:p="http://schemas.openxmlformats.org/presentationml/2006/main">
   <p:cSld>
     <p:spTree>
@@ -17962,33 +17502,33 @@
             </a:r>
             <a:r>
               <a:rPr lang="fr-FR" sz="1800" dirty="0" smtClean="0"/>
-              <a:t> 1/3:              </a:t>
+              <a:t> </a:t>
+            </a:r>
+            <a:r>
+              <a:rPr lang="fr-FR" sz="1800" dirty="0" smtClean="0"/>
+              <a:t>1/2:  </a:t>
             </a:r>
             <a:r>
               <a:rPr lang="fr-FR" b="1" i="1" dirty="0" smtClean="0"/>
-              <a:t>Information </a:t>
-            </a:r>
-            <a:r>
-              <a:rPr lang="fr-FR" b="1" i="1" dirty="0" err="1"/>
-              <a:t>R</a:t>
+              <a:t>Display information </a:t>
             </a:r>
             <a:r>
               <a:rPr lang="fr-FR" b="1" i="1" dirty="0" err="1" smtClean="0"/>
-              <a:t>etrieval</a:t>
-            </a:r>
-            <a:endParaRPr lang="fr-FR" b="1" i="1" dirty="0"/>
+              <a:t>continuously</a:t>
+            </a:r>
+            <a:endParaRPr lang="fr-FR" sz="3200" b="1" i="1" dirty="0"/>
           </a:p>
         </p:txBody>
       </p:sp>
       <p:cxnSp>
         <p:nvCxnSpPr>
-          <p:cNvPr id="22" name="Straight Arrow Connector 21"/>
+          <p:cNvPr id="45" name="Straight Arrow Connector 44"/>
           <p:cNvCxnSpPr/>
           <p:nvPr/>
         </p:nvCxnSpPr>
         <p:spPr>
           <a:xfrm rot="16200000" flipV="1">
-            <a:off x="6054087" y="1947856"/>
+            <a:off x="5766055" y="2094669"/>
             <a:ext cx="791848" cy="1595781"/>
           </a:xfrm>
           <a:prstGeom prst="straightConnector1">
@@ -18016,13 +17556,13 @@
       </p:cxnSp>
       <p:grpSp>
         <p:nvGrpSpPr>
-          <p:cNvPr id="23" name="Group 22"/>
+          <p:cNvPr id="46" name="Group 45"/>
           <p:cNvGrpSpPr/>
           <p:nvPr/>
         </p:nvGrpSpPr>
         <p:grpSpPr>
           <a:xfrm>
-            <a:off x="1115616" y="3152966"/>
+            <a:off x="827584" y="3299779"/>
             <a:ext cx="1512168" cy="792088"/>
             <a:chOff x="827584" y="3068960"/>
             <a:chExt cx="1512168" cy="792088"/>
@@ -18030,7 +17570,7 @@
         </p:grpSpPr>
         <p:sp>
           <p:nvSpPr>
-            <p:cNvPr id="24" name="Rectangle 23"/>
+            <p:cNvPr id="47" name="Rectangle 46"/>
             <p:cNvSpPr/>
             <p:nvPr/>
           </p:nvSpPr>
@@ -18072,7 +17612,7 @@
         </p:sp>
         <p:cxnSp>
           <p:nvCxnSpPr>
-            <p:cNvPr id="25" name="Straight Connector 24"/>
+            <p:cNvPr id="48" name="Straight Connector 47"/>
             <p:cNvCxnSpPr/>
             <p:nvPr/>
           </p:nvCxnSpPr>
@@ -18107,7 +17647,7 @@
         </p:cxnSp>
         <p:cxnSp>
           <p:nvCxnSpPr>
-            <p:cNvPr id="26" name="Straight Connector 25"/>
+            <p:cNvPr id="49" name="Straight Connector 48"/>
             <p:cNvCxnSpPr/>
             <p:nvPr/>
           </p:nvCxnSpPr>
@@ -18143,13 +17683,13 @@
       </p:grpSp>
       <p:grpSp>
         <p:nvGrpSpPr>
-          <p:cNvPr id="27" name="Group 26"/>
+          <p:cNvPr id="50" name="Group 49"/>
           <p:cNvGrpSpPr/>
           <p:nvPr/>
         </p:nvGrpSpPr>
         <p:grpSpPr>
           <a:xfrm>
-            <a:off x="6696236" y="2972946"/>
+            <a:off x="6696236" y="3119759"/>
             <a:ext cx="1800200" cy="1152128"/>
             <a:chOff x="6696236" y="2888940"/>
             <a:chExt cx="1800200" cy="1152128"/>
@@ -18157,7 +17697,7 @@
         </p:grpSpPr>
         <p:sp>
           <p:nvSpPr>
-            <p:cNvPr id="28" name="Oval 27"/>
+            <p:cNvPr id="51" name="Oval 50"/>
             <p:cNvSpPr/>
             <p:nvPr/>
           </p:nvSpPr>
@@ -18198,7 +17738,1996 @@
         </p:sp>
         <p:sp>
           <p:nvSpPr>
-            <p:cNvPr id="29" name="TextBox 28"/>
+            <p:cNvPr id="52" name="TextBox 51"/>
+            <p:cNvSpPr txBox="1"/>
+            <p:nvPr/>
+          </p:nvSpPr>
+          <p:spPr>
+            <a:xfrm>
+              <a:off x="6912260" y="3141838"/>
+              <a:ext cx="1368152" cy="646331"/>
+            </a:xfrm>
+            <a:prstGeom prst="rect">
+              <a:avLst/>
+            </a:prstGeom>
+            <a:noFill/>
+          </p:spPr>
+          <p:txBody>
+            <a:bodyPr wrap="square" rtlCol="0">
+              <a:spAutoFit/>
+            </a:bodyPr>
+            <a:lstStyle/>
+            <a:p>
+              <a:pPr marL="0" marR="0" indent="0" algn="ctr" defTabSz="914400" rtl="0" eaLnBrk="1" fontAlgn="auto" latinLnBrk="0" hangingPunct="1">
+                <a:lnSpc>
+                  <a:spcPct val="100000"/>
+                </a:lnSpc>
+                <a:spcBef>
+                  <a:spcPct val="20000"/>
+                </a:spcBef>
+                <a:spcAft>
+                  <a:spcPts val="0"/>
+                </a:spcAft>
+                <a:buClrTx/>
+                <a:buSzTx/>
+                <a:buFontTx/>
+                <a:buNone/>
+                <a:tabLst/>
+              </a:pPr>
+              <a:r>
+                <a:rPr lang="fr-FR" b="1" kern="0" dirty="0" smtClean="0">
+                  <a:solidFill>
+                    <a:schemeClr val="bg1"/>
+                  </a:solidFill>
+                  <a:latin typeface="+mn-lt"/>
+                  <a:cs typeface="+mn-cs"/>
+                </a:rPr>
+                <a:t>Display information</a:t>
+              </a:r>
+              <a:endParaRPr kumimoji="0" lang="fr-FR" b="1" i="0" u="none" strike="noStrike" kern="0" cap="none" spc="0" normalizeH="0" baseline="0" noProof="0" dirty="0" smtClean="0">
+                <a:ln>
+                  <a:noFill/>
+                </a:ln>
+                <a:solidFill>
+                  <a:schemeClr val="bg1"/>
+                </a:solidFill>
+                <a:effectLst/>
+                <a:uLnTx/>
+                <a:uFillTx/>
+                <a:latin typeface="+mn-lt"/>
+                <a:cs typeface="+mn-cs"/>
+              </a:endParaRPr>
+            </a:p>
+          </p:txBody>
+        </p:sp>
+      </p:grpSp>
+      <p:cxnSp>
+        <p:nvCxnSpPr>
+          <p:cNvPr id="53" name="Straight Connector 52"/>
+          <p:cNvCxnSpPr/>
+          <p:nvPr/>
+        </p:nvCxnSpPr>
+        <p:spPr>
+          <a:xfrm flipV="1">
+            <a:off x="5364088" y="4103162"/>
+            <a:ext cx="1595781" cy="580375"/>
+          </a:xfrm>
+          <a:prstGeom prst="line">
+            <a:avLst/>
+          </a:prstGeom>
+          <a:ln>
+            <a:prstDash val="dash"/>
+            <a:headEnd type="arrow" w="med" len="med"/>
+            <a:tailEnd type="none" w="med" len="med"/>
+          </a:ln>
+        </p:spPr>
+        <p:style>
+          <a:lnRef idx="2">
+            <a:schemeClr val="accent4"/>
+          </a:lnRef>
+          <a:fillRef idx="0">
+            <a:schemeClr val="accent4"/>
+          </a:fillRef>
+          <a:effectRef idx="1">
+            <a:schemeClr val="accent4"/>
+          </a:effectRef>
+          <a:fontRef idx="minor">
+            <a:schemeClr val="tx1"/>
+          </a:fontRef>
+        </p:style>
+      </p:cxnSp>
+      <p:cxnSp>
+        <p:nvCxnSpPr>
+          <p:cNvPr id="54" name="Straight Connector 53"/>
+          <p:cNvCxnSpPr/>
+          <p:nvPr/>
+        </p:nvCxnSpPr>
+        <p:spPr>
+          <a:xfrm>
+            <a:off x="2339752" y="3695823"/>
+            <a:ext cx="1512168" cy="987714"/>
+          </a:xfrm>
+          <a:prstGeom prst="line">
+            <a:avLst/>
+          </a:prstGeom>
+          <a:ln/>
+        </p:spPr>
+        <p:style>
+          <a:lnRef idx="2">
+            <a:schemeClr val="accent4"/>
+          </a:lnRef>
+          <a:fillRef idx="0">
+            <a:schemeClr val="accent4"/>
+          </a:fillRef>
+          <a:effectRef idx="1">
+            <a:schemeClr val="accent4"/>
+          </a:effectRef>
+          <a:fontRef idx="minor">
+            <a:schemeClr val="tx1"/>
+          </a:fontRef>
+        </p:style>
+      </p:cxnSp>
+      <p:cxnSp>
+        <p:nvCxnSpPr>
+          <p:cNvPr id="55" name="Straight Connector 54"/>
+          <p:cNvCxnSpPr/>
+          <p:nvPr/>
+        </p:nvCxnSpPr>
+        <p:spPr>
+          <a:xfrm flipV="1">
+            <a:off x="2339752" y="2496636"/>
+            <a:ext cx="1512168" cy="1199187"/>
+          </a:xfrm>
+          <a:prstGeom prst="line">
+            <a:avLst/>
+          </a:prstGeom>
+          <a:ln/>
+        </p:spPr>
+        <p:style>
+          <a:lnRef idx="2">
+            <a:schemeClr val="accent4"/>
+          </a:lnRef>
+          <a:fillRef idx="0">
+            <a:schemeClr val="accent4"/>
+          </a:fillRef>
+          <a:effectRef idx="1">
+            <a:schemeClr val="accent4"/>
+          </a:effectRef>
+          <a:fontRef idx="minor">
+            <a:schemeClr val="tx1"/>
+          </a:fontRef>
+        </p:style>
+      </p:cxnSp>
+      <p:sp>
+        <p:nvSpPr>
+          <p:cNvPr id="56" name="TextBox 55"/>
+          <p:cNvSpPr txBox="1"/>
+          <p:nvPr/>
+        </p:nvSpPr>
+        <p:spPr>
+          <a:xfrm>
+            <a:off x="4927101" y="5242303"/>
+            <a:ext cx="4065537" cy="307777"/>
+          </a:xfrm>
+          <a:prstGeom prst="rect">
+            <a:avLst/>
+          </a:prstGeom>
+          <a:noFill/>
+        </p:spPr>
+        <p:txBody>
+          <a:bodyPr wrap="none" rtlCol="0">
+            <a:spAutoFit/>
+          </a:bodyPr>
+          <a:lstStyle/>
+          <a:p>
+            <a:pPr marL="0" marR="0" indent="0" algn="l" defTabSz="914400" rtl="0" eaLnBrk="1" fontAlgn="auto" latinLnBrk="0" hangingPunct="1">
+              <a:lnSpc>
+                <a:spcPct val="100000"/>
+              </a:lnSpc>
+              <a:spcBef>
+                <a:spcPct val="20000"/>
+              </a:spcBef>
+              <a:spcAft>
+                <a:spcPts val="0"/>
+              </a:spcAft>
+              <a:buClrTx/>
+              <a:buSzTx/>
+              <a:buFontTx/>
+              <a:buNone/>
+              <a:tabLst/>
+            </a:pPr>
+            <a:r>
+              <a:rPr lang="fr-FR" sz="1400" b="1" kern="0" dirty="0">
+                <a:latin typeface="+mn-lt"/>
+                <a:cs typeface="+mn-cs"/>
+              </a:rPr>
+              <a:t>b</a:t>
+            </a:r>
+            <a:r>
+              <a:rPr lang="fr-FR" sz="1400" b="1" kern="0" dirty="0" smtClean="0">
+                <a:latin typeface="+mn-lt"/>
+                <a:cs typeface="+mn-cs"/>
+              </a:rPr>
+              <a:t>: </a:t>
+            </a:r>
+            <a:r>
+              <a:rPr lang="fr-FR" sz="1400" b="1" kern="0" dirty="0" err="1" smtClean="0">
+                <a:latin typeface="+mn-lt"/>
+                <a:cs typeface="+mn-cs"/>
+              </a:rPr>
+              <a:t>Systems</a:t>
+            </a:r>
+            <a:r>
+              <a:rPr lang="fr-FR" sz="1400" b="1" kern="0" dirty="0" smtClean="0">
+                <a:latin typeface="+mn-lt"/>
+                <a:cs typeface="+mn-cs"/>
+              </a:rPr>
+              <a:t>!{</a:t>
+            </a:r>
+            <a:r>
+              <a:rPr lang="fr-FR" sz="1400" b="1" kern="0" dirty="0" err="1" smtClean="0">
+                <a:latin typeface="+mn-lt"/>
+                <a:cs typeface="+mn-cs"/>
+              </a:rPr>
+              <a:t>functionnal</a:t>
+            </a:r>
+            <a:r>
+              <a:rPr lang="fr-FR" sz="1400" b="1" kern="0" dirty="0" smtClean="0">
+                <a:latin typeface="+mn-lt"/>
+                <a:cs typeface="+mn-cs"/>
+              </a:rPr>
+              <a:t>/not </a:t>
+            </a:r>
+            <a:r>
+              <a:rPr lang="fr-FR" sz="1400" b="1" kern="0" dirty="0" err="1" smtClean="0">
+                <a:latin typeface="+mn-lt"/>
+                <a:cs typeface="+mn-cs"/>
+              </a:rPr>
+              <a:t>funct</a:t>
+            </a:r>
+            <a:r>
+              <a:rPr lang="fr-FR" sz="1400" b="1" kern="0" dirty="0" smtClean="0">
+                <a:latin typeface="+mn-lt"/>
+                <a:cs typeface="+mn-cs"/>
+              </a:rPr>
+              <a:t>. </a:t>
+            </a:r>
+            <a:r>
+              <a:rPr lang="fr-FR" sz="1400" b="1" kern="0" dirty="0" err="1">
+                <a:latin typeface="+mn-lt"/>
+                <a:cs typeface="+mn-cs"/>
+              </a:rPr>
+              <a:t>p</a:t>
+            </a:r>
+            <a:r>
+              <a:rPr lang="fr-FR" sz="1400" b="1" kern="0" dirty="0" err="1" smtClean="0">
+                <a:latin typeface="+mn-lt"/>
+                <a:cs typeface="+mn-cs"/>
+              </a:rPr>
+              <a:t>roper</a:t>
+            </a:r>
+            <a:r>
+              <a:rPr lang="fr-FR" sz="1400" b="1" kern="0" dirty="0" smtClean="0">
+                <a:latin typeface="+mn-lt"/>
+                <a:cs typeface="+mn-cs"/>
+              </a:rPr>
+              <a:t>./</a:t>
+            </a:r>
+            <a:r>
+              <a:rPr lang="fr-FR" sz="1400" b="1" kern="0" dirty="0" err="1" smtClean="0">
+                <a:latin typeface="+mn-lt"/>
+                <a:cs typeface="+mn-cs"/>
+              </a:rPr>
+              <a:t>broken</a:t>
+            </a:r>
+            <a:r>
+              <a:rPr lang="fr-FR" sz="1400" b="1" kern="0" dirty="0" smtClean="0">
+                <a:latin typeface="+mn-lt"/>
+                <a:cs typeface="+mn-cs"/>
+              </a:rPr>
+              <a:t>} </a:t>
+            </a:r>
+            <a:endParaRPr kumimoji="0" lang="fr-FR" sz="1400" b="1" i="0" u="none" strike="noStrike" kern="0" cap="none" spc="0" normalizeH="0" baseline="0" noProof="0" dirty="0" smtClean="0">
+              <a:ln>
+                <a:noFill/>
+              </a:ln>
+              <a:effectLst/>
+              <a:uLnTx/>
+              <a:uFillTx/>
+              <a:latin typeface="+mn-lt"/>
+              <a:ea typeface="+mn-ea"/>
+              <a:cs typeface="+mn-cs"/>
+            </a:endParaRPr>
+          </a:p>
+        </p:txBody>
+      </p:sp>
+      <p:sp>
+        <p:nvSpPr>
+          <p:cNvPr id="57" name="Text Placeholder 48"/>
+          <p:cNvSpPr txBox="1">
+            <a:spLocks/>
+          </p:cNvSpPr>
+          <p:nvPr/>
+        </p:nvSpPr>
+        <p:spPr>
+          <a:xfrm>
+            <a:off x="5979270" y="4072122"/>
+            <a:ext cx="320922" cy="307777"/>
+          </a:xfrm>
+          <a:prstGeom prst="rect">
+            <a:avLst/>
+          </a:prstGeom>
+          <a:noFill/>
+        </p:spPr>
+        <p:txBody>
+          <a:bodyPr wrap="none" rtlCol="0">
+            <a:spAutoFit/>
+          </a:bodyPr>
+          <a:lstStyle>
+            <a:lvl1pPr marL="0" indent="354013" algn="l" rtl="0" eaLnBrk="0" fontAlgn="base" hangingPunct="0">
+              <a:spcBef>
+                <a:spcPct val="20000"/>
+              </a:spcBef>
+              <a:spcAft>
+                <a:spcPct val="0"/>
+              </a:spcAft>
+              <a:buClr>
+                <a:srgbClr xmlns:mc="http://schemas.openxmlformats.org/markup-compatibility/2006" xmlns:a14="http://schemas.microsoft.com/office/drawing/2007/7/7/main" val="DA7E18" mc:Ignorable=""/>
+              </a:buClr>
+              <a:buSzPct val="70000"/>
+              <a:buFont typeface="Wingdings" pitchFamily="2" charset="2"/>
+              <a:buChar char="q"/>
+              <a:defRPr lang="fr-FR" sz="2400" baseline="0">
+                <a:solidFill>
+                  <a:schemeClr val="tx1"/>
+                </a:solidFill>
+                <a:latin typeface="+mn-lt"/>
+                <a:ea typeface="+mn-ea"/>
+                <a:cs typeface="+mn-cs"/>
+              </a:defRPr>
+            </a:lvl1pPr>
+            <a:lvl2pPr marL="742950" indent="-285750" algn="l" rtl="0" eaLnBrk="0" fontAlgn="base" hangingPunct="0">
+              <a:spcBef>
+                <a:spcPct val="20000"/>
+              </a:spcBef>
+              <a:spcAft>
+                <a:spcPct val="0"/>
+              </a:spcAft>
+              <a:buClr>
+                <a:srgbClr xmlns:mc="http://schemas.openxmlformats.org/markup-compatibility/2006" xmlns:a14="http://schemas.microsoft.com/office/drawing/2007/7/7/main" val="E5AB1B" mc:Ignorable=""/>
+              </a:buClr>
+              <a:buSzPct val="70000"/>
+              <a:buFont typeface="Wingdings" pitchFamily="2" charset="2"/>
+              <a:buChar char="q"/>
+              <a:defRPr lang="fr-FR" sz="2000">
+                <a:solidFill>
+                  <a:schemeClr val="tx1">
+                    <a:lumMod val="75000"/>
+                    <a:lumOff val="25000"/>
+                  </a:schemeClr>
+                </a:solidFill>
+                <a:latin typeface="+mn-lt"/>
+                <a:ea typeface="+mn-ea"/>
+                <a:cs typeface="+mn-cs"/>
+              </a:defRPr>
+            </a:lvl2pPr>
+            <a:lvl3pPr marL="1143000" indent="-228600" algn="l" rtl="0" eaLnBrk="0" fontAlgn="base" hangingPunct="0">
+              <a:spcBef>
+                <a:spcPct val="20000"/>
+              </a:spcBef>
+              <a:spcAft>
+                <a:spcPct val="0"/>
+              </a:spcAft>
+              <a:buChar char="•"/>
+              <a:defRPr lang="fr-FR" sz="1600">
+                <a:solidFill>
+                  <a:schemeClr val="tx1">
+                    <a:lumMod val="65000"/>
+                    <a:lumOff val="35000"/>
+                  </a:schemeClr>
+                </a:solidFill>
+                <a:latin typeface="+mn-lt"/>
+                <a:ea typeface="+mn-ea"/>
+                <a:cs typeface="+mn-cs"/>
+              </a:defRPr>
+            </a:lvl3pPr>
+            <a:lvl4pPr marL="1600200" indent="-228600" algn="l" rtl="0" eaLnBrk="0" fontAlgn="base" hangingPunct="0">
+              <a:spcBef>
+                <a:spcPct val="20000"/>
+              </a:spcBef>
+              <a:spcAft>
+                <a:spcPct val="0"/>
+              </a:spcAft>
+              <a:buChar char="–"/>
+              <a:defRPr lang="fr-FR" sz="1100">
+                <a:solidFill>
+                  <a:schemeClr val="tx1"/>
+                </a:solidFill>
+                <a:latin typeface="+mn-lt"/>
+                <a:ea typeface="+mn-ea"/>
+                <a:cs typeface="+mn-cs"/>
+              </a:defRPr>
+            </a:lvl4pPr>
+            <a:lvl5pPr marL="2057400" indent="-228600" algn="l" rtl="0" eaLnBrk="0" fontAlgn="base" hangingPunct="0">
+              <a:spcBef>
+                <a:spcPct val="20000"/>
+              </a:spcBef>
+              <a:spcAft>
+                <a:spcPct val="0"/>
+              </a:spcAft>
+              <a:buChar char="»"/>
+              <a:defRPr lang="fr-FR" sz="1100">
+                <a:solidFill>
+                  <a:schemeClr val="tx1"/>
+                </a:solidFill>
+                <a:latin typeface="+mn-lt"/>
+                <a:ea typeface="+mn-ea"/>
+                <a:cs typeface="+mn-cs"/>
+              </a:defRPr>
+            </a:lvl5pPr>
+            <a:lvl6pPr marL="2514600" indent="-228600" algn="l" rtl="0" eaLnBrk="1" latinLnBrk="0" hangingPunct="1">
+              <a:spcBef>
+                <a:spcPct val="20000"/>
+              </a:spcBef>
+              <a:buChar char="•"/>
+              <a:defRPr kumimoji="0" lang="fr-FR" sz="2000">
+                <a:solidFill>
+                  <a:schemeClr val="tx1"/>
+                </a:solidFill>
+                <a:latin typeface="+mn-lt"/>
+                <a:ea typeface="+mn-ea"/>
+                <a:cs typeface="+mn-cs"/>
+              </a:defRPr>
+            </a:lvl6pPr>
+            <a:lvl7pPr marL="2971800" indent="-228600" algn="l" rtl="0" eaLnBrk="1" latinLnBrk="0" hangingPunct="1">
+              <a:spcBef>
+                <a:spcPct val="20000"/>
+              </a:spcBef>
+              <a:buChar char="•"/>
+              <a:defRPr kumimoji="0" lang="fr-FR" sz="2000">
+                <a:solidFill>
+                  <a:schemeClr val="tx1"/>
+                </a:solidFill>
+                <a:latin typeface="+mn-lt"/>
+                <a:ea typeface="+mn-ea"/>
+                <a:cs typeface="+mn-cs"/>
+              </a:defRPr>
+            </a:lvl7pPr>
+            <a:lvl8pPr marL="3429000" indent="-228600" algn="l" rtl="0" eaLnBrk="1" latinLnBrk="0" hangingPunct="1">
+              <a:spcBef>
+                <a:spcPct val="20000"/>
+              </a:spcBef>
+              <a:buChar char="•"/>
+              <a:defRPr kumimoji="0" lang="fr-FR" sz="2000">
+                <a:solidFill>
+                  <a:schemeClr val="tx1"/>
+                </a:solidFill>
+                <a:latin typeface="+mn-lt"/>
+                <a:ea typeface="+mn-ea"/>
+                <a:cs typeface="+mn-cs"/>
+              </a:defRPr>
+            </a:lvl8pPr>
+            <a:lvl9pPr marL="3886200" indent="-228600" algn="l" rtl="0" eaLnBrk="1" latinLnBrk="0" hangingPunct="1">
+              <a:spcBef>
+                <a:spcPct val="20000"/>
+              </a:spcBef>
+              <a:buChar char="•"/>
+              <a:defRPr kumimoji="0" lang="fr-FR" sz="2000">
+                <a:solidFill>
+                  <a:schemeClr val="tx1"/>
+                </a:solidFill>
+                <a:latin typeface="+mn-lt"/>
+                <a:ea typeface="+mn-ea"/>
+                <a:cs typeface="+mn-cs"/>
+              </a:defRPr>
+            </a:lvl9pPr>
+          </a:lstStyle>
+          <a:p>
+            <a:pPr indent="0" eaLnBrk="1" fontAlgn="auto" hangingPunct="1">
+              <a:spcAft>
+                <a:spcPts val="0"/>
+              </a:spcAft>
+              <a:buClrTx/>
+              <a:buSzTx/>
+              <a:buFontTx/>
+              <a:buNone/>
+            </a:pPr>
+            <a:r>
+              <a:rPr lang="fr-FR" sz="1400" b="1" smtClean="0"/>
+              <a:t>b </a:t>
+            </a:r>
+            <a:endParaRPr lang="fr-FR" sz="1400" b="1" dirty="0" smtClean="0"/>
+          </a:p>
+        </p:txBody>
+      </p:sp>
+      <p:sp>
+        <p:nvSpPr>
+          <p:cNvPr id="58" name="Text Placeholder 48"/>
+          <p:cNvSpPr txBox="1">
+            <a:spLocks/>
+          </p:cNvSpPr>
+          <p:nvPr/>
+        </p:nvSpPr>
+        <p:spPr>
+          <a:xfrm>
+            <a:off x="6156176" y="2631962"/>
+            <a:ext cx="312906" cy="307777"/>
+          </a:xfrm>
+          <a:prstGeom prst="rect">
+            <a:avLst/>
+          </a:prstGeom>
+          <a:noFill/>
+        </p:spPr>
+        <p:txBody>
+          <a:bodyPr wrap="none" rtlCol="0">
+            <a:spAutoFit/>
+          </a:bodyPr>
+          <a:lstStyle>
+            <a:lvl1pPr marL="0" indent="354013" algn="l" rtl="0" eaLnBrk="0" fontAlgn="base" hangingPunct="0">
+              <a:spcBef>
+                <a:spcPct val="20000"/>
+              </a:spcBef>
+              <a:spcAft>
+                <a:spcPct val="0"/>
+              </a:spcAft>
+              <a:buClr>
+                <a:srgbClr xmlns:mc="http://schemas.openxmlformats.org/markup-compatibility/2006" xmlns:a14="http://schemas.microsoft.com/office/drawing/2007/7/7/main" val="DA7E18" mc:Ignorable=""/>
+              </a:buClr>
+              <a:buSzPct val="70000"/>
+              <a:buFont typeface="Wingdings" pitchFamily="2" charset="2"/>
+              <a:buChar char="q"/>
+              <a:defRPr lang="fr-FR" sz="2400" baseline="0">
+                <a:solidFill>
+                  <a:schemeClr val="tx1"/>
+                </a:solidFill>
+                <a:latin typeface="+mn-lt"/>
+                <a:ea typeface="+mn-ea"/>
+                <a:cs typeface="+mn-cs"/>
+              </a:defRPr>
+            </a:lvl1pPr>
+            <a:lvl2pPr marL="742950" indent="-285750" algn="l" rtl="0" eaLnBrk="0" fontAlgn="base" hangingPunct="0">
+              <a:spcBef>
+                <a:spcPct val="20000"/>
+              </a:spcBef>
+              <a:spcAft>
+                <a:spcPct val="0"/>
+              </a:spcAft>
+              <a:buClr>
+                <a:srgbClr xmlns:mc="http://schemas.openxmlformats.org/markup-compatibility/2006" xmlns:a14="http://schemas.microsoft.com/office/drawing/2007/7/7/main" val="E5AB1B" mc:Ignorable=""/>
+              </a:buClr>
+              <a:buSzPct val="70000"/>
+              <a:buFont typeface="Wingdings" pitchFamily="2" charset="2"/>
+              <a:buChar char="q"/>
+              <a:defRPr lang="fr-FR" sz="2000">
+                <a:solidFill>
+                  <a:schemeClr val="tx1">
+                    <a:lumMod val="75000"/>
+                    <a:lumOff val="25000"/>
+                  </a:schemeClr>
+                </a:solidFill>
+                <a:latin typeface="+mn-lt"/>
+                <a:ea typeface="+mn-ea"/>
+                <a:cs typeface="+mn-cs"/>
+              </a:defRPr>
+            </a:lvl2pPr>
+            <a:lvl3pPr marL="1143000" indent="-228600" algn="l" rtl="0" eaLnBrk="0" fontAlgn="base" hangingPunct="0">
+              <a:spcBef>
+                <a:spcPct val="20000"/>
+              </a:spcBef>
+              <a:spcAft>
+                <a:spcPct val="0"/>
+              </a:spcAft>
+              <a:buChar char="•"/>
+              <a:defRPr lang="fr-FR" sz="1600">
+                <a:solidFill>
+                  <a:schemeClr val="tx1">
+                    <a:lumMod val="65000"/>
+                    <a:lumOff val="35000"/>
+                  </a:schemeClr>
+                </a:solidFill>
+                <a:latin typeface="+mn-lt"/>
+                <a:ea typeface="+mn-ea"/>
+                <a:cs typeface="+mn-cs"/>
+              </a:defRPr>
+            </a:lvl3pPr>
+            <a:lvl4pPr marL="1600200" indent="-228600" algn="l" rtl="0" eaLnBrk="0" fontAlgn="base" hangingPunct="0">
+              <a:spcBef>
+                <a:spcPct val="20000"/>
+              </a:spcBef>
+              <a:spcAft>
+                <a:spcPct val="0"/>
+              </a:spcAft>
+              <a:buChar char="–"/>
+              <a:defRPr lang="fr-FR" sz="1100">
+                <a:solidFill>
+                  <a:schemeClr val="tx1"/>
+                </a:solidFill>
+                <a:latin typeface="+mn-lt"/>
+                <a:ea typeface="+mn-ea"/>
+                <a:cs typeface="+mn-cs"/>
+              </a:defRPr>
+            </a:lvl4pPr>
+            <a:lvl5pPr marL="2057400" indent="-228600" algn="l" rtl="0" eaLnBrk="0" fontAlgn="base" hangingPunct="0">
+              <a:spcBef>
+                <a:spcPct val="20000"/>
+              </a:spcBef>
+              <a:spcAft>
+                <a:spcPct val="0"/>
+              </a:spcAft>
+              <a:buChar char="»"/>
+              <a:defRPr lang="fr-FR" sz="1100">
+                <a:solidFill>
+                  <a:schemeClr val="tx1"/>
+                </a:solidFill>
+                <a:latin typeface="+mn-lt"/>
+                <a:ea typeface="+mn-ea"/>
+                <a:cs typeface="+mn-cs"/>
+              </a:defRPr>
+            </a:lvl5pPr>
+            <a:lvl6pPr marL="2514600" indent="-228600" algn="l" rtl="0" eaLnBrk="1" latinLnBrk="0" hangingPunct="1">
+              <a:spcBef>
+                <a:spcPct val="20000"/>
+              </a:spcBef>
+              <a:buChar char="•"/>
+              <a:defRPr kumimoji="0" lang="fr-FR" sz="2000">
+                <a:solidFill>
+                  <a:schemeClr val="tx1"/>
+                </a:solidFill>
+                <a:latin typeface="+mn-lt"/>
+                <a:ea typeface="+mn-ea"/>
+                <a:cs typeface="+mn-cs"/>
+              </a:defRPr>
+            </a:lvl6pPr>
+            <a:lvl7pPr marL="2971800" indent="-228600" algn="l" rtl="0" eaLnBrk="1" latinLnBrk="0" hangingPunct="1">
+              <a:spcBef>
+                <a:spcPct val="20000"/>
+              </a:spcBef>
+              <a:buChar char="•"/>
+              <a:defRPr kumimoji="0" lang="fr-FR" sz="2000">
+                <a:solidFill>
+                  <a:schemeClr val="tx1"/>
+                </a:solidFill>
+                <a:latin typeface="+mn-lt"/>
+                <a:ea typeface="+mn-ea"/>
+                <a:cs typeface="+mn-cs"/>
+              </a:defRPr>
+            </a:lvl7pPr>
+            <a:lvl8pPr marL="3429000" indent="-228600" algn="l" rtl="0" eaLnBrk="1" latinLnBrk="0" hangingPunct="1">
+              <a:spcBef>
+                <a:spcPct val="20000"/>
+              </a:spcBef>
+              <a:buChar char="•"/>
+              <a:defRPr kumimoji="0" lang="fr-FR" sz="2000">
+                <a:solidFill>
+                  <a:schemeClr val="tx1"/>
+                </a:solidFill>
+                <a:latin typeface="+mn-lt"/>
+                <a:ea typeface="+mn-ea"/>
+                <a:cs typeface="+mn-cs"/>
+              </a:defRPr>
+            </a:lvl8pPr>
+            <a:lvl9pPr marL="3886200" indent="-228600" algn="l" rtl="0" eaLnBrk="1" latinLnBrk="0" hangingPunct="1">
+              <a:spcBef>
+                <a:spcPct val="20000"/>
+              </a:spcBef>
+              <a:buChar char="•"/>
+              <a:defRPr kumimoji="0" lang="fr-FR" sz="2000">
+                <a:solidFill>
+                  <a:schemeClr val="tx1"/>
+                </a:solidFill>
+                <a:latin typeface="+mn-lt"/>
+                <a:ea typeface="+mn-ea"/>
+                <a:cs typeface="+mn-cs"/>
+              </a:defRPr>
+            </a:lvl9pPr>
+          </a:lstStyle>
+          <a:p>
+            <a:pPr indent="0" eaLnBrk="1" fontAlgn="auto" hangingPunct="1">
+              <a:spcAft>
+                <a:spcPts val="0"/>
+              </a:spcAft>
+              <a:buClrTx/>
+              <a:buSzTx/>
+              <a:buFontTx/>
+              <a:buNone/>
+            </a:pPr>
+            <a:r>
+              <a:rPr lang="fr-FR" sz="1400" b="1" dirty="0"/>
+              <a:t>a</a:t>
+            </a:r>
+            <a:r>
+              <a:rPr lang="fr-FR" sz="1400" b="1" dirty="0" smtClean="0"/>
+              <a:t> </a:t>
+            </a:r>
+          </a:p>
+        </p:txBody>
+      </p:sp>
+      <p:grpSp>
+        <p:nvGrpSpPr>
+          <p:cNvPr id="59" name="Group 58"/>
+          <p:cNvGrpSpPr/>
+          <p:nvPr/>
+        </p:nvGrpSpPr>
+        <p:grpSpPr>
+          <a:xfrm>
+            <a:off x="3851920" y="2084985"/>
+            <a:ext cx="1512168" cy="823301"/>
+            <a:chOff x="3419872" y="1885619"/>
+            <a:chExt cx="1512168" cy="823301"/>
+          </a:xfrm>
+        </p:grpSpPr>
+        <p:sp>
+          <p:nvSpPr>
+            <p:cNvPr id="60" name="Rectangle 59"/>
+            <p:cNvSpPr/>
+            <p:nvPr/>
+          </p:nvSpPr>
+          <p:spPr>
+            <a:xfrm>
+              <a:off x="3419872" y="1885619"/>
+              <a:ext cx="1512168" cy="823301"/>
+            </a:xfrm>
+            <a:prstGeom prst="rect">
+              <a:avLst/>
+            </a:prstGeom>
+          </p:spPr>
+          <p:style>
+            <a:lnRef idx="3">
+              <a:schemeClr val="lt1"/>
+            </a:lnRef>
+            <a:fillRef idx="1">
+              <a:schemeClr val="accent6"/>
+            </a:fillRef>
+            <a:effectRef idx="1">
+              <a:schemeClr val="accent6"/>
+            </a:effectRef>
+            <a:fontRef idx="minor">
+              <a:schemeClr val="lt1"/>
+            </a:fontRef>
+          </p:style>
+          <p:txBody>
+            <a:bodyPr rtlCol="0" anchor="ctr"/>
+            <a:lstStyle/>
+            <a:p>
+              <a:pPr algn="ctr"/>
+              <a:r>
+                <a:rPr lang="fr-FR" dirty="0" smtClean="0"/>
+                <a:t>Information display</a:t>
+              </a:r>
+              <a:endParaRPr lang="fr-FR" dirty="0"/>
+            </a:p>
+          </p:txBody>
+        </p:sp>
+        <p:sp>
+          <p:nvSpPr>
+            <p:cNvPr id="61" name="Rectangle 60"/>
+            <p:cNvSpPr/>
+            <p:nvPr/>
+          </p:nvSpPr>
+          <p:spPr>
+            <a:xfrm>
+              <a:off x="4644008" y="2451157"/>
+              <a:ext cx="288032" cy="257763"/>
+            </a:xfrm>
+            <a:prstGeom prst="rect">
+              <a:avLst/>
+            </a:prstGeom>
+            <a:effectLst/>
+          </p:spPr>
+          <p:style>
+            <a:lnRef idx="3">
+              <a:schemeClr val="lt1"/>
+            </a:lnRef>
+            <a:fillRef idx="1">
+              <a:schemeClr val="accent6"/>
+            </a:fillRef>
+            <a:effectRef idx="1">
+              <a:schemeClr val="accent6"/>
+            </a:effectRef>
+            <a:fontRef idx="minor">
+              <a:schemeClr val="lt1"/>
+            </a:fontRef>
+          </p:style>
+          <p:txBody>
+            <a:bodyPr rtlCol="0" anchor="ctr"/>
+            <a:lstStyle/>
+            <a:p>
+              <a:pPr algn="ctr"/>
+              <a:r>
+                <a:rPr lang="fr-FR" dirty="0" smtClean="0"/>
+                <a:t>C</a:t>
+              </a:r>
+              <a:endParaRPr lang="fr-FR" dirty="0"/>
+            </a:p>
+          </p:txBody>
+        </p:sp>
+      </p:grpSp>
+      <p:grpSp>
+        <p:nvGrpSpPr>
+          <p:cNvPr id="62" name="Group 61"/>
+          <p:cNvGrpSpPr/>
+          <p:nvPr/>
+        </p:nvGrpSpPr>
+        <p:grpSpPr>
+          <a:xfrm>
+            <a:off x="3851920" y="4271886"/>
+            <a:ext cx="1512168" cy="823301"/>
+            <a:chOff x="3491880" y="4041068"/>
+            <a:chExt cx="1512168" cy="823301"/>
+          </a:xfrm>
+        </p:grpSpPr>
+        <p:sp>
+          <p:nvSpPr>
+            <p:cNvPr id="63" name="Rectangle 62"/>
+            <p:cNvSpPr/>
+            <p:nvPr/>
+          </p:nvSpPr>
+          <p:spPr>
+            <a:xfrm>
+              <a:off x="3491880" y="4041068"/>
+              <a:ext cx="1512168" cy="823301"/>
+            </a:xfrm>
+            <a:prstGeom prst="rect">
+              <a:avLst/>
+            </a:prstGeom>
+          </p:spPr>
+          <p:style>
+            <a:lnRef idx="3">
+              <a:schemeClr val="lt1"/>
+            </a:lnRef>
+            <a:fillRef idx="1">
+              <a:schemeClr val="accent6"/>
+            </a:fillRef>
+            <a:effectRef idx="1">
+              <a:schemeClr val="accent6"/>
+            </a:effectRef>
+            <a:fontRef idx="minor">
+              <a:schemeClr val="lt1"/>
+            </a:fontRef>
+          </p:style>
+          <p:txBody>
+            <a:bodyPr rtlCol="0" anchor="ctr"/>
+            <a:lstStyle/>
+            <a:p>
+              <a:pPr algn="ctr"/>
+              <a:r>
+                <a:rPr lang="fr-FR" dirty="0" err="1" smtClean="0"/>
+                <a:t>Systems</a:t>
+              </a:r>
+              <a:endParaRPr lang="fr-FR" dirty="0"/>
+            </a:p>
+          </p:txBody>
+        </p:sp>
+        <p:sp>
+          <p:nvSpPr>
+            <p:cNvPr id="64" name="Rectangle 63"/>
+            <p:cNvSpPr/>
+            <p:nvPr/>
+          </p:nvSpPr>
+          <p:spPr>
+            <a:xfrm>
+              <a:off x="4716016" y="4606606"/>
+              <a:ext cx="288032" cy="257763"/>
+            </a:xfrm>
+            <a:prstGeom prst="rect">
+              <a:avLst/>
+            </a:prstGeom>
+            <a:effectLst/>
+          </p:spPr>
+          <p:style>
+            <a:lnRef idx="3">
+              <a:schemeClr val="lt1"/>
+            </a:lnRef>
+            <a:fillRef idx="1">
+              <a:schemeClr val="accent6"/>
+            </a:fillRef>
+            <a:effectRef idx="1">
+              <a:schemeClr val="accent6"/>
+            </a:effectRef>
+            <a:fontRef idx="minor">
+              <a:schemeClr val="lt1"/>
+            </a:fontRef>
+          </p:style>
+          <p:txBody>
+            <a:bodyPr rtlCol="0" anchor="ctr"/>
+            <a:lstStyle/>
+            <a:p>
+              <a:pPr algn="ctr"/>
+              <a:r>
+                <a:rPr lang="fr-FR" dirty="0" smtClean="0"/>
+                <a:t>C</a:t>
+              </a:r>
+              <a:endParaRPr lang="fr-FR" dirty="0"/>
+            </a:p>
+          </p:txBody>
+        </p:sp>
+      </p:grpSp>
+      <p:sp>
+        <p:nvSpPr>
+          <p:cNvPr id="65" name="TextBox 64"/>
+          <p:cNvSpPr txBox="1"/>
+          <p:nvPr/>
+        </p:nvSpPr>
+        <p:spPr>
+          <a:xfrm>
+            <a:off x="827584" y="5253337"/>
+            <a:ext cx="2696572" cy="307777"/>
+          </a:xfrm>
+          <a:prstGeom prst="rect">
+            <a:avLst/>
+          </a:prstGeom>
+          <a:noFill/>
+        </p:spPr>
+        <p:txBody>
+          <a:bodyPr wrap="none" rtlCol="0">
+            <a:spAutoFit/>
+          </a:bodyPr>
+          <a:lstStyle/>
+          <a:p>
+            <a:pPr marL="0" marR="0" indent="0" algn="l" defTabSz="914400" rtl="0" eaLnBrk="1" fontAlgn="auto" latinLnBrk="0" hangingPunct="1">
+              <a:lnSpc>
+                <a:spcPct val="100000"/>
+              </a:lnSpc>
+              <a:spcBef>
+                <a:spcPct val="20000"/>
+              </a:spcBef>
+              <a:spcAft>
+                <a:spcPts val="0"/>
+              </a:spcAft>
+              <a:buClrTx/>
+              <a:buSzTx/>
+              <a:buFontTx/>
+              <a:buNone/>
+              <a:tabLst/>
+            </a:pPr>
+            <a:r>
+              <a:rPr lang="fr-FR" sz="1400" b="1" kern="0" dirty="0" smtClean="0">
+                <a:latin typeface="+mn-lt"/>
+                <a:cs typeface="+mn-cs"/>
+              </a:rPr>
+              <a:t>c: </a:t>
+            </a:r>
+            <a:r>
+              <a:rPr lang="fr-FR" sz="1400" b="1" kern="0" dirty="0" err="1" smtClean="0">
+                <a:latin typeface="+mn-lt"/>
+                <a:cs typeface="+mn-cs"/>
+              </a:rPr>
+              <a:t>Systems</a:t>
+            </a:r>
+            <a:r>
+              <a:rPr lang="fr-FR" sz="1400" b="1" kern="0" dirty="0" smtClean="0">
+                <a:latin typeface="+mn-lt"/>
+                <a:cs typeface="+mn-cs"/>
+              </a:rPr>
+              <a:t>! {</a:t>
+            </a:r>
+            <a:r>
+              <a:rPr lang="fr-FR" sz="1400" b="1" kern="0" dirty="0" err="1" smtClean="0">
+                <a:latin typeface="+mn-lt"/>
+                <a:cs typeface="+mn-cs"/>
+              </a:rPr>
+              <a:t>send</a:t>
+            </a:r>
+            <a:r>
+              <a:rPr lang="fr-FR" sz="1400" b="1" kern="0" dirty="0" smtClean="0">
+                <a:latin typeface="+mn-lt"/>
+                <a:cs typeface="+mn-cs"/>
+              </a:rPr>
+              <a:t> value/no value}</a:t>
+            </a:r>
+            <a:endParaRPr kumimoji="0" lang="fr-FR" sz="1400" b="1" i="0" u="none" strike="noStrike" kern="0" cap="none" spc="0" normalizeH="0" baseline="0" noProof="0" dirty="0" smtClean="0">
+              <a:ln>
+                <a:noFill/>
+              </a:ln>
+              <a:effectLst/>
+              <a:uLnTx/>
+              <a:uFillTx/>
+              <a:latin typeface="+mn-lt"/>
+              <a:ea typeface="+mn-ea"/>
+              <a:cs typeface="+mn-cs"/>
+            </a:endParaRPr>
+          </a:p>
+        </p:txBody>
+      </p:sp>
+      <p:sp>
+        <p:nvSpPr>
+          <p:cNvPr id="66" name="Text Placeholder 48"/>
+          <p:cNvSpPr txBox="1">
+            <a:spLocks/>
+          </p:cNvSpPr>
+          <p:nvPr/>
+        </p:nvSpPr>
+        <p:spPr>
+          <a:xfrm>
+            <a:off x="3047782" y="3928106"/>
+            <a:ext cx="300082" cy="307777"/>
+          </a:xfrm>
+          <a:prstGeom prst="rect">
+            <a:avLst/>
+          </a:prstGeom>
+          <a:noFill/>
+        </p:spPr>
+        <p:txBody>
+          <a:bodyPr wrap="none" rtlCol="0">
+            <a:spAutoFit/>
+          </a:bodyPr>
+          <a:lstStyle>
+            <a:lvl1pPr marL="0" indent="354013" algn="l" rtl="0" eaLnBrk="0" fontAlgn="base" hangingPunct="0">
+              <a:spcBef>
+                <a:spcPct val="20000"/>
+              </a:spcBef>
+              <a:spcAft>
+                <a:spcPct val="0"/>
+              </a:spcAft>
+              <a:buClr>
+                <a:srgbClr xmlns:mc="http://schemas.openxmlformats.org/markup-compatibility/2006" xmlns:a14="http://schemas.microsoft.com/office/drawing/2007/7/7/main" val="DA7E18" mc:Ignorable=""/>
+              </a:buClr>
+              <a:buSzPct val="70000"/>
+              <a:buFont typeface="Wingdings" pitchFamily="2" charset="2"/>
+              <a:buChar char="q"/>
+              <a:defRPr lang="fr-FR" sz="2400" baseline="0">
+                <a:solidFill>
+                  <a:schemeClr val="tx1"/>
+                </a:solidFill>
+                <a:latin typeface="+mn-lt"/>
+                <a:ea typeface="+mn-ea"/>
+                <a:cs typeface="+mn-cs"/>
+              </a:defRPr>
+            </a:lvl1pPr>
+            <a:lvl2pPr marL="742950" indent="-285750" algn="l" rtl="0" eaLnBrk="0" fontAlgn="base" hangingPunct="0">
+              <a:spcBef>
+                <a:spcPct val="20000"/>
+              </a:spcBef>
+              <a:spcAft>
+                <a:spcPct val="0"/>
+              </a:spcAft>
+              <a:buClr>
+                <a:srgbClr xmlns:mc="http://schemas.openxmlformats.org/markup-compatibility/2006" xmlns:a14="http://schemas.microsoft.com/office/drawing/2007/7/7/main" val="E5AB1B" mc:Ignorable=""/>
+              </a:buClr>
+              <a:buSzPct val="70000"/>
+              <a:buFont typeface="Wingdings" pitchFamily="2" charset="2"/>
+              <a:buChar char="q"/>
+              <a:defRPr lang="fr-FR" sz="2000">
+                <a:solidFill>
+                  <a:schemeClr val="tx1">
+                    <a:lumMod val="75000"/>
+                    <a:lumOff val="25000"/>
+                  </a:schemeClr>
+                </a:solidFill>
+                <a:latin typeface="+mn-lt"/>
+                <a:ea typeface="+mn-ea"/>
+                <a:cs typeface="+mn-cs"/>
+              </a:defRPr>
+            </a:lvl2pPr>
+            <a:lvl3pPr marL="1143000" indent="-228600" algn="l" rtl="0" eaLnBrk="0" fontAlgn="base" hangingPunct="0">
+              <a:spcBef>
+                <a:spcPct val="20000"/>
+              </a:spcBef>
+              <a:spcAft>
+                <a:spcPct val="0"/>
+              </a:spcAft>
+              <a:buChar char="•"/>
+              <a:defRPr lang="fr-FR" sz="1600">
+                <a:solidFill>
+                  <a:schemeClr val="tx1">
+                    <a:lumMod val="65000"/>
+                    <a:lumOff val="35000"/>
+                  </a:schemeClr>
+                </a:solidFill>
+                <a:latin typeface="+mn-lt"/>
+                <a:ea typeface="+mn-ea"/>
+                <a:cs typeface="+mn-cs"/>
+              </a:defRPr>
+            </a:lvl3pPr>
+            <a:lvl4pPr marL="1600200" indent="-228600" algn="l" rtl="0" eaLnBrk="0" fontAlgn="base" hangingPunct="0">
+              <a:spcBef>
+                <a:spcPct val="20000"/>
+              </a:spcBef>
+              <a:spcAft>
+                <a:spcPct val="0"/>
+              </a:spcAft>
+              <a:buChar char="–"/>
+              <a:defRPr lang="fr-FR" sz="1100">
+                <a:solidFill>
+                  <a:schemeClr val="tx1"/>
+                </a:solidFill>
+                <a:latin typeface="+mn-lt"/>
+                <a:ea typeface="+mn-ea"/>
+                <a:cs typeface="+mn-cs"/>
+              </a:defRPr>
+            </a:lvl4pPr>
+            <a:lvl5pPr marL="2057400" indent="-228600" algn="l" rtl="0" eaLnBrk="0" fontAlgn="base" hangingPunct="0">
+              <a:spcBef>
+                <a:spcPct val="20000"/>
+              </a:spcBef>
+              <a:spcAft>
+                <a:spcPct val="0"/>
+              </a:spcAft>
+              <a:buChar char="»"/>
+              <a:defRPr lang="fr-FR" sz="1100">
+                <a:solidFill>
+                  <a:schemeClr val="tx1"/>
+                </a:solidFill>
+                <a:latin typeface="+mn-lt"/>
+                <a:ea typeface="+mn-ea"/>
+                <a:cs typeface="+mn-cs"/>
+              </a:defRPr>
+            </a:lvl5pPr>
+            <a:lvl6pPr marL="2514600" indent="-228600" algn="l" rtl="0" eaLnBrk="1" latinLnBrk="0" hangingPunct="1">
+              <a:spcBef>
+                <a:spcPct val="20000"/>
+              </a:spcBef>
+              <a:buChar char="•"/>
+              <a:defRPr kumimoji="0" lang="fr-FR" sz="2000">
+                <a:solidFill>
+                  <a:schemeClr val="tx1"/>
+                </a:solidFill>
+                <a:latin typeface="+mn-lt"/>
+                <a:ea typeface="+mn-ea"/>
+                <a:cs typeface="+mn-cs"/>
+              </a:defRPr>
+            </a:lvl6pPr>
+            <a:lvl7pPr marL="2971800" indent="-228600" algn="l" rtl="0" eaLnBrk="1" latinLnBrk="0" hangingPunct="1">
+              <a:spcBef>
+                <a:spcPct val="20000"/>
+              </a:spcBef>
+              <a:buChar char="•"/>
+              <a:defRPr kumimoji="0" lang="fr-FR" sz="2000">
+                <a:solidFill>
+                  <a:schemeClr val="tx1"/>
+                </a:solidFill>
+                <a:latin typeface="+mn-lt"/>
+                <a:ea typeface="+mn-ea"/>
+                <a:cs typeface="+mn-cs"/>
+              </a:defRPr>
+            </a:lvl7pPr>
+            <a:lvl8pPr marL="3429000" indent="-228600" algn="l" rtl="0" eaLnBrk="1" latinLnBrk="0" hangingPunct="1">
+              <a:spcBef>
+                <a:spcPct val="20000"/>
+              </a:spcBef>
+              <a:buChar char="•"/>
+              <a:defRPr kumimoji="0" lang="fr-FR" sz="2000">
+                <a:solidFill>
+                  <a:schemeClr val="tx1"/>
+                </a:solidFill>
+                <a:latin typeface="+mn-lt"/>
+                <a:ea typeface="+mn-ea"/>
+                <a:cs typeface="+mn-cs"/>
+              </a:defRPr>
+            </a:lvl8pPr>
+            <a:lvl9pPr marL="3886200" indent="-228600" algn="l" rtl="0" eaLnBrk="1" latinLnBrk="0" hangingPunct="1">
+              <a:spcBef>
+                <a:spcPct val="20000"/>
+              </a:spcBef>
+              <a:buChar char="•"/>
+              <a:defRPr kumimoji="0" lang="fr-FR" sz="2000">
+                <a:solidFill>
+                  <a:schemeClr val="tx1"/>
+                </a:solidFill>
+                <a:latin typeface="+mn-lt"/>
+                <a:ea typeface="+mn-ea"/>
+                <a:cs typeface="+mn-cs"/>
+              </a:defRPr>
+            </a:lvl9pPr>
+          </a:lstStyle>
+          <a:p>
+            <a:pPr indent="0" eaLnBrk="1" fontAlgn="auto" hangingPunct="1">
+              <a:spcAft>
+                <a:spcPts val="0"/>
+              </a:spcAft>
+              <a:buClrTx/>
+              <a:buSzTx/>
+              <a:buFontTx/>
+              <a:buNone/>
+            </a:pPr>
+            <a:r>
+              <a:rPr lang="fr-FR" sz="1400" b="1" dirty="0"/>
+              <a:t>c</a:t>
+            </a:r>
+            <a:r>
+              <a:rPr lang="fr-FR" sz="1400" b="1" dirty="0" smtClean="0"/>
+              <a:t> </a:t>
+            </a:r>
+          </a:p>
+        </p:txBody>
+      </p:sp>
+      <p:sp>
+        <p:nvSpPr>
+          <p:cNvPr id="67" name="Text Placeholder 48"/>
+          <p:cNvSpPr txBox="1">
+            <a:spLocks/>
+          </p:cNvSpPr>
+          <p:nvPr/>
+        </p:nvSpPr>
+        <p:spPr>
+          <a:xfrm>
+            <a:off x="2882926" y="2775978"/>
+            <a:ext cx="320922" cy="307777"/>
+          </a:xfrm>
+          <a:prstGeom prst="rect">
+            <a:avLst/>
+          </a:prstGeom>
+          <a:noFill/>
+        </p:spPr>
+        <p:txBody>
+          <a:bodyPr wrap="none" rtlCol="0">
+            <a:spAutoFit/>
+          </a:bodyPr>
+          <a:lstStyle>
+            <a:lvl1pPr marL="0" indent="354013" algn="l" rtl="0" eaLnBrk="0" fontAlgn="base" hangingPunct="0">
+              <a:spcBef>
+                <a:spcPct val="20000"/>
+              </a:spcBef>
+              <a:spcAft>
+                <a:spcPct val="0"/>
+              </a:spcAft>
+              <a:buClr>
+                <a:srgbClr xmlns:mc="http://schemas.openxmlformats.org/markup-compatibility/2006" xmlns:a14="http://schemas.microsoft.com/office/drawing/2007/7/7/main" val="DA7E18" mc:Ignorable=""/>
+              </a:buClr>
+              <a:buSzPct val="70000"/>
+              <a:buFont typeface="Wingdings" pitchFamily="2" charset="2"/>
+              <a:buChar char="q"/>
+              <a:defRPr lang="fr-FR" sz="2400" baseline="0">
+                <a:solidFill>
+                  <a:schemeClr val="tx1"/>
+                </a:solidFill>
+                <a:latin typeface="+mn-lt"/>
+                <a:ea typeface="+mn-ea"/>
+                <a:cs typeface="+mn-cs"/>
+              </a:defRPr>
+            </a:lvl1pPr>
+            <a:lvl2pPr marL="742950" indent="-285750" algn="l" rtl="0" eaLnBrk="0" fontAlgn="base" hangingPunct="0">
+              <a:spcBef>
+                <a:spcPct val="20000"/>
+              </a:spcBef>
+              <a:spcAft>
+                <a:spcPct val="0"/>
+              </a:spcAft>
+              <a:buClr>
+                <a:srgbClr xmlns:mc="http://schemas.openxmlformats.org/markup-compatibility/2006" xmlns:a14="http://schemas.microsoft.com/office/drawing/2007/7/7/main" val="E5AB1B" mc:Ignorable=""/>
+              </a:buClr>
+              <a:buSzPct val="70000"/>
+              <a:buFont typeface="Wingdings" pitchFamily="2" charset="2"/>
+              <a:buChar char="q"/>
+              <a:defRPr lang="fr-FR" sz="2000">
+                <a:solidFill>
+                  <a:schemeClr val="tx1">
+                    <a:lumMod val="75000"/>
+                    <a:lumOff val="25000"/>
+                  </a:schemeClr>
+                </a:solidFill>
+                <a:latin typeface="+mn-lt"/>
+                <a:ea typeface="+mn-ea"/>
+                <a:cs typeface="+mn-cs"/>
+              </a:defRPr>
+            </a:lvl2pPr>
+            <a:lvl3pPr marL="1143000" indent="-228600" algn="l" rtl="0" eaLnBrk="0" fontAlgn="base" hangingPunct="0">
+              <a:spcBef>
+                <a:spcPct val="20000"/>
+              </a:spcBef>
+              <a:spcAft>
+                <a:spcPct val="0"/>
+              </a:spcAft>
+              <a:buChar char="•"/>
+              <a:defRPr lang="fr-FR" sz="1600">
+                <a:solidFill>
+                  <a:schemeClr val="tx1">
+                    <a:lumMod val="65000"/>
+                    <a:lumOff val="35000"/>
+                  </a:schemeClr>
+                </a:solidFill>
+                <a:latin typeface="+mn-lt"/>
+                <a:ea typeface="+mn-ea"/>
+                <a:cs typeface="+mn-cs"/>
+              </a:defRPr>
+            </a:lvl3pPr>
+            <a:lvl4pPr marL="1600200" indent="-228600" algn="l" rtl="0" eaLnBrk="0" fontAlgn="base" hangingPunct="0">
+              <a:spcBef>
+                <a:spcPct val="20000"/>
+              </a:spcBef>
+              <a:spcAft>
+                <a:spcPct val="0"/>
+              </a:spcAft>
+              <a:buChar char="–"/>
+              <a:defRPr lang="fr-FR" sz="1100">
+                <a:solidFill>
+                  <a:schemeClr val="tx1"/>
+                </a:solidFill>
+                <a:latin typeface="+mn-lt"/>
+                <a:ea typeface="+mn-ea"/>
+                <a:cs typeface="+mn-cs"/>
+              </a:defRPr>
+            </a:lvl4pPr>
+            <a:lvl5pPr marL="2057400" indent="-228600" algn="l" rtl="0" eaLnBrk="0" fontAlgn="base" hangingPunct="0">
+              <a:spcBef>
+                <a:spcPct val="20000"/>
+              </a:spcBef>
+              <a:spcAft>
+                <a:spcPct val="0"/>
+              </a:spcAft>
+              <a:buChar char="»"/>
+              <a:defRPr lang="fr-FR" sz="1100">
+                <a:solidFill>
+                  <a:schemeClr val="tx1"/>
+                </a:solidFill>
+                <a:latin typeface="+mn-lt"/>
+                <a:ea typeface="+mn-ea"/>
+                <a:cs typeface="+mn-cs"/>
+              </a:defRPr>
+            </a:lvl5pPr>
+            <a:lvl6pPr marL="2514600" indent="-228600" algn="l" rtl="0" eaLnBrk="1" latinLnBrk="0" hangingPunct="1">
+              <a:spcBef>
+                <a:spcPct val="20000"/>
+              </a:spcBef>
+              <a:buChar char="•"/>
+              <a:defRPr kumimoji="0" lang="fr-FR" sz="2000">
+                <a:solidFill>
+                  <a:schemeClr val="tx1"/>
+                </a:solidFill>
+                <a:latin typeface="+mn-lt"/>
+                <a:ea typeface="+mn-ea"/>
+                <a:cs typeface="+mn-cs"/>
+              </a:defRPr>
+            </a:lvl6pPr>
+            <a:lvl7pPr marL="2971800" indent="-228600" algn="l" rtl="0" eaLnBrk="1" latinLnBrk="0" hangingPunct="1">
+              <a:spcBef>
+                <a:spcPct val="20000"/>
+              </a:spcBef>
+              <a:buChar char="•"/>
+              <a:defRPr kumimoji="0" lang="fr-FR" sz="2000">
+                <a:solidFill>
+                  <a:schemeClr val="tx1"/>
+                </a:solidFill>
+                <a:latin typeface="+mn-lt"/>
+                <a:ea typeface="+mn-ea"/>
+                <a:cs typeface="+mn-cs"/>
+              </a:defRPr>
+            </a:lvl7pPr>
+            <a:lvl8pPr marL="3429000" indent="-228600" algn="l" rtl="0" eaLnBrk="1" latinLnBrk="0" hangingPunct="1">
+              <a:spcBef>
+                <a:spcPct val="20000"/>
+              </a:spcBef>
+              <a:buChar char="•"/>
+              <a:defRPr kumimoji="0" lang="fr-FR" sz="2000">
+                <a:solidFill>
+                  <a:schemeClr val="tx1"/>
+                </a:solidFill>
+                <a:latin typeface="+mn-lt"/>
+                <a:ea typeface="+mn-ea"/>
+                <a:cs typeface="+mn-cs"/>
+              </a:defRPr>
+            </a:lvl8pPr>
+            <a:lvl9pPr marL="3886200" indent="-228600" algn="l" rtl="0" eaLnBrk="1" latinLnBrk="0" hangingPunct="1">
+              <a:spcBef>
+                <a:spcPct val="20000"/>
+              </a:spcBef>
+              <a:buChar char="•"/>
+              <a:defRPr kumimoji="0" lang="fr-FR" sz="2000">
+                <a:solidFill>
+                  <a:schemeClr val="tx1"/>
+                </a:solidFill>
+                <a:latin typeface="+mn-lt"/>
+                <a:ea typeface="+mn-ea"/>
+                <a:cs typeface="+mn-cs"/>
+              </a:defRPr>
+            </a:lvl9pPr>
+          </a:lstStyle>
+          <a:p>
+            <a:pPr indent="0" eaLnBrk="1" fontAlgn="auto" hangingPunct="1">
+              <a:spcAft>
+                <a:spcPts val="0"/>
+              </a:spcAft>
+              <a:buClrTx/>
+              <a:buSzTx/>
+              <a:buFontTx/>
+              <a:buNone/>
+            </a:pPr>
+            <a:r>
+              <a:rPr lang="fr-FR" sz="1400" b="1" dirty="0" smtClean="0"/>
+              <a:t>d </a:t>
+            </a:r>
+          </a:p>
+        </p:txBody>
+      </p:sp>
+      <p:sp>
+        <p:nvSpPr>
+          <p:cNvPr id="68" name="TextBox 67"/>
+          <p:cNvSpPr txBox="1"/>
+          <p:nvPr/>
+        </p:nvSpPr>
+        <p:spPr>
+          <a:xfrm>
+            <a:off x="827584" y="5713511"/>
+            <a:ext cx="3318537" cy="307777"/>
+          </a:xfrm>
+          <a:prstGeom prst="rect">
+            <a:avLst/>
+          </a:prstGeom>
+          <a:noFill/>
+        </p:spPr>
+        <p:txBody>
+          <a:bodyPr wrap="none" rtlCol="0">
+            <a:spAutoFit/>
+          </a:bodyPr>
+          <a:lstStyle/>
+          <a:p>
+            <a:pPr marL="0" marR="0" indent="0" algn="l" defTabSz="914400" rtl="0" eaLnBrk="1" fontAlgn="auto" latinLnBrk="0" hangingPunct="1">
+              <a:lnSpc>
+                <a:spcPct val="100000"/>
+              </a:lnSpc>
+              <a:spcBef>
+                <a:spcPct val="20000"/>
+              </a:spcBef>
+              <a:spcAft>
+                <a:spcPts val="0"/>
+              </a:spcAft>
+              <a:buClrTx/>
+              <a:buSzTx/>
+              <a:buFontTx/>
+              <a:buNone/>
+              <a:tabLst/>
+            </a:pPr>
+            <a:r>
+              <a:rPr lang="fr-FR" sz="1400" b="1" kern="0" dirty="0">
+                <a:latin typeface="+mn-lt"/>
+                <a:cs typeface="+mn-cs"/>
+              </a:rPr>
+              <a:t>d</a:t>
+            </a:r>
+            <a:r>
+              <a:rPr lang="fr-FR" sz="1400" b="1" kern="0" dirty="0" smtClean="0">
+                <a:latin typeface="+mn-lt"/>
+                <a:cs typeface="+mn-cs"/>
+              </a:rPr>
+              <a:t>: FDIR! {display in </a:t>
+            </a:r>
+            <a:r>
+              <a:rPr lang="fr-FR" sz="1400" b="1" kern="0" dirty="0" err="1" smtClean="0">
+                <a:latin typeface="+mn-lt"/>
+                <a:cs typeface="+mn-cs"/>
+              </a:rPr>
+              <a:t>tol</a:t>
+            </a:r>
+            <a:r>
+              <a:rPr lang="fr-FR" sz="1400" b="1" kern="0" dirty="0" smtClean="0">
+                <a:latin typeface="+mn-lt"/>
+                <a:cs typeface="+mn-cs"/>
+              </a:rPr>
+              <a:t>/out-of-</a:t>
+            </a:r>
+            <a:r>
+              <a:rPr lang="fr-FR" sz="1400" b="1" kern="0" dirty="0" err="1" smtClean="0">
+                <a:latin typeface="+mn-lt"/>
+                <a:cs typeface="+mn-cs"/>
+              </a:rPr>
+              <a:t>tol</a:t>
+            </a:r>
+            <a:r>
+              <a:rPr lang="fr-FR" sz="1400" b="1" kern="0" dirty="0" smtClean="0">
+                <a:latin typeface="+mn-lt"/>
+                <a:cs typeface="+mn-cs"/>
+              </a:rPr>
+              <a:t>/no </a:t>
+            </a:r>
+            <a:r>
+              <a:rPr lang="fr-FR" sz="1400" b="1" kern="0" dirty="0" err="1" smtClean="0">
+                <a:latin typeface="+mn-lt"/>
+                <a:cs typeface="+mn-cs"/>
+              </a:rPr>
+              <a:t>resp</a:t>
+            </a:r>
+            <a:r>
+              <a:rPr lang="fr-FR" sz="1400" b="1" kern="0" dirty="0" smtClean="0">
+                <a:latin typeface="+mn-lt"/>
+                <a:cs typeface="+mn-cs"/>
+              </a:rPr>
+              <a:t>}</a:t>
+            </a:r>
+            <a:endParaRPr kumimoji="0" lang="fr-FR" sz="1400" b="1" i="0" u="none" strike="noStrike" kern="0" cap="none" spc="0" normalizeH="0" baseline="0" noProof="0" dirty="0" smtClean="0">
+              <a:ln>
+                <a:noFill/>
+              </a:ln>
+              <a:effectLst/>
+              <a:uLnTx/>
+              <a:uFillTx/>
+              <a:latin typeface="+mn-lt"/>
+              <a:ea typeface="+mn-ea"/>
+              <a:cs typeface="+mn-cs"/>
+            </a:endParaRPr>
+          </a:p>
+        </p:txBody>
+      </p:sp>
+      <p:sp>
+        <p:nvSpPr>
+          <p:cNvPr id="69" name="TextBox 68"/>
+          <p:cNvSpPr txBox="1"/>
+          <p:nvPr/>
+        </p:nvSpPr>
+        <p:spPr>
+          <a:xfrm>
+            <a:off x="4927101" y="5713511"/>
+            <a:ext cx="2618024" cy="307777"/>
+          </a:xfrm>
+          <a:prstGeom prst="rect">
+            <a:avLst/>
+          </a:prstGeom>
+          <a:noFill/>
+        </p:spPr>
+        <p:txBody>
+          <a:bodyPr wrap="none" rtlCol="0">
+            <a:spAutoFit/>
+          </a:bodyPr>
+          <a:lstStyle/>
+          <a:p>
+            <a:pPr marL="0" marR="0" indent="0" algn="l" defTabSz="914400" rtl="0" eaLnBrk="1" fontAlgn="auto" latinLnBrk="0" hangingPunct="1">
+              <a:lnSpc>
+                <a:spcPct val="100000"/>
+              </a:lnSpc>
+              <a:spcBef>
+                <a:spcPct val="20000"/>
+              </a:spcBef>
+              <a:spcAft>
+                <a:spcPts val="0"/>
+              </a:spcAft>
+              <a:buClrTx/>
+              <a:buSzTx/>
+              <a:buFontTx/>
+              <a:buNone/>
+              <a:tabLst/>
+            </a:pPr>
+            <a:r>
+              <a:rPr lang="fr-FR" sz="1400" b="1" kern="0" dirty="0" smtClean="0">
+                <a:latin typeface="+mn-lt"/>
+                <a:cs typeface="+mn-cs"/>
+              </a:rPr>
+              <a:t>a: Information display!{console} </a:t>
+            </a:r>
+            <a:endParaRPr kumimoji="0" lang="fr-FR" sz="1400" b="1" i="0" u="none" strike="noStrike" kern="0" cap="none" spc="0" normalizeH="0" baseline="0" noProof="0" dirty="0" smtClean="0">
+              <a:ln>
+                <a:noFill/>
+              </a:ln>
+              <a:effectLst/>
+              <a:uLnTx/>
+              <a:uFillTx/>
+              <a:latin typeface="+mn-lt"/>
+              <a:ea typeface="+mn-ea"/>
+              <a:cs typeface="+mn-cs"/>
+            </a:endParaRPr>
+          </a:p>
+        </p:txBody>
+      </p:sp>
+      <p:sp>
+        <p:nvSpPr>
+          <p:cNvPr id="70" name="TextBox 69"/>
+          <p:cNvSpPr txBox="1"/>
+          <p:nvPr/>
+        </p:nvSpPr>
+        <p:spPr>
+          <a:xfrm>
+            <a:off x="2555776" y="6084585"/>
+            <a:ext cx="4168129" cy="584775"/>
+          </a:xfrm>
+          <a:prstGeom prst="rect">
+            <a:avLst/>
+          </a:prstGeom>
+          <a:noFill/>
+        </p:spPr>
+        <p:txBody>
+          <a:bodyPr wrap="none" rtlCol="0">
+            <a:spAutoFit/>
+          </a:bodyPr>
+          <a:lstStyle/>
+          <a:p>
+            <a:pPr marL="0" marR="0" indent="0" algn="l" defTabSz="914400" rtl="0" eaLnBrk="1" fontAlgn="auto" latinLnBrk="0" hangingPunct="1">
+              <a:lnSpc>
+                <a:spcPct val="100000"/>
+              </a:lnSpc>
+              <a:spcBef>
+                <a:spcPct val="20000"/>
+              </a:spcBef>
+              <a:spcAft>
+                <a:spcPts val="0"/>
+              </a:spcAft>
+              <a:buClrTx/>
+              <a:buSzTx/>
+              <a:buFontTx/>
+              <a:buNone/>
+              <a:tabLst/>
+            </a:pPr>
+            <a:r>
+              <a:rPr lang="fr-FR" sz="3200" b="1" kern="0" dirty="0" smtClean="0">
+                <a:solidFill>
+                  <a:schemeClr val="accent6"/>
+                </a:solidFill>
+                <a:effectLst>
+                  <a:outerShdw blurRad="38100" dist="38100" dir="2700000" algn="tl">
+                    <a:srgbClr xmlns:mc="http://schemas.openxmlformats.org/markup-compatibility/2006" xmlns:a14="http://schemas.microsoft.com/office/drawing/2007/7/7/main" val="000000" mc:Ignorable="">
+                      <a:alpha val="43137"/>
+                    </a:srgbClr>
+                  </a:outerShdw>
+                </a:effectLst>
+                <a:latin typeface="+mn-lt"/>
+                <a:cs typeface="+mn-cs"/>
+              </a:rPr>
+              <a:t>Display</a:t>
+            </a:r>
+            <a:r>
+              <a:rPr lang="fr-FR" sz="3200" b="1" kern="0" dirty="0" smtClean="0">
+                <a:latin typeface="+mn-lt"/>
+                <a:cs typeface="+mn-cs"/>
+              </a:rPr>
+              <a:t> </a:t>
+            </a:r>
+            <a:r>
+              <a:rPr lang="fr-FR" sz="3200" b="1" kern="0" dirty="0" err="1" smtClean="0">
+                <a:latin typeface="+mn-lt"/>
+                <a:cs typeface="+mn-cs"/>
+              </a:rPr>
+              <a:t>problem</a:t>
+            </a:r>
+            <a:r>
+              <a:rPr lang="fr-FR" sz="3200" b="1" kern="0" dirty="0" smtClean="0">
+                <a:latin typeface="+mn-lt"/>
+                <a:cs typeface="+mn-cs"/>
+              </a:rPr>
+              <a:t> frame</a:t>
+            </a:r>
+            <a:endParaRPr kumimoji="0" lang="fr-FR" sz="3200" b="1" i="0" u="none" strike="noStrike" kern="0" cap="none" spc="0" normalizeH="0" baseline="0" noProof="0" dirty="0" smtClean="0">
+              <a:ln>
+                <a:noFill/>
+              </a:ln>
+              <a:effectLst/>
+              <a:uLnTx/>
+              <a:uFillTx/>
+              <a:latin typeface="+mn-lt"/>
+              <a:cs typeface="+mn-cs"/>
+            </a:endParaRPr>
+          </a:p>
+        </p:txBody>
+      </p:sp>
+    </p:spTree>
+    <p:extLst>
+      <p:ext uri="{BB962C8B-B14F-4D97-AF65-F5344CB8AC3E}">
+        <p14:creationId xmlns:p14="http://schemas.microsoft.com/office/powerpoint/2007/7/12/main" val="2769818375"/>
+      </p:ext>
+    </p:extLst>
+  </p:cSld>
+  <p:clrMapOvr>
+    <a:masterClrMapping/>
+  </p:clrMapOvr>
+  <p:timing>
+    <p:tnLst>
+      <p:par>
+        <p:cTn xmlns:p14="http://schemas.microsoft.com/office/powerpoint/2007/7/12/main" id="1" dur="indefinite" restart="never" nodeType="tmRoot"/>
+      </p:par>
+    </p:tnLst>
+  </p:timing>
+</p:sld>
+</file>
+
+<file path=ppt/slides/slide7.xml><?xml version="1.0" encoding="utf-8"?>
+<p:sld xmlns:a="http://schemas.openxmlformats.org/drawingml/2006/main" xmlns:r="http://schemas.openxmlformats.org/officeDocument/2006/relationships" xmlns:p="http://schemas.openxmlformats.org/presentationml/2006/main">
+  <p:cSld>
+    <p:spTree>
+      <p:nvGrpSpPr>
+        <p:cNvPr id="1" name=""/>
+        <p:cNvGrpSpPr/>
+        <p:nvPr/>
+      </p:nvGrpSpPr>
+      <p:grpSpPr>
+        <a:xfrm>
+          <a:off x="0" y="0"/>
+          <a:ext cx="0" cy="0"/>
+          <a:chOff x="0" y="0"/>
+          <a:chExt cx="0" cy="0"/>
+        </a:xfrm>
+      </p:grpSpPr>
+      <p:sp>
+        <p:nvSpPr>
+          <p:cNvPr id="2" name="Title 1"/>
+          <p:cNvSpPr>
+            <a:spLocks noGrp="1"/>
+          </p:cNvSpPr>
+          <p:nvPr>
+            <p:ph type="ctrTitle"/>
+          </p:nvPr>
+        </p:nvSpPr>
+        <p:spPr/>
+        <p:txBody>
+          <a:bodyPr/>
+          <a:lstStyle/>
+          <a:p>
+            <a:r>
+              <a:rPr lang="fr-FR" dirty="0" err="1" smtClean="0"/>
+              <a:t>Problem</a:t>
+            </a:r>
+            <a:r>
+              <a:rPr lang="fr-FR" dirty="0" smtClean="0"/>
+              <a:t> frames (</a:t>
+            </a:r>
+            <a:r>
+              <a:rPr lang="fr-FR" dirty="0" err="1" smtClean="0"/>
+              <a:t>cont</a:t>
+            </a:r>
+            <a:r>
+              <a:rPr lang="fr-FR" dirty="0" smtClean="0"/>
+              <a:t>.)</a:t>
+            </a:r>
+            <a:endParaRPr lang="fr-FR" dirty="0"/>
+          </a:p>
+        </p:txBody>
+      </p:sp>
+      <p:sp>
+        <p:nvSpPr>
+          <p:cNvPr id="3" name="Text Placeholder 2"/>
+          <p:cNvSpPr>
+            <a:spLocks noGrp="1"/>
+          </p:cNvSpPr>
+          <p:nvPr>
+            <p:ph type="body" sz="quarter" idx="10"/>
+          </p:nvPr>
+        </p:nvSpPr>
+        <p:spPr>
+          <a:xfrm>
+            <a:off x="285750" y="1124744"/>
+            <a:ext cx="8643968" cy="5447506"/>
+          </a:xfrm>
+        </p:spPr>
+        <p:txBody>
+          <a:bodyPr/>
+          <a:lstStyle/>
+          <a:p>
+            <a:r>
+              <a:rPr lang="fr-FR" sz="1800" dirty="0" err="1" smtClean="0"/>
+              <a:t>Problem</a:t>
+            </a:r>
+            <a:r>
+              <a:rPr lang="fr-FR" sz="1800" dirty="0" smtClean="0"/>
+              <a:t> </a:t>
+            </a:r>
+            <a:r>
+              <a:rPr lang="fr-FR" sz="1800" dirty="0" err="1" smtClean="0"/>
+              <a:t>diagram</a:t>
+            </a:r>
+            <a:r>
+              <a:rPr lang="fr-FR" sz="1800" dirty="0" smtClean="0"/>
+              <a:t> </a:t>
+            </a:r>
+            <a:r>
+              <a:rPr lang="fr-FR" sz="1800" dirty="0" smtClean="0"/>
+              <a:t>2/2:           </a:t>
+            </a:r>
+            <a:r>
+              <a:rPr lang="fr-FR" b="1" i="1" dirty="0" smtClean="0"/>
+              <a:t>Information </a:t>
+            </a:r>
+            <a:r>
+              <a:rPr lang="fr-FR" b="1" i="1" dirty="0" err="1" smtClean="0"/>
+              <a:t>retrieval</a:t>
+            </a:r>
+            <a:endParaRPr lang="fr-FR" b="1" i="1" dirty="0"/>
+          </a:p>
+        </p:txBody>
+      </p:sp>
+      <p:cxnSp>
+        <p:nvCxnSpPr>
+          <p:cNvPr id="26" name="Straight Arrow Connector 25"/>
+          <p:cNvCxnSpPr/>
+          <p:nvPr/>
+        </p:nvCxnSpPr>
+        <p:spPr>
+          <a:xfrm rot="16200000" flipV="1">
+            <a:off x="5766055" y="1994302"/>
+            <a:ext cx="791848" cy="1595781"/>
+          </a:xfrm>
+          <a:prstGeom prst="straightConnector1">
+            <a:avLst/>
+          </a:prstGeom>
+          <a:ln>
+            <a:prstDash val="dash"/>
+            <a:tailEnd type="arrow"/>
+          </a:ln>
+        </p:spPr>
+        <p:style>
+          <a:lnRef idx="2">
+            <a:schemeClr val="accent4"/>
+          </a:lnRef>
+          <a:fillRef idx="0">
+            <a:schemeClr val="accent4"/>
+          </a:fillRef>
+          <a:effectRef idx="1">
+            <a:schemeClr val="accent4"/>
+          </a:effectRef>
+          <a:fontRef idx="minor">
+            <a:schemeClr val="tx1"/>
+          </a:fontRef>
+        </p:style>
+      </p:cxnSp>
+      <p:grpSp>
+        <p:nvGrpSpPr>
+          <p:cNvPr id="27" name="Group 26"/>
+          <p:cNvGrpSpPr/>
+          <p:nvPr/>
+        </p:nvGrpSpPr>
+        <p:grpSpPr>
+          <a:xfrm>
+            <a:off x="827584" y="3199412"/>
+            <a:ext cx="1512168" cy="792088"/>
+            <a:chOff x="827584" y="3068960"/>
+            <a:chExt cx="1512168" cy="792088"/>
+          </a:xfrm>
+        </p:grpSpPr>
+        <p:sp>
+          <p:nvSpPr>
+            <p:cNvPr id="28" name="Rectangle 27"/>
+            <p:cNvSpPr/>
+            <p:nvPr/>
+          </p:nvSpPr>
+          <p:spPr>
+            <a:xfrm>
+              <a:off x="827584" y="3068960"/>
+              <a:ext cx="1512168" cy="792088"/>
+            </a:xfrm>
+            <a:prstGeom prst="rect">
+              <a:avLst/>
+            </a:prstGeom>
+          </p:spPr>
+          <p:style>
+            <a:lnRef idx="3">
+              <a:schemeClr val="lt1"/>
+            </a:lnRef>
+            <a:fillRef idx="1">
+              <a:schemeClr val="accent6"/>
+            </a:fillRef>
+            <a:effectRef idx="1">
+              <a:schemeClr val="accent6"/>
+            </a:effectRef>
+            <a:fontRef idx="minor">
+              <a:schemeClr val="lt1"/>
+            </a:fontRef>
+          </p:style>
+          <p:txBody>
+            <a:bodyPr rtlCol="0" anchor="ctr"/>
+            <a:lstStyle/>
+            <a:p>
+              <a:pPr algn="ctr"/>
+              <a:r>
+                <a:rPr lang="fr-FR" sz="2400" dirty="0" smtClean="0"/>
+                <a:t>FDIR</a:t>
+              </a:r>
+              <a:endParaRPr lang="fr-FR" sz="2400" dirty="0"/>
+            </a:p>
+          </p:txBody>
+        </p:sp>
+        <p:cxnSp>
+          <p:nvCxnSpPr>
+            <p:cNvPr id="29" name="Straight Connector 28"/>
+            <p:cNvCxnSpPr/>
+            <p:nvPr/>
+          </p:nvCxnSpPr>
+          <p:spPr>
+            <a:xfrm rot="5400000">
+              <a:off x="575556" y="3465004"/>
+              <a:ext cx="792088" cy="0"/>
+            </a:xfrm>
+            <a:prstGeom prst="line">
+              <a:avLst/>
+            </a:prstGeom>
+            <a:ln w="38100">
+              <a:solidFill>
+                <a:schemeClr val="bg1"/>
+              </a:solidFill>
+            </a:ln>
+          </p:spPr>
+          <p:style>
+            <a:lnRef idx="1">
+              <a:schemeClr val="accent1"/>
+            </a:lnRef>
+            <a:fillRef idx="0">
+              <a:schemeClr val="accent1"/>
+            </a:fillRef>
+            <a:effectRef idx="0">
+              <a:schemeClr val="accent1"/>
+            </a:effectRef>
+            <a:fontRef idx="minor">
+              <a:schemeClr val="tx1"/>
+            </a:fontRef>
+          </p:style>
+        </p:cxnSp>
+        <p:cxnSp>
+          <p:nvCxnSpPr>
+            <p:cNvPr id="30" name="Straight Connector 29"/>
+            <p:cNvCxnSpPr/>
+            <p:nvPr/>
+          </p:nvCxnSpPr>
+          <p:spPr>
+            <a:xfrm rot="5400000">
+              <a:off x="719572" y="3465004"/>
+              <a:ext cx="792088" cy="0"/>
+            </a:xfrm>
+            <a:prstGeom prst="line">
+              <a:avLst/>
+            </a:prstGeom>
+            <a:ln w="38100">
+              <a:solidFill>
+                <a:schemeClr val="bg1"/>
+              </a:solidFill>
+            </a:ln>
+          </p:spPr>
+          <p:style>
+            <a:lnRef idx="1">
+              <a:schemeClr val="accent1"/>
+            </a:lnRef>
+            <a:fillRef idx="0">
+              <a:schemeClr val="accent1"/>
+            </a:fillRef>
+            <a:effectRef idx="0">
+              <a:schemeClr val="accent1"/>
+            </a:effectRef>
+            <a:fontRef idx="minor">
+              <a:schemeClr val="tx1"/>
+            </a:fontRef>
+          </p:style>
+        </p:cxnSp>
+      </p:grpSp>
+      <p:grpSp>
+        <p:nvGrpSpPr>
+          <p:cNvPr id="31" name="Group 30"/>
+          <p:cNvGrpSpPr/>
+          <p:nvPr/>
+        </p:nvGrpSpPr>
+        <p:grpSpPr>
+          <a:xfrm>
+            <a:off x="6696236" y="3019392"/>
+            <a:ext cx="1800200" cy="1152128"/>
+            <a:chOff x="6696236" y="2888940"/>
+            <a:chExt cx="1800200" cy="1152128"/>
+          </a:xfrm>
+        </p:grpSpPr>
+        <p:sp>
+          <p:nvSpPr>
+            <p:cNvPr id="32" name="Oval 31"/>
+            <p:cNvSpPr/>
+            <p:nvPr/>
+          </p:nvSpPr>
+          <p:spPr>
+            <a:xfrm>
+              <a:off x="6696236" y="2888940"/>
+              <a:ext cx="1800200" cy="1152128"/>
+            </a:xfrm>
+            <a:prstGeom prst="ellipse">
+              <a:avLst/>
+            </a:prstGeom>
+            <a:ln>
+              <a:prstDash val="dash"/>
+            </a:ln>
+          </p:spPr>
+          <p:style>
+            <a:lnRef idx="3">
+              <a:schemeClr val="lt1"/>
+            </a:lnRef>
+            <a:fillRef idx="1">
+              <a:schemeClr val="accent6"/>
+            </a:fillRef>
+            <a:effectRef idx="1">
+              <a:schemeClr val="accent6"/>
+            </a:effectRef>
+            <a:fontRef idx="minor">
+              <a:schemeClr val="lt1"/>
+            </a:fontRef>
+          </p:style>
+          <p:txBody>
+            <a:bodyPr rtlCol="0" anchor="ctr"/>
+            <a:lstStyle/>
+            <a:p>
+              <a:pPr algn="ctr"/>
+              <a:endParaRPr lang="fr-FR"/>
+            </a:p>
+          </p:txBody>
+        </p:sp>
+        <p:sp>
+          <p:nvSpPr>
+            <p:cNvPr id="33" name="TextBox 32"/>
             <p:cNvSpPr txBox="1"/>
             <p:nvPr/>
           </p:nvSpPr>
@@ -18272,13 +19801,13 @@
       </p:grpSp>
       <p:cxnSp>
         <p:nvCxnSpPr>
-          <p:cNvPr id="30" name="Straight Connector 29"/>
+          <p:cNvPr id="34" name="Straight Connector 33"/>
           <p:cNvCxnSpPr/>
           <p:nvPr/>
         </p:nvCxnSpPr>
         <p:spPr>
           <a:xfrm flipV="1">
-            <a:off x="5652120" y="3956349"/>
+            <a:off x="5364088" y="4002795"/>
             <a:ext cx="1595781" cy="580375"/>
           </a:xfrm>
           <a:prstGeom prst="line">
@@ -18307,13 +19836,13 @@
       </p:cxnSp>
       <p:cxnSp>
         <p:nvCxnSpPr>
-          <p:cNvPr id="31" name="Straight Connector 30"/>
+          <p:cNvPr id="35" name="Straight Connector 34"/>
           <p:cNvCxnSpPr/>
           <p:nvPr/>
         </p:nvCxnSpPr>
         <p:spPr>
           <a:xfrm>
-            <a:off x="2627784" y="3549010"/>
+            <a:off x="2339752" y="3595456"/>
             <a:ext cx="1512168" cy="987714"/>
           </a:xfrm>
           <a:prstGeom prst="line">
@@ -18338,13 +19867,13 @@
       </p:cxnSp>
       <p:cxnSp>
         <p:nvCxnSpPr>
-          <p:cNvPr id="32" name="Straight Connector 31"/>
+          <p:cNvPr id="36" name="Straight Connector 35"/>
           <p:cNvCxnSpPr/>
           <p:nvPr/>
         </p:nvCxnSpPr>
         <p:spPr>
           <a:xfrm flipV="1">
-            <a:off x="2627784" y="2349823"/>
+            <a:off x="2339752" y="2396269"/>
             <a:ext cx="1512168" cy="1199187"/>
           </a:xfrm>
           <a:prstGeom prst="line">
@@ -18369,13 +19898,13 @@
       </p:cxnSp>
       <p:sp>
         <p:nvSpPr>
-          <p:cNvPr id="33" name="TextBox 32"/>
+          <p:cNvPr id="37" name="TextBox 36"/>
           <p:cNvSpPr txBox="1"/>
           <p:nvPr/>
         </p:nvSpPr>
         <p:spPr>
           <a:xfrm>
-            <a:off x="1115616" y="5308165"/>
+            <a:off x="827584" y="5454979"/>
             <a:ext cx="1460656" cy="566309"/>
           </a:xfrm>
           <a:prstGeom prst="rect">
@@ -18460,7 +19989,7 @@
       </p:sp>
       <p:sp>
         <p:nvSpPr>
-          <p:cNvPr id="34" name="Text Placeholder 48"/>
+          <p:cNvPr id="38" name="Text Placeholder 48"/>
           <p:cNvSpPr txBox="1">
             <a:spLocks/>
           </p:cNvSpPr>
@@ -18468,7 +19997,7 @@
         </p:nvSpPr>
         <p:spPr>
           <a:xfrm>
-            <a:off x="6267302" y="3925309"/>
+            <a:off x="5979270" y="3971755"/>
             <a:ext cx="280846" cy="307777"/>
           </a:xfrm>
           <a:prstGeom prst="rect">
@@ -18659,7 +20188,7 @@
       </p:sp>
       <p:sp>
         <p:nvSpPr>
-          <p:cNvPr id="35" name="Text Placeholder 48"/>
+          <p:cNvPr id="39" name="Text Placeholder 48"/>
           <p:cNvSpPr txBox="1">
             <a:spLocks/>
           </p:cNvSpPr>
@@ -18667,7 +20196,7 @@
         </p:nvSpPr>
         <p:spPr>
           <a:xfrm>
-            <a:off x="6444208" y="2485149"/>
+            <a:off x="6156176" y="2531595"/>
             <a:ext cx="312906" cy="307777"/>
           </a:xfrm>
           <a:prstGeom prst="rect">
@@ -18859,111 +20388,227 @@
           </a:p>
         </p:txBody>
       </p:sp>
+      <p:grpSp>
+        <p:nvGrpSpPr>
+          <p:cNvPr id="40" name="Group 39"/>
+          <p:cNvGrpSpPr/>
+          <p:nvPr/>
+        </p:nvGrpSpPr>
+        <p:grpSpPr>
+          <a:xfrm>
+            <a:off x="3851920" y="4089313"/>
+            <a:ext cx="1512168" cy="823301"/>
+            <a:chOff x="3419872" y="1885619"/>
+            <a:chExt cx="1512168" cy="823301"/>
+          </a:xfrm>
+        </p:grpSpPr>
+        <p:sp>
+          <p:nvSpPr>
+            <p:cNvPr id="41" name="Rectangle 40"/>
+            <p:cNvSpPr/>
+            <p:nvPr/>
+          </p:nvSpPr>
+          <p:spPr>
+            <a:xfrm>
+              <a:off x="3419872" y="1885619"/>
+              <a:ext cx="1512168" cy="823301"/>
+            </a:xfrm>
+            <a:prstGeom prst="rect">
+              <a:avLst/>
+            </a:prstGeom>
+          </p:spPr>
+          <p:style>
+            <a:lnRef idx="3">
+              <a:schemeClr val="lt1"/>
+            </a:lnRef>
+            <a:fillRef idx="1">
+              <a:schemeClr val="accent6"/>
+            </a:fillRef>
+            <a:effectRef idx="1">
+              <a:schemeClr val="accent6"/>
+            </a:effectRef>
+            <a:fontRef idx="minor">
+              <a:schemeClr val="lt1"/>
+            </a:fontRef>
+          </p:style>
+          <p:txBody>
+            <a:bodyPr rtlCol="0" anchor="ctr"/>
+            <a:lstStyle/>
+            <a:p>
+              <a:pPr algn="ctr"/>
+              <a:r>
+                <a:rPr lang="fr-FR" dirty="0" err="1" smtClean="0"/>
+                <a:t>Crew</a:t>
+              </a:r>
+              <a:r>
+                <a:rPr lang="fr-FR" dirty="0" smtClean="0"/>
+                <a:t>/ </a:t>
+              </a:r>
+              <a:r>
+                <a:rPr lang="fr-FR" dirty="0" err="1" smtClean="0"/>
+                <a:t>Ground</a:t>
+              </a:r>
+              <a:r>
+                <a:rPr lang="fr-FR" dirty="0" smtClean="0"/>
+                <a:t> Control</a:t>
+              </a:r>
+              <a:endParaRPr lang="fr-FR" dirty="0"/>
+            </a:p>
+          </p:txBody>
+        </p:sp>
+        <p:sp>
+          <p:nvSpPr>
+            <p:cNvPr id="42" name="Rectangle 41"/>
+            <p:cNvSpPr/>
+            <p:nvPr/>
+          </p:nvSpPr>
+          <p:spPr>
+            <a:xfrm>
+              <a:off x="4644008" y="2451157"/>
+              <a:ext cx="288032" cy="257763"/>
+            </a:xfrm>
+            <a:prstGeom prst="rect">
+              <a:avLst/>
+            </a:prstGeom>
+            <a:effectLst/>
+          </p:spPr>
+          <p:style>
+            <a:lnRef idx="3">
+              <a:schemeClr val="lt1"/>
+            </a:lnRef>
+            <a:fillRef idx="1">
+              <a:schemeClr val="accent6"/>
+            </a:fillRef>
+            <a:effectRef idx="1">
+              <a:schemeClr val="accent6"/>
+            </a:effectRef>
+            <a:fontRef idx="minor">
+              <a:schemeClr val="lt1"/>
+            </a:fontRef>
+          </p:style>
+          <p:txBody>
+            <a:bodyPr rtlCol="0" anchor="ctr"/>
+            <a:lstStyle/>
+            <a:p>
+              <a:pPr algn="ctr"/>
+              <a:r>
+                <a:rPr lang="fr-FR" dirty="0" smtClean="0"/>
+                <a:t>B</a:t>
+              </a:r>
+              <a:endParaRPr lang="fr-FR" dirty="0"/>
+            </a:p>
+          </p:txBody>
+        </p:sp>
+      </p:grpSp>
+      <p:grpSp>
+        <p:nvGrpSpPr>
+          <p:cNvPr id="65" name="Group 64"/>
+          <p:cNvGrpSpPr/>
+          <p:nvPr/>
+        </p:nvGrpSpPr>
+        <p:grpSpPr>
+          <a:xfrm>
+            <a:off x="3851920" y="2016071"/>
+            <a:ext cx="1512168" cy="823301"/>
+            <a:chOff x="3491880" y="4041068"/>
+            <a:chExt cx="1512168" cy="823301"/>
+          </a:xfrm>
+        </p:grpSpPr>
+        <p:sp>
+          <p:nvSpPr>
+            <p:cNvPr id="66" name="Rectangle 65"/>
+            <p:cNvSpPr/>
+            <p:nvPr/>
+          </p:nvSpPr>
+          <p:spPr>
+            <a:xfrm>
+              <a:off x="3491880" y="4041068"/>
+              <a:ext cx="1512168" cy="823301"/>
+            </a:xfrm>
+            <a:prstGeom prst="rect">
+              <a:avLst/>
+            </a:prstGeom>
+          </p:spPr>
+          <p:style>
+            <a:lnRef idx="3">
+              <a:schemeClr val="lt1"/>
+            </a:lnRef>
+            <a:fillRef idx="1">
+              <a:schemeClr val="accent6"/>
+            </a:fillRef>
+            <a:effectRef idx="1">
+              <a:schemeClr val="accent6"/>
+            </a:effectRef>
+            <a:fontRef idx="minor">
+              <a:schemeClr val="lt1"/>
+            </a:fontRef>
+          </p:style>
+          <p:txBody>
+            <a:bodyPr rtlCol="0" anchor="ctr"/>
+            <a:lstStyle/>
+            <a:p>
+              <a:pPr algn="ctr"/>
+              <a:r>
+                <a:rPr lang="fr-FR" dirty="0" smtClean="0"/>
+                <a:t>FDIR Storage System</a:t>
+              </a:r>
+              <a:endParaRPr lang="fr-FR" dirty="0"/>
+            </a:p>
+          </p:txBody>
+        </p:sp>
+        <p:sp>
+          <p:nvSpPr>
+            <p:cNvPr id="67" name="Rectangle 66"/>
+            <p:cNvSpPr/>
+            <p:nvPr/>
+          </p:nvSpPr>
+          <p:spPr>
+            <a:xfrm>
+              <a:off x="4860032" y="4606606"/>
+              <a:ext cx="144016" cy="257763"/>
+            </a:xfrm>
+            <a:prstGeom prst="rect">
+              <a:avLst/>
+            </a:prstGeom>
+            <a:effectLst/>
+          </p:spPr>
+          <p:style>
+            <a:lnRef idx="3">
+              <a:schemeClr val="lt1"/>
+            </a:lnRef>
+            <a:fillRef idx="1">
+              <a:schemeClr val="accent6"/>
+            </a:fillRef>
+            <a:effectRef idx="1">
+              <a:schemeClr val="accent6"/>
+            </a:effectRef>
+            <a:fontRef idx="minor">
+              <a:schemeClr val="lt1"/>
+            </a:fontRef>
+          </p:style>
+          <p:txBody>
+            <a:bodyPr rtlCol="0" anchor="ctr"/>
+            <a:lstStyle/>
+            <a:p>
+              <a:pPr algn="ctr"/>
+              <a:r>
+                <a:rPr lang="fr-FR" sz="1600" dirty="0" smtClean="0"/>
+                <a:t>L</a:t>
+              </a:r>
+              <a:endParaRPr lang="fr-FR" sz="1600" dirty="0"/>
+            </a:p>
+          </p:txBody>
+        </p:sp>
+      </p:grpSp>
       <p:sp>
         <p:nvSpPr>
-          <p:cNvPr id="36" name="Rectangle 35"/>
-          <p:cNvSpPr/>
-          <p:nvPr/>
-        </p:nvSpPr>
-        <p:spPr>
-          <a:xfrm>
-            <a:off x="4139952" y="4042867"/>
-            <a:ext cx="1512168" cy="823301"/>
-          </a:xfrm>
-          <a:prstGeom prst="rect">
-            <a:avLst/>
-          </a:prstGeom>
-        </p:spPr>
-        <p:style>
-          <a:lnRef idx="3">
-            <a:schemeClr val="lt1"/>
-          </a:lnRef>
-          <a:fillRef idx="1">
-            <a:schemeClr val="accent6"/>
-          </a:fillRef>
-          <a:effectRef idx="1">
-            <a:schemeClr val="accent6"/>
-          </a:effectRef>
-          <a:fontRef idx="minor">
-            <a:schemeClr val="lt1"/>
-          </a:fontRef>
-        </p:style>
-        <p:txBody>
-          <a:bodyPr rtlCol="0" anchor="ctr"/>
-          <a:lstStyle/>
-          <a:p>
-            <a:pPr algn="ctr"/>
-            <a:r>
-              <a:rPr lang="fr-FR" dirty="0" err="1" smtClean="0"/>
-              <a:t>Crew</a:t>
-            </a:r>
-            <a:r>
-              <a:rPr lang="fr-FR" dirty="0" smtClean="0"/>
-              <a:t>/ </a:t>
-            </a:r>
-            <a:r>
-              <a:rPr lang="fr-FR" dirty="0" err="1" smtClean="0"/>
-              <a:t>Ground</a:t>
-            </a:r>
-            <a:r>
-              <a:rPr lang="fr-FR" dirty="0" smtClean="0"/>
-              <a:t> Control</a:t>
-            </a:r>
-            <a:endParaRPr lang="fr-FR" dirty="0"/>
-          </a:p>
-        </p:txBody>
-      </p:sp>
-      <p:sp>
-        <p:nvSpPr>
-          <p:cNvPr id="37" name="Rectangle 36"/>
-          <p:cNvSpPr/>
-          <p:nvPr/>
-        </p:nvSpPr>
-        <p:spPr>
-          <a:xfrm>
-            <a:off x="4139952" y="1969625"/>
-            <a:ext cx="1512168" cy="823301"/>
-          </a:xfrm>
-          <a:prstGeom prst="rect">
-            <a:avLst/>
-          </a:prstGeom>
-        </p:spPr>
-        <p:style>
-          <a:lnRef idx="3">
-            <a:schemeClr val="lt1"/>
-          </a:lnRef>
-          <a:fillRef idx="1">
-            <a:schemeClr val="accent6"/>
-          </a:fillRef>
-          <a:effectRef idx="1">
-            <a:schemeClr val="accent6"/>
-          </a:effectRef>
-          <a:fontRef idx="minor">
-            <a:schemeClr val="lt1"/>
-          </a:fontRef>
-        </p:style>
-        <p:txBody>
-          <a:bodyPr rtlCol="0" anchor="ctr"/>
-          <a:lstStyle/>
-          <a:p>
-            <a:pPr algn="ctr"/>
-            <a:r>
-              <a:rPr lang="fr-FR" dirty="0" smtClean="0"/>
-              <a:t>FDIR Storage System</a:t>
-            </a:r>
-            <a:endParaRPr lang="fr-FR" dirty="0"/>
-          </a:p>
-        </p:txBody>
-      </p:sp>
-      <p:sp>
-        <p:nvSpPr>
-          <p:cNvPr id="38" name="TextBox 37"/>
+          <p:cNvPr id="68" name="TextBox 67"/>
           <p:cNvSpPr txBox="1"/>
           <p:nvPr/>
         </p:nvSpPr>
         <p:spPr>
           <a:xfrm>
-            <a:off x="1115616" y="4583013"/>
+            <a:off x="827584" y="4687029"/>
             <a:ext cx="1930337" cy="566309"/>
           </a:xfrm>
           <a:prstGeom prst="rect">
@@ -19055,7 +20700,7 @@
       </p:sp>
       <p:sp>
         <p:nvSpPr>
-          <p:cNvPr id="39" name="Text Placeholder 48"/>
+          <p:cNvPr id="69" name="Text Placeholder 48"/>
           <p:cNvSpPr txBox="1">
             <a:spLocks/>
           </p:cNvSpPr>
@@ -19063,7 +20708,7 @@
         </p:nvSpPr>
         <p:spPr>
           <a:xfrm>
-            <a:off x="3335814" y="3781293"/>
+            <a:off x="3047782" y="3827739"/>
             <a:ext cx="320922" cy="307777"/>
           </a:xfrm>
           <a:prstGeom prst="rect">
@@ -19253,7 +20898,7 @@
       </p:sp>
       <p:sp>
         <p:nvSpPr>
-          <p:cNvPr id="40" name="Text Placeholder 48"/>
+          <p:cNvPr id="70" name="Text Placeholder 48"/>
           <p:cNvSpPr txBox="1">
             <a:spLocks/>
           </p:cNvSpPr>
@@ -19261,7 +20906,7 @@
         </p:nvSpPr>
         <p:spPr>
           <a:xfrm>
-            <a:off x="3170958" y="2629165"/>
+            <a:off x="2882926" y="2675611"/>
             <a:ext cx="300082" cy="307777"/>
           </a:xfrm>
           <a:prstGeom prst="rect">
@@ -19455,13 +21100,13 @@
       </p:sp>
       <p:sp>
         <p:nvSpPr>
-          <p:cNvPr id="41" name="TextBox 40"/>
+          <p:cNvPr id="71" name="TextBox 70"/>
           <p:cNvSpPr txBox="1"/>
           <p:nvPr/>
         </p:nvSpPr>
         <p:spPr>
           <a:xfrm>
-            <a:off x="6527627" y="4841545"/>
+            <a:off x="5508103" y="5119077"/>
             <a:ext cx="1968809" cy="307777"/>
           </a:xfrm>
           <a:prstGeom prst="rect">
@@ -19528,13 +21173,146 @@
       </p:sp>
       <p:sp>
         <p:nvSpPr>
-          <p:cNvPr id="42" name="TextBox 41"/>
+          <p:cNvPr id="72" name="TextBox 71"/>
           <p:cNvSpPr txBox="1"/>
           <p:nvPr/>
         </p:nvSpPr>
         <p:spPr>
           <a:xfrm>
-            <a:off x="6548148" y="5283542"/>
+            <a:off x="1484096" y="6093296"/>
+            <a:ext cx="6832320" cy="584775"/>
+          </a:xfrm>
+          <a:prstGeom prst="rect">
+            <a:avLst/>
+          </a:prstGeom>
+          <a:noFill/>
+        </p:spPr>
+        <p:txBody>
+          <a:bodyPr wrap="none" rtlCol="0">
+            <a:spAutoFit/>
+          </a:bodyPr>
+          <a:lstStyle/>
+          <a:p>
+            <a:pPr marL="0" marR="0" indent="0" algn="ctr" defTabSz="914400" rtl="0" eaLnBrk="1" fontAlgn="auto" latinLnBrk="0" hangingPunct="1">
+              <a:lnSpc>
+                <a:spcPct val="100000"/>
+              </a:lnSpc>
+              <a:spcBef>
+                <a:spcPct val="20000"/>
+              </a:spcBef>
+              <a:spcAft>
+                <a:spcPts val="0"/>
+              </a:spcAft>
+              <a:buClrTx/>
+              <a:buSzTx/>
+              <a:buFontTx/>
+              <a:buNone/>
+              <a:tabLst/>
+            </a:pPr>
+            <a:r>
+              <a:rPr lang="fr-FR" sz="3200" b="1" kern="0" dirty="0" err="1" smtClean="0">
+                <a:solidFill>
+                  <a:schemeClr val="accent6"/>
+                </a:solidFill>
+                <a:effectLst>
+                  <a:outerShdw blurRad="38100" dist="38100" dir="2700000" algn="tl">
+                    <a:srgbClr xmlns:mc="http://schemas.openxmlformats.org/markup-compatibility/2006" xmlns:a14="http://schemas.microsoft.com/office/drawing/2007/7/7/main" val="000000" mc:Ignorable="">
+                      <a:alpha val="43137"/>
+                    </a:srgbClr>
+                  </a:outerShdw>
+                </a:effectLst>
+                <a:latin typeface="+mn-lt"/>
+                <a:cs typeface="+mn-cs"/>
+              </a:rPr>
+              <a:t>Commanded</a:t>
+            </a:r>
+            <a:r>
+              <a:rPr lang="fr-FR" sz="3200" b="1" kern="0" dirty="0" smtClean="0">
+                <a:solidFill>
+                  <a:schemeClr val="accent6"/>
+                </a:solidFill>
+                <a:effectLst>
+                  <a:outerShdw blurRad="38100" dist="38100" dir="2700000" algn="tl">
+                    <a:srgbClr xmlns:mc="http://schemas.openxmlformats.org/markup-compatibility/2006" xmlns:a14="http://schemas.microsoft.com/office/drawing/2007/7/7/main" val="000000" mc:Ignorable="">
+                      <a:alpha val="43137"/>
+                    </a:srgbClr>
+                  </a:outerShdw>
+                </a:effectLst>
+                <a:latin typeface="+mn-lt"/>
+                <a:cs typeface="+mn-cs"/>
+              </a:rPr>
+              <a:t> </a:t>
+            </a:r>
+            <a:r>
+              <a:rPr lang="fr-FR" sz="3200" b="1" kern="0" dirty="0" err="1" smtClean="0">
+                <a:solidFill>
+                  <a:schemeClr val="accent6"/>
+                </a:solidFill>
+                <a:effectLst>
+                  <a:outerShdw blurRad="38100" dist="38100" dir="2700000" algn="tl">
+                    <a:srgbClr xmlns:mc="http://schemas.openxmlformats.org/markup-compatibility/2006" xmlns:a14="http://schemas.microsoft.com/office/drawing/2007/7/7/main" val="000000" mc:Ignorable="">
+                      <a:alpha val="43137"/>
+                    </a:srgbClr>
+                  </a:outerShdw>
+                </a:effectLst>
+                <a:latin typeface="+mn-lt"/>
+                <a:cs typeface="+mn-cs"/>
+              </a:rPr>
+              <a:t>behaviour</a:t>
+            </a:r>
+            <a:r>
+              <a:rPr lang="fr-FR" sz="3200" b="1" kern="0" dirty="0" smtClean="0">
+                <a:solidFill>
+                  <a:schemeClr val="accent6"/>
+                </a:solidFill>
+                <a:effectLst>
+                  <a:outerShdw blurRad="38100" dist="38100" dir="2700000" algn="tl">
+                    <a:srgbClr xmlns:mc="http://schemas.openxmlformats.org/markup-compatibility/2006" xmlns:a14="http://schemas.microsoft.com/office/drawing/2007/7/7/main" val="000000" mc:Ignorable="">
+                      <a:alpha val="43137"/>
+                    </a:srgbClr>
+                  </a:outerShdw>
+                </a:effectLst>
+                <a:latin typeface="+mn-lt"/>
+                <a:cs typeface="+mn-cs"/>
+              </a:rPr>
+              <a:t> </a:t>
+            </a:r>
+            <a:r>
+              <a:rPr lang="fr-FR" sz="3200" b="1" kern="0" dirty="0" err="1" smtClean="0">
+                <a:latin typeface="+mn-lt"/>
+                <a:cs typeface="+mn-cs"/>
+              </a:rPr>
+              <a:t>problem</a:t>
+            </a:r>
+            <a:r>
+              <a:rPr lang="fr-FR" sz="3200" b="1" kern="0" dirty="0" smtClean="0">
+                <a:latin typeface="+mn-lt"/>
+                <a:cs typeface="+mn-cs"/>
+              </a:rPr>
+              <a:t> frame</a:t>
+            </a:r>
+            <a:endParaRPr kumimoji="0" lang="fr-FR" sz="3200" b="1" i="0" u="none" strike="noStrike" kern="0" cap="none" spc="0" normalizeH="0" baseline="0" noProof="0" dirty="0" smtClean="0">
+              <a:ln>
+                <a:noFill/>
+              </a:ln>
+              <a:effectLst/>
+              <a:uLnTx/>
+              <a:uFillTx/>
+              <a:latin typeface="+mn-lt"/>
+              <a:cs typeface="+mn-cs"/>
+            </a:endParaRPr>
+          </a:p>
+        </p:txBody>
+      </p:sp>
+      <p:sp>
+        <p:nvSpPr>
+          <p:cNvPr id="73" name="TextBox 72"/>
+          <p:cNvSpPr txBox="1"/>
+          <p:nvPr/>
+        </p:nvSpPr>
+        <p:spPr>
+          <a:xfrm>
+            <a:off x="5508103" y="5695141"/>
             <a:ext cx="1505540" cy="307777"/>
           </a:xfrm>
           <a:prstGeom prst="rect">
@@ -19605,2002 +21383,6 @@
                 <a:cs typeface="+mn-cs"/>
               </a:rPr>
               <a:t>} </a:t>
-            </a:r>
-            <a:endParaRPr kumimoji="0" lang="fr-FR" sz="1400" b="1" i="0" u="none" strike="noStrike" kern="0" cap="none" spc="0" normalizeH="0" baseline="0" noProof="0" dirty="0" smtClean="0">
-              <a:ln>
-                <a:noFill/>
-              </a:ln>
-              <a:effectLst/>
-              <a:uLnTx/>
-              <a:uFillTx/>
-              <a:latin typeface="+mn-lt"/>
-              <a:ea typeface="+mn-ea"/>
-              <a:cs typeface="+mn-cs"/>
-            </a:endParaRPr>
-          </a:p>
-        </p:txBody>
-      </p:sp>
-      <p:sp>
-        <p:nvSpPr>
-          <p:cNvPr id="43" name="TextBox 42"/>
-          <p:cNvSpPr txBox="1"/>
-          <p:nvPr/>
-        </p:nvSpPr>
-        <p:spPr>
-          <a:xfrm>
-            <a:off x="1484096" y="6021288"/>
-            <a:ext cx="6832320" cy="584775"/>
-          </a:xfrm>
-          <a:prstGeom prst="rect">
-            <a:avLst/>
-          </a:prstGeom>
-          <a:noFill/>
-        </p:spPr>
-        <p:txBody>
-          <a:bodyPr wrap="none" rtlCol="0">
-            <a:spAutoFit/>
-          </a:bodyPr>
-          <a:lstStyle/>
-          <a:p>
-            <a:pPr marL="0" marR="0" indent="0" algn="ctr" defTabSz="914400" rtl="0" eaLnBrk="1" fontAlgn="auto" latinLnBrk="0" hangingPunct="1">
-              <a:lnSpc>
-                <a:spcPct val="100000"/>
-              </a:lnSpc>
-              <a:spcBef>
-                <a:spcPct val="20000"/>
-              </a:spcBef>
-              <a:spcAft>
-                <a:spcPts val="0"/>
-              </a:spcAft>
-              <a:buClrTx/>
-              <a:buSzTx/>
-              <a:buFontTx/>
-              <a:buNone/>
-              <a:tabLst/>
-            </a:pPr>
-            <a:r>
-              <a:rPr lang="fr-FR" sz="3200" b="1" kern="0" dirty="0" err="1" smtClean="0">
-                <a:solidFill>
-                  <a:schemeClr val="accent6"/>
-                </a:solidFill>
-                <a:effectLst>
-                  <a:outerShdw blurRad="38100" dist="38100" dir="2700000" algn="tl">
-                    <a:srgbClr xmlns:mc="http://schemas.openxmlformats.org/markup-compatibility/2006" xmlns:a14="http://schemas.microsoft.com/office/drawing/2007/7/7/main" val="000000" mc:Ignorable="">
-                      <a:alpha val="43137"/>
-                    </a:srgbClr>
-                  </a:outerShdw>
-                </a:effectLst>
-                <a:latin typeface="+mn-lt"/>
-                <a:cs typeface="+mn-cs"/>
-              </a:rPr>
-              <a:t>Commanded</a:t>
-            </a:r>
-            <a:r>
-              <a:rPr lang="fr-FR" sz="3200" b="1" kern="0" dirty="0" smtClean="0">
-                <a:solidFill>
-                  <a:schemeClr val="accent6"/>
-                </a:solidFill>
-                <a:effectLst>
-                  <a:outerShdw blurRad="38100" dist="38100" dir="2700000" algn="tl">
-                    <a:srgbClr xmlns:mc="http://schemas.openxmlformats.org/markup-compatibility/2006" xmlns:a14="http://schemas.microsoft.com/office/drawing/2007/7/7/main" val="000000" mc:Ignorable="">
-                      <a:alpha val="43137"/>
-                    </a:srgbClr>
-                  </a:outerShdw>
-                </a:effectLst>
-                <a:latin typeface="+mn-lt"/>
-                <a:cs typeface="+mn-cs"/>
-              </a:rPr>
-              <a:t> </a:t>
-            </a:r>
-            <a:r>
-              <a:rPr lang="fr-FR" sz="3200" b="1" kern="0" dirty="0" err="1" smtClean="0">
-                <a:solidFill>
-                  <a:schemeClr val="accent6"/>
-                </a:solidFill>
-                <a:effectLst>
-                  <a:outerShdw blurRad="38100" dist="38100" dir="2700000" algn="tl">
-                    <a:srgbClr xmlns:mc="http://schemas.openxmlformats.org/markup-compatibility/2006" xmlns:a14="http://schemas.microsoft.com/office/drawing/2007/7/7/main" val="000000" mc:Ignorable="">
-                      <a:alpha val="43137"/>
-                    </a:srgbClr>
-                  </a:outerShdw>
-                </a:effectLst>
-                <a:latin typeface="+mn-lt"/>
-                <a:cs typeface="+mn-cs"/>
-              </a:rPr>
-              <a:t>behaviour</a:t>
-            </a:r>
-            <a:r>
-              <a:rPr lang="fr-FR" sz="3200" b="1" kern="0" dirty="0" smtClean="0">
-                <a:solidFill>
-                  <a:schemeClr val="accent6"/>
-                </a:solidFill>
-                <a:effectLst>
-                  <a:outerShdw blurRad="38100" dist="38100" dir="2700000" algn="tl">
-                    <a:srgbClr xmlns:mc="http://schemas.openxmlformats.org/markup-compatibility/2006" xmlns:a14="http://schemas.microsoft.com/office/drawing/2007/7/7/main" val="000000" mc:Ignorable="">
-                      <a:alpha val="43137"/>
-                    </a:srgbClr>
-                  </a:outerShdw>
-                </a:effectLst>
-                <a:latin typeface="+mn-lt"/>
-                <a:cs typeface="+mn-cs"/>
-              </a:rPr>
-              <a:t> </a:t>
-            </a:r>
-            <a:r>
-              <a:rPr lang="fr-FR" sz="3200" b="1" kern="0" dirty="0" err="1" smtClean="0">
-                <a:latin typeface="+mn-lt"/>
-                <a:cs typeface="+mn-cs"/>
-              </a:rPr>
-              <a:t>problem</a:t>
-            </a:r>
-            <a:r>
-              <a:rPr lang="fr-FR" sz="3200" b="1" kern="0" dirty="0" smtClean="0">
-                <a:latin typeface="+mn-lt"/>
-                <a:cs typeface="+mn-cs"/>
-              </a:rPr>
-              <a:t> frame</a:t>
-            </a:r>
-            <a:endParaRPr kumimoji="0" lang="fr-FR" sz="3200" b="1" i="0" u="none" strike="noStrike" kern="0" cap="none" spc="0" normalizeH="0" baseline="0" noProof="0" dirty="0" smtClean="0">
-              <a:ln>
-                <a:noFill/>
-              </a:ln>
-              <a:effectLst/>
-              <a:uLnTx/>
-              <a:uFillTx/>
-              <a:latin typeface="+mn-lt"/>
-              <a:cs typeface="+mn-cs"/>
-            </a:endParaRPr>
-          </a:p>
-        </p:txBody>
-      </p:sp>
-    </p:spTree>
-    <p:extLst>
-      <p:ext uri="{BB962C8B-B14F-4D97-AF65-F5344CB8AC3E}">
-        <p14:creationId xmlns:p14="http://schemas.microsoft.com/office/powerpoint/2007/7/12/main" val="2769818375"/>
-      </p:ext>
-    </p:extLst>
-  </p:cSld>
-  <p:clrMapOvr>
-    <a:masterClrMapping/>
-  </p:clrMapOvr>
-  <p:timing>
-    <p:tnLst>
-      <p:par>
-        <p:cTn xmlns:p14="http://schemas.microsoft.com/office/powerpoint/2007/7/12/main" id="1" dur="indefinite" restart="never" nodeType="tmRoot"/>
-      </p:par>
-    </p:tnLst>
-  </p:timing>
-</p:sld>
-</file>
-
-<file path=ppt/slides/slide7.xml><?xml version="1.0" encoding="utf-8"?>
-<p:sld xmlns:a="http://schemas.openxmlformats.org/drawingml/2006/main" xmlns:r="http://schemas.openxmlformats.org/officeDocument/2006/relationships" xmlns:p="http://schemas.openxmlformats.org/presentationml/2006/main">
-  <p:cSld>
-    <p:spTree>
-      <p:nvGrpSpPr>
-        <p:cNvPr id="1" name=""/>
-        <p:cNvGrpSpPr/>
-        <p:nvPr/>
-      </p:nvGrpSpPr>
-      <p:grpSpPr>
-        <a:xfrm>
-          <a:off x="0" y="0"/>
-          <a:ext cx="0" cy="0"/>
-          <a:chOff x="0" y="0"/>
-          <a:chExt cx="0" cy="0"/>
-        </a:xfrm>
-      </p:grpSpPr>
-      <p:sp>
-        <p:nvSpPr>
-          <p:cNvPr id="2" name="Title 1"/>
-          <p:cNvSpPr>
-            <a:spLocks noGrp="1"/>
-          </p:cNvSpPr>
-          <p:nvPr>
-            <p:ph type="ctrTitle"/>
-          </p:nvPr>
-        </p:nvSpPr>
-        <p:spPr/>
-        <p:txBody>
-          <a:bodyPr/>
-          <a:lstStyle/>
-          <a:p>
-            <a:r>
-              <a:rPr lang="fr-FR" dirty="0" err="1" smtClean="0"/>
-              <a:t>Problem</a:t>
-            </a:r>
-            <a:r>
-              <a:rPr lang="fr-FR" dirty="0" smtClean="0"/>
-              <a:t> frames (</a:t>
-            </a:r>
-            <a:r>
-              <a:rPr lang="fr-FR" dirty="0" err="1" smtClean="0"/>
-              <a:t>cont</a:t>
-            </a:r>
-            <a:r>
-              <a:rPr lang="fr-FR" dirty="0" smtClean="0"/>
-              <a:t>.)</a:t>
-            </a:r>
-            <a:endParaRPr lang="fr-FR" dirty="0"/>
-          </a:p>
-        </p:txBody>
-      </p:sp>
-      <p:sp>
-        <p:nvSpPr>
-          <p:cNvPr id="3" name="Text Placeholder 2"/>
-          <p:cNvSpPr>
-            <a:spLocks noGrp="1"/>
-          </p:cNvSpPr>
-          <p:nvPr>
-            <p:ph type="body" sz="quarter" idx="10"/>
-          </p:nvPr>
-        </p:nvSpPr>
-        <p:spPr>
-          <a:xfrm>
-            <a:off x="285750" y="1124744"/>
-            <a:ext cx="8643968" cy="5447506"/>
-          </a:xfrm>
-        </p:spPr>
-        <p:txBody>
-          <a:bodyPr/>
-          <a:lstStyle/>
-          <a:p>
-            <a:r>
-              <a:rPr lang="fr-FR" sz="1800" dirty="0" err="1" smtClean="0"/>
-              <a:t>Problem</a:t>
-            </a:r>
-            <a:r>
-              <a:rPr lang="fr-FR" sz="1800" dirty="0" smtClean="0"/>
-              <a:t> </a:t>
-            </a:r>
-            <a:r>
-              <a:rPr lang="fr-FR" sz="1800" dirty="0" err="1" smtClean="0"/>
-              <a:t>diagram</a:t>
-            </a:r>
-            <a:r>
-              <a:rPr lang="fr-FR" sz="1800" dirty="0" smtClean="0"/>
-              <a:t> 2/3:    </a:t>
-            </a:r>
-            <a:r>
-              <a:rPr lang="fr-FR" b="1" i="1" dirty="0" smtClean="0"/>
-              <a:t>Providing </a:t>
-            </a:r>
-            <a:r>
-              <a:rPr lang="fr-FR" b="1" i="1" dirty="0" err="1" smtClean="0"/>
-              <a:t>Failure</a:t>
-            </a:r>
-            <a:r>
-              <a:rPr lang="fr-FR" b="1" i="1" dirty="0" smtClean="0"/>
-              <a:t> </a:t>
-            </a:r>
-            <a:r>
-              <a:rPr lang="fr-FR" b="1" i="1" dirty="0" err="1" smtClean="0"/>
-              <a:t>Localization</a:t>
-            </a:r>
-            <a:endParaRPr lang="fr-FR" b="1" i="1" dirty="0"/>
-          </a:p>
-        </p:txBody>
-      </p:sp>
-      <p:sp>
-        <p:nvSpPr>
-          <p:cNvPr id="43" name="TextBox 42"/>
-          <p:cNvSpPr txBox="1"/>
-          <p:nvPr/>
-        </p:nvSpPr>
-        <p:spPr>
-          <a:xfrm>
-            <a:off x="1484096" y="6021288"/>
-            <a:ext cx="6152646" cy="584775"/>
-          </a:xfrm>
-          <a:prstGeom prst="rect">
-            <a:avLst/>
-          </a:prstGeom>
-          <a:noFill/>
-        </p:spPr>
-        <p:txBody>
-          <a:bodyPr wrap="none" rtlCol="0">
-            <a:spAutoFit/>
-          </a:bodyPr>
-          <a:lstStyle/>
-          <a:p>
-            <a:pPr fontAlgn="auto">
-              <a:spcBef>
-                <a:spcPct val="20000"/>
-              </a:spcBef>
-              <a:spcAft>
-                <a:spcPts val="0"/>
-              </a:spcAft>
-            </a:pPr>
-            <a:r>
-              <a:rPr lang="fr-FR" sz="3200" b="1" kern="0" dirty="0">
-                <a:solidFill>
-                  <a:schemeClr val="accent6"/>
-                </a:solidFill>
-                <a:effectLst>
-                  <a:outerShdw blurRad="38100" dist="38100" dir="2700000" algn="tl">
-                    <a:srgbClr xmlns:mc="http://schemas.openxmlformats.org/markup-compatibility/2006" xmlns:a14="http://schemas.microsoft.com/office/drawing/2007/7/7/main" val="000000" mc:Ignorable="">
-                      <a:alpha val="43137"/>
-                    </a:srgbClr>
-                  </a:outerShdw>
-                </a:effectLst>
-              </a:rPr>
-              <a:t>Transformation </a:t>
-            </a:r>
-            <a:r>
-              <a:rPr lang="fr-FR" sz="3200" b="1" kern="0" dirty="0" err="1"/>
-              <a:t>problem</a:t>
-            </a:r>
-            <a:r>
-              <a:rPr lang="fr-FR" sz="3200" b="1" kern="0" dirty="0"/>
-              <a:t> frame</a:t>
-            </a:r>
-          </a:p>
-        </p:txBody>
-      </p:sp>
-      <p:cxnSp>
-        <p:nvCxnSpPr>
-          <p:cNvPr id="44" name="Straight Arrow Connector 43"/>
-          <p:cNvCxnSpPr/>
-          <p:nvPr/>
-        </p:nvCxnSpPr>
-        <p:spPr>
-          <a:xfrm rot="16200000" flipV="1">
-            <a:off x="5718470" y="1960747"/>
-            <a:ext cx="791848" cy="1595781"/>
-          </a:xfrm>
-          <a:prstGeom prst="straightConnector1">
-            <a:avLst/>
-          </a:prstGeom>
-          <a:ln>
-            <a:prstDash val="dash"/>
-            <a:headEnd type="none" w="med" len="med"/>
-            <a:tailEnd type="none" w="med" len="med"/>
-          </a:ln>
-        </p:spPr>
-        <p:style>
-          <a:lnRef idx="2">
-            <a:schemeClr val="accent4"/>
-          </a:lnRef>
-          <a:fillRef idx="0">
-            <a:schemeClr val="accent4"/>
-          </a:fillRef>
-          <a:effectRef idx="1">
-            <a:schemeClr val="accent4"/>
-          </a:effectRef>
-          <a:fontRef idx="minor">
-            <a:schemeClr val="tx1"/>
-          </a:fontRef>
-        </p:style>
-      </p:cxnSp>
-      <p:grpSp>
-        <p:nvGrpSpPr>
-          <p:cNvPr id="45" name="Group 44"/>
-          <p:cNvGrpSpPr/>
-          <p:nvPr/>
-        </p:nvGrpSpPr>
-        <p:grpSpPr>
-          <a:xfrm>
-            <a:off x="779999" y="3165857"/>
-            <a:ext cx="1512168" cy="792088"/>
-            <a:chOff x="827584" y="3068960"/>
-            <a:chExt cx="1512168" cy="792088"/>
-          </a:xfrm>
-        </p:grpSpPr>
-        <p:sp>
-          <p:nvSpPr>
-            <p:cNvPr id="46" name="Rectangle 45"/>
-            <p:cNvSpPr/>
-            <p:nvPr/>
-          </p:nvSpPr>
-          <p:spPr>
-            <a:xfrm>
-              <a:off x="827584" y="3068960"/>
-              <a:ext cx="1512168" cy="792088"/>
-            </a:xfrm>
-            <a:prstGeom prst="rect">
-              <a:avLst/>
-            </a:prstGeom>
-          </p:spPr>
-          <p:style>
-            <a:lnRef idx="3">
-              <a:schemeClr val="lt1"/>
-            </a:lnRef>
-            <a:fillRef idx="1">
-              <a:schemeClr val="accent6"/>
-            </a:fillRef>
-            <a:effectRef idx="1">
-              <a:schemeClr val="accent6"/>
-            </a:effectRef>
-            <a:fontRef idx="minor">
-              <a:schemeClr val="lt1"/>
-            </a:fontRef>
-          </p:style>
-          <p:txBody>
-            <a:bodyPr rtlCol="0" anchor="ctr"/>
-            <a:lstStyle/>
-            <a:p>
-              <a:pPr algn="ctr"/>
-              <a:r>
-                <a:rPr lang="fr-FR" sz="2400" dirty="0" smtClean="0"/>
-                <a:t>FDIR</a:t>
-              </a:r>
-              <a:endParaRPr lang="fr-FR" sz="2400" dirty="0"/>
-            </a:p>
-          </p:txBody>
-        </p:sp>
-        <p:cxnSp>
-          <p:nvCxnSpPr>
-            <p:cNvPr id="47" name="Straight Connector 46"/>
-            <p:cNvCxnSpPr/>
-            <p:nvPr/>
-          </p:nvCxnSpPr>
-          <p:spPr>
-            <a:xfrm rot="5400000">
-              <a:off x="575556" y="3465004"/>
-              <a:ext cx="792088" cy="0"/>
-            </a:xfrm>
-            <a:prstGeom prst="line">
-              <a:avLst/>
-            </a:prstGeom>
-            <a:ln w="38100">
-              <a:solidFill>
-                <a:schemeClr val="bg1"/>
-              </a:solidFill>
-            </a:ln>
-          </p:spPr>
-          <p:style>
-            <a:lnRef idx="1">
-              <a:schemeClr val="accent1"/>
-            </a:lnRef>
-            <a:fillRef idx="0">
-              <a:schemeClr val="accent1"/>
-            </a:fillRef>
-            <a:effectRef idx="0">
-              <a:schemeClr val="accent1"/>
-            </a:effectRef>
-            <a:fontRef idx="minor">
-              <a:schemeClr val="tx1"/>
-            </a:fontRef>
-          </p:style>
-        </p:cxnSp>
-        <p:cxnSp>
-          <p:nvCxnSpPr>
-            <p:cNvPr id="48" name="Straight Connector 47"/>
-            <p:cNvCxnSpPr/>
-            <p:nvPr/>
-          </p:nvCxnSpPr>
-          <p:spPr>
-            <a:xfrm rot="5400000">
-              <a:off x="719572" y="3465004"/>
-              <a:ext cx="792088" cy="0"/>
-            </a:xfrm>
-            <a:prstGeom prst="line">
-              <a:avLst/>
-            </a:prstGeom>
-            <a:ln w="38100">
-              <a:solidFill>
-                <a:schemeClr val="bg1"/>
-              </a:solidFill>
-            </a:ln>
-          </p:spPr>
-          <p:style>
-            <a:lnRef idx="1">
-              <a:schemeClr val="accent1"/>
-            </a:lnRef>
-            <a:fillRef idx="0">
-              <a:schemeClr val="accent1"/>
-            </a:fillRef>
-            <a:effectRef idx="0">
-              <a:schemeClr val="accent1"/>
-            </a:effectRef>
-            <a:fontRef idx="minor">
-              <a:schemeClr val="tx1"/>
-            </a:fontRef>
-          </p:style>
-        </p:cxnSp>
-      </p:grpSp>
-      <p:grpSp>
-        <p:nvGrpSpPr>
-          <p:cNvPr id="49" name="Group 48"/>
-          <p:cNvGrpSpPr/>
-          <p:nvPr/>
-        </p:nvGrpSpPr>
-        <p:grpSpPr>
-          <a:xfrm>
-            <a:off x="6648651" y="2985837"/>
-            <a:ext cx="1800200" cy="1152128"/>
-            <a:chOff x="6696236" y="2888940"/>
-            <a:chExt cx="1800200" cy="1152128"/>
-          </a:xfrm>
-        </p:grpSpPr>
-        <p:sp>
-          <p:nvSpPr>
-            <p:cNvPr id="50" name="Oval 49"/>
-            <p:cNvSpPr/>
-            <p:nvPr/>
-          </p:nvSpPr>
-          <p:spPr>
-            <a:xfrm>
-              <a:off x="6696236" y="2888940"/>
-              <a:ext cx="1800200" cy="1152128"/>
-            </a:xfrm>
-            <a:prstGeom prst="ellipse">
-              <a:avLst/>
-            </a:prstGeom>
-            <a:ln>
-              <a:prstDash val="dash"/>
-            </a:ln>
-          </p:spPr>
-          <p:style>
-            <a:lnRef idx="3">
-              <a:schemeClr val="lt1"/>
-            </a:lnRef>
-            <a:fillRef idx="1">
-              <a:schemeClr val="accent6"/>
-            </a:fillRef>
-            <a:effectRef idx="1">
-              <a:schemeClr val="accent6"/>
-            </a:effectRef>
-            <a:fontRef idx="minor">
-              <a:schemeClr val="lt1"/>
-            </a:fontRef>
-          </p:style>
-          <p:txBody>
-            <a:bodyPr rtlCol="0" anchor="ctr"/>
-            <a:lstStyle/>
-            <a:p>
-              <a:pPr algn="ctr"/>
-              <a:endParaRPr lang="fr-FR"/>
-            </a:p>
-          </p:txBody>
-        </p:sp>
-        <p:sp>
-          <p:nvSpPr>
-            <p:cNvPr id="51" name="TextBox 50"/>
-            <p:cNvSpPr txBox="1"/>
-            <p:nvPr/>
-          </p:nvSpPr>
-          <p:spPr>
-            <a:xfrm>
-              <a:off x="6912260" y="3035531"/>
-              <a:ext cx="1368152" cy="923330"/>
-            </a:xfrm>
-            <a:prstGeom prst="rect">
-              <a:avLst/>
-            </a:prstGeom>
-            <a:noFill/>
-          </p:spPr>
-          <p:txBody>
-            <a:bodyPr wrap="square" rtlCol="0">
-              <a:spAutoFit/>
-            </a:bodyPr>
-            <a:lstStyle/>
-            <a:p>
-              <a:pPr marL="0" marR="0" indent="0" algn="ctr" defTabSz="914400" rtl="0" eaLnBrk="1" fontAlgn="auto" latinLnBrk="0" hangingPunct="1">
-                <a:lnSpc>
-                  <a:spcPct val="100000"/>
-                </a:lnSpc>
-                <a:spcBef>
-                  <a:spcPct val="20000"/>
-                </a:spcBef>
-                <a:spcAft>
-                  <a:spcPts val="0"/>
-                </a:spcAft>
-                <a:buClrTx/>
-                <a:buSzTx/>
-                <a:buFontTx/>
-                <a:buNone/>
-                <a:tabLst/>
-              </a:pPr>
-              <a:r>
-                <a:rPr kumimoji="0" lang="fr-FR" b="1" i="0" u="none" strike="noStrike" kern="0" cap="none" spc="0" normalizeH="0" baseline="0" noProof="0" dirty="0" err="1" smtClean="0">
-                  <a:ln>
-                    <a:noFill/>
-                  </a:ln>
-                  <a:solidFill>
-                    <a:schemeClr val="bg1"/>
-                  </a:solidFill>
-                  <a:effectLst/>
-                  <a:uLnTx/>
-                  <a:uFillTx/>
-                  <a:latin typeface="+mn-lt"/>
-                  <a:cs typeface="+mn-cs"/>
-                </a:rPr>
-                <a:t>Locate</a:t>
-              </a:r>
-              <a:r>
-                <a:rPr kumimoji="0" lang="fr-FR" b="1" i="0" u="none" strike="noStrike" kern="0" cap="none" spc="0" normalizeH="0" baseline="0" noProof="0" dirty="0" smtClean="0">
-                  <a:ln>
-                    <a:noFill/>
-                  </a:ln>
-                  <a:solidFill>
-                    <a:schemeClr val="bg1"/>
-                  </a:solidFill>
-                  <a:effectLst/>
-                  <a:uLnTx/>
-                  <a:uFillTx/>
-                  <a:latin typeface="+mn-lt"/>
-                  <a:cs typeface="+mn-cs"/>
-                </a:rPr>
-                <a:t> system</a:t>
-              </a:r>
-              <a:r>
-                <a:rPr kumimoji="0" lang="fr-FR" b="1" i="0" u="none" strike="noStrike" kern="0" cap="none" spc="0" normalizeH="0" noProof="0" dirty="0" smtClean="0">
-                  <a:ln>
-                    <a:noFill/>
-                  </a:ln>
-                  <a:solidFill>
-                    <a:schemeClr val="bg1"/>
-                  </a:solidFill>
-                  <a:effectLst/>
-                  <a:uLnTx/>
-                  <a:uFillTx/>
-                  <a:latin typeface="+mn-lt"/>
-                  <a:cs typeface="+mn-cs"/>
-                </a:rPr>
-                <a:t> </a:t>
-              </a:r>
-              <a:r>
-                <a:rPr kumimoji="0" lang="fr-FR" b="1" i="0" u="none" strike="noStrike" kern="0" cap="none" spc="0" normalizeH="0" noProof="0" dirty="0" err="1" smtClean="0">
-                  <a:ln>
-                    <a:noFill/>
-                  </a:ln>
-                  <a:solidFill>
-                    <a:schemeClr val="bg1"/>
-                  </a:solidFill>
-                  <a:effectLst/>
-                  <a:uLnTx/>
-                  <a:uFillTx/>
-                  <a:latin typeface="+mn-lt"/>
-                  <a:cs typeface="+mn-cs"/>
-                </a:rPr>
-                <a:t>failure</a:t>
-              </a:r>
-              <a:endParaRPr kumimoji="0" lang="fr-FR" b="1" i="0" u="none" strike="noStrike" kern="0" cap="none" spc="0" normalizeH="0" baseline="0" noProof="0" dirty="0" smtClean="0">
-                <a:ln>
-                  <a:noFill/>
-                </a:ln>
-                <a:solidFill>
-                  <a:schemeClr val="bg1"/>
-                </a:solidFill>
-                <a:effectLst/>
-                <a:uLnTx/>
-                <a:uFillTx/>
-                <a:latin typeface="+mn-lt"/>
-                <a:cs typeface="+mn-cs"/>
-              </a:endParaRPr>
-            </a:p>
-          </p:txBody>
-        </p:sp>
-      </p:grpSp>
-      <p:cxnSp>
-        <p:nvCxnSpPr>
-          <p:cNvPr id="52" name="Straight Connector 51"/>
-          <p:cNvCxnSpPr/>
-          <p:nvPr/>
-        </p:nvCxnSpPr>
-        <p:spPr>
-          <a:xfrm flipV="1">
-            <a:off x="5316503" y="3969240"/>
-            <a:ext cx="1595781" cy="580375"/>
-          </a:xfrm>
-          <a:prstGeom prst="line">
-            <a:avLst/>
-          </a:prstGeom>
-          <a:ln>
-            <a:prstDash val="dash"/>
-            <a:headEnd type="arrow" w="med" len="med"/>
-            <a:tailEnd type="none" w="med" len="med"/>
-          </a:ln>
-        </p:spPr>
-        <p:style>
-          <a:lnRef idx="2">
-            <a:schemeClr val="accent4"/>
-          </a:lnRef>
-          <a:fillRef idx="0">
-            <a:schemeClr val="accent4"/>
-          </a:fillRef>
-          <a:effectRef idx="1">
-            <a:schemeClr val="accent4"/>
-          </a:effectRef>
-          <a:fontRef idx="minor">
-            <a:schemeClr val="tx1"/>
-          </a:fontRef>
-        </p:style>
-      </p:cxnSp>
-      <p:cxnSp>
-        <p:nvCxnSpPr>
-          <p:cNvPr id="53" name="Straight Connector 52"/>
-          <p:cNvCxnSpPr/>
-          <p:nvPr/>
-        </p:nvCxnSpPr>
-        <p:spPr>
-          <a:xfrm>
-            <a:off x="2292167" y="3561901"/>
-            <a:ext cx="1512168" cy="987714"/>
-          </a:xfrm>
-          <a:prstGeom prst="line">
-            <a:avLst/>
-          </a:prstGeom>
-          <a:ln/>
-        </p:spPr>
-        <p:style>
-          <a:lnRef idx="2">
-            <a:schemeClr val="accent4"/>
-          </a:lnRef>
-          <a:fillRef idx="0">
-            <a:schemeClr val="accent4"/>
-          </a:fillRef>
-          <a:effectRef idx="1">
-            <a:schemeClr val="accent4"/>
-          </a:effectRef>
-          <a:fontRef idx="minor">
-            <a:schemeClr val="tx1"/>
-          </a:fontRef>
-        </p:style>
-      </p:cxnSp>
-      <p:cxnSp>
-        <p:nvCxnSpPr>
-          <p:cNvPr id="54" name="Straight Connector 53"/>
-          <p:cNvCxnSpPr/>
-          <p:nvPr/>
-        </p:nvCxnSpPr>
-        <p:spPr>
-          <a:xfrm flipV="1">
-            <a:off x="2292167" y="2362714"/>
-            <a:ext cx="1512168" cy="1199187"/>
-          </a:xfrm>
-          <a:prstGeom prst="line">
-            <a:avLst/>
-          </a:prstGeom>
-          <a:ln/>
-        </p:spPr>
-        <p:style>
-          <a:lnRef idx="2">
-            <a:schemeClr val="accent4"/>
-          </a:lnRef>
-          <a:fillRef idx="0">
-            <a:schemeClr val="accent4"/>
-          </a:fillRef>
-          <a:effectRef idx="1">
-            <a:schemeClr val="accent4"/>
-          </a:effectRef>
-          <a:fontRef idx="minor">
-            <a:schemeClr val="tx1"/>
-          </a:fontRef>
-        </p:style>
-      </p:cxnSp>
-      <p:sp>
-        <p:nvSpPr>
-          <p:cNvPr id="55" name="TextBox 54"/>
-          <p:cNvSpPr txBox="1"/>
-          <p:nvPr/>
-        </p:nvSpPr>
-        <p:spPr>
-          <a:xfrm>
-            <a:off x="5316503" y="5119414"/>
-            <a:ext cx="2002471" cy="307777"/>
-          </a:xfrm>
-          <a:prstGeom prst="rect">
-            <a:avLst/>
-          </a:prstGeom>
-          <a:noFill/>
-        </p:spPr>
-        <p:txBody>
-          <a:bodyPr wrap="none" rtlCol="0">
-            <a:spAutoFit/>
-          </a:bodyPr>
-          <a:lstStyle/>
-          <a:p>
-            <a:pPr marL="0" marR="0" indent="0" algn="l" defTabSz="914400" rtl="0" eaLnBrk="1" fontAlgn="auto" latinLnBrk="0" hangingPunct="1">
-              <a:lnSpc>
-                <a:spcPct val="100000"/>
-              </a:lnSpc>
-              <a:spcBef>
-                <a:spcPct val="20000"/>
-              </a:spcBef>
-              <a:spcAft>
-                <a:spcPts val="0"/>
-              </a:spcAft>
-              <a:buClrTx/>
-              <a:buSzTx/>
-              <a:buFontTx/>
-              <a:buNone/>
-              <a:tabLst/>
-            </a:pPr>
-            <a:r>
-              <a:rPr lang="fr-FR" sz="1400" b="1" kern="0" dirty="0" smtClean="0">
-                <a:latin typeface="+mn-lt"/>
-                <a:cs typeface="+mn-cs"/>
-              </a:rPr>
-              <a:t>b: Report! {</a:t>
-            </a:r>
-            <a:r>
-              <a:rPr lang="fr-FR" sz="1400" b="1" kern="0" dirty="0" err="1" smtClean="0">
-                <a:latin typeface="+mn-lt"/>
-                <a:cs typeface="+mn-cs"/>
-              </a:rPr>
-              <a:t>failure</a:t>
-            </a:r>
-            <a:r>
-              <a:rPr lang="fr-FR" sz="1400" b="1" kern="0" dirty="0" smtClean="0">
-                <a:latin typeface="+mn-lt"/>
-                <a:cs typeface="+mn-cs"/>
-              </a:rPr>
-              <a:t> data} </a:t>
-            </a:r>
-            <a:endParaRPr kumimoji="0" lang="fr-FR" sz="1400" b="1" i="0" u="none" strike="noStrike" kern="0" cap="none" spc="0" normalizeH="0" baseline="0" noProof="0" dirty="0" smtClean="0">
-              <a:ln>
-                <a:noFill/>
-              </a:ln>
-              <a:effectLst/>
-              <a:uLnTx/>
-              <a:uFillTx/>
-              <a:latin typeface="+mn-lt"/>
-              <a:ea typeface="+mn-ea"/>
-              <a:cs typeface="+mn-cs"/>
-            </a:endParaRPr>
-          </a:p>
-        </p:txBody>
-      </p:sp>
-      <p:sp>
-        <p:nvSpPr>
-          <p:cNvPr id="56" name="Text Placeholder 48"/>
-          <p:cNvSpPr txBox="1">
-            <a:spLocks/>
-          </p:cNvSpPr>
-          <p:nvPr/>
-        </p:nvSpPr>
-        <p:spPr>
-          <a:xfrm>
-            <a:off x="5931685" y="3938200"/>
-            <a:ext cx="320922" cy="307777"/>
-          </a:xfrm>
-          <a:prstGeom prst="rect">
-            <a:avLst/>
-          </a:prstGeom>
-          <a:noFill/>
-        </p:spPr>
-        <p:txBody>
-          <a:bodyPr wrap="none" rtlCol="0">
-            <a:spAutoFit/>
-          </a:bodyPr>
-          <a:lstStyle>
-            <a:lvl1pPr marL="0" indent="354013" algn="l" rtl="0" eaLnBrk="0" fontAlgn="base" hangingPunct="0">
-              <a:spcBef>
-                <a:spcPct val="20000"/>
-              </a:spcBef>
-              <a:spcAft>
-                <a:spcPct val="0"/>
-              </a:spcAft>
-              <a:buClr>
-                <a:srgbClr xmlns:mc="http://schemas.openxmlformats.org/markup-compatibility/2006" xmlns:a14="http://schemas.microsoft.com/office/drawing/2007/7/7/main" val="DA7E18" mc:Ignorable=""/>
-              </a:buClr>
-              <a:buSzPct val="70000"/>
-              <a:buFont typeface="Wingdings" pitchFamily="2" charset="2"/>
-              <a:buChar char="q"/>
-              <a:defRPr lang="fr-FR" sz="2400" baseline="0">
-                <a:solidFill>
-                  <a:schemeClr val="tx1"/>
-                </a:solidFill>
-                <a:latin typeface="+mn-lt"/>
-                <a:ea typeface="+mn-ea"/>
-                <a:cs typeface="+mn-cs"/>
-              </a:defRPr>
-            </a:lvl1pPr>
-            <a:lvl2pPr marL="742950" indent="-285750" algn="l" rtl="0" eaLnBrk="0" fontAlgn="base" hangingPunct="0">
-              <a:spcBef>
-                <a:spcPct val="20000"/>
-              </a:spcBef>
-              <a:spcAft>
-                <a:spcPct val="0"/>
-              </a:spcAft>
-              <a:buClr>
-                <a:srgbClr xmlns:mc="http://schemas.openxmlformats.org/markup-compatibility/2006" xmlns:a14="http://schemas.microsoft.com/office/drawing/2007/7/7/main" val="E5AB1B" mc:Ignorable=""/>
-              </a:buClr>
-              <a:buSzPct val="70000"/>
-              <a:buFont typeface="Wingdings" pitchFamily="2" charset="2"/>
-              <a:buChar char="q"/>
-              <a:defRPr lang="fr-FR" sz="2000">
-                <a:solidFill>
-                  <a:schemeClr val="tx1">
-                    <a:lumMod val="75000"/>
-                    <a:lumOff val="25000"/>
-                  </a:schemeClr>
-                </a:solidFill>
-                <a:latin typeface="+mn-lt"/>
-                <a:ea typeface="+mn-ea"/>
-                <a:cs typeface="+mn-cs"/>
-              </a:defRPr>
-            </a:lvl2pPr>
-            <a:lvl3pPr marL="1143000" indent="-228600" algn="l" rtl="0" eaLnBrk="0" fontAlgn="base" hangingPunct="0">
-              <a:spcBef>
-                <a:spcPct val="20000"/>
-              </a:spcBef>
-              <a:spcAft>
-                <a:spcPct val="0"/>
-              </a:spcAft>
-              <a:buChar char="•"/>
-              <a:defRPr lang="fr-FR" sz="1600">
-                <a:solidFill>
-                  <a:schemeClr val="tx1">
-                    <a:lumMod val="65000"/>
-                    <a:lumOff val="35000"/>
-                  </a:schemeClr>
-                </a:solidFill>
-                <a:latin typeface="+mn-lt"/>
-                <a:ea typeface="+mn-ea"/>
-                <a:cs typeface="+mn-cs"/>
-              </a:defRPr>
-            </a:lvl3pPr>
-            <a:lvl4pPr marL="1600200" indent="-228600" algn="l" rtl="0" eaLnBrk="0" fontAlgn="base" hangingPunct="0">
-              <a:spcBef>
-                <a:spcPct val="20000"/>
-              </a:spcBef>
-              <a:spcAft>
-                <a:spcPct val="0"/>
-              </a:spcAft>
-              <a:buChar char="–"/>
-              <a:defRPr lang="fr-FR" sz="1100">
-                <a:solidFill>
-                  <a:schemeClr val="tx1"/>
-                </a:solidFill>
-                <a:latin typeface="+mn-lt"/>
-                <a:ea typeface="+mn-ea"/>
-                <a:cs typeface="+mn-cs"/>
-              </a:defRPr>
-            </a:lvl4pPr>
-            <a:lvl5pPr marL="2057400" indent="-228600" algn="l" rtl="0" eaLnBrk="0" fontAlgn="base" hangingPunct="0">
-              <a:spcBef>
-                <a:spcPct val="20000"/>
-              </a:spcBef>
-              <a:spcAft>
-                <a:spcPct val="0"/>
-              </a:spcAft>
-              <a:buChar char="»"/>
-              <a:defRPr lang="fr-FR" sz="1100">
-                <a:solidFill>
-                  <a:schemeClr val="tx1"/>
-                </a:solidFill>
-                <a:latin typeface="+mn-lt"/>
-                <a:ea typeface="+mn-ea"/>
-                <a:cs typeface="+mn-cs"/>
-              </a:defRPr>
-            </a:lvl5pPr>
-            <a:lvl6pPr marL="2514600" indent="-228600" algn="l" rtl="0" eaLnBrk="1" latinLnBrk="0" hangingPunct="1">
-              <a:spcBef>
-                <a:spcPct val="20000"/>
-              </a:spcBef>
-              <a:buChar char="•"/>
-              <a:defRPr kumimoji="0" lang="fr-FR" sz="2000">
-                <a:solidFill>
-                  <a:schemeClr val="tx1"/>
-                </a:solidFill>
-                <a:latin typeface="+mn-lt"/>
-                <a:ea typeface="+mn-ea"/>
-                <a:cs typeface="+mn-cs"/>
-              </a:defRPr>
-            </a:lvl6pPr>
-            <a:lvl7pPr marL="2971800" indent="-228600" algn="l" rtl="0" eaLnBrk="1" latinLnBrk="0" hangingPunct="1">
-              <a:spcBef>
-                <a:spcPct val="20000"/>
-              </a:spcBef>
-              <a:buChar char="•"/>
-              <a:defRPr kumimoji="0" lang="fr-FR" sz="2000">
-                <a:solidFill>
-                  <a:schemeClr val="tx1"/>
-                </a:solidFill>
-                <a:latin typeface="+mn-lt"/>
-                <a:ea typeface="+mn-ea"/>
-                <a:cs typeface="+mn-cs"/>
-              </a:defRPr>
-            </a:lvl7pPr>
-            <a:lvl8pPr marL="3429000" indent="-228600" algn="l" rtl="0" eaLnBrk="1" latinLnBrk="0" hangingPunct="1">
-              <a:spcBef>
-                <a:spcPct val="20000"/>
-              </a:spcBef>
-              <a:buChar char="•"/>
-              <a:defRPr kumimoji="0" lang="fr-FR" sz="2000">
-                <a:solidFill>
-                  <a:schemeClr val="tx1"/>
-                </a:solidFill>
-                <a:latin typeface="+mn-lt"/>
-                <a:ea typeface="+mn-ea"/>
-                <a:cs typeface="+mn-cs"/>
-              </a:defRPr>
-            </a:lvl8pPr>
-            <a:lvl9pPr marL="3886200" indent="-228600" algn="l" rtl="0" eaLnBrk="1" latinLnBrk="0" hangingPunct="1">
-              <a:spcBef>
-                <a:spcPct val="20000"/>
-              </a:spcBef>
-              <a:buChar char="•"/>
-              <a:defRPr kumimoji="0" lang="fr-FR" sz="2000">
-                <a:solidFill>
-                  <a:schemeClr val="tx1"/>
-                </a:solidFill>
-                <a:latin typeface="+mn-lt"/>
-                <a:ea typeface="+mn-ea"/>
-                <a:cs typeface="+mn-cs"/>
-              </a:defRPr>
-            </a:lvl9pPr>
-          </a:lstStyle>
-          <a:p>
-            <a:pPr indent="0" eaLnBrk="1" fontAlgn="auto" hangingPunct="1">
-              <a:spcAft>
-                <a:spcPts val="0"/>
-              </a:spcAft>
-              <a:buClrTx/>
-              <a:buSzTx/>
-              <a:buFontTx/>
-              <a:buNone/>
-            </a:pPr>
-            <a:r>
-              <a:rPr lang="fr-FR" sz="1400" b="1" smtClean="0"/>
-              <a:t>b </a:t>
-            </a:r>
-            <a:endParaRPr lang="fr-FR" sz="1400" b="1" dirty="0" smtClean="0"/>
-          </a:p>
-        </p:txBody>
-      </p:sp>
-      <p:sp>
-        <p:nvSpPr>
-          <p:cNvPr id="57" name="Text Placeholder 48"/>
-          <p:cNvSpPr txBox="1">
-            <a:spLocks/>
-          </p:cNvSpPr>
-          <p:nvPr/>
-        </p:nvSpPr>
-        <p:spPr>
-          <a:xfrm>
-            <a:off x="6108591" y="2498040"/>
-            <a:ext cx="312906" cy="307777"/>
-          </a:xfrm>
-          <a:prstGeom prst="rect">
-            <a:avLst/>
-          </a:prstGeom>
-          <a:noFill/>
-        </p:spPr>
-        <p:txBody>
-          <a:bodyPr wrap="none" rtlCol="0">
-            <a:spAutoFit/>
-          </a:bodyPr>
-          <a:lstStyle>
-            <a:lvl1pPr marL="0" indent="354013" algn="l" rtl="0" eaLnBrk="0" fontAlgn="base" hangingPunct="0">
-              <a:spcBef>
-                <a:spcPct val="20000"/>
-              </a:spcBef>
-              <a:spcAft>
-                <a:spcPct val="0"/>
-              </a:spcAft>
-              <a:buClr>
-                <a:srgbClr xmlns:mc="http://schemas.openxmlformats.org/markup-compatibility/2006" xmlns:a14="http://schemas.microsoft.com/office/drawing/2007/7/7/main" val="DA7E18" mc:Ignorable=""/>
-              </a:buClr>
-              <a:buSzPct val="70000"/>
-              <a:buFont typeface="Wingdings" pitchFamily="2" charset="2"/>
-              <a:buChar char="q"/>
-              <a:defRPr lang="fr-FR" sz="2400" baseline="0">
-                <a:solidFill>
-                  <a:schemeClr val="tx1"/>
-                </a:solidFill>
-                <a:latin typeface="+mn-lt"/>
-                <a:ea typeface="+mn-ea"/>
-                <a:cs typeface="+mn-cs"/>
-              </a:defRPr>
-            </a:lvl1pPr>
-            <a:lvl2pPr marL="742950" indent="-285750" algn="l" rtl="0" eaLnBrk="0" fontAlgn="base" hangingPunct="0">
-              <a:spcBef>
-                <a:spcPct val="20000"/>
-              </a:spcBef>
-              <a:spcAft>
-                <a:spcPct val="0"/>
-              </a:spcAft>
-              <a:buClr>
-                <a:srgbClr xmlns:mc="http://schemas.openxmlformats.org/markup-compatibility/2006" xmlns:a14="http://schemas.microsoft.com/office/drawing/2007/7/7/main" val="E5AB1B" mc:Ignorable=""/>
-              </a:buClr>
-              <a:buSzPct val="70000"/>
-              <a:buFont typeface="Wingdings" pitchFamily="2" charset="2"/>
-              <a:buChar char="q"/>
-              <a:defRPr lang="fr-FR" sz="2000">
-                <a:solidFill>
-                  <a:schemeClr val="tx1">
-                    <a:lumMod val="75000"/>
-                    <a:lumOff val="25000"/>
-                  </a:schemeClr>
-                </a:solidFill>
-                <a:latin typeface="+mn-lt"/>
-                <a:ea typeface="+mn-ea"/>
-                <a:cs typeface="+mn-cs"/>
-              </a:defRPr>
-            </a:lvl2pPr>
-            <a:lvl3pPr marL="1143000" indent="-228600" algn="l" rtl="0" eaLnBrk="0" fontAlgn="base" hangingPunct="0">
-              <a:spcBef>
-                <a:spcPct val="20000"/>
-              </a:spcBef>
-              <a:spcAft>
-                <a:spcPct val="0"/>
-              </a:spcAft>
-              <a:buChar char="•"/>
-              <a:defRPr lang="fr-FR" sz="1600">
-                <a:solidFill>
-                  <a:schemeClr val="tx1">
-                    <a:lumMod val="65000"/>
-                    <a:lumOff val="35000"/>
-                  </a:schemeClr>
-                </a:solidFill>
-                <a:latin typeface="+mn-lt"/>
-                <a:ea typeface="+mn-ea"/>
-                <a:cs typeface="+mn-cs"/>
-              </a:defRPr>
-            </a:lvl3pPr>
-            <a:lvl4pPr marL="1600200" indent="-228600" algn="l" rtl="0" eaLnBrk="0" fontAlgn="base" hangingPunct="0">
-              <a:spcBef>
-                <a:spcPct val="20000"/>
-              </a:spcBef>
-              <a:spcAft>
-                <a:spcPct val="0"/>
-              </a:spcAft>
-              <a:buChar char="–"/>
-              <a:defRPr lang="fr-FR" sz="1100">
-                <a:solidFill>
-                  <a:schemeClr val="tx1"/>
-                </a:solidFill>
-                <a:latin typeface="+mn-lt"/>
-                <a:ea typeface="+mn-ea"/>
-                <a:cs typeface="+mn-cs"/>
-              </a:defRPr>
-            </a:lvl4pPr>
-            <a:lvl5pPr marL="2057400" indent="-228600" algn="l" rtl="0" eaLnBrk="0" fontAlgn="base" hangingPunct="0">
-              <a:spcBef>
-                <a:spcPct val="20000"/>
-              </a:spcBef>
-              <a:spcAft>
-                <a:spcPct val="0"/>
-              </a:spcAft>
-              <a:buChar char="»"/>
-              <a:defRPr lang="fr-FR" sz="1100">
-                <a:solidFill>
-                  <a:schemeClr val="tx1"/>
-                </a:solidFill>
-                <a:latin typeface="+mn-lt"/>
-                <a:ea typeface="+mn-ea"/>
-                <a:cs typeface="+mn-cs"/>
-              </a:defRPr>
-            </a:lvl5pPr>
-            <a:lvl6pPr marL="2514600" indent="-228600" algn="l" rtl="0" eaLnBrk="1" latinLnBrk="0" hangingPunct="1">
-              <a:spcBef>
-                <a:spcPct val="20000"/>
-              </a:spcBef>
-              <a:buChar char="•"/>
-              <a:defRPr kumimoji="0" lang="fr-FR" sz="2000">
-                <a:solidFill>
-                  <a:schemeClr val="tx1"/>
-                </a:solidFill>
-                <a:latin typeface="+mn-lt"/>
-                <a:ea typeface="+mn-ea"/>
-                <a:cs typeface="+mn-cs"/>
-              </a:defRPr>
-            </a:lvl6pPr>
-            <a:lvl7pPr marL="2971800" indent="-228600" algn="l" rtl="0" eaLnBrk="1" latinLnBrk="0" hangingPunct="1">
-              <a:spcBef>
-                <a:spcPct val="20000"/>
-              </a:spcBef>
-              <a:buChar char="•"/>
-              <a:defRPr kumimoji="0" lang="fr-FR" sz="2000">
-                <a:solidFill>
-                  <a:schemeClr val="tx1"/>
-                </a:solidFill>
-                <a:latin typeface="+mn-lt"/>
-                <a:ea typeface="+mn-ea"/>
-                <a:cs typeface="+mn-cs"/>
-              </a:defRPr>
-            </a:lvl7pPr>
-            <a:lvl8pPr marL="3429000" indent="-228600" algn="l" rtl="0" eaLnBrk="1" latinLnBrk="0" hangingPunct="1">
-              <a:spcBef>
-                <a:spcPct val="20000"/>
-              </a:spcBef>
-              <a:buChar char="•"/>
-              <a:defRPr kumimoji="0" lang="fr-FR" sz="2000">
-                <a:solidFill>
-                  <a:schemeClr val="tx1"/>
-                </a:solidFill>
-                <a:latin typeface="+mn-lt"/>
-                <a:ea typeface="+mn-ea"/>
-                <a:cs typeface="+mn-cs"/>
-              </a:defRPr>
-            </a:lvl8pPr>
-            <a:lvl9pPr marL="3886200" indent="-228600" algn="l" rtl="0" eaLnBrk="1" latinLnBrk="0" hangingPunct="1">
-              <a:spcBef>
-                <a:spcPct val="20000"/>
-              </a:spcBef>
-              <a:buChar char="•"/>
-              <a:defRPr kumimoji="0" lang="fr-FR" sz="2000">
-                <a:solidFill>
-                  <a:schemeClr val="tx1"/>
-                </a:solidFill>
-                <a:latin typeface="+mn-lt"/>
-                <a:ea typeface="+mn-ea"/>
-                <a:cs typeface="+mn-cs"/>
-              </a:defRPr>
-            </a:lvl9pPr>
-          </a:lstStyle>
-          <a:p>
-            <a:pPr indent="0" eaLnBrk="1" fontAlgn="auto" hangingPunct="1">
-              <a:spcAft>
-                <a:spcPts val="0"/>
-              </a:spcAft>
-              <a:buClrTx/>
-              <a:buSzTx/>
-              <a:buFontTx/>
-              <a:buNone/>
-            </a:pPr>
-            <a:r>
-              <a:rPr lang="fr-FR" sz="1400" b="1" dirty="0"/>
-              <a:t>a</a:t>
-            </a:r>
-            <a:r>
-              <a:rPr lang="fr-FR" sz="1400" b="1" dirty="0" smtClean="0"/>
-              <a:t> </a:t>
-            </a:r>
-          </a:p>
-        </p:txBody>
-      </p:sp>
-      <p:sp>
-        <p:nvSpPr>
-          <p:cNvPr id="58" name="Rectangle 57"/>
-          <p:cNvSpPr/>
-          <p:nvPr/>
-        </p:nvSpPr>
-        <p:spPr>
-          <a:xfrm>
-            <a:off x="3804335" y="1951063"/>
-            <a:ext cx="1512168" cy="823301"/>
-          </a:xfrm>
-          <a:prstGeom prst="rect">
-            <a:avLst/>
-          </a:prstGeom>
-        </p:spPr>
-        <p:style>
-          <a:lnRef idx="3">
-            <a:schemeClr val="lt1"/>
-          </a:lnRef>
-          <a:fillRef idx="1">
-            <a:schemeClr val="accent6"/>
-          </a:fillRef>
-          <a:effectRef idx="1">
-            <a:schemeClr val="accent6"/>
-          </a:effectRef>
-          <a:fontRef idx="minor">
-            <a:schemeClr val="lt1"/>
-          </a:fontRef>
-        </p:style>
-        <p:txBody>
-          <a:bodyPr rtlCol="0" anchor="ctr"/>
-          <a:lstStyle/>
-          <a:p>
-            <a:pPr algn="ctr"/>
-            <a:r>
-              <a:rPr lang="fr-FR" dirty="0"/>
-              <a:t>FDIR Storage System</a:t>
-            </a:r>
-          </a:p>
-        </p:txBody>
-      </p:sp>
-      <p:sp>
-        <p:nvSpPr>
-          <p:cNvPr id="59" name="Rectangle 58"/>
-          <p:cNvSpPr/>
-          <p:nvPr/>
-        </p:nvSpPr>
-        <p:spPr>
-          <a:xfrm>
-            <a:off x="3804335" y="4137964"/>
-            <a:ext cx="1512168" cy="823301"/>
-          </a:xfrm>
-          <a:prstGeom prst="rect">
-            <a:avLst/>
-          </a:prstGeom>
-        </p:spPr>
-        <p:style>
-          <a:lnRef idx="3">
-            <a:schemeClr val="lt1"/>
-          </a:lnRef>
-          <a:fillRef idx="1">
-            <a:schemeClr val="accent6"/>
-          </a:fillRef>
-          <a:effectRef idx="1">
-            <a:schemeClr val="accent6"/>
-          </a:effectRef>
-          <a:fontRef idx="minor">
-            <a:schemeClr val="lt1"/>
-          </a:fontRef>
-        </p:style>
-        <p:txBody>
-          <a:bodyPr rtlCol="0" anchor="ctr"/>
-          <a:lstStyle/>
-          <a:p>
-            <a:pPr algn="ctr"/>
-            <a:r>
-              <a:rPr lang="fr-FR" dirty="0" smtClean="0"/>
-              <a:t>Report</a:t>
-            </a:r>
-            <a:endParaRPr lang="fr-FR" dirty="0"/>
-          </a:p>
-        </p:txBody>
-      </p:sp>
-      <p:sp>
-        <p:nvSpPr>
-          <p:cNvPr id="60" name="TextBox 59"/>
-          <p:cNvSpPr txBox="1"/>
-          <p:nvPr/>
-        </p:nvSpPr>
-        <p:spPr>
-          <a:xfrm>
-            <a:off x="779999" y="5119415"/>
-            <a:ext cx="4051109" cy="307777"/>
-          </a:xfrm>
-          <a:prstGeom prst="rect">
-            <a:avLst/>
-          </a:prstGeom>
-          <a:noFill/>
-        </p:spPr>
-        <p:txBody>
-          <a:bodyPr wrap="none" rtlCol="0">
-            <a:spAutoFit/>
-          </a:bodyPr>
-          <a:lstStyle/>
-          <a:p>
-            <a:pPr marL="0" marR="0" indent="0" algn="l" defTabSz="914400" rtl="0" eaLnBrk="1" fontAlgn="auto" latinLnBrk="0" hangingPunct="1">
-              <a:lnSpc>
-                <a:spcPct val="100000"/>
-              </a:lnSpc>
-              <a:spcBef>
-                <a:spcPct val="20000"/>
-              </a:spcBef>
-              <a:spcAft>
-                <a:spcPts val="0"/>
-              </a:spcAft>
-              <a:buClrTx/>
-              <a:buSzTx/>
-              <a:buFontTx/>
-              <a:buNone/>
-              <a:tabLst/>
-            </a:pPr>
-            <a:r>
-              <a:rPr lang="fr-FR" sz="1400" b="1" kern="0" dirty="0" smtClean="0">
-                <a:latin typeface="+mn-lt"/>
-                <a:cs typeface="+mn-cs"/>
-              </a:rPr>
-              <a:t>c: FDIR! {</a:t>
-            </a:r>
-            <a:r>
-              <a:rPr lang="fr-FR" sz="1400" b="1" kern="0" dirty="0" err="1" smtClean="0">
-                <a:latin typeface="+mn-lt"/>
-                <a:cs typeface="+mn-cs"/>
-              </a:rPr>
-              <a:t>write</a:t>
-            </a:r>
-            <a:r>
-              <a:rPr lang="fr-FR" sz="1400" b="1" kern="0" dirty="0" smtClean="0">
-                <a:latin typeface="+mn-lt"/>
-                <a:cs typeface="+mn-cs"/>
-              </a:rPr>
-              <a:t> </a:t>
-            </a:r>
-            <a:r>
-              <a:rPr lang="fr-FR" sz="1400" b="1" kern="0" dirty="0" err="1" smtClean="0">
-                <a:latin typeface="+mn-lt"/>
-                <a:cs typeface="+mn-cs"/>
-              </a:rPr>
-              <a:t>failure</a:t>
-            </a:r>
-            <a:r>
-              <a:rPr lang="fr-FR" sz="1400" b="1" kern="0" dirty="0" smtClean="0">
-                <a:latin typeface="+mn-lt"/>
-                <a:cs typeface="+mn-cs"/>
-              </a:rPr>
-              <a:t> location, </a:t>
-            </a:r>
-            <a:r>
-              <a:rPr lang="fr-FR" sz="1400" b="1" kern="0" dirty="0" err="1" smtClean="0">
-                <a:latin typeface="+mn-lt"/>
-                <a:cs typeface="+mn-cs"/>
-              </a:rPr>
-              <a:t>write</a:t>
-            </a:r>
-            <a:r>
-              <a:rPr lang="fr-FR" sz="1400" b="1" kern="0" dirty="0" smtClean="0">
-                <a:latin typeface="+mn-lt"/>
-                <a:cs typeface="+mn-cs"/>
-              </a:rPr>
-              <a:t> type of </a:t>
-            </a:r>
-            <a:r>
-              <a:rPr lang="fr-FR" sz="1400" b="1" kern="0" dirty="0" err="1" smtClean="0">
-                <a:latin typeface="+mn-lt"/>
-                <a:cs typeface="+mn-cs"/>
-              </a:rPr>
-              <a:t>failure</a:t>
-            </a:r>
-            <a:r>
-              <a:rPr lang="fr-FR" sz="1400" b="1" kern="0" dirty="0" smtClean="0">
-                <a:latin typeface="+mn-lt"/>
-                <a:cs typeface="+mn-cs"/>
-              </a:rPr>
-              <a:t>}</a:t>
-            </a:r>
-            <a:endParaRPr kumimoji="0" lang="fr-FR" sz="1400" b="1" i="0" u="none" strike="noStrike" kern="0" cap="none" spc="0" normalizeH="0" baseline="0" noProof="0" dirty="0" smtClean="0">
-              <a:ln>
-                <a:noFill/>
-              </a:ln>
-              <a:effectLst/>
-              <a:uLnTx/>
-              <a:uFillTx/>
-              <a:latin typeface="+mn-lt"/>
-              <a:ea typeface="+mn-ea"/>
-              <a:cs typeface="+mn-cs"/>
-            </a:endParaRPr>
-          </a:p>
-        </p:txBody>
-      </p:sp>
-      <p:sp>
-        <p:nvSpPr>
-          <p:cNvPr id="61" name="Text Placeholder 48"/>
-          <p:cNvSpPr txBox="1">
-            <a:spLocks/>
-          </p:cNvSpPr>
-          <p:nvPr/>
-        </p:nvSpPr>
-        <p:spPr>
-          <a:xfrm>
-            <a:off x="3000197" y="3794184"/>
-            <a:ext cx="300082" cy="307777"/>
-          </a:xfrm>
-          <a:prstGeom prst="rect">
-            <a:avLst/>
-          </a:prstGeom>
-          <a:noFill/>
-        </p:spPr>
-        <p:txBody>
-          <a:bodyPr wrap="none" rtlCol="0">
-            <a:spAutoFit/>
-          </a:bodyPr>
-          <a:lstStyle>
-            <a:lvl1pPr marL="0" indent="354013" algn="l" rtl="0" eaLnBrk="0" fontAlgn="base" hangingPunct="0">
-              <a:spcBef>
-                <a:spcPct val="20000"/>
-              </a:spcBef>
-              <a:spcAft>
-                <a:spcPct val="0"/>
-              </a:spcAft>
-              <a:buClr>
-                <a:srgbClr xmlns:mc="http://schemas.openxmlformats.org/markup-compatibility/2006" xmlns:a14="http://schemas.microsoft.com/office/drawing/2007/7/7/main" val="DA7E18" mc:Ignorable=""/>
-              </a:buClr>
-              <a:buSzPct val="70000"/>
-              <a:buFont typeface="Wingdings" pitchFamily="2" charset="2"/>
-              <a:buChar char="q"/>
-              <a:defRPr lang="fr-FR" sz="2400" baseline="0">
-                <a:solidFill>
-                  <a:schemeClr val="tx1"/>
-                </a:solidFill>
-                <a:latin typeface="+mn-lt"/>
-                <a:ea typeface="+mn-ea"/>
-                <a:cs typeface="+mn-cs"/>
-              </a:defRPr>
-            </a:lvl1pPr>
-            <a:lvl2pPr marL="742950" indent="-285750" algn="l" rtl="0" eaLnBrk="0" fontAlgn="base" hangingPunct="0">
-              <a:spcBef>
-                <a:spcPct val="20000"/>
-              </a:spcBef>
-              <a:spcAft>
-                <a:spcPct val="0"/>
-              </a:spcAft>
-              <a:buClr>
-                <a:srgbClr xmlns:mc="http://schemas.openxmlformats.org/markup-compatibility/2006" xmlns:a14="http://schemas.microsoft.com/office/drawing/2007/7/7/main" val="E5AB1B" mc:Ignorable=""/>
-              </a:buClr>
-              <a:buSzPct val="70000"/>
-              <a:buFont typeface="Wingdings" pitchFamily="2" charset="2"/>
-              <a:buChar char="q"/>
-              <a:defRPr lang="fr-FR" sz="2000">
-                <a:solidFill>
-                  <a:schemeClr val="tx1">
-                    <a:lumMod val="75000"/>
-                    <a:lumOff val="25000"/>
-                  </a:schemeClr>
-                </a:solidFill>
-                <a:latin typeface="+mn-lt"/>
-                <a:ea typeface="+mn-ea"/>
-                <a:cs typeface="+mn-cs"/>
-              </a:defRPr>
-            </a:lvl2pPr>
-            <a:lvl3pPr marL="1143000" indent="-228600" algn="l" rtl="0" eaLnBrk="0" fontAlgn="base" hangingPunct="0">
-              <a:spcBef>
-                <a:spcPct val="20000"/>
-              </a:spcBef>
-              <a:spcAft>
-                <a:spcPct val="0"/>
-              </a:spcAft>
-              <a:buChar char="•"/>
-              <a:defRPr lang="fr-FR" sz="1600">
-                <a:solidFill>
-                  <a:schemeClr val="tx1">
-                    <a:lumMod val="65000"/>
-                    <a:lumOff val="35000"/>
-                  </a:schemeClr>
-                </a:solidFill>
-                <a:latin typeface="+mn-lt"/>
-                <a:ea typeface="+mn-ea"/>
-                <a:cs typeface="+mn-cs"/>
-              </a:defRPr>
-            </a:lvl3pPr>
-            <a:lvl4pPr marL="1600200" indent="-228600" algn="l" rtl="0" eaLnBrk="0" fontAlgn="base" hangingPunct="0">
-              <a:spcBef>
-                <a:spcPct val="20000"/>
-              </a:spcBef>
-              <a:spcAft>
-                <a:spcPct val="0"/>
-              </a:spcAft>
-              <a:buChar char="–"/>
-              <a:defRPr lang="fr-FR" sz="1100">
-                <a:solidFill>
-                  <a:schemeClr val="tx1"/>
-                </a:solidFill>
-                <a:latin typeface="+mn-lt"/>
-                <a:ea typeface="+mn-ea"/>
-                <a:cs typeface="+mn-cs"/>
-              </a:defRPr>
-            </a:lvl4pPr>
-            <a:lvl5pPr marL="2057400" indent="-228600" algn="l" rtl="0" eaLnBrk="0" fontAlgn="base" hangingPunct="0">
-              <a:spcBef>
-                <a:spcPct val="20000"/>
-              </a:spcBef>
-              <a:spcAft>
-                <a:spcPct val="0"/>
-              </a:spcAft>
-              <a:buChar char="»"/>
-              <a:defRPr lang="fr-FR" sz="1100">
-                <a:solidFill>
-                  <a:schemeClr val="tx1"/>
-                </a:solidFill>
-                <a:latin typeface="+mn-lt"/>
-                <a:ea typeface="+mn-ea"/>
-                <a:cs typeface="+mn-cs"/>
-              </a:defRPr>
-            </a:lvl5pPr>
-            <a:lvl6pPr marL="2514600" indent="-228600" algn="l" rtl="0" eaLnBrk="1" latinLnBrk="0" hangingPunct="1">
-              <a:spcBef>
-                <a:spcPct val="20000"/>
-              </a:spcBef>
-              <a:buChar char="•"/>
-              <a:defRPr kumimoji="0" lang="fr-FR" sz="2000">
-                <a:solidFill>
-                  <a:schemeClr val="tx1"/>
-                </a:solidFill>
-                <a:latin typeface="+mn-lt"/>
-                <a:ea typeface="+mn-ea"/>
-                <a:cs typeface="+mn-cs"/>
-              </a:defRPr>
-            </a:lvl6pPr>
-            <a:lvl7pPr marL="2971800" indent="-228600" algn="l" rtl="0" eaLnBrk="1" latinLnBrk="0" hangingPunct="1">
-              <a:spcBef>
-                <a:spcPct val="20000"/>
-              </a:spcBef>
-              <a:buChar char="•"/>
-              <a:defRPr kumimoji="0" lang="fr-FR" sz="2000">
-                <a:solidFill>
-                  <a:schemeClr val="tx1"/>
-                </a:solidFill>
-                <a:latin typeface="+mn-lt"/>
-                <a:ea typeface="+mn-ea"/>
-                <a:cs typeface="+mn-cs"/>
-              </a:defRPr>
-            </a:lvl7pPr>
-            <a:lvl8pPr marL="3429000" indent="-228600" algn="l" rtl="0" eaLnBrk="1" latinLnBrk="0" hangingPunct="1">
-              <a:spcBef>
-                <a:spcPct val="20000"/>
-              </a:spcBef>
-              <a:buChar char="•"/>
-              <a:defRPr kumimoji="0" lang="fr-FR" sz="2000">
-                <a:solidFill>
-                  <a:schemeClr val="tx1"/>
-                </a:solidFill>
-                <a:latin typeface="+mn-lt"/>
-                <a:ea typeface="+mn-ea"/>
-                <a:cs typeface="+mn-cs"/>
-              </a:defRPr>
-            </a:lvl8pPr>
-            <a:lvl9pPr marL="3886200" indent="-228600" algn="l" rtl="0" eaLnBrk="1" latinLnBrk="0" hangingPunct="1">
-              <a:spcBef>
-                <a:spcPct val="20000"/>
-              </a:spcBef>
-              <a:buChar char="•"/>
-              <a:defRPr kumimoji="0" lang="fr-FR" sz="2000">
-                <a:solidFill>
-                  <a:schemeClr val="tx1"/>
-                </a:solidFill>
-                <a:latin typeface="+mn-lt"/>
-                <a:ea typeface="+mn-ea"/>
-                <a:cs typeface="+mn-cs"/>
-              </a:defRPr>
-            </a:lvl9pPr>
-          </a:lstStyle>
-          <a:p>
-            <a:pPr indent="0" eaLnBrk="1" fontAlgn="auto" hangingPunct="1">
-              <a:spcAft>
-                <a:spcPts val="0"/>
-              </a:spcAft>
-              <a:buClrTx/>
-              <a:buSzTx/>
-              <a:buFontTx/>
-              <a:buNone/>
-            </a:pPr>
-            <a:r>
-              <a:rPr lang="fr-FR" sz="1400" b="1" dirty="0"/>
-              <a:t>c</a:t>
-            </a:r>
-            <a:r>
-              <a:rPr lang="fr-FR" sz="1400" b="1" dirty="0" smtClean="0"/>
-              <a:t> </a:t>
-            </a:r>
-          </a:p>
-        </p:txBody>
-      </p:sp>
-      <p:sp>
-        <p:nvSpPr>
-          <p:cNvPr id="62" name="Text Placeholder 48"/>
-          <p:cNvSpPr txBox="1">
-            <a:spLocks/>
-          </p:cNvSpPr>
-          <p:nvPr/>
-        </p:nvSpPr>
-        <p:spPr>
-          <a:xfrm>
-            <a:off x="2835341" y="2642056"/>
-            <a:ext cx="320922" cy="307777"/>
-          </a:xfrm>
-          <a:prstGeom prst="rect">
-            <a:avLst/>
-          </a:prstGeom>
-          <a:noFill/>
-        </p:spPr>
-        <p:txBody>
-          <a:bodyPr wrap="none" rtlCol="0">
-            <a:spAutoFit/>
-          </a:bodyPr>
-          <a:lstStyle>
-            <a:lvl1pPr marL="0" indent="354013" algn="l" rtl="0" eaLnBrk="0" fontAlgn="base" hangingPunct="0">
-              <a:spcBef>
-                <a:spcPct val="20000"/>
-              </a:spcBef>
-              <a:spcAft>
-                <a:spcPct val="0"/>
-              </a:spcAft>
-              <a:buClr>
-                <a:srgbClr xmlns:mc="http://schemas.openxmlformats.org/markup-compatibility/2006" xmlns:a14="http://schemas.microsoft.com/office/drawing/2007/7/7/main" val="DA7E18" mc:Ignorable=""/>
-              </a:buClr>
-              <a:buSzPct val="70000"/>
-              <a:buFont typeface="Wingdings" pitchFamily="2" charset="2"/>
-              <a:buChar char="q"/>
-              <a:defRPr lang="fr-FR" sz="2400" baseline="0">
-                <a:solidFill>
-                  <a:schemeClr val="tx1"/>
-                </a:solidFill>
-                <a:latin typeface="+mn-lt"/>
-                <a:ea typeface="+mn-ea"/>
-                <a:cs typeface="+mn-cs"/>
-              </a:defRPr>
-            </a:lvl1pPr>
-            <a:lvl2pPr marL="742950" indent="-285750" algn="l" rtl="0" eaLnBrk="0" fontAlgn="base" hangingPunct="0">
-              <a:spcBef>
-                <a:spcPct val="20000"/>
-              </a:spcBef>
-              <a:spcAft>
-                <a:spcPct val="0"/>
-              </a:spcAft>
-              <a:buClr>
-                <a:srgbClr xmlns:mc="http://schemas.openxmlformats.org/markup-compatibility/2006" xmlns:a14="http://schemas.microsoft.com/office/drawing/2007/7/7/main" val="E5AB1B" mc:Ignorable=""/>
-              </a:buClr>
-              <a:buSzPct val="70000"/>
-              <a:buFont typeface="Wingdings" pitchFamily="2" charset="2"/>
-              <a:buChar char="q"/>
-              <a:defRPr lang="fr-FR" sz="2000">
-                <a:solidFill>
-                  <a:schemeClr val="tx1">
-                    <a:lumMod val="75000"/>
-                    <a:lumOff val="25000"/>
-                  </a:schemeClr>
-                </a:solidFill>
-                <a:latin typeface="+mn-lt"/>
-                <a:ea typeface="+mn-ea"/>
-                <a:cs typeface="+mn-cs"/>
-              </a:defRPr>
-            </a:lvl2pPr>
-            <a:lvl3pPr marL="1143000" indent="-228600" algn="l" rtl="0" eaLnBrk="0" fontAlgn="base" hangingPunct="0">
-              <a:spcBef>
-                <a:spcPct val="20000"/>
-              </a:spcBef>
-              <a:spcAft>
-                <a:spcPct val="0"/>
-              </a:spcAft>
-              <a:buChar char="•"/>
-              <a:defRPr lang="fr-FR" sz="1600">
-                <a:solidFill>
-                  <a:schemeClr val="tx1">
-                    <a:lumMod val="65000"/>
-                    <a:lumOff val="35000"/>
-                  </a:schemeClr>
-                </a:solidFill>
-                <a:latin typeface="+mn-lt"/>
-                <a:ea typeface="+mn-ea"/>
-                <a:cs typeface="+mn-cs"/>
-              </a:defRPr>
-            </a:lvl3pPr>
-            <a:lvl4pPr marL="1600200" indent="-228600" algn="l" rtl="0" eaLnBrk="0" fontAlgn="base" hangingPunct="0">
-              <a:spcBef>
-                <a:spcPct val="20000"/>
-              </a:spcBef>
-              <a:spcAft>
-                <a:spcPct val="0"/>
-              </a:spcAft>
-              <a:buChar char="–"/>
-              <a:defRPr lang="fr-FR" sz="1100">
-                <a:solidFill>
-                  <a:schemeClr val="tx1"/>
-                </a:solidFill>
-                <a:latin typeface="+mn-lt"/>
-                <a:ea typeface="+mn-ea"/>
-                <a:cs typeface="+mn-cs"/>
-              </a:defRPr>
-            </a:lvl4pPr>
-            <a:lvl5pPr marL="2057400" indent="-228600" algn="l" rtl="0" eaLnBrk="0" fontAlgn="base" hangingPunct="0">
-              <a:spcBef>
-                <a:spcPct val="20000"/>
-              </a:spcBef>
-              <a:spcAft>
-                <a:spcPct val="0"/>
-              </a:spcAft>
-              <a:buChar char="»"/>
-              <a:defRPr lang="fr-FR" sz="1100">
-                <a:solidFill>
-                  <a:schemeClr val="tx1"/>
-                </a:solidFill>
-                <a:latin typeface="+mn-lt"/>
-                <a:ea typeface="+mn-ea"/>
-                <a:cs typeface="+mn-cs"/>
-              </a:defRPr>
-            </a:lvl5pPr>
-            <a:lvl6pPr marL="2514600" indent="-228600" algn="l" rtl="0" eaLnBrk="1" latinLnBrk="0" hangingPunct="1">
-              <a:spcBef>
-                <a:spcPct val="20000"/>
-              </a:spcBef>
-              <a:buChar char="•"/>
-              <a:defRPr kumimoji="0" lang="fr-FR" sz="2000">
-                <a:solidFill>
-                  <a:schemeClr val="tx1"/>
-                </a:solidFill>
-                <a:latin typeface="+mn-lt"/>
-                <a:ea typeface="+mn-ea"/>
-                <a:cs typeface="+mn-cs"/>
-              </a:defRPr>
-            </a:lvl6pPr>
-            <a:lvl7pPr marL="2971800" indent="-228600" algn="l" rtl="0" eaLnBrk="1" latinLnBrk="0" hangingPunct="1">
-              <a:spcBef>
-                <a:spcPct val="20000"/>
-              </a:spcBef>
-              <a:buChar char="•"/>
-              <a:defRPr kumimoji="0" lang="fr-FR" sz="2000">
-                <a:solidFill>
-                  <a:schemeClr val="tx1"/>
-                </a:solidFill>
-                <a:latin typeface="+mn-lt"/>
-                <a:ea typeface="+mn-ea"/>
-                <a:cs typeface="+mn-cs"/>
-              </a:defRPr>
-            </a:lvl7pPr>
-            <a:lvl8pPr marL="3429000" indent="-228600" algn="l" rtl="0" eaLnBrk="1" latinLnBrk="0" hangingPunct="1">
-              <a:spcBef>
-                <a:spcPct val="20000"/>
-              </a:spcBef>
-              <a:buChar char="•"/>
-              <a:defRPr kumimoji="0" lang="fr-FR" sz="2000">
-                <a:solidFill>
-                  <a:schemeClr val="tx1"/>
-                </a:solidFill>
-                <a:latin typeface="+mn-lt"/>
-                <a:ea typeface="+mn-ea"/>
-                <a:cs typeface="+mn-cs"/>
-              </a:defRPr>
-            </a:lvl8pPr>
-            <a:lvl9pPr marL="3886200" indent="-228600" algn="l" rtl="0" eaLnBrk="1" latinLnBrk="0" hangingPunct="1">
-              <a:spcBef>
-                <a:spcPct val="20000"/>
-              </a:spcBef>
-              <a:buChar char="•"/>
-              <a:defRPr kumimoji="0" lang="fr-FR" sz="2000">
-                <a:solidFill>
-                  <a:schemeClr val="tx1"/>
-                </a:solidFill>
-                <a:latin typeface="+mn-lt"/>
-                <a:ea typeface="+mn-ea"/>
-                <a:cs typeface="+mn-cs"/>
-              </a:defRPr>
-            </a:lvl9pPr>
-          </a:lstStyle>
-          <a:p>
-            <a:pPr indent="0" eaLnBrk="1" fontAlgn="auto" hangingPunct="1">
-              <a:spcAft>
-                <a:spcPts val="0"/>
-              </a:spcAft>
-              <a:buClrTx/>
-              <a:buSzTx/>
-              <a:buFontTx/>
-              <a:buNone/>
-            </a:pPr>
-            <a:r>
-              <a:rPr lang="fr-FR" sz="1400" b="1" dirty="0" smtClean="0"/>
-              <a:t>d </a:t>
-            </a:r>
-          </a:p>
-        </p:txBody>
-      </p:sp>
-      <p:sp>
-        <p:nvSpPr>
-          <p:cNvPr id="63" name="TextBox 62"/>
-          <p:cNvSpPr txBox="1"/>
-          <p:nvPr/>
-        </p:nvSpPr>
-        <p:spPr>
-          <a:xfrm>
-            <a:off x="779999" y="5579589"/>
-            <a:ext cx="3889206" cy="307777"/>
-          </a:xfrm>
-          <a:prstGeom prst="rect">
-            <a:avLst/>
-          </a:prstGeom>
-          <a:noFill/>
-        </p:spPr>
-        <p:txBody>
-          <a:bodyPr wrap="none" rtlCol="0">
-            <a:spAutoFit/>
-          </a:bodyPr>
-          <a:lstStyle/>
-          <a:p>
-            <a:pPr marL="0" marR="0" indent="0" algn="l" defTabSz="914400" rtl="0" eaLnBrk="1" fontAlgn="auto" latinLnBrk="0" hangingPunct="1">
-              <a:lnSpc>
-                <a:spcPct val="100000"/>
-              </a:lnSpc>
-              <a:spcBef>
-                <a:spcPct val="20000"/>
-              </a:spcBef>
-              <a:spcAft>
-                <a:spcPts val="0"/>
-              </a:spcAft>
-              <a:buClrTx/>
-              <a:buSzTx/>
-              <a:buFontTx/>
-              <a:buNone/>
-              <a:tabLst/>
-            </a:pPr>
-            <a:r>
-              <a:rPr lang="fr-FR" sz="1400" b="1" kern="0" dirty="0" smtClean="0">
-                <a:latin typeface="+mn-lt"/>
-                <a:cs typeface="+mn-cs"/>
-              </a:rPr>
-              <a:t>d: FDIR Storage System! {</a:t>
-            </a:r>
-            <a:r>
-              <a:rPr lang="fr-FR" sz="1400" b="1" kern="0" dirty="0" err="1" smtClean="0">
-                <a:latin typeface="+mn-lt"/>
-                <a:cs typeface="+mn-cs"/>
-              </a:rPr>
-              <a:t>send</a:t>
-            </a:r>
-            <a:r>
-              <a:rPr lang="fr-FR" sz="1400" b="1" kern="0" dirty="0" smtClean="0">
-                <a:latin typeface="+mn-lt"/>
-                <a:cs typeface="+mn-cs"/>
-              </a:rPr>
-              <a:t> </a:t>
-            </a:r>
-            <a:r>
-              <a:rPr lang="fr-FR" sz="1400" b="1" kern="0" dirty="0" err="1" smtClean="0">
-                <a:latin typeface="+mn-lt"/>
-                <a:cs typeface="+mn-cs"/>
-              </a:rPr>
-              <a:t>device</a:t>
-            </a:r>
-            <a:r>
-              <a:rPr lang="fr-FR" sz="1400" b="1" kern="0" dirty="0" smtClean="0">
-                <a:latin typeface="+mn-lt"/>
-                <a:cs typeface="+mn-cs"/>
-              </a:rPr>
-              <a:t>, </a:t>
-            </a:r>
-            <a:r>
-              <a:rPr lang="fr-FR" sz="1400" b="1" kern="0" dirty="0" err="1" smtClean="0">
-                <a:latin typeface="+mn-lt"/>
-                <a:cs typeface="+mn-cs"/>
-              </a:rPr>
-              <a:t>send</a:t>
-            </a:r>
-            <a:r>
-              <a:rPr lang="fr-FR" sz="1400" b="1" kern="0" dirty="0" smtClean="0">
-                <a:latin typeface="+mn-lt"/>
-                <a:cs typeface="+mn-cs"/>
-              </a:rPr>
-              <a:t> value}</a:t>
-            </a:r>
-            <a:endParaRPr kumimoji="0" lang="fr-FR" sz="1400" b="1" i="0" u="none" strike="noStrike" kern="0" cap="none" spc="0" normalizeH="0" baseline="0" noProof="0" dirty="0" smtClean="0">
-              <a:ln>
-                <a:noFill/>
-              </a:ln>
-              <a:effectLst/>
-              <a:uLnTx/>
-              <a:uFillTx/>
-              <a:latin typeface="+mn-lt"/>
-              <a:ea typeface="+mn-ea"/>
-              <a:cs typeface="+mn-cs"/>
-            </a:endParaRPr>
-          </a:p>
-        </p:txBody>
-      </p:sp>
-      <p:sp>
-        <p:nvSpPr>
-          <p:cNvPr id="64" name="TextBox 63"/>
-          <p:cNvSpPr txBox="1"/>
-          <p:nvPr/>
-        </p:nvSpPr>
-        <p:spPr>
-          <a:xfrm>
-            <a:off x="5316503" y="5579588"/>
-            <a:ext cx="3562194" cy="307777"/>
-          </a:xfrm>
-          <a:prstGeom prst="rect">
-            <a:avLst/>
-          </a:prstGeom>
-          <a:noFill/>
-        </p:spPr>
-        <p:txBody>
-          <a:bodyPr wrap="none" rtlCol="0">
-            <a:spAutoFit/>
-          </a:bodyPr>
-          <a:lstStyle/>
-          <a:p>
-            <a:pPr marL="0" marR="0" indent="0" algn="l" defTabSz="914400" rtl="0" eaLnBrk="1" fontAlgn="auto" latinLnBrk="0" hangingPunct="1">
-              <a:lnSpc>
-                <a:spcPct val="100000"/>
-              </a:lnSpc>
-              <a:spcBef>
-                <a:spcPct val="20000"/>
-              </a:spcBef>
-              <a:spcAft>
-                <a:spcPts val="0"/>
-              </a:spcAft>
-              <a:buClrTx/>
-              <a:buSzTx/>
-              <a:buFontTx/>
-              <a:buNone/>
-              <a:tabLst/>
-            </a:pPr>
-            <a:r>
-              <a:rPr lang="fr-FR" sz="1400" b="1" kern="0" dirty="0" smtClean="0">
-                <a:latin typeface="+mn-lt"/>
-                <a:cs typeface="+mn-cs"/>
-              </a:rPr>
-              <a:t>a: FDIR Storage System! {</a:t>
-            </a:r>
-            <a:r>
-              <a:rPr lang="fr-FR" sz="1400" b="1" kern="0" dirty="0" err="1" smtClean="0">
-                <a:latin typeface="+mn-lt"/>
-                <a:cs typeface="+mn-cs"/>
-              </a:rPr>
-              <a:t>device</a:t>
-            </a:r>
-            <a:r>
-              <a:rPr lang="fr-FR" sz="1400" b="1" kern="0" dirty="0" smtClean="0">
-                <a:latin typeface="+mn-lt"/>
-                <a:cs typeface="+mn-cs"/>
-              </a:rPr>
-              <a:t>, value, time} </a:t>
             </a:r>
             <a:endParaRPr kumimoji="0" lang="fr-FR" sz="1400" b="1" i="0" u="none" strike="noStrike" kern="0" cap="none" spc="0" normalizeH="0" baseline="0" noProof="0" dirty="0" smtClean="0">
               <a:ln>
@@ -21669,1873 +21451,6 @@
           <a:lstStyle/>
           <a:p>
             <a:r>
-              <a:rPr lang="fr-FR" dirty="0" err="1" smtClean="0"/>
-              <a:t>Problem</a:t>
-            </a:r>
-            <a:r>
-              <a:rPr lang="fr-FR" dirty="0" smtClean="0"/>
-              <a:t> frames (</a:t>
-            </a:r>
-            <a:r>
-              <a:rPr lang="fr-FR" dirty="0" err="1" smtClean="0"/>
-              <a:t>cont</a:t>
-            </a:r>
-            <a:r>
-              <a:rPr lang="fr-FR" dirty="0" smtClean="0"/>
-              <a:t>.)</a:t>
-            </a:r>
-            <a:endParaRPr lang="fr-FR" dirty="0"/>
-          </a:p>
-        </p:txBody>
-      </p:sp>
-      <p:sp>
-        <p:nvSpPr>
-          <p:cNvPr id="3" name="Text Placeholder 2"/>
-          <p:cNvSpPr>
-            <a:spLocks noGrp="1"/>
-          </p:cNvSpPr>
-          <p:nvPr>
-            <p:ph type="body" sz="quarter" idx="10"/>
-          </p:nvPr>
-        </p:nvSpPr>
-        <p:spPr>
-          <a:xfrm>
-            <a:off x="285750" y="1124744"/>
-            <a:ext cx="8643968" cy="5447506"/>
-          </a:xfrm>
-        </p:spPr>
-        <p:txBody>
-          <a:bodyPr/>
-          <a:lstStyle/>
-          <a:p>
-            <a:r>
-              <a:rPr lang="fr-FR" sz="1800" dirty="0" err="1" smtClean="0"/>
-              <a:t>Problem</a:t>
-            </a:r>
-            <a:r>
-              <a:rPr lang="fr-FR" sz="1800" dirty="0" smtClean="0"/>
-              <a:t> </a:t>
-            </a:r>
-            <a:r>
-              <a:rPr lang="fr-FR" sz="1800" dirty="0" err="1" smtClean="0"/>
-              <a:t>diagram</a:t>
-            </a:r>
-            <a:r>
-              <a:rPr lang="fr-FR" sz="1800" dirty="0" smtClean="0"/>
-              <a:t> 3/3:  </a:t>
-            </a:r>
-            <a:r>
-              <a:rPr lang="fr-FR" b="1" i="1" dirty="0" err="1" smtClean="0"/>
-              <a:t>Response</a:t>
-            </a:r>
-            <a:r>
-              <a:rPr lang="fr-FR" b="1" i="1" dirty="0" smtClean="0"/>
-              <a:t> in case of </a:t>
-            </a:r>
-            <a:r>
-              <a:rPr lang="fr-FR" b="1" i="1" dirty="0" err="1" smtClean="0"/>
-              <a:t>unresolvable</a:t>
-            </a:r>
-            <a:r>
-              <a:rPr lang="fr-FR" b="1" i="1" dirty="0" smtClean="0"/>
-              <a:t> conditions</a:t>
-            </a:r>
-            <a:endParaRPr lang="fr-FR" b="1" i="1" dirty="0"/>
-          </a:p>
-        </p:txBody>
-      </p:sp>
-      <p:sp>
-        <p:nvSpPr>
-          <p:cNvPr id="43" name="TextBox 42"/>
-          <p:cNvSpPr txBox="1"/>
-          <p:nvPr/>
-        </p:nvSpPr>
-        <p:spPr>
-          <a:xfrm>
-            <a:off x="1484096" y="6021288"/>
-            <a:ext cx="6152646" cy="584775"/>
-          </a:xfrm>
-          <a:prstGeom prst="rect">
-            <a:avLst/>
-          </a:prstGeom>
-          <a:noFill/>
-        </p:spPr>
-        <p:txBody>
-          <a:bodyPr wrap="none" rtlCol="0">
-            <a:spAutoFit/>
-          </a:bodyPr>
-          <a:lstStyle/>
-          <a:p>
-            <a:pPr fontAlgn="auto">
-              <a:spcBef>
-                <a:spcPct val="20000"/>
-              </a:spcBef>
-              <a:spcAft>
-                <a:spcPts val="0"/>
-              </a:spcAft>
-            </a:pPr>
-            <a:r>
-              <a:rPr lang="fr-FR" sz="3200" b="1" kern="0" dirty="0">
-                <a:solidFill>
-                  <a:schemeClr val="accent6"/>
-                </a:solidFill>
-                <a:effectLst>
-                  <a:outerShdw blurRad="38100" dist="38100" dir="2700000" algn="tl">
-                    <a:srgbClr xmlns:mc="http://schemas.openxmlformats.org/markup-compatibility/2006" xmlns:a14="http://schemas.microsoft.com/office/drawing/2007/7/7/main" val="000000" mc:Ignorable="">
-                      <a:alpha val="43137"/>
-                    </a:srgbClr>
-                  </a:outerShdw>
-                </a:effectLst>
-              </a:rPr>
-              <a:t>Transformation </a:t>
-            </a:r>
-            <a:r>
-              <a:rPr lang="fr-FR" sz="3200" b="1" kern="0" dirty="0" err="1"/>
-              <a:t>problem</a:t>
-            </a:r>
-            <a:r>
-              <a:rPr lang="fr-FR" sz="3200" b="1" kern="0" dirty="0"/>
-              <a:t> frame</a:t>
-            </a:r>
-          </a:p>
-        </p:txBody>
-      </p:sp>
-      <p:cxnSp>
-        <p:nvCxnSpPr>
-          <p:cNvPr id="5" name="Straight Arrow Connector 4"/>
-          <p:cNvCxnSpPr/>
-          <p:nvPr/>
-        </p:nvCxnSpPr>
-        <p:spPr>
-          <a:xfrm rot="16200000" flipV="1">
-            <a:off x="5750340" y="1901567"/>
-            <a:ext cx="791848" cy="1595781"/>
-          </a:xfrm>
-          <a:prstGeom prst="straightConnector1">
-            <a:avLst/>
-          </a:prstGeom>
-          <a:ln>
-            <a:prstDash val="dash"/>
-            <a:headEnd type="none" w="med" len="med"/>
-            <a:tailEnd type="none" w="med" len="med"/>
-          </a:ln>
-        </p:spPr>
-        <p:style>
-          <a:lnRef idx="2">
-            <a:schemeClr val="accent4"/>
-          </a:lnRef>
-          <a:fillRef idx="0">
-            <a:schemeClr val="accent4"/>
-          </a:fillRef>
-          <a:effectRef idx="1">
-            <a:schemeClr val="accent4"/>
-          </a:effectRef>
-          <a:fontRef idx="minor">
-            <a:schemeClr val="tx1"/>
-          </a:fontRef>
-        </p:style>
-      </p:cxnSp>
-      <p:grpSp>
-        <p:nvGrpSpPr>
-          <p:cNvPr id="6" name="Group 10"/>
-          <p:cNvGrpSpPr/>
-          <p:nvPr/>
-        </p:nvGrpSpPr>
-        <p:grpSpPr>
-          <a:xfrm>
-            <a:off x="811869" y="3106677"/>
-            <a:ext cx="1512168" cy="792088"/>
-            <a:chOff x="827584" y="3068960"/>
-            <a:chExt cx="1512168" cy="792088"/>
-          </a:xfrm>
-        </p:grpSpPr>
-        <p:sp>
-          <p:nvSpPr>
-            <p:cNvPr id="7" name="Rectangle 6"/>
-            <p:cNvSpPr/>
-            <p:nvPr/>
-          </p:nvSpPr>
-          <p:spPr>
-            <a:xfrm>
-              <a:off x="827584" y="3068960"/>
-              <a:ext cx="1512168" cy="792088"/>
-            </a:xfrm>
-            <a:prstGeom prst="rect">
-              <a:avLst/>
-            </a:prstGeom>
-          </p:spPr>
-          <p:style>
-            <a:lnRef idx="3">
-              <a:schemeClr val="lt1"/>
-            </a:lnRef>
-            <a:fillRef idx="1">
-              <a:schemeClr val="accent6"/>
-            </a:fillRef>
-            <a:effectRef idx="1">
-              <a:schemeClr val="accent6"/>
-            </a:effectRef>
-            <a:fontRef idx="minor">
-              <a:schemeClr val="lt1"/>
-            </a:fontRef>
-          </p:style>
-          <p:txBody>
-            <a:bodyPr rtlCol="0" anchor="ctr"/>
-            <a:lstStyle/>
-            <a:p>
-              <a:pPr algn="ctr"/>
-              <a:r>
-                <a:rPr lang="fr-FR" sz="2400" dirty="0" smtClean="0"/>
-                <a:t>FDIR</a:t>
-              </a:r>
-              <a:endParaRPr lang="fr-FR" sz="2400" dirty="0"/>
-            </a:p>
-          </p:txBody>
-        </p:sp>
-        <p:cxnSp>
-          <p:nvCxnSpPr>
-            <p:cNvPr id="8" name="Straight Connector 7"/>
-            <p:cNvCxnSpPr/>
-            <p:nvPr/>
-          </p:nvCxnSpPr>
-          <p:spPr>
-            <a:xfrm rot="5400000">
-              <a:off x="575556" y="3465004"/>
-              <a:ext cx="792088" cy="0"/>
-            </a:xfrm>
-            <a:prstGeom prst="line">
-              <a:avLst/>
-            </a:prstGeom>
-            <a:ln w="38100">
-              <a:solidFill>
-                <a:schemeClr val="bg1"/>
-              </a:solidFill>
-            </a:ln>
-          </p:spPr>
-          <p:style>
-            <a:lnRef idx="1">
-              <a:schemeClr val="accent1"/>
-            </a:lnRef>
-            <a:fillRef idx="0">
-              <a:schemeClr val="accent1"/>
-            </a:fillRef>
-            <a:effectRef idx="0">
-              <a:schemeClr val="accent1"/>
-            </a:effectRef>
-            <a:fontRef idx="minor">
-              <a:schemeClr val="tx1"/>
-            </a:fontRef>
-          </p:style>
-        </p:cxnSp>
-        <p:cxnSp>
-          <p:nvCxnSpPr>
-            <p:cNvPr id="9" name="Straight Connector 8"/>
-            <p:cNvCxnSpPr/>
-            <p:nvPr/>
-          </p:nvCxnSpPr>
-          <p:spPr>
-            <a:xfrm rot="5400000">
-              <a:off x="719572" y="3465004"/>
-              <a:ext cx="792088" cy="0"/>
-            </a:xfrm>
-            <a:prstGeom prst="line">
-              <a:avLst/>
-            </a:prstGeom>
-            <a:ln w="38100">
-              <a:solidFill>
-                <a:schemeClr val="bg1"/>
-              </a:solidFill>
-            </a:ln>
-          </p:spPr>
-          <p:style>
-            <a:lnRef idx="1">
-              <a:schemeClr val="accent1"/>
-            </a:lnRef>
-            <a:fillRef idx="0">
-              <a:schemeClr val="accent1"/>
-            </a:fillRef>
-            <a:effectRef idx="0">
-              <a:schemeClr val="accent1"/>
-            </a:effectRef>
-            <a:fontRef idx="minor">
-              <a:schemeClr val="tx1"/>
-            </a:fontRef>
-          </p:style>
-        </p:cxnSp>
-      </p:grpSp>
-      <p:grpSp>
-        <p:nvGrpSpPr>
-          <p:cNvPr id="10" name="Group 26"/>
-          <p:cNvGrpSpPr/>
-          <p:nvPr/>
-        </p:nvGrpSpPr>
-        <p:grpSpPr>
-          <a:xfrm>
-            <a:off x="6680521" y="2926657"/>
-            <a:ext cx="1800200" cy="1152128"/>
-            <a:chOff x="6696236" y="2888940"/>
-            <a:chExt cx="1800200" cy="1152128"/>
-          </a:xfrm>
-        </p:grpSpPr>
-        <p:sp>
-          <p:nvSpPr>
-            <p:cNvPr id="11" name="Oval 10"/>
-            <p:cNvSpPr/>
-            <p:nvPr/>
-          </p:nvSpPr>
-          <p:spPr>
-            <a:xfrm>
-              <a:off x="6696236" y="2888940"/>
-              <a:ext cx="1800200" cy="1152128"/>
-            </a:xfrm>
-            <a:prstGeom prst="ellipse">
-              <a:avLst/>
-            </a:prstGeom>
-            <a:ln>
-              <a:prstDash val="dash"/>
-            </a:ln>
-          </p:spPr>
-          <p:style>
-            <a:lnRef idx="3">
-              <a:schemeClr val="lt1"/>
-            </a:lnRef>
-            <a:fillRef idx="1">
-              <a:schemeClr val="accent6"/>
-            </a:fillRef>
-            <a:effectRef idx="1">
-              <a:schemeClr val="accent6"/>
-            </a:effectRef>
-            <a:fontRef idx="minor">
-              <a:schemeClr val="lt1"/>
-            </a:fontRef>
-          </p:style>
-          <p:txBody>
-            <a:bodyPr rtlCol="0" anchor="ctr"/>
-            <a:lstStyle/>
-            <a:p>
-              <a:pPr algn="ctr"/>
-              <a:endParaRPr lang="fr-FR"/>
-            </a:p>
-          </p:txBody>
-        </p:sp>
-        <p:sp>
-          <p:nvSpPr>
-            <p:cNvPr id="12" name="TextBox 11"/>
-            <p:cNvSpPr txBox="1"/>
-            <p:nvPr/>
-          </p:nvSpPr>
-          <p:spPr>
-            <a:xfrm>
-              <a:off x="6876256" y="3131726"/>
-              <a:ext cx="1584176" cy="738664"/>
-            </a:xfrm>
-            <a:prstGeom prst="rect">
-              <a:avLst/>
-            </a:prstGeom>
-            <a:noFill/>
-          </p:spPr>
-          <p:txBody>
-            <a:bodyPr wrap="square" rtlCol="0">
-              <a:spAutoFit/>
-            </a:bodyPr>
-            <a:lstStyle/>
-            <a:p>
-              <a:pPr marL="0" marR="0" indent="0" algn="ctr" defTabSz="914400" rtl="0" eaLnBrk="1" fontAlgn="auto" latinLnBrk="0" hangingPunct="1">
-                <a:lnSpc>
-                  <a:spcPct val="100000"/>
-                </a:lnSpc>
-                <a:spcBef>
-                  <a:spcPct val="20000"/>
-                </a:spcBef>
-                <a:spcAft>
-                  <a:spcPts val="0"/>
-                </a:spcAft>
-                <a:buClrTx/>
-                <a:buSzTx/>
-                <a:buFontTx/>
-                <a:buNone/>
-                <a:tabLst/>
-              </a:pPr>
-              <a:r>
-                <a:rPr kumimoji="0" lang="fr-FR" sz="1400" b="1" i="0" u="none" strike="noStrike" kern="0" cap="none" spc="0" normalizeH="0" baseline="0" noProof="0" dirty="0" err="1" smtClean="0">
-                  <a:ln>
-                    <a:noFill/>
-                  </a:ln>
-                  <a:solidFill>
-                    <a:schemeClr val="bg1"/>
-                  </a:solidFill>
-                  <a:effectLst/>
-                  <a:uLnTx/>
-                  <a:uFillTx/>
-                  <a:latin typeface="+mn-lt"/>
-                  <a:cs typeface="+mn-cs"/>
-                </a:rPr>
-                <a:t>Notify</a:t>
-              </a:r>
-              <a:r>
-                <a:rPr kumimoji="0" lang="fr-FR" sz="1400" b="1" i="0" u="none" strike="noStrike" kern="0" cap="none" spc="0" normalizeH="0" baseline="0" noProof="0" dirty="0" smtClean="0">
-                  <a:ln>
-                    <a:noFill/>
-                  </a:ln>
-                  <a:solidFill>
-                    <a:schemeClr val="bg1"/>
-                  </a:solidFill>
-                  <a:effectLst/>
-                  <a:uLnTx/>
-                  <a:uFillTx/>
-                  <a:latin typeface="+mn-lt"/>
-                  <a:cs typeface="+mn-cs"/>
-                </a:rPr>
-                <a:t> </a:t>
-              </a:r>
-              <a:r>
-                <a:rPr kumimoji="0" lang="fr-FR" sz="1400" b="1" i="0" u="none" strike="noStrike" kern="0" cap="none" spc="0" normalizeH="0" noProof="0" dirty="0" err="1" smtClean="0">
-                  <a:ln>
-                    <a:noFill/>
-                  </a:ln>
-                  <a:solidFill>
-                    <a:schemeClr val="bg1"/>
-                  </a:solidFill>
-                  <a:effectLst/>
-                  <a:uLnTx/>
-                  <a:uFillTx/>
-                  <a:latin typeface="+mn-lt"/>
-                  <a:cs typeface="+mn-cs"/>
-                </a:rPr>
-                <a:t>crew</a:t>
-              </a:r>
-              <a:r>
-                <a:rPr kumimoji="0" lang="fr-FR" sz="1400" b="1" i="0" u="none" strike="noStrike" kern="0" cap="none" spc="0" normalizeH="0" noProof="0" dirty="0" smtClean="0">
-                  <a:ln>
-                    <a:noFill/>
-                  </a:ln>
-                  <a:solidFill>
-                    <a:schemeClr val="bg1"/>
-                  </a:solidFill>
-                  <a:effectLst/>
-                  <a:uLnTx/>
-                  <a:uFillTx/>
-                  <a:latin typeface="+mn-lt"/>
-                  <a:cs typeface="+mn-cs"/>
-                </a:rPr>
-                <a:t> about </a:t>
-              </a:r>
-              <a:r>
-                <a:rPr kumimoji="0" lang="fr-FR" sz="1400" b="1" i="0" u="none" strike="noStrike" kern="0" cap="none" spc="0" normalizeH="0" noProof="0" dirty="0" err="1" smtClean="0">
-                  <a:ln>
-                    <a:noFill/>
-                  </a:ln>
-                  <a:solidFill>
-                    <a:schemeClr val="bg1"/>
-                  </a:solidFill>
-                  <a:effectLst/>
-                  <a:uLnTx/>
-                  <a:uFillTx/>
-                  <a:latin typeface="+mn-lt"/>
-                  <a:cs typeface="+mn-cs"/>
-                </a:rPr>
-                <a:t>unresolvable</a:t>
-              </a:r>
-              <a:r>
-                <a:rPr kumimoji="0" lang="fr-FR" sz="1400" b="1" i="0" u="none" strike="noStrike" kern="0" cap="none" spc="0" normalizeH="0" noProof="0" dirty="0" smtClean="0">
-                  <a:ln>
-                    <a:noFill/>
-                  </a:ln>
-                  <a:solidFill>
-                    <a:schemeClr val="bg1"/>
-                  </a:solidFill>
-                  <a:effectLst/>
-                  <a:uLnTx/>
-                  <a:uFillTx/>
-                  <a:latin typeface="+mn-lt"/>
-                  <a:cs typeface="+mn-cs"/>
-                </a:rPr>
-                <a:t> conditions</a:t>
-              </a:r>
-              <a:endParaRPr kumimoji="0" lang="fr-FR" sz="1400" b="1" i="0" u="none" strike="noStrike" kern="0" cap="none" spc="0" normalizeH="0" baseline="0" noProof="0" dirty="0" smtClean="0">
-                <a:ln>
-                  <a:noFill/>
-                </a:ln>
-                <a:solidFill>
-                  <a:schemeClr val="bg1"/>
-                </a:solidFill>
-                <a:effectLst/>
-                <a:uLnTx/>
-                <a:uFillTx/>
-                <a:latin typeface="+mn-lt"/>
-                <a:cs typeface="+mn-cs"/>
-              </a:endParaRPr>
-            </a:p>
-          </p:txBody>
-        </p:sp>
-      </p:grpSp>
-      <p:cxnSp>
-        <p:nvCxnSpPr>
-          <p:cNvPr id="13" name="Straight Connector 12"/>
-          <p:cNvCxnSpPr/>
-          <p:nvPr/>
-        </p:nvCxnSpPr>
-        <p:spPr>
-          <a:xfrm flipV="1">
-            <a:off x="5348373" y="3910060"/>
-            <a:ext cx="1595781" cy="580375"/>
-          </a:xfrm>
-          <a:prstGeom prst="line">
-            <a:avLst/>
-          </a:prstGeom>
-          <a:ln>
-            <a:prstDash val="dash"/>
-            <a:headEnd type="arrow" w="med" len="med"/>
-            <a:tailEnd type="none" w="med" len="med"/>
-          </a:ln>
-        </p:spPr>
-        <p:style>
-          <a:lnRef idx="2">
-            <a:schemeClr val="accent4"/>
-          </a:lnRef>
-          <a:fillRef idx="0">
-            <a:schemeClr val="accent4"/>
-          </a:fillRef>
-          <a:effectRef idx="1">
-            <a:schemeClr val="accent4"/>
-          </a:effectRef>
-          <a:fontRef idx="minor">
-            <a:schemeClr val="tx1"/>
-          </a:fontRef>
-        </p:style>
-      </p:cxnSp>
-      <p:cxnSp>
-        <p:nvCxnSpPr>
-          <p:cNvPr id="14" name="Straight Connector 13"/>
-          <p:cNvCxnSpPr/>
-          <p:nvPr/>
-        </p:nvCxnSpPr>
-        <p:spPr>
-          <a:xfrm>
-            <a:off x="2324037" y="3502721"/>
-            <a:ext cx="1512168" cy="987714"/>
-          </a:xfrm>
-          <a:prstGeom prst="line">
-            <a:avLst/>
-          </a:prstGeom>
-          <a:ln/>
-        </p:spPr>
-        <p:style>
-          <a:lnRef idx="2">
-            <a:schemeClr val="accent4"/>
-          </a:lnRef>
-          <a:fillRef idx="0">
-            <a:schemeClr val="accent4"/>
-          </a:fillRef>
-          <a:effectRef idx="1">
-            <a:schemeClr val="accent4"/>
-          </a:effectRef>
-          <a:fontRef idx="minor">
-            <a:schemeClr val="tx1"/>
-          </a:fontRef>
-        </p:style>
-      </p:cxnSp>
-      <p:cxnSp>
-        <p:nvCxnSpPr>
-          <p:cNvPr id="15" name="Straight Connector 14"/>
-          <p:cNvCxnSpPr/>
-          <p:nvPr/>
-        </p:nvCxnSpPr>
-        <p:spPr>
-          <a:xfrm flipV="1">
-            <a:off x="2324037" y="2303534"/>
-            <a:ext cx="1512168" cy="1199187"/>
-          </a:xfrm>
-          <a:prstGeom prst="line">
-            <a:avLst/>
-          </a:prstGeom>
-          <a:ln/>
-        </p:spPr>
-        <p:style>
-          <a:lnRef idx="2">
-            <a:schemeClr val="accent4"/>
-          </a:lnRef>
-          <a:fillRef idx="0">
-            <a:schemeClr val="accent4"/>
-          </a:fillRef>
-          <a:effectRef idx="1">
-            <a:schemeClr val="accent4"/>
-          </a:effectRef>
-          <a:fontRef idx="minor">
-            <a:schemeClr val="tx1"/>
-          </a:fontRef>
-        </p:style>
-      </p:cxnSp>
-      <p:sp>
-        <p:nvSpPr>
-          <p:cNvPr id="16" name="TextBox 15"/>
-          <p:cNvSpPr txBox="1"/>
-          <p:nvPr/>
-        </p:nvSpPr>
-        <p:spPr>
-          <a:xfrm>
-            <a:off x="5348373" y="5060234"/>
-            <a:ext cx="2007281" cy="307777"/>
-          </a:xfrm>
-          <a:prstGeom prst="rect">
-            <a:avLst/>
-          </a:prstGeom>
-          <a:noFill/>
-        </p:spPr>
-        <p:txBody>
-          <a:bodyPr wrap="none" rtlCol="0">
-            <a:spAutoFit/>
-          </a:bodyPr>
-          <a:lstStyle/>
-          <a:p>
-            <a:pPr marL="0" marR="0" indent="0" algn="l" defTabSz="914400" rtl="0" eaLnBrk="1" fontAlgn="auto" latinLnBrk="0" hangingPunct="1">
-              <a:lnSpc>
-                <a:spcPct val="100000"/>
-              </a:lnSpc>
-              <a:spcBef>
-                <a:spcPct val="20000"/>
-              </a:spcBef>
-              <a:spcAft>
-                <a:spcPts val="0"/>
-              </a:spcAft>
-              <a:buClrTx/>
-              <a:buSzTx/>
-              <a:buFontTx/>
-              <a:buNone/>
-              <a:tabLst/>
-            </a:pPr>
-            <a:r>
-              <a:rPr lang="fr-FR" sz="1400" b="1" kern="0" dirty="0" smtClean="0">
-                <a:latin typeface="+mn-lt"/>
-                <a:cs typeface="+mn-cs"/>
-              </a:rPr>
-              <a:t>b: Report! {notification} </a:t>
-            </a:r>
-            <a:endParaRPr kumimoji="0" lang="fr-FR" sz="1400" b="1" i="0" u="none" strike="noStrike" kern="0" cap="none" spc="0" normalizeH="0" baseline="0" noProof="0" dirty="0" smtClean="0">
-              <a:ln>
-                <a:noFill/>
-              </a:ln>
-              <a:effectLst/>
-              <a:uLnTx/>
-              <a:uFillTx/>
-              <a:latin typeface="+mn-lt"/>
-              <a:ea typeface="+mn-ea"/>
-              <a:cs typeface="+mn-cs"/>
-            </a:endParaRPr>
-          </a:p>
-        </p:txBody>
-      </p:sp>
-      <p:sp>
-        <p:nvSpPr>
-          <p:cNvPr id="17" name="Text Placeholder 48"/>
-          <p:cNvSpPr txBox="1">
-            <a:spLocks/>
-          </p:cNvSpPr>
-          <p:nvPr/>
-        </p:nvSpPr>
-        <p:spPr>
-          <a:xfrm>
-            <a:off x="5963555" y="3879020"/>
-            <a:ext cx="320922" cy="307777"/>
-          </a:xfrm>
-          <a:prstGeom prst="rect">
-            <a:avLst/>
-          </a:prstGeom>
-          <a:noFill/>
-        </p:spPr>
-        <p:txBody>
-          <a:bodyPr wrap="none" rtlCol="0">
-            <a:spAutoFit/>
-          </a:bodyPr>
-          <a:lstStyle>
-            <a:lvl1pPr marL="0" indent="354013" algn="l" rtl="0" eaLnBrk="0" fontAlgn="base" hangingPunct="0">
-              <a:spcBef>
-                <a:spcPct val="20000"/>
-              </a:spcBef>
-              <a:spcAft>
-                <a:spcPct val="0"/>
-              </a:spcAft>
-              <a:buClr>
-                <a:srgbClr xmlns:mc="http://schemas.openxmlformats.org/markup-compatibility/2006" xmlns:a14="http://schemas.microsoft.com/office/drawing/2007/7/7/main" val="DA7E18" mc:Ignorable=""/>
-              </a:buClr>
-              <a:buSzPct val="70000"/>
-              <a:buFont typeface="Wingdings" pitchFamily="2" charset="2"/>
-              <a:buChar char="q"/>
-              <a:defRPr lang="fr-FR" sz="2400" baseline="0">
-                <a:solidFill>
-                  <a:schemeClr val="tx1"/>
-                </a:solidFill>
-                <a:latin typeface="+mn-lt"/>
-                <a:ea typeface="+mn-ea"/>
-                <a:cs typeface="+mn-cs"/>
-              </a:defRPr>
-            </a:lvl1pPr>
-            <a:lvl2pPr marL="742950" indent="-285750" algn="l" rtl="0" eaLnBrk="0" fontAlgn="base" hangingPunct="0">
-              <a:spcBef>
-                <a:spcPct val="20000"/>
-              </a:spcBef>
-              <a:spcAft>
-                <a:spcPct val="0"/>
-              </a:spcAft>
-              <a:buClr>
-                <a:srgbClr xmlns:mc="http://schemas.openxmlformats.org/markup-compatibility/2006" xmlns:a14="http://schemas.microsoft.com/office/drawing/2007/7/7/main" val="E5AB1B" mc:Ignorable=""/>
-              </a:buClr>
-              <a:buSzPct val="70000"/>
-              <a:buFont typeface="Wingdings" pitchFamily="2" charset="2"/>
-              <a:buChar char="q"/>
-              <a:defRPr lang="fr-FR" sz="2000">
-                <a:solidFill>
-                  <a:schemeClr val="tx1">
-                    <a:lumMod val="75000"/>
-                    <a:lumOff val="25000"/>
-                  </a:schemeClr>
-                </a:solidFill>
-                <a:latin typeface="+mn-lt"/>
-                <a:ea typeface="+mn-ea"/>
-                <a:cs typeface="+mn-cs"/>
-              </a:defRPr>
-            </a:lvl2pPr>
-            <a:lvl3pPr marL="1143000" indent="-228600" algn="l" rtl="0" eaLnBrk="0" fontAlgn="base" hangingPunct="0">
-              <a:spcBef>
-                <a:spcPct val="20000"/>
-              </a:spcBef>
-              <a:spcAft>
-                <a:spcPct val="0"/>
-              </a:spcAft>
-              <a:buChar char="•"/>
-              <a:defRPr lang="fr-FR" sz="1600">
-                <a:solidFill>
-                  <a:schemeClr val="tx1">
-                    <a:lumMod val="65000"/>
-                    <a:lumOff val="35000"/>
-                  </a:schemeClr>
-                </a:solidFill>
-                <a:latin typeface="+mn-lt"/>
-                <a:ea typeface="+mn-ea"/>
-                <a:cs typeface="+mn-cs"/>
-              </a:defRPr>
-            </a:lvl3pPr>
-            <a:lvl4pPr marL="1600200" indent="-228600" algn="l" rtl="0" eaLnBrk="0" fontAlgn="base" hangingPunct="0">
-              <a:spcBef>
-                <a:spcPct val="20000"/>
-              </a:spcBef>
-              <a:spcAft>
-                <a:spcPct val="0"/>
-              </a:spcAft>
-              <a:buChar char="–"/>
-              <a:defRPr lang="fr-FR" sz="1100">
-                <a:solidFill>
-                  <a:schemeClr val="tx1"/>
-                </a:solidFill>
-                <a:latin typeface="+mn-lt"/>
-                <a:ea typeface="+mn-ea"/>
-                <a:cs typeface="+mn-cs"/>
-              </a:defRPr>
-            </a:lvl4pPr>
-            <a:lvl5pPr marL="2057400" indent="-228600" algn="l" rtl="0" eaLnBrk="0" fontAlgn="base" hangingPunct="0">
-              <a:spcBef>
-                <a:spcPct val="20000"/>
-              </a:spcBef>
-              <a:spcAft>
-                <a:spcPct val="0"/>
-              </a:spcAft>
-              <a:buChar char="»"/>
-              <a:defRPr lang="fr-FR" sz="1100">
-                <a:solidFill>
-                  <a:schemeClr val="tx1"/>
-                </a:solidFill>
-                <a:latin typeface="+mn-lt"/>
-                <a:ea typeface="+mn-ea"/>
-                <a:cs typeface="+mn-cs"/>
-              </a:defRPr>
-            </a:lvl5pPr>
-            <a:lvl6pPr marL="2514600" indent="-228600" algn="l" rtl="0" eaLnBrk="1" latinLnBrk="0" hangingPunct="1">
-              <a:spcBef>
-                <a:spcPct val="20000"/>
-              </a:spcBef>
-              <a:buChar char="•"/>
-              <a:defRPr kumimoji="0" lang="fr-FR" sz="2000">
-                <a:solidFill>
-                  <a:schemeClr val="tx1"/>
-                </a:solidFill>
-                <a:latin typeface="+mn-lt"/>
-                <a:ea typeface="+mn-ea"/>
-                <a:cs typeface="+mn-cs"/>
-              </a:defRPr>
-            </a:lvl6pPr>
-            <a:lvl7pPr marL="2971800" indent="-228600" algn="l" rtl="0" eaLnBrk="1" latinLnBrk="0" hangingPunct="1">
-              <a:spcBef>
-                <a:spcPct val="20000"/>
-              </a:spcBef>
-              <a:buChar char="•"/>
-              <a:defRPr kumimoji="0" lang="fr-FR" sz="2000">
-                <a:solidFill>
-                  <a:schemeClr val="tx1"/>
-                </a:solidFill>
-                <a:latin typeface="+mn-lt"/>
-                <a:ea typeface="+mn-ea"/>
-                <a:cs typeface="+mn-cs"/>
-              </a:defRPr>
-            </a:lvl7pPr>
-            <a:lvl8pPr marL="3429000" indent="-228600" algn="l" rtl="0" eaLnBrk="1" latinLnBrk="0" hangingPunct="1">
-              <a:spcBef>
-                <a:spcPct val="20000"/>
-              </a:spcBef>
-              <a:buChar char="•"/>
-              <a:defRPr kumimoji="0" lang="fr-FR" sz="2000">
-                <a:solidFill>
-                  <a:schemeClr val="tx1"/>
-                </a:solidFill>
-                <a:latin typeface="+mn-lt"/>
-                <a:ea typeface="+mn-ea"/>
-                <a:cs typeface="+mn-cs"/>
-              </a:defRPr>
-            </a:lvl8pPr>
-            <a:lvl9pPr marL="3886200" indent="-228600" algn="l" rtl="0" eaLnBrk="1" latinLnBrk="0" hangingPunct="1">
-              <a:spcBef>
-                <a:spcPct val="20000"/>
-              </a:spcBef>
-              <a:buChar char="•"/>
-              <a:defRPr kumimoji="0" lang="fr-FR" sz="2000">
-                <a:solidFill>
-                  <a:schemeClr val="tx1"/>
-                </a:solidFill>
-                <a:latin typeface="+mn-lt"/>
-                <a:ea typeface="+mn-ea"/>
-                <a:cs typeface="+mn-cs"/>
-              </a:defRPr>
-            </a:lvl9pPr>
-          </a:lstStyle>
-          <a:p>
-            <a:pPr indent="0" eaLnBrk="1" fontAlgn="auto" hangingPunct="1">
-              <a:spcAft>
-                <a:spcPts val="0"/>
-              </a:spcAft>
-              <a:buClrTx/>
-              <a:buSzTx/>
-              <a:buFontTx/>
-              <a:buNone/>
-            </a:pPr>
-            <a:r>
-              <a:rPr lang="fr-FR" sz="1400" b="1" smtClean="0"/>
-              <a:t>b </a:t>
-            </a:r>
-            <a:endParaRPr lang="fr-FR" sz="1400" b="1" dirty="0" smtClean="0"/>
-          </a:p>
-        </p:txBody>
-      </p:sp>
-      <p:sp>
-        <p:nvSpPr>
-          <p:cNvPr id="18" name="Text Placeholder 48"/>
-          <p:cNvSpPr txBox="1">
-            <a:spLocks/>
-          </p:cNvSpPr>
-          <p:nvPr/>
-        </p:nvSpPr>
-        <p:spPr>
-          <a:xfrm>
-            <a:off x="6140461" y="2438860"/>
-            <a:ext cx="312906" cy="307777"/>
-          </a:xfrm>
-          <a:prstGeom prst="rect">
-            <a:avLst/>
-          </a:prstGeom>
-          <a:noFill/>
-        </p:spPr>
-        <p:txBody>
-          <a:bodyPr wrap="none" rtlCol="0">
-            <a:spAutoFit/>
-          </a:bodyPr>
-          <a:lstStyle>
-            <a:lvl1pPr marL="0" indent="354013" algn="l" rtl="0" eaLnBrk="0" fontAlgn="base" hangingPunct="0">
-              <a:spcBef>
-                <a:spcPct val="20000"/>
-              </a:spcBef>
-              <a:spcAft>
-                <a:spcPct val="0"/>
-              </a:spcAft>
-              <a:buClr>
-                <a:srgbClr xmlns:mc="http://schemas.openxmlformats.org/markup-compatibility/2006" xmlns:a14="http://schemas.microsoft.com/office/drawing/2007/7/7/main" val="DA7E18" mc:Ignorable=""/>
-              </a:buClr>
-              <a:buSzPct val="70000"/>
-              <a:buFont typeface="Wingdings" pitchFamily="2" charset="2"/>
-              <a:buChar char="q"/>
-              <a:defRPr lang="fr-FR" sz="2400" baseline="0">
-                <a:solidFill>
-                  <a:schemeClr val="tx1"/>
-                </a:solidFill>
-                <a:latin typeface="+mn-lt"/>
-                <a:ea typeface="+mn-ea"/>
-                <a:cs typeface="+mn-cs"/>
-              </a:defRPr>
-            </a:lvl1pPr>
-            <a:lvl2pPr marL="742950" indent="-285750" algn="l" rtl="0" eaLnBrk="0" fontAlgn="base" hangingPunct="0">
-              <a:spcBef>
-                <a:spcPct val="20000"/>
-              </a:spcBef>
-              <a:spcAft>
-                <a:spcPct val="0"/>
-              </a:spcAft>
-              <a:buClr>
-                <a:srgbClr xmlns:mc="http://schemas.openxmlformats.org/markup-compatibility/2006" xmlns:a14="http://schemas.microsoft.com/office/drawing/2007/7/7/main" val="E5AB1B" mc:Ignorable=""/>
-              </a:buClr>
-              <a:buSzPct val="70000"/>
-              <a:buFont typeface="Wingdings" pitchFamily="2" charset="2"/>
-              <a:buChar char="q"/>
-              <a:defRPr lang="fr-FR" sz="2000">
-                <a:solidFill>
-                  <a:schemeClr val="tx1">
-                    <a:lumMod val="75000"/>
-                    <a:lumOff val="25000"/>
-                  </a:schemeClr>
-                </a:solidFill>
-                <a:latin typeface="+mn-lt"/>
-                <a:ea typeface="+mn-ea"/>
-                <a:cs typeface="+mn-cs"/>
-              </a:defRPr>
-            </a:lvl2pPr>
-            <a:lvl3pPr marL="1143000" indent="-228600" algn="l" rtl="0" eaLnBrk="0" fontAlgn="base" hangingPunct="0">
-              <a:spcBef>
-                <a:spcPct val="20000"/>
-              </a:spcBef>
-              <a:spcAft>
-                <a:spcPct val="0"/>
-              </a:spcAft>
-              <a:buChar char="•"/>
-              <a:defRPr lang="fr-FR" sz="1600">
-                <a:solidFill>
-                  <a:schemeClr val="tx1">
-                    <a:lumMod val="65000"/>
-                    <a:lumOff val="35000"/>
-                  </a:schemeClr>
-                </a:solidFill>
-                <a:latin typeface="+mn-lt"/>
-                <a:ea typeface="+mn-ea"/>
-                <a:cs typeface="+mn-cs"/>
-              </a:defRPr>
-            </a:lvl3pPr>
-            <a:lvl4pPr marL="1600200" indent="-228600" algn="l" rtl="0" eaLnBrk="0" fontAlgn="base" hangingPunct="0">
-              <a:spcBef>
-                <a:spcPct val="20000"/>
-              </a:spcBef>
-              <a:spcAft>
-                <a:spcPct val="0"/>
-              </a:spcAft>
-              <a:buChar char="–"/>
-              <a:defRPr lang="fr-FR" sz="1100">
-                <a:solidFill>
-                  <a:schemeClr val="tx1"/>
-                </a:solidFill>
-                <a:latin typeface="+mn-lt"/>
-                <a:ea typeface="+mn-ea"/>
-                <a:cs typeface="+mn-cs"/>
-              </a:defRPr>
-            </a:lvl4pPr>
-            <a:lvl5pPr marL="2057400" indent="-228600" algn="l" rtl="0" eaLnBrk="0" fontAlgn="base" hangingPunct="0">
-              <a:spcBef>
-                <a:spcPct val="20000"/>
-              </a:spcBef>
-              <a:spcAft>
-                <a:spcPct val="0"/>
-              </a:spcAft>
-              <a:buChar char="»"/>
-              <a:defRPr lang="fr-FR" sz="1100">
-                <a:solidFill>
-                  <a:schemeClr val="tx1"/>
-                </a:solidFill>
-                <a:latin typeface="+mn-lt"/>
-                <a:ea typeface="+mn-ea"/>
-                <a:cs typeface="+mn-cs"/>
-              </a:defRPr>
-            </a:lvl5pPr>
-            <a:lvl6pPr marL="2514600" indent="-228600" algn="l" rtl="0" eaLnBrk="1" latinLnBrk="0" hangingPunct="1">
-              <a:spcBef>
-                <a:spcPct val="20000"/>
-              </a:spcBef>
-              <a:buChar char="•"/>
-              <a:defRPr kumimoji="0" lang="fr-FR" sz="2000">
-                <a:solidFill>
-                  <a:schemeClr val="tx1"/>
-                </a:solidFill>
-                <a:latin typeface="+mn-lt"/>
-                <a:ea typeface="+mn-ea"/>
-                <a:cs typeface="+mn-cs"/>
-              </a:defRPr>
-            </a:lvl6pPr>
-            <a:lvl7pPr marL="2971800" indent="-228600" algn="l" rtl="0" eaLnBrk="1" latinLnBrk="0" hangingPunct="1">
-              <a:spcBef>
-                <a:spcPct val="20000"/>
-              </a:spcBef>
-              <a:buChar char="•"/>
-              <a:defRPr kumimoji="0" lang="fr-FR" sz="2000">
-                <a:solidFill>
-                  <a:schemeClr val="tx1"/>
-                </a:solidFill>
-                <a:latin typeface="+mn-lt"/>
-                <a:ea typeface="+mn-ea"/>
-                <a:cs typeface="+mn-cs"/>
-              </a:defRPr>
-            </a:lvl7pPr>
-            <a:lvl8pPr marL="3429000" indent="-228600" algn="l" rtl="0" eaLnBrk="1" latinLnBrk="0" hangingPunct="1">
-              <a:spcBef>
-                <a:spcPct val="20000"/>
-              </a:spcBef>
-              <a:buChar char="•"/>
-              <a:defRPr kumimoji="0" lang="fr-FR" sz="2000">
-                <a:solidFill>
-                  <a:schemeClr val="tx1"/>
-                </a:solidFill>
-                <a:latin typeface="+mn-lt"/>
-                <a:ea typeface="+mn-ea"/>
-                <a:cs typeface="+mn-cs"/>
-              </a:defRPr>
-            </a:lvl8pPr>
-            <a:lvl9pPr marL="3886200" indent="-228600" algn="l" rtl="0" eaLnBrk="1" latinLnBrk="0" hangingPunct="1">
-              <a:spcBef>
-                <a:spcPct val="20000"/>
-              </a:spcBef>
-              <a:buChar char="•"/>
-              <a:defRPr kumimoji="0" lang="fr-FR" sz="2000">
-                <a:solidFill>
-                  <a:schemeClr val="tx1"/>
-                </a:solidFill>
-                <a:latin typeface="+mn-lt"/>
-                <a:ea typeface="+mn-ea"/>
-                <a:cs typeface="+mn-cs"/>
-              </a:defRPr>
-            </a:lvl9pPr>
-          </a:lstStyle>
-          <a:p>
-            <a:pPr indent="0" eaLnBrk="1" fontAlgn="auto" hangingPunct="1">
-              <a:spcAft>
-                <a:spcPts val="0"/>
-              </a:spcAft>
-              <a:buClrTx/>
-              <a:buSzTx/>
-              <a:buFontTx/>
-              <a:buNone/>
-            </a:pPr>
-            <a:r>
-              <a:rPr lang="fr-FR" sz="1400" b="1" dirty="0"/>
-              <a:t>a</a:t>
-            </a:r>
-            <a:r>
-              <a:rPr lang="fr-FR" sz="1400" b="1" dirty="0" smtClean="0"/>
-              <a:t> </a:t>
-            </a:r>
-          </a:p>
-        </p:txBody>
-      </p:sp>
-      <p:sp>
-        <p:nvSpPr>
-          <p:cNvPr id="19" name="Rectangle 18"/>
-          <p:cNvSpPr/>
-          <p:nvPr/>
-        </p:nvSpPr>
-        <p:spPr>
-          <a:xfrm>
-            <a:off x="3836205" y="1891883"/>
-            <a:ext cx="1512168" cy="823301"/>
-          </a:xfrm>
-          <a:prstGeom prst="rect">
-            <a:avLst/>
-          </a:prstGeom>
-        </p:spPr>
-        <p:style>
-          <a:lnRef idx="3">
-            <a:schemeClr val="lt1"/>
-          </a:lnRef>
-          <a:fillRef idx="1">
-            <a:schemeClr val="accent6"/>
-          </a:fillRef>
-          <a:effectRef idx="1">
-            <a:schemeClr val="accent6"/>
-          </a:effectRef>
-          <a:fontRef idx="minor">
-            <a:schemeClr val="lt1"/>
-          </a:fontRef>
-        </p:style>
-        <p:txBody>
-          <a:bodyPr rtlCol="0" anchor="ctr"/>
-          <a:lstStyle/>
-          <a:p>
-            <a:pPr algn="ctr"/>
-            <a:r>
-              <a:rPr lang="fr-FR" dirty="0"/>
-              <a:t>FDIR Storage System</a:t>
-            </a:r>
-          </a:p>
-        </p:txBody>
-      </p:sp>
-      <p:sp>
-        <p:nvSpPr>
-          <p:cNvPr id="20" name="Rectangle 19"/>
-          <p:cNvSpPr/>
-          <p:nvPr/>
-        </p:nvSpPr>
-        <p:spPr>
-          <a:xfrm>
-            <a:off x="3836205" y="4078784"/>
-            <a:ext cx="1512168" cy="823301"/>
-          </a:xfrm>
-          <a:prstGeom prst="rect">
-            <a:avLst/>
-          </a:prstGeom>
-        </p:spPr>
-        <p:style>
-          <a:lnRef idx="3">
-            <a:schemeClr val="lt1"/>
-          </a:lnRef>
-          <a:fillRef idx="1">
-            <a:schemeClr val="accent6"/>
-          </a:fillRef>
-          <a:effectRef idx="1">
-            <a:schemeClr val="accent6"/>
-          </a:effectRef>
-          <a:fontRef idx="minor">
-            <a:schemeClr val="lt1"/>
-          </a:fontRef>
-        </p:style>
-        <p:txBody>
-          <a:bodyPr rtlCol="0" anchor="ctr"/>
-          <a:lstStyle/>
-          <a:p>
-            <a:pPr algn="ctr"/>
-            <a:r>
-              <a:rPr lang="fr-FR" dirty="0" smtClean="0"/>
-              <a:t>Report</a:t>
-            </a:r>
-            <a:endParaRPr lang="fr-FR" dirty="0"/>
-          </a:p>
-        </p:txBody>
-      </p:sp>
-      <p:sp>
-        <p:nvSpPr>
-          <p:cNvPr id="21" name="TextBox 20"/>
-          <p:cNvSpPr txBox="1"/>
-          <p:nvPr/>
-        </p:nvSpPr>
-        <p:spPr>
-          <a:xfrm>
-            <a:off x="811869" y="5060233"/>
-            <a:ext cx="4520789" cy="307777"/>
-          </a:xfrm>
-          <a:prstGeom prst="rect">
-            <a:avLst/>
-          </a:prstGeom>
-          <a:noFill/>
-        </p:spPr>
-        <p:txBody>
-          <a:bodyPr wrap="none" rtlCol="0">
-            <a:spAutoFit/>
-          </a:bodyPr>
-          <a:lstStyle/>
-          <a:p>
-            <a:pPr marL="0" marR="0" indent="0" algn="l" defTabSz="914400" rtl="0" eaLnBrk="1" fontAlgn="auto" latinLnBrk="0" hangingPunct="1">
-              <a:lnSpc>
-                <a:spcPct val="100000"/>
-              </a:lnSpc>
-              <a:spcBef>
-                <a:spcPct val="20000"/>
-              </a:spcBef>
-              <a:spcAft>
-                <a:spcPts val="0"/>
-              </a:spcAft>
-              <a:buClrTx/>
-              <a:buSzTx/>
-              <a:buFontTx/>
-              <a:buNone/>
-              <a:tabLst/>
-            </a:pPr>
-            <a:r>
-              <a:rPr lang="fr-FR" sz="1400" b="1" kern="0" dirty="0" smtClean="0">
-                <a:latin typeface="+mn-lt"/>
-                <a:cs typeface="+mn-cs"/>
-              </a:rPr>
-              <a:t>c: FDIR! {</a:t>
-            </a:r>
-            <a:r>
-              <a:rPr lang="fr-FR" sz="1400" b="1" kern="0" dirty="0" err="1" smtClean="0">
-                <a:latin typeface="+mn-lt"/>
-                <a:cs typeface="+mn-cs"/>
-              </a:rPr>
-              <a:t>write</a:t>
-            </a:r>
-            <a:r>
-              <a:rPr lang="fr-FR" sz="1400" b="1" kern="0" dirty="0" smtClean="0">
-                <a:latin typeface="+mn-lt"/>
-                <a:cs typeface="+mn-cs"/>
-              </a:rPr>
-              <a:t> notification, </a:t>
-            </a:r>
-            <a:r>
-              <a:rPr lang="fr-FR" sz="1400" b="1" kern="0" dirty="0" err="1" smtClean="0">
-                <a:latin typeface="+mn-lt"/>
-                <a:cs typeface="+mn-cs"/>
-              </a:rPr>
-              <a:t>write</a:t>
-            </a:r>
-            <a:r>
-              <a:rPr lang="fr-FR" sz="1400" b="1" kern="0" dirty="0" smtClean="0">
-                <a:latin typeface="+mn-lt"/>
-                <a:cs typeface="+mn-cs"/>
-              </a:rPr>
-              <a:t> </a:t>
-            </a:r>
-            <a:r>
-              <a:rPr lang="fr-FR" sz="1400" b="1" kern="0" dirty="0" err="1" smtClean="0">
-                <a:latin typeface="+mn-lt"/>
-                <a:cs typeface="+mn-cs"/>
-              </a:rPr>
-              <a:t>unresolvable</a:t>
-            </a:r>
-            <a:r>
-              <a:rPr lang="fr-FR" sz="1400" b="1" kern="0" dirty="0" smtClean="0">
-                <a:latin typeface="+mn-lt"/>
-                <a:cs typeface="+mn-cs"/>
-              </a:rPr>
-              <a:t> conditions}</a:t>
-            </a:r>
-            <a:endParaRPr kumimoji="0" lang="fr-FR" sz="1400" b="1" i="0" u="none" strike="noStrike" kern="0" cap="none" spc="0" normalizeH="0" baseline="0" noProof="0" dirty="0" smtClean="0">
-              <a:ln>
-                <a:noFill/>
-              </a:ln>
-              <a:effectLst/>
-              <a:uLnTx/>
-              <a:uFillTx/>
-              <a:latin typeface="+mn-lt"/>
-              <a:ea typeface="+mn-ea"/>
-              <a:cs typeface="+mn-cs"/>
-            </a:endParaRPr>
-          </a:p>
-        </p:txBody>
-      </p:sp>
-      <p:sp>
-        <p:nvSpPr>
-          <p:cNvPr id="22" name="Text Placeholder 48"/>
-          <p:cNvSpPr txBox="1">
-            <a:spLocks/>
-          </p:cNvSpPr>
-          <p:nvPr/>
-        </p:nvSpPr>
-        <p:spPr>
-          <a:xfrm>
-            <a:off x="3032067" y="3735004"/>
-            <a:ext cx="300082" cy="307777"/>
-          </a:xfrm>
-          <a:prstGeom prst="rect">
-            <a:avLst/>
-          </a:prstGeom>
-          <a:noFill/>
-        </p:spPr>
-        <p:txBody>
-          <a:bodyPr wrap="none" rtlCol="0">
-            <a:spAutoFit/>
-          </a:bodyPr>
-          <a:lstStyle>
-            <a:lvl1pPr marL="0" indent="354013" algn="l" rtl="0" eaLnBrk="0" fontAlgn="base" hangingPunct="0">
-              <a:spcBef>
-                <a:spcPct val="20000"/>
-              </a:spcBef>
-              <a:spcAft>
-                <a:spcPct val="0"/>
-              </a:spcAft>
-              <a:buClr>
-                <a:srgbClr xmlns:mc="http://schemas.openxmlformats.org/markup-compatibility/2006" xmlns:a14="http://schemas.microsoft.com/office/drawing/2007/7/7/main" val="DA7E18" mc:Ignorable=""/>
-              </a:buClr>
-              <a:buSzPct val="70000"/>
-              <a:buFont typeface="Wingdings" pitchFamily="2" charset="2"/>
-              <a:buChar char="q"/>
-              <a:defRPr lang="fr-FR" sz="2400" baseline="0">
-                <a:solidFill>
-                  <a:schemeClr val="tx1"/>
-                </a:solidFill>
-                <a:latin typeface="+mn-lt"/>
-                <a:ea typeface="+mn-ea"/>
-                <a:cs typeface="+mn-cs"/>
-              </a:defRPr>
-            </a:lvl1pPr>
-            <a:lvl2pPr marL="742950" indent="-285750" algn="l" rtl="0" eaLnBrk="0" fontAlgn="base" hangingPunct="0">
-              <a:spcBef>
-                <a:spcPct val="20000"/>
-              </a:spcBef>
-              <a:spcAft>
-                <a:spcPct val="0"/>
-              </a:spcAft>
-              <a:buClr>
-                <a:srgbClr xmlns:mc="http://schemas.openxmlformats.org/markup-compatibility/2006" xmlns:a14="http://schemas.microsoft.com/office/drawing/2007/7/7/main" val="E5AB1B" mc:Ignorable=""/>
-              </a:buClr>
-              <a:buSzPct val="70000"/>
-              <a:buFont typeface="Wingdings" pitchFamily="2" charset="2"/>
-              <a:buChar char="q"/>
-              <a:defRPr lang="fr-FR" sz="2000">
-                <a:solidFill>
-                  <a:schemeClr val="tx1">
-                    <a:lumMod val="75000"/>
-                    <a:lumOff val="25000"/>
-                  </a:schemeClr>
-                </a:solidFill>
-                <a:latin typeface="+mn-lt"/>
-                <a:ea typeface="+mn-ea"/>
-                <a:cs typeface="+mn-cs"/>
-              </a:defRPr>
-            </a:lvl2pPr>
-            <a:lvl3pPr marL="1143000" indent="-228600" algn="l" rtl="0" eaLnBrk="0" fontAlgn="base" hangingPunct="0">
-              <a:spcBef>
-                <a:spcPct val="20000"/>
-              </a:spcBef>
-              <a:spcAft>
-                <a:spcPct val="0"/>
-              </a:spcAft>
-              <a:buChar char="•"/>
-              <a:defRPr lang="fr-FR" sz="1600">
-                <a:solidFill>
-                  <a:schemeClr val="tx1">
-                    <a:lumMod val="65000"/>
-                    <a:lumOff val="35000"/>
-                  </a:schemeClr>
-                </a:solidFill>
-                <a:latin typeface="+mn-lt"/>
-                <a:ea typeface="+mn-ea"/>
-                <a:cs typeface="+mn-cs"/>
-              </a:defRPr>
-            </a:lvl3pPr>
-            <a:lvl4pPr marL="1600200" indent="-228600" algn="l" rtl="0" eaLnBrk="0" fontAlgn="base" hangingPunct="0">
-              <a:spcBef>
-                <a:spcPct val="20000"/>
-              </a:spcBef>
-              <a:spcAft>
-                <a:spcPct val="0"/>
-              </a:spcAft>
-              <a:buChar char="–"/>
-              <a:defRPr lang="fr-FR" sz="1100">
-                <a:solidFill>
-                  <a:schemeClr val="tx1"/>
-                </a:solidFill>
-                <a:latin typeface="+mn-lt"/>
-                <a:ea typeface="+mn-ea"/>
-                <a:cs typeface="+mn-cs"/>
-              </a:defRPr>
-            </a:lvl4pPr>
-            <a:lvl5pPr marL="2057400" indent="-228600" algn="l" rtl="0" eaLnBrk="0" fontAlgn="base" hangingPunct="0">
-              <a:spcBef>
-                <a:spcPct val="20000"/>
-              </a:spcBef>
-              <a:spcAft>
-                <a:spcPct val="0"/>
-              </a:spcAft>
-              <a:buChar char="»"/>
-              <a:defRPr lang="fr-FR" sz="1100">
-                <a:solidFill>
-                  <a:schemeClr val="tx1"/>
-                </a:solidFill>
-                <a:latin typeface="+mn-lt"/>
-                <a:ea typeface="+mn-ea"/>
-                <a:cs typeface="+mn-cs"/>
-              </a:defRPr>
-            </a:lvl5pPr>
-            <a:lvl6pPr marL="2514600" indent="-228600" algn="l" rtl="0" eaLnBrk="1" latinLnBrk="0" hangingPunct="1">
-              <a:spcBef>
-                <a:spcPct val="20000"/>
-              </a:spcBef>
-              <a:buChar char="•"/>
-              <a:defRPr kumimoji="0" lang="fr-FR" sz="2000">
-                <a:solidFill>
-                  <a:schemeClr val="tx1"/>
-                </a:solidFill>
-                <a:latin typeface="+mn-lt"/>
-                <a:ea typeface="+mn-ea"/>
-                <a:cs typeface="+mn-cs"/>
-              </a:defRPr>
-            </a:lvl6pPr>
-            <a:lvl7pPr marL="2971800" indent="-228600" algn="l" rtl="0" eaLnBrk="1" latinLnBrk="0" hangingPunct="1">
-              <a:spcBef>
-                <a:spcPct val="20000"/>
-              </a:spcBef>
-              <a:buChar char="•"/>
-              <a:defRPr kumimoji="0" lang="fr-FR" sz="2000">
-                <a:solidFill>
-                  <a:schemeClr val="tx1"/>
-                </a:solidFill>
-                <a:latin typeface="+mn-lt"/>
-                <a:ea typeface="+mn-ea"/>
-                <a:cs typeface="+mn-cs"/>
-              </a:defRPr>
-            </a:lvl7pPr>
-            <a:lvl8pPr marL="3429000" indent="-228600" algn="l" rtl="0" eaLnBrk="1" latinLnBrk="0" hangingPunct="1">
-              <a:spcBef>
-                <a:spcPct val="20000"/>
-              </a:spcBef>
-              <a:buChar char="•"/>
-              <a:defRPr kumimoji="0" lang="fr-FR" sz="2000">
-                <a:solidFill>
-                  <a:schemeClr val="tx1"/>
-                </a:solidFill>
-                <a:latin typeface="+mn-lt"/>
-                <a:ea typeface="+mn-ea"/>
-                <a:cs typeface="+mn-cs"/>
-              </a:defRPr>
-            </a:lvl8pPr>
-            <a:lvl9pPr marL="3886200" indent="-228600" algn="l" rtl="0" eaLnBrk="1" latinLnBrk="0" hangingPunct="1">
-              <a:spcBef>
-                <a:spcPct val="20000"/>
-              </a:spcBef>
-              <a:buChar char="•"/>
-              <a:defRPr kumimoji="0" lang="fr-FR" sz="2000">
-                <a:solidFill>
-                  <a:schemeClr val="tx1"/>
-                </a:solidFill>
-                <a:latin typeface="+mn-lt"/>
-                <a:ea typeface="+mn-ea"/>
-                <a:cs typeface="+mn-cs"/>
-              </a:defRPr>
-            </a:lvl9pPr>
-          </a:lstStyle>
-          <a:p>
-            <a:pPr indent="0" eaLnBrk="1" fontAlgn="auto" hangingPunct="1">
-              <a:spcAft>
-                <a:spcPts val="0"/>
-              </a:spcAft>
-              <a:buClrTx/>
-              <a:buSzTx/>
-              <a:buFontTx/>
-              <a:buNone/>
-            </a:pPr>
-            <a:r>
-              <a:rPr lang="fr-FR" sz="1400" b="1" dirty="0"/>
-              <a:t>c</a:t>
-            </a:r>
-            <a:r>
-              <a:rPr lang="fr-FR" sz="1400" b="1" dirty="0" smtClean="0"/>
-              <a:t> </a:t>
-            </a:r>
-          </a:p>
-        </p:txBody>
-      </p:sp>
-      <p:sp>
-        <p:nvSpPr>
-          <p:cNvPr id="23" name="Text Placeholder 48"/>
-          <p:cNvSpPr txBox="1">
-            <a:spLocks/>
-          </p:cNvSpPr>
-          <p:nvPr/>
-        </p:nvSpPr>
-        <p:spPr>
-          <a:xfrm>
-            <a:off x="2867211" y="2582876"/>
-            <a:ext cx="320922" cy="307777"/>
-          </a:xfrm>
-          <a:prstGeom prst="rect">
-            <a:avLst/>
-          </a:prstGeom>
-          <a:noFill/>
-        </p:spPr>
-        <p:txBody>
-          <a:bodyPr wrap="none" rtlCol="0">
-            <a:spAutoFit/>
-          </a:bodyPr>
-          <a:lstStyle>
-            <a:lvl1pPr marL="0" indent="354013" algn="l" rtl="0" eaLnBrk="0" fontAlgn="base" hangingPunct="0">
-              <a:spcBef>
-                <a:spcPct val="20000"/>
-              </a:spcBef>
-              <a:spcAft>
-                <a:spcPct val="0"/>
-              </a:spcAft>
-              <a:buClr>
-                <a:srgbClr xmlns:mc="http://schemas.openxmlformats.org/markup-compatibility/2006" xmlns:a14="http://schemas.microsoft.com/office/drawing/2007/7/7/main" val="DA7E18" mc:Ignorable=""/>
-              </a:buClr>
-              <a:buSzPct val="70000"/>
-              <a:buFont typeface="Wingdings" pitchFamily="2" charset="2"/>
-              <a:buChar char="q"/>
-              <a:defRPr lang="fr-FR" sz="2400" baseline="0">
-                <a:solidFill>
-                  <a:schemeClr val="tx1"/>
-                </a:solidFill>
-                <a:latin typeface="+mn-lt"/>
-                <a:ea typeface="+mn-ea"/>
-                <a:cs typeface="+mn-cs"/>
-              </a:defRPr>
-            </a:lvl1pPr>
-            <a:lvl2pPr marL="742950" indent="-285750" algn="l" rtl="0" eaLnBrk="0" fontAlgn="base" hangingPunct="0">
-              <a:spcBef>
-                <a:spcPct val="20000"/>
-              </a:spcBef>
-              <a:spcAft>
-                <a:spcPct val="0"/>
-              </a:spcAft>
-              <a:buClr>
-                <a:srgbClr xmlns:mc="http://schemas.openxmlformats.org/markup-compatibility/2006" xmlns:a14="http://schemas.microsoft.com/office/drawing/2007/7/7/main" val="E5AB1B" mc:Ignorable=""/>
-              </a:buClr>
-              <a:buSzPct val="70000"/>
-              <a:buFont typeface="Wingdings" pitchFamily="2" charset="2"/>
-              <a:buChar char="q"/>
-              <a:defRPr lang="fr-FR" sz="2000">
-                <a:solidFill>
-                  <a:schemeClr val="tx1">
-                    <a:lumMod val="75000"/>
-                    <a:lumOff val="25000"/>
-                  </a:schemeClr>
-                </a:solidFill>
-                <a:latin typeface="+mn-lt"/>
-                <a:ea typeface="+mn-ea"/>
-                <a:cs typeface="+mn-cs"/>
-              </a:defRPr>
-            </a:lvl2pPr>
-            <a:lvl3pPr marL="1143000" indent="-228600" algn="l" rtl="0" eaLnBrk="0" fontAlgn="base" hangingPunct="0">
-              <a:spcBef>
-                <a:spcPct val="20000"/>
-              </a:spcBef>
-              <a:spcAft>
-                <a:spcPct val="0"/>
-              </a:spcAft>
-              <a:buChar char="•"/>
-              <a:defRPr lang="fr-FR" sz="1600">
-                <a:solidFill>
-                  <a:schemeClr val="tx1">
-                    <a:lumMod val="65000"/>
-                    <a:lumOff val="35000"/>
-                  </a:schemeClr>
-                </a:solidFill>
-                <a:latin typeface="+mn-lt"/>
-                <a:ea typeface="+mn-ea"/>
-                <a:cs typeface="+mn-cs"/>
-              </a:defRPr>
-            </a:lvl3pPr>
-            <a:lvl4pPr marL="1600200" indent="-228600" algn="l" rtl="0" eaLnBrk="0" fontAlgn="base" hangingPunct="0">
-              <a:spcBef>
-                <a:spcPct val="20000"/>
-              </a:spcBef>
-              <a:spcAft>
-                <a:spcPct val="0"/>
-              </a:spcAft>
-              <a:buChar char="–"/>
-              <a:defRPr lang="fr-FR" sz="1100">
-                <a:solidFill>
-                  <a:schemeClr val="tx1"/>
-                </a:solidFill>
-                <a:latin typeface="+mn-lt"/>
-                <a:ea typeface="+mn-ea"/>
-                <a:cs typeface="+mn-cs"/>
-              </a:defRPr>
-            </a:lvl4pPr>
-            <a:lvl5pPr marL="2057400" indent="-228600" algn="l" rtl="0" eaLnBrk="0" fontAlgn="base" hangingPunct="0">
-              <a:spcBef>
-                <a:spcPct val="20000"/>
-              </a:spcBef>
-              <a:spcAft>
-                <a:spcPct val="0"/>
-              </a:spcAft>
-              <a:buChar char="»"/>
-              <a:defRPr lang="fr-FR" sz="1100">
-                <a:solidFill>
-                  <a:schemeClr val="tx1"/>
-                </a:solidFill>
-                <a:latin typeface="+mn-lt"/>
-                <a:ea typeface="+mn-ea"/>
-                <a:cs typeface="+mn-cs"/>
-              </a:defRPr>
-            </a:lvl5pPr>
-            <a:lvl6pPr marL="2514600" indent="-228600" algn="l" rtl="0" eaLnBrk="1" latinLnBrk="0" hangingPunct="1">
-              <a:spcBef>
-                <a:spcPct val="20000"/>
-              </a:spcBef>
-              <a:buChar char="•"/>
-              <a:defRPr kumimoji="0" lang="fr-FR" sz="2000">
-                <a:solidFill>
-                  <a:schemeClr val="tx1"/>
-                </a:solidFill>
-                <a:latin typeface="+mn-lt"/>
-                <a:ea typeface="+mn-ea"/>
-                <a:cs typeface="+mn-cs"/>
-              </a:defRPr>
-            </a:lvl6pPr>
-            <a:lvl7pPr marL="2971800" indent="-228600" algn="l" rtl="0" eaLnBrk="1" latinLnBrk="0" hangingPunct="1">
-              <a:spcBef>
-                <a:spcPct val="20000"/>
-              </a:spcBef>
-              <a:buChar char="•"/>
-              <a:defRPr kumimoji="0" lang="fr-FR" sz="2000">
-                <a:solidFill>
-                  <a:schemeClr val="tx1"/>
-                </a:solidFill>
-                <a:latin typeface="+mn-lt"/>
-                <a:ea typeface="+mn-ea"/>
-                <a:cs typeface="+mn-cs"/>
-              </a:defRPr>
-            </a:lvl7pPr>
-            <a:lvl8pPr marL="3429000" indent="-228600" algn="l" rtl="0" eaLnBrk="1" latinLnBrk="0" hangingPunct="1">
-              <a:spcBef>
-                <a:spcPct val="20000"/>
-              </a:spcBef>
-              <a:buChar char="•"/>
-              <a:defRPr kumimoji="0" lang="fr-FR" sz="2000">
-                <a:solidFill>
-                  <a:schemeClr val="tx1"/>
-                </a:solidFill>
-                <a:latin typeface="+mn-lt"/>
-                <a:ea typeface="+mn-ea"/>
-                <a:cs typeface="+mn-cs"/>
-              </a:defRPr>
-            </a:lvl8pPr>
-            <a:lvl9pPr marL="3886200" indent="-228600" algn="l" rtl="0" eaLnBrk="1" latinLnBrk="0" hangingPunct="1">
-              <a:spcBef>
-                <a:spcPct val="20000"/>
-              </a:spcBef>
-              <a:buChar char="•"/>
-              <a:defRPr kumimoji="0" lang="fr-FR" sz="2000">
-                <a:solidFill>
-                  <a:schemeClr val="tx1"/>
-                </a:solidFill>
-                <a:latin typeface="+mn-lt"/>
-                <a:ea typeface="+mn-ea"/>
-                <a:cs typeface="+mn-cs"/>
-              </a:defRPr>
-            </a:lvl9pPr>
-          </a:lstStyle>
-          <a:p>
-            <a:pPr indent="0" eaLnBrk="1" fontAlgn="auto" hangingPunct="1">
-              <a:spcAft>
-                <a:spcPts val="0"/>
-              </a:spcAft>
-              <a:buClrTx/>
-              <a:buSzTx/>
-              <a:buFontTx/>
-              <a:buNone/>
-            </a:pPr>
-            <a:r>
-              <a:rPr lang="fr-FR" sz="1400" b="1" dirty="0" smtClean="0"/>
-              <a:t>d </a:t>
-            </a:r>
-          </a:p>
-        </p:txBody>
-      </p:sp>
-      <p:sp>
-        <p:nvSpPr>
-          <p:cNvPr id="24" name="TextBox 23"/>
-          <p:cNvSpPr txBox="1"/>
-          <p:nvPr/>
-        </p:nvSpPr>
-        <p:spPr>
-          <a:xfrm>
-            <a:off x="811869" y="5520409"/>
-            <a:ext cx="3853589" cy="307777"/>
-          </a:xfrm>
-          <a:prstGeom prst="rect">
-            <a:avLst/>
-          </a:prstGeom>
-          <a:noFill/>
-        </p:spPr>
-        <p:txBody>
-          <a:bodyPr wrap="none" rtlCol="0">
-            <a:spAutoFit/>
-          </a:bodyPr>
-          <a:lstStyle/>
-          <a:p>
-            <a:pPr marL="0" marR="0" indent="0" algn="l" defTabSz="914400" rtl="0" eaLnBrk="1" fontAlgn="auto" latinLnBrk="0" hangingPunct="1">
-              <a:lnSpc>
-                <a:spcPct val="100000"/>
-              </a:lnSpc>
-              <a:spcBef>
-                <a:spcPct val="20000"/>
-              </a:spcBef>
-              <a:spcAft>
-                <a:spcPts val="0"/>
-              </a:spcAft>
-              <a:buClrTx/>
-              <a:buSzTx/>
-              <a:buFontTx/>
-              <a:buNone/>
-              <a:tabLst/>
-            </a:pPr>
-            <a:r>
-              <a:rPr lang="fr-FR" sz="1400" b="1" kern="0" dirty="0" smtClean="0">
-                <a:latin typeface="+mn-lt"/>
-                <a:cs typeface="+mn-cs"/>
-              </a:rPr>
-              <a:t>d: FDIR Storage System! {</a:t>
-            </a:r>
-            <a:r>
-              <a:rPr lang="fr-FR" sz="1400" b="1" kern="0" dirty="0" err="1" smtClean="0">
-                <a:latin typeface="+mn-lt"/>
-                <a:cs typeface="+mn-cs"/>
-              </a:rPr>
-              <a:t>send</a:t>
-            </a:r>
-            <a:r>
-              <a:rPr lang="fr-FR" sz="1400" b="1" kern="0" dirty="0" smtClean="0">
-                <a:latin typeface="+mn-lt"/>
-                <a:cs typeface="+mn-cs"/>
-              </a:rPr>
-              <a:t> </a:t>
-            </a:r>
-            <a:r>
-              <a:rPr lang="fr-FR" sz="1400" b="1" kern="0" dirty="0" err="1" smtClean="0">
-                <a:latin typeface="+mn-lt"/>
-                <a:cs typeface="+mn-cs"/>
-              </a:rPr>
-              <a:t>device</a:t>
-            </a:r>
-            <a:r>
-              <a:rPr lang="fr-FR" sz="1400" b="1" kern="0" dirty="0" smtClean="0">
-                <a:latin typeface="+mn-lt"/>
-                <a:cs typeface="+mn-cs"/>
-              </a:rPr>
-              <a:t>, </a:t>
-            </a:r>
-            <a:r>
-              <a:rPr lang="fr-FR" sz="1400" b="1" kern="0" dirty="0" err="1" smtClean="0">
-                <a:latin typeface="+mn-lt"/>
-                <a:cs typeface="+mn-cs"/>
-              </a:rPr>
-              <a:t>send</a:t>
-            </a:r>
-            <a:r>
-              <a:rPr lang="fr-FR" sz="1400" b="1" kern="0" dirty="0" smtClean="0">
-                <a:latin typeface="+mn-lt"/>
-                <a:cs typeface="+mn-cs"/>
-              </a:rPr>
-              <a:t> value}</a:t>
-            </a:r>
-            <a:endParaRPr kumimoji="0" lang="fr-FR" sz="1400" b="1" i="0" u="none" strike="noStrike" kern="0" cap="none" spc="0" normalizeH="0" baseline="0" noProof="0" dirty="0" smtClean="0">
-              <a:ln>
-                <a:noFill/>
-              </a:ln>
-              <a:effectLst/>
-              <a:uLnTx/>
-              <a:uFillTx/>
-              <a:latin typeface="+mn-lt"/>
-              <a:ea typeface="+mn-ea"/>
-              <a:cs typeface="+mn-cs"/>
-            </a:endParaRPr>
-          </a:p>
-        </p:txBody>
-      </p:sp>
-      <p:sp>
-        <p:nvSpPr>
-          <p:cNvPr id="25" name="TextBox 24"/>
-          <p:cNvSpPr txBox="1"/>
-          <p:nvPr/>
-        </p:nvSpPr>
-        <p:spPr>
-          <a:xfrm>
-            <a:off x="5348373" y="5520408"/>
-            <a:ext cx="3562194" cy="307777"/>
-          </a:xfrm>
-          <a:prstGeom prst="rect">
-            <a:avLst/>
-          </a:prstGeom>
-          <a:noFill/>
-        </p:spPr>
-        <p:txBody>
-          <a:bodyPr wrap="none" rtlCol="0">
-            <a:spAutoFit/>
-          </a:bodyPr>
-          <a:lstStyle/>
-          <a:p>
-            <a:pPr marL="0" marR="0" indent="0" algn="l" defTabSz="914400" rtl="0" eaLnBrk="1" fontAlgn="auto" latinLnBrk="0" hangingPunct="1">
-              <a:lnSpc>
-                <a:spcPct val="100000"/>
-              </a:lnSpc>
-              <a:spcBef>
-                <a:spcPct val="20000"/>
-              </a:spcBef>
-              <a:spcAft>
-                <a:spcPts val="0"/>
-              </a:spcAft>
-              <a:buClrTx/>
-              <a:buSzTx/>
-              <a:buFontTx/>
-              <a:buNone/>
-              <a:tabLst/>
-            </a:pPr>
-            <a:r>
-              <a:rPr lang="fr-FR" sz="1400" b="1" kern="0" dirty="0" smtClean="0">
-                <a:latin typeface="+mn-lt"/>
-                <a:cs typeface="+mn-cs"/>
-              </a:rPr>
-              <a:t>a: FDIR Storage System! {</a:t>
-            </a:r>
-            <a:r>
-              <a:rPr lang="fr-FR" sz="1400" b="1" kern="0" dirty="0" err="1" smtClean="0">
-                <a:latin typeface="+mn-lt"/>
-                <a:cs typeface="+mn-cs"/>
-              </a:rPr>
-              <a:t>device</a:t>
-            </a:r>
-            <a:r>
-              <a:rPr lang="fr-FR" sz="1400" b="1" kern="0" dirty="0" smtClean="0">
-                <a:latin typeface="+mn-lt"/>
-                <a:cs typeface="+mn-cs"/>
-              </a:rPr>
-              <a:t>, value, time} </a:t>
-            </a:r>
-            <a:endParaRPr kumimoji="0" lang="fr-FR" sz="1400" b="1" i="0" u="none" strike="noStrike" kern="0" cap="none" spc="0" normalizeH="0" baseline="0" noProof="0" dirty="0" smtClean="0">
-              <a:ln>
-                <a:noFill/>
-              </a:ln>
-              <a:effectLst/>
-              <a:uLnTx/>
-              <a:uFillTx/>
-              <a:latin typeface="+mn-lt"/>
-              <a:ea typeface="+mn-ea"/>
-              <a:cs typeface="+mn-cs"/>
-            </a:endParaRPr>
-          </a:p>
-        </p:txBody>
-      </p:sp>
-    </p:spTree>
-    <p:extLst>
-      <p:ext uri="{BB962C8B-B14F-4D97-AF65-F5344CB8AC3E}">
-        <p14:creationId xmlns:p14="http://schemas.microsoft.com/office/powerpoint/2007/7/12/main" val="4144121202"/>
-      </p:ext>
-    </p:extLst>
-  </p:cSld>
-  <p:clrMapOvr>
-    <a:masterClrMapping/>
-  </p:clrMapOvr>
-  <p:timing>
-    <p:tnLst>
-      <p:par>
-        <p:cTn xmlns:p14="http://schemas.microsoft.com/office/powerpoint/2007/7/12/main" id="1" dur="indefinite" restart="never" nodeType="tmRoot"/>
-      </p:par>
-    </p:tnLst>
-  </p:timing>
-</p:sld>
-</file>
-
-<file path=ppt/slides/slide9.xml><?xml version="1.0" encoding="utf-8"?>
-<p:sld xmlns:a="http://schemas.openxmlformats.org/drawingml/2006/main" xmlns:r="http://schemas.openxmlformats.org/officeDocument/2006/relationships" xmlns:p="http://schemas.openxmlformats.org/presentationml/2006/main">
-  <p:cSld>
-    <p:spTree>
-      <p:nvGrpSpPr>
-        <p:cNvPr id="1" name=""/>
-        <p:cNvGrpSpPr/>
-        <p:nvPr/>
-      </p:nvGrpSpPr>
-      <p:grpSpPr>
-        <a:xfrm>
-          <a:off x="0" y="0"/>
-          <a:ext cx="0" cy="0"/>
-          <a:chOff x="0" y="0"/>
-          <a:chExt cx="0" cy="0"/>
-        </a:xfrm>
-      </p:grpSpPr>
-      <p:sp>
-        <p:nvSpPr>
-          <p:cNvPr id="2" name="Title 1"/>
-          <p:cNvSpPr>
-            <a:spLocks noGrp="1"/>
-          </p:cNvSpPr>
-          <p:nvPr>
-            <p:ph type="ctrTitle"/>
-          </p:nvPr>
-        </p:nvSpPr>
-        <p:spPr/>
-        <p:txBody>
-          <a:bodyPr/>
-          <a:lstStyle/>
-          <a:p>
-            <a:r>
               <a:rPr lang="fr-FR" dirty="0" err="1"/>
               <a:t>Problem</a:t>
             </a:r>
@@ -23613,6 +21528,485 @@
     <p:extLst>
       <p:ext uri="{BB962C8B-B14F-4D97-AF65-F5344CB8AC3E}">
         <p14:creationId xmlns:p14="http://schemas.microsoft.com/office/powerpoint/2007/7/12/main" val="4039325657"/>
+      </p:ext>
+    </p:extLst>
+  </p:cSld>
+  <p:clrMapOvr>
+    <a:masterClrMapping/>
+  </p:clrMapOvr>
+  <p:timing>
+    <p:tnLst>
+      <p:par>
+        <p:cTn xmlns:p14="http://schemas.microsoft.com/office/powerpoint/2007/7/12/main" id="1" dur="indefinite" restart="never" nodeType="tmRoot"/>
+      </p:par>
+    </p:tnLst>
+  </p:timing>
+</p:sld>
+</file>
+
+<file path=ppt/slides/slide9.xml><?xml version="1.0" encoding="utf-8"?>
+<p:sld xmlns:a="http://schemas.openxmlformats.org/drawingml/2006/main" xmlns:r="http://schemas.openxmlformats.org/officeDocument/2006/relationships" xmlns:p="http://schemas.openxmlformats.org/presentationml/2006/main">
+  <p:cSld>
+    <p:spTree>
+      <p:nvGrpSpPr>
+        <p:cNvPr id="1" name=""/>
+        <p:cNvGrpSpPr/>
+        <p:nvPr/>
+      </p:nvGrpSpPr>
+      <p:grpSpPr>
+        <a:xfrm>
+          <a:off x="0" y="0"/>
+          <a:ext cx="0" cy="0"/>
+          <a:chOff x="0" y="0"/>
+          <a:chExt cx="0" cy="0"/>
+        </a:xfrm>
+      </p:grpSpPr>
+      <p:sp>
+        <p:nvSpPr>
+          <p:cNvPr id="4" name="Text Placeholder 3"/>
+          <p:cNvSpPr>
+            <a:spLocks noGrp="1"/>
+          </p:cNvSpPr>
+          <p:nvPr>
+            <p:ph type="body" sz="quarter" idx="10"/>
+          </p:nvPr>
+        </p:nvSpPr>
+        <p:spPr>
+          <a:xfrm>
+            <a:off x="168494" y="773824"/>
+            <a:ext cx="7643866" cy="1143008"/>
+          </a:xfrm>
+        </p:spPr>
+        <p:txBody>
+          <a:bodyPr/>
+          <a:lstStyle/>
+          <a:p>
+            <a:r>
+              <a:rPr lang="fr-FR" dirty="0" smtClean="0"/>
+              <a:t>2. </a:t>
+            </a:r>
+            <a:r>
+              <a:rPr lang="fr-FR" dirty="0" err="1" smtClean="0"/>
+              <a:t>Functional</a:t>
+            </a:r>
+            <a:r>
+              <a:rPr lang="fr-FR" dirty="0" smtClean="0"/>
+              <a:t> </a:t>
+            </a:r>
+            <a:r>
+              <a:rPr lang="fr-FR" dirty="0" err="1" smtClean="0"/>
+              <a:t>requirements</a:t>
+            </a:r>
+            <a:endParaRPr lang="fr-FR" dirty="0" smtClean="0"/>
+          </a:p>
+          <a:p>
+            <a:pPr lvl="1" indent="0">
+              <a:buNone/>
+            </a:pPr>
+            <a:r>
+              <a:rPr lang="fr-FR" sz="2400" i="1" dirty="0" smtClean="0"/>
+              <a:t>Use-case &amp; </a:t>
+            </a:r>
+            <a:r>
+              <a:rPr lang="fr-FR" sz="2400" i="1" dirty="0" err="1" smtClean="0"/>
+              <a:t>sequences</a:t>
+            </a:r>
+            <a:r>
+              <a:rPr lang="fr-FR" sz="2400" i="1" dirty="0" smtClean="0"/>
+              <a:t> </a:t>
+            </a:r>
+            <a:r>
+              <a:rPr lang="fr-FR" sz="2400" i="1" dirty="0" err="1" smtClean="0"/>
+              <a:t>diagrams</a:t>
+            </a:r>
+            <a:endParaRPr lang="fr-FR" sz="2400" i="1" dirty="0" smtClean="0"/>
+          </a:p>
+        </p:txBody>
+      </p:sp>
+      <p:sp>
+        <p:nvSpPr>
+          <p:cNvPr id="7" name="Espace réservé du texte 2"/>
+          <p:cNvSpPr txBox="1">
+            <a:spLocks/>
+          </p:cNvSpPr>
+          <p:nvPr/>
+        </p:nvSpPr>
+        <p:spPr bwMode="auto">
+          <a:xfrm>
+            <a:off x="827584" y="2924944"/>
+            <a:ext cx="7671197" cy="3071834"/>
+          </a:xfrm>
+          <a:prstGeom prst="rect">
+            <a:avLst/>
+          </a:prstGeom>
+          <a:noFill/>
+          <a:ln>
+            <a:miter lim="800000"/>
+            <a:headEnd/>
+            <a:tailEnd/>
+          </a:ln>
+        </p:spPr>
+        <p:txBody>
+          <a:bodyPr vert="horz" wrap="square" lIns="91440" tIns="45720" rIns="91440" bIns="45720" numCol="1" anchor="t" anchorCtr="0" compatLnSpc="1"/>
+          <a:lstStyle>
+            <a:lvl1pPr marL="0" indent="0" algn="l" rtl="0" eaLnBrk="0" fontAlgn="base" hangingPunct="0">
+              <a:spcBef>
+                <a:spcPct val="20000"/>
+              </a:spcBef>
+              <a:spcAft>
+                <a:spcPct val="0"/>
+              </a:spcAft>
+              <a:buNone/>
+              <a:defRPr lang="fr-FR" sz="3600" b="0" cap="none" spc="0">
+                <a:ln w="18415" cmpd="sng">
+                  <a:solidFill>
+                    <a:srgbClr xmlns:mc="http://schemas.openxmlformats.org/markup-compatibility/2006" xmlns:a14="http://schemas.microsoft.com/office/drawing/2007/7/7/main" val="FFFFFF" mc:Ignorable=""/>
+                  </a:solidFill>
+                  <a:prstDash val="solid"/>
+                </a:ln>
+                <a:solidFill>
+                  <a:srgbClr xmlns:mc="http://schemas.openxmlformats.org/markup-compatibility/2006" xmlns:a14="http://schemas.microsoft.com/office/drawing/2007/7/7/main" val="FFFFFF" mc:Ignorable=""/>
+                </a:solidFill>
+                <a:effectLst>
+                  <a:outerShdw blurRad="63500" dir="3600000" algn="tl" rotWithShape="0">
+                    <a:srgbClr xmlns:mc="http://schemas.openxmlformats.org/markup-compatibility/2006" xmlns:a14="http://schemas.microsoft.com/office/drawing/2007/7/7/main" val="000000" mc:Ignorable="">
+                      <a:alpha val="70000"/>
+                    </a:srgbClr>
+                  </a:outerShdw>
+                </a:effectLst>
+                <a:latin typeface="+mn-lt"/>
+                <a:ea typeface="+mn-ea"/>
+                <a:cs typeface="+mn-cs"/>
+              </a:defRPr>
+            </a:lvl1pPr>
+            <a:lvl2pPr marL="742950" indent="-285750" algn="l" rtl="0" eaLnBrk="0" fontAlgn="base" hangingPunct="0">
+              <a:spcBef>
+                <a:spcPct val="20000"/>
+              </a:spcBef>
+              <a:spcAft>
+                <a:spcPct val="0"/>
+              </a:spcAft>
+              <a:buChar char="–"/>
+              <a:defRPr lang="fr-FR" sz="1100">
+                <a:solidFill>
+                  <a:schemeClr val="tx1"/>
+                </a:solidFill>
+                <a:latin typeface="+mn-lt"/>
+                <a:ea typeface="+mn-ea"/>
+                <a:cs typeface="+mn-cs"/>
+              </a:defRPr>
+            </a:lvl2pPr>
+            <a:lvl3pPr marL="1143000" indent="-228600" algn="l" rtl="0" eaLnBrk="0" fontAlgn="base" hangingPunct="0">
+              <a:spcBef>
+                <a:spcPct val="20000"/>
+              </a:spcBef>
+              <a:spcAft>
+                <a:spcPct val="0"/>
+              </a:spcAft>
+              <a:buChar char="•"/>
+              <a:defRPr lang="fr-FR" sz="1100">
+                <a:solidFill>
+                  <a:schemeClr val="tx1"/>
+                </a:solidFill>
+                <a:latin typeface="+mn-lt"/>
+                <a:ea typeface="+mn-ea"/>
+                <a:cs typeface="+mn-cs"/>
+              </a:defRPr>
+            </a:lvl3pPr>
+            <a:lvl4pPr marL="1600200" indent="-228600" algn="l" rtl="0" eaLnBrk="0" fontAlgn="base" hangingPunct="0">
+              <a:spcBef>
+                <a:spcPct val="20000"/>
+              </a:spcBef>
+              <a:spcAft>
+                <a:spcPct val="0"/>
+              </a:spcAft>
+              <a:buChar char="–"/>
+              <a:defRPr lang="fr-FR" sz="1100">
+                <a:solidFill>
+                  <a:schemeClr val="tx1"/>
+                </a:solidFill>
+                <a:latin typeface="+mn-lt"/>
+                <a:ea typeface="+mn-ea"/>
+                <a:cs typeface="+mn-cs"/>
+              </a:defRPr>
+            </a:lvl4pPr>
+            <a:lvl5pPr marL="2057400" indent="-228600" algn="l" rtl="0" eaLnBrk="0" fontAlgn="base" hangingPunct="0">
+              <a:spcBef>
+                <a:spcPct val="20000"/>
+              </a:spcBef>
+              <a:spcAft>
+                <a:spcPct val="0"/>
+              </a:spcAft>
+              <a:buChar char="»"/>
+              <a:defRPr lang="fr-FR" sz="1100">
+                <a:solidFill>
+                  <a:schemeClr val="tx1"/>
+                </a:solidFill>
+                <a:latin typeface="+mn-lt"/>
+                <a:ea typeface="+mn-ea"/>
+                <a:cs typeface="+mn-cs"/>
+              </a:defRPr>
+            </a:lvl5pPr>
+            <a:lvl6pPr marL="2514600" indent="-228600" algn="l" rtl="0" eaLnBrk="1" latinLnBrk="0" hangingPunct="1">
+              <a:spcBef>
+                <a:spcPct val="20000"/>
+              </a:spcBef>
+              <a:buChar char="•"/>
+              <a:defRPr kumimoji="0" lang="fr-FR" sz="2000">
+                <a:solidFill>
+                  <a:schemeClr val="tx1"/>
+                </a:solidFill>
+                <a:latin typeface="+mn-lt"/>
+                <a:ea typeface="+mn-ea"/>
+                <a:cs typeface="+mn-cs"/>
+              </a:defRPr>
+            </a:lvl6pPr>
+            <a:lvl7pPr marL="2971800" indent="-228600" algn="l" rtl="0" eaLnBrk="1" latinLnBrk="0" hangingPunct="1">
+              <a:spcBef>
+                <a:spcPct val="20000"/>
+              </a:spcBef>
+              <a:buChar char="•"/>
+              <a:defRPr kumimoji="0" lang="fr-FR" sz="2000">
+                <a:solidFill>
+                  <a:schemeClr val="tx1"/>
+                </a:solidFill>
+                <a:latin typeface="+mn-lt"/>
+                <a:ea typeface="+mn-ea"/>
+                <a:cs typeface="+mn-cs"/>
+              </a:defRPr>
+            </a:lvl7pPr>
+            <a:lvl8pPr marL="3429000" indent="-228600" algn="l" rtl="0" eaLnBrk="1" latinLnBrk="0" hangingPunct="1">
+              <a:spcBef>
+                <a:spcPct val="20000"/>
+              </a:spcBef>
+              <a:buChar char="•"/>
+              <a:defRPr kumimoji="0" lang="fr-FR" sz="2000">
+                <a:solidFill>
+                  <a:schemeClr val="tx1"/>
+                </a:solidFill>
+                <a:latin typeface="+mn-lt"/>
+                <a:ea typeface="+mn-ea"/>
+                <a:cs typeface="+mn-cs"/>
+              </a:defRPr>
+            </a:lvl8pPr>
+            <a:lvl9pPr marL="3886200" indent="-228600" algn="l" rtl="0" eaLnBrk="1" latinLnBrk="0" hangingPunct="1">
+              <a:spcBef>
+                <a:spcPct val="20000"/>
+              </a:spcBef>
+              <a:buChar char="•"/>
+              <a:defRPr kumimoji="0" lang="fr-FR" sz="2000">
+                <a:solidFill>
+                  <a:schemeClr val="tx1"/>
+                </a:solidFill>
+                <a:latin typeface="+mn-lt"/>
+                <a:ea typeface="+mn-ea"/>
+                <a:cs typeface="+mn-cs"/>
+              </a:defRPr>
+            </a:lvl9pPr>
+          </a:lstStyle>
+          <a:p>
+            <a:pPr indent="273050" eaLnBrk="1" hangingPunct="1">
+              <a:buClr>
+                <a:srgbClr xmlns:mc="http://schemas.openxmlformats.org/markup-compatibility/2006" xmlns:a14="http://schemas.microsoft.com/office/drawing/2007/7/7/main" val="C44F00" mc:Ignorable=""/>
+              </a:buClr>
+              <a:buFont typeface="Calibri" pitchFamily="34" charset="0"/>
+              <a:buAutoNum type="arabicPeriod"/>
+            </a:pPr>
+            <a:r>
+              <a:rPr lang="en-US" altLang="ko-KR" sz="1600" dirty="0" smtClean="0">
+                <a:ln>
+                  <a:noFill/>
+                </a:ln>
+                <a:solidFill>
+                  <a:schemeClr val="tx1"/>
+                </a:solidFill>
+                <a:effectLst/>
+                <a:ea typeface="굴림" charset="-127"/>
+              </a:rPr>
+              <a:t>Problem understanding</a:t>
+            </a:r>
+          </a:p>
+          <a:p>
+            <a:pPr indent="273050" eaLnBrk="1" hangingPunct="1">
+              <a:buClr>
+                <a:srgbClr xmlns:mc="http://schemas.openxmlformats.org/markup-compatibility/2006" xmlns:a14="http://schemas.microsoft.com/office/drawing/2007/7/7/main" val="C44F00" mc:Ignorable=""/>
+              </a:buClr>
+              <a:buFont typeface="Calibri" pitchFamily="34" charset="0"/>
+              <a:buAutoNum type="arabicPeriod"/>
+            </a:pPr>
+            <a:endParaRPr lang="en-US" altLang="ko-KR" sz="1600" dirty="0">
+              <a:ln>
+                <a:noFill/>
+              </a:ln>
+              <a:solidFill>
+                <a:schemeClr val="tx1"/>
+              </a:solidFill>
+              <a:effectLst/>
+              <a:ea typeface="굴림" charset="-127"/>
+            </a:endParaRPr>
+          </a:p>
+          <a:p>
+            <a:pPr indent="273050" eaLnBrk="1" hangingPunct="1">
+              <a:buClr>
+                <a:srgbClr xmlns:mc="http://schemas.openxmlformats.org/markup-compatibility/2006" xmlns:a14="http://schemas.microsoft.com/office/drawing/2007/7/7/main" val="C44F00" mc:Ignorable=""/>
+              </a:buClr>
+              <a:buFont typeface="Calibri" pitchFamily="34" charset="0"/>
+              <a:buAutoNum type="arabicPeriod"/>
+            </a:pPr>
+            <a:r>
+              <a:rPr lang="en-US" altLang="ko-KR" sz="1800" b="1" u="sng" dirty="0" smtClean="0">
+                <a:ln>
+                  <a:noFill/>
+                </a:ln>
+                <a:solidFill>
+                  <a:schemeClr val="tx1"/>
+                </a:solidFill>
+                <a:effectLst/>
+                <a:ea typeface="굴림" charset="-127"/>
+              </a:rPr>
+              <a:t>Functional requirements (use-case model)</a:t>
+            </a:r>
+          </a:p>
+          <a:p>
+            <a:pPr indent="273050" eaLnBrk="1" hangingPunct="1">
+              <a:buClr>
+                <a:srgbClr xmlns:mc="http://schemas.openxmlformats.org/markup-compatibility/2006" xmlns:a14="http://schemas.microsoft.com/office/drawing/2007/7/7/main" val="C44F00" mc:Ignorable=""/>
+              </a:buClr>
+              <a:buFont typeface="Calibri" pitchFamily="34" charset="0"/>
+              <a:buAutoNum type="arabicPeriod"/>
+            </a:pPr>
+            <a:endParaRPr lang="en-US" altLang="ko-KR" sz="1600" dirty="0">
+              <a:ln>
+                <a:noFill/>
+              </a:ln>
+              <a:solidFill>
+                <a:schemeClr val="tx1"/>
+              </a:solidFill>
+              <a:effectLst/>
+              <a:ea typeface="굴림" charset="-127"/>
+            </a:endParaRPr>
+          </a:p>
+          <a:p>
+            <a:pPr indent="273050" eaLnBrk="1" hangingPunct="1">
+              <a:buClr>
+                <a:srgbClr xmlns:mc="http://schemas.openxmlformats.org/markup-compatibility/2006" xmlns:a14="http://schemas.microsoft.com/office/drawing/2007/7/7/main" val="C44F00" mc:Ignorable=""/>
+              </a:buClr>
+              <a:buFont typeface="Calibri" pitchFamily="34" charset="0"/>
+              <a:buAutoNum type="arabicPeriod"/>
+            </a:pPr>
+            <a:r>
+              <a:rPr lang="en-US" altLang="ko-KR" sz="1600" dirty="0" smtClean="0">
+                <a:ln>
+                  <a:noFill/>
+                </a:ln>
+                <a:solidFill>
+                  <a:schemeClr val="tx1"/>
+                </a:solidFill>
+                <a:effectLst/>
+                <a:ea typeface="굴림" charset="-127"/>
+              </a:rPr>
+              <a:t>Non-functional requirements</a:t>
+            </a:r>
+          </a:p>
+          <a:p>
+            <a:pPr indent="273050" eaLnBrk="1" hangingPunct="1">
+              <a:buClr>
+                <a:srgbClr xmlns:mc="http://schemas.openxmlformats.org/markup-compatibility/2006" xmlns:a14="http://schemas.microsoft.com/office/drawing/2007/7/7/main" val="C44F00" mc:Ignorable=""/>
+              </a:buClr>
+              <a:buFont typeface="Calibri" pitchFamily="34" charset="0"/>
+              <a:buAutoNum type="arabicPeriod"/>
+            </a:pPr>
+            <a:endParaRPr lang="en-US" altLang="ko-KR" sz="1600" dirty="0">
+              <a:ln>
+                <a:noFill/>
+              </a:ln>
+              <a:solidFill>
+                <a:schemeClr val="tx1"/>
+              </a:solidFill>
+              <a:effectLst/>
+              <a:ea typeface="굴림" charset="-127"/>
+            </a:endParaRPr>
+          </a:p>
+          <a:p>
+            <a:pPr indent="273050" eaLnBrk="1" hangingPunct="1">
+              <a:buClr>
+                <a:srgbClr xmlns:mc="http://schemas.openxmlformats.org/markup-compatibility/2006" xmlns:a14="http://schemas.microsoft.com/office/drawing/2007/7/7/main" val="C44F00" mc:Ignorable=""/>
+              </a:buClr>
+              <a:buFont typeface="Calibri" pitchFamily="34" charset="0"/>
+              <a:buAutoNum type="arabicPeriod"/>
+            </a:pPr>
+            <a:r>
+              <a:rPr lang="en-US" altLang="ko-KR" sz="1600" dirty="0" smtClean="0">
+                <a:ln>
+                  <a:noFill/>
+                </a:ln>
+                <a:solidFill>
+                  <a:schemeClr val="tx1"/>
+                </a:solidFill>
+                <a:effectLst/>
+                <a:ea typeface="굴림" charset="-127"/>
+              </a:rPr>
+              <a:t>Usability analysis &amp; design</a:t>
+            </a:r>
+          </a:p>
+          <a:p>
+            <a:pPr lvl="1" eaLnBrk="1" hangingPunct="1">
+              <a:buFontTx/>
+              <a:buNone/>
+            </a:pPr>
+            <a:endParaRPr lang="en-US" altLang="ko-KR" dirty="0" smtClean="0">
+              <a:ea typeface="굴림" charset="-127"/>
+            </a:endParaRPr>
+          </a:p>
+        </p:txBody>
+      </p:sp>
+      <p:pic>
+        <p:nvPicPr>
+          <p:cNvPr id="5" name="Picture 2" descr="D:\Bureau\spacecraft1.jpg"/>
+          <p:cNvPicPr>
+            <a:picLocks noChangeAspect="1" noChangeArrowheads="1"/>
+          </p:cNvPicPr>
+          <p:nvPr/>
+        </p:nvPicPr>
+        <p:blipFill>
+          <a:blip r:embed="rId2" cstate="print"/>
+          <a:srcRect/>
+          <a:stretch>
+            <a:fillRect/>
+          </a:stretch>
+        </p:blipFill>
+        <p:spPr bwMode="auto">
+          <a:xfrm rot="376165">
+            <a:off x="6441122" y="1256731"/>
+            <a:ext cx="2510206" cy="1697273"/>
+          </a:xfrm>
+          <a:prstGeom prst="roundRect">
+            <a:avLst>
+              <a:gd name="adj" fmla="val 8594"/>
+            </a:avLst>
+          </a:prstGeom>
+          <a:solidFill>
+            <a:srgbClr xmlns:mc="http://schemas.openxmlformats.org/markup-compatibility/2006" xmlns:a14="http://schemas.microsoft.com/office/drawing/2007/7/7/main" val="FFFFFF" mc:Ignorable="">
+              <a:shade val="85000"/>
+            </a:srgbClr>
+          </a:solidFill>
+          <a:ln>
+            <a:noFill/>
+          </a:ln>
+          <a:effectLst>
+            <a:outerShdw blurRad="50800" dist="38100" dir="8100000" algn="tr" rotWithShape="0">
+              <a:prstClr val="black">
+                <a:alpha val="40000"/>
+              </a:prstClr>
+            </a:outerShdw>
+            <a:reflection blurRad="12700" stA="38000" endPos="28000" dist="5000" dir="5400000" sy="-100000" algn="bl" rotWithShape="0"/>
+          </a:effectLst>
+        </p:spPr>
+      </p:pic>
+    </p:spTree>
+    <p:extLst>
+      <p:ext uri="{BB962C8B-B14F-4D97-AF65-F5344CB8AC3E}">
+        <p14:creationId xmlns:p14="http://schemas.microsoft.com/office/powerpoint/2007/7/12/main" val="2737251238"/>
       </p:ext>
     </p:extLst>
   </p:cSld>

--- a/trunk/Project 1/Part Final/CS554_EuroTeam_Project1.pptx
+++ b/trunk/Project 1/Part Final/CS554_EuroTeam_Project1.pptx
@@ -2162,15 +2162,15 @@
     </dgm:pt>
   </dgm:ptLst>
   <dgm:cxnLst>
+    <dgm:cxn modelId="{1243EC71-5E7D-4C79-8704-ECBB153E68A6}" type="presOf" srcId="{5D0FFDA3-D15D-4CA2-8EFE-9EC8899DE1F5}" destId="{8241D08B-CB62-4962-9D9B-1D2183EA71DA}" srcOrd="0" destOrd="0" presId="urn:microsoft.com/office/officeart/2005/8/layout/hList3"/>
+    <dgm:cxn modelId="{D0830010-8404-4079-8A87-B903D6175051}" type="presOf" srcId="{ACBE8AEB-35DB-410A-ADBF-310666E7673F}" destId="{22A99387-A6D2-43E3-AF24-6FADF6F83837}" srcOrd="0" destOrd="0" presId="urn:microsoft.com/office/officeart/2005/8/layout/hList3"/>
+    <dgm:cxn modelId="{9470F95E-218E-46C8-AA4B-C00989CBD572}" srcId="{ACBE8AEB-35DB-410A-ADBF-310666E7673F}" destId="{5D0FFDA3-D15D-4CA2-8EFE-9EC8899DE1F5}" srcOrd="0" destOrd="0" parTransId="{A3C5E0B0-61D6-4B14-923B-AE59DC3B303B}" sibTransId="{3B6787F9-15E3-4A84-8556-E58B129391CE}"/>
     <dgm:cxn modelId="{1C367138-309B-4DC0-A5E4-ED5BF5BE92A3}" srcId="{ACBE8AEB-35DB-410A-ADBF-310666E7673F}" destId="{4365DE52-E75B-46CF-A8D4-AF910C52CA6B}" srcOrd="2" destOrd="0" parTransId="{1C7DE86A-33AB-4B0E-A01C-A0274405A7E0}" sibTransId="{1F7876FF-1296-47A3-9D0A-43540679CDE7}"/>
-    <dgm:cxn modelId="{5782D883-7ABF-495F-9F16-D8ACB573A0EE}" srcId="{9D494135-09CA-43EB-BFD9-20DB75AA542C}" destId="{ACBE8AEB-35DB-410A-ADBF-310666E7673F}" srcOrd="0" destOrd="0" parTransId="{1E35ABE8-2196-4DA1-8C90-7221860D6B0D}" sibTransId="{C6F29DB6-9F8E-4A11-8A71-6E071E0ADDEC}"/>
-    <dgm:cxn modelId="{1243EC71-5E7D-4C79-8704-ECBB153E68A6}" type="presOf" srcId="{5D0FFDA3-D15D-4CA2-8EFE-9EC8899DE1F5}" destId="{8241D08B-CB62-4962-9D9B-1D2183EA71DA}" srcOrd="0" destOrd="0" presId="urn:microsoft.com/office/officeart/2005/8/layout/hList3"/>
-    <dgm:cxn modelId="{1ED252CA-507D-404C-82E8-B2351F233BEB}" type="presOf" srcId="{9D494135-09CA-43EB-BFD9-20DB75AA542C}" destId="{E6657A53-48FF-420B-98E9-7F064B529D85}" srcOrd="0" destOrd="0" presId="urn:microsoft.com/office/officeart/2005/8/layout/hList3"/>
+    <dgm:cxn modelId="{554533F8-4688-45C6-A101-B13B7DA5EE15}" srcId="{ACBE8AEB-35DB-410A-ADBF-310666E7673F}" destId="{E7D032B1-869F-46B7-AAC1-1906493EC5B4}" srcOrd="1" destOrd="0" parTransId="{172A57E4-5BDA-416B-A087-9DCD0CC43916}" sibTransId="{70BABF1A-F8CA-4CBF-BBA9-0251CC5284A6}"/>
     <dgm:cxn modelId="{3764D938-70C6-4419-906F-AB46C2F234D9}" type="presOf" srcId="{E7D032B1-869F-46B7-AAC1-1906493EC5B4}" destId="{36A69038-D135-4966-B855-369C1C83C96F}" srcOrd="0" destOrd="0" presId="urn:microsoft.com/office/officeart/2005/8/layout/hList3"/>
     <dgm:cxn modelId="{1DBCA53E-5181-4A8C-8FC4-CAC47AF9E584}" type="presOf" srcId="{4365DE52-E75B-46CF-A8D4-AF910C52CA6B}" destId="{C9068F78-E09E-4543-A698-C5622D67FE22}" srcOrd="0" destOrd="0" presId="urn:microsoft.com/office/officeart/2005/8/layout/hList3"/>
-    <dgm:cxn modelId="{554533F8-4688-45C6-A101-B13B7DA5EE15}" srcId="{ACBE8AEB-35DB-410A-ADBF-310666E7673F}" destId="{E7D032B1-869F-46B7-AAC1-1906493EC5B4}" srcOrd="1" destOrd="0" parTransId="{172A57E4-5BDA-416B-A087-9DCD0CC43916}" sibTransId="{70BABF1A-F8CA-4CBF-BBA9-0251CC5284A6}"/>
-    <dgm:cxn modelId="{D0830010-8404-4079-8A87-B903D6175051}" type="presOf" srcId="{ACBE8AEB-35DB-410A-ADBF-310666E7673F}" destId="{22A99387-A6D2-43E3-AF24-6FADF6F83837}" srcOrd="0" destOrd="0" presId="urn:microsoft.com/office/officeart/2005/8/layout/hList3"/>
-    <dgm:cxn modelId="{9470F95E-218E-46C8-AA4B-C00989CBD572}" srcId="{ACBE8AEB-35DB-410A-ADBF-310666E7673F}" destId="{5D0FFDA3-D15D-4CA2-8EFE-9EC8899DE1F5}" srcOrd="0" destOrd="0" parTransId="{A3C5E0B0-61D6-4B14-923B-AE59DC3B303B}" sibTransId="{3B6787F9-15E3-4A84-8556-E58B129391CE}"/>
+    <dgm:cxn modelId="{1ED252CA-507D-404C-82E8-B2351F233BEB}" type="presOf" srcId="{9D494135-09CA-43EB-BFD9-20DB75AA542C}" destId="{E6657A53-48FF-420B-98E9-7F064B529D85}" srcOrd="0" destOrd="0" presId="urn:microsoft.com/office/officeart/2005/8/layout/hList3"/>
+    <dgm:cxn modelId="{5782D883-7ABF-495F-9F16-D8ACB573A0EE}" srcId="{9D494135-09CA-43EB-BFD9-20DB75AA542C}" destId="{ACBE8AEB-35DB-410A-ADBF-310666E7673F}" srcOrd="0" destOrd="0" parTransId="{1E35ABE8-2196-4DA1-8C90-7221860D6B0D}" sibTransId="{C6F29DB6-9F8E-4A11-8A71-6E071E0ADDEC}"/>
     <dgm:cxn modelId="{EA499AF1-251E-4BB4-A9CD-2C3B2E72C5AD}" type="presParOf" srcId="{E6657A53-48FF-420B-98E9-7F064B529D85}" destId="{22A99387-A6D2-43E3-AF24-6FADF6F83837}" srcOrd="0" destOrd="0" presId="urn:microsoft.com/office/officeart/2005/8/layout/hList3"/>
     <dgm:cxn modelId="{47B6DF35-E158-4379-8EE6-8F620371B5B2}" type="presParOf" srcId="{E6657A53-48FF-420B-98E9-7F064B529D85}" destId="{7EEC38D5-F24F-4C37-9A58-F8B1A282CD14}" srcOrd="1" destOrd="0" presId="urn:microsoft.com/office/officeart/2005/8/layout/hList3"/>
     <dgm:cxn modelId="{68629683-FB1C-4502-8D24-1477364C5740}" type="presParOf" srcId="{7EEC38D5-F24F-4C37-9A58-F8B1A282CD14}" destId="{8241D08B-CB62-4962-9D9B-1D2183EA71DA}" srcOrd="0" destOrd="0" presId="urn:microsoft.com/office/officeart/2005/8/layout/hList3"/>
@@ -2182,7 +2182,7 @@
   <dgm:whole/>
   <dgm:extLst>
     <a:ext uri="http://schemas.microsoft.com/office/drawing/2008/diagram">
-      <dsp:dataModelExt xmlns:dsp="http://schemas.microsoft.com/office/drawing/2008/diagram" relId="rId7" minVer="http://schemas.openxmlformats.org/drawingml/2006/diagram"/>
+      <dsp:dataModelExt xmlns:dsp="http://schemas.microsoft.com/office/drawing/2008/diagram" xmlns="" relId="rId7" minVer="http://schemas.openxmlformats.org/drawingml/2006/diagram"/>
     </a:ext>
   </dgm:extLst>
 </dgm:dataModel>
@@ -2560,17 +2560,17 @@
     </dgm:pt>
   </dgm:ptLst>
   <dgm:cxnLst>
+    <dgm:cxn modelId="{1CBF82AB-BF7B-4B92-BDC3-30FB2E34505E}" type="presOf" srcId="{605D1FB5-210C-400A-84F5-CC35A8B043CD}" destId="{516ADAB7-51A2-475F-9B07-19C15A498B8B}" srcOrd="0" destOrd="0" presId="urn:microsoft.com/office/officeart/2005/8/layout/hList9"/>
+    <dgm:cxn modelId="{27A5C3A7-FFEC-43DB-B588-ACAA917EC5C8}" srcId="{8D73F130-D4FE-4A3F-997E-91783F8E3C5A}" destId="{605D1FB5-210C-400A-84F5-CC35A8B043CD}" srcOrd="0" destOrd="0" parTransId="{1B1BDADB-A07A-4BF8-B109-8C6A50FCA85D}" sibTransId="{2E12EE24-BA26-4312-8130-60E8FCEDC966}"/>
+    <dgm:cxn modelId="{3458A928-9BA9-494A-BE54-33DE67BAA60E}" type="presOf" srcId="{F354600A-FA0F-41C5-BB41-5F47F1DD004C}" destId="{059821B1-0007-4BD2-8DF8-B0CE19FE433D}" srcOrd="0" destOrd="0" presId="urn:microsoft.com/office/officeart/2005/8/layout/hList9"/>
+    <dgm:cxn modelId="{5F7A4614-3D5C-49AC-8F54-AE7718054F93}" type="presOf" srcId="{F354600A-FA0F-41C5-BB41-5F47F1DD004C}" destId="{6F2621B6-EE9B-4C67-B676-9DA2A381AB51}" srcOrd="1" destOrd="0" presId="urn:microsoft.com/office/officeart/2005/8/layout/hList9"/>
+    <dgm:cxn modelId="{F2589879-376E-4214-97C2-32ED1D0B3340}" type="presOf" srcId="{F81607D8-20A8-4A19-9734-B55244566E51}" destId="{2E8A679C-8039-49E0-892C-C2D30B2F3D40}" srcOrd="0" destOrd="0" presId="urn:microsoft.com/office/officeart/2005/8/layout/hList9"/>
+    <dgm:cxn modelId="{C2AE079F-E677-46EA-B271-267DF46DF7DD}" srcId="{A4CD16CE-6FF8-4F5B-AA56-6CB89BBB69F9}" destId="{F81607D8-20A8-4A19-9734-B55244566E51}" srcOrd="1" destOrd="0" parTransId="{7ADCA484-D0D0-4850-AB77-532033927D0F}" sibTransId="{00B5D94F-4CF5-4537-BCFB-3CF754B77F10}"/>
+    <dgm:cxn modelId="{18EE1485-D2E5-4AA7-AF35-BC0B2D5505EC}" type="presOf" srcId="{605D1FB5-210C-400A-84F5-CC35A8B043CD}" destId="{BBE1B8DB-BA6E-42AB-84CC-21D3D717CF28}" srcOrd="1" destOrd="0" presId="urn:microsoft.com/office/officeart/2005/8/layout/hList9"/>
+    <dgm:cxn modelId="{52F81A1A-1771-4EB0-A5A2-6101A8D1E157}" srcId="{A4CD16CE-6FF8-4F5B-AA56-6CB89BBB69F9}" destId="{8D73F130-D4FE-4A3F-997E-91783F8E3C5A}" srcOrd="0" destOrd="0" parTransId="{8D55B929-D748-4020-9E50-F71AE1BF2180}" sibTransId="{63764104-D552-4B83-B394-ADE3D817BFA6}"/>
+    <dgm:cxn modelId="{10A24AD0-7A54-4679-9AA7-62D80A440BA7}" srcId="{F81607D8-20A8-4A19-9734-B55244566E51}" destId="{F354600A-FA0F-41C5-BB41-5F47F1DD004C}" srcOrd="0" destOrd="0" parTransId="{5CC45C8D-1D11-4FE9-85C2-2E10B61F566B}" sibTransId="{B16D21DD-C17C-47F9-9D34-274541494D98}"/>
+    <dgm:cxn modelId="{BB2F6249-B04A-475E-8420-C32498D56A1C}" type="presOf" srcId="{8D73F130-D4FE-4A3F-997E-91783F8E3C5A}" destId="{A5D57D14-3203-4073-944D-7AAE4755C0D5}" srcOrd="0" destOrd="0" presId="urn:microsoft.com/office/officeart/2005/8/layout/hList9"/>
     <dgm:cxn modelId="{E18BF595-3687-45BC-A5D6-94634170F3C4}" type="presOf" srcId="{A4CD16CE-6FF8-4F5B-AA56-6CB89BBB69F9}" destId="{5374C97F-BB9F-435F-A1D9-E5249B9981AF}" srcOrd="0" destOrd="0" presId="urn:microsoft.com/office/officeart/2005/8/layout/hList9"/>
-    <dgm:cxn modelId="{52F81A1A-1771-4EB0-A5A2-6101A8D1E157}" srcId="{A4CD16CE-6FF8-4F5B-AA56-6CB89BBB69F9}" destId="{8D73F130-D4FE-4A3F-997E-91783F8E3C5A}" srcOrd="0" destOrd="0" parTransId="{8D55B929-D748-4020-9E50-F71AE1BF2180}" sibTransId="{63764104-D552-4B83-B394-ADE3D817BFA6}"/>
-    <dgm:cxn modelId="{C2AE079F-E677-46EA-B271-267DF46DF7DD}" srcId="{A4CD16CE-6FF8-4F5B-AA56-6CB89BBB69F9}" destId="{F81607D8-20A8-4A19-9734-B55244566E51}" srcOrd="1" destOrd="0" parTransId="{7ADCA484-D0D0-4850-AB77-532033927D0F}" sibTransId="{00B5D94F-4CF5-4537-BCFB-3CF754B77F10}"/>
-    <dgm:cxn modelId="{10A24AD0-7A54-4679-9AA7-62D80A440BA7}" srcId="{F81607D8-20A8-4A19-9734-B55244566E51}" destId="{F354600A-FA0F-41C5-BB41-5F47F1DD004C}" srcOrd="0" destOrd="0" parTransId="{5CC45C8D-1D11-4FE9-85C2-2E10B61F566B}" sibTransId="{B16D21DD-C17C-47F9-9D34-274541494D98}"/>
-    <dgm:cxn modelId="{1CBF82AB-BF7B-4B92-BDC3-30FB2E34505E}" type="presOf" srcId="{605D1FB5-210C-400A-84F5-CC35A8B043CD}" destId="{516ADAB7-51A2-475F-9B07-19C15A498B8B}" srcOrd="0" destOrd="0" presId="urn:microsoft.com/office/officeart/2005/8/layout/hList9"/>
-    <dgm:cxn modelId="{3458A928-9BA9-494A-BE54-33DE67BAA60E}" type="presOf" srcId="{F354600A-FA0F-41C5-BB41-5F47F1DD004C}" destId="{059821B1-0007-4BD2-8DF8-B0CE19FE433D}" srcOrd="0" destOrd="0" presId="urn:microsoft.com/office/officeart/2005/8/layout/hList9"/>
-    <dgm:cxn modelId="{BB2F6249-B04A-475E-8420-C32498D56A1C}" type="presOf" srcId="{8D73F130-D4FE-4A3F-997E-91783F8E3C5A}" destId="{A5D57D14-3203-4073-944D-7AAE4755C0D5}" srcOrd="0" destOrd="0" presId="urn:microsoft.com/office/officeart/2005/8/layout/hList9"/>
-    <dgm:cxn modelId="{18EE1485-D2E5-4AA7-AF35-BC0B2D5505EC}" type="presOf" srcId="{605D1FB5-210C-400A-84F5-CC35A8B043CD}" destId="{BBE1B8DB-BA6E-42AB-84CC-21D3D717CF28}" srcOrd="1" destOrd="0" presId="urn:microsoft.com/office/officeart/2005/8/layout/hList9"/>
-    <dgm:cxn modelId="{5F7A4614-3D5C-49AC-8F54-AE7718054F93}" type="presOf" srcId="{F354600A-FA0F-41C5-BB41-5F47F1DD004C}" destId="{6F2621B6-EE9B-4C67-B676-9DA2A381AB51}" srcOrd="1" destOrd="0" presId="urn:microsoft.com/office/officeart/2005/8/layout/hList9"/>
-    <dgm:cxn modelId="{27A5C3A7-FFEC-43DB-B588-ACAA917EC5C8}" srcId="{8D73F130-D4FE-4A3F-997E-91783F8E3C5A}" destId="{605D1FB5-210C-400A-84F5-CC35A8B043CD}" srcOrd="0" destOrd="0" parTransId="{1B1BDADB-A07A-4BF8-B109-8C6A50FCA85D}" sibTransId="{2E12EE24-BA26-4312-8130-60E8FCEDC966}"/>
-    <dgm:cxn modelId="{F2589879-376E-4214-97C2-32ED1D0B3340}" type="presOf" srcId="{F81607D8-20A8-4A19-9734-B55244566E51}" destId="{2E8A679C-8039-49E0-892C-C2D30B2F3D40}" srcOrd="0" destOrd="0" presId="urn:microsoft.com/office/officeart/2005/8/layout/hList9"/>
     <dgm:cxn modelId="{7BDB378F-C8B4-44E9-AC0E-C305C211855D}" type="presParOf" srcId="{5374C97F-BB9F-435F-A1D9-E5249B9981AF}" destId="{4306F6C7-F29A-44DE-BDEE-37BD6E8601F2}" srcOrd="0" destOrd="0" presId="urn:microsoft.com/office/officeart/2005/8/layout/hList9"/>
     <dgm:cxn modelId="{AA9706AF-FEAC-4884-8CFF-1451CC709BBB}" type="presParOf" srcId="{5374C97F-BB9F-435F-A1D9-E5249B9981AF}" destId="{DF24BEE9-57AA-491D-83C3-892959C63237}" srcOrd="1" destOrd="0" presId="urn:microsoft.com/office/officeart/2005/8/layout/hList9"/>
     <dgm:cxn modelId="{D005810B-D4D1-4BBA-9B80-788F62AC3DDB}" type="presParOf" srcId="{DF24BEE9-57AA-491D-83C3-892959C63237}" destId="{8D80059E-51C1-4499-89EA-CFB623FEEC83}" srcOrd="0" destOrd="0" presId="urn:microsoft.com/office/officeart/2005/8/layout/hList9"/>
@@ -2593,7 +2593,7 @@
   <dgm:whole/>
   <dgm:extLst>
     <a:ext uri="http://schemas.microsoft.com/office/drawing/2008/diagram">
-      <dsp:dataModelExt xmlns:dsp="http://schemas.microsoft.com/office/drawing/2008/diagram" relId="rId6" minVer="http://schemas.openxmlformats.org/drawingml/2006/diagram"/>
+      <dsp:dataModelExt xmlns:dsp="http://schemas.microsoft.com/office/drawing/2008/diagram" xmlns="" relId="rId6" minVer="http://schemas.openxmlformats.org/drawingml/2006/diagram"/>
     </a:ext>
   </dgm:extLst>
 </dgm:dataModel>
@@ -6467,7 +6467,7 @@
               <a:pPr>
                 <a:defRPr/>
               </a:pPr>
-              <a:t>‹#›</a:t>
+              <a:t>‹N°›</a:t>
             </a:fld>
             <a:endParaRPr lang="fr-FR" altLang="ko-KR"/>
           </a:p>
@@ -6476,7 +6476,7 @@
     </p:spTree>
     <p:extLst>
       <p:ext uri="{BB962C8B-B14F-4D97-AF65-F5344CB8AC3E}">
-        <p14:creationId xmlns:p14="http://schemas.microsoft.com/office/powerpoint/2007/7/12/main" val="3216856891"/>
+        <p14:creationId xmlns:p14="http://schemas.microsoft.com/office/powerpoint/2007/7/12/main" xmlns="" val="3216856891"/>
       </p:ext>
     </p:extLst>
   </p:cSld>
@@ -6772,7 +6772,7 @@
               <a:pPr>
                 <a:defRPr/>
               </a:pPr>
-              <a:t>‹#›</a:t>
+              <a:t>‹N°›</a:t>
             </a:fld>
             <a:endParaRPr lang="fr-FR" altLang="ko-KR"/>
           </a:p>
@@ -6781,7 +6781,7 @@
     </p:spTree>
     <p:extLst>
       <p:ext uri="{BB962C8B-B14F-4D97-AF65-F5344CB8AC3E}">
-        <p14:creationId xmlns:p14="http://schemas.microsoft.com/office/powerpoint/2007/7/12/main" val="3483236166"/>
+        <p14:creationId xmlns:p14="http://schemas.microsoft.com/office/powerpoint/2007/7/12/main" xmlns="" val="3483236166"/>
       </p:ext>
     </p:extLst>
   </p:cSld>
@@ -7086,7 +7086,7 @@
     </p:spTree>
     <p:extLst>
       <p:ext uri="{BB962C8B-B14F-4D97-AF65-F5344CB8AC3E}">
-        <p14:creationId xmlns:p14="http://schemas.microsoft.com/office/powerpoint/2007/7/12/main" val="3392303487"/>
+        <p14:creationId xmlns:p14="http://schemas.microsoft.com/office/powerpoint/2007/7/12/main" xmlns="" val="3392303487"/>
       </p:ext>
     </p:extLst>
   </p:cSld>
@@ -7169,7 +7169,7 @@
             </a:pPr>
             <a:endParaRPr lang="ko-KR" altLang="ko-KR">
               <a:solidFill>
-                <a:srgbClr xmlns:mc="http://schemas.openxmlformats.org/markup-compatibility/2006" xmlns:a14="http://schemas.microsoft.com/office/drawing/2007/7/7/main" val="000000" mc:Ignorable=""/>
+                <a:srgbClr val="000000"/>
               </a:solidFill>
               <a:cs typeface="Arial" charset="0"/>
             </a:endParaRPr>
@@ -7228,7 +7228,7 @@
             </a:pPr>
             <a:endParaRPr lang="ko-KR" altLang="ko-KR">
               <a:solidFill>
-                <a:srgbClr xmlns:mc="http://schemas.openxmlformats.org/markup-compatibility/2006" xmlns:a14="http://schemas.microsoft.com/office/drawing/2007/7/7/main" val="000000" mc:Ignorable=""/>
+                <a:srgbClr val="000000"/>
               </a:solidFill>
               <a:cs typeface="Arial" charset="0"/>
             </a:endParaRPr>
@@ -7289,7 +7289,7 @@
             </a:pPr>
             <a:endParaRPr lang="ko-KR" altLang="ko-KR">
               <a:solidFill>
-                <a:srgbClr xmlns:mc="http://schemas.openxmlformats.org/markup-compatibility/2006" xmlns:a14="http://schemas.microsoft.com/office/drawing/2007/7/7/main" val="000000" mc:Ignorable=""/>
+                <a:srgbClr val="000000"/>
               </a:solidFill>
               <a:cs typeface="Arial" charset="0"/>
             </a:endParaRPr>
@@ -7629,7 +7629,7 @@
   <p:timing>
     <p:tnLst>
       <p:par>
-        <p:cTn xmlns:p14="http://schemas.microsoft.com/office/powerpoint/2007/7/12/main" id="1" dur="indefinite" restart="never" nodeType="tmRoot"/>
+        <p:cTn id="1" dur="indefinite" restart="never" nodeType="tmRoot"/>
       </p:par>
     </p:tnLst>
   </p:timing>
@@ -7705,7 +7705,7 @@
             </a:pPr>
             <a:endParaRPr lang="ko-KR" altLang="ko-KR">
               <a:solidFill>
-                <a:srgbClr xmlns:mc="http://schemas.openxmlformats.org/markup-compatibility/2006" xmlns:a14="http://schemas.microsoft.com/office/drawing/2007/7/7/main" val="000000" mc:Ignorable=""/>
+                <a:srgbClr val="000000"/>
               </a:solidFill>
               <a:cs typeface="Arial" charset="0"/>
             </a:endParaRPr>
@@ -7766,7 +7766,7 @@
             </a:pPr>
             <a:endParaRPr lang="ko-KR" altLang="ko-KR">
               <a:solidFill>
-                <a:srgbClr xmlns:mc="http://schemas.openxmlformats.org/markup-compatibility/2006" xmlns:a14="http://schemas.microsoft.com/office/drawing/2007/7/7/main" val="000000" mc:Ignorable=""/>
+                <a:srgbClr val="000000"/>
               </a:solidFill>
               <a:cs typeface="Arial" charset="0"/>
             </a:endParaRPr>
@@ -7863,7 +7863,7 @@
           <a:lstStyle>
             <a:lvl1pPr marL="0" indent="354013">
               <a:buClr>
-                <a:srgbClr xmlns:mc="http://schemas.openxmlformats.org/markup-compatibility/2006" xmlns:a14="http://schemas.microsoft.com/office/drawing/2007/7/7/main" val="DA7E18" mc:Ignorable=""/>
+                <a:srgbClr val="DA7E18"/>
               </a:buClr>
               <a:buSzPct val="120000"/>
               <a:buFont typeface="+mj-lt"/>
@@ -7872,7 +7872,7 @@
             </a:lvl1pPr>
             <a:lvl2pPr marL="633413" indent="354013">
               <a:buClr>
-                <a:srgbClr xmlns:mc="http://schemas.openxmlformats.org/markup-compatibility/2006" xmlns:a14="http://schemas.microsoft.com/office/drawing/2007/7/7/main" val="E5AB1B" mc:Ignorable=""/>
+                <a:srgbClr val="E5AB1B"/>
               </a:buClr>
               <a:buSzPct val="120000"/>
               <a:buFont typeface="+mj-lt"/>
@@ -7943,7 +7943,7 @@
   <p:timing>
     <p:tnLst>
       <p:par>
-        <p:cTn xmlns:p14="http://schemas.microsoft.com/office/powerpoint/2007/7/12/main" id="1" dur="indefinite" restart="never" nodeType="tmRoot"/>
+        <p:cTn id="1" dur="indefinite" restart="never" nodeType="tmRoot"/>
       </p:par>
     </p:tnLst>
   </p:timing>
@@ -8012,7 +8012,7 @@
             </a:pPr>
             <a:endParaRPr lang="ko-KR" altLang="ko-KR">
               <a:solidFill>
-                <a:srgbClr xmlns:mc="http://schemas.openxmlformats.org/markup-compatibility/2006" xmlns:a14="http://schemas.microsoft.com/office/drawing/2007/7/7/main" val="000000" mc:Ignorable=""/>
+                <a:srgbClr val="000000"/>
               </a:solidFill>
               <a:cs typeface="Arial" charset="0"/>
             </a:endParaRPr>
@@ -8045,7 +8045,7 @@
             </a:pPr>
             <a:endParaRPr lang="ko-KR" altLang="ko-KR" sz="1100" b="1">
               <a:solidFill>
-                <a:srgbClr xmlns:mc="http://schemas.openxmlformats.org/markup-compatibility/2006" xmlns:a14="http://schemas.microsoft.com/office/drawing/2007/7/7/main" val="A0A0A0" mc:Ignorable=""/>
+                <a:srgbClr val="A0A0A0"/>
               </a:solidFill>
               <a:latin typeface="Calibri" pitchFamily="34" charset="0"/>
             </a:endParaRPr>
@@ -8140,7 +8140,7 @@
           <a:lstStyle>
             <a:lvl1pPr marL="0" indent="354013">
               <a:buClr>
-                <a:srgbClr xmlns:mc="http://schemas.openxmlformats.org/markup-compatibility/2006" xmlns:a14="http://schemas.microsoft.com/office/drawing/2007/7/7/main" val="DA7E18" mc:Ignorable=""/>
+                <a:srgbClr val="DA7E18"/>
               </a:buClr>
               <a:buSzPct val="70000"/>
               <a:buFont typeface="Wingdings" pitchFamily="2" charset="2"/>
@@ -8149,7 +8149,7 @@
             </a:lvl1pPr>
             <a:lvl2pPr>
               <a:buClr>
-                <a:srgbClr xmlns:mc="http://schemas.openxmlformats.org/markup-compatibility/2006" xmlns:a14="http://schemas.microsoft.com/office/drawing/2007/7/7/main" val="E5AB1B" mc:Ignorable=""/>
+                <a:srgbClr val="E5AB1B"/>
               </a:buClr>
               <a:buSzPct val="70000"/>
               <a:buFont typeface="Wingdings" pitchFamily="2" charset="2"/>
@@ -8220,7 +8220,7 @@
   <p:timing>
     <p:tnLst>
       <p:par>
-        <p:cTn xmlns:p14="http://schemas.microsoft.com/office/powerpoint/2007/7/12/main" id="1" dur="indefinite" restart="never" nodeType="tmRoot"/>
+        <p:cTn id="1" dur="indefinite" restart="never" nodeType="tmRoot"/>
       </p:par>
     </p:tnLst>
   </p:timing>
@@ -8695,16 +8695,16 @@
               <a:defRPr sz="3600" b="0" cap="none" spc="0">
                 <a:ln w="18415" cmpd="sng">
                   <a:solidFill>
-                    <a:srgbClr xmlns:mc="http://schemas.openxmlformats.org/markup-compatibility/2006" xmlns:a14="http://schemas.microsoft.com/office/drawing/2007/7/7/main" val="FFFFFF" mc:Ignorable=""/>
+                    <a:srgbClr val="FFFFFF"/>
                   </a:solidFill>
                   <a:prstDash val="solid"/>
                 </a:ln>
                 <a:solidFill>
-                  <a:srgbClr xmlns:mc="http://schemas.openxmlformats.org/markup-compatibility/2006" xmlns:a14="http://schemas.microsoft.com/office/drawing/2007/7/7/main" val="FFFFFF" mc:Ignorable=""/>
+                  <a:srgbClr val="FFFFFF"/>
                 </a:solidFill>
                 <a:effectLst>
                   <a:outerShdw blurRad="63500" dir="3600000" algn="tl" rotWithShape="0">
-                    <a:srgbClr xmlns:mc="http://schemas.openxmlformats.org/markup-compatibility/2006" xmlns:a14="http://schemas.microsoft.com/office/drawing/2007/7/7/main" val="000000" mc:Ignorable="">
+                    <a:srgbClr val="000000">
                       <a:alpha val="70000"/>
                     </a:srgbClr>
                   </a:outerShdw>
@@ -8844,7 +8844,7 @@
             </a:avLst>
           </a:prstGeom>
           <a:solidFill>
-            <a:srgbClr xmlns:mc="http://schemas.openxmlformats.org/markup-compatibility/2006" xmlns:a14="http://schemas.microsoft.com/office/drawing/2007/7/7/main" val="FFFFFF" mc:Ignorable="">
+            <a:srgbClr val="FFFFFF">
               <a:shade val="85000"/>
             </a:srgbClr>
           </a:solidFill>
@@ -8868,7 +8868,7 @@
           <a:blip r:embed="rId4">
             <a:extLst>
               <a:ext uri="28A0092B-C50C-407e-A947-70E740481C1C">
-                <a14:useLocalDpi xmlns:a14="http://schemas.microsoft.com/office/drawing/2007/7/7/main" val="0"/>
+                <a14:useLocalDpi xmlns:a14="http://schemas.microsoft.com/office/drawing/2007/7/7/main" xmlns="" val="0"/>
               </a:ext>
             </a:extLst>
           </a:blip>
@@ -8888,14 +8888,14 @@
           <a:noFill/>
           <a:extLst>
             <a:ext uri="{909E8E84-426E-40dd-AFC4-6F175D3DCCD1}">
-              <a14:hiddenFill xmlns:a14="http://schemas.microsoft.com/office/drawing/2007/7/7/main">
+              <a14:hiddenFill xmlns:a14="http://schemas.microsoft.com/office/drawing/2007/7/7/main" xmlns="">
                 <a:solidFill>
                   <a:schemeClr val="accent1"/>
                 </a:solidFill>
               </a14:hiddenFill>
             </a:ext>
             <a:ext uri="{91240B29-F687-4f45-9708-019B960494DF}">
-              <a14:hiddenLine xmlns:a14="http://schemas.microsoft.com/office/drawing/2007/7/7/main" w="9525">
+              <a14:hiddenLine xmlns:a14="http://schemas.microsoft.com/office/drawing/2007/7/7/main" xmlns="" w="9525">
                 <a:solidFill>
                   <a:schemeClr val="tx1"/>
                 </a:solidFill>
@@ -8905,7 +8905,7 @@
               </a14:hiddenLine>
             </a:ext>
             <a:ext uri="{AF507438-7753-43e0-B8FC-AC1667EBCBE1}">
-              <a14:hiddenEffects xmlns:a14="http://schemas.microsoft.com/office/drawing/2007/7/7/main">
+              <a14:hiddenEffects xmlns:a14="http://schemas.microsoft.com/office/drawing/2007/7/7/main" xmlns="">
                 <a:effectLst>
                   <a:outerShdw dist="35921" dir="2700000" algn="ctr" rotWithShape="0">
                     <a:schemeClr val="bg2"/>
@@ -8919,7 +8919,7 @@
     </p:spTree>
     <p:extLst>
       <p:ext uri="{BB962C8B-B14F-4D97-AF65-F5344CB8AC3E}">
-        <p14:creationId xmlns:p14="http://schemas.microsoft.com/office/powerpoint/2007/7/12/main" val="1066328049"/>
+        <p14:creationId xmlns:p14="http://schemas.microsoft.com/office/powerpoint/2007/7/12/main" xmlns="" val="1066328049"/>
       </p:ext>
     </p:extLst>
   </p:cSld>
@@ -8929,7 +8929,7 @@
   <p:timing>
     <p:tnLst>
       <p:par>
-        <p:cTn xmlns:p14="http://schemas.microsoft.com/office/powerpoint/2007/7/12/main" id="1" dur="indefinite" restart="never" nodeType="tmRoot"/>
+        <p:cTn id="1" dur="indefinite" restart="never" nodeType="tmRoot"/>
       </p:par>
     </p:tnLst>
   </p:timing>
@@ -9012,7 +9012,7 @@
             </a:pPr>
             <a:endParaRPr lang="ko-KR" altLang="ko-KR">
               <a:solidFill>
-                <a:srgbClr xmlns:mc="http://schemas.openxmlformats.org/markup-compatibility/2006" xmlns:a14="http://schemas.microsoft.com/office/drawing/2007/7/7/main" val="000000" mc:Ignorable=""/>
+                <a:srgbClr val="000000"/>
               </a:solidFill>
               <a:cs typeface="Arial" charset="0"/>
             </a:endParaRPr>
@@ -9071,7 +9071,7 @@
             </a:pPr>
             <a:endParaRPr lang="ko-KR" altLang="ko-KR">
               <a:solidFill>
-                <a:srgbClr xmlns:mc="http://schemas.openxmlformats.org/markup-compatibility/2006" xmlns:a14="http://schemas.microsoft.com/office/drawing/2007/7/7/main" val="000000" mc:Ignorable=""/>
+                <a:srgbClr val="000000"/>
               </a:solidFill>
               <a:cs typeface="Arial" charset="0"/>
             </a:endParaRPr>
@@ -9130,7 +9130,7 @@
             </a:pPr>
             <a:endParaRPr lang="ko-KR" altLang="ko-KR">
               <a:solidFill>
-                <a:srgbClr xmlns:mc="http://schemas.openxmlformats.org/markup-compatibility/2006" xmlns:a14="http://schemas.microsoft.com/office/drawing/2007/7/7/main" val="000000" mc:Ignorable=""/>
+                <a:srgbClr val="000000"/>
               </a:solidFill>
               <a:cs typeface="Arial" charset="0"/>
             </a:endParaRPr>
@@ -9163,7 +9163,7 @@
             </a:pPr>
             <a:endParaRPr lang="ko-KR" altLang="ko-KR" sz="1100" b="1">
               <a:solidFill>
-                <a:srgbClr xmlns:mc="http://schemas.openxmlformats.org/markup-compatibility/2006" xmlns:a14="http://schemas.microsoft.com/office/drawing/2007/7/7/main" val="A0A0A0" mc:Ignorable=""/>
+                <a:srgbClr val="A0A0A0"/>
               </a:solidFill>
               <a:latin typeface="Calibri" pitchFamily="34" charset="0"/>
             </a:endParaRPr>
@@ -9278,7 +9278,7 @@
             <a:r>
               <a:rPr lang="fr-FR" altLang="ko-KR" sz="900" dirty="0" smtClean="0">
                 <a:solidFill>
-                  <a:srgbClr xmlns:mc="http://schemas.openxmlformats.org/markup-compatibility/2006" xmlns:a14="http://schemas.microsoft.com/office/drawing/2007/7/7/main" val="7F7F7F" mc:Ignorable=""/>
+                  <a:srgbClr val="7F7F7F"/>
                 </a:solidFill>
                 <a:ea typeface="굴림" charset="-127"/>
               </a:rPr>
@@ -9287,7 +9287,7 @@
             <a:r>
               <a:rPr lang="fr-FR" altLang="ko-KR" sz="900" baseline="0" dirty="0" smtClean="0">
                 <a:solidFill>
-                  <a:srgbClr xmlns:mc="http://schemas.openxmlformats.org/markup-compatibility/2006" xmlns:a14="http://schemas.microsoft.com/office/drawing/2007/7/7/main" val="7F7F7F" mc:Ignorable=""/>
+                  <a:srgbClr val="7F7F7F"/>
                 </a:solidFill>
                 <a:ea typeface="굴림" charset="-127"/>
               </a:rPr>
@@ -9295,7 +9295,7 @@
             </a:r>
             <a:endParaRPr lang="fr-FR" altLang="ko-KR" sz="900" dirty="0">
               <a:solidFill>
-                <a:srgbClr xmlns:mc="http://schemas.openxmlformats.org/markup-compatibility/2006" xmlns:a14="http://schemas.microsoft.com/office/drawing/2007/7/7/main" val="7F7F7F" mc:Ignorable=""/>
+                <a:srgbClr val="7F7F7F"/>
               </a:solidFill>
               <a:ea typeface="굴림" charset="-127"/>
             </a:endParaRPr>
@@ -9361,7 +9361,7 @@
                 </a:spcAft>
                 <a:defRPr/>
               </a:pPr>
-              <a:t>‹#›</a:t>
+              <a:t>‹N°›</a:t>
             </a:fld>
             <a:r>
               <a:rPr lang="fr-FR" sz="1100" b="1" kern="0" dirty="0" smtClean="0">
@@ -9460,7 +9460,7 @@
             <a:r>
               <a:rPr lang="fr-FR" altLang="ko-KR" sz="1000" dirty="0" err="1" smtClean="0">
                 <a:solidFill>
-                  <a:srgbClr xmlns:mc="http://schemas.openxmlformats.org/markup-compatibility/2006" xmlns:a14="http://schemas.microsoft.com/office/drawing/2007/7/7/main" val="7F7F7F" mc:Ignorable=""/>
+                  <a:srgbClr val="7F7F7F"/>
                 </a:solidFill>
                 <a:latin typeface="Calibri" pitchFamily="34" charset="0"/>
                 <a:ea typeface="굴림" charset="-127"/>
@@ -9470,7 +9470,7 @@
             <a:r>
               <a:rPr lang="fr-FR" altLang="ko-KR" sz="1000" baseline="0" dirty="0" smtClean="0">
                 <a:solidFill>
-                  <a:srgbClr xmlns:mc="http://schemas.openxmlformats.org/markup-compatibility/2006" xmlns:a14="http://schemas.microsoft.com/office/drawing/2007/7/7/main" val="7F7F7F" mc:Ignorable=""/>
+                  <a:srgbClr val="7F7F7F"/>
                 </a:solidFill>
                 <a:latin typeface="Calibri" pitchFamily="34" charset="0"/>
                 <a:ea typeface="굴림" charset="-127"/>
@@ -9480,7 +9480,7 @@
             <a:r>
               <a:rPr lang="fr-FR" altLang="ko-KR" sz="1000" dirty="0" smtClean="0">
                 <a:solidFill>
-                  <a:srgbClr xmlns:mc="http://schemas.openxmlformats.org/markup-compatibility/2006" xmlns:a14="http://schemas.microsoft.com/office/drawing/2007/7/7/main" val="7F7F7F" mc:Ignorable=""/>
+                  <a:srgbClr val="7F7F7F"/>
                 </a:solidFill>
                 <a:latin typeface="Calibri" pitchFamily="34" charset="0"/>
                 <a:ea typeface="굴림" charset="-127"/>
@@ -9490,7 +9490,7 @@
             <a:r>
               <a:rPr lang="fr-FR" altLang="ko-KR" sz="1000" dirty="0">
                 <a:solidFill>
-                  <a:srgbClr xmlns:mc="http://schemas.openxmlformats.org/markup-compatibility/2006" xmlns:a14="http://schemas.microsoft.com/office/drawing/2007/7/7/main" val="7F7F7F" mc:Ignorable=""/>
+                  <a:srgbClr val="7F7F7F"/>
                 </a:solidFill>
                 <a:latin typeface="Calibri" pitchFamily="34" charset="0"/>
                 <a:ea typeface="굴림" charset="-127"/>
@@ -9499,7 +9499,7 @@
             </a:r>
             <a:endParaRPr lang="fr-FR" altLang="ko-KR" sz="900" dirty="0">
               <a:solidFill>
-                <a:srgbClr xmlns:mc="http://schemas.openxmlformats.org/markup-compatibility/2006" xmlns:a14="http://schemas.microsoft.com/office/drawing/2007/7/7/main" val="7F7F7F" mc:Ignorable=""/>
+                <a:srgbClr val="7F7F7F"/>
               </a:solidFill>
               <a:latin typeface="Calibri" pitchFamily="34" charset="0"/>
               <a:ea typeface="굴림" charset="-127"/>
@@ -9519,7 +9519,7 @@
   <p:timing>
     <p:tnLst>
       <p:par>
-        <p:cTn xmlns:p14="http://schemas.microsoft.com/office/powerpoint/2007/7/12/main" id="1" dur="indefinite" restart="never" nodeType="tmRoot"/>
+        <p:cTn id="1" dur="indefinite" restart="never" nodeType="tmRoot"/>
       </p:par>
     </p:tnLst>
   </p:timing>
@@ -9941,11 +9941,11 @@
             <a:r>
               <a:rPr altLang="ko-KR" dirty="0" smtClean="0">
                 <a:solidFill>
-                  <a:srgbClr xmlns:mc="http://schemas.openxmlformats.org/markup-compatibility/2006" xmlns:a14="http://schemas.microsoft.com/office/drawing/2007/7/7/main" val="C44F00" mc:Ignorable=""/>
+                  <a:srgbClr val="C44F00"/>
                 </a:solidFill>
                 <a:effectLst>
                   <a:outerShdw blurRad="38100" dist="38100" dir="2700000" algn="tl">
-                    <a:srgbClr xmlns:mc="http://schemas.openxmlformats.org/markup-compatibility/2006" xmlns:a14="http://schemas.microsoft.com/office/drawing/2007/7/7/main" val="C0C0C0" mc:Ignorable=""/>
+                    <a:srgbClr val="C0C0C0"/>
                   </a:outerShdw>
                 </a:effectLst>
                 <a:ea typeface="굴림" charset="-127"/>
@@ -9960,11 +9960,11 @@
             <a:r>
               <a:rPr altLang="ko-KR" dirty="0" smtClean="0">
                 <a:solidFill>
-                  <a:srgbClr xmlns:mc="http://schemas.openxmlformats.org/markup-compatibility/2006" xmlns:a14="http://schemas.microsoft.com/office/drawing/2007/7/7/main" val="595959" mc:Ignorable=""/>
+                  <a:srgbClr val="595959"/>
                 </a:solidFill>
                 <a:effectLst>
                   <a:outerShdw blurRad="38100" dist="38100" dir="2700000" algn="tl">
-                    <a:srgbClr xmlns:mc="http://schemas.openxmlformats.org/markup-compatibility/2006" xmlns:a14="http://schemas.microsoft.com/office/drawing/2007/7/7/main" val="C0C0C0" mc:Ignorable=""/>
+                    <a:srgbClr val="C0C0C0"/>
                   </a:outerShdw>
                 </a:effectLst>
                 <a:ea typeface="굴림" charset="-127"/>
@@ -9974,11 +9974,11 @@
             <a:r>
               <a:rPr altLang="ko-KR" dirty="0" err="1" smtClean="0">
                 <a:solidFill>
-                  <a:srgbClr xmlns:mc="http://schemas.openxmlformats.org/markup-compatibility/2006" xmlns:a14="http://schemas.microsoft.com/office/drawing/2007/7/7/main" val="595959" mc:Ignorable=""/>
+                  <a:srgbClr val="595959"/>
                 </a:solidFill>
                 <a:effectLst>
                   <a:outerShdw blurRad="38100" dist="38100" dir="2700000" algn="tl">
-                    <a:srgbClr xmlns:mc="http://schemas.openxmlformats.org/markup-compatibility/2006" xmlns:a14="http://schemas.microsoft.com/office/drawing/2007/7/7/main" val="C0C0C0" mc:Ignorable=""/>
+                    <a:srgbClr val="C0C0C0"/>
                   </a:outerShdw>
                 </a:effectLst>
                 <a:ea typeface="굴림" charset="-127"/>
@@ -9988,11 +9988,11 @@
             <a:r>
               <a:rPr altLang="ko-KR" dirty="0" smtClean="0">
                 <a:solidFill>
-                  <a:srgbClr xmlns:mc="http://schemas.openxmlformats.org/markup-compatibility/2006" xmlns:a14="http://schemas.microsoft.com/office/drawing/2007/7/7/main" val="595959" mc:Ignorable=""/>
+                  <a:srgbClr val="595959"/>
                 </a:solidFill>
                 <a:effectLst>
                   <a:outerShdw blurRad="38100" dist="38100" dir="2700000" algn="tl">
-                    <a:srgbClr xmlns:mc="http://schemas.openxmlformats.org/markup-compatibility/2006" xmlns:a14="http://schemas.microsoft.com/office/drawing/2007/7/7/main" val="C0C0C0" mc:Ignorable=""/>
+                    <a:srgbClr val="C0C0C0"/>
                   </a:outerShdw>
                 </a:effectLst>
                 <a:ea typeface="굴림" charset="-127"/>
@@ -10007,11 +10007,11 @@
             <a:r>
               <a:rPr altLang="ko-KR" dirty="0" smtClean="0">
                 <a:solidFill>
-                  <a:srgbClr xmlns:mc="http://schemas.openxmlformats.org/markup-compatibility/2006" xmlns:a14="http://schemas.microsoft.com/office/drawing/2007/7/7/main" val="595959" mc:Ignorable=""/>
+                  <a:srgbClr val="595959"/>
                 </a:solidFill>
                 <a:effectLst>
                   <a:outerShdw blurRad="38100" dist="38100" dir="2700000" algn="tl">
-                    <a:srgbClr xmlns:mc="http://schemas.openxmlformats.org/markup-compatibility/2006" xmlns:a14="http://schemas.microsoft.com/office/drawing/2007/7/7/main" val="C0C0C0" mc:Ignorable=""/>
+                    <a:srgbClr val="C0C0C0"/>
                   </a:outerShdw>
                 </a:effectLst>
                 <a:ea typeface="굴림" charset="-127"/>
@@ -10025,11 +10025,11 @@
             </a:pPr>
             <a:endParaRPr altLang="ko-KR" dirty="0" smtClean="0">
               <a:solidFill>
-                <a:srgbClr xmlns:mc="http://schemas.openxmlformats.org/markup-compatibility/2006" xmlns:a14="http://schemas.microsoft.com/office/drawing/2007/7/7/main" val="8F481E" mc:Ignorable=""/>
+                <a:srgbClr val="8F481E"/>
               </a:solidFill>
               <a:effectLst>
                 <a:outerShdw blurRad="38100" dist="38100" dir="2700000" algn="tl">
-                  <a:srgbClr xmlns:mc="http://schemas.openxmlformats.org/markup-compatibility/2006" xmlns:a14="http://schemas.microsoft.com/office/drawing/2007/7/7/main" val="C0C0C0" mc:Ignorable=""/>
+                  <a:srgbClr val="C0C0C0"/>
                 </a:outerShdw>
               </a:effectLst>
               <a:ea typeface="굴림" charset="-127"/>
@@ -10074,7 +10074,7 @@
                 </a:ln>
                 <a:effectLst>
                   <a:outerShdw blurRad="38100" dist="38100" dir="2700000" algn="tl">
-                    <a:srgbClr xmlns:mc="http://schemas.openxmlformats.org/markup-compatibility/2006" xmlns:a14="http://schemas.microsoft.com/office/drawing/2007/7/7/main" val="000000" mc:Ignorable="">
+                    <a:srgbClr val="000000">
                       <a:alpha val="43137"/>
                     </a:srgbClr>
                   </a:outerShdw>
@@ -10092,7 +10092,7 @@
                 </a:solidFill>
                 <a:effectLst>
                   <a:outerShdw blurRad="38100" dist="38100" dir="2700000" algn="tl">
-                    <a:srgbClr xmlns:mc="http://schemas.openxmlformats.org/markup-compatibility/2006" xmlns:a14="http://schemas.microsoft.com/office/drawing/2007/7/7/main" val="000000" mc:Ignorable="">
+                    <a:srgbClr val="000000">
                       <a:alpha val="43137"/>
                     </a:srgbClr>
                   </a:outerShdw>
@@ -10110,7 +10110,7 @@
                 </a:solidFill>
                 <a:effectLst>
                   <a:outerShdw blurRad="38100" dist="38100" dir="2700000" algn="tl">
-                    <a:srgbClr xmlns:mc="http://schemas.openxmlformats.org/markup-compatibility/2006" xmlns:a14="http://schemas.microsoft.com/office/drawing/2007/7/7/main" val="000000" mc:Ignorable="">
+                    <a:srgbClr val="000000">
                       <a:alpha val="43137"/>
                     </a:srgbClr>
                   </a:outerShdw>
@@ -10127,7 +10127,7 @@
                 </a:solidFill>
                 <a:effectLst>
                   <a:outerShdw blurRad="38100" dist="38100" dir="2700000" algn="tl">
-                    <a:srgbClr xmlns:mc="http://schemas.openxmlformats.org/markup-compatibility/2006" xmlns:a14="http://schemas.microsoft.com/office/drawing/2007/7/7/main" val="000000" mc:Ignorable="">
+                    <a:srgbClr val="000000">
                       <a:alpha val="43137"/>
                     </a:srgbClr>
                   </a:outerShdw>
@@ -10147,7 +10147,7 @@
                 </a:solidFill>
                 <a:effectLst>
                   <a:outerShdw blurRad="38100" dist="38100" dir="2700000" algn="tl">
-                    <a:srgbClr xmlns:mc="http://schemas.openxmlformats.org/markup-compatibility/2006" xmlns:a14="http://schemas.microsoft.com/office/drawing/2007/7/7/main" val="000000" mc:Ignorable="">
+                    <a:srgbClr val="000000">
                       <a:alpha val="43137"/>
                     </a:srgbClr>
                   </a:outerShdw>
@@ -10167,7 +10167,7 @@
                 </a:solidFill>
                 <a:effectLst>
                   <a:outerShdw blurRad="38100" dist="38100" dir="2700000" algn="tl">
-                    <a:srgbClr xmlns:mc="http://schemas.openxmlformats.org/markup-compatibility/2006" xmlns:a14="http://schemas.microsoft.com/office/drawing/2007/7/7/main" val="000000" mc:Ignorable="">
+                    <a:srgbClr val="000000">
                       <a:alpha val="43137"/>
                     </a:srgbClr>
                   </a:outerShdw>
@@ -10187,7 +10187,7 @@
                 </a:solidFill>
                 <a:effectLst>
                   <a:outerShdw blurRad="38100" dist="38100" dir="2700000" algn="tl">
-                    <a:srgbClr xmlns:mc="http://schemas.openxmlformats.org/markup-compatibility/2006" xmlns:a14="http://schemas.microsoft.com/office/drawing/2007/7/7/main" val="000000" mc:Ignorable="">
+                    <a:srgbClr val="000000">
                       <a:alpha val="43137"/>
                     </a:srgbClr>
                   </a:outerShdw>
@@ -10207,7 +10207,7 @@
                 </a:solidFill>
                 <a:effectLst>
                   <a:outerShdw blurRad="38100" dist="38100" dir="2700000" algn="tl">
-                    <a:srgbClr xmlns:mc="http://schemas.openxmlformats.org/markup-compatibility/2006" xmlns:a14="http://schemas.microsoft.com/office/drawing/2007/7/7/main" val="000000" mc:Ignorable="">
+                    <a:srgbClr val="000000">
                       <a:alpha val="43137"/>
                     </a:srgbClr>
                   </a:outerShdw>
@@ -10226,7 +10226,7 @@
               </a:solidFill>
               <a:effectLst>
                 <a:outerShdw blurRad="38100" dist="38100" dir="2700000" algn="tl">
-                  <a:srgbClr xmlns:mc="http://schemas.openxmlformats.org/markup-compatibility/2006" xmlns:a14="http://schemas.microsoft.com/office/drawing/2007/7/7/main" val="000000" mc:Ignorable="">
+                  <a:srgbClr val="000000">
                     <a:alpha val="43137"/>
                   </a:srgbClr>
                 </a:outerShdw>
@@ -10296,7 +10296,7 @@
             </a:avLst>
           </a:prstGeom>
           <a:solidFill>
-            <a:srgbClr xmlns:mc="http://schemas.openxmlformats.org/markup-compatibility/2006" xmlns:a14="http://schemas.microsoft.com/office/drawing/2007/7/7/main" val="FFFFFF" mc:Ignorable="">
+            <a:srgbClr val="FFFFFF">
               <a:shade val="85000"/>
             </a:srgbClr>
           </a:solidFill>
@@ -10334,7 +10334,7 @@
             </a:avLst>
           </a:prstGeom>
           <a:solidFill>
-            <a:srgbClr xmlns:mc="http://schemas.openxmlformats.org/markup-compatibility/2006" xmlns:a14="http://schemas.microsoft.com/office/drawing/2007/7/7/main" val="FFFFFF" mc:Ignorable="">
+            <a:srgbClr val="FFFFFF">
               <a:shade val="85000"/>
             </a:srgbClr>
           </a:solidFill>
@@ -10389,7 +10389,7 @@
               <a:rPr lang="fr-FR" sz="2400" b="1" dirty="0" smtClean="0">
                 <a:effectLst>
                   <a:outerShdw blurRad="38100" dist="38100" dir="2700000" algn="tl">
-                    <a:srgbClr xmlns:mc="http://schemas.openxmlformats.org/markup-compatibility/2006" xmlns:a14="http://schemas.microsoft.com/office/drawing/2007/7/7/main" val="000000" mc:Ignorable="">
+                    <a:srgbClr val="000000">
                       <a:alpha val="43137"/>
                     </a:srgbClr>
                   </a:outerShdw>
@@ -10408,7 +10408,7 @@
   <p:timing>
     <p:tnLst>
       <p:par>
-        <p:cTn xmlns:p14="http://schemas.microsoft.com/office/powerpoint/2007/7/12/main" id="1" dur="indefinite" restart="never" nodeType="tmRoot"/>
+        <p:cTn id="1" dur="indefinite" restart="never" nodeType="tmRoot"/>
       </p:par>
     </p:tnLst>
   </p:timing>
@@ -10488,7 +10488,7 @@
           <a:blip r:embed="rId2">
             <a:extLst>
               <a:ext uri="28A0092B-C50C-407e-A947-70E740481C1C">
-                <a14:useLocalDpi xmlns:a14="http://schemas.microsoft.com/office/drawing/2007/7/7/main" val="0"/>
+                <a14:useLocalDpi xmlns:a14="http://schemas.microsoft.com/office/drawing/2007/7/7/main" xmlns="" val="0"/>
               </a:ext>
             </a:extLst>
           </a:blip>
@@ -10510,14 +10510,14 @@
           </a:ln>
           <a:effectLst>
             <a:outerShdw blurRad="190500" algn="tl" rotWithShape="0">
-              <a:srgbClr xmlns:mc="http://schemas.openxmlformats.org/markup-compatibility/2006" xmlns:a14="http://schemas.microsoft.com/office/drawing/2007/7/7/main" val="000000" mc:Ignorable="">
+              <a:srgbClr val="000000">
                 <a:alpha val="70000"/>
               </a:srgbClr>
             </a:outerShdw>
           </a:effectLst>
           <a:extLst>
             <a:ext uri="{909E8E84-426E-40dd-AFC4-6F175D3DCCD1}">
-              <a14:hiddenFill xmlns:a14="http://schemas.microsoft.com/office/drawing/2007/7/7/main">
+              <a14:hiddenFill xmlns:a14="http://schemas.microsoft.com/office/drawing/2007/7/7/main" xmlns="">
                 <a:solidFill>
                   <a:srgbClr xmlns:mc="http://schemas.openxmlformats.org/markup-compatibility/2006" val="FFFFFF" mc:Ignorable=""/>
                 </a:solidFill>
@@ -10529,7 +10529,7 @@
     </p:spTree>
     <p:extLst>
       <p:ext uri="{BB962C8B-B14F-4D97-AF65-F5344CB8AC3E}">
-        <p14:creationId xmlns:p14="http://schemas.microsoft.com/office/powerpoint/2007/7/12/main" val="3147034357"/>
+        <p14:creationId xmlns:p14="http://schemas.microsoft.com/office/powerpoint/2007/7/12/main" xmlns="" val="3147034357"/>
       </p:ext>
     </p:extLst>
   </p:cSld>
@@ -10539,7 +10539,7 @@
   <p:timing>
     <p:tnLst>
       <p:par>
-        <p:cTn xmlns:p14="http://schemas.microsoft.com/office/powerpoint/2007/7/12/main" id="1" dur="indefinite" restart="never" nodeType="tmRoot"/>
+        <p:cTn id="1" dur="indefinite" restart="never" nodeType="tmRoot"/>
       </p:par>
     </p:tnLst>
   </p:timing>
@@ -10609,7 +10609,15 @@
           <a:bodyPr/>
           <a:lstStyle/>
           <a:p>
-            <a:endParaRPr lang="fr-FR"/>
+            <a:r>
+              <a:rPr lang="en-US" dirty="0" smtClean="0"/>
+              <a:t>Safe response in case of hazardous </a:t>
+            </a:r>
+            <a:r>
+              <a:rPr lang="en-US" dirty="0" smtClean="0"/>
+              <a:t>conditions :</a:t>
+            </a:r>
+            <a:endParaRPr lang="fr-FR" dirty="0"/>
           </a:p>
         </p:txBody>
       </p:sp>
@@ -10625,7 +10633,7 @@
           <a:blip r:embed="rId2">
             <a:extLst>
               <a:ext uri="28A0092B-C50C-407e-A947-70E740481C1C">
-                <a14:useLocalDpi xmlns:a14="http://schemas.microsoft.com/office/drawing/2007/7/7/main" val="0"/>
+                <a14:useLocalDpi xmlns:a14="http://schemas.microsoft.com/office/drawing/2007/7/7/main" xmlns="" val="0"/>
               </a:ext>
             </a:extLst>
           </a:blip>
@@ -10636,8 +10644,8 @@
         </p:blipFill>
         <p:spPr bwMode="auto">
           <a:xfrm>
-            <a:off x="1196280" y="980728"/>
-            <a:ext cx="7264152" cy="5672871"/>
+            <a:off x="1714480" y="1779118"/>
+            <a:ext cx="6174448" cy="4821877"/>
           </a:xfrm>
           <a:prstGeom prst="rect">
             <a:avLst/>
@@ -10645,14 +10653,14 @@
           <a:noFill/>
           <a:extLst>
             <a:ext uri="{909E8E84-426E-40dd-AFC4-6F175D3DCCD1}">
-              <a14:hiddenFill xmlns:a14="http://schemas.microsoft.com/office/drawing/2007/7/7/main">
+              <a14:hiddenFill xmlns:a14="http://schemas.microsoft.com/office/drawing/2007/7/7/main" xmlns="">
                 <a:solidFill>
                   <a:srgbClr xmlns:mc="http://schemas.openxmlformats.org/markup-compatibility/2006" val="FFFFFF" mc:Ignorable=""/>
                 </a:solidFill>
               </a14:hiddenFill>
             </a:ext>
             <a:ext uri="{53640926-AAD7-44d8-BBD7-CCE9431645EC}">
-              <a14:shadowObscured xmlns:a14="http://schemas.microsoft.com/office/drawing/2007/7/7/main" val="1"/>
+              <a14:shadowObscured xmlns:a14="http://schemas.microsoft.com/office/drawing/2007/7/7/main" xmlns="" val="1"/>
             </a:ext>
           </a:extLst>
         </p:spPr>
@@ -10660,7 +10668,7 @@
     </p:spTree>
     <p:extLst>
       <p:ext uri="{BB962C8B-B14F-4D97-AF65-F5344CB8AC3E}">
-        <p14:creationId xmlns:p14="http://schemas.microsoft.com/office/powerpoint/2007/7/12/main" val="4259651497"/>
+        <p14:creationId xmlns:p14="http://schemas.microsoft.com/office/powerpoint/2007/7/12/main" xmlns="" val="4259651497"/>
       </p:ext>
     </p:extLst>
   </p:cSld>
@@ -10670,7 +10678,7 @@
   <p:timing>
     <p:tnLst>
       <p:par>
-        <p:cTn xmlns:p14="http://schemas.microsoft.com/office/powerpoint/2007/7/12/main" id="1" dur="indefinite" restart="never" nodeType="tmRoot"/>
+        <p:cTn id="1" dur="indefinite" restart="never" nodeType="tmRoot"/>
       </p:par>
     </p:tnLst>
   </p:timing>
@@ -10792,7 +10800,7 @@
           <a:blip r:embed="rId2">
             <a:extLst>
               <a:ext uri="28A0092B-C50C-407e-A947-70E740481C1C">
-                <a14:useLocalDpi xmlns:a14="http://schemas.microsoft.com/office/drawing/2007/7/7/main" val="0"/>
+                <a14:useLocalDpi xmlns:a14="http://schemas.microsoft.com/office/drawing/2007/7/7/main" xmlns="" val="0"/>
               </a:ext>
             </a:extLst>
           </a:blip>
@@ -10812,14 +10820,14 @@
           <a:noFill/>
           <a:extLst>
             <a:ext uri="{909E8E84-426E-40dd-AFC4-6F175D3DCCD1}">
-              <a14:hiddenFill xmlns:a14="http://schemas.microsoft.com/office/drawing/2007/7/7/main">
+              <a14:hiddenFill xmlns:a14="http://schemas.microsoft.com/office/drawing/2007/7/7/main" xmlns="">
                 <a:solidFill>
                   <a:srgbClr xmlns:mc="http://schemas.openxmlformats.org/markup-compatibility/2006" val="FFFFFF" mc:Ignorable=""/>
                 </a:solidFill>
               </a14:hiddenFill>
             </a:ext>
             <a:ext uri="{53640926-AAD7-44d8-BBD7-CCE9431645EC}">
-              <a14:shadowObscured xmlns:a14="http://schemas.microsoft.com/office/drawing/2007/7/7/main" val="1"/>
+              <a14:shadowObscured xmlns:a14="http://schemas.microsoft.com/office/drawing/2007/7/7/main" xmlns="" val="1"/>
             </a:ext>
           </a:extLst>
         </p:spPr>
@@ -10827,7 +10835,7 @@
     </p:spTree>
     <p:extLst>
       <p:ext uri="{BB962C8B-B14F-4D97-AF65-F5344CB8AC3E}">
-        <p14:creationId xmlns:p14="http://schemas.microsoft.com/office/powerpoint/2007/7/12/main" val="4241276353"/>
+        <p14:creationId xmlns:p14="http://schemas.microsoft.com/office/powerpoint/2007/7/12/main" xmlns="" val="4241276353"/>
       </p:ext>
     </p:extLst>
   </p:cSld>
@@ -10837,7 +10845,7 @@
   <p:timing>
     <p:tnLst>
       <p:par>
-        <p:cTn xmlns:p14="http://schemas.microsoft.com/office/powerpoint/2007/7/12/main" id="1" dur="indefinite" restart="never" nodeType="tmRoot"/>
+        <p:cTn id="1" dur="indefinite" restart="never" nodeType="tmRoot"/>
       </p:par>
     </p:tnLst>
   </p:timing>
@@ -10919,6 +10927,14 @@
           <a:bodyPr/>
           <a:lstStyle/>
           <a:p>
+            <a:r>
+              <a:rPr lang="en-US" dirty="0" smtClean="0"/>
+              <a:t>Start system, restart system &amp; refresh system </a:t>
+            </a:r>
+            <a:r>
+              <a:rPr lang="en-US" dirty="0" smtClean="0"/>
+              <a:t>state :</a:t>
+            </a:r>
             <a:endParaRPr lang="fr-FR" dirty="0"/>
           </a:p>
         </p:txBody>
@@ -10935,7 +10951,7 @@
           <a:blip r:embed="rId2">
             <a:extLst>
               <a:ext uri="28A0092B-C50C-407e-A947-70E740481C1C">
-                <a14:useLocalDpi xmlns:a14="http://schemas.microsoft.com/office/drawing/2007/7/7/main" val="0"/>
+                <a14:useLocalDpi xmlns:a14="http://schemas.microsoft.com/office/drawing/2007/7/7/main" xmlns="" val="0"/>
               </a:ext>
             </a:extLst>
           </a:blip>
@@ -10946,8 +10962,8 @@
         </p:blipFill>
         <p:spPr bwMode="auto">
           <a:xfrm>
-            <a:off x="899592" y="1124744"/>
-            <a:ext cx="7272808" cy="5430711"/>
+            <a:off x="1571604" y="1928802"/>
+            <a:ext cx="6172168" cy="4608847"/>
           </a:xfrm>
           <a:prstGeom prst="rect">
             <a:avLst/>
@@ -10955,14 +10971,14 @@
           <a:noFill/>
           <a:extLst>
             <a:ext uri="{909E8E84-426E-40dd-AFC4-6F175D3DCCD1}">
-              <a14:hiddenFill xmlns:a14="http://schemas.microsoft.com/office/drawing/2007/7/7/main">
+              <a14:hiddenFill xmlns:a14="http://schemas.microsoft.com/office/drawing/2007/7/7/main" xmlns="">
                 <a:solidFill>
                   <a:srgbClr xmlns:mc="http://schemas.openxmlformats.org/markup-compatibility/2006" val="FFFFFF" mc:Ignorable=""/>
                 </a:solidFill>
               </a14:hiddenFill>
             </a:ext>
             <a:ext uri="{53640926-AAD7-44d8-BBD7-CCE9431645EC}">
-              <a14:shadowObscured xmlns:a14="http://schemas.microsoft.com/office/drawing/2007/7/7/main" val="1"/>
+              <a14:shadowObscured xmlns:a14="http://schemas.microsoft.com/office/drawing/2007/7/7/main" xmlns="" val="1"/>
             </a:ext>
           </a:extLst>
         </p:spPr>
@@ -10970,7 +10986,7 @@
     </p:spTree>
     <p:extLst>
       <p:ext uri="{BB962C8B-B14F-4D97-AF65-F5344CB8AC3E}">
-        <p14:creationId xmlns:p14="http://schemas.microsoft.com/office/powerpoint/2007/7/12/main" val="3699348174"/>
+        <p14:creationId xmlns:p14="http://schemas.microsoft.com/office/powerpoint/2007/7/12/main" xmlns="" val="3699348174"/>
       </p:ext>
     </p:extLst>
   </p:cSld>
@@ -10980,7 +10996,7 @@
   <p:timing>
     <p:tnLst>
       <p:par>
-        <p:cTn xmlns:p14="http://schemas.microsoft.com/office/powerpoint/2007/7/12/main" id="1" dur="indefinite" restart="never" nodeType="tmRoot"/>
+        <p:cTn id="1" dur="indefinite" restart="never" nodeType="tmRoot"/>
       </p:par>
     </p:tnLst>
   </p:timing>
@@ -11102,7 +11118,7 @@
           <a:blip r:embed="rId2">
             <a:extLst>
               <a:ext uri="28A0092B-C50C-407e-A947-70E740481C1C">
-                <a14:useLocalDpi xmlns:a14="http://schemas.microsoft.com/office/drawing/2007/7/7/main" val="0"/>
+                <a14:useLocalDpi xmlns:a14="http://schemas.microsoft.com/office/drawing/2007/7/7/main" xmlns="" val="0"/>
               </a:ext>
             </a:extLst>
           </a:blip>
@@ -11122,14 +11138,14 @@
           <a:noFill/>
           <a:extLst>
             <a:ext uri="{909E8E84-426E-40dd-AFC4-6F175D3DCCD1}">
-              <a14:hiddenFill xmlns:a14="http://schemas.microsoft.com/office/drawing/2007/7/7/main">
+              <a14:hiddenFill xmlns:a14="http://schemas.microsoft.com/office/drawing/2007/7/7/main" xmlns="">
                 <a:solidFill>
                   <a:srgbClr xmlns:mc="http://schemas.openxmlformats.org/markup-compatibility/2006" val="FFFFFF" mc:Ignorable=""/>
                 </a:solidFill>
               </a14:hiddenFill>
             </a:ext>
             <a:ext uri="{53640926-AAD7-44d8-BBD7-CCE9431645EC}">
-              <a14:shadowObscured xmlns:a14="http://schemas.microsoft.com/office/drawing/2007/7/7/main" val="1"/>
+              <a14:shadowObscured xmlns:a14="http://schemas.microsoft.com/office/drawing/2007/7/7/main" xmlns="" val="1"/>
             </a:ext>
           </a:extLst>
         </p:spPr>
@@ -11137,7 +11153,7 @@
     </p:spTree>
     <p:extLst>
       <p:ext uri="{BB962C8B-B14F-4D97-AF65-F5344CB8AC3E}">
-        <p14:creationId xmlns:p14="http://schemas.microsoft.com/office/powerpoint/2007/7/12/main" val="3246030475"/>
+        <p14:creationId xmlns:p14="http://schemas.microsoft.com/office/powerpoint/2007/7/12/main" xmlns="" val="3246030475"/>
       </p:ext>
     </p:extLst>
   </p:cSld>
@@ -11147,7 +11163,7 @@
   <p:timing>
     <p:tnLst>
       <p:par>
-        <p:cTn xmlns:p14="http://schemas.microsoft.com/office/powerpoint/2007/7/12/main" id="1" dur="indefinite" restart="never" nodeType="tmRoot"/>
+        <p:cTn id="1" dur="indefinite" restart="never" nodeType="tmRoot"/>
       </p:par>
     </p:tnLst>
   </p:timing>
@@ -11286,16 +11302,16 @@
               <a:defRPr lang="fr-FR" sz="3600" b="0" cap="none" spc="0">
                 <a:ln w="18415" cmpd="sng">
                   <a:solidFill>
-                    <a:srgbClr xmlns:mc="http://schemas.openxmlformats.org/markup-compatibility/2006" xmlns:a14="http://schemas.microsoft.com/office/drawing/2007/7/7/main" val="FFFFFF" mc:Ignorable=""/>
+                    <a:srgbClr val="FFFFFF"/>
                   </a:solidFill>
                   <a:prstDash val="solid"/>
                 </a:ln>
                 <a:solidFill>
-                  <a:srgbClr xmlns:mc="http://schemas.openxmlformats.org/markup-compatibility/2006" xmlns:a14="http://schemas.microsoft.com/office/drawing/2007/7/7/main" val="FFFFFF" mc:Ignorable=""/>
+                  <a:srgbClr val="FFFFFF"/>
                 </a:solidFill>
                 <a:effectLst>
                   <a:outerShdw blurRad="63500" dir="3600000" algn="tl" rotWithShape="0">
-                    <a:srgbClr xmlns:mc="http://schemas.openxmlformats.org/markup-compatibility/2006" xmlns:a14="http://schemas.microsoft.com/office/drawing/2007/7/7/main" val="000000" mc:Ignorable="">
+                    <a:srgbClr val="000000">
                       <a:alpha val="70000"/>
                     </a:srgbClr>
                   </a:outerShdw>
@@ -11433,7 +11449,7 @@
           <a:p>
             <a:pPr indent="273050" eaLnBrk="1" hangingPunct="1">
               <a:buClr>
-                <a:srgbClr xmlns:mc="http://schemas.openxmlformats.org/markup-compatibility/2006" xmlns:a14="http://schemas.microsoft.com/office/drawing/2007/7/7/main" val="C44F00" mc:Ignorable=""/>
+                <a:srgbClr val="C44F00"/>
               </a:buClr>
               <a:buFont typeface="Calibri" pitchFamily="34" charset="0"/>
               <a:buAutoNum type="arabicPeriod"/>
@@ -11455,7 +11471,7 @@
           <a:p>
             <a:pPr indent="273050" eaLnBrk="1" hangingPunct="1">
               <a:buClr>
-                <a:srgbClr xmlns:mc="http://schemas.openxmlformats.org/markup-compatibility/2006" xmlns:a14="http://schemas.microsoft.com/office/drawing/2007/7/7/main" val="C44F00" mc:Ignorable=""/>
+                <a:srgbClr val="C44F00"/>
               </a:buClr>
               <a:buFont typeface="Calibri" pitchFamily="34" charset="0"/>
               <a:buAutoNum type="arabicPeriod"/>
@@ -11474,7 +11490,7 @@
           <a:p>
             <a:pPr indent="273050" eaLnBrk="1" hangingPunct="1">
               <a:buClr>
-                <a:srgbClr xmlns:mc="http://schemas.openxmlformats.org/markup-compatibility/2006" xmlns:a14="http://schemas.microsoft.com/office/drawing/2007/7/7/main" val="C44F00" mc:Ignorable=""/>
+                <a:srgbClr val="C44F00"/>
               </a:buClr>
               <a:buFont typeface="Calibri" pitchFamily="34" charset="0"/>
               <a:buAutoNum type="arabicPeriod"/>
@@ -11496,7 +11512,7 @@
           <a:p>
             <a:pPr indent="273050" eaLnBrk="1" hangingPunct="1">
               <a:buClr>
-                <a:srgbClr xmlns:mc="http://schemas.openxmlformats.org/markup-compatibility/2006" xmlns:a14="http://schemas.microsoft.com/office/drawing/2007/7/7/main" val="C44F00" mc:Ignorable=""/>
+                <a:srgbClr val="C44F00"/>
               </a:buClr>
               <a:buFont typeface="Calibri" pitchFamily="34" charset="0"/>
               <a:buAutoNum type="arabicPeriod"/>
@@ -11515,7 +11531,7 @@
           <a:p>
             <a:pPr indent="273050" eaLnBrk="1" hangingPunct="1">
               <a:buClr>
-                <a:srgbClr xmlns:mc="http://schemas.openxmlformats.org/markup-compatibility/2006" xmlns:a14="http://schemas.microsoft.com/office/drawing/2007/7/7/main" val="C44F00" mc:Ignorable=""/>
+                <a:srgbClr val="C44F00"/>
               </a:buClr>
               <a:buFont typeface="Calibri" pitchFamily="34" charset="0"/>
               <a:buAutoNum type="arabicPeriod"/>
@@ -11537,7 +11553,7 @@
           <a:p>
             <a:pPr indent="273050" eaLnBrk="1" hangingPunct="1">
               <a:buClr>
-                <a:srgbClr xmlns:mc="http://schemas.openxmlformats.org/markup-compatibility/2006" xmlns:a14="http://schemas.microsoft.com/office/drawing/2007/7/7/main" val="C44F00" mc:Ignorable=""/>
+                <a:srgbClr val="C44F00"/>
               </a:buClr>
               <a:buFont typeface="Calibri" pitchFamily="34" charset="0"/>
               <a:buAutoNum type="arabicPeriod"/>
@@ -11556,7 +11572,7 @@
           <a:p>
             <a:pPr indent="273050" eaLnBrk="1" hangingPunct="1">
               <a:buClr>
-                <a:srgbClr xmlns:mc="http://schemas.openxmlformats.org/markup-compatibility/2006" xmlns:a14="http://schemas.microsoft.com/office/drawing/2007/7/7/main" val="C44F00" mc:Ignorable=""/>
+                <a:srgbClr val="C44F00"/>
               </a:buClr>
               <a:buFont typeface="Calibri" pitchFamily="34" charset="0"/>
               <a:buAutoNum type="arabicPeriod"/>
@@ -11612,7 +11628,7 @@
             </a:avLst>
           </a:prstGeom>
           <a:solidFill>
-            <a:srgbClr xmlns:mc="http://schemas.openxmlformats.org/markup-compatibility/2006" xmlns:a14="http://schemas.microsoft.com/office/drawing/2007/7/7/main" val="FFFFFF" mc:Ignorable="">
+            <a:srgbClr val="FFFFFF">
               <a:shade val="85000"/>
             </a:srgbClr>
           </a:solidFill>
@@ -11632,7 +11648,7 @@
     </p:spTree>
     <p:extLst>
       <p:ext uri="{BB962C8B-B14F-4D97-AF65-F5344CB8AC3E}">
-        <p14:creationId xmlns:p14="http://schemas.microsoft.com/office/powerpoint/2007/7/12/main" val="1603447579"/>
+        <p14:creationId xmlns:p14="http://schemas.microsoft.com/office/powerpoint/2007/7/12/main" xmlns="" val="1603447579"/>
       </p:ext>
     </p:extLst>
   </p:cSld>
@@ -11642,7 +11658,7 @@
   <p:timing>
     <p:tnLst>
       <p:par>
-        <p:cTn xmlns:p14="http://schemas.microsoft.com/office/powerpoint/2007/7/12/main" id="1" dur="indefinite" restart="never" nodeType="tmRoot"/>
+        <p:cTn id="1" dur="indefinite" restart="never" nodeType="tmRoot"/>
       </p:par>
     </p:tnLst>
   </p:timing>
@@ -11728,7 +11744,7 @@
           <a:blip r:embed="rId2" cstate="print">
             <a:extLst>
               <a:ext uri="28A0092B-C50C-407e-A947-70E740481C1C">
-                <a14:useLocalDpi xmlns:a14="http://schemas.microsoft.com/office/drawing/2007/7/7/main" val="0"/>
+                <a14:useLocalDpi xmlns:a14="http://schemas.microsoft.com/office/drawing/2007/7/7/main" xmlns="" val="0"/>
               </a:ext>
             </a:extLst>
           </a:blip>
@@ -11748,14 +11764,14 @@
           <a:noFill/>
           <a:extLst>
             <a:ext uri="{909E8E84-426E-40dd-AFC4-6F175D3DCCD1}">
-              <a14:hiddenFill xmlns:a14="http://schemas.microsoft.com/office/drawing/2007/7/7/main">
+              <a14:hiddenFill xmlns:a14="http://schemas.microsoft.com/office/drawing/2007/7/7/main" xmlns="">
                 <a:solidFill>
                   <a:schemeClr val="accent1"/>
                 </a:solidFill>
               </a14:hiddenFill>
             </a:ext>
             <a:ext uri="{91240B29-F687-4f45-9708-019B960494DF}">
-              <a14:hiddenLine xmlns:a14="http://schemas.microsoft.com/office/drawing/2007/7/7/main" w="9525">
+              <a14:hiddenLine xmlns:a14="http://schemas.microsoft.com/office/drawing/2007/7/7/main" xmlns="" w="9525">
                 <a:solidFill>
                   <a:schemeClr val="tx1"/>
                 </a:solidFill>
@@ -11765,7 +11781,7 @@
               </a14:hiddenLine>
             </a:ext>
             <a:ext uri="{AF507438-7753-43e0-B8FC-AC1667EBCBE1}">
-              <a14:hiddenEffects xmlns:a14="http://schemas.microsoft.com/office/drawing/2007/7/7/main">
+              <a14:hiddenEffects xmlns:a14="http://schemas.microsoft.com/office/drawing/2007/7/7/main" xmlns="">
                 <a:effectLst>
                   <a:outerShdw dist="35921" dir="2700000" algn="ctr" rotWithShape="0">
                     <a:schemeClr val="bg2"/>
@@ -11779,7 +11795,7 @@
     </p:spTree>
     <p:extLst>
       <p:ext uri="{BB962C8B-B14F-4D97-AF65-F5344CB8AC3E}">
-        <p14:creationId xmlns:p14="http://schemas.microsoft.com/office/powerpoint/2007/7/12/main" val="1394414490"/>
+        <p14:creationId xmlns:p14="http://schemas.microsoft.com/office/powerpoint/2007/7/12/main" xmlns="" val="1394414490"/>
       </p:ext>
     </p:extLst>
   </p:cSld>
@@ -11789,7 +11805,7 @@
   <p:timing>
     <p:tnLst>
       <p:par>
-        <p:cTn xmlns:p14="http://schemas.microsoft.com/office/powerpoint/2007/7/12/main" id="1" dur="indefinite" restart="never" nodeType="tmRoot"/>
+        <p:cTn id="1" dur="indefinite" restart="never" nodeType="tmRoot"/>
       </p:par>
     </p:tnLst>
   </p:timing>
@@ -11875,7 +11891,7 @@
           <a:blip r:embed="rId2">
             <a:extLst>
               <a:ext uri="28A0092B-C50C-407e-A947-70E740481C1C">
-                <a14:useLocalDpi xmlns:a14="http://schemas.microsoft.com/office/drawing/2007/7/7/main" val="0"/>
+                <a14:useLocalDpi xmlns:a14="http://schemas.microsoft.com/office/drawing/2007/7/7/main" xmlns="" val="0"/>
               </a:ext>
             </a:extLst>
           </a:blip>
@@ -11895,7 +11911,7 @@
           <a:noFill/>
           <a:extLst>
             <a:ext uri="{909E8E84-426E-40dd-AFC4-6F175D3DCCD1}">
-              <a14:hiddenFill xmlns:a14="http://schemas.microsoft.com/office/drawing/2007/7/7/main">
+              <a14:hiddenFill xmlns:a14="http://schemas.microsoft.com/office/drawing/2007/7/7/main" xmlns="">
                 <a:solidFill>
                   <a:srgbClr xmlns:mc="http://schemas.openxmlformats.org/markup-compatibility/2006" val="FFFFFF" mc:Ignorable=""/>
                 </a:solidFill>
@@ -11907,7 +11923,7 @@
     </p:spTree>
     <p:extLst>
       <p:ext uri="{BB962C8B-B14F-4D97-AF65-F5344CB8AC3E}">
-        <p14:creationId xmlns:p14="http://schemas.microsoft.com/office/powerpoint/2007/7/12/main" val="4280331692"/>
+        <p14:creationId xmlns:p14="http://schemas.microsoft.com/office/powerpoint/2007/7/12/main" xmlns="" val="4280331692"/>
       </p:ext>
     </p:extLst>
   </p:cSld>
@@ -11917,7 +11933,7 @@
   <p:timing>
     <p:tnLst>
       <p:par>
-        <p:cTn xmlns:p14="http://schemas.microsoft.com/office/powerpoint/2007/7/12/main" id="1" dur="indefinite" restart="never" nodeType="tmRoot"/>
+        <p:cTn id="1" dur="indefinite" restart="never" nodeType="tmRoot"/>
       </p:par>
     </p:tnLst>
   </p:timing>
@@ -12003,7 +12019,7 @@
           <a:blip r:embed="rId2">
             <a:extLst>
               <a:ext uri="28A0092B-C50C-407e-A947-70E740481C1C">
-                <a14:useLocalDpi xmlns:a14="http://schemas.microsoft.com/office/drawing/2007/7/7/main" val="0"/>
+                <a14:useLocalDpi xmlns:a14="http://schemas.microsoft.com/office/drawing/2007/7/7/main" xmlns="" val="0"/>
               </a:ext>
             </a:extLst>
           </a:blip>
@@ -12023,7 +12039,7 @@
           <a:noFill/>
           <a:extLst>
             <a:ext uri="{909E8E84-426E-40dd-AFC4-6F175D3DCCD1}">
-              <a14:hiddenFill xmlns:a14="http://schemas.microsoft.com/office/drawing/2007/7/7/main">
+              <a14:hiddenFill xmlns:a14="http://schemas.microsoft.com/office/drawing/2007/7/7/main" xmlns="">
                 <a:solidFill>
                   <a:srgbClr xmlns:mc="http://schemas.openxmlformats.org/markup-compatibility/2006" val="FFFFFF" mc:Ignorable=""/>
                 </a:solidFill>
@@ -12035,7 +12051,7 @@
     </p:spTree>
     <p:extLst>
       <p:ext uri="{BB962C8B-B14F-4D97-AF65-F5344CB8AC3E}">
-        <p14:creationId xmlns:p14="http://schemas.microsoft.com/office/powerpoint/2007/7/12/main" val="315467668"/>
+        <p14:creationId xmlns:p14="http://schemas.microsoft.com/office/powerpoint/2007/7/12/main" xmlns="" val="315467668"/>
       </p:ext>
     </p:extLst>
   </p:cSld>
@@ -12045,7 +12061,7 @@
   <p:timing>
     <p:tnLst>
       <p:par>
-        <p:cTn xmlns:p14="http://schemas.microsoft.com/office/powerpoint/2007/7/12/main" id="1" dur="indefinite" restart="never" nodeType="tmRoot"/>
+        <p:cTn id="1" dur="indefinite" restart="never" nodeType="tmRoot"/>
       </p:par>
     </p:tnLst>
   </p:timing>
@@ -12174,16 +12190,16 @@
               <a:defRPr lang="fr-FR" sz="3600" b="0" cap="none" spc="0">
                 <a:ln w="18415" cmpd="sng">
                   <a:solidFill>
-                    <a:srgbClr xmlns:mc="http://schemas.openxmlformats.org/markup-compatibility/2006" xmlns:a14="http://schemas.microsoft.com/office/drawing/2007/7/7/main" val="FFFFFF" mc:Ignorable=""/>
+                    <a:srgbClr val="FFFFFF"/>
                   </a:solidFill>
                   <a:prstDash val="solid"/>
                 </a:ln>
                 <a:solidFill>
-                  <a:srgbClr xmlns:mc="http://schemas.openxmlformats.org/markup-compatibility/2006" xmlns:a14="http://schemas.microsoft.com/office/drawing/2007/7/7/main" val="FFFFFF" mc:Ignorable=""/>
+                  <a:srgbClr val="FFFFFF"/>
                 </a:solidFill>
                 <a:effectLst>
                   <a:outerShdw blurRad="63500" dir="3600000" algn="tl" rotWithShape="0">
-                    <a:srgbClr xmlns:mc="http://schemas.openxmlformats.org/markup-compatibility/2006" xmlns:a14="http://schemas.microsoft.com/office/drawing/2007/7/7/main" val="000000" mc:Ignorable="">
+                    <a:srgbClr val="000000">
                       <a:alpha val="70000"/>
                     </a:srgbClr>
                   </a:outerShdw>
@@ -12321,7 +12337,7 @@
           <a:p>
             <a:pPr indent="273050" eaLnBrk="1" hangingPunct="1">
               <a:buClr>
-                <a:srgbClr xmlns:mc="http://schemas.openxmlformats.org/markup-compatibility/2006" xmlns:a14="http://schemas.microsoft.com/office/drawing/2007/7/7/main" val="C44F00" mc:Ignorable=""/>
+                <a:srgbClr val="C44F00"/>
               </a:buClr>
               <a:buFont typeface="Calibri" pitchFamily="34" charset="0"/>
               <a:buAutoNum type="arabicPeriod"/>
@@ -12343,7 +12359,7 @@
           <a:p>
             <a:pPr indent="273050" eaLnBrk="1" hangingPunct="1">
               <a:buClr>
-                <a:srgbClr xmlns:mc="http://schemas.openxmlformats.org/markup-compatibility/2006" xmlns:a14="http://schemas.microsoft.com/office/drawing/2007/7/7/main" val="C44F00" mc:Ignorable=""/>
+                <a:srgbClr val="C44F00"/>
               </a:buClr>
               <a:buFont typeface="Calibri" pitchFamily="34" charset="0"/>
               <a:buAutoNum type="arabicPeriod"/>
@@ -12362,7 +12378,7 @@
           <a:p>
             <a:pPr indent="273050" eaLnBrk="1" hangingPunct="1">
               <a:buClr>
-                <a:srgbClr xmlns:mc="http://schemas.openxmlformats.org/markup-compatibility/2006" xmlns:a14="http://schemas.microsoft.com/office/drawing/2007/7/7/main" val="C44F00" mc:Ignorable=""/>
+                <a:srgbClr val="C44F00"/>
               </a:buClr>
               <a:buFont typeface="Calibri" pitchFamily="34" charset="0"/>
               <a:buAutoNum type="arabicPeriod"/>
@@ -12384,7 +12400,7 @@
           <a:p>
             <a:pPr indent="273050" eaLnBrk="1" hangingPunct="1">
               <a:buClr>
-                <a:srgbClr xmlns:mc="http://schemas.openxmlformats.org/markup-compatibility/2006" xmlns:a14="http://schemas.microsoft.com/office/drawing/2007/7/7/main" val="C44F00" mc:Ignorable=""/>
+                <a:srgbClr val="C44F00"/>
               </a:buClr>
               <a:buFont typeface="Calibri" pitchFamily="34" charset="0"/>
               <a:buAutoNum type="arabicPeriod"/>
@@ -12403,7 +12419,7 @@
           <a:p>
             <a:pPr indent="273050" eaLnBrk="1" hangingPunct="1">
               <a:buClr>
-                <a:srgbClr xmlns:mc="http://schemas.openxmlformats.org/markup-compatibility/2006" xmlns:a14="http://schemas.microsoft.com/office/drawing/2007/7/7/main" val="C44F00" mc:Ignorable=""/>
+                <a:srgbClr val="C44F00"/>
               </a:buClr>
               <a:buFont typeface="Calibri" pitchFamily="34" charset="0"/>
               <a:buAutoNum type="arabicPeriod"/>
@@ -12425,7 +12441,7 @@
           <a:p>
             <a:pPr indent="273050" eaLnBrk="1" hangingPunct="1">
               <a:buClr>
-                <a:srgbClr xmlns:mc="http://schemas.openxmlformats.org/markup-compatibility/2006" xmlns:a14="http://schemas.microsoft.com/office/drawing/2007/7/7/main" val="C44F00" mc:Ignorable=""/>
+                <a:srgbClr val="C44F00"/>
               </a:buClr>
               <a:buFont typeface="Calibri" pitchFamily="34" charset="0"/>
               <a:buAutoNum type="arabicPeriod"/>
@@ -12444,7 +12460,7 @@
           <a:p>
             <a:pPr indent="273050" eaLnBrk="1" hangingPunct="1">
               <a:buClr>
-                <a:srgbClr xmlns:mc="http://schemas.openxmlformats.org/markup-compatibility/2006" xmlns:a14="http://schemas.microsoft.com/office/drawing/2007/7/7/main" val="C44F00" mc:Ignorable=""/>
+                <a:srgbClr val="C44F00"/>
               </a:buClr>
               <a:buFont typeface="Calibri" pitchFamily="34" charset="0"/>
               <a:buAutoNum type="arabicPeriod"/>
@@ -12500,7 +12516,7 @@
             </a:avLst>
           </a:prstGeom>
           <a:solidFill>
-            <a:srgbClr xmlns:mc="http://schemas.openxmlformats.org/markup-compatibility/2006" xmlns:a14="http://schemas.microsoft.com/office/drawing/2007/7/7/main" val="FFFFFF" mc:Ignorable="">
+            <a:srgbClr val="FFFFFF">
               <a:shade val="85000"/>
             </a:srgbClr>
           </a:solidFill>
@@ -12520,7 +12536,7 @@
     </p:spTree>
     <p:extLst>
       <p:ext uri="{BB962C8B-B14F-4D97-AF65-F5344CB8AC3E}">
-        <p14:creationId xmlns:p14="http://schemas.microsoft.com/office/powerpoint/2007/7/12/main" val="1603447579"/>
+        <p14:creationId xmlns:p14="http://schemas.microsoft.com/office/powerpoint/2007/7/12/main" xmlns="" val="1603447579"/>
       </p:ext>
     </p:extLst>
   </p:cSld>
@@ -12530,7 +12546,7 @@
   <p:timing>
     <p:tnLst>
       <p:par>
-        <p:cTn xmlns:p14="http://schemas.microsoft.com/office/powerpoint/2007/7/12/main" id="1" dur="indefinite" restart="never" nodeType="tmRoot"/>
+        <p:cTn id="1" dur="indefinite" restart="never" nodeType="tmRoot"/>
       </p:par>
     </p:tnLst>
   </p:timing>
@@ -12817,7 +12833,7 @@
             </a:avLst>
           </a:prstGeom>
           <a:solidFill>
-            <a:srgbClr xmlns:mc="http://schemas.openxmlformats.org/markup-compatibility/2006" xmlns:a14="http://schemas.microsoft.com/office/drawing/2007/7/7/main" val="FFFFFF" mc:Ignorable="">
+            <a:srgbClr val="FFFFFF">
               <a:shade val="85000"/>
             </a:srgbClr>
           </a:solidFill>
@@ -12842,7 +12858,7 @@
   <p:timing>
     <p:tnLst>
       <p:par>
-        <p:cTn xmlns:p14="http://schemas.microsoft.com/office/powerpoint/2007/7/12/main" id="1" dur="indefinite" restart="never" nodeType="tmRoot"/>
+        <p:cTn id="1" dur="indefinite" restart="never" nodeType="tmRoot"/>
       </p:par>
     </p:tnLst>
   </p:timing>
@@ -12901,17 +12917,17 @@
           <a:blip r:embed="rId2">
             <a:clrChange>
               <a:clrFrom>
-                <a:srgbClr xmlns:mc="http://schemas.openxmlformats.org/markup-compatibility/2006" xmlns:a14="http://schemas.microsoft.com/office/drawing/2007/7/7/main" val="FFFFFF" mc:Ignorable=""/>
+                <a:srgbClr val="FFFFFF"/>
               </a:clrFrom>
               <a:clrTo>
-                <a:srgbClr xmlns:mc="http://schemas.openxmlformats.org/markup-compatibility/2006" xmlns:a14="http://schemas.microsoft.com/office/drawing/2007/7/7/main" val="FFFFFF" mc:Ignorable="">
+                <a:srgbClr val="FFFFFF">
                   <a:alpha val="0"/>
                 </a:srgbClr>
               </a:clrTo>
             </a:clrChange>
             <a:extLst>
               <a:ext uri="28A0092B-C50C-407e-A947-70E740481C1C">
-                <a14:useLocalDpi xmlns:a14="http://schemas.microsoft.com/office/drawing/2007/7/7/main" val="0"/>
+                <a14:useLocalDpi xmlns:a14="http://schemas.microsoft.com/office/drawing/2007/7/7/main" xmlns="" val="0"/>
               </a:ext>
             </a:extLst>
           </a:blip>
@@ -12929,7 +12945,7 @@
           <a:noFill/>
           <a:extLst>
             <a:ext uri="{909E8E84-426E-40dd-AFC4-6F175D3DCCD1}">
-              <a14:hiddenFill xmlns:a14="http://schemas.microsoft.com/office/drawing/2007/7/7/main">
+              <a14:hiddenFill xmlns:a14="http://schemas.microsoft.com/office/drawing/2007/7/7/main" xmlns="">
                 <a:solidFill>
                   <a:srgbClr xmlns:mc="http://schemas.openxmlformats.org/markup-compatibility/2006" val="FFFFFF" mc:Ignorable=""/>
                 </a:solidFill>
@@ -13038,7 +13054,7 @@
                 </a:solidFill>
                 <a:effectLst>
                   <a:outerShdw blurRad="38100" dist="38100" dir="2700000" algn="tl">
-                    <a:srgbClr xmlns:mc="http://schemas.openxmlformats.org/markup-compatibility/2006" xmlns:a14="http://schemas.microsoft.com/office/drawing/2007/7/7/main" val="000000" mc:Ignorable="">
+                    <a:srgbClr val="000000">
                       <a:alpha val="43137"/>
                     </a:srgbClr>
                   </a:outerShdw>
@@ -13057,7 +13073,7 @@
               </a:solidFill>
               <a:effectLst>
                 <a:outerShdw blurRad="38100" dist="38100" dir="2700000" algn="tl">
-                  <a:srgbClr xmlns:mc="http://schemas.openxmlformats.org/markup-compatibility/2006" xmlns:a14="http://schemas.microsoft.com/office/drawing/2007/7/7/main" val="000000" mc:Ignorable="">
+                  <a:srgbClr val="000000">
                     <a:alpha val="43137"/>
                   </a:srgbClr>
                 </a:outerShdw>
@@ -13170,7 +13186,7 @@
                 </a:solidFill>
                 <a:effectLst>
                   <a:outerShdw blurRad="38100" dist="38100" dir="2700000" algn="tl">
-                    <a:srgbClr xmlns:mc="http://schemas.openxmlformats.org/markup-compatibility/2006" xmlns:a14="http://schemas.microsoft.com/office/drawing/2007/7/7/main" val="000000" mc:Ignorable="">
+                    <a:srgbClr val="000000">
                       <a:alpha val="43137"/>
                     </a:srgbClr>
                   </a:outerShdw>
@@ -13189,7 +13205,7 @@
               </a:solidFill>
               <a:effectLst>
                 <a:outerShdw blurRad="38100" dist="38100" dir="2700000" algn="tl">
-                  <a:srgbClr xmlns:mc="http://schemas.openxmlformats.org/markup-compatibility/2006" xmlns:a14="http://schemas.microsoft.com/office/drawing/2007/7/7/main" val="000000" mc:Ignorable="">
+                  <a:srgbClr val="000000">
                     <a:alpha val="43137"/>
                   </a:srgbClr>
                 </a:outerShdw>
@@ -13302,7 +13318,7 @@
                 </a:solidFill>
                 <a:effectLst>
                   <a:outerShdw blurRad="38100" dist="38100" dir="2700000" algn="tl">
-                    <a:srgbClr xmlns:mc="http://schemas.openxmlformats.org/markup-compatibility/2006" xmlns:a14="http://schemas.microsoft.com/office/drawing/2007/7/7/main" val="000000" mc:Ignorable="">
+                    <a:srgbClr val="000000">
                       <a:alpha val="43137"/>
                     </a:srgbClr>
                   </a:outerShdw>
@@ -13321,7 +13337,7 @@
               </a:solidFill>
               <a:effectLst>
                 <a:outerShdw blurRad="38100" dist="38100" dir="2700000" algn="tl">
-                  <a:srgbClr xmlns:mc="http://schemas.openxmlformats.org/markup-compatibility/2006" xmlns:a14="http://schemas.microsoft.com/office/drawing/2007/7/7/main" val="000000" mc:Ignorable="">
+                  <a:srgbClr val="000000">
                     <a:alpha val="43137"/>
                   </a:srgbClr>
                 </a:outerShdw>
@@ -13337,7 +13353,7 @@
     </p:spTree>
     <p:extLst>
       <p:ext uri="{BB962C8B-B14F-4D97-AF65-F5344CB8AC3E}">
-        <p14:creationId xmlns:p14="http://schemas.microsoft.com/office/powerpoint/2007/7/12/main" val="578897846"/>
+        <p14:creationId xmlns:p14="http://schemas.microsoft.com/office/powerpoint/2007/7/12/main" xmlns="" val="578897846"/>
       </p:ext>
     </p:extLst>
   </p:cSld>
@@ -13347,7 +13363,7 @@
   <p:timing>
     <p:tnLst>
       <p:par>
-        <p:cTn xmlns:p14="http://schemas.microsoft.com/office/powerpoint/2007/7/12/main" id="1" dur="indefinite" restart="never" nodeType="tmRoot"/>
+        <p:cTn id="1" dur="indefinite" restart="never" nodeType="tmRoot"/>
       </p:par>
     </p:tnLst>
   </p:timing>
@@ -13469,7 +13485,7 @@
           <a:blip r:embed="rId2">
             <a:extLst>
               <a:ext uri="28A0092B-C50C-407e-A947-70E740481C1C">
-                <a14:useLocalDpi xmlns:a14="http://schemas.microsoft.com/office/drawing/2007/7/7/main" val="0"/>
+                <a14:useLocalDpi xmlns:a14="http://schemas.microsoft.com/office/drawing/2007/7/7/main" xmlns="" val="0"/>
               </a:ext>
             </a:extLst>
           </a:blip>
@@ -13489,7 +13505,7 @@
           <a:noFill/>
           <a:extLst>
             <a:ext uri="{909E8E84-426E-40dd-AFC4-6F175D3DCCD1}">
-              <a14:hiddenFill xmlns:a14="http://schemas.microsoft.com/office/drawing/2007/7/7/main">
+              <a14:hiddenFill xmlns:a14="http://schemas.microsoft.com/office/drawing/2007/7/7/main" xmlns="">
                 <a:solidFill>
                   <a:srgbClr xmlns:mc="http://schemas.openxmlformats.org/markup-compatibility/2006" val="FFFFFF" mc:Ignorable=""/>
                 </a:solidFill>
@@ -13501,7 +13517,7 @@
     </p:spTree>
     <p:extLst>
       <p:ext uri="{BB962C8B-B14F-4D97-AF65-F5344CB8AC3E}">
-        <p14:creationId xmlns:p14="http://schemas.microsoft.com/office/powerpoint/2007/7/12/main" val="2278854831"/>
+        <p14:creationId xmlns:p14="http://schemas.microsoft.com/office/powerpoint/2007/7/12/main" xmlns="" val="2278854831"/>
       </p:ext>
     </p:extLst>
   </p:cSld>
@@ -13511,7 +13527,7 @@
   <p:timing>
     <p:tnLst>
       <p:par>
-        <p:cTn xmlns:p14="http://schemas.microsoft.com/office/powerpoint/2007/7/12/main" id="1" dur="indefinite" restart="never" nodeType="tmRoot"/>
+        <p:cTn id="1" dur="indefinite" restart="never" nodeType="tmRoot"/>
       </p:par>
     </p:tnLst>
   </p:timing>
@@ -13633,7 +13649,7 @@
           <a:blip r:embed="rId2">
             <a:extLst>
               <a:ext uri="28A0092B-C50C-407e-A947-70E740481C1C">
-                <a14:useLocalDpi xmlns:a14="http://schemas.microsoft.com/office/drawing/2007/7/7/main" val="0"/>
+                <a14:useLocalDpi xmlns:a14="http://schemas.microsoft.com/office/drawing/2007/7/7/main" xmlns="" val="0"/>
               </a:ext>
             </a:extLst>
           </a:blip>
@@ -13653,14 +13669,14 @@
           <a:noFill/>
           <a:extLst>
             <a:ext uri="{909E8E84-426E-40dd-AFC4-6F175D3DCCD1}">
-              <a14:hiddenFill xmlns:a14="http://schemas.microsoft.com/office/drawing/2007/7/7/main">
+              <a14:hiddenFill xmlns:a14="http://schemas.microsoft.com/office/drawing/2007/7/7/main" xmlns="">
                 <a:solidFill>
                   <a:srgbClr xmlns:mc="http://schemas.openxmlformats.org/markup-compatibility/2006" val="FFFFFF" mc:Ignorable=""/>
                 </a:solidFill>
               </a14:hiddenFill>
             </a:ext>
             <a:ext uri="{53640926-AAD7-44d8-BBD7-CCE9431645EC}">
-              <a14:shadowObscured xmlns:a14="http://schemas.microsoft.com/office/drawing/2007/7/7/main" val="1"/>
+              <a14:shadowObscured xmlns:a14="http://schemas.microsoft.com/office/drawing/2007/7/7/main" xmlns="" val="1"/>
             </a:ext>
           </a:extLst>
         </p:spPr>
@@ -13668,7 +13684,7 @@
     </p:spTree>
     <p:extLst>
       <p:ext uri="{BB962C8B-B14F-4D97-AF65-F5344CB8AC3E}">
-        <p14:creationId xmlns:p14="http://schemas.microsoft.com/office/powerpoint/2007/7/12/main" val="1829070041"/>
+        <p14:creationId xmlns:p14="http://schemas.microsoft.com/office/powerpoint/2007/7/12/main" xmlns="" val="1829070041"/>
       </p:ext>
     </p:extLst>
   </p:cSld>
@@ -13678,7 +13694,7 @@
   <p:timing>
     <p:tnLst>
       <p:par>
-        <p:cTn xmlns:p14="http://schemas.microsoft.com/office/powerpoint/2007/7/12/main" id="1" dur="indefinite" restart="never" nodeType="tmRoot"/>
+        <p:cTn id="1" dur="indefinite" restart="never" nodeType="tmRoot"/>
       </p:par>
     </p:tnLst>
   </p:timing>
@@ -13800,7 +13816,7 @@
           <a:blip r:embed="rId2">
             <a:extLst>
               <a:ext uri="28A0092B-C50C-407e-A947-70E740481C1C">
-                <a14:useLocalDpi xmlns:a14="http://schemas.microsoft.com/office/drawing/2007/7/7/main" val="0"/>
+                <a14:useLocalDpi xmlns:a14="http://schemas.microsoft.com/office/drawing/2007/7/7/main" xmlns="" val="0"/>
               </a:ext>
             </a:extLst>
           </a:blip>
@@ -13820,7 +13836,7 @@
           <a:noFill/>
           <a:extLst>
             <a:ext uri="{909E8E84-426E-40dd-AFC4-6F175D3DCCD1}">
-              <a14:hiddenFill xmlns:a14="http://schemas.microsoft.com/office/drawing/2007/7/7/main">
+              <a14:hiddenFill xmlns:a14="http://schemas.microsoft.com/office/drawing/2007/7/7/main" xmlns="">
                 <a:solidFill>
                   <a:srgbClr xmlns:mc="http://schemas.openxmlformats.org/markup-compatibility/2006" val="FFFFFF" mc:Ignorable=""/>
                 </a:solidFill>
@@ -13832,7 +13848,7 @@
     </p:spTree>
     <p:extLst>
       <p:ext uri="{BB962C8B-B14F-4D97-AF65-F5344CB8AC3E}">
-        <p14:creationId xmlns:p14="http://schemas.microsoft.com/office/powerpoint/2007/7/12/main" val="1829070041"/>
+        <p14:creationId xmlns:p14="http://schemas.microsoft.com/office/powerpoint/2007/7/12/main" xmlns="" val="1829070041"/>
       </p:ext>
     </p:extLst>
   </p:cSld>
@@ -13842,7 +13858,7 @@
   <p:timing>
     <p:tnLst>
       <p:par>
-        <p:cTn xmlns:p14="http://schemas.microsoft.com/office/powerpoint/2007/7/12/main" id="1" dur="indefinite" restart="never" nodeType="tmRoot"/>
+        <p:cTn id="1" dur="indefinite" restart="never" nodeType="tmRoot"/>
       </p:par>
     </p:tnLst>
   </p:timing>
@@ -13920,11 +13936,11 @@
             <a:r>
               <a:rPr lang="en-US" altLang="ko-KR" sz="4000" b="1" dirty="0" smtClean="0">
                 <a:solidFill>
-                  <a:srgbClr xmlns:mc="http://schemas.openxmlformats.org/markup-compatibility/2006" xmlns:a14="http://schemas.microsoft.com/office/drawing/2007/7/7/main" val="C44F00" mc:Ignorable=""/>
+                  <a:srgbClr val="C44F00"/>
                 </a:solidFill>
                 <a:effectLst>
                   <a:outerShdw blurRad="38100" dist="38100" dir="2700000" algn="tl">
-                    <a:srgbClr xmlns:mc="http://schemas.openxmlformats.org/markup-compatibility/2006" xmlns:a14="http://schemas.microsoft.com/office/drawing/2007/7/7/main" val="000000" mc:Ignorable="">
+                    <a:srgbClr val="000000">
                       <a:alpha val="43137"/>
                     </a:srgbClr>
                   </a:outerShdw>
@@ -13948,11 +13964,11 @@
             <a:r>
               <a:rPr lang="en-US" altLang="ko-KR" sz="4000" b="1" dirty="0">
                 <a:solidFill>
-                  <a:srgbClr xmlns:mc="http://schemas.openxmlformats.org/markup-compatibility/2006" xmlns:a14="http://schemas.microsoft.com/office/drawing/2007/7/7/main" val="C44F00" mc:Ignorable=""/>
+                  <a:srgbClr val="C44F00"/>
                 </a:solidFill>
                 <a:effectLst>
                   <a:outerShdw blurRad="38100" dist="38100" dir="2700000" algn="tl">
-                    <a:srgbClr xmlns:mc="http://schemas.openxmlformats.org/markup-compatibility/2006" xmlns:a14="http://schemas.microsoft.com/office/drawing/2007/7/7/main" val="000000" mc:Ignorable="">
+                    <a:srgbClr val="000000">
                       <a:alpha val="43137"/>
                     </a:srgbClr>
                   </a:outerShdw>
@@ -13964,11 +13980,11 @@
             <a:r>
               <a:rPr lang="en-US" altLang="ko-KR" sz="3200" b="1" dirty="0" smtClean="0">
                 <a:solidFill>
-                  <a:srgbClr xmlns:mc="http://schemas.openxmlformats.org/markup-compatibility/2006" xmlns:a14="http://schemas.microsoft.com/office/drawing/2007/7/7/main" val="C44F00" mc:Ignorable=""/>
+                  <a:srgbClr val="C44F00"/>
                 </a:solidFill>
                 <a:effectLst>
                   <a:outerShdw blurRad="38100" dist="38100" dir="2700000" algn="tl">
-                    <a:srgbClr xmlns:mc="http://schemas.openxmlformats.org/markup-compatibility/2006" xmlns:a14="http://schemas.microsoft.com/office/drawing/2007/7/7/main" val="000000" mc:Ignorable="">
+                    <a:srgbClr val="000000">
                       <a:alpha val="43137"/>
                     </a:srgbClr>
                   </a:outerShdw>
@@ -13992,11 +14008,11 @@
             <a:r>
               <a:rPr lang="en-US" altLang="ko-KR" sz="4000" b="1" dirty="0">
                 <a:solidFill>
-                  <a:srgbClr xmlns:mc="http://schemas.openxmlformats.org/markup-compatibility/2006" xmlns:a14="http://schemas.microsoft.com/office/drawing/2007/7/7/main" val="C44F00" mc:Ignorable=""/>
+                  <a:srgbClr val="C44F00"/>
                 </a:solidFill>
                 <a:effectLst>
                   <a:outerShdw blurRad="38100" dist="38100" dir="2700000" algn="tl">
-                    <a:srgbClr xmlns:mc="http://schemas.openxmlformats.org/markup-compatibility/2006" xmlns:a14="http://schemas.microsoft.com/office/drawing/2007/7/7/main" val="000000" mc:Ignorable="">
+                    <a:srgbClr val="000000">
                       <a:alpha val="43137"/>
                     </a:srgbClr>
                   </a:outerShdw>
@@ -14023,11 +14039,11 @@
             <a:r>
               <a:rPr lang="en-US" altLang="ko-KR" sz="4000" b="1" dirty="0">
                 <a:solidFill>
-                  <a:srgbClr xmlns:mc="http://schemas.openxmlformats.org/markup-compatibility/2006" xmlns:a14="http://schemas.microsoft.com/office/drawing/2007/7/7/main" val="C44F00" mc:Ignorable=""/>
+                  <a:srgbClr val="C44F00"/>
                 </a:solidFill>
                 <a:effectLst>
                   <a:outerShdw blurRad="38100" dist="38100" dir="2700000" algn="tl">
-                    <a:srgbClr xmlns:mc="http://schemas.openxmlformats.org/markup-compatibility/2006" xmlns:a14="http://schemas.microsoft.com/office/drawing/2007/7/7/main" val="000000" mc:Ignorable="">
+                    <a:srgbClr val="000000">
                       <a:alpha val="43137"/>
                     </a:srgbClr>
                   </a:outerShdw>
@@ -14054,11 +14070,11 @@
             <a:r>
               <a:rPr lang="en-US" altLang="ko-KR" sz="4000" b="1" dirty="0">
                 <a:solidFill>
-                  <a:srgbClr xmlns:mc="http://schemas.openxmlformats.org/markup-compatibility/2006" xmlns:a14="http://schemas.microsoft.com/office/drawing/2007/7/7/main" val="C44F00" mc:Ignorable=""/>
+                  <a:srgbClr val="C44F00"/>
                 </a:solidFill>
                 <a:effectLst>
                   <a:outerShdw blurRad="38100" dist="38100" dir="2700000" algn="tl">
-                    <a:srgbClr xmlns:mc="http://schemas.openxmlformats.org/markup-compatibility/2006" xmlns:a14="http://schemas.microsoft.com/office/drawing/2007/7/7/main" val="000000" mc:Ignorable="">
+                    <a:srgbClr val="000000">
                       <a:alpha val="43137"/>
                     </a:srgbClr>
                   </a:outerShdw>
@@ -14091,11 +14107,11 @@
             <a:r>
               <a:rPr lang="en-US" altLang="ko-KR" sz="4000" b="1" dirty="0">
                 <a:solidFill>
-                  <a:srgbClr xmlns:mc="http://schemas.openxmlformats.org/markup-compatibility/2006" xmlns:a14="http://schemas.microsoft.com/office/drawing/2007/7/7/main" val="C44F00" mc:Ignorable=""/>
+                  <a:srgbClr val="C44F00"/>
                 </a:solidFill>
                 <a:effectLst>
                   <a:outerShdw blurRad="38100" dist="38100" dir="2700000" algn="tl">
-                    <a:srgbClr xmlns:mc="http://schemas.openxmlformats.org/markup-compatibility/2006" xmlns:a14="http://schemas.microsoft.com/office/drawing/2007/7/7/main" val="000000" mc:Ignorable="">
+                    <a:srgbClr val="000000">
                       <a:alpha val="43137"/>
                     </a:srgbClr>
                   </a:outerShdw>
@@ -14128,11 +14144,11 @@
             <a:r>
               <a:rPr lang="en-US" altLang="ko-KR" sz="4000" b="1" dirty="0">
                 <a:solidFill>
-                  <a:srgbClr xmlns:mc="http://schemas.openxmlformats.org/markup-compatibility/2006" xmlns:a14="http://schemas.microsoft.com/office/drawing/2007/7/7/main" val="C44F00" mc:Ignorable=""/>
+                  <a:srgbClr val="C44F00"/>
                 </a:solidFill>
                 <a:effectLst>
                   <a:outerShdw blurRad="38100" dist="38100" dir="2700000" algn="tl">
-                    <a:srgbClr xmlns:mc="http://schemas.openxmlformats.org/markup-compatibility/2006" xmlns:a14="http://schemas.microsoft.com/office/drawing/2007/7/7/main" val="000000" mc:Ignorable="">
+                    <a:srgbClr val="000000">
                       <a:alpha val="43137"/>
                     </a:srgbClr>
                   </a:outerShdw>
@@ -14162,7 +14178,7 @@
     </p:spTree>
     <p:extLst>
       <p:ext uri="{BB962C8B-B14F-4D97-AF65-F5344CB8AC3E}">
-        <p14:creationId xmlns:p14="http://schemas.microsoft.com/office/powerpoint/2007/7/12/main" val="1215991128"/>
+        <p14:creationId xmlns:p14="http://schemas.microsoft.com/office/powerpoint/2007/7/12/main" xmlns="" val="1215991128"/>
       </p:ext>
     </p:extLst>
   </p:cSld>
@@ -14172,7 +14188,7 @@
   <p:timing>
     <p:tnLst>
       <p:par>
-        <p:cTn xmlns:p14="http://schemas.microsoft.com/office/powerpoint/2007/7/12/main" id="1" dur="indefinite" restart="never" nodeType="tmRoot"/>
+        <p:cTn id="1" dur="indefinite" restart="never" nodeType="tmRoot"/>
       </p:par>
     </p:tnLst>
   </p:timing>
@@ -14281,7 +14297,7 @@
           <p:nvPr>
             <p:extLst>
               <p:ext uri="{D42A27DB-BD31-4B8C-83A1-F6EECF244321}">
-                <p14:modId xmlns:p14="http://schemas.microsoft.com/office/powerpoint/2007/7/12/main" val="1184675271"/>
+                <p14:modId xmlns:p14="http://schemas.microsoft.com/office/powerpoint/2007/7/12/main" xmlns="" val="1184675271"/>
               </p:ext>
             </p:extLst>
           </p:nvPr>
@@ -14299,7 +14315,7 @@
     </p:spTree>
     <p:extLst>
       <p:ext uri="{BB962C8B-B14F-4D97-AF65-F5344CB8AC3E}">
-        <p14:creationId xmlns:p14="http://schemas.microsoft.com/office/powerpoint/2007/7/12/main" val="454031538"/>
+        <p14:creationId xmlns:p14="http://schemas.microsoft.com/office/powerpoint/2007/7/12/main" xmlns="" val="454031538"/>
       </p:ext>
     </p:extLst>
   </p:cSld>
@@ -14309,7 +14325,7 @@
   <p:timing>
     <p:tnLst>
       <p:par>
-        <p:cTn xmlns:p14="http://schemas.microsoft.com/office/powerpoint/2007/7/12/main" id="1" dur="indefinite" restart="never" nodeType="tmRoot"/>
+        <p:cTn id="1" dur="indefinite" restart="never" nodeType="tmRoot"/>
       </p:par>
     </p:tnLst>
   </p:timing>
@@ -14363,11 +14379,11 @@
             <a:r>
               <a:rPr altLang="ko-KR" smtClean="0">
                 <a:solidFill>
-                  <a:srgbClr xmlns:mc="http://schemas.openxmlformats.org/markup-compatibility/2006" xmlns:a14="http://schemas.microsoft.com/office/drawing/2007/7/7/main" val="C44F00" mc:Ignorable=""/>
+                  <a:srgbClr val="C44F00"/>
                 </a:solidFill>
                 <a:effectLst>
                   <a:outerShdw blurRad="38100" dist="38100" dir="2700000" algn="tl">
-                    <a:srgbClr xmlns:mc="http://schemas.openxmlformats.org/markup-compatibility/2006" xmlns:a14="http://schemas.microsoft.com/office/drawing/2007/7/7/main" val="C0C0C0" mc:Ignorable=""/>
+                    <a:srgbClr val="C0C0C0"/>
                   </a:outerShdw>
                 </a:effectLst>
                 <a:ea typeface="굴림" charset="-127"/>
@@ -14382,11 +14398,11 @@
             <a:r>
               <a:rPr altLang="ko-KR" smtClean="0">
                 <a:solidFill>
-                  <a:srgbClr xmlns:mc="http://schemas.openxmlformats.org/markup-compatibility/2006" xmlns:a14="http://schemas.microsoft.com/office/drawing/2007/7/7/main" val="595959" mc:Ignorable=""/>
+                  <a:srgbClr val="595959"/>
                 </a:solidFill>
                 <a:effectLst>
                   <a:outerShdw blurRad="38100" dist="38100" dir="2700000" algn="tl">
-                    <a:srgbClr xmlns:mc="http://schemas.openxmlformats.org/markup-compatibility/2006" xmlns:a14="http://schemas.microsoft.com/office/drawing/2007/7/7/main" val="C0C0C0" mc:Ignorable=""/>
+                    <a:srgbClr val="C0C0C0"/>
                   </a:outerShdw>
                 </a:effectLst>
                 <a:ea typeface="굴림" charset="-127"/>
@@ -14401,11 +14417,11 @@
             <a:r>
               <a:rPr altLang="ko-KR" smtClean="0">
                 <a:solidFill>
-                  <a:srgbClr xmlns:mc="http://schemas.openxmlformats.org/markup-compatibility/2006" xmlns:a14="http://schemas.microsoft.com/office/drawing/2007/7/7/main" val="595959" mc:Ignorable=""/>
+                  <a:srgbClr val="595959"/>
                 </a:solidFill>
                 <a:effectLst>
                   <a:outerShdw blurRad="38100" dist="38100" dir="2700000" algn="tl">
-                    <a:srgbClr xmlns:mc="http://schemas.openxmlformats.org/markup-compatibility/2006" xmlns:a14="http://schemas.microsoft.com/office/drawing/2007/7/7/main" val="C0C0C0" mc:Ignorable=""/>
+                    <a:srgbClr val="C0C0C0"/>
                   </a:outerShdw>
                 </a:effectLst>
                 <a:ea typeface="굴림" charset="-127"/>
@@ -14419,11 +14435,11 @@
             </a:pPr>
             <a:endParaRPr altLang="ko-KR" smtClean="0">
               <a:solidFill>
-                <a:srgbClr xmlns:mc="http://schemas.openxmlformats.org/markup-compatibility/2006" xmlns:a14="http://schemas.microsoft.com/office/drawing/2007/7/7/main" val="8F481E" mc:Ignorable=""/>
+                <a:srgbClr val="8F481E"/>
               </a:solidFill>
               <a:effectLst>
                 <a:outerShdw blurRad="38100" dist="38100" dir="2700000" algn="tl">
-                  <a:srgbClr xmlns:mc="http://schemas.openxmlformats.org/markup-compatibility/2006" xmlns:a14="http://schemas.microsoft.com/office/drawing/2007/7/7/main" val="C0C0C0" mc:Ignorable=""/>
+                  <a:srgbClr val="C0C0C0"/>
                 </a:outerShdw>
               </a:effectLst>
               <a:ea typeface="굴림" charset="-127"/>
@@ -14468,7 +14484,7 @@
                 </a:ln>
                 <a:effectLst>
                   <a:outerShdw blurRad="38100" dist="38100" dir="2700000" algn="tl">
-                    <a:srgbClr xmlns:mc="http://schemas.openxmlformats.org/markup-compatibility/2006" xmlns:a14="http://schemas.microsoft.com/office/drawing/2007/7/7/main" val="000000" mc:Ignorable="">
+                    <a:srgbClr val="000000">
                       <a:alpha val="43137"/>
                     </a:srgbClr>
                   </a:outerShdw>
@@ -14486,7 +14502,7 @@
                 </a:solidFill>
                 <a:effectLst>
                   <a:outerShdw blurRad="38100" dist="38100" dir="2700000" algn="tl">
-                    <a:srgbClr xmlns:mc="http://schemas.openxmlformats.org/markup-compatibility/2006" xmlns:a14="http://schemas.microsoft.com/office/drawing/2007/7/7/main" val="000000" mc:Ignorable="">
+                    <a:srgbClr val="000000">
                       <a:alpha val="43137"/>
                     </a:srgbClr>
                   </a:outerShdw>
@@ -14504,7 +14520,7 @@
                 </a:solidFill>
                 <a:effectLst>
                   <a:outerShdw blurRad="38100" dist="38100" dir="2700000" algn="tl">
-                    <a:srgbClr xmlns:mc="http://schemas.openxmlformats.org/markup-compatibility/2006" xmlns:a14="http://schemas.microsoft.com/office/drawing/2007/7/7/main" val="000000" mc:Ignorable="">
+                    <a:srgbClr val="000000">
                       <a:alpha val="43137"/>
                     </a:srgbClr>
                   </a:outerShdw>
@@ -14521,7 +14537,7 @@
                 </a:solidFill>
                 <a:effectLst>
                   <a:outerShdw blurRad="38100" dist="38100" dir="2700000" algn="tl">
-                    <a:srgbClr xmlns:mc="http://schemas.openxmlformats.org/markup-compatibility/2006" xmlns:a14="http://schemas.microsoft.com/office/drawing/2007/7/7/main" val="000000" mc:Ignorable="">
+                    <a:srgbClr val="000000">
                       <a:alpha val="43137"/>
                     </a:srgbClr>
                   </a:outerShdw>
@@ -14541,7 +14557,7 @@
                 </a:solidFill>
                 <a:effectLst>
                   <a:outerShdw blurRad="38100" dist="38100" dir="2700000" algn="tl">
-                    <a:srgbClr xmlns:mc="http://schemas.openxmlformats.org/markup-compatibility/2006" xmlns:a14="http://schemas.microsoft.com/office/drawing/2007/7/7/main" val="000000" mc:Ignorable="">
+                    <a:srgbClr val="000000">
                       <a:alpha val="43137"/>
                     </a:srgbClr>
                   </a:outerShdw>
@@ -14560,7 +14576,7 @@
               </a:solidFill>
               <a:effectLst>
                 <a:outerShdw blurRad="38100" dist="38100" dir="2700000" algn="tl">
-                  <a:srgbClr xmlns:mc="http://schemas.openxmlformats.org/markup-compatibility/2006" xmlns:a14="http://schemas.microsoft.com/office/drawing/2007/7/7/main" val="000000" mc:Ignorable="">
+                  <a:srgbClr val="000000">
                     <a:alpha val="43137"/>
                   </a:srgbClr>
                 </a:outerShdw>
@@ -14626,7 +14642,7 @@
             </a:avLst>
           </a:prstGeom>
           <a:solidFill>
-            <a:srgbClr xmlns:mc="http://schemas.openxmlformats.org/markup-compatibility/2006" xmlns:a14="http://schemas.microsoft.com/office/drawing/2007/7/7/main" val="FFFFFF" mc:Ignorable="">
+            <a:srgbClr val="FFFFFF">
               <a:shade val="85000"/>
             </a:srgbClr>
           </a:solidFill>
@@ -14664,7 +14680,7 @@
             </a:avLst>
           </a:prstGeom>
           <a:solidFill>
-            <a:srgbClr xmlns:mc="http://schemas.openxmlformats.org/markup-compatibility/2006" xmlns:a14="http://schemas.microsoft.com/office/drawing/2007/7/7/main" val="FFFFFF" mc:Ignorable="">
+            <a:srgbClr val="FFFFFF">
               <a:shade val="85000"/>
             </a:srgbClr>
           </a:solidFill>
@@ -14719,7 +14735,7 @@
               <a:rPr lang="fr-FR" sz="2400" b="1" dirty="0" smtClean="0">
                 <a:effectLst>
                   <a:outerShdw blurRad="38100" dist="38100" dir="2700000" algn="tl">
-                    <a:srgbClr xmlns:mc="http://schemas.openxmlformats.org/markup-compatibility/2006" xmlns:a14="http://schemas.microsoft.com/office/drawing/2007/7/7/main" val="000000" mc:Ignorable="">
+                    <a:srgbClr val="000000">
                       <a:alpha val="43137"/>
                     </a:srgbClr>
                   </a:outerShdw>
@@ -14738,7 +14754,7 @@
   <p:timing>
     <p:tnLst>
       <p:par>
-        <p:cTn xmlns:p14="http://schemas.microsoft.com/office/powerpoint/2007/7/12/main" id="1" dur="indefinite" restart="never" nodeType="tmRoot"/>
+        <p:cTn id="1" dur="indefinite" restart="never" nodeType="tmRoot"/>
       </p:par>
     </p:tnLst>
   </p:timing>
@@ -14954,7 +14970,7 @@
   <p:timing>
     <p:tnLst>
       <p:par>
-        <p:cTn xmlns:p14="http://schemas.microsoft.com/office/powerpoint/2007/7/12/main" id="1" dur="indefinite" restart="never" nodeType="tmRoot"/>
+        <p:cTn id="1" dur="indefinite" restart="never" nodeType="tmRoot"/>
       </p:par>
     </p:tnLst>
   </p:timing>
@@ -15080,16 +15096,16 @@
               <a:defRPr lang="fr-FR" sz="3600" b="0" cap="none" spc="0">
                 <a:ln w="18415" cmpd="sng">
                   <a:solidFill>
-                    <a:srgbClr xmlns:mc="http://schemas.openxmlformats.org/markup-compatibility/2006" xmlns:a14="http://schemas.microsoft.com/office/drawing/2007/7/7/main" val="FFFFFF" mc:Ignorable=""/>
+                    <a:srgbClr val="FFFFFF"/>
                   </a:solidFill>
                   <a:prstDash val="solid"/>
                 </a:ln>
                 <a:solidFill>
-                  <a:srgbClr xmlns:mc="http://schemas.openxmlformats.org/markup-compatibility/2006" xmlns:a14="http://schemas.microsoft.com/office/drawing/2007/7/7/main" val="FFFFFF" mc:Ignorable=""/>
+                  <a:srgbClr val="FFFFFF"/>
                 </a:solidFill>
                 <a:effectLst>
                   <a:outerShdw blurRad="63500" dir="3600000" algn="tl" rotWithShape="0">
-                    <a:srgbClr xmlns:mc="http://schemas.openxmlformats.org/markup-compatibility/2006" xmlns:a14="http://schemas.microsoft.com/office/drawing/2007/7/7/main" val="000000" mc:Ignorable="">
+                    <a:srgbClr val="000000">
                       <a:alpha val="70000"/>
                     </a:srgbClr>
                   </a:outerShdw>
@@ -15227,7 +15243,7 @@
           <a:p>
             <a:pPr indent="273050" eaLnBrk="1" hangingPunct="1">
               <a:buClr>
-                <a:srgbClr xmlns:mc="http://schemas.openxmlformats.org/markup-compatibility/2006" xmlns:a14="http://schemas.microsoft.com/office/drawing/2007/7/7/main" val="C44F00" mc:Ignorable=""/>
+                <a:srgbClr val="C44F00"/>
               </a:buClr>
               <a:buFont typeface="Calibri" pitchFamily="34" charset="0"/>
               <a:buAutoNum type="arabicPeriod"/>
@@ -15249,7 +15265,7 @@
           <a:p>
             <a:pPr indent="273050" eaLnBrk="1" hangingPunct="1">
               <a:buClr>
-                <a:srgbClr xmlns:mc="http://schemas.openxmlformats.org/markup-compatibility/2006" xmlns:a14="http://schemas.microsoft.com/office/drawing/2007/7/7/main" val="C44F00" mc:Ignorable=""/>
+                <a:srgbClr val="C44F00"/>
               </a:buClr>
               <a:buFont typeface="Calibri" pitchFamily="34" charset="0"/>
               <a:buAutoNum type="arabicPeriod"/>
@@ -15268,7 +15284,7 @@
           <a:p>
             <a:pPr indent="273050" eaLnBrk="1" hangingPunct="1">
               <a:buClr>
-                <a:srgbClr xmlns:mc="http://schemas.openxmlformats.org/markup-compatibility/2006" xmlns:a14="http://schemas.microsoft.com/office/drawing/2007/7/7/main" val="C44F00" mc:Ignorable=""/>
+                <a:srgbClr val="C44F00"/>
               </a:buClr>
               <a:buFont typeface="Calibri" pitchFamily="34" charset="0"/>
               <a:buAutoNum type="arabicPeriod"/>
@@ -15290,7 +15306,7 @@
           <a:p>
             <a:pPr indent="273050" eaLnBrk="1" hangingPunct="1">
               <a:buClr>
-                <a:srgbClr xmlns:mc="http://schemas.openxmlformats.org/markup-compatibility/2006" xmlns:a14="http://schemas.microsoft.com/office/drawing/2007/7/7/main" val="C44F00" mc:Ignorable=""/>
+                <a:srgbClr val="C44F00"/>
               </a:buClr>
               <a:buFont typeface="Calibri" pitchFamily="34" charset="0"/>
               <a:buAutoNum type="arabicPeriod"/>
@@ -15309,7 +15325,7 @@
           <a:p>
             <a:pPr indent="273050" eaLnBrk="1" hangingPunct="1">
               <a:buClr>
-                <a:srgbClr xmlns:mc="http://schemas.openxmlformats.org/markup-compatibility/2006" xmlns:a14="http://schemas.microsoft.com/office/drawing/2007/7/7/main" val="C44F00" mc:Ignorable=""/>
+                <a:srgbClr val="C44F00"/>
               </a:buClr>
               <a:buFont typeface="Calibri" pitchFamily="34" charset="0"/>
               <a:buAutoNum type="arabicPeriod"/>
@@ -15331,7 +15347,7 @@
           <a:p>
             <a:pPr indent="273050" eaLnBrk="1" hangingPunct="1">
               <a:buClr>
-                <a:srgbClr xmlns:mc="http://schemas.openxmlformats.org/markup-compatibility/2006" xmlns:a14="http://schemas.microsoft.com/office/drawing/2007/7/7/main" val="C44F00" mc:Ignorable=""/>
+                <a:srgbClr val="C44F00"/>
               </a:buClr>
               <a:buFont typeface="Calibri" pitchFamily="34" charset="0"/>
               <a:buAutoNum type="arabicPeriod"/>
@@ -15350,7 +15366,7 @@
           <a:p>
             <a:pPr indent="273050" eaLnBrk="1" hangingPunct="1">
               <a:buClr>
-                <a:srgbClr xmlns:mc="http://schemas.openxmlformats.org/markup-compatibility/2006" xmlns:a14="http://schemas.microsoft.com/office/drawing/2007/7/7/main" val="C44F00" mc:Ignorable=""/>
+                <a:srgbClr val="C44F00"/>
               </a:buClr>
               <a:buFont typeface="Calibri" pitchFamily="34" charset="0"/>
               <a:buAutoNum type="arabicPeriod"/>
@@ -15406,7 +15422,7 @@
             </a:avLst>
           </a:prstGeom>
           <a:solidFill>
-            <a:srgbClr xmlns:mc="http://schemas.openxmlformats.org/markup-compatibility/2006" xmlns:a14="http://schemas.microsoft.com/office/drawing/2007/7/7/main" val="FFFFFF" mc:Ignorable="">
+            <a:srgbClr val="FFFFFF">
               <a:shade val="85000"/>
             </a:srgbClr>
           </a:solidFill>
@@ -15426,7 +15442,7 @@
     </p:spTree>
     <p:extLst>
       <p:ext uri="{BB962C8B-B14F-4D97-AF65-F5344CB8AC3E}">
-        <p14:creationId xmlns:p14="http://schemas.microsoft.com/office/powerpoint/2007/7/12/main" val="2996111515"/>
+        <p14:creationId xmlns:p14="http://schemas.microsoft.com/office/powerpoint/2007/7/12/main" xmlns="" val="2996111515"/>
       </p:ext>
     </p:extLst>
   </p:cSld>
@@ -15436,7 +15452,7 @@
   <p:timing>
     <p:tnLst>
       <p:par>
-        <p:cTn xmlns:p14="http://schemas.microsoft.com/office/powerpoint/2007/7/12/main" id="1" dur="indefinite" restart="never" nodeType="tmRoot"/>
+        <p:cTn id="1" dur="indefinite" restart="never" nodeType="tmRoot"/>
       </p:par>
     </p:tnLst>
   </p:timing>
@@ -15540,7 +15556,11 @@
             </a:r>
             <a:r>
               <a:rPr lang="en-US" dirty="0"/>
-              <a:t>ecovery system (</a:t>
+              <a:t>ecovery </a:t>
+            </a:r>
+            <a:r>
+              <a:rPr lang="en-US" dirty="0" smtClean="0"/>
+              <a:t>(</a:t>
             </a:r>
             <a:r>
               <a:rPr lang="en-US" b="1" dirty="0"/>
@@ -15710,7 +15730,7 @@
     </p:spTree>
     <p:extLst>
       <p:ext uri="{BB962C8B-B14F-4D97-AF65-F5344CB8AC3E}">
-        <p14:creationId xmlns:p14="http://schemas.microsoft.com/office/powerpoint/2007/7/12/main" val="3707259682"/>
+        <p14:creationId xmlns:p14="http://schemas.microsoft.com/office/powerpoint/2007/7/12/main" xmlns="" val="3707259682"/>
       </p:ext>
     </p:extLst>
   </p:cSld>
@@ -15720,7 +15740,7 @@
   <p:timing>
     <p:tnLst>
       <p:par>
-        <p:cTn xmlns:p14="http://schemas.microsoft.com/office/powerpoint/2007/7/12/main" id="1" dur="indefinite" restart="never" nodeType="tmRoot"/>
+        <p:cTn id="1" dur="indefinite" restart="never" nodeType="tmRoot"/>
       </p:par>
     </p:tnLst>
   </p:timing>
@@ -15980,7 +16000,7 @@
                 <a:spcPct val="0"/>
               </a:spcAft>
               <a:buClr>
-                <a:srgbClr xmlns:mc="http://schemas.openxmlformats.org/markup-compatibility/2006" xmlns:a14="http://schemas.microsoft.com/office/drawing/2007/7/7/main" val="DA7E18" mc:Ignorable=""/>
+                <a:srgbClr val="DA7E18"/>
               </a:buClr>
               <a:buSzPct val="70000"/>
               <a:buFont typeface="Wingdings" pitchFamily="2" charset="2"/>
@@ -16002,7 +16022,7 @@
                 <a:spcPct val="0"/>
               </a:spcAft>
               <a:buClr>
-                <a:srgbClr xmlns:mc="http://schemas.openxmlformats.org/markup-compatibility/2006" xmlns:a14="http://schemas.microsoft.com/office/drawing/2007/7/7/main" val="E5AB1B" mc:Ignorable=""/>
+                <a:srgbClr val="E5AB1B"/>
               </a:buClr>
               <a:buSzPct val="70000"/>
               <a:buFont typeface="Wingdings" pitchFamily="2" charset="2"/>
@@ -16384,7 +16404,7 @@
                 <a:spcPct val="0"/>
               </a:spcAft>
               <a:buClr>
-                <a:srgbClr xmlns:mc="http://schemas.openxmlformats.org/markup-compatibility/2006" xmlns:a14="http://schemas.microsoft.com/office/drawing/2007/7/7/main" val="DA7E18" mc:Ignorable=""/>
+                <a:srgbClr val="DA7E18"/>
               </a:buClr>
               <a:buSzPct val="70000"/>
               <a:buFont typeface="Wingdings" pitchFamily="2" charset="2"/>
@@ -16406,7 +16426,7 @@
                 <a:spcPct val="0"/>
               </a:spcAft>
               <a:buClr>
-                <a:srgbClr xmlns:mc="http://schemas.openxmlformats.org/markup-compatibility/2006" xmlns:a14="http://schemas.microsoft.com/office/drawing/2007/7/7/main" val="E5AB1B" mc:Ignorable=""/>
+                <a:srgbClr val="E5AB1B"/>
               </a:buClr>
               <a:buSzPct val="70000"/>
               <a:buFont typeface="Wingdings" pitchFamily="2" charset="2"/>
@@ -16604,7 +16624,7 @@
                 <a:spcPct val="0"/>
               </a:spcAft>
               <a:buClr>
-                <a:srgbClr xmlns:mc="http://schemas.openxmlformats.org/markup-compatibility/2006" xmlns:a14="http://schemas.microsoft.com/office/drawing/2007/7/7/main" val="DA7E18" mc:Ignorable=""/>
+                <a:srgbClr val="DA7E18"/>
               </a:buClr>
               <a:buSzPct val="70000"/>
               <a:buFont typeface="Wingdings" pitchFamily="2" charset="2"/>
@@ -16626,7 +16646,7 @@
                 <a:spcPct val="0"/>
               </a:spcAft>
               <a:buClr>
-                <a:srgbClr xmlns:mc="http://schemas.openxmlformats.org/markup-compatibility/2006" xmlns:a14="http://schemas.microsoft.com/office/drawing/2007/7/7/main" val="E5AB1B" mc:Ignorable=""/>
+                <a:srgbClr val="E5AB1B"/>
               </a:buClr>
               <a:buSzPct val="70000"/>
               <a:buFont typeface="Wingdings" pitchFamily="2" charset="2"/>
@@ -16824,7 +16844,7 @@
                 <a:spcPct val="0"/>
               </a:spcAft>
               <a:buClr>
-                <a:srgbClr xmlns:mc="http://schemas.openxmlformats.org/markup-compatibility/2006" xmlns:a14="http://schemas.microsoft.com/office/drawing/2007/7/7/main" val="DA7E18" mc:Ignorable=""/>
+                <a:srgbClr val="DA7E18"/>
               </a:buClr>
               <a:buSzPct val="70000"/>
               <a:buFont typeface="Wingdings" pitchFamily="2" charset="2"/>
@@ -16846,7 +16866,7 @@
                 <a:spcPct val="0"/>
               </a:spcAft>
               <a:buClr>
-                <a:srgbClr xmlns:mc="http://schemas.openxmlformats.org/markup-compatibility/2006" xmlns:a14="http://schemas.microsoft.com/office/drawing/2007/7/7/main" val="E5AB1B" mc:Ignorable=""/>
+                <a:srgbClr val="E5AB1B"/>
               </a:buClr>
               <a:buSzPct val="70000"/>
               <a:buFont typeface="Wingdings" pitchFamily="2" charset="2"/>
@@ -17039,7 +17059,7 @@
                 <a:spcPct val="0"/>
               </a:spcAft>
               <a:buClr>
-                <a:srgbClr xmlns:mc="http://schemas.openxmlformats.org/markup-compatibility/2006" xmlns:a14="http://schemas.microsoft.com/office/drawing/2007/7/7/main" val="DA7E18" mc:Ignorable=""/>
+                <a:srgbClr val="DA7E18"/>
               </a:buClr>
               <a:buSzPct val="70000"/>
               <a:buFont typeface="Wingdings" pitchFamily="2" charset="2"/>
@@ -17061,7 +17081,7 @@
                 <a:spcPct val="0"/>
               </a:spcAft>
               <a:buClr>
-                <a:srgbClr xmlns:mc="http://schemas.openxmlformats.org/markup-compatibility/2006" xmlns:a14="http://schemas.microsoft.com/office/drawing/2007/7/7/main" val="E5AB1B" mc:Ignorable=""/>
+                <a:srgbClr val="E5AB1B"/>
               </a:buClr>
               <a:buSzPct val="70000"/>
               <a:buFont typeface="Wingdings" pitchFamily="2" charset="2"/>
@@ -17238,7 +17258,7 @@
                 <a:spcPct val="0"/>
               </a:spcAft>
               <a:buClr>
-                <a:srgbClr xmlns:mc="http://schemas.openxmlformats.org/markup-compatibility/2006" xmlns:a14="http://schemas.microsoft.com/office/drawing/2007/7/7/main" val="DA7E18" mc:Ignorable=""/>
+                <a:srgbClr val="DA7E18"/>
               </a:buClr>
               <a:buSzPct val="70000"/>
               <a:buFont typeface="Wingdings" pitchFamily="2" charset="2"/>
@@ -17260,7 +17280,7 @@
                 <a:spcPct val="0"/>
               </a:spcAft>
               <a:buClr>
-                <a:srgbClr xmlns:mc="http://schemas.openxmlformats.org/markup-compatibility/2006" xmlns:a14="http://schemas.microsoft.com/office/drawing/2007/7/7/main" val="E5AB1B" mc:Ignorable=""/>
+                <a:srgbClr val="E5AB1B"/>
               </a:buClr>
               <a:buSzPct val="70000"/>
               <a:buFont typeface="Wingdings" pitchFamily="2" charset="2"/>
@@ -17399,7 +17419,7 @@
     </p:spTree>
     <p:extLst>
       <p:ext uri="{BB962C8B-B14F-4D97-AF65-F5344CB8AC3E}">
-        <p14:creationId xmlns:p14="http://schemas.microsoft.com/office/powerpoint/2007/7/12/main" val="1726127084"/>
+        <p14:creationId xmlns:p14="http://schemas.microsoft.com/office/powerpoint/2007/7/12/main" xmlns="" val="1726127084"/>
       </p:ext>
     </p:extLst>
   </p:cSld>
@@ -17409,7 +17429,7 @@
   <p:timing>
     <p:tnLst>
       <p:par>
-        <p:cTn xmlns:p14="http://schemas.microsoft.com/office/powerpoint/2007/7/12/main" id="1" dur="indefinite" restart="never" nodeType="tmRoot"/>
+        <p:cTn id="1" dur="indefinite" restart="never" nodeType="tmRoot"/>
       </p:par>
     </p:tnLst>
   </p:timing>
@@ -17502,11 +17522,7 @@
             </a:r>
             <a:r>
               <a:rPr lang="fr-FR" sz="1800" dirty="0" smtClean="0"/>
-              <a:t> </a:t>
-            </a:r>
-            <a:r>
-              <a:rPr lang="fr-FR" sz="1800" dirty="0" smtClean="0"/>
-              <a:t>1/2:  </a:t>
+              <a:t> 1/2:  </a:t>
             </a:r>
             <a:r>
               <a:rPr lang="fr-FR" b="1" i="1" dirty="0" smtClean="0"/>
@@ -18072,7 +18088,7 @@
                 <a:spcPct val="0"/>
               </a:spcAft>
               <a:buClr>
-                <a:srgbClr xmlns:mc="http://schemas.openxmlformats.org/markup-compatibility/2006" xmlns:a14="http://schemas.microsoft.com/office/drawing/2007/7/7/main" val="DA7E18" mc:Ignorable=""/>
+                <a:srgbClr val="DA7E18"/>
               </a:buClr>
               <a:buSzPct val="70000"/>
               <a:buFont typeface="Wingdings" pitchFamily="2" charset="2"/>
@@ -18094,7 +18110,7 @@
                 <a:spcPct val="0"/>
               </a:spcAft>
               <a:buClr>
-                <a:srgbClr xmlns:mc="http://schemas.openxmlformats.org/markup-compatibility/2006" xmlns:a14="http://schemas.microsoft.com/office/drawing/2007/7/7/main" val="E5AB1B" mc:Ignorable=""/>
+                <a:srgbClr val="E5AB1B"/>
               </a:buClr>
               <a:buSzPct val="70000"/>
               <a:buFont typeface="Wingdings" pitchFamily="2" charset="2"/>
@@ -18271,7 +18287,7 @@
                 <a:spcPct val="0"/>
               </a:spcAft>
               <a:buClr>
-                <a:srgbClr xmlns:mc="http://schemas.openxmlformats.org/markup-compatibility/2006" xmlns:a14="http://schemas.microsoft.com/office/drawing/2007/7/7/main" val="DA7E18" mc:Ignorable=""/>
+                <a:srgbClr val="DA7E18"/>
               </a:buClr>
               <a:buSzPct val="70000"/>
               <a:buFont typeface="Wingdings" pitchFamily="2" charset="2"/>
@@ -18293,7 +18309,7 @@
                 <a:spcPct val="0"/>
               </a:spcAft>
               <a:buClr>
-                <a:srgbClr xmlns:mc="http://schemas.openxmlformats.org/markup-compatibility/2006" xmlns:a14="http://schemas.microsoft.com/office/drawing/2007/7/7/main" val="E5AB1B" mc:Ignorable=""/>
+                <a:srgbClr val="E5AB1B"/>
               </a:buClr>
               <a:buSzPct val="70000"/>
               <a:buFont typeface="Wingdings" pitchFamily="2" charset="2"/>
@@ -18760,7 +18776,7 @@
                 <a:spcPct val="0"/>
               </a:spcAft>
               <a:buClr>
-                <a:srgbClr xmlns:mc="http://schemas.openxmlformats.org/markup-compatibility/2006" xmlns:a14="http://schemas.microsoft.com/office/drawing/2007/7/7/main" val="DA7E18" mc:Ignorable=""/>
+                <a:srgbClr val="DA7E18"/>
               </a:buClr>
               <a:buSzPct val="70000"/>
               <a:buFont typeface="Wingdings" pitchFamily="2" charset="2"/>
@@ -18782,7 +18798,7 @@
                 <a:spcPct val="0"/>
               </a:spcAft>
               <a:buClr>
-                <a:srgbClr xmlns:mc="http://schemas.openxmlformats.org/markup-compatibility/2006" xmlns:a14="http://schemas.microsoft.com/office/drawing/2007/7/7/main" val="E5AB1B" mc:Ignorable=""/>
+                <a:srgbClr val="E5AB1B"/>
               </a:buClr>
               <a:buSzPct val="70000"/>
               <a:buFont typeface="Wingdings" pitchFamily="2" charset="2"/>
@@ -18962,7 +18978,7 @@
                 <a:spcPct val="0"/>
               </a:spcAft>
               <a:buClr>
-                <a:srgbClr xmlns:mc="http://schemas.openxmlformats.org/markup-compatibility/2006" xmlns:a14="http://schemas.microsoft.com/office/drawing/2007/7/7/main" val="DA7E18" mc:Ignorable=""/>
+                <a:srgbClr val="DA7E18"/>
               </a:buClr>
               <a:buSzPct val="70000"/>
               <a:buFont typeface="Wingdings" pitchFamily="2" charset="2"/>
@@ -18984,7 +19000,7 @@
                 <a:spcPct val="0"/>
               </a:spcAft>
               <a:buClr>
-                <a:srgbClr xmlns:mc="http://schemas.openxmlformats.org/markup-compatibility/2006" xmlns:a14="http://schemas.microsoft.com/office/drawing/2007/7/7/main" val="E5AB1B" mc:Ignorable=""/>
+                <a:srgbClr val="E5AB1B"/>
               </a:buClr>
               <a:buSzPct val="70000"/>
               <a:buFont typeface="Wingdings" pitchFamily="2" charset="2"/>
@@ -19341,7 +19357,7 @@
                 </a:solidFill>
                 <a:effectLst>
                   <a:outerShdw blurRad="38100" dist="38100" dir="2700000" algn="tl">
-                    <a:srgbClr xmlns:mc="http://schemas.openxmlformats.org/markup-compatibility/2006" xmlns:a14="http://schemas.microsoft.com/office/drawing/2007/7/7/main" val="000000" mc:Ignorable="">
+                    <a:srgbClr val="000000">
                       <a:alpha val="43137"/>
                     </a:srgbClr>
                   </a:outerShdw>
@@ -19388,7 +19404,7 @@
     </p:spTree>
     <p:extLst>
       <p:ext uri="{BB962C8B-B14F-4D97-AF65-F5344CB8AC3E}">
-        <p14:creationId xmlns:p14="http://schemas.microsoft.com/office/powerpoint/2007/7/12/main" val="2769818375"/>
+        <p14:creationId xmlns:p14="http://schemas.microsoft.com/office/powerpoint/2007/7/12/main" xmlns="" val="2769818375"/>
       </p:ext>
     </p:extLst>
   </p:cSld>
@@ -19398,7 +19414,7 @@
   <p:timing>
     <p:tnLst>
       <p:par>
-        <p:cTn xmlns:p14="http://schemas.microsoft.com/office/powerpoint/2007/7/12/main" id="1" dur="indefinite" restart="never" nodeType="tmRoot"/>
+        <p:cTn id="1" dur="indefinite" restart="never" nodeType="tmRoot"/>
       </p:par>
     </p:tnLst>
   </p:timing>
@@ -19491,11 +19507,7 @@
             </a:r>
             <a:r>
               <a:rPr lang="fr-FR" sz="1800" dirty="0" smtClean="0"/>
-              <a:t> </a:t>
-            </a:r>
-            <a:r>
-              <a:rPr lang="fr-FR" sz="1800" dirty="0" smtClean="0"/>
-              <a:t>2/2:           </a:t>
+              <a:t> 2/2:           </a:t>
             </a:r>
             <a:r>
               <a:rPr lang="fr-FR" b="1" i="1" dirty="0" smtClean="0"/>
@@ -20018,7 +20030,7 @@
                 <a:spcPct val="0"/>
               </a:spcAft>
               <a:buClr>
-                <a:srgbClr xmlns:mc="http://schemas.openxmlformats.org/markup-compatibility/2006" xmlns:a14="http://schemas.microsoft.com/office/drawing/2007/7/7/main" val="DA7E18" mc:Ignorable=""/>
+                <a:srgbClr val="DA7E18"/>
               </a:buClr>
               <a:buSzPct val="70000"/>
               <a:buFont typeface="Wingdings" pitchFamily="2" charset="2"/>
@@ -20040,7 +20052,7 @@
                 <a:spcPct val="0"/>
               </a:spcAft>
               <a:buClr>
-                <a:srgbClr xmlns:mc="http://schemas.openxmlformats.org/markup-compatibility/2006" xmlns:a14="http://schemas.microsoft.com/office/drawing/2007/7/7/main" val="E5AB1B" mc:Ignorable=""/>
+                <a:srgbClr val="E5AB1B"/>
               </a:buClr>
               <a:buSzPct val="70000"/>
               <a:buFont typeface="Wingdings" pitchFamily="2" charset="2"/>
@@ -20217,7 +20229,7 @@
                 <a:spcPct val="0"/>
               </a:spcAft>
               <a:buClr>
-                <a:srgbClr xmlns:mc="http://schemas.openxmlformats.org/markup-compatibility/2006" xmlns:a14="http://schemas.microsoft.com/office/drawing/2007/7/7/main" val="DA7E18" mc:Ignorable=""/>
+                <a:srgbClr val="DA7E18"/>
               </a:buClr>
               <a:buSzPct val="70000"/>
               <a:buFont typeface="Wingdings" pitchFamily="2" charset="2"/>
@@ -20239,7 +20251,7 @@
                 <a:spcPct val="0"/>
               </a:spcAft>
               <a:buClr>
-                <a:srgbClr xmlns:mc="http://schemas.openxmlformats.org/markup-compatibility/2006" xmlns:a14="http://schemas.microsoft.com/office/drawing/2007/7/7/main" val="E5AB1B" mc:Ignorable=""/>
+                <a:srgbClr val="E5AB1B"/>
               </a:buClr>
               <a:buSzPct val="70000"/>
               <a:buFont typeface="Wingdings" pitchFamily="2" charset="2"/>
@@ -20729,7 +20741,7 @@
                 <a:spcPct val="0"/>
               </a:spcAft>
               <a:buClr>
-                <a:srgbClr xmlns:mc="http://schemas.openxmlformats.org/markup-compatibility/2006" xmlns:a14="http://schemas.microsoft.com/office/drawing/2007/7/7/main" val="DA7E18" mc:Ignorable=""/>
+                <a:srgbClr val="DA7E18"/>
               </a:buClr>
               <a:buSzPct val="70000"/>
               <a:buFont typeface="Wingdings" pitchFamily="2" charset="2"/>
@@ -20751,7 +20763,7 @@
                 <a:spcPct val="0"/>
               </a:spcAft>
               <a:buClr>
-                <a:srgbClr xmlns:mc="http://schemas.openxmlformats.org/markup-compatibility/2006" xmlns:a14="http://schemas.microsoft.com/office/drawing/2007/7/7/main" val="E5AB1B" mc:Ignorable=""/>
+                <a:srgbClr val="E5AB1B"/>
               </a:buClr>
               <a:buSzPct val="70000"/>
               <a:buFont typeface="Wingdings" pitchFamily="2" charset="2"/>
@@ -20927,7 +20939,7 @@
                 <a:spcPct val="0"/>
               </a:spcAft>
               <a:buClr>
-                <a:srgbClr xmlns:mc="http://schemas.openxmlformats.org/markup-compatibility/2006" xmlns:a14="http://schemas.microsoft.com/office/drawing/2007/7/7/main" val="DA7E18" mc:Ignorable=""/>
+                <a:srgbClr val="DA7E18"/>
               </a:buClr>
               <a:buSzPct val="70000"/>
               <a:buFont typeface="Wingdings" pitchFamily="2" charset="2"/>
@@ -20949,7 +20961,7 @@
                 <a:spcPct val="0"/>
               </a:spcAft>
               <a:buClr>
-                <a:srgbClr xmlns:mc="http://schemas.openxmlformats.org/markup-compatibility/2006" xmlns:a14="http://schemas.microsoft.com/office/drawing/2007/7/7/main" val="E5AB1B" mc:Ignorable=""/>
+                <a:srgbClr val="E5AB1B"/>
               </a:buClr>
               <a:buSzPct val="70000"/>
               <a:buFont typeface="Wingdings" pitchFamily="2" charset="2"/>
@@ -21216,7 +21228,7 @@
                 </a:solidFill>
                 <a:effectLst>
                   <a:outerShdw blurRad="38100" dist="38100" dir="2700000" algn="tl">
-                    <a:srgbClr xmlns:mc="http://schemas.openxmlformats.org/markup-compatibility/2006" xmlns:a14="http://schemas.microsoft.com/office/drawing/2007/7/7/main" val="000000" mc:Ignorable="">
+                    <a:srgbClr val="000000">
                       <a:alpha val="43137"/>
                     </a:srgbClr>
                   </a:outerShdw>
@@ -21233,7 +21245,7 @@
                 </a:solidFill>
                 <a:effectLst>
                   <a:outerShdw blurRad="38100" dist="38100" dir="2700000" algn="tl">
-                    <a:srgbClr xmlns:mc="http://schemas.openxmlformats.org/markup-compatibility/2006" xmlns:a14="http://schemas.microsoft.com/office/drawing/2007/7/7/main" val="000000" mc:Ignorable="">
+                    <a:srgbClr val="000000">
                       <a:alpha val="43137"/>
                     </a:srgbClr>
                   </a:outerShdw>
@@ -21250,7 +21262,7 @@
                 </a:solidFill>
                 <a:effectLst>
                   <a:outerShdw blurRad="38100" dist="38100" dir="2700000" algn="tl">
-                    <a:srgbClr xmlns:mc="http://schemas.openxmlformats.org/markup-compatibility/2006" xmlns:a14="http://schemas.microsoft.com/office/drawing/2007/7/7/main" val="000000" mc:Ignorable="">
+                    <a:srgbClr val="000000">
                       <a:alpha val="43137"/>
                     </a:srgbClr>
                   </a:outerShdw>
@@ -21267,7 +21279,7 @@
                 </a:solidFill>
                 <a:effectLst>
                   <a:outerShdw blurRad="38100" dist="38100" dir="2700000" algn="tl">
-                    <a:srgbClr xmlns:mc="http://schemas.openxmlformats.org/markup-compatibility/2006" xmlns:a14="http://schemas.microsoft.com/office/drawing/2007/7/7/main" val="000000" mc:Ignorable="">
+                    <a:srgbClr val="000000">
                       <a:alpha val="43137"/>
                     </a:srgbClr>
                   </a:outerShdw>
@@ -21401,7 +21413,7 @@
     </p:spTree>
     <p:extLst>
       <p:ext uri="{BB962C8B-B14F-4D97-AF65-F5344CB8AC3E}">
-        <p14:creationId xmlns:p14="http://schemas.microsoft.com/office/powerpoint/2007/7/12/main" val="2463560530"/>
+        <p14:creationId xmlns:p14="http://schemas.microsoft.com/office/powerpoint/2007/7/12/main" xmlns="" val="2463560530"/>
       </p:ext>
     </p:extLst>
   </p:cSld>
@@ -21411,7 +21423,7 @@
   <p:timing>
     <p:tnLst>
       <p:par>
-        <p:cTn xmlns:p14="http://schemas.microsoft.com/office/powerpoint/2007/7/12/main" id="1" dur="indefinite" restart="never" nodeType="tmRoot"/>
+        <p:cTn id="1" dur="indefinite" restart="never" nodeType="tmRoot"/>
       </p:par>
     </p:tnLst>
   </p:timing>
@@ -21481,7 +21493,7 @@
           <p:nvPr>
             <p:extLst>
               <p:ext uri="{D42A27DB-BD31-4B8C-83A1-F6EECF244321}">
-                <p14:modId xmlns:p14="http://schemas.microsoft.com/office/powerpoint/2007/7/12/main" val="1786889323"/>
+                <p14:modId xmlns:p14="http://schemas.microsoft.com/office/powerpoint/2007/7/12/main" xmlns="" val="1786889323"/>
               </p:ext>
             </p:extLst>
           </p:nvPr>
@@ -21527,7 +21539,7 @@
     </p:spTree>
     <p:extLst>
       <p:ext uri="{BB962C8B-B14F-4D97-AF65-F5344CB8AC3E}">
-        <p14:creationId xmlns:p14="http://schemas.microsoft.com/office/powerpoint/2007/7/12/main" val="4039325657"/>
+        <p14:creationId xmlns:p14="http://schemas.microsoft.com/office/powerpoint/2007/7/12/main" xmlns="" val="4039325657"/>
       </p:ext>
     </p:extLst>
   </p:cSld>
@@ -21537,7 +21549,7 @@
   <p:timing>
     <p:tnLst>
       <p:par>
-        <p:cTn xmlns:p14="http://schemas.microsoft.com/office/powerpoint/2007/7/12/main" id="1" dur="indefinite" restart="never" nodeType="tmRoot"/>
+        <p:cTn id="1" dur="indefinite" restart="never" nodeType="tmRoot"/>
       </p:par>
     </p:tnLst>
   </p:timing>
@@ -21660,16 +21672,16 @@
               <a:defRPr lang="fr-FR" sz="3600" b="0" cap="none" spc="0">
                 <a:ln w="18415" cmpd="sng">
                   <a:solidFill>
-                    <a:srgbClr xmlns:mc="http://schemas.openxmlformats.org/markup-compatibility/2006" xmlns:a14="http://schemas.microsoft.com/office/drawing/2007/7/7/main" val="FFFFFF" mc:Ignorable=""/>
+                    <a:srgbClr val="FFFFFF"/>
                   </a:solidFill>
                   <a:prstDash val="solid"/>
                 </a:ln>
                 <a:solidFill>
-                  <a:srgbClr xmlns:mc="http://schemas.openxmlformats.org/markup-compatibility/2006" xmlns:a14="http://schemas.microsoft.com/office/drawing/2007/7/7/main" val="FFFFFF" mc:Ignorable=""/>
+                  <a:srgbClr val="FFFFFF"/>
                 </a:solidFill>
                 <a:effectLst>
                   <a:outerShdw blurRad="63500" dir="3600000" algn="tl" rotWithShape="0">
-                    <a:srgbClr xmlns:mc="http://schemas.openxmlformats.org/markup-compatibility/2006" xmlns:a14="http://schemas.microsoft.com/office/drawing/2007/7/7/main" val="000000" mc:Ignorable="">
+                    <a:srgbClr val="000000">
                       <a:alpha val="70000"/>
                     </a:srgbClr>
                   </a:outerShdw>
@@ -21807,7 +21819,7 @@
           <a:p>
             <a:pPr indent="273050" eaLnBrk="1" hangingPunct="1">
               <a:buClr>
-                <a:srgbClr xmlns:mc="http://schemas.openxmlformats.org/markup-compatibility/2006" xmlns:a14="http://schemas.microsoft.com/office/drawing/2007/7/7/main" val="C44F00" mc:Ignorable=""/>
+                <a:srgbClr val="C44F00"/>
               </a:buClr>
               <a:buFont typeface="Calibri" pitchFamily="34" charset="0"/>
               <a:buAutoNum type="arabicPeriod"/>
@@ -21829,7 +21841,7 @@
           <a:p>
             <a:pPr indent="273050" eaLnBrk="1" hangingPunct="1">
               <a:buClr>
-                <a:srgbClr xmlns:mc="http://schemas.openxmlformats.org/markup-compatibility/2006" xmlns:a14="http://schemas.microsoft.com/office/drawing/2007/7/7/main" val="C44F00" mc:Ignorable=""/>
+                <a:srgbClr val="C44F00"/>
               </a:buClr>
               <a:buFont typeface="Calibri" pitchFamily="34" charset="0"/>
               <a:buAutoNum type="arabicPeriod"/>
@@ -21848,7 +21860,7 @@
           <a:p>
             <a:pPr indent="273050" eaLnBrk="1" hangingPunct="1">
               <a:buClr>
-                <a:srgbClr xmlns:mc="http://schemas.openxmlformats.org/markup-compatibility/2006" xmlns:a14="http://schemas.microsoft.com/office/drawing/2007/7/7/main" val="C44F00" mc:Ignorable=""/>
+                <a:srgbClr val="C44F00"/>
               </a:buClr>
               <a:buFont typeface="Calibri" pitchFamily="34" charset="0"/>
               <a:buAutoNum type="arabicPeriod"/>
@@ -21870,7 +21882,7 @@
           <a:p>
             <a:pPr indent="273050" eaLnBrk="1" hangingPunct="1">
               <a:buClr>
-                <a:srgbClr xmlns:mc="http://schemas.openxmlformats.org/markup-compatibility/2006" xmlns:a14="http://schemas.microsoft.com/office/drawing/2007/7/7/main" val="C44F00" mc:Ignorable=""/>
+                <a:srgbClr val="C44F00"/>
               </a:buClr>
               <a:buFont typeface="Calibri" pitchFamily="34" charset="0"/>
               <a:buAutoNum type="arabicPeriod"/>
@@ -21889,7 +21901,7 @@
           <a:p>
             <a:pPr indent="273050" eaLnBrk="1" hangingPunct="1">
               <a:buClr>
-                <a:srgbClr xmlns:mc="http://schemas.openxmlformats.org/markup-compatibility/2006" xmlns:a14="http://schemas.microsoft.com/office/drawing/2007/7/7/main" val="C44F00" mc:Ignorable=""/>
+                <a:srgbClr val="C44F00"/>
               </a:buClr>
               <a:buFont typeface="Calibri" pitchFamily="34" charset="0"/>
               <a:buAutoNum type="arabicPeriod"/>
@@ -21911,7 +21923,7 @@
           <a:p>
             <a:pPr indent="273050" eaLnBrk="1" hangingPunct="1">
               <a:buClr>
-                <a:srgbClr xmlns:mc="http://schemas.openxmlformats.org/markup-compatibility/2006" xmlns:a14="http://schemas.microsoft.com/office/drawing/2007/7/7/main" val="C44F00" mc:Ignorable=""/>
+                <a:srgbClr val="C44F00"/>
               </a:buClr>
               <a:buFont typeface="Calibri" pitchFamily="34" charset="0"/>
               <a:buAutoNum type="arabicPeriod"/>
@@ -21930,7 +21942,7 @@
           <a:p>
             <a:pPr indent="273050" eaLnBrk="1" hangingPunct="1">
               <a:buClr>
-                <a:srgbClr xmlns:mc="http://schemas.openxmlformats.org/markup-compatibility/2006" xmlns:a14="http://schemas.microsoft.com/office/drawing/2007/7/7/main" val="C44F00" mc:Ignorable=""/>
+                <a:srgbClr val="C44F00"/>
               </a:buClr>
               <a:buFont typeface="Calibri" pitchFamily="34" charset="0"/>
               <a:buAutoNum type="arabicPeriod"/>
@@ -21986,7 +21998,7 @@
             </a:avLst>
           </a:prstGeom>
           <a:solidFill>
-            <a:srgbClr xmlns:mc="http://schemas.openxmlformats.org/markup-compatibility/2006" xmlns:a14="http://schemas.microsoft.com/office/drawing/2007/7/7/main" val="FFFFFF" mc:Ignorable="">
+            <a:srgbClr val="FFFFFF">
               <a:shade val="85000"/>
             </a:srgbClr>
           </a:solidFill>
@@ -22006,7 +22018,7 @@
     </p:spTree>
     <p:extLst>
       <p:ext uri="{BB962C8B-B14F-4D97-AF65-F5344CB8AC3E}">
-        <p14:creationId xmlns:p14="http://schemas.microsoft.com/office/powerpoint/2007/7/12/main" val="2737251238"/>
+        <p14:creationId xmlns:p14="http://schemas.microsoft.com/office/powerpoint/2007/7/12/main" xmlns="" val="2737251238"/>
       </p:ext>
     </p:extLst>
   </p:cSld>
@@ -22016,7 +22028,7 @@
   <p:timing>
     <p:tnLst>
       <p:par>
-        <p:cTn xmlns:p14="http://schemas.microsoft.com/office/powerpoint/2007/7/12/main" id="1" dur="indefinite" restart="never" nodeType="tmRoot"/>
+        <p:cTn id="1" dur="indefinite" restart="never" nodeType="tmRoot"/>
       </p:par>
     </p:tnLst>
   </p:timing>
@@ -22034,34 +22046,34 @@
         <a:sysClr val="window" lastClr="FFFFFF"/>
       </a:lt1>
       <a:dk2>
-        <a:srgbClr xmlns:mc="http://schemas.openxmlformats.org/markup-compatibility/2006" xmlns:a14="http://schemas.microsoft.com/office/drawing/2007/7/7/main" val="424456" mc:Ignorable=""/>
+        <a:srgbClr val="424456"/>
       </a:dk2>
       <a:lt2>
-        <a:srgbClr xmlns:mc="http://schemas.openxmlformats.org/markup-compatibility/2006" xmlns:a14="http://schemas.microsoft.com/office/drawing/2007/7/7/main" val="DEDEDE" mc:Ignorable=""/>
+        <a:srgbClr val="DEDEDE"/>
       </a:lt2>
       <a:accent1>
-        <a:srgbClr xmlns:mc="http://schemas.openxmlformats.org/markup-compatibility/2006" xmlns:a14="http://schemas.microsoft.com/office/drawing/2007/7/7/main" val="53548A" mc:Ignorable=""/>
+        <a:srgbClr val="53548A"/>
       </a:accent1>
       <a:accent2>
-        <a:srgbClr xmlns:mc="http://schemas.openxmlformats.org/markup-compatibility/2006" xmlns:a14="http://schemas.microsoft.com/office/drawing/2007/7/7/main" val="438086" mc:Ignorable=""/>
+        <a:srgbClr val="438086"/>
       </a:accent2>
       <a:accent3>
-        <a:srgbClr xmlns:mc="http://schemas.openxmlformats.org/markup-compatibility/2006" xmlns:a14="http://schemas.microsoft.com/office/drawing/2007/7/7/main" val="A04DA3" mc:Ignorable=""/>
+        <a:srgbClr val="A04DA3"/>
       </a:accent3>
       <a:accent4>
-        <a:srgbClr xmlns:mc="http://schemas.openxmlformats.org/markup-compatibility/2006" xmlns:a14="http://schemas.microsoft.com/office/drawing/2007/7/7/main" val="C4652D" mc:Ignorable=""/>
+        <a:srgbClr val="C4652D"/>
       </a:accent4>
       <a:accent5>
-        <a:srgbClr xmlns:mc="http://schemas.openxmlformats.org/markup-compatibility/2006" xmlns:a14="http://schemas.microsoft.com/office/drawing/2007/7/7/main" val="8B5D3D" mc:Ignorable=""/>
+        <a:srgbClr val="8B5D3D"/>
       </a:accent5>
       <a:accent6>
-        <a:srgbClr xmlns:mc="http://schemas.openxmlformats.org/markup-compatibility/2006" xmlns:a14="http://schemas.microsoft.com/office/drawing/2007/7/7/main" val="5C92B5" mc:Ignorable=""/>
+        <a:srgbClr val="5C92B5"/>
       </a:accent6>
       <a:hlink>
-        <a:srgbClr xmlns:mc="http://schemas.openxmlformats.org/markup-compatibility/2006" xmlns:a14="http://schemas.microsoft.com/office/drawing/2007/7/7/main" val="67AFBD" mc:Ignorable=""/>
+        <a:srgbClr val="67AFBD"/>
       </a:hlink>
       <a:folHlink>
-        <a:srgbClr xmlns:mc="http://schemas.openxmlformats.org/markup-compatibility/2006" xmlns:a14="http://schemas.microsoft.com/office/drawing/2007/7/7/main" val="C2A874" mc:Ignorable=""/>
+        <a:srgbClr val="C2A874"/>
       </a:folHlink>
     </a:clrScheme>
     <a:fontScheme name="Office">
@@ -22212,7 +22224,7 @@
         <a:effectStyle>
           <a:effectLst>
             <a:outerShdw blurRad="65500" dist="38100" dir="5400000" rotWithShape="0">
-              <a:srgbClr xmlns:mc="http://schemas.openxmlformats.org/markup-compatibility/2006" xmlns:a14="http://schemas.microsoft.com/office/drawing/2007/7/7/main" val="000000" mc:Ignorable="">
+              <a:srgbClr val="000000">
                 <a:alpha val="40000"/>
               </a:srgbClr>
             </a:outerShdw>
@@ -22221,7 +22233,7 @@
         <a:effectStyle>
           <a:effectLst>
             <a:outerShdw blurRad="65500" dist="38100" dir="5400000" rotWithShape="0">
-              <a:srgbClr xmlns:mc="http://schemas.openxmlformats.org/markup-compatibility/2006" xmlns:a14="http://schemas.microsoft.com/office/drawing/2007/7/7/main" val="000000" mc:Ignorable="">
+              <a:srgbClr val="000000">
                 <a:alpha val="40000"/>
               </a:srgbClr>
             </a:outerShdw>
@@ -22230,7 +22242,7 @@
         <a:effectStyle>
           <a:effectLst>
             <a:outerShdw blurRad="65500" dist="38100" dir="5400000" rotWithShape="0">
-              <a:srgbClr xmlns:mc="http://schemas.openxmlformats.org/markup-compatibility/2006" xmlns:a14="http://schemas.microsoft.com/office/drawing/2007/7/7/main" val="000000" mc:Ignorable="">
+              <a:srgbClr val="000000">
                 <a:alpha val="40000"/>
               </a:srgbClr>
             </a:outerShdw>
@@ -22360,34 +22372,34 @@
         <a:sysClr val="window" lastClr="FFFFFF"/>
       </a:lt1>
       <a:dk2>
-        <a:srgbClr xmlns:mc="http://schemas.openxmlformats.org/markup-compatibility/2006" xmlns:a14="http://schemas.microsoft.com/office/drawing/2007/7/7/main" val="1F497D" mc:Ignorable=""/>
+        <a:srgbClr val="1F497D"/>
       </a:dk2>
       <a:lt2>
-        <a:srgbClr xmlns:mc="http://schemas.openxmlformats.org/markup-compatibility/2006" xmlns:a14="http://schemas.microsoft.com/office/drawing/2007/7/7/main" val="EEECE1" mc:Ignorable=""/>
+        <a:srgbClr val="EEECE1"/>
       </a:lt2>
       <a:accent1>
-        <a:srgbClr xmlns:mc="http://schemas.openxmlformats.org/markup-compatibility/2006" xmlns:a14="http://schemas.microsoft.com/office/drawing/2007/7/7/main" val="4F81BD" mc:Ignorable=""/>
+        <a:srgbClr val="4F81BD"/>
       </a:accent1>
       <a:accent2>
-        <a:srgbClr xmlns:mc="http://schemas.openxmlformats.org/markup-compatibility/2006" xmlns:a14="http://schemas.microsoft.com/office/drawing/2007/7/7/main" val="C0504D" mc:Ignorable=""/>
+        <a:srgbClr val="C0504D"/>
       </a:accent2>
       <a:accent3>
-        <a:srgbClr xmlns:mc="http://schemas.openxmlformats.org/markup-compatibility/2006" xmlns:a14="http://schemas.microsoft.com/office/drawing/2007/7/7/main" val="9BBB59" mc:Ignorable=""/>
+        <a:srgbClr val="9BBB59"/>
       </a:accent3>
       <a:accent4>
-        <a:srgbClr xmlns:mc="http://schemas.openxmlformats.org/markup-compatibility/2006" xmlns:a14="http://schemas.microsoft.com/office/drawing/2007/7/7/main" val="8064A2" mc:Ignorable=""/>
+        <a:srgbClr val="8064A2"/>
       </a:accent4>
       <a:accent5>
-        <a:srgbClr xmlns:mc="http://schemas.openxmlformats.org/markup-compatibility/2006" xmlns:a14="http://schemas.microsoft.com/office/drawing/2007/7/7/main" val="4BACC6" mc:Ignorable=""/>
+        <a:srgbClr val="4BACC6"/>
       </a:accent5>
       <a:accent6>
-        <a:srgbClr xmlns:mc="http://schemas.openxmlformats.org/markup-compatibility/2006" xmlns:a14="http://schemas.microsoft.com/office/drawing/2007/7/7/main" val="F79646" mc:Ignorable=""/>
+        <a:srgbClr val="F79646"/>
       </a:accent6>
       <a:hlink>
-        <a:srgbClr xmlns:mc="http://schemas.openxmlformats.org/markup-compatibility/2006" xmlns:a14="http://schemas.microsoft.com/office/drawing/2007/7/7/main" val="0000FF" mc:Ignorable=""/>
+        <a:srgbClr val="0000FF"/>
       </a:hlink>
       <a:folHlink>
-        <a:srgbClr xmlns:mc="http://schemas.openxmlformats.org/markup-compatibility/2006" xmlns:a14="http://schemas.microsoft.com/office/drawing/2007/7/7/main" val="800080" mc:Ignorable=""/>
+        <a:srgbClr val="800080"/>
       </a:folHlink>
     </a:clrScheme>
     <a:fontScheme name="Office">
@@ -22539,7 +22551,7 @@
         <a:effectStyle>
           <a:effectLst>
             <a:outerShdw blurRad="40000" dist="20000" dir="5400000" rotWithShape="0">
-              <a:srgbClr xmlns:mc="http://schemas.openxmlformats.org/markup-compatibility/2006" xmlns:a14="http://schemas.microsoft.com/office/drawing/2007/7/7/main" val="000000" mc:Ignorable="">
+              <a:srgbClr val="000000">
                 <a:alpha val="38000"/>
               </a:srgbClr>
             </a:outerShdw>
@@ -22548,7 +22560,7 @@
         <a:effectStyle>
           <a:effectLst>
             <a:outerShdw blurRad="40000" dist="23000" dir="5400000" rotWithShape="0">
-              <a:srgbClr xmlns:mc="http://schemas.openxmlformats.org/markup-compatibility/2006" xmlns:a14="http://schemas.microsoft.com/office/drawing/2007/7/7/main" val="000000" mc:Ignorable="">
+              <a:srgbClr val="000000">
                 <a:alpha val="35000"/>
               </a:srgbClr>
             </a:outerShdw>
@@ -22557,7 +22569,7 @@
         <a:effectStyle>
           <a:effectLst>
             <a:outerShdw blurRad="40000" dist="23000" dir="5400000" rotWithShape="0">
-              <a:srgbClr xmlns:mc="http://schemas.openxmlformats.org/markup-compatibility/2006" xmlns:a14="http://schemas.microsoft.com/office/drawing/2007/7/7/main" val="000000" mc:Ignorable="">
+              <a:srgbClr val="000000">
                 <a:alpha val="35000"/>
               </a:srgbClr>
             </a:outerShdw>
@@ -22643,34 +22655,34 @@
         <a:sysClr val="window" lastClr="FFFFFF"/>
       </a:lt1>
       <a:dk2>
-        <a:srgbClr xmlns:mc="http://schemas.openxmlformats.org/markup-compatibility/2006" xmlns:a14="http://schemas.microsoft.com/office/drawing/2007/7/7/main" val="1F497D" mc:Ignorable=""/>
+        <a:srgbClr val="1F497D"/>
       </a:dk2>
       <a:lt2>
-        <a:srgbClr xmlns:mc="http://schemas.openxmlformats.org/markup-compatibility/2006" xmlns:a14="http://schemas.microsoft.com/office/drawing/2007/7/7/main" val="EEECE1" mc:Ignorable=""/>
+        <a:srgbClr val="EEECE1"/>
       </a:lt2>
       <a:accent1>
-        <a:srgbClr xmlns:mc="http://schemas.openxmlformats.org/markup-compatibility/2006" xmlns:a14="http://schemas.microsoft.com/office/drawing/2007/7/7/main" val="4F81BD" mc:Ignorable=""/>
+        <a:srgbClr val="4F81BD"/>
       </a:accent1>
       <a:accent2>
-        <a:srgbClr xmlns:mc="http://schemas.openxmlformats.org/markup-compatibility/2006" xmlns:a14="http://schemas.microsoft.com/office/drawing/2007/7/7/main" val="C0504D" mc:Ignorable=""/>
+        <a:srgbClr val="C0504D"/>
       </a:accent2>
       <a:accent3>
-        <a:srgbClr xmlns:mc="http://schemas.openxmlformats.org/markup-compatibility/2006" xmlns:a14="http://schemas.microsoft.com/office/drawing/2007/7/7/main" val="9BBB59" mc:Ignorable=""/>
+        <a:srgbClr val="9BBB59"/>
       </a:accent3>
       <a:accent4>
-        <a:srgbClr xmlns:mc="http://schemas.openxmlformats.org/markup-compatibility/2006" xmlns:a14="http://schemas.microsoft.com/office/drawing/2007/7/7/main" val="8064A2" mc:Ignorable=""/>
+        <a:srgbClr val="8064A2"/>
       </a:accent4>
       <a:accent5>
-        <a:srgbClr xmlns:mc="http://schemas.openxmlformats.org/markup-compatibility/2006" xmlns:a14="http://schemas.microsoft.com/office/drawing/2007/7/7/main" val="4BACC6" mc:Ignorable=""/>
+        <a:srgbClr val="4BACC6"/>
       </a:accent5>
       <a:accent6>
-        <a:srgbClr xmlns:mc="http://schemas.openxmlformats.org/markup-compatibility/2006" xmlns:a14="http://schemas.microsoft.com/office/drawing/2007/7/7/main" val="F79646" mc:Ignorable=""/>
+        <a:srgbClr val="F79646"/>
       </a:accent6>
       <a:hlink>
-        <a:srgbClr xmlns:mc="http://schemas.openxmlformats.org/markup-compatibility/2006" xmlns:a14="http://schemas.microsoft.com/office/drawing/2007/7/7/main" val="0000FF" mc:Ignorable=""/>
+        <a:srgbClr val="0000FF"/>
       </a:hlink>
       <a:folHlink>
-        <a:srgbClr xmlns:mc="http://schemas.openxmlformats.org/markup-compatibility/2006" xmlns:a14="http://schemas.microsoft.com/office/drawing/2007/7/7/main" val="800080" mc:Ignorable=""/>
+        <a:srgbClr val="800080"/>
       </a:folHlink>
     </a:clrScheme>
     <a:fontScheme name="Office">
@@ -22822,7 +22834,7 @@
         <a:effectStyle>
           <a:effectLst>
             <a:outerShdw blurRad="40000" dist="20000" dir="5400000" rotWithShape="0">
-              <a:srgbClr xmlns:mc="http://schemas.openxmlformats.org/markup-compatibility/2006" xmlns:a14="http://schemas.microsoft.com/office/drawing/2007/7/7/main" val="000000" mc:Ignorable="">
+              <a:srgbClr val="000000">
                 <a:alpha val="38000"/>
               </a:srgbClr>
             </a:outerShdw>
@@ -22831,7 +22843,7 @@
         <a:effectStyle>
           <a:effectLst>
             <a:outerShdw blurRad="40000" dist="23000" dir="5400000" rotWithShape="0">
-              <a:srgbClr xmlns:mc="http://schemas.openxmlformats.org/markup-compatibility/2006" xmlns:a14="http://schemas.microsoft.com/office/drawing/2007/7/7/main" val="000000" mc:Ignorable="">
+              <a:srgbClr val="000000">
                 <a:alpha val="35000"/>
               </a:srgbClr>
             </a:outerShdw>
@@ -22840,7 +22852,7 @@
         <a:effectStyle>
           <a:effectLst>
             <a:outerShdw blurRad="40000" dist="23000" dir="5400000" rotWithShape="0">
-              <a:srgbClr xmlns:mc="http://schemas.openxmlformats.org/markup-compatibility/2006" xmlns:a14="http://schemas.microsoft.com/office/drawing/2007/7/7/main" val="000000" mc:Ignorable="">
+              <a:srgbClr val="000000">
                 <a:alpha val="35000"/>
               </a:srgbClr>
             </a:outerShdw>

--- a/trunk/Project 1/Part Final/CS554_EuroTeam_Project1.pptx
+++ b/trunk/Project 1/Part Final/CS554_EuroTeam_Project1.pptx
@@ -2162,15 +2162,15 @@
     </dgm:pt>
   </dgm:ptLst>
   <dgm:cxnLst>
+    <dgm:cxn modelId="{1C367138-309B-4DC0-A5E4-ED5BF5BE92A3}" srcId="{ACBE8AEB-35DB-410A-ADBF-310666E7673F}" destId="{4365DE52-E75B-46CF-A8D4-AF910C52CA6B}" srcOrd="2" destOrd="0" parTransId="{1C7DE86A-33AB-4B0E-A01C-A0274405A7E0}" sibTransId="{1F7876FF-1296-47A3-9D0A-43540679CDE7}"/>
+    <dgm:cxn modelId="{5782D883-7ABF-495F-9F16-D8ACB573A0EE}" srcId="{9D494135-09CA-43EB-BFD9-20DB75AA542C}" destId="{ACBE8AEB-35DB-410A-ADBF-310666E7673F}" srcOrd="0" destOrd="0" parTransId="{1E35ABE8-2196-4DA1-8C90-7221860D6B0D}" sibTransId="{C6F29DB6-9F8E-4A11-8A71-6E071E0ADDEC}"/>
     <dgm:cxn modelId="{1243EC71-5E7D-4C79-8704-ECBB153E68A6}" type="presOf" srcId="{5D0FFDA3-D15D-4CA2-8EFE-9EC8899DE1F5}" destId="{8241D08B-CB62-4962-9D9B-1D2183EA71DA}" srcOrd="0" destOrd="0" presId="urn:microsoft.com/office/officeart/2005/8/layout/hList3"/>
+    <dgm:cxn modelId="{1ED252CA-507D-404C-82E8-B2351F233BEB}" type="presOf" srcId="{9D494135-09CA-43EB-BFD9-20DB75AA542C}" destId="{E6657A53-48FF-420B-98E9-7F064B529D85}" srcOrd="0" destOrd="0" presId="urn:microsoft.com/office/officeart/2005/8/layout/hList3"/>
+    <dgm:cxn modelId="{3764D938-70C6-4419-906F-AB46C2F234D9}" type="presOf" srcId="{E7D032B1-869F-46B7-AAC1-1906493EC5B4}" destId="{36A69038-D135-4966-B855-369C1C83C96F}" srcOrd="0" destOrd="0" presId="urn:microsoft.com/office/officeart/2005/8/layout/hList3"/>
+    <dgm:cxn modelId="{1DBCA53E-5181-4A8C-8FC4-CAC47AF9E584}" type="presOf" srcId="{4365DE52-E75B-46CF-A8D4-AF910C52CA6B}" destId="{C9068F78-E09E-4543-A698-C5622D67FE22}" srcOrd="0" destOrd="0" presId="urn:microsoft.com/office/officeart/2005/8/layout/hList3"/>
+    <dgm:cxn modelId="{554533F8-4688-45C6-A101-B13B7DA5EE15}" srcId="{ACBE8AEB-35DB-410A-ADBF-310666E7673F}" destId="{E7D032B1-869F-46B7-AAC1-1906493EC5B4}" srcOrd="1" destOrd="0" parTransId="{172A57E4-5BDA-416B-A087-9DCD0CC43916}" sibTransId="{70BABF1A-F8CA-4CBF-BBA9-0251CC5284A6}"/>
     <dgm:cxn modelId="{D0830010-8404-4079-8A87-B903D6175051}" type="presOf" srcId="{ACBE8AEB-35DB-410A-ADBF-310666E7673F}" destId="{22A99387-A6D2-43E3-AF24-6FADF6F83837}" srcOrd="0" destOrd="0" presId="urn:microsoft.com/office/officeart/2005/8/layout/hList3"/>
     <dgm:cxn modelId="{9470F95E-218E-46C8-AA4B-C00989CBD572}" srcId="{ACBE8AEB-35DB-410A-ADBF-310666E7673F}" destId="{5D0FFDA3-D15D-4CA2-8EFE-9EC8899DE1F5}" srcOrd="0" destOrd="0" parTransId="{A3C5E0B0-61D6-4B14-923B-AE59DC3B303B}" sibTransId="{3B6787F9-15E3-4A84-8556-E58B129391CE}"/>
-    <dgm:cxn modelId="{1C367138-309B-4DC0-A5E4-ED5BF5BE92A3}" srcId="{ACBE8AEB-35DB-410A-ADBF-310666E7673F}" destId="{4365DE52-E75B-46CF-A8D4-AF910C52CA6B}" srcOrd="2" destOrd="0" parTransId="{1C7DE86A-33AB-4B0E-A01C-A0274405A7E0}" sibTransId="{1F7876FF-1296-47A3-9D0A-43540679CDE7}"/>
-    <dgm:cxn modelId="{554533F8-4688-45C6-A101-B13B7DA5EE15}" srcId="{ACBE8AEB-35DB-410A-ADBF-310666E7673F}" destId="{E7D032B1-869F-46B7-AAC1-1906493EC5B4}" srcOrd="1" destOrd="0" parTransId="{172A57E4-5BDA-416B-A087-9DCD0CC43916}" sibTransId="{70BABF1A-F8CA-4CBF-BBA9-0251CC5284A6}"/>
-    <dgm:cxn modelId="{3764D938-70C6-4419-906F-AB46C2F234D9}" type="presOf" srcId="{E7D032B1-869F-46B7-AAC1-1906493EC5B4}" destId="{36A69038-D135-4966-B855-369C1C83C96F}" srcOrd="0" destOrd="0" presId="urn:microsoft.com/office/officeart/2005/8/layout/hList3"/>
-    <dgm:cxn modelId="{1DBCA53E-5181-4A8C-8FC4-CAC47AF9E584}" type="presOf" srcId="{4365DE52-E75B-46CF-A8D4-AF910C52CA6B}" destId="{C9068F78-E09E-4543-A698-C5622D67FE22}" srcOrd="0" destOrd="0" presId="urn:microsoft.com/office/officeart/2005/8/layout/hList3"/>
-    <dgm:cxn modelId="{1ED252CA-507D-404C-82E8-B2351F233BEB}" type="presOf" srcId="{9D494135-09CA-43EB-BFD9-20DB75AA542C}" destId="{E6657A53-48FF-420B-98E9-7F064B529D85}" srcOrd="0" destOrd="0" presId="urn:microsoft.com/office/officeart/2005/8/layout/hList3"/>
-    <dgm:cxn modelId="{5782D883-7ABF-495F-9F16-D8ACB573A0EE}" srcId="{9D494135-09CA-43EB-BFD9-20DB75AA542C}" destId="{ACBE8AEB-35DB-410A-ADBF-310666E7673F}" srcOrd="0" destOrd="0" parTransId="{1E35ABE8-2196-4DA1-8C90-7221860D6B0D}" sibTransId="{C6F29DB6-9F8E-4A11-8A71-6E071E0ADDEC}"/>
     <dgm:cxn modelId="{EA499AF1-251E-4BB4-A9CD-2C3B2E72C5AD}" type="presParOf" srcId="{E6657A53-48FF-420B-98E9-7F064B529D85}" destId="{22A99387-A6D2-43E3-AF24-6FADF6F83837}" srcOrd="0" destOrd="0" presId="urn:microsoft.com/office/officeart/2005/8/layout/hList3"/>
     <dgm:cxn modelId="{47B6DF35-E158-4379-8EE6-8F620371B5B2}" type="presParOf" srcId="{E6657A53-48FF-420B-98E9-7F064B529D85}" destId="{7EEC38D5-F24F-4C37-9A58-F8B1A282CD14}" srcOrd="1" destOrd="0" presId="urn:microsoft.com/office/officeart/2005/8/layout/hList3"/>
     <dgm:cxn modelId="{68629683-FB1C-4502-8D24-1477364C5740}" type="presParOf" srcId="{7EEC38D5-F24F-4C37-9A58-F8B1A282CD14}" destId="{8241D08B-CB62-4962-9D9B-1D2183EA71DA}" srcOrd="0" destOrd="0" presId="urn:microsoft.com/office/officeart/2005/8/layout/hList3"/>
@@ -2182,7 +2182,7 @@
   <dgm:whole/>
   <dgm:extLst>
     <a:ext uri="http://schemas.microsoft.com/office/drawing/2008/diagram">
-      <dsp:dataModelExt xmlns:dsp="http://schemas.microsoft.com/office/drawing/2008/diagram" xmlns="" relId="rId7" minVer="http://schemas.openxmlformats.org/drawingml/2006/diagram"/>
+      <dsp:dataModelExt xmlns:dsp="http://schemas.microsoft.com/office/drawing/2008/diagram" relId="rId7" minVer="http://schemas.openxmlformats.org/drawingml/2006/diagram"/>
     </a:ext>
   </dgm:extLst>
 </dgm:dataModel>
@@ -2424,6 +2424,94 @@
         </a:p>
       </dgm:t>
     </dgm:pt>
+    <dgm:pt modelId="{3AFF89AC-102C-470C-93F8-3F8E1C071C4D}">
+      <dgm:prSet custT="1"/>
+      <dgm:spPr/>
+      <dgm:t>
+        <a:bodyPr/>
+        <a:lstStyle/>
+        <a:p>
+          <a:pPr algn="l"/>
+          <a:r>
+            <a:rPr lang="fr-FR" sz="1600" dirty="0" err="1" smtClean="0"/>
+            <a:t>Usability</a:t>
+          </a:r>
+          <a:endParaRPr lang="fr-FR" sz="1600" dirty="0"/>
+        </a:p>
+      </dgm:t>
+    </dgm:pt>
+    <dgm:pt modelId="{44051346-A052-47C2-B563-FCDE11DDEA57}" type="parTrans" cxnId="{B42B5352-AF05-42E9-98E2-55177C4CC6A0}">
+      <dgm:prSet/>
+      <dgm:spPr/>
+      <dgm:t>
+        <a:bodyPr/>
+        <a:lstStyle/>
+        <a:p>
+          <a:endParaRPr lang="fr-FR"/>
+        </a:p>
+      </dgm:t>
+    </dgm:pt>
+    <dgm:pt modelId="{EDEC90CD-0734-491F-B4FF-8A70B7C8F432}" type="sibTrans" cxnId="{B42B5352-AF05-42E9-98E2-55177C4CC6A0}">
+      <dgm:prSet/>
+      <dgm:spPr/>
+      <dgm:t>
+        <a:bodyPr/>
+        <a:lstStyle/>
+        <a:p>
+          <a:endParaRPr lang="fr-FR"/>
+        </a:p>
+      </dgm:t>
+    </dgm:pt>
+    <dgm:pt modelId="{E4089555-E91C-4BF3-9601-BE63FB847D20}">
+      <dgm:prSet custT="1"/>
+      <dgm:spPr/>
+      <dgm:t>
+        <a:bodyPr/>
+        <a:lstStyle/>
+        <a:p>
+          <a:pPr algn="l"/>
+          <a:r>
+            <a:rPr lang="fr-FR" sz="1600" dirty="0" err="1" smtClean="0"/>
+            <a:t>Measure</a:t>
+          </a:r>
+          <a:r>
+            <a:rPr lang="fr-FR" sz="1600" dirty="0" smtClean="0"/>
+            <a:t> the </a:t>
+          </a:r>
+          <a:r>
+            <a:rPr lang="fr-FR" sz="1600" dirty="0" err="1" smtClean="0"/>
+            <a:t>quality</a:t>
+          </a:r>
+          <a:r>
+            <a:rPr lang="fr-FR" sz="1600" dirty="0" smtClean="0"/>
+            <a:t> of interaction</a:t>
+          </a:r>
+          <a:endParaRPr lang="fr-FR" sz="1600" dirty="0"/>
+        </a:p>
+      </dgm:t>
+    </dgm:pt>
+    <dgm:pt modelId="{1BF948FE-B8D9-42D3-9E3F-65C037932561}" type="parTrans" cxnId="{74C556B9-D7EC-46BE-820D-6B751B6C9818}">
+      <dgm:prSet/>
+      <dgm:spPr/>
+      <dgm:t>
+        <a:bodyPr/>
+        <a:lstStyle/>
+        <a:p>
+          <a:endParaRPr lang="fr-FR"/>
+        </a:p>
+      </dgm:t>
+    </dgm:pt>
+    <dgm:pt modelId="{89B8F985-AF76-4286-9986-302FD77EB106}" type="sibTrans" cxnId="{74C556B9-D7EC-46BE-820D-6B751B6C9818}">
+      <dgm:prSet/>
+      <dgm:spPr/>
+      <dgm:t>
+        <a:bodyPr/>
+        <a:lstStyle/>
+        <a:p>
+          <a:endParaRPr lang="fr-FR"/>
+        </a:p>
+      </dgm:t>
+    </dgm:pt>
     <dgm:pt modelId="{5374C97F-BB9F-435F-A1D9-E5249B9981AF}" type="pres">
       <dgm:prSet presAssocID="{A4CD16CE-6FF8-4F5B-AA56-6CB89BBB69F9}" presName="list" presStyleCnt="0">
         <dgm:presLayoutVars>
@@ -2457,7 +2545,7 @@
       <dgm:spPr/>
     </dgm:pt>
     <dgm:pt modelId="{516ADAB7-51A2-475F-9B07-19C15A498B8B}" type="pres">
-      <dgm:prSet presAssocID="{8D73F130-D4FE-4A3F-997E-91783F8E3C5A}" presName="firstChild" presStyleLbl="bgAccFollowNode1" presStyleIdx="0" presStyleCnt="2" custScaleX="122562" custLinFactNeighborX="-21002" custLinFactNeighborY="-5252"/>
+      <dgm:prSet presAssocID="{8D73F130-D4FE-4A3F-997E-91783F8E3C5A}" presName="firstChild" presStyleLbl="bgAccFollowNode1" presStyleIdx="0" presStyleCnt="3" custScaleX="122562" custLinFactNeighborX="-17770" custLinFactNeighborY="-92538"/>
       <dgm:spPr/>
       <dgm:t>
         <a:bodyPr/>
@@ -2468,7 +2556,7 @@
       </dgm:t>
     </dgm:pt>
     <dgm:pt modelId="{BBE1B8DB-BA6E-42AB-84CC-21D3D717CF28}" type="pres">
-      <dgm:prSet presAssocID="{8D73F130-D4FE-4A3F-997E-91783F8E3C5A}" presName="firstChildTx" presStyleLbl="bgAccFollowNode1" presStyleIdx="0" presStyleCnt="2">
+      <dgm:prSet presAssocID="{8D73F130-D4FE-4A3F-997E-91783F8E3C5A}" presName="firstChildTx" presStyleLbl="bgAccFollowNode1" presStyleIdx="0" presStyleCnt="3">
         <dgm:presLayoutVars>
           <dgm:bulletEnabled val="1"/>
         </dgm:presLayoutVars>
@@ -2487,7 +2575,7 @@
       <dgm:spPr/>
     </dgm:pt>
     <dgm:pt modelId="{A5D57D14-3203-4073-944D-7AAE4755C0D5}" type="pres">
-      <dgm:prSet presAssocID="{8D73F130-D4FE-4A3F-997E-91783F8E3C5A}" presName="circle" presStyleLbl="node1" presStyleIdx="0" presStyleCnt="2" custLinFactNeighborX="91540" custLinFactNeighborY="-49406"/>
+      <dgm:prSet presAssocID="{8D73F130-D4FE-4A3F-997E-91783F8E3C5A}" presName="circle" presStyleLbl="node1" presStyleIdx="0" presStyleCnt="3" custScaleX="236983" custScaleY="236983" custLinFactX="1206" custLinFactY="-37467" custLinFactNeighborX="100000" custLinFactNeighborY="-100000"/>
       <dgm:spPr/>
       <dgm:t>
         <a:bodyPr/>
@@ -2518,7 +2606,7 @@
       <dgm:spPr/>
     </dgm:pt>
     <dgm:pt modelId="{059821B1-0007-4BD2-8DF8-B0CE19FE433D}" type="pres">
-      <dgm:prSet presAssocID="{F81607D8-20A8-4A19-9734-B55244566E51}" presName="firstChild" presStyleLbl="bgAccFollowNode1" presStyleIdx="1" presStyleCnt="2" custScaleX="122688" custLinFactNeighborX="-3025" custLinFactNeighborY="-5252"/>
+      <dgm:prSet presAssocID="{F81607D8-20A8-4A19-9734-B55244566E51}" presName="firstChild" presStyleLbl="bgAccFollowNode1" presStyleIdx="1" presStyleCnt="3" custScaleX="122688" custLinFactY="-1964" custLinFactNeighborX="51468" custLinFactNeighborY="-100000"/>
       <dgm:spPr/>
       <dgm:t>
         <a:bodyPr/>
@@ -2529,7 +2617,7 @@
       </dgm:t>
     </dgm:pt>
     <dgm:pt modelId="{6F2621B6-EE9B-4C67-B676-9DA2A381AB51}" type="pres">
-      <dgm:prSet presAssocID="{F81607D8-20A8-4A19-9734-B55244566E51}" presName="firstChildTx" presStyleLbl="bgAccFollowNode1" presStyleIdx="1" presStyleCnt="2">
+      <dgm:prSet presAssocID="{F81607D8-20A8-4A19-9734-B55244566E51}" presName="firstChildTx" presStyleLbl="bgAccFollowNode1" presStyleIdx="1" presStyleCnt="3">
         <dgm:presLayoutVars>
           <dgm:bulletEnabled val="1"/>
         </dgm:presLayoutVars>
@@ -2548,7 +2636,68 @@
       <dgm:spPr/>
     </dgm:pt>
     <dgm:pt modelId="{2E8A679C-8039-49E0-892C-C2D30B2F3D40}" type="pres">
-      <dgm:prSet presAssocID="{F81607D8-20A8-4A19-9734-B55244566E51}" presName="circle" presStyleLbl="node1" presStyleIdx="1" presStyleCnt="2" custLinFactNeighborX="-24353" custLinFactNeighborY="-49406"/>
+      <dgm:prSet presAssocID="{F81607D8-20A8-4A19-9734-B55244566E51}" presName="circle" presStyleLbl="node1" presStyleIdx="1" presStyleCnt="3" custScaleX="251468" custScaleY="251468" custLinFactY="-37467" custLinFactNeighborX="34517" custLinFactNeighborY="-100000"/>
+      <dgm:spPr/>
+      <dgm:t>
+        <a:bodyPr/>
+        <a:lstStyle/>
+        <a:p>
+          <a:endParaRPr lang="fr-FR"/>
+        </a:p>
+      </dgm:t>
+    </dgm:pt>
+    <dgm:pt modelId="{8F581EAF-03AC-40E9-94F3-74FC01AE3A2A}" type="pres">
+      <dgm:prSet presAssocID="{00B5D94F-4CF5-4537-BCFB-3CF754B77F10}" presName="transSpace" presStyleCnt="0"/>
+      <dgm:spPr/>
+    </dgm:pt>
+    <dgm:pt modelId="{C342A948-044C-4CFB-9CD7-093A1CCA9598}" type="pres">
+      <dgm:prSet presAssocID="{3AFF89AC-102C-470C-93F8-3F8E1C071C4D}" presName="posSpace" presStyleCnt="0"/>
+      <dgm:spPr/>
+    </dgm:pt>
+    <dgm:pt modelId="{6A9CFB70-B618-4C76-8EC9-ACA25EAFE57E}" type="pres">
+      <dgm:prSet presAssocID="{3AFF89AC-102C-470C-93F8-3F8E1C071C4D}" presName="vertFlow" presStyleCnt="0"/>
+      <dgm:spPr/>
+    </dgm:pt>
+    <dgm:pt modelId="{5C562CF4-1CD1-489E-B209-BA96DC711FB9}" type="pres">
+      <dgm:prSet presAssocID="{3AFF89AC-102C-470C-93F8-3F8E1C071C4D}" presName="topSpace" presStyleCnt="0"/>
+      <dgm:spPr/>
+    </dgm:pt>
+    <dgm:pt modelId="{09292B02-C8D4-4F1A-B0A1-E5AD8C7598C7}" type="pres">
+      <dgm:prSet presAssocID="{3AFF89AC-102C-470C-93F8-3F8E1C071C4D}" presName="firstComp" presStyleCnt="0"/>
+      <dgm:spPr/>
+    </dgm:pt>
+    <dgm:pt modelId="{0195AC62-205F-4CE8-B650-8493F5569789}" type="pres">
+      <dgm:prSet presAssocID="{3AFF89AC-102C-470C-93F8-3F8E1C071C4D}" presName="firstChild" presStyleLbl="bgAccFollowNode1" presStyleIdx="2" presStyleCnt="3" custLinFactX="-100000" custLinFactY="33704" custLinFactNeighborX="-154647" custLinFactNeighborY="100000"/>
+      <dgm:spPr/>
+      <dgm:t>
+        <a:bodyPr/>
+        <a:lstStyle/>
+        <a:p>
+          <a:endParaRPr lang="fr-FR"/>
+        </a:p>
+      </dgm:t>
+    </dgm:pt>
+    <dgm:pt modelId="{29ED0B57-648B-4F93-9234-3C457F3E2E4C}" type="pres">
+      <dgm:prSet presAssocID="{3AFF89AC-102C-470C-93F8-3F8E1C071C4D}" presName="firstChildTx" presStyleLbl="bgAccFollowNode1" presStyleIdx="2" presStyleCnt="3">
+        <dgm:presLayoutVars>
+          <dgm:bulletEnabled val="1"/>
+        </dgm:presLayoutVars>
+      </dgm:prSet>
+      <dgm:spPr/>
+      <dgm:t>
+        <a:bodyPr/>
+        <a:lstStyle/>
+        <a:p>
+          <a:endParaRPr lang="fr-FR"/>
+        </a:p>
+      </dgm:t>
+    </dgm:pt>
+    <dgm:pt modelId="{CE41AF63-5468-4369-B305-1C9B12DFF84F}" type="pres">
+      <dgm:prSet presAssocID="{3AFF89AC-102C-470C-93F8-3F8E1C071C4D}" presName="negSpace" presStyleCnt="0"/>
+      <dgm:spPr/>
+    </dgm:pt>
+    <dgm:pt modelId="{B8D35EF5-5F2C-4615-9046-FB6BEB2C3B81}" type="pres">
+      <dgm:prSet presAssocID="{3AFF89AC-102C-470C-93F8-3F8E1C071C4D}" presName="circle" presStyleLbl="node1" presStyleIdx="2" presStyleCnt="3" custScaleX="271474" custScaleY="271474" custLinFactX="-100000" custLinFactNeighborX="-181108" custLinFactNeighborY="95751"/>
       <dgm:spPr/>
       <dgm:t>
         <a:bodyPr/>
@@ -2560,17 +2709,22 @@
     </dgm:pt>
   </dgm:ptLst>
   <dgm:cxnLst>
+    <dgm:cxn modelId="{74C556B9-D7EC-46BE-820D-6B751B6C9818}" srcId="{3AFF89AC-102C-470C-93F8-3F8E1C071C4D}" destId="{E4089555-E91C-4BF3-9601-BE63FB847D20}" srcOrd="0" destOrd="0" parTransId="{1BF948FE-B8D9-42D3-9E3F-65C037932561}" sibTransId="{89B8F985-AF76-4286-9986-302FD77EB106}"/>
+    <dgm:cxn modelId="{E18BF595-3687-45BC-A5D6-94634170F3C4}" type="presOf" srcId="{A4CD16CE-6FF8-4F5B-AA56-6CB89BBB69F9}" destId="{5374C97F-BB9F-435F-A1D9-E5249B9981AF}" srcOrd="0" destOrd="0" presId="urn:microsoft.com/office/officeart/2005/8/layout/hList9"/>
+    <dgm:cxn modelId="{52F81A1A-1771-4EB0-A5A2-6101A8D1E157}" srcId="{A4CD16CE-6FF8-4F5B-AA56-6CB89BBB69F9}" destId="{8D73F130-D4FE-4A3F-997E-91783F8E3C5A}" srcOrd="0" destOrd="0" parTransId="{8D55B929-D748-4020-9E50-F71AE1BF2180}" sibTransId="{63764104-D552-4B83-B394-ADE3D817BFA6}"/>
+    <dgm:cxn modelId="{C2AE079F-E677-46EA-B271-267DF46DF7DD}" srcId="{A4CD16CE-6FF8-4F5B-AA56-6CB89BBB69F9}" destId="{F81607D8-20A8-4A19-9734-B55244566E51}" srcOrd="1" destOrd="0" parTransId="{7ADCA484-D0D0-4850-AB77-532033927D0F}" sibTransId="{00B5D94F-4CF5-4537-BCFB-3CF754B77F10}"/>
+    <dgm:cxn modelId="{10A24AD0-7A54-4679-9AA7-62D80A440BA7}" srcId="{F81607D8-20A8-4A19-9734-B55244566E51}" destId="{F354600A-FA0F-41C5-BB41-5F47F1DD004C}" srcOrd="0" destOrd="0" parTransId="{5CC45C8D-1D11-4FE9-85C2-2E10B61F566B}" sibTransId="{B16D21DD-C17C-47F9-9D34-274541494D98}"/>
     <dgm:cxn modelId="{1CBF82AB-BF7B-4B92-BDC3-30FB2E34505E}" type="presOf" srcId="{605D1FB5-210C-400A-84F5-CC35A8B043CD}" destId="{516ADAB7-51A2-475F-9B07-19C15A498B8B}" srcOrd="0" destOrd="0" presId="urn:microsoft.com/office/officeart/2005/8/layout/hList9"/>
+    <dgm:cxn modelId="{B42B5352-AF05-42E9-98E2-55177C4CC6A0}" srcId="{A4CD16CE-6FF8-4F5B-AA56-6CB89BBB69F9}" destId="{3AFF89AC-102C-470C-93F8-3F8E1C071C4D}" srcOrd="2" destOrd="0" parTransId="{44051346-A052-47C2-B563-FCDE11DDEA57}" sibTransId="{EDEC90CD-0734-491F-B4FF-8A70B7C8F432}"/>
+    <dgm:cxn modelId="{3458A928-9BA9-494A-BE54-33DE67BAA60E}" type="presOf" srcId="{F354600A-FA0F-41C5-BB41-5F47F1DD004C}" destId="{059821B1-0007-4BD2-8DF8-B0CE19FE433D}" srcOrd="0" destOrd="0" presId="urn:microsoft.com/office/officeart/2005/8/layout/hList9"/>
+    <dgm:cxn modelId="{1D7D86CA-0E72-4FE2-9089-C3B978B4C7D8}" type="presOf" srcId="{3AFF89AC-102C-470C-93F8-3F8E1C071C4D}" destId="{B8D35EF5-5F2C-4615-9046-FB6BEB2C3B81}" srcOrd="0" destOrd="0" presId="urn:microsoft.com/office/officeart/2005/8/layout/hList9"/>
+    <dgm:cxn modelId="{BB2F6249-B04A-475E-8420-C32498D56A1C}" type="presOf" srcId="{8D73F130-D4FE-4A3F-997E-91783F8E3C5A}" destId="{A5D57D14-3203-4073-944D-7AAE4755C0D5}" srcOrd="0" destOrd="0" presId="urn:microsoft.com/office/officeart/2005/8/layout/hList9"/>
+    <dgm:cxn modelId="{9AE13D64-7CDF-48F0-966B-3619B9D737A4}" type="presOf" srcId="{E4089555-E91C-4BF3-9601-BE63FB847D20}" destId="{0195AC62-205F-4CE8-B650-8493F5569789}" srcOrd="0" destOrd="0" presId="urn:microsoft.com/office/officeart/2005/8/layout/hList9"/>
+    <dgm:cxn modelId="{18EE1485-D2E5-4AA7-AF35-BC0B2D5505EC}" type="presOf" srcId="{605D1FB5-210C-400A-84F5-CC35A8B043CD}" destId="{BBE1B8DB-BA6E-42AB-84CC-21D3D717CF28}" srcOrd="1" destOrd="0" presId="urn:microsoft.com/office/officeart/2005/8/layout/hList9"/>
+    <dgm:cxn modelId="{5F7A4614-3D5C-49AC-8F54-AE7718054F93}" type="presOf" srcId="{F354600A-FA0F-41C5-BB41-5F47F1DD004C}" destId="{6F2621B6-EE9B-4C67-B676-9DA2A381AB51}" srcOrd="1" destOrd="0" presId="urn:microsoft.com/office/officeart/2005/8/layout/hList9"/>
     <dgm:cxn modelId="{27A5C3A7-FFEC-43DB-B588-ACAA917EC5C8}" srcId="{8D73F130-D4FE-4A3F-997E-91783F8E3C5A}" destId="{605D1FB5-210C-400A-84F5-CC35A8B043CD}" srcOrd="0" destOrd="0" parTransId="{1B1BDADB-A07A-4BF8-B109-8C6A50FCA85D}" sibTransId="{2E12EE24-BA26-4312-8130-60E8FCEDC966}"/>
-    <dgm:cxn modelId="{3458A928-9BA9-494A-BE54-33DE67BAA60E}" type="presOf" srcId="{F354600A-FA0F-41C5-BB41-5F47F1DD004C}" destId="{059821B1-0007-4BD2-8DF8-B0CE19FE433D}" srcOrd="0" destOrd="0" presId="urn:microsoft.com/office/officeart/2005/8/layout/hList9"/>
-    <dgm:cxn modelId="{5F7A4614-3D5C-49AC-8F54-AE7718054F93}" type="presOf" srcId="{F354600A-FA0F-41C5-BB41-5F47F1DD004C}" destId="{6F2621B6-EE9B-4C67-B676-9DA2A381AB51}" srcOrd="1" destOrd="0" presId="urn:microsoft.com/office/officeart/2005/8/layout/hList9"/>
     <dgm:cxn modelId="{F2589879-376E-4214-97C2-32ED1D0B3340}" type="presOf" srcId="{F81607D8-20A8-4A19-9734-B55244566E51}" destId="{2E8A679C-8039-49E0-892C-C2D30B2F3D40}" srcOrd="0" destOrd="0" presId="urn:microsoft.com/office/officeart/2005/8/layout/hList9"/>
-    <dgm:cxn modelId="{C2AE079F-E677-46EA-B271-267DF46DF7DD}" srcId="{A4CD16CE-6FF8-4F5B-AA56-6CB89BBB69F9}" destId="{F81607D8-20A8-4A19-9734-B55244566E51}" srcOrd="1" destOrd="0" parTransId="{7ADCA484-D0D0-4850-AB77-532033927D0F}" sibTransId="{00B5D94F-4CF5-4537-BCFB-3CF754B77F10}"/>
-    <dgm:cxn modelId="{18EE1485-D2E5-4AA7-AF35-BC0B2D5505EC}" type="presOf" srcId="{605D1FB5-210C-400A-84F5-CC35A8B043CD}" destId="{BBE1B8DB-BA6E-42AB-84CC-21D3D717CF28}" srcOrd="1" destOrd="0" presId="urn:microsoft.com/office/officeart/2005/8/layout/hList9"/>
-    <dgm:cxn modelId="{52F81A1A-1771-4EB0-A5A2-6101A8D1E157}" srcId="{A4CD16CE-6FF8-4F5B-AA56-6CB89BBB69F9}" destId="{8D73F130-D4FE-4A3F-997E-91783F8E3C5A}" srcOrd="0" destOrd="0" parTransId="{8D55B929-D748-4020-9E50-F71AE1BF2180}" sibTransId="{63764104-D552-4B83-B394-ADE3D817BFA6}"/>
-    <dgm:cxn modelId="{10A24AD0-7A54-4679-9AA7-62D80A440BA7}" srcId="{F81607D8-20A8-4A19-9734-B55244566E51}" destId="{F354600A-FA0F-41C5-BB41-5F47F1DD004C}" srcOrd="0" destOrd="0" parTransId="{5CC45C8D-1D11-4FE9-85C2-2E10B61F566B}" sibTransId="{B16D21DD-C17C-47F9-9D34-274541494D98}"/>
-    <dgm:cxn modelId="{BB2F6249-B04A-475E-8420-C32498D56A1C}" type="presOf" srcId="{8D73F130-D4FE-4A3F-997E-91783F8E3C5A}" destId="{A5D57D14-3203-4073-944D-7AAE4755C0D5}" srcOrd="0" destOrd="0" presId="urn:microsoft.com/office/officeart/2005/8/layout/hList9"/>
-    <dgm:cxn modelId="{E18BF595-3687-45BC-A5D6-94634170F3C4}" type="presOf" srcId="{A4CD16CE-6FF8-4F5B-AA56-6CB89BBB69F9}" destId="{5374C97F-BB9F-435F-A1D9-E5249B9981AF}" srcOrd="0" destOrd="0" presId="urn:microsoft.com/office/officeart/2005/8/layout/hList9"/>
+    <dgm:cxn modelId="{88825837-57BE-424D-952E-1B7AE593BB82}" type="presOf" srcId="{E4089555-E91C-4BF3-9601-BE63FB847D20}" destId="{29ED0B57-648B-4F93-9234-3C457F3E2E4C}" srcOrd="1" destOrd="0" presId="urn:microsoft.com/office/officeart/2005/8/layout/hList9"/>
     <dgm:cxn modelId="{7BDB378F-C8B4-44E9-AC0E-C305C211855D}" type="presParOf" srcId="{5374C97F-BB9F-435F-A1D9-E5249B9981AF}" destId="{4306F6C7-F29A-44DE-BDEE-37BD6E8601F2}" srcOrd="0" destOrd="0" presId="urn:microsoft.com/office/officeart/2005/8/layout/hList9"/>
     <dgm:cxn modelId="{AA9706AF-FEAC-4884-8CFF-1451CC709BBB}" type="presParOf" srcId="{5374C97F-BB9F-435F-A1D9-E5249B9981AF}" destId="{DF24BEE9-57AA-491D-83C3-892959C63237}" srcOrd="1" destOrd="0" presId="urn:microsoft.com/office/officeart/2005/8/layout/hList9"/>
     <dgm:cxn modelId="{D005810B-D4D1-4BBA-9B80-788F62AC3DDB}" type="presParOf" srcId="{DF24BEE9-57AA-491D-83C3-892959C63237}" destId="{8D80059E-51C1-4499-89EA-CFB623FEEC83}" srcOrd="0" destOrd="0" presId="urn:microsoft.com/office/officeart/2005/8/layout/hList9"/>
@@ -2588,12 +2742,21 @@
     <dgm:cxn modelId="{FE7DDF0E-4168-448F-B888-47C108881663}" type="presParOf" srcId="{7E880ED4-1C84-42A1-B1A3-99E10FDD0FC7}" destId="{6F2621B6-EE9B-4C67-B676-9DA2A381AB51}" srcOrd="1" destOrd="0" presId="urn:microsoft.com/office/officeart/2005/8/layout/hList9"/>
     <dgm:cxn modelId="{1900049B-1B48-4C20-B675-C6CF89A3108E}" type="presParOf" srcId="{5374C97F-BB9F-435F-A1D9-E5249B9981AF}" destId="{2D6E1F3D-EFE1-4A05-A033-AF3525C0CB91}" srcOrd="7" destOrd="0" presId="urn:microsoft.com/office/officeart/2005/8/layout/hList9"/>
     <dgm:cxn modelId="{5655A495-A844-48F4-8F31-C7E92B2797F4}" type="presParOf" srcId="{5374C97F-BB9F-435F-A1D9-E5249B9981AF}" destId="{2E8A679C-8039-49E0-892C-C2D30B2F3D40}" srcOrd="8" destOrd="0" presId="urn:microsoft.com/office/officeart/2005/8/layout/hList9"/>
+    <dgm:cxn modelId="{2EBA5676-D9AA-47A7-9D7B-A6619835FB84}" type="presParOf" srcId="{5374C97F-BB9F-435F-A1D9-E5249B9981AF}" destId="{8F581EAF-03AC-40E9-94F3-74FC01AE3A2A}" srcOrd="9" destOrd="0" presId="urn:microsoft.com/office/officeart/2005/8/layout/hList9"/>
+    <dgm:cxn modelId="{9D0FAD78-34E0-4458-87C1-3A35F500A68C}" type="presParOf" srcId="{5374C97F-BB9F-435F-A1D9-E5249B9981AF}" destId="{C342A948-044C-4CFB-9CD7-093A1CCA9598}" srcOrd="10" destOrd="0" presId="urn:microsoft.com/office/officeart/2005/8/layout/hList9"/>
+    <dgm:cxn modelId="{2945CBE3-5368-4835-9D41-C4268F116305}" type="presParOf" srcId="{5374C97F-BB9F-435F-A1D9-E5249B9981AF}" destId="{6A9CFB70-B618-4C76-8EC9-ACA25EAFE57E}" srcOrd="11" destOrd="0" presId="urn:microsoft.com/office/officeart/2005/8/layout/hList9"/>
+    <dgm:cxn modelId="{72058F61-8A81-4A2F-9C20-56CC29714708}" type="presParOf" srcId="{6A9CFB70-B618-4C76-8EC9-ACA25EAFE57E}" destId="{5C562CF4-1CD1-489E-B209-BA96DC711FB9}" srcOrd="0" destOrd="0" presId="urn:microsoft.com/office/officeart/2005/8/layout/hList9"/>
+    <dgm:cxn modelId="{75E7C628-9797-4A9E-B85E-A13D8B6E6E17}" type="presParOf" srcId="{6A9CFB70-B618-4C76-8EC9-ACA25EAFE57E}" destId="{09292B02-C8D4-4F1A-B0A1-E5AD8C7598C7}" srcOrd="1" destOrd="0" presId="urn:microsoft.com/office/officeart/2005/8/layout/hList9"/>
+    <dgm:cxn modelId="{E42970B8-8675-4546-8E2E-A0E3A4050638}" type="presParOf" srcId="{09292B02-C8D4-4F1A-B0A1-E5AD8C7598C7}" destId="{0195AC62-205F-4CE8-B650-8493F5569789}" srcOrd="0" destOrd="0" presId="urn:microsoft.com/office/officeart/2005/8/layout/hList9"/>
+    <dgm:cxn modelId="{26230ACD-5332-46E4-87D8-D1377F2CE8D8}" type="presParOf" srcId="{09292B02-C8D4-4F1A-B0A1-E5AD8C7598C7}" destId="{29ED0B57-648B-4F93-9234-3C457F3E2E4C}" srcOrd="1" destOrd="0" presId="urn:microsoft.com/office/officeart/2005/8/layout/hList9"/>
+    <dgm:cxn modelId="{52C185FA-F798-4126-9B6F-6BDD2BA2044C}" type="presParOf" srcId="{5374C97F-BB9F-435F-A1D9-E5249B9981AF}" destId="{CE41AF63-5468-4369-B305-1C9B12DFF84F}" srcOrd="12" destOrd="0" presId="urn:microsoft.com/office/officeart/2005/8/layout/hList9"/>
+    <dgm:cxn modelId="{408D3B45-370F-49FF-BD0C-77CF8044519B}" type="presParOf" srcId="{5374C97F-BB9F-435F-A1D9-E5249B9981AF}" destId="{B8D35EF5-5F2C-4615-9046-FB6BEB2C3B81}" srcOrd="13" destOrd="0" presId="urn:microsoft.com/office/officeart/2005/8/layout/hList9"/>
   </dgm:cxnLst>
   <dgm:bg/>
   <dgm:whole/>
   <dgm:extLst>
     <a:ext uri="http://schemas.microsoft.com/office/drawing/2008/diagram">
-      <dsp:dataModelExt xmlns:dsp="http://schemas.microsoft.com/office/drawing/2008/diagram" xmlns="" relId="rId6" minVer="http://schemas.openxmlformats.org/drawingml/2006/diagram"/>
+      <dsp:dataModelExt xmlns:dsp="http://schemas.microsoft.com/office/drawing/2008/diagram" relId="rId6" minVer="http://schemas.openxmlformats.org/drawingml/2006/diagram"/>
     </a:ext>
   </dgm:extLst>
 </dgm:dataModel>
@@ -2607,577 +2770,6 @@
       <dsp:cNvGrpSpPr/>
     </dsp:nvGrpSpPr>
     <dsp:grpSpPr/>
-    <dsp:sp modelId="{22A99387-A6D2-43E3-AF24-6FADF6F83837}">
-      <dsp:nvSpPr>
-        <dsp:cNvPr id="0" name=""/>
-        <dsp:cNvSpPr/>
-      </dsp:nvSpPr>
-      <dsp:spPr>
-        <a:xfrm>
-          <a:off x="0" y="0"/>
-          <a:ext cx="7227123" cy="1445424"/>
-        </a:xfrm>
-        <a:prstGeom prst="rect">
-          <a:avLst/>
-        </a:prstGeom>
-        <a:solidFill>
-          <a:schemeClr val="accent6">
-            <a:shade val="80000"/>
-            <a:hueOff val="0"/>
-            <a:satOff val="0"/>
-            <a:lumOff val="0"/>
-            <a:alphaOff val="0"/>
-          </a:schemeClr>
-        </a:solidFill>
-        <a:ln>
-          <a:noFill/>
-        </a:ln>
-        <a:effectLst>
-          <a:outerShdw blurRad="65500" dist="38100" dir="5400000" rotWithShape="0">
-            <a:srgbClr xmlns:mc="http://schemas.openxmlformats.org/markup-compatibility/2006" xmlns:a14="http://schemas.microsoft.com/office/drawing/2007/7/7/main" val="000000" mc:Ignorable="">
-              <a:alpha val="40000"/>
-            </a:srgbClr>
-          </a:outerShdw>
-        </a:effectLst>
-      </dsp:spPr>
-      <dsp:style>
-        <a:lnRef idx="0">
-          <a:scrgbClr r="0" g="0" b="0"/>
-        </a:lnRef>
-        <a:fillRef idx="1">
-          <a:scrgbClr r="0" g="0" b="0"/>
-        </a:fillRef>
-        <a:effectRef idx="2">
-          <a:scrgbClr r="0" g="0" b="0"/>
-        </a:effectRef>
-        <a:fontRef idx="minor"/>
-      </dsp:style>
-      <dsp:txBody>
-        <a:bodyPr spcFirstLastPara="0" vert="horz" wrap="square" lIns="91440" tIns="91440" rIns="91440" bIns="91440" numCol="1" spcCol="1270" anchor="ctr" anchorCtr="0">
-          <a:noAutofit/>
-        </a:bodyPr>
-        <a:lstStyle/>
-        <a:p>
-          <a:pPr lvl="0" algn="ctr" defTabSz="1066800">
-            <a:lnSpc>
-              <a:spcPct val="90000"/>
-            </a:lnSpc>
-            <a:spcBef>
-              <a:spcPct val="0"/>
-            </a:spcBef>
-            <a:spcAft>
-              <a:spcPct val="35000"/>
-            </a:spcAft>
-          </a:pPr>
-          <a:r>
-            <a:rPr lang="fr-FR" sz="2400" kern="1200" dirty="0" smtClean="0"/>
-            <a:t>New aspects of </a:t>
-          </a:r>
-          <a:r>
-            <a:rPr lang="fr-FR" sz="2400" kern="1200" dirty="0" err="1" smtClean="0"/>
-            <a:t>requirements</a:t>
-          </a:r>
-          <a:r>
-            <a:rPr lang="fr-FR" sz="2400" kern="1200" dirty="0" smtClean="0"/>
-            <a:t> </a:t>
-          </a:r>
-          <a:r>
-            <a:rPr lang="fr-FR" sz="2400" kern="1200" dirty="0" err="1" smtClean="0"/>
-            <a:t>were</a:t>
-          </a:r>
-          <a:r>
-            <a:rPr lang="fr-FR" sz="2400" kern="1200" dirty="0" smtClean="0"/>
-            <a:t> </a:t>
-          </a:r>
-          <a:r>
-            <a:rPr lang="fr-FR" sz="2400" kern="1200" dirty="0" err="1" smtClean="0"/>
-            <a:t>emphasized</a:t>
-          </a:r>
-          <a:r>
-            <a:rPr lang="fr-FR" sz="2400" kern="1200" dirty="0" smtClean="0"/>
-            <a:t> </a:t>
-          </a:r>
-          <a:r>
-            <a:rPr lang="fr-FR" sz="2400" kern="1200" dirty="0" err="1" smtClean="0"/>
-            <a:t>using</a:t>
-          </a:r>
-          <a:r>
-            <a:rPr lang="fr-FR" sz="2400" kern="1200" dirty="0" smtClean="0"/>
-            <a:t> </a:t>
-          </a:r>
-          <a:r>
-            <a:rPr lang="fr-FR" sz="2400" kern="1200" dirty="0" err="1" smtClean="0"/>
-            <a:t>problem</a:t>
-          </a:r>
-          <a:r>
-            <a:rPr lang="fr-FR" sz="2400" kern="1200" dirty="0" smtClean="0"/>
-            <a:t> frames. </a:t>
-          </a:r>
-        </a:p>
-        <a:p>
-          <a:pPr lvl="0" algn="ctr" defTabSz="1066800">
-            <a:lnSpc>
-              <a:spcPct val="90000"/>
-            </a:lnSpc>
-            <a:spcBef>
-              <a:spcPct val="0"/>
-            </a:spcBef>
-            <a:spcAft>
-              <a:spcPct val="35000"/>
-            </a:spcAft>
-          </a:pPr>
-          <a:r>
-            <a:rPr lang="fr-FR" sz="2400" kern="1200" dirty="0" err="1" smtClean="0"/>
-            <a:t>Necessity</a:t>
-          </a:r>
-          <a:r>
-            <a:rPr lang="fr-FR" sz="2400" kern="1200" dirty="0" smtClean="0"/>
-            <a:t> of:</a:t>
-          </a:r>
-          <a:endParaRPr lang="fr-FR" sz="2400" kern="1200" dirty="0"/>
-        </a:p>
-      </dsp:txBody>
-      <dsp:txXfrm>
-        <a:off x="0" y="0"/>
-        <a:ext cx="7227123" cy="1445424"/>
-      </dsp:txXfrm>
-    </dsp:sp>
-    <dsp:sp modelId="{8241D08B-CB62-4962-9D9B-1D2183EA71DA}">
-      <dsp:nvSpPr>
-        <dsp:cNvPr id="0" name=""/>
-        <dsp:cNvSpPr/>
-      </dsp:nvSpPr>
-      <dsp:spPr>
-        <a:xfrm>
-          <a:off x="3528" y="1445424"/>
-          <a:ext cx="2406688" cy="3035391"/>
-        </a:xfrm>
-        <a:prstGeom prst="rect">
-          <a:avLst/>
-        </a:prstGeom>
-        <a:gradFill rotWithShape="0">
-          <a:gsLst>
-            <a:gs pos="0">
-              <a:schemeClr val="lt1">
-                <a:hueOff val="0"/>
-                <a:satOff val="0"/>
-                <a:lumOff val="0"/>
-                <a:alphaOff val="0"/>
-                <a:shade val="45000"/>
-                <a:satMod val="155000"/>
-              </a:schemeClr>
-            </a:gs>
-            <a:gs pos="60000">
-              <a:schemeClr val="lt1">
-                <a:hueOff val="0"/>
-                <a:satOff val="0"/>
-                <a:lumOff val="0"/>
-                <a:alphaOff val="0"/>
-                <a:shade val="95000"/>
-                <a:satMod val="150000"/>
-              </a:schemeClr>
-            </a:gs>
-            <a:gs pos="100000">
-              <a:schemeClr val="lt1">
-                <a:hueOff val="0"/>
-                <a:satOff val="0"/>
-                <a:lumOff val="0"/>
-                <a:alphaOff val="0"/>
-                <a:tint val="87000"/>
-                <a:satMod val="250000"/>
-              </a:schemeClr>
-            </a:gs>
-          </a:gsLst>
-          <a:lin ang="16200000" scaled="0"/>
-        </a:gradFill>
-        <a:ln>
-          <a:noFill/>
-        </a:ln>
-        <a:effectLst>
-          <a:outerShdw blurRad="65500" dist="38100" dir="5400000" rotWithShape="0">
-            <a:srgbClr xmlns:mc="http://schemas.openxmlformats.org/markup-compatibility/2006" xmlns:a14="http://schemas.microsoft.com/office/drawing/2007/7/7/main" val="000000" mc:Ignorable="">
-              <a:alpha val="40000"/>
-            </a:srgbClr>
-          </a:outerShdw>
-        </a:effectLst>
-      </dsp:spPr>
-      <dsp:style>
-        <a:lnRef idx="0">
-          <a:scrgbClr r="0" g="0" b="0"/>
-        </a:lnRef>
-        <a:fillRef idx="3">
-          <a:scrgbClr r="0" g="0" b="0"/>
-        </a:fillRef>
-        <a:effectRef idx="2">
-          <a:scrgbClr r="0" g="0" b="0"/>
-        </a:effectRef>
-        <a:fontRef idx="minor">
-          <a:schemeClr val="lt1"/>
-        </a:fontRef>
-      </dsp:style>
-      <dsp:txBody>
-        <a:bodyPr spcFirstLastPara="0" vert="horz" wrap="square" lIns="76200" tIns="76200" rIns="76200" bIns="76200" numCol="1" spcCol="1270" anchor="ctr" anchorCtr="0">
-          <a:noAutofit/>
-        </a:bodyPr>
-        <a:lstStyle/>
-        <a:p>
-          <a:pPr lvl="0" algn="ctr" defTabSz="889000">
-            <a:lnSpc>
-              <a:spcPct val="90000"/>
-            </a:lnSpc>
-            <a:spcBef>
-              <a:spcPct val="0"/>
-            </a:spcBef>
-            <a:spcAft>
-              <a:spcPct val="35000"/>
-            </a:spcAft>
-          </a:pPr>
-          <a:r>
-            <a:rPr lang="fr-FR" sz="2000" kern="1200" dirty="0" err="1" smtClean="0"/>
-            <a:t>clearly</a:t>
-          </a:r>
-          <a:r>
-            <a:rPr lang="fr-FR" sz="2000" kern="1200" dirty="0" smtClean="0"/>
-            <a:t> </a:t>
-          </a:r>
-          <a:r>
-            <a:rPr lang="fr-FR" sz="2000" kern="1200" dirty="0" err="1" smtClean="0"/>
-            <a:t>defining</a:t>
-          </a:r>
-          <a:r>
-            <a:rPr lang="fr-FR" sz="2000" kern="1200" dirty="0" smtClean="0"/>
-            <a:t> </a:t>
-          </a:r>
-          <a:r>
-            <a:rPr lang="fr-FR" sz="2000" kern="1200" dirty="0" err="1" smtClean="0"/>
-            <a:t>which</a:t>
-          </a:r>
-          <a:r>
-            <a:rPr lang="fr-FR" sz="2000" kern="1200" dirty="0" smtClean="0"/>
-            <a:t> </a:t>
-          </a:r>
-          <a:r>
-            <a:rPr lang="fr-FR" sz="2000" kern="1200" dirty="0" err="1" smtClean="0"/>
-            <a:t>domains</a:t>
-          </a:r>
-          <a:r>
-            <a:rPr lang="fr-FR" sz="2000" kern="1200" dirty="0" smtClean="0"/>
-            <a:t> </a:t>
-          </a:r>
-          <a:r>
-            <a:rPr lang="fr-FR" sz="2000" kern="1200" dirty="0" err="1" smtClean="0"/>
-            <a:t>interact</a:t>
-          </a:r>
-          <a:r>
-            <a:rPr lang="fr-FR" sz="2000" kern="1200" dirty="0" smtClean="0"/>
-            <a:t> </a:t>
-          </a:r>
-          <a:r>
-            <a:rPr lang="fr-FR" sz="2000" kern="1200" dirty="0" err="1" smtClean="0"/>
-            <a:t>with</a:t>
-          </a:r>
-          <a:r>
-            <a:rPr lang="fr-FR" sz="2000" kern="1200" dirty="0" smtClean="0"/>
-            <a:t> the machine</a:t>
-          </a:r>
-          <a:endParaRPr lang="fr-FR" sz="2000" kern="1200" dirty="0"/>
-        </a:p>
-      </dsp:txBody>
-      <dsp:txXfrm>
-        <a:off x="3528" y="1445424"/>
-        <a:ext cx="2406688" cy="3035391"/>
-      </dsp:txXfrm>
-    </dsp:sp>
-    <dsp:sp modelId="{36A69038-D135-4966-B855-369C1C83C96F}">
-      <dsp:nvSpPr>
-        <dsp:cNvPr id="0" name=""/>
-        <dsp:cNvSpPr/>
-      </dsp:nvSpPr>
-      <dsp:spPr>
-        <a:xfrm>
-          <a:off x="2410217" y="1445424"/>
-          <a:ext cx="2406688" cy="3035391"/>
-        </a:xfrm>
-        <a:prstGeom prst="rect">
-          <a:avLst/>
-        </a:prstGeom>
-        <a:gradFill rotWithShape="0">
-          <a:gsLst>
-            <a:gs pos="0">
-              <a:schemeClr val="lt1">
-                <a:hueOff val="0"/>
-                <a:satOff val="0"/>
-                <a:lumOff val="0"/>
-                <a:alphaOff val="0"/>
-                <a:shade val="45000"/>
-                <a:satMod val="155000"/>
-              </a:schemeClr>
-            </a:gs>
-            <a:gs pos="60000">
-              <a:schemeClr val="lt1">
-                <a:hueOff val="0"/>
-                <a:satOff val="0"/>
-                <a:lumOff val="0"/>
-                <a:alphaOff val="0"/>
-                <a:shade val="95000"/>
-                <a:satMod val="150000"/>
-              </a:schemeClr>
-            </a:gs>
-            <a:gs pos="100000">
-              <a:schemeClr val="lt1">
-                <a:hueOff val="0"/>
-                <a:satOff val="0"/>
-                <a:lumOff val="0"/>
-                <a:alphaOff val="0"/>
-                <a:tint val="87000"/>
-                <a:satMod val="250000"/>
-              </a:schemeClr>
-            </a:gs>
-          </a:gsLst>
-          <a:lin ang="16200000" scaled="0"/>
-        </a:gradFill>
-        <a:ln>
-          <a:noFill/>
-        </a:ln>
-        <a:effectLst>
-          <a:outerShdw blurRad="65500" dist="38100" dir="5400000" rotWithShape="0">
-            <a:srgbClr xmlns:mc="http://schemas.openxmlformats.org/markup-compatibility/2006" xmlns:a14="http://schemas.microsoft.com/office/drawing/2007/7/7/main" val="000000" mc:Ignorable="">
-              <a:alpha val="40000"/>
-            </a:srgbClr>
-          </a:outerShdw>
-        </a:effectLst>
-      </dsp:spPr>
-      <dsp:style>
-        <a:lnRef idx="0">
-          <a:scrgbClr r="0" g="0" b="0"/>
-        </a:lnRef>
-        <a:fillRef idx="3">
-          <a:scrgbClr r="0" g="0" b="0"/>
-        </a:fillRef>
-        <a:effectRef idx="2">
-          <a:scrgbClr r="0" g="0" b="0"/>
-        </a:effectRef>
-        <a:fontRef idx="minor">
-          <a:schemeClr val="lt1"/>
-        </a:fontRef>
-      </dsp:style>
-      <dsp:txBody>
-        <a:bodyPr spcFirstLastPara="0" vert="horz" wrap="square" lIns="76200" tIns="76200" rIns="76200" bIns="76200" numCol="1" spcCol="1270" anchor="ctr" anchorCtr="0">
-          <a:noAutofit/>
-        </a:bodyPr>
-        <a:lstStyle/>
-        <a:p>
-          <a:pPr lvl="0" algn="ctr" defTabSz="889000">
-            <a:lnSpc>
-              <a:spcPct val="90000"/>
-            </a:lnSpc>
-            <a:spcBef>
-              <a:spcPct val="0"/>
-            </a:spcBef>
-            <a:spcAft>
-              <a:spcPct val="35000"/>
-            </a:spcAft>
-          </a:pPr>
-          <a:r>
-            <a:rPr lang="fr-FR" sz="2000" kern="1200" dirty="0" err="1" smtClean="0"/>
-            <a:t>considering</a:t>
-          </a:r>
-          <a:r>
-            <a:rPr lang="fr-FR" sz="2000" kern="1200" dirty="0" smtClean="0"/>
-            <a:t> </a:t>
-          </a:r>
-          <a:r>
-            <a:rPr lang="fr-FR" sz="2000" kern="1200" dirty="0" err="1" smtClean="0"/>
-            <a:t>both</a:t>
-          </a:r>
-          <a:r>
-            <a:rPr lang="fr-FR" sz="2000" kern="1200" dirty="0" smtClean="0"/>
-            <a:t> data </a:t>
-          </a:r>
-          <a:r>
-            <a:rPr lang="fr-FR" sz="2000" kern="1200" dirty="0" err="1" smtClean="0"/>
-            <a:t>storage</a:t>
-          </a:r>
-          <a:r>
-            <a:rPr lang="fr-FR" sz="2000" kern="1200" dirty="0" smtClean="0"/>
-            <a:t>, </a:t>
-          </a:r>
-          <a:r>
-            <a:rPr lang="fr-FR" sz="2000" kern="1200" dirty="0" err="1" smtClean="0"/>
-            <a:t>processing</a:t>
-          </a:r>
-          <a:r>
-            <a:rPr lang="fr-FR" sz="2000" kern="1200" dirty="0" smtClean="0"/>
-            <a:t> and display</a:t>
-          </a:r>
-          <a:endParaRPr lang="fr-FR" sz="2000" kern="1200" dirty="0"/>
-        </a:p>
-      </dsp:txBody>
-      <dsp:txXfrm>
-        <a:off x="2410217" y="1445424"/>
-        <a:ext cx="2406688" cy="3035391"/>
-      </dsp:txXfrm>
-    </dsp:sp>
-    <dsp:sp modelId="{C9068F78-E09E-4543-A698-C5622D67FE22}">
-      <dsp:nvSpPr>
-        <dsp:cNvPr id="0" name=""/>
-        <dsp:cNvSpPr/>
-      </dsp:nvSpPr>
-      <dsp:spPr>
-        <a:xfrm>
-          <a:off x="4816905" y="1445424"/>
-          <a:ext cx="2406688" cy="3035391"/>
-        </a:xfrm>
-        <a:prstGeom prst="rect">
-          <a:avLst/>
-        </a:prstGeom>
-        <a:gradFill rotWithShape="0">
-          <a:gsLst>
-            <a:gs pos="0">
-              <a:schemeClr val="lt1">
-                <a:hueOff val="0"/>
-                <a:satOff val="0"/>
-                <a:lumOff val="0"/>
-                <a:alphaOff val="0"/>
-                <a:shade val="45000"/>
-                <a:satMod val="155000"/>
-              </a:schemeClr>
-            </a:gs>
-            <a:gs pos="60000">
-              <a:schemeClr val="lt1">
-                <a:hueOff val="0"/>
-                <a:satOff val="0"/>
-                <a:lumOff val="0"/>
-                <a:alphaOff val="0"/>
-                <a:shade val="95000"/>
-                <a:satMod val="150000"/>
-              </a:schemeClr>
-            </a:gs>
-            <a:gs pos="100000">
-              <a:schemeClr val="lt1">
-                <a:hueOff val="0"/>
-                <a:satOff val="0"/>
-                <a:lumOff val="0"/>
-                <a:alphaOff val="0"/>
-                <a:tint val="87000"/>
-                <a:satMod val="250000"/>
-              </a:schemeClr>
-            </a:gs>
-          </a:gsLst>
-          <a:lin ang="16200000" scaled="0"/>
-        </a:gradFill>
-        <a:ln>
-          <a:noFill/>
-        </a:ln>
-        <a:effectLst>
-          <a:outerShdw blurRad="65500" dist="38100" dir="5400000" rotWithShape="0">
-            <a:srgbClr xmlns:mc="http://schemas.openxmlformats.org/markup-compatibility/2006" xmlns:a14="http://schemas.microsoft.com/office/drawing/2007/7/7/main" val="000000" mc:Ignorable="">
-              <a:alpha val="40000"/>
-            </a:srgbClr>
-          </a:outerShdw>
-        </a:effectLst>
-      </dsp:spPr>
-      <dsp:style>
-        <a:lnRef idx="0">
-          <a:scrgbClr r="0" g="0" b="0"/>
-        </a:lnRef>
-        <a:fillRef idx="3">
-          <a:scrgbClr r="0" g="0" b="0"/>
-        </a:fillRef>
-        <a:effectRef idx="2">
-          <a:scrgbClr r="0" g="0" b="0"/>
-        </a:effectRef>
-        <a:fontRef idx="minor">
-          <a:schemeClr val="lt1"/>
-        </a:fontRef>
-      </dsp:style>
-      <dsp:txBody>
-        <a:bodyPr spcFirstLastPara="0" vert="horz" wrap="square" lIns="76200" tIns="76200" rIns="76200" bIns="76200" numCol="1" spcCol="1270" anchor="ctr" anchorCtr="0">
-          <a:noAutofit/>
-        </a:bodyPr>
-        <a:lstStyle/>
-        <a:p>
-          <a:pPr lvl="0" algn="ctr" defTabSz="889000">
-            <a:lnSpc>
-              <a:spcPct val="90000"/>
-            </a:lnSpc>
-            <a:spcBef>
-              <a:spcPct val="0"/>
-            </a:spcBef>
-            <a:spcAft>
-              <a:spcPct val="35000"/>
-            </a:spcAft>
-          </a:pPr>
-          <a:r>
-            <a:rPr lang="fr-FR" sz="2000" kern="1200" dirty="0" err="1" smtClean="0"/>
-            <a:t>considering</a:t>
-          </a:r>
-          <a:r>
-            <a:rPr lang="fr-FR" sz="2000" kern="1200" dirty="0" smtClean="0"/>
-            <a:t> </a:t>
-          </a:r>
-          <a:r>
-            <a:rPr lang="fr-FR" sz="2000" kern="1200" dirty="0" err="1" smtClean="0"/>
-            <a:t>errors</a:t>
-          </a:r>
-          <a:r>
-            <a:rPr lang="fr-FR" sz="2000" kern="1200" dirty="0" smtClean="0"/>
-            <a:t> and exceptions in interactions</a:t>
-          </a:r>
-          <a:endParaRPr lang="fr-FR" sz="2000" kern="1200" dirty="0"/>
-        </a:p>
-      </dsp:txBody>
-      <dsp:txXfrm>
-        <a:off x="4816905" y="1445424"/>
-        <a:ext cx="2406688" cy="3035391"/>
-      </dsp:txXfrm>
-    </dsp:sp>
-    <dsp:sp modelId="{A1F39E40-4505-49AF-8063-5ABC118C2541}">
-      <dsp:nvSpPr>
-        <dsp:cNvPr id="0" name=""/>
-        <dsp:cNvSpPr/>
-      </dsp:nvSpPr>
-      <dsp:spPr>
-        <a:xfrm>
-          <a:off x="0" y="4480816"/>
-          <a:ext cx="7227123" cy="337265"/>
-        </a:xfrm>
-        <a:prstGeom prst="rect">
-          <a:avLst/>
-        </a:prstGeom>
-        <a:solidFill>
-          <a:schemeClr val="accent6">
-            <a:shade val="80000"/>
-            <a:hueOff val="0"/>
-            <a:satOff val="0"/>
-            <a:lumOff val="0"/>
-            <a:alphaOff val="0"/>
-          </a:schemeClr>
-        </a:solidFill>
-        <a:ln>
-          <a:noFill/>
-        </a:ln>
-        <a:effectLst>
-          <a:outerShdw blurRad="65500" dist="38100" dir="5400000" rotWithShape="0">
-            <a:srgbClr xmlns:mc="http://schemas.openxmlformats.org/markup-compatibility/2006" xmlns:a14="http://schemas.microsoft.com/office/drawing/2007/7/7/main" val="000000" mc:Ignorable="">
-              <a:alpha val="40000"/>
-            </a:srgbClr>
-          </a:outerShdw>
-        </a:effectLst>
-      </dsp:spPr>
-      <dsp:style>
-        <a:lnRef idx="0">
-          <a:scrgbClr r="0" g="0" b="0"/>
-        </a:lnRef>
-        <a:fillRef idx="1">
-          <a:scrgbClr r="0" g="0" b="0"/>
-        </a:fillRef>
-        <a:effectRef idx="2">
-          <a:scrgbClr r="0" g="0" b="0"/>
-        </a:effectRef>
-        <a:fontRef idx="minor"/>
-      </dsp:style>
-    </dsp:sp>
   </dsp:spTree>
 </dsp:drawing>
 </file>
@@ -3190,472 +2782,6 @@
       <dsp:cNvGrpSpPr/>
     </dsp:nvGrpSpPr>
     <dsp:grpSpPr/>
-    <dsp:sp modelId="{516ADAB7-51A2-475F-9B07-19C15A498B8B}">
-      <dsp:nvSpPr>
-        <dsp:cNvPr id="0" name=""/>
-        <dsp:cNvSpPr/>
-      </dsp:nvSpPr>
-      <dsp:spPr>
-        <a:xfrm>
-          <a:off x="0" y="1639780"/>
-          <a:ext cx="2505004" cy="1112301"/>
-        </a:xfrm>
-        <a:prstGeom prst="rect">
-          <a:avLst/>
-        </a:prstGeom>
-        <a:solidFill>
-          <a:schemeClr val="lt1">
-            <a:alpha val="90000"/>
-            <a:tint val="40000"/>
-            <a:hueOff val="0"/>
-            <a:satOff val="0"/>
-            <a:lumOff val="0"/>
-            <a:alphaOff val="0"/>
-          </a:schemeClr>
-        </a:solidFill>
-        <a:ln w="9525" cap="flat" cmpd="sng" algn="ctr">
-          <a:solidFill>
-            <a:schemeClr val="accent6">
-              <a:alpha val="90000"/>
-              <a:hueOff val="0"/>
-              <a:satOff val="0"/>
-              <a:lumOff val="0"/>
-              <a:alphaOff val="0"/>
-            </a:schemeClr>
-          </a:solidFill>
-          <a:prstDash val="solid"/>
-        </a:ln>
-        <a:effectLst>
-          <a:outerShdw blurRad="65500" dist="38100" dir="5400000" rotWithShape="0">
-            <a:srgbClr xmlns:mc="http://schemas.openxmlformats.org/markup-compatibility/2006" xmlns:a14="http://schemas.microsoft.com/office/drawing/2007/7/7/main" val="000000" mc:Ignorable="">
-              <a:alpha val="40000"/>
-            </a:srgbClr>
-          </a:outerShdw>
-        </a:effectLst>
-      </dsp:spPr>
-      <dsp:style>
-        <a:lnRef idx="1">
-          <a:scrgbClr r="0" g="0" b="0"/>
-        </a:lnRef>
-        <a:fillRef idx="1">
-          <a:scrgbClr r="0" g="0" b="0"/>
-        </a:fillRef>
-        <a:effectRef idx="2">
-          <a:scrgbClr r="0" g="0" b="0"/>
-        </a:effectRef>
-        <a:fontRef idx="minor"/>
-      </dsp:style>
-      <dsp:txBody>
-        <a:bodyPr spcFirstLastPara="0" vert="horz" wrap="square" lIns="0" tIns="113792" rIns="113792" bIns="113792" numCol="1" spcCol="1270" anchor="ctr" anchorCtr="0">
-          <a:noAutofit/>
-        </a:bodyPr>
-        <a:lstStyle/>
-        <a:p>
-          <a:pPr lvl="0" algn="l" defTabSz="711200">
-            <a:lnSpc>
-              <a:spcPct val="90000"/>
-            </a:lnSpc>
-            <a:spcBef>
-              <a:spcPct val="0"/>
-            </a:spcBef>
-            <a:spcAft>
-              <a:spcPct val="35000"/>
-            </a:spcAft>
-          </a:pPr>
-          <a:r>
-            <a:rPr lang="fr-FR" sz="1600" kern="1200" dirty="0" smtClean="0"/>
-            <a:t>Solutions to </a:t>
-          </a:r>
-          <a:r>
-            <a:rPr lang="fr-FR" sz="1600" kern="1200" dirty="0" err="1" smtClean="0"/>
-            <a:t>bring</a:t>
-          </a:r>
-          <a:r>
-            <a:rPr lang="fr-FR" sz="1600" kern="1200" dirty="0" smtClean="0"/>
-            <a:t> to </a:t>
-          </a:r>
-          <a:r>
-            <a:rPr lang="fr-FR" sz="1600" kern="1200" dirty="0" err="1" smtClean="0"/>
-            <a:t>system’s</a:t>
-          </a:r>
-          <a:r>
-            <a:rPr lang="fr-FR" sz="1600" kern="1200" dirty="0" smtClean="0"/>
-            <a:t> </a:t>
-          </a:r>
-          <a:r>
-            <a:rPr lang="fr-FR" sz="1600" kern="1200" dirty="0" err="1" smtClean="0"/>
-            <a:t>requirements</a:t>
-          </a:r>
-          <a:endParaRPr lang="fr-FR" sz="1600" kern="1200" dirty="0"/>
-        </a:p>
-      </dsp:txBody>
-      <dsp:txXfrm>
-        <a:off x="400800" y="1639780"/>
-        <a:ext cx="2104203" cy="1112301"/>
-      </dsp:txXfrm>
-    </dsp:sp>
-    <dsp:sp modelId="{A5D57D14-3203-4073-944D-7AAE4755C0D5}">
-      <dsp:nvSpPr>
-        <dsp:cNvPr id="0" name=""/>
-        <dsp:cNvSpPr/>
-      </dsp:nvSpPr>
-      <dsp:spPr>
-        <a:xfrm>
-          <a:off x="1903771" y="704230"/>
-          <a:ext cx="1111746" cy="1111746"/>
-        </a:xfrm>
-        <a:prstGeom prst="ellipse">
-          <a:avLst/>
-        </a:prstGeom>
-        <a:gradFill rotWithShape="0">
-          <a:gsLst>
-            <a:gs pos="0">
-              <a:schemeClr val="lt1">
-                <a:hueOff val="0"/>
-                <a:satOff val="0"/>
-                <a:lumOff val="0"/>
-                <a:alphaOff val="0"/>
-                <a:shade val="45000"/>
-                <a:satMod val="155000"/>
-              </a:schemeClr>
-            </a:gs>
-            <a:gs pos="60000">
-              <a:schemeClr val="lt1">
-                <a:hueOff val="0"/>
-                <a:satOff val="0"/>
-                <a:lumOff val="0"/>
-                <a:alphaOff val="0"/>
-                <a:shade val="95000"/>
-                <a:satMod val="150000"/>
-              </a:schemeClr>
-            </a:gs>
-            <a:gs pos="100000">
-              <a:schemeClr val="lt1">
-                <a:hueOff val="0"/>
-                <a:satOff val="0"/>
-                <a:lumOff val="0"/>
-                <a:alphaOff val="0"/>
-                <a:tint val="87000"/>
-                <a:satMod val="250000"/>
-              </a:schemeClr>
-            </a:gs>
-          </a:gsLst>
-          <a:lin ang="16200000" scaled="0"/>
-        </a:gradFill>
-        <a:ln>
-          <a:noFill/>
-        </a:ln>
-        <a:effectLst>
-          <a:outerShdw blurRad="65500" dist="38100" dir="5400000" rotWithShape="0">
-            <a:srgbClr xmlns:mc="http://schemas.openxmlformats.org/markup-compatibility/2006" xmlns:a14="http://schemas.microsoft.com/office/drawing/2007/7/7/main" val="000000" mc:Ignorable="">
-              <a:alpha val="40000"/>
-            </a:srgbClr>
-          </a:outerShdw>
-        </a:effectLst>
-        <a:scene3d>
-          <a:camera prst="orthographicFront" fov="0">
-            <a:rot lat="0" lon="0" rev="0"/>
-          </a:camera>
-          <a:lightRig rig="contrasting" dir="t">
-            <a:rot lat="0" lon="0" rev="12000000"/>
-          </a:lightRig>
-        </a:scene3d>
-        <a:sp3d prstMaterial="powder">
-          <a:bevelT h="50800"/>
-        </a:sp3d>
-      </dsp:spPr>
-      <dsp:style>
-        <a:lnRef idx="0">
-          <a:scrgbClr r="0" g="0" b="0"/>
-        </a:lnRef>
-        <a:fillRef idx="3">
-          <a:scrgbClr r="0" g="0" b="0"/>
-        </a:fillRef>
-        <a:effectRef idx="3">
-          <a:scrgbClr r="0" g="0" b="0"/>
-        </a:effectRef>
-        <a:fontRef idx="minor">
-          <a:schemeClr val="lt1"/>
-        </a:fontRef>
-      </dsp:style>
-      <dsp:txBody>
-        <a:bodyPr spcFirstLastPara="0" vert="horz" wrap="square" lIns="0" tIns="0" rIns="0" bIns="0" numCol="1" spcCol="1270" anchor="ctr" anchorCtr="0">
-          <a:noAutofit/>
-        </a:bodyPr>
-        <a:lstStyle/>
-        <a:p>
-          <a:pPr lvl="0" algn="ctr" defTabSz="755650">
-            <a:lnSpc>
-              <a:spcPct val="90000"/>
-            </a:lnSpc>
-            <a:spcBef>
-              <a:spcPct val="0"/>
-            </a:spcBef>
-            <a:spcAft>
-              <a:spcPct val="35000"/>
-            </a:spcAft>
-          </a:pPr>
-          <a:r>
-            <a:rPr lang="fr-FR" sz="1700" b="1" kern="1200" dirty="0" smtClean="0"/>
-            <a:t>UML design</a:t>
-          </a:r>
-          <a:endParaRPr lang="fr-FR" sz="1700" b="1" kern="1200" dirty="0"/>
-        </a:p>
-      </dsp:txBody>
-      <dsp:txXfrm>
-        <a:off x="2066582" y="867041"/>
-        <a:ext cx="786124" cy="786124"/>
-      </dsp:txXfrm>
-    </dsp:sp>
-    <dsp:sp modelId="{059821B1-0007-4BD2-8DF8-B0CE19FE433D}">
-      <dsp:nvSpPr>
-        <dsp:cNvPr id="0" name=""/>
-        <dsp:cNvSpPr/>
-      </dsp:nvSpPr>
-      <dsp:spPr>
-        <a:xfrm>
-          <a:off x="3984104" y="1639780"/>
-          <a:ext cx="2510157" cy="1112301"/>
-        </a:xfrm>
-        <a:prstGeom prst="rect">
-          <a:avLst/>
-        </a:prstGeom>
-        <a:solidFill>
-          <a:schemeClr val="lt1">
-            <a:alpha val="90000"/>
-            <a:tint val="40000"/>
-            <a:hueOff val="0"/>
-            <a:satOff val="0"/>
-            <a:lumOff val="0"/>
-            <a:alphaOff val="0"/>
-          </a:schemeClr>
-        </a:solidFill>
-        <a:ln w="9525" cap="flat" cmpd="sng" algn="ctr">
-          <a:solidFill>
-            <a:schemeClr val="accent6">
-              <a:alpha val="90000"/>
-              <a:hueOff val="0"/>
-              <a:satOff val="0"/>
-              <a:lumOff val="0"/>
-              <a:alphaOff val="0"/>
-            </a:schemeClr>
-          </a:solidFill>
-          <a:prstDash val="solid"/>
-        </a:ln>
-        <a:effectLst>
-          <a:outerShdw blurRad="65500" dist="38100" dir="5400000" rotWithShape="0">
-            <a:srgbClr xmlns:mc="http://schemas.openxmlformats.org/markup-compatibility/2006" xmlns:a14="http://schemas.microsoft.com/office/drawing/2007/7/7/main" val="000000" mc:Ignorable="">
-              <a:alpha val="40000"/>
-            </a:srgbClr>
-          </a:outerShdw>
-        </a:effectLst>
-      </dsp:spPr>
-      <dsp:style>
-        <a:lnRef idx="1">
-          <a:scrgbClr r="0" g="0" b="0"/>
-        </a:lnRef>
-        <a:fillRef idx="1">
-          <a:scrgbClr r="0" g="0" b="0"/>
-        </a:fillRef>
-        <a:effectRef idx="2">
-          <a:scrgbClr r="0" g="0" b="0"/>
-        </a:effectRef>
-        <a:fontRef idx="minor"/>
-      </dsp:style>
-      <dsp:txBody>
-        <a:bodyPr spcFirstLastPara="0" vert="horz" wrap="square" lIns="0" tIns="113792" rIns="113792" bIns="113792" numCol="1" spcCol="1270" anchor="ctr" anchorCtr="0">
-          <a:noAutofit/>
-        </a:bodyPr>
-        <a:lstStyle/>
-        <a:p>
-          <a:pPr lvl="0" algn="l" defTabSz="711200">
-            <a:lnSpc>
-              <a:spcPct val="90000"/>
-            </a:lnSpc>
-            <a:spcBef>
-              <a:spcPct val="0"/>
-            </a:spcBef>
-            <a:spcAft>
-              <a:spcPct val="35000"/>
-            </a:spcAft>
-          </a:pPr>
-          <a:r>
-            <a:rPr lang="fr-FR" sz="1600" kern="1200" dirty="0" err="1" smtClean="0"/>
-            <a:t>Understand</a:t>
-          </a:r>
-          <a:r>
-            <a:rPr lang="fr-FR" sz="1600" kern="1200" dirty="0" smtClean="0"/>
-            <a:t> the </a:t>
-          </a:r>
-          <a:r>
-            <a:rPr lang="fr-FR" sz="1600" kern="1200" dirty="0" err="1" smtClean="0"/>
-            <a:t>underlying</a:t>
-          </a:r>
-          <a:r>
-            <a:rPr lang="fr-FR" sz="1600" kern="1200" dirty="0" smtClean="0"/>
-            <a:t> </a:t>
-          </a:r>
-          <a:r>
-            <a:rPr lang="fr-FR" sz="1600" kern="1200" dirty="0" err="1" smtClean="0"/>
-            <a:t>problems</a:t>
-          </a:r>
-          <a:r>
-            <a:rPr lang="fr-FR" sz="1600" kern="1200" dirty="0" smtClean="0"/>
-            <a:t> </a:t>
-          </a:r>
-          <a:r>
-            <a:rPr lang="fr-FR" sz="1600" kern="1200" dirty="0" err="1" smtClean="0"/>
-            <a:t>before</a:t>
-          </a:r>
-          <a:r>
-            <a:rPr lang="fr-FR" sz="1600" kern="1200" dirty="0" smtClean="0"/>
-            <a:t> </a:t>
-          </a:r>
-          <a:r>
-            <a:rPr lang="fr-FR" sz="1600" kern="1200" dirty="0" err="1" smtClean="0"/>
-            <a:t>considering</a:t>
-          </a:r>
-          <a:r>
-            <a:rPr lang="fr-FR" sz="1600" kern="1200" dirty="0" smtClean="0"/>
-            <a:t> </a:t>
-          </a:r>
-          <a:r>
-            <a:rPr lang="fr-FR" sz="1600" kern="1200" dirty="0" err="1" smtClean="0"/>
-            <a:t>any</a:t>
-          </a:r>
-          <a:r>
-            <a:rPr lang="fr-FR" sz="1600" kern="1200" dirty="0" smtClean="0"/>
-            <a:t> </a:t>
-          </a:r>
-          <a:r>
-            <a:rPr lang="fr-FR" sz="1600" kern="1200" dirty="0" err="1" smtClean="0"/>
-            <a:t>specification</a:t>
-          </a:r>
-          <a:endParaRPr lang="fr-FR" sz="1600" kern="1200" dirty="0"/>
-        </a:p>
-      </dsp:txBody>
-      <dsp:txXfrm>
-        <a:off x="4385729" y="1639780"/>
-        <a:ext cx="2108532" cy="1112301"/>
-      </dsp:txXfrm>
-    </dsp:sp>
-    <dsp:sp modelId="{2E8A679C-8039-49E0-892C-C2D30B2F3D40}">
-      <dsp:nvSpPr>
-        <dsp:cNvPr id="0" name=""/>
-        <dsp:cNvSpPr/>
-      </dsp:nvSpPr>
-      <dsp:spPr>
-        <a:xfrm>
-          <a:off x="3376426" y="704230"/>
-          <a:ext cx="1111746" cy="1111746"/>
-        </a:xfrm>
-        <a:prstGeom prst="ellipse">
-          <a:avLst/>
-        </a:prstGeom>
-        <a:gradFill rotWithShape="0">
-          <a:gsLst>
-            <a:gs pos="0">
-              <a:schemeClr val="lt1">
-                <a:hueOff val="0"/>
-                <a:satOff val="0"/>
-                <a:lumOff val="0"/>
-                <a:alphaOff val="0"/>
-                <a:shade val="45000"/>
-                <a:satMod val="155000"/>
-              </a:schemeClr>
-            </a:gs>
-            <a:gs pos="60000">
-              <a:schemeClr val="lt1">
-                <a:hueOff val="0"/>
-                <a:satOff val="0"/>
-                <a:lumOff val="0"/>
-                <a:alphaOff val="0"/>
-                <a:shade val="95000"/>
-                <a:satMod val="150000"/>
-              </a:schemeClr>
-            </a:gs>
-            <a:gs pos="100000">
-              <a:schemeClr val="lt1">
-                <a:hueOff val="0"/>
-                <a:satOff val="0"/>
-                <a:lumOff val="0"/>
-                <a:alphaOff val="0"/>
-                <a:tint val="87000"/>
-                <a:satMod val="250000"/>
-              </a:schemeClr>
-            </a:gs>
-          </a:gsLst>
-          <a:lin ang="16200000" scaled="0"/>
-        </a:gradFill>
-        <a:ln>
-          <a:noFill/>
-        </a:ln>
-        <a:effectLst>
-          <a:outerShdw blurRad="65500" dist="38100" dir="5400000" rotWithShape="0">
-            <a:srgbClr xmlns:mc="http://schemas.openxmlformats.org/markup-compatibility/2006" xmlns:a14="http://schemas.microsoft.com/office/drawing/2007/7/7/main" val="000000" mc:Ignorable="">
-              <a:alpha val="40000"/>
-            </a:srgbClr>
-          </a:outerShdw>
-        </a:effectLst>
-        <a:scene3d>
-          <a:camera prst="orthographicFront" fov="0">
-            <a:rot lat="0" lon="0" rev="0"/>
-          </a:camera>
-          <a:lightRig rig="contrasting" dir="t">
-            <a:rot lat="0" lon="0" rev="12000000"/>
-          </a:lightRig>
-        </a:scene3d>
-        <a:sp3d prstMaterial="powder">
-          <a:bevelT h="50800"/>
-        </a:sp3d>
-      </dsp:spPr>
-      <dsp:style>
-        <a:lnRef idx="0">
-          <a:scrgbClr r="0" g="0" b="0"/>
-        </a:lnRef>
-        <a:fillRef idx="3">
-          <a:scrgbClr r="0" g="0" b="0"/>
-        </a:fillRef>
-        <a:effectRef idx="3">
-          <a:scrgbClr r="0" g="0" b="0"/>
-        </a:effectRef>
-        <a:fontRef idx="minor">
-          <a:schemeClr val="lt1"/>
-        </a:fontRef>
-      </dsp:style>
-      <dsp:txBody>
-        <a:bodyPr spcFirstLastPara="0" vert="horz" wrap="square" lIns="0" tIns="0" rIns="0" bIns="0" numCol="1" spcCol="1270" anchor="ctr" anchorCtr="0">
-          <a:noAutofit/>
-        </a:bodyPr>
-        <a:lstStyle/>
-        <a:p>
-          <a:pPr lvl="0" algn="ctr" defTabSz="755650">
-            <a:lnSpc>
-              <a:spcPct val="90000"/>
-            </a:lnSpc>
-            <a:spcBef>
-              <a:spcPct val="0"/>
-            </a:spcBef>
-            <a:spcAft>
-              <a:spcPct val="35000"/>
-            </a:spcAft>
-          </a:pPr>
-          <a:r>
-            <a:rPr lang="fr-FR" sz="1700" b="1" kern="1200" dirty="0" err="1" smtClean="0"/>
-            <a:t>Problem</a:t>
-          </a:r>
-          <a:r>
-            <a:rPr lang="fr-FR" sz="1700" b="1" kern="1200" dirty="0" smtClean="0"/>
-            <a:t> frames</a:t>
-          </a:r>
-          <a:endParaRPr lang="fr-FR" sz="1700" b="1" kern="1200" dirty="0"/>
-        </a:p>
-      </dsp:txBody>
-      <dsp:txXfrm>
-        <a:off x="3539237" y="867041"/>
-        <a:ext cx="786124" cy="786124"/>
-      </dsp:txXfrm>
-    </dsp:sp>
   </dsp:spTree>
 </dsp:drawing>
 </file>
@@ -6467,7 +5593,7 @@
               <a:pPr>
                 <a:defRPr/>
               </a:pPr>
-              <a:t>‹N°›</a:t>
+              <a:t>‹#›</a:t>
             </a:fld>
             <a:endParaRPr lang="fr-FR" altLang="ko-KR"/>
           </a:p>
@@ -6476,7 +5602,7 @@
     </p:spTree>
     <p:extLst>
       <p:ext uri="{BB962C8B-B14F-4D97-AF65-F5344CB8AC3E}">
-        <p14:creationId xmlns:p14="http://schemas.microsoft.com/office/powerpoint/2007/7/12/main" xmlns="" val="3216856891"/>
+        <p14:creationId xmlns:p14="http://schemas.microsoft.com/office/powerpoint/2007/7/12/main" val="3216856891"/>
       </p:ext>
     </p:extLst>
   </p:cSld>
@@ -6772,7 +5898,7 @@
               <a:pPr>
                 <a:defRPr/>
               </a:pPr>
-              <a:t>‹N°›</a:t>
+              <a:t>‹#›</a:t>
             </a:fld>
             <a:endParaRPr lang="fr-FR" altLang="ko-KR"/>
           </a:p>
@@ -6781,7 +5907,7 @@
     </p:spTree>
     <p:extLst>
       <p:ext uri="{BB962C8B-B14F-4D97-AF65-F5344CB8AC3E}">
-        <p14:creationId xmlns:p14="http://schemas.microsoft.com/office/powerpoint/2007/7/12/main" xmlns="" val="3483236166"/>
+        <p14:creationId xmlns:p14="http://schemas.microsoft.com/office/powerpoint/2007/7/12/main" val="3483236166"/>
       </p:ext>
     </p:extLst>
   </p:cSld>
@@ -7086,7 +6212,7 @@
     </p:spTree>
     <p:extLst>
       <p:ext uri="{BB962C8B-B14F-4D97-AF65-F5344CB8AC3E}">
-        <p14:creationId xmlns:p14="http://schemas.microsoft.com/office/powerpoint/2007/7/12/main" xmlns="" val="3392303487"/>
+        <p14:creationId xmlns:p14="http://schemas.microsoft.com/office/powerpoint/2007/7/12/main" val="3392303487"/>
       </p:ext>
     </p:extLst>
   </p:cSld>
@@ -7169,7 +6295,7 @@
             </a:pPr>
             <a:endParaRPr lang="ko-KR" altLang="ko-KR">
               <a:solidFill>
-                <a:srgbClr val="000000"/>
+                <a:srgbClr xmlns:mc="http://schemas.openxmlformats.org/markup-compatibility/2006" xmlns:a14="http://schemas.microsoft.com/office/drawing/2007/7/7/main" val="000000" mc:Ignorable=""/>
               </a:solidFill>
               <a:cs typeface="Arial" charset="0"/>
             </a:endParaRPr>
@@ -7228,7 +6354,7 @@
             </a:pPr>
             <a:endParaRPr lang="ko-KR" altLang="ko-KR">
               <a:solidFill>
-                <a:srgbClr val="000000"/>
+                <a:srgbClr xmlns:mc="http://schemas.openxmlformats.org/markup-compatibility/2006" xmlns:a14="http://schemas.microsoft.com/office/drawing/2007/7/7/main" val="000000" mc:Ignorable=""/>
               </a:solidFill>
               <a:cs typeface="Arial" charset="0"/>
             </a:endParaRPr>
@@ -7289,7 +6415,7 @@
             </a:pPr>
             <a:endParaRPr lang="ko-KR" altLang="ko-KR">
               <a:solidFill>
-                <a:srgbClr val="000000"/>
+                <a:srgbClr xmlns:mc="http://schemas.openxmlformats.org/markup-compatibility/2006" xmlns:a14="http://schemas.microsoft.com/office/drawing/2007/7/7/main" val="000000" mc:Ignorable=""/>
               </a:solidFill>
               <a:cs typeface="Arial" charset="0"/>
             </a:endParaRPr>
@@ -7629,7 +6755,7 @@
   <p:timing>
     <p:tnLst>
       <p:par>
-        <p:cTn id="1" dur="indefinite" restart="never" nodeType="tmRoot"/>
+        <p:cTn xmlns:p14="http://schemas.microsoft.com/office/powerpoint/2007/7/12/main" id="1" dur="indefinite" restart="never" nodeType="tmRoot"/>
       </p:par>
     </p:tnLst>
   </p:timing>
@@ -7705,7 +6831,7 @@
             </a:pPr>
             <a:endParaRPr lang="ko-KR" altLang="ko-KR">
               <a:solidFill>
-                <a:srgbClr val="000000"/>
+                <a:srgbClr xmlns:mc="http://schemas.openxmlformats.org/markup-compatibility/2006" xmlns:a14="http://schemas.microsoft.com/office/drawing/2007/7/7/main" val="000000" mc:Ignorable=""/>
               </a:solidFill>
               <a:cs typeface="Arial" charset="0"/>
             </a:endParaRPr>
@@ -7766,7 +6892,7 @@
             </a:pPr>
             <a:endParaRPr lang="ko-KR" altLang="ko-KR">
               <a:solidFill>
-                <a:srgbClr val="000000"/>
+                <a:srgbClr xmlns:mc="http://schemas.openxmlformats.org/markup-compatibility/2006" xmlns:a14="http://schemas.microsoft.com/office/drawing/2007/7/7/main" val="000000" mc:Ignorable=""/>
               </a:solidFill>
               <a:cs typeface="Arial" charset="0"/>
             </a:endParaRPr>
@@ -7863,7 +6989,7 @@
           <a:lstStyle>
             <a:lvl1pPr marL="0" indent="354013">
               <a:buClr>
-                <a:srgbClr val="DA7E18"/>
+                <a:srgbClr xmlns:mc="http://schemas.openxmlformats.org/markup-compatibility/2006" xmlns:a14="http://schemas.microsoft.com/office/drawing/2007/7/7/main" val="DA7E18" mc:Ignorable=""/>
               </a:buClr>
               <a:buSzPct val="120000"/>
               <a:buFont typeface="+mj-lt"/>
@@ -7872,7 +6998,7 @@
             </a:lvl1pPr>
             <a:lvl2pPr marL="633413" indent="354013">
               <a:buClr>
-                <a:srgbClr val="E5AB1B"/>
+                <a:srgbClr xmlns:mc="http://schemas.openxmlformats.org/markup-compatibility/2006" xmlns:a14="http://schemas.microsoft.com/office/drawing/2007/7/7/main" val="E5AB1B" mc:Ignorable=""/>
               </a:buClr>
               <a:buSzPct val="120000"/>
               <a:buFont typeface="+mj-lt"/>
@@ -7943,7 +7069,7 @@
   <p:timing>
     <p:tnLst>
       <p:par>
-        <p:cTn id="1" dur="indefinite" restart="never" nodeType="tmRoot"/>
+        <p:cTn xmlns:p14="http://schemas.microsoft.com/office/powerpoint/2007/7/12/main" id="1" dur="indefinite" restart="never" nodeType="tmRoot"/>
       </p:par>
     </p:tnLst>
   </p:timing>
@@ -8012,7 +7138,7 @@
             </a:pPr>
             <a:endParaRPr lang="ko-KR" altLang="ko-KR">
               <a:solidFill>
-                <a:srgbClr val="000000"/>
+                <a:srgbClr xmlns:mc="http://schemas.openxmlformats.org/markup-compatibility/2006" xmlns:a14="http://schemas.microsoft.com/office/drawing/2007/7/7/main" val="000000" mc:Ignorable=""/>
               </a:solidFill>
               <a:cs typeface="Arial" charset="0"/>
             </a:endParaRPr>
@@ -8045,7 +7171,7 @@
             </a:pPr>
             <a:endParaRPr lang="ko-KR" altLang="ko-KR" sz="1100" b="1">
               <a:solidFill>
-                <a:srgbClr val="A0A0A0"/>
+                <a:srgbClr xmlns:mc="http://schemas.openxmlformats.org/markup-compatibility/2006" xmlns:a14="http://schemas.microsoft.com/office/drawing/2007/7/7/main" val="A0A0A0" mc:Ignorable=""/>
               </a:solidFill>
               <a:latin typeface="Calibri" pitchFamily="34" charset="0"/>
             </a:endParaRPr>
@@ -8140,7 +7266,7 @@
           <a:lstStyle>
             <a:lvl1pPr marL="0" indent="354013">
               <a:buClr>
-                <a:srgbClr val="DA7E18"/>
+                <a:srgbClr xmlns:mc="http://schemas.openxmlformats.org/markup-compatibility/2006" xmlns:a14="http://schemas.microsoft.com/office/drawing/2007/7/7/main" val="DA7E18" mc:Ignorable=""/>
               </a:buClr>
               <a:buSzPct val="70000"/>
               <a:buFont typeface="Wingdings" pitchFamily="2" charset="2"/>
@@ -8149,7 +7275,7 @@
             </a:lvl1pPr>
             <a:lvl2pPr>
               <a:buClr>
-                <a:srgbClr val="E5AB1B"/>
+                <a:srgbClr xmlns:mc="http://schemas.openxmlformats.org/markup-compatibility/2006" xmlns:a14="http://schemas.microsoft.com/office/drawing/2007/7/7/main" val="E5AB1B" mc:Ignorable=""/>
               </a:buClr>
               <a:buSzPct val="70000"/>
               <a:buFont typeface="Wingdings" pitchFamily="2" charset="2"/>
@@ -8220,7 +7346,7 @@
   <p:timing>
     <p:tnLst>
       <p:par>
-        <p:cTn id="1" dur="indefinite" restart="never" nodeType="tmRoot"/>
+        <p:cTn xmlns:p14="http://schemas.microsoft.com/office/powerpoint/2007/7/12/main" id="1" dur="indefinite" restart="never" nodeType="tmRoot"/>
       </p:par>
     </p:tnLst>
   </p:timing>
@@ -8695,16 +7821,16 @@
               <a:defRPr sz="3600" b="0" cap="none" spc="0">
                 <a:ln w="18415" cmpd="sng">
                   <a:solidFill>
-                    <a:srgbClr val="FFFFFF"/>
+                    <a:srgbClr xmlns:mc="http://schemas.openxmlformats.org/markup-compatibility/2006" xmlns:a14="http://schemas.microsoft.com/office/drawing/2007/7/7/main" val="FFFFFF" mc:Ignorable=""/>
                   </a:solidFill>
                   <a:prstDash val="solid"/>
                 </a:ln>
                 <a:solidFill>
-                  <a:srgbClr val="FFFFFF"/>
+                  <a:srgbClr xmlns:mc="http://schemas.openxmlformats.org/markup-compatibility/2006" xmlns:a14="http://schemas.microsoft.com/office/drawing/2007/7/7/main" val="FFFFFF" mc:Ignorable=""/>
                 </a:solidFill>
                 <a:effectLst>
                   <a:outerShdw blurRad="63500" dir="3600000" algn="tl" rotWithShape="0">
-                    <a:srgbClr val="000000">
+                    <a:srgbClr xmlns:mc="http://schemas.openxmlformats.org/markup-compatibility/2006" xmlns:a14="http://schemas.microsoft.com/office/drawing/2007/7/7/main" val="000000" mc:Ignorable="">
                       <a:alpha val="70000"/>
                     </a:srgbClr>
                   </a:outerShdw>
@@ -8844,7 +7970,7 @@
             </a:avLst>
           </a:prstGeom>
           <a:solidFill>
-            <a:srgbClr val="FFFFFF">
+            <a:srgbClr xmlns:mc="http://schemas.openxmlformats.org/markup-compatibility/2006" xmlns:a14="http://schemas.microsoft.com/office/drawing/2007/7/7/main" val="FFFFFF" mc:Ignorable="">
               <a:shade val="85000"/>
             </a:srgbClr>
           </a:solidFill>
@@ -8868,7 +7994,7 @@
           <a:blip r:embed="rId4">
             <a:extLst>
               <a:ext uri="28A0092B-C50C-407e-A947-70E740481C1C">
-                <a14:useLocalDpi xmlns:a14="http://schemas.microsoft.com/office/drawing/2007/7/7/main" xmlns="" val="0"/>
+                <a14:useLocalDpi xmlns:a14="http://schemas.microsoft.com/office/drawing/2007/7/7/main" val="0"/>
               </a:ext>
             </a:extLst>
           </a:blip>
@@ -8888,14 +8014,14 @@
           <a:noFill/>
           <a:extLst>
             <a:ext uri="{909E8E84-426E-40dd-AFC4-6F175D3DCCD1}">
-              <a14:hiddenFill xmlns:a14="http://schemas.microsoft.com/office/drawing/2007/7/7/main" xmlns="">
+              <a14:hiddenFill xmlns:a14="http://schemas.microsoft.com/office/drawing/2007/7/7/main">
                 <a:solidFill>
                   <a:schemeClr val="accent1"/>
                 </a:solidFill>
               </a14:hiddenFill>
             </a:ext>
             <a:ext uri="{91240B29-F687-4f45-9708-019B960494DF}">
-              <a14:hiddenLine xmlns:a14="http://schemas.microsoft.com/office/drawing/2007/7/7/main" xmlns="" w="9525">
+              <a14:hiddenLine xmlns:a14="http://schemas.microsoft.com/office/drawing/2007/7/7/main" w="9525">
                 <a:solidFill>
                   <a:schemeClr val="tx1"/>
                 </a:solidFill>
@@ -8905,7 +8031,7 @@
               </a14:hiddenLine>
             </a:ext>
             <a:ext uri="{AF507438-7753-43e0-B8FC-AC1667EBCBE1}">
-              <a14:hiddenEffects xmlns:a14="http://schemas.microsoft.com/office/drawing/2007/7/7/main" xmlns="">
+              <a14:hiddenEffects xmlns:a14="http://schemas.microsoft.com/office/drawing/2007/7/7/main">
                 <a:effectLst>
                   <a:outerShdw dist="35921" dir="2700000" algn="ctr" rotWithShape="0">
                     <a:schemeClr val="bg2"/>
@@ -8919,7 +8045,7 @@
     </p:spTree>
     <p:extLst>
       <p:ext uri="{BB962C8B-B14F-4D97-AF65-F5344CB8AC3E}">
-        <p14:creationId xmlns:p14="http://schemas.microsoft.com/office/powerpoint/2007/7/12/main" xmlns="" val="1066328049"/>
+        <p14:creationId xmlns:p14="http://schemas.microsoft.com/office/powerpoint/2007/7/12/main" val="1066328049"/>
       </p:ext>
     </p:extLst>
   </p:cSld>
@@ -8929,7 +8055,7 @@
   <p:timing>
     <p:tnLst>
       <p:par>
-        <p:cTn id="1" dur="indefinite" restart="never" nodeType="tmRoot"/>
+        <p:cTn xmlns:p14="http://schemas.microsoft.com/office/powerpoint/2007/7/12/main" id="1" dur="indefinite" restart="never" nodeType="tmRoot"/>
       </p:par>
     </p:tnLst>
   </p:timing>
@@ -9012,7 +8138,7 @@
             </a:pPr>
             <a:endParaRPr lang="ko-KR" altLang="ko-KR">
               <a:solidFill>
-                <a:srgbClr val="000000"/>
+                <a:srgbClr xmlns:mc="http://schemas.openxmlformats.org/markup-compatibility/2006" xmlns:a14="http://schemas.microsoft.com/office/drawing/2007/7/7/main" val="000000" mc:Ignorable=""/>
               </a:solidFill>
               <a:cs typeface="Arial" charset="0"/>
             </a:endParaRPr>
@@ -9071,7 +8197,7 @@
             </a:pPr>
             <a:endParaRPr lang="ko-KR" altLang="ko-KR">
               <a:solidFill>
-                <a:srgbClr val="000000"/>
+                <a:srgbClr xmlns:mc="http://schemas.openxmlformats.org/markup-compatibility/2006" xmlns:a14="http://schemas.microsoft.com/office/drawing/2007/7/7/main" val="000000" mc:Ignorable=""/>
               </a:solidFill>
               <a:cs typeface="Arial" charset="0"/>
             </a:endParaRPr>
@@ -9130,7 +8256,7 @@
             </a:pPr>
             <a:endParaRPr lang="ko-KR" altLang="ko-KR">
               <a:solidFill>
-                <a:srgbClr val="000000"/>
+                <a:srgbClr xmlns:mc="http://schemas.openxmlformats.org/markup-compatibility/2006" xmlns:a14="http://schemas.microsoft.com/office/drawing/2007/7/7/main" val="000000" mc:Ignorable=""/>
               </a:solidFill>
               <a:cs typeface="Arial" charset="0"/>
             </a:endParaRPr>
@@ -9163,7 +8289,7 @@
             </a:pPr>
             <a:endParaRPr lang="ko-KR" altLang="ko-KR" sz="1100" b="1">
               <a:solidFill>
-                <a:srgbClr val="A0A0A0"/>
+                <a:srgbClr xmlns:mc="http://schemas.openxmlformats.org/markup-compatibility/2006" xmlns:a14="http://schemas.microsoft.com/office/drawing/2007/7/7/main" val="A0A0A0" mc:Ignorable=""/>
               </a:solidFill>
               <a:latin typeface="Calibri" pitchFamily="34" charset="0"/>
             </a:endParaRPr>
@@ -9278,7 +8404,7 @@
             <a:r>
               <a:rPr lang="fr-FR" altLang="ko-KR" sz="900" dirty="0" smtClean="0">
                 <a:solidFill>
-                  <a:srgbClr val="7F7F7F"/>
+                  <a:srgbClr xmlns:mc="http://schemas.openxmlformats.org/markup-compatibility/2006" xmlns:a14="http://schemas.microsoft.com/office/drawing/2007/7/7/main" val="7F7F7F" mc:Ignorable=""/>
                 </a:solidFill>
                 <a:ea typeface="굴림" charset="-127"/>
               </a:rPr>
@@ -9287,7 +8413,7 @@
             <a:r>
               <a:rPr lang="fr-FR" altLang="ko-KR" sz="900" baseline="0" dirty="0" smtClean="0">
                 <a:solidFill>
-                  <a:srgbClr val="7F7F7F"/>
+                  <a:srgbClr xmlns:mc="http://schemas.openxmlformats.org/markup-compatibility/2006" xmlns:a14="http://schemas.microsoft.com/office/drawing/2007/7/7/main" val="7F7F7F" mc:Ignorable=""/>
                 </a:solidFill>
                 <a:ea typeface="굴림" charset="-127"/>
               </a:rPr>
@@ -9295,7 +8421,7 @@
             </a:r>
             <a:endParaRPr lang="fr-FR" altLang="ko-KR" sz="900" dirty="0">
               <a:solidFill>
-                <a:srgbClr val="7F7F7F"/>
+                <a:srgbClr xmlns:mc="http://schemas.openxmlformats.org/markup-compatibility/2006" xmlns:a14="http://schemas.microsoft.com/office/drawing/2007/7/7/main" val="7F7F7F" mc:Ignorable=""/>
               </a:solidFill>
               <a:ea typeface="굴림" charset="-127"/>
             </a:endParaRPr>
@@ -9361,7 +8487,7 @@
                 </a:spcAft>
                 <a:defRPr/>
               </a:pPr>
-              <a:t>‹N°›</a:t>
+              <a:t>‹#›</a:t>
             </a:fld>
             <a:r>
               <a:rPr lang="fr-FR" sz="1100" b="1" kern="0" dirty="0" smtClean="0">
@@ -9460,7 +8586,7 @@
             <a:r>
               <a:rPr lang="fr-FR" altLang="ko-KR" sz="1000" dirty="0" err="1" smtClean="0">
                 <a:solidFill>
-                  <a:srgbClr val="7F7F7F"/>
+                  <a:srgbClr xmlns:mc="http://schemas.openxmlformats.org/markup-compatibility/2006" xmlns:a14="http://schemas.microsoft.com/office/drawing/2007/7/7/main" val="7F7F7F" mc:Ignorable=""/>
                 </a:solidFill>
                 <a:latin typeface="Calibri" pitchFamily="34" charset="0"/>
                 <a:ea typeface="굴림" charset="-127"/>
@@ -9470,7 +8596,7 @@
             <a:r>
               <a:rPr lang="fr-FR" altLang="ko-KR" sz="1000" baseline="0" dirty="0" smtClean="0">
                 <a:solidFill>
-                  <a:srgbClr val="7F7F7F"/>
+                  <a:srgbClr xmlns:mc="http://schemas.openxmlformats.org/markup-compatibility/2006" xmlns:a14="http://schemas.microsoft.com/office/drawing/2007/7/7/main" val="7F7F7F" mc:Ignorable=""/>
                 </a:solidFill>
                 <a:latin typeface="Calibri" pitchFamily="34" charset="0"/>
                 <a:ea typeface="굴림" charset="-127"/>
@@ -9480,7 +8606,7 @@
             <a:r>
               <a:rPr lang="fr-FR" altLang="ko-KR" sz="1000" dirty="0" smtClean="0">
                 <a:solidFill>
-                  <a:srgbClr val="7F7F7F"/>
+                  <a:srgbClr xmlns:mc="http://schemas.openxmlformats.org/markup-compatibility/2006" xmlns:a14="http://schemas.microsoft.com/office/drawing/2007/7/7/main" val="7F7F7F" mc:Ignorable=""/>
                 </a:solidFill>
                 <a:latin typeface="Calibri" pitchFamily="34" charset="0"/>
                 <a:ea typeface="굴림" charset="-127"/>
@@ -9490,7 +8616,7 @@
             <a:r>
               <a:rPr lang="fr-FR" altLang="ko-KR" sz="1000" dirty="0">
                 <a:solidFill>
-                  <a:srgbClr val="7F7F7F"/>
+                  <a:srgbClr xmlns:mc="http://schemas.openxmlformats.org/markup-compatibility/2006" xmlns:a14="http://schemas.microsoft.com/office/drawing/2007/7/7/main" val="7F7F7F" mc:Ignorable=""/>
                 </a:solidFill>
                 <a:latin typeface="Calibri" pitchFamily="34" charset="0"/>
                 <a:ea typeface="굴림" charset="-127"/>
@@ -9499,7 +8625,7 @@
             </a:r>
             <a:endParaRPr lang="fr-FR" altLang="ko-KR" sz="900" dirty="0">
               <a:solidFill>
-                <a:srgbClr val="7F7F7F"/>
+                <a:srgbClr xmlns:mc="http://schemas.openxmlformats.org/markup-compatibility/2006" xmlns:a14="http://schemas.microsoft.com/office/drawing/2007/7/7/main" val="7F7F7F" mc:Ignorable=""/>
               </a:solidFill>
               <a:latin typeface="Calibri" pitchFamily="34" charset="0"/>
               <a:ea typeface="굴림" charset="-127"/>
@@ -9519,7 +8645,7 @@
   <p:timing>
     <p:tnLst>
       <p:par>
-        <p:cTn id="1" dur="indefinite" restart="never" nodeType="tmRoot"/>
+        <p:cTn xmlns:p14="http://schemas.microsoft.com/office/powerpoint/2007/7/12/main" id="1" dur="indefinite" restart="never" nodeType="tmRoot"/>
       </p:par>
     </p:tnLst>
   </p:timing>
@@ -9941,11 +9067,11 @@
             <a:r>
               <a:rPr altLang="ko-KR" dirty="0" smtClean="0">
                 <a:solidFill>
-                  <a:srgbClr val="C44F00"/>
+                  <a:srgbClr xmlns:mc="http://schemas.openxmlformats.org/markup-compatibility/2006" xmlns:a14="http://schemas.microsoft.com/office/drawing/2007/7/7/main" val="C44F00" mc:Ignorable=""/>
                 </a:solidFill>
                 <a:effectLst>
                   <a:outerShdw blurRad="38100" dist="38100" dir="2700000" algn="tl">
-                    <a:srgbClr val="C0C0C0"/>
+                    <a:srgbClr xmlns:mc="http://schemas.openxmlformats.org/markup-compatibility/2006" xmlns:a14="http://schemas.microsoft.com/office/drawing/2007/7/7/main" val="C0C0C0" mc:Ignorable=""/>
                   </a:outerShdw>
                 </a:effectLst>
                 <a:ea typeface="굴림" charset="-127"/>
@@ -9960,11 +9086,11 @@
             <a:r>
               <a:rPr altLang="ko-KR" dirty="0" smtClean="0">
                 <a:solidFill>
-                  <a:srgbClr val="595959"/>
+                  <a:srgbClr xmlns:mc="http://schemas.openxmlformats.org/markup-compatibility/2006" xmlns:a14="http://schemas.microsoft.com/office/drawing/2007/7/7/main" val="595959" mc:Ignorable=""/>
                 </a:solidFill>
                 <a:effectLst>
                   <a:outerShdw blurRad="38100" dist="38100" dir="2700000" algn="tl">
-                    <a:srgbClr val="C0C0C0"/>
+                    <a:srgbClr xmlns:mc="http://schemas.openxmlformats.org/markup-compatibility/2006" xmlns:a14="http://schemas.microsoft.com/office/drawing/2007/7/7/main" val="C0C0C0" mc:Ignorable=""/>
                   </a:outerShdw>
                 </a:effectLst>
                 <a:ea typeface="굴림" charset="-127"/>
@@ -9974,11 +9100,11 @@
             <a:r>
               <a:rPr altLang="ko-KR" dirty="0" err="1" smtClean="0">
                 <a:solidFill>
-                  <a:srgbClr val="595959"/>
+                  <a:srgbClr xmlns:mc="http://schemas.openxmlformats.org/markup-compatibility/2006" xmlns:a14="http://schemas.microsoft.com/office/drawing/2007/7/7/main" val="595959" mc:Ignorable=""/>
                 </a:solidFill>
                 <a:effectLst>
                   <a:outerShdw blurRad="38100" dist="38100" dir="2700000" algn="tl">
-                    <a:srgbClr val="C0C0C0"/>
+                    <a:srgbClr xmlns:mc="http://schemas.openxmlformats.org/markup-compatibility/2006" xmlns:a14="http://schemas.microsoft.com/office/drawing/2007/7/7/main" val="C0C0C0" mc:Ignorable=""/>
                   </a:outerShdw>
                 </a:effectLst>
                 <a:ea typeface="굴림" charset="-127"/>
@@ -9988,11 +9114,11 @@
             <a:r>
               <a:rPr altLang="ko-KR" dirty="0" smtClean="0">
                 <a:solidFill>
-                  <a:srgbClr val="595959"/>
+                  <a:srgbClr xmlns:mc="http://schemas.openxmlformats.org/markup-compatibility/2006" xmlns:a14="http://schemas.microsoft.com/office/drawing/2007/7/7/main" val="595959" mc:Ignorable=""/>
                 </a:solidFill>
                 <a:effectLst>
                   <a:outerShdw blurRad="38100" dist="38100" dir="2700000" algn="tl">
-                    <a:srgbClr val="C0C0C0"/>
+                    <a:srgbClr xmlns:mc="http://schemas.openxmlformats.org/markup-compatibility/2006" xmlns:a14="http://schemas.microsoft.com/office/drawing/2007/7/7/main" val="C0C0C0" mc:Ignorable=""/>
                   </a:outerShdw>
                 </a:effectLst>
                 <a:ea typeface="굴림" charset="-127"/>
@@ -10007,11 +9133,11 @@
             <a:r>
               <a:rPr altLang="ko-KR" dirty="0" smtClean="0">
                 <a:solidFill>
-                  <a:srgbClr val="595959"/>
+                  <a:srgbClr xmlns:mc="http://schemas.openxmlformats.org/markup-compatibility/2006" xmlns:a14="http://schemas.microsoft.com/office/drawing/2007/7/7/main" val="595959" mc:Ignorable=""/>
                 </a:solidFill>
                 <a:effectLst>
                   <a:outerShdw blurRad="38100" dist="38100" dir="2700000" algn="tl">
-                    <a:srgbClr val="C0C0C0"/>
+                    <a:srgbClr xmlns:mc="http://schemas.openxmlformats.org/markup-compatibility/2006" xmlns:a14="http://schemas.microsoft.com/office/drawing/2007/7/7/main" val="C0C0C0" mc:Ignorable=""/>
                   </a:outerShdw>
                 </a:effectLst>
                 <a:ea typeface="굴림" charset="-127"/>
@@ -10025,11 +9151,11 @@
             </a:pPr>
             <a:endParaRPr altLang="ko-KR" dirty="0" smtClean="0">
               <a:solidFill>
-                <a:srgbClr val="8F481E"/>
+                <a:srgbClr xmlns:mc="http://schemas.openxmlformats.org/markup-compatibility/2006" xmlns:a14="http://schemas.microsoft.com/office/drawing/2007/7/7/main" val="8F481E" mc:Ignorable=""/>
               </a:solidFill>
               <a:effectLst>
                 <a:outerShdw blurRad="38100" dist="38100" dir="2700000" algn="tl">
-                  <a:srgbClr val="C0C0C0"/>
+                  <a:srgbClr xmlns:mc="http://schemas.openxmlformats.org/markup-compatibility/2006" xmlns:a14="http://schemas.microsoft.com/office/drawing/2007/7/7/main" val="C0C0C0" mc:Ignorable=""/>
                 </a:outerShdw>
               </a:effectLst>
               <a:ea typeface="굴림" charset="-127"/>
@@ -10074,7 +9200,7 @@
                 </a:ln>
                 <a:effectLst>
                   <a:outerShdw blurRad="38100" dist="38100" dir="2700000" algn="tl">
-                    <a:srgbClr val="000000">
+                    <a:srgbClr xmlns:mc="http://schemas.openxmlformats.org/markup-compatibility/2006" xmlns:a14="http://schemas.microsoft.com/office/drawing/2007/7/7/main" val="000000" mc:Ignorable="">
                       <a:alpha val="43137"/>
                     </a:srgbClr>
                   </a:outerShdw>
@@ -10092,7 +9218,7 @@
                 </a:solidFill>
                 <a:effectLst>
                   <a:outerShdw blurRad="38100" dist="38100" dir="2700000" algn="tl">
-                    <a:srgbClr val="000000">
+                    <a:srgbClr xmlns:mc="http://schemas.openxmlformats.org/markup-compatibility/2006" xmlns:a14="http://schemas.microsoft.com/office/drawing/2007/7/7/main" val="000000" mc:Ignorable="">
                       <a:alpha val="43137"/>
                     </a:srgbClr>
                   </a:outerShdw>
@@ -10110,7 +9236,7 @@
                 </a:solidFill>
                 <a:effectLst>
                   <a:outerShdw blurRad="38100" dist="38100" dir="2700000" algn="tl">
-                    <a:srgbClr val="000000">
+                    <a:srgbClr xmlns:mc="http://schemas.openxmlformats.org/markup-compatibility/2006" xmlns:a14="http://schemas.microsoft.com/office/drawing/2007/7/7/main" val="000000" mc:Ignorable="">
                       <a:alpha val="43137"/>
                     </a:srgbClr>
                   </a:outerShdw>
@@ -10127,7 +9253,7 @@
                 </a:solidFill>
                 <a:effectLst>
                   <a:outerShdw blurRad="38100" dist="38100" dir="2700000" algn="tl">
-                    <a:srgbClr val="000000">
+                    <a:srgbClr xmlns:mc="http://schemas.openxmlformats.org/markup-compatibility/2006" xmlns:a14="http://schemas.microsoft.com/office/drawing/2007/7/7/main" val="000000" mc:Ignorable="">
                       <a:alpha val="43137"/>
                     </a:srgbClr>
                   </a:outerShdw>
@@ -10147,7 +9273,7 @@
                 </a:solidFill>
                 <a:effectLst>
                   <a:outerShdw blurRad="38100" dist="38100" dir="2700000" algn="tl">
-                    <a:srgbClr val="000000">
+                    <a:srgbClr xmlns:mc="http://schemas.openxmlformats.org/markup-compatibility/2006" xmlns:a14="http://schemas.microsoft.com/office/drawing/2007/7/7/main" val="000000" mc:Ignorable="">
                       <a:alpha val="43137"/>
                     </a:srgbClr>
                   </a:outerShdw>
@@ -10167,7 +9293,7 @@
                 </a:solidFill>
                 <a:effectLst>
                   <a:outerShdw blurRad="38100" dist="38100" dir="2700000" algn="tl">
-                    <a:srgbClr val="000000">
+                    <a:srgbClr xmlns:mc="http://schemas.openxmlformats.org/markup-compatibility/2006" xmlns:a14="http://schemas.microsoft.com/office/drawing/2007/7/7/main" val="000000" mc:Ignorable="">
                       <a:alpha val="43137"/>
                     </a:srgbClr>
                   </a:outerShdw>
@@ -10187,7 +9313,7 @@
                 </a:solidFill>
                 <a:effectLst>
                   <a:outerShdw blurRad="38100" dist="38100" dir="2700000" algn="tl">
-                    <a:srgbClr val="000000">
+                    <a:srgbClr xmlns:mc="http://schemas.openxmlformats.org/markup-compatibility/2006" xmlns:a14="http://schemas.microsoft.com/office/drawing/2007/7/7/main" val="000000" mc:Ignorable="">
                       <a:alpha val="43137"/>
                     </a:srgbClr>
                   </a:outerShdw>
@@ -10207,7 +9333,7 @@
                 </a:solidFill>
                 <a:effectLst>
                   <a:outerShdw blurRad="38100" dist="38100" dir="2700000" algn="tl">
-                    <a:srgbClr val="000000">
+                    <a:srgbClr xmlns:mc="http://schemas.openxmlformats.org/markup-compatibility/2006" xmlns:a14="http://schemas.microsoft.com/office/drawing/2007/7/7/main" val="000000" mc:Ignorable="">
                       <a:alpha val="43137"/>
                     </a:srgbClr>
                   </a:outerShdw>
@@ -10226,7 +9352,7 @@
               </a:solidFill>
               <a:effectLst>
                 <a:outerShdw blurRad="38100" dist="38100" dir="2700000" algn="tl">
-                  <a:srgbClr val="000000">
+                  <a:srgbClr xmlns:mc="http://schemas.openxmlformats.org/markup-compatibility/2006" xmlns:a14="http://schemas.microsoft.com/office/drawing/2007/7/7/main" val="000000" mc:Ignorable="">
                     <a:alpha val="43137"/>
                   </a:srgbClr>
                 </a:outerShdw>
@@ -10296,7 +9422,7 @@
             </a:avLst>
           </a:prstGeom>
           <a:solidFill>
-            <a:srgbClr val="FFFFFF">
+            <a:srgbClr xmlns:mc="http://schemas.openxmlformats.org/markup-compatibility/2006" xmlns:a14="http://schemas.microsoft.com/office/drawing/2007/7/7/main" val="FFFFFF" mc:Ignorable="">
               <a:shade val="85000"/>
             </a:srgbClr>
           </a:solidFill>
@@ -10325,8 +9451,8 @@
         </p:blipFill>
         <p:spPr bwMode="auto">
           <a:xfrm rot="376165">
-            <a:off x="2505111" y="328336"/>
-            <a:ext cx="4352925" cy="2943225"/>
+            <a:off x="2328294" y="325945"/>
+            <a:ext cx="3980849" cy="2691646"/>
           </a:xfrm>
           <a:prstGeom prst="roundRect">
             <a:avLst>
@@ -10334,7 +9460,7 @@
             </a:avLst>
           </a:prstGeom>
           <a:solidFill>
-            <a:srgbClr val="FFFFFF">
+            <a:srgbClr xmlns:mc="http://schemas.openxmlformats.org/markup-compatibility/2006" xmlns:a14="http://schemas.microsoft.com/office/drawing/2007/7/7/main" val="FFFFFF" mc:Ignorable="">
               <a:shade val="85000"/>
             </a:srgbClr>
           </a:solidFill>
@@ -10359,8 +9485,8 @@
         </p:nvSpPr>
         <p:spPr>
           <a:xfrm flipH="1">
-            <a:off x="7572396" y="3357562"/>
-            <a:ext cx="1428760" cy="928694"/>
+            <a:off x="6588224" y="2636912"/>
+            <a:ext cx="2412932" cy="1505328"/>
           </a:xfrm>
           <a:prstGeom prst="wedgeRectCallout">
             <a:avLst/>
@@ -10389,13 +9515,39 @@
               <a:rPr lang="fr-FR" sz="2400" b="1" dirty="0" smtClean="0">
                 <a:effectLst>
                   <a:outerShdw blurRad="38100" dist="38100" dir="2700000" algn="tl">
-                    <a:srgbClr val="000000">
+                    <a:srgbClr xmlns:mc="http://schemas.openxmlformats.org/markup-compatibility/2006" xmlns:a14="http://schemas.microsoft.com/office/drawing/2007/7/7/main" val="000000" mc:Ignorable="">
                       <a:alpha val="43137"/>
                     </a:srgbClr>
                   </a:outerShdw>
                 </a:effectLst>
               </a:rPr>
               <a:t>Project 1</a:t>
+            </a:r>
+          </a:p>
+          <a:p>
+            <a:pPr algn="ctr"/>
+            <a:r>
+              <a:rPr lang="fr-FR" b="1" dirty="0" err="1" smtClean="0"/>
+              <a:t>Problem</a:t>
+            </a:r>
+            <a:r>
+              <a:rPr lang="fr-FR" b="1" dirty="0" smtClean="0"/>
+              <a:t> </a:t>
+            </a:r>
+            <a:r>
+              <a:rPr lang="fr-FR" b="1" dirty="0" err="1" smtClean="0"/>
+              <a:t>understanding</a:t>
+            </a:r>
+            <a:r>
+              <a:rPr lang="fr-FR" b="1" dirty="0" smtClean="0"/>
+              <a:t>  &amp;</a:t>
+            </a:r>
+          </a:p>
+          <a:p>
+            <a:pPr algn="ctr"/>
+            <a:r>
+              <a:rPr lang="fr-FR" b="1" dirty="0" smtClean="0"/>
+              <a:t> UI design</a:t>
             </a:r>
           </a:p>
         </p:txBody>
@@ -10408,7 +9560,7 @@
   <p:timing>
     <p:tnLst>
       <p:par>
-        <p:cTn id="1" dur="indefinite" restart="never" nodeType="tmRoot"/>
+        <p:cTn xmlns:p14="http://schemas.microsoft.com/office/powerpoint/2007/7/12/main" id="1" dur="indefinite" restart="never" nodeType="tmRoot"/>
       </p:par>
     </p:tnLst>
   </p:timing>
@@ -10488,7 +9640,7 @@
           <a:blip r:embed="rId2">
             <a:extLst>
               <a:ext uri="28A0092B-C50C-407e-A947-70E740481C1C">
-                <a14:useLocalDpi xmlns:a14="http://schemas.microsoft.com/office/drawing/2007/7/7/main" xmlns="" val="0"/>
+                <a14:useLocalDpi xmlns:a14="http://schemas.microsoft.com/office/drawing/2007/7/7/main" val="0"/>
               </a:ext>
             </a:extLst>
           </a:blip>
@@ -10510,14 +9662,14 @@
           </a:ln>
           <a:effectLst>
             <a:outerShdw blurRad="190500" algn="tl" rotWithShape="0">
-              <a:srgbClr val="000000">
+              <a:srgbClr xmlns:mc="http://schemas.openxmlformats.org/markup-compatibility/2006" xmlns:a14="http://schemas.microsoft.com/office/drawing/2007/7/7/main" val="000000" mc:Ignorable="">
                 <a:alpha val="70000"/>
               </a:srgbClr>
             </a:outerShdw>
           </a:effectLst>
           <a:extLst>
             <a:ext uri="{909E8E84-426E-40dd-AFC4-6F175D3DCCD1}">
-              <a14:hiddenFill xmlns:a14="http://schemas.microsoft.com/office/drawing/2007/7/7/main" xmlns="">
+              <a14:hiddenFill xmlns:a14="http://schemas.microsoft.com/office/drawing/2007/7/7/main">
                 <a:solidFill>
                   <a:srgbClr xmlns:mc="http://schemas.openxmlformats.org/markup-compatibility/2006" val="FFFFFF" mc:Ignorable=""/>
                 </a:solidFill>
@@ -10529,7 +9681,7 @@
     </p:spTree>
     <p:extLst>
       <p:ext uri="{BB962C8B-B14F-4D97-AF65-F5344CB8AC3E}">
-        <p14:creationId xmlns:p14="http://schemas.microsoft.com/office/powerpoint/2007/7/12/main" xmlns="" val="3147034357"/>
+        <p14:creationId xmlns:p14="http://schemas.microsoft.com/office/powerpoint/2007/7/12/main" val="3147034357"/>
       </p:ext>
     </p:extLst>
   </p:cSld>
@@ -10539,7 +9691,7 @@
   <p:timing>
     <p:tnLst>
       <p:par>
-        <p:cTn id="1" dur="indefinite" restart="never" nodeType="tmRoot"/>
+        <p:cTn xmlns:p14="http://schemas.microsoft.com/office/powerpoint/2007/7/12/main" id="1" dur="indefinite" restart="never" nodeType="tmRoot"/>
       </p:par>
     </p:tnLst>
   </p:timing>
@@ -10611,11 +9763,7 @@
           <a:p>
             <a:r>
               <a:rPr lang="en-US" dirty="0" smtClean="0"/>
-              <a:t>Safe response in case of hazardous </a:t>
-            </a:r>
-            <a:r>
-              <a:rPr lang="en-US" dirty="0" smtClean="0"/>
-              <a:t>conditions :</a:t>
+              <a:t>Safe response in case of hazardous conditions :</a:t>
             </a:r>
             <a:endParaRPr lang="fr-FR" dirty="0"/>
           </a:p>
@@ -10633,7 +9781,7 @@
           <a:blip r:embed="rId2">
             <a:extLst>
               <a:ext uri="28A0092B-C50C-407e-A947-70E740481C1C">
-                <a14:useLocalDpi xmlns:a14="http://schemas.microsoft.com/office/drawing/2007/7/7/main" xmlns="" val="0"/>
+                <a14:useLocalDpi xmlns:a14="http://schemas.microsoft.com/office/drawing/2007/7/7/main" val="0"/>
               </a:ext>
             </a:extLst>
           </a:blip>
@@ -10650,17 +9798,26 @@
           <a:prstGeom prst="rect">
             <a:avLst/>
           </a:prstGeom>
-          <a:noFill/>
+          <a:ln>
+            <a:noFill/>
+          </a:ln>
+          <a:effectLst>
+            <a:outerShdw blurRad="190500" algn="tl" rotWithShape="0">
+              <a:srgbClr xmlns:mc="http://schemas.openxmlformats.org/markup-compatibility/2006" xmlns:a14="http://schemas.microsoft.com/office/drawing/2007/7/7/main" val="000000" mc:Ignorable="">
+                <a:alpha val="70000"/>
+              </a:srgbClr>
+            </a:outerShdw>
+          </a:effectLst>
           <a:extLst>
             <a:ext uri="{909E8E84-426E-40dd-AFC4-6F175D3DCCD1}">
-              <a14:hiddenFill xmlns:a14="http://schemas.microsoft.com/office/drawing/2007/7/7/main" xmlns="">
+              <a14:hiddenFill xmlns:a14="http://schemas.microsoft.com/office/drawing/2007/7/7/main">
                 <a:solidFill>
                   <a:srgbClr xmlns:mc="http://schemas.openxmlformats.org/markup-compatibility/2006" val="FFFFFF" mc:Ignorable=""/>
                 </a:solidFill>
               </a14:hiddenFill>
             </a:ext>
             <a:ext uri="{53640926-AAD7-44d8-BBD7-CCE9431645EC}">
-              <a14:shadowObscured xmlns:a14="http://schemas.microsoft.com/office/drawing/2007/7/7/main" xmlns="" val="1"/>
+              <a14:shadowObscured xmlns:a14="http://schemas.microsoft.com/office/drawing/2007/7/7/main" val="1"/>
             </a:ext>
           </a:extLst>
         </p:spPr>
@@ -10668,7 +9825,7 @@
     </p:spTree>
     <p:extLst>
       <p:ext uri="{BB962C8B-B14F-4D97-AF65-F5344CB8AC3E}">
-        <p14:creationId xmlns:p14="http://schemas.microsoft.com/office/powerpoint/2007/7/12/main" xmlns="" val="4259651497"/>
+        <p14:creationId xmlns:p14="http://schemas.microsoft.com/office/powerpoint/2007/7/12/main" val="4259651497"/>
       </p:ext>
     </p:extLst>
   </p:cSld>
@@ -10678,7 +9835,7 @@
   <p:timing>
     <p:tnLst>
       <p:par>
-        <p:cTn id="1" dur="indefinite" restart="never" nodeType="tmRoot"/>
+        <p:cTn xmlns:p14="http://schemas.microsoft.com/office/powerpoint/2007/7/12/main" id="1" dur="indefinite" restart="never" nodeType="tmRoot"/>
       </p:par>
     </p:tnLst>
   </p:timing>
@@ -10800,7 +9957,7 @@
           <a:blip r:embed="rId2">
             <a:extLst>
               <a:ext uri="28A0092B-C50C-407e-A947-70E740481C1C">
-                <a14:useLocalDpi xmlns:a14="http://schemas.microsoft.com/office/drawing/2007/7/7/main" xmlns="" val="0"/>
+                <a14:useLocalDpi xmlns:a14="http://schemas.microsoft.com/office/drawing/2007/7/7/main" val="0"/>
               </a:ext>
             </a:extLst>
           </a:blip>
@@ -10820,14 +9977,14 @@
           <a:noFill/>
           <a:extLst>
             <a:ext uri="{909E8E84-426E-40dd-AFC4-6F175D3DCCD1}">
-              <a14:hiddenFill xmlns:a14="http://schemas.microsoft.com/office/drawing/2007/7/7/main" xmlns="">
+              <a14:hiddenFill xmlns:a14="http://schemas.microsoft.com/office/drawing/2007/7/7/main">
                 <a:solidFill>
                   <a:srgbClr xmlns:mc="http://schemas.openxmlformats.org/markup-compatibility/2006" val="FFFFFF" mc:Ignorable=""/>
                 </a:solidFill>
               </a14:hiddenFill>
             </a:ext>
             <a:ext uri="{53640926-AAD7-44d8-BBD7-CCE9431645EC}">
-              <a14:shadowObscured xmlns:a14="http://schemas.microsoft.com/office/drawing/2007/7/7/main" xmlns="" val="1"/>
+              <a14:shadowObscured xmlns:a14="http://schemas.microsoft.com/office/drawing/2007/7/7/main" val="1"/>
             </a:ext>
           </a:extLst>
         </p:spPr>
@@ -10835,7 +9992,7 @@
     </p:spTree>
     <p:extLst>
       <p:ext uri="{BB962C8B-B14F-4D97-AF65-F5344CB8AC3E}">
-        <p14:creationId xmlns:p14="http://schemas.microsoft.com/office/powerpoint/2007/7/12/main" xmlns="" val="4241276353"/>
+        <p14:creationId xmlns:p14="http://schemas.microsoft.com/office/powerpoint/2007/7/12/main" val="4241276353"/>
       </p:ext>
     </p:extLst>
   </p:cSld>
@@ -10845,7 +10002,7 @@
   <p:timing>
     <p:tnLst>
       <p:par>
-        <p:cTn id="1" dur="indefinite" restart="never" nodeType="tmRoot"/>
+        <p:cTn xmlns:p14="http://schemas.microsoft.com/office/powerpoint/2007/7/12/main" id="1" dur="indefinite" restart="never" nodeType="tmRoot"/>
       </p:par>
     </p:tnLst>
   </p:timing>
@@ -10929,11 +10086,7 @@
           <a:p>
             <a:r>
               <a:rPr lang="en-US" dirty="0" smtClean="0"/>
-              <a:t>Start system, restart system &amp; refresh system </a:t>
-            </a:r>
-            <a:r>
-              <a:rPr lang="en-US" dirty="0" smtClean="0"/>
-              <a:t>state :</a:t>
+              <a:t>Start system, restart system &amp; refresh system state :</a:t>
             </a:r>
             <a:endParaRPr lang="fr-FR" dirty="0"/>
           </a:p>
@@ -10951,7 +10104,7 @@
           <a:blip r:embed="rId2">
             <a:extLst>
               <a:ext uri="28A0092B-C50C-407e-A947-70E740481C1C">
-                <a14:useLocalDpi xmlns:a14="http://schemas.microsoft.com/office/drawing/2007/7/7/main" xmlns="" val="0"/>
+                <a14:useLocalDpi xmlns:a14="http://schemas.microsoft.com/office/drawing/2007/7/7/main" val="0"/>
               </a:ext>
             </a:extLst>
           </a:blip>
@@ -10968,17 +10121,26 @@
           <a:prstGeom prst="rect">
             <a:avLst/>
           </a:prstGeom>
-          <a:noFill/>
+          <a:ln>
+            <a:noFill/>
+          </a:ln>
+          <a:effectLst>
+            <a:outerShdw blurRad="190500" algn="tl" rotWithShape="0">
+              <a:srgbClr xmlns:mc="http://schemas.openxmlformats.org/markup-compatibility/2006" xmlns:a14="http://schemas.microsoft.com/office/drawing/2007/7/7/main" val="000000" mc:Ignorable="">
+                <a:alpha val="70000"/>
+              </a:srgbClr>
+            </a:outerShdw>
+          </a:effectLst>
           <a:extLst>
             <a:ext uri="{909E8E84-426E-40dd-AFC4-6F175D3DCCD1}">
-              <a14:hiddenFill xmlns:a14="http://schemas.microsoft.com/office/drawing/2007/7/7/main" xmlns="">
+              <a14:hiddenFill xmlns:a14="http://schemas.microsoft.com/office/drawing/2007/7/7/main">
                 <a:solidFill>
                   <a:srgbClr xmlns:mc="http://schemas.openxmlformats.org/markup-compatibility/2006" val="FFFFFF" mc:Ignorable=""/>
                 </a:solidFill>
               </a14:hiddenFill>
             </a:ext>
             <a:ext uri="{53640926-AAD7-44d8-BBD7-CCE9431645EC}">
-              <a14:shadowObscured xmlns:a14="http://schemas.microsoft.com/office/drawing/2007/7/7/main" xmlns="" val="1"/>
+              <a14:shadowObscured xmlns:a14="http://schemas.microsoft.com/office/drawing/2007/7/7/main" val="1"/>
             </a:ext>
           </a:extLst>
         </p:spPr>
@@ -10986,7 +10148,7 @@
     </p:spTree>
     <p:extLst>
       <p:ext uri="{BB962C8B-B14F-4D97-AF65-F5344CB8AC3E}">
-        <p14:creationId xmlns:p14="http://schemas.microsoft.com/office/powerpoint/2007/7/12/main" xmlns="" val="3699348174"/>
+        <p14:creationId xmlns:p14="http://schemas.microsoft.com/office/powerpoint/2007/7/12/main" val="3699348174"/>
       </p:ext>
     </p:extLst>
   </p:cSld>
@@ -10996,7 +10158,7 @@
   <p:timing>
     <p:tnLst>
       <p:par>
-        <p:cTn id="1" dur="indefinite" restart="never" nodeType="tmRoot"/>
+        <p:cTn xmlns:p14="http://schemas.microsoft.com/office/powerpoint/2007/7/12/main" id="1" dur="indefinite" restart="never" nodeType="tmRoot"/>
       </p:par>
     </p:tnLst>
   </p:timing>
@@ -11118,7 +10280,7 @@
           <a:blip r:embed="rId2">
             <a:extLst>
               <a:ext uri="28A0092B-C50C-407e-A947-70E740481C1C">
-                <a14:useLocalDpi xmlns:a14="http://schemas.microsoft.com/office/drawing/2007/7/7/main" xmlns="" val="0"/>
+                <a14:useLocalDpi xmlns:a14="http://schemas.microsoft.com/office/drawing/2007/7/7/main" val="0"/>
               </a:ext>
             </a:extLst>
           </a:blip>
@@ -11138,14 +10300,14 @@
           <a:noFill/>
           <a:extLst>
             <a:ext uri="{909E8E84-426E-40dd-AFC4-6F175D3DCCD1}">
-              <a14:hiddenFill xmlns:a14="http://schemas.microsoft.com/office/drawing/2007/7/7/main" xmlns="">
+              <a14:hiddenFill xmlns:a14="http://schemas.microsoft.com/office/drawing/2007/7/7/main">
                 <a:solidFill>
                   <a:srgbClr xmlns:mc="http://schemas.openxmlformats.org/markup-compatibility/2006" val="FFFFFF" mc:Ignorable=""/>
                 </a:solidFill>
               </a14:hiddenFill>
             </a:ext>
             <a:ext uri="{53640926-AAD7-44d8-BBD7-CCE9431645EC}">
-              <a14:shadowObscured xmlns:a14="http://schemas.microsoft.com/office/drawing/2007/7/7/main" xmlns="" val="1"/>
+              <a14:shadowObscured xmlns:a14="http://schemas.microsoft.com/office/drawing/2007/7/7/main" val="1"/>
             </a:ext>
           </a:extLst>
         </p:spPr>
@@ -11153,7 +10315,7 @@
     </p:spTree>
     <p:extLst>
       <p:ext uri="{BB962C8B-B14F-4D97-AF65-F5344CB8AC3E}">
-        <p14:creationId xmlns:p14="http://schemas.microsoft.com/office/powerpoint/2007/7/12/main" xmlns="" val="3246030475"/>
+        <p14:creationId xmlns:p14="http://schemas.microsoft.com/office/powerpoint/2007/7/12/main" val="3246030475"/>
       </p:ext>
     </p:extLst>
   </p:cSld>
@@ -11163,7 +10325,7 @@
   <p:timing>
     <p:tnLst>
       <p:par>
-        <p:cTn id="1" dur="indefinite" restart="never" nodeType="tmRoot"/>
+        <p:cTn xmlns:p14="http://schemas.microsoft.com/office/powerpoint/2007/7/12/main" id="1" dur="indefinite" restart="never" nodeType="tmRoot"/>
       </p:par>
     </p:tnLst>
   </p:timing>
@@ -11302,16 +10464,16 @@
               <a:defRPr lang="fr-FR" sz="3600" b="0" cap="none" spc="0">
                 <a:ln w="18415" cmpd="sng">
                   <a:solidFill>
-                    <a:srgbClr val="FFFFFF"/>
+                    <a:srgbClr xmlns:mc="http://schemas.openxmlformats.org/markup-compatibility/2006" xmlns:a14="http://schemas.microsoft.com/office/drawing/2007/7/7/main" val="FFFFFF" mc:Ignorable=""/>
                   </a:solidFill>
                   <a:prstDash val="solid"/>
                 </a:ln>
                 <a:solidFill>
-                  <a:srgbClr val="FFFFFF"/>
+                  <a:srgbClr xmlns:mc="http://schemas.openxmlformats.org/markup-compatibility/2006" xmlns:a14="http://schemas.microsoft.com/office/drawing/2007/7/7/main" val="FFFFFF" mc:Ignorable=""/>
                 </a:solidFill>
                 <a:effectLst>
                   <a:outerShdw blurRad="63500" dir="3600000" algn="tl" rotWithShape="0">
-                    <a:srgbClr val="000000">
+                    <a:srgbClr xmlns:mc="http://schemas.openxmlformats.org/markup-compatibility/2006" xmlns:a14="http://schemas.microsoft.com/office/drawing/2007/7/7/main" val="000000" mc:Ignorable="">
                       <a:alpha val="70000"/>
                     </a:srgbClr>
                   </a:outerShdw>
@@ -11449,7 +10611,7 @@
           <a:p>
             <a:pPr indent="273050" eaLnBrk="1" hangingPunct="1">
               <a:buClr>
-                <a:srgbClr val="C44F00"/>
+                <a:srgbClr xmlns:mc="http://schemas.openxmlformats.org/markup-compatibility/2006" xmlns:a14="http://schemas.microsoft.com/office/drawing/2007/7/7/main" val="C44F00" mc:Ignorable=""/>
               </a:buClr>
               <a:buFont typeface="Calibri" pitchFamily="34" charset="0"/>
               <a:buAutoNum type="arabicPeriod"/>
@@ -11471,7 +10633,7 @@
           <a:p>
             <a:pPr indent="273050" eaLnBrk="1" hangingPunct="1">
               <a:buClr>
-                <a:srgbClr val="C44F00"/>
+                <a:srgbClr xmlns:mc="http://schemas.openxmlformats.org/markup-compatibility/2006" xmlns:a14="http://schemas.microsoft.com/office/drawing/2007/7/7/main" val="C44F00" mc:Ignorable=""/>
               </a:buClr>
               <a:buFont typeface="Calibri" pitchFamily="34" charset="0"/>
               <a:buAutoNum type="arabicPeriod"/>
@@ -11490,7 +10652,7 @@
           <a:p>
             <a:pPr indent="273050" eaLnBrk="1" hangingPunct="1">
               <a:buClr>
-                <a:srgbClr val="C44F00"/>
+                <a:srgbClr xmlns:mc="http://schemas.openxmlformats.org/markup-compatibility/2006" xmlns:a14="http://schemas.microsoft.com/office/drawing/2007/7/7/main" val="C44F00" mc:Ignorable=""/>
               </a:buClr>
               <a:buFont typeface="Calibri" pitchFamily="34" charset="0"/>
               <a:buAutoNum type="arabicPeriod"/>
@@ -11512,7 +10674,7 @@
           <a:p>
             <a:pPr indent="273050" eaLnBrk="1" hangingPunct="1">
               <a:buClr>
-                <a:srgbClr val="C44F00"/>
+                <a:srgbClr xmlns:mc="http://schemas.openxmlformats.org/markup-compatibility/2006" xmlns:a14="http://schemas.microsoft.com/office/drawing/2007/7/7/main" val="C44F00" mc:Ignorable=""/>
               </a:buClr>
               <a:buFont typeface="Calibri" pitchFamily="34" charset="0"/>
               <a:buAutoNum type="arabicPeriod"/>
@@ -11531,7 +10693,7 @@
           <a:p>
             <a:pPr indent="273050" eaLnBrk="1" hangingPunct="1">
               <a:buClr>
-                <a:srgbClr val="C44F00"/>
+                <a:srgbClr xmlns:mc="http://schemas.openxmlformats.org/markup-compatibility/2006" xmlns:a14="http://schemas.microsoft.com/office/drawing/2007/7/7/main" val="C44F00" mc:Ignorable=""/>
               </a:buClr>
               <a:buFont typeface="Calibri" pitchFamily="34" charset="0"/>
               <a:buAutoNum type="arabicPeriod"/>
@@ -11553,7 +10715,7 @@
           <a:p>
             <a:pPr indent="273050" eaLnBrk="1" hangingPunct="1">
               <a:buClr>
-                <a:srgbClr val="C44F00"/>
+                <a:srgbClr xmlns:mc="http://schemas.openxmlformats.org/markup-compatibility/2006" xmlns:a14="http://schemas.microsoft.com/office/drawing/2007/7/7/main" val="C44F00" mc:Ignorable=""/>
               </a:buClr>
               <a:buFont typeface="Calibri" pitchFamily="34" charset="0"/>
               <a:buAutoNum type="arabicPeriod"/>
@@ -11572,7 +10734,7 @@
           <a:p>
             <a:pPr indent="273050" eaLnBrk="1" hangingPunct="1">
               <a:buClr>
-                <a:srgbClr val="C44F00"/>
+                <a:srgbClr xmlns:mc="http://schemas.openxmlformats.org/markup-compatibility/2006" xmlns:a14="http://schemas.microsoft.com/office/drawing/2007/7/7/main" val="C44F00" mc:Ignorable=""/>
               </a:buClr>
               <a:buFont typeface="Calibri" pitchFamily="34" charset="0"/>
               <a:buAutoNum type="arabicPeriod"/>
@@ -11628,7 +10790,7 @@
             </a:avLst>
           </a:prstGeom>
           <a:solidFill>
-            <a:srgbClr val="FFFFFF">
+            <a:srgbClr xmlns:mc="http://schemas.openxmlformats.org/markup-compatibility/2006" xmlns:a14="http://schemas.microsoft.com/office/drawing/2007/7/7/main" val="FFFFFF" mc:Ignorable="">
               <a:shade val="85000"/>
             </a:srgbClr>
           </a:solidFill>
@@ -11648,7 +10810,7 @@
     </p:spTree>
     <p:extLst>
       <p:ext uri="{BB962C8B-B14F-4D97-AF65-F5344CB8AC3E}">
-        <p14:creationId xmlns:p14="http://schemas.microsoft.com/office/powerpoint/2007/7/12/main" xmlns="" val="1603447579"/>
+        <p14:creationId xmlns:p14="http://schemas.microsoft.com/office/powerpoint/2007/7/12/main" val="1603447579"/>
       </p:ext>
     </p:extLst>
   </p:cSld>
@@ -11658,7 +10820,7 @@
   <p:timing>
     <p:tnLst>
       <p:par>
-        <p:cTn id="1" dur="indefinite" restart="never" nodeType="tmRoot"/>
+        <p:cTn xmlns:p14="http://schemas.microsoft.com/office/powerpoint/2007/7/12/main" id="1" dur="indefinite" restart="never" nodeType="tmRoot"/>
       </p:par>
     </p:tnLst>
   </p:timing>
@@ -11744,7 +10906,7 @@
           <a:blip r:embed="rId2" cstate="print">
             <a:extLst>
               <a:ext uri="28A0092B-C50C-407e-A947-70E740481C1C">
-                <a14:useLocalDpi xmlns:a14="http://schemas.microsoft.com/office/drawing/2007/7/7/main" xmlns="" val="0"/>
+                <a14:useLocalDpi xmlns:a14="http://schemas.microsoft.com/office/drawing/2007/7/7/main" val="0"/>
               </a:ext>
             </a:extLst>
           </a:blip>
@@ -11764,14 +10926,14 @@
           <a:noFill/>
           <a:extLst>
             <a:ext uri="{909E8E84-426E-40dd-AFC4-6F175D3DCCD1}">
-              <a14:hiddenFill xmlns:a14="http://schemas.microsoft.com/office/drawing/2007/7/7/main" xmlns="">
+              <a14:hiddenFill xmlns:a14="http://schemas.microsoft.com/office/drawing/2007/7/7/main">
                 <a:solidFill>
                   <a:schemeClr val="accent1"/>
                 </a:solidFill>
               </a14:hiddenFill>
             </a:ext>
             <a:ext uri="{91240B29-F687-4f45-9708-019B960494DF}">
-              <a14:hiddenLine xmlns:a14="http://schemas.microsoft.com/office/drawing/2007/7/7/main" xmlns="" w="9525">
+              <a14:hiddenLine xmlns:a14="http://schemas.microsoft.com/office/drawing/2007/7/7/main" w="9525">
                 <a:solidFill>
                   <a:schemeClr val="tx1"/>
                 </a:solidFill>
@@ -11781,7 +10943,7 @@
               </a14:hiddenLine>
             </a:ext>
             <a:ext uri="{AF507438-7753-43e0-B8FC-AC1667EBCBE1}">
-              <a14:hiddenEffects xmlns:a14="http://schemas.microsoft.com/office/drawing/2007/7/7/main" xmlns="">
+              <a14:hiddenEffects xmlns:a14="http://schemas.microsoft.com/office/drawing/2007/7/7/main">
                 <a:effectLst>
                   <a:outerShdw dist="35921" dir="2700000" algn="ctr" rotWithShape="0">
                     <a:schemeClr val="bg2"/>
@@ -11795,7 +10957,7 @@
     </p:spTree>
     <p:extLst>
       <p:ext uri="{BB962C8B-B14F-4D97-AF65-F5344CB8AC3E}">
-        <p14:creationId xmlns:p14="http://schemas.microsoft.com/office/powerpoint/2007/7/12/main" xmlns="" val="1394414490"/>
+        <p14:creationId xmlns:p14="http://schemas.microsoft.com/office/powerpoint/2007/7/12/main" val="1394414490"/>
       </p:ext>
     </p:extLst>
   </p:cSld>
@@ -11805,7 +10967,7 @@
   <p:timing>
     <p:tnLst>
       <p:par>
-        <p:cTn id="1" dur="indefinite" restart="never" nodeType="tmRoot"/>
+        <p:cTn xmlns:p14="http://schemas.microsoft.com/office/powerpoint/2007/7/12/main" id="1" dur="indefinite" restart="never" nodeType="tmRoot"/>
       </p:par>
     </p:tnLst>
   </p:timing>
@@ -11891,7 +11053,7 @@
           <a:blip r:embed="rId2">
             <a:extLst>
               <a:ext uri="28A0092B-C50C-407e-A947-70E740481C1C">
-                <a14:useLocalDpi xmlns:a14="http://schemas.microsoft.com/office/drawing/2007/7/7/main" xmlns="" val="0"/>
+                <a14:useLocalDpi xmlns:a14="http://schemas.microsoft.com/office/drawing/2007/7/7/main" val="0"/>
               </a:ext>
             </a:extLst>
           </a:blip>
@@ -11911,7 +11073,7 @@
           <a:noFill/>
           <a:extLst>
             <a:ext uri="{909E8E84-426E-40dd-AFC4-6F175D3DCCD1}">
-              <a14:hiddenFill xmlns:a14="http://schemas.microsoft.com/office/drawing/2007/7/7/main" xmlns="">
+              <a14:hiddenFill xmlns:a14="http://schemas.microsoft.com/office/drawing/2007/7/7/main">
                 <a:solidFill>
                   <a:srgbClr xmlns:mc="http://schemas.openxmlformats.org/markup-compatibility/2006" val="FFFFFF" mc:Ignorable=""/>
                 </a:solidFill>
@@ -11923,7 +11085,7 @@
     </p:spTree>
     <p:extLst>
       <p:ext uri="{BB962C8B-B14F-4D97-AF65-F5344CB8AC3E}">
-        <p14:creationId xmlns:p14="http://schemas.microsoft.com/office/powerpoint/2007/7/12/main" xmlns="" val="4280331692"/>
+        <p14:creationId xmlns:p14="http://schemas.microsoft.com/office/powerpoint/2007/7/12/main" val="4280331692"/>
       </p:ext>
     </p:extLst>
   </p:cSld>
@@ -11933,7 +11095,7 @@
   <p:timing>
     <p:tnLst>
       <p:par>
-        <p:cTn id="1" dur="indefinite" restart="never" nodeType="tmRoot"/>
+        <p:cTn xmlns:p14="http://schemas.microsoft.com/office/powerpoint/2007/7/12/main" id="1" dur="indefinite" restart="never" nodeType="tmRoot"/>
       </p:par>
     </p:tnLst>
   </p:timing>
@@ -12019,7 +11181,7 @@
           <a:blip r:embed="rId2">
             <a:extLst>
               <a:ext uri="28A0092B-C50C-407e-A947-70E740481C1C">
-                <a14:useLocalDpi xmlns:a14="http://schemas.microsoft.com/office/drawing/2007/7/7/main" xmlns="" val="0"/>
+                <a14:useLocalDpi xmlns:a14="http://schemas.microsoft.com/office/drawing/2007/7/7/main" val="0"/>
               </a:ext>
             </a:extLst>
           </a:blip>
@@ -12039,7 +11201,7 @@
           <a:noFill/>
           <a:extLst>
             <a:ext uri="{909E8E84-426E-40dd-AFC4-6F175D3DCCD1}">
-              <a14:hiddenFill xmlns:a14="http://schemas.microsoft.com/office/drawing/2007/7/7/main" xmlns="">
+              <a14:hiddenFill xmlns:a14="http://schemas.microsoft.com/office/drawing/2007/7/7/main">
                 <a:solidFill>
                   <a:srgbClr xmlns:mc="http://schemas.openxmlformats.org/markup-compatibility/2006" val="FFFFFF" mc:Ignorable=""/>
                 </a:solidFill>
@@ -12051,7 +11213,7 @@
     </p:spTree>
     <p:extLst>
       <p:ext uri="{BB962C8B-B14F-4D97-AF65-F5344CB8AC3E}">
-        <p14:creationId xmlns:p14="http://schemas.microsoft.com/office/powerpoint/2007/7/12/main" xmlns="" val="315467668"/>
+        <p14:creationId xmlns:p14="http://schemas.microsoft.com/office/powerpoint/2007/7/12/main" val="315467668"/>
       </p:ext>
     </p:extLst>
   </p:cSld>
@@ -12061,7 +11223,7 @@
   <p:timing>
     <p:tnLst>
       <p:par>
-        <p:cTn id="1" dur="indefinite" restart="never" nodeType="tmRoot"/>
+        <p:cTn xmlns:p14="http://schemas.microsoft.com/office/powerpoint/2007/7/12/main" id="1" dur="indefinite" restart="never" nodeType="tmRoot"/>
       </p:par>
     </p:tnLst>
   </p:timing>
@@ -12190,16 +11352,16 @@
               <a:defRPr lang="fr-FR" sz="3600" b="0" cap="none" spc="0">
                 <a:ln w="18415" cmpd="sng">
                   <a:solidFill>
-                    <a:srgbClr val="FFFFFF"/>
+                    <a:srgbClr xmlns:mc="http://schemas.openxmlformats.org/markup-compatibility/2006" xmlns:a14="http://schemas.microsoft.com/office/drawing/2007/7/7/main" val="FFFFFF" mc:Ignorable=""/>
                   </a:solidFill>
                   <a:prstDash val="solid"/>
                 </a:ln>
                 <a:solidFill>
-                  <a:srgbClr val="FFFFFF"/>
+                  <a:srgbClr xmlns:mc="http://schemas.openxmlformats.org/markup-compatibility/2006" xmlns:a14="http://schemas.microsoft.com/office/drawing/2007/7/7/main" val="FFFFFF" mc:Ignorable=""/>
                 </a:solidFill>
                 <a:effectLst>
                   <a:outerShdw blurRad="63500" dir="3600000" algn="tl" rotWithShape="0">
-                    <a:srgbClr val="000000">
+                    <a:srgbClr xmlns:mc="http://schemas.openxmlformats.org/markup-compatibility/2006" xmlns:a14="http://schemas.microsoft.com/office/drawing/2007/7/7/main" val="000000" mc:Ignorable="">
                       <a:alpha val="70000"/>
                     </a:srgbClr>
                   </a:outerShdw>
@@ -12337,7 +11499,7 @@
           <a:p>
             <a:pPr indent="273050" eaLnBrk="1" hangingPunct="1">
               <a:buClr>
-                <a:srgbClr val="C44F00"/>
+                <a:srgbClr xmlns:mc="http://schemas.openxmlformats.org/markup-compatibility/2006" xmlns:a14="http://schemas.microsoft.com/office/drawing/2007/7/7/main" val="C44F00" mc:Ignorable=""/>
               </a:buClr>
               <a:buFont typeface="Calibri" pitchFamily="34" charset="0"/>
               <a:buAutoNum type="arabicPeriod"/>
@@ -12359,7 +11521,7 @@
           <a:p>
             <a:pPr indent="273050" eaLnBrk="1" hangingPunct="1">
               <a:buClr>
-                <a:srgbClr val="C44F00"/>
+                <a:srgbClr xmlns:mc="http://schemas.openxmlformats.org/markup-compatibility/2006" xmlns:a14="http://schemas.microsoft.com/office/drawing/2007/7/7/main" val="C44F00" mc:Ignorable=""/>
               </a:buClr>
               <a:buFont typeface="Calibri" pitchFamily="34" charset="0"/>
               <a:buAutoNum type="arabicPeriod"/>
@@ -12378,7 +11540,7 @@
           <a:p>
             <a:pPr indent="273050" eaLnBrk="1" hangingPunct="1">
               <a:buClr>
-                <a:srgbClr val="C44F00"/>
+                <a:srgbClr xmlns:mc="http://schemas.openxmlformats.org/markup-compatibility/2006" xmlns:a14="http://schemas.microsoft.com/office/drawing/2007/7/7/main" val="C44F00" mc:Ignorable=""/>
               </a:buClr>
               <a:buFont typeface="Calibri" pitchFamily="34" charset="0"/>
               <a:buAutoNum type="arabicPeriod"/>
@@ -12400,7 +11562,7 @@
           <a:p>
             <a:pPr indent="273050" eaLnBrk="1" hangingPunct="1">
               <a:buClr>
-                <a:srgbClr val="C44F00"/>
+                <a:srgbClr xmlns:mc="http://schemas.openxmlformats.org/markup-compatibility/2006" xmlns:a14="http://schemas.microsoft.com/office/drawing/2007/7/7/main" val="C44F00" mc:Ignorable=""/>
               </a:buClr>
               <a:buFont typeface="Calibri" pitchFamily="34" charset="0"/>
               <a:buAutoNum type="arabicPeriod"/>
@@ -12419,7 +11581,7 @@
           <a:p>
             <a:pPr indent="273050" eaLnBrk="1" hangingPunct="1">
               <a:buClr>
-                <a:srgbClr val="C44F00"/>
+                <a:srgbClr xmlns:mc="http://schemas.openxmlformats.org/markup-compatibility/2006" xmlns:a14="http://schemas.microsoft.com/office/drawing/2007/7/7/main" val="C44F00" mc:Ignorable=""/>
               </a:buClr>
               <a:buFont typeface="Calibri" pitchFamily="34" charset="0"/>
               <a:buAutoNum type="arabicPeriod"/>
@@ -12441,7 +11603,7 @@
           <a:p>
             <a:pPr indent="273050" eaLnBrk="1" hangingPunct="1">
               <a:buClr>
-                <a:srgbClr val="C44F00"/>
+                <a:srgbClr xmlns:mc="http://schemas.openxmlformats.org/markup-compatibility/2006" xmlns:a14="http://schemas.microsoft.com/office/drawing/2007/7/7/main" val="C44F00" mc:Ignorable=""/>
               </a:buClr>
               <a:buFont typeface="Calibri" pitchFamily="34" charset="0"/>
               <a:buAutoNum type="arabicPeriod"/>
@@ -12460,7 +11622,7 @@
           <a:p>
             <a:pPr indent="273050" eaLnBrk="1" hangingPunct="1">
               <a:buClr>
-                <a:srgbClr val="C44F00"/>
+                <a:srgbClr xmlns:mc="http://schemas.openxmlformats.org/markup-compatibility/2006" xmlns:a14="http://schemas.microsoft.com/office/drawing/2007/7/7/main" val="C44F00" mc:Ignorable=""/>
               </a:buClr>
               <a:buFont typeface="Calibri" pitchFamily="34" charset="0"/>
               <a:buAutoNum type="arabicPeriod"/>
@@ -12516,7 +11678,7 @@
             </a:avLst>
           </a:prstGeom>
           <a:solidFill>
-            <a:srgbClr val="FFFFFF">
+            <a:srgbClr xmlns:mc="http://schemas.openxmlformats.org/markup-compatibility/2006" xmlns:a14="http://schemas.microsoft.com/office/drawing/2007/7/7/main" val="FFFFFF" mc:Ignorable="">
               <a:shade val="85000"/>
             </a:srgbClr>
           </a:solidFill>
@@ -12536,7 +11698,7 @@
     </p:spTree>
     <p:extLst>
       <p:ext uri="{BB962C8B-B14F-4D97-AF65-F5344CB8AC3E}">
-        <p14:creationId xmlns:p14="http://schemas.microsoft.com/office/powerpoint/2007/7/12/main" xmlns="" val="1603447579"/>
+        <p14:creationId xmlns:p14="http://schemas.microsoft.com/office/powerpoint/2007/7/12/main" val="1603447579"/>
       </p:ext>
     </p:extLst>
   </p:cSld>
@@ -12546,7 +11708,7 @@
   <p:timing>
     <p:tnLst>
       <p:par>
-        <p:cTn id="1" dur="indefinite" restart="never" nodeType="tmRoot"/>
+        <p:cTn xmlns:p14="http://schemas.microsoft.com/office/powerpoint/2007/7/12/main" id="1" dur="indefinite" restart="never" nodeType="tmRoot"/>
       </p:par>
     </p:tnLst>
   </p:timing>
@@ -12833,7 +11995,7 @@
             </a:avLst>
           </a:prstGeom>
           <a:solidFill>
-            <a:srgbClr val="FFFFFF">
+            <a:srgbClr xmlns:mc="http://schemas.openxmlformats.org/markup-compatibility/2006" xmlns:a14="http://schemas.microsoft.com/office/drawing/2007/7/7/main" val="FFFFFF" mc:Ignorable="">
               <a:shade val="85000"/>
             </a:srgbClr>
           </a:solidFill>
@@ -12858,7 +12020,7 @@
   <p:timing>
     <p:tnLst>
       <p:par>
-        <p:cTn id="1" dur="indefinite" restart="never" nodeType="tmRoot"/>
+        <p:cTn xmlns:p14="http://schemas.microsoft.com/office/powerpoint/2007/7/12/main" id="1" dur="indefinite" restart="never" nodeType="tmRoot"/>
       </p:par>
     </p:tnLst>
   </p:timing>
@@ -12917,17 +12079,17 @@
           <a:blip r:embed="rId2">
             <a:clrChange>
               <a:clrFrom>
-                <a:srgbClr val="FFFFFF"/>
+                <a:srgbClr xmlns:mc="http://schemas.openxmlformats.org/markup-compatibility/2006" xmlns:a14="http://schemas.microsoft.com/office/drawing/2007/7/7/main" val="FFFFFF" mc:Ignorable=""/>
               </a:clrFrom>
               <a:clrTo>
-                <a:srgbClr val="FFFFFF">
+                <a:srgbClr xmlns:mc="http://schemas.openxmlformats.org/markup-compatibility/2006" xmlns:a14="http://schemas.microsoft.com/office/drawing/2007/7/7/main" val="FFFFFF" mc:Ignorable="">
                   <a:alpha val="0"/>
                 </a:srgbClr>
               </a:clrTo>
             </a:clrChange>
             <a:extLst>
               <a:ext uri="28A0092B-C50C-407e-A947-70E740481C1C">
-                <a14:useLocalDpi xmlns:a14="http://schemas.microsoft.com/office/drawing/2007/7/7/main" xmlns="" val="0"/>
+                <a14:useLocalDpi xmlns:a14="http://schemas.microsoft.com/office/drawing/2007/7/7/main" val="0"/>
               </a:ext>
             </a:extLst>
           </a:blip>
@@ -12945,7 +12107,7 @@
           <a:noFill/>
           <a:extLst>
             <a:ext uri="{909E8E84-426E-40dd-AFC4-6F175D3DCCD1}">
-              <a14:hiddenFill xmlns:a14="http://schemas.microsoft.com/office/drawing/2007/7/7/main" xmlns="">
+              <a14:hiddenFill xmlns:a14="http://schemas.microsoft.com/office/drawing/2007/7/7/main">
                 <a:solidFill>
                   <a:srgbClr xmlns:mc="http://schemas.openxmlformats.org/markup-compatibility/2006" val="FFFFFF" mc:Ignorable=""/>
                 </a:solidFill>
@@ -13054,7 +12216,7 @@
                 </a:solidFill>
                 <a:effectLst>
                   <a:outerShdw blurRad="38100" dist="38100" dir="2700000" algn="tl">
-                    <a:srgbClr val="000000">
+                    <a:srgbClr xmlns:mc="http://schemas.openxmlformats.org/markup-compatibility/2006" xmlns:a14="http://schemas.microsoft.com/office/drawing/2007/7/7/main" val="000000" mc:Ignorable="">
                       <a:alpha val="43137"/>
                     </a:srgbClr>
                   </a:outerShdw>
@@ -13073,7 +12235,7 @@
               </a:solidFill>
               <a:effectLst>
                 <a:outerShdw blurRad="38100" dist="38100" dir="2700000" algn="tl">
-                  <a:srgbClr val="000000">
+                  <a:srgbClr xmlns:mc="http://schemas.openxmlformats.org/markup-compatibility/2006" xmlns:a14="http://schemas.microsoft.com/office/drawing/2007/7/7/main" val="000000" mc:Ignorable="">
                     <a:alpha val="43137"/>
                   </a:srgbClr>
                 </a:outerShdw>
@@ -13186,7 +12348,7 @@
                 </a:solidFill>
                 <a:effectLst>
                   <a:outerShdw blurRad="38100" dist="38100" dir="2700000" algn="tl">
-                    <a:srgbClr val="000000">
+                    <a:srgbClr xmlns:mc="http://schemas.openxmlformats.org/markup-compatibility/2006" xmlns:a14="http://schemas.microsoft.com/office/drawing/2007/7/7/main" val="000000" mc:Ignorable="">
                       <a:alpha val="43137"/>
                     </a:srgbClr>
                   </a:outerShdw>
@@ -13205,7 +12367,7 @@
               </a:solidFill>
               <a:effectLst>
                 <a:outerShdw blurRad="38100" dist="38100" dir="2700000" algn="tl">
-                  <a:srgbClr val="000000">
+                  <a:srgbClr xmlns:mc="http://schemas.openxmlformats.org/markup-compatibility/2006" xmlns:a14="http://schemas.microsoft.com/office/drawing/2007/7/7/main" val="000000" mc:Ignorable="">
                     <a:alpha val="43137"/>
                   </a:srgbClr>
                 </a:outerShdw>
@@ -13318,7 +12480,7 @@
                 </a:solidFill>
                 <a:effectLst>
                   <a:outerShdw blurRad="38100" dist="38100" dir="2700000" algn="tl">
-                    <a:srgbClr val="000000">
+                    <a:srgbClr xmlns:mc="http://schemas.openxmlformats.org/markup-compatibility/2006" xmlns:a14="http://schemas.microsoft.com/office/drawing/2007/7/7/main" val="000000" mc:Ignorable="">
                       <a:alpha val="43137"/>
                     </a:srgbClr>
                   </a:outerShdw>
@@ -13337,7 +12499,7 @@
               </a:solidFill>
               <a:effectLst>
                 <a:outerShdw blurRad="38100" dist="38100" dir="2700000" algn="tl">
-                  <a:srgbClr val="000000">
+                  <a:srgbClr xmlns:mc="http://schemas.openxmlformats.org/markup-compatibility/2006" xmlns:a14="http://schemas.microsoft.com/office/drawing/2007/7/7/main" val="000000" mc:Ignorable="">
                     <a:alpha val="43137"/>
                   </a:srgbClr>
                 </a:outerShdw>
@@ -13353,7 +12515,7 @@
     </p:spTree>
     <p:extLst>
       <p:ext uri="{BB962C8B-B14F-4D97-AF65-F5344CB8AC3E}">
-        <p14:creationId xmlns:p14="http://schemas.microsoft.com/office/powerpoint/2007/7/12/main" xmlns="" val="578897846"/>
+        <p14:creationId xmlns:p14="http://schemas.microsoft.com/office/powerpoint/2007/7/12/main" val="578897846"/>
       </p:ext>
     </p:extLst>
   </p:cSld>
@@ -13363,7 +12525,7 @@
   <p:timing>
     <p:tnLst>
       <p:par>
-        <p:cTn id="1" dur="indefinite" restart="never" nodeType="tmRoot"/>
+        <p:cTn xmlns:p14="http://schemas.microsoft.com/office/powerpoint/2007/7/12/main" id="1" dur="indefinite" restart="never" nodeType="tmRoot"/>
       </p:par>
     </p:tnLst>
   </p:timing>
@@ -13485,7 +12647,7 @@
           <a:blip r:embed="rId2">
             <a:extLst>
               <a:ext uri="28A0092B-C50C-407e-A947-70E740481C1C">
-                <a14:useLocalDpi xmlns:a14="http://schemas.microsoft.com/office/drawing/2007/7/7/main" xmlns="" val="0"/>
+                <a14:useLocalDpi xmlns:a14="http://schemas.microsoft.com/office/drawing/2007/7/7/main" val="0"/>
               </a:ext>
             </a:extLst>
           </a:blip>
@@ -13505,7 +12667,7 @@
           <a:noFill/>
           <a:extLst>
             <a:ext uri="{909E8E84-426E-40dd-AFC4-6F175D3DCCD1}">
-              <a14:hiddenFill xmlns:a14="http://schemas.microsoft.com/office/drawing/2007/7/7/main" xmlns="">
+              <a14:hiddenFill xmlns:a14="http://schemas.microsoft.com/office/drawing/2007/7/7/main">
                 <a:solidFill>
                   <a:srgbClr xmlns:mc="http://schemas.openxmlformats.org/markup-compatibility/2006" val="FFFFFF" mc:Ignorable=""/>
                 </a:solidFill>
@@ -13517,7 +12679,7 @@
     </p:spTree>
     <p:extLst>
       <p:ext uri="{BB962C8B-B14F-4D97-AF65-F5344CB8AC3E}">
-        <p14:creationId xmlns:p14="http://schemas.microsoft.com/office/powerpoint/2007/7/12/main" xmlns="" val="2278854831"/>
+        <p14:creationId xmlns:p14="http://schemas.microsoft.com/office/powerpoint/2007/7/12/main" val="2278854831"/>
       </p:ext>
     </p:extLst>
   </p:cSld>
@@ -13527,7 +12689,7 @@
   <p:timing>
     <p:tnLst>
       <p:par>
-        <p:cTn id="1" dur="indefinite" restart="never" nodeType="tmRoot"/>
+        <p:cTn xmlns:p14="http://schemas.microsoft.com/office/powerpoint/2007/7/12/main" id="1" dur="indefinite" restart="never" nodeType="tmRoot"/>
       </p:par>
     </p:tnLst>
   </p:timing>
@@ -13649,7 +12811,7 @@
           <a:blip r:embed="rId2">
             <a:extLst>
               <a:ext uri="28A0092B-C50C-407e-A947-70E740481C1C">
-                <a14:useLocalDpi xmlns:a14="http://schemas.microsoft.com/office/drawing/2007/7/7/main" xmlns="" val="0"/>
+                <a14:useLocalDpi xmlns:a14="http://schemas.microsoft.com/office/drawing/2007/7/7/main" val="0"/>
               </a:ext>
             </a:extLst>
           </a:blip>
@@ -13669,14 +12831,14 @@
           <a:noFill/>
           <a:extLst>
             <a:ext uri="{909E8E84-426E-40dd-AFC4-6F175D3DCCD1}">
-              <a14:hiddenFill xmlns:a14="http://schemas.microsoft.com/office/drawing/2007/7/7/main" xmlns="">
+              <a14:hiddenFill xmlns:a14="http://schemas.microsoft.com/office/drawing/2007/7/7/main">
                 <a:solidFill>
                   <a:srgbClr xmlns:mc="http://schemas.openxmlformats.org/markup-compatibility/2006" val="FFFFFF" mc:Ignorable=""/>
                 </a:solidFill>
               </a14:hiddenFill>
             </a:ext>
             <a:ext uri="{53640926-AAD7-44d8-BBD7-CCE9431645EC}">
-              <a14:shadowObscured xmlns:a14="http://schemas.microsoft.com/office/drawing/2007/7/7/main" xmlns="" val="1"/>
+              <a14:shadowObscured xmlns:a14="http://schemas.microsoft.com/office/drawing/2007/7/7/main" val="1"/>
             </a:ext>
           </a:extLst>
         </p:spPr>
@@ -13684,7 +12846,7 @@
     </p:spTree>
     <p:extLst>
       <p:ext uri="{BB962C8B-B14F-4D97-AF65-F5344CB8AC3E}">
-        <p14:creationId xmlns:p14="http://schemas.microsoft.com/office/powerpoint/2007/7/12/main" xmlns="" val="1829070041"/>
+        <p14:creationId xmlns:p14="http://schemas.microsoft.com/office/powerpoint/2007/7/12/main" val="1829070041"/>
       </p:ext>
     </p:extLst>
   </p:cSld>
@@ -13694,7 +12856,7 @@
   <p:timing>
     <p:tnLst>
       <p:par>
-        <p:cTn id="1" dur="indefinite" restart="never" nodeType="tmRoot"/>
+        <p:cTn xmlns:p14="http://schemas.microsoft.com/office/powerpoint/2007/7/12/main" id="1" dur="indefinite" restart="never" nodeType="tmRoot"/>
       </p:par>
     </p:tnLst>
   </p:timing>
@@ -13816,7 +12978,7 @@
           <a:blip r:embed="rId2">
             <a:extLst>
               <a:ext uri="28A0092B-C50C-407e-A947-70E740481C1C">
-                <a14:useLocalDpi xmlns:a14="http://schemas.microsoft.com/office/drawing/2007/7/7/main" xmlns="" val="0"/>
+                <a14:useLocalDpi xmlns:a14="http://schemas.microsoft.com/office/drawing/2007/7/7/main" val="0"/>
               </a:ext>
             </a:extLst>
           </a:blip>
@@ -13836,7 +12998,7 @@
           <a:noFill/>
           <a:extLst>
             <a:ext uri="{909E8E84-426E-40dd-AFC4-6F175D3DCCD1}">
-              <a14:hiddenFill xmlns:a14="http://schemas.microsoft.com/office/drawing/2007/7/7/main" xmlns="">
+              <a14:hiddenFill xmlns:a14="http://schemas.microsoft.com/office/drawing/2007/7/7/main">
                 <a:solidFill>
                   <a:srgbClr xmlns:mc="http://schemas.openxmlformats.org/markup-compatibility/2006" val="FFFFFF" mc:Ignorable=""/>
                 </a:solidFill>
@@ -13848,7 +13010,7 @@
     </p:spTree>
     <p:extLst>
       <p:ext uri="{BB962C8B-B14F-4D97-AF65-F5344CB8AC3E}">
-        <p14:creationId xmlns:p14="http://schemas.microsoft.com/office/powerpoint/2007/7/12/main" xmlns="" val="1829070041"/>
+        <p14:creationId xmlns:p14="http://schemas.microsoft.com/office/powerpoint/2007/7/12/main" val="1829070041"/>
       </p:ext>
     </p:extLst>
   </p:cSld>
@@ -13858,7 +13020,7 @@
   <p:timing>
     <p:tnLst>
       <p:par>
-        <p:cTn id="1" dur="indefinite" restart="never" nodeType="tmRoot"/>
+        <p:cTn xmlns:p14="http://schemas.microsoft.com/office/powerpoint/2007/7/12/main" id="1" dur="indefinite" restart="never" nodeType="tmRoot"/>
       </p:par>
     </p:tnLst>
   </p:timing>
@@ -13936,11 +13098,11 @@
             <a:r>
               <a:rPr lang="en-US" altLang="ko-KR" sz="4000" b="1" dirty="0" smtClean="0">
                 <a:solidFill>
-                  <a:srgbClr val="C44F00"/>
+                  <a:srgbClr xmlns:mc="http://schemas.openxmlformats.org/markup-compatibility/2006" xmlns:a14="http://schemas.microsoft.com/office/drawing/2007/7/7/main" val="C44F00" mc:Ignorable=""/>
                 </a:solidFill>
                 <a:effectLst>
                   <a:outerShdw blurRad="38100" dist="38100" dir="2700000" algn="tl">
-                    <a:srgbClr val="000000">
+                    <a:srgbClr xmlns:mc="http://schemas.openxmlformats.org/markup-compatibility/2006" xmlns:a14="http://schemas.microsoft.com/office/drawing/2007/7/7/main" val="000000" mc:Ignorable="">
                       <a:alpha val="43137"/>
                     </a:srgbClr>
                   </a:outerShdw>
@@ -13953,7 +13115,13 @@
               <a:rPr lang="en-US" altLang="ko-KR" dirty="0" smtClean="0">
                 <a:ea typeface="굴림" charset="-127"/>
               </a:rPr>
-              <a:t> 	Views has to be consistent from one to another</a:t>
+              <a:t> 	</a:t>
+            </a:r>
+            <a:r>
+              <a:rPr lang="en-US" altLang="ko-KR" b="1" dirty="0" smtClean="0">
+                <a:ea typeface="굴림" charset="-127"/>
+              </a:rPr>
+              <a:t>Views has to be consistent from one to another</a:t>
             </a:r>
           </a:p>
           <a:p>
@@ -13964,11 +13132,11 @@
             <a:r>
               <a:rPr lang="en-US" altLang="ko-KR" sz="4000" b="1" dirty="0">
                 <a:solidFill>
-                  <a:srgbClr val="C44F00"/>
+                  <a:srgbClr xmlns:mc="http://schemas.openxmlformats.org/markup-compatibility/2006" xmlns:a14="http://schemas.microsoft.com/office/drawing/2007/7/7/main" val="C44F00" mc:Ignorable=""/>
                 </a:solidFill>
                 <a:effectLst>
                   <a:outerShdw blurRad="38100" dist="38100" dir="2700000" algn="tl">
-                    <a:srgbClr val="000000">
+                    <a:srgbClr xmlns:mc="http://schemas.openxmlformats.org/markup-compatibility/2006" xmlns:a14="http://schemas.microsoft.com/office/drawing/2007/7/7/main" val="000000" mc:Ignorable="">
                       <a:alpha val="43137"/>
                     </a:srgbClr>
                   </a:outerShdw>
@@ -13980,11 +13148,11 @@
             <a:r>
               <a:rPr lang="en-US" altLang="ko-KR" sz="3200" b="1" dirty="0" smtClean="0">
                 <a:solidFill>
-                  <a:srgbClr val="C44F00"/>
+                  <a:srgbClr xmlns:mc="http://schemas.openxmlformats.org/markup-compatibility/2006" xmlns:a14="http://schemas.microsoft.com/office/drawing/2007/7/7/main" val="C44F00" mc:Ignorable=""/>
                 </a:solidFill>
                 <a:effectLst>
                   <a:outerShdw blurRad="38100" dist="38100" dir="2700000" algn="tl">
-                    <a:srgbClr val="000000">
+                    <a:srgbClr xmlns:mc="http://schemas.openxmlformats.org/markup-compatibility/2006" xmlns:a14="http://schemas.microsoft.com/office/drawing/2007/7/7/main" val="000000" mc:Ignorable="">
                       <a:alpha val="43137"/>
                     </a:srgbClr>
                   </a:outerShdw>
@@ -14008,11 +13176,11 @@
             <a:r>
               <a:rPr lang="en-US" altLang="ko-KR" sz="4000" b="1" dirty="0">
                 <a:solidFill>
-                  <a:srgbClr val="C44F00"/>
+                  <a:srgbClr xmlns:mc="http://schemas.openxmlformats.org/markup-compatibility/2006" xmlns:a14="http://schemas.microsoft.com/office/drawing/2007/7/7/main" val="C44F00" mc:Ignorable=""/>
                 </a:solidFill>
                 <a:effectLst>
                   <a:outerShdw blurRad="38100" dist="38100" dir="2700000" algn="tl">
-                    <a:srgbClr val="000000">
+                    <a:srgbClr xmlns:mc="http://schemas.openxmlformats.org/markup-compatibility/2006" xmlns:a14="http://schemas.microsoft.com/office/drawing/2007/7/7/main" val="000000" mc:Ignorable="">
                       <a:alpha val="43137"/>
                     </a:srgbClr>
                   </a:outerShdw>
@@ -14025,11 +13193,14 @@
               <a:rPr lang="en-US" altLang="ko-KR" dirty="0" smtClean="0">
                 <a:ea typeface="굴림" charset="-127"/>
               </a:rPr>
-              <a:t> 	Concurrent activities</a:t>
-            </a:r>
-            <a:endParaRPr lang="en-US" altLang="ko-KR" b="1" dirty="0" smtClean="0">
-              <a:ea typeface="굴림" charset="-127"/>
-            </a:endParaRPr>
+              <a:t> 	</a:t>
+            </a:r>
+            <a:r>
+              <a:rPr lang="en-US" altLang="ko-KR" b="1" dirty="0" smtClean="0">
+                <a:ea typeface="굴림" charset="-127"/>
+              </a:rPr>
+              <a:t>Concurrent activities</a:t>
+            </a:r>
           </a:p>
           <a:p>
             <a:pPr indent="0" eaLnBrk="1" hangingPunct="1">
@@ -14039,11 +13210,11 @@
             <a:r>
               <a:rPr lang="en-US" altLang="ko-KR" sz="4000" b="1" dirty="0">
                 <a:solidFill>
-                  <a:srgbClr val="C44F00"/>
+                  <a:srgbClr xmlns:mc="http://schemas.openxmlformats.org/markup-compatibility/2006" xmlns:a14="http://schemas.microsoft.com/office/drawing/2007/7/7/main" val="C44F00" mc:Ignorable=""/>
                 </a:solidFill>
                 <a:effectLst>
                   <a:outerShdw blurRad="38100" dist="38100" dir="2700000" algn="tl">
-                    <a:srgbClr val="000000">
+                    <a:srgbClr xmlns:mc="http://schemas.openxmlformats.org/markup-compatibility/2006" xmlns:a14="http://schemas.microsoft.com/office/drawing/2007/7/7/main" val="000000" mc:Ignorable="">
                       <a:alpha val="43137"/>
                     </a:srgbClr>
                   </a:outerShdw>
@@ -14070,11 +13241,11 @@
             <a:r>
               <a:rPr lang="en-US" altLang="ko-KR" sz="4000" b="1" dirty="0">
                 <a:solidFill>
-                  <a:srgbClr val="C44F00"/>
+                  <a:srgbClr xmlns:mc="http://schemas.openxmlformats.org/markup-compatibility/2006" xmlns:a14="http://schemas.microsoft.com/office/drawing/2007/7/7/main" val="C44F00" mc:Ignorable=""/>
                 </a:solidFill>
                 <a:effectLst>
                   <a:outerShdw blurRad="38100" dist="38100" dir="2700000" algn="tl">
-                    <a:srgbClr val="000000">
+                    <a:srgbClr xmlns:mc="http://schemas.openxmlformats.org/markup-compatibility/2006" xmlns:a14="http://schemas.microsoft.com/office/drawing/2007/7/7/main" val="000000" mc:Ignorable="">
                       <a:alpha val="43137"/>
                     </a:srgbClr>
                   </a:outerShdw>
@@ -14093,11 +13264,14 @@
               <a:rPr lang="en-US" altLang="ko-KR" dirty="0" smtClean="0">
                 <a:ea typeface="굴림" charset="-127"/>
               </a:rPr>
-              <a:t>	Displaying in different views &amp; ways</a:t>
-            </a:r>
-            <a:endParaRPr lang="en-US" altLang="ko-KR" b="1" dirty="0" smtClean="0">
-              <a:ea typeface="굴림" charset="-127"/>
-            </a:endParaRPr>
+              <a:t>	</a:t>
+            </a:r>
+            <a:r>
+              <a:rPr lang="en-US" altLang="ko-KR" b="1" dirty="0" smtClean="0">
+                <a:ea typeface="굴림" charset="-127"/>
+              </a:rPr>
+              <a:t>Displaying in different views &amp; ways</a:t>
+            </a:r>
           </a:p>
           <a:p>
             <a:pPr indent="0" eaLnBrk="1" hangingPunct="1">
@@ -14107,11 +13281,11 @@
             <a:r>
               <a:rPr lang="en-US" altLang="ko-KR" sz="4000" b="1" dirty="0">
                 <a:solidFill>
-                  <a:srgbClr val="C44F00"/>
+                  <a:srgbClr xmlns:mc="http://schemas.openxmlformats.org/markup-compatibility/2006" xmlns:a14="http://schemas.microsoft.com/office/drawing/2007/7/7/main" val="C44F00" mc:Ignorable=""/>
                 </a:solidFill>
                 <a:effectLst>
                   <a:outerShdw blurRad="38100" dist="38100" dir="2700000" algn="tl">
-                    <a:srgbClr val="000000">
+                    <a:srgbClr xmlns:mc="http://schemas.openxmlformats.org/markup-compatibility/2006" xmlns:a14="http://schemas.microsoft.com/office/drawing/2007/7/7/main" val="000000" mc:Ignorable="">
                       <a:alpha val="43137"/>
                     </a:srgbClr>
                   </a:outerShdw>
@@ -14144,11 +13318,11 @@
             <a:r>
               <a:rPr lang="en-US" altLang="ko-KR" sz="4000" b="1" dirty="0">
                 <a:solidFill>
-                  <a:srgbClr val="C44F00"/>
+                  <a:srgbClr xmlns:mc="http://schemas.openxmlformats.org/markup-compatibility/2006" xmlns:a14="http://schemas.microsoft.com/office/drawing/2007/7/7/main" val="C44F00" mc:Ignorable=""/>
                 </a:solidFill>
                 <a:effectLst>
                   <a:outerShdw blurRad="38100" dist="38100" dir="2700000" algn="tl">
-                    <a:srgbClr val="000000">
+                    <a:srgbClr xmlns:mc="http://schemas.openxmlformats.org/markup-compatibility/2006" xmlns:a14="http://schemas.microsoft.com/office/drawing/2007/7/7/main" val="000000" mc:Ignorable="">
                       <a:alpha val="43137"/>
                     </a:srgbClr>
                   </a:outerShdw>
@@ -14178,7 +13352,7 @@
     </p:spTree>
     <p:extLst>
       <p:ext uri="{BB962C8B-B14F-4D97-AF65-F5344CB8AC3E}">
-        <p14:creationId xmlns:p14="http://schemas.microsoft.com/office/powerpoint/2007/7/12/main" xmlns="" val="1215991128"/>
+        <p14:creationId xmlns:p14="http://schemas.microsoft.com/office/powerpoint/2007/7/12/main" val="1215991128"/>
       </p:ext>
     </p:extLst>
   </p:cSld>
@@ -14188,7 +13362,7 @@
   <p:timing>
     <p:tnLst>
       <p:par>
-        <p:cTn id="1" dur="indefinite" restart="never" nodeType="tmRoot"/>
+        <p:cTn xmlns:p14="http://schemas.microsoft.com/office/powerpoint/2007/7/12/main" id="1" dur="indefinite" restart="never" nodeType="tmRoot"/>
       </p:par>
     </p:tnLst>
   </p:timing>
@@ -14261,9 +13435,6 @@
             <a:endParaRPr lang="fr-FR" dirty="0" smtClean="0"/>
           </a:p>
           <a:p>
-            <a:endParaRPr lang="fr-FR" dirty="0" smtClean="0"/>
-          </a:p>
-          <a:p>
             <a:endParaRPr lang="fr-FR" dirty="0"/>
           </a:p>
           <a:p>
@@ -14297,7 +13468,7 @@
           <p:nvPr>
             <p:extLst>
               <p:ext uri="{D42A27DB-BD31-4B8C-83A1-F6EECF244321}">
-                <p14:modId xmlns:p14="http://schemas.microsoft.com/office/powerpoint/2007/7/12/main" xmlns="" val="1184675271"/>
+                <p14:modId xmlns:p14="http://schemas.microsoft.com/office/powerpoint/2007/7/12/main" val="2631559223"/>
               </p:ext>
             </p:extLst>
           </p:nvPr>
@@ -14315,7 +13486,7 @@
     </p:spTree>
     <p:extLst>
       <p:ext uri="{BB962C8B-B14F-4D97-AF65-F5344CB8AC3E}">
-        <p14:creationId xmlns:p14="http://schemas.microsoft.com/office/powerpoint/2007/7/12/main" xmlns="" val="454031538"/>
+        <p14:creationId xmlns:p14="http://schemas.microsoft.com/office/powerpoint/2007/7/12/main" val="454031538"/>
       </p:ext>
     </p:extLst>
   </p:cSld>
@@ -14325,7 +13496,7 @@
   <p:timing>
     <p:tnLst>
       <p:par>
-        <p:cTn id="1" dur="indefinite" restart="never" nodeType="tmRoot"/>
+        <p:cTn xmlns:p14="http://schemas.microsoft.com/office/powerpoint/2007/7/12/main" id="1" dur="indefinite" restart="never" nodeType="tmRoot"/>
       </p:par>
     </p:tnLst>
   </p:timing>
@@ -14379,11 +13550,11 @@
             <a:r>
               <a:rPr altLang="ko-KR" smtClean="0">
                 <a:solidFill>
-                  <a:srgbClr val="C44F00"/>
+                  <a:srgbClr xmlns:mc="http://schemas.openxmlformats.org/markup-compatibility/2006" xmlns:a14="http://schemas.microsoft.com/office/drawing/2007/7/7/main" val="C44F00" mc:Ignorable=""/>
                 </a:solidFill>
                 <a:effectLst>
                   <a:outerShdw blurRad="38100" dist="38100" dir="2700000" algn="tl">
-                    <a:srgbClr val="C0C0C0"/>
+                    <a:srgbClr xmlns:mc="http://schemas.openxmlformats.org/markup-compatibility/2006" xmlns:a14="http://schemas.microsoft.com/office/drawing/2007/7/7/main" val="C0C0C0" mc:Ignorable=""/>
                   </a:outerShdw>
                 </a:effectLst>
                 <a:ea typeface="굴림" charset="-127"/>
@@ -14398,11 +13569,11 @@
             <a:r>
               <a:rPr altLang="ko-KR" smtClean="0">
                 <a:solidFill>
-                  <a:srgbClr val="595959"/>
+                  <a:srgbClr xmlns:mc="http://schemas.openxmlformats.org/markup-compatibility/2006" xmlns:a14="http://schemas.microsoft.com/office/drawing/2007/7/7/main" val="595959" mc:Ignorable=""/>
                 </a:solidFill>
                 <a:effectLst>
                   <a:outerShdw blurRad="38100" dist="38100" dir="2700000" algn="tl">
-                    <a:srgbClr val="C0C0C0"/>
+                    <a:srgbClr xmlns:mc="http://schemas.openxmlformats.org/markup-compatibility/2006" xmlns:a14="http://schemas.microsoft.com/office/drawing/2007/7/7/main" val="C0C0C0" mc:Ignorable=""/>
                   </a:outerShdw>
                 </a:effectLst>
                 <a:ea typeface="굴림" charset="-127"/>
@@ -14417,11 +13588,11 @@
             <a:r>
               <a:rPr altLang="ko-KR" smtClean="0">
                 <a:solidFill>
-                  <a:srgbClr val="595959"/>
+                  <a:srgbClr xmlns:mc="http://schemas.openxmlformats.org/markup-compatibility/2006" xmlns:a14="http://schemas.microsoft.com/office/drawing/2007/7/7/main" val="595959" mc:Ignorable=""/>
                 </a:solidFill>
                 <a:effectLst>
                   <a:outerShdw blurRad="38100" dist="38100" dir="2700000" algn="tl">
-                    <a:srgbClr val="C0C0C0"/>
+                    <a:srgbClr xmlns:mc="http://schemas.openxmlformats.org/markup-compatibility/2006" xmlns:a14="http://schemas.microsoft.com/office/drawing/2007/7/7/main" val="C0C0C0" mc:Ignorable=""/>
                   </a:outerShdw>
                 </a:effectLst>
                 <a:ea typeface="굴림" charset="-127"/>
@@ -14435,11 +13606,11 @@
             </a:pPr>
             <a:endParaRPr altLang="ko-KR" smtClean="0">
               <a:solidFill>
-                <a:srgbClr val="8F481E"/>
+                <a:srgbClr xmlns:mc="http://schemas.openxmlformats.org/markup-compatibility/2006" xmlns:a14="http://schemas.microsoft.com/office/drawing/2007/7/7/main" val="8F481E" mc:Ignorable=""/>
               </a:solidFill>
               <a:effectLst>
                 <a:outerShdw blurRad="38100" dist="38100" dir="2700000" algn="tl">
-                  <a:srgbClr val="C0C0C0"/>
+                  <a:srgbClr xmlns:mc="http://schemas.openxmlformats.org/markup-compatibility/2006" xmlns:a14="http://schemas.microsoft.com/office/drawing/2007/7/7/main" val="C0C0C0" mc:Ignorable=""/>
                 </a:outerShdw>
               </a:effectLst>
               <a:ea typeface="굴림" charset="-127"/>
@@ -14484,7 +13655,7 @@
                 </a:ln>
                 <a:effectLst>
                   <a:outerShdw blurRad="38100" dist="38100" dir="2700000" algn="tl">
-                    <a:srgbClr val="000000">
+                    <a:srgbClr xmlns:mc="http://schemas.openxmlformats.org/markup-compatibility/2006" xmlns:a14="http://schemas.microsoft.com/office/drawing/2007/7/7/main" val="000000" mc:Ignorable="">
                       <a:alpha val="43137"/>
                     </a:srgbClr>
                   </a:outerShdw>
@@ -14502,7 +13673,7 @@
                 </a:solidFill>
                 <a:effectLst>
                   <a:outerShdw blurRad="38100" dist="38100" dir="2700000" algn="tl">
-                    <a:srgbClr val="000000">
+                    <a:srgbClr xmlns:mc="http://schemas.openxmlformats.org/markup-compatibility/2006" xmlns:a14="http://schemas.microsoft.com/office/drawing/2007/7/7/main" val="000000" mc:Ignorable="">
                       <a:alpha val="43137"/>
                     </a:srgbClr>
                   </a:outerShdw>
@@ -14520,7 +13691,7 @@
                 </a:solidFill>
                 <a:effectLst>
                   <a:outerShdw blurRad="38100" dist="38100" dir="2700000" algn="tl">
-                    <a:srgbClr val="000000">
+                    <a:srgbClr xmlns:mc="http://schemas.openxmlformats.org/markup-compatibility/2006" xmlns:a14="http://schemas.microsoft.com/office/drawing/2007/7/7/main" val="000000" mc:Ignorable="">
                       <a:alpha val="43137"/>
                     </a:srgbClr>
                   </a:outerShdw>
@@ -14537,7 +13708,7 @@
                 </a:solidFill>
                 <a:effectLst>
                   <a:outerShdw blurRad="38100" dist="38100" dir="2700000" algn="tl">
-                    <a:srgbClr val="000000">
+                    <a:srgbClr xmlns:mc="http://schemas.openxmlformats.org/markup-compatibility/2006" xmlns:a14="http://schemas.microsoft.com/office/drawing/2007/7/7/main" val="000000" mc:Ignorable="">
                       <a:alpha val="43137"/>
                     </a:srgbClr>
                   </a:outerShdw>
@@ -14557,7 +13728,7 @@
                 </a:solidFill>
                 <a:effectLst>
                   <a:outerShdw blurRad="38100" dist="38100" dir="2700000" algn="tl">
-                    <a:srgbClr val="000000">
+                    <a:srgbClr xmlns:mc="http://schemas.openxmlformats.org/markup-compatibility/2006" xmlns:a14="http://schemas.microsoft.com/office/drawing/2007/7/7/main" val="000000" mc:Ignorable="">
                       <a:alpha val="43137"/>
                     </a:srgbClr>
                   </a:outerShdw>
@@ -14576,7 +13747,7 @@
               </a:solidFill>
               <a:effectLst>
                 <a:outerShdw blurRad="38100" dist="38100" dir="2700000" algn="tl">
-                  <a:srgbClr val="000000">
+                  <a:srgbClr xmlns:mc="http://schemas.openxmlformats.org/markup-compatibility/2006" xmlns:a14="http://schemas.microsoft.com/office/drawing/2007/7/7/main" val="000000" mc:Ignorable="">
                     <a:alpha val="43137"/>
                   </a:srgbClr>
                 </a:outerShdw>
@@ -14642,7 +13813,7 @@
             </a:avLst>
           </a:prstGeom>
           <a:solidFill>
-            <a:srgbClr val="FFFFFF">
+            <a:srgbClr xmlns:mc="http://schemas.openxmlformats.org/markup-compatibility/2006" xmlns:a14="http://schemas.microsoft.com/office/drawing/2007/7/7/main" val="FFFFFF" mc:Ignorable="">
               <a:shade val="85000"/>
             </a:srgbClr>
           </a:solidFill>
@@ -14654,59 +13825,16 @@
           </a:effectLst>
         </p:spPr>
       </p:pic>
-      <p:pic>
-        <p:nvPicPr>
-          <p:cNvPr id="1026" name="Picture 2" descr="D:\Bureau\spacecraft1.jpg"/>
-          <p:cNvPicPr>
-            <a:picLocks noChangeAspect="1" noChangeArrowheads="1"/>
-          </p:cNvPicPr>
-          <p:nvPr/>
-        </p:nvPicPr>
-        <p:blipFill>
-          <a:blip r:embed="rId3" cstate="print"/>
-          <a:srcRect/>
-          <a:stretch>
-            <a:fillRect/>
-          </a:stretch>
-        </p:blipFill>
-        <p:spPr bwMode="auto">
-          <a:xfrm rot="376165">
-            <a:off x="2505111" y="328336"/>
-            <a:ext cx="4352925" cy="2943225"/>
-          </a:xfrm>
-          <a:prstGeom prst="roundRect">
-            <a:avLst>
-              <a:gd name="adj" fmla="val 8594"/>
-            </a:avLst>
-          </a:prstGeom>
-          <a:solidFill>
-            <a:srgbClr val="FFFFFF">
-              <a:shade val="85000"/>
-            </a:srgbClr>
-          </a:solidFill>
-          <a:ln>
-            <a:noFill/>
-          </a:ln>
-          <a:effectLst>
-            <a:outerShdw blurRad="50800" dist="38100" dir="8100000" algn="tr" rotWithShape="0">
-              <a:prstClr val="black">
-                <a:alpha val="40000"/>
-              </a:prstClr>
-            </a:outerShdw>
-            <a:reflection blurRad="12700" stA="38000" endPos="28000" dist="5000" dir="5400000" sy="-100000" algn="bl" rotWithShape="0"/>
-          </a:effectLst>
-        </p:spPr>
-      </p:pic>
       <p:sp>
         <p:nvSpPr>
-          <p:cNvPr id="8" name="Rectangle 7"/>
+          <p:cNvPr id="9" name="Rectangle 7"/>
           <p:cNvSpPr/>
           <p:nvPr/>
         </p:nvSpPr>
         <p:spPr>
           <a:xfrm flipH="1">
-            <a:off x="7572396" y="3357562"/>
-            <a:ext cx="1428760" cy="928694"/>
+            <a:off x="6588224" y="2636912"/>
+            <a:ext cx="2412932" cy="1505328"/>
           </a:xfrm>
           <a:prstGeom prst="wedgeRectCallout">
             <a:avLst/>
@@ -14735,7 +13863,7 @@
               <a:rPr lang="fr-FR" sz="2400" b="1" dirty="0" smtClean="0">
                 <a:effectLst>
                   <a:outerShdw blurRad="38100" dist="38100" dir="2700000" algn="tl">
-                    <a:srgbClr val="000000">
+                    <a:srgbClr xmlns:mc="http://schemas.openxmlformats.org/markup-compatibility/2006" xmlns:a14="http://schemas.microsoft.com/office/drawing/2007/7/7/main" val="000000" mc:Ignorable="">
                       <a:alpha val="43137"/>
                     </a:srgbClr>
                   </a:outerShdw>
@@ -14744,8 +13872,77 @@
               <a:t>Project 1</a:t>
             </a:r>
           </a:p>
+          <a:p>
+            <a:pPr algn="ctr"/>
+            <a:r>
+              <a:rPr lang="fr-FR" b="1" dirty="0" err="1" smtClean="0"/>
+              <a:t>Problem</a:t>
+            </a:r>
+            <a:r>
+              <a:rPr lang="fr-FR" b="1" dirty="0" smtClean="0"/>
+              <a:t> </a:t>
+            </a:r>
+            <a:r>
+              <a:rPr lang="fr-FR" b="1" dirty="0" err="1" smtClean="0"/>
+              <a:t>understanding</a:t>
+            </a:r>
+            <a:r>
+              <a:rPr lang="fr-FR" b="1" dirty="0" smtClean="0"/>
+              <a:t>  &amp;</a:t>
+            </a:r>
+          </a:p>
+          <a:p>
+            <a:pPr algn="ctr"/>
+            <a:r>
+              <a:rPr lang="fr-FR" b="1" dirty="0" smtClean="0"/>
+              <a:t> UI design</a:t>
+            </a:r>
+          </a:p>
         </p:txBody>
       </p:sp>
+      <p:pic>
+        <p:nvPicPr>
+          <p:cNvPr id="10" name="Picture 2" descr="D:\Bureau\spacecraft1.jpg"/>
+          <p:cNvPicPr>
+            <a:picLocks noChangeAspect="1" noChangeArrowheads="1"/>
+          </p:cNvPicPr>
+          <p:nvPr/>
+        </p:nvPicPr>
+        <p:blipFill>
+          <a:blip r:embed="rId3" cstate="print"/>
+          <a:srcRect/>
+          <a:stretch>
+            <a:fillRect/>
+          </a:stretch>
+        </p:blipFill>
+        <p:spPr bwMode="auto">
+          <a:xfrm rot="376165">
+            <a:off x="2328294" y="325945"/>
+            <a:ext cx="3980849" cy="2691646"/>
+          </a:xfrm>
+          <a:prstGeom prst="roundRect">
+            <a:avLst>
+              <a:gd name="adj" fmla="val 8594"/>
+            </a:avLst>
+          </a:prstGeom>
+          <a:solidFill>
+            <a:srgbClr xmlns:mc="http://schemas.openxmlformats.org/markup-compatibility/2006" xmlns:a14="http://schemas.microsoft.com/office/drawing/2007/7/7/main" val="FFFFFF" mc:Ignorable="">
+              <a:shade val="85000"/>
+            </a:srgbClr>
+          </a:solidFill>
+          <a:ln>
+            <a:noFill/>
+          </a:ln>
+          <a:effectLst>
+            <a:outerShdw blurRad="50800" dist="38100" dir="8100000" algn="tr" rotWithShape="0">
+              <a:prstClr val="black">
+                <a:alpha val="40000"/>
+              </a:prstClr>
+            </a:outerShdw>
+            <a:reflection blurRad="12700" stA="38000" endPos="28000" dist="5000" dir="5400000" sy="-100000" algn="bl" rotWithShape="0"/>
+          </a:effectLst>
+        </p:spPr>
+      </p:pic>
     </p:spTree>
   </p:cSld>
   <p:clrMapOvr>
@@ -14754,7 +13951,7 @@
   <p:timing>
     <p:tnLst>
       <p:par>
-        <p:cTn id="1" dur="indefinite" restart="never" nodeType="tmRoot"/>
+        <p:cTn xmlns:p14="http://schemas.microsoft.com/office/powerpoint/2007/7/12/main" id="1" dur="indefinite" restart="never" nodeType="tmRoot"/>
       </p:par>
     </p:tnLst>
   </p:timing>
@@ -14970,7 +14167,7 @@
   <p:timing>
     <p:tnLst>
       <p:par>
-        <p:cTn id="1" dur="indefinite" restart="never" nodeType="tmRoot"/>
+        <p:cTn xmlns:p14="http://schemas.microsoft.com/office/powerpoint/2007/7/12/main" id="1" dur="indefinite" restart="never" nodeType="tmRoot"/>
       </p:par>
     </p:tnLst>
   </p:timing>
@@ -15096,16 +14293,16 @@
               <a:defRPr lang="fr-FR" sz="3600" b="0" cap="none" spc="0">
                 <a:ln w="18415" cmpd="sng">
                   <a:solidFill>
-                    <a:srgbClr val="FFFFFF"/>
+                    <a:srgbClr xmlns:mc="http://schemas.openxmlformats.org/markup-compatibility/2006" xmlns:a14="http://schemas.microsoft.com/office/drawing/2007/7/7/main" val="FFFFFF" mc:Ignorable=""/>
                   </a:solidFill>
                   <a:prstDash val="solid"/>
                 </a:ln>
                 <a:solidFill>
-                  <a:srgbClr val="FFFFFF"/>
+                  <a:srgbClr xmlns:mc="http://schemas.openxmlformats.org/markup-compatibility/2006" xmlns:a14="http://schemas.microsoft.com/office/drawing/2007/7/7/main" val="FFFFFF" mc:Ignorable=""/>
                 </a:solidFill>
                 <a:effectLst>
                   <a:outerShdw blurRad="63500" dir="3600000" algn="tl" rotWithShape="0">
-                    <a:srgbClr val="000000">
+                    <a:srgbClr xmlns:mc="http://schemas.openxmlformats.org/markup-compatibility/2006" xmlns:a14="http://schemas.microsoft.com/office/drawing/2007/7/7/main" val="000000" mc:Ignorable="">
                       <a:alpha val="70000"/>
                     </a:srgbClr>
                   </a:outerShdw>
@@ -15243,7 +14440,7 @@
           <a:p>
             <a:pPr indent="273050" eaLnBrk="1" hangingPunct="1">
               <a:buClr>
-                <a:srgbClr val="C44F00"/>
+                <a:srgbClr xmlns:mc="http://schemas.openxmlformats.org/markup-compatibility/2006" xmlns:a14="http://schemas.microsoft.com/office/drawing/2007/7/7/main" val="C44F00" mc:Ignorable=""/>
               </a:buClr>
               <a:buFont typeface="Calibri" pitchFamily="34" charset="0"/>
               <a:buAutoNum type="arabicPeriod"/>
@@ -15265,7 +14462,7 @@
           <a:p>
             <a:pPr indent="273050" eaLnBrk="1" hangingPunct="1">
               <a:buClr>
-                <a:srgbClr val="C44F00"/>
+                <a:srgbClr xmlns:mc="http://schemas.openxmlformats.org/markup-compatibility/2006" xmlns:a14="http://schemas.microsoft.com/office/drawing/2007/7/7/main" val="C44F00" mc:Ignorable=""/>
               </a:buClr>
               <a:buFont typeface="Calibri" pitchFamily="34" charset="0"/>
               <a:buAutoNum type="arabicPeriod"/>
@@ -15284,7 +14481,7 @@
           <a:p>
             <a:pPr indent="273050" eaLnBrk="1" hangingPunct="1">
               <a:buClr>
-                <a:srgbClr val="C44F00"/>
+                <a:srgbClr xmlns:mc="http://schemas.openxmlformats.org/markup-compatibility/2006" xmlns:a14="http://schemas.microsoft.com/office/drawing/2007/7/7/main" val="C44F00" mc:Ignorable=""/>
               </a:buClr>
               <a:buFont typeface="Calibri" pitchFamily="34" charset="0"/>
               <a:buAutoNum type="arabicPeriod"/>
@@ -15306,7 +14503,7 @@
           <a:p>
             <a:pPr indent="273050" eaLnBrk="1" hangingPunct="1">
               <a:buClr>
-                <a:srgbClr val="C44F00"/>
+                <a:srgbClr xmlns:mc="http://schemas.openxmlformats.org/markup-compatibility/2006" xmlns:a14="http://schemas.microsoft.com/office/drawing/2007/7/7/main" val="C44F00" mc:Ignorable=""/>
               </a:buClr>
               <a:buFont typeface="Calibri" pitchFamily="34" charset="0"/>
               <a:buAutoNum type="arabicPeriod"/>
@@ -15325,7 +14522,7 @@
           <a:p>
             <a:pPr indent="273050" eaLnBrk="1" hangingPunct="1">
               <a:buClr>
-                <a:srgbClr val="C44F00"/>
+                <a:srgbClr xmlns:mc="http://schemas.openxmlformats.org/markup-compatibility/2006" xmlns:a14="http://schemas.microsoft.com/office/drawing/2007/7/7/main" val="C44F00" mc:Ignorable=""/>
               </a:buClr>
               <a:buFont typeface="Calibri" pitchFamily="34" charset="0"/>
               <a:buAutoNum type="arabicPeriod"/>
@@ -15347,7 +14544,7 @@
           <a:p>
             <a:pPr indent="273050" eaLnBrk="1" hangingPunct="1">
               <a:buClr>
-                <a:srgbClr val="C44F00"/>
+                <a:srgbClr xmlns:mc="http://schemas.openxmlformats.org/markup-compatibility/2006" xmlns:a14="http://schemas.microsoft.com/office/drawing/2007/7/7/main" val="C44F00" mc:Ignorable=""/>
               </a:buClr>
               <a:buFont typeface="Calibri" pitchFamily="34" charset="0"/>
               <a:buAutoNum type="arabicPeriod"/>
@@ -15366,7 +14563,7 @@
           <a:p>
             <a:pPr indent="273050" eaLnBrk="1" hangingPunct="1">
               <a:buClr>
-                <a:srgbClr val="C44F00"/>
+                <a:srgbClr xmlns:mc="http://schemas.openxmlformats.org/markup-compatibility/2006" xmlns:a14="http://schemas.microsoft.com/office/drawing/2007/7/7/main" val="C44F00" mc:Ignorable=""/>
               </a:buClr>
               <a:buFont typeface="Calibri" pitchFamily="34" charset="0"/>
               <a:buAutoNum type="arabicPeriod"/>
@@ -15422,7 +14619,7 @@
             </a:avLst>
           </a:prstGeom>
           <a:solidFill>
-            <a:srgbClr val="FFFFFF">
+            <a:srgbClr xmlns:mc="http://schemas.openxmlformats.org/markup-compatibility/2006" xmlns:a14="http://schemas.microsoft.com/office/drawing/2007/7/7/main" val="FFFFFF" mc:Ignorable="">
               <a:shade val="85000"/>
             </a:srgbClr>
           </a:solidFill>
@@ -15442,7 +14639,7 @@
     </p:spTree>
     <p:extLst>
       <p:ext uri="{BB962C8B-B14F-4D97-AF65-F5344CB8AC3E}">
-        <p14:creationId xmlns:p14="http://schemas.microsoft.com/office/powerpoint/2007/7/12/main" xmlns="" val="2996111515"/>
+        <p14:creationId xmlns:p14="http://schemas.microsoft.com/office/powerpoint/2007/7/12/main" val="2996111515"/>
       </p:ext>
     </p:extLst>
   </p:cSld>
@@ -15452,7 +14649,7 @@
   <p:timing>
     <p:tnLst>
       <p:par>
-        <p:cTn id="1" dur="indefinite" restart="never" nodeType="tmRoot"/>
+        <p:cTn xmlns:p14="http://schemas.microsoft.com/office/powerpoint/2007/7/12/main" id="1" dur="indefinite" restart="never" nodeType="tmRoot"/>
       </p:par>
     </p:tnLst>
   </p:timing>
@@ -15730,7 +14927,7 @@
     </p:spTree>
     <p:extLst>
       <p:ext uri="{BB962C8B-B14F-4D97-AF65-F5344CB8AC3E}">
-        <p14:creationId xmlns:p14="http://schemas.microsoft.com/office/powerpoint/2007/7/12/main" xmlns="" val="3707259682"/>
+        <p14:creationId xmlns:p14="http://schemas.microsoft.com/office/powerpoint/2007/7/12/main" val="3707259682"/>
       </p:ext>
     </p:extLst>
   </p:cSld>
@@ -15740,7 +14937,7 @@
   <p:timing>
     <p:tnLst>
       <p:par>
-        <p:cTn id="1" dur="indefinite" restart="never" nodeType="tmRoot"/>
+        <p:cTn xmlns:p14="http://schemas.microsoft.com/office/powerpoint/2007/7/12/main" id="1" dur="indefinite" restart="never" nodeType="tmRoot"/>
       </p:par>
     </p:tnLst>
   </p:timing>
@@ -16000,7 +15197,7 @@
                 <a:spcPct val="0"/>
               </a:spcAft>
               <a:buClr>
-                <a:srgbClr val="DA7E18"/>
+                <a:srgbClr xmlns:mc="http://schemas.openxmlformats.org/markup-compatibility/2006" xmlns:a14="http://schemas.microsoft.com/office/drawing/2007/7/7/main" val="DA7E18" mc:Ignorable=""/>
               </a:buClr>
               <a:buSzPct val="70000"/>
               <a:buFont typeface="Wingdings" pitchFamily="2" charset="2"/>
@@ -16022,7 +15219,7 @@
                 <a:spcPct val="0"/>
               </a:spcAft>
               <a:buClr>
-                <a:srgbClr val="E5AB1B"/>
+                <a:srgbClr xmlns:mc="http://schemas.openxmlformats.org/markup-compatibility/2006" xmlns:a14="http://schemas.microsoft.com/office/drawing/2007/7/7/main" val="E5AB1B" mc:Ignorable=""/>
               </a:buClr>
               <a:buSzPct val="70000"/>
               <a:buFont typeface="Wingdings" pitchFamily="2" charset="2"/>
@@ -16404,7 +15601,7 @@
                 <a:spcPct val="0"/>
               </a:spcAft>
               <a:buClr>
-                <a:srgbClr val="DA7E18"/>
+                <a:srgbClr xmlns:mc="http://schemas.openxmlformats.org/markup-compatibility/2006" xmlns:a14="http://schemas.microsoft.com/office/drawing/2007/7/7/main" val="DA7E18" mc:Ignorable=""/>
               </a:buClr>
               <a:buSzPct val="70000"/>
               <a:buFont typeface="Wingdings" pitchFamily="2" charset="2"/>
@@ -16426,7 +15623,7 @@
                 <a:spcPct val="0"/>
               </a:spcAft>
               <a:buClr>
-                <a:srgbClr val="E5AB1B"/>
+                <a:srgbClr xmlns:mc="http://schemas.openxmlformats.org/markup-compatibility/2006" xmlns:a14="http://schemas.microsoft.com/office/drawing/2007/7/7/main" val="E5AB1B" mc:Ignorable=""/>
               </a:buClr>
               <a:buSzPct val="70000"/>
               <a:buFont typeface="Wingdings" pitchFamily="2" charset="2"/>
@@ -16624,7 +15821,7 @@
                 <a:spcPct val="0"/>
               </a:spcAft>
               <a:buClr>
-                <a:srgbClr val="DA7E18"/>
+                <a:srgbClr xmlns:mc="http://schemas.openxmlformats.org/markup-compatibility/2006" xmlns:a14="http://schemas.microsoft.com/office/drawing/2007/7/7/main" val="DA7E18" mc:Ignorable=""/>
               </a:buClr>
               <a:buSzPct val="70000"/>
               <a:buFont typeface="Wingdings" pitchFamily="2" charset="2"/>
@@ -16646,7 +15843,7 @@
                 <a:spcPct val="0"/>
               </a:spcAft>
               <a:buClr>
-                <a:srgbClr val="E5AB1B"/>
+                <a:srgbClr xmlns:mc="http://schemas.openxmlformats.org/markup-compatibility/2006" xmlns:a14="http://schemas.microsoft.com/office/drawing/2007/7/7/main" val="E5AB1B" mc:Ignorable=""/>
               </a:buClr>
               <a:buSzPct val="70000"/>
               <a:buFont typeface="Wingdings" pitchFamily="2" charset="2"/>
@@ -16844,7 +16041,7 @@
                 <a:spcPct val="0"/>
               </a:spcAft>
               <a:buClr>
-                <a:srgbClr val="DA7E18"/>
+                <a:srgbClr xmlns:mc="http://schemas.openxmlformats.org/markup-compatibility/2006" xmlns:a14="http://schemas.microsoft.com/office/drawing/2007/7/7/main" val="DA7E18" mc:Ignorable=""/>
               </a:buClr>
               <a:buSzPct val="70000"/>
               <a:buFont typeface="Wingdings" pitchFamily="2" charset="2"/>
@@ -16866,7 +16063,7 @@
                 <a:spcPct val="0"/>
               </a:spcAft>
               <a:buClr>
-                <a:srgbClr val="E5AB1B"/>
+                <a:srgbClr xmlns:mc="http://schemas.openxmlformats.org/markup-compatibility/2006" xmlns:a14="http://schemas.microsoft.com/office/drawing/2007/7/7/main" val="E5AB1B" mc:Ignorable=""/>
               </a:buClr>
               <a:buSzPct val="70000"/>
               <a:buFont typeface="Wingdings" pitchFamily="2" charset="2"/>
@@ -17059,7 +16256,7 @@
                 <a:spcPct val="0"/>
               </a:spcAft>
               <a:buClr>
-                <a:srgbClr val="DA7E18"/>
+                <a:srgbClr xmlns:mc="http://schemas.openxmlformats.org/markup-compatibility/2006" xmlns:a14="http://schemas.microsoft.com/office/drawing/2007/7/7/main" val="DA7E18" mc:Ignorable=""/>
               </a:buClr>
               <a:buSzPct val="70000"/>
               <a:buFont typeface="Wingdings" pitchFamily="2" charset="2"/>
@@ -17081,7 +16278,7 @@
                 <a:spcPct val="0"/>
               </a:spcAft>
               <a:buClr>
-                <a:srgbClr val="E5AB1B"/>
+                <a:srgbClr xmlns:mc="http://schemas.openxmlformats.org/markup-compatibility/2006" xmlns:a14="http://schemas.microsoft.com/office/drawing/2007/7/7/main" val="E5AB1B" mc:Ignorable=""/>
               </a:buClr>
               <a:buSzPct val="70000"/>
               <a:buFont typeface="Wingdings" pitchFamily="2" charset="2"/>
@@ -17258,7 +16455,7 @@
                 <a:spcPct val="0"/>
               </a:spcAft>
               <a:buClr>
-                <a:srgbClr val="DA7E18"/>
+                <a:srgbClr xmlns:mc="http://schemas.openxmlformats.org/markup-compatibility/2006" xmlns:a14="http://schemas.microsoft.com/office/drawing/2007/7/7/main" val="DA7E18" mc:Ignorable=""/>
               </a:buClr>
               <a:buSzPct val="70000"/>
               <a:buFont typeface="Wingdings" pitchFamily="2" charset="2"/>
@@ -17280,7 +16477,7 @@
                 <a:spcPct val="0"/>
               </a:spcAft>
               <a:buClr>
-                <a:srgbClr val="E5AB1B"/>
+                <a:srgbClr xmlns:mc="http://schemas.openxmlformats.org/markup-compatibility/2006" xmlns:a14="http://schemas.microsoft.com/office/drawing/2007/7/7/main" val="E5AB1B" mc:Ignorable=""/>
               </a:buClr>
               <a:buSzPct val="70000"/>
               <a:buFont typeface="Wingdings" pitchFamily="2" charset="2"/>
@@ -17419,7 +16616,7 @@
     </p:spTree>
     <p:extLst>
       <p:ext uri="{BB962C8B-B14F-4D97-AF65-F5344CB8AC3E}">
-        <p14:creationId xmlns:p14="http://schemas.microsoft.com/office/powerpoint/2007/7/12/main" xmlns="" val="1726127084"/>
+        <p14:creationId xmlns:p14="http://schemas.microsoft.com/office/powerpoint/2007/7/12/main" val="1726127084"/>
       </p:ext>
     </p:extLst>
   </p:cSld>
@@ -17429,7 +16626,7 @@
   <p:timing>
     <p:tnLst>
       <p:par>
-        <p:cTn id="1" dur="indefinite" restart="never" nodeType="tmRoot"/>
+        <p:cTn xmlns:p14="http://schemas.microsoft.com/office/powerpoint/2007/7/12/main" id="1" dur="indefinite" restart="never" nodeType="tmRoot"/>
       </p:par>
     </p:tnLst>
   </p:timing>
@@ -17833,7 +17030,7 @@
           </a:prstGeom>
           <a:ln>
             <a:prstDash val="dash"/>
-            <a:headEnd type="arrow" w="med" len="med"/>
+            <a:headEnd type="none" w="med" len="med"/>
             <a:tailEnd type="none" w="med" len="med"/>
           </a:ln>
         </p:spPr>
@@ -18088,7 +17285,7 @@
                 <a:spcPct val="0"/>
               </a:spcAft>
               <a:buClr>
-                <a:srgbClr val="DA7E18"/>
+                <a:srgbClr xmlns:mc="http://schemas.openxmlformats.org/markup-compatibility/2006" xmlns:a14="http://schemas.microsoft.com/office/drawing/2007/7/7/main" val="DA7E18" mc:Ignorable=""/>
               </a:buClr>
               <a:buSzPct val="70000"/>
               <a:buFont typeface="Wingdings" pitchFamily="2" charset="2"/>
@@ -18110,7 +17307,7 @@
                 <a:spcPct val="0"/>
               </a:spcAft>
               <a:buClr>
-                <a:srgbClr val="E5AB1B"/>
+                <a:srgbClr xmlns:mc="http://schemas.openxmlformats.org/markup-compatibility/2006" xmlns:a14="http://schemas.microsoft.com/office/drawing/2007/7/7/main" val="E5AB1B" mc:Ignorable=""/>
               </a:buClr>
               <a:buSzPct val="70000"/>
               <a:buFont typeface="Wingdings" pitchFamily="2" charset="2"/>
@@ -18287,7 +17484,7 @@
                 <a:spcPct val="0"/>
               </a:spcAft>
               <a:buClr>
-                <a:srgbClr val="DA7E18"/>
+                <a:srgbClr xmlns:mc="http://schemas.openxmlformats.org/markup-compatibility/2006" xmlns:a14="http://schemas.microsoft.com/office/drawing/2007/7/7/main" val="DA7E18" mc:Ignorable=""/>
               </a:buClr>
               <a:buSzPct val="70000"/>
               <a:buFont typeface="Wingdings" pitchFamily="2" charset="2"/>
@@ -18309,7 +17506,7 @@
                 <a:spcPct val="0"/>
               </a:spcAft>
               <a:buClr>
-                <a:srgbClr val="E5AB1B"/>
+                <a:srgbClr xmlns:mc="http://schemas.openxmlformats.org/markup-compatibility/2006" xmlns:a14="http://schemas.microsoft.com/office/drawing/2007/7/7/main" val="E5AB1B" mc:Ignorable=""/>
               </a:buClr>
               <a:buSzPct val="70000"/>
               <a:buFont typeface="Wingdings" pitchFamily="2" charset="2"/>
@@ -18458,206 +17655,90 @@
           </a:p>
         </p:txBody>
       </p:sp>
-      <p:grpSp>
-        <p:nvGrpSpPr>
-          <p:cNvPr id="59" name="Group 58"/>
-          <p:cNvGrpSpPr/>
+      <p:sp>
+        <p:nvSpPr>
+          <p:cNvPr id="60" name="Rectangle 59"/>
+          <p:cNvSpPr/>
           <p:nvPr/>
-        </p:nvGrpSpPr>
-        <p:grpSpPr>
+        </p:nvSpPr>
+        <p:spPr>
           <a:xfrm>
             <a:off x="3851920" y="2084985"/>
             <a:ext cx="1512168" cy="823301"/>
-            <a:chOff x="3419872" y="1885619"/>
-            <a:chExt cx="1512168" cy="823301"/>
           </a:xfrm>
-        </p:grpSpPr>
-        <p:sp>
-          <p:nvSpPr>
-            <p:cNvPr id="60" name="Rectangle 59"/>
-            <p:cNvSpPr/>
-            <p:nvPr/>
-          </p:nvSpPr>
-          <p:spPr>
-            <a:xfrm>
-              <a:off x="3419872" y="1885619"/>
-              <a:ext cx="1512168" cy="823301"/>
-            </a:xfrm>
-            <a:prstGeom prst="rect">
-              <a:avLst/>
-            </a:prstGeom>
-          </p:spPr>
-          <p:style>
-            <a:lnRef idx="3">
-              <a:schemeClr val="lt1"/>
-            </a:lnRef>
-            <a:fillRef idx="1">
-              <a:schemeClr val="accent6"/>
-            </a:fillRef>
-            <a:effectRef idx="1">
-              <a:schemeClr val="accent6"/>
-            </a:effectRef>
-            <a:fontRef idx="minor">
-              <a:schemeClr val="lt1"/>
-            </a:fontRef>
-          </p:style>
-          <p:txBody>
-            <a:bodyPr rtlCol="0" anchor="ctr"/>
-            <a:lstStyle/>
-            <a:p>
-              <a:pPr algn="ctr"/>
-              <a:r>
-                <a:rPr lang="fr-FR" dirty="0" smtClean="0"/>
-                <a:t>Information display</a:t>
-              </a:r>
-              <a:endParaRPr lang="fr-FR" dirty="0"/>
-            </a:p>
-          </p:txBody>
-        </p:sp>
-        <p:sp>
-          <p:nvSpPr>
-            <p:cNvPr id="61" name="Rectangle 60"/>
-            <p:cNvSpPr/>
-            <p:nvPr/>
-          </p:nvSpPr>
-          <p:spPr>
-            <a:xfrm>
-              <a:off x="4644008" y="2451157"/>
-              <a:ext cx="288032" cy="257763"/>
-            </a:xfrm>
-            <a:prstGeom prst="rect">
-              <a:avLst/>
-            </a:prstGeom>
-            <a:effectLst/>
-          </p:spPr>
-          <p:style>
-            <a:lnRef idx="3">
-              <a:schemeClr val="lt1"/>
-            </a:lnRef>
-            <a:fillRef idx="1">
-              <a:schemeClr val="accent6"/>
-            </a:fillRef>
-            <a:effectRef idx="1">
-              <a:schemeClr val="accent6"/>
-            </a:effectRef>
-            <a:fontRef idx="minor">
-              <a:schemeClr val="lt1"/>
-            </a:fontRef>
-          </p:style>
-          <p:txBody>
-            <a:bodyPr rtlCol="0" anchor="ctr"/>
-            <a:lstStyle/>
-            <a:p>
-              <a:pPr algn="ctr"/>
-              <a:r>
-                <a:rPr lang="fr-FR" dirty="0" smtClean="0"/>
-                <a:t>C</a:t>
-              </a:r>
-              <a:endParaRPr lang="fr-FR" dirty="0"/>
-            </a:p>
-          </p:txBody>
-        </p:sp>
-      </p:grpSp>
-      <p:grpSp>
-        <p:nvGrpSpPr>
-          <p:cNvPr id="62" name="Group 61"/>
-          <p:cNvGrpSpPr/>
+          <a:prstGeom prst="rect">
+            <a:avLst/>
+          </a:prstGeom>
+        </p:spPr>
+        <p:style>
+          <a:lnRef idx="3">
+            <a:schemeClr val="lt1"/>
+          </a:lnRef>
+          <a:fillRef idx="1">
+            <a:schemeClr val="accent6"/>
+          </a:fillRef>
+          <a:effectRef idx="1">
+            <a:schemeClr val="accent6"/>
+          </a:effectRef>
+          <a:fontRef idx="minor">
+            <a:schemeClr val="lt1"/>
+          </a:fontRef>
+        </p:style>
+        <p:txBody>
+          <a:bodyPr rtlCol="0" anchor="ctr"/>
+          <a:lstStyle/>
+          <a:p>
+            <a:pPr algn="ctr"/>
+            <a:r>
+              <a:rPr lang="fr-FR" dirty="0" smtClean="0"/>
+              <a:t>Information display</a:t>
+            </a:r>
+            <a:endParaRPr lang="fr-FR" dirty="0"/>
+          </a:p>
+        </p:txBody>
+      </p:sp>
+      <p:sp>
+        <p:nvSpPr>
+          <p:cNvPr id="63" name="Rectangle 62"/>
+          <p:cNvSpPr/>
           <p:nvPr/>
-        </p:nvGrpSpPr>
-        <p:grpSpPr>
+        </p:nvSpPr>
+        <p:spPr>
           <a:xfrm>
             <a:off x="3851920" y="4271886"/>
             <a:ext cx="1512168" cy="823301"/>
-            <a:chOff x="3491880" y="4041068"/>
-            <a:chExt cx="1512168" cy="823301"/>
           </a:xfrm>
-        </p:grpSpPr>
-        <p:sp>
-          <p:nvSpPr>
-            <p:cNvPr id="63" name="Rectangle 62"/>
-            <p:cNvSpPr/>
-            <p:nvPr/>
-          </p:nvSpPr>
-          <p:spPr>
-            <a:xfrm>
-              <a:off x="3491880" y="4041068"/>
-              <a:ext cx="1512168" cy="823301"/>
-            </a:xfrm>
-            <a:prstGeom prst="rect">
-              <a:avLst/>
-            </a:prstGeom>
-          </p:spPr>
-          <p:style>
-            <a:lnRef idx="3">
-              <a:schemeClr val="lt1"/>
-            </a:lnRef>
-            <a:fillRef idx="1">
-              <a:schemeClr val="accent6"/>
-            </a:fillRef>
-            <a:effectRef idx="1">
-              <a:schemeClr val="accent6"/>
-            </a:effectRef>
-            <a:fontRef idx="minor">
-              <a:schemeClr val="lt1"/>
-            </a:fontRef>
-          </p:style>
-          <p:txBody>
-            <a:bodyPr rtlCol="0" anchor="ctr"/>
-            <a:lstStyle/>
-            <a:p>
-              <a:pPr algn="ctr"/>
-              <a:r>
-                <a:rPr lang="fr-FR" dirty="0" err="1" smtClean="0"/>
-                <a:t>Systems</a:t>
-              </a:r>
-              <a:endParaRPr lang="fr-FR" dirty="0"/>
-            </a:p>
-          </p:txBody>
-        </p:sp>
-        <p:sp>
-          <p:nvSpPr>
-            <p:cNvPr id="64" name="Rectangle 63"/>
-            <p:cNvSpPr/>
-            <p:nvPr/>
-          </p:nvSpPr>
-          <p:spPr>
-            <a:xfrm>
-              <a:off x="4716016" y="4606606"/>
-              <a:ext cx="288032" cy="257763"/>
-            </a:xfrm>
-            <a:prstGeom prst="rect">
-              <a:avLst/>
-            </a:prstGeom>
-            <a:effectLst/>
-          </p:spPr>
-          <p:style>
-            <a:lnRef idx="3">
-              <a:schemeClr val="lt1"/>
-            </a:lnRef>
-            <a:fillRef idx="1">
-              <a:schemeClr val="accent6"/>
-            </a:fillRef>
-            <a:effectRef idx="1">
-              <a:schemeClr val="accent6"/>
-            </a:effectRef>
-            <a:fontRef idx="minor">
-              <a:schemeClr val="lt1"/>
-            </a:fontRef>
-          </p:style>
-          <p:txBody>
-            <a:bodyPr rtlCol="0" anchor="ctr"/>
-            <a:lstStyle/>
-            <a:p>
-              <a:pPr algn="ctr"/>
-              <a:r>
-                <a:rPr lang="fr-FR" dirty="0" smtClean="0"/>
-                <a:t>C</a:t>
-              </a:r>
-              <a:endParaRPr lang="fr-FR" dirty="0"/>
-            </a:p>
-          </p:txBody>
-        </p:sp>
-      </p:grpSp>
+          <a:prstGeom prst="rect">
+            <a:avLst/>
+          </a:prstGeom>
+        </p:spPr>
+        <p:style>
+          <a:lnRef idx="3">
+            <a:schemeClr val="lt1"/>
+          </a:lnRef>
+          <a:fillRef idx="1">
+            <a:schemeClr val="accent6"/>
+          </a:fillRef>
+          <a:effectRef idx="1">
+            <a:schemeClr val="accent6"/>
+          </a:effectRef>
+          <a:fontRef idx="minor">
+            <a:schemeClr val="lt1"/>
+          </a:fontRef>
+        </p:style>
+        <p:txBody>
+          <a:bodyPr rtlCol="0" anchor="ctr"/>
+          <a:lstStyle/>
+          <a:p>
+            <a:pPr algn="ctr"/>
+            <a:r>
+              <a:rPr lang="fr-FR" dirty="0" err="1" smtClean="0"/>
+              <a:t>Systems</a:t>
+            </a:r>
+            <a:endParaRPr lang="fr-FR" dirty="0"/>
+          </a:p>
+        </p:txBody>
+      </p:sp>
       <p:sp>
         <p:nvSpPr>
           <p:cNvPr id="65" name="TextBox 64"/>
@@ -18776,7 +17857,7 @@
                 <a:spcPct val="0"/>
               </a:spcAft>
               <a:buClr>
-                <a:srgbClr val="DA7E18"/>
+                <a:srgbClr xmlns:mc="http://schemas.openxmlformats.org/markup-compatibility/2006" xmlns:a14="http://schemas.microsoft.com/office/drawing/2007/7/7/main" val="DA7E18" mc:Ignorable=""/>
               </a:buClr>
               <a:buSzPct val="70000"/>
               <a:buFont typeface="Wingdings" pitchFamily="2" charset="2"/>
@@ -18798,7 +17879,7 @@
                 <a:spcPct val="0"/>
               </a:spcAft>
               <a:buClr>
-                <a:srgbClr val="E5AB1B"/>
+                <a:srgbClr xmlns:mc="http://schemas.openxmlformats.org/markup-compatibility/2006" xmlns:a14="http://schemas.microsoft.com/office/drawing/2007/7/7/main" val="E5AB1B" mc:Ignorable=""/>
               </a:buClr>
               <a:buSzPct val="70000"/>
               <a:buFont typeface="Wingdings" pitchFamily="2" charset="2"/>
@@ -18978,7 +18059,7 @@
                 <a:spcPct val="0"/>
               </a:spcAft>
               <a:buClr>
-                <a:srgbClr val="DA7E18"/>
+                <a:srgbClr xmlns:mc="http://schemas.openxmlformats.org/markup-compatibility/2006" xmlns:a14="http://schemas.microsoft.com/office/drawing/2007/7/7/main" val="DA7E18" mc:Ignorable=""/>
               </a:buClr>
               <a:buSzPct val="70000"/>
               <a:buFont typeface="Wingdings" pitchFamily="2" charset="2"/>
@@ -19000,7 +18081,7 @@
                 <a:spcPct val="0"/>
               </a:spcAft>
               <a:buClr>
-                <a:srgbClr val="E5AB1B"/>
+                <a:srgbClr xmlns:mc="http://schemas.openxmlformats.org/markup-compatibility/2006" xmlns:a14="http://schemas.microsoft.com/office/drawing/2007/7/7/main" val="E5AB1B" mc:Ignorable=""/>
               </a:buClr>
               <a:buSzPct val="70000"/>
               <a:buFont typeface="Wingdings" pitchFamily="2" charset="2"/>
@@ -19357,7 +18438,7 @@
                 </a:solidFill>
                 <a:effectLst>
                   <a:outerShdw blurRad="38100" dist="38100" dir="2700000" algn="tl">
-                    <a:srgbClr val="000000">
+                    <a:srgbClr xmlns:mc="http://schemas.openxmlformats.org/markup-compatibility/2006" xmlns:a14="http://schemas.microsoft.com/office/drawing/2007/7/7/main" val="000000" mc:Ignorable="">
                       <a:alpha val="43137"/>
                     </a:srgbClr>
                   </a:outerShdw>
@@ -19404,7 +18485,7 @@
     </p:spTree>
     <p:extLst>
       <p:ext uri="{BB962C8B-B14F-4D97-AF65-F5344CB8AC3E}">
-        <p14:creationId xmlns:p14="http://schemas.microsoft.com/office/powerpoint/2007/7/12/main" xmlns="" val="2769818375"/>
+        <p14:creationId xmlns:p14="http://schemas.microsoft.com/office/powerpoint/2007/7/12/main" val="2769818375"/>
       </p:ext>
     </p:extLst>
   </p:cSld>
@@ -19414,7 +18495,7 @@
   <p:timing>
     <p:tnLst>
       <p:par>
-        <p:cTn id="1" dur="indefinite" restart="never" nodeType="tmRoot"/>
+        <p:cTn xmlns:p14="http://schemas.microsoft.com/office/powerpoint/2007/7/12/main" id="1" dur="indefinite" restart="never" nodeType="tmRoot"/>
       </p:par>
     </p:tnLst>
   </p:timing>
@@ -20030,7 +19111,7 @@
                 <a:spcPct val="0"/>
               </a:spcAft>
               <a:buClr>
-                <a:srgbClr val="DA7E18"/>
+                <a:srgbClr xmlns:mc="http://schemas.openxmlformats.org/markup-compatibility/2006" xmlns:a14="http://schemas.microsoft.com/office/drawing/2007/7/7/main" val="DA7E18" mc:Ignorable=""/>
               </a:buClr>
               <a:buSzPct val="70000"/>
               <a:buFont typeface="Wingdings" pitchFamily="2" charset="2"/>
@@ -20052,7 +19133,7 @@
                 <a:spcPct val="0"/>
               </a:spcAft>
               <a:buClr>
-                <a:srgbClr val="E5AB1B"/>
+                <a:srgbClr xmlns:mc="http://schemas.openxmlformats.org/markup-compatibility/2006" xmlns:a14="http://schemas.microsoft.com/office/drawing/2007/7/7/main" val="E5AB1B" mc:Ignorable=""/>
               </a:buClr>
               <a:buSzPct val="70000"/>
               <a:buFont typeface="Wingdings" pitchFamily="2" charset="2"/>
@@ -20229,7 +19310,7 @@
                 <a:spcPct val="0"/>
               </a:spcAft>
               <a:buClr>
-                <a:srgbClr val="DA7E18"/>
+                <a:srgbClr xmlns:mc="http://schemas.openxmlformats.org/markup-compatibility/2006" xmlns:a14="http://schemas.microsoft.com/office/drawing/2007/7/7/main" val="DA7E18" mc:Ignorable=""/>
               </a:buClr>
               <a:buSzPct val="70000"/>
               <a:buFont typeface="Wingdings" pitchFamily="2" charset="2"/>
@@ -20251,7 +19332,7 @@
                 <a:spcPct val="0"/>
               </a:spcAft>
               <a:buClr>
-                <a:srgbClr val="E5AB1B"/>
+                <a:srgbClr xmlns:mc="http://schemas.openxmlformats.org/markup-compatibility/2006" xmlns:a14="http://schemas.microsoft.com/office/drawing/2007/7/7/main" val="E5AB1B" mc:Ignorable=""/>
               </a:buClr>
               <a:buSzPct val="70000"/>
               <a:buFont typeface="Wingdings" pitchFamily="2" charset="2"/>
@@ -20400,218 +19481,102 @@
           </a:p>
         </p:txBody>
       </p:sp>
-      <p:grpSp>
-        <p:nvGrpSpPr>
-          <p:cNvPr id="40" name="Group 39"/>
-          <p:cNvGrpSpPr/>
+      <p:sp>
+        <p:nvSpPr>
+          <p:cNvPr id="41" name="Rectangle 40"/>
+          <p:cNvSpPr/>
           <p:nvPr/>
-        </p:nvGrpSpPr>
-        <p:grpSpPr>
+        </p:nvSpPr>
+        <p:spPr>
           <a:xfrm>
             <a:off x="3851920" y="4089313"/>
             <a:ext cx="1512168" cy="823301"/>
-            <a:chOff x="3419872" y="1885619"/>
-            <a:chExt cx="1512168" cy="823301"/>
           </a:xfrm>
-        </p:grpSpPr>
-        <p:sp>
-          <p:nvSpPr>
-            <p:cNvPr id="41" name="Rectangle 40"/>
-            <p:cNvSpPr/>
-            <p:nvPr/>
-          </p:nvSpPr>
-          <p:spPr>
-            <a:xfrm>
-              <a:off x="3419872" y="1885619"/>
-              <a:ext cx="1512168" cy="823301"/>
-            </a:xfrm>
-            <a:prstGeom prst="rect">
-              <a:avLst/>
-            </a:prstGeom>
-          </p:spPr>
-          <p:style>
-            <a:lnRef idx="3">
-              <a:schemeClr val="lt1"/>
-            </a:lnRef>
-            <a:fillRef idx="1">
-              <a:schemeClr val="accent6"/>
-            </a:fillRef>
-            <a:effectRef idx="1">
-              <a:schemeClr val="accent6"/>
-            </a:effectRef>
-            <a:fontRef idx="minor">
-              <a:schemeClr val="lt1"/>
-            </a:fontRef>
-          </p:style>
-          <p:txBody>
-            <a:bodyPr rtlCol="0" anchor="ctr"/>
-            <a:lstStyle/>
-            <a:p>
-              <a:pPr algn="ctr"/>
-              <a:r>
-                <a:rPr lang="fr-FR" dirty="0" err="1" smtClean="0"/>
-                <a:t>Crew</a:t>
-              </a:r>
-              <a:r>
-                <a:rPr lang="fr-FR" dirty="0" smtClean="0"/>
-                <a:t>/ </a:t>
-              </a:r>
-              <a:r>
-                <a:rPr lang="fr-FR" dirty="0" err="1" smtClean="0"/>
-                <a:t>Ground</a:t>
-              </a:r>
-              <a:r>
-                <a:rPr lang="fr-FR" dirty="0" smtClean="0"/>
-                <a:t> Control</a:t>
-              </a:r>
-              <a:endParaRPr lang="fr-FR" dirty="0"/>
-            </a:p>
-          </p:txBody>
-        </p:sp>
-        <p:sp>
-          <p:nvSpPr>
-            <p:cNvPr id="42" name="Rectangle 41"/>
-            <p:cNvSpPr/>
-            <p:nvPr/>
-          </p:nvSpPr>
-          <p:spPr>
-            <a:xfrm>
-              <a:off x="4644008" y="2451157"/>
-              <a:ext cx="288032" cy="257763"/>
-            </a:xfrm>
-            <a:prstGeom prst="rect">
-              <a:avLst/>
-            </a:prstGeom>
-            <a:effectLst/>
-          </p:spPr>
-          <p:style>
-            <a:lnRef idx="3">
-              <a:schemeClr val="lt1"/>
-            </a:lnRef>
-            <a:fillRef idx="1">
-              <a:schemeClr val="accent6"/>
-            </a:fillRef>
-            <a:effectRef idx="1">
-              <a:schemeClr val="accent6"/>
-            </a:effectRef>
-            <a:fontRef idx="minor">
-              <a:schemeClr val="lt1"/>
-            </a:fontRef>
-          </p:style>
-          <p:txBody>
-            <a:bodyPr rtlCol="0" anchor="ctr"/>
-            <a:lstStyle/>
-            <a:p>
-              <a:pPr algn="ctr"/>
-              <a:r>
-                <a:rPr lang="fr-FR" dirty="0" smtClean="0"/>
-                <a:t>B</a:t>
-              </a:r>
-              <a:endParaRPr lang="fr-FR" dirty="0"/>
-            </a:p>
-          </p:txBody>
-        </p:sp>
-      </p:grpSp>
-      <p:grpSp>
-        <p:nvGrpSpPr>
-          <p:cNvPr id="65" name="Group 64"/>
-          <p:cNvGrpSpPr/>
+          <a:prstGeom prst="rect">
+            <a:avLst/>
+          </a:prstGeom>
+        </p:spPr>
+        <p:style>
+          <a:lnRef idx="3">
+            <a:schemeClr val="lt1"/>
+          </a:lnRef>
+          <a:fillRef idx="1">
+            <a:schemeClr val="accent6"/>
+          </a:fillRef>
+          <a:effectRef idx="1">
+            <a:schemeClr val="accent6"/>
+          </a:effectRef>
+          <a:fontRef idx="minor">
+            <a:schemeClr val="lt1"/>
+          </a:fontRef>
+        </p:style>
+        <p:txBody>
+          <a:bodyPr rtlCol="0" anchor="ctr"/>
+          <a:lstStyle/>
+          <a:p>
+            <a:pPr algn="ctr"/>
+            <a:r>
+              <a:rPr lang="fr-FR" dirty="0" err="1" smtClean="0"/>
+              <a:t>Crew</a:t>
+            </a:r>
+            <a:r>
+              <a:rPr lang="fr-FR" dirty="0" smtClean="0"/>
+              <a:t>/ </a:t>
+            </a:r>
+            <a:r>
+              <a:rPr lang="fr-FR" dirty="0" err="1" smtClean="0"/>
+              <a:t>Ground</a:t>
+            </a:r>
+            <a:r>
+              <a:rPr lang="fr-FR" dirty="0" smtClean="0"/>
+              <a:t> Control</a:t>
+            </a:r>
+            <a:endParaRPr lang="fr-FR" dirty="0"/>
+          </a:p>
+        </p:txBody>
+      </p:sp>
+      <p:sp>
+        <p:nvSpPr>
+          <p:cNvPr id="66" name="Rectangle 65"/>
+          <p:cNvSpPr/>
           <p:nvPr/>
-        </p:nvGrpSpPr>
-        <p:grpSpPr>
+        </p:nvSpPr>
+        <p:spPr>
           <a:xfrm>
             <a:off x="3851920" y="2016071"/>
             <a:ext cx="1512168" cy="823301"/>
-            <a:chOff x="3491880" y="4041068"/>
-            <a:chExt cx="1512168" cy="823301"/>
           </a:xfrm>
-        </p:grpSpPr>
-        <p:sp>
-          <p:nvSpPr>
-            <p:cNvPr id="66" name="Rectangle 65"/>
-            <p:cNvSpPr/>
-            <p:nvPr/>
-          </p:nvSpPr>
-          <p:spPr>
-            <a:xfrm>
-              <a:off x="3491880" y="4041068"/>
-              <a:ext cx="1512168" cy="823301"/>
-            </a:xfrm>
-            <a:prstGeom prst="rect">
-              <a:avLst/>
-            </a:prstGeom>
-          </p:spPr>
-          <p:style>
-            <a:lnRef idx="3">
-              <a:schemeClr val="lt1"/>
-            </a:lnRef>
-            <a:fillRef idx="1">
-              <a:schemeClr val="accent6"/>
-            </a:fillRef>
-            <a:effectRef idx="1">
-              <a:schemeClr val="accent6"/>
-            </a:effectRef>
-            <a:fontRef idx="minor">
-              <a:schemeClr val="lt1"/>
-            </a:fontRef>
-          </p:style>
-          <p:txBody>
-            <a:bodyPr rtlCol="0" anchor="ctr"/>
-            <a:lstStyle/>
-            <a:p>
-              <a:pPr algn="ctr"/>
-              <a:r>
-                <a:rPr lang="fr-FR" dirty="0" smtClean="0"/>
-                <a:t>FDIR Storage System</a:t>
-              </a:r>
-              <a:endParaRPr lang="fr-FR" dirty="0"/>
-            </a:p>
-          </p:txBody>
-        </p:sp>
-        <p:sp>
-          <p:nvSpPr>
-            <p:cNvPr id="67" name="Rectangle 66"/>
-            <p:cNvSpPr/>
-            <p:nvPr/>
-          </p:nvSpPr>
-          <p:spPr>
-            <a:xfrm>
-              <a:off x="4860032" y="4606606"/>
-              <a:ext cx="144016" cy="257763"/>
-            </a:xfrm>
-            <a:prstGeom prst="rect">
-              <a:avLst/>
-            </a:prstGeom>
-            <a:effectLst/>
-          </p:spPr>
-          <p:style>
-            <a:lnRef idx="3">
-              <a:schemeClr val="lt1"/>
-            </a:lnRef>
-            <a:fillRef idx="1">
-              <a:schemeClr val="accent6"/>
-            </a:fillRef>
-            <a:effectRef idx="1">
-              <a:schemeClr val="accent6"/>
-            </a:effectRef>
-            <a:fontRef idx="minor">
-              <a:schemeClr val="lt1"/>
-            </a:fontRef>
-          </p:style>
-          <p:txBody>
-            <a:bodyPr rtlCol="0" anchor="ctr"/>
-            <a:lstStyle/>
-            <a:p>
-              <a:pPr algn="ctr"/>
-              <a:r>
-                <a:rPr lang="fr-FR" sz="1600" dirty="0" smtClean="0"/>
-                <a:t>L</a:t>
-              </a:r>
-              <a:endParaRPr lang="fr-FR" sz="1600" dirty="0"/>
-            </a:p>
-          </p:txBody>
-        </p:sp>
-      </p:grpSp>
+          <a:prstGeom prst="rect">
+            <a:avLst/>
+          </a:prstGeom>
+        </p:spPr>
+        <p:style>
+          <a:lnRef idx="3">
+            <a:schemeClr val="lt1"/>
+          </a:lnRef>
+          <a:fillRef idx="1">
+            <a:schemeClr val="accent6"/>
+          </a:fillRef>
+          <a:effectRef idx="1">
+            <a:schemeClr val="accent6"/>
+          </a:effectRef>
+          <a:fontRef idx="minor">
+            <a:schemeClr val="lt1"/>
+          </a:fontRef>
+        </p:style>
+        <p:txBody>
+          <a:bodyPr rtlCol="0" anchor="ctr"/>
+          <a:lstStyle/>
+          <a:p>
+            <a:pPr algn="ctr"/>
+            <a:r>
+              <a:rPr lang="fr-FR" dirty="0" smtClean="0"/>
+              <a:t>FDIR Storage System</a:t>
+            </a:r>
+            <a:endParaRPr lang="fr-FR" dirty="0"/>
+          </a:p>
+        </p:txBody>
+      </p:sp>
       <p:sp>
         <p:nvSpPr>
           <p:cNvPr id="68" name="TextBox 67"/>
@@ -20741,7 +19706,7 @@
                 <a:spcPct val="0"/>
               </a:spcAft>
               <a:buClr>
-                <a:srgbClr val="DA7E18"/>
+                <a:srgbClr xmlns:mc="http://schemas.openxmlformats.org/markup-compatibility/2006" xmlns:a14="http://schemas.microsoft.com/office/drawing/2007/7/7/main" val="DA7E18" mc:Ignorable=""/>
               </a:buClr>
               <a:buSzPct val="70000"/>
               <a:buFont typeface="Wingdings" pitchFamily="2" charset="2"/>
@@ -20763,7 +19728,7 @@
                 <a:spcPct val="0"/>
               </a:spcAft>
               <a:buClr>
-                <a:srgbClr val="E5AB1B"/>
+                <a:srgbClr xmlns:mc="http://schemas.openxmlformats.org/markup-compatibility/2006" xmlns:a14="http://schemas.microsoft.com/office/drawing/2007/7/7/main" val="E5AB1B" mc:Ignorable=""/>
               </a:buClr>
               <a:buSzPct val="70000"/>
               <a:buFont typeface="Wingdings" pitchFamily="2" charset="2"/>
@@ -20939,7 +19904,7 @@
                 <a:spcPct val="0"/>
               </a:spcAft>
               <a:buClr>
-                <a:srgbClr val="DA7E18"/>
+                <a:srgbClr xmlns:mc="http://schemas.openxmlformats.org/markup-compatibility/2006" xmlns:a14="http://schemas.microsoft.com/office/drawing/2007/7/7/main" val="DA7E18" mc:Ignorable=""/>
               </a:buClr>
               <a:buSzPct val="70000"/>
               <a:buFont typeface="Wingdings" pitchFamily="2" charset="2"/>
@@ -20961,7 +19926,7 @@
                 <a:spcPct val="0"/>
               </a:spcAft>
               <a:buClr>
-                <a:srgbClr val="E5AB1B"/>
+                <a:srgbClr xmlns:mc="http://schemas.openxmlformats.org/markup-compatibility/2006" xmlns:a14="http://schemas.microsoft.com/office/drawing/2007/7/7/main" val="E5AB1B" mc:Ignorable=""/>
               </a:buClr>
               <a:buSzPct val="70000"/>
               <a:buFont typeface="Wingdings" pitchFamily="2" charset="2"/>
@@ -21228,7 +20193,7 @@
                 </a:solidFill>
                 <a:effectLst>
                   <a:outerShdw blurRad="38100" dist="38100" dir="2700000" algn="tl">
-                    <a:srgbClr val="000000">
+                    <a:srgbClr xmlns:mc="http://schemas.openxmlformats.org/markup-compatibility/2006" xmlns:a14="http://schemas.microsoft.com/office/drawing/2007/7/7/main" val="000000" mc:Ignorable="">
                       <a:alpha val="43137"/>
                     </a:srgbClr>
                   </a:outerShdw>
@@ -21245,7 +20210,7 @@
                 </a:solidFill>
                 <a:effectLst>
                   <a:outerShdw blurRad="38100" dist="38100" dir="2700000" algn="tl">
-                    <a:srgbClr val="000000">
+                    <a:srgbClr xmlns:mc="http://schemas.openxmlformats.org/markup-compatibility/2006" xmlns:a14="http://schemas.microsoft.com/office/drawing/2007/7/7/main" val="000000" mc:Ignorable="">
                       <a:alpha val="43137"/>
                     </a:srgbClr>
                   </a:outerShdw>
@@ -21262,7 +20227,7 @@
                 </a:solidFill>
                 <a:effectLst>
                   <a:outerShdw blurRad="38100" dist="38100" dir="2700000" algn="tl">
-                    <a:srgbClr val="000000">
+                    <a:srgbClr xmlns:mc="http://schemas.openxmlformats.org/markup-compatibility/2006" xmlns:a14="http://schemas.microsoft.com/office/drawing/2007/7/7/main" val="000000" mc:Ignorable="">
                       <a:alpha val="43137"/>
                     </a:srgbClr>
                   </a:outerShdw>
@@ -21279,7 +20244,7 @@
                 </a:solidFill>
                 <a:effectLst>
                   <a:outerShdw blurRad="38100" dist="38100" dir="2700000" algn="tl">
-                    <a:srgbClr val="000000">
+                    <a:srgbClr xmlns:mc="http://schemas.openxmlformats.org/markup-compatibility/2006" xmlns:a14="http://schemas.microsoft.com/office/drawing/2007/7/7/main" val="000000" mc:Ignorable="">
                       <a:alpha val="43137"/>
                     </a:srgbClr>
                   </a:outerShdw>
@@ -21413,7 +20378,7 @@
     </p:spTree>
     <p:extLst>
       <p:ext uri="{BB962C8B-B14F-4D97-AF65-F5344CB8AC3E}">
-        <p14:creationId xmlns:p14="http://schemas.microsoft.com/office/powerpoint/2007/7/12/main" xmlns="" val="2463560530"/>
+        <p14:creationId xmlns:p14="http://schemas.microsoft.com/office/powerpoint/2007/7/12/main" val="2463560530"/>
       </p:ext>
     </p:extLst>
   </p:cSld>
@@ -21423,7 +20388,7 @@
   <p:timing>
     <p:tnLst>
       <p:par>
-        <p:cTn id="1" dur="indefinite" restart="never" nodeType="tmRoot"/>
+        <p:cTn xmlns:p14="http://schemas.microsoft.com/office/powerpoint/2007/7/12/main" id="1" dur="indefinite" restart="never" nodeType="tmRoot"/>
       </p:par>
     </p:tnLst>
   </p:timing>
@@ -21493,7 +20458,7 @@
           <p:nvPr>
             <p:extLst>
               <p:ext uri="{D42A27DB-BD31-4B8C-83A1-F6EECF244321}">
-                <p14:modId xmlns:p14="http://schemas.microsoft.com/office/powerpoint/2007/7/12/main" xmlns="" val="1786889323"/>
+                <p14:modId xmlns:p14="http://schemas.microsoft.com/office/powerpoint/2007/7/12/main" val="1786889323"/>
               </p:ext>
             </p:extLst>
           </p:nvPr>
@@ -21539,7 +20504,7 @@
     </p:spTree>
     <p:extLst>
       <p:ext uri="{BB962C8B-B14F-4D97-AF65-F5344CB8AC3E}">
-        <p14:creationId xmlns:p14="http://schemas.microsoft.com/office/powerpoint/2007/7/12/main" xmlns="" val="4039325657"/>
+        <p14:creationId xmlns:p14="http://schemas.microsoft.com/office/powerpoint/2007/7/12/main" val="4039325657"/>
       </p:ext>
     </p:extLst>
   </p:cSld>
@@ -21549,7 +20514,7 @@
   <p:timing>
     <p:tnLst>
       <p:par>
-        <p:cTn id="1" dur="indefinite" restart="never" nodeType="tmRoot"/>
+        <p:cTn xmlns:p14="http://schemas.microsoft.com/office/powerpoint/2007/7/12/main" id="1" dur="indefinite" restart="never" nodeType="tmRoot"/>
       </p:par>
     </p:tnLst>
   </p:timing>
@@ -21672,16 +20637,16 @@
               <a:defRPr lang="fr-FR" sz="3600" b="0" cap="none" spc="0">
                 <a:ln w="18415" cmpd="sng">
                   <a:solidFill>
-                    <a:srgbClr val="FFFFFF"/>
+                    <a:srgbClr xmlns:mc="http://schemas.openxmlformats.org/markup-compatibility/2006" xmlns:a14="http://schemas.microsoft.com/office/drawing/2007/7/7/main" val="FFFFFF" mc:Ignorable=""/>
                   </a:solidFill>
                   <a:prstDash val="solid"/>
                 </a:ln>
                 <a:solidFill>
-                  <a:srgbClr val="FFFFFF"/>
+                  <a:srgbClr xmlns:mc="http://schemas.openxmlformats.org/markup-compatibility/2006" xmlns:a14="http://schemas.microsoft.com/office/drawing/2007/7/7/main" val="FFFFFF" mc:Ignorable=""/>
                 </a:solidFill>
                 <a:effectLst>
                   <a:outerShdw blurRad="63500" dir="3600000" algn="tl" rotWithShape="0">
-                    <a:srgbClr val="000000">
+                    <a:srgbClr xmlns:mc="http://schemas.openxmlformats.org/markup-compatibility/2006" xmlns:a14="http://schemas.microsoft.com/office/drawing/2007/7/7/main" val="000000" mc:Ignorable="">
                       <a:alpha val="70000"/>
                     </a:srgbClr>
                   </a:outerShdw>
@@ -21819,7 +20784,7 @@
           <a:p>
             <a:pPr indent="273050" eaLnBrk="1" hangingPunct="1">
               <a:buClr>
-                <a:srgbClr val="C44F00"/>
+                <a:srgbClr xmlns:mc="http://schemas.openxmlformats.org/markup-compatibility/2006" xmlns:a14="http://schemas.microsoft.com/office/drawing/2007/7/7/main" val="C44F00" mc:Ignorable=""/>
               </a:buClr>
               <a:buFont typeface="Calibri" pitchFamily="34" charset="0"/>
               <a:buAutoNum type="arabicPeriod"/>
@@ -21841,7 +20806,7 @@
           <a:p>
             <a:pPr indent="273050" eaLnBrk="1" hangingPunct="1">
               <a:buClr>
-                <a:srgbClr val="C44F00"/>
+                <a:srgbClr xmlns:mc="http://schemas.openxmlformats.org/markup-compatibility/2006" xmlns:a14="http://schemas.microsoft.com/office/drawing/2007/7/7/main" val="C44F00" mc:Ignorable=""/>
               </a:buClr>
               <a:buFont typeface="Calibri" pitchFamily="34" charset="0"/>
               <a:buAutoNum type="arabicPeriod"/>
@@ -21860,7 +20825,7 @@
           <a:p>
             <a:pPr indent="273050" eaLnBrk="1" hangingPunct="1">
               <a:buClr>
-                <a:srgbClr val="C44F00"/>
+                <a:srgbClr xmlns:mc="http://schemas.openxmlformats.org/markup-compatibility/2006" xmlns:a14="http://schemas.microsoft.com/office/drawing/2007/7/7/main" val="C44F00" mc:Ignorable=""/>
               </a:buClr>
               <a:buFont typeface="Calibri" pitchFamily="34" charset="0"/>
               <a:buAutoNum type="arabicPeriod"/>
@@ -21882,7 +20847,7 @@
           <a:p>
             <a:pPr indent="273050" eaLnBrk="1" hangingPunct="1">
               <a:buClr>
-                <a:srgbClr val="C44F00"/>
+                <a:srgbClr xmlns:mc="http://schemas.openxmlformats.org/markup-compatibility/2006" xmlns:a14="http://schemas.microsoft.com/office/drawing/2007/7/7/main" val="C44F00" mc:Ignorable=""/>
               </a:buClr>
               <a:buFont typeface="Calibri" pitchFamily="34" charset="0"/>
               <a:buAutoNum type="arabicPeriod"/>
@@ -21901,7 +20866,7 @@
           <a:p>
             <a:pPr indent="273050" eaLnBrk="1" hangingPunct="1">
               <a:buClr>
-                <a:srgbClr val="C44F00"/>
+                <a:srgbClr xmlns:mc="http://schemas.openxmlformats.org/markup-compatibility/2006" xmlns:a14="http://schemas.microsoft.com/office/drawing/2007/7/7/main" val="C44F00" mc:Ignorable=""/>
               </a:buClr>
               <a:buFont typeface="Calibri" pitchFamily="34" charset="0"/>
               <a:buAutoNum type="arabicPeriod"/>
@@ -21923,7 +20888,7 @@
           <a:p>
             <a:pPr indent="273050" eaLnBrk="1" hangingPunct="1">
               <a:buClr>
-                <a:srgbClr val="C44F00"/>
+                <a:srgbClr xmlns:mc="http://schemas.openxmlformats.org/markup-compatibility/2006" xmlns:a14="http://schemas.microsoft.com/office/drawing/2007/7/7/main" val="C44F00" mc:Ignorable=""/>
               </a:buClr>
               <a:buFont typeface="Calibri" pitchFamily="34" charset="0"/>
               <a:buAutoNum type="arabicPeriod"/>
@@ -21942,7 +20907,7 @@
           <a:p>
             <a:pPr indent="273050" eaLnBrk="1" hangingPunct="1">
               <a:buClr>
-                <a:srgbClr val="C44F00"/>
+                <a:srgbClr xmlns:mc="http://schemas.openxmlformats.org/markup-compatibility/2006" xmlns:a14="http://schemas.microsoft.com/office/drawing/2007/7/7/main" val="C44F00" mc:Ignorable=""/>
               </a:buClr>
               <a:buFont typeface="Calibri" pitchFamily="34" charset="0"/>
               <a:buAutoNum type="arabicPeriod"/>
@@ -21998,7 +20963,7 @@
             </a:avLst>
           </a:prstGeom>
           <a:solidFill>
-            <a:srgbClr val="FFFFFF">
+            <a:srgbClr xmlns:mc="http://schemas.openxmlformats.org/markup-compatibility/2006" xmlns:a14="http://schemas.microsoft.com/office/drawing/2007/7/7/main" val="FFFFFF" mc:Ignorable="">
               <a:shade val="85000"/>
             </a:srgbClr>
           </a:solidFill>
@@ -22018,7 +20983,7 @@
     </p:spTree>
     <p:extLst>
       <p:ext uri="{BB962C8B-B14F-4D97-AF65-F5344CB8AC3E}">
-        <p14:creationId xmlns:p14="http://schemas.microsoft.com/office/powerpoint/2007/7/12/main" xmlns="" val="2737251238"/>
+        <p14:creationId xmlns:p14="http://schemas.microsoft.com/office/powerpoint/2007/7/12/main" val="2737251238"/>
       </p:ext>
     </p:extLst>
   </p:cSld>
@@ -22028,7 +20993,7 @@
   <p:timing>
     <p:tnLst>
       <p:par>
-        <p:cTn id="1" dur="indefinite" restart="never" nodeType="tmRoot"/>
+        <p:cTn xmlns:p14="http://schemas.microsoft.com/office/powerpoint/2007/7/12/main" id="1" dur="indefinite" restart="never" nodeType="tmRoot"/>
       </p:par>
     </p:tnLst>
   </p:timing>
@@ -22046,34 +21011,34 @@
         <a:sysClr val="window" lastClr="FFFFFF"/>
       </a:lt1>
       <a:dk2>
-        <a:srgbClr val="424456"/>
+        <a:srgbClr xmlns:mc="http://schemas.openxmlformats.org/markup-compatibility/2006" xmlns:a14="http://schemas.microsoft.com/office/drawing/2007/7/7/main" val="424456" mc:Ignorable=""/>
       </a:dk2>
       <a:lt2>
-        <a:srgbClr val="DEDEDE"/>
+        <a:srgbClr xmlns:mc="http://schemas.openxmlformats.org/markup-compatibility/2006" xmlns:a14="http://schemas.microsoft.com/office/drawing/2007/7/7/main" val="DEDEDE" mc:Ignorable=""/>
       </a:lt2>
       <a:accent1>
-        <a:srgbClr val="53548A"/>
+        <a:srgbClr xmlns:mc="http://schemas.openxmlformats.org/markup-compatibility/2006" xmlns:a14="http://schemas.microsoft.com/office/drawing/2007/7/7/main" val="53548A" mc:Ignorable=""/>
       </a:accent1>
       <a:accent2>
-        <a:srgbClr val="438086"/>
+        <a:srgbClr xmlns:mc="http://schemas.openxmlformats.org/markup-compatibility/2006" xmlns:a14="http://schemas.microsoft.com/office/drawing/2007/7/7/main" val="438086" mc:Ignorable=""/>
       </a:accent2>
       <a:accent3>
-        <a:srgbClr val="A04DA3"/>
+        <a:srgbClr xmlns:mc="http://schemas.openxmlformats.org/markup-compatibility/2006" xmlns:a14="http://schemas.microsoft.com/office/drawing/2007/7/7/main" val="A04DA3" mc:Ignorable=""/>
       </a:accent3>
       <a:accent4>
-        <a:srgbClr val="C4652D"/>
+        <a:srgbClr xmlns:mc="http://schemas.openxmlformats.org/markup-compatibility/2006" xmlns:a14="http://schemas.microsoft.com/office/drawing/2007/7/7/main" val="C4652D" mc:Ignorable=""/>
       </a:accent4>
       <a:accent5>
-        <a:srgbClr val="8B5D3D"/>
+        <a:srgbClr xmlns:mc="http://schemas.openxmlformats.org/markup-compatibility/2006" xmlns:a14="http://schemas.microsoft.com/office/drawing/2007/7/7/main" val="8B5D3D" mc:Ignorable=""/>
       </a:accent5>
       <a:accent6>
-        <a:srgbClr val="5C92B5"/>
+        <a:srgbClr xmlns:mc="http://schemas.openxmlformats.org/markup-compatibility/2006" xmlns:a14="http://schemas.microsoft.com/office/drawing/2007/7/7/main" val="5C92B5" mc:Ignorable=""/>
       </a:accent6>
       <a:hlink>
-        <a:srgbClr val="67AFBD"/>
+        <a:srgbClr xmlns:mc="http://schemas.openxmlformats.org/markup-compatibility/2006" xmlns:a14="http://schemas.microsoft.com/office/drawing/2007/7/7/main" val="67AFBD" mc:Ignorable=""/>
       </a:hlink>
       <a:folHlink>
-        <a:srgbClr val="C2A874"/>
+        <a:srgbClr xmlns:mc="http://schemas.openxmlformats.org/markup-compatibility/2006" xmlns:a14="http://schemas.microsoft.com/office/drawing/2007/7/7/main" val="C2A874" mc:Ignorable=""/>
       </a:folHlink>
     </a:clrScheme>
     <a:fontScheme name="Office">
@@ -22224,7 +21189,7 @@
         <a:effectStyle>
           <a:effectLst>
             <a:outerShdw blurRad="65500" dist="38100" dir="5400000" rotWithShape="0">
-              <a:srgbClr val="000000">
+              <a:srgbClr xmlns:mc="http://schemas.openxmlformats.org/markup-compatibility/2006" xmlns:a14="http://schemas.microsoft.com/office/drawing/2007/7/7/main" val="000000" mc:Ignorable="">
                 <a:alpha val="40000"/>
               </a:srgbClr>
             </a:outerShdw>
@@ -22233,7 +21198,7 @@
         <a:effectStyle>
           <a:effectLst>
             <a:outerShdw blurRad="65500" dist="38100" dir="5400000" rotWithShape="0">
-              <a:srgbClr val="000000">
+              <a:srgbClr xmlns:mc="http://schemas.openxmlformats.org/markup-compatibility/2006" xmlns:a14="http://schemas.microsoft.com/office/drawing/2007/7/7/main" val="000000" mc:Ignorable="">
                 <a:alpha val="40000"/>
               </a:srgbClr>
             </a:outerShdw>
@@ -22242,7 +21207,7 @@
         <a:effectStyle>
           <a:effectLst>
             <a:outerShdw blurRad="65500" dist="38100" dir="5400000" rotWithShape="0">
-              <a:srgbClr val="000000">
+              <a:srgbClr xmlns:mc="http://schemas.openxmlformats.org/markup-compatibility/2006" xmlns:a14="http://schemas.microsoft.com/office/drawing/2007/7/7/main" val="000000" mc:Ignorable="">
                 <a:alpha val="40000"/>
               </a:srgbClr>
             </a:outerShdw>
@@ -22372,34 +21337,34 @@
         <a:sysClr val="window" lastClr="FFFFFF"/>
       </a:lt1>
       <a:dk2>
-        <a:srgbClr val="1F497D"/>
+        <a:srgbClr xmlns:mc="http://schemas.openxmlformats.org/markup-compatibility/2006" xmlns:a14="http://schemas.microsoft.com/office/drawing/2007/7/7/main" val="1F497D" mc:Ignorable=""/>
       </a:dk2>
       <a:lt2>
-        <a:srgbClr val="EEECE1"/>
+        <a:srgbClr xmlns:mc="http://schemas.openxmlformats.org/markup-compatibility/2006" xmlns:a14="http://schemas.microsoft.com/office/drawing/2007/7/7/main" val="EEECE1" mc:Ignorable=""/>
       </a:lt2>
       <a:accent1>
-        <a:srgbClr val="4F81BD"/>
+        <a:srgbClr xmlns:mc="http://schemas.openxmlformats.org/markup-compatibility/2006" xmlns:a14="http://schemas.microsoft.com/office/drawing/2007/7/7/main" val="4F81BD" mc:Ignorable=""/>
       </a:accent1>
       <a:accent2>
-        <a:srgbClr val="C0504D"/>
+        <a:srgbClr xmlns:mc="http://schemas.openxmlformats.org/markup-compatibility/2006" xmlns:a14="http://schemas.microsoft.com/office/drawing/2007/7/7/main" val="C0504D" mc:Ignorable=""/>
       </a:accent2>
       <a:accent3>
-        <a:srgbClr val="9BBB59"/>
+        <a:srgbClr xmlns:mc="http://schemas.openxmlformats.org/markup-compatibility/2006" xmlns:a14="http://schemas.microsoft.com/office/drawing/2007/7/7/main" val="9BBB59" mc:Ignorable=""/>
       </a:accent3>
       <a:accent4>
-        <a:srgbClr val="8064A2"/>
+        <a:srgbClr xmlns:mc="http://schemas.openxmlformats.org/markup-compatibility/2006" xmlns:a14="http://schemas.microsoft.com/office/drawing/2007/7/7/main" val="8064A2" mc:Ignorable=""/>
       </a:accent4>
       <a:accent5>
-        <a:srgbClr val="4BACC6"/>
+        <a:srgbClr xmlns:mc="http://schemas.openxmlformats.org/markup-compatibility/2006" xmlns:a14="http://schemas.microsoft.com/office/drawing/2007/7/7/main" val="4BACC6" mc:Ignorable=""/>
       </a:accent5>
       <a:accent6>
-        <a:srgbClr val="F79646"/>
+        <a:srgbClr xmlns:mc="http://schemas.openxmlformats.org/markup-compatibility/2006" xmlns:a14="http://schemas.microsoft.com/office/drawing/2007/7/7/main" val="F79646" mc:Ignorable=""/>
       </a:accent6>
       <a:hlink>
-        <a:srgbClr val="0000FF"/>
+        <a:srgbClr xmlns:mc="http://schemas.openxmlformats.org/markup-compatibility/2006" xmlns:a14="http://schemas.microsoft.com/office/drawing/2007/7/7/main" val="0000FF" mc:Ignorable=""/>
       </a:hlink>
       <a:folHlink>
-        <a:srgbClr val="800080"/>
+        <a:srgbClr xmlns:mc="http://schemas.openxmlformats.org/markup-compatibility/2006" xmlns:a14="http://schemas.microsoft.com/office/drawing/2007/7/7/main" val="800080" mc:Ignorable=""/>
       </a:folHlink>
     </a:clrScheme>
     <a:fontScheme name="Office">
@@ -22551,7 +21516,7 @@
         <a:effectStyle>
           <a:effectLst>
             <a:outerShdw blurRad="40000" dist="20000" dir="5400000" rotWithShape="0">
-              <a:srgbClr val="000000">
+              <a:srgbClr xmlns:mc="http://schemas.openxmlformats.org/markup-compatibility/2006" xmlns:a14="http://schemas.microsoft.com/office/drawing/2007/7/7/main" val="000000" mc:Ignorable="">
                 <a:alpha val="38000"/>
               </a:srgbClr>
             </a:outerShdw>
@@ -22560,7 +21525,7 @@
         <a:effectStyle>
           <a:effectLst>
             <a:outerShdw blurRad="40000" dist="23000" dir="5400000" rotWithShape="0">
-              <a:srgbClr val="000000">
+              <a:srgbClr xmlns:mc="http://schemas.openxmlformats.org/markup-compatibility/2006" xmlns:a14="http://schemas.microsoft.com/office/drawing/2007/7/7/main" val="000000" mc:Ignorable="">
                 <a:alpha val="35000"/>
               </a:srgbClr>
             </a:outerShdw>
@@ -22569,7 +21534,7 @@
         <a:effectStyle>
           <a:effectLst>
             <a:outerShdw blurRad="40000" dist="23000" dir="5400000" rotWithShape="0">
-              <a:srgbClr val="000000">
+              <a:srgbClr xmlns:mc="http://schemas.openxmlformats.org/markup-compatibility/2006" xmlns:a14="http://schemas.microsoft.com/office/drawing/2007/7/7/main" val="000000" mc:Ignorable="">
                 <a:alpha val="35000"/>
               </a:srgbClr>
             </a:outerShdw>
@@ -22655,34 +21620,34 @@
         <a:sysClr val="window" lastClr="FFFFFF"/>
       </a:lt1>
       <a:dk2>
-        <a:srgbClr val="1F497D"/>
+        <a:srgbClr xmlns:mc="http://schemas.openxmlformats.org/markup-compatibility/2006" xmlns:a14="http://schemas.microsoft.com/office/drawing/2007/7/7/main" val="1F497D" mc:Ignorable=""/>
       </a:dk2>
       <a:lt2>
-        <a:srgbClr val="EEECE1"/>
+        <a:srgbClr xmlns:mc="http://schemas.openxmlformats.org/markup-compatibility/2006" xmlns:a14="http://schemas.microsoft.com/office/drawing/2007/7/7/main" val="EEECE1" mc:Ignorable=""/>
       </a:lt2>
       <a:accent1>
-        <a:srgbClr val="4F81BD"/>
+        <a:srgbClr xmlns:mc="http://schemas.openxmlformats.org/markup-compatibility/2006" xmlns:a14="http://schemas.microsoft.com/office/drawing/2007/7/7/main" val="4F81BD" mc:Ignorable=""/>
       </a:accent1>
       <a:accent2>
-        <a:srgbClr val="C0504D"/>
+        <a:srgbClr xmlns:mc="http://schemas.openxmlformats.org/markup-compatibility/2006" xmlns:a14="http://schemas.microsoft.com/office/drawing/2007/7/7/main" val="C0504D" mc:Ignorable=""/>
       </a:accent2>
       <a:accent3>
-        <a:srgbClr val="9BBB59"/>
+        <a:srgbClr xmlns:mc="http://schemas.openxmlformats.org/markup-compatibility/2006" xmlns:a14="http://schemas.microsoft.com/office/drawing/2007/7/7/main" val="9BBB59" mc:Ignorable=""/>
       </a:accent3>
       <a:accent4>
-        <a:srgbClr val="8064A2"/>
+        <a:srgbClr xmlns:mc="http://schemas.openxmlformats.org/markup-compatibility/2006" xmlns:a14="http://schemas.microsoft.com/office/drawing/2007/7/7/main" val="8064A2" mc:Ignorable=""/>
       </a:accent4>
       <a:accent5>
-        <a:srgbClr val="4BACC6"/>
+        <a:srgbClr xmlns:mc="http://schemas.openxmlformats.org/markup-compatibility/2006" xmlns:a14="http://schemas.microsoft.com/office/drawing/2007/7/7/main" val="4BACC6" mc:Ignorable=""/>
       </a:accent5>
       <a:accent6>
-        <a:srgbClr val="F79646"/>
+        <a:srgbClr xmlns:mc="http://schemas.openxmlformats.org/markup-compatibility/2006" xmlns:a14="http://schemas.microsoft.com/office/drawing/2007/7/7/main" val="F79646" mc:Ignorable=""/>
       </a:accent6>
       <a:hlink>
-        <a:srgbClr val="0000FF"/>
+        <a:srgbClr xmlns:mc="http://schemas.openxmlformats.org/markup-compatibility/2006" xmlns:a14="http://schemas.microsoft.com/office/drawing/2007/7/7/main" val="0000FF" mc:Ignorable=""/>
       </a:hlink>
       <a:folHlink>
-        <a:srgbClr val="800080"/>
+        <a:srgbClr xmlns:mc="http://schemas.openxmlformats.org/markup-compatibility/2006" xmlns:a14="http://schemas.microsoft.com/office/drawing/2007/7/7/main" val="800080" mc:Ignorable=""/>
       </a:folHlink>
     </a:clrScheme>
     <a:fontScheme name="Office">
@@ -22834,7 +21799,7 @@
         <a:effectStyle>
           <a:effectLst>
             <a:outerShdw blurRad="40000" dist="20000" dir="5400000" rotWithShape="0">
-              <a:srgbClr val="000000">
+              <a:srgbClr xmlns:mc="http://schemas.openxmlformats.org/markup-compatibility/2006" xmlns:a14="http://schemas.microsoft.com/office/drawing/2007/7/7/main" val="000000" mc:Ignorable="">
                 <a:alpha val="38000"/>
               </a:srgbClr>
             </a:outerShdw>
@@ -22843,7 +21808,7 @@
         <a:effectStyle>
           <a:effectLst>
             <a:outerShdw blurRad="40000" dist="23000" dir="5400000" rotWithShape="0">
-              <a:srgbClr val="000000">
+              <a:srgbClr xmlns:mc="http://schemas.openxmlformats.org/markup-compatibility/2006" xmlns:a14="http://schemas.microsoft.com/office/drawing/2007/7/7/main" val="000000" mc:Ignorable="">
                 <a:alpha val="35000"/>
               </a:srgbClr>
             </a:outerShdw>
@@ -22852,7 +21817,7 @@
         <a:effectStyle>
           <a:effectLst>
             <a:outerShdw blurRad="40000" dist="23000" dir="5400000" rotWithShape="0">
-              <a:srgbClr val="000000">
+              <a:srgbClr xmlns:mc="http://schemas.openxmlformats.org/markup-compatibility/2006" xmlns:a14="http://schemas.microsoft.com/office/drawing/2007/7/7/main" val="000000" mc:Ignorable="">
                 <a:alpha val="35000"/>
               </a:srgbClr>
             </a:outerShdw>

--- a/trunk/Project 1/Part Final/CS554_EuroTeam_Project1.pptx
+++ b/trunk/Project 1/Part Final/CS554_EuroTeam_Project1.pptx
@@ -5,10 +5,10 @@
     <p:sldMasterId id="2147483660" r:id="rId2"/>
   </p:sldMasterIdLst>
   <p:notesMasterIdLst>
-    <p:notesMasterId r:id="rId30"/>
+    <p:notesMasterId r:id="rId31"/>
   </p:notesMasterIdLst>
   <p:handoutMasterIdLst>
-    <p:handoutMasterId r:id="rId31"/>
+    <p:handoutMasterId r:id="rId32"/>
   </p:handoutMasterIdLst>
   <p:sldIdLst>
     <p:sldId id="256" r:id="rId3"/>
@@ -35,9 +35,10 @@
     <p:sldId id="354" r:id="rId24"/>
     <p:sldId id="355" r:id="rId25"/>
     <p:sldId id="352" r:id="rId26"/>
-    <p:sldId id="332" r:id="rId27"/>
-    <p:sldId id="308" r:id="rId28"/>
-    <p:sldId id="286" r:id="rId29"/>
+    <p:sldId id="360" r:id="rId27"/>
+    <p:sldId id="332" r:id="rId28"/>
+    <p:sldId id="308" r:id="rId29"/>
+    <p:sldId id="286" r:id="rId30"/>
   </p:sldIdLst>
   <p:sldSz cx="9144000" cy="6858000" type="screen4x3"/>
   <p:notesSz cx="7099300" cy="10234613"/>
@@ -1805,47 +1806,47 @@
         <a:lstStyle/>
         <a:p>
           <a:r>
-            <a:rPr lang="fr-FR" sz="2400" dirty="0" smtClean="0"/>
+            <a:rPr lang="fr-FR" sz="2800" b="1" dirty="0" smtClean="0"/>
             <a:t>New aspects of </a:t>
           </a:r>
           <a:r>
-            <a:rPr lang="fr-FR" sz="2400" dirty="0" err="1" smtClean="0"/>
+            <a:rPr lang="fr-FR" sz="2800" b="1" dirty="0" err="1" smtClean="0"/>
             <a:t>requirements</a:t>
           </a:r>
           <a:r>
-            <a:rPr lang="fr-FR" sz="2400" dirty="0" smtClean="0"/>
+            <a:rPr lang="fr-FR" sz="2800" b="1" dirty="0" smtClean="0"/>
             <a:t> </a:t>
           </a:r>
           <a:r>
-            <a:rPr lang="fr-FR" sz="2400" dirty="0" err="1" smtClean="0"/>
+            <a:rPr lang="fr-FR" sz="2800" b="1" dirty="0" err="1" smtClean="0"/>
             <a:t>were</a:t>
           </a:r>
           <a:r>
-            <a:rPr lang="fr-FR" sz="2400" dirty="0" smtClean="0"/>
+            <a:rPr lang="fr-FR" sz="2800" b="1" dirty="0" smtClean="0"/>
             <a:t> </a:t>
           </a:r>
           <a:r>
-            <a:rPr lang="fr-FR" sz="2400" dirty="0" err="1" smtClean="0"/>
+            <a:rPr lang="fr-FR" sz="2800" b="1" dirty="0" err="1" smtClean="0"/>
             <a:t>emphasized</a:t>
           </a:r>
           <a:r>
-            <a:rPr lang="fr-FR" sz="2400" dirty="0" smtClean="0"/>
+            <a:rPr lang="fr-FR" sz="2800" b="1" dirty="0" smtClean="0"/>
             <a:t> </a:t>
           </a:r>
           <a:r>
-            <a:rPr lang="fr-FR" sz="2400" dirty="0" err="1" smtClean="0"/>
+            <a:rPr lang="fr-FR" sz="2800" b="1" dirty="0" err="1" smtClean="0"/>
             <a:t>using</a:t>
           </a:r>
           <a:r>
-            <a:rPr lang="fr-FR" sz="2400" dirty="0" smtClean="0"/>
+            <a:rPr lang="fr-FR" sz="2800" b="1" dirty="0" smtClean="0"/>
             <a:t> </a:t>
           </a:r>
           <a:r>
-            <a:rPr lang="fr-FR" sz="2400" dirty="0" err="1" smtClean="0"/>
+            <a:rPr lang="fr-FR" sz="2800" b="1" dirty="0" err="1" smtClean="0"/>
             <a:t>problem</a:t>
           </a:r>
           <a:r>
-            <a:rPr lang="fr-FR" sz="2400" dirty="0" smtClean="0"/>
+            <a:rPr lang="fr-FR" sz="2800" b="1" dirty="0" smtClean="0"/>
             <a:t> frames. </a:t>
           </a:r>
         </a:p>
@@ -1892,54 +1893,54 @@
         <a:lstStyle/>
         <a:p>
           <a:r>
-            <a:rPr lang="fr-FR" sz="2000" dirty="0" err="1" smtClean="0"/>
-            <a:t>clearly</a:t>
+            <a:rPr lang="fr-FR" sz="2400" dirty="0" err="1" smtClean="0"/>
+            <a:t>Clearly</a:t>
           </a:r>
           <a:r>
-            <a:rPr lang="fr-FR" sz="2000" dirty="0" smtClean="0"/>
+            <a:rPr lang="fr-FR" sz="2400" dirty="0" smtClean="0"/>
             <a:t> </a:t>
           </a:r>
           <a:r>
-            <a:rPr lang="fr-FR" sz="2000" dirty="0" err="1" smtClean="0"/>
+            <a:rPr lang="fr-FR" sz="2400" dirty="0" err="1" smtClean="0"/>
             <a:t>defining</a:t>
           </a:r>
           <a:r>
-            <a:rPr lang="fr-FR" sz="2000" dirty="0" smtClean="0"/>
+            <a:rPr lang="fr-FR" sz="2400" dirty="0" smtClean="0"/>
             <a:t> </a:t>
           </a:r>
           <a:r>
-            <a:rPr lang="fr-FR" sz="2000" dirty="0" err="1" smtClean="0"/>
+            <a:rPr lang="fr-FR" sz="2400" dirty="0" err="1" smtClean="0"/>
             <a:t>which</a:t>
           </a:r>
           <a:r>
-            <a:rPr lang="fr-FR" sz="2000" dirty="0" smtClean="0"/>
+            <a:rPr lang="fr-FR" sz="2400" dirty="0" smtClean="0"/>
             <a:t> </a:t>
           </a:r>
           <a:r>
-            <a:rPr lang="fr-FR" sz="2000" dirty="0" err="1" smtClean="0"/>
+            <a:rPr lang="fr-FR" sz="2400" dirty="0" err="1" smtClean="0"/>
             <a:t>domains</a:t>
           </a:r>
           <a:r>
-            <a:rPr lang="fr-FR" sz="2000" dirty="0" smtClean="0"/>
+            <a:rPr lang="fr-FR" sz="2400" dirty="0" smtClean="0"/>
             <a:t> </a:t>
           </a:r>
           <a:r>
-            <a:rPr lang="fr-FR" sz="2000" dirty="0" err="1" smtClean="0"/>
+            <a:rPr lang="fr-FR" sz="2400" dirty="0" err="1" smtClean="0"/>
             <a:t>interact</a:t>
           </a:r>
           <a:r>
-            <a:rPr lang="fr-FR" sz="2000" dirty="0" smtClean="0"/>
+            <a:rPr lang="fr-FR" sz="2400" dirty="0" smtClean="0"/>
             <a:t> </a:t>
           </a:r>
           <a:r>
-            <a:rPr lang="fr-FR" sz="2000" dirty="0" err="1" smtClean="0"/>
+            <a:rPr lang="fr-FR" sz="2400" dirty="0" err="1" smtClean="0"/>
             <a:t>with</a:t>
           </a:r>
           <a:r>
-            <a:rPr lang="fr-FR" sz="2000" dirty="0" smtClean="0"/>
+            <a:rPr lang="fr-FR" sz="2400" dirty="0" smtClean="0"/>
             <a:t> the machine</a:t>
           </a:r>
-          <a:endParaRPr lang="fr-FR" sz="2000" dirty="0"/>
+          <a:endParaRPr lang="fr-FR" sz="2400" dirty="0"/>
         </a:p>
       </dgm:t>
     </dgm:pt>
@@ -1973,38 +1974,38 @@
         <a:lstStyle/>
         <a:p>
           <a:r>
-            <a:rPr lang="fr-FR" sz="2000" dirty="0" err="1" smtClean="0"/>
-            <a:t>considering</a:t>
+            <a:rPr lang="fr-FR" sz="2400" dirty="0" err="1" smtClean="0"/>
+            <a:t>Considering</a:t>
           </a:r>
           <a:r>
-            <a:rPr lang="fr-FR" sz="2000" dirty="0" smtClean="0"/>
+            <a:rPr lang="fr-FR" sz="2400" dirty="0" smtClean="0"/>
             <a:t> </a:t>
           </a:r>
           <a:r>
-            <a:rPr lang="fr-FR" sz="2000" dirty="0" err="1" smtClean="0"/>
+            <a:rPr lang="fr-FR" sz="2400" dirty="0" err="1" smtClean="0"/>
             <a:t>both</a:t>
           </a:r>
           <a:r>
-            <a:rPr lang="fr-FR" sz="2000" dirty="0" smtClean="0"/>
+            <a:rPr lang="fr-FR" sz="2400" dirty="0" smtClean="0"/>
             <a:t> data </a:t>
           </a:r>
           <a:r>
-            <a:rPr lang="fr-FR" sz="2000" dirty="0" err="1" smtClean="0"/>
+            <a:rPr lang="fr-FR" sz="2400" dirty="0" err="1" smtClean="0"/>
             <a:t>storage</a:t>
           </a:r>
           <a:r>
-            <a:rPr lang="fr-FR" sz="2000" dirty="0" smtClean="0"/>
+            <a:rPr lang="fr-FR" sz="2400" dirty="0" smtClean="0"/>
             <a:t>, </a:t>
           </a:r>
           <a:r>
-            <a:rPr lang="fr-FR" sz="2000" dirty="0" err="1" smtClean="0"/>
+            <a:rPr lang="fr-FR" sz="2400" dirty="0" err="1" smtClean="0"/>
             <a:t>processing</a:t>
           </a:r>
           <a:r>
-            <a:rPr lang="fr-FR" sz="2000" dirty="0" smtClean="0"/>
+            <a:rPr lang="fr-FR" sz="2400" dirty="0" smtClean="0"/>
             <a:t> and display</a:t>
           </a:r>
-          <a:endParaRPr lang="fr-FR" sz="2000" dirty="0"/>
+          <a:endParaRPr lang="fr-FR" sz="2400" dirty="0"/>
         </a:p>
       </dgm:t>
     </dgm:pt>
@@ -2038,22 +2039,22 @@
         <a:lstStyle/>
         <a:p>
           <a:r>
-            <a:rPr lang="fr-FR" sz="2000" dirty="0" err="1" smtClean="0"/>
-            <a:t>considering</a:t>
+            <a:rPr lang="fr-FR" sz="2400" dirty="0" err="1" smtClean="0"/>
+            <a:t>Considering</a:t>
           </a:r>
           <a:r>
-            <a:rPr lang="fr-FR" sz="2000" dirty="0" smtClean="0"/>
+            <a:rPr lang="fr-FR" sz="2400" dirty="0" smtClean="0"/>
             <a:t> </a:t>
           </a:r>
           <a:r>
-            <a:rPr lang="fr-FR" sz="2000" dirty="0" err="1" smtClean="0"/>
+            <a:rPr lang="fr-FR" sz="2400" dirty="0" err="1" smtClean="0"/>
             <a:t>errors</a:t>
           </a:r>
           <a:r>
-            <a:rPr lang="fr-FR" sz="2000" dirty="0" smtClean="0"/>
+            <a:rPr lang="fr-FR" sz="2400" dirty="0" smtClean="0"/>
             <a:t> and exceptions in interactions</a:t>
           </a:r>
-          <a:endParaRPr lang="fr-FR" sz="2000" dirty="0"/>
+          <a:endParaRPr lang="fr-FR" sz="2400" dirty="0"/>
         </a:p>
       </dgm:t>
     </dgm:pt>
@@ -2162,15 +2163,15 @@
     </dgm:pt>
   </dgm:ptLst>
   <dgm:cxnLst>
+    <dgm:cxn modelId="{1243EC71-5E7D-4C79-8704-ECBB153E68A6}" type="presOf" srcId="{5D0FFDA3-D15D-4CA2-8EFE-9EC8899DE1F5}" destId="{8241D08B-CB62-4962-9D9B-1D2183EA71DA}" srcOrd="0" destOrd="0" presId="urn:microsoft.com/office/officeart/2005/8/layout/hList3"/>
+    <dgm:cxn modelId="{D0830010-8404-4079-8A87-B903D6175051}" type="presOf" srcId="{ACBE8AEB-35DB-410A-ADBF-310666E7673F}" destId="{22A99387-A6D2-43E3-AF24-6FADF6F83837}" srcOrd="0" destOrd="0" presId="urn:microsoft.com/office/officeart/2005/8/layout/hList3"/>
+    <dgm:cxn modelId="{9470F95E-218E-46C8-AA4B-C00989CBD572}" srcId="{ACBE8AEB-35DB-410A-ADBF-310666E7673F}" destId="{5D0FFDA3-D15D-4CA2-8EFE-9EC8899DE1F5}" srcOrd="0" destOrd="0" parTransId="{A3C5E0B0-61D6-4B14-923B-AE59DC3B303B}" sibTransId="{3B6787F9-15E3-4A84-8556-E58B129391CE}"/>
     <dgm:cxn modelId="{1C367138-309B-4DC0-A5E4-ED5BF5BE92A3}" srcId="{ACBE8AEB-35DB-410A-ADBF-310666E7673F}" destId="{4365DE52-E75B-46CF-A8D4-AF910C52CA6B}" srcOrd="2" destOrd="0" parTransId="{1C7DE86A-33AB-4B0E-A01C-A0274405A7E0}" sibTransId="{1F7876FF-1296-47A3-9D0A-43540679CDE7}"/>
-    <dgm:cxn modelId="{5782D883-7ABF-495F-9F16-D8ACB573A0EE}" srcId="{9D494135-09CA-43EB-BFD9-20DB75AA542C}" destId="{ACBE8AEB-35DB-410A-ADBF-310666E7673F}" srcOrd="0" destOrd="0" parTransId="{1E35ABE8-2196-4DA1-8C90-7221860D6B0D}" sibTransId="{C6F29DB6-9F8E-4A11-8A71-6E071E0ADDEC}"/>
-    <dgm:cxn modelId="{1243EC71-5E7D-4C79-8704-ECBB153E68A6}" type="presOf" srcId="{5D0FFDA3-D15D-4CA2-8EFE-9EC8899DE1F5}" destId="{8241D08B-CB62-4962-9D9B-1D2183EA71DA}" srcOrd="0" destOrd="0" presId="urn:microsoft.com/office/officeart/2005/8/layout/hList3"/>
-    <dgm:cxn modelId="{1ED252CA-507D-404C-82E8-B2351F233BEB}" type="presOf" srcId="{9D494135-09CA-43EB-BFD9-20DB75AA542C}" destId="{E6657A53-48FF-420B-98E9-7F064B529D85}" srcOrd="0" destOrd="0" presId="urn:microsoft.com/office/officeart/2005/8/layout/hList3"/>
+    <dgm:cxn modelId="{554533F8-4688-45C6-A101-B13B7DA5EE15}" srcId="{ACBE8AEB-35DB-410A-ADBF-310666E7673F}" destId="{E7D032B1-869F-46B7-AAC1-1906493EC5B4}" srcOrd="1" destOrd="0" parTransId="{172A57E4-5BDA-416B-A087-9DCD0CC43916}" sibTransId="{70BABF1A-F8CA-4CBF-BBA9-0251CC5284A6}"/>
     <dgm:cxn modelId="{3764D938-70C6-4419-906F-AB46C2F234D9}" type="presOf" srcId="{E7D032B1-869F-46B7-AAC1-1906493EC5B4}" destId="{36A69038-D135-4966-B855-369C1C83C96F}" srcOrd="0" destOrd="0" presId="urn:microsoft.com/office/officeart/2005/8/layout/hList3"/>
     <dgm:cxn modelId="{1DBCA53E-5181-4A8C-8FC4-CAC47AF9E584}" type="presOf" srcId="{4365DE52-E75B-46CF-A8D4-AF910C52CA6B}" destId="{C9068F78-E09E-4543-A698-C5622D67FE22}" srcOrd="0" destOrd="0" presId="urn:microsoft.com/office/officeart/2005/8/layout/hList3"/>
-    <dgm:cxn modelId="{554533F8-4688-45C6-A101-B13B7DA5EE15}" srcId="{ACBE8AEB-35DB-410A-ADBF-310666E7673F}" destId="{E7D032B1-869F-46B7-AAC1-1906493EC5B4}" srcOrd="1" destOrd="0" parTransId="{172A57E4-5BDA-416B-A087-9DCD0CC43916}" sibTransId="{70BABF1A-F8CA-4CBF-BBA9-0251CC5284A6}"/>
-    <dgm:cxn modelId="{D0830010-8404-4079-8A87-B903D6175051}" type="presOf" srcId="{ACBE8AEB-35DB-410A-ADBF-310666E7673F}" destId="{22A99387-A6D2-43E3-AF24-6FADF6F83837}" srcOrd="0" destOrd="0" presId="urn:microsoft.com/office/officeart/2005/8/layout/hList3"/>
-    <dgm:cxn modelId="{9470F95E-218E-46C8-AA4B-C00989CBD572}" srcId="{ACBE8AEB-35DB-410A-ADBF-310666E7673F}" destId="{5D0FFDA3-D15D-4CA2-8EFE-9EC8899DE1F5}" srcOrd="0" destOrd="0" parTransId="{A3C5E0B0-61D6-4B14-923B-AE59DC3B303B}" sibTransId="{3B6787F9-15E3-4A84-8556-E58B129391CE}"/>
+    <dgm:cxn modelId="{1ED252CA-507D-404C-82E8-B2351F233BEB}" type="presOf" srcId="{9D494135-09CA-43EB-BFD9-20DB75AA542C}" destId="{E6657A53-48FF-420B-98E9-7F064B529D85}" srcOrd="0" destOrd="0" presId="urn:microsoft.com/office/officeart/2005/8/layout/hList3"/>
+    <dgm:cxn modelId="{5782D883-7ABF-495F-9F16-D8ACB573A0EE}" srcId="{9D494135-09CA-43EB-BFD9-20DB75AA542C}" destId="{ACBE8AEB-35DB-410A-ADBF-310666E7673F}" srcOrd="0" destOrd="0" parTransId="{1E35ABE8-2196-4DA1-8C90-7221860D6B0D}" sibTransId="{C6F29DB6-9F8E-4A11-8A71-6E071E0ADDEC}"/>
     <dgm:cxn modelId="{EA499AF1-251E-4BB4-A9CD-2C3B2E72C5AD}" type="presParOf" srcId="{E6657A53-48FF-420B-98E9-7F064B529D85}" destId="{22A99387-A6D2-43E3-AF24-6FADF6F83837}" srcOrd="0" destOrd="0" presId="urn:microsoft.com/office/officeart/2005/8/layout/hList3"/>
     <dgm:cxn modelId="{47B6DF35-E158-4379-8EE6-8F620371B5B2}" type="presParOf" srcId="{E6657A53-48FF-420B-98E9-7F064B529D85}" destId="{7EEC38D5-F24F-4C37-9A58-F8B1A282CD14}" srcOrd="1" destOrd="0" presId="urn:microsoft.com/office/officeart/2005/8/layout/hList3"/>
     <dgm:cxn modelId="{68629683-FB1C-4502-8D24-1477364C5740}" type="presParOf" srcId="{7EEC38D5-F24F-4C37-9A58-F8B1A282CD14}" destId="{8241D08B-CB62-4962-9D9B-1D2183EA71DA}" srcOrd="0" destOrd="0" presId="urn:microsoft.com/office/officeart/2005/8/layout/hList3"/>
@@ -2182,7 +2183,7 @@
   <dgm:whole/>
   <dgm:extLst>
     <a:ext uri="http://schemas.microsoft.com/office/drawing/2008/diagram">
-      <dsp:dataModelExt xmlns:dsp="http://schemas.microsoft.com/office/drawing/2008/diagram" relId="rId7" minVer="http://schemas.openxmlformats.org/drawingml/2006/diagram"/>
+      <dsp:dataModelExt xmlns:dsp="http://schemas.microsoft.com/office/drawing/2008/diagram" xmlns="" relId="rId7" minVer="http://schemas.openxmlformats.org/drawingml/2006/diagram"/>
     </a:ext>
   </dgm:extLst>
 </dgm:dataModel>
@@ -2287,32 +2288,32 @@
         <a:bodyPr/>
         <a:lstStyle/>
         <a:p>
-          <a:pPr algn="l"/>
+          <a:pPr marL="0" indent="0" algn="l"/>
           <a:r>
-            <a:rPr lang="fr-FR" sz="1600" dirty="0" smtClean="0"/>
+            <a:rPr lang="fr-FR" sz="1600" b="1" dirty="0" smtClean="0"/>
             <a:t>Solutions to </a:t>
           </a:r>
           <a:r>
-            <a:rPr lang="fr-FR" sz="1600" dirty="0" err="1" smtClean="0"/>
+            <a:rPr lang="fr-FR" sz="1600" b="1" dirty="0" err="1" smtClean="0"/>
             <a:t>bring</a:t>
           </a:r>
           <a:r>
-            <a:rPr lang="fr-FR" sz="1600" dirty="0" smtClean="0"/>
+            <a:rPr lang="fr-FR" sz="1600" b="1" dirty="0" smtClean="0"/>
             <a:t> to </a:t>
           </a:r>
           <a:r>
-            <a:rPr lang="fr-FR" sz="1600" dirty="0" err="1" smtClean="0"/>
+            <a:rPr lang="fr-FR" sz="1600" b="1" dirty="0" err="1" smtClean="0"/>
             <a:t>system’s</a:t>
           </a:r>
           <a:r>
-            <a:rPr lang="fr-FR" sz="1600" dirty="0" smtClean="0"/>
+            <a:rPr lang="fr-FR" sz="1600" b="1" dirty="0" smtClean="0"/>
             <a:t> </a:t>
           </a:r>
           <a:r>
-            <a:rPr lang="fr-FR" sz="1600" dirty="0" err="1" smtClean="0"/>
+            <a:rPr lang="fr-FR" sz="1600" b="1" dirty="0" err="1" smtClean="0"/>
             <a:t>requirements</a:t>
           </a:r>
-          <a:endParaRPr lang="fr-FR" sz="1600" dirty="0"/>
+          <a:endParaRPr lang="fr-FR" sz="1600" b="1" dirty="0"/>
         </a:p>
       </dgm:t>
     </dgm:pt>
@@ -2347,58 +2348,58 @@
         <a:p>
           <a:pPr algn="l"/>
           <a:r>
-            <a:rPr lang="fr-FR" sz="1600" dirty="0" err="1" smtClean="0"/>
+            <a:rPr lang="fr-FR" sz="1600" b="1" dirty="0" err="1" smtClean="0"/>
             <a:t>Understand</a:t>
           </a:r>
           <a:r>
-            <a:rPr lang="fr-FR" sz="1600" dirty="0" smtClean="0"/>
+            <a:rPr lang="fr-FR" sz="1600" b="1" dirty="0" smtClean="0"/>
             <a:t> the </a:t>
           </a:r>
           <a:r>
-            <a:rPr lang="fr-FR" sz="1600" dirty="0" err="1" smtClean="0"/>
+            <a:rPr lang="fr-FR" sz="1600" b="1" dirty="0" err="1" smtClean="0"/>
             <a:t>underlying</a:t>
           </a:r>
           <a:r>
-            <a:rPr lang="fr-FR" sz="1600" dirty="0" smtClean="0"/>
+            <a:rPr lang="fr-FR" sz="1600" b="1" dirty="0" smtClean="0"/>
             <a:t> </a:t>
           </a:r>
           <a:r>
-            <a:rPr lang="fr-FR" sz="1600" dirty="0" err="1" smtClean="0"/>
+            <a:rPr lang="fr-FR" sz="1600" b="1" dirty="0" err="1" smtClean="0"/>
             <a:t>problems</a:t>
           </a:r>
           <a:r>
-            <a:rPr lang="fr-FR" sz="1600" dirty="0" smtClean="0"/>
+            <a:rPr lang="fr-FR" sz="1600" b="1" dirty="0" smtClean="0"/>
             <a:t> </a:t>
           </a:r>
           <a:r>
-            <a:rPr lang="fr-FR" sz="1600" dirty="0" err="1" smtClean="0"/>
+            <a:rPr lang="fr-FR" sz="1600" b="1" dirty="0" err="1" smtClean="0"/>
             <a:t>before</a:t>
           </a:r>
           <a:r>
-            <a:rPr lang="fr-FR" sz="1600" dirty="0" smtClean="0"/>
+            <a:rPr lang="fr-FR" sz="1600" b="1" dirty="0" smtClean="0"/>
             <a:t> </a:t>
           </a:r>
           <a:r>
-            <a:rPr lang="fr-FR" sz="1600" dirty="0" err="1" smtClean="0"/>
+            <a:rPr lang="fr-FR" sz="1600" b="1" dirty="0" err="1" smtClean="0"/>
             <a:t>considering</a:t>
           </a:r>
           <a:r>
-            <a:rPr lang="fr-FR" sz="1600" dirty="0" smtClean="0"/>
+            <a:rPr lang="fr-FR" sz="1600" b="1" dirty="0" smtClean="0"/>
             <a:t> </a:t>
           </a:r>
           <a:r>
-            <a:rPr lang="fr-FR" sz="1600" dirty="0" err="1" smtClean="0"/>
+            <a:rPr lang="fr-FR" sz="1600" b="1" dirty="0" err="1" smtClean="0"/>
             <a:t>any</a:t>
           </a:r>
           <a:r>
-            <a:rPr lang="fr-FR" sz="1600" dirty="0" smtClean="0"/>
+            <a:rPr lang="fr-FR" sz="1600" b="1" dirty="0" smtClean="0"/>
             <a:t> </a:t>
           </a:r>
           <a:r>
-            <a:rPr lang="fr-FR" sz="1600" dirty="0" err="1" smtClean="0"/>
+            <a:rPr lang="fr-FR" sz="1600" b="1" dirty="0" err="1" smtClean="0"/>
             <a:t>specification</a:t>
           </a:r>
-          <a:endParaRPr lang="fr-FR" sz="1600" dirty="0"/>
+          <a:endParaRPr lang="fr-FR" sz="1600" b="1" dirty="0"/>
         </a:p>
       </dgm:t>
     </dgm:pt>
@@ -2431,12 +2432,16 @@
         <a:bodyPr/>
         <a:lstStyle/>
         <a:p>
-          <a:pPr algn="l"/>
+          <a:pPr algn="ctr"/>
           <a:r>
-            <a:rPr lang="fr-FR" sz="1600" dirty="0" err="1" smtClean="0"/>
-            <a:t>Usability</a:t>
+            <a:rPr lang="fr-FR" sz="2300" b="1" i="0" dirty="0" err="1" smtClean="0"/>
+            <a:t>Usa</a:t>
           </a:r>
-          <a:endParaRPr lang="fr-FR" sz="1600" dirty="0"/>
+          <a:r>
+            <a:rPr lang="fr-FR" sz="2300" b="1" dirty="0" err="1" smtClean="0"/>
+            <a:t>bility</a:t>
+          </a:r>
+          <a:endParaRPr lang="fr-FR" sz="2300" b="1" dirty="0"/>
         </a:p>
       </dgm:t>
     </dgm:pt>
@@ -2469,24 +2474,24 @@
         <a:bodyPr/>
         <a:lstStyle/>
         <a:p>
-          <a:pPr algn="l"/>
+          <a:pPr algn="ctr"/>
           <a:r>
-            <a:rPr lang="fr-FR" sz="1600" dirty="0" err="1" smtClean="0"/>
+            <a:rPr lang="fr-FR" sz="1600" b="1" dirty="0" err="1" smtClean="0"/>
             <a:t>Measure</a:t>
           </a:r>
           <a:r>
-            <a:rPr lang="fr-FR" sz="1600" dirty="0" smtClean="0"/>
+            <a:rPr lang="fr-FR" sz="1600" b="1" dirty="0" smtClean="0"/>
             <a:t> the </a:t>
           </a:r>
           <a:r>
-            <a:rPr lang="fr-FR" sz="1600" dirty="0" err="1" smtClean="0"/>
+            <a:rPr lang="fr-FR" sz="1600" b="1" dirty="0" err="1" smtClean="0"/>
             <a:t>quality</a:t>
           </a:r>
           <a:r>
-            <a:rPr lang="fr-FR" sz="1600" dirty="0" smtClean="0"/>
+            <a:rPr lang="fr-FR" sz="1600" b="1" dirty="0" smtClean="0"/>
             <a:t> of interaction</a:t>
           </a:r>
-          <a:endParaRPr lang="fr-FR" sz="1600" dirty="0"/>
+          <a:endParaRPr lang="fr-FR" sz="1600" b="1" dirty="0"/>
         </a:p>
       </dgm:t>
     </dgm:pt>
@@ -2545,7 +2550,7 @@
       <dgm:spPr/>
     </dgm:pt>
     <dgm:pt modelId="{516ADAB7-51A2-475F-9B07-19C15A498B8B}" type="pres">
-      <dgm:prSet presAssocID="{8D73F130-D4FE-4A3F-997E-91783F8E3C5A}" presName="firstChild" presStyleLbl="bgAccFollowNode1" presStyleIdx="0" presStyleCnt="3" custScaleX="122562" custLinFactNeighborX="-17770" custLinFactNeighborY="-92538"/>
+      <dgm:prSet presAssocID="{8D73F130-D4FE-4A3F-997E-91783F8E3C5A}" presName="firstChild" presStyleLbl="bgAccFollowNode1" presStyleIdx="0" presStyleCnt="3" custScaleX="188018" custScaleY="138662" custLinFactX="6405" custLinFactY="-34033" custLinFactNeighborX="100000" custLinFactNeighborY="-100000"/>
       <dgm:spPr/>
       <dgm:t>
         <a:bodyPr/>
@@ -2575,7 +2580,7 @@
       <dgm:spPr/>
     </dgm:pt>
     <dgm:pt modelId="{A5D57D14-3203-4073-944D-7AAE4755C0D5}" type="pres">
-      <dgm:prSet presAssocID="{8D73F130-D4FE-4A3F-997E-91783F8E3C5A}" presName="circle" presStyleLbl="node1" presStyleIdx="0" presStyleCnt="3" custScaleX="236983" custScaleY="236983" custLinFactX="1206" custLinFactY="-37467" custLinFactNeighborX="100000" custLinFactNeighborY="-100000"/>
+      <dgm:prSet presAssocID="{8D73F130-D4FE-4A3F-997E-91783F8E3C5A}" presName="circle" presStyleLbl="node1" presStyleIdx="0" presStyleCnt="3" custScaleX="294534" custScaleY="294534" custLinFactX="145981" custLinFactY="-132048" custLinFactNeighborX="200000" custLinFactNeighborY="-200000"/>
       <dgm:spPr/>
       <dgm:t>
         <a:bodyPr/>
@@ -2606,7 +2611,7 @@
       <dgm:spPr/>
     </dgm:pt>
     <dgm:pt modelId="{059821B1-0007-4BD2-8DF8-B0CE19FE433D}" type="pres">
-      <dgm:prSet presAssocID="{F81607D8-20A8-4A19-9734-B55244566E51}" presName="firstChild" presStyleLbl="bgAccFollowNode1" presStyleIdx="1" presStyleCnt="3" custScaleX="122688" custLinFactY="-1964" custLinFactNeighborX="51468" custLinFactNeighborY="-100000"/>
+      <dgm:prSet presAssocID="{F81607D8-20A8-4A19-9734-B55244566E51}" presName="firstChild" presStyleLbl="bgAccFollowNode1" presStyleIdx="1" presStyleCnt="3" custScaleX="208200" custScaleY="152339" custLinFactX="60565" custLinFactY="-48897" custLinFactNeighborX="100000" custLinFactNeighborY="-100000"/>
       <dgm:spPr/>
       <dgm:t>
         <a:bodyPr/>
@@ -2636,7 +2641,7 @@
       <dgm:spPr/>
     </dgm:pt>
     <dgm:pt modelId="{2E8A679C-8039-49E0-892C-C2D30B2F3D40}" type="pres">
-      <dgm:prSet presAssocID="{F81607D8-20A8-4A19-9734-B55244566E51}" presName="circle" presStyleLbl="node1" presStyleIdx="1" presStyleCnt="3" custScaleX="251468" custScaleY="251468" custLinFactY="-37467" custLinFactNeighborX="34517" custLinFactNeighborY="-100000"/>
+      <dgm:prSet presAssocID="{F81607D8-20A8-4A19-9734-B55244566E51}" presName="circle" presStyleLbl="node1" presStyleIdx="1" presStyleCnt="3" custScaleX="305294" custScaleY="305294" custLinFactY="-132048" custLinFactNeighborX="-74730" custLinFactNeighborY="-200000"/>
       <dgm:spPr/>
       <dgm:t>
         <a:bodyPr/>
@@ -2667,7 +2672,7 @@
       <dgm:spPr/>
     </dgm:pt>
     <dgm:pt modelId="{0195AC62-205F-4CE8-B650-8493F5569789}" type="pres">
-      <dgm:prSet presAssocID="{3AFF89AC-102C-470C-93F8-3F8E1C071C4D}" presName="firstChild" presStyleLbl="bgAccFollowNode1" presStyleIdx="2" presStyleCnt="3" custLinFactX="-100000" custLinFactY="33704" custLinFactNeighborX="-154647" custLinFactNeighborY="100000"/>
+      <dgm:prSet presAssocID="{3AFF89AC-102C-470C-93F8-3F8E1C071C4D}" presName="firstChild" presStyleLbl="bgAccFollowNode1" presStyleIdx="2" presStyleCnt="3" custScaleX="191766" custScaleY="191766" custLinFactX="-133635" custLinFactY="141625" custLinFactNeighborX="-200000" custLinFactNeighborY="200000"/>
       <dgm:spPr/>
       <dgm:t>
         <a:bodyPr/>
@@ -2697,7 +2702,7 @@
       <dgm:spPr/>
     </dgm:pt>
     <dgm:pt modelId="{B8D35EF5-5F2C-4615-9046-FB6BEB2C3B81}" type="pres">
-      <dgm:prSet presAssocID="{3AFF89AC-102C-470C-93F8-3F8E1C071C4D}" presName="circle" presStyleLbl="node1" presStyleIdx="2" presStyleCnt="3" custScaleX="271474" custScaleY="271474" custLinFactX="-100000" custLinFactNeighborX="-181108" custLinFactNeighborY="95751"/>
+      <dgm:prSet presAssocID="{3AFF89AC-102C-470C-93F8-3F8E1C071C4D}" presName="circle" presStyleLbl="node1" presStyleIdx="2" presStyleCnt="3" custScaleX="315790" custScaleY="315790" custLinFactX="-300000" custLinFactNeighborX="-374928" custLinFactNeighborY="99233"/>
       <dgm:spPr/>
       <dgm:t>
         <a:bodyPr/>
@@ -2709,22 +2714,22 @@
     </dgm:pt>
   </dgm:ptLst>
   <dgm:cxnLst>
+    <dgm:cxn modelId="{F2589879-376E-4214-97C2-32ED1D0B3340}" type="presOf" srcId="{F81607D8-20A8-4A19-9734-B55244566E51}" destId="{2E8A679C-8039-49E0-892C-C2D30B2F3D40}" srcOrd="0" destOrd="0" presId="urn:microsoft.com/office/officeart/2005/8/layout/hList9"/>
+    <dgm:cxn modelId="{3458A928-9BA9-494A-BE54-33DE67BAA60E}" type="presOf" srcId="{F354600A-FA0F-41C5-BB41-5F47F1DD004C}" destId="{059821B1-0007-4BD2-8DF8-B0CE19FE433D}" srcOrd="0" destOrd="0" presId="urn:microsoft.com/office/officeart/2005/8/layout/hList9"/>
+    <dgm:cxn modelId="{5F7A4614-3D5C-49AC-8F54-AE7718054F93}" type="presOf" srcId="{F354600A-FA0F-41C5-BB41-5F47F1DD004C}" destId="{6F2621B6-EE9B-4C67-B676-9DA2A381AB51}" srcOrd="1" destOrd="0" presId="urn:microsoft.com/office/officeart/2005/8/layout/hList9"/>
+    <dgm:cxn modelId="{9AE13D64-7CDF-48F0-966B-3619B9D737A4}" type="presOf" srcId="{E4089555-E91C-4BF3-9601-BE63FB847D20}" destId="{0195AC62-205F-4CE8-B650-8493F5569789}" srcOrd="0" destOrd="0" presId="urn:microsoft.com/office/officeart/2005/8/layout/hList9"/>
+    <dgm:cxn modelId="{E18BF595-3687-45BC-A5D6-94634170F3C4}" type="presOf" srcId="{A4CD16CE-6FF8-4F5B-AA56-6CB89BBB69F9}" destId="{5374C97F-BB9F-435F-A1D9-E5249B9981AF}" srcOrd="0" destOrd="0" presId="urn:microsoft.com/office/officeart/2005/8/layout/hList9"/>
     <dgm:cxn modelId="{74C556B9-D7EC-46BE-820D-6B751B6C9818}" srcId="{3AFF89AC-102C-470C-93F8-3F8E1C071C4D}" destId="{E4089555-E91C-4BF3-9601-BE63FB847D20}" srcOrd="0" destOrd="0" parTransId="{1BF948FE-B8D9-42D3-9E3F-65C037932561}" sibTransId="{89B8F985-AF76-4286-9986-302FD77EB106}"/>
-    <dgm:cxn modelId="{E18BF595-3687-45BC-A5D6-94634170F3C4}" type="presOf" srcId="{A4CD16CE-6FF8-4F5B-AA56-6CB89BBB69F9}" destId="{5374C97F-BB9F-435F-A1D9-E5249B9981AF}" srcOrd="0" destOrd="0" presId="urn:microsoft.com/office/officeart/2005/8/layout/hList9"/>
-    <dgm:cxn modelId="{52F81A1A-1771-4EB0-A5A2-6101A8D1E157}" srcId="{A4CD16CE-6FF8-4F5B-AA56-6CB89BBB69F9}" destId="{8D73F130-D4FE-4A3F-997E-91783F8E3C5A}" srcOrd="0" destOrd="0" parTransId="{8D55B929-D748-4020-9E50-F71AE1BF2180}" sibTransId="{63764104-D552-4B83-B394-ADE3D817BFA6}"/>
-    <dgm:cxn modelId="{C2AE079F-E677-46EA-B271-267DF46DF7DD}" srcId="{A4CD16CE-6FF8-4F5B-AA56-6CB89BBB69F9}" destId="{F81607D8-20A8-4A19-9734-B55244566E51}" srcOrd="1" destOrd="0" parTransId="{7ADCA484-D0D0-4850-AB77-532033927D0F}" sibTransId="{00B5D94F-4CF5-4537-BCFB-3CF754B77F10}"/>
+    <dgm:cxn modelId="{27A5C3A7-FFEC-43DB-B588-ACAA917EC5C8}" srcId="{8D73F130-D4FE-4A3F-997E-91783F8E3C5A}" destId="{605D1FB5-210C-400A-84F5-CC35A8B043CD}" srcOrd="0" destOrd="0" parTransId="{1B1BDADB-A07A-4BF8-B109-8C6A50FCA85D}" sibTransId="{2E12EE24-BA26-4312-8130-60E8FCEDC966}"/>
+    <dgm:cxn modelId="{BB2F6249-B04A-475E-8420-C32498D56A1C}" type="presOf" srcId="{8D73F130-D4FE-4A3F-997E-91783F8E3C5A}" destId="{A5D57D14-3203-4073-944D-7AAE4755C0D5}" srcOrd="0" destOrd="0" presId="urn:microsoft.com/office/officeart/2005/8/layout/hList9"/>
+    <dgm:cxn modelId="{B42B5352-AF05-42E9-98E2-55177C4CC6A0}" srcId="{A4CD16CE-6FF8-4F5B-AA56-6CB89BBB69F9}" destId="{3AFF89AC-102C-470C-93F8-3F8E1C071C4D}" srcOrd="2" destOrd="0" parTransId="{44051346-A052-47C2-B563-FCDE11DDEA57}" sibTransId="{EDEC90CD-0734-491F-B4FF-8A70B7C8F432}"/>
     <dgm:cxn modelId="{10A24AD0-7A54-4679-9AA7-62D80A440BA7}" srcId="{F81607D8-20A8-4A19-9734-B55244566E51}" destId="{F354600A-FA0F-41C5-BB41-5F47F1DD004C}" srcOrd="0" destOrd="0" parTransId="{5CC45C8D-1D11-4FE9-85C2-2E10B61F566B}" sibTransId="{B16D21DD-C17C-47F9-9D34-274541494D98}"/>
     <dgm:cxn modelId="{1CBF82AB-BF7B-4B92-BDC3-30FB2E34505E}" type="presOf" srcId="{605D1FB5-210C-400A-84F5-CC35A8B043CD}" destId="{516ADAB7-51A2-475F-9B07-19C15A498B8B}" srcOrd="0" destOrd="0" presId="urn:microsoft.com/office/officeart/2005/8/layout/hList9"/>
-    <dgm:cxn modelId="{B42B5352-AF05-42E9-98E2-55177C4CC6A0}" srcId="{A4CD16CE-6FF8-4F5B-AA56-6CB89BBB69F9}" destId="{3AFF89AC-102C-470C-93F8-3F8E1C071C4D}" srcOrd="2" destOrd="0" parTransId="{44051346-A052-47C2-B563-FCDE11DDEA57}" sibTransId="{EDEC90CD-0734-491F-B4FF-8A70B7C8F432}"/>
-    <dgm:cxn modelId="{3458A928-9BA9-494A-BE54-33DE67BAA60E}" type="presOf" srcId="{F354600A-FA0F-41C5-BB41-5F47F1DD004C}" destId="{059821B1-0007-4BD2-8DF8-B0CE19FE433D}" srcOrd="0" destOrd="0" presId="urn:microsoft.com/office/officeart/2005/8/layout/hList9"/>
+    <dgm:cxn modelId="{C2AE079F-E677-46EA-B271-267DF46DF7DD}" srcId="{A4CD16CE-6FF8-4F5B-AA56-6CB89BBB69F9}" destId="{F81607D8-20A8-4A19-9734-B55244566E51}" srcOrd="1" destOrd="0" parTransId="{7ADCA484-D0D0-4850-AB77-532033927D0F}" sibTransId="{00B5D94F-4CF5-4537-BCFB-3CF754B77F10}"/>
     <dgm:cxn modelId="{1D7D86CA-0E72-4FE2-9089-C3B978B4C7D8}" type="presOf" srcId="{3AFF89AC-102C-470C-93F8-3F8E1C071C4D}" destId="{B8D35EF5-5F2C-4615-9046-FB6BEB2C3B81}" srcOrd="0" destOrd="0" presId="urn:microsoft.com/office/officeart/2005/8/layout/hList9"/>
-    <dgm:cxn modelId="{BB2F6249-B04A-475E-8420-C32498D56A1C}" type="presOf" srcId="{8D73F130-D4FE-4A3F-997E-91783F8E3C5A}" destId="{A5D57D14-3203-4073-944D-7AAE4755C0D5}" srcOrd="0" destOrd="0" presId="urn:microsoft.com/office/officeart/2005/8/layout/hList9"/>
-    <dgm:cxn modelId="{9AE13D64-7CDF-48F0-966B-3619B9D737A4}" type="presOf" srcId="{E4089555-E91C-4BF3-9601-BE63FB847D20}" destId="{0195AC62-205F-4CE8-B650-8493F5569789}" srcOrd="0" destOrd="0" presId="urn:microsoft.com/office/officeart/2005/8/layout/hList9"/>
+    <dgm:cxn modelId="{52F81A1A-1771-4EB0-A5A2-6101A8D1E157}" srcId="{A4CD16CE-6FF8-4F5B-AA56-6CB89BBB69F9}" destId="{8D73F130-D4FE-4A3F-997E-91783F8E3C5A}" srcOrd="0" destOrd="0" parTransId="{8D55B929-D748-4020-9E50-F71AE1BF2180}" sibTransId="{63764104-D552-4B83-B394-ADE3D817BFA6}"/>
+    <dgm:cxn modelId="{88825837-57BE-424D-952E-1B7AE593BB82}" type="presOf" srcId="{E4089555-E91C-4BF3-9601-BE63FB847D20}" destId="{29ED0B57-648B-4F93-9234-3C457F3E2E4C}" srcOrd="1" destOrd="0" presId="urn:microsoft.com/office/officeart/2005/8/layout/hList9"/>
     <dgm:cxn modelId="{18EE1485-D2E5-4AA7-AF35-BC0B2D5505EC}" type="presOf" srcId="{605D1FB5-210C-400A-84F5-CC35A8B043CD}" destId="{BBE1B8DB-BA6E-42AB-84CC-21D3D717CF28}" srcOrd="1" destOrd="0" presId="urn:microsoft.com/office/officeart/2005/8/layout/hList9"/>
-    <dgm:cxn modelId="{5F7A4614-3D5C-49AC-8F54-AE7718054F93}" type="presOf" srcId="{F354600A-FA0F-41C5-BB41-5F47F1DD004C}" destId="{6F2621B6-EE9B-4C67-B676-9DA2A381AB51}" srcOrd="1" destOrd="0" presId="urn:microsoft.com/office/officeart/2005/8/layout/hList9"/>
-    <dgm:cxn modelId="{27A5C3A7-FFEC-43DB-B588-ACAA917EC5C8}" srcId="{8D73F130-D4FE-4A3F-997E-91783F8E3C5A}" destId="{605D1FB5-210C-400A-84F5-CC35A8B043CD}" srcOrd="0" destOrd="0" parTransId="{1B1BDADB-A07A-4BF8-B109-8C6A50FCA85D}" sibTransId="{2E12EE24-BA26-4312-8130-60E8FCEDC966}"/>
-    <dgm:cxn modelId="{F2589879-376E-4214-97C2-32ED1D0B3340}" type="presOf" srcId="{F81607D8-20A8-4A19-9734-B55244566E51}" destId="{2E8A679C-8039-49E0-892C-C2D30B2F3D40}" srcOrd="0" destOrd="0" presId="urn:microsoft.com/office/officeart/2005/8/layout/hList9"/>
-    <dgm:cxn modelId="{88825837-57BE-424D-952E-1B7AE593BB82}" type="presOf" srcId="{E4089555-E91C-4BF3-9601-BE63FB847D20}" destId="{29ED0B57-648B-4F93-9234-3C457F3E2E4C}" srcOrd="1" destOrd="0" presId="urn:microsoft.com/office/officeart/2005/8/layout/hList9"/>
     <dgm:cxn modelId="{7BDB378F-C8B4-44E9-AC0E-C305C211855D}" type="presParOf" srcId="{5374C97F-BB9F-435F-A1D9-E5249B9981AF}" destId="{4306F6C7-F29A-44DE-BDEE-37BD6E8601F2}" srcOrd="0" destOrd="0" presId="urn:microsoft.com/office/officeart/2005/8/layout/hList9"/>
     <dgm:cxn modelId="{AA9706AF-FEAC-4884-8CFF-1451CC709BBB}" type="presParOf" srcId="{5374C97F-BB9F-435F-A1D9-E5249B9981AF}" destId="{DF24BEE9-57AA-491D-83C3-892959C63237}" srcOrd="1" destOrd="0" presId="urn:microsoft.com/office/officeart/2005/8/layout/hList9"/>
     <dgm:cxn modelId="{D005810B-D4D1-4BBA-9B80-788F62AC3DDB}" type="presParOf" srcId="{DF24BEE9-57AA-491D-83C3-892959C63237}" destId="{8D80059E-51C1-4499-89EA-CFB623FEEC83}" srcOrd="0" destOrd="0" presId="urn:microsoft.com/office/officeart/2005/8/layout/hList9"/>
@@ -2756,7 +2761,7 @@
   <dgm:whole/>
   <dgm:extLst>
     <a:ext uri="http://schemas.microsoft.com/office/drawing/2008/diagram">
-      <dsp:dataModelExt xmlns:dsp="http://schemas.microsoft.com/office/drawing/2008/diagram" relId="rId6" minVer="http://schemas.openxmlformats.org/drawingml/2006/diagram"/>
+      <dsp:dataModelExt xmlns:dsp="http://schemas.microsoft.com/office/drawing/2008/diagram" xmlns="" relId="rId6" minVer="http://schemas.openxmlformats.org/drawingml/2006/diagram"/>
     </a:ext>
   </dgm:extLst>
 </dgm:dataModel>
@@ -5505,7 +5510,7 @@
               <a:pPr>
                 <a:defRPr/>
               </a:pPr>
-              <a:t>14/10/2009</a:t>
+              <a:t>15/10/2009</a:t>
             </a:fld>
             <a:endParaRPr lang="fr-FR" altLang="ko-KR"/>
           </a:p>
@@ -5593,7 +5598,7 @@
               <a:pPr>
                 <a:defRPr/>
               </a:pPr>
-              <a:t>‹#›</a:t>
+              <a:t>‹N°›</a:t>
             </a:fld>
             <a:endParaRPr lang="fr-FR" altLang="ko-KR"/>
           </a:p>
@@ -5602,7 +5607,7 @@
     </p:spTree>
     <p:extLst>
       <p:ext uri="{BB962C8B-B14F-4D97-AF65-F5344CB8AC3E}">
-        <p14:creationId xmlns:p14="http://schemas.microsoft.com/office/powerpoint/2007/7/12/main" val="3216856891"/>
+        <p14:creationId xmlns:p14="http://schemas.microsoft.com/office/powerpoint/2007/7/12/main" xmlns="" val="3216856891"/>
       </p:ext>
     </p:extLst>
   </p:cSld>
@@ -5714,7 +5719,7 @@
               <a:pPr>
                 <a:defRPr/>
               </a:pPr>
-              <a:t>14/10/2009</a:t>
+              <a:t>15/10/2009</a:t>
             </a:fld>
             <a:endParaRPr lang="fr-FR" altLang="ko-KR"/>
           </a:p>
@@ -5898,7 +5903,7 @@
               <a:pPr>
                 <a:defRPr/>
               </a:pPr>
-              <a:t>‹#›</a:t>
+              <a:t>‹N°›</a:t>
             </a:fld>
             <a:endParaRPr lang="fr-FR" altLang="ko-KR"/>
           </a:p>
@@ -5907,7 +5912,7 @@
     </p:spTree>
     <p:extLst>
       <p:ext uri="{BB962C8B-B14F-4D97-AF65-F5344CB8AC3E}">
-        <p14:creationId xmlns:p14="http://schemas.microsoft.com/office/powerpoint/2007/7/12/main" val="3483236166"/>
+        <p14:creationId xmlns:p14="http://schemas.microsoft.com/office/powerpoint/2007/7/12/main" xmlns="" val="3483236166"/>
       </p:ext>
     </p:extLst>
   </p:cSld>
@@ -6212,7 +6217,7 @@
     </p:spTree>
     <p:extLst>
       <p:ext uri="{BB962C8B-B14F-4D97-AF65-F5344CB8AC3E}">
-        <p14:creationId xmlns:p14="http://schemas.microsoft.com/office/powerpoint/2007/7/12/main" val="3392303487"/>
+        <p14:creationId xmlns:p14="http://schemas.microsoft.com/office/powerpoint/2007/7/12/main" xmlns="" val="3392303487"/>
       </p:ext>
     </p:extLst>
   </p:cSld>
@@ -6295,7 +6300,7 @@
             </a:pPr>
             <a:endParaRPr lang="ko-KR" altLang="ko-KR">
               <a:solidFill>
-                <a:srgbClr xmlns:mc="http://schemas.openxmlformats.org/markup-compatibility/2006" xmlns:a14="http://schemas.microsoft.com/office/drawing/2007/7/7/main" val="000000" mc:Ignorable=""/>
+                <a:srgbClr val="000000"/>
               </a:solidFill>
               <a:cs typeface="Arial" charset="0"/>
             </a:endParaRPr>
@@ -6354,7 +6359,7 @@
             </a:pPr>
             <a:endParaRPr lang="ko-KR" altLang="ko-KR">
               <a:solidFill>
-                <a:srgbClr xmlns:mc="http://schemas.openxmlformats.org/markup-compatibility/2006" xmlns:a14="http://schemas.microsoft.com/office/drawing/2007/7/7/main" val="000000" mc:Ignorable=""/>
+                <a:srgbClr val="000000"/>
               </a:solidFill>
               <a:cs typeface="Arial" charset="0"/>
             </a:endParaRPr>
@@ -6415,7 +6420,7 @@
             </a:pPr>
             <a:endParaRPr lang="ko-KR" altLang="ko-KR">
               <a:solidFill>
-                <a:srgbClr xmlns:mc="http://schemas.openxmlformats.org/markup-compatibility/2006" xmlns:a14="http://schemas.microsoft.com/office/drawing/2007/7/7/main" val="000000" mc:Ignorable=""/>
+                <a:srgbClr val="000000"/>
               </a:solidFill>
               <a:cs typeface="Arial" charset="0"/>
             </a:endParaRPr>
@@ -6755,7 +6760,7 @@
   <p:timing>
     <p:tnLst>
       <p:par>
-        <p:cTn xmlns:p14="http://schemas.microsoft.com/office/powerpoint/2007/7/12/main" id="1" dur="indefinite" restart="never" nodeType="tmRoot"/>
+        <p:cTn id="1" dur="indefinite" restart="never" nodeType="tmRoot"/>
       </p:par>
     </p:tnLst>
   </p:timing>
@@ -6831,7 +6836,7 @@
             </a:pPr>
             <a:endParaRPr lang="ko-KR" altLang="ko-KR">
               <a:solidFill>
-                <a:srgbClr xmlns:mc="http://schemas.openxmlformats.org/markup-compatibility/2006" xmlns:a14="http://schemas.microsoft.com/office/drawing/2007/7/7/main" val="000000" mc:Ignorable=""/>
+                <a:srgbClr val="000000"/>
               </a:solidFill>
               <a:cs typeface="Arial" charset="0"/>
             </a:endParaRPr>
@@ -6892,7 +6897,7 @@
             </a:pPr>
             <a:endParaRPr lang="ko-KR" altLang="ko-KR">
               <a:solidFill>
-                <a:srgbClr xmlns:mc="http://schemas.openxmlformats.org/markup-compatibility/2006" xmlns:a14="http://schemas.microsoft.com/office/drawing/2007/7/7/main" val="000000" mc:Ignorable=""/>
+                <a:srgbClr val="000000"/>
               </a:solidFill>
               <a:cs typeface="Arial" charset="0"/>
             </a:endParaRPr>
@@ -6989,7 +6994,7 @@
           <a:lstStyle>
             <a:lvl1pPr marL="0" indent="354013">
               <a:buClr>
-                <a:srgbClr xmlns:mc="http://schemas.openxmlformats.org/markup-compatibility/2006" xmlns:a14="http://schemas.microsoft.com/office/drawing/2007/7/7/main" val="DA7E18" mc:Ignorable=""/>
+                <a:srgbClr val="DA7E18"/>
               </a:buClr>
               <a:buSzPct val="120000"/>
               <a:buFont typeface="+mj-lt"/>
@@ -6998,7 +7003,7 @@
             </a:lvl1pPr>
             <a:lvl2pPr marL="633413" indent="354013">
               <a:buClr>
-                <a:srgbClr xmlns:mc="http://schemas.openxmlformats.org/markup-compatibility/2006" xmlns:a14="http://schemas.microsoft.com/office/drawing/2007/7/7/main" val="E5AB1B" mc:Ignorable=""/>
+                <a:srgbClr val="E5AB1B"/>
               </a:buClr>
               <a:buSzPct val="120000"/>
               <a:buFont typeface="+mj-lt"/>
@@ -7069,7 +7074,7 @@
   <p:timing>
     <p:tnLst>
       <p:par>
-        <p:cTn xmlns:p14="http://schemas.microsoft.com/office/powerpoint/2007/7/12/main" id="1" dur="indefinite" restart="never" nodeType="tmRoot"/>
+        <p:cTn id="1" dur="indefinite" restart="never" nodeType="tmRoot"/>
       </p:par>
     </p:tnLst>
   </p:timing>
@@ -7138,7 +7143,7 @@
             </a:pPr>
             <a:endParaRPr lang="ko-KR" altLang="ko-KR">
               <a:solidFill>
-                <a:srgbClr xmlns:mc="http://schemas.openxmlformats.org/markup-compatibility/2006" xmlns:a14="http://schemas.microsoft.com/office/drawing/2007/7/7/main" val="000000" mc:Ignorable=""/>
+                <a:srgbClr val="000000"/>
               </a:solidFill>
               <a:cs typeface="Arial" charset="0"/>
             </a:endParaRPr>
@@ -7171,7 +7176,7 @@
             </a:pPr>
             <a:endParaRPr lang="ko-KR" altLang="ko-KR" sz="1100" b="1">
               <a:solidFill>
-                <a:srgbClr xmlns:mc="http://schemas.openxmlformats.org/markup-compatibility/2006" xmlns:a14="http://schemas.microsoft.com/office/drawing/2007/7/7/main" val="A0A0A0" mc:Ignorable=""/>
+                <a:srgbClr val="A0A0A0"/>
               </a:solidFill>
               <a:latin typeface="Calibri" pitchFamily="34" charset="0"/>
             </a:endParaRPr>
@@ -7266,7 +7271,7 @@
           <a:lstStyle>
             <a:lvl1pPr marL="0" indent="354013">
               <a:buClr>
-                <a:srgbClr xmlns:mc="http://schemas.openxmlformats.org/markup-compatibility/2006" xmlns:a14="http://schemas.microsoft.com/office/drawing/2007/7/7/main" val="DA7E18" mc:Ignorable=""/>
+                <a:srgbClr val="DA7E18"/>
               </a:buClr>
               <a:buSzPct val="70000"/>
               <a:buFont typeface="Wingdings" pitchFamily="2" charset="2"/>
@@ -7275,7 +7280,7 @@
             </a:lvl1pPr>
             <a:lvl2pPr>
               <a:buClr>
-                <a:srgbClr xmlns:mc="http://schemas.openxmlformats.org/markup-compatibility/2006" xmlns:a14="http://schemas.microsoft.com/office/drawing/2007/7/7/main" val="E5AB1B" mc:Ignorable=""/>
+                <a:srgbClr val="E5AB1B"/>
               </a:buClr>
               <a:buSzPct val="70000"/>
               <a:buFont typeface="Wingdings" pitchFamily="2" charset="2"/>
@@ -7346,7 +7351,7 @@
   <p:timing>
     <p:tnLst>
       <p:par>
-        <p:cTn xmlns:p14="http://schemas.microsoft.com/office/powerpoint/2007/7/12/main" id="1" dur="indefinite" restart="never" nodeType="tmRoot"/>
+        <p:cTn id="1" dur="indefinite" restart="never" nodeType="tmRoot"/>
       </p:par>
     </p:tnLst>
   </p:timing>
@@ -7821,16 +7826,16 @@
               <a:defRPr sz="3600" b="0" cap="none" spc="0">
                 <a:ln w="18415" cmpd="sng">
                   <a:solidFill>
-                    <a:srgbClr xmlns:mc="http://schemas.openxmlformats.org/markup-compatibility/2006" xmlns:a14="http://schemas.microsoft.com/office/drawing/2007/7/7/main" val="FFFFFF" mc:Ignorable=""/>
+                    <a:srgbClr val="FFFFFF"/>
                   </a:solidFill>
                   <a:prstDash val="solid"/>
                 </a:ln>
                 <a:solidFill>
-                  <a:srgbClr xmlns:mc="http://schemas.openxmlformats.org/markup-compatibility/2006" xmlns:a14="http://schemas.microsoft.com/office/drawing/2007/7/7/main" val="FFFFFF" mc:Ignorable=""/>
+                  <a:srgbClr val="FFFFFF"/>
                 </a:solidFill>
                 <a:effectLst>
                   <a:outerShdw blurRad="63500" dir="3600000" algn="tl" rotWithShape="0">
-                    <a:srgbClr xmlns:mc="http://schemas.openxmlformats.org/markup-compatibility/2006" xmlns:a14="http://schemas.microsoft.com/office/drawing/2007/7/7/main" val="000000" mc:Ignorable="">
+                    <a:srgbClr val="000000">
                       <a:alpha val="70000"/>
                     </a:srgbClr>
                   </a:outerShdw>
@@ -7970,7 +7975,7 @@
             </a:avLst>
           </a:prstGeom>
           <a:solidFill>
-            <a:srgbClr xmlns:mc="http://schemas.openxmlformats.org/markup-compatibility/2006" xmlns:a14="http://schemas.microsoft.com/office/drawing/2007/7/7/main" val="FFFFFF" mc:Ignorable="">
+            <a:srgbClr val="FFFFFF">
               <a:shade val="85000"/>
             </a:srgbClr>
           </a:solidFill>
@@ -7994,7 +7999,7 @@
           <a:blip r:embed="rId4">
             <a:extLst>
               <a:ext uri="28A0092B-C50C-407e-A947-70E740481C1C">
-                <a14:useLocalDpi xmlns:a14="http://schemas.microsoft.com/office/drawing/2007/7/7/main" val="0"/>
+                <a14:useLocalDpi xmlns:a14="http://schemas.microsoft.com/office/drawing/2007/7/7/main" xmlns="" val="0"/>
               </a:ext>
             </a:extLst>
           </a:blip>
@@ -8014,14 +8019,14 @@
           <a:noFill/>
           <a:extLst>
             <a:ext uri="{909E8E84-426E-40dd-AFC4-6F175D3DCCD1}">
-              <a14:hiddenFill xmlns:a14="http://schemas.microsoft.com/office/drawing/2007/7/7/main">
+              <a14:hiddenFill xmlns:a14="http://schemas.microsoft.com/office/drawing/2007/7/7/main" xmlns="">
                 <a:solidFill>
                   <a:schemeClr val="accent1"/>
                 </a:solidFill>
               </a14:hiddenFill>
             </a:ext>
             <a:ext uri="{91240B29-F687-4f45-9708-019B960494DF}">
-              <a14:hiddenLine xmlns:a14="http://schemas.microsoft.com/office/drawing/2007/7/7/main" w="9525">
+              <a14:hiddenLine xmlns:a14="http://schemas.microsoft.com/office/drawing/2007/7/7/main" xmlns="" w="9525">
                 <a:solidFill>
                   <a:schemeClr val="tx1"/>
                 </a:solidFill>
@@ -8031,7 +8036,7 @@
               </a14:hiddenLine>
             </a:ext>
             <a:ext uri="{AF507438-7753-43e0-B8FC-AC1667EBCBE1}">
-              <a14:hiddenEffects xmlns:a14="http://schemas.microsoft.com/office/drawing/2007/7/7/main">
+              <a14:hiddenEffects xmlns:a14="http://schemas.microsoft.com/office/drawing/2007/7/7/main" xmlns="">
                 <a:effectLst>
                   <a:outerShdw dist="35921" dir="2700000" algn="ctr" rotWithShape="0">
                     <a:schemeClr val="bg2"/>
@@ -8045,7 +8050,7 @@
     </p:spTree>
     <p:extLst>
       <p:ext uri="{BB962C8B-B14F-4D97-AF65-F5344CB8AC3E}">
-        <p14:creationId xmlns:p14="http://schemas.microsoft.com/office/powerpoint/2007/7/12/main" val="1066328049"/>
+        <p14:creationId xmlns:p14="http://schemas.microsoft.com/office/powerpoint/2007/7/12/main" xmlns="" val="1066328049"/>
       </p:ext>
     </p:extLst>
   </p:cSld>
@@ -8055,7 +8060,7 @@
   <p:timing>
     <p:tnLst>
       <p:par>
-        <p:cTn xmlns:p14="http://schemas.microsoft.com/office/powerpoint/2007/7/12/main" id="1" dur="indefinite" restart="never" nodeType="tmRoot"/>
+        <p:cTn id="1" dur="indefinite" restart="never" nodeType="tmRoot"/>
       </p:par>
     </p:tnLst>
   </p:timing>
@@ -8138,7 +8143,7 @@
             </a:pPr>
             <a:endParaRPr lang="ko-KR" altLang="ko-KR">
               <a:solidFill>
-                <a:srgbClr xmlns:mc="http://schemas.openxmlformats.org/markup-compatibility/2006" xmlns:a14="http://schemas.microsoft.com/office/drawing/2007/7/7/main" val="000000" mc:Ignorable=""/>
+                <a:srgbClr val="000000"/>
               </a:solidFill>
               <a:cs typeface="Arial" charset="0"/>
             </a:endParaRPr>
@@ -8197,7 +8202,7 @@
             </a:pPr>
             <a:endParaRPr lang="ko-KR" altLang="ko-KR">
               <a:solidFill>
-                <a:srgbClr xmlns:mc="http://schemas.openxmlformats.org/markup-compatibility/2006" xmlns:a14="http://schemas.microsoft.com/office/drawing/2007/7/7/main" val="000000" mc:Ignorable=""/>
+                <a:srgbClr val="000000"/>
               </a:solidFill>
               <a:cs typeface="Arial" charset="0"/>
             </a:endParaRPr>
@@ -8256,7 +8261,7 @@
             </a:pPr>
             <a:endParaRPr lang="ko-KR" altLang="ko-KR">
               <a:solidFill>
-                <a:srgbClr xmlns:mc="http://schemas.openxmlformats.org/markup-compatibility/2006" xmlns:a14="http://schemas.microsoft.com/office/drawing/2007/7/7/main" val="000000" mc:Ignorable=""/>
+                <a:srgbClr val="000000"/>
               </a:solidFill>
               <a:cs typeface="Arial" charset="0"/>
             </a:endParaRPr>
@@ -8289,7 +8294,7 @@
             </a:pPr>
             <a:endParaRPr lang="ko-KR" altLang="ko-KR" sz="1100" b="1">
               <a:solidFill>
-                <a:srgbClr xmlns:mc="http://schemas.openxmlformats.org/markup-compatibility/2006" xmlns:a14="http://schemas.microsoft.com/office/drawing/2007/7/7/main" val="A0A0A0" mc:Ignorable=""/>
+                <a:srgbClr val="A0A0A0"/>
               </a:solidFill>
               <a:latin typeface="Calibri" pitchFamily="34" charset="0"/>
             </a:endParaRPr>
@@ -8404,7 +8409,7 @@
             <a:r>
               <a:rPr lang="fr-FR" altLang="ko-KR" sz="900" dirty="0" smtClean="0">
                 <a:solidFill>
-                  <a:srgbClr xmlns:mc="http://schemas.openxmlformats.org/markup-compatibility/2006" xmlns:a14="http://schemas.microsoft.com/office/drawing/2007/7/7/main" val="7F7F7F" mc:Ignorable=""/>
+                  <a:srgbClr val="7F7F7F"/>
                 </a:solidFill>
                 <a:ea typeface="굴림" charset="-127"/>
               </a:rPr>
@@ -8413,7 +8418,7 @@
             <a:r>
               <a:rPr lang="fr-FR" altLang="ko-KR" sz="900" baseline="0" dirty="0" smtClean="0">
                 <a:solidFill>
-                  <a:srgbClr xmlns:mc="http://schemas.openxmlformats.org/markup-compatibility/2006" xmlns:a14="http://schemas.microsoft.com/office/drawing/2007/7/7/main" val="7F7F7F" mc:Ignorable=""/>
+                  <a:srgbClr val="7F7F7F"/>
                 </a:solidFill>
                 <a:ea typeface="굴림" charset="-127"/>
               </a:rPr>
@@ -8421,7 +8426,7 @@
             </a:r>
             <a:endParaRPr lang="fr-FR" altLang="ko-KR" sz="900" dirty="0">
               <a:solidFill>
-                <a:srgbClr xmlns:mc="http://schemas.openxmlformats.org/markup-compatibility/2006" xmlns:a14="http://schemas.microsoft.com/office/drawing/2007/7/7/main" val="7F7F7F" mc:Ignorable=""/>
+                <a:srgbClr val="7F7F7F"/>
               </a:solidFill>
               <a:ea typeface="굴림" charset="-127"/>
             </a:endParaRPr>
@@ -8487,7 +8492,7 @@
                 </a:spcAft>
                 <a:defRPr/>
               </a:pPr>
-              <a:t>‹#›</a:t>
+              <a:t>‹N°›</a:t>
             </a:fld>
             <a:r>
               <a:rPr lang="fr-FR" sz="1100" b="1" kern="0" dirty="0" smtClean="0">
@@ -8499,7 +8504,19 @@
                 <a:latin typeface="+mn-lt"/>
                 <a:cs typeface="+mn-cs"/>
               </a:rPr>
-              <a:t> / x    </a:t>
+              <a:t> / </a:t>
+            </a:r>
+            <a:r>
+              <a:rPr lang="fr-FR" sz="1100" b="1" kern="0" dirty="0" smtClean="0">
+                <a:solidFill>
+                  <a:schemeClr val="bg1">
+                    <a:lumMod val="65000"/>
+                  </a:schemeClr>
+                </a:solidFill>
+                <a:latin typeface="+mn-lt"/>
+                <a:cs typeface="+mn-cs"/>
+              </a:rPr>
+              <a:t>24    </a:t>
             </a:r>
             <a:endParaRPr lang="fr-FR" sz="1100" b="1" kern="0" dirty="0">
               <a:solidFill>
@@ -8586,7 +8603,7 @@
             <a:r>
               <a:rPr lang="fr-FR" altLang="ko-KR" sz="1000" dirty="0" err="1" smtClean="0">
                 <a:solidFill>
-                  <a:srgbClr xmlns:mc="http://schemas.openxmlformats.org/markup-compatibility/2006" xmlns:a14="http://schemas.microsoft.com/office/drawing/2007/7/7/main" val="7F7F7F" mc:Ignorable=""/>
+                  <a:srgbClr val="7F7F7F"/>
                 </a:solidFill>
                 <a:latin typeface="Calibri" pitchFamily="34" charset="0"/>
                 <a:ea typeface="굴림" charset="-127"/>
@@ -8596,7 +8613,7 @@
             <a:r>
               <a:rPr lang="fr-FR" altLang="ko-KR" sz="1000" baseline="0" dirty="0" smtClean="0">
                 <a:solidFill>
-                  <a:srgbClr xmlns:mc="http://schemas.openxmlformats.org/markup-compatibility/2006" xmlns:a14="http://schemas.microsoft.com/office/drawing/2007/7/7/main" val="7F7F7F" mc:Ignorable=""/>
+                  <a:srgbClr val="7F7F7F"/>
                 </a:solidFill>
                 <a:latin typeface="Calibri" pitchFamily="34" charset="0"/>
                 <a:ea typeface="굴림" charset="-127"/>
@@ -8606,7 +8623,7 @@
             <a:r>
               <a:rPr lang="fr-FR" altLang="ko-KR" sz="1000" dirty="0" smtClean="0">
                 <a:solidFill>
-                  <a:srgbClr xmlns:mc="http://schemas.openxmlformats.org/markup-compatibility/2006" xmlns:a14="http://schemas.microsoft.com/office/drawing/2007/7/7/main" val="7F7F7F" mc:Ignorable=""/>
+                  <a:srgbClr val="7F7F7F"/>
                 </a:solidFill>
                 <a:latin typeface="Calibri" pitchFamily="34" charset="0"/>
                 <a:ea typeface="굴림" charset="-127"/>
@@ -8616,7 +8633,7 @@
             <a:r>
               <a:rPr lang="fr-FR" altLang="ko-KR" sz="1000" dirty="0">
                 <a:solidFill>
-                  <a:srgbClr xmlns:mc="http://schemas.openxmlformats.org/markup-compatibility/2006" xmlns:a14="http://schemas.microsoft.com/office/drawing/2007/7/7/main" val="7F7F7F" mc:Ignorable=""/>
+                  <a:srgbClr val="7F7F7F"/>
                 </a:solidFill>
                 <a:latin typeface="Calibri" pitchFamily="34" charset="0"/>
                 <a:ea typeface="굴림" charset="-127"/>
@@ -8625,7 +8642,7 @@
             </a:r>
             <a:endParaRPr lang="fr-FR" altLang="ko-KR" sz="900" dirty="0">
               <a:solidFill>
-                <a:srgbClr xmlns:mc="http://schemas.openxmlformats.org/markup-compatibility/2006" xmlns:a14="http://schemas.microsoft.com/office/drawing/2007/7/7/main" val="7F7F7F" mc:Ignorable=""/>
+                <a:srgbClr val="7F7F7F"/>
               </a:solidFill>
               <a:latin typeface="Calibri" pitchFamily="34" charset="0"/>
               <a:ea typeface="굴림" charset="-127"/>
@@ -8645,7 +8662,7 @@
   <p:timing>
     <p:tnLst>
       <p:par>
-        <p:cTn xmlns:p14="http://schemas.microsoft.com/office/powerpoint/2007/7/12/main" id="1" dur="indefinite" restart="never" nodeType="tmRoot"/>
+        <p:cTn id="1" dur="indefinite" restart="never" nodeType="tmRoot"/>
       </p:par>
     </p:tnLst>
   </p:timing>
@@ -9067,11 +9084,11 @@
             <a:r>
               <a:rPr altLang="ko-KR" dirty="0" smtClean="0">
                 <a:solidFill>
-                  <a:srgbClr xmlns:mc="http://schemas.openxmlformats.org/markup-compatibility/2006" xmlns:a14="http://schemas.microsoft.com/office/drawing/2007/7/7/main" val="C44F00" mc:Ignorable=""/>
+                  <a:srgbClr val="C44F00"/>
                 </a:solidFill>
                 <a:effectLst>
                   <a:outerShdw blurRad="38100" dist="38100" dir="2700000" algn="tl">
-                    <a:srgbClr xmlns:mc="http://schemas.openxmlformats.org/markup-compatibility/2006" xmlns:a14="http://schemas.microsoft.com/office/drawing/2007/7/7/main" val="C0C0C0" mc:Ignorable=""/>
+                    <a:srgbClr val="C0C0C0"/>
                   </a:outerShdw>
                 </a:effectLst>
                 <a:ea typeface="굴림" charset="-127"/>
@@ -9086,11 +9103,11 @@
             <a:r>
               <a:rPr altLang="ko-KR" dirty="0" smtClean="0">
                 <a:solidFill>
-                  <a:srgbClr xmlns:mc="http://schemas.openxmlformats.org/markup-compatibility/2006" xmlns:a14="http://schemas.microsoft.com/office/drawing/2007/7/7/main" val="595959" mc:Ignorable=""/>
+                  <a:srgbClr val="595959"/>
                 </a:solidFill>
                 <a:effectLst>
                   <a:outerShdw blurRad="38100" dist="38100" dir="2700000" algn="tl">
-                    <a:srgbClr xmlns:mc="http://schemas.openxmlformats.org/markup-compatibility/2006" xmlns:a14="http://schemas.microsoft.com/office/drawing/2007/7/7/main" val="C0C0C0" mc:Ignorable=""/>
+                    <a:srgbClr val="C0C0C0"/>
                   </a:outerShdw>
                 </a:effectLst>
                 <a:ea typeface="굴림" charset="-127"/>
@@ -9100,11 +9117,11 @@
             <a:r>
               <a:rPr altLang="ko-KR" dirty="0" err="1" smtClean="0">
                 <a:solidFill>
-                  <a:srgbClr xmlns:mc="http://schemas.openxmlformats.org/markup-compatibility/2006" xmlns:a14="http://schemas.microsoft.com/office/drawing/2007/7/7/main" val="595959" mc:Ignorable=""/>
+                  <a:srgbClr val="595959"/>
                 </a:solidFill>
                 <a:effectLst>
                   <a:outerShdw blurRad="38100" dist="38100" dir="2700000" algn="tl">
-                    <a:srgbClr xmlns:mc="http://schemas.openxmlformats.org/markup-compatibility/2006" xmlns:a14="http://schemas.microsoft.com/office/drawing/2007/7/7/main" val="C0C0C0" mc:Ignorable=""/>
+                    <a:srgbClr val="C0C0C0"/>
                   </a:outerShdw>
                 </a:effectLst>
                 <a:ea typeface="굴림" charset="-127"/>
@@ -9114,11 +9131,11 @@
             <a:r>
               <a:rPr altLang="ko-KR" dirty="0" smtClean="0">
                 <a:solidFill>
-                  <a:srgbClr xmlns:mc="http://schemas.openxmlformats.org/markup-compatibility/2006" xmlns:a14="http://schemas.microsoft.com/office/drawing/2007/7/7/main" val="595959" mc:Ignorable=""/>
+                  <a:srgbClr val="595959"/>
                 </a:solidFill>
                 <a:effectLst>
                   <a:outerShdw blurRad="38100" dist="38100" dir="2700000" algn="tl">
-                    <a:srgbClr xmlns:mc="http://schemas.openxmlformats.org/markup-compatibility/2006" xmlns:a14="http://schemas.microsoft.com/office/drawing/2007/7/7/main" val="C0C0C0" mc:Ignorable=""/>
+                    <a:srgbClr val="C0C0C0"/>
                   </a:outerShdw>
                 </a:effectLst>
                 <a:ea typeface="굴림" charset="-127"/>
@@ -9133,11 +9150,11 @@
             <a:r>
               <a:rPr altLang="ko-KR" dirty="0" smtClean="0">
                 <a:solidFill>
-                  <a:srgbClr xmlns:mc="http://schemas.openxmlformats.org/markup-compatibility/2006" xmlns:a14="http://schemas.microsoft.com/office/drawing/2007/7/7/main" val="595959" mc:Ignorable=""/>
+                  <a:srgbClr val="595959"/>
                 </a:solidFill>
                 <a:effectLst>
                   <a:outerShdw blurRad="38100" dist="38100" dir="2700000" algn="tl">
-                    <a:srgbClr xmlns:mc="http://schemas.openxmlformats.org/markup-compatibility/2006" xmlns:a14="http://schemas.microsoft.com/office/drawing/2007/7/7/main" val="C0C0C0" mc:Ignorable=""/>
+                    <a:srgbClr val="C0C0C0"/>
                   </a:outerShdw>
                 </a:effectLst>
                 <a:ea typeface="굴림" charset="-127"/>
@@ -9151,11 +9168,11 @@
             </a:pPr>
             <a:endParaRPr altLang="ko-KR" dirty="0" smtClean="0">
               <a:solidFill>
-                <a:srgbClr xmlns:mc="http://schemas.openxmlformats.org/markup-compatibility/2006" xmlns:a14="http://schemas.microsoft.com/office/drawing/2007/7/7/main" val="8F481E" mc:Ignorable=""/>
+                <a:srgbClr val="8F481E"/>
               </a:solidFill>
               <a:effectLst>
                 <a:outerShdw blurRad="38100" dist="38100" dir="2700000" algn="tl">
-                  <a:srgbClr xmlns:mc="http://schemas.openxmlformats.org/markup-compatibility/2006" xmlns:a14="http://schemas.microsoft.com/office/drawing/2007/7/7/main" val="C0C0C0" mc:Ignorable=""/>
+                  <a:srgbClr val="C0C0C0"/>
                 </a:outerShdw>
               </a:effectLst>
               <a:ea typeface="굴림" charset="-127"/>
@@ -9200,7 +9217,7 @@
                 </a:ln>
                 <a:effectLst>
                   <a:outerShdw blurRad="38100" dist="38100" dir="2700000" algn="tl">
-                    <a:srgbClr xmlns:mc="http://schemas.openxmlformats.org/markup-compatibility/2006" xmlns:a14="http://schemas.microsoft.com/office/drawing/2007/7/7/main" val="000000" mc:Ignorable="">
+                    <a:srgbClr val="000000">
                       <a:alpha val="43137"/>
                     </a:srgbClr>
                   </a:outerShdw>
@@ -9218,7 +9235,7 @@
                 </a:solidFill>
                 <a:effectLst>
                   <a:outerShdw blurRad="38100" dist="38100" dir="2700000" algn="tl">
-                    <a:srgbClr xmlns:mc="http://schemas.openxmlformats.org/markup-compatibility/2006" xmlns:a14="http://schemas.microsoft.com/office/drawing/2007/7/7/main" val="000000" mc:Ignorable="">
+                    <a:srgbClr val="000000">
                       <a:alpha val="43137"/>
                     </a:srgbClr>
                   </a:outerShdw>
@@ -9236,7 +9253,7 @@
                 </a:solidFill>
                 <a:effectLst>
                   <a:outerShdw blurRad="38100" dist="38100" dir="2700000" algn="tl">
-                    <a:srgbClr xmlns:mc="http://schemas.openxmlformats.org/markup-compatibility/2006" xmlns:a14="http://schemas.microsoft.com/office/drawing/2007/7/7/main" val="000000" mc:Ignorable="">
+                    <a:srgbClr val="000000">
                       <a:alpha val="43137"/>
                     </a:srgbClr>
                   </a:outerShdw>
@@ -9253,7 +9270,7 @@
                 </a:solidFill>
                 <a:effectLst>
                   <a:outerShdw blurRad="38100" dist="38100" dir="2700000" algn="tl">
-                    <a:srgbClr xmlns:mc="http://schemas.openxmlformats.org/markup-compatibility/2006" xmlns:a14="http://schemas.microsoft.com/office/drawing/2007/7/7/main" val="000000" mc:Ignorable="">
+                    <a:srgbClr val="000000">
                       <a:alpha val="43137"/>
                     </a:srgbClr>
                   </a:outerShdw>
@@ -9273,7 +9290,7 @@
                 </a:solidFill>
                 <a:effectLst>
                   <a:outerShdw blurRad="38100" dist="38100" dir="2700000" algn="tl">
-                    <a:srgbClr xmlns:mc="http://schemas.openxmlformats.org/markup-compatibility/2006" xmlns:a14="http://schemas.microsoft.com/office/drawing/2007/7/7/main" val="000000" mc:Ignorable="">
+                    <a:srgbClr val="000000">
                       <a:alpha val="43137"/>
                     </a:srgbClr>
                   </a:outerShdw>
@@ -9293,7 +9310,7 @@
                 </a:solidFill>
                 <a:effectLst>
                   <a:outerShdw blurRad="38100" dist="38100" dir="2700000" algn="tl">
-                    <a:srgbClr xmlns:mc="http://schemas.openxmlformats.org/markup-compatibility/2006" xmlns:a14="http://schemas.microsoft.com/office/drawing/2007/7/7/main" val="000000" mc:Ignorable="">
+                    <a:srgbClr val="000000">
                       <a:alpha val="43137"/>
                     </a:srgbClr>
                   </a:outerShdw>
@@ -9313,7 +9330,7 @@
                 </a:solidFill>
                 <a:effectLst>
                   <a:outerShdw blurRad="38100" dist="38100" dir="2700000" algn="tl">
-                    <a:srgbClr xmlns:mc="http://schemas.openxmlformats.org/markup-compatibility/2006" xmlns:a14="http://schemas.microsoft.com/office/drawing/2007/7/7/main" val="000000" mc:Ignorable="">
+                    <a:srgbClr val="000000">
                       <a:alpha val="43137"/>
                     </a:srgbClr>
                   </a:outerShdw>
@@ -9333,7 +9350,7 @@
                 </a:solidFill>
                 <a:effectLst>
                   <a:outerShdw blurRad="38100" dist="38100" dir="2700000" algn="tl">
-                    <a:srgbClr xmlns:mc="http://schemas.openxmlformats.org/markup-compatibility/2006" xmlns:a14="http://schemas.microsoft.com/office/drawing/2007/7/7/main" val="000000" mc:Ignorable="">
+                    <a:srgbClr val="000000">
                       <a:alpha val="43137"/>
                     </a:srgbClr>
                   </a:outerShdw>
@@ -9352,7 +9369,7 @@
               </a:solidFill>
               <a:effectLst>
                 <a:outerShdw blurRad="38100" dist="38100" dir="2700000" algn="tl">
-                  <a:srgbClr xmlns:mc="http://schemas.openxmlformats.org/markup-compatibility/2006" xmlns:a14="http://schemas.microsoft.com/office/drawing/2007/7/7/main" val="000000" mc:Ignorable="">
+                  <a:srgbClr val="000000">
                     <a:alpha val="43137"/>
                   </a:srgbClr>
                 </a:outerShdw>
@@ -9422,7 +9439,7 @@
             </a:avLst>
           </a:prstGeom>
           <a:solidFill>
-            <a:srgbClr xmlns:mc="http://schemas.openxmlformats.org/markup-compatibility/2006" xmlns:a14="http://schemas.microsoft.com/office/drawing/2007/7/7/main" val="FFFFFF" mc:Ignorable="">
+            <a:srgbClr val="FFFFFF">
               <a:shade val="85000"/>
             </a:srgbClr>
           </a:solidFill>
@@ -9460,7 +9477,7 @@
             </a:avLst>
           </a:prstGeom>
           <a:solidFill>
-            <a:srgbClr xmlns:mc="http://schemas.openxmlformats.org/markup-compatibility/2006" xmlns:a14="http://schemas.microsoft.com/office/drawing/2007/7/7/main" val="FFFFFF" mc:Ignorable="">
+            <a:srgbClr val="FFFFFF">
               <a:shade val="85000"/>
             </a:srgbClr>
           </a:solidFill>
@@ -9515,7 +9532,7 @@
               <a:rPr lang="fr-FR" sz="2400" b="1" dirty="0" smtClean="0">
                 <a:effectLst>
                   <a:outerShdw blurRad="38100" dist="38100" dir="2700000" algn="tl">
-                    <a:srgbClr xmlns:mc="http://schemas.openxmlformats.org/markup-compatibility/2006" xmlns:a14="http://schemas.microsoft.com/office/drawing/2007/7/7/main" val="000000" mc:Ignorable="">
+                    <a:srgbClr val="000000">
                       <a:alpha val="43137"/>
                     </a:srgbClr>
                   </a:outerShdw>
@@ -9560,7 +9577,7 @@
   <p:timing>
     <p:tnLst>
       <p:par>
-        <p:cTn xmlns:p14="http://schemas.microsoft.com/office/powerpoint/2007/7/12/main" id="1" dur="indefinite" restart="never" nodeType="tmRoot"/>
+        <p:cTn id="1" dur="indefinite" restart="never" nodeType="tmRoot"/>
       </p:par>
     </p:tnLst>
   </p:timing>
@@ -9640,7 +9657,7 @@
           <a:blip r:embed="rId2">
             <a:extLst>
               <a:ext uri="28A0092B-C50C-407e-A947-70E740481C1C">
-                <a14:useLocalDpi xmlns:a14="http://schemas.microsoft.com/office/drawing/2007/7/7/main" val="0"/>
+                <a14:useLocalDpi xmlns:a14="http://schemas.microsoft.com/office/drawing/2007/7/7/main" xmlns="" val="0"/>
               </a:ext>
             </a:extLst>
           </a:blip>
@@ -9662,14 +9679,14 @@
           </a:ln>
           <a:effectLst>
             <a:outerShdw blurRad="190500" algn="tl" rotWithShape="0">
-              <a:srgbClr xmlns:mc="http://schemas.openxmlformats.org/markup-compatibility/2006" xmlns:a14="http://schemas.microsoft.com/office/drawing/2007/7/7/main" val="000000" mc:Ignorable="">
+              <a:srgbClr val="000000">
                 <a:alpha val="70000"/>
               </a:srgbClr>
             </a:outerShdw>
           </a:effectLst>
           <a:extLst>
             <a:ext uri="{909E8E84-426E-40dd-AFC4-6F175D3DCCD1}">
-              <a14:hiddenFill xmlns:a14="http://schemas.microsoft.com/office/drawing/2007/7/7/main">
+              <a14:hiddenFill xmlns:a14="http://schemas.microsoft.com/office/drawing/2007/7/7/main" xmlns="">
                 <a:solidFill>
                   <a:srgbClr xmlns:mc="http://schemas.openxmlformats.org/markup-compatibility/2006" val="FFFFFF" mc:Ignorable=""/>
                 </a:solidFill>
@@ -9678,10 +9695,510 @@
           </a:extLst>
         </p:spPr>
       </p:pic>
+      <p:sp>
+        <p:nvSpPr>
+          <p:cNvPr id="5" name="ZoneTexte 4"/>
+          <p:cNvSpPr txBox="1"/>
+          <p:nvPr/>
+        </p:nvSpPr>
+        <p:spPr>
+          <a:xfrm>
+            <a:off x="202736" y="0"/>
+            <a:ext cx="1654620" cy="276999"/>
+          </a:xfrm>
+          <a:prstGeom prst="rect">
+            <a:avLst/>
+          </a:prstGeom>
+          <a:noFill/>
+          <a:ln>
+            <a:noFill/>
+          </a:ln>
+        </p:spPr>
+        <p:txBody>
+          <a:bodyPr wrap="none" rtlCol="0">
+            <a:spAutoFit/>
+          </a:bodyPr>
+          <a:lstStyle/>
+          <a:p>
+            <a:pPr marL="0" marR="0" indent="0" algn="l" defTabSz="914400" rtl="0" eaLnBrk="1" fontAlgn="auto" latinLnBrk="0" hangingPunct="1">
+              <a:lnSpc>
+                <a:spcPct val="100000"/>
+              </a:lnSpc>
+              <a:spcBef>
+                <a:spcPct val="20000"/>
+              </a:spcBef>
+              <a:spcAft>
+                <a:spcPts val="0"/>
+              </a:spcAft>
+              <a:buClrTx/>
+              <a:buSzTx/>
+              <a:buFontTx/>
+              <a:buNone/>
+              <a:tabLst/>
+            </a:pPr>
+            <a:r>
+              <a:rPr kumimoji="0" lang="fr-FR" sz="1200" i="0" u="none" strike="noStrike" kern="0" cap="none" spc="0" normalizeH="0" baseline="0" noProof="0" dirty="0" err="1" smtClean="0">
+                <a:ln>
+                  <a:noFill/>
+                </a:ln>
+                <a:solidFill>
+                  <a:schemeClr val="tx1">
+                    <a:lumMod val="50000"/>
+                    <a:lumOff val="50000"/>
+                  </a:schemeClr>
+                </a:solidFill>
+                <a:effectLst/>
+                <a:uLnTx/>
+                <a:uFillTx/>
+                <a:latin typeface="+mn-lt"/>
+                <a:ea typeface="+mn-ea"/>
+                <a:cs typeface="+mn-cs"/>
+              </a:rPr>
+              <a:t>Problem</a:t>
+            </a:r>
+            <a:r>
+              <a:rPr kumimoji="0" lang="fr-FR" sz="1200" i="0" u="none" strike="noStrike" kern="0" cap="none" spc="0" normalizeH="0" baseline="0" noProof="0" dirty="0" smtClean="0">
+                <a:ln>
+                  <a:noFill/>
+                </a:ln>
+                <a:solidFill>
+                  <a:schemeClr val="tx1">
+                    <a:lumMod val="50000"/>
+                    <a:lumOff val="50000"/>
+                  </a:schemeClr>
+                </a:solidFill>
+                <a:effectLst/>
+                <a:uLnTx/>
+                <a:uFillTx/>
+                <a:latin typeface="+mn-lt"/>
+                <a:ea typeface="+mn-ea"/>
+                <a:cs typeface="+mn-cs"/>
+              </a:rPr>
+              <a:t> </a:t>
+            </a:r>
+            <a:r>
+              <a:rPr kumimoji="0" lang="fr-FR" sz="1200" i="0" u="none" strike="noStrike" kern="0" cap="none" spc="0" normalizeH="0" baseline="0" noProof="0" dirty="0" err="1" smtClean="0">
+                <a:ln>
+                  <a:noFill/>
+                </a:ln>
+                <a:solidFill>
+                  <a:schemeClr val="tx1">
+                    <a:lumMod val="50000"/>
+                    <a:lumOff val="50000"/>
+                  </a:schemeClr>
+                </a:solidFill>
+                <a:effectLst/>
+                <a:uLnTx/>
+                <a:uFillTx/>
+                <a:latin typeface="+mn-lt"/>
+                <a:ea typeface="+mn-ea"/>
+                <a:cs typeface="+mn-cs"/>
+              </a:rPr>
+              <a:t>understanding</a:t>
+            </a:r>
+            <a:endParaRPr kumimoji="0" lang="fr-FR" sz="1200" i="0" u="none" strike="noStrike" kern="0" cap="none" spc="0" normalizeH="0" baseline="0" noProof="0" dirty="0" smtClean="0">
+              <a:ln>
+                <a:noFill/>
+              </a:ln>
+              <a:solidFill>
+                <a:schemeClr val="tx1">
+                  <a:lumMod val="50000"/>
+                  <a:lumOff val="50000"/>
+                </a:schemeClr>
+              </a:solidFill>
+              <a:effectLst/>
+              <a:uLnTx/>
+              <a:uFillTx/>
+              <a:latin typeface="+mn-lt"/>
+              <a:ea typeface="+mn-ea"/>
+              <a:cs typeface="+mn-cs"/>
+            </a:endParaRPr>
+          </a:p>
+        </p:txBody>
+      </p:sp>
+      <p:sp>
+        <p:nvSpPr>
+          <p:cNvPr id="6" name="ZoneTexte 5"/>
+          <p:cNvSpPr txBox="1"/>
+          <p:nvPr/>
+        </p:nvSpPr>
+        <p:spPr>
+          <a:xfrm>
+            <a:off x="2248093" y="0"/>
+            <a:ext cx="1792478" cy="276999"/>
+          </a:xfrm>
+          <a:prstGeom prst="rect">
+            <a:avLst/>
+          </a:prstGeom>
+          <a:noFill/>
+          <a:ln>
+            <a:noFill/>
+          </a:ln>
+        </p:spPr>
+        <p:txBody>
+          <a:bodyPr wrap="none" rtlCol="0">
+            <a:spAutoFit/>
+          </a:bodyPr>
+          <a:lstStyle/>
+          <a:p>
+            <a:pPr marL="0" marR="0" indent="0" algn="l" defTabSz="914400" rtl="0" eaLnBrk="1" fontAlgn="auto" latinLnBrk="0" hangingPunct="1">
+              <a:lnSpc>
+                <a:spcPct val="100000"/>
+              </a:lnSpc>
+              <a:spcBef>
+                <a:spcPct val="20000"/>
+              </a:spcBef>
+              <a:spcAft>
+                <a:spcPts val="0"/>
+              </a:spcAft>
+              <a:buClrTx/>
+              <a:buSzTx/>
+              <a:buFontTx/>
+              <a:buNone/>
+              <a:tabLst/>
+            </a:pPr>
+            <a:r>
+              <a:rPr kumimoji="0" lang="fr-FR" sz="1200" b="1" i="0" u="sng" strike="noStrike" kern="0" cap="none" spc="0" normalizeH="0" baseline="0" noProof="0" dirty="0" err="1" smtClean="0">
+                <a:ln>
+                  <a:noFill/>
+                </a:ln>
+                <a:effectLst/>
+                <a:uLnTx/>
+                <a:uFillTx/>
+                <a:latin typeface="+mn-lt"/>
+                <a:ea typeface="+mn-ea"/>
+                <a:cs typeface="+mn-cs"/>
+              </a:rPr>
+              <a:t>Functional</a:t>
+            </a:r>
+            <a:r>
+              <a:rPr kumimoji="0" lang="fr-FR" sz="1200" b="1" i="0" u="sng" strike="noStrike" kern="0" cap="none" spc="0" normalizeH="0" baseline="0" noProof="0" dirty="0" smtClean="0">
+                <a:ln>
+                  <a:noFill/>
+                </a:ln>
+                <a:effectLst/>
+                <a:uLnTx/>
+                <a:uFillTx/>
+                <a:latin typeface="+mn-lt"/>
+                <a:ea typeface="+mn-ea"/>
+                <a:cs typeface="+mn-cs"/>
+              </a:rPr>
+              <a:t> </a:t>
+            </a:r>
+            <a:r>
+              <a:rPr kumimoji="0" lang="fr-FR" sz="1200" b="1" i="0" u="sng" strike="noStrike" kern="0" cap="none" spc="0" normalizeH="0" baseline="0" noProof="0" dirty="0" err="1" smtClean="0">
+                <a:ln>
+                  <a:noFill/>
+                </a:ln>
+                <a:effectLst/>
+                <a:uLnTx/>
+                <a:uFillTx/>
+                <a:latin typeface="+mn-lt"/>
+                <a:ea typeface="+mn-ea"/>
+                <a:cs typeface="+mn-cs"/>
+              </a:rPr>
+              <a:t>Requirements</a:t>
+            </a:r>
+            <a:endParaRPr kumimoji="0" lang="fr-FR" sz="1200" b="1" i="0" u="sng" strike="noStrike" kern="0" cap="none" spc="0" normalizeH="0" baseline="0" noProof="0" dirty="0" smtClean="0">
+              <a:ln>
+                <a:noFill/>
+              </a:ln>
+              <a:effectLst/>
+              <a:uLnTx/>
+              <a:uFillTx/>
+              <a:latin typeface="+mn-lt"/>
+              <a:ea typeface="+mn-ea"/>
+              <a:cs typeface="+mn-cs"/>
+            </a:endParaRPr>
+          </a:p>
+        </p:txBody>
+      </p:sp>
+      <p:sp>
+        <p:nvSpPr>
+          <p:cNvPr id="7" name="ZoneTexte 6"/>
+          <p:cNvSpPr txBox="1"/>
+          <p:nvPr/>
+        </p:nvSpPr>
+        <p:spPr>
+          <a:xfrm>
+            <a:off x="4297771" y="0"/>
+            <a:ext cx="2060179" cy="276999"/>
+          </a:xfrm>
+          <a:prstGeom prst="rect">
+            <a:avLst/>
+          </a:prstGeom>
+          <a:noFill/>
+          <a:ln>
+            <a:noFill/>
+          </a:ln>
+        </p:spPr>
+        <p:txBody>
+          <a:bodyPr wrap="none" rtlCol="0">
+            <a:spAutoFit/>
+          </a:bodyPr>
+          <a:lstStyle/>
+          <a:p>
+            <a:pPr marL="0" marR="0" indent="0" algn="l" defTabSz="914400" rtl="0" eaLnBrk="1" fontAlgn="auto" latinLnBrk="0" hangingPunct="1">
+              <a:lnSpc>
+                <a:spcPct val="100000"/>
+              </a:lnSpc>
+              <a:spcBef>
+                <a:spcPct val="20000"/>
+              </a:spcBef>
+              <a:spcAft>
+                <a:spcPts val="0"/>
+              </a:spcAft>
+              <a:buClrTx/>
+              <a:buSzTx/>
+              <a:buFontTx/>
+              <a:buNone/>
+              <a:tabLst/>
+            </a:pPr>
+            <a:r>
+              <a:rPr kumimoji="0" lang="fr-FR" sz="1200" i="0" u="none" strike="noStrike" kern="0" cap="none" spc="0" normalizeH="0" baseline="0" noProof="0" dirty="0" smtClean="0">
+                <a:ln>
+                  <a:noFill/>
+                </a:ln>
+                <a:solidFill>
+                  <a:schemeClr val="tx1">
+                    <a:lumMod val="50000"/>
+                    <a:lumOff val="50000"/>
+                  </a:schemeClr>
+                </a:solidFill>
+                <a:effectLst/>
+                <a:uLnTx/>
+                <a:uFillTx/>
+                <a:latin typeface="+mn-lt"/>
+                <a:ea typeface="+mn-ea"/>
+                <a:cs typeface="+mn-cs"/>
+              </a:rPr>
+              <a:t>Non-</a:t>
+            </a:r>
+            <a:r>
+              <a:rPr kumimoji="0" lang="fr-FR" sz="1200" i="0" u="none" strike="noStrike" kern="0" cap="none" spc="0" normalizeH="0" baseline="0" noProof="0" dirty="0" err="1" smtClean="0">
+                <a:ln>
+                  <a:noFill/>
+                </a:ln>
+                <a:solidFill>
+                  <a:schemeClr val="tx1">
+                    <a:lumMod val="50000"/>
+                    <a:lumOff val="50000"/>
+                  </a:schemeClr>
+                </a:solidFill>
+                <a:effectLst/>
+                <a:uLnTx/>
+                <a:uFillTx/>
+                <a:latin typeface="+mn-lt"/>
+                <a:ea typeface="+mn-ea"/>
+                <a:cs typeface="+mn-cs"/>
+              </a:rPr>
+              <a:t>Functional</a:t>
+            </a:r>
+            <a:r>
+              <a:rPr kumimoji="0" lang="fr-FR" sz="1200" i="0" u="none" strike="noStrike" kern="0" cap="none" spc="0" normalizeH="0" baseline="0" noProof="0" dirty="0" smtClean="0">
+                <a:ln>
+                  <a:noFill/>
+                </a:ln>
+                <a:solidFill>
+                  <a:schemeClr val="tx1">
+                    <a:lumMod val="50000"/>
+                    <a:lumOff val="50000"/>
+                  </a:schemeClr>
+                </a:solidFill>
+                <a:effectLst/>
+                <a:uLnTx/>
+                <a:uFillTx/>
+                <a:latin typeface="+mn-lt"/>
+                <a:ea typeface="+mn-ea"/>
+                <a:cs typeface="+mn-cs"/>
+              </a:rPr>
+              <a:t> </a:t>
+            </a:r>
+            <a:r>
+              <a:rPr kumimoji="0" lang="fr-FR" sz="1200" i="0" u="none" strike="noStrike" kern="0" cap="none" spc="0" normalizeH="0" baseline="0" noProof="0" dirty="0" err="1" smtClean="0">
+                <a:ln>
+                  <a:noFill/>
+                </a:ln>
+                <a:solidFill>
+                  <a:schemeClr val="tx1">
+                    <a:lumMod val="50000"/>
+                    <a:lumOff val="50000"/>
+                  </a:schemeClr>
+                </a:solidFill>
+                <a:effectLst/>
+                <a:uLnTx/>
+                <a:uFillTx/>
+                <a:latin typeface="+mn-lt"/>
+                <a:ea typeface="+mn-ea"/>
+                <a:cs typeface="+mn-cs"/>
+              </a:rPr>
+              <a:t>Requirements</a:t>
+            </a:r>
+            <a:endParaRPr kumimoji="0" lang="fr-FR" sz="1200" i="0" u="none" strike="noStrike" kern="0" cap="none" spc="0" normalizeH="0" baseline="0" noProof="0" dirty="0" smtClean="0">
+              <a:ln>
+                <a:noFill/>
+              </a:ln>
+              <a:solidFill>
+                <a:schemeClr val="tx1">
+                  <a:lumMod val="50000"/>
+                  <a:lumOff val="50000"/>
+                </a:schemeClr>
+              </a:solidFill>
+              <a:effectLst/>
+              <a:uLnTx/>
+              <a:uFillTx/>
+              <a:latin typeface="+mn-lt"/>
+              <a:ea typeface="+mn-ea"/>
+              <a:cs typeface="+mn-cs"/>
+            </a:endParaRPr>
+          </a:p>
+        </p:txBody>
+      </p:sp>
+      <p:sp>
+        <p:nvSpPr>
+          <p:cNvPr id="8" name="ZoneTexte 7"/>
+          <p:cNvSpPr txBox="1"/>
+          <p:nvPr/>
+        </p:nvSpPr>
+        <p:spPr>
+          <a:xfrm>
+            <a:off x="6643702" y="0"/>
+            <a:ext cx="1859805" cy="276999"/>
+          </a:xfrm>
+          <a:prstGeom prst="rect">
+            <a:avLst/>
+          </a:prstGeom>
+          <a:noFill/>
+          <a:ln>
+            <a:noFill/>
+          </a:ln>
+        </p:spPr>
+        <p:txBody>
+          <a:bodyPr wrap="none" rtlCol="0">
+            <a:spAutoFit/>
+          </a:bodyPr>
+          <a:lstStyle/>
+          <a:p>
+            <a:pPr marL="0" marR="0" indent="0" algn="l" defTabSz="914400" rtl="0" eaLnBrk="1" fontAlgn="auto" latinLnBrk="0" hangingPunct="1">
+              <a:lnSpc>
+                <a:spcPct val="100000"/>
+              </a:lnSpc>
+              <a:spcBef>
+                <a:spcPct val="20000"/>
+              </a:spcBef>
+              <a:spcAft>
+                <a:spcPts val="0"/>
+              </a:spcAft>
+              <a:buClrTx/>
+              <a:buSzTx/>
+              <a:buFontTx/>
+              <a:buNone/>
+              <a:tabLst/>
+            </a:pPr>
+            <a:r>
+              <a:rPr kumimoji="0" lang="fr-FR" sz="1200" i="0" u="none" strike="noStrike" kern="0" cap="none" spc="0" normalizeH="0" baseline="0" noProof="0" dirty="0" err="1" smtClean="0">
+                <a:ln>
+                  <a:noFill/>
+                </a:ln>
+                <a:solidFill>
+                  <a:schemeClr val="tx1">
+                    <a:lumMod val="50000"/>
+                    <a:lumOff val="50000"/>
+                  </a:schemeClr>
+                </a:solidFill>
+                <a:effectLst/>
+                <a:uLnTx/>
+                <a:uFillTx/>
+                <a:latin typeface="+mn-lt"/>
+                <a:ea typeface="+mn-ea"/>
+                <a:cs typeface="+mn-cs"/>
+              </a:rPr>
+              <a:t>Usability</a:t>
+            </a:r>
+            <a:r>
+              <a:rPr kumimoji="0" lang="fr-FR" sz="1200" i="0" u="none" strike="noStrike" kern="0" cap="none" spc="0" normalizeH="0" baseline="0" noProof="0" dirty="0" smtClean="0">
+                <a:ln>
+                  <a:noFill/>
+                </a:ln>
+                <a:solidFill>
+                  <a:schemeClr val="tx1">
+                    <a:lumMod val="50000"/>
+                    <a:lumOff val="50000"/>
+                  </a:schemeClr>
+                </a:solidFill>
+                <a:effectLst/>
+                <a:uLnTx/>
+                <a:uFillTx/>
+                <a:latin typeface="+mn-lt"/>
+                <a:ea typeface="+mn-ea"/>
+                <a:cs typeface="+mn-cs"/>
+              </a:rPr>
+              <a:t> </a:t>
+            </a:r>
+            <a:r>
+              <a:rPr kumimoji="0" lang="fr-FR" sz="1200" i="0" u="none" strike="noStrike" kern="0" cap="none" spc="0" normalizeH="0" baseline="0" noProof="0" dirty="0" err="1" smtClean="0">
+                <a:ln>
+                  <a:noFill/>
+                </a:ln>
+                <a:solidFill>
+                  <a:schemeClr val="tx1">
+                    <a:lumMod val="50000"/>
+                    <a:lumOff val="50000"/>
+                  </a:schemeClr>
+                </a:solidFill>
+                <a:effectLst/>
+                <a:uLnTx/>
+                <a:uFillTx/>
+                <a:latin typeface="+mn-lt"/>
+                <a:ea typeface="+mn-ea"/>
+                <a:cs typeface="+mn-cs"/>
+              </a:rPr>
+              <a:t>Analysis</a:t>
+            </a:r>
+            <a:r>
+              <a:rPr kumimoji="0" lang="fr-FR" sz="1200" i="0" u="none" strike="noStrike" kern="0" cap="none" spc="0" normalizeH="0" noProof="0" dirty="0" smtClean="0">
+                <a:ln>
+                  <a:noFill/>
+                </a:ln>
+                <a:solidFill>
+                  <a:schemeClr val="tx1">
+                    <a:lumMod val="50000"/>
+                    <a:lumOff val="50000"/>
+                  </a:schemeClr>
+                </a:solidFill>
+                <a:effectLst/>
+                <a:uLnTx/>
+                <a:uFillTx/>
+                <a:latin typeface="+mn-lt"/>
+                <a:ea typeface="+mn-ea"/>
+                <a:cs typeface="+mn-cs"/>
+              </a:rPr>
+              <a:t> &amp; Design</a:t>
+            </a:r>
+            <a:endParaRPr kumimoji="0" lang="fr-FR" sz="1200" i="0" u="none" strike="noStrike" kern="0" cap="none" spc="0" normalizeH="0" baseline="0" noProof="0" dirty="0" smtClean="0">
+              <a:ln>
+                <a:noFill/>
+              </a:ln>
+              <a:solidFill>
+                <a:schemeClr val="tx1">
+                  <a:lumMod val="50000"/>
+                  <a:lumOff val="50000"/>
+                </a:schemeClr>
+              </a:solidFill>
+              <a:effectLst/>
+              <a:uLnTx/>
+              <a:uFillTx/>
+              <a:latin typeface="+mn-lt"/>
+              <a:ea typeface="+mn-ea"/>
+              <a:cs typeface="+mn-cs"/>
+            </a:endParaRPr>
+          </a:p>
+        </p:txBody>
+      </p:sp>
     </p:spTree>
     <p:extLst>
       <p:ext uri="{BB962C8B-B14F-4D97-AF65-F5344CB8AC3E}">
-        <p14:creationId xmlns:p14="http://schemas.microsoft.com/office/powerpoint/2007/7/12/main" val="3147034357"/>
+        <p14:creationId xmlns:p14="http://schemas.microsoft.com/office/powerpoint/2007/7/12/main" xmlns="" val="3147034357"/>
       </p:ext>
     </p:extLst>
   </p:cSld>
@@ -9691,7 +10208,7 @@
   <p:timing>
     <p:tnLst>
       <p:par>
-        <p:cTn xmlns:p14="http://schemas.microsoft.com/office/powerpoint/2007/7/12/main" id="1" dur="indefinite" restart="never" nodeType="tmRoot"/>
+        <p:cTn id="1" dur="indefinite" restart="never" nodeType="tmRoot"/>
       </p:par>
     </p:tnLst>
   </p:timing>
@@ -9781,7 +10298,7 @@
           <a:blip r:embed="rId2">
             <a:extLst>
               <a:ext uri="28A0092B-C50C-407e-A947-70E740481C1C">
-                <a14:useLocalDpi xmlns:a14="http://schemas.microsoft.com/office/drawing/2007/7/7/main" val="0"/>
+                <a14:useLocalDpi xmlns:a14="http://schemas.microsoft.com/office/drawing/2007/7/7/main" xmlns="" val="0"/>
               </a:ext>
             </a:extLst>
           </a:blip>
@@ -9803,29 +10320,529 @@
           </a:ln>
           <a:effectLst>
             <a:outerShdw blurRad="190500" algn="tl" rotWithShape="0">
-              <a:srgbClr xmlns:mc="http://schemas.openxmlformats.org/markup-compatibility/2006" xmlns:a14="http://schemas.microsoft.com/office/drawing/2007/7/7/main" val="000000" mc:Ignorable="">
+              <a:srgbClr val="000000">
                 <a:alpha val="70000"/>
               </a:srgbClr>
             </a:outerShdw>
           </a:effectLst>
           <a:extLst>
             <a:ext uri="{909E8E84-426E-40dd-AFC4-6F175D3DCCD1}">
-              <a14:hiddenFill xmlns:a14="http://schemas.microsoft.com/office/drawing/2007/7/7/main">
+              <a14:hiddenFill xmlns:a14="http://schemas.microsoft.com/office/drawing/2007/7/7/main" xmlns="">
                 <a:solidFill>
                   <a:srgbClr xmlns:mc="http://schemas.openxmlformats.org/markup-compatibility/2006" val="FFFFFF" mc:Ignorable=""/>
                 </a:solidFill>
               </a14:hiddenFill>
             </a:ext>
             <a:ext uri="{53640926-AAD7-44d8-BBD7-CCE9431645EC}">
-              <a14:shadowObscured xmlns:a14="http://schemas.microsoft.com/office/drawing/2007/7/7/main" val="1"/>
+              <a14:shadowObscured xmlns:a14="http://schemas.microsoft.com/office/drawing/2007/7/7/main" xmlns="" val="1"/>
             </a:ext>
           </a:extLst>
         </p:spPr>
       </p:pic>
+      <p:sp>
+        <p:nvSpPr>
+          <p:cNvPr id="5" name="ZoneTexte 4"/>
+          <p:cNvSpPr txBox="1"/>
+          <p:nvPr/>
+        </p:nvSpPr>
+        <p:spPr>
+          <a:xfrm>
+            <a:off x="202736" y="0"/>
+            <a:ext cx="1654620" cy="276999"/>
+          </a:xfrm>
+          <a:prstGeom prst="rect">
+            <a:avLst/>
+          </a:prstGeom>
+          <a:noFill/>
+          <a:ln>
+            <a:noFill/>
+          </a:ln>
+        </p:spPr>
+        <p:txBody>
+          <a:bodyPr wrap="none" rtlCol="0">
+            <a:spAutoFit/>
+          </a:bodyPr>
+          <a:lstStyle/>
+          <a:p>
+            <a:pPr marL="0" marR="0" indent="0" algn="l" defTabSz="914400" rtl="0" eaLnBrk="1" fontAlgn="auto" latinLnBrk="0" hangingPunct="1">
+              <a:lnSpc>
+                <a:spcPct val="100000"/>
+              </a:lnSpc>
+              <a:spcBef>
+                <a:spcPct val="20000"/>
+              </a:spcBef>
+              <a:spcAft>
+                <a:spcPts val="0"/>
+              </a:spcAft>
+              <a:buClrTx/>
+              <a:buSzTx/>
+              <a:buFontTx/>
+              <a:buNone/>
+              <a:tabLst/>
+            </a:pPr>
+            <a:r>
+              <a:rPr kumimoji="0" lang="fr-FR" sz="1200" i="0" u="none" strike="noStrike" kern="0" cap="none" spc="0" normalizeH="0" baseline="0" noProof="0" dirty="0" err="1" smtClean="0">
+                <a:ln>
+                  <a:noFill/>
+                </a:ln>
+                <a:solidFill>
+                  <a:schemeClr val="tx1">
+                    <a:lumMod val="50000"/>
+                    <a:lumOff val="50000"/>
+                  </a:schemeClr>
+                </a:solidFill>
+                <a:effectLst/>
+                <a:uLnTx/>
+                <a:uFillTx/>
+                <a:latin typeface="+mn-lt"/>
+                <a:ea typeface="+mn-ea"/>
+                <a:cs typeface="+mn-cs"/>
+              </a:rPr>
+              <a:t>Problem</a:t>
+            </a:r>
+            <a:r>
+              <a:rPr kumimoji="0" lang="fr-FR" sz="1200" i="0" u="none" strike="noStrike" kern="0" cap="none" spc="0" normalizeH="0" baseline="0" noProof="0" dirty="0" smtClean="0">
+                <a:ln>
+                  <a:noFill/>
+                </a:ln>
+                <a:solidFill>
+                  <a:schemeClr val="tx1">
+                    <a:lumMod val="50000"/>
+                    <a:lumOff val="50000"/>
+                  </a:schemeClr>
+                </a:solidFill>
+                <a:effectLst/>
+                <a:uLnTx/>
+                <a:uFillTx/>
+                <a:latin typeface="+mn-lt"/>
+                <a:ea typeface="+mn-ea"/>
+                <a:cs typeface="+mn-cs"/>
+              </a:rPr>
+              <a:t> </a:t>
+            </a:r>
+            <a:r>
+              <a:rPr kumimoji="0" lang="fr-FR" sz="1200" i="0" u="none" strike="noStrike" kern="0" cap="none" spc="0" normalizeH="0" baseline="0" noProof="0" dirty="0" err="1" smtClean="0">
+                <a:ln>
+                  <a:noFill/>
+                </a:ln>
+                <a:solidFill>
+                  <a:schemeClr val="tx1">
+                    <a:lumMod val="50000"/>
+                    <a:lumOff val="50000"/>
+                  </a:schemeClr>
+                </a:solidFill>
+                <a:effectLst/>
+                <a:uLnTx/>
+                <a:uFillTx/>
+                <a:latin typeface="+mn-lt"/>
+                <a:ea typeface="+mn-ea"/>
+                <a:cs typeface="+mn-cs"/>
+              </a:rPr>
+              <a:t>understanding</a:t>
+            </a:r>
+            <a:endParaRPr kumimoji="0" lang="fr-FR" sz="1200" i="0" u="none" strike="noStrike" kern="0" cap="none" spc="0" normalizeH="0" baseline="0" noProof="0" dirty="0" smtClean="0">
+              <a:ln>
+                <a:noFill/>
+              </a:ln>
+              <a:solidFill>
+                <a:schemeClr val="tx1">
+                  <a:lumMod val="50000"/>
+                  <a:lumOff val="50000"/>
+                </a:schemeClr>
+              </a:solidFill>
+              <a:effectLst/>
+              <a:uLnTx/>
+              <a:uFillTx/>
+              <a:latin typeface="+mn-lt"/>
+              <a:ea typeface="+mn-ea"/>
+              <a:cs typeface="+mn-cs"/>
+            </a:endParaRPr>
+          </a:p>
+        </p:txBody>
+      </p:sp>
+      <p:sp>
+        <p:nvSpPr>
+          <p:cNvPr id="6" name="ZoneTexte 5"/>
+          <p:cNvSpPr txBox="1"/>
+          <p:nvPr/>
+        </p:nvSpPr>
+        <p:spPr>
+          <a:xfrm>
+            <a:off x="2248093" y="0"/>
+            <a:ext cx="1792478" cy="276999"/>
+          </a:xfrm>
+          <a:prstGeom prst="rect">
+            <a:avLst/>
+          </a:prstGeom>
+          <a:noFill/>
+          <a:ln>
+            <a:noFill/>
+          </a:ln>
+        </p:spPr>
+        <p:txBody>
+          <a:bodyPr wrap="none" rtlCol="0">
+            <a:spAutoFit/>
+          </a:bodyPr>
+          <a:lstStyle/>
+          <a:p>
+            <a:pPr marL="0" marR="0" indent="0" algn="l" defTabSz="914400" rtl="0" eaLnBrk="1" fontAlgn="auto" latinLnBrk="0" hangingPunct="1">
+              <a:lnSpc>
+                <a:spcPct val="100000"/>
+              </a:lnSpc>
+              <a:spcBef>
+                <a:spcPct val="20000"/>
+              </a:spcBef>
+              <a:spcAft>
+                <a:spcPts val="0"/>
+              </a:spcAft>
+              <a:buClrTx/>
+              <a:buSzTx/>
+              <a:buFontTx/>
+              <a:buNone/>
+              <a:tabLst/>
+            </a:pPr>
+            <a:r>
+              <a:rPr kumimoji="0" lang="fr-FR" sz="1200" b="1" i="0" u="sng" strike="noStrike" kern="0" cap="none" spc="0" normalizeH="0" baseline="0" noProof="0" dirty="0" err="1" smtClean="0">
+                <a:ln>
+                  <a:noFill/>
+                </a:ln>
+                <a:effectLst/>
+                <a:uLnTx/>
+                <a:uFillTx/>
+                <a:latin typeface="+mn-lt"/>
+                <a:ea typeface="+mn-ea"/>
+                <a:cs typeface="+mn-cs"/>
+              </a:rPr>
+              <a:t>Functional</a:t>
+            </a:r>
+            <a:r>
+              <a:rPr kumimoji="0" lang="fr-FR" sz="1200" b="1" i="0" u="sng" strike="noStrike" kern="0" cap="none" spc="0" normalizeH="0" baseline="0" noProof="0" dirty="0" smtClean="0">
+                <a:ln>
+                  <a:noFill/>
+                </a:ln>
+                <a:effectLst/>
+                <a:uLnTx/>
+                <a:uFillTx/>
+                <a:latin typeface="+mn-lt"/>
+                <a:ea typeface="+mn-ea"/>
+                <a:cs typeface="+mn-cs"/>
+              </a:rPr>
+              <a:t> </a:t>
+            </a:r>
+            <a:r>
+              <a:rPr kumimoji="0" lang="fr-FR" sz="1200" b="1" i="0" u="sng" strike="noStrike" kern="0" cap="none" spc="0" normalizeH="0" baseline="0" noProof="0" dirty="0" err="1" smtClean="0">
+                <a:ln>
+                  <a:noFill/>
+                </a:ln>
+                <a:effectLst/>
+                <a:uLnTx/>
+                <a:uFillTx/>
+                <a:latin typeface="+mn-lt"/>
+                <a:ea typeface="+mn-ea"/>
+                <a:cs typeface="+mn-cs"/>
+              </a:rPr>
+              <a:t>Requirements</a:t>
+            </a:r>
+            <a:endParaRPr kumimoji="0" lang="fr-FR" sz="1200" b="1" i="0" u="sng" strike="noStrike" kern="0" cap="none" spc="0" normalizeH="0" baseline="0" noProof="0" dirty="0" smtClean="0">
+              <a:ln>
+                <a:noFill/>
+              </a:ln>
+              <a:effectLst/>
+              <a:uLnTx/>
+              <a:uFillTx/>
+              <a:latin typeface="+mn-lt"/>
+              <a:ea typeface="+mn-ea"/>
+              <a:cs typeface="+mn-cs"/>
+            </a:endParaRPr>
+          </a:p>
+        </p:txBody>
+      </p:sp>
+      <p:sp>
+        <p:nvSpPr>
+          <p:cNvPr id="7" name="ZoneTexte 6"/>
+          <p:cNvSpPr txBox="1"/>
+          <p:nvPr/>
+        </p:nvSpPr>
+        <p:spPr>
+          <a:xfrm>
+            <a:off x="4297771" y="0"/>
+            <a:ext cx="2060179" cy="276999"/>
+          </a:xfrm>
+          <a:prstGeom prst="rect">
+            <a:avLst/>
+          </a:prstGeom>
+          <a:noFill/>
+          <a:ln>
+            <a:noFill/>
+          </a:ln>
+        </p:spPr>
+        <p:txBody>
+          <a:bodyPr wrap="none" rtlCol="0">
+            <a:spAutoFit/>
+          </a:bodyPr>
+          <a:lstStyle/>
+          <a:p>
+            <a:pPr marL="0" marR="0" indent="0" algn="l" defTabSz="914400" rtl="0" eaLnBrk="1" fontAlgn="auto" latinLnBrk="0" hangingPunct="1">
+              <a:lnSpc>
+                <a:spcPct val="100000"/>
+              </a:lnSpc>
+              <a:spcBef>
+                <a:spcPct val="20000"/>
+              </a:spcBef>
+              <a:spcAft>
+                <a:spcPts val="0"/>
+              </a:spcAft>
+              <a:buClrTx/>
+              <a:buSzTx/>
+              <a:buFontTx/>
+              <a:buNone/>
+              <a:tabLst/>
+            </a:pPr>
+            <a:r>
+              <a:rPr kumimoji="0" lang="fr-FR" sz="1200" i="0" u="none" strike="noStrike" kern="0" cap="none" spc="0" normalizeH="0" baseline="0" noProof="0" dirty="0" smtClean="0">
+                <a:ln>
+                  <a:noFill/>
+                </a:ln>
+                <a:solidFill>
+                  <a:schemeClr val="tx1">
+                    <a:lumMod val="50000"/>
+                    <a:lumOff val="50000"/>
+                  </a:schemeClr>
+                </a:solidFill>
+                <a:effectLst/>
+                <a:uLnTx/>
+                <a:uFillTx/>
+                <a:latin typeface="+mn-lt"/>
+                <a:ea typeface="+mn-ea"/>
+                <a:cs typeface="+mn-cs"/>
+              </a:rPr>
+              <a:t>Non-</a:t>
+            </a:r>
+            <a:r>
+              <a:rPr kumimoji="0" lang="fr-FR" sz="1200" i="0" u="none" strike="noStrike" kern="0" cap="none" spc="0" normalizeH="0" baseline="0" noProof="0" dirty="0" err="1" smtClean="0">
+                <a:ln>
+                  <a:noFill/>
+                </a:ln>
+                <a:solidFill>
+                  <a:schemeClr val="tx1">
+                    <a:lumMod val="50000"/>
+                    <a:lumOff val="50000"/>
+                  </a:schemeClr>
+                </a:solidFill>
+                <a:effectLst/>
+                <a:uLnTx/>
+                <a:uFillTx/>
+                <a:latin typeface="+mn-lt"/>
+                <a:ea typeface="+mn-ea"/>
+                <a:cs typeface="+mn-cs"/>
+              </a:rPr>
+              <a:t>Functional</a:t>
+            </a:r>
+            <a:r>
+              <a:rPr kumimoji="0" lang="fr-FR" sz="1200" i="0" u="none" strike="noStrike" kern="0" cap="none" spc="0" normalizeH="0" baseline="0" noProof="0" dirty="0" smtClean="0">
+                <a:ln>
+                  <a:noFill/>
+                </a:ln>
+                <a:solidFill>
+                  <a:schemeClr val="tx1">
+                    <a:lumMod val="50000"/>
+                    <a:lumOff val="50000"/>
+                  </a:schemeClr>
+                </a:solidFill>
+                <a:effectLst/>
+                <a:uLnTx/>
+                <a:uFillTx/>
+                <a:latin typeface="+mn-lt"/>
+                <a:ea typeface="+mn-ea"/>
+                <a:cs typeface="+mn-cs"/>
+              </a:rPr>
+              <a:t> </a:t>
+            </a:r>
+            <a:r>
+              <a:rPr kumimoji="0" lang="fr-FR" sz="1200" i="0" u="none" strike="noStrike" kern="0" cap="none" spc="0" normalizeH="0" baseline="0" noProof="0" dirty="0" err="1" smtClean="0">
+                <a:ln>
+                  <a:noFill/>
+                </a:ln>
+                <a:solidFill>
+                  <a:schemeClr val="tx1">
+                    <a:lumMod val="50000"/>
+                    <a:lumOff val="50000"/>
+                  </a:schemeClr>
+                </a:solidFill>
+                <a:effectLst/>
+                <a:uLnTx/>
+                <a:uFillTx/>
+                <a:latin typeface="+mn-lt"/>
+                <a:ea typeface="+mn-ea"/>
+                <a:cs typeface="+mn-cs"/>
+              </a:rPr>
+              <a:t>Requirements</a:t>
+            </a:r>
+            <a:endParaRPr kumimoji="0" lang="fr-FR" sz="1200" i="0" u="none" strike="noStrike" kern="0" cap="none" spc="0" normalizeH="0" baseline="0" noProof="0" dirty="0" smtClean="0">
+              <a:ln>
+                <a:noFill/>
+              </a:ln>
+              <a:solidFill>
+                <a:schemeClr val="tx1">
+                  <a:lumMod val="50000"/>
+                  <a:lumOff val="50000"/>
+                </a:schemeClr>
+              </a:solidFill>
+              <a:effectLst/>
+              <a:uLnTx/>
+              <a:uFillTx/>
+              <a:latin typeface="+mn-lt"/>
+              <a:ea typeface="+mn-ea"/>
+              <a:cs typeface="+mn-cs"/>
+            </a:endParaRPr>
+          </a:p>
+        </p:txBody>
+      </p:sp>
+      <p:sp>
+        <p:nvSpPr>
+          <p:cNvPr id="8" name="ZoneTexte 7"/>
+          <p:cNvSpPr txBox="1"/>
+          <p:nvPr/>
+        </p:nvSpPr>
+        <p:spPr>
+          <a:xfrm>
+            <a:off x="6643702" y="0"/>
+            <a:ext cx="1859805" cy="276999"/>
+          </a:xfrm>
+          <a:prstGeom prst="rect">
+            <a:avLst/>
+          </a:prstGeom>
+          <a:noFill/>
+          <a:ln>
+            <a:noFill/>
+          </a:ln>
+        </p:spPr>
+        <p:txBody>
+          <a:bodyPr wrap="none" rtlCol="0">
+            <a:spAutoFit/>
+          </a:bodyPr>
+          <a:lstStyle/>
+          <a:p>
+            <a:pPr marL="0" marR="0" indent="0" algn="l" defTabSz="914400" rtl="0" eaLnBrk="1" fontAlgn="auto" latinLnBrk="0" hangingPunct="1">
+              <a:lnSpc>
+                <a:spcPct val="100000"/>
+              </a:lnSpc>
+              <a:spcBef>
+                <a:spcPct val="20000"/>
+              </a:spcBef>
+              <a:spcAft>
+                <a:spcPts val="0"/>
+              </a:spcAft>
+              <a:buClrTx/>
+              <a:buSzTx/>
+              <a:buFontTx/>
+              <a:buNone/>
+              <a:tabLst/>
+            </a:pPr>
+            <a:r>
+              <a:rPr kumimoji="0" lang="fr-FR" sz="1200" i="0" u="none" strike="noStrike" kern="0" cap="none" spc="0" normalizeH="0" baseline="0" noProof="0" dirty="0" err="1" smtClean="0">
+                <a:ln>
+                  <a:noFill/>
+                </a:ln>
+                <a:solidFill>
+                  <a:schemeClr val="tx1">
+                    <a:lumMod val="50000"/>
+                    <a:lumOff val="50000"/>
+                  </a:schemeClr>
+                </a:solidFill>
+                <a:effectLst/>
+                <a:uLnTx/>
+                <a:uFillTx/>
+                <a:latin typeface="+mn-lt"/>
+                <a:ea typeface="+mn-ea"/>
+                <a:cs typeface="+mn-cs"/>
+              </a:rPr>
+              <a:t>Usability</a:t>
+            </a:r>
+            <a:r>
+              <a:rPr kumimoji="0" lang="fr-FR" sz="1200" i="0" u="none" strike="noStrike" kern="0" cap="none" spc="0" normalizeH="0" baseline="0" noProof="0" dirty="0" smtClean="0">
+                <a:ln>
+                  <a:noFill/>
+                </a:ln>
+                <a:solidFill>
+                  <a:schemeClr val="tx1">
+                    <a:lumMod val="50000"/>
+                    <a:lumOff val="50000"/>
+                  </a:schemeClr>
+                </a:solidFill>
+                <a:effectLst/>
+                <a:uLnTx/>
+                <a:uFillTx/>
+                <a:latin typeface="+mn-lt"/>
+                <a:ea typeface="+mn-ea"/>
+                <a:cs typeface="+mn-cs"/>
+              </a:rPr>
+              <a:t> </a:t>
+            </a:r>
+            <a:r>
+              <a:rPr kumimoji="0" lang="fr-FR" sz="1200" i="0" u="none" strike="noStrike" kern="0" cap="none" spc="0" normalizeH="0" baseline="0" noProof="0" dirty="0" err="1" smtClean="0">
+                <a:ln>
+                  <a:noFill/>
+                </a:ln>
+                <a:solidFill>
+                  <a:schemeClr val="tx1">
+                    <a:lumMod val="50000"/>
+                    <a:lumOff val="50000"/>
+                  </a:schemeClr>
+                </a:solidFill>
+                <a:effectLst/>
+                <a:uLnTx/>
+                <a:uFillTx/>
+                <a:latin typeface="+mn-lt"/>
+                <a:ea typeface="+mn-ea"/>
+                <a:cs typeface="+mn-cs"/>
+              </a:rPr>
+              <a:t>Analysis</a:t>
+            </a:r>
+            <a:r>
+              <a:rPr kumimoji="0" lang="fr-FR" sz="1200" i="0" u="none" strike="noStrike" kern="0" cap="none" spc="0" normalizeH="0" noProof="0" dirty="0" smtClean="0">
+                <a:ln>
+                  <a:noFill/>
+                </a:ln>
+                <a:solidFill>
+                  <a:schemeClr val="tx1">
+                    <a:lumMod val="50000"/>
+                    <a:lumOff val="50000"/>
+                  </a:schemeClr>
+                </a:solidFill>
+                <a:effectLst/>
+                <a:uLnTx/>
+                <a:uFillTx/>
+                <a:latin typeface="+mn-lt"/>
+                <a:ea typeface="+mn-ea"/>
+                <a:cs typeface="+mn-cs"/>
+              </a:rPr>
+              <a:t> &amp; Design</a:t>
+            </a:r>
+            <a:endParaRPr kumimoji="0" lang="fr-FR" sz="1200" i="0" u="none" strike="noStrike" kern="0" cap="none" spc="0" normalizeH="0" baseline="0" noProof="0" dirty="0" smtClean="0">
+              <a:ln>
+                <a:noFill/>
+              </a:ln>
+              <a:solidFill>
+                <a:schemeClr val="tx1">
+                  <a:lumMod val="50000"/>
+                  <a:lumOff val="50000"/>
+                </a:schemeClr>
+              </a:solidFill>
+              <a:effectLst/>
+              <a:uLnTx/>
+              <a:uFillTx/>
+              <a:latin typeface="+mn-lt"/>
+              <a:ea typeface="+mn-ea"/>
+              <a:cs typeface="+mn-cs"/>
+            </a:endParaRPr>
+          </a:p>
+        </p:txBody>
+      </p:sp>
     </p:spTree>
     <p:extLst>
       <p:ext uri="{BB962C8B-B14F-4D97-AF65-F5344CB8AC3E}">
-        <p14:creationId xmlns:p14="http://schemas.microsoft.com/office/powerpoint/2007/7/12/main" val="4259651497"/>
+        <p14:creationId xmlns:p14="http://schemas.microsoft.com/office/powerpoint/2007/7/12/main" xmlns="" val="4259651497"/>
       </p:ext>
     </p:extLst>
   </p:cSld>
@@ -9835,7 +10852,7 @@
   <p:timing>
     <p:tnLst>
       <p:par>
-        <p:cTn xmlns:p14="http://schemas.microsoft.com/office/powerpoint/2007/7/12/main" id="1" dur="indefinite" restart="never" nodeType="tmRoot"/>
+        <p:cTn id="1" dur="indefinite" restart="never" nodeType="tmRoot"/>
       </p:par>
     </p:tnLst>
   </p:timing>
@@ -9957,7 +10974,7 @@
           <a:blip r:embed="rId2">
             <a:extLst>
               <a:ext uri="28A0092B-C50C-407e-A947-70E740481C1C">
-                <a14:useLocalDpi xmlns:a14="http://schemas.microsoft.com/office/drawing/2007/7/7/main" val="0"/>
+                <a14:useLocalDpi xmlns:a14="http://schemas.microsoft.com/office/drawing/2007/7/7/main" xmlns="" val="0"/>
               </a:ext>
             </a:extLst>
           </a:blip>
@@ -9977,14 +10994,14 @@
           <a:noFill/>
           <a:extLst>
             <a:ext uri="{909E8E84-426E-40dd-AFC4-6F175D3DCCD1}">
-              <a14:hiddenFill xmlns:a14="http://schemas.microsoft.com/office/drawing/2007/7/7/main">
+              <a14:hiddenFill xmlns:a14="http://schemas.microsoft.com/office/drawing/2007/7/7/main" xmlns="">
                 <a:solidFill>
                   <a:srgbClr xmlns:mc="http://schemas.openxmlformats.org/markup-compatibility/2006" val="FFFFFF" mc:Ignorable=""/>
                 </a:solidFill>
               </a14:hiddenFill>
             </a:ext>
             <a:ext uri="{53640926-AAD7-44d8-BBD7-CCE9431645EC}">
-              <a14:shadowObscured xmlns:a14="http://schemas.microsoft.com/office/drawing/2007/7/7/main" val="1"/>
+              <a14:shadowObscured xmlns:a14="http://schemas.microsoft.com/office/drawing/2007/7/7/main" xmlns="" val="1"/>
             </a:ext>
           </a:extLst>
         </p:spPr>
@@ -9992,7 +11009,7 @@
     </p:spTree>
     <p:extLst>
       <p:ext uri="{BB962C8B-B14F-4D97-AF65-F5344CB8AC3E}">
-        <p14:creationId xmlns:p14="http://schemas.microsoft.com/office/powerpoint/2007/7/12/main" val="4241276353"/>
+        <p14:creationId xmlns:p14="http://schemas.microsoft.com/office/powerpoint/2007/7/12/main" xmlns="" val="4241276353"/>
       </p:ext>
     </p:extLst>
   </p:cSld>
@@ -10002,7 +11019,7 @@
   <p:timing>
     <p:tnLst>
       <p:par>
-        <p:cTn xmlns:p14="http://schemas.microsoft.com/office/powerpoint/2007/7/12/main" id="1" dur="indefinite" restart="never" nodeType="tmRoot"/>
+        <p:cTn id="1" dur="indefinite" restart="never" nodeType="tmRoot"/>
       </p:par>
     </p:tnLst>
   </p:timing>
@@ -10104,7 +11121,7 @@
           <a:blip r:embed="rId2">
             <a:extLst>
               <a:ext uri="28A0092B-C50C-407e-A947-70E740481C1C">
-                <a14:useLocalDpi xmlns:a14="http://schemas.microsoft.com/office/drawing/2007/7/7/main" val="0"/>
+                <a14:useLocalDpi xmlns:a14="http://schemas.microsoft.com/office/drawing/2007/7/7/main" xmlns="" val="0"/>
               </a:ext>
             </a:extLst>
           </a:blip>
@@ -10126,29 +11143,529 @@
           </a:ln>
           <a:effectLst>
             <a:outerShdw blurRad="190500" algn="tl" rotWithShape="0">
-              <a:srgbClr xmlns:mc="http://schemas.openxmlformats.org/markup-compatibility/2006" xmlns:a14="http://schemas.microsoft.com/office/drawing/2007/7/7/main" val="000000" mc:Ignorable="">
+              <a:srgbClr val="000000">
                 <a:alpha val="70000"/>
               </a:srgbClr>
             </a:outerShdw>
           </a:effectLst>
           <a:extLst>
             <a:ext uri="{909E8E84-426E-40dd-AFC4-6F175D3DCCD1}">
-              <a14:hiddenFill xmlns:a14="http://schemas.microsoft.com/office/drawing/2007/7/7/main">
+              <a14:hiddenFill xmlns:a14="http://schemas.microsoft.com/office/drawing/2007/7/7/main" xmlns="">
                 <a:solidFill>
                   <a:srgbClr xmlns:mc="http://schemas.openxmlformats.org/markup-compatibility/2006" val="FFFFFF" mc:Ignorable=""/>
                 </a:solidFill>
               </a14:hiddenFill>
             </a:ext>
             <a:ext uri="{53640926-AAD7-44d8-BBD7-CCE9431645EC}">
-              <a14:shadowObscured xmlns:a14="http://schemas.microsoft.com/office/drawing/2007/7/7/main" val="1"/>
+              <a14:shadowObscured xmlns:a14="http://schemas.microsoft.com/office/drawing/2007/7/7/main" xmlns="" val="1"/>
             </a:ext>
           </a:extLst>
         </p:spPr>
       </p:pic>
+      <p:sp>
+        <p:nvSpPr>
+          <p:cNvPr id="5" name="ZoneTexte 4"/>
+          <p:cNvSpPr txBox="1"/>
+          <p:nvPr/>
+        </p:nvSpPr>
+        <p:spPr>
+          <a:xfrm>
+            <a:off x="202736" y="0"/>
+            <a:ext cx="1654620" cy="276999"/>
+          </a:xfrm>
+          <a:prstGeom prst="rect">
+            <a:avLst/>
+          </a:prstGeom>
+          <a:noFill/>
+          <a:ln>
+            <a:noFill/>
+          </a:ln>
+        </p:spPr>
+        <p:txBody>
+          <a:bodyPr wrap="none" rtlCol="0">
+            <a:spAutoFit/>
+          </a:bodyPr>
+          <a:lstStyle/>
+          <a:p>
+            <a:pPr marL="0" marR="0" indent="0" algn="l" defTabSz="914400" rtl="0" eaLnBrk="1" fontAlgn="auto" latinLnBrk="0" hangingPunct="1">
+              <a:lnSpc>
+                <a:spcPct val="100000"/>
+              </a:lnSpc>
+              <a:spcBef>
+                <a:spcPct val="20000"/>
+              </a:spcBef>
+              <a:spcAft>
+                <a:spcPts val="0"/>
+              </a:spcAft>
+              <a:buClrTx/>
+              <a:buSzTx/>
+              <a:buFontTx/>
+              <a:buNone/>
+              <a:tabLst/>
+            </a:pPr>
+            <a:r>
+              <a:rPr kumimoji="0" lang="fr-FR" sz="1200" i="0" u="none" strike="noStrike" kern="0" cap="none" spc="0" normalizeH="0" baseline="0" noProof="0" dirty="0" err="1" smtClean="0">
+                <a:ln>
+                  <a:noFill/>
+                </a:ln>
+                <a:solidFill>
+                  <a:schemeClr val="tx1">
+                    <a:lumMod val="50000"/>
+                    <a:lumOff val="50000"/>
+                  </a:schemeClr>
+                </a:solidFill>
+                <a:effectLst/>
+                <a:uLnTx/>
+                <a:uFillTx/>
+                <a:latin typeface="+mn-lt"/>
+                <a:ea typeface="+mn-ea"/>
+                <a:cs typeface="+mn-cs"/>
+              </a:rPr>
+              <a:t>Problem</a:t>
+            </a:r>
+            <a:r>
+              <a:rPr kumimoji="0" lang="fr-FR" sz="1200" i="0" u="none" strike="noStrike" kern="0" cap="none" spc="0" normalizeH="0" baseline="0" noProof="0" dirty="0" smtClean="0">
+                <a:ln>
+                  <a:noFill/>
+                </a:ln>
+                <a:solidFill>
+                  <a:schemeClr val="tx1">
+                    <a:lumMod val="50000"/>
+                    <a:lumOff val="50000"/>
+                  </a:schemeClr>
+                </a:solidFill>
+                <a:effectLst/>
+                <a:uLnTx/>
+                <a:uFillTx/>
+                <a:latin typeface="+mn-lt"/>
+                <a:ea typeface="+mn-ea"/>
+                <a:cs typeface="+mn-cs"/>
+              </a:rPr>
+              <a:t> </a:t>
+            </a:r>
+            <a:r>
+              <a:rPr kumimoji="0" lang="fr-FR" sz="1200" i="0" u="none" strike="noStrike" kern="0" cap="none" spc="0" normalizeH="0" baseline="0" noProof="0" dirty="0" err="1" smtClean="0">
+                <a:ln>
+                  <a:noFill/>
+                </a:ln>
+                <a:solidFill>
+                  <a:schemeClr val="tx1">
+                    <a:lumMod val="50000"/>
+                    <a:lumOff val="50000"/>
+                  </a:schemeClr>
+                </a:solidFill>
+                <a:effectLst/>
+                <a:uLnTx/>
+                <a:uFillTx/>
+                <a:latin typeface="+mn-lt"/>
+                <a:ea typeface="+mn-ea"/>
+                <a:cs typeface="+mn-cs"/>
+              </a:rPr>
+              <a:t>understanding</a:t>
+            </a:r>
+            <a:endParaRPr kumimoji="0" lang="fr-FR" sz="1200" i="0" u="none" strike="noStrike" kern="0" cap="none" spc="0" normalizeH="0" baseline="0" noProof="0" dirty="0" smtClean="0">
+              <a:ln>
+                <a:noFill/>
+              </a:ln>
+              <a:solidFill>
+                <a:schemeClr val="tx1">
+                  <a:lumMod val="50000"/>
+                  <a:lumOff val="50000"/>
+                </a:schemeClr>
+              </a:solidFill>
+              <a:effectLst/>
+              <a:uLnTx/>
+              <a:uFillTx/>
+              <a:latin typeface="+mn-lt"/>
+              <a:ea typeface="+mn-ea"/>
+              <a:cs typeface="+mn-cs"/>
+            </a:endParaRPr>
+          </a:p>
+        </p:txBody>
+      </p:sp>
+      <p:sp>
+        <p:nvSpPr>
+          <p:cNvPr id="6" name="ZoneTexte 5"/>
+          <p:cNvSpPr txBox="1"/>
+          <p:nvPr/>
+        </p:nvSpPr>
+        <p:spPr>
+          <a:xfrm>
+            <a:off x="2248093" y="0"/>
+            <a:ext cx="1792478" cy="276999"/>
+          </a:xfrm>
+          <a:prstGeom prst="rect">
+            <a:avLst/>
+          </a:prstGeom>
+          <a:noFill/>
+          <a:ln>
+            <a:noFill/>
+          </a:ln>
+        </p:spPr>
+        <p:txBody>
+          <a:bodyPr wrap="none" rtlCol="0">
+            <a:spAutoFit/>
+          </a:bodyPr>
+          <a:lstStyle/>
+          <a:p>
+            <a:pPr marL="0" marR="0" indent="0" algn="l" defTabSz="914400" rtl="0" eaLnBrk="1" fontAlgn="auto" latinLnBrk="0" hangingPunct="1">
+              <a:lnSpc>
+                <a:spcPct val="100000"/>
+              </a:lnSpc>
+              <a:spcBef>
+                <a:spcPct val="20000"/>
+              </a:spcBef>
+              <a:spcAft>
+                <a:spcPts val="0"/>
+              </a:spcAft>
+              <a:buClrTx/>
+              <a:buSzTx/>
+              <a:buFontTx/>
+              <a:buNone/>
+              <a:tabLst/>
+            </a:pPr>
+            <a:r>
+              <a:rPr kumimoji="0" lang="fr-FR" sz="1200" b="1" i="0" u="sng" strike="noStrike" kern="0" cap="none" spc="0" normalizeH="0" baseline="0" noProof="0" dirty="0" err="1" smtClean="0">
+                <a:ln>
+                  <a:noFill/>
+                </a:ln>
+                <a:effectLst/>
+                <a:uLnTx/>
+                <a:uFillTx/>
+                <a:latin typeface="+mn-lt"/>
+                <a:ea typeface="+mn-ea"/>
+                <a:cs typeface="+mn-cs"/>
+              </a:rPr>
+              <a:t>Functional</a:t>
+            </a:r>
+            <a:r>
+              <a:rPr kumimoji="0" lang="fr-FR" sz="1200" b="1" i="0" u="sng" strike="noStrike" kern="0" cap="none" spc="0" normalizeH="0" baseline="0" noProof="0" dirty="0" smtClean="0">
+                <a:ln>
+                  <a:noFill/>
+                </a:ln>
+                <a:effectLst/>
+                <a:uLnTx/>
+                <a:uFillTx/>
+                <a:latin typeface="+mn-lt"/>
+                <a:ea typeface="+mn-ea"/>
+                <a:cs typeface="+mn-cs"/>
+              </a:rPr>
+              <a:t> </a:t>
+            </a:r>
+            <a:r>
+              <a:rPr kumimoji="0" lang="fr-FR" sz="1200" b="1" i="0" u="sng" strike="noStrike" kern="0" cap="none" spc="0" normalizeH="0" baseline="0" noProof="0" dirty="0" err="1" smtClean="0">
+                <a:ln>
+                  <a:noFill/>
+                </a:ln>
+                <a:effectLst/>
+                <a:uLnTx/>
+                <a:uFillTx/>
+                <a:latin typeface="+mn-lt"/>
+                <a:ea typeface="+mn-ea"/>
+                <a:cs typeface="+mn-cs"/>
+              </a:rPr>
+              <a:t>Requirements</a:t>
+            </a:r>
+            <a:endParaRPr kumimoji="0" lang="fr-FR" sz="1200" b="1" i="0" u="sng" strike="noStrike" kern="0" cap="none" spc="0" normalizeH="0" baseline="0" noProof="0" dirty="0" smtClean="0">
+              <a:ln>
+                <a:noFill/>
+              </a:ln>
+              <a:effectLst/>
+              <a:uLnTx/>
+              <a:uFillTx/>
+              <a:latin typeface="+mn-lt"/>
+              <a:ea typeface="+mn-ea"/>
+              <a:cs typeface="+mn-cs"/>
+            </a:endParaRPr>
+          </a:p>
+        </p:txBody>
+      </p:sp>
+      <p:sp>
+        <p:nvSpPr>
+          <p:cNvPr id="7" name="ZoneTexte 6"/>
+          <p:cNvSpPr txBox="1"/>
+          <p:nvPr/>
+        </p:nvSpPr>
+        <p:spPr>
+          <a:xfrm>
+            <a:off x="4297771" y="0"/>
+            <a:ext cx="2060179" cy="276999"/>
+          </a:xfrm>
+          <a:prstGeom prst="rect">
+            <a:avLst/>
+          </a:prstGeom>
+          <a:noFill/>
+          <a:ln>
+            <a:noFill/>
+          </a:ln>
+        </p:spPr>
+        <p:txBody>
+          <a:bodyPr wrap="none" rtlCol="0">
+            <a:spAutoFit/>
+          </a:bodyPr>
+          <a:lstStyle/>
+          <a:p>
+            <a:pPr marL="0" marR="0" indent="0" algn="l" defTabSz="914400" rtl="0" eaLnBrk="1" fontAlgn="auto" latinLnBrk="0" hangingPunct="1">
+              <a:lnSpc>
+                <a:spcPct val="100000"/>
+              </a:lnSpc>
+              <a:spcBef>
+                <a:spcPct val="20000"/>
+              </a:spcBef>
+              <a:spcAft>
+                <a:spcPts val="0"/>
+              </a:spcAft>
+              <a:buClrTx/>
+              <a:buSzTx/>
+              <a:buFontTx/>
+              <a:buNone/>
+              <a:tabLst/>
+            </a:pPr>
+            <a:r>
+              <a:rPr kumimoji="0" lang="fr-FR" sz="1200" i="0" u="none" strike="noStrike" kern="0" cap="none" spc="0" normalizeH="0" baseline="0" noProof="0" dirty="0" smtClean="0">
+                <a:ln>
+                  <a:noFill/>
+                </a:ln>
+                <a:solidFill>
+                  <a:schemeClr val="tx1">
+                    <a:lumMod val="50000"/>
+                    <a:lumOff val="50000"/>
+                  </a:schemeClr>
+                </a:solidFill>
+                <a:effectLst/>
+                <a:uLnTx/>
+                <a:uFillTx/>
+                <a:latin typeface="+mn-lt"/>
+                <a:ea typeface="+mn-ea"/>
+                <a:cs typeface="+mn-cs"/>
+              </a:rPr>
+              <a:t>Non-</a:t>
+            </a:r>
+            <a:r>
+              <a:rPr kumimoji="0" lang="fr-FR" sz="1200" i="0" u="none" strike="noStrike" kern="0" cap="none" spc="0" normalizeH="0" baseline="0" noProof="0" dirty="0" err="1" smtClean="0">
+                <a:ln>
+                  <a:noFill/>
+                </a:ln>
+                <a:solidFill>
+                  <a:schemeClr val="tx1">
+                    <a:lumMod val="50000"/>
+                    <a:lumOff val="50000"/>
+                  </a:schemeClr>
+                </a:solidFill>
+                <a:effectLst/>
+                <a:uLnTx/>
+                <a:uFillTx/>
+                <a:latin typeface="+mn-lt"/>
+                <a:ea typeface="+mn-ea"/>
+                <a:cs typeface="+mn-cs"/>
+              </a:rPr>
+              <a:t>Functional</a:t>
+            </a:r>
+            <a:r>
+              <a:rPr kumimoji="0" lang="fr-FR" sz="1200" i="0" u="none" strike="noStrike" kern="0" cap="none" spc="0" normalizeH="0" baseline="0" noProof="0" dirty="0" smtClean="0">
+                <a:ln>
+                  <a:noFill/>
+                </a:ln>
+                <a:solidFill>
+                  <a:schemeClr val="tx1">
+                    <a:lumMod val="50000"/>
+                    <a:lumOff val="50000"/>
+                  </a:schemeClr>
+                </a:solidFill>
+                <a:effectLst/>
+                <a:uLnTx/>
+                <a:uFillTx/>
+                <a:latin typeface="+mn-lt"/>
+                <a:ea typeface="+mn-ea"/>
+                <a:cs typeface="+mn-cs"/>
+              </a:rPr>
+              <a:t> </a:t>
+            </a:r>
+            <a:r>
+              <a:rPr kumimoji="0" lang="fr-FR" sz="1200" i="0" u="none" strike="noStrike" kern="0" cap="none" spc="0" normalizeH="0" baseline="0" noProof="0" dirty="0" err="1" smtClean="0">
+                <a:ln>
+                  <a:noFill/>
+                </a:ln>
+                <a:solidFill>
+                  <a:schemeClr val="tx1">
+                    <a:lumMod val="50000"/>
+                    <a:lumOff val="50000"/>
+                  </a:schemeClr>
+                </a:solidFill>
+                <a:effectLst/>
+                <a:uLnTx/>
+                <a:uFillTx/>
+                <a:latin typeface="+mn-lt"/>
+                <a:ea typeface="+mn-ea"/>
+                <a:cs typeface="+mn-cs"/>
+              </a:rPr>
+              <a:t>Requirements</a:t>
+            </a:r>
+            <a:endParaRPr kumimoji="0" lang="fr-FR" sz="1200" i="0" u="none" strike="noStrike" kern="0" cap="none" spc="0" normalizeH="0" baseline="0" noProof="0" dirty="0" smtClean="0">
+              <a:ln>
+                <a:noFill/>
+              </a:ln>
+              <a:solidFill>
+                <a:schemeClr val="tx1">
+                  <a:lumMod val="50000"/>
+                  <a:lumOff val="50000"/>
+                </a:schemeClr>
+              </a:solidFill>
+              <a:effectLst/>
+              <a:uLnTx/>
+              <a:uFillTx/>
+              <a:latin typeface="+mn-lt"/>
+              <a:ea typeface="+mn-ea"/>
+              <a:cs typeface="+mn-cs"/>
+            </a:endParaRPr>
+          </a:p>
+        </p:txBody>
+      </p:sp>
+      <p:sp>
+        <p:nvSpPr>
+          <p:cNvPr id="8" name="ZoneTexte 7"/>
+          <p:cNvSpPr txBox="1"/>
+          <p:nvPr/>
+        </p:nvSpPr>
+        <p:spPr>
+          <a:xfrm>
+            <a:off x="6643702" y="0"/>
+            <a:ext cx="1859805" cy="276999"/>
+          </a:xfrm>
+          <a:prstGeom prst="rect">
+            <a:avLst/>
+          </a:prstGeom>
+          <a:noFill/>
+          <a:ln>
+            <a:noFill/>
+          </a:ln>
+        </p:spPr>
+        <p:txBody>
+          <a:bodyPr wrap="none" rtlCol="0">
+            <a:spAutoFit/>
+          </a:bodyPr>
+          <a:lstStyle/>
+          <a:p>
+            <a:pPr marL="0" marR="0" indent="0" algn="l" defTabSz="914400" rtl="0" eaLnBrk="1" fontAlgn="auto" latinLnBrk="0" hangingPunct="1">
+              <a:lnSpc>
+                <a:spcPct val="100000"/>
+              </a:lnSpc>
+              <a:spcBef>
+                <a:spcPct val="20000"/>
+              </a:spcBef>
+              <a:spcAft>
+                <a:spcPts val="0"/>
+              </a:spcAft>
+              <a:buClrTx/>
+              <a:buSzTx/>
+              <a:buFontTx/>
+              <a:buNone/>
+              <a:tabLst/>
+            </a:pPr>
+            <a:r>
+              <a:rPr kumimoji="0" lang="fr-FR" sz="1200" i="0" u="none" strike="noStrike" kern="0" cap="none" spc="0" normalizeH="0" baseline="0" noProof="0" dirty="0" err="1" smtClean="0">
+                <a:ln>
+                  <a:noFill/>
+                </a:ln>
+                <a:solidFill>
+                  <a:schemeClr val="tx1">
+                    <a:lumMod val="50000"/>
+                    <a:lumOff val="50000"/>
+                  </a:schemeClr>
+                </a:solidFill>
+                <a:effectLst/>
+                <a:uLnTx/>
+                <a:uFillTx/>
+                <a:latin typeface="+mn-lt"/>
+                <a:ea typeface="+mn-ea"/>
+                <a:cs typeface="+mn-cs"/>
+              </a:rPr>
+              <a:t>Usability</a:t>
+            </a:r>
+            <a:r>
+              <a:rPr kumimoji="0" lang="fr-FR" sz="1200" i="0" u="none" strike="noStrike" kern="0" cap="none" spc="0" normalizeH="0" baseline="0" noProof="0" dirty="0" smtClean="0">
+                <a:ln>
+                  <a:noFill/>
+                </a:ln>
+                <a:solidFill>
+                  <a:schemeClr val="tx1">
+                    <a:lumMod val="50000"/>
+                    <a:lumOff val="50000"/>
+                  </a:schemeClr>
+                </a:solidFill>
+                <a:effectLst/>
+                <a:uLnTx/>
+                <a:uFillTx/>
+                <a:latin typeface="+mn-lt"/>
+                <a:ea typeface="+mn-ea"/>
+                <a:cs typeface="+mn-cs"/>
+              </a:rPr>
+              <a:t> </a:t>
+            </a:r>
+            <a:r>
+              <a:rPr kumimoji="0" lang="fr-FR" sz="1200" i="0" u="none" strike="noStrike" kern="0" cap="none" spc="0" normalizeH="0" baseline="0" noProof="0" dirty="0" err="1" smtClean="0">
+                <a:ln>
+                  <a:noFill/>
+                </a:ln>
+                <a:solidFill>
+                  <a:schemeClr val="tx1">
+                    <a:lumMod val="50000"/>
+                    <a:lumOff val="50000"/>
+                  </a:schemeClr>
+                </a:solidFill>
+                <a:effectLst/>
+                <a:uLnTx/>
+                <a:uFillTx/>
+                <a:latin typeface="+mn-lt"/>
+                <a:ea typeface="+mn-ea"/>
+                <a:cs typeface="+mn-cs"/>
+              </a:rPr>
+              <a:t>Analysis</a:t>
+            </a:r>
+            <a:r>
+              <a:rPr kumimoji="0" lang="fr-FR" sz="1200" i="0" u="none" strike="noStrike" kern="0" cap="none" spc="0" normalizeH="0" noProof="0" dirty="0" smtClean="0">
+                <a:ln>
+                  <a:noFill/>
+                </a:ln>
+                <a:solidFill>
+                  <a:schemeClr val="tx1">
+                    <a:lumMod val="50000"/>
+                    <a:lumOff val="50000"/>
+                  </a:schemeClr>
+                </a:solidFill>
+                <a:effectLst/>
+                <a:uLnTx/>
+                <a:uFillTx/>
+                <a:latin typeface="+mn-lt"/>
+                <a:ea typeface="+mn-ea"/>
+                <a:cs typeface="+mn-cs"/>
+              </a:rPr>
+              <a:t> &amp; Design</a:t>
+            </a:r>
+            <a:endParaRPr kumimoji="0" lang="fr-FR" sz="1200" i="0" u="none" strike="noStrike" kern="0" cap="none" spc="0" normalizeH="0" baseline="0" noProof="0" dirty="0" smtClean="0">
+              <a:ln>
+                <a:noFill/>
+              </a:ln>
+              <a:solidFill>
+                <a:schemeClr val="tx1">
+                  <a:lumMod val="50000"/>
+                  <a:lumOff val="50000"/>
+                </a:schemeClr>
+              </a:solidFill>
+              <a:effectLst/>
+              <a:uLnTx/>
+              <a:uFillTx/>
+              <a:latin typeface="+mn-lt"/>
+              <a:ea typeface="+mn-ea"/>
+              <a:cs typeface="+mn-cs"/>
+            </a:endParaRPr>
+          </a:p>
+        </p:txBody>
+      </p:sp>
     </p:spTree>
     <p:extLst>
       <p:ext uri="{BB962C8B-B14F-4D97-AF65-F5344CB8AC3E}">
-        <p14:creationId xmlns:p14="http://schemas.microsoft.com/office/powerpoint/2007/7/12/main" val="3699348174"/>
+        <p14:creationId xmlns:p14="http://schemas.microsoft.com/office/powerpoint/2007/7/12/main" xmlns="" val="3699348174"/>
       </p:ext>
     </p:extLst>
   </p:cSld>
@@ -10158,7 +11675,7 @@
   <p:timing>
     <p:tnLst>
       <p:par>
-        <p:cTn xmlns:p14="http://schemas.microsoft.com/office/powerpoint/2007/7/12/main" id="1" dur="indefinite" restart="never" nodeType="tmRoot"/>
+        <p:cTn id="1" dur="indefinite" restart="never" nodeType="tmRoot"/>
       </p:par>
     </p:tnLst>
   </p:timing>
@@ -10280,7 +11797,7 @@
           <a:blip r:embed="rId2">
             <a:extLst>
               <a:ext uri="28A0092B-C50C-407e-A947-70E740481C1C">
-                <a14:useLocalDpi xmlns:a14="http://schemas.microsoft.com/office/drawing/2007/7/7/main" val="0"/>
+                <a14:useLocalDpi xmlns:a14="http://schemas.microsoft.com/office/drawing/2007/7/7/main" xmlns="" val="0"/>
               </a:ext>
             </a:extLst>
           </a:blip>
@@ -10300,14 +11817,14 @@
           <a:noFill/>
           <a:extLst>
             <a:ext uri="{909E8E84-426E-40dd-AFC4-6F175D3DCCD1}">
-              <a14:hiddenFill xmlns:a14="http://schemas.microsoft.com/office/drawing/2007/7/7/main">
+              <a14:hiddenFill xmlns:a14="http://schemas.microsoft.com/office/drawing/2007/7/7/main" xmlns="">
                 <a:solidFill>
                   <a:srgbClr xmlns:mc="http://schemas.openxmlformats.org/markup-compatibility/2006" val="FFFFFF" mc:Ignorable=""/>
                 </a:solidFill>
               </a14:hiddenFill>
             </a:ext>
             <a:ext uri="{53640926-AAD7-44d8-BBD7-CCE9431645EC}">
-              <a14:shadowObscured xmlns:a14="http://schemas.microsoft.com/office/drawing/2007/7/7/main" val="1"/>
+              <a14:shadowObscured xmlns:a14="http://schemas.microsoft.com/office/drawing/2007/7/7/main" xmlns="" val="1"/>
             </a:ext>
           </a:extLst>
         </p:spPr>
@@ -10315,7 +11832,7 @@
     </p:spTree>
     <p:extLst>
       <p:ext uri="{BB962C8B-B14F-4D97-AF65-F5344CB8AC3E}">
-        <p14:creationId xmlns:p14="http://schemas.microsoft.com/office/powerpoint/2007/7/12/main" val="3246030475"/>
+        <p14:creationId xmlns:p14="http://schemas.microsoft.com/office/powerpoint/2007/7/12/main" xmlns="" val="3246030475"/>
       </p:ext>
     </p:extLst>
   </p:cSld>
@@ -10325,7 +11842,7 @@
   <p:timing>
     <p:tnLst>
       <p:par>
-        <p:cTn xmlns:p14="http://schemas.microsoft.com/office/powerpoint/2007/7/12/main" id="1" dur="indefinite" restart="never" nodeType="tmRoot"/>
+        <p:cTn id="1" dur="indefinite" restart="never" nodeType="tmRoot"/>
       </p:par>
     </p:tnLst>
   </p:timing>
@@ -10464,16 +11981,16 @@
               <a:defRPr lang="fr-FR" sz="3600" b="0" cap="none" spc="0">
                 <a:ln w="18415" cmpd="sng">
                   <a:solidFill>
-                    <a:srgbClr xmlns:mc="http://schemas.openxmlformats.org/markup-compatibility/2006" xmlns:a14="http://schemas.microsoft.com/office/drawing/2007/7/7/main" val="FFFFFF" mc:Ignorable=""/>
+                    <a:srgbClr val="FFFFFF"/>
                   </a:solidFill>
                   <a:prstDash val="solid"/>
                 </a:ln>
                 <a:solidFill>
-                  <a:srgbClr xmlns:mc="http://schemas.openxmlformats.org/markup-compatibility/2006" xmlns:a14="http://schemas.microsoft.com/office/drawing/2007/7/7/main" val="FFFFFF" mc:Ignorable=""/>
+                  <a:srgbClr val="FFFFFF"/>
                 </a:solidFill>
                 <a:effectLst>
                   <a:outerShdw blurRad="63500" dir="3600000" algn="tl" rotWithShape="0">
-                    <a:srgbClr xmlns:mc="http://schemas.openxmlformats.org/markup-compatibility/2006" xmlns:a14="http://schemas.microsoft.com/office/drawing/2007/7/7/main" val="000000" mc:Ignorable="">
+                    <a:srgbClr val="000000">
                       <a:alpha val="70000"/>
                     </a:srgbClr>
                   </a:outerShdw>
@@ -10611,7 +12128,7 @@
           <a:p>
             <a:pPr indent="273050" eaLnBrk="1" hangingPunct="1">
               <a:buClr>
-                <a:srgbClr xmlns:mc="http://schemas.openxmlformats.org/markup-compatibility/2006" xmlns:a14="http://schemas.microsoft.com/office/drawing/2007/7/7/main" val="C44F00" mc:Ignorable=""/>
+                <a:srgbClr val="C44F00"/>
               </a:buClr>
               <a:buFont typeface="Calibri" pitchFamily="34" charset="0"/>
               <a:buAutoNum type="arabicPeriod"/>
@@ -10633,7 +12150,7 @@
           <a:p>
             <a:pPr indent="273050" eaLnBrk="1" hangingPunct="1">
               <a:buClr>
-                <a:srgbClr xmlns:mc="http://schemas.openxmlformats.org/markup-compatibility/2006" xmlns:a14="http://schemas.microsoft.com/office/drawing/2007/7/7/main" val="C44F00" mc:Ignorable=""/>
+                <a:srgbClr val="C44F00"/>
               </a:buClr>
               <a:buFont typeface="Calibri" pitchFamily="34" charset="0"/>
               <a:buAutoNum type="arabicPeriod"/>
@@ -10652,7 +12169,7 @@
           <a:p>
             <a:pPr indent="273050" eaLnBrk="1" hangingPunct="1">
               <a:buClr>
-                <a:srgbClr xmlns:mc="http://schemas.openxmlformats.org/markup-compatibility/2006" xmlns:a14="http://schemas.microsoft.com/office/drawing/2007/7/7/main" val="C44F00" mc:Ignorable=""/>
+                <a:srgbClr val="C44F00"/>
               </a:buClr>
               <a:buFont typeface="Calibri" pitchFamily="34" charset="0"/>
               <a:buAutoNum type="arabicPeriod"/>
@@ -10674,7 +12191,7 @@
           <a:p>
             <a:pPr indent="273050" eaLnBrk="1" hangingPunct="1">
               <a:buClr>
-                <a:srgbClr xmlns:mc="http://schemas.openxmlformats.org/markup-compatibility/2006" xmlns:a14="http://schemas.microsoft.com/office/drawing/2007/7/7/main" val="C44F00" mc:Ignorable=""/>
+                <a:srgbClr val="C44F00"/>
               </a:buClr>
               <a:buFont typeface="Calibri" pitchFamily="34" charset="0"/>
               <a:buAutoNum type="arabicPeriod"/>
@@ -10693,7 +12210,7 @@
           <a:p>
             <a:pPr indent="273050" eaLnBrk="1" hangingPunct="1">
               <a:buClr>
-                <a:srgbClr xmlns:mc="http://schemas.openxmlformats.org/markup-compatibility/2006" xmlns:a14="http://schemas.microsoft.com/office/drawing/2007/7/7/main" val="C44F00" mc:Ignorable=""/>
+                <a:srgbClr val="C44F00"/>
               </a:buClr>
               <a:buFont typeface="Calibri" pitchFamily="34" charset="0"/>
               <a:buAutoNum type="arabicPeriod"/>
@@ -10715,7 +12232,7 @@
           <a:p>
             <a:pPr indent="273050" eaLnBrk="1" hangingPunct="1">
               <a:buClr>
-                <a:srgbClr xmlns:mc="http://schemas.openxmlformats.org/markup-compatibility/2006" xmlns:a14="http://schemas.microsoft.com/office/drawing/2007/7/7/main" val="C44F00" mc:Ignorable=""/>
+                <a:srgbClr val="C44F00"/>
               </a:buClr>
               <a:buFont typeface="Calibri" pitchFamily="34" charset="0"/>
               <a:buAutoNum type="arabicPeriod"/>
@@ -10734,7 +12251,7 @@
           <a:p>
             <a:pPr indent="273050" eaLnBrk="1" hangingPunct="1">
               <a:buClr>
-                <a:srgbClr xmlns:mc="http://schemas.openxmlformats.org/markup-compatibility/2006" xmlns:a14="http://schemas.microsoft.com/office/drawing/2007/7/7/main" val="C44F00" mc:Ignorable=""/>
+                <a:srgbClr val="C44F00"/>
               </a:buClr>
               <a:buFont typeface="Calibri" pitchFamily="34" charset="0"/>
               <a:buAutoNum type="arabicPeriod"/>
@@ -10790,7 +12307,7 @@
             </a:avLst>
           </a:prstGeom>
           <a:solidFill>
-            <a:srgbClr xmlns:mc="http://schemas.openxmlformats.org/markup-compatibility/2006" xmlns:a14="http://schemas.microsoft.com/office/drawing/2007/7/7/main" val="FFFFFF" mc:Ignorable="">
+            <a:srgbClr val="FFFFFF">
               <a:shade val="85000"/>
             </a:srgbClr>
           </a:solidFill>
@@ -10810,7 +12327,7 @@
     </p:spTree>
     <p:extLst>
       <p:ext uri="{BB962C8B-B14F-4D97-AF65-F5344CB8AC3E}">
-        <p14:creationId xmlns:p14="http://schemas.microsoft.com/office/powerpoint/2007/7/12/main" val="1603447579"/>
+        <p14:creationId xmlns:p14="http://schemas.microsoft.com/office/powerpoint/2007/7/12/main" xmlns="" val="1603447579"/>
       </p:ext>
     </p:extLst>
   </p:cSld>
@@ -10820,7 +12337,7 @@
   <p:timing>
     <p:tnLst>
       <p:par>
-        <p:cTn xmlns:p14="http://schemas.microsoft.com/office/powerpoint/2007/7/12/main" id="1" dur="indefinite" restart="never" nodeType="tmRoot"/>
+        <p:cTn id="1" dur="indefinite" restart="never" nodeType="tmRoot"/>
       </p:par>
     </p:tnLst>
   </p:timing>
@@ -10906,7 +12423,7 @@
           <a:blip r:embed="rId2" cstate="print">
             <a:extLst>
               <a:ext uri="28A0092B-C50C-407e-A947-70E740481C1C">
-                <a14:useLocalDpi xmlns:a14="http://schemas.microsoft.com/office/drawing/2007/7/7/main" val="0"/>
+                <a14:useLocalDpi xmlns:a14="http://schemas.microsoft.com/office/drawing/2007/7/7/main" xmlns="" val="0"/>
               </a:ext>
             </a:extLst>
           </a:blip>
@@ -10926,14 +12443,14 @@
           <a:noFill/>
           <a:extLst>
             <a:ext uri="{909E8E84-426E-40dd-AFC4-6F175D3DCCD1}">
-              <a14:hiddenFill xmlns:a14="http://schemas.microsoft.com/office/drawing/2007/7/7/main">
+              <a14:hiddenFill xmlns:a14="http://schemas.microsoft.com/office/drawing/2007/7/7/main" xmlns="">
                 <a:solidFill>
                   <a:schemeClr val="accent1"/>
                 </a:solidFill>
               </a14:hiddenFill>
             </a:ext>
             <a:ext uri="{91240B29-F687-4f45-9708-019B960494DF}">
-              <a14:hiddenLine xmlns:a14="http://schemas.microsoft.com/office/drawing/2007/7/7/main" w="9525">
+              <a14:hiddenLine xmlns:a14="http://schemas.microsoft.com/office/drawing/2007/7/7/main" xmlns="" w="9525">
                 <a:solidFill>
                   <a:schemeClr val="tx1"/>
                 </a:solidFill>
@@ -10943,7 +12460,7 @@
               </a14:hiddenLine>
             </a:ext>
             <a:ext uri="{AF507438-7753-43e0-B8FC-AC1667EBCBE1}">
-              <a14:hiddenEffects xmlns:a14="http://schemas.microsoft.com/office/drawing/2007/7/7/main">
+              <a14:hiddenEffects xmlns:a14="http://schemas.microsoft.com/office/drawing/2007/7/7/main" xmlns="">
                 <a:effectLst>
                   <a:outerShdw dist="35921" dir="2700000" algn="ctr" rotWithShape="0">
                     <a:schemeClr val="bg2"/>
@@ -10954,10 +12471,504 @@
           </a:extLst>
         </p:spPr>
       </p:pic>
+      <p:sp>
+        <p:nvSpPr>
+          <p:cNvPr id="5" name="ZoneTexte 4"/>
+          <p:cNvSpPr txBox="1"/>
+          <p:nvPr/>
+        </p:nvSpPr>
+        <p:spPr>
+          <a:xfrm>
+            <a:off x="202736" y="0"/>
+            <a:ext cx="1654620" cy="276999"/>
+          </a:xfrm>
+          <a:prstGeom prst="rect">
+            <a:avLst/>
+          </a:prstGeom>
+          <a:noFill/>
+          <a:ln>
+            <a:noFill/>
+          </a:ln>
+        </p:spPr>
+        <p:txBody>
+          <a:bodyPr wrap="none" rtlCol="0">
+            <a:spAutoFit/>
+          </a:bodyPr>
+          <a:lstStyle/>
+          <a:p>
+            <a:pPr marL="0" marR="0" indent="0" algn="l" defTabSz="914400" rtl="0" eaLnBrk="1" fontAlgn="auto" latinLnBrk="0" hangingPunct="1">
+              <a:lnSpc>
+                <a:spcPct val="100000"/>
+              </a:lnSpc>
+              <a:spcBef>
+                <a:spcPct val="20000"/>
+              </a:spcBef>
+              <a:spcAft>
+                <a:spcPts val="0"/>
+              </a:spcAft>
+              <a:buClrTx/>
+              <a:buSzTx/>
+              <a:buFontTx/>
+              <a:buNone/>
+              <a:tabLst/>
+            </a:pPr>
+            <a:r>
+              <a:rPr kumimoji="0" lang="fr-FR" sz="1200" i="0" u="none" strike="noStrike" kern="0" cap="none" spc="0" normalizeH="0" baseline="0" noProof="0" dirty="0" err="1" smtClean="0">
+                <a:ln>
+                  <a:noFill/>
+                </a:ln>
+                <a:solidFill>
+                  <a:schemeClr val="tx1">
+                    <a:lumMod val="50000"/>
+                    <a:lumOff val="50000"/>
+                  </a:schemeClr>
+                </a:solidFill>
+                <a:effectLst/>
+                <a:uLnTx/>
+                <a:uFillTx/>
+                <a:latin typeface="+mn-lt"/>
+                <a:ea typeface="+mn-ea"/>
+                <a:cs typeface="+mn-cs"/>
+              </a:rPr>
+              <a:t>Problem</a:t>
+            </a:r>
+            <a:r>
+              <a:rPr kumimoji="0" lang="fr-FR" sz="1200" i="0" u="none" strike="noStrike" kern="0" cap="none" spc="0" normalizeH="0" baseline="0" noProof="0" dirty="0" smtClean="0">
+                <a:ln>
+                  <a:noFill/>
+                </a:ln>
+                <a:solidFill>
+                  <a:schemeClr val="tx1">
+                    <a:lumMod val="50000"/>
+                    <a:lumOff val="50000"/>
+                  </a:schemeClr>
+                </a:solidFill>
+                <a:effectLst/>
+                <a:uLnTx/>
+                <a:uFillTx/>
+                <a:latin typeface="+mn-lt"/>
+                <a:ea typeface="+mn-ea"/>
+                <a:cs typeface="+mn-cs"/>
+              </a:rPr>
+              <a:t> </a:t>
+            </a:r>
+            <a:r>
+              <a:rPr kumimoji="0" lang="fr-FR" sz="1200" i="0" u="none" strike="noStrike" kern="0" cap="none" spc="0" normalizeH="0" baseline="0" noProof="0" dirty="0" err="1" smtClean="0">
+                <a:ln>
+                  <a:noFill/>
+                </a:ln>
+                <a:solidFill>
+                  <a:schemeClr val="tx1">
+                    <a:lumMod val="50000"/>
+                    <a:lumOff val="50000"/>
+                  </a:schemeClr>
+                </a:solidFill>
+                <a:effectLst/>
+                <a:uLnTx/>
+                <a:uFillTx/>
+                <a:latin typeface="+mn-lt"/>
+                <a:ea typeface="+mn-ea"/>
+                <a:cs typeface="+mn-cs"/>
+              </a:rPr>
+              <a:t>understanding</a:t>
+            </a:r>
+            <a:endParaRPr kumimoji="0" lang="fr-FR" sz="1200" i="0" u="none" strike="noStrike" kern="0" cap="none" spc="0" normalizeH="0" baseline="0" noProof="0" dirty="0" smtClean="0">
+              <a:ln>
+                <a:noFill/>
+              </a:ln>
+              <a:solidFill>
+                <a:schemeClr val="tx1">
+                  <a:lumMod val="50000"/>
+                  <a:lumOff val="50000"/>
+                </a:schemeClr>
+              </a:solidFill>
+              <a:effectLst/>
+              <a:uLnTx/>
+              <a:uFillTx/>
+              <a:latin typeface="+mn-lt"/>
+              <a:ea typeface="+mn-ea"/>
+              <a:cs typeface="+mn-cs"/>
+            </a:endParaRPr>
+          </a:p>
+        </p:txBody>
+      </p:sp>
+      <p:sp>
+        <p:nvSpPr>
+          <p:cNvPr id="6" name="ZoneTexte 5"/>
+          <p:cNvSpPr txBox="1"/>
+          <p:nvPr/>
+        </p:nvSpPr>
+        <p:spPr>
+          <a:xfrm>
+            <a:off x="2248093" y="0"/>
+            <a:ext cx="1752403" cy="276999"/>
+          </a:xfrm>
+          <a:prstGeom prst="rect">
+            <a:avLst/>
+          </a:prstGeom>
+          <a:noFill/>
+          <a:ln>
+            <a:noFill/>
+          </a:ln>
+        </p:spPr>
+        <p:txBody>
+          <a:bodyPr wrap="none" rtlCol="0">
+            <a:spAutoFit/>
+          </a:bodyPr>
+          <a:lstStyle/>
+          <a:p>
+            <a:pPr marL="0" marR="0" indent="0" algn="l" defTabSz="914400" rtl="0" eaLnBrk="1" fontAlgn="auto" latinLnBrk="0" hangingPunct="1">
+              <a:lnSpc>
+                <a:spcPct val="100000"/>
+              </a:lnSpc>
+              <a:spcBef>
+                <a:spcPct val="20000"/>
+              </a:spcBef>
+              <a:spcAft>
+                <a:spcPts val="0"/>
+              </a:spcAft>
+              <a:buClrTx/>
+              <a:buSzTx/>
+              <a:buFontTx/>
+              <a:buNone/>
+              <a:tabLst/>
+            </a:pPr>
+            <a:r>
+              <a:rPr kumimoji="0" lang="fr-FR" sz="1200" i="0" u="none" strike="noStrike" kern="0" cap="none" spc="0" normalizeH="0" baseline="0" noProof="0" dirty="0" err="1" smtClean="0">
+                <a:ln>
+                  <a:noFill/>
+                </a:ln>
+                <a:solidFill>
+                  <a:schemeClr val="tx1">
+                    <a:lumMod val="50000"/>
+                    <a:lumOff val="50000"/>
+                  </a:schemeClr>
+                </a:solidFill>
+                <a:effectLst/>
+                <a:uLnTx/>
+                <a:uFillTx/>
+                <a:latin typeface="+mn-lt"/>
+                <a:ea typeface="+mn-ea"/>
+                <a:cs typeface="+mn-cs"/>
+              </a:rPr>
+              <a:t>Functional</a:t>
+            </a:r>
+            <a:r>
+              <a:rPr kumimoji="0" lang="fr-FR" sz="1200" i="0" u="none" strike="noStrike" kern="0" cap="none" spc="0" normalizeH="0" baseline="0" noProof="0" dirty="0" smtClean="0">
+                <a:ln>
+                  <a:noFill/>
+                </a:ln>
+                <a:solidFill>
+                  <a:schemeClr val="tx1">
+                    <a:lumMod val="50000"/>
+                    <a:lumOff val="50000"/>
+                  </a:schemeClr>
+                </a:solidFill>
+                <a:effectLst/>
+                <a:uLnTx/>
+                <a:uFillTx/>
+                <a:latin typeface="+mn-lt"/>
+                <a:ea typeface="+mn-ea"/>
+                <a:cs typeface="+mn-cs"/>
+              </a:rPr>
+              <a:t> </a:t>
+            </a:r>
+            <a:r>
+              <a:rPr kumimoji="0" lang="fr-FR" sz="1200" i="0" u="none" strike="noStrike" kern="0" cap="none" spc="0" normalizeH="0" baseline="0" noProof="0" dirty="0" err="1" smtClean="0">
+                <a:ln>
+                  <a:noFill/>
+                </a:ln>
+                <a:solidFill>
+                  <a:schemeClr val="tx1">
+                    <a:lumMod val="50000"/>
+                    <a:lumOff val="50000"/>
+                  </a:schemeClr>
+                </a:solidFill>
+                <a:effectLst/>
+                <a:uLnTx/>
+                <a:uFillTx/>
+                <a:latin typeface="+mn-lt"/>
+                <a:ea typeface="+mn-ea"/>
+                <a:cs typeface="+mn-cs"/>
+              </a:rPr>
+              <a:t>Requirements</a:t>
+            </a:r>
+            <a:endParaRPr kumimoji="0" lang="fr-FR" sz="1200" i="0" u="none" strike="noStrike" kern="0" cap="none" spc="0" normalizeH="0" baseline="0" noProof="0" dirty="0" smtClean="0">
+              <a:ln>
+                <a:noFill/>
+              </a:ln>
+              <a:solidFill>
+                <a:schemeClr val="tx1">
+                  <a:lumMod val="50000"/>
+                  <a:lumOff val="50000"/>
+                </a:schemeClr>
+              </a:solidFill>
+              <a:effectLst/>
+              <a:uLnTx/>
+              <a:uFillTx/>
+              <a:latin typeface="+mn-lt"/>
+              <a:ea typeface="+mn-ea"/>
+              <a:cs typeface="+mn-cs"/>
+            </a:endParaRPr>
+          </a:p>
+        </p:txBody>
+      </p:sp>
+      <p:sp>
+        <p:nvSpPr>
+          <p:cNvPr id="7" name="ZoneTexte 6"/>
+          <p:cNvSpPr txBox="1"/>
+          <p:nvPr/>
+        </p:nvSpPr>
+        <p:spPr>
+          <a:xfrm>
+            <a:off x="4297771" y="0"/>
+            <a:ext cx="2106667" cy="276999"/>
+          </a:xfrm>
+          <a:prstGeom prst="rect">
+            <a:avLst/>
+          </a:prstGeom>
+          <a:noFill/>
+          <a:ln>
+            <a:noFill/>
+          </a:ln>
+        </p:spPr>
+        <p:txBody>
+          <a:bodyPr wrap="none" rtlCol="0">
+            <a:spAutoFit/>
+          </a:bodyPr>
+          <a:lstStyle/>
+          <a:p>
+            <a:pPr marL="0" marR="0" indent="0" algn="l" defTabSz="914400" rtl="0" eaLnBrk="1" fontAlgn="auto" latinLnBrk="0" hangingPunct="1">
+              <a:lnSpc>
+                <a:spcPct val="100000"/>
+              </a:lnSpc>
+              <a:spcBef>
+                <a:spcPct val="20000"/>
+              </a:spcBef>
+              <a:spcAft>
+                <a:spcPts val="0"/>
+              </a:spcAft>
+              <a:buClrTx/>
+              <a:buSzTx/>
+              <a:buFontTx/>
+              <a:buNone/>
+              <a:tabLst/>
+            </a:pPr>
+            <a:r>
+              <a:rPr kumimoji="0" lang="fr-FR" sz="1200" b="1" i="0" u="sng" strike="noStrike" kern="0" cap="none" spc="0" normalizeH="0" baseline="0" noProof="0" dirty="0" smtClean="0">
+                <a:ln>
+                  <a:noFill/>
+                </a:ln>
+                <a:effectLst/>
+                <a:uLnTx/>
+                <a:uFillTx/>
+                <a:latin typeface="+mn-lt"/>
+                <a:ea typeface="+mn-ea"/>
+                <a:cs typeface="+mn-cs"/>
+              </a:rPr>
+              <a:t>Non-</a:t>
+            </a:r>
+            <a:r>
+              <a:rPr kumimoji="0" lang="fr-FR" sz="1200" b="1" i="0" u="sng" strike="noStrike" kern="0" cap="none" spc="0" normalizeH="0" baseline="0" noProof="0" dirty="0" err="1" smtClean="0">
+                <a:ln>
+                  <a:noFill/>
+                </a:ln>
+                <a:effectLst/>
+                <a:uLnTx/>
+                <a:uFillTx/>
+                <a:latin typeface="+mn-lt"/>
+                <a:ea typeface="+mn-ea"/>
+                <a:cs typeface="+mn-cs"/>
+              </a:rPr>
+              <a:t>Functional</a:t>
+            </a:r>
+            <a:r>
+              <a:rPr kumimoji="0" lang="fr-FR" sz="1200" b="1" i="0" u="sng" strike="noStrike" kern="0" cap="none" spc="0" normalizeH="0" baseline="0" noProof="0" dirty="0" smtClean="0">
+                <a:ln>
+                  <a:noFill/>
+                </a:ln>
+                <a:effectLst/>
+                <a:uLnTx/>
+                <a:uFillTx/>
+                <a:latin typeface="+mn-lt"/>
+                <a:ea typeface="+mn-ea"/>
+                <a:cs typeface="+mn-cs"/>
+              </a:rPr>
+              <a:t> </a:t>
+            </a:r>
+            <a:r>
+              <a:rPr kumimoji="0" lang="fr-FR" sz="1200" b="1" i="0" u="sng" strike="noStrike" kern="0" cap="none" spc="0" normalizeH="0" baseline="0" noProof="0" dirty="0" err="1" smtClean="0">
+                <a:ln>
+                  <a:noFill/>
+                </a:ln>
+                <a:effectLst/>
+                <a:uLnTx/>
+                <a:uFillTx/>
+                <a:latin typeface="+mn-lt"/>
+                <a:ea typeface="+mn-ea"/>
+                <a:cs typeface="+mn-cs"/>
+              </a:rPr>
+              <a:t>Requirements</a:t>
+            </a:r>
+            <a:endParaRPr kumimoji="0" lang="fr-FR" sz="1200" b="1" i="0" u="sng" strike="noStrike" kern="0" cap="none" spc="0" normalizeH="0" baseline="0" noProof="0" dirty="0" smtClean="0">
+              <a:ln>
+                <a:noFill/>
+              </a:ln>
+              <a:effectLst/>
+              <a:uLnTx/>
+              <a:uFillTx/>
+              <a:latin typeface="+mn-lt"/>
+              <a:ea typeface="+mn-ea"/>
+              <a:cs typeface="+mn-cs"/>
+            </a:endParaRPr>
+          </a:p>
+        </p:txBody>
+      </p:sp>
+      <p:sp>
+        <p:nvSpPr>
+          <p:cNvPr id="8" name="ZoneTexte 7"/>
+          <p:cNvSpPr txBox="1"/>
+          <p:nvPr/>
+        </p:nvSpPr>
+        <p:spPr>
+          <a:xfrm>
+            <a:off x="6643702" y="0"/>
+            <a:ext cx="1859805" cy="276999"/>
+          </a:xfrm>
+          <a:prstGeom prst="rect">
+            <a:avLst/>
+          </a:prstGeom>
+          <a:noFill/>
+          <a:ln>
+            <a:noFill/>
+          </a:ln>
+        </p:spPr>
+        <p:txBody>
+          <a:bodyPr wrap="none" rtlCol="0">
+            <a:spAutoFit/>
+          </a:bodyPr>
+          <a:lstStyle/>
+          <a:p>
+            <a:pPr marL="0" marR="0" indent="0" algn="l" defTabSz="914400" rtl="0" eaLnBrk="1" fontAlgn="auto" latinLnBrk="0" hangingPunct="1">
+              <a:lnSpc>
+                <a:spcPct val="100000"/>
+              </a:lnSpc>
+              <a:spcBef>
+                <a:spcPct val="20000"/>
+              </a:spcBef>
+              <a:spcAft>
+                <a:spcPts val="0"/>
+              </a:spcAft>
+              <a:buClrTx/>
+              <a:buSzTx/>
+              <a:buFontTx/>
+              <a:buNone/>
+              <a:tabLst/>
+            </a:pPr>
+            <a:r>
+              <a:rPr kumimoji="0" lang="fr-FR" sz="1200" i="0" u="none" strike="noStrike" kern="0" cap="none" spc="0" normalizeH="0" baseline="0" noProof="0" dirty="0" err="1" smtClean="0">
+                <a:ln>
+                  <a:noFill/>
+                </a:ln>
+                <a:solidFill>
+                  <a:schemeClr val="tx1">
+                    <a:lumMod val="50000"/>
+                    <a:lumOff val="50000"/>
+                  </a:schemeClr>
+                </a:solidFill>
+                <a:effectLst/>
+                <a:uLnTx/>
+                <a:uFillTx/>
+                <a:latin typeface="+mn-lt"/>
+                <a:ea typeface="+mn-ea"/>
+                <a:cs typeface="+mn-cs"/>
+              </a:rPr>
+              <a:t>Usability</a:t>
+            </a:r>
+            <a:r>
+              <a:rPr kumimoji="0" lang="fr-FR" sz="1200" i="0" u="none" strike="noStrike" kern="0" cap="none" spc="0" normalizeH="0" baseline="0" noProof="0" dirty="0" smtClean="0">
+                <a:ln>
+                  <a:noFill/>
+                </a:ln>
+                <a:solidFill>
+                  <a:schemeClr val="tx1">
+                    <a:lumMod val="50000"/>
+                    <a:lumOff val="50000"/>
+                  </a:schemeClr>
+                </a:solidFill>
+                <a:effectLst/>
+                <a:uLnTx/>
+                <a:uFillTx/>
+                <a:latin typeface="+mn-lt"/>
+                <a:ea typeface="+mn-ea"/>
+                <a:cs typeface="+mn-cs"/>
+              </a:rPr>
+              <a:t> </a:t>
+            </a:r>
+            <a:r>
+              <a:rPr kumimoji="0" lang="fr-FR" sz="1200" i="0" u="none" strike="noStrike" kern="0" cap="none" spc="0" normalizeH="0" baseline="0" noProof="0" dirty="0" err="1" smtClean="0">
+                <a:ln>
+                  <a:noFill/>
+                </a:ln>
+                <a:solidFill>
+                  <a:schemeClr val="tx1">
+                    <a:lumMod val="50000"/>
+                    <a:lumOff val="50000"/>
+                  </a:schemeClr>
+                </a:solidFill>
+                <a:effectLst/>
+                <a:uLnTx/>
+                <a:uFillTx/>
+                <a:latin typeface="+mn-lt"/>
+                <a:ea typeface="+mn-ea"/>
+                <a:cs typeface="+mn-cs"/>
+              </a:rPr>
+              <a:t>Analysis</a:t>
+            </a:r>
+            <a:r>
+              <a:rPr kumimoji="0" lang="fr-FR" sz="1200" i="0" u="none" strike="noStrike" kern="0" cap="none" spc="0" normalizeH="0" noProof="0" dirty="0" smtClean="0">
+                <a:ln>
+                  <a:noFill/>
+                </a:ln>
+                <a:solidFill>
+                  <a:schemeClr val="tx1">
+                    <a:lumMod val="50000"/>
+                    <a:lumOff val="50000"/>
+                  </a:schemeClr>
+                </a:solidFill>
+                <a:effectLst/>
+                <a:uLnTx/>
+                <a:uFillTx/>
+                <a:latin typeface="+mn-lt"/>
+                <a:ea typeface="+mn-ea"/>
+                <a:cs typeface="+mn-cs"/>
+              </a:rPr>
+              <a:t> &amp; Design</a:t>
+            </a:r>
+            <a:endParaRPr kumimoji="0" lang="fr-FR" sz="1200" i="0" u="none" strike="noStrike" kern="0" cap="none" spc="0" normalizeH="0" baseline="0" noProof="0" dirty="0" smtClean="0">
+              <a:ln>
+                <a:noFill/>
+              </a:ln>
+              <a:solidFill>
+                <a:schemeClr val="tx1">
+                  <a:lumMod val="50000"/>
+                  <a:lumOff val="50000"/>
+                </a:schemeClr>
+              </a:solidFill>
+              <a:effectLst/>
+              <a:uLnTx/>
+              <a:uFillTx/>
+              <a:latin typeface="+mn-lt"/>
+              <a:ea typeface="+mn-ea"/>
+              <a:cs typeface="+mn-cs"/>
+            </a:endParaRPr>
+          </a:p>
+        </p:txBody>
+      </p:sp>
     </p:spTree>
     <p:extLst>
       <p:ext uri="{BB962C8B-B14F-4D97-AF65-F5344CB8AC3E}">
-        <p14:creationId xmlns:p14="http://schemas.microsoft.com/office/powerpoint/2007/7/12/main" val="1394414490"/>
+        <p14:creationId xmlns:p14="http://schemas.microsoft.com/office/powerpoint/2007/7/12/main" xmlns="" val="1394414490"/>
       </p:ext>
     </p:extLst>
   </p:cSld>
@@ -10967,7 +12978,7 @@
   <p:timing>
     <p:tnLst>
       <p:par>
-        <p:cTn xmlns:p14="http://schemas.microsoft.com/office/powerpoint/2007/7/12/main" id="1" dur="indefinite" restart="never" nodeType="tmRoot"/>
+        <p:cTn id="1" dur="indefinite" restart="never" nodeType="tmRoot"/>
       </p:par>
     </p:tnLst>
   </p:timing>
@@ -11053,7 +13064,7 @@
           <a:blip r:embed="rId2">
             <a:extLst>
               <a:ext uri="28A0092B-C50C-407e-A947-70E740481C1C">
-                <a14:useLocalDpi xmlns:a14="http://schemas.microsoft.com/office/drawing/2007/7/7/main" val="0"/>
+                <a14:useLocalDpi xmlns:a14="http://schemas.microsoft.com/office/drawing/2007/7/7/main" xmlns="" val="0"/>
               </a:ext>
             </a:extLst>
           </a:blip>
@@ -11073,7 +13084,7 @@
           <a:noFill/>
           <a:extLst>
             <a:ext uri="{909E8E84-426E-40dd-AFC4-6F175D3DCCD1}">
-              <a14:hiddenFill xmlns:a14="http://schemas.microsoft.com/office/drawing/2007/7/7/main">
+              <a14:hiddenFill xmlns:a14="http://schemas.microsoft.com/office/drawing/2007/7/7/main" xmlns="">
                 <a:solidFill>
                   <a:srgbClr xmlns:mc="http://schemas.openxmlformats.org/markup-compatibility/2006" val="FFFFFF" mc:Ignorable=""/>
                 </a:solidFill>
@@ -11082,10 +13093,504 @@
           </a:extLst>
         </p:spPr>
       </p:pic>
+      <p:sp>
+        <p:nvSpPr>
+          <p:cNvPr id="5" name="ZoneTexte 4"/>
+          <p:cNvSpPr txBox="1"/>
+          <p:nvPr/>
+        </p:nvSpPr>
+        <p:spPr>
+          <a:xfrm>
+            <a:off x="202736" y="0"/>
+            <a:ext cx="1654620" cy="276999"/>
+          </a:xfrm>
+          <a:prstGeom prst="rect">
+            <a:avLst/>
+          </a:prstGeom>
+          <a:noFill/>
+          <a:ln>
+            <a:noFill/>
+          </a:ln>
+        </p:spPr>
+        <p:txBody>
+          <a:bodyPr wrap="none" rtlCol="0">
+            <a:spAutoFit/>
+          </a:bodyPr>
+          <a:lstStyle/>
+          <a:p>
+            <a:pPr marL="0" marR="0" indent="0" algn="l" defTabSz="914400" rtl="0" eaLnBrk="1" fontAlgn="auto" latinLnBrk="0" hangingPunct="1">
+              <a:lnSpc>
+                <a:spcPct val="100000"/>
+              </a:lnSpc>
+              <a:spcBef>
+                <a:spcPct val="20000"/>
+              </a:spcBef>
+              <a:spcAft>
+                <a:spcPts val="0"/>
+              </a:spcAft>
+              <a:buClrTx/>
+              <a:buSzTx/>
+              <a:buFontTx/>
+              <a:buNone/>
+              <a:tabLst/>
+            </a:pPr>
+            <a:r>
+              <a:rPr kumimoji="0" lang="fr-FR" sz="1200" i="0" u="none" strike="noStrike" kern="0" cap="none" spc="0" normalizeH="0" baseline="0" noProof="0" dirty="0" err="1" smtClean="0">
+                <a:ln>
+                  <a:noFill/>
+                </a:ln>
+                <a:solidFill>
+                  <a:schemeClr val="tx1">
+                    <a:lumMod val="50000"/>
+                    <a:lumOff val="50000"/>
+                  </a:schemeClr>
+                </a:solidFill>
+                <a:effectLst/>
+                <a:uLnTx/>
+                <a:uFillTx/>
+                <a:latin typeface="+mn-lt"/>
+                <a:ea typeface="+mn-ea"/>
+                <a:cs typeface="+mn-cs"/>
+              </a:rPr>
+              <a:t>Problem</a:t>
+            </a:r>
+            <a:r>
+              <a:rPr kumimoji="0" lang="fr-FR" sz="1200" i="0" u="none" strike="noStrike" kern="0" cap="none" spc="0" normalizeH="0" baseline="0" noProof="0" dirty="0" smtClean="0">
+                <a:ln>
+                  <a:noFill/>
+                </a:ln>
+                <a:solidFill>
+                  <a:schemeClr val="tx1">
+                    <a:lumMod val="50000"/>
+                    <a:lumOff val="50000"/>
+                  </a:schemeClr>
+                </a:solidFill>
+                <a:effectLst/>
+                <a:uLnTx/>
+                <a:uFillTx/>
+                <a:latin typeface="+mn-lt"/>
+                <a:ea typeface="+mn-ea"/>
+                <a:cs typeface="+mn-cs"/>
+              </a:rPr>
+              <a:t> </a:t>
+            </a:r>
+            <a:r>
+              <a:rPr kumimoji="0" lang="fr-FR" sz="1200" i="0" u="none" strike="noStrike" kern="0" cap="none" spc="0" normalizeH="0" baseline="0" noProof="0" dirty="0" err="1" smtClean="0">
+                <a:ln>
+                  <a:noFill/>
+                </a:ln>
+                <a:solidFill>
+                  <a:schemeClr val="tx1">
+                    <a:lumMod val="50000"/>
+                    <a:lumOff val="50000"/>
+                  </a:schemeClr>
+                </a:solidFill>
+                <a:effectLst/>
+                <a:uLnTx/>
+                <a:uFillTx/>
+                <a:latin typeface="+mn-lt"/>
+                <a:ea typeface="+mn-ea"/>
+                <a:cs typeface="+mn-cs"/>
+              </a:rPr>
+              <a:t>understanding</a:t>
+            </a:r>
+            <a:endParaRPr kumimoji="0" lang="fr-FR" sz="1200" i="0" u="none" strike="noStrike" kern="0" cap="none" spc="0" normalizeH="0" baseline="0" noProof="0" dirty="0" smtClean="0">
+              <a:ln>
+                <a:noFill/>
+              </a:ln>
+              <a:solidFill>
+                <a:schemeClr val="tx1">
+                  <a:lumMod val="50000"/>
+                  <a:lumOff val="50000"/>
+                </a:schemeClr>
+              </a:solidFill>
+              <a:effectLst/>
+              <a:uLnTx/>
+              <a:uFillTx/>
+              <a:latin typeface="+mn-lt"/>
+              <a:ea typeface="+mn-ea"/>
+              <a:cs typeface="+mn-cs"/>
+            </a:endParaRPr>
+          </a:p>
+        </p:txBody>
+      </p:sp>
+      <p:sp>
+        <p:nvSpPr>
+          <p:cNvPr id="6" name="ZoneTexte 5"/>
+          <p:cNvSpPr txBox="1"/>
+          <p:nvPr/>
+        </p:nvSpPr>
+        <p:spPr>
+          <a:xfrm>
+            <a:off x="2248093" y="0"/>
+            <a:ext cx="1752403" cy="276999"/>
+          </a:xfrm>
+          <a:prstGeom prst="rect">
+            <a:avLst/>
+          </a:prstGeom>
+          <a:noFill/>
+          <a:ln>
+            <a:noFill/>
+          </a:ln>
+        </p:spPr>
+        <p:txBody>
+          <a:bodyPr wrap="none" rtlCol="0">
+            <a:spAutoFit/>
+          </a:bodyPr>
+          <a:lstStyle/>
+          <a:p>
+            <a:pPr marL="0" marR="0" indent="0" algn="l" defTabSz="914400" rtl="0" eaLnBrk="1" fontAlgn="auto" latinLnBrk="0" hangingPunct="1">
+              <a:lnSpc>
+                <a:spcPct val="100000"/>
+              </a:lnSpc>
+              <a:spcBef>
+                <a:spcPct val="20000"/>
+              </a:spcBef>
+              <a:spcAft>
+                <a:spcPts val="0"/>
+              </a:spcAft>
+              <a:buClrTx/>
+              <a:buSzTx/>
+              <a:buFontTx/>
+              <a:buNone/>
+              <a:tabLst/>
+            </a:pPr>
+            <a:r>
+              <a:rPr kumimoji="0" lang="fr-FR" sz="1200" i="0" u="none" strike="noStrike" kern="0" cap="none" spc="0" normalizeH="0" baseline="0" noProof="0" dirty="0" err="1" smtClean="0">
+                <a:ln>
+                  <a:noFill/>
+                </a:ln>
+                <a:solidFill>
+                  <a:schemeClr val="tx1">
+                    <a:lumMod val="50000"/>
+                    <a:lumOff val="50000"/>
+                  </a:schemeClr>
+                </a:solidFill>
+                <a:effectLst/>
+                <a:uLnTx/>
+                <a:uFillTx/>
+                <a:latin typeface="+mn-lt"/>
+                <a:ea typeface="+mn-ea"/>
+                <a:cs typeface="+mn-cs"/>
+              </a:rPr>
+              <a:t>Functional</a:t>
+            </a:r>
+            <a:r>
+              <a:rPr kumimoji="0" lang="fr-FR" sz="1200" i="0" u="none" strike="noStrike" kern="0" cap="none" spc="0" normalizeH="0" baseline="0" noProof="0" dirty="0" smtClean="0">
+                <a:ln>
+                  <a:noFill/>
+                </a:ln>
+                <a:solidFill>
+                  <a:schemeClr val="tx1">
+                    <a:lumMod val="50000"/>
+                    <a:lumOff val="50000"/>
+                  </a:schemeClr>
+                </a:solidFill>
+                <a:effectLst/>
+                <a:uLnTx/>
+                <a:uFillTx/>
+                <a:latin typeface="+mn-lt"/>
+                <a:ea typeface="+mn-ea"/>
+                <a:cs typeface="+mn-cs"/>
+              </a:rPr>
+              <a:t> </a:t>
+            </a:r>
+            <a:r>
+              <a:rPr kumimoji="0" lang="fr-FR" sz="1200" i="0" u="none" strike="noStrike" kern="0" cap="none" spc="0" normalizeH="0" baseline="0" noProof="0" dirty="0" err="1" smtClean="0">
+                <a:ln>
+                  <a:noFill/>
+                </a:ln>
+                <a:solidFill>
+                  <a:schemeClr val="tx1">
+                    <a:lumMod val="50000"/>
+                    <a:lumOff val="50000"/>
+                  </a:schemeClr>
+                </a:solidFill>
+                <a:effectLst/>
+                <a:uLnTx/>
+                <a:uFillTx/>
+                <a:latin typeface="+mn-lt"/>
+                <a:ea typeface="+mn-ea"/>
+                <a:cs typeface="+mn-cs"/>
+              </a:rPr>
+              <a:t>Requirements</a:t>
+            </a:r>
+            <a:endParaRPr kumimoji="0" lang="fr-FR" sz="1200" i="0" u="none" strike="noStrike" kern="0" cap="none" spc="0" normalizeH="0" baseline="0" noProof="0" dirty="0" smtClean="0">
+              <a:ln>
+                <a:noFill/>
+              </a:ln>
+              <a:solidFill>
+                <a:schemeClr val="tx1">
+                  <a:lumMod val="50000"/>
+                  <a:lumOff val="50000"/>
+                </a:schemeClr>
+              </a:solidFill>
+              <a:effectLst/>
+              <a:uLnTx/>
+              <a:uFillTx/>
+              <a:latin typeface="+mn-lt"/>
+              <a:ea typeface="+mn-ea"/>
+              <a:cs typeface="+mn-cs"/>
+            </a:endParaRPr>
+          </a:p>
+        </p:txBody>
+      </p:sp>
+      <p:sp>
+        <p:nvSpPr>
+          <p:cNvPr id="7" name="ZoneTexte 6"/>
+          <p:cNvSpPr txBox="1"/>
+          <p:nvPr/>
+        </p:nvSpPr>
+        <p:spPr>
+          <a:xfrm>
+            <a:off x="4297771" y="0"/>
+            <a:ext cx="2106667" cy="276999"/>
+          </a:xfrm>
+          <a:prstGeom prst="rect">
+            <a:avLst/>
+          </a:prstGeom>
+          <a:noFill/>
+          <a:ln>
+            <a:noFill/>
+          </a:ln>
+        </p:spPr>
+        <p:txBody>
+          <a:bodyPr wrap="none" rtlCol="0">
+            <a:spAutoFit/>
+          </a:bodyPr>
+          <a:lstStyle/>
+          <a:p>
+            <a:pPr marL="0" marR="0" indent="0" algn="l" defTabSz="914400" rtl="0" eaLnBrk="1" fontAlgn="auto" latinLnBrk="0" hangingPunct="1">
+              <a:lnSpc>
+                <a:spcPct val="100000"/>
+              </a:lnSpc>
+              <a:spcBef>
+                <a:spcPct val="20000"/>
+              </a:spcBef>
+              <a:spcAft>
+                <a:spcPts val="0"/>
+              </a:spcAft>
+              <a:buClrTx/>
+              <a:buSzTx/>
+              <a:buFontTx/>
+              <a:buNone/>
+              <a:tabLst/>
+            </a:pPr>
+            <a:r>
+              <a:rPr kumimoji="0" lang="fr-FR" sz="1200" b="1" i="0" u="sng" strike="noStrike" kern="0" cap="none" spc="0" normalizeH="0" baseline="0" noProof="0" dirty="0" smtClean="0">
+                <a:ln>
+                  <a:noFill/>
+                </a:ln>
+                <a:effectLst/>
+                <a:uLnTx/>
+                <a:uFillTx/>
+                <a:latin typeface="+mn-lt"/>
+                <a:ea typeface="+mn-ea"/>
+                <a:cs typeface="+mn-cs"/>
+              </a:rPr>
+              <a:t>Non-</a:t>
+            </a:r>
+            <a:r>
+              <a:rPr kumimoji="0" lang="fr-FR" sz="1200" b="1" i="0" u="sng" strike="noStrike" kern="0" cap="none" spc="0" normalizeH="0" baseline="0" noProof="0" dirty="0" err="1" smtClean="0">
+                <a:ln>
+                  <a:noFill/>
+                </a:ln>
+                <a:effectLst/>
+                <a:uLnTx/>
+                <a:uFillTx/>
+                <a:latin typeface="+mn-lt"/>
+                <a:ea typeface="+mn-ea"/>
+                <a:cs typeface="+mn-cs"/>
+              </a:rPr>
+              <a:t>Functional</a:t>
+            </a:r>
+            <a:r>
+              <a:rPr kumimoji="0" lang="fr-FR" sz="1200" b="1" i="0" u="sng" strike="noStrike" kern="0" cap="none" spc="0" normalizeH="0" baseline="0" noProof="0" dirty="0" smtClean="0">
+                <a:ln>
+                  <a:noFill/>
+                </a:ln>
+                <a:effectLst/>
+                <a:uLnTx/>
+                <a:uFillTx/>
+                <a:latin typeface="+mn-lt"/>
+                <a:ea typeface="+mn-ea"/>
+                <a:cs typeface="+mn-cs"/>
+              </a:rPr>
+              <a:t> </a:t>
+            </a:r>
+            <a:r>
+              <a:rPr kumimoji="0" lang="fr-FR" sz="1200" b="1" i="0" u="sng" strike="noStrike" kern="0" cap="none" spc="0" normalizeH="0" baseline="0" noProof="0" dirty="0" err="1" smtClean="0">
+                <a:ln>
+                  <a:noFill/>
+                </a:ln>
+                <a:effectLst/>
+                <a:uLnTx/>
+                <a:uFillTx/>
+                <a:latin typeface="+mn-lt"/>
+                <a:ea typeface="+mn-ea"/>
+                <a:cs typeface="+mn-cs"/>
+              </a:rPr>
+              <a:t>Requirements</a:t>
+            </a:r>
+            <a:endParaRPr kumimoji="0" lang="fr-FR" sz="1200" b="1" i="0" u="sng" strike="noStrike" kern="0" cap="none" spc="0" normalizeH="0" baseline="0" noProof="0" dirty="0" smtClean="0">
+              <a:ln>
+                <a:noFill/>
+              </a:ln>
+              <a:effectLst/>
+              <a:uLnTx/>
+              <a:uFillTx/>
+              <a:latin typeface="+mn-lt"/>
+              <a:ea typeface="+mn-ea"/>
+              <a:cs typeface="+mn-cs"/>
+            </a:endParaRPr>
+          </a:p>
+        </p:txBody>
+      </p:sp>
+      <p:sp>
+        <p:nvSpPr>
+          <p:cNvPr id="8" name="ZoneTexte 7"/>
+          <p:cNvSpPr txBox="1"/>
+          <p:nvPr/>
+        </p:nvSpPr>
+        <p:spPr>
+          <a:xfrm>
+            <a:off x="6643702" y="0"/>
+            <a:ext cx="1859805" cy="276999"/>
+          </a:xfrm>
+          <a:prstGeom prst="rect">
+            <a:avLst/>
+          </a:prstGeom>
+          <a:noFill/>
+          <a:ln>
+            <a:noFill/>
+          </a:ln>
+        </p:spPr>
+        <p:txBody>
+          <a:bodyPr wrap="none" rtlCol="0">
+            <a:spAutoFit/>
+          </a:bodyPr>
+          <a:lstStyle/>
+          <a:p>
+            <a:pPr marL="0" marR="0" indent="0" algn="l" defTabSz="914400" rtl="0" eaLnBrk="1" fontAlgn="auto" latinLnBrk="0" hangingPunct="1">
+              <a:lnSpc>
+                <a:spcPct val="100000"/>
+              </a:lnSpc>
+              <a:spcBef>
+                <a:spcPct val="20000"/>
+              </a:spcBef>
+              <a:spcAft>
+                <a:spcPts val="0"/>
+              </a:spcAft>
+              <a:buClrTx/>
+              <a:buSzTx/>
+              <a:buFontTx/>
+              <a:buNone/>
+              <a:tabLst/>
+            </a:pPr>
+            <a:r>
+              <a:rPr kumimoji="0" lang="fr-FR" sz="1200" i="0" u="none" strike="noStrike" kern="0" cap="none" spc="0" normalizeH="0" baseline="0" noProof="0" dirty="0" err="1" smtClean="0">
+                <a:ln>
+                  <a:noFill/>
+                </a:ln>
+                <a:solidFill>
+                  <a:schemeClr val="tx1">
+                    <a:lumMod val="50000"/>
+                    <a:lumOff val="50000"/>
+                  </a:schemeClr>
+                </a:solidFill>
+                <a:effectLst/>
+                <a:uLnTx/>
+                <a:uFillTx/>
+                <a:latin typeface="+mn-lt"/>
+                <a:ea typeface="+mn-ea"/>
+                <a:cs typeface="+mn-cs"/>
+              </a:rPr>
+              <a:t>Usability</a:t>
+            </a:r>
+            <a:r>
+              <a:rPr kumimoji="0" lang="fr-FR" sz="1200" i="0" u="none" strike="noStrike" kern="0" cap="none" spc="0" normalizeH="0" baseline="0" noProof="0" dirty="0" smtClean="0">
+                <a:ln>
+                  <a:noFill/>
+                </a:ln>
+                <a:solidFill>
+                  <a:schemeClr val="tx1">
+                    <a:lumMod val="50000"/>
+                    <a:lumOff val="50000"/>
+                  </a:schemeClr>
+                </a:solidFill>
+                <a:effectLst/>
+                <a:uLnTx/>
+                <a:uFillTx/>
+                <a:latin typeface="+mn-lt"/>
+                <a:ea typeface="+mn-ea"/>
+                <a:cs typeface="+mn-cs"/>
+              </a:rPr>
+              <a:t> </a:t>
+            </a:r>
+            <a:r>
+              <a:rPr kumimoji="0" lang="fr-FR" sz="1200" i="0" u="none" strike="noStrike" kern="0" cap="none" spc="0" normalizeH="0" baseline="0" noProof="0" dirty="0" err="1" smtClean="0">
+                <a:ln>
+                  <a:noFill/>
+                </a:ln>
+                <a:solidFill>
+                  <a:schemeClr val="tx1">
+                    <a:lumMod val="50000"/>
+                    <a:lumOff val="50000"/>
+                  </a:schemeClr>
+                </a:solidFill>
+                <a:effectLst/>
+                <a:uLnTx/>
+                <a:uFillTx/>
+                <a:latin typeface="+mn-lt"/>
+                <a:ea typeface="+mn-ea"/>
+                <a:cs typeface="+mn-cs"/>
+              </a:rPr>
+              <a:t>Analysis</a:t>
+            </a:r>
+            <a:r>
+              <a:rPr kumimoji="0" lang="fr-FR" sz="1200" i="0" u="none" strike="noStrike" kern="0" cap="none" spc="0" normalizeH="0" noProof="0" dirty="0" smtClean="0">
+                <a:ln>
+                  <a:noFill/>
+                </a:ln>
+                <a:solidFill>
+                  <a:schemeClr val="tx1">
+                    <a:lumMod val="50000"/>
+                    <a:lumOff val="50000"/>
+                  </a:schemeClr>
+                </a:solidFill>
+                <a:effectLst/>
+                <a:uLnTx/>
+                <a:uFillTx/>
+                <a:latin typeface="+mn-lt"/>
+                <a:ea typeface="+mn-ea"/>
+                <a:cs typeface="+mn-cs"/>
+              </a:rPr>
+              <a:t> &amp; Design</a:t>
+            </a:r>
+            <a:endParaRPr kumimoji="0" lang="fr-FR" sz="1200" i="0" u="none" strike="noStrike" kern="0" cap="none" spc="0" normalizeH="0" baseline="0" noProof="0" dirty="0" smtClean="0">
+              <a:ln>
+                <a:noFill/>
+              </a:ln>
+              <a:solidFill>
+                <a:schemeClr val="tx1">
+                  <a:lumMod val="50000"/>
+                  <a:lumOff val="50000"/>
+                </a:schemeClr>
+              </a:solidFill>
+              <a:effectLst/>
+              <a:uLnTx/>
+              <a:uFillTx/>
+              <a:latin typeface="+mn-lt"/>
+              <a:ea typeface="+mn-ea"/>
+              <a:cs typeface="+mn-cs"/>
+            </a:endParaRPr>
+          </a:p>
+        </p:txBody>
+      </p:sp>
     </p:spTree>
     <p:extLst>
       <p:ext uri="{BB962C8B-B14F-4D97-AF65-F5344CB8AC3E}">
-        <p14:creationId xmlns:p14="http://schemas.microsoft.com/office/powerpoint/2007/7/12/main" val="4280331692"/>
+        <p14:creationId xmlns:p14="http://schemas.microsoft.com/office/powerpoint/2007/7/12/main" xmlns="" val="4280331692"/>
       </p:ext>
     </p:extLst>
   </p:cSld>
@@ -11095,7 +13600,7 @@
   <p:timing>
     <p:tnLst>
       <p:par>
-        <p:cTn xmlns:p14="http://schemas.microsoft.com/office/powerpoint/2007/7/12/main" id="1" dur="indefinite" restart="never" nodeType="tmRoot"/>
+        <p:cTn id="1" dur="indefinite" restart="never" nodeType="tmRoot"/>
       </p:par>
     </p:tnLst>
   </p:timing>
@@ -11146,6 +13651,18 @@
               <a:rPr lang="fr-FR" dirty="0" err="1" smtClean="0"/>
               <a:t>attributes</a:t>
             </a:r>
+            <a:r>
+              <a:rPr lang="fr-FR" dirty="0" smtClean="0"/>
+              <a:t> (</a:t>
+            </a:r>
+            <a:r>
+              <a:rPr lang="fr-FR" dirty="0" err="1" smtClean="0"/>
+              <a:t>cont</a:t>
+            </a:r>
+            <a:r>
+              <a:rPr lang="fr-FR" dirty="0" smtClean="0"/>
+              <a:t>.)</a:t>
+            </a:r>
             <a:endParaRPr lang="fr-FR" dirty="0"/>
           </a:p>
         </p:txBody>
@@ -11181,7 +13698,7 @@
           <a:blip r:embed="rId2">
             <a:extLst>
               <a:ext uri="28A0092B-C50C-407e-A947-70E740481C1C">
-                <a14:useLocalDpi xmlns:a14="http://schemas.microsoft.com/office/drawing/2007/7/7/main" val="0"/>
+                <a14:useLocalDpi xmlns:a14="http://schemas.microsoft.com/office/drawing/2007/7/7/main" xmlns="" val="0"/>
               </a:ext>
             </a:extLst>
           </a:blip>
@@ -11201,7 +13718,7 @@
           <a:noFill/>
           <a:extLst>
             <a:ext uri="{909E8E84-426E-40dd-AFC4-6F175D3DCCD1}">
-              <a14:hiddenFill xmlns:a14="http://schemas.microsoft.com/office/drawing/2007/7/7/main">
+              <a14:hiddenFill xmlns:a14="http://schemas.microsoft.com/office/drawing/2007/7/7/main" xmlns="">
                 <a:solidFill>
                   <a:srgbClr xmlns:mc="http://schemas.openxmlformats.org/markup-compatibility/2006" val="FFFFFF" mc:Ignorable=""/>
                 </a:solidFill>
@@ -11210,10 +13727,504 @@
           </a:extLst>
         </p:spPr>
       </p:pic>
+      <p:sp>
+        <p:nvSpPr>
+          <p:cNvPr id="5" name="ZoneTexte 4"/>
+          <p:cNvSpPr txBox="1"/>
+          <p:nvPr/>
+        </p:nvSpPr>
+        <p:spPr>
+          <a:xfrm>
+            <a:off x="202736" y="0"/>
+            <a:ext cx="1654620" cy="276999"/>
+          </a:xfrm>
+          <a:prstGeom prst="rect">
+            <a:avLst/>
+          </a:prstGeom>
+          <a:noFill/>
+          <a:ln>
+            <a:noFill/>
+          </a:ln>
+        </p:spPr>
+        <p:txBody>
+          <a:bodyPr wrap="none" rtlCol="0">
+            <a:spAutoFit/>
+          </a:bodyPr>
+          <a:lstStyle/>
+          <a:p>
+            <a:pPr marL="0" marR="0" indent="0" algn="l" defTabSz="914400" rtl="0" eaLnBrk="1" fontAlgn="auto" latinLnBrk="0" hangingPunct="1">
+              <a:lnSpc>
+                <a:spcPct val="100000"/>
+              </a:lnSpc>
+              <a:spcBef>
+                <a:spcPct val="20000"/>
+              </a:spcBef>
+              <a:spcAft>
+                <a:spcPts val="0"/>
+              </a:spcAft>
+              <a:buClrTx/>
+              <a:buSzTx/>
+              <a:buFontTx/>
+              <a:buNone/>
+              <a:tabLst/>
+            </a:pPr>
+            <a:r>
+              <a:rPr kumimoji="0" lang="fr-FR" sz="1200" i="0" u="none" strike="noStrike" kern="0" cap="none" spc="0" normalizeH="0" baseline="0" noProof="0" dirty="0" err="1" smtClean="0">
+                <a:ln>
+                  <a:noFill/>
+                </a:ln>
+                <a:solidFill>
+                  <a:schemeClr val="tx1">
+                    <a:lumMod val="50000"/>
+                    <a:lumOff val="50000"/>
+                  </a:schemeClr>
+                </a:solidFill>
+                <a:effectLst/>
+                <a:uLnTx/>
+                <a:uFillTx/>
+                <a:latin typeface="+mn-lt"/>
+                <a:ea typeface="+mn-ea"/>
+                <a:cs typeface="+mn-cs"/>
+              </a:rPr>
+              <a:t>Problem</a:t>
+            </a:r>
+            <a:r>
+              <a:rPr kumimoji="0" lang="fr-FR" sz="1200" i="0" u="none" strike="noStrike" kern="0" cap="none" spc="0" normalizeH="0" baseline="0" noProof="0" dirty="0" smtClean="0">
+                <a:ln>
+                  <a:noFill/>
+                </a:ln>
+                <a:solidFill>
+                  <a:schemeClr val="tx1">
+                    <a:lumMod val="50000"/>
+                    <a:lumOff val="50000"/>
+                  </a:schemeClr>
+                </a:solidFill>
+                <a:effectLst/>
+                <a:uLnTx/>
+                <a:uFillTx/>
+                <a:latin typeface="+mn-lt"/>
+                <a:ea typeface="+mn-ea"/>
+                <a:cs typeface="+mn-cs"/>
+              </a:rPr>
+              <a:t> </a:t>
+            </a:r>
+            <a:r>
+              <a:rPr kumimoji="0" lang="fr-FR" sz="1200" i="0" u="none" strike="noStrike" kern="0" cap="none" spc="0" normalizeH="0" baseline="0" noProof="0" dirty="0" err="1" smtClean="0">
+                <a:ln>
+                  <a:noFill/>
+                </a:ln>
+                <a:solidFill>
+                  <a:schemeClr val="tx1">
+                    <a:lumMod val="50000"/>
+                    <a:lumOff val="50000"/>
+                  </a:schemeClr>
+                </a:solidFill>
+                <a:effectLst/>
+                <a:uLnTx/>
+                <a:uFillTx/>
+                <a:latin typeface="+mn-lt"/>
+                <a:ea typeface="+mn-ea"/>
+                <a:cs typeface="+mn-cs"/>
+              </a:rPr>
+              <a:t>understanding</a:t>
+            </a:r>
+            <a:endParaRPr kumimoji="0" lang="fr-FR" sz="1200" i="0" u="none" strike="noStrike" kern="0" cap="none" spc="0" normalizeH="0" baseline="0" noProof="0" dirty="0" smtClean="0">
+              <a:ln>
+                <a:noFill/>
+              </a:ln>
+              <a:solidFill>
+                <a:schemeClr val="tx1">
+                  <a:lumMod val="50000"/>
+                  <a:lumOff val="50000"/>
+                </a:schemeClr>
+              </a:solidFill>
+              <a:effectLst/>
+              <a:uLnTx/>
+              <a:uFillTx/>
+              <a:latin typeface="+mn-lt"/>
+              <a:ea typeface="+mn-ea"/>
+              <a:cs typeface="+mn-cs"/>
+            </a:endParaRPr>
+          </a:p>
+        </p:txBody>
+      </p:sp>
+      <p:sp>
+        <p:nvSpPr>
+          <p:cNvPr id="6" name="ZoneTexte 5"/>
+          <p:cNvSpPr txBox="1"/>
+          <p:nvPr/>
+        </p:nvSpPr>
+        <p:spPr>
+          <a:xfrm>
+            <a:off x="2248093" y="0"/>
+            <a:ext cx="1752403" cy="276999"/>
+          </a:xfrm>
+          <a:prstGeom prst="rect">
+            <a:avLst/>
+          </a:prstGeom>
+          <a:noFill/>
+          <a:ln>
+            <a:noFill/>
+          </a:ln>
+        </p:spPr>
+        <p:txBody>
+          <a:bodyPr wrap="none" rtlCol="0">
+            <a:spAutoFit/>
+          </a:bodyPr>
+          <a:lstStyle/>
+          <a:p>
+            <a:pPr marL="0" marR="0" indent="0" algn="l" defTabSz="914400" rtl="0" eaLnBrk="1" fontAlgn="auto" latinLnBrk="0" hangingPunct="1">
+              <a:lnSpc>
+                <a:spcPct val="100000"/>
+              </a:lnSpc>
+              <a:spcBef>
+                <a:spcPct val="20000"/>
+              </a:spcBef>
+              <a:spcAft>
+                <a:spcPts val="0"/>
+              </a:spcAft>
+              <a:buClrTx/>
+              <a:buSzTx/>
+              <a:buFontTx/>
+              <a:buNone/>
+              <a:tabLst/>
+            </a:pPr>
+            <a:r>
+              <a:rPr kumimoji="0" lang="fr-FR" sz="1200" i="0" u="none" strike="noStrike" kern="0" cap="none" spc="0" normalizeH="0" baseline="0" noProof="0" dirty="0" err="1" smtClean="0">
+                <a:ln>
+                  <a:noFill/>
+                </a:ln>
+                <a:solidFill>
+                  <a:schemeClr val="tx1">
+                    <a:lumMod val="50000"/>
+                    <a:lumOff val="50000"/>
+                  </a:schemeClr>
+                </a:solidFill>
+                <a:effectLst/>
+                <a:uLnTx/>
+                <a:uFillTx/>
+                <a:latin typeface="+mn-lt"/>
+                <a:ea typeface="+mn-ea"/>
+                <a:cs typeface="+mn-cs"/>
+              </a:rPr>
+              <a:t>Functional</a:t>
+            </a:r>
+            <a:r>
+              <a:rPr kumimoji="0" lang="fr-FR" sz="1200" i="0" u="none" strike="noStrike" kern="0" cap="none" spc="0" normalizeH="0" baseline="0" noProof="0" dirty="0" smtClean="0">
+                <a:ln>
+                  <a:noFill/>
+                </a:ln>
+                <a:solidFill>
+                  <a:schemeClr val="tx1">
+                    <a:lumMod val="50000"/>
+                    <a:lumOff val="50000"/>
+                  </a:schemeClr>
+                </a:solidFill>
+                <a:effectLst/>
+                <a:uLnTx/>
+                <a:uFillTx/>
+                <a:latin typeface="+mn-lt"/>
+                <a:ea typeface="+mn-ea"/>
+                <a:cs typeface="+mn-cs"/>
+              </a:rPr>
+              <a:t> </a:t>
+            </a:r>
+            <a:r>
+              <a:rPr kumimoji="0" lang="fr-FR" sz="1200" i="0" u="none" strike="noStrike" kern="0" cap="none" spc="0" normalizeH="0" baseline="0" noProof="0" dirty="0" err="1" smtClean="0">
+                <a:ln>
+                  <a:noFill/>
+                </a:ln>
+                <a:solidFill>
+                  <a:schemeClr val="tx1">
+                    <a:lumMod val="50000"/>
+                    <a:lumOff val="50000"/>
+                  </a:schemeClr>
+                </a:solidFill>
+                <a:effectLst/>
+                <a:uLnTx/>
+                <a:uFillTx/>
+                <a:latin typeface="+mn-lt"/>
+                <a:ea typeface="+mn-ea"/>
+                <a:cs typeface="+mn-cs"/>
+              </a:rPr>
+              <a:t>Requirements</a:t>
+            </a:r>
+            <a:endParaRPr kumimoji="0" lang="fr-FR" sz="1200" i="0" u="none" strike="noStrike" kern="0" cap="none" spc="0" normalizeH="0" baseline="0" noProof="0" dirty="0" smtClean="0">
+              <a:ln>
+                <a:noFill/>
+              </a:ln>
+              <a:solidFill>
+                <a:schemeClr val="tx1">
+                  <a:lumMod val="50000"/>
+                  <a:lumOff val="50000"/>
+                </a:schemeClr>
+              </a:solidFill>
+              <a:effectLst/>
+              <a:uLnTx/>
+              <a:uFillTx/>
+              <a:latin typeface="+mn-lt"/>
+              <a:ea typeface="+mn-ea"/>
+              <a:cs typeface="+mn-cs"/>
+            </a:endParaRPr>
+          </a:p>
+        </p:txBody>
+      </p:sp>
+      <p:sp>
+        <p:nvSpPr>
+          <p:cNvPr id="7" name="ZoneTexte 6"/>
+          <p:cNvSpPr txBox="1"/>
+          <p:nvPr/>
+        </p:nvSpPr>
+        <p:spPr>
+          <a:xfrm>
+            <a:off x="4297771" y="0"/>
+            <a:ext cx="2106667" cy="276999"/>
+          </a:xfrm>
+          <a:prstGeom prst="rect">
+            <a:avLst/>
+          </a:prstGeom>
+          <a:noFill/>
+          <a:ln>
+            <a:noFill/>
+          </a:ln>
+        </p:spPr>
+        <p:txBody>
+          <a:bodyPr wrap="none" rtlCol="0">
+            <a:spAutoFit/>
+          </a:bodyPr>
+          <a:lstStyle/>
+          <a:p>
+            <a:pPr marL="0" marR="0" indent="0" algn="l" defTabSz="914400" rtl="0" eaLnBrk="1" fontAlgn="auto" latinLnBrk="0" hangingPunct="1">
+              <a:lnSpc>
+                <a:spcPct val="100000"/>
+              </a:lnSpc>
+              <a:spcBef>
+                <a:spcPct val="20000"/>
+              </a:spcBef>
+              <a:spcAft>
+                <a:spcPts val="0"/>
+              </a:spcAft>
+              <a:buClrTx/>
+              <a:buSzTx/>
+              <a:buFontTx/>
+              <a:buNone/>
+              <a:tabLst/>
+            </a:pPr>
+            <a:r>
+              <a:rPr kumimoji="0" lang="fr-FR" sz="1200" b="1" i="0" u="sng" strike="noStrike" kern="0" cap="none" spc="0" normalizeH="0" baseline="0" noProof="0" dirty="0" smtClean="0">
+                <a:ln>
+                  <a:noFill/>
+                </a:ln>
+                <a:effectLst/>
+                <a:uLnTx/>
+                <a:uFillTx/>
+                <a:latin typeface="+mn-lt"/>
+                <a:ea typeface="+mn-ea"/>
+                <a:cs typeface="+mn-cs"/>
+              </a:rPr>
+              <a:t>Non-</a:t>
+            </a:r>
+            <a:r>
+              <a:rPr kumimoji="0" lang="fr-FR" sz="1200" b="1" i="0" u="sng" strike="noStrike" kern="0" cap="none" spc="0" normalizeH="0" baseline="0" noProof="0" dirty="0" err="1" smtClean="0">
+                <a:ln>
+                  <a:noFill/>
+                </a:ln>
+                <a:effectLst/>
+                <a:uLnTx/>
+                <a:uFillTx/>
+                <a:latin typeface="+mn-lt"/>
+                <a:ea typeface="+mn-ea"/>
+                <a:cs typeface="+mn-cs"/>
+              </a:rPr>
+              <a:t>Functional</a:t>
+            </a:r>
+            <a:r>
+              <a:rPr kumimoji="0" lang="fr-FR" sz="1200" b="1" i="0" u="sng" strike="noStrike" kern="0" cap="none" spc="0" normalizeH="0" baseline="0" noProof="0" dirty="0" smtClean="0">
+                <a:ln>
+                  <a:noFill/>
+                </a:ln>
+                <a:effectLst/>
+                <a:uLnTx/>
+                <a:uFillTx/>
+                <a:latin typeface="+mn-lt"/>
+                <a:ea typeface="+mn-ea"/>
+                <a:cs typeface="+mn-cs"/>
+              </a:rPr>
+              <a:t> </a:t>
+            </a:r>
+            <a:r>
+              <a:rPr kumimoji="0" lang="fr-FR" sz="1200" b="1" i="0" u="sng" strike="noStrike" kern="0" cap="none" spc="0" normalizeH="0" baseline="0" noProof="0" dirty="0" err="1" smtClean="0">
+                <a:ln>
+                  <a:noFill/>
+                </a:ln>
+                <a:effectLst/>
+                <a:uLnTx/>
+                <a:uFillTx/>
+                <a:latin typeface="+mn-lt"/>
+                <a:ea typeface="+mn-ea"/>
+                <a:cs typeface="+mn-cs"/>
+              </a:rPr>
+              <a:t>Requirements</a:t>
+            </a:r>
+            <a:endParaRPr kumimoji="0" lang="fr-FR" sz="1200" b="1" i="0" u="sng" strike="noStrike" kern="0" cap="none" spc="0" normalizeH="0" baseline="0" noProof="0" dirty="0" smtClean="0">
+              <a:ln>
+                <a:noFill/>
+              </a:ln>
+              <a:effectLst/>
+              <a:uLnTx/>
+              <a:uFillTx/>
+              <a:latin typeface="+mn-lt"/>
+              <a:ea typeface="+mn-ea"/>
+              <a:cs typeface="+mn-cs"/>
+            </a:endParaRPr>
+          </a:p>
+        </p:txBody>
+      </p:sp>
+      <p:sp>
+        <p:nvSpPr>
+          <p:cNvPr id="8" name="ZoneTexte 7"/>
+          <p:cNvSpPr txBox="1"/>
+          <p:nvPr/>
+        </p:nvSpPr>
+        <p:spPr>
+          <a:xfrm>
+            <a:off x="6643702" y="0"/>
+            <a:ext cx="1859805" cy="276999"/>
+          </a:xfrm>
+          <a:prstGeom prst="rect">
+            <a:avLst/>
+          </a:prstGeom>
+          <a:noFill/>
+          <a:ln>
+            <a:noFill/>
+          </a:ln>
+        </p:spPr>
+        <p:txBody>
+          <a:bodyPr wrap="none" rtlCol="0">
+            <a:spAutoFit/>
+          </a:bodyPr>
+          <a:lstStyle/>
+          <a:p>
+            <a:pPr marL="0" marR="0" indent="0" algn="l" defTabSz="914400" rtl="0" eaLnBrk="1" fontAlgn="auto" latinLnBrk="0" hangingPunct="1">
+              <a:lnSpc>
+                <a:spcPct val="100000"/>
+              </a:lnSpc>
+              <a:spcBef>
+                <a:spcPct val="20000"/>
+              </a:spcBef>
+              <a:spcAft>
+                <a:spcPts val="0"/>
+              </a:spcAft>
+              <a:buClrTx/>
+              <a:buSzTx/>
+              <a:buFontTx/>
+              <a:buNone/>
+              <a:tabLst/>
+            </a:pPr>
+            <a:r>
+              <a:rPr kumimoji="0" lang="fr-FR" sz="1200" i="0" u="none" strike="noStrike" kern="0" cap="none" spc="0" normalizeH="0" baseline="0" noProof="0" dirty="0" err="1" smtClean="0">
+                <a:ln>
+                  <a:noFill/>
+                </a:ln>
+                <a:solidFill>
+                  <a:schemeClr val="tx1">
+                    <a:lumMod val="50000"/>
+                    <a:lumOff val="50000"/>
+                  </a:schemeClr>
+                </a:solidFill>
+                <a:effectLst/>
+                <a:uLnTx/>
+                <a:uFillTx/>
+                <a:latin typeface="+mn-lt"/>
+                <a:ea typeface="+mn-ea"/>
+                <a:cs typeface="+mn-cs"/>
+              </a:rPr>
+              <a:t>Usability</a:t>
+            </a:r>
+            <a:r>
+              <a:rPr kumimoji="0" lang="fr-FR" sz="1200" i="0" u="none" strike="noStrike" kern="0" cap="none" spc="0" normalizeH="0" baseline="0" noProof="0" dirty="0" smtClean="0">
+                <a:ln>
+                  <a:noFill/>
+                </a:ln>
+                <a:solidFill>
+                  <a:schemeClr val="tx1">
+                    <a:lumMod val="50000"/>
+                    <a:lumOff val="50000"/>
+                  </a:schemeClr>
+                </a:solidFill>
+                <a:effectLst/>
+                <a:uLnTx/>
+                <a:uFillTx/>
+                <a:latin typeface="+mn-lt"/>
+                <a:ea typeface="+mn-ea"/>
+                <a:cs typeface="+mn-cs"/>
+              </a:rPr>
+              <a:t> </a:t>
+            </a:r>
+            <a:r>
+              <a:rPr kumimoji="0" lang="fr-FR" sz="1200" i="0" u="none" strike="noStrike" kern="0" cap="none" spc="0" normalizeH="0" baseline="0" noProof="0" dirty="0" err="1" smtClean="0">
+                <a:ln>
+                  <a:noFill/>
+                </a:ln>
+                <a:solidFill>
+                  <a:schemeClr val="tx1">
+                    <a:lumMod val="50000"/>
+                    <a:lumOff val="50000"/>
+                  </a:schemeClr>
+                </a:solidFill>
+                <a:effectLst/>
+                <a:uLnTx/>
+                <a:uFillTx/>
+                <a:latin typeface="+mn-lt"/>
+                <a:ea typeface="+mn-ea"/>
+                <a:cs typeface="+mn-cs"/>
+              </a:rPr>
+              <a:t>Analysis</a:t>
+            </a:r>
+            <a:r>
+              <a:rPr kumimoji="0" lang="fr-FR" sz="1200" i="0" u="none" strike="noStrike" kern="0" cap="none" spc="0" normalizeH="0" noProof="0" dirty="0" smtClean="0">
+                <a:ln>
+                  <a:noFill/>
+                </a:ln>
+                <a:solidFill>
+                  <a:schemeClr val="tx1">
+                    <a:lumMod val="50000"/>
+                    <a:lumOff val="50000"/>
+                  </a:schemeClr>
+                </a:solidFill>
+                <a:effectLst/>
+                <a:uLnTx/>
+                <a:uFillTx/>
+                <a:latin typeface="+mn-lt"/>
+                <a:ea typeface="+mn-ea"/>
+                <a:cs typeface="+mn-cs"/>
+              </a:rPr>
+              <a:t> &amp; Design</a:t>
+            </a:r>
+            <a:endParaRPr kumimoji="0" lang="fr-FR" sz="1200" i="0" u="none" strike="noStrike" kern="0" cap="none" spc="0" normalizeH="0" baseline="0" noProof="0" dirty="0" smtClean="0">
+              <a:ln>
+                <a:noFill/>
+              </a:ln>
+              <a:solidFill>
+                <a:schemeClr val="tx1">
+                  <a:lumMod val="50000"/>
+                  <a:lumOff val="50000"/>
+                </a:schemeClr>
+              </a:solidFill>
+              <a:effectLst/>
+              <a:uLnTx/>
+              <a:uFillTx/>
+              <a:latin typeface="+mn-lt"/>
+              <a:ea typeface="+mn-ea"/>
+              <a:cs typeface="+mn-cs"/>
+            </a:endParaRPr>
+          </a:p>
+        </p:txBody>
+      </p:sp>
     </p:spTree>
     <p:extLst>
       <p:ext uri="{BB962C8B-B14F-4D97-AF65-F5344CB8AC3E}">
-        <p14:creationId xmlns:p14="http://schemas.microsoft.com/office/powerpoint/2007/7/12/main" val="315467668"/>
+        <p14:creationId xmlns:p14="http://schemas.microsoft.com/office/powerpoint/2007/7/12/main" xmlns="" val="315467668"/>
       </p:ext>
     </p:extLst>
   </p:cSld>
@@ -11223,7 +14234,7 @@
   <p:timing>
     <p:tnLst>
       <p:par>
-        <p:cTn xmlns:p14="http://schemas.microsoft.com/office/powerpoint/2007/7/12/main" id="1" dur="indefinite" restart="never" nodeType="tmRoot"/>
+        <p:cTn id="1" dur="indefinite" restart="never" nodeType="tmRoot"/>
       </p:par>
     </p:tnLst>
   </p:timing>
@@ -11352,16 +14363,16 @@
               <a:defRPr lang="fr-FR" sz="3600" b="0" cap="none" spc="0">
                 <a:ln w="18415" cmpd="sng">
                   <a:solidFill>
-                    <a:srgbClr xmlns:mc="http://schemas.openxmlformats.org/markup-compatibility/2006" xmlns:a14="http://schemas.microsoft.com/office/drawing/2007/7/7/main" val="FFFFFF" mc:Ignorable=""/>
+                    <a:srgbClr val="FFFFFF"/>
                   </a:solidFill>
                   <a:prstDash val="solid"/>
                 </a:ln>
                 <a:solidFill>
-                  <a:srgbClr xmlns:mc="http://schemas.openxmlformats.org/markup-compatibility/2006" xmlns:a14="http://schemas.microsoft.com/office/drawing/2007/7/7/main" val="FFFFFF" mc:Ignorable=""/>
+                  <a:srgbClr val="FFFFFF"/>
                 </a:solidFill>
                 <a:effectLst>
                   <a:outerShdw blurRad="63500" dir="3600000" algn="tl" rotWithShape="0">
-                    <a:srgbClr xmlns:mc="http://schemas.openxmlformats.org/markup-compatibility/2006" xmlns:a14="http://schemas.microsoft.com/office/drawing/2007/7/7/main" val="000000" mc:Ignorable="">
+                    <a:srgbClr val="000000">
                       <a:alpha val="70000"/>
                     </a:srgbClr>
                   </a:outerShdw>
@@ -11499,7 +14510,7 @@
           <a:p>
             <a:pPr indent="273050" eaLnBrk="1" hangingPunct="1">
               <a:buClr>
-                <a:srgbClr xmlns:mc="http://schemas.openxmlformats.org/markup-compatibility/2006" xmlns:a14="http://schemas.microsoft.com/office/drawing/2007/7/7/main" val="C44F00" mc:Ignorable=""/>
+                <a:srgbClr val="C44F00"/>
               </a:buClr>
               <a:buFont typeface="Calibri" pitchFamily="34" charset="0"/>
               <a:buAutoNum type="arabicPeriod"/>
@@ -11521,7 +14532,7 @@
           <a:p>
             <a:pPr indent="273050" eaLnBrk="1" hangingPunct="1">
               <a:buClr>
-                <a:srgbClr xmlns:mc="http://schemas.openxmlformats.org/markup-compatibility/2006" xmlns:a14="http://schemas.microsoft.com/office/drawing/2007/7/7/main" val="C44F00" mc:Ignorable=""/>
+                <a:srgbClr val="C44F00"/>
               </a:buClr>
               <a:buFont typeface="Calibri" pitchFamily="34" charset="0"/>
               <a:buAutoNum type="arabicPeriod"/>
@@ -11540,7 +14551,7 @@
           <a:p>
             <a:pPr indent="273050" eaLnBrk="1" hangingPunct="1">
               <a:buClr>
-                <a:srgbClr xmlns:mc="http://schemas.openxmlformats.org/markup-compatibility/2006" xmlns:a14="http://schemas.microsoft.com/office/drawing/2007/7/7/main" val="C44F00" mc:Ignorable=""/>
+                <a:srgbClr val="C44F00"/>
               </a:buClr>
               <a:buFont typeface="Calibri" pitchFamily="34" charset="0"/>
               <a:buAutoNum type="arabicPeriod"/>
@@ -11562,7 +14573,7 @@
           <a:p>
             <a:pPr indent="273050" eaLnBrk="1" hangingPunct="1">
               <a:buClr>
-                <a:srgbClr xmlns:mc="http://schemas.openxmlformats.org/markup-compatibility/2006" xmlns:a14="http://schemas.microsoft.com/office/drawing/2007/7/7/main" val="C44F00" mc:Ignorable=""/>
+                <a:srgbClr val="C44F00"/>
               </a:buClr>
               <a:buFont typeface="Calibri" pitchFamily="34" charset="0"/>
               <a:buAutoNum type="arabicPeriod"/>
@@ -11581,7 +14592,7 @@
           <a:p>
             <a:pPr indent="273050" eaLnBrk="1" hangingPunct="1">
               <a:buClr>
-                <a:srgbClr xmlns:mc="http://schemas.openxmlformats.org/markup-compatibility/2006" xmlns:a14="http://schemas.microsoft.com/office/drawing/2007/7/7/main" val="C44F00" mc:Ignorable=""/>
+                <a:srgbClr val="C44F00"/>
               </a:buClr>
               <a:buFont typeface="Calibri" pitchFamily="34" charset="0"/>
               <a:buAutoNum type="arabicPeriod"/>
@@ -11603,7 +14614,7 @@
           <a:p>
             <a:pPr indent="273050" eaLnBrk="1" hangingPunct="1">
               <a:buClr>
-                <a:srgbClr xmlns:mc="http://schemas.openxmlformats.org/markup-compatibility/2006" xmlns:a14="http://schemas.microsoft.com/office/drawing/2007/7/7/main" val="C44F00" mc:Ignorable=""/>
+                <a:srgbClr val="C44F00"/>
               </a:buClr>
               <a:buFont typeface="Calibri" pitchFamily="34" charset="0"/>
               <a:buAutoNum type="arabicPeriod"/>
@@ -11622,7 +14633,7 @@
           <a:p>
             <a:pPr indent="273050" eaLnBrk="1" hangingPunct="1">
               <a:buClr>
-                <a:srgbClr xmlns:mc="http://schemas.openxmlformats.org/markup-compatibility/2006" xmlns:a14="http://schemas.microsoft.com/office/drawing/2007/7/7/main" val="C44F00" mc:Ignorable=""/>
+                <a:srgbClr val="C44F00"/>
               </a:buClr>
               <a:buFont typeface="Calibri" pitchFamily="34" charset="0"/>
               <a:buAutoNum type="arabicPeriod"/>
@@ -11678,7 +14689,7 @@
             </a:avLst>
           </a:prstGeom>
           <a:solidFill>
-            <a:srgbClr xmlns:mc="http://schemas.openxmlformats.org/markup-compatibility/2006" xmlns:a14="http://schemas.microsoft.com/office/drawing/2007/7/7/main" val="FFFFFF" mc:Ignorable="">
+            <a:srgbClr val="FFFFFF">
               <a:shade val="85000"/>
             </a:srgbClr>
           </a:solidFill>
@@ -11698,7 +14709,7 @@
     </p:spTree>
     <p:extLst>
       <p:ext uri="{BB962C8B-B14F-4D97-AF65-F5344CB8AC3E}">
-        <p14:creationId xmlns:p14="http://schemas.microsoft.com/office/powerpoint/2007/7/12/main" val="1603447579"/>
+        <p14:creationId xmlns:p14="http://schemas.microsoft.com/office/powerpoint/2007/7/12/main" xmlns="" val="1603447579"/>
       </p:ext>
     </p:extLst>
   </p:cSld>
@@ -11708,7 +14719,7 @@
   <p:timing>
     <p:tnLst>
       <p:par>
-        <p:cTn xmlns:p14="http://schemas.microsoft.com/office/powerpoint/2007/7/12/main" id="1" dur="indefinite" restart="never" nodeType="tmRoot"/>
+        <p:cTn id="1" dur="indefinite" restart="never" nodeType="tmRoot"/>
       </p:par>
     </p:tnLst>
   </p:timing>
@@ -11995,7 +15006,7 @@
             </a:avLst>
           </a:prstGeom>
           <a:solidFill>
-            <a:srgbClr xmlns:mc="http://schemas.openxmlformats.org/markup-compatibility/2006" xmlns:a14="http://schemas.microsoft.com/office/drawing/2007/7/7/main" val="FFFFFF" mc:Ignorable="">
+            <a:srgbClr val="FFFFFF">
               <a:shade val="85000"/>
             </a:srgbClr>
           </a:solidFill>
@@ -12020,7 +15031,7 @@
   <p:timing>
     <p:tnLst>
       <p:par>
-        <p:cTn xmlns:p14="http://schemas.microsoft.com/office/powerpoint/2007/7/12/main" id="1" dur="indefinite" restart="never" nodeType="tmRoot"/>
+        <p:cTn id="1" dur="indefinite" restart="never" nodeType="tmRoot"/>
       </p:par>
     </p:tnLst>
   </p:timing>
@@ -12079,17 +15090,17 @@
           <a:blip r:embed="rId2">
             <a:clrChange>
               <a:clrFrom>
-                <a:srgbClr xmlns:mc="http://schemas.openxmlformats.org/markup-compatibility/2006" xmlns:a14="http://schemas.microsoft.com/office/drawing/2007/7/7/main" val="FFFFFF" mc:Ignorable=""/>
+                <a:srgbClr val="FFFFFF"/>
               </a:clrFrom>
               <a:clrTo>
-                <a:srgbClr xmlns:mc="http://schemas.openxmlformats.org/markup-compatibility/2006" xmlns:a14="http://schemas.microsoft.com/office/drawing/2007/7/7/main" val="FFFFFF" mc:Ignorable="">
+                <a:srgbClr val="FFFFFF">
                   <a:alpha val="0"/>
                 </a:srgbClr>
               </a:clrTo>
             </a:clrChange>
             <a:extLst>
               <a:ext uri="28A0092B-C50C-407e-A947-70E740481C1C">
-                <a14:useLocalDpi xmlns:a14="http://schemas.microsoft.com/office/drawing/2007/7/7/main" val="0"/>
+                <a14:useLocalDpi xmlns:a14="http://schemas.microsoft.com/office/drawing/2007/7/7/main" xmlns="" val="0"/>
               </a:ext>
             </a:extLst>
           </a:blip>
@@ -12107,7 +15118,7 @@
           <a:noFill/>
           <a:extLst>
             <a:ext uri="{909E8E84-426E-40dd-AFC4-6F175D3DCCD1}">
-              <a14:hiddenFill xmlns:a14="http://schemas.microsoft.com/office/drawing/2007/7/7/main">
+              <a14:hiddenFill xmlns:a14="http://schemas.microsoft.com/office/drawing/2007/7/7/main" xmlns="">
                 <a:solidFill>
                   <a:srgbClr xmlns:mc="http://schemas.openxmlformats.org/markup-compatibility/2006" val="FFFFFF" mc:Ignorable=""/>
                 </a:solidFill>
@@ -12216,7 +15227,7 @@
                 </a:solidFill>
                 <a:effectLst>
                   <a:outerShdw blurRad="38100" dist="38100" dir="2700000" algn="tl">
-                    <a:srgbClr xmlns:mc="http://schemas.openxmlformats.org/markup-compatibility/2006" xmlns:a14="http://schemas.microsoft.com/office/drawing/2007/7/7/main" val="000000" mc:Ignorable="">
+                    <a:srgbClr val="000000">
                       <a:alpha val="43137"/>
                     </a:srgbClr>
                   </a:outerShdw>
@@ -12235,7 +15246,7 @@
               </a:solidFill>
               <a:effectLst>
                 <a:outerShdw blurRad="38100" dist="38100" dir="2700000" algn="tl">
-                  <a:srgbClr xmlns:mc="http://schemas.openxmlformats.org/markup-compatibility/2006" xmlns:a14="http://schemas.microsoft.com/office/drawing/2007/7/7/main" val="000000" mc:Ignorable="">
+                  <a:srgbClr val="000000">
                     <a:alpha val="43137"/>
                   </a:srgbClr>
                 </a:outerShdw>
@@ -12348,7 +15359,7 @@
                 </a:solidFill>
                 <a:effectLst>
                   <a:outerShdw blurRad="38100" dist="38100" dir="2700000" algn="tl">
-                    <a:srgbClr xmlns:mc="http://schemas.openxmlformats.org/markup-compatibility/2006" xmlns:a14="http://schemas.microsoft.com/office/drawing/2007/7/7/main" val="000000" mc:Ignorable="">
+                    <a:srgbClr val="000000">
                       <a:alpha val="43137"/>
                     </a:srgbClr>
                   </a:outerShdw>
@@ -12367,7 +15378,7 @@
               </a:solidFill>
               <a:effectLst>
                 <a:outerShdw blurRad="38100" dist="38100" dir="2700000" algn="tl">
-                  <a:srgbClr xmlns:mc="http://schemas.openxmlformats.org/markup-compatibility/2006" xmlns:a14="http://schemas.microsoft.com/office/drawing/2007/7/7/main" val="000000" mc:Ignorable="">
+                  <a:srgbClr val="000000">
                     <a:alpha val="43137"/>
                   </a:srgbClr>
                 </a:outerShdw>
@@ -12480,7 +15491,7 @@
                 </a:solidFill>
                 <a:effectLst>
                   <a:outerShdw blurRad="38100" dist="38100" dir="2700000" algn="tl">
-                    <a:srgbClr xmlns:mc="http://schemas.openxmlformats.org/markup-compatibility/2006" xmlns:a14="http://schemas.microsoft.com/office/drawing/2007/7/7/main" val="000000" mc:Ignorable="">
+                    <a:srgbClr val="000000">
                       <a:alpha val="43137"/>
                     </a:srgbClr>
                   </a:outerShdw>
@@ -12499,7 +15510,7 @@
               </a:solidFill>
               <a:effectLst>
                 <a:outerShdw blurRad="38100" dist="38100" dir="2700000" algn="tl">
-                  <a:srgbClr xmlns:mc="http://schemas.openxmlformats.org/markup-compatibility/2006" xmlns:a14="http://schemas.microsoft.com/office/drawing/2007/7/7/main" val="000000" mc:Ignorable="">
+                  <a:srgbClr val="000000">
                     <a:alpha val="43137"/>
                   </a:srgbClr>
                 </a:outerShdw>
@@ -12512,10 +15523,504 @@
           </a:p>
         </p:txBody>
       </p:sp>
+      <p:sp>
+        <p:nvSpPr>
+          <p:cNvPr id="9" name="ZoneTexte 8"/>
+          <p:cNvSpPr txBox="1"/>
+          <p:nvPr/>
+        </p:nvSpPr>
+        <p:spPr>
+          <a:xfrm>
+            <a:off x="202736" y="0"/>
+            <a:ext cx="1654620" cy="276999"/>
+          </a:xfrm>
+          <a:prstGeom prst="rect">
+            <a:avLst/>
+          </a:prstGeom>
+          <a:noFill/>
+          <a:ln>
+            <a:noFill/>
+          </a:ln>
+        </p:spPr>
+        <p:txBody>
+          <a:bodyPr wrap="none" rtlCol="0">
+            <a:spAutoFit/>
+          </a:bodyPr>
+          <a:lstStyle/>
+          <a:p>
+            <a:pPr marL="0" marR="0" indent="0" algn="l" defTabSz="914400" rtl="0" eaLnBrk="1" fontAlgn="auto" latinLnBrk="0" hangingPunct="1">
+              <a:lnSpc>
+                <a:spcPct val="100000"/>
+              </a:lnSpc>
+              <a:spcBef>
+                <a:spcPct val="20000"/>
+              </a:spcBef>
+              <a:spcAft>
+                <a:spcPts val="0"/>
+              </a:spcAft>
+              <a:buClrTx/>
+              <a:buSzTx/>
+              <a:buFontTx/>
+              <a:buNone/>
+              <a:tabLst/>
+            </a:pPr>
+            <a:r>
+              <a:rPr kumimoji="0" lang="fr-FR" sz="1200" i="0" u="none" strike="noStrike" kern="0" cap="none" spc="0" normalizeH="0" baseline="0" noProof="0" dirty="0" err="1" smtClean="0">
+                <a:ln>
+                  <a:noFill/>
+                </a:ln>
+                <a:solidFill>
+                  <a:schemeClr val="tx1">
+                    <a:lumMod val="50000"/>
+                    <a:lumOff val="50000"/>
+                  </a:schemeClr>
+                </a:solidFill>
+                <a:effectLst/>
+                <a:uLnTx/>
+                <a:uFillTx/>
+                <a:latin typeface="+mn-lt"/>
+                <a:ea typeface="+mn-ea"/>
+                <a:cs typeface="+mn-cs"/>
+              </a:rPr>
+              <a:t>Problem</a:t>
+            </a:r>
+            <a:r>
+              <a:rPr kumimoji="0" lang="fr-FR" sz="1200" i="0" u="none" strike="noStrike" kern="0" cap="none" spc="0" normalizeH="0" baseline="0" noProof="0" dirty="0" smtClean="0">
+                <a:ln>
+                  <a:noFill/>
+                </a:ln>
+                <a:solidFill>
+                  <a:schemeClr val="tx1">
+                    <a:lumMod val="50000"/>
+                    <a:lumOff val="50000"/>
+                  </a:schemeClr>
+                </a:solidFill>
+                <a:effectLst/>
+                <a:uLnTx/>
+                <a:uFillTx/>
+                <a:latin typeface="+mn-lt"/>
+                <a:ea typeface="+mn-ea"/>
+                <a:cs typeface="+mn-cs"/>
+              </a:rPr>
+              <a:t> </a:t>
+            </a:r>
+            <a:r>
+              <a:rPr kumimoji="0" lang="fr-FR" sz="1200" i="0" u="none" strike="noStrike" kern="0" cap="none" spc="0" normalizeH="0" baseline="0" noProof="0" dirty="0" err="1" smtClean="0">
+                <a:ln>
+                  <a:noFill/>
+                </a:ln>
+                <a:solidFill>
+                  <a:schemeClr val="tx1">
+                    <a:lumMod val="50000"/>
+                    <a:lumOff val="50000"/>
+                  </a:schemeClr>
+                </a:solidFill>
+                <a:effectLst/>
+                <a:uLnTx/>
+                <a:uFillTx/>
+                <a:latin typeface="+mn-lt"/>
+                <a:ea typeface="+mn-ea"/>
+                <a:cs typeface="+mn-cs"/>
+              </a:rPr>
+              <a:t>understanding</a:t>
+            </a:r>
+            <a:endParaRPr kumimoji="0" lang="fr-FR" sz="1200" i="0" u="none" strike="noStrike" kern="0" cap="none" spc="0" normalizeH="0" baseline="0" noProof="0" dirty="0" smtClean="0">
+              <a:ln>
+                <a:noFill/>
+              </a:ln>
+              <a:solidFill>
+                <a:schemeClr val="tx1">
+                  <a:lumMod val="50000"/>
+                  <a:lumOff val="50000"/>
+                </a:schemeClr>
+              </a:solidFill>
+              <a:effectLst/>
+              <a:uLnTx/>
+              <a:uFillTx/>
+              <a:latin typeface="+mn-lt"/>
+              <a:ea typeface="+mn-ea"/>
+              <a:cs typeface="+mn-cs"/>
+            </a:endParaRPr>
+          </a:p>
+        </p:txBody>
+      </p:sp>
+      <p:sp>
+        <p:nvSpPr>
+          <p:cNvPr id="10" name="ZoneTexte 9"/>
+          <p:cNvSpPr txBox="1"/>
+          <p:nvPr/>
+        </p:nvSpPr>
+        <p:spPr>
+          <a:xfrm>
+            <a:off x="2248093" y="0"/>
+            <a:ext cx="1752403" cy="276999"/>
+          </a:xfrm>
+          <a:prstGeom prst="rect">
+            <a:avLst/>
+          </a:prstGeom>
+          <a:noFill/>
+          <a:ln>
+            <a:noFill/>
+          </a:ln>
+        </p:spPr>
+        <p:txBody>
+          <a:bodyPr wrap="none" rtlCol="0">
+            <a:spAutoFit/>
+          </a:bodyPr>
+          <a:lstStyle/>
+          <a:p>
+            <a:pPr marL="0" marR="0" indent="0" algn="l" defTabSz="914400" rtl="0" eaLnBrk="1" fontAlgn="auto" latinLnBrk="0" hangingPunct="1">
+              <a:lnSpc>
+                <a:spcPct val="100000"/>
+              </a:lnSpc>
+              <a:spcBef>
+                <a:spcPct val="20000"/>
+              </a:spcBef>
+              <a:spcAft>
+                <a:spcPts val="0"/>
+              </a:spcAft>
+              <a:buClrTx/>
+              <a:buSzTx/>
+              <a:buFontTx/>
+              <a:buNone/>
+              <a:tabLst/>
+            </a:pPr>
+            <a:r>
+              <a:rPr kumimoji="0" lang="fr-FR" sz="1200" i="0" u="none" strike="noStrike" kern="0" cap="none" spc="0" normalizeH="0" baseline="0" noProof="0" dirty="0" err="1" smtClean="0">
+                <a:ln>
+                  <a:noFill/>
+                </a:ln>
+                <a:solidFill>
+                  <a:schemeClr val="tx1">
+                    <a:lumMod val="50000"/>
+                    <a:lumOff val="50000"/>
+                  </a:schemeClr>
+                </a:solidFill>
+                <a:effectLst/>
+                <a:uLnTx/>
+                <a:uFillTx/>
+                <a:latin typeface="+mn-lt"/>
+                <a:ea typeface="+mn-ea"/>
+                <a:cs typeface="+mn-cs"/>
+              </a:rPr>
+              <a:t>Functional</a:t>
+            </a:r>
+            <a:r>
+              <a:rPr kumimoji="0" lang="fr-FR" sz="1200" i="0" u="none" strike="noStrike" kern="0" cap="none" spc="0" normalizeH="0" baseline="0" noProof="0" dirty="0" smtClean="0">
+                <a:ln>
+                  <a:noFill/>
+                </a:ln>
+                <a:solidFill>
+                  <a:schemeClr val="tx1">
+                    <a:lumMod val="50000"/>
+                    <a:lumOff val="50000"/>
+                  </a:schemeClr>
+                </a:solidFill>
+                <a:effectLst/>
+                <a:uLnTx/>
+                <a:uFillTx/>
+                <a:latin typeface="+mn-lt"/>
+                <a:ea typeface="+mn-ea"/>
+                <a:cs typeface="+mn-cs"/>
+              </a:rPr>
+              <a:t> </a:t>
+            </a:r>
+            <a:r>
+              <a:rPr kumimoji="0" lang="fr-FR" sz="1200" i="0" u="none" strike="noStrike" kern="0" cap="none" spc="0" normalizeH="0" baseline="0" noProof="0" dirty="0" err="1" smtClean="0">
+                <a:ln>
+                  <a:noFill/>
+                </a:ln>
+                <a:solidFill>
+                  <a:schemeClr val="tx1">
+                    <a:lumMod val="50000"/>
+                    <a:lumOff val="50000"/>
+                  </a:schemeClr>
+                </a:solidFill>
+                <a:effectLst/>
+                <a:uLnTx/>
+                <a:uFillTx/>
+                <a:latin typeface="+mn-lt"/>
+                <a:ea typeface="+mn-ea"/>
+                <a:cs typeface="+mn-cs"/>
+              </a:rPr>
+              <a:t>Requirements</a:t>
+            </a:r>
+            <a:endParaRPr kumimoji="0" lang="fr-FR" sz="1200" i="0" u="none" strike="noStrike" kern="0" cap="none" spc="0" normalizeH="0" baseline="0" noProof="0" dirty="0" smtClean="0">
+              <a:ln>
+                <a:noFill/>
+              </a:ln>
+              <a:solidFill>
+                <a:schemeClr val="tx1">
+                  <a:lumMod val="50000"/>
+                  <a:lumOff val="50000"/>
+                </a:schemeClr>
+              </a:solidFill>
+              <a:effectLst/>
+              <a:uLnTx/>
+              <a:uFillTx/>
+              <a:latin typeface="+mn-lt"/>
+              <a:ea typeface="+mn-ea"/>
+              <a:cs typeface="+mn-cs"/>
+            </a:endParaRPr>
+          </a:p>
+        </p:txBody>
+      </p:sp>
+      <p:sp>
+        <p:nvSpPr>
+          <p:cNvPr id="11" name="ZoneTexte 10"/>
+          <p:cNvSpPr txBox="1"/>
+          <p:nvPr/>
+        </p:nvSpPr>
+        <p:spPr>
+          <a:xfrm>
+            <a:off x="4297771" y="0"/>
+            <a:ext cx="2060179" cy="276999"/>
+          </a:xfrm>
+          <a:prstGeom prst="rect">
+            <a:avLst/>
+          </a:prstGeom>
+          <a:noFill/>
+          <a:ln>
+            <a:noFill/>
+          </a:ln>
+        </p:spPr>
+        <p:txBody>
+          <a:bodyPr wrap="none" rtlCol="0">
+            <a:spAutoFit/>
+          </a:bodyPr>
+          <a:lstStyle/>
+          <a:p>
+            <a:pPr marL="0" marR="0" indent="0" algn="l" defTabSz="914400" rtl="0" eaLnBrk="1" fontAlgn="auto" latinLnBrk="0" hangingPunct="1">
+              <a:lnSpc>
+                <a:spcPct val="100000"/>
+              </a:lnSpc>
+              <a:spcBef>
+                <a:spcPct val="20000"/>
+              </a:spcBef>
+              <a:spcAft>
+                <a:spcPts val="0"/>
+              </a:spcAft>
+              <a:buClrTx/>
+              <a:buSzTx/>
+              <a:buFontTx/>
+              <a:buNone/>
+              <a:tabLst/>
+            </a:pPr>
+            <a:r>
+              <a:rPr kumimoji="0" lang="fr-FR" sz="1200" i="0" u="none" strike="noStrike" kern="0" cap="none" spc="0" normalizeH="0" baseline="0" noProof="0" dirty="0" smtClean="0">
+                <a:ln>
+                  <a:noFill/>
+                </a:ln>
+                <a:solidFill>
+                  <a:schemeClr val="tx1">
+                    <a:lumMod val="50000"/>
+                    <a:lumOff val="50000"/>
+                  </a:schemeClr>
+                </a:solidFill>
+                <a:effectLst/>
+                <a:uLnTx/>
+                <a:uFillTx/>
+                <a:latin typeface="+mn-lt"/>
+                <a:ea typeface="+mn-ea"/>
+                <a:cs typeface="+mn-cs"/>
+              </a:rPr>
+              <a:t>Non-</a:t>
+            </a:r>
+            <a:r>
+              <a:rPr kumimoji="0" lang="fr-FR" sz="1200" i="0" u="none" strike="noStrike" kern="0" cap="none" spc="0" normalizeH="0" baseline="0" noProof="0" dirty="0" err="1" smtClean="0">
+                <a:ln>
+                  <a:noFill/>
+                </a:ln>
+                <a:solidFill>
+                  <a:schemeClr val="tx1">
+                    <a:lumMod val="50000"/>
+                    <a:lumOff val="50000"/>
+                  </a:schemeClr>
+                </a:solidFill>
+                <a:effectLst/>
+                <a:uLnTx/>
+                <a:uFillTx/>
+                <a:latin typeface="+mn-lt"/>
+                <a:ea typeface="+mn-ea"/>
+                <a:cs typeface="+mn-cs"/>
+              </a:rPr>
+              <a:t>Functional</a:t>
+            </a:r>
+            <a:r>
+              <a:rPr kumimoji="0" lang="fr-FR" sz="1200" i="0" u="none" strike="noStrike" kern="0" cap="none" spc="0" normalizeH="0" baseline="0" noProof="0" dirty="0" smtClean="0">
+                <a:ln>
+                  <a:noFill/>
+                </a:ln>
+                <a:solidFill>
+                  <a:schemeClr val="tx1">
+                    <a:lumMod val="50000"/>
+                    <a:lumOff val="50000"/>
+                  </a:schemeClr>
+                </a:solidFill>
+                <a:effectLst/>
+                <a:uLnTx/>
+                <a:uFillTx/>
+                <a:latin typeface="+mn-lt"/>
+                <a:ea typeface="+mn-ea"/>
+                <a:cs typeface="+mn-cs"/>
+              </a:rPr>
+              <a:t> </a:t>
+            </a:r>
+            <a:r>
+              <a:rPr kumimoji="0" lang="fr-FR" sz="1200" i="0" u="none" strike="noStrike" kern="0" cap="none" spc="0" normalizeH="0" baseline="0" noProof="0" dirty="0" err="1" smtClean="0">
+                <a:ln>
+                  <a:noFill/>
+                </a:ln>
+                <a:solidFill>
+                  <a:schemeClr val="tx1">
+                    <a:lumMod val="50000"/>
+                    <a:lumOff val="50000"/>
+                  </a:schemeClr>
+                </a:solidFill>
+                <a:effectLst/>
+                <a:uLnTx/>
+                <a:uFillTx/>
+                <a:latin typeface="+mn-lt"/>
+                <a:ea typeface="+mn-ea"/>
+                <a:cs typeface="+mn-cs"/>
+              </a:rPr>
+              <a:t>Requirements</a:t>
+            </a:r>
+            <a:endParaRPr kumimoji="0" lang="fr-FR" sz="1200" i="0" u="none" strike="noStrike" kern="0" cap="none" spc="0" normalizeH="0" baseline="0" noProof="0" dirty="0" smtClean="0">
+              <a:ln>
+                <a:noFill/>
+              </a:ln>
+              <a:solidFill>
+                <a:schemeClr val="tx1">
+                  <a:lumMod val="50000"/>
+                  <a:lumOff val="50000"/>
+                </a:schemeClr>
+              </a:solidFill>
+              <a:effectLst/>
+              <a:uLnTx/>
+              <a:uFillTx/>
+              <a:latin typeface="+mn-lt"/>
+              <a:ea typeface="+mn-ea"/>
+              <a:cs typeface="+mn-cs"/>
+            </a:endParaRPr>
+          </a:p>
+        </p:txBody>
+      </p:sp>
+      <p:sp>
+        <p:nvSpPr>
+          <p:cNvPr id="12" name="ZoneTexte 11"/>
+          <p:cNvSpPr txBox="1"/>
+          <p:nvPr/>
+        </p:nvSpPr>
+        <p:spPr>
+          <a:xfrm>
+            <a:off x="6643702" y="0"/>
+            <a:ext cx="1914307" cy="276999"/>
+          </a:xfrm>
+          <a:prstGeom prst="rect">
+            <a:avLst/>
+          </a:prstGeom>
+          <a:noFill/>
+          <a:ln>
+            <a:noFill/>
+          </a:ln>
+        </p:spPr>
+        <p:txBody>
+          <a:bodyPr wrap="none" rtlCol="0">
+            <a:spAutoFit/>
+          </a:bodyPr>
+          <a:lstStyle/>
+          <a:p>
+            <a:pPr marL="0" marR="0" indent="0" algn="l" defTabSz="914400" rtl="0" eaLnBrk="1" fontAlgn="auto" latinLnBrk="0" hangingPunct="1">
+              <a:lnSpc>
+                <a:spcPct val="100000"/>
+              </a:lnSpc>
+              <a:spcBef>
+                <a:spcPct val="20000"/>
+              </a:spcBef>
+              <a:spcAft>
+                <a:spcPts val="0"/>
+              </a:spcAft>
+              <a:buClrTx/>
+              <a:buSzTx/>
+              <a:buFontTx/>
+              <a:buNone/>
+              <a:tabLst/>
+            </a:pPr>
+            <a:r>
+              <a:rPr kumimoji="0" lang="fr-FR" sz="1200" b="1" i="0" u="sng" strike="noStrike" kern="0" cap="none" spc="0" normalizeH="0" baseline="0" noProof="0" dirty="0" err="1" smtClean="0">
+                <a:ln>
+                  <a:noFill/>
+                </a:ln>
+                <a:effectLst/>
+                <a:uLnTx/>
+                <a:uFillTx/>
+                <a:latin typeface="+mn-lt"/>
+                <a:ea typeface="+mn-ea"/>
+                <a:cs typeface="+mn-cs"/>
+              </a:rPr>
+              <a:t>Usability</a:t>
+            </a:r>
+            <a:r>
+              <a:rPr kumimoji="0" lang="fr-FR" sz="1200" b="1" i="0" u="sng" strike="noStrike" kern="0" cap="none" spc="0" normalizeH="0" baseline="0" noProof="0" dirty="0" smtClean="0">
+                <a:ln>
+                  <a:noFill/>
+                </a:ln>
+                <a:effectLst/>
+                <a:uLnTx/>
+                <a:uFillTx/>
+                <a:latin typeface="+mn-lt"/>
+                <a:ea typeface="+mn-ea"/>
+                <a:cs typeface="+mn-cs"/>
+              </a:rPr>
+              <a:t> </a:t>
+            </a:r>
+            <a:r>
+              <a:rPr kumimoji="0" lang="fr-FR" sz="1200" b="1" i="0" u="sng" strike="noStrike" kern="0" cap="none" spc="0" normalizeH="0" baseline="0" noProof="0" dirty="0" err="1" smtClean="0">
+                <a:ln>
+                  <a:noFill/>
+                </a:ln>
+                <a:effectLst/>
+                <a:uLnTx/>
+                <a:uFillTx/>
+                <a:latin typeface="+mn-lt"/>
+                <a:ea typeface="+mn-ea"/>
+                <a:cs typeface="+mn-cs"/>
+              </a:rPr>
+              <a:t>Analysis</a:t>
+            </a:r>
+            <a:r>
+              <a:rPr kumimoji="0" lang="fr-FR" sz="1200" b="1" i="0" u="sng" strike="noStrike" kern="0" cap="none" spc="0" normalizeH="0" noProof="0" dirty="0" smtClean="0">
+                <a:ln>
+                  <a:noFill/>
+                </a:ln>
+                <a:effectLst/>
+                <a:uLnTx/>
+                <a:uFillTx/>
+                <a:latin typeface="+mn-lt"/>
+                <a:ea typeface="+mn-ea"/>
+                <a:cs typeface="+mn-cs"/>
+              </a:rPr>
+              <a:t> &amp; Design</a:t>
+            </a:r>
+            <a:endParaRPr kumimoji="0" lang="fr-FR" sz="1200" b="1" i="0" u="sng" strike="noStrike" kern="0" cap="none" spc="0" normalizeH="0" baseline="0" noProof="0" dirty="0" smtClean="0">
+              <a:ln>
+                <a:noFill/>
+              </a:ln>
+              <a:effectLst/>
+              <a:uLnTx/>
+              <a:uFillTx/>
+              <a:latin typeface="+mn-lt"/>
+              <a:ea typeface="+mn-ea"/>
+              <a:cs typeface="+mn-cs"/>
+            </a:endParaRPr>
+          </a:p>
+        </p:txBody>
+      </p:sp>
     </p:spTree>
     <p:extLst>
       <p:ext uri="{BB962C8B-B14F-4D97-AF65-F5344CB8AC3E}">
-        <p14:creationId xmlns:p14="http://schemas.microsoft.com/office/powerpoint/2007/7/12/main" val="578897846"/>
+        <p14:creationId xmlns:p14="http://schemas.microsoft.com/office/powerpoint/2007/7/12/main" xmlns="" val="578897846"/>
       </p:ext>
     </p:extLst>
   </p:cSld>
@@ -12525,7 +16030,7 @@
   <p:timing>
     <p:tnLst>
       <p:par>
-        <p:cTn xmlns:p14="http://schemas.microsoft.com/office/powerpoint/2007/7/12/main" id="1" dur="indefinite" restart="never" nodeType="tmRoot"/>
+        <p:cTn id="1" dur="indefinite" restart="never" nodeType="tmRoot"/>
       </p:par>
     </p:tnLst>
   </p:timing>
@@ -12647,7 +16152,7 @@
           <a:blip r:embed="rId2">
             <a:extLst>
               <a:ext uri="28A0092B-C50C-407e-A947-70E740481C1C">
-                <a14:useLocalDpi xmlns:a14="http://schemas.microsoft.com/office/drawing/2007/7/7/main" val="0"/>
+                <a14:useLocalDpi xmlns:a14="http://schemas.microsoft.com/office/drawing/2007/7/7/main" xmlns="" val="0"/>
               </a:ext>
             </a:extLst>
           </a:blip>
@@ -12667,7 +16172,7 @@
           <a:noFill/>
           <a:extLst>
             <a:ext uri="{909E8E84-426E-40dd-AFC4-6F175D3DCCD1}">
-              <a14:hiddenFill xmlns:a14="http://schemas.microsoft.com/office/drawing/2007/7/7/main">
+              <a14:hiddenFill xmlns:a14="http://schemas.microsoft.com/office/drawing/2007/7/7/main" xmlns="">
                 <a:solidFill>
                   <a:srgbClr xmlns:mc="http://schemas.openxmlformats.org/markup-compatibility/2006" val="FFFFFF" mc:Ignorable=""/>
                 </a:solidFill>
@@ -12679,7 +16184,7 @@
     </p:spTree>
     <p:extLst>
       <p:ext uri="{BB962C8B-B14F-4D97-AF65-F5344CB8AC3E}">
-        <p14:creationId xmlns:p14="http://schemas.microsoft.com/office/powerpoint/2007/7/12/main" val="2278854831"/>
+        <p14:creationId xmlns:p14="http://schemas.microsoft.com/office/powerpoint/2007/7/12/main" xmlns="" val="2278854831"/>
       </p:ext>
     </p:extLst>
   </p:cSld>
@@ -12689,7 +16194,7 @@
   <p:timing>
     <p:tnLst>
       <p:par>
-        <p:cTn xmlns:p14="http://schemas.microsoft.com/office/powerpoint/2007/7/12/main" id="1" dur="indefinite" restart="never" nodeType="tmRoot"/>
+        <p:cTn id="1" dur="indefinite" restart="never" nodeType="tmRoot"/>
       </p:par>
     </p:tnLst>
   </p:timing>
@@ -12811,7 +16316,7 @@
           <a:blip r:embed="rId2">
             <a:extLst>
               <a:ext uri="28A0092B-C50C-407e-A947-70E740481C1C">
-                <a14:useLocalDpi xmlns:a14="http://schemas.microsoft.com/office/drawing/2007/7/7/main" val="0"/>
+                <a14:useLocalDpi xmlns:a14="http://schemas.microsoft.com/office/drawing/2007/7/7/main" xmlns="" val="0"/>
               </a:ext>
             </a:extLst>
           </a:blip>
@@ -12831,14 +16336,14 @@
           <a:noFill/>
           <a:extLst>
             <a:ext uri="{909E8E84-426E-40dd-AFC4-6F175D3DCCD1}">
-              <a14:hiddenFill xmlns:a14="http://schemas.microsoft.com/office/drawing/2007/7/7/main">
+              <a14:hiddenFill xmlns:a14="http://schemas.microsoft.com/office/drawing/2007/7/7/main" xmlns="">
                 <a:solidFill>
                   <a:srgbClr xmlns:mc="http://schemas.openxmlformats.org/markup-compatibility/2006" val="FFFFFF" mc:Ignorable=""/>
                 </a:solidFill>
               </a14:hiddenFill>
             </a:ext>
             <a:ext uri="{53640926-AAD7-44d8-BBD7-CCE9431645EC}">
-              <a14:shadowObscured xmlns:a14="http://schemas.microsoft.com/office/drawing/2007/7/7/main" val="1"/>
+              <a14:shadowObscured xmlns:a14="http://schemas.microsoft.com/office/drawing/2007/7/7/main" xmlns="" val="1"/>
             </a:ext>
           </a:extLst>
         </p:spPr>
@@ -12846,7 +16351,7 @@
     </p:spTree>
     <p:extLst>
       <p:ext uri="{BB962C8B-B14F-4D97-AF65-F5344CB8AC3E}">
-        <p14:creationId xmlns:p14="http://schemas.microsoft.com/office/powerpoint/2007/7/12/main" val="1829070041"/>
+        <p14:creationId xmlns:p14="http://schemas.microsoft.com/office/powerpoint/2007/7/12/main" xmlns="" val="1829070041"/>
       </p:ext>
     </p:extLst>
   </p:cSld>
@@ -12856,7 +16361,7 @@
   <p:timing>
     <p:tnLst>
       <p:par>
-        <p:cTn xmlns:p14="http://schemas.microsoft.com/office/powerpoint/2007/7/12/main" id="1" dur="indefinite" restart="never" nodeType="tmRoot"/>
+        <p:cTn id="1" dur="indefinite" restart="never" nodeType="tmRoot"/>
       </p:par>
     </p:tnLst>
   </p:timing>
@@ -12978,7 +16483,7 @@
           <a:blip r:embed="rId2">
             <a:extLst>
               <a:ext uri="28A0092B-C50C-407e-A947-70E740481C1C">
-                <a14:useLocalDpi xmlns:a14="http://schemas.microsoft.com/office/drawing/2007/7/7/main" val="0"/>
+                <a14:useLocalDpi xmlns:a14="http://schemas.microsoft.com/office/drawing/2007/7/7/main" xmlns="" val="0"/>
               </a:ext>
             </a:extLst>
           </a:blip>
@@ -12998,7 +16503,7 @@
           <a:noFill/>
           <a:extLst>
             <a:ext uri="{909E8E84-426E-40dd-AFC4-6F175D3DCCD1}">
-              <a14:hiddenFill xmlns:a14="http://schemas.microsoft.com/office/drawing/2007/7/7/main">
+              <a14:hiddenFill xmlns:a14="http://schemas.microsoft.com/office/drawing/2007/7/7/main" xmlns="">
                 <a:solidFill>
                   <a:srgbClr xmlns:mc="http://schemas.openxmlformats.org/markup-compatibility/2006" val="FFFFFF" mc:Ignorable=""/>
                 </a:solidFill>
@@ -13010,7 +16515,7 @@
     </p:spTree>
     <p:extLst>
       <p:ext uri="{BB962C8B-B14F-4D97-AF65-F5344CB8AC3E}">
-        <p14:creationId xmlns:p14="http://schemas.microsoft.com/office/powerpoint/2007/7/12/main" val="1829070041"/>
+        <p14:creationId xmlns:p14="http://schemas.microsoft.com/office/powerpoint/2007/7/12/main" xmlns="" val="1829070041"/>
       </p:ext>
     </p:extLst>
   </p:cSld>
@@ -13020,7 +16525,7 @@
   <p:timing>
     <p:tnLst>
       <p:par>
-        <p:cTn xmlns:p14="http://schemas.microsoft.com/office/powerpoint/2007/7/12/main" id="1" dur="indefinite" restart="never" nodeType="tmRoot"/>
+        <p:cTn id="1" dur="indefinite" restart="never" nodeType="tmRoot"/>
       </p:par>
     </p:tnLst>
   </p:timing>
@@ -13098,11 +16603,11 @@
             <a:r>
               <a:rPr lang="en-US" altLang="ko-KR" sz="4000" b="1" dirty="0" smtClean="0">
                 <a:solidFill>
-                  <a:srgbClr xmlns:mc="http://schemas.openxmlformats.org/markup-compatibility/2006" xmlns:a14="http://schemas.microsoft.com/office/drawing/2007/7/7/main" val="C44F00" mc:Ignorable=""/>
+                  <a:srgbClr val="C44F00"/>
                 </a:solidFill>
                 <a:effectLst>
                   <a:outerShdw blurRad="38100" dist="38100" dir="2700000" algn="tl">
-                    <a:srgbClr xmlns:mc="http://schemas.openxmlformats.org/markup-compatibility/2006" xmlns:a14="http://schemas.microsoft.com/office/drawing/2007/7/7/main" val="000000" mc:Ignorable="">
+                    <a:srgbClr val="000000">
                       <a:alpha val="43137"/>
                     </a:srgbClr>
                   </a:outerShdw>
@@ -13132,11 +16637,11 @@
             <a:r>
               <a:rPr lang="en-US" altLang="ko-KR" sz="4000" b="1" dirty="0">
                 <a:solidFill>
-                  <a:srgbClr xmlns:mc="http://schemas.openxmlformats.org/markup-compatibility/2006" xmlns:a14="http://schemas.microsoft.com/office/drawing/2007/7/7/main" val="C44F00" mc:Ignorable=""/>
+                  <a:srgbClr val="C44F00"/>
                 </a:solidFill>
                 <a:effectLst>
                   <a:outerShdw blurRad="38100" dist="38100" dir="2700000" algn="tl">
-                    <a:srgbClr xmlns:mc="http://schemas.openxmlformats.org/markup-compatibility/2006" xmlns:a14="http://schemas.microsoft.com/office/drawing/2007/7/7/main" val="000000" mc:Ignorable="">
+                    <a:srgbClr val="000000">
                       <a:alpha val="43137"/>
                     </a:srgbClr>
                   </a:outerShdw>
@@ -13148,11 +16653,11 @@
             <a:r>
               <a:rPr lang="en-US" altLang="ko-KR" sz="3200" b="1" dirty="0" smtClean="0">
                 <a:solidFill>
-                  <a:srgbClr xmlns:mc="http://schemas.openxmlformats.org/markup-compatibility/2006" xmlns:a14="http://schemas.microsoft.com/office/drawing/2007/7/7/main" val="C44F00" mc:Ignorable=""/>
+                  <a:srgbClr val="C44F00"/>
                 </a:solidFill>
                 <a:effectLst>
                   <a:outerShdw blurRad="38100" dist="38100" dir="2700000" algn="tl">
-                    <a:srgbClr xmlns:mc="http://schemas.openxmlformats.org/markup-compatibility/2006" xmlns:a14="http://schemas.microsoft.com/office/drawing/2007/7/7/main" val="000000" mc:Ignorable="">
+                    <a:srgbClr val="000000">
                       <a:alpha val="43137"/>
                     </a:srgbClr>
                   </a:outerShdw>
@@ -13176,11 +16681,11 @@
             <a:r>
               <a:rPr lang="en-US" altLang="ko-KR" sz="4000" b="1" dirty="0">
                 <a:solidFill>
-                  <a:srgbClr xmlns:mc="http://schemas.openxmlformats.org/markup-compatibility/2006" xmlns:a14="http://schemas.microsoft.com/office/drawing/2007/7/7/main" val="C44F00" mc:Ignorable=""/>
+                  <a:srgbClr val="C44F00"/>
                 </a:solidFill>
                 <a:effectLst>
                   <a:outerShdw blurRad="38100" dist="38100" dir="2700000" algn="tl">
-                    <a:srgbClr xmlns:mc="http://schemas.openxmlformats.org/markup-compatibility/2006" xmlns:a14="http://schemas.microsoft.com/office/drawing/2007/7/7/main" val="000000" mc:Ignorable="">
+                    <a:srgbClr val="000000">
                       <a:alpha val="43137"/>
                     </a:srgbClr>
                   </a:outerShdw>
@@ -13210,11 +16715,11 @@
             <a:r>
               <a:rPr lang="en-US" altLang="ko-KR" sz="4000" b="1" dirty="0">
                 <a:solidFill>
-                  <a:srgbClr xmlns:mc="http://schemas.openxmlformats.org/markup-compatibility/2006" xmlns:a14="http://schemas.microsoft.com/office/drawing/2007/7/7/main" val="C44F00" mc:Ignorable=""/>
+                  <a:srgbClr val="C44F00"/>
                 </a:solidFill>
                 <a:effectLst>
                   <a:outerShdw blurRad="38100" dist="38100" dir="2700000" algn="tl">
-                    <a:srgbClr xmlns:mc="http://schemas.openxmlformats.org/markup-compatibility/2006" xmlns:a14="http://schemas.microsoft.com/office/drawing/2007/7/7/main" val="000000" mc:Ignorable="">
+                    <a:srgbClr val="000000">
                       <a:alpha val="43137"/>
                     </a:srgbClr>
                   </a:outerShdw>
@@ -13241,11 +16746,11 @@
             <a:r>
               <a:rPr lang="en-US" altLang="ko-KR" sz="4000" b="1" dirty="0">
                 <a:solidFill>
-                  <a:srgbClr xmlns:mc="http://schemas.openxmlformats.org/markup-compatibility/2006" xmlns:a14="http://schemas.microsoft.com/office/drawing/2007/7/7/main" val="C44F00" mc:Ignorable=""/>
+                  <a:srgbClr val="C44F00"/>
                 </a:solidFill>
                 <a:effectLst>
                   <a:outerShdw blurRad="38100" dist="38100" dir="2700000" algn="tl">
-                    <a:srgbClr xmlns:mc="http://schemas.openxmlformats.org/markup-compatibility/2006" xmlns:a14="http://schemas.microsoft.com/office/drawing/2007/7/7/main" val="000000" mc:Ignorable="">
+                    <a:srgbClr val="000000">
                       <a:alpha val="43137"/>
                     </a:srgbClr>
                   </a:outerShdw>
@@ -13281,11 +16786,11 @@
             <a:r>
               <a:rPr lang="en-US" altLang="ko-KR" sz="4000" b="1" dirty="0">
                 <a:solidFill>
-                  <a:srgbClr xmlns:mc="http://schemas.openxmlformats.org/markup-compatibility/2006" xmlns:a14="http://schemas.microsoft.com/office/drawing/2007/7/7/main" val="C44F00" mc:Ignorable=""/>
+                  <a:srgbClr val="C44F00"/>
                 </a:solidFill>
                 <a:effectLst>
                   <a:outerShdw blurRad="38100" dist="38100" dir="2700000" algn="tl">
-                    <a:srgbClr xmlns:mc="http://schemas.openxmlformats.org/markup-compatibility/2006" xmlns:a14="http://schemas.microsoft.com/office/drawing/2007/7/7/main" val="000000" mc:Ignorable="">
+                    <a:srgbClr val="000000">
                       <a:alpha val="43137"/>
                     </a:srgbClr>
                   </a:outerShdw>
@@ -13318,11 +16823,11 @@
             <a:r>
               <a:rPr lang="en-US" altLang="ko-KR" sz="4000" b="1" dirty="0">
                 <a:solidFill>
-                  <a:srgbClr xmlns:mc="http://schemas.openxmlformats.org/markup-compatibility/2006" xmlns:a14="http://schemas.microsoft.com/office/drawing/2007/7/7/main" val="C44F00" mc:Ignorable=""/>
+                  <a:srgbClr val="C44F00"/>
                 </a:solidFill>
                 <a:effectLst>
                   <a:outerShdw blurRad="38100" dist="38100" dir="2700000" algn="tl">
-                    <a:srgbClr xmlns:mc="http://schemas.openxmlformats.org/markup-compatibility/2006" xmlns:a14="http://schemas.microsoft.com/office/drawing/2007/7/7/main" val="000000" mc:Ignorable="">
+                    <a:srgbClr val="000000">
                       <a:alpha val="43137"/>
                     </a:srgbClr>
                   </a:outerShdw>
@@ -13349,10 +16854,504 @@
           </a:p>
         </p:txBody>
       </p:sp>
+      <p:sp>
+        <p:nvSpPr>
+          <p:cNvPr id="5" name="ZoneTexte 4"/>
+          <p:cNvSpPr txBox="1"/>
+          <p:nvPr/>
+        </p:nvSpPr>
+        <p:spPr>
+          <a:xfrm>
+            <a:off x="202736" y="0"/>
+            <a:ext cx="1654620" cy="276999"/>
+          </a:xfrm>
+          <a:prstGeom prst="rect">
+            <a:avLst/>
+          </a:prstGeom>
+          <a:noFill/>
+          <a:ln>
+            <a:noFill/>
+          </a:ln>
+        </p:spPr>
+        <p:txBody>
+          <a:bodyPr wrap="none" rtlCol="0">
+            <a:spAutoFit/>
+          </a:bodyPr>
+          <a:lstStyle/>
+          <a:p>
+            <a:pPr marL="0" marR="0" indent="0" algn="l" defTabSz="914400" rtl="0" eaLnBrk="1" fontAlgn="auto" latinLnBrk="0" hangingPunct="1">
+              <a:lnSpc>
+                <a:spcPct val="100000"/>
+              </a:lnSpc>
+              <a:spcBef>
+                <a:spcPct val="20000"/>
+              </a:spcBef>
+              <a:spcAft>
+                <a:spcPts val="0"/>
+              </a:spcAft>
+              <a:buClrTx/>
+              <a:buSzTx/>
+              <a:buFontTx/>
+              <a:buNone/>
+              <a:tabLst/>
+            </a:pPr>
+            <a:r>
+              <a:rPr kumimoji="0" lang="fr-FR" sz="1200" i="0" u="none" strike="noStrike" kern="0" cap="none" spc="0" normalizeH="0" baseline="0" noProof="0" dirty="0" err="1" smtClean="0">
+                <a:ln>
+                  <a:noFill/>
+                </a:ln>
+                <a:solidFill>
+                  <a:schemeClr val="tx1">
+                    <a:lumMod val="50000"/>
+                    <a:lumOff val="50000"/>
+                  </a:schemeClr>
+                </a:solidFill>
+                <a:effectLst/>
+                <a:uLnTx/>
+                <a:uFillTx/>
+                <a:latin typeface="+mn-lt"/>
+                <a:ea typeface="+mn-ea"/>
+                <a:cs typeface="+mn-cs"/>
+              </a:rPr>
+              <a:t>Problem</a:t>
+            </a:r>
+            <a:r>
+              <a:rPr kumimoji="0" lang="fr-FR" sz="1200" i="0" u="none" strike="noStrike" kern="0" cap="none" spc="0" normalizeH="0" baseline="0" noProof="0" dirty="0" smtClean="0">
+                <a:ln>
+                  <a:noFill/>
+                </a:ln>
+                <a:solidFill>
+                  <a:schemeClr val="tx1">
+                    <a:lumMod val="50000"/>
+                    <a:lumOff val="50000"/>
+                  </a:schemeClr>
+                </a:solidFill>
+                <a:effectLst/>
+                <a:uLnTx/>
+                <a:uFillTx/>
+                <a:latin typeface="+mn-lt"/>
+                <a:ea typeface="+mn-ea"/>
+                <a:cs typeface="+mn-cs"/>
+              </a:rPr>
+              <a:t> </a:t>
+            </a:r>
+            <a:r>
+              <a:rPr kumimoji="0" lang="fr-FR" sz="1200" i="0" u="none" strike="noStrike" kern="0" cap="none" spc="0" normalizeH="0" baseline="0" noProof="0" dirty="0" err="1" smtClean="0">
+                <a:ln>
+                  <a:noFill/>
+                </a:ln>
+                <a:solidFill>
+                  <a:schemeClr val="tx1">
+                    <a:lumMod val="50000"/>
+                    <a:lumOff val="50000"/>
+                  </a:schemeClr>
+                </a:solidFill>
+                <a:effectLst/>
+                <a:uLnTx/>
+                <a:uFillTx/>
+                <a:latin typeface="+mn-lt"/>
+                <a:ea typeface="+mn-ea"/>
+                <a:cs typeface="+mn-cs"/>
+              </a:rPr>
+              <a:t>understanding</a:t>
+            </a:r>
+            <a:endParaRPr kumimoji="0" lang="fr-FR" sz="1200" i="0" u="none" strike="noStrike" kern="0" cap="none" spc="0" normalizeH="0" baseline="0" noProof="0" dirty="0" smtClean="0">
+              <a:ln>
+                <a:noFill/>
+              </a:ln>
+              <a:solidFill>
+                <a:schemeClr val="tx1">
+                  <a:lumMod val="50000"/>
+                  <a:lumOff val="50000"/>
+                </a:schemeClr>
+              </a:solidFill>
+              <a:effectLst/>
+              <a:uLnTx/>
+              <a:uFillTx/>
+              <a:latin typeface="+mn-lt"/>
+              <a:ea typeface="+mn-ea"/>
+              <a:cs typeface="+mn-cs"/>
+            </a:endParaRPr>
+          </a:p>
+        </p:txBody>
+      </p:sp>
+      <p:sp>
+        <p:nvSpPr>
+          <p:cNvPr id="6" name="ZoneTexte 5"/>
+          <p:cNvSpPr txBox="1"/>
+          <p:nvPr/>
+        </p:nvSpPr>
+        <p:spPr>
+          <a:xfrm>
+            <a:off x="2248093" y="0"/>
+            <a:ext cx="1752403" cy="276999"/>
+          </a:xfrm>
+          <a:prstGeom prst="rect">
+            <a:avLst/>
+          </a:prstGeom>
+          <a:noFill/>
+          <a:ln>
+            <a:noFill/>
+          </a:ln>
+        </p:spPr>
+        <p:txBody>
+          <a:bodyPr wrap="none" rtlCol="0">
+            <a:spAutoFit/>
+          </a:bodyPr>
+          <a:lstStyle/>
+          <a:p>
+            <a:pPr marL="0" marR="0" indent="0" algn="l" defTabSz="914400" rtl="0" eaLnBrk="1" fontAlgn="auto" latinLnBrk="0" hangingPunct="1">
+              <a:lnSpc>
+                <a:spcPct val="100000"/>
+              </a:lnSpc>
+              <a:spcBef>
+                <a:spcPct val="20000"/>
+              </a:spcBef>
+              <a:spcAft>
+                <a:spcPts val="0"/>
+              </a:spcAft>
+              <a:buClrTx/>
+              <a:buSzTx/>
+              <a:buFontTx/>
+              <a:buNone/>
+              <a:tabLst/>
+            </a:pPr>
+            <a:r>
+              <a:rPr kumimoji="0" lang="fr-FR" sz="1200" i="0" u="none" strike="noStrike" kern="0" cap="none" spc="0" normalizeH="0" baseline="0" noProof="0" dirty="0" err="1" smtClean="0">
+                <a:ln>
+                  <a:noFill/>
+                </a:ln>
+                <a:solidFill>
+                  <a:schemeClr val="tx1">
+                    <a:lumMod val="50000"/>
+                    <a:lumOff val="50000"/>
+                  </a:schemeClr>
+                </a:solidFill>
+                <a:effectLst/>
+                <a:uLnTx/>
+                <a:uFillTx/>
+                <a:latin typeface="+mn-lt"/>
+                <a:ea typeface="+mn-ea"/>
+                <a:cs typeface="+mn-cs"/>
+              </a:rPr>
+              <a:t>Functional</a:t>
+            </a:r>
+            <a:r>
+              <a:rPr kumimoji="0" lang="fr-FR" sz="1200" i="0" u="none" strike="noStrike" kern="0" cap="none" spc="0" normalizeH="0" baseline="0" noProof="0" dirty="0" smtClean="0">
+                <a:ln>
+                  <a:noFill/>
+                </a:ln>
+                <a:solidFill>
+                  <a:schemeClr val="tx1">
+                    <a:lumMod val="50000"/>
+                    <a:lumOff val="50000"/>
+                  </a:schemeClr>
+                </a:solidFill>
+                <a:effectLst/>
+                <a:uLnTx/>
+                <a:uFillTx/>
+                <a:latin typeface="+mn-lt"/>
+                <a:ea typeface="+mn-ea"/>
+                <a:cs typeface="+mn-cs"/>
+              </a:rPr>
+              <a:t> </a:t>
+            </a:r>
+            <a:r>
+              <a:rPr kumimoji="0" lang="fr-FR" sz="1200" i="0" u="none" strike="noStrike" kern="0" cap="none" spc="0" normalizeH="0" baseline="0" noProof="0" dirty="0" err="1" smtClean="0">
+                <a:ln>
+                  <a:noFill/>
+                </a:ln>
+                <a:solidFill>
+                  <a:schemeClr val="tx1">
+                    <a:lumMod val="50000"/>
+                    <a:lumOff val="50000"/>
+                  </a:schemeClr>
+                </a:solidFill>
+                <a:effectLst/>
+                <a:uLnTx/>
+                <a:uFillTx/>
+                <a:latin typeface="+mn-lt"/>
+                <a:ea typeface="+mn-ea"/>
+                <a:cs typeface="+mn-cs"/>
+              </a:rPr>
+              <a:t>Requirements</a:t>
+            </a:r>
+            <a:endParaRPr kumimoji="0" lang="fr-FR" sz="1200" i="0" u="none" strike="noStrike" kern="0" cap="none" spc="0" normalizeH="0" baseline="0" noProof="0" dirty="0" smtClean="0">
+              <a:ln>
+                <a:noFill/>
+              </a:ln>
+              <a:solidFill>
+                <a:schemeClr val="tx1">
+                  <a:lumMod val="50000"/>
+                  <a:lumOff val="50000"/>
+                </a:schemeClr>
+              </a:solidFill>
+              <a:effectLst/>
+              <a:uLnTx/>
+              <a:uFillTx/>
+              <a:latin typeface="+mn-lt"/>
+              <a:ea typeface="+mn-ea"/>
+              <a:cs typeface="+mn-cs"/>
+            </a:endParaRPr>
+          </a:p>
+        </p:txBody>
+      </p:sp>
+      <p:sp>
+        <p:nvSpPr>
+          <p:cNvPr id="7" name="ZoneTexte 6"/>
+          <p:cNvSpPr txBox="1"/>
+          <p:nvPr/>
+        </p:nvSpPr>
+        <p:spPr>
+          <a:xfrm>
+            <a:off x="4297771" y="0"/>
+            <a:ext cx="2060179" cy="276999"/>
+          </a:xfrm>
+          <a:prstGeom prst="rect">
+            <a:avLst/>
+          </a:prstGeom>
+          <a:noFill/>
+          <a:ln>
+            <a:noFill/>
+          </a:ln>
+        </p:spPr>
+        <p:txBody>
+          <a:bodyPr wrap="none" rtlCol="0">
+            <a:spAutoFit/>
+          </a:bodyPr>
+          <a:lstStyle/>
+          <a:p>
+            <a:pPr marL="0" marR="0" indent="0" algn="l" defTabSz="914400" rtl="0" eaLnBrk="1" fontAlgn="auto" latinLnBrk="0" hangingPunct="1">
+              <a:lnSpc>
+                <a:spcPct val="100000"/>
+              </a:lnSpc>
+              <a:spcBef>
+                <a:spcPct val="20000"/>
+              </a:spcBef>
+              <a:spcAft>
+                <a:spcPts val="0"/>
+              </a:spcAft>
+              <a:buClrTx/>
+              <a:buSzTx/>
+              <a:buFontTx/>
+              <a:buNone/>
+              <a:tabLst/>
+            </a:pPr>
+            <a:r>
+              <a:rPr kumimoji="0" lang="fr-FR" sz="1200" i="0" u="none" strike="noStrike" kern="0" cap="none" spc="0" normalizeH="0" baseline="0" noProof="0" dirty="0" smtClean="0">
+                <a:ln>
+                  <a:noFill/>
+                </a:ln>
+                <a:solidFill>
+                  <a:schemeClr val="tx1">
+                    <a:lumMod val="50000"/>
+                    <a:lumOff val="50000"/>
+                  </a:schemeClr>
+                </a:solidFill>
+                <a:effectLst/>
+                <a:uLnTx/>
+                <a:uFillTx/>
+                <a:latin typeface="+mn-lt"/>
+                <a:ea typeface="+mn-ea"/>
+                <a:cs typeface="+mn-cs"/>
+              </a:rPr>
+              <a:t>Non-</a:t>
+            </a:r>
+            <a:r>
+              <a:rPr kumimoji="0" lang="fr-FR" sz="1200" i="0" u="none" strike="noStrike" kern="0" cap="none" spc="0" normalizeH="0" baseline="0" noProof="0" dirty="0" err="1" smtClean="0">
+                <a:ln>
+                  <a:noFill/>
+                </a:ln>
+                <a:solidFill>
+                  <a:schemeClr val="tx1">
+                    <a:lumMod val="50000"/>
+                    <a:lumOff val="50000"/>
+                  </a:schemeClr>
+                </a:solidFill>
+                <a:effectLst/>
+                <a:uLnTx/>
+                <a:uFillTx/>
+                <a:latin typeface="+mn-lt"/>
+                <a:ea typeface="+mn-ea"/>
+                <a:cs typeface="+mn-cs"/>
+              </a:rPr>
+              <a:t>Functional</a:t>
+            </a:r>
+            <a:r>
+              <a:rPr kumimoji="0" lang="fr-FR" sz="1200" i="0" u="none" strike="noStrike" kern="0" cap="none" spc="0" normalizeH="0" baseline="0" noProof="0" dirty="0" smtClean="0">
+                <a:ln>
+                  <a:noFill/>
+                </a:ln>
+                <a:solidFill>
+                  <a:schemeClr val="tx1">
+                    <a:lumMod val="50000"/>
+                    <a:lumOff val="50000"/>
+                  </a:schemeClr>
+                </a:solidFill>
+                <a:effectLst/>
+                <a:uLnTx/>
+                <a:uFillTx/>
+                <a:latin typeface="+mn-lt"/>
+                <a:ea typeface="+mn-ea"/>
+                <a:cs typeface="+mn-cs"/>
+              </a:rPr>
+              <a:t> </a:t>
+            </a:r>
+            <a:r>
+              <a:rPr kumimoji="0" lang="fr-FR" sz="1200" i="0" u="none" strike="noStrike" kern="0" cap="none" spc="0" normalizeH="0" baseline="0" noProof="0" dirty="0" err="1" smtClean="0">
+                <a:ln>
+                  <a:noFill/>
+                </a:ln>
+                <a:solidFill>
+                  <a:schemeClr val="tx1">
+                    <a:lumMod val="50000"/>
+                    <a:lumOff val="50000"/>
+                  </a:schemeClr>
+                </a:solidFill>
+                <a:effectLst/>
+                <a:uLnTx/>
+                <a:uFillTx/>
+                <a:latin typeface="+mn-lt"/>
+                <a:ea typeface="+mn-ea"/>
+                <a:cs typeface="+mn-cs"/>
+              </a:rPr>
+              <a:t>Requirements</a:t>
+            </a:r>
+            <a:endParaRPr kumimoji="0" lang="fr-FR" sz="1200" i="0" u="none" strike="noStrike" kern="0" cap="none" spc="0" normalizeH="0" baseline="0" noProof="0" dirty="0" smtClean="0">
+              <a:ln>
+                <a:noFill/>
+              </a:ln>
+              <a:solidFill>
+                <a:schemeClr val="tx1">
+                  <a:lumMod val="50000"/>
+                  <a:lumOff val="50000"/>
+                </a:schemeClr>
+              </a:solidFill>
+              <a:effectLst/>
+              <a:uLnTx/>
+              <a:uFillTx/>
+              <a:latin typeface="+mn-lt"/>
+              <a:ea typeface="+mn-ea"/>
+              <a:cs typeface="+mn-cs"/>
+            </a:endParaRPr>
+          </a:p>
+        </p:txBody>
+      </p:sp>
+      <p:sp>
+        <p:nvSpPr>
+          <p:cNvPr id="8" name="ZoneTexte 7"/>
+          <p:cNvSpPr txBox="1"/>
+          <p:nvPr/>
+        </p:nvSpPr>
+        <p:spPr>
+          <a:xfrm>
+            <a:off x="6643702" y="0"/>
+            <a:ext cx="1914307" cy="276999"/>
+          </a:xfrm>
+          <a:prstGeom prst="rect">
+            <a:avLst/>
+          </a:prstGeom>
+          <a:noFill/>
+          <a:ln>
+            <a:noFill/>
+          </a:ln>
+        </p:spPr>
+        <p:txBody>
+          <a:bodyPr wrap="none" rtlCol="0">
+            <a:spAutoFit/>
+          </a:bodyPr>
+          <a:lstStyle/>
+          <a:p>
+            <a:pPr marL="0" marR="0" indent="0" algn="l" defTabSz="914400" rtl="0" eaLnBrk="1" fontAlgn="auto" latinLnBrk="0" hangingPunct="1">
+              <a:lnSpc>
+                <a:spcPct val="100000"/>
+              </a:lnSpc>
+              <a:spcBef>
+                <a:spcPct val="20000"/>
+              </a:spcBef>
+              <a:spcAft>
+                <a:spcPts val="0"/>
+              </a:spcAft>
+              <a:buClrTx/>
+              <a:buSzTx/>
+              <a:buFontTx/>
+              <a:buNone/>
+              <a:tabLst/>
+            </a:pPr>
+            <a:r>
+              <a:rPr kumimoji="0" lang="fr-FR" sz="1200" b="1" i="0" u="sng" strike="noStrike" kern="0" cap="none" spc="0" normalizeH="0" baseline="0" noProof="0" dirty="0" err="1" smtClean="0">
+                <a:ln>
+                  <a:noFill/>
+                </a:ln>
+                <a:effectLst/>
+                <a:uLnTx/>
+                <a:uFillTx/>
+                <a:latin typeface="+mn-lt"/>
+                <a:ea typeface="+mn-ea"/>
+                <a:cs typeface="+mn-cs"/>
+              </a:rPr>
+              <a:t>Usability</a:t>
+            </a:r>
+            <a:r>
+              <a:rPr kumimoji="0" lang="fr-FR" sz="1200" b="1" i="0" u="sng" strike="noStrike" kern="0" cap="none" spc="0" normalizeH="0" baseline="0" noProof="0" dirty="0" smtClean="0">
+                <a:ln>
+                  <a:noFill/>
+                </a:ln>
+                <a:effectLst/>
+                <a:uLnTx/>
+                <a:uFillTx/>
+                <a:latin typeface="+mn-lt"/>
+                <a:ea typeface="+mn-ea"/>
+                <a:cs typeface="+mn-cs"/>
+              </a:rPr>
+              <a:t> </a:t>
+            </a:r>
+            <a:r>
+              <a:rPr kumimoji="0" lang="fr-FR" sz="1200" b="1" i="0" u="sng" strike="noStrike" kern="0" cap="none" spc="0" normalizeH="0" baseline="0" noProof="0" dirty="0" err="1" smtClean="0">
+                <a:ln>
+                  <a:noFill/>
+                </a:ln>
+                <a:effectLst/>
+                <a:uLnTx/>
+                <a:uFillTx/>
+                <a:latin typeface="+mn-lt"/>
+                <a:ea typeface="+mn-ea"/>
+                <a:cs typeface="+mn-cs"/>
+              </a:rPr>
+              <a:t>Analysis</a:t>
+            </a:r>
+            <a:r>
+              <a:rPr kumimoji="0" lang="fr-FR" sz="1200" b="1" i="0" u="sng" strike="noStrike" kern="0" cap="none" spc="0" normalizeH="0" noProof="0" dirty="0" smtClean="0">
+                <a:ln>
+                  <a:noFill/>
+                </a:ln>
+                <a:effectLst/>
+                <a:uLnTx/>
+                <a:uFillTx/>
+                <a:latin typeface="+mn-lt"/>
+                <a:ea typeface="+mn-ea"/>
+                <a:cs typeface="+mn-cs"/>
+              </a:rPr>
+              <a:t> &amp; Design</a:t>
+            </a:r>
+            <a:endParaRPr kumimoji="0" lang="fr-FR" sz="1200" b="1" i="0" u="sng" strike="noStrike" kern="0" cap="none" spc="0" normalizeH="0" baseline="0" noProof="0" dirty="0" smtClean="0">
+              <a:ln>
+                <a:noFill/>
+              </a:ln>
+              <a:effectLst/>
+              <a:uLnTx/>
+              <a:uFillTx/>
+              <a:latin typeface="+mn-lt"/>
+              <a:ea typeface="+mn-ea"/>
+              <a:cs typeface="+mn-cs"/>
+            </a:endParaRPr>
+          </a:p>
+        </p:txBody>
+      </p:sp>
     </p:spTree>
     <p:extLst>
       <p:ext uri="{BB962C8B-B14F-4D97-AF65-F5344CB8AC3E}">
-        <p14:creationId xmlns:p14="http://schemas.microsoft.com/office/powerpoint/2007/7/12/main" val="1215991128"/>
+        <p14:creationId xmlns:p14="http://schemas.microsoft.com/office/powerpoint/2007/7/12/main" xmlns="" val="1215991128"/>
       </p:ext>
     </p:extLst>
   </p:cSld>
@@ -13362,7 +17361,7 @@
   <p:timing>
     <p:tnLst>
       <p:par>
-        <p:cTn xmlns:p14="http://schemas.microsoft.com/office/powerpoint/2007/7/12/main" id="1" dur="indefinite" restart="never" nodeType="tmRoot"/>
+        <p:cTn id="1" dur="indefinite" restart="never" nodeType="tmRoot"/>
       </p:par>
     </p:tnLst>
   </p:timing>
@@ -13401,6 +17400,155 @@
           <a:bodyPr/>
           <a:lstStyle/>
           <a:p>
+            <a:endParaRPr lang="fr-FR"/>
+          </a:p>
+        </p:txBody>
+      </p:sp>
+      <p:sp>
+        <p:nvSpPr>
+          <p:cNvPr id="3" name="Text Placeholder 2"/>
+          <p:cNvSpPr>
+            <a:spLocks noGrp="1"/>
+          </p:cNvSpPr>
+          <p:nvPr>
+            <p:ph type="body" sz="quarter" idx="10"/>
+          </p:nvPr>
+        </p:nvSpPr>
+        <p:spPr/>
+        <p:txBody>
+          <a:bodyPr/>
+          <a:lstStyle/>
+          <a:p>
+            <a:endParaRPr lang="fr-FR" dirty="0"/>
+          </a:p>
+        </p:txBody>
+      </p:sp>
+      <p:sp>
+        <p:nvSpPr>
+          <p:cNvPr id="5" name="Rectangle 4"/>
+          <p:cNvSpPr/>
+          <p:nvPr/>
+        </p:nvSpPr>
+        <p:spPr>
+          <a:xfrm>
+            <a:off x="0" y="0"/>
+            <a:ext cx="9144000" cy="6858000"/>
+          </a:xfrm>
+          <a:prstGeom prst="rect">
+            <a:avLst/>
+          </a:prstGeom>
+          <a:solidFill>
+            <a:schemeClr val="tx1"/>
+          </a:solidFill>
+          <a:ln>
+            <a:solidFill>
+              <a:schemeClr val="tx1"/>
+            </a:solidFill>
+          </a:ln>
+        </p:spPr>
+        <p:style>
+          <a:lnRef idx="2">
+            <a:schemeClr val="accent1">
+              <a:shade val="50000"/>
+            </a:schemeClr>
+          </a:lnRef>
+          <a:fillRef idx="1">
+            <a:schemeClr val="accent1"/>
+          </a:fillRef>
+          <a:effectRef idx="0">
+            <a:schemeClr val="accent1"/>
+          </a:effectRef>
+          <a:fontRef idx="minor">
+            <a:schemeClr val="lt1"/>
+          </a:fontRef>
+        </p:style>
+        <p:txBody>
+          <a:bodyPr rtlCol="0" anchor="ctr"/>
+          <a:lstStyle/>
+          <a:p>
+            <a:pPr algn="ctr"/>
+            <a:endParaRPr lang="fr-FR"/>
+          </a:p>
+        </p:txBody>
+      </p:sp>
+      <p:pic>
+        <p:nvPicPr>
+          <p:cNvPr id="6" name="Picture 2" descr="D:\Cours\554 - Design\Euroteam\Project 1\Part Final\Prototypes\screen2_Information_beforeBackup.jpg"/>
+          <p:cNvPicPr>
+            <a:picLocks noChangeAspect="1" noChangeArrowheads="1"/>
+          </p:cNvPicPr>
+          <p:nvPr/>
+        </p:nvPicPr>
+        <p:blipFill>
+          <a:blip r:embed="rId2"/>
+          <a:srcRect/>
+          <a:stretch>
+            <a:fillRect/>
+          </a:stretch>
+        </p:blipFill>
+        <p:spPr bwMode="auto">
+          <a:xfrm>
+            <a:off x="285720" y="0"/>
+            <a:ext cx="8568000" cy="6854400"/>
+          </a:xfrm>
+          <a:prstGeom prst="rect">
+            <a:avLst/>
+          </a:prstGeom>
+          <a:noFill/>
+        </p:spPr>
+      </p:pic>
+    </p:spTree>
+    <p:extLst>
+      <p:ext uri="{BB962C8B-B14F-4D97-AF65-F5344CB8AC3E}">
+        <p14:creationId xmlns:p14="http://schemas.microsoft.com/office/powerpoint/2007/7/12/main" xmlns="" val="1829070041"/>
+      </p:ext>
+    </p:extLst>
+  </p:cSld>
+  <p:clrMapOvr>
+    <a:masterClrMapping/>
+  </p:clrMapOvr>
+  <p:timing>
+    <p:tnLst>
+      <p:par>
+        <p:cTn id="1" dur="indefinite" restart="never" nodeType="tmRoot"/>
+      </p:par>
+    </p:tnLst>
+  </p:timing>
+</p:sld>
+</file>
+
+<file path=ppt/slides/slide26.xml><?xml version="1.0" encoding="utf-8"?>
+<p:sld xmlns:a="http://schemas.openxmlformats.org/drawingml/2006/main" xmlns:r="http://schemas.openxmlformats.org/officeDocument/2006/relationships" xmlns:p="http://schemas.openxmlformats.org/presentationml/2006/main">
+  <p:cSld>
+    <p:spTree>
+      <p:nvGrpSpPr>
+        <p:cNvPr id="1" name=""/>
+        <p:cNvGrpSpPr/>
+        <p:nvPr/>
+      </p:nvGrpSpPr>
+      <p:grpSpPr>
+        <a:xfrm>
+          <a:off x="0" y="0"/>
+          <a:ext cx="0" cy="0"/>
+          <a:chOff x="0" y="0"/>
+          <a:chExt cx="0" cy="0"/>
+        </a:xfrm>
+      </p:grpSpPr>
+      <p:sp>
+        <p:nvSpPr>
+          <p:cNvPr id="2" name="Title 1"/>
+          <p:cNvSpPr>
+            <a:spLocks noGrp="1"/>
+          </p:cNvSpPr>
+          <p:nvPr>
+            <p:ph type="ctrTitle"/>
+          </p:nvPr>
+        </p:nvSpPr>
+        <p:spPr/>
+        <p:txBody>
+          <a:bodyPr/>
+          <a:lstStyle/>
+          <a:p>
             <a:r>
               <a:rPr lang="fr-FR" dirty="0" smtClean="0"/>
               <a:t>conclusion</a:t>
@@ -13468,14 +17616,14 @@
           <p:nvPr>
             <p:extLst>
               <p:ext uri="{D42A27DB-BD31-4B8C-83A1-F6EECF244321}">
-                <p14:modId xmlns:p14="http://schemas.microsoft.com/office/powerpoint/2007/7/12/main" val="2631559223"/>
+                <p14:modId xmlns:p14="http://schemas.microsoft.com/office/powerpoint/2007/7/12/main" xmlns="" val="2631559223"/>
               </p:ext>
             </p:extLst>
           </p:nvPr>
         </p:nvGraphicFramePr>
         <p:xfrm>
-          <a:off x="1285852" y="1397000"/>
-          <a:ext cx="6096000" cy="4064000"/>
+          <a:off x="785786" y="1214422"/>
+          <a:ext cx="7917733" cy="5278489"/>
         </p:xfrm>
         <a:graphic>
           <a:graphicData uri="http://schemas.openxmlformats.org/drawingml/2006/diagram">
@@ -13486,7 +17634,7 @@
     </p:spTree>
     <p:extLst>
       <p:ext uri="{BB962C8B-B14F-4D97-AF65-F5344CB8AC3E}">
-        <p14:creationId xmlns:p14="http://schemas.microsoft.com/office/powerpoint/2007/7/12/main" val="454031538"/>
+        <p14:creationId xmlns:p14="http://schemas.microsoft.com/office/powerpoint/2007/7/12/main" xmlns="" val="454031538"/>
       </p:ext>
     </p:extLst>
   </p:cSld>
@@ -13496,14 +17644,14 @@
   <p:timing>
     <p:tnLst>
       <p:par>
-        <p:cTn xmlns:p14="http://schemas.microsoft.com/office/powerpoint/2007/7/12/main" id="1" dur="indefinite" restart="never" nodeType="tmRoot"/>
+        <p:cTn id="1" dur="indefinite" restart="never" nodeType="tmRoot"/>
       </p:par>
     </p:tnLst>
   </p:timing>
 </p:sld>
 </file>
 
-<file path=ppt/slides/slide26.xml><?xml version="1.0" encoding="utf-8"?>
+<file path=ppt/slides/slide27.xml><?xml version="1.0" encoding="utf-8"?>
 <p:sld xmlns:a="http://schemas.openxmlformats.org/drawingml/2006/main" xmlns:r="http://schemas.openxmlformats.org/officeDocument/2006/relationships" xmlns:p="http://schemas.openxmlformats.org/presentationml/2006/main">
   <p:cSld>
     <p:spTree>
@@ -13550,11 +17698,11 @@
             <a:r>
               <a:rPr altLang="ko-KR" smtClean="0">
                 <a:solidFill>
-                  <a:srgbClr xmlns:mc="http://schemas.openxmlformats.org/markup-compatibility/2006" xmlns:a14="http://schemas.microsoft.com/office/drawing/2007/7/7/main" val="C44F00" mc:Ignorable=""/>
+                  <a:srgbClr val="C44F00"/>
                 </a:solidFill>
                 <a:effectLst>
                   <a:outerShdw blurRad="38100" dist="38100" dir="2700000" algn="tl">
-                    <a:srgbClr xmlns:mc="http://schemas.openxmlformats.org/markup-compatibility/2006" xmlns:a14="http://schemas.microsoft.com/office/drawing/2007/7/7/main" val="C0C0C0" mc:Ignorable=""/>
+                    <a:srgbClr val="C0C0C0"/>
                   </a:outerShdw>
                 </a:effectLst>
                 <a:ea typeface="굴림" charset="-127"/>
@@ -13569,11 +17717,11 @@
             <a:r>
               <a:rPr altLang="ko-KR" smtClean="0">
                 <a:solidFill>
-                  <a:srgbClr xmlns:mc="http://schemas.openxmlformats.org/markup-compatibility/2006" xmlns:a14="http://schemas.microsoft.com/office/drawing/2007/7/7/main" val="595959" mc:Ignorable=""/>
+                  <a:srgbClr val="595959"/>
                 </a:solidFill>
                 <a:effectLst>
                   <a:outerShdw blurRad="38100" dist="38100" dir="2700000" algn="tl">
-                    <a:srgbClr xmlns:mc="http://schemas.openxmlformats.org/markup-compatibility/2006" xmlns:a14="http://schemas.microsoft.com/office/drawing/2007/7/7/main" val="C0C0C0" mc:Ignorable=""/>
+                    <a:srgbClr val="C0C0C0"/>
                   </a:outerShdw>
                 </a:effectLst>
                 <a:ea typeface="굴림" charset="-127"/>
@@ -13588,11 +17736,11 @@
             <a:r>
               <a:rPr altLang="ko-KR" smtClean="0">
                 <a:solidFill>
-                  <a:srgbClr xmlns:mc="http://schemas.openxmlformats.org/markup-compatibility/2006" xmlns:a14="http://schemas.microsoft.com/office/drawing/2007/7/7/main" val="595959" mc:Ignorable=""/>
+                  <a:srgbClr val="595959"/>
                 </a:solidFill>
                 <a:effectLst>
                   <a:outerShdw blurRad="38100" dist="38100" dir="2700000" algn="tl">
-                    <a:srgbClr xmlns:mc="http://schemas.openxmlformats.org/markup-compatibility/2006" xmlns:a14="http://schemas.microsoft.com/office/drawing/2007/7/7/main" val="C0C0C0" mc:Ignorable=""/>
+                    <a:srgbClr val="C0C0C0"/>
                   </a:outerShdw>
                 </a:effectLst>
                 <a:ea typeface="굴림" charset="-127"/>
@@ -13606,11 +17754,11 @@
             </a:pPr>
             <a:endParaRPr altLang="ko-KR" smtClean="0">
               <a:solidFill>
-                <a:srgbClr xmlns:mc="http://schemas.openxmlformats.org/markup-compatibility/2006" xmlns:a14="http://schemas.microsoft.com/office/drawing/2007/7/7/main" val="8F481E" mc:Ignorable=""/>
+                <a:srgbClr val="8F481E"/>
               </a:solidFill>
               <a:effectLst>
                 <a:outerShdw blurRad="38100" dist="38100" dir="2700000" algn="tl">
-                  <a:srgbClr xmlns:mc="http://schemas.openxmlformats.org/markup-compatibility/2006" xmlns:a14="http://schemas.microsoft.com/office/drawing/2007/7/7/main" val="C0C0C0" mc:Ignorable=""/>
+                  <a:srgbClr val="C0C0C0"/>
                 </a:outerShdw>
               </a:effectLst>
               <a:ea typeface="굴림" charset="-127"/>
@@ -13655,7 +17803,7 @@
                 </a:ln>
                 <a:effectLst>
                   <a:outerShdw blurRad="38100" dist="38100" dir="2700000" algn="tl">
-                    <a:srgbClr xmlns:mc="http://schemas.openxmlformats.org/markup-compatibility/2006" xmlns:a14="http://schemas.microsoft.com/office/drawing/2007/7/7/main" val="000000" mc:Ignorable="">
+                    <a:srgbClr val="000000">
                       <a:alpha val="43137"/>
                     </a:srgbClr>
                   </a:outerShdw>
@@ -13673,7 +17821,7 @@
                 </a:solidFill>
                 <a:effectLst>
                   <a:outerShdw blurRad="38100" dist="38100" dir="2700000" algn="tl">
-                    <a:srgbClr xmlns:mc="http://schemas.openxmlformats.org/markup-compatibility/2006" xmlns:a14="http://schemas.microsoft.com/office/drawing/2007/7/7/main" val="000000" mc:Ignorable="">
+                    <a:srgbClr val="000000">
                       <a:alpha val="43137"/>
                     </a:srgbClr>
                   </a:outerShdw>
@@ -13691,7 +17839,7 @@
                 </a:solidFill>
                 <a:effectLst>
                   <a:outerShdw blurRad="38100" dist="38100" dir="2700000" algn="tl">
-                    <a:srgbClr xmlns:mc="http://schemas.openxmlformats.org/markup-compatibility/2006" xmlns:a14="http://schemas.microsoft.com/office/drawing/2007/7/7/main" val="000000" mc:Ignorable="">
+                    <a:srgbClr val="000000">
                       <a:alpha val="43137"/>
                     </a:srgbClr>
                   </a:outerShdw>
@@ -13708,7 +17856,7 @@
                 </a:solidFill>
                 <a:effectLst>
                   <a:outerShdw blurRad="38100" dist="38100" dir="2700000" algn="tl">
-                    <a:srgbClr xmlns:mc="http://schemas.openxmlformats.org/markup-compatibility/2006" xmlns:a14="http://schemas.microsoft.com/office/drawing/2007/7/7/main" val="000000" mc:Ignorable="">
+                    <a:srgbClr val="000000">
                       <a:alpha val="43137"/>
                     </a:srgbClr>
                   </a:outerShdw>
@@ -13728,7 +17876,7 @@
                 </a:solidFill>
                 <a:effectLst>
                   <a:outerShdw blurRad="38100" dist="38100" dir="2700000" algn="tl">
-                    <a:srgbClr xmlns:mc="http://schemas.openxmlformats.org/markup-compatibility/2006" xmlns:a14="http://schemas.microsoft.com/office/drawing/2007/7/7/main" val="000000" mc:Ignorable="">
+                    <a:srgbClr val="000000">
                       <a:alpha val="43137"/>
                     </a:srgbClr>
                   </a:outerShdw>
@@ -13747,7 +17895,7 @@
               </a:solidFill>
               <a:effectLst>
                 <a:outerShdw blurRad="38100" dist="38100" dir="2700000" algn="tl">
-                  <a:srgbClr xmlns:mc="http://schemas.openxmlformats.org/markup-compatibility/2006" xmlns:a14="http://schemas.microsoft.com/office/drawing/2007/7/7/main" val="000000" mc:Ignorable="">
+                  <a:srgbClr val="000000">
                     <a:alpha val="43137"/>
                   </a:srgbClr>
                 </a:outerShdw>
@@ -13813,7 +17961,7 @@
             </a:avLst>
           </a:prstGeom>
           <a:solidFill>
-            <a:srgbClr xmlns:mc="http://schemas.openxmlformats.org/markup-compatibility/2006" xmlns:a14="http://schemas.microsoft.com/office/drawing/2007/7/7/main" val="FFFFFF" mc:Ignorable="">
+            <a:srgbClr val="FFFFFF">
               <a:shade val="85000"/>
             </a:srgbClr>
           </a:solidFill>
@@ -13863,7 +18011,7 @@
               <a:rPr lang="fr-FR" sz="2400" b="1" dirty="0" smtClean="0">
                 <a:effectLst>
                   <a:outerShdw blurRad="38100" dist="38100" dir="2700000" algn="tl">
-                    <a:srgbClr xmlns:mc="http://schemas.openxmlformats.org/markup-compatibility/2006" xmlns:a14="http://schemas.microsoft.com/office/drawing/2007/7/7/main" val="000000" mc:Ignorable="">
+                    <a:srgbClr val="000000">
                       <a:alpha val="43137"/>
                     </a:srgbClr>
                   </a:outerShdw>
@@ -13926,7 +18074,7 @@
             </a:avLst>
           </a:prstGeom>
           <a:solidFill>
-            <a:srgbClr xmlns:mc="http://schemas.openxmlformats.org/markup-compatibility/2006" xmlns:a14="http://schemas.microsoft.com/office/drawing/2007/7/7/main" val="FFFFFF" mc:Ignorable="">
+            <a:srgbClr val="FFFFFF">
               <a:shade val="85000"/>
             </a:srgbClr>
           </a:solidFill>
@@ -13951,14 +18099,14 @@
   <p:timing>
     <p:tnLst>
       <p:par>
-        <p:cTn xmlns:p14="http://schemas.microsoft.com/office/powerpoint/2007/7/12/main" id="1" dur="indefinite" restart="never" nodeType="tmRoot"/>
+        <p:cTn id="1" dur="indefinite" restart="never" nodeType="tmRoot"/>
       </p:par>
     </p:tnLst>
   </p:timing>
 </p:sld>
 </file>
 
-<file path=ppt/slides/slide27.xml><?xml version="1.0" encoding="utf-8"?>
+<file path=ppt/slides/slide28.xml><?xml version="1.0" encoding="utf-8"?>
 <p:sld xmlns:a="http://schemas.openxmlformats.org/drawingml/2006/main" xmlns:r="http://schemas.openxmlformats.org/officeDocument/2006/relationships" xmlns:p="http://schemas.openxmlformats.org/presentationml/2006/main">
   <p:cSld>
     <p:spTree>
@@ -14167,7 +18315,7 @@
   <p:timing>
     <p:tnLst>
       <p:par>
-        <p:cTn xmlns:p14="http://schemas.microsoft.com/office/powerpoint/2007/7/12/main" id="1" dur="indefinite" restart="never" nodeType="tmRoot"/>
+        <p:cTn id="1" dur="indefinite" restart="never" nodeType="tmRoot"/>
       </p:par>
     </p:tnLst>
   </p:timing>
@@ -14293,16 +18441,16 @@
               <a:defRPr lang="fr-FR" sz="3600" b="0" cap="none" spc="0">
                 <a:ln w="18415" cmpd="sng">
                   <a:solidFill>
-                    <a:srgbClr xmlns:mc="http://schemas.openxmlformats.org/markup-compatibility/2006" xmlns:a14="http://schemas.microsoft.com/office/drawing/2007/7/7/main" val="FFFFFF" mc:Ignorable=""/>
+                    <a:srgbClr val="FFFFFF"/>
                   </a:solidFill>
                   <a:prstDash val="solid"/>
                 </a:ln>
                 <a:solidFill>
-                  <a:srgbClr xmlns:mc="http://schemas.openxmlformats.org/markup-compatibility/2006" xmlns:a14="http://schemas.microsoft.com/office/drawing/2007/7/7/main" val="FFFFFF" mc:Ignorable=""/>
+                  <a:srgbClr val="FFFFFF"/>
                 </a:solidFill>
                 <a:effectLst>
                   <a:outerShdw blurRad="63500" dir="3600000" algn="tl" rotWithShape="0">
-                    <a:srgbClr xmlns:mc="http://schemas.openxmlformats.org/markup-compatibility/2006" xmlns:a14="http://schemas.microsoft.com/office/drawing/2007/7/7/main" val="000000" mc:Ignorable="">
+                    <a:srgbClr val="000000">
                       <a:alpha val="70000"/>
                     </a:srgbClr>
                   </a:outerShdw>
@@ -14440,7 +18588,7 @@
           <a:p>
             <a:pPr indent="273050" eaLnBrk="1" hangingPunct="1">
               <a:buClr>
-                <a:srgbClr xmlns:mc="http://schemas.openxmlformats.org/markup-compatibility/2006" xmlns:a14="http://schemas.microsoft.com/office/drawing/2007/7/7/main" val="C44F00" mc:Ignorable=""/>
+                <a:srgbClr val="C44F00"/>
               </a:buClr>
               <a:buFont typeface="Calibri" pitchFamily="34" charset="0"/>
               <a:buAutoNum type="arabicPeriod"/>
@@ -14462,7 +18610,7 @@
           <a:p>
             <a:pPr indent="273050" eaLnBrk="1" hangingPunct="1">
               <a:buClr>
-                <a:srgbClr xmlns:mc="http://schemas.openxmlformats.org/markup-compatibility/2006" xmlns:a14="http://schemas.microsoft.com/office/drawing/2007/7/7/main" val="C44F00" mc:Ignorable=""/>
+                <a:srgbClr val="C44F00"/>
               </a:buClr>
               <a:buFont typeface="Calibri" pitchFamily="34" charset="0"/>
               <a:buAutoNum type="arabicPeriod"/>
@@ -14481,7 +18629,7 @@
           <a:p>
             <a:pPr indent="273050" eaLnBrk="1" hangingPunct="1">
               <a:buClr>
-                <a:srgbClr xmlns:mc="http://schemas.openxmlformats.org/markup-compatibility/2006" xmlns:a14="http://schemas.microsoft.com/office/drawing/2007/7/7/main" val="C44F00" mc:Ignorable=""/>
+                <a:srgbClr val="C44F00"/>
               </a:buClr>
               <a:buFont typeface="Calibri" pitchFamily="34" charset="0"/>
               <a:buAutoNum type="arabicPeriod"/>
@@ -14503,7 +18651,7 @@
           <a:p>
             <a:pPr indent="273050" eaLnBrk="1" hangingPunct="1">
               <a:buClr>
-                <a:srgbClr xmlns:mc="http://schemas.openxmlformats.org/markup-compatibility/2006" xmlns:a14="http://schemas.microsoft.com/office/drawing/2007/7/7/main" val="C44F00" mc:Ignorable=""/>
+                <a:srgbClr val="C44F00"/>
               </a:buClr>
               <a:buFont typeface="Calibri" pitchFamily="34" charset="0"/>
               <a:buAutoNum type="arabicPeriod"/>
@@ -14522,7 +18670,7 @@
           <a:p>
             <a:pPr indent="273050" eaLnBrk="1" hangingPunct="1">
               <a:buClr>
-                <a:srgbClr xmlns:mc="http://schemas.openxmlformats.org/markup-compatibility/2006" xmlns:a14="http://schemas.microsoft.com/office/drawing/2007/7/7/main" val="C44F00" mc:Ignorable=""/>
+                <a:srgbClr val="C44F00"/>
               </a:buClr>
               <a:buFont typeface="Calibri" pitchFamily="34" charset="0"/>
               <a:buAutoNum type="arabicPeriod"/>
@@ -14544,7 +18692,7 @@
           <a:p>
             <a:pPr indent="273050" eaLnBrk="1" hangingPunct="1">
               <a:buClr>
-                <a:srgbClr xmlns:mc="http://schemas.openxmlformats.org/markup-compatibility/2006" xmlns:a14="http://schemas.microsoft.com/office/drawing/2007/7/7/main" val="C44F00" mc:Ignorable=""/>
+                <a:srgbClr val="C44F00"/>
               </a:buClr>
               <a:buFont typeface="Calibri" pitchFamily="34" charset="0"/>
               <a:buAutoNum type="arabicPeriod"/>
@@ -14563,7 +18711,7 @@
           <a:p>
             <a:pPr indent="273050" eaLnBrk="1" hangingPunct="1">
               <a:buClr>
-                <a:srgbClr xmlns:mc="http://schemas.openxmlformats.org/markup-compatibility/2006" xmlns:a14="http://schemas.microsoft.com/office/drawing/2007/7/7/main" val="C44F00" mc:Ignorable=""/>
+                <a:srgbClr val="C44F00"/>
               </a:buClr>
               <a:buFont typeface="Calibri" pitchFamily="34" charset="0"/>
               <a:buAutoNum type="arabicPeriod"/>
@@ -14619,7 +18767,7 @@
             </a:avLst>
           </a:prstGeom>
           <a:solidFill>
-            <a:srgbClr xmlns:mc="http://schemas.openxmlformats.org/markup-compatibility/2006" xmlns:a14="http://schemas.microsoft.com/office/drawing/2007/7/7/main" val="FFFFFF" mc:Ignorable="">
+            <a:srgbClr val="FFFFFF">
               <a:shade val="85000"/>
             </a:srgbClr>
           </a:solidFill>
@@ -14639,7 +18787,7 @@
     </p:spTree>
     <p:extLst>
       <p:ext uri="{BB962C8B-B14F-4D97-AF65-F5344CB8AC3E}">
-        <p14:creationId xmlns:p14="http://schemas.microsoft.com/office/powerpoint/2007/7/12/main" val="2996111515"/>
+        <p14:creationId xmlns:p14="http://schemas.microsoft.com/office/powerpoint/2007/7/12/main" xmlns="" val="2996111515"/>
       </p:ext>
     </p:extLst>
   </p:cSld>
@@ -14649,7 +18797,7 @@
   <p:timing>
     <p:tnLst>
       <p:par>
-        <p:cTn xmlns:p14="http://schemas.microsoft.com/office/powerpoint/2007/7/12/main" id="1" dur="indefinite" restart="never" nodeType="tmRoot"/>
+        <p:cTn id="1" dur="indefinite" restart="never" nodeType="tmRoot"/>
       </p:par>
     </p:tnLst>
   </p:timing>
@@ -14924,10 +19072,510 @@
           </a:p>
         </p:txBody>
       </p:sp>
+      <p:sp>
+        <p:nvSpPr>
+          <p:cNvPr id="6" name="ZoneTexte 5"/>
+          <p:cNvSpPr txBox="1"/>
+          <p:nvPr/>
+        </p:nvSpPr>
+        <p:spPr>
+          <a:xfrm>
+            <a:off x="202736" y="0"/>
+            <a:ext cx="1696298" cy="276999"/>
+          </a:xfrm>
+          <a:prstGeom prst="rect">
+            <a:avLst/>
+          </a:prstGeom>
+          <a:noFill/>
+          <a:ln>
+            <a:noFill/>
+          </a:ln>
+        </p:spPr>
+        <p:txBody>
+          <a:bodyPr wrap="none" rtlCol="0">
+            <a:spAutoFit/>
+          </a:bodyPr>
+          <a:lstStyle/>
+          <a:p>
+            <a:pPr marL="0" marR="0" indent="0" algn="l" defTabSz="914400" rtl="0" eaLnBrk="1" fontAlgn="auto" latinLnBrk="0" hangingPunct="1">
+              <a:lnSpc>
+                <a:spcPct val="100000"/>
+              </a:lnSpc>
+              <a:spcBef>
+                <a:spcPct val="20000"/>
+              </a:spcBef>
+              <a:spcAft>
+                <a:spcPts val="0"/>
+              </a:spcAft>
+              <a:buClrTx/>
+              <a:buSzTx/>
+              <a:buFontTx/>
+              <a:buNone/>
+              <a:tabLst/>
+            </a:pPr>
+            <a:r>
+              <a:rPr kumimoji="0" lang="fr-FR" sz="1200" b="1" i="0" u="sng" strike="noStrike" kern="0" cap="none" spc="0" normalizeH="0" baseline="0" noProof="0" dirty="0" err="1" smtClean="0">
+                <a:ln>
+                  <a:noFill/>
+                </a:ln>
+                <a:effectLst/>
+                <a:uLnTx/>
+                <a:uFillTx/>
+                <a:latin typeface="+mn-lt"/>
+                <a:ea typeface="+mn-ea"/>
+                <a:cs typeface="+mn-cs"/>
+              </a:rPr>
+              <a:t>Problem</a:t>
+            </a:r>
+            <a:r>
+              <a:rPr kumimoji="0" lang="fr-FR" sz="1200" b="1" i="0" u="sng" strike="noStrike" kern="0" cap="none" spc="0" normalizeH="0" baseline="0" noProof="0" dirty="0" smtClean="0">
+                <a:ln>
+                  <a:noFill/>
+                </a:ln>
+                <a:effectLst/>
+                <a:uLnTx/>
+                <a:uFillTx/>
+                <a:latin typeface="+mn-lt"/>
+                <a:ea typeface="+mn-ea"/>
+                <a:cs typeface="+mn-cs"/>
+              </a:rPr>
+              <a:t> </a:t>
+            </a:r>
+            <a:r>
+              <a:rPr kumimoji="0" lang="fr-FR" sz="1200" b="1" i="0" u="sng" strike="noStrike" kern="0" cap="none" spc="0" normalizeH="0" baseline="0" noProof="0" dirty="0" err="1" smtClean="0">
+                <a:ln>
+                  <a:noFill/>
+                </a:ln>
+                <a:effectLst/>
+                <a:uLnTx/>
+                <a:uFillTx/>
+                <a:latin typeface="+mn-lt"/>
+                <a:ea typeface="+mn-ea"/>
+                <a:cs typeface="+mn-cs"/>
+              </a:rPr>
+              <a:t>understanding</a:t>
+            </a:r>
+            <a:endParaRPr kumimoji="0" lang="fr-FR" sz="1200" b="1" i="0" u="sng" strike="noStrike" kern="0" cap="none" spc="0" normalizeH="0" baseline="0" noProof="0" dirty="0" smtClean="0">
+              <a:ln>
+                <a:noFill/>
+              </a:ln>
+              <a:effectLst/>
+              <a:uLnTx/>
+              <a:uFillTx/>
+              <a:latin typeface="+mn-lt"/>
+              <a:ea typeface="+mn-ea"/>
+              <a:cs typeface="+mn-cs"/>
+            </a:endParaRPr>
+          </a:p>
+        </p:txBody>
+      </p:sp>
+      <p:sp>
+        <p:nvSpPr>
+          <p:cNvPr id="7" name="ZoneTexte 6"/>
+          <p:cNvSpPr txBox="1"/>
+          <p:nvPr/>
+        </p:nvSpPr>
+        <p:spPr>
+          <a:xfrm>
+            <a:off x="2248093" y="0"/>
+            <a:ext cx="1752403" cy="276999"/>
+          </a:xfrm>
+          <a:prstGeom prst="rect">
+            <a:avLst/>
+          </a:prstGeom>
+          <a:noFill/>
+          <a:ln>
+            <a:noFill/>
+          </a:ln>
+        </p:spPr>
+        <p:txBody>
+          <a:bodyPr wrap="none" rtlCol="0">
+            <a:spAutoFit/>
+          </a:bodyPr>
+          <a:lstStyle/>
+          <a:p>
+            <a:pPr marL="0" marR="0" indent="0" algn="l" defTabSz="914400" rtl="0" eaLnBrk="1" fontAlgn="auto" latinLnBrk="0" hangingPunct="1">
+              <a:lnSpc>
+                <a:spcPct val="100000"/>
+              </a:lnSpc>
+              <a:spcBef>
+                <a:spcPct val="20000"/>
+              </a:spcBef>
+              <a:spcAft>
+                <a:spcPts val="0"/>
+              </a:spcAft>
+              <a:buClrTx/>
+              <a:buSzTx/>
+              <a:buFontTx/>
+              <a:buNone/>
+              <a:tabLst/>
+            </a:pPr>
+            <a:r>
+              <a:rPr kumimoji="0" lang="fr-FR" sz="1200" i="0" u="none" strike="noStrike" kern="0" cap="none" spc="0" normalizeH="0" baseline="0" noProof="0" dirty="0" err="1" smtClean="0">
+                <a:ln>
+                  <a:noFill/>
+                </a:ln>
+                <a:solidFill>
+                  <a:schemeClr val="tx1">
+                    <a:lumMod val="50000"/>
+                    <a:lumOff val="50000"/>
+                  </a:schemeClr>
+                </a:solidFill>
+                <a:effectLst/>
+                <a:uLnTx/>
+                <a:uFillTx/>
+                <a:latin typeface="+mn-lt"/>
+                <a:ea typeface="+mn-ea"/>
+                <a:cs typeface="+mn-cs"/>
+              </a:rPr>
+              <a:t>Functional</a:t>
+            </a:r>
+            <a:r>
+              <a:rPr kumimoji="0" lang="fr-FR" sz="1200" i="0" u="none" strike="noStrike" kern="0" cap="none" spc="0" normalizeH="0" baseline="0" noProof="0" dirty="0" smtClean="0">
+                <a:ln>
+                  <a:noFill/>
+                </a:ln>
+                <a:solidFill>
+                  <a:schemeClr val="tx1">
+                    <a:lumMod val="50000"/>
+                    <a:lumOff val="50000"/>
+                  </a:schemeClr>
+                </a:solidFill>
+                <a:effectLst/>
+                <a:uLnTx/>
+                <a:uFillTx/>
+                <a:latin typeface="+mn-lt"/>
+                <a:ea typeface="+mn-ea"/>
+                <a:cs typeface="+mn-cs"/>
+              </a:rPr>
+              <a:t> </a:t>
+            </a:r>
+            <a:r>
+              <a:rPr kumimoji="0" lang="fr-FR" sz="1200" i="0" u="none" strike="noStrike" kern="0" cap="none" spc="0" normalizeH="0" baseline="0" noProof="0" dirty="0" err="1" smtClean="0">
+                <a:ln>
+                  <a:noFill/>
+                </a:ln>
+                <a:solidFill>
+                  <a:schemeClr val="tx1">
+                    <a:lumMod val="50000"/>
+                    <a:lumOff val="50000"/>
+                  </a:schemeClr>
+                </a:solidFill>
+                <a:effectLst/>
+                <a:uLnTx/>
+                <a:uFillTx/>
+                <a:latin typeface="+mn-lt"/>
+                <a:ea typeface="+mn-ea"/>
+                <a:cs typeface="+mn-cs"/>
+              </a:rPr>
+              <a:t>Requirements</a:t>
+            </a:r>
+            <a:endParaRPr kumimoji="0" lang="fr-FR" sz="1200" i="0" u="none" strike="noStrike" kern="0" cap="none" spc="0" normalizeH="0" baseline="0" noProof="0" dirty="0" smtClean="0">
+              <a:ln>
+                <a:noFill/>
+              </a:ln>
+              <a:solidFill>
+                <a:schemeClr val="tx1">
+                  <a:lumMod val="50000"/>
+                  <a:lumOff val="50000"/>
+                </a:schemeClr>
+              </a:solidFill>
+              <a:effectLst/>
+              <a:uLnTx/>
+              <a:uFillTx/>
+              <a:latin typeface="+mn-lt"/>
+              <a:ea typeface="+mn-ea"/>
+              <a:cs typeface="+mn-cs"/>
+            </a:endParaRPr>
+          </a:p>
+        </p:txBody>
+      </p:sp>
+      <p:sp>
+        <p:nvSpPr>
+          <p:cNvPr id="8" name="ZoneTexte 7"/>
+          <p:cNvSpPr txBox="1"/>
+          <p:nvPr/>
+        </p:nvSpPr>
+        <p:spPr>
+          <a:xfrm>
+            <a:off x="4297771" y="0"/>
+            <a:ext cx="2060179" cy="276999"/>
+          </a:xfrm>
+          <a:prstGeom prst="rect">
+            <a:avLst/>
+          </a:prstGeom>
+          <a:noFill/>
+          <a:ln>
+            <a:noFill/>
+          </a:ln>
+        </p:spPr>
+        <p:txBody>
+          <a:bodyPr wrap="none" rtlCol="0">
+            <a:spAutoFit/>
+          </a:bodyPr>
+          <a:lstStyle/>
+          <a:p>
+            <a:pPr marL="0" marR="0" indent="0" algn="l" defTabSz="914400" rtl="0" eaLnBrk="1" fontAlgn="auto" latinLnBrk="0" hangingPunct="1">
+              <a:lnSpc>
+                <a:spcPct val="100000"/>
+              </a:lnSpc>
+              <a:spcBef>
+                <a:spcPct val="20000"/>
+              </a:spcBef>
+              <a:spcAft>
+                <a:spcPts val="0"/>
+              </a:spcAft>
+              <a:buClrTx/>
+              <a:buSzTx/>
+              <a:buFontTx/>
+              <a:buNone/>
+              <a:tabLst/>
+            </a:pPr>
+            <a:r>
+              <a:rPr kumimoji="0" lang="fr-FR" sz="1200" i="0" u="none" strike="noStrike" kern="0" cap="none" spc="0" normalizeH="0" baseline="0" noProof="0" dirty="0" smtClean="0">
+                <a:ln>
+                  <a:noFill/>
+                </a:ln>
+                <a:solidFill>
+                  <a:schemeClr val="tx1">
+                    <a:lumMod val="50000"/>
+                    <a:lumOff val="50000"/>
+                  </a:schemeClr>
+                </a:solidFill>
+                <a:effectLst/>
+                <a:uLnTx/>
+                <a:uFillTx/>
+                <a:latin typeface="+mn-lt"/>
+                <a:ea typeface="+mn-ea"/>
+                <a:cs typeface="+mn-cs"/>
+              </a:rPr>
+              <a:t>Non-</a:t>
+            </a:r>
+            <a:r>
+              <a:rPr kumimoji="0" lang="fr-FR" sz="1200" i="0" u="none" strike="noStrike" kern="0" cap="none" spc="0" normalizeH="0" baseline="0" noProof="0" dirty="0" err="1" smtClean="0">
+                <a:ln>
+                  <a:noFill/>
+                </a:ln>
+                <a:solidFill>
+                  <a:schemeClr val="tx1">
+                    <a:lumMod val="50000"/>
+                    <a:lumOff val="50000"/>
+                  </a:schemeClr>
+                </a:solidFill>
+                <a:effectLst/>
+                <a:uLnTx/>
+                <a:uFillTx/>
+                <a:latin typeface="+mn-lt"/>
+                <a:ea typeface="+mn-ea"/>
+                <a:cs typeface="+mn-cs"/>
+              </a:rPr>
+              <a:t>Functional</a:t>
+            </a:r>
+            <a:r>
+              <a:rPr kumimoji="0" lang="fr-FR" sz="1200" i="0" u="none" strike="noStrike" kern="0" cap="none" spc="0" normalizeH="0" baseline="0" noProof="0" dirty="0" smtClean="0">
+                <a:ln>
+                  <a:noFill/>
+                </a:ln>
+                <a:solidFill>
+                  <a:schemeClr val="tx1">
+                    <a:lumMod val="50000"/>
+                    <a:lumOff val="50000"/>
+                  </a:schemeClr>
+                </a:solidFill>
+                <a:effectLst/>
+                <a:uLnTx/>
+                <a:uFillTx/>
+                <a:latin typeface="+mn-lt"/>
+                <a:ea typeface="+mn-ea"/>
+                <a:cs typeface="+mn-cs"/>
+              </a:rPr>
+              <a:t> </a:t>
+            </a:r>
+            <a:r>
+              <a:rPr kumimoji="0" lang="fr-FR" sz="1200" i="0" u="none" strike="noStrike" kern="0" cap="none" spc="0" normalizeH="0" baseline="0" noProof="0" dirty="0" err="1" smtClean="0">
+                <a:ln>
+                  <a:noFill/>
+                </a:ln>
+                <a:solidFill>
+                  <a:schemeClr val="tx1">
+                    <a:lumMod val="50000"/>
+                    <a:lumOff val="50000"/>
+                  </a:schemeClr>
+                </a:solidFill>
+                <a:effectLst/>
+                <a:uLnTx/>
+                <a:uFillTx/>
+                <a:latin typeface="+mn-lt"/>
+                <a:ea typeface="+mn-ea"/>
+                <a:cs typeface="+mn-cs"/>
+              </a:rPr>
+              <a:t>Requirements</a:t>
+            </a:r>
+            <a:endParaRPr kumimoji="0" lang="fr-FR" sz="1200" i="0" u="none" strike="noStrike" kern="0" cap="none" spc="0" normalizeH="0" baseline="0" noProof="0" dirty="0" smtClean="0">
+              <a:ln>
+                <a:noFill/>
+              </a:ln>
+              <a:solidFill>
+                <a:schemeClr val="tx1">
+                  <a:lumMod val="50000"/>
+                  <a:lumOff val="50000"/>
+                </a:schemeClr>
+              </a:solidFill>
+              <a:effectLst/>
+              <a:uLnTx/>
+              <a:uFillTx/>
+              <a:latin typeface="+mn-lt"/>
+              <a:ea typeface="+mn-ea"/>
+              <a:cs typeface="+mn-cs"/>
+            </a:endParaRPr>
+          </a:p>
+        </p:txBody>
+      </p:sp>
+      <p:sp>
+        <p:nvSpPr>
+          <p:cNvPr id="9" name="ZoneTexte 8"/>
+          <p:cNvSpPr txBox="1"/>
+          <p:nvPr/>
+        </p:nvSpPr>
+        <p:spPr>
+          <a:xfrm>
+            <a:off x="6643702" y="0"/>
+            <a:ext cx="1859805" cy="276999"/>
+          </a:xfrm>
+          <a:prstGeom prst="rect">
+            <a:avLst/>
+          </a:prstGeom>
+          <a:noFill/>
+          <a:ln>
+            <a:noFill/>
+          </a:ln>
+        </p:spPr>
+        <p:txBody>
+          <a:bodyPr wrap="none" rtlCol="0">
+            <a:spAutoFit/>
+          </a:bodyPr>
+          <a:lstStyle/>
+          <a:p>
+            <a:pPr marL="0" marR="0" indent="0" algn="l" defTabSz="914400" rtl="0" eaLnBrk="1" fontAlgn="auto" latinLnBrk="0" hangingPunct="1">
+              <a:lnSpc>
+                <a:spcPct val="100000"/>
+              </a:lnSpc>
+              <a:spcBef>
+                <a:spcPct val="20000"/>
+              </a:spcBef>
+              <a:spcAft>
+                <a:spcPts val="0"/>
+              </a:spcAft>
+              <a:buClrTx/>
+              <a:buSzTx/>
+              <a:buFontTx/>
+              <a:buNone/>
+              <a:tabLst/>
+            </a:pPr>
+            <a:r>
+              <a:rPr kumimoji="0" lang="fr-FR" sz="1200" i="0" u="none" strike="noStrike" kern="0" cap="none" spc="0" normalizeH="0" baseline="0" noProof="0" dirty="0" err="1" smtClean="0">
+                <a:ln>
+                  <a:noFill/>
+                </a:ln>
+                <a:solidFill>
+                  <a:schemeClr val="tx1">
+                    <a:lumMod val="50000"/>
+                    <a:lumOff val="50000"/>
+                  </a:schemeClr>
+                </a:solidFill>
+                <a:effectLst/>
+                <a:uLnTx/>
+                <a:uFillTx/>
+                <a:latin typeface="+mn-lt"/>
+                <a:ea typeface="+mn-ea"/>
+                <a:cs typeface="+mn-cs"/>
+              </a:rPr>
+              <a:t>Usability</a:t>
+            </a:r>
+            <a:r>
+              <a:rPr kumimoji="0" lang="fr-FR" sz="1200" i="0" u="none" strike="noStrike" kern="0" cap="none" spc="0" normalizeH="0" baseline="0" noProof="0" dirty="0" smtClean="0">
+                <a:ln>
+                  <a:noFill/>
+                </a:ln>
+                <a:solidFill>
+                  <a:schemeClr val="tx1">
+                    <a:lumMod val="50000"/>
+                    <a:lumOff val="50000"/>
+                  </a:schemeClr>
+                </a:solidFill>
+                <a:effectLst/>
+                <a:uLnTx/>
+                <a:uFillTx/>
+                <a:latin typeface="+mn-lt"/>
+                <a:ea typeface="+mn-ea"/>
+                <a:cs typeface="+mn-cs"/>
+              </a:rPr>
+              <a:t> </a:t>
+            </a:r>
+            <a:r>
+              <a:rPr kumimoji="0" lang="fr-FR" sz="1200" i="0" u="none" strike="noStrike" kern="0" cap="none" spc="0" normalizeH="0" baseline="0" noProof="0" dirty="0" err="1" smtClean="0">
+                <a:ln>
+                  <a:noFill/>
+                </a:ln>
+                <a:solidFill>
+                  <a:schemeClr val="tx1">
+                    <a:lumMod val="50000"/>
+                    <a:lumOff val="50000"/>
+                  </a:schemeClr>
+                </a:solidFill>
+                <a:effectLst/>
+                <a:uLnTx/>
+                <a:uFillTx/>
+                <a:latin typeface="+mn-lt"/>
+                <a:ea typeface="+mn-ea"/>
+                <a:cs typeface="+mn-cs"/>
+              </a:rPr>
+              <a:t>Analysis</a:t>
+            </a:r>
+            <a:r>
+              <a:rPr kumimoji="0" lang="fr-FR" sz="1200" i="0" u="none" strike="noStrike" kern="0" cap="none" spc="0" normalizeH="0" noProof="0" dirty="0" smtClean="0">
+                <a:ln>
+                  <a:noFill/>
+                </a:ln>
+                <a:solidFill>
+                  <a:schemeClr val="tx1">
+                    <a:lumMod val="50000"/>
+                    <a:lumOff val="50000"/>
+                  </a:schemeClr>
+                </a:solidFill>
+                <a:effectLst/>
+                <a:uLnTx/>
+                <a:uFillTx/>
+                <a:latin typeface="+mn-lt"/>
+                <a:ea typeface="+mn-ea"/>
+                <a:cs typeface="+mn-cs"/>
+              </a:rPr>
+              <a:t> &amp; Design</a:t>
+            </a:r>
+            <a:endParaRPr kumimoji="0" lang="fr-FR" sz="1200" i="0" u="none" strike="noStrike" kern="0" cap="none" spc="0" normalizeH="0" baseline="0" noProof="0" dirty="0" smtClean="0">
+              <a:ln>
+                <a:noFill/>
+              </a:ln>
+              <a:solidFill>
+                <a:schemeClr val="tx1">
+                  <a:lumMod val="50000"/>
+                  <a:lumOff val="50000"/>
+                </a:schemeClr>
+              </a:solidFill>
+              <a:effectLst/>
+              <a:uLnTx/>
+              <a:uFillTx/>
+              <a:latin typeface="+mn-lt"/>
+              <a:ea typeface="+mn-ea"/>
+              <a:cs typeface="+mn-cs"/>
+            </a:endParaRPr>
+          </a:p>
+        </p:txBody>
+      </p:sp>
     </p:spTree>
     <p:extLst>
       <p:ext uri="{BB962C8B-B14F-4D97-AF65-F5344CB8AC3E}">
-        <p14:creationId xmlns:p14="http://schemas.microsoft.com/office/powerpoint/2007/7/12/main" val="3707259682"/>
+        <p14:creationId xmlns:p14="http://schemas.microsoft.com/office/powerpoint/2007/7/12/main" xmlns="" val="3707259682"/>
       </p:ext>
     </p:extLst>
   </p:cSld>
@@ -14937,7 +19585,7 @@
   <p:timing>
     <p:tnLst>
       <p:par>
-        <p:cTn xmlns:p14="http://schemas.microsoft.com/office/powerpoint/2007/7/12/main" id="1" dur="indefinite" restart="never" nodeType="tmRoot"/>
+        <p:cTn id="1" dur="indefinite" restart="never" nodeType="tmRoot"/>
       </p:par>
     </p:tnLst>
   </p:timing>
@@ -15197,7 +19845,7 @@
                 <a:spcPct val="0"/>
               </a:spcAft>
               <a:buClr>
-                <a:srgbClr xmlns:mc="http://schemas.openxmlformats.org/markup-compatibility/2006" xmlns:a14="http://schemas.microsoft.com/office/drawing/2007/7/7/main" val="DA7E18" mc:Ignorable=""/>
+                <a:srgbClr val="DA7E18"/>
               </a:buClr>
               <a:buSzPct val="70000"/>
               <a:buFont typeface="Wingdings" pitchFamily="2" charset="2"/>
@@ -15219,7 +19867,7 @@
                 <a:spcPct val="0"/>
               </a:spcAft>
               <a:buClr>
-                <a:srgbClr xmlns:mc="http://schemas.openxmlformats.org/markup-compatibility/2006" xmlns:a14="http://schemas.microsoft.com/office/drawing/2007/7/7/main" val="E5AB1B" mc:Ignorable=""/>
+                <a:srgbClr val="E5AB1B"/>
               </a:buClr>
               <a:buSzPct val="70000"/>
               <a:buFont typeface="Wingdings" pitchFamily="2" charset="2"/>
@@ -15601,7 +20249,7 @@
                 <a:spcPct val="0"/>
               </a:spcAft>
               <a:buClr>
-                <a:srgbClr xmlns:mc="http://schemas.openxmlformats.org/markup-compatibility/2006" xmlns:a14="http://schemas.microsoft.com/office/drawing/2007/7/7/main" val="DA7E18" mc:Ignorable=""/>
+                <a:srgbClr val="DA7E18"/>
               </a:buClr>
               <a:buSzPct val="70000"/>
               <a:buFont typeface="Wingdings" pitchFamily="2" charset="2"/>
@@ -15623,7 +20271,7 @@
                 <a:spcPct val="0"/>
               </a:spcAft>
               <a:buClr>
-                <a:srgbClr xmlns:mc="http://schemas.openxmlformats.org/markup-compatibility/2006" xmlns:a14="http://schemas.microsoft.com/office/drawing/2007/7/7/main" val="E5AB1B" mc:Ignorable=""/>
+                <a:srgbClr val="E5AB1B"/>
               </a:buClr>
               <a:buSzPct val="70000"/>
               <a:buFont typeface="Wingdings" pitchFamily="2" charset="2"/>
@@ -15821,7 +20469,7 @@
                 <a:spcPct val="0"/>
               </a:spcAft>
               <a:buClr>
-                <a:srgbClr xmlns:mc="http://schemas.openxmlformats.org/markup-compatibility/2006" xmlns:a14="http://schemas.microsoft.com/office/drawing/2007/7/7/main" val="DA7E18" mc:Ignorable=""/>
+                <a:srgbClr val="DA7E18"/>
               </a:buClr>
               <a:buSzPct val="70000"/>
               <a:buFont typeface="Wingdings" pitchFamily="2" charset="2"/>
@@ -15843,7 +20491,7 @@
                 <a:spcPct val="0"/>
               </a:spcAft>
               <a:buClr>
-                <a:srgbClr xmlns:mc="http://schemas.openxmlformats.org/markup-compatibility/2006" xmlns:a14="http://schemas.microsoft.com/office/drawing/2007/7/7/main" val="E5AB1B" mc:Ignorable=""/>
+                <a:srgbClr val="E5AB1B"/>
               </a:buClr>
               <a:buSzPct val="70000"/>
               <a:buFont typeface="Wingdings" pitchFamily="2" charset="2"/>
@@ -16041,7 +20689,7 @@
                 <a:spcPct val="0"/>
               </a:spcAft>
               <a:buClr>
-                <a:srgbClr xmlns:mc="http://schemas.openxmlformats.org/markup-compatibility/2006" xmlns:a14="http://schemas.microsoft.com/office/drawing/2007/7/7/main" val="DA7E18" mc:Ignorable=""/>
+                <a:srgbClr val="DA7E18"/>
               </a:buClr>
               <a:buSzPct val="70000"/>
               <a:buFont typeface="Wingdings" pitchFamily="2" charset="2"/>
@@ -16063,7 +20711,7 @@
                 <a:spcPct val="0"/>
               </a:spcAft>
               <a:buClr>
-                <a:srgbClr xmlns:mc="http://schemas.openxmlformats.org/markup-compatibility/2006" xmlns:a14="http://schemas.microsoft.com/office/drawing/2007/7/7/main" val="E5AB1B" mc:Ignorable=""/>
+                <a:srgbClr val="E5AB1B"/>
               </a:buClr>
               <a:buSzPct val="70000"/>
               <a:buFont typeface="Wingdings" pitchFamily="2" charset="2"/>
@@ -16256,7 +20904,7 @@
                 <a:spcPct val="0"/>
               </a:spcAft>
               <a:buClr>
-                <a:srgbClr xmlns:mc="http://schemas.openxmlformats.org/markup-compatibility/2006" xmlns:a14="http://schemas.microsoft.com/office/drawing/2007/7/7/main" val="DA7E18" mc:Ignorable=""/>
+                <a:srgbClr val="DA7E18"/>
               </a:buClr>
               <a:buSzPct val="70000"/>
               <a:buFont typeface="Wingdings" pitchFamily="2" charset="2"/>
@@ -16278,7 +20926,7 @@
                 <a:spcPct val="0"/>
               </a:spcAft>
               <a:buClr>
-                <a:srgbClr xmlns:mc="http://schemas.openxmlformats.org/markup-compatibility/2006" xmlns:a14="http://schemas.microsoft.com/office/drawing/2007/7/7/main" val="E5AB1B" mc:Ignorable=""/>
+                <a:srgbClr val="E5AB1B"/>
               </a:buClr>
               <a:buSzPct val="70000"/>
               <a:buFont typeface="Wingdings" pitchFamily="2" charset="2"/>
@@ -16455,7 +21103,7 @@
                 <a:spcPct val="0"/>
               </a:spcAft>
               <a:buClr>
-                <a:srgbClr xmlns:mc="http://schemas.openxmlformats.org/markup-compatibility/2006" xmlns:a14="http://schemas.microsoft.com/office/drawing/2007/7/7/main" val="DA7E18" mc:Ignorable=""/>
+                <a:srgbClr val="DA7E18"/>
               </a:buClr>
               <a:buSzPct val="70000"/>
               <a:buFont typeface="Wingdings" pitchFamily="2" charset="2"/>
@@ -16477,7 +21125,7 @@
                 <a:spcPct val="0"/>
               </a:spcAft>
               <a:buClr>
-                <a:srgbClr xmlns:mc="http://schemas.openxmlformats.org/markup-compatibility/2006" xmlns:a14="http://schemas.microsoft.com/office/drawing/2007/7/7/main" val="E5AB1B" mc:Ignorable=""/>
+                <a:srgbClr val="E5AB1B"/>
               </a:buClr>
               <a:buSzPct val="70000"/>
               <a:buFont typeface="Wingdings" pitchFamily="2" charset="2"/>
@@ -16613,10 +21261,510 @@
           </a:p>
         </p:txBody>
       </p:sp>
+      <p:sp>
+        <p:nvSpPr>
+          <p:cNvPr id="17" name="ZoneTexte 16"/>
+          <p:cNvSpPr txBox="1"/>
+          <p:nvPr/>
+        </p:nvSpPr>
+        <p:spPr>
+          <a:xfrm>
+            <a:off x="202736" y="0"/>
+            <a:ext cx="1696298" cy="276999"/>
+          </a:xfrm>
+          <a:prstGeom prst="rect">
+            <a:avLst/>
+          </a:prstGeom>
+          <a:noFill/>
+          <a:ln>
+            <a:noFill/>
+          </a:ln>
+        </p:spPr>
+        <p:txBody>
+          <a:bodyPr wrap="none" rtlCol="0">
+            <a:spAutoFit/>
+          </a:bodyPr>
+          <a:lstStyle/>
+          <a:p>
+            <a:pPr marL="0" marR="0" indent="0" algn="l" defTabSz="914400" rtl="0" eaLnBrk="1" fontAlgn="auto" latinLnBrk="0" hangingPunct="1">
+              <a:lnSpc>
+                <a:spcPct val="100000"/>
+              </a:lnSpc>
+              <a:spcBef>
+                <a:spcPct val="20000"/>
+              </a:spcBef>
+              <a:spcAft>
+                <a:spcPts val="0"/>
+              </a:spcAft>
+              <a:buClrTx/>
+              <a:buSzTx/>
+              <a:buFontTx/>
+              <a:buNone/>
+              <a:tabLst/>
+            </a:pPr>
+            <a:r>
+              <a:rPr kumimoji="0" lang="fr-FR" sz="1200" b="1" i="0" u="sng" strike="noStrike" kern="0" cap="none" spc="0" normalizeH="0" baseline="0" noProof="0" dirty="0" err="1" smtClean="0">
+                <a:ln>
+                  <a:noFill/>
+                </a:ln>
+                <a:effectLst/>
+                <a:uLnTx/>
+                <a:uFillTx/>
+                <a:latin typeface="+mn-lt"/>
+                <a:ea typeface="+mn-ea"/>
+                <a:cs typeface="+mn-cs"/>
+              </a:rPr>
+              <a:t>Problem</a:t>
+            </a:r>
+            <a:r>
+              <a:rPr kumimoji="0" lang="fr-FR" sz="1200" b="1" i="0" u="sng" strike="noStrike" kern="0" cap="none" spc="0" normalizeH="0" baseline="0" noProof="0" dirty="0" smtClean="0">
+                <a:ln>
+                  <a:noFill/>
+                </a:ln>
+                <a:effectLst/>
+                <a:uLnTx/>
+                <a:uFillTx/>
+                <a:latin typeface="+mn-lt"/>
+                <a:ea typeface="+mn-ea"/>
+                <a:cs typeface="+mn-cs"/>
+              </a:rPr>
+              <a:t> </a:t>
+            </a:r>
+            <a:r>
+              <a:rPr kumimoji="0" lang="fr-FR" sz="1200" b="1" i="0" u="sng" strike="noStrike" kern="0" cap="none" spc="0" normalizeH="0" baseline="0" noProof="0" dirty="0" err="1" smtClean="0">
+                <a:ln>
+                  <a:noFill/>
+                </a:ln>
+                <a:effectLst/>
+                <a:uLnTx/>
+                <a:uFillTx/>
+                <a:latin typeface="+mn-lt"/>
+                <a:ea typeface="+mn-ea"/>
+                <a:cs typeface="+mn-cs"/>
+              </a:rPr>
+              <a:t>understanding</a:t>
+            </a:r>
+            <a:endParaRPr kumimoji="0" lang="fr-FR" sz="1200" b="1" i="0" u="sng" strike="noStrike" kern="0" cap="none" spc="0" normalizeH="0" baseline="0" noProof="0" dirty="0" smtClean="0">
+              <a:ln>
+                <a:noFill/>
+              </a:ln>
+              <a:effectLst/>
+              <a:uLnTx/>
+              <a:uFillTx/>
+              <a:latin typeface="+mn-lt"/>
+              <a:ea typeface="+mn-ea"/>
+              <a:cs typeface="+mn-cs"/>
+            </a:endParaRPr>
+          </a:p>
+        </p:txBody>
+      </p:sp>
+      <p:sp>
+        <p:nvSpPr>
+          <p:cNvPr id="18" name="ZoneTexte 17"/>
+          <p:cNvSpPr txBox="1"/>
+          <p:nvPr/>
+        </p:nvSpPr>
+        <p:spPr>
+          <a:xfrm>
+            <a:off x="2248093" y="0"/>
+            <a:ext cx="1752403" cy="276999"/>
+          </a:xfrm>
+          <a:prstGeom prst="rect">
+            <a:avLst/>
+          </a:prstGeom>
+          <a:noFill/>
+          <a:ln>
+            <a:noFill/>
+          </a:ln>
+        </p:spPr>
+        <p:txBody>
+          <a:bodyPr wrap="none" rtlCol="0">
+            <a:spAutoFit/>
+          </a:bodyPr>
+          <a:lstStyle/>
+          <a:p>
+            <a:pPr marL="0" marR="0" indent="0" algn="l" defTabSz="914400" rtl="0" eaLnBrk="1" fontAlgn="auto" latinLnBrk="0" hangingPunct="1">
+              <a:lnSpc>
+                <a:spcPct val="100000"/>
+              </a:lnSpc>
+              <a:spcBef>
+                <a:spcPct val="20000"/>
+              </a:spcBef>
+              <a:spcAft>
+                <a:spcPts val="0"/>
+              </a:spcAft>
+              <a:buClrTx/>
+              <a:buSzTx/>
+              <a:buFontTx/>
+              <a:buNone/>
+              <a:tabLst/>
+            </a:pPr>
+            <a:r>
+              <a:rPr kumimoji="0" lang="fr-FR" sz="1200" i="0" u="none" strike="noStrike" kern="0" cap="none" spc="0" normalizeH="0" baseline="0" noProof="0" dirty="0" err="1" smtClean="0">
+                <a:ln>
+                  <a:noFill/>
+                </a:ln>
+                <a:solidFill>
+                  <a:schemeClr val="tx1">
+                    <a:lumMod val="50000"/>
+                    <a:lumOff val="50000"/>
+                  </a:schemeClr>
+                </a:solidFill>
+                <a:effectLst/>
+                <a:uLnTx/>
+                <a:uFillTx/>
+                <a:latin typeface="+mn-lt"/>
+                <a:ea typeface="+mn-ea"/>
+                <a:cs typeface="+mn-cs"/>
+              </a:rPr>
+              <a:t>Functional</a:t>
+            </a:r>
+            <a:r>
+              <a:rPr kumimoji="0" lang="fr-FR" sz="1200" i="0" u="none" strike="noStrike" kern="0" cap="none" spc="0" normalizeH="0" baseline="0" noProof="0" dirty="0" smtClean="0">
+                <a:ln>
+                  <a:noFill/>
+                </a:ln>
+                <a:solidFill>
+                  <a:schemeClr val="tx1">
+                    <a:lumMod val="50000"/>
+                    <a:lumOff val="50000"/>
+                  </a:schemeClr>
+                </a:solidFill>
+                <a:effectLst/>
+                <a:uLnTx/>
+                <a:uFillTx/>
+                <a:latin typeface="+mn-lt"/>
+                <a:ea typeface="+mn-ea"/>
+                <a:cs typeface="+mn-cs"/>
+              </a:rPr>
+              <a:t> </a:t>
+            </a:r>
+            <a:r>
+              <a:rPr kumimoji="0" lang="fr-FR" sz="1200" i="0" u="none" strike="noStrike" kern="0" cap="none" spc="0" normalizeH="0" baseline="0" noProof="0" dirty="0" err="1" smtClean="0">
+                <a:ln>
+                  <a:noFill/>
+                </a:ln>
+                <a:solidFill>
+                  <a:schemeClr val="tx1">
+                    <a:lumMod val="50000"/>
+                    <a:lumOff val="50000"/>
+                  </a:schemeClr>
+                </a:solidFill>
+                <a:effectLst/>
+                <a:uLnTx/>
+                <a:uFillTx/>
+                <a:latin typeface="+mn-lt"/>
+                <a:ea typeface="+mn-ea"/>
+                <a:cs typeface="+mn-cs"/>
+              </a:rPr>
+              <a:t>Requirements</a:t>
+            </a:r>
+            <a:endParaRPr kumimoji="0" lang="fr-FR" sz="1200" i="0" u="none" strike="noStrike" kern="0" cap="none" spc="0" normalizeH="0" baseline="0" noProof="0" dirty="0" smtClean="0">
+              <a:ln>
+                <a:noFill/>
+              </a:ln>
+              <a:solidFill>
+                <a:schemeClr val="tx1">
+                  <a:lumMod val="50000"/>
+                  <a:lumOff val="50000"/>
+                </a:schemeClr>
+              </a:solidFill>
+              <a:effectLst/>
+              <a:uLnTx/>
+              <a:uFillTx/>
+              <a:latin typeface="+mn-lt"/>
+              <a:ea typeface="+mn-ea"/>
+              <a:cs typeface="+mn-cs"/>
+            </a:endParaRPr>
+          </a:p>
+        </p:txBody>
+      </p:sp>
+      <p:sp>
+        <p:nvSpPr>
+          <p:cNvPr id="22" name="ZoneTexte 21"/>
+          <p:cNvSpPr txBox="1"/>
+          <p:nvPr/>
+        </p:nvSpPr>
+        <p:spPr>
+          <a:xfrm>
+            <a:off x="4297771" y="0"/>
+            <a:ext cx="2060179" cy="276999"/>
+          </a:xfrm>
+          <a:prstGeom prst="rect">
+            <a:avLst/>
+          </a:prstGeom>
+          <a:noFill/>
+          <a:ln>
+            <a:noFill/>
+          </a:ln>
+        </p:spPr>
+        <p:txBody>
+          <a:bodyPr wrap="none" rtlCol="0">
+            <a:spAutoFit/>
+          </a:bodyPr>
+          <a:lstStyle/>
+          <a:p>
+            <a:pPr marL="0" marR="0" indent="0" algn="l" defTabSz="914400" rtl="0" eaLnBrk="1" fontAlgn="auto" latinLnBrk="0" hangingPunct="1">
+              <a:lnSpc>
+                <a:spcPct val="100000"/>
+              </a:lnSpc>
+              <a:spcBef>
+                <a:spcPct val="20000"/>
+              </a:spcBef>
+              <a:spcAft>
+                <a:spcPts val="0"/>
+              </a:spcAft>
+              <a:buClrTx/>
+              <a:buSzTx/>
+              <a:buFontTx/>
+              <a:buNone/>
+              <a:tabLst/>
+            </a:pPr>
+            <a:r>
+              <a:rPr kumimoji="0" lang="fr-FR" sz="1200" i="0" u="none" strike="noStrike" kern="0" cap="none" spc="0" normalizeH="0" baseline="0" noProof="0" dirty="0" smtClean="0">
+                <a:ln>
+                  <a:noFill/>
+                </a:ln>
+                <a:solidFill>
+                  <a:schemeClr val="tx1">
+                    <a:lumMod val="50000"/>
+                    <a:lumOff val="50000"/>
+                  </a:schemeClr>
+                </a:solidFill>
+                <a:effectLst/>
+                <a:uLnTx/>
+                <a:uFillTx/>
+                <a:latin typeface="+mn-lt"/>
+                <a:ea typeface="+mn-ea"/>
+                <a:cs typeface="+mn-cs"/>
+              </a:rPr>
+              <a:t>Non-</a:t>
+            </a:r>
+            <a:r>
+              <a:rPr kumimoji="0" lang="fr-FR" sz="1200" i="0" u="none" strike="noStrike" kern="0" cap="none" spc="0" normalizeH="0" baseline="0" noProof="0" dirty="0" err="1" smtClean="0">
+                <a:ln>
+                  <a:noFill/>
+                </a:ln>
+                <a:solidFill>
+                  <a:schemeClr val="tx1">
+                    <a:lumMod val="50000"/>
+                    <a:lumOff val="50000"/>
+                  </a:schemeClr>
+                </a:solidFill>
+                <a:effectLst/>
+                <a:uLnTx/>
+                <a:uFillTx/>
+                <a:latin typeface="+mn-lt"/>
+                <a:ea typeface="+mn-ea"/>
+                <a:cs typeface="+mn-cs"/>
+              </a:rPr>
+              <a:t>Functional</a:t>
+            </a:r>
+            <a:r>
+              <a:rPr kumimoji="0" lang="fr-FR" sz="1200" i="0" u="none" strike="noStrike" kern="0" cap="none" spc="0" normalizeH="0" baseline="0" noProof="0" dirty="0" smtClean="0">
+                <a:ln>
+                  <a:noFill/>
+                </a:ln>
+                <a:solidFill>
+                  <a:schemeClr val="tx1">
+                    <a:lumMod val="50000"/>
+                    <a:lumOff val="50000"/>
+                  </a:schemeClr>
+                </a:solidFill>
+                <a:effectLst/>
+                <a:uLnTx/>
+                <a:uFillTx/>
+                <a:latin typeface="+mn-lt"/>
+                <a:ea typeface="+mn-ea"/>
+                <a:cs typeface="+mn-cs"/>
+              </a:rPr>
+              <a:t> </a:t>
+            </a:r>
+            <a:r>
+              <a:rPr kumimoji="0" lang="fr-FR" sz="1200" i="0" u="none" strike="noStrike" kern="0" cap="none" spc="0" normalizeH="0" baseline="0" noProof="0" dirty="0" err="1" smtClean="0">
+                <a:ln>
+                  <a:noFill/>
+                </a:ln>
+                <a:solidFill>
+                  <a:schemeClr val="tx1">
+                    <a:lumMod val="50000"/>
+                    <a:lumOff val="50000"/>
+                  </a:schemeClr>
+                </a:solidFill>
+                <a:effectLst/>
+                <a:uLnTx/>
+                <a:uFillTx/>
+                <a:latin typeface="+mn-lt"/>
+                <a:ea typeface="+mn-ea"/>
+                <a:cs typeface="+mn-cs"/>
+              </a:rPr>
+              <a:t>Requirements</a:t>
+            </a:r>
+            <a:endParaRPr kumimoji="0" lang="fr-FR" sz="1200" i="0" u="none" strike="noStrike" kern="0" cap="none" spc="0" normalizeH="0" baseline="0" noProof="0" dirty="0" smtClean="0">
+              <a:ln>
+                <a:noFill/>
+              </a:ln>
+              <a:solidFill>
+                <a:schemeClr val="tx1">
+                  <a:lumMod val="50000"/>
+                  <a:lumOff val="50000"/>
+                </a:schemeClr>
+              </a:solidFill>
+              <a:effectLst/>
+              <a:uLnTx/>
+              <a:uFillTx/>
+              <a:latin typeface="+mn-lt"/>
+              <a:ea typeface="+mn-ea"/>
+              <a:cs typeface="+mn-cs"/>
+            </a:endParaRPr>
+          </a:p>
+        </p:txBody>
+      </p:sp>
+      <p:sp>
+        <p:nvSpPr>
+          <p:cNvPr id="24" name="ZoneTexte 23"/>
+          <p:cNvSpPr txBox="1"/>
+          <p:nvPr/>
+        </p:nvSpPr>
+        <p:spPr>
+          <a:xfrm>
+            <a:off x="6643702" y="0"/>
+            <a:ext cx="1859805" cy="276999"/>
+          </a:xfrm>
+          <a:prstGeom prst="rect">
+            <a:avLst/>
+          </a:prstGeom>
+          <a:noFill/>
+          <a:ln>
+            <a:noFill/>
+          </a:ln>
+        </p:spPr>
+        <p:txBody>
+          <a:bodyPr wrap="none" rtlCol="0">
+            <a:spAutoFit/>
+          </a:bodyPr>
+          <a:lstStyle/>
+          <a:p>
+            <a:pPr marL="0" marR="0" indent="0" algn="l" defTabSz="914400" rtl="0" eaLnBrk="1" fontAlgn="auto" latinLnBrk="0" hangingPunct="1">
+              <a:lnSpc>
+                <a:spcPct val="100000"/>
+              </a:lnSpc>
+              <a:spcBef>
+                <a:spcPct val="20000"/>
+              </a:spcBef>
+              <a:spcAft>
+                <a:spcPts val="0"/>
+              </a:spcAft>
+              <a:buClrTx/>
+              <a:buSzTx/>
+              <a:buFontTx/>
+              <a:buNone/>
+              <a:tabLst/>
+            </a:pPr>
+            <a:r>
+              <a:rPr kumimoji="0" lang="fr-FR" sz="1200" i="0" u="none" strike="noStrike" kern="0" cap="none" spc="0" normalizeH="0" baseline="0" noProof="0" dirty="0" err="1" smtClean="0">
+                <a:ln>
+                  <a:noFill/>
+                </a:ln>
+                <a:solidFill>
+                  <a:schemeClr val="tx1">
+                    <a:lumMod val="50000"/>
+                    <a:lumOff val="50000"/>
+                  </a:schemeClr>
+                </a:solidFill>
+                <a:effectLst/>
+                <a:uLnTx/>
+                <a:uFillTx/>
+                <a:latin typeface="+mn-lt"/>
+                <a:ea typeface="+mn-ea"/>
+                <a:cs typeface="+mn-cs"/>
+              </a:rPr>
+              <a:t>Usability</a:t>
+            </a:r>
+            <a:r>
+              <a:rPr kumimoji="0" lang="fr-FR" sz="1200" i="0" u="none" strike="noStrike" kern="0" cap="none" spc="0" normalizeH="0" baseline="0" noProof="0" dirty="0" smtClean="0">
+                <a:ln>
+                  <a:noFill/>
+                </a:ln>
+                <a:solidFill>
+                  <a:schemeClr val="tx1">
+                    <a:lumMod val="50000"/>
+                    <a:lumOff val="50000"/>
+                  </a:schemeClr>
+                </a:solidFill>
+                <a:effectLst/>
+                <a:uLnTx/>
+                <a:uFillTx/>
+                <a:latin typeface="+mn-lt"/>
+                <a:ea typeface="+mn-ea"/>
+                <a:cs typeface="+mn-cs"/>
+              </a:rPr>
+              <a:t> </a:t>
+            </a:r>
+            <a:r>
+              <a:rPr kumimoji="0" lang="fr-FR" sz="1200" i="0" u="none" strike="noStrike" kern="0" cap="none" spc="0" normalizeH="0" baseline="0" noProof="0" dirty="0" err="1" smtClean="0">
+                <a:ln>
+                  <a:noFill/>
+                </a:ln>
+                <a:solidFill>
+                  <a:schemeClr val="tx1">
+                    <a:lumMod val="50000"/>
+                    <a:lumOff val="50000"/>
+                  </a:schemeClr>
+                </a:solidFill>
+                <a:effectLst/>
+                <a:uLnTx/>
+                <a:uFillTx/>
+                <a:latin typeface="+mn-lt"/>
+                <a:ea typeface="+mn-ea"/>
+                <a:cs typeface="+mn-cs"/>
+              </a:rPr>
+              <a:t>Analysis</a:t>
+            </a:r>
+            <a:r>
+              <a:rPr kumimoji="0" lang="fr-FR" sz="1200" i="0" u="none" strike="noStrike" kern="0" cap="none" spc="0" normalizeH="0" noProof="0" dirty="0" smtClean="0">
+                <a:ln>
+                  <a:noFill/>
+                </a:ln>
+                <a:solidFill>
+                  <a:schemeClr val="tx1">
+                    <a:lumMod val="50000"/>
+                    <a:lumOff val="50000"/>
+                  </a:schemeClr>
+                </a:solidFill>
+                <a:effectLst/>
+                <a:uLnTx/>
+                <a:uFillTx/>
+                <a:latin typeface="+mn-lt"/>
+                <a:ea typeface="+mn-ea"/>
+                <a:cs typeface="+mn-cs"/>
+              </a:rPr>
+              <a:t> &amp; Design</a:t>
+            </a:r>
+            <a:endParaRPr kumimoji="0" lang="fr-FR" sz="1200" i="0" u="none" strike="noStrike" kern="0" cap="none" spc="0" normalizeH="0" baseline="0" noProof="0" dirty="0" smtClean="0">
+              <a:ln>
+                <a:noFill/>
+              </a:ln>
+              <a:solidFill>
+                <a:schemeClr val="tx1">
+                  <a:lumMod val="50000"/>
+                  <a:lumOff val="50000"/>
+                </a:schemeClr>
+              </a:solidFill>
+              <a:effectLst/>
+              <a:uLnTx/>
+              <a:uFillTx/>
+              <a:latin typeface="+mn-lt"/>
+              <a:ea typeface="+mn-ea"/>
+              <a:cs typeface="+mn-cs"/>
+            </a:endParaRPr>
+          </a:p>
+        </p:txBody>
+      </p:sp>
     </p:spTree>
     <p:extLst>
       <p:ext uri="{BB962C8B-B14F-4D97-AF65-F5344CB8AC3E}">
-        <p14:creationId xmlns:p14="http://schemas.microsoft.com/office/powerpoint/2007/7/12/main" val="1726127084"/>
+        <p14:creationId xmlns:p14="http://schemas.microsoft.com/office/powerpoint/2007/7/12/main" xmlns="" val="1726127084"/>
       </p:ext>
     </p:extLst>
   </p:cSld>
@@ -16626,7 +21774,7 @@
   <p:timing>
     <p:tnLst>
       <p:par>
-        <p:cTn xmlns:p14="http://schemas.microsoft.com/office/powerpoint/2007/7/12/main" id="1" dur="indefinite" restart="never" nodeType="tmRoot"/>
+        <p:cTn id="1" dur="indefinite" restart="never" nodeType="tmRoot"/>
       </p:par>
     </p:tnLst>
   </p:timing>
@@ -17285,7 +22433,7 @@
                 <a:spcPct val="0"/>
               </a:spcAft>
               <a:buClr>
-                <a:srgbClr xmlns:mc="http://schemas.openxmlformats.org/markup-compatibility/2006" xmlns:a14="http://schemas.microsoft.com/office/drawing/2007/7/7/main" val="DA7E18" mc:Ignorable=""/>
+                <a:srgbClr val="DA7E18"/>
               </a:buClr>
               <a:buSzPct val="70000"/>
               <a:buFont typeface="Wingdings" pitchFamily="2" charset="2"/>
@@ -17307,7 +22455,7 @@
                 <a:spcPct val="0"/>
               </a:spcAft>
               <a:buClr>
-                <a:srgbClr xmlns:mc="http://schemas.openxmlformats.org/markup-compatibility/2006" xmlns:a14="http://schemas.microsoft.com/office/drawing/2007/7/7/main" val="E5AB1B" mc:Ignorable=""/>
+                <a:srgbClr val="E5AB1B"/>
               </a:buClr>
               <a:buSzPct val="70000"/>
               <a:buFont typeface="Wingdings" pitchFamily="2" charset="2"/>
@@ -17484,7 +22632,7 @@
                 <a:spcPct val="0"/>
               </a:spcAft>
               <a:buClr>
-                <a:srgbClr xmlns:mc="http://schemas.openxmlformats.org/markup-compatibility/2006" xmlns:a14="http://schemas.microsoft.com/office/drawing/2007/7/7/main" val="DA7E18" mc:Ignorable=""/>
+                <a:srgbClr val="DA7E18"/>
               </a:buClr>
               <a:buSzPct val="70000"/>
               <a:buFont typeface="Wingdings" pitchFamily="2" charset="2"/>
@@ -17506,7 +22654,7 @@
                 <a:spcPct val="0"/>
               </a:spcAft>
               <a:buClr>
-                <a:srgbClr xmlns:mc="http://schemas.openxmlformats.org/markup-compatibility/2006" xmlns:a14="http://schemas.microsoft.com/office/drawing/2007/7/7/main" val="E5AB1B" mc:Ignorable=""/>
+                <a:srgbClr val="E5AB1B"/>
               </a:buClr>
               <a:buSzPct val="70000"/>
               <a:buFont typeface="Wingdings" pitchFamily="2" charset="2"/>
@@ -17857,7 +23005,7 @@
                 <a:spcPct val="0"/>
               </a:spcAft>
               <a:buClr>
-                <a:srgbClr xmlns:mc="http://schemas.openxmlformats.org/markup-compatibility/2006" xmlns:a14="http://schemas.microsoft.com/office/drawing/2007/7/7/main" val="DA7E18" mc:Ignorable=""/>
+                <a:srgbClr val="DA7E18"/>
               </a:buClr>
               <a:buSzPct val="70000"/>
               <a:buFont typeface="Wingdings" pitchFamily="2" charset="2"/>
@@ -17879,7 +23027,7 @@
                 <a:spcPct val="0"/>
               </a:spcAft>
               <a:buClr>
-                <a:srgbClr xmlns:mc="http://schemas.openxmlformats.org/markup-compatibility/2006" xmlns:a14="http://schemas.microsoft.com/office/drawing/2007/7/7/main" val="E5AB1B" mc:Ignorable=""/>
+                <a:srgbClr val="E5AB1B"/>
               </a:buClr>
               <a:buSzPct val="70000"/>
               <a:buFont typeface="Wingdings" pitchFamily="2" charset="2"/>
@@ -18059,7 +23207,7 @@
                 <a:spcPct val="0"/>
               </a:spcAft>
               <a:buClr>
-                <a:srgbClr xmlns:mc="http://schemas.openxmlformats.org/markup-compatibility/2006" xmlns:a14="http://schemas.microsoft.com/office/drawing/2007/7/7/main" val="DA7E18" mc:Ignorable=""/>
+                <a:srgbClr val="DA7E18"/>
               </a:buClr>
               <a:buSzPct val="70000"/>
               <a:buFont typeface="Wingdings" pitchFamily="2" charset="2"/>
@@ -18081,7 +23229,7 @@
                 <a:spcPct val="0"/>
               </a:spcAft>
               <a:buClr>
-                <a:srgbClr xmlns:mc="http://schemas.openxmlformats.org/markup-compatibility/2006" xmlns:a14="http://schemas.microsoft.com/office/drawing/2007/7/7/main" val="E5AB1B" mc:Ignorable=""/>
+                <a:srgbClr val="E5AB1B"/>
               </a:buClr>
               <a:buSzPct val="70000"/>
               <a:buFont typeface="Wingdings" pitchFamily="2" charset="2"/>
@@ -18438,7 +23586,7 @@
                 </a:solidFill>
                 <a:effectLst>
                   <a:outerShdw blurRad="38100" dist="38100" dir="2700000" algn="tl">
-                    <a:srgbClr xmlns:mc="http://schemas.openxmlformats.org/markup-compatibility/2006" xmlns:a14="http://schemas.microsoft.com/office/drawing/2007/7/7/main" val="000000" mc:Ignorable="">
+                    <a:srgbClr val="000000">
                       <a:alpha val="43137"/>
                     </a:srgbClr>
                   </a:outerShdw>
@@ -18482,10 +23630,510 @@
           </a:p>
         </p:txBody>
       </p:sp>
+      <p:sp>
+        <p:nvSpPr>
+          <p:cNvPr id="26" name="ZoneTexte 25"/>
+          <p:cNvSpPr txBox="1"/>
+          <p:nvPr/>
+        </p:nvSpPr>
+        <p:spPr>
+          <a:xfrm>
+            <a:off x="202736" y="0"/>
+            <a:ext cx="1696298" cy="276999"/>
+          </a:xfrm>
+          <a:prstGeom prst="rect">
+            <a:avLst/>
+          </a:prstGeom>
+          <a:noFill/>
+          <a:ln>
+            <a:noFill/>
+          </a:ln>
+        </p:spPr>
+        <p:txBody>
+          <a:bodyPr wrap="none" rtlCol="0">
+            <a:spAutoFit/>
+          </a:bodyPr>
+          <a:lstStyle/>
+          <a:p>
+            <a:pPr marL="0" marR="0" indent="0" algn="l" defTabSz="914400" rtl="0" eaLnBrk="1" fontAlgn="auto" latinLnBrk="0" hangingPunct="1">
+              <a:lnSpc>
+                <a:spcPct val="100000"/>
+              </a:lnSpc>
+              <a:spcBef>
+                <a:spcPct val="20000"/>
+              </a:spcBef>
+              <a:spcAft>
+                <a:spcPts val="0"/>
+              </a:spcAft>
+              <a:buClrTx/>
+              <a:buSzTx/>
+              <a:buFontTx/>
+              <a:buNone/>
+              <a:tabLst/>
+            </a:pPr>
+            <a:r>
+              <a:rPr kumimoji="0" lang="fr-FR" sz="1200" b="1" i="0" u="sng" strike="noStrike" kern="0" cap="none" spc="0" normalizeH="0" baseline="0" noProof="0" dirty="0" err="1" smtClean="0">
+                <a:ln>
+                  <a:noFill/>
+                </a:ln>
+                <a:effectLst/>
+                <a:uLnTx/>
+                <a:uFillTx/>
+                <a:latin typeface="+mn-lt"/>
+                <a:ea typeface="+mn-ea"/>
+                <a:cs typeface="+mn-cs"/>
+              </a:rPr>
+              <a:t>Problem</a:t>
+            </a:r>
+            <a:r>
+              <a:rPr kumimoji="0" lang="fr-FR" sz="1200" b="1" i="0" u="sng" strike="noStrike" kern="0" cap="none" spc="0" normalizeH="0" baseline="0" noProof="0" dirty="0" smtClean="0">
+                <a:ln>
+                  <a:noFill/>
+                </a:ln>
+                <a:effectLst/>
+                <a:uLnTx/>
+                <a:uFillTx/>
+                <a:latin typeface="+mn-lt"/>
+                <a:ea typeface="+mn-ea"/>
+                <a:cs typeface="+mn-cs"/>
+              </a:rPr>
+              <a:t> </a:t>
+            </a:r>
+            <a:r>
+              <a:rPr kumimoji="0" lang="fr-FR" sz="1200" b="1" i="0" u="sng" strike="noStrike" kern="0" cap="none" spc="0" normalizeH="0" baseline="0" noProof="0" dirty="0" err="1" smtClean="0">
+                <a:ln>
+                  <a:noFill/>
+                </a:ln>
+                <a:effectLst/>
+                <a:uLnTx/>
+                <a:uFillTx/>
+                <a:latin typeface="+mn-lt"/>
+                <a:ea typeface="+mn-ea"/>
+                <a:cs typeface="+mn-cs"/>
+              </a:rPr>
+              <a:t>understanding</a:t>
+            </a:r>
+            <a:endParaRPr kumimoji="0" lang="fr-FR" sz="1200" b="1" i="0" u="sng" strike="noStrike" kern="0" cap="none" spc="0" normalizeH="0" baseline="0" noProof="0" dirty="0" smtClean="0">
+              <a:ln>
+                <a:noFill/>
+              </a:ln>
+              <a:effectLst/>
+              <a:uLnTx/>
+              <a:uFillTx/>
+              <a:latin typeface="+mn-lt"/>
+              <a:ea typeface="+mn-ea"/>
+              <a:cs typeface="+mn-cs"/>
+            </a:endParaRPr>
+          </a:p>
+        </p:txBody>
+      </p:sp>
+      <p:sp>
+        <p:nvSpPr>
+          <p:cNvPr id="27" name="ZoneTexte 26"/>
+          <p:cNvSpPr txBox="1"/>
+          <p:nvPr/>
+        </p:nvSpPr>
+        <p:spPr>
+          <a:xfrm>
+            <a:off x="2248093" y="0"/>
+            <a:ext cx="1752403" cy="276999"/>
+          </a:xfrm>
+          <a:prstGeom prst="rect">
+            <a:avLst/>
+          </a:prstGeom>
+          <a:noFill/>
+          <a:ln>
+            <a:noFill/>
+          </a:ln>
+        </p:spPr>
+        <p:txBody>
+          <a:bodyPr wrap="none" rtlCol="0">
+            <a:spAutoFit/>
+          </a:bodyPr>
+          <a:lstStyle/>
+          <a:p>
+            <a:pPr marL="0" marR="0" indent="0" algn="l" defTabSz="914400" rtl="0" eaLnBrk="1" fontAlgn="auto" latinLnBrk="0" hangingPunct="1">
+              <a:lnSpc>
+                <a:spcPct val="100000"/>
+              </a:lnSpc>
+              <a:spcBef>
+                <a:spcPct val="20000"/>
+              </a:spcBef>
+              <a:spcAft>
+                <a:spcPts val="0"/>
+              </a:spcAft>
+              <a:buClrTx/>
+              <a:buSzTx/>
+              <a:buFontTx/>
+              <a:buNone/>
+              <a:tabLst/>
+            </a:pPr>
+            <a:r>
+              <a:rPr kumimoji="0" lang="fr-FR" sz="1200" i="0" u="none" strike="noStrike" kern="0" cap="none" spc="0" normalizeH="0" baseline="0" noProof="0" dirty="0" err="1" smtClean="0">
+                <a:ln>
+                  <a:noFill/>
+                </a:ln>
+                <a:solidFill>
+                  <a:schemeClr val="tx1">
+                    <a:lumMod val="50000"/>
+                    <a:lumOff val="50000"/>
+                  </a:schemeClr>
+                </a:solidFill>
+                <a:effectLst/>
+                <a:uLnTx/>
+                <a:uFillTx/>
+                <a:latin typeface="+mn-lt"/>
+                <a:ea typeface="+mn-ea"/>
+                <a:cs typeface="+mn-cs"/>
+              </a:rPr>
+              <a:t>Functional</a:t>
+            </a:r>
+            <a:r>
+              <a:rPr kumimoji="0" lang="fr-FR" sz="1200" i="0" u="none" strike="noStrike" kern="0" cap="none" spc="0" normalizeH="0" baseline="0" noProof="0" dirty="0" smtClean="0">
+                <a:ln>
+                  <a:noFill/>
+                </a:ln>
+                <a:solidFill>
+                  <a:schemeClr val="tx1">
+                    <a:lumMod val="50000"/>
+                    <a:lumOff val="50000"/>
+                  </a:schemeClr>
+                </a:solidFill>
+                <a:effectLst/>
+                <a:uLnTx/>
+                <a:uFillTx/>
+                <a:latin typeface="+mn-lt"/>
+                <a:ea typeface="+mn-ea"/>
+                <a:cs typeface="+mn-cs"/>
+              </a:rPr>
+              <a:t> </a:t>
+            </a:r>
+            <a:r>
+              <a:rPr kumimoji="0" lang="fr-FR" sz="1200" i="0" u="none" strike="noStrike" kern="0" cap="none" spc="0" normalizeH="0" baseline="0" noProof="0" dirty="0" err="1" smtClean="0">
+                <a:ln>
+                  <a:noFill/>
+                </a:ln>
+                <a:solidFill>
+                  <a:schemeClr val="tx1">
+                    <a:lumMod val="50000"/>
+                    <a:lumOff val="50000"/>
+                  </a:schemeClr>
+                </a:solidFill>
+                <a:effectLst/>
+                <a:uLnTx/>
+                <a:uFillTx/>
+                <a:latin typeface="+mn-lt"/>
+                <a:ea typeface="+mn-ea"/>
+                <a:cs typeface="+mn-cs"/>
+              </a:rPr>
+              <a:t>Requirements</a:t>
+            </a:r>
+            <a:endParaRPr kumimoji="0" lang="fr-FR" sz="1200" i="0" u="none" strike="noStrike" kern="0" cap="none" spc="0" normalizeH="0" baseline="0" noProof="0" dirty="0" smtClean="0">
+              <a:ln>
+                <a:noFill/>
+              </a:ln>
+              <a:solidFill>
+                <a:schemeClr val="tx1">
+                  <a:lumMod val="50000"/>
+                  <a:lumOff val="50000"/>
+                </a:schemeClr>
+              </a:solidFill>
+              <a:effectLst/>
+              <a:uLnTx/>
+              <a:uFillTx/>
+              <a:latin typeface="+mn-lt"/>
+              <a:ea typeface="+mn-ea"/>
+              <a:cs typeface="+mn-cs"/>
+            </a:endParaRPr>
+          </a:p>
+        </p:txBody>
+      </p:sp>
+      <p:sp>
+        <p:nvSpPr>
+          <p:cNvPr id="28" name="ZoneTexte 27"/>
+          <p:cNvSpPr txBox="1"/>
+          <p:nvPr/>
+        </p:nvSpPr>
+        <p:spPr>
+          <a:xfrm>
+            <a:off x="4297771" y="0"/>
+            <a:ext cx="2060179" cy="276999"/>
+          </a:xfrm>
+          <a:prstGeom prst="rect">
+            <a:avLst/>
+          </a:prstGeom>
+          <a:noFill/>
+          <a:ln>
+            <a:noFill/>
+          </a:ln>
+        </p:spPr>
+        <p:txBody>
+          <a:bodyPr wrap="none" rtlCol="0">
+            <a:spAutoFit/>
+          </a:bodyPr>
+          <a:lstStyle/>
+          <a:p>
+            <a:pPr marL="0" marR="0" indent="0" algn="l" defTabSz="914400" rtl="0" eaLnBrk="1" fontAlgn="auto" latinLnBrk="0" hangingPunct="1">
+              <a:lnSpc>
+                <a:spcPct val="100000"/>
+              </a:lnSpc>
+              <a:spcBef>
+                <a:spcPct val="20000"/>
+              </a:spcBef>
+              <a:spcAft>
+                <a:spcPts val="0"/>
+              </a:spcAft>
+              <a:buClrTx/>
+              <a:buSzTx/>
+              <a:buFontTx/>
+              <a:buNone/>
+              <a:tabLst/>
+            </a:pPr>
+            <a:r>
+              <a:rPr kumimoji="0" lang="fr-FR" sz="1200" i="0" u="none" strike="noStrike" kern="0" cap="none" spc="0" normalizeH="0" baseline="0" noProof="0" dirty="0" smtClean="0">
+                <a:ln>
+                  <a:noFill/>
+                </a:ln>
+                <a:solidFill>
+                  <a:schemeClr val="tx1">
+                    <a:lumMod val="50000"/>
+                    <a:lumOff val="50000"/>
+                  </a:schemeClr>
+                </a:solidFill>
+                <a:effectLst/>
+                <a:uLnTx/>
+                <a:uFillTx/>
+                <a:latin typeface="+mn-lt"/>
+                <a:ea typeface="+mn-ea"/>
+                <a:cs typeface="+mn-cs"/>
+              </a:rPr>
+              <a:t>Non-</a:t>
+            </a:r>
+            <a:r>
+              <a:rPr kumimoji="0" lang="fr-FR" sz="1200" i="0" u="none" strike="noStrike" kern="0" cap="none" spc="0" normalizeH="0" baseline="0" noProof="0" dirty="0" err="1" smtClean="0">
+                <a:ln>
+                  <a:noFill/>
+                </a:ln>
+                <a:solidFill>
+                  <a:schemeClr val="tx1">
+                    <a:lumMod val="50000"/>
+                    <a:lumOff val="50000"/>
+                  </a:schemeClr>
+                </a:solidFill>
+                <a:effectLst/>
+                <a:uLnTx/>
+                <a:uFillTx/>
+                <a:latin typeface="+mn-lt"/>
+                <a:ea typeface="+mn-ea"/>
+                <a:cs typeface="+mn-cs"/>
+              </a:rPr>
+              <a:t>Functional</a:t>
+            </a:r>
+            <a:r>
+              <a:rPr kumimoji="0" lang="fr-FR" sz="1200" i="0" u="none" strike="noStrike" kern="0" cap="none" spc="0" normalizeH="0" baseline="0" noProof="0" dirty="0" smtClean="0">
+                <a:ln>
+                  <a:noFill/>
+                </a:ln>
+                <a:solidFill>
+                  <a:schemeClr val="tx1">
+                    <a:lumMod val="50000"/>
+                    <a:lumOff val="50000"/>
+                  </a:schemeClr>
+                </a:solidFill>
+                <a:effectLst/>
+                <a:uLnTx/>
+                <a:uFillTx/>
+                <a:latin typeface="+mn-lt"/>
+                <a:ea typeface="+mn-ea"/>
+                <a:cs typeface="+mn-cs"/>
+              </a:rPr>
+              <a:t> </a:t>
+            </a:r>
+            <a:r>
+              <a:rPr kumimoji="0" lang="fr-FR" sz="1200" i="0" u="none" strike="noStrike" kern="0" cap="none" spc="0" normalizeH="0" baseline="0" noProof="0" dirty="0" err="1" smtClean="0">
+                <a:ln>
+                  <a:noFill/>
+                </a:ln>
+                <a:solidFill>
+                  <a:schemeClr val="tx1">
+                    <a:lumMod val="50000"/>
+                    <a:lumOff val="50000"/>
+                  </a:schemeClr>
+                </a:solidFill>
+                <a:effectLst/>
+                <a:uLnTx/>
+                <a:uFillTx/>
+                <a:latin typeface="+mn-lt"/>
+                <a:ea typeface="+mn-ea"/>
+                <a:cs typeface="+mn-cs"/>
+              </a:rPr>
+              <a:t>Requirements</a:t>
+            </a:r>
+            <a:endParaRPr kumimoji="0" lang="fr-FR" sz="1200" i="0" u="none" strike="noStrike" kern="0" cap="none" spc="0" normalizeH="0" baseline="0" noProof="0" dirty="0" smtClean="0">
+              <a:ln>
+                <a:noFill/>
+              </a:ln>
+              <a:solidFill>
+                <a:schemeClr val="tx1">
+                  <a:lumMod val="50000"/>
+                  <a:lumOff val="50000"/>
+                </a:schemeClr>
+              </a:solidFill>
+              <a:effectLst/>
+              <a:uLnTx/>
+              <a:uFillTx/>
+              <a:latin typeface="+mn-lt"/>
+              <a:ea typeface="+mn-ea"/>
+              <a:cs typeface="+mn-cs"/>
+            </a:endParaRPr>
+          </a:p>
+        </p:txBody>
+      </p:sp>
+      <p:sp>
+        <p:nvSpPr>
+          <p:cNvPr id="29" name="ZoneTexte 28"/>
+          <p:cNvSpPr txBox="1"/>
+          <p:nvPr/>
+        </p:nvSpPr>
+        <p:spPr>
+          <a:xfrm>
+            <a:off x="6643702" y="0"/>
+            <a:ext cx="1859805" cy="276999"/>
+          </a:xfrm>
+          <a:prstGeom prst="rect">
+            <a:avLst/>
+          </a:prstGeom>
+          <a:noFill/>
+          <a:ln>
+            <a:noFill/>
+          </a:ln>
+        </p:spPr>
+        <p:txBody>
+          <a:bodyPr wrap="none" rtlCol="0">
+            <a:spAutoFit/>
+          </a:bodyPr>
+          <a:lstStyle/>
+          <a:p>
+            <a:pPr marL="0" marR="0" indent="0" algn="l" defTabSz="914400" rtl="0" eaLnBrk="1" fontAlgn="auto" latinLnBrk="0" hangingPunct="1">
+              <a:lnSpc>
+                <a:spcPct val="100000"/>
+              </a:lnSpc>
+              <a:spcBef>
+                <a:spcPct val="20000"/>
+              </a:spcBef>
+              <a:spcAft>
+                <a:spcPts val="0"/>
+              </a:spcAft>
+              <a:buClrTx/>
+              <a:buSzTx/>
+              <a:buFontTx/>
+              <a:buNone/>
+              <a:tabLst/>
+            </a:pPr>
+            <a:r>
+              <a:rPr kumimoji="0" lang="fr-FR" sz="1200" i="0" u="none" strike="noStrike" kern="0" cap="none" spc="0" normalizeH="0" baseline="0" noProof="0" dirty="0" err="1" smtClean="0">
+                <a:ln>
+                  <a:noFill/>
+                </a:ln>
+                <a:solidFill>
+                  <a:schemeClr val="tx1">
+                    <a:lumMod val="50000"/>
+                    <a:lumOff val="50000"/>
+                  </a:schemeClr>
+                </a:solidFill>
+                <a:effectLst/>
+                <a:uLnTx/>
+                <a:uFillTx/>
+                <a:latin typeface="+mn-lt"/>
+                <a:ea typeface="+mn-ea"/>
+                <a:cs typeface="+mn-cs"/>
+              </a:rPr>
+              <a:t>Usability</a:t>
+            </a:r>
+            <a:r>
+              <a:rPr kumimoji="0" lang="fr-FR" sz="1200" i="0" u="none" strike="noStrike" kern="0" cap="none" spc="0" normalizeH="0" baseline="0" noProof="0" dirty="0" smtClean="0">
+                <a:ln>
+                  <a:noFill/>
+                </a:ln>
+                <a:solidFill>
+                  <a:schemeClr val="tx1">
+                    <a:lumMod val="50000"/>
+                    <a:lumOff val="50000"/>
+                  </a:schemeClr>
+                </a:solidFill>
+                <a:effectLst/>
+                <a:uLnTx/>
+                <a:uFillTx/>
+                <a:latin typeface="+mn-lt"/>
+                <a:ea typeface="+mn-ea"/>
+                <a:cs typeface="+mn-cs"/>
+              </a:rPr>
+              <a:t> </a:t>
+            </a:r>
+            <a:r>
+              <a:rPr kumimoji="0" lang="fr-FR" sz="1200" i="0" u="none" strike="noStrike" kern="0" cap="none" spc="0" normalizeH="0" baseline="0" noProof="0" dirty="0" err="1" smtClean="0">
+                <a:ln>
+                  <a:noFill/>
+                </a:ln>
+                <a:solidFill>
+                  <a:schemeClr val="tx1">
+                    <a:lumMod val="50000"/>
+                    <a:lumOff val="50000"/>
+                  </a:schemeClr>
+                </a:solidFill>
+                <a:effectLst/>
+                <a:uLnTx/>
+                <a:uFillTx/>
+                <a:latin typeface="+mn-lt"/>
+                <a:ea typeface="+mn-ea"/>
+                <a:cs typeface="+mn-cs"/>
+              </a:rPr>
+              <a:t>Analysis</a:t>
+            </a:r>
+            <a:r>
+              <a:rPr kumimoji="0" lang="fr-FR" sz="1200" i="0" u="none" strike="noStrike" kern="0" cap="none" spc="0" normalizeH="0" noProof="0" dirty="0" smtClean="0">
+                <a:ln>
+                  <a:noFill/>
+                </a:ln>
+                <a:solidFill>
+                  <a:schemeClr val="tx1">
+                    <a:lumMod val="50000"/>
+                    <a:lumOff val="50000"/>
+                  </a:schemeClr>
+                </a:solidFill>
+                <a:effectLst/>
+                <a:uLnTx/>
+                <a:uFillTx/>
+                <a:latin typeface="+mn-lt"/>
+                <a:ea typeface="+mn-ea"/>
+                <a:cs typeface="+mn-cs"/>
+              </a:rPr>
+              <a:t> &amp; Design</a:t>
+            </a:r>
+            <a:endParaRPr kumimoji="0" lang="fr-FR" sz="1200" i="0" u="none" strike="noStrike" kern="0" cap="none" spc="0" normalizeH="0" baseline="0" noProof="0" dirty="0" smtClean="0">
+              <a:ln>
+                <a:noFill/>
+              </a:ln>
+              <a:solidFill>
+                <a:schemeClr val="tx1">
+                  <a:lumMod val="50000"/>
+                  <a:lumOff val="50000"/>
+                </a:schemeClr>
+              </a:solidFill>
+              <a:effectLst/>
+              <a:uLnTx/>
+              <a:uFillTx/>
+              <a:latin typeface="+mn-lt"/>
+              <a:ea typeface="+mn-ea"/>
+              <a:cs typeface="+mn-cs"/>
+            </a:endParaRPr>
+          </a:p>
+        </p:txBody>
+      </p:sp>
     </p:spTree>
     <p:extLst>
       <p:ext uri="{BB962C8B-B14F-4D97-AF65-F5344CB8AC3E}">
-        <p14:creationId xmlns:p14="http://schemas.microsoft.com/office/powerpoint/2007/7/12/main" val="2769818375"/>
+        <p14:creationId xmlns:p14="http://schemas.microsoft.com/office/powerpoint/2007/7/12/main" xmlns="" val="2769818375"/>
       </p:ext>
     </p:extLst>
   </p:cSld>
@@ -18495,7 +24143,7 @@
   <p:timing>
     <p:tnLst>
       <p:par>
-        <p:cTn xmlns:p14="http://schemas.microsoft.com/office/powerpoint/2007/7/12/main" id="1" dur="indefinite" restart="never" nodeType="tmRoot"/>
+        <p:cTn id="1" dur="indefinite" restart="never" nodeType="tmRoot"/>
       </p:par>
     </p:tnLst>
   </p:timing>
@@ -19111,7 +24759,7 @@
                 <a:spcPct val="0"/>
               </a:spcAft>
               <a:buClr>
-                <a:srgbClr xmlns:mc="http://schemas.openxmlformats.org/markup-compatibility/2006" xmlns:a14="http://schemas.microsoft.com/office/drawing/2007/7/7/main" val="DA7E18" mc:Ignorable=""/>
+                <a:srgbClr val="DA7E18"/>
               </a:buClr>
               <a:buSzPct val="70000"/>
               <a:buFont typeface="Wingdings" pitchFamily="2" charset="2"/>
@@ -19133,7 +24781,7 @@
                 <a:spcPct val="0"/>
               </a:spcAft>
               <a:buClr>
-                <a:srgbClr xmlns:mc="http://schemas.openxmlformats.org/markup-compatibility/2006" xmlns:a14="http://schemas.microsoft.com/office/drawing/2007/7/7/main" val="E5AB1B" mc:Ignorable=""/>
+                <a:srgbClr val="E5AB1B"/>
               </a:buClr>
               <a:buSzPct val="70000"/>
               <a:buFont typeface="Wingdings" pitchFamily="2" charset="2"/>
@@ -19310,7 +24958,7 @@
                 <a:spcPct val="0"/>
               </a:spcAft>
               <a:buClr>
-                <a:srgbClr xmlns:mc="http://schemas.openxmlformats.org/markup-compatibility/2006" xmlns:a14="http://schemas.microsoft.com/office/drawing/2007/7/7/main" val="DA7E18" mc:Ignorable=""/>
+                <a:srgbClr val="DA7E18"/>
               </a:buClr>
               <a:buSzPct val="70000"/>
               <a:buFont typeface="Wingdings" pitchFamily="2" charset="2"/>
@@ -19332,7 +24980,7 @@
                 <a:spcPct val="0"/>
               </a:spcAft>
               <a:buClr>
-                <a:srgbClr xmlns:mc="http://schemas.openxmlformats.org/markup-compatibility/2006" xmlns:a14="http://schemas.microsoft.com/office/drawing/2007/7/7/main" val="E5AB1B" mc:Ignorable=""/>
+                <a:srgbClr val="E5AB1B"/>
               </a:buClr>
               <a:buSzPct val="70000"/>
               <a:buFont typeface="Wingdings" pitchFamily="2" charset="2"/>
@@ -19706,7 +25354,7 @@
                 <a:spcPct val="0"/>
               </a:spcAft>
               <a:buClr>
-                <a:srgbClr xmlns:mc="http://schemas.openxmlformats.org/markup-compatibility/2006" xmlns:a14="http://schemas.microsoft.com/office/drawing/2007/7/7/main" val="DA7E18" mc:Ignorable=""/>
+                <a:srgbClr val="DA7E18"/>
               </a:buClr>
               <a:buSzPct val="70000"/>
               <a:buFont typeface="Wingdings" pitchFamily="2" charset="2"/>
@@ -19728,7 +25376,7 @@
                 <a:spcPct val="0"/>
               </a:spcAft>
               <a:buClr>
-                <a:srgbClr xmlns:mc="http://schemas.openxmlformats.org/markup-compatibility/2006" xmlns:a14="http://schemas.microsoft.com/office/drawing/2007/7/7/main" val="E5AB1B" mc:Ignorable=""/>
+                <a:srgbClr val="E5AB1B"/>
               </a:buClr>
               <a:buSzPct val="70000"/>
               <a:buFont typeface="Wingdings" pitchFamily="2" charset="2"/>
@@ -19904,7 +25552,7 @@
                 <a:spcPct val="0"/>
               </a:spcAft>
               <a:buClr>
-                <a:srgbClr xmlns:mc="http://schemas.openxmlformats.org/markup-compatibility/2006" xmlns:a14="http://schemas.microsoft.com/office/drawing/2007/7/7/main" val="DA7E18" mc:Ignorable=""/>
+                <a:srgbClr val="DA7E18"/>
               </a:buClr>
               <a:buSzPct val="70000"/>
               <a:buFont typeface="Wingdings" pitchFamily="2" charset="2"/>
@@ -19926,7 +25574,7 @@
                 <a:spcPct val="0"/>
               </a:spcAft>
               <a:buClr>
-                <a:srgbClr xmlns:mc="http://schemas.openxmlformats.org/markup-compatibility/2006" xmlns:a14="http://schemas.microsoft.com/office/drawing/2007/7/7/main" val="E5AB1B" mc:Ignorable=""/>
+                <a:srgbClr val="E5AB1B"/>
               </a:buClr>
               <a:buSzPct val="70000"/>
               <a:buFont typeface="Wingdings" pitchFamily="2" charset="2"/>
@@ -20156,7 +25804,7 @@
         </p:nvSpPr>
         <p:spPr>
           <a:xfrm>
-            <a:off x="1484096" y="6093296"/>
+            <a:off x="1214414" y="6093296"/>
             <a:ext cx="6832320" cy="584775"/>
           </a:xfrm>
           <a:prstGeom prst="rect">
@@ -20193,7 +25841,7 @@
                 </a:solidFill>
                 <a:effectLst>
                   <a:outerShdw blurRad="38100" dist="38100" dir="2700000" algn="tl">
-                    <a:srgbClr xmlns:mc="http://schemas.openxmlformats.org/markup-compatibility/2006" xmlns:a14="http://schemas.microsoft.com/office/drawing/2007/7/7/main" val="000000" mc:Ignorable="">
+                    <a:srgbClr val="000000">
                       <a:alpha val="43137"/>
                     </a:srgbClr>
                   </a:outerShdw>
@@ -20210,7 +25858,7 @@
                 </a:solidFill>
                 <a:effectLst>
                   <a:outerShdw blurRad="38100" dist="38100" dir="2700000" algn="tl">
-                    <a:srgbClr xmlns:mc="http://schemas.openxmlformats.org/markup-compatibility/2006" xmlns:a14="http://schemas.microsoft.com/office/drawing/2007/7/7/main" val="000000" mc:Ignorable="">
+                    <a:srgbClr val="000000">
                       <a:alpha val="43137"/>
                     </a:srgbClr>
                   </a:outerShdw>
@@ -20227,7 +25875,7 @@
                 </a:solidFill>
                 <a:effectLst>
                   <a:outerShdw blurRad="38100" dist="38100" dir="2700000" algn="tl">
-                    <a:srgbClr xmlns:mc="http://schemas.openxmlformats.org/markup-compatibility/2006" xmlns:a14="http://schemas.microsoft.com/office/drawing/2007/7/7/main" val="000000" mc:Ignorable="">
+                    <a:srgbClr val="000000">
                       <a:alpha val="43137"/>
                     </a:srgbClr>
                   </a:outerShdw>
@@ -20244,7 +25892,7 @@
                 </a:solidFill>
                 <a:effectLst>
                   <a:outerShdw blurRad="38100" dist="38100" dir="2700000" algn="tl">
-                    <a:srgbClr xmlns:mc="http://schemas.openxmlformats.org/markup-compatibility/2006" xmlns:a14="http://schemas.microsoft.com/office/drawing/2007/7/7/main" val="000000" mc:Ignorable="">
+                    <a:srgbClr val="000000">
                       <a:alpha val="43137"/>
                     </a:srgbClr>
                   </a:outerShdw>
@@ -20375,10 +26023,510 @@
           </a:p>
         </p:txBody>
       </p:sp>
+      <p:sp>
+        <p:nvSpPr>
+          <p:cNvPr id="40" name="ZoneTexte 39"/>
+          <p:cNvSpPr txBox="1"/>
+          <p:nvPr/>
+        </p:nvSpPr>
+        <p:spPr>
+          <a:xfrm>
+            <a:off x="202736" y="-24"/>
+            <a:ext cx="1696298" cy="276999"/>
+          </a:xfrm>
+          <a:prstGeom prst="rect">
+            <a:avLst/>
+          </a:prstGeom>
+          <a:noFill/>
+          <a:ln>
+            <a:noFill/>
+          </a:ln>
+        </p:spPr>
+        <p:txBody>
+          <a:bodyPr wrap="none" rtlCol="0">
+            <a:spAutoFit/>
+          </a:bodyPr>
+          <a:lstStyle/>
+          <a:p>
+            <a:pPr marL="0" marR="0" indent="0" algn="l" defTabSz="914400" rtl="0" eaLnBrk="1" fontAlgn="auto" latinLnBrk="0" hangingPunct="1">
+              <a:lnSpc>
+                <a:spcPct val="100000"/>
+              </a:lnSpc>
+              <a:spcBef>
+                <a:spcPct val="20000"/>
+              </a:spcBef>
+              <a:spcAft>
+                <a:spcPts val="0"/>
+              </a:spcAft>
+              <a:buClrTx/>
+              <a:buSzTx/>
+              <a:buFontTx/>
+              <a:buNone/>
+              <a:tabLst/>
+            </a:pPr>
+            <a:r>
+              <a:rPr kumimoji="0" lang="fr-FR" sz="1200" b="1" i="0" u="sng" strike="noStrike" kern="0" cap="none" spc="0" normalizeH="0" baseline="0" noProof="0" dirty="0" err="1" smtClean="0">
+                <a:ln>
+                  <a:noFill/>
+                </a:ln>
+                <a:effectLst/>
+                <a:uLnTx/>
+                <a:uFillTx/>
+                <a:latin typeface="+mn-lt"/>
+                <a:ea typeface="+mn-ea"/>
+                <a:cs typeface="+mn-cs"/>
+              </a:rPr>
+              <a:t>Problem</a:t>
+            </a:r>
+            <a:r>
+              <a:rPr kumimoji="0" lang="fr-FR" sz="1200" b="1" i="0" u="sng" strike="noStrike" kern="0" cap="none" spc="0" normalizeH="0" baseline="0" noProof="0" dirty="0" smtClean="0">
+                <a:ln>
+                  <a:noFill/>
+                </a:ln>
+                <a:effectLst/>
+                <a:uLnTx/>
+                <a:uFillTx/>
+                <a:latin typeface="+mn-lt"/>
+                <a:ea typeface="+mn-ea"/>
+                <a:cs typeface="+mn-cs"/>
+              </a:rPr>
+              <a:t> </a:t>
+            </a:r>
+            <a:r>
+              <a:rPr kumimoji="0" lang="fr-FR" sz="1200" b="1" i="0" u="sng" strike="noStrike" kern="0" cap="none" spc="0" normalizeH="0" baseline="0" noProof="0" dirty="0" err="1" smtClean="0">
+                <a:ln>
+                  <a:noFill/>
+                </a:ln>
+                <a:effectLst/>
+                <a:uLnTx/>
+                <a:uFillTx/>
+                <a:latin typeface="+mn-lt"/>
+                <a:ea typeface="+mn-ea"/>
+                <a:cs typeface="+mn-cs"/>
+              </a:rPr>
+              <a:t>understanding</a:t>
+            </a:r>
+            <a:endParaRPr kumimoji="0" lang="fr-FR" sz="1200" b="1" i="0" u="sng" strike="noStrike" kern="0" cap="none" spc="0" normalizeH="0" baseline="0" noProof="0" dirty="0" smtClean="0">
+              <a:ln>
+                <a:noFill/>
+              </a:ln>
+              <a:effectLst/>
+              <a:uLnTx/>
+              <a:uFillTx/>
+              <a:latin typeface="+mn-lt"/>
+              <a:ea typeface="+mn-ea"/>
+              <a:cs typeface="+mn-cs"/>
+            </a:endParaRPr>
+          </a:p>
+        </p:txBody>
+      </p:sp>
+      <p:sp>
+        <p:nvSpPr>
+          <p:cNvPr id="42" name="ZoneTexte 41"/>
+          <p:cNvSpPr txBox="1"/>
+          <p:nvPr/>
+        </p:nvSpPr>
+        <p:spPr>
+          <a:xfrm>
+            <a:off x="2248093" y="-24"/>
+            <a:ext cx="1752403" cy="276999"/>
+          </a:xfrm>
+          <a:prstGeom prst="rect">
+            <a:avLst/>
+          </a:prstGeom>
+          <a:noFill/>
+          <a:ln>
+            <a:noFill/>
+          </a:ln>
+        </p:spPr>
+        <p:txBody>
+          <a:bodyPr wrap="none" rtlCol="0">
+            <a:spAutoFit/>
+          </a:bodyPr>
+          <a:lstStyle/>
+          <a:p>
+            <a:pPr marL="0" marR="0" indent="0" algn="l" defTabSz="914400" rtl="0" eaLnBrk="1" fontAlgn="auto" latinLnBrk="0" hangingPunct="1">
+              <a:lnSpc>
+                <a:spcPct val="100000"/>
+              </a:lnSpc>
+              <a:spcBef>
+                <a:spcPct val="20000"/>
+              </a:spcBef>
+              <a:spcAft>
+                <a:spcPts val="0"/>
+              </a:spcAft>
+              <a:buClrTx/>
+              <a:buSzTx/>
+              <a:buFontTx/>
+              <a:buNone/>
+              <a:tabLst/>
+            </a:pPr>
+            <a:r>
+              <a:rPr kumimoji="0" lang="fr-FR" sz="1200" i="0" u="none" strike="noStrike" kern="0" cap="none" spc="0" normalizeH="0" baseline="0" noProof="0" dirty="0" err="1" smtClean="0">
+                <a:ln>
+                  <a:noFill/>
+                </a:ln>
+                <a:solidFill>
+                  <a:schemeClr val="tx1">
+                    <a:lumMod val="50000"/>
+                    <a:lumOff val="50000"/>
+                  </a:schemeClr>
+                </a:solidFill>
+                <a:effectLst/>
+                <a:uLnTx/>
+                <a:uFillTx/>
+                <a:latin typeface="+mn-lt"/>
+                <a:ea typeface="+mn-ea"/>
+                <a:cs typeface="+mn-cs"/>
+              </a:rPr>
+              <a:t>Functional</a:t>
+            </a:r>
+            <a:r>
+              <a:rPr kumimoji="0" lang="fr-FR" sz="1200" i="0" u="none" strike="noStrike" kern="0" cap="none" spc="0" normalizeH="0" baseline="0" noProof="0" dirty="0" smtClean="0">
+                <a:ln>
+                  <a:noFill/>
+                </a:ln>
+                <a:solidFill>
+                  <a:schemeClr val="tx1">
+                    <a:lumMod val="50000"/>
+                    <a:lumOff val="50000"/>
+                  </a:schemeClr>
+                </a:solidFill>
+                <a:effectLst/>
+                <a:uLnTx/>
+                <a:uFillTx/>
+                <a:latin typeface="+mn-lt"/>
+                <a:ea typeface="+mn-ea"/>
+                <a:cs typeface="+mn-cs"/>
+              </a:rPr>
+              <a:t> </a:t>
+            </a:r>
+            <a:r>
+              <a:rPr kumimoji="0" lang="fr-FR" sz="1200" i="0" u="none" strike="noStrike" kern="0" cap="none" spc="0" normalizeH="0" baseline="0" noProof="0" dirty="0" err="1" smtClean="0">
+                <a:ln>
+                  <a:noFill/>
+                </a:ln>
+                <a:solidFill>
+                  <a:schemeClr val="tx1">
+                    <a:lumMod val="50000"/>
+                    <a:lumOff val="50000"/>
+                  </a:schemeClr>
+                </a:solidFill>
+                <a:effectLst/>
+                <a:uLnTx/>
+                <a:uFillTx/>
+                <a:latin typeface="+mn-lt"/>
+                <a:ea typeface="+mn-ea"/>
+                <a:cs typeface="+mn-cs"/>
+              </a:rPr>
+              <a:t>Requirements</a:t>
+            </a:r>
+            <a:endParaRPr kumimoji="0" lang="fr-FR" sz="1200" i="0" u="none" strike="noStrike" kern="0" cap="none" spc="0" normalizeH="0" baseline="0" noProof="0" dirty="0" smtClean="0">
+              <a:ln>
+                <a:noFill/>
+              </a:ln>
+              <a:solidFill>
+                <a:schemeClr val="tx1">
+                  <a:lumMod val="50000"/>
+                  <a:lumOff val="50000"/>
+                </a:schemeClr>
+              </a:solidFill>
+              <a:effectLst/>
+              <a:uLnTx/>
+              <a:uFillTx/>
+              <a:latin typeface="+mn-lt"/>
+              <a:ea typeface="+mn-ea"/>
+              <a:cs typeface="+mn-cs"/>
+            </a:endParaRPr>
+          </a:p>
+        </p:txBody>
+      </p:sp>
+      <p:sp>
+        <p:nvSpPr>
+          <p:cNvPr id="43" name="ZoneTexte 42"/>
+          <p:cNvSpPr txBox="1"/>
+          <p:nvPr/>
+        </p:nvSpPr>
+        <p:spPr>
+          <a:xfrm>
+            <a:off x="4297771" y="-24"/>
+            <a:ext cx="2060179" cy="276999"/>
+          </a:xfrm>
+          <a:prstGeom prst="rect">
+            <a:avLst/>
+          </a:prstGeom>
+          <a:noFill/>
+          <a:ln>
+            <a:noFill/>
+          </a:ln>
+        </p:spPr>
+        <p:txBody>
+          <a:bodyPr wrap="none" rtlCol="0">
+            <a:spAutoFit/>
+          </a:bodyPr>
+          <a:lstStyle/>
+          <a:p>
+            <a:pPr marL="0" marR="0" indent="0" algn="l" defTabSz="914400" rtl="0" eaLnBrk="1" fontAlgn="auto" latinLnBrk="0" hangingPunct="1">
+              <a:lnSpc>
+                <a:spcPct val="100000"/>
+              </a:lnSpc>
+              <a:spcBef>
+                <a:spcPct val="20000"/>
+              </a:spcBef>
+              <a:spcAft>
+                <a:spcPts val="0"/>
+              </a:spcAft>
+              <a:buClrTx/>
+              <a:buSzTx/>
+              <a:buFontTx/>
+              <a:buNone/>
+              <a:tabLst/>
+            </a:pPr>
+            <a:r>
+              <a:rPr kumimoji="0" lang="fr-FR" sz="1200" i="0" u="none" strike="noStrike" kern="0" cap="none" spc="0" normalizeH="0" baseline="0" noProof="0" dirty="0" smtClean="0">
+                <a:ln>
+                  <a:noFill/>
+                </a:ln>
+                <a:solidFill>
+                  <a:schemeClr val="tx1">
+                    <a:lumMod val="50000"/>
+                    <a:lumOff val="50000"/>
+                  </a:schemeClr>
+                </a:solidFill>
+                <a:effectLst/>
+                <a:uLnTx/>
+                <a:uFillTx/>
+                <a:latin typeface="+mn-lt"/>
+                <a:ea typeface="+mn-ea"/>
+                <a:cs typeface="+mn-cs"/>
+              </a:rPr>
+              <a:t>Non-</a:t>
+            </a:r>
+            <a:r>
+              <a:rPr kumimoji="0" lang="fr-FR" sz="1200" i="0" u="none" strike="noStrike" kern="0" cap="none" spc="0" normalizeH="0" baseline="0" noProof="0" dirty="0" err="1" smtClean="0">
+                <a:ln>
+                  <a:noFill/>
+                </a:ln>
+                <a:solidFill>
+                  <a:schemeClr val="tx1">
+                    <a:lumMod val="50000"/>
+                    <a:lumOff val="50000"/>
+                  </a:schemeClr>
+                </a:solidFill>
+                <a:effectLst/>
+                <a:uLnTx/>
+                <a:uFillTx/>
+                <a:latin typeface="+mn-lt"/>
+                <a:ea typeface="+mn-ea"/>
+                <a:cs typeface="+mn-cs"/>
+              </a:rPr>
+              <a:t>Functional</a:t>
+            </a:r>
+            <a:r>
+              <a:rPr kumimoji="0" lang="fr-FR" sz="1200" i="0" u="none" strike="noStrike" kern="0" cap="none" spc="0" normalizeH="0" baseline="0" noProof="0" dirty="0" smtClean="0">
+                <a:ln>
+                  <a:noFill/>
+                </a:ln>
+                <a:solidFill>
+                  <a:schemeClr val="tx1">
+                    <a:lumMod val="50000"/>
+                    <a:lumOff val="50000"/>
+                  </a:schemeClr>
+                </a:solidFill>
+                <a:effectLst/>
+                <a:uLnTx/>
+                <a:uFillTx/>
+                <a:latin typeface="+mn-lt"/>
+                <a:ea typeface="+mn-ea"/>
+                <a:cs typeface="+mn-cs"/>
+              </a:rPr>
+              <a:t> </a:t>
+            </a:r>
+            <a:r>
+              <a:rPr kumimoji="0" lang="fr-FR" sz="1200" i="0" u="none" strike="noStrike" kern="0" cap="none" spc="0" normalizeH="0" baseline="0" noProof="0" dirty="0" err="1" smtClean="0">
+                <a:ln>
+                  <a:noFill/>
+                </a:ln>
+                <a:solidFill>
+                  <a:schemeClr val="tx1">
+                    <a:lumMod val="50000"/>
+                    <a:lumOff val="50000"/>
+                  </a:schemeClr>
+                </a:solidFill>
+                <a:effectLst/>
+                <a:uLnTx/>
+                <a:uFillTx/>
+                <a:latin typeface="+mn-lt"/>
+                <a:ea typeface="+mn-ea"/>
+                <a:cs typeface="+mn-cs"/>
+              </a:rPr>
+              <a:t>Requirements</a:t>
+            </a:r>
+            <a:endParaRPr kumimoji="0" lang="fr-FR" sz="1200" i="0" u="none" strike="noStrike" kern="0" cap="none" spc="0" normalizeH="0" baseline="0" noProof="0" dirty="0" smtClean="0">
+              <a:ln>
+                <a:noFill/>
+              </a:ln>
+              <a:solidFill>
+                <a:schemeClr val="tx1">
+                  <a:lumMod val="50000"/>
+                  <a:lumOff val="50000"/>
+                </a:schemeClr>
+              </a:solidFill>
+              <a:effectLst/>
+              <a:uLnTx/>
+              <a:uFillTx/>
+              <a:latin typeface="+mn-lt"/>
+              <a:ea typeface="+mn-ea"/>
+              <a:cs typeface="+mn-cs"/>
+            </a:endParaRPr>
+          </a:p>
+        </p:txBody>
+      </p:sp>
+      <p:sp>
+        <p:nvSpPr>
+          <p:cNvPr id="44" name="ZoneTexte 43"/>
+          <p:cNvSpPr txBox="1"/>
+          <p:nvPr/>
+        </p:nvSpPr>
+        <p:spPr>
+          <a:xfrm>
+            <a:off x="6643702" y="-24"/>
+            <a:ext cx="1859805" cy="276999"/>
+          </a:xfrm>
+          <a:prstGeom prst="rect">
+            <a:avLst/>
+          </a:prstGeom>
+          <a:noFill/>
+          <a:ln>
+            <a:noFill/>
+          </a:ln>
+        </p:spPr>
+        <p:txBody>
+          <a:bodyPr wrap="none" rtlCol="0">
+            <a:spAutoFit/>
+          </a:bodyPr>
+          <a:lstStyle/>
+          <a:p>
+            <a:pPr marL="0" marR="0" indent="0" algn="l" defTabSz="914400" rtl="0" eaLnBrk="1" fontAlgn="auto" latinLnBrk="0" hangingPunct="1">
+              <a:lnSpc>
+                <a:spcPct val="100000"/>
+              </a:lnSpc>
+              <a:spcBef>
+                <a:spcPct val="20000"/>
+              </a:spcBef>
+              <a:spcAft>
+                <a:spcPts val="0"/>
+              </a:spcAft>
+              <a:buClrTx/>
+              <a:buSzTx/>
+              <a:buFontTx/>
+              <a:buNone/>
+              <a:tabLst/>
+            </a:pPr>
+            <a:r>
+              <a:rPr kumimoji="0" lang="fr-FR" sz="1200" i="0" u="none" strike="noStrike" kern="0" cap="none" spc="0" normalizeH="0" baseline="0" noProof="0" dirty="0" err="1" smtClean="0">
+                <a:ln>
+                  <a:noFill/>
+                </a:ln>
+                <a:solidFill>
+                  <a:schemeClr val="tx1">
+                    <a:lumMod val="50000"/>
+                    <a:lumOff val="50000"/>
+                  </a:schemeClr>
+                </a:solidFill>
+                <a:effectLst/>
+                <a:uLnTx/>
+                <a:uFillTx/>
+                <a:latin typeface="+mn-lt"/>
+                <a:ea typeface="+mn-ea"/>
+                <a:cs typeface="+mn-cs"/>
+              </a:rPr>
+              <a:t>Usability</a:t>
+            </a:r>
+            <a:r>
+              <a:rPr kumimoji="0" lang="fr-FR" sz="1200" i="0" u="none" strike="noStrike" kern="0" cap="none" spc="0" normalizeH="0" baseline="0" noProof="0" dirty="0" smtClean="0">
+                <a:ln>
+                  <a:noFill/>
+                </a:ln>
+                <a:solidFill>
+                  <a:schemeClr val="tx1">
+                    <a:lumMod val="50000"/>
+                    <a:lumOff val="50000"/>
+                  </a:schemeClr>
+                </a:solidFill>
+                <a:effectLst/>
+                <a:uLnTx/>
+                <a:uFillTx/>
+                <a:latin typeface="+mn-lt"/>
+                <a:ea typeface="+mn-ea"/>
+                <a:cs typeface="+mn-cs"/>
+              </a:rPr>
+              <a:t> </a:t>
+            </a:r>
+            <a:r>
+              <a:rPr kumimoji="0" lang="fr-FR" sz="1200" i="0" u="none" strike="noStrike" kern="0" cap="none" spc="0" normalizeH="0" baseline="0" noProof="0" dirty="0" err="1" smtClean="0">
+                <a:ln>
+                  <a:noFill/>
+                </a:ln>
+                <a:solidFill>
+                  <a:schemeClr val="tx1">
+                    <a:lumMod val="50000"/>
+                    <a:lumOff val="50000"/>
+                  </a:schemeClr>
+                </a:solidFill>
+                <a:effectLst/>
+                <a:uLnTx/>
+                <a:uFillTx/>
+                <a:latin typeface="+mn-lt"/>
+                <a:ea typeface="+mn-ea"/>
+                <a:cs typeface="+mn-cs"/>
+              </a:rPr>
+              <a:t>Analysis</a:t>
+            </a:r>
+            <a:r>
+              <a:rPr kumimoji="0" lang="fr-FR" sz="1200" i="0" u="none" strike="noStrike" kern="0" cap="none" spc="0" normalizeH="0" noProof="0" dirty="0" smtClean="0">
+                <a:ln>
+                  <a:noFill/>
+                </a:ln>
+                <a:solidFill>
+                  <a:schemeClr val="tx1">
+                    <a:lumMod val="50000"/>
+                    <a:lumOff val="50000"/>
+                  </a:schemeClr>
+                </a:solidFill>
+                <a:effectLst/>
+                <a:uLnTx/>
+                <a:uFillTx/>
+                <a:latin typeface="+mn-lt"/>
+                <a:ea typeface="+mn-ea"/>
+                <a:cs typeface="+mn-cs"/>
+              </a:rPr>
+              <a:t> &amp; Design</a:t>
+            </a:r>
+            <a:endParaRPr kumimoji="0" lang="fr-FR" sz="1200" i="0" u="none" strike="noStrike" kern="0" cap="none" spc="0" normalizeH="0" baseline="0" noProof="0" dirty="0" smtClean="0">
+              <a:ln>
+                <a:noFill/>
+              </a:ln>
+              <a:solidFill>
+                <a:schemeClr val="tx1">
+                  <a:lumMod val="50000"/>
+                  <a:lumOff val="50000"/>
+                </a:schemeClr>
+              </a:solidFill>
+              <a:effectLst/>
+              <a:uLnTx/>
+              <a:uFillTx/>
+              <a:latin typeface="+mn-lt"/>
+              <a:ea typeface="+mn-ea"/>
+              <a:cs typeface="+mn-cs"/>
+            </a:endParaRPr>
+          </a:p>
+        </p:txBody>
+      </p:sp>
     </p:spTree>
     <p:extLst>
       <p:ext uri="{BB962C8B-B14F-4D97-AF65-F5344CB8AC3E}">
-        <p14:creationId xmlns:p14="http://schemas.microsoft.com/office/powerpoint/2007/7/12/main" val="2463560530"/>
+        <p14:creationId xmlns:p14="http://schemas.microsoft.com/office/powerpoint/2007/7/12/main" xmlns="" val="2463560530"/>
       </p:ext>
     </p:extLst>
   </p:cSld>
@@ -20388,7 +26536,7 @@
   <p:timing>
     <p:tnLst>
       <p:par>
-        <p:cTn xmlns:p14="http://schemas.microsoft.com/office/powerpoint/2007/7/12/main" id="1" dur="indefinite" restart="never" nodeType="tmRoot"/>
+        <p:cTn id="1" dur="indefinite" restart="never" nodeType="tmRoot"/>
       </p:par>
     </p:tnLst>
   </p:timing>
@@ -20458,7 +26606,7 @@
           <p:nvPr>
             <p:extLst>
               <p:ext uri="{D42A27DB-BD31-4B8C-83A1-F6EECF244321}">
-                <p14:modId xmlns:p14="http://schemas.microsoft.com/office/powerpoint/2007/7/12/main" val="1786889323"/>
+                <p14:modId xmlns:p14="http://schemas.microsoft.com/office/powerpoint/2007/7/12/main" xmlns="" val="1786889323"/>
               </p:ext>
             </p:extLst>
           </p:nvPr>
@@ -20501,10 +26649,510 @@
           </a:p>
         </p:txBody>
       </p:sp>
+      <p:sp>
+        <p:nvSpPr>
+          <p:cNvPr id="6" name="ZoneTexte 5"/>
+          <p:cNvSpPr txBox="1"/>
+          <p:nvPr/>
+        </p:nvSpPr>
+        <p:spPr>
+          <a:xfrm>
+            <a:off x="202736" y="0"/>
+            <a:ext cx="1747594" cy="276999"/>
+          </a:xfrm>
+          <a:prstGeom prst="rect">
+            <a:avLst/>
+          </a:prstGeom>
+          <a:noFill/>
+          <a:ln>
+            <a:noFill/>
+          </a:ln>
+        </p:spPr>
+        <p:txBody>
+          <a:bodyPr wrap="none" rtlCol="0">
+            <a:spAutoFit/>
+          </a:bodyPr>
+          <a:lstStyle/>
+          <a:p>
+            <a:pPr marL="0" marR="0" indent="0" algn="l" defTabSz="914400" rtl="0" eaLnBrk="1" fontAlgn="auto" latinLnBrk="0" hangingPunct="1">
+              <a:lnSpc>
+                <a:spcPct val="100000"/>
+              </a:lnSpc>
+              <a:spcBef>
+                <a:spcPct val="20000"/>
+              </a:spcBef>
+              <a:spcAft>
+                <a:spcPts val="0"/>
+              </a:spcAft>
+              <a:buClrTx/>
+              <a:buSzTx/>
+              <a:buFontTx/>
+              <a:buNone/>
+              <a:tabLst/>
+            </a:pPr>
+            <a:r>
+              <a:rPr kumimoji="0" lang="fr-FR" sz="1200" b="1" i="0" u="sng" strike="noStrike" kern="0" cap="none" spc="0" normalizeH="0" baseline="0" noProof="0" dirty="0" err="1" smtClean="0">
+                <a:ln>
+                  <a:noFill/>
+                </a:ln>
+                <a:effectLst/>
+                <a:uLnTx/>
+                <a:uFillTx/>
+                <a:latin typeface="+mn-lt"/>
+                <a:ea typeface="+mn-ea"/>
+                <a:cs typeface="+mn-cs"/>
+              </a:rPr>
+              <a:t>Problem</a:t>
+            </a:r>
+            <a:r>
+              <a:rPr kumimoji="0" lang="fr-FR" sz="1200" b="1" i="0" u="sng" strike="noStrike" kern="0" cap="none" spc="0" normalizeH="0" baseline="0" noProof="0" dirty="0" smtClean="0">
+                <a:ln>
+                  <a:noFill/>
+                </a:ln>
+                <a:effectLst/>
+                <a:uLnTx/>
+                <a:uFillTx/>
+                <a:latin typeface="+mn-lt"/>
+                <a:ea typeface="+mn-ea"/>
+                <a:cs typeface="+mn-cs"/>
+              </a:rPr>
+              <a:t> </a:t>
+            </a:r>
+            <a:r>
+              <a:rPr kumimoji="0" lang="fr-FR" sz="1200" b="1" i="0" u="sng" strike="noStrike" kern="0" cap="none" spc="0" normalizeH="0" baseline="0" noProof="0" dirty="0" err="1" smtClean="0">
+                <a:ln>
+                  <a:noFill/>
+                </a:ln>
+                <a:effectLst/>
+                <a:uLnTx/>
+                <a:uFillTx/>
+                <a:latin typeface="+mn-lt"/>
+                <a:ea typeface="+mn-ea"/>
+                <a:cs typeface="+mn-cs"/>
+              </a:rPr>
+              <a:t>understanding</a:t>
+            </a:r>
+            <a:endParaRPr kumimoji="0" lang="fr-FR" sz="1200" b="1" i="0" u="sng" strike="noStrike" kern="0" cap="none" spc="0" normalizeH="0" baseline="0" noProof="0" dirty="0" smtClean="0">
+              <a:ln>
+                <a:noFill/>
+              </a:ln>
+              <a:effectLst/>
+              <a:uLnTx/>
+              <a:uFillTx/>
+              <a:latin typeface="+mn-lt"/>
+              <a:ea typeface="+mn-ea"/>
+              <a:cs typeface="+mn-cs"/>
+            </a:endParaRPr>
+          </a:p>
+        </p:txBody>
+      </p:sp>
+      <p:sp>
+        <p:nvSpPr>
+          <p:cNvPr id="7" name="ZoneTexte 6"/>
+          <p:cNvSpPr txBox="1"/>
+          <p:nvPr/>
+        </p:nvSpPr>
+        <p:spPr>
+          <a:xfrm>
+            <a:off x="2248093" y="0"/>
+            <a:ext cx="1752403" cy="276999"/>
+          </a:xfrm>
+          <a:prstGeom prst="rect">
+            <a:avLst/>
+          </a:prstGeom>
+          <a:noFill/>
+          <a:ln>
+            <a:noFill/>
+          </a:ln>
+        </p:spPr>
+        <p:txBody>
+          <a:bodyPr wrap="none" rtlCol="0">
+            <a:spAutoFit/>
+          </a:bodyPr>
+          <a:lstStyle/>
+          <a:p>
+            <a:pPr marL="0" marR="0" indent="0" algn="l" defTabSz="914400" rtl="0" eaLnBrk="1" fontAlgn="auto" latinLnBrk="0" hangingPunct="1">
+              <a:lnSpc>
+                <a:spcPct val="100000"/>
+              </a:lnSpc>
+              <a:spcBef>
+                <a:spcPct val="20000"/>
+              </a:spcBef>
+              <a:spcAft>
+                <a:spcPts val="0"/>
+              </a:spcAft>
+              <a:buClrTx/>
+              <a:buSzTx/>
+              <a:buFontTx/>
+              <a:buNone/>
+              <a:tabLst/>
+            </a:pPr>
+            <a:r>
+              <a:rPr kumimoji="0" lang="fr-FR" sz="1200" i="0" u="none" strike="noStrike" kern="0" cap="none" spc="0" normalizeH="0" baseline="0" noProof="0" dirty="0" err="1" smtClean="0">
+                <a:ln>
+                  <a:noFill/>
+                </a:ln>
+                <a:solidFill>
+                  <a:schemeClr val="tx1">
+                    <a:lumMod val="50000"/>
+                    <a:lumOff val="50000"/>
+                  </a:schemeClr>
+                </a:solidFill>
+                <a:effectLst/>
+                <a:uLnTx/>
+                <a:uFillTx/>
+                <a:latin typeface="+mn-lt"/>
+                <a:ea typeface="+mn-ea"/>
+                <a:cs typeface="+mn-cs"/>
+              </a:rPr>
+              <a:t>Functional</a:t>
+            </a:r>
+            <a:r>
+              <a:rPr kumimoji="0" lang="fr-FR" sz="1200" i="0" u="none" strike="noStrike" kern="0" cap="none" spc="0" normalizeH="0" baseline="0" noProof="0" dirty="0" smtClean="0">
+                <a:ln>
+                  <a:noFill/>
+                </a:ln>
+                <a:solidFill>
+                  <a:schemeClr val="tx1">
+                    <a:lumMod val="50000"/>
+                    <a:lumOff val="50000"/>
+                  </a:schemeClr>
+                </a:solidFill>
+                <a:effectLst/>
+                <a:uLnTx/>
+                <a:uFillTx/>
+                <a:latin typeface="+mn-lt"/>
+                <a:ea typeface="+mn-ea"/>
+                <a:cs typeface="+mn-cs"/>
+              </a:rPr>
+              <a:t> </a:t>
+            </a:r>
+            <a:r>
+              <a:rPr kumimoji="0" lang="fr-FR" sz="1200" i="0" u="none" strike="noStrike" kern="0" cap="none" spc="0" normalizeH="0" baseline="0" noProof="0" dirty="0" err="1" smtClean="0">
+                <a:ln>
+                  <a:noFill/>
+                </a:ln>
+                <a:solidFill>
+                  <a:schemeClr val="tx1">
+                    <a:lumMod val="50000"/>
+                    <a:lumOff val="50000"/>
+                  </a:schemeClr>
+                </a:solidFill>
+                <a:effectLst/>
+                <a:uLnTx/>
+                <a:uFillTx/>
+                <a:latin typeface="+mn-lt"/>
+                <a:ea typeface="+mn-ea"/>
+                <a:cs typeface="+mn-cs"/>
+              </a:rPr>
+              <a:t>Requirements</a:t>
+            </a:r>
+            <a:endParaRPr kumimoji="0" lang="fr-FR" sz="1200" i="0" u="none" strike="noStrike" kern="0" cap="none" spc="0" normalizeH="0" baseline="0" noProof="0" dirty="0" smtClean="0">
+              <a:ln>
+                <a:noFill/>
+              </a:ln>
+              <a:solidFill>
+                <a:schemeClr val="tx1">
+                  <a:lumMod val="50000"/>
+                  <a:lumOff val="50000"/>
+                </a:schemeClr>
+              </a:solidFill>
+              <a:effectLst/>
+              <a:uLnTx/>
+              <a:uFillTx/>
+              <a:latin typeface="+mn-lt"/>
+              <a:ea typeface="+mn-ea"/>
+              <a:cs typeface="+mn-cs"/>
+            </a:endParaRPr>
+          </a:p>
+        </p:txBody>
+      </p:sp>
+      <p:sp>
+        <p:nvSpPr>
+          <p:cNvPr id="8" name="ZoneTexte 7"/>
+          <p:cNvSpPr txBox="1"/>
+          <p:nvPr/>
+        </p:nvSpPr>
+        <p:spPr>
+          <a:xfrm>
+            <a:off x="4297771" y="0"/>
+            <a:ext cx="2060179" cy="276999"/>
+          </a:xfrm>
+          <a:prstGeom prst="rect">
+            <a:avLst/>
+          </a:prstGeom>
+          <a:noFill/>
+          <a:ln>
+            <a:noFill/>
+          </a:ln>
+        </p:spPr>
+        <p:txBody>
+          <a:bodyPr wrap="none" rtlCol="0">
+            <a:spAutoFit/>
+          </a:bodyPr>
+          <a:lstStyle/>
+          <a:p>
+            <a:pPr marL="0" marR="0" indent="0" algn="l" defTabSz="914400" rtl="0" eaLnBrk="1" fontAlgn="auto" latinLnBrk="0" hangingPunct="1">
+              <a:lnSpc>
+                <a:spcPct val="100000"/>
+              </a:lnSpc>
+              <a:spcBef>
+                <a:spcPct val="20000"/>
+              </a:spcBef>
+              <a:spcAft>
+                <a:spcPts val="0"/>
+              </a:spcAft>
+              <a:buClrTx/>
+              <a:buSzTx/>
+              <a:buFontTx/>
+              <a:buNone/>
+              <a:tabLst/>
+            </a:pPr>
+            <a:r>
+              <a:rPr kumimoji="0" lang="fr-FR" sz="1200" i="0" u="none" strike="noStrike" kern="0" cap="none" spc="0" normalizeH="0" baseline="0" noProof="0" dirty="0" smtClean="0">
+                <a:ln>
+                  <a:noFill/>
+                </a:ln>
+                <a:solidFill>
+                  <a:schemeClr val="tx1">
+                    <a:lumMod val="50000"/>
+                    <a:lumOff val="50000"/>
+                  </a:schemeClr>
+                </a:solidFill>
+                <a:effectLst/>
+                <a:uLnTx/>
+                <a:uFillTx/>
+                <a:latin typeface="+mn-lt"/>
+                <a:ea typeface="+mn-ea"/>
+                <a:cs typeface="+mn-cs"/>
+              </a:rPr>
+              <a:t>Non-</a:t>
+            </a:r>
+            <a:r>
+              <a:rPr kumimoji="0" lang="fr-FR" sz="1200" i="0" u="none" strike="noStrike" kern="0" cap="none" spc="0" normalizeH="0" baseline="0" noProof="0" dirty="0" err="1" smtClean="0">
+                <a:ln>
+                  <a:noFill/>
+                </a:ln>
+                <a:solidFill>
+                  <a:schemeClr val="tx1">
+                    <a:lumMod val="50000"/>
+                    <a:lumOff val="50000"/>
+                  </a:schemeClr>
+                </a:solidFill>
+                <a:effectLst/>
+                <a:uLnTx/>
+                <a:uFillTx/>
+                <a:latin typeface="+mn-lt"/>
+                <a:ea typeface="+mn-ea"/>
+                <a:cs typeface="+mn-cs"/>
+              </a:rPr>
+              <a:t>Functional</a:t>
+            </a:r>
+            <a:r>
+              <a:rPr kumimoji="0" lang="fr-FR" sz="1200" i="0" u="none" strike="noStrike" kern="0" cap="none" spc="0" normalizeH="0" baseline="0" noProof="0" dirty="0" smtClean="0">
+                <a:ln>
+                  <a:noFill/>
+                </a:ln>
+                <a:solidFill>
+                  <a:schemeClr val="tx1">
+                    <a:lumMod val="50000"/>
+                    <a:lumOff val="50000"/>
+                  </a:schemeClr>
+                </a:solidFill>
+                <a:effectLst/>
+                <a:uLnTx/>
+                <a:uFillTx/>
+                <a:latin typeface="+mn-lt"/>
+                <a:ea typeface="+mn-ea"/>
+                <a:cs typeface="+mn-cs"/>
+              </a:rPr>
+              <a:t> </a:t>
+            </a:r>
+            <a:r>
+              <a:rPr kumimoji="0" lang="fr-FR" sz="1200" i="0" u="none" strike="noStrike" kern="0" cap="none" spc="0" normalizeH="0" baseline="0" noProof="0" dirty="0" err="1" smtClean="0">
+                <a:ln>
+                  <a:noFill/>
+                </a:ln>
+                <a:solidFill>
+                  <a:schemeClr val="tx1">
+                    <a:lumMod val="50000"/>
+                    <a:lumOff val="50000"/>
+                  </a:schemeClr>
+                </a:solidFill>
+                <a:effectLst/>
+                <a:uLnTx/>
+                <a:uFillTx/>
+                <a:latin typeface="+mn-lt"/>
+                <a:ea typeface="+mn-ea"/>
+                <a:cs typeface="+mn-cs"/>
+              </a:rPr>
+              <a:t>Requirements</a:t>
+            </a:r>
+            <a:endParaRPr kumimoji="0" lang="fr-FR" sz="1200" i="0" u="none" strike="noStrike" kern="0" cap="none" spc="0" normalizeH="0" baseline="0" noProof="0" dirty="0" smtClean="0">
+              <a:ln>
+                <a:noFill/>
+              </a:ln>
+              <a:solidFill>
+                <a:schemeClr val="tx1">
+                  <a:lumMod val="50000"/>
+                  <a:lumOff val="50000"/>
+                </a:schemeClr>
+              </a:solidFill>
+              <a:effectLst/>
+              <a:uLnTx/>
+              <a:uFillTx/>
+              <a:latin typeface="+mn-lt"/>
+              <a:ea typeface="+mn-ea"/>
+              <a:cs typeface="+mn-cs"/>
+            </a:endParaRPr>
+          </a:p>
+        </p:txBody>
+      </p:sp>
+      <p:sp>
+        <p:nvSpPr>
+          <p:cNvPr id="9" name="ZoneTexte 8"/>
+          <p:cNvSpPr txBox="1"/>
+          <p:nvPr/>
+        </p:nvSpPr>
+        <p:spPr>
+          <a:xfrm>
+            <a:off x="6643702" y="0"/>
+            <a:ext cx="1859805" cy="276999"/>
+          </a:xfrm>
+          <a:prstGeom prst="rect">
+            <a:avLst/>
+          </a:prstGeom>
+          <a:noFill/>
+          <a:ln>
+            <a:noFill/>
+          </a:ln>
+        </p:spPr>
+        <p:txBody>
+          <a:bodyPr wrap="none" rtlCol="0">
+            <a:spAutoFit/>
+          </a:bodyPr>
+          <a:lstStyle/>
+          <a:p>
+            <a:pPr marL="0" marR="0" indent="0" algn="l" defTabSz="914400" rtl="0" eaLnBrk="1" fontAlgn="auto" latinLnBrk="0" hangingPunct="1">
+              <a:lnSpc>
+                <a:spcPct val="100000"/>
+              </a:lnSpc>
+              <a:spcBef>
+                <a:spcPct val="20000"/>
+              </a:spcBef>
+              <a:spcAft>
+                <a:spcPts val="0"/>
+              </a:spcAft>
+              <a:buClrTx/>
+              <a:buSzTx/>
+              <a:buFontTx/>
+              <a:buNone/>
+              <a:tabLst/>
+            </a:pPr>
+            <a:r>
+              <a:rPr kumimoji="0" lang="fr-FR" sz="1200" i="0" u="none" strike="noStrike" kern="0" cap="none" spc="0" normalizeH="0" baseline="0" noProof="0" dirty="0" err="1" smtClean="0">
+                <a:ln>
+                  <a:noFill/>
+                </a:ln>
+                <a:solidFill>
+                  <a:schemeClr val="tx1">
+                    <a:lumMod val="50000"/>
+                    <a:lumOff val="50000"/>
+                  </a:schemeClr>
+                </a:solidFill>
+                <a:effectLst/>
+                <a:uLnTx/>
+                <a:uFillTx/>
+                <a:latin typeface="+mn-lt"/>
+                <a:ea typeface="+mn-ea"/>
+                <a:cs typeface="+mn-cs"/>
+              </a:rPr>
+              <a:t>Usability</a:t>
+            </a:r>
+            <a:r>
+              <a:rPr kumimoji="0" lang="fr-FR" sz="1200" i="0" u="none" strike="noStrike" kern="0" cap="none" spc="0" normalizeH="0" baseline="0" noProof="0" dirty="0" smtClean="0">
+                <a:ln>
+                  <a:noFill/>
+                </a:ln>
+                <a:solidFill>
+                  <a:schemeClr val="tx1">
+                    <a:lumMod val="50000"/>
+                    <a:lumOff val="50000"/>
+                  </a:schemeClr>
+                </a:solidFill>
+                <a:effectLst/>
+                <a:uLnTx/>
+                <a:uFillTx/>
+                <a:latin typeface="+mn-lt"/>
+                <a:ea typeface="+mn-ea"/>
+                <a:cs typeface="+mn-cs"/>
+              </a:rPr>
+              <a:t> </a:t>
+            </a:r>
+            <a:r>
+              <a:rPr kumimoji="0" lang="fr-FR" sz="1200" i="0" u="none" strike="noStrike" kern="0" cap="none" spc="0" normalizeH="0" baseline="0" noProof="0" dirty="0" err="1" smtClean="0">
+                <a:ln>
+                  <a:noFill/>
+                </a:ln>
+                <a:solidFill>
+                  <a:schemeClr val="tx1">
+                    <a:lumMod val="50000"/>
+                    <a:lumOff val="50000"/>
+                  </a:schemeClr>
+                </a:solidFill>
+                <a:effectLst/>
+                <a:uLnTx/>
+                <a:uFillTx/>
+                <a:latin typeface="+mn-lt"/>
+                <a:ea typeface="+mn-ea"/>
+                <a:cs typeface="+mn-cs"/>
+              </a:rPr>
+              <a:t>Analysis</a:t>
+            </a:r>
+            <a:r>
+              <a:rPr kumimoji="0" lang="fr-FR" sz="1200" i="0" u="none" strike="noStrike" kern="0" cap="none" spc="0" normalizeH="0" noProof="0" dirty="0" smtClean="0">
+                <a:ln>
+                  <a:noFill/>
+                </a:ln>
+                <a:solidFill>
+                  <a:schemeClr val="tx1">
+                    <a:lumMod val="50000"/>
+                    <a:lumOff val="50000"/>
+                  </a:schemeClr>
+                </a:solidFill>
+                <a:effectLst/>
+                <a:uLnTx/>
+                <a:uFillTx/>
+                <a:latin typeface="+mn-lt"/>
+                <a:ea typeface="+mn-ea"/>
+                <a:cs typeface="+mn-cs"/>
+              </a:rPr>
+              <a:t> &amp; Design</a:t>
+            </a:r>
+            <a:endParaRPr kumimoji="0" lang="fr-FR" sz="1200" i="0" u="none" strike="noStrike" kern="0" cap="none" spc="0" normalizeH="0" baseline="0" noProof="0" dirty="0" smtClean="0">
+              <a:ln>
+                <a:noFill/>
+              </a:ln>
+              <a:solidFill>
+                <a:schemeClr val="tx1">
+                  <a:lumMod val="50000"/>
+                  <a:lumOff val="50000"/>
+                </a:schemeClr>
+              </a:solidFill>
+              <a:effectLst/>
+              <a:uLnTx/>
+              <a:uFillTx/>
+              <a:latin typeface="+mn-lt"/>
+              <a:ea typeface="+mn-ea"/>
+              <a:cs typeface="+mn-cs"/>
+            </a:endParaRPr>
+          </a:p>
+        </p:txBody>
+      </p:sp>
     </p:spTree>
     <p:extLst>
       <p:ext uri="{BB962C8B-B14F-4D97-AF65-F5344CB8AC3E}">
-        <p14:creationId xmlns:p14="http://schemas.microsoft.com/office/powerpoint/2007/7/12/main" val="4039325657"/>
+        <p14:creationId xmlns:p14="http://schemas.microsoft.com/office/powerpoint/2007/7/12/main" xmlns="" val="4039325657"/>
       </p:ext>
     </p:extLst>
   </p:cSld>
@@ -20514,7 +27162,7 @@
   <p:timing>
     <p:tnLst>
       <p:par>
-        <p:cTn xmlns:p14="http://schemas.microsoft.com/office/powerpoint/2007/7/12/main" id="1" dur="indefinite" restart="never" nodeType="tmRoot"/>
+        <p:cTn id="1" dur="indefinite" restart="never" nodeType="tmRoot"/>
       </p:par>
     </p:tnLst>
   </p:timing>
@@ -20637,16 +27285,16 @@
               <a:defRPr lang="fr-FR" sz="3600" b="0" cap="none" spc="0">
                 <a:ln w="18415" cmpd="sng">
                   <a:solidFill>
-                    <a:srgbClr xmlns:mc="http://schemas.openxmlformats.org/markup-compatibility/2006" xmlns:a14="http://schemas.microsoft.com/office/drawing/2007/7/7/main" val="FFFFFF" mc:Ignorable=""/>
+                    <a:srgbClr val="FFFFFF"/>
                   </a:solidFill>
                   <a:prstDash val="solid"/>
                 </a:ln>
                 <a:solidFill>
-                  <a:srgbClr xmlns:mc="http://schemas.openxmlformats.org/markup-compatibility/2006" xmlns:a14="http://schemas.microsoft.com/office/drawing/2007/7/7/main" val="FFFFFF" mc:Ignorable=""/>
+                  <a:srgbClr val="FFFFFF"/>
                 </a:solidFill>
                 <a:effectLst>
                   <a:outerShdw blurRad="63500" dir="3600000" algn="tl" rotWithShape="0">
-                    <a:srgbClr xmlns:mc="http://schemas.openxmlformats.org/markup-compatibility/2006" xmlns:a14="http://schemas.microsoft.com/office/drawing/2007/7/7/main" val="000000" mc:Ignorable="">
+                    <a:srgbClr val="000000">
                       <a:alpha val="70000"/>
                     </a:srgbClr>
                   </a:outerShdw>
@@ -20784,7 +27432,7 @@
           <a:p>
             <a:pPr indent="273050" eaLnBrk="1" hangingPunct="1">
               <a:buClr>
-                <a:srgbClr xmlns:mc="http://schemas.openxmlformats.org/markup-compatibility/2006" xmlns:a14="http://schemas.microsoft.com/office/drawing/2007/7/7/main" val="C44F00" mc:Ignorable=""/>
+                <a:srgbClr val="C44F00"/>
               </a:buClr>
               <a:buFont typeface="Calibri" pitchFamily="34" charset="0"/>
               <a:buAutoNum type="arabicPeriod"/>
@@ -20806,7 +27454,7 @@
           <a:p>
             <a:pPr indent="273050" eaLnBrk="1" hangingPunct="1">
               <a:buClr>
-                <a:srgbClr xmlns:mc="http://schemas.openxmlformats.org/markup-compatibility/2006" xmlns:a14="http://schemas.microsoft.com/office/drawing/2007/7/7/main" val="C44F00" mc:Ignorable=""/>
+                <a:srgbClr val="C44F00"/>
               </a:buClr>
               <a:buFont typeface="Calibri" pitchFamily="34" charset="0"/>
               <a:buAutoNum type="arabicPeriod"/>
@@ -20825,7 +27473,7 @@
           <a:p>
             <a:pPr indent="273050" eaLnBrk="1" hangingPunct="1">
               <a:buClr>
-                <a:srgbClr xmlns:mc="http://schemas.openxmlformats.org/markup-compatibility/2006" xmlns:a14="http://schemas.microsoft.com/office/drawing/2007/7/7/main" val="C44F00" mc:Ignorable=""/>
+                <a:srgbClr val="C44F00"/>
               </a:buClr>
               <a:buFont typeface="Calibri" pitchFamily="34" charset="0"/>
               <a:buAutoNum type="arabicPeriod"/>
@@ -20847,7 +27495,7 @@
           <a:p>
             <a:pPr indent="273050" eaLnBrk="1" hangingPunct="1">
               <a:buClr>
-                <a:srgbClr xmlns:mc="http://schemas.openxmlformats.org/markup-compatibility/2006" xmlns:a14="http://schemas.microsoft.com/office/drawing/2007/7/7/main" val="C44F00" mc:Ignorable=""/>
+                <a:srgbClr val="C44F00"/>
               </a:buClr>
               <a:buFont typeface="Calibri" pitchFamily="34" charset="0"/>
               <a:buAutoNum type="arabicPeriod"/>
@@ -20866,7 +27514,7 @@
           <a:p>
             <a:pPr indent="273050" eaLnBrk="1" hangingPunct="1">
               <a:buClr>
-                <a:srgbClr xmlns:mc="http://schemas.openxmlformats.org/markup-compatibility/2006" xmlns:a14="http://schemas.microsoft.com/office/drawing/2007/7/7/main" val="C44F00" mc:Ignorable=""/>
+                <a:srgbClr val="C44F00"/>
               </a:buClr>
               <a:buFont typeface="Calibri" pitchFamily="34" charset="0"/>
               <a:buAutoNum type="arabicPeriod"/>
@@ -20888,7 +27536,7 @@
           <a:p>
             <a:pPr indent="273050" eaLnBrk="1" hangingPunct="1">
               <a:buClr>
-                <a:srgbClr xmlns:mc="http://schemas.openxmlformats.org/markup-compatibility/2006" xmlns:a14="http://schemas.microsoft.com/office/drawing/2007/7/7/main" val="C44F00" mc:Ignorable=""/>
+                <a:srgbClr val="C44F00"/>
               </a:buClr>
               <a:buFont typeface="Calibri" pitchFamily="34" charset="0"/>
               <a:buAutoNum type="arabicPeriod"/>
@@ -20907,7 +27555,7 @@
           <a:p>
             <a:pPr indent="273050" eaLnBrk="1" hangingPunct="1">
               <a:buClr>
-                <a:srgbClr xmlns:mc="http://schemas.openxmlformats.org/markup-compatibility/2006" xmlns:a14="http://schemas.microsoft.com/office/drawing/2007/7/7/main" val="C44F00" mc:Ignorable=""/>
+                <a:srgbClr val="C44F00"/>
               </a:buClr>
               <a:buFont typeface="Calibri" pitchFamily="34" charset="0"/>
               <a:buAutoNum type="arabicPeriod"/>
@@ -20963,7 +27611,7 @@
             </a:avLst>
           </a:prstGeom>
           <a:solidFill>
-            <a:srgbClr xmlns:mc="http://schemas.openxmlformats.org/markup-compatibility/2006" xmlns:a14="http://schemas.microsoft.com/office/drawing/2007/7/7/main" val="FFFFFF" mc:Ignorable="">
+            <a:srgbClr val="FFFFFF">
               <a:shade val="85000"/>
             </a:srgbClr>
           </a:solidFill>
@@ -20983,7 +27631,7 @@
     </p:spTree>
     <p:extLst>
       <p:ext uri="{BB962C8B-B14F-4D97-AF65-F5344CB8AC3E}">
-        <p14:creationId xmlns:p14="http://schemas.microsoft.com/office/powerpoint/2007/7/12/main" val="2737251238"/>
+        <p14:creationId xmlns:p14="http://schemas.microsoft.com/office/powerpoint/2007/7/12/main" xmlns="" val="2737251238"/>
       </p:ext>
     </p:extLst>
   </p:cSld>
@@ -20993,7 +27641,7 @@
   <p:timing>
     <p:tnLst>
       <p:par>
-        <p:cTn xmlns:p14="http://schemas.microsoft.com/office/powerpoint/2007/7/12/main" id="1" dur="indefinite" restart="never" nodeType="tmRoot"/>
+        <p:cTn id="1" dur="indefinite" restart="never" nodeType="tmRoot"/>
       </p:par>
     </p:tnLst>
   </p:timing>
@@ -21011,34 +27659,34 @@
         <a:sysClr val="window" lastClr="FFFFFF"/>
       </a:lt1>
       <a:dk2>
-        <a:srgbClr xmlns:mc="http://schemas.openxmlformats.org/markup-compatibility/2006" xmlns:a14="http://schemas.microsoft.com/office/drawing/2007/7/7/main" val="424456" mc:Ignorable=""/>
+        <a:srgbClr val="424456"/>
       </a:dk2>
       <a:lt2>
-        <a:srgbClr xmlns:mc="http://schemas.openxmlformats.org/markup-compatibility/2006" xmlns:a14="http://schemas.microsoft.com/office/drawing/2007/7/7/main" val="DEDEDE" mc:Ignorable=""/>
+        <a:srgbClr val="DEDEDE"/>
       </a:lt2>
       <a:accent1>
-        <a:srgbClr xmlns:mc="http://schemas.openxmlformats.org/markup-compatibility/2006" xmlns:a14="http://schemas.microsoft.com/office/drawing/2007/7/7/main" val="53548A" mc:Ignorable=""/>
+        <a:srgbClr val="53548A"/>
       </a:accent1>
       <a:accent2>
-        <a:srgbClr xmlns:mc="http://schemas.openxmlformats.org/markup-compatibility/2006" xmlns:a14="http://schemas.microsoft.com/office/drawing/2007/7/7/main" val="438086" mc:Ignorable=""/>
+        <a:srgbClr val="438086"/>
       </a:accent2>
       <a:accent3>
-        <a:srgbClr xmlns:mc="http://schemas.openxmlformats.org/markup-compatibility/2006" xmlns:a14="http://schemas.microsoft.com/office/drawing/2007/7/7/main" val="A04DA3" mc:Ignorable=""/>
+        <a:srgbClr val="A04DA3"/>
       </a:accent3>
       <a:accent4>
-        <a:srgbClr xmlns:mc="http://schemas.openxmlformats.org/markup-compatibility/2006" xmlns:a14="http://schemas.microsoft.com/office/drawing/2007/7/7/main" val="C4652D" mc:Ignorable=""/>
+        <a:srgbClr val="C4652D"/>
       </a:accent4>
       <a:accent5>
-        <a:srgbClr xmlns:mc="http://schemas.openxmlformats.org/markup-compatibility/2006" xmlns:a14="http://schemas.microsoft.com/office/drawing/2007/7/7/main" val="8B5D3D" mc:Ignorable=""/>
+        <a:srgbClr val="8B5D3D"/>
       </a:accent5>
       <a:accent6>
-        <a:srgbClr xmlns:mc="http://schemas.openxmlformats.org/markup-compatibility/2006" xmlns:a14="http://schemas.microsoft.com/office/drawing/2007/7/7/main" val="5C92B5" mc:Ignorable=""/>
+        <a:srgbClr val="5C92B5"/>
       </a:accent6>
       <a:hlink>
-        <a:srgbClr xmlns:mc="http://schemas.openxmlformats.org/markup-compatibility/2006" xmlns:a14="http://schemas.microsoft.com/office/drawing/2007/7/7/main" val="67AFBD" mc:Ignorable=""/>
+        <a:srgbClr val="67AFBD"/>
       </a:hlink>
       <a:folHlink>
-        <a:srgbClr xmlns:mc="http://schemas.openxmlformats.org/markup-compatibility/2006" xmlns:a14="http://schemas.microsoft.com/office/drawing/2007/7/7/main" val="C2A874" mc:Ignorable=""/>
+        <a:srgbClr val="C2A874"/>
       </a:folHlink>
     </a:clrScheme>
     <a:fontScheme name="Office">
@@ -21189,7 +27837,7 @@
         <a:effectStyle>
           <a:effectLst>
             <a:outerShdw blurRad="65500" dist="38100" dir="5400000" rotWithShape="0">
-              <a:srgbClr xmlns:mc="http://schemas.openxmlformats.org/markup-compatibility/2006" xmlns:a14="http://schemas.microsoft.com/office/drawing/2007/7/7/main" val="000000" mc:Ignorable="">
+              <a:srgbClr val="000000">
                 <a:alpha val="40000"/>
               </a:srgbClr>
             </a:outerShdw>
@@ -21198,7 +27846,7 @@
         <a:effectStyle>
           <a:effectLst>
             <a:outerShdw blurRad="65500" dist="38100" dir="5400000" rotWithShape="0">
-              <a:srgbClr xmlns:mc="http://schemas.openxmlformats.org/markup-compatibility/2006" xmlns:a14="http://schemas.microsoft.com/office/drawing/2007/7/7/main" val="000000" mc:Ignorable="">
+              <a:srgbClr val="000000">
                 <a:alpha val="40000"/>
               </a:srgbClr>
             </a:outerShdw>
@@ -21207,7 +27855,7 @@
         <a:effectStyle>
           <a:effectLst>
             <a:outerShdw blurRad="65500" dist="38100" dir="5400000" rotWithShape="0">
-              <a:srgbClr xmlns:mc="http://schemas.openxmlformats.org/markup-compatibility/2006" xmlns:a14="http://schemas.microsoft.com/office/drawing/2007/7/7/main" val="000000" mc:Ignorable="">
+              <a:srgbClr val="000000">
                 <a:alpha val="40000"/>
               </a:srgbClr>
             </a:outerShdw>
@@ -21337,34 +27985,34 @@
         <a:sysClr val="window" lastClr="FFFFFF"/>
       </a:lt1>
       <a:dk2>
-        <a:srgbClr xmlns:mc="http://schemas.openxmlformats.org/markup-compatibility/2006" xmlns:a14="http://schemas.microsoft.com/office/drawing/2007/7/7/main" val="1F497D" mc:Ignorable=""/>
+        <a:srgbClr val="1F497D"/>
       </a:dk2>
       <a:lt2>
-        <a:srgbClr xmlns:mc="http://schemas.openxmlformats.org/markup-compatibility/2006" xmlns:a14="http://schemas.microsoft.com/office/drawing/2007/7/7/main" val="EEECE1" mc:Ignorable=""/>
+        <a:srgbClr val="EEECE1"/>
       </a:lt2>
       <a:accent1>
-        <a:srgbClr xmlns:mc="http://schemas.openxmlformats.org/markup-compatibility/2006" xmlns:a14="http://schemas.microsoft.com/office/drawing/2007/7/7/main" val="4F81BD" mc:Ignorable=""/>
+        <a:srgbClr val="4F81BD"/>
       </a:accent1>
       <a:accent2>
-        <a:srgbClr xmlns:mc="http://schemas.openxmlformats.org/markup-compatibility/2006" xmlns:a14="http://schemas.microsoft.com/office/drawing/2007/7/7/main" val="C0504D" mc:Ignorable=""/>
+        <a:srgbClr val="C0504D"/>
       </a:accent2>
       <a:accent3>
-        <a:srgbClr xmlns:mc="http://schemas.openxmlformats.org/markup-compatibility/2006" xmlns:a14="http://schemas.microsoft.com/office/drawing/2007/7/7/main" val="9BBB59" mc:Ignorable=""/>
+        <a:srgbClr val="9BBB59"/>
       </a:accent3>
       <a:accent4>
-        <a:srgbClr xmlns:mc="http://schemas.openxmlformats.org/markup-compatibility/2006" xmlns:a14="http://schemas.microsoft.com/office/drawing/2007/7/7/main" val="8064A2" mc:Ignorable=""/>
+        <a:srgbClr val="8064A2"/>
       </a:accent4>
       <a:accent5>
-        <a:srgbClr xmlns:mc="http://schemas.openxmlformats.org/markup-compatibility/2006" xmlns:a14="http://schemas.microsoft.com/office/drawing/2007/7/7/main" val="4BACC6" mc:Ignorable=""/>
+        <a:srgbClr val="4BACC6"/>
       </a:accent5>
       <a:accent6>
-        <a:srgbClr xmlns:mc="http://schemas.openxmlformats.org/markup-compatibility/2006" xmlns:a14="http://schemas.microsoft.com/office/drawing/2007/7/7/main" val="F79646" mc:Ignorable=""/>
+        <a:srgbClr val="F79646"/>
       </a:accent6>
       <a:hlink>
-        <a:srgbClr xmlns:mc="http://schemas.openxmlformats.org/markup-compatibility/2006" xmlns:a14="http://schemas.microsoft.com/office/drawing/2007/7/7/main" val="0000FF" mc:Ignorable=""/>
+        <a:srgbClr val="0000FF"/>
       </a:hlink>
       <a:folHlink>
-        <a:srgbClr xmlns:mc="http://schemas.openxmlformats.org/markup-compatibility/2006" xmlns:a14="http://schemas.microsoft.com/office/drawing/2007/7/7/main" val="800080" mc:Ignorable=""/>
+        <a:srgbClr val="800080"/>
       </a:folHlink>
     </a:clrScheme>
     <a:fontScheme name="Office">
@@ -21516,7 +28164,7 @@
         <a:effectStyle>
           <a:effectLst>
             <a:outerShdw blurRad="40000" dist="20000" dir="5400000" rotWithShape="0">
-              <a:srgbClr xmlns:mc="http://schemas.openxmlformats.org/markup-compatibility/2006" xmlns:a14="http://schemas.microsoft.com/office/drawing/2007/7/7/main" val="000000" mc:Ignorable="">
+              <a:srgbClr val="000000">
                 <a:alpha val="38000"/>
               </a:srgbClr>
             </a:outerShdw>
@@ -21525,7 +28173,7 @@
         <a:effectStyle>
           <a:effectLst>
             <a:outerShdw blurRad="40000" dist="23000" dir="5400000" rotWithShape="0">
-              <a:srgbClr xmlns:mc="http://schemas.openxmlformats.org/markup-compatibility/2006" xmlns:a14="http://schemas.microsoft.com/office/drawing/2007/7/7/main" val="000000" mc:Ignorable="">
+              <a:srgbClr val="000000">
                 <a:alpha val="35000"/>
               </a:srgbClr>
             </a:outerShdw>
@@ -21534,7 +28182,7 @@
         <a:effectStyle>
           <a:effectLst>
             <a:outerShdw blurRad="40000" dist="23000" dir="5400000" rotWithShape="0">
-              <a:srgbClr xmlns:mc="http://schemas.openxmlformats.org/markup-compatibility/2006" xmlns:a14="http://schemas.microsoft.com/office/drawing/2007/7/7/main" val="000000" mc:Ignorable="">
+              <a:srgbClr val="000000">
                 <a:alpha val="35000"/>
               </a:srgbClr>
             </a:outerShdw>
@@ -21620,34 +28268,34 @@
         <a:sysClr val="window" lastClr="FFFFFF"/>
       </a:lt1>
       <a:dk2>
-        <a:srgbClr xmlns:mc="http://schemas.openxmlformats.org/markup-compatibility/2006" xmlns:a14="http://schemas.microsoft.com/office/drawing/2007/7/7/main" val="1F497D" mc:Ignorable=""/>
+        <a:srgbClr val="1F497D"/>
       </a:dk2>
       <a:lt2>
-        <a:srgbClr xmlns:mc="http://schemas.openxmlformats.org/markup-compatibility/2006" xmlns:a14="http://schemas.microsoft.com/office/drawing/2007/7/7/main" val="EEECE1" mc:Ignorable=""/>
+        <a:srgbClr val="EEECE1"/>
       </a:lt2>
       <a:accent1>
-        <a:srgbClr xmlns:mc="http://schemas.openxmlformats.org/markup-compatibility/2006" xmlns:a14="http://schemas.microsoft.com/office/drawing/2007/7/7/main" val="4F81BD" mc:Ignorable=""/>
+        <a:srgbClr val="4F81BD"/>
       </a:accent1>
       <a:accent2>
-        <a:srgbClr xmlns:mc="http://schemas.openxmlformats.org/markup-compatibility/2006" xmlns:a14="http://schemas.microsoft.com/office/drawing/2007/7/7/main" val="C0504D" mc:Ignorable=""/>
+        <a:srgbClr val="C0504D"/>
       </a:accent2>
       <a:accent3>
-        <a:srgbClr xmlns:mc="http://schemas.openxmlformats.org/markup-compatibility/2006" xmlns:a14="http://schemas.microsoft.com/office/drawing/2007/7/7/main" val="9BBB59" mc:Ignorable=""/>
+        <a:srgbClr val="9BBB59"/>
       </a:accent3>
       <a:accent4>
-        <a:srgbClr xmlns:mc="http://schemas.openxmlformats.org/markup-compatibility/2006" xmlns:a14="http://schemas.microsoft.com/office/drawing/2007/7/7/main" val="8064A2" mc:Ignorable=""/>
+        <a:srgbClr val="8064A2"/>
       </a:accent4>
       <a:accent5>
-        <a:srgbClr xmlns:mc="http://schemas.openxmlformats.org/markup-compatibility/2006" xmlns:a14="http://schemas.microsoft.com/office/drawing/2007/7/7/main" val="4BACC6" mc:Ignorable=""/>
+        <a:srgbClr val="4BACC6"/>
       </a:accent5>
       <a:accent6>
-        <a:srgbClr xmlns:mc="http://schemas.openxmlformats.org/markup-compatibility/2006" xmlns:a14="http://schemas.microsoft.com/office/drawing/2007/7/7/main" val="F79646" mc:Ignorable=""/>
+        <a:srgbClr val="F79646"/>
       </a:accent6>
       <a:hlink>
-        <a:srgbClr xmlns:mc="http://schemas.openxmlformats.org/markup-compatibility/2006" xmlns:a14="http://schemas.microsoft.com/office/drawing/2007/7/7/main" val="0000FF" mc:Ignorable=""/>
+        <a:srgbClr val="0000FF"/>
       </a:hlink>
       <a:folHlink>
-        <a:srgbClr xmlns:mc="http://schemas.openxmlformats.org/markup-compatibility/2006" xmlns:a14="http://schemas.microsoft.com/office/drawing/2007/7/7/main" val="800080" mc:Ignorable=""/>
+        <a:srgbClr val="800080"/>
       </a:folHlink>
     </a:clrScheme>
     <a:fontScheme name="Office">
@@ -21799,7 +28447,7 @@
         <a:effectStyle>
           <a:effectLst>
             <a:outerShdw blurRad="40000" dist="20000" dir="5400000" rotWithShape="0">
-              <a:srgbClr xmlns:mc="http://schemas.openxmlformats.org/markup-compatibility/2006" xmlns:a14="http://schemas.microsoft.com/office/drawing/2007/7/7/main" val="000000" mc:Ignorable="">
+              <a:srgbClr val="000000">
                 <a:alpha val="38000"/>
               </a:srgbClr>
             </a:outerShdw>
@@ -21808,7 +28456,7 @@
         <a:effectStyle>
           <a:effectLst>
             <a:outerShdw blurRad="40000" dist="23000" dir="5400000" rotWithShape="0">
-              <a:srgbClr xmlns:mc="http://schemas.openxmlformats.org/markup-compatibility/2006" xmlns:a14="http://schemas.microsoft.com/office/drawing/2007/7/7/main" val="000000" mc:Ignorable="">
+              <a:srgbClr val="000000">
                 <a:alpha val="35000"/>
               </a:srgbClr>
             </a:outerShdw>
@@ -21817,7 +28465,7 @@
         <a:effectStyle>
           <a:effectLst>
             <a:outerShdw blurRad="40000" dist="23000" dir="5400000" rotWithShape="0">
-              <a:srgbClr xmlns:mc="http://schemas.openxmlformats.org/markup-compatibility/2006" xmlns:a14="http://schemas.microsoft.com/office/drawing/2007/7/7/main" val="000000" mc:Ignorable="">
+              <a:srgbClr val="000000">
                 <a:alpha val="35000"/>
               </a:srgbClr>
             </a:outerShdw>

--- a/trunk/Project 1/Part Final/CS554_EuroTeam_Project1.pptx
+++ b/trunk/Project 1/Part Final/CS554_EuroTeam_Project1.pptx
@@ -2183,7 +2183,7 @@
   <dgm:whole/>
   <dgm:extLst>
     <a:ext uri="http://schemas.microsoft.com/office/drawing/2008/diagram">
-      <dsp:dataModelExt xmlns:dsp="http://schemas.microsoft.com/office/drawing/2008/diagram" xmlns="" relId="rId7" minVer="http://schemas.openxmlformats.org/drawingml/2006/diagram"/>
+      <dsp:dataModelExt xmlns="" xmlns:dsp="http://schemas.microsoft.com/office/drawing/2008/diagram" relId="rId7" minVer="http://schemas.openxmlformats.org/drawingml/2006/diagram"/>
     </a:ext>
   </dgm:extLst>
 </dgm:dataModel>
@@ -2761,7 +2761,7 @@
   <dgm:whole/>
   <dgm:extLst>
     <a:ext uri="http://schemas.microsoft.com/office/drawing/2008/diagram">
-      <dsp:dataModelExt xmlns:dsp="http://schemas.microsoft.com/office/drawing/2008/diagram" xmlns="" relId="rId6" minVer="http://schemas.openxmlformats.org/drawingml/2006/diagram"/>
+      <dsp:dataModelExt xmlns="" xmlns:dsp="http://schemas.microsoft.com/office/drawing/2008/diagram" relId="rId6" minVer="http://schemas.openxmlformats.org/drawingml/2006/diagram"/>
     </a:ext>
   </dgm:extLst>
 </dgm:dataModel>
@@ -5607,7 +5607,7 @@
     </p:spTree>
     <p:extLst>
       <p:ext uri="{BB962C8B-B14F-4D97-AF65-F5344CB8AC3E}">
-        <p14:creationId xmlns:p14="http://schemas.microsoft.com/office/powerpoint/2007/7/12/main" xmlns="" val="3216856891"/>
+        <p14:creationId xmlns="" xmlns:p14="http://schemas.microsoft.com/office/powerpoint/2007/7/12/main" val="3216856891"/>
       </p:ext>
     </p:extLst>
   </p:cSld>
@@ -5912,7 +5912,7 @@
     </p:spTree>
     <p:extLst>
       <p:ext uri="{BB962C8B-B14F-4D97-AF65-F5344CB8AC3E}">
-        <p14:creationId xmlns:p14="http://schemas.microsoft.com/office/powerpoint/2007/7/12/main" xmlns="" val="3483236166"/>
+        <p14:creationId xmlns="" xmlns:p14="http://schemas.microsoft.com/office/powerpoint/2007/7/12/main" val="3483236166"/>
       </p:ext>
     </p:extLst>
   </p:cSld>
@@ -6086,102 +6086,7 @@
           <a:bodyPr/>
           <a:lstStyle/>
           <a:p>
-            <a:r>
-              <a:rPr lang="fr-FR" dirty="0" err="1" smtClean="0"/>
-              <a:t>Problem</a:t>
-            </a:r>
-            <a:r>
-              <a:rPr lang="fr-FR" dirty="0" smtClean="0"/>
-              <a:t> frames technique </a:t>
-            </a:r>
-            <a:r>
-              <a:rPr lang="fr-FR" dirty="0" err="1" smtClean="0"/>
-              <a:t>provides</a:t>
-            </a:r>
-            <a:r>
-              <a:rPr lang="fr-FR" dirty="0" smtClean="0"/>
-              <a:t> patterns </a:t>
-            </a:r>
-            <a:r>
-              <a:rPr lang="fr-FR" dirty="0" err="1" smtClean="0"/>
-              <a:t>that</a:t>
-            </a:r>
-            <a:r>
-              <a:rPr lang="fr-FR" dirty="0" smtClean="0"/>
-              <a:t> </a:t>
-            </a:r>
-            <a:r>
-              <a:rPr lang="fr-FR" dirty="0" err="1" smtClean="0"/>
-              <a:t>allows</a:t>
-            </a:r>
-            <a:r>
-              <a:rPr lang="fr-FR" dirty="0" smtClean="0"/>
-              <a:t> us to </a:t>
-            </a:r>
-            <a:r>
-              <a:rPr lang="fr-FR" dirty="0" err="1" smtClean="0"/>
-              <a:t>identify</a:t>
-            </a:r>
-            <a:r>
-              <a:rPr lang="fr-FR" dirty="0" smtClean="0"/>
-              <a:t> </a:t>
-            </a:r>
-            <a:r>
-              <a:rPr lang="fr-FR" dirty="0" err="1" smtClean="0"/>
-              <a:t>each</a:t>
-            </a:r>
-            <a:r>
-              <a:rPr lang="fr-FR" dirty="0" smtClean="0"/>
-              <a:t> </a:t>
-            </a:r>
-            <a:r>
-              <a:rPr lang="fr-FR" dirty="0" err="1" smtClean="0"/>
-              <a:t>decomposed</a:t>
-            </a:r>
-            <a:r>
-              <a:rPr lang="fr-FR" dirty="0" smtClean="0"/>
-              <a:t> </a:t>
-            </a:r>
-            <a:r>
-              <a:rPr lang="fr-FR" dirty="0" err="1" smtClean="0"/>
-              <a:t>problem</a:t>
-            </a:r>
-            <a:r>
-              <a:rPr lang="fr-FR" dirty="0" smtClean="0"/>
-              <a:t> as a </a:t>
-            </a:r>
-            <a:r>
-              <a:rPr lang="fr-FR" dirty="0" err="1" smtClean="0"/>
-              <a:t>singular</a:t>
-            </a:r>
-            <a:r>
-              <a:rPr lang="fr-FR" dirty="0" smtClean="0"/>
-              <a:t> </a:t>
-            </a:r>
-            <a:r>
-              <a:rPr lang="fr-FR" dirty="0" err="1" smtClean="0"/>
-              <a:t>problem</a:t>
-            </a:r>
-            <a:r>
-              <a:rPr lang="fr-FR" dirty="0" smtClean="0"/>
-              <a:t> </a:t>
-            </a:r>
-            <a:r>
-              <a:rPr lang="fr-FR" dirty="0" err="1" smtClean="0"/>
-              <a:t>belonging</a:t>
-            </a:r>
-            <a:r>
-              <a:rPr lang="fr-FR" dirty="0" smtClean="0"/>
-              <a:t> to a </a:t>
-            </a:r>
-            <a:r>
-              <a:rPr lang="fr-FR" dirty="0" err="1" smtClean="0"/>
-              <a:t>standardized</a:t>
-            </a:r>
-            <a:r>
-              <a:rPr lang="fr-FR" dirty="0" smtClean="0"/>
-              <a:t> type</a:t>
-            </a:r>
+            <a:endParaRPr lang="fr-FR" dirty="0" smtClean="0"/>
           </a:p>
         </p:txBody>
       </p:sp>
@@ -6217,7 +6122,7 @@
     </p:spTree>
     <p:extLst>
       <p:ext uri="{BB962C8B-B14F-4D97-AF65-F5344CB8AC3E}">
-        <p14:creationId xmlns:p14="http://schemas.microsoft.com/office/powerpoint/2007/7/12/main" xmlns="" val="3392303487"/>
+        <p14:creationId xmlns="" xmlns:p14="http://schemas.microsoft.com/office/powerpoint/2007/7/12/main" val="3392303487"/>
       </p:ext>
     </p:extLst>
   </p:cSld>
@@ -7999,7 +7904,7 @@
           <a:blip r:embed="rId4">
             <a:extLst>
               <a:ext uri="28A0092B-C50C-407e-A947-70E740481C1C">
-                <a14:useLocalDpi xmlns:a14="http://schemas.microsoft.com/office/drawing/2007/7/7/main" xmlns="" val="0"/>
+                <a14:useLocalDpi xmlns="" xmlns:a14="http://schemas.microsoft.com/office/drawing/2007/7/7/main" val="0"/>
               </a:ext>
             </a:extLst>
           </a:blip>
@@ -8019,14 +7924,14 @@
           <a:noFill/>
           <a:extLst>
             <a:ext uri="{909E8E84-426E-40dd-AFC4-6F175D3DCCD1}">
-              <a14:hiddenFill xmlns:a14="http://schemas.microsoft.com/office/drawing/2007/7/7/main" xmlns="">
+              <a14:hiddenFill xmlns="" xmlns:a14="http://schemas.microsoft.com/office/drawing/2007/7/7/main">
                 <a:solidFill>
                   <a:schemeClr val="accent1"/>
                 </a:solidFill>
               </a14:hiddenFill>
             </a:ext>
             <a:ext uri="{91240B29-F687-4f45-9708-019B960494DF}">
-              <a14:hiddenLine xmlns:a14="http://schemas.microsoft.com/office/drawing/2007/7/7/main" xmlns="" w="9525">
+              <a14:hiddenLine xmlns="" xmlns:a14="http://schemas.microsoft.com/office/drawing/2007/7/7/main" w="9525">
                 <a:solidFill>
                   <a:schemeClr val="tx1"/>
                 </a:solidFill>
@@ -8036,7 +7941,7 @@
               </a14:hiddenLine>
             </a:ext>
             <a:ext uri="{AF507438-7753-43e0-B8FC-AC1667EBCBE1}">
-              <a14:hiddenEffects xmlns:a14="http://schemas.microsoft.com/office/drawing/2007/7/7/main" xmlns="">
+              <a14:hiddenEffects xmlns="" xmlns:a14="http://schemas.microsoft.com/office/drawing/2007/7/7/main">
                 <a:effectLst>
                   <a:outerShdw dist="35921" dir="2700000" algn="ctr" rotWithShape="0">
                     <a:schemeClr val="bg2"/>
@@ -8050,7 +7955,7 @@
     </p:spTree>
     <p:extLst>
       <p:ext uri="{BB962C8B-B14F-4D97-AF65-F5344CB8AC3E}">
-        <p14:creationId xmlns:p14="http://schemas.microsoft.com/office/powerpoint/2007/7/12/main" xmlns="" val="1066328049"/>
+        <p14:creationId xmlns="" xmlns:p14="http://schemas.microsoft.com/office/powerpoint/2007/7/12/main" val="1066328049"/>
       </p:ext>
     </p:extLst>
   </p:cSld>
@@ -8504,19 +8409,7 @@
                 <a:latin typeface="+mn-lt"/>
                 <a:cs typeface="+mn-cs"/>
               </a:rPr>
-              <a:t> / </a:t>
-            </a:r>
-            <a:r>
-              <a:rPr lang="fr-FR" sz="1100" b="1" kern="0" dirty="0" smtClean="0">
-                <a:solidFill>
-                  <a:schemeClr val="bg1">
-                    <a:lumMod val="65000"/>
-                  </a:schemeClr>
-                </a:solidFill>
-                <a:latin typeface="+mn-lt"/>
-                <a:cs typeface="+mn-cs"/>
-              </a:rPr>
-              <a:t>24    </a:t>
+              <a:t> / 24    </a:t>
             </a:r>
             <a:endParaRPr lang="fr-FR" sz="1100" b="1" kern="0" dirty="0">
               <a:solidFill>
@@ -9657,7 +9550,7 @@
           <a:blip r:embed="rId2">
             <a:extLst>
               <a:ext uri="28A0092B-C50C-407e-A947-70E740481C1C">
-                <a14:useLocalDpi xmlns:a14="http://schemas.microsoft.com/office/drawing/2007/7/7/main" xmlns="" val="0"/>
+                <a14:useLocalDpi xmlns="" xmlns:a14="http://schemas.microsoft.com/office/drawing/2007/7/7/main" val="0"/>
               </a:ext>
             </a:extLst>
           </a:blip>
@@ -9686,7 +9579,7 @@
           </a:effectLst>
           <a:extLst>
             <a:ext uri="{909E8E84-426E-40dd-AFC4-6F175D3DCCD1}">
-              <a14:hiddenFill xmlns:a14="http://schemas.microsoft.com/office/drawing/2007/7/7/main" xmlns="">
+              <a14:hiddenFill xmlns="" xmlns:a14="http://schemas.microsoft.com/office/drawing/2007/7/7/main">
                 <a:solidFill>
                   <a:srgbClr xmlns:mc="http://schemas.openxmlformats.org/markup-compatibility/2006" val="FFFFFF" mc:Ignorable=""/>
                 </a:solidFill>
@@ -10198,7 +10091,7 @@
     </p:spTree>
     <p:extLst>
       <p:ext uri="{BB962C8B-B14F-4D97-AF65-F5344CB8AC3E}">
-        <p14:creationId xmlns:p14="http://schemas.microsoft.com/office/powerpoint/2007/7/12/main" xmlns="" val="3147034357"/>
+        <p14:creationId xmlns="" xmlns:p14="http://schemas.microsoft.com/office/powerpoint/2007/7/12/main" val="3147034357"/>
       </p:ext>
     </p:extLst>
   </p:cSld>
@@ -10298,7 +10191,7 @@
           <a:blip r:embed="rId2">
             <a:extLst>
               <a:ext uri="28A0092B-C50C-407e-A947-70E740481C1C">
-                <a14:useLocalDpi xmlns:a14="http://schemas.microsoft.com/office/drawing/2007/7/7/main" xmlns="" val="0"/>
+                <a14:useLocalDpi xmlns="" xmlns:a14="http://schemas.microsoft.com/office/drawing/2007/7/7/main" val="0"/>
               </a:ext>
             </a:extLst>
           </a:blip>
@@ -10327,14 +10220,14 @@
           </a:effectLst>
           <a:extLst>
             <a:ext uri="{909E8E84-426E-40dd-AFC4-6F175D3DCCD1}">
-              <a14:hiddenFill xmlns:a14="http://schemas.microsoft.com/office/drawing/2007/7/7/main" xmlns="">
+              <a14:hiddenFill xmlns="" xmlns:a14="http://schemas.microsoft.com/office/drawing/2007/7/7/main">
                 <a:solidFill>
                   <a:srgbClr xmlns:mc="http://schemas.openxmlformats.org/markup-compatibility/2006" val="FFFFFF" mc:Ignorable=""/>
                 </a:solidFill>
               </a14:hiddenFill>
             </a:ext>
             <a:ext uri="{53640926-AAD7-44d8-BBD7-CCE9431645EC}">
-              <a14:shadowObscured xmlns:a14="http://schemas.microsoft.com/office/drawing/2007/7/7/main" xmlns="" val="1"/>
+              <a14:shadowObscured xmlns="" xmlns:a14="http://schemas.microsoft.com/office/drawing/2007/7/7/main" val="1"/>
             </a:ext>
           </a:extLst>
         </p:spPr>
@@ -10842,7 +10735,7 @@
     </p:spTree>
     <p:extLst>
       <p:ext uri="{BB962C8B-B14F-4D97-AF65-F5344CB8AC3E}">
-        <p14:creationId xmlns:p14="http://schemas.microsoft.com/office/powerpoint/2007/7/12/main" xmlns="" val="4259651497"/>
+        <p14:creationId xmlns="" xmlns:p14="http://schemas.microsoft.com/office/powerpoint/2007/7/12/main" val="4259651497"/>
       </p:ext>
     </p:extLst>
   </p:cSld>
@@ -10974,7 +10867,7 @@
           <a:blip r:embed="rId2">
             <a:extLst>
               <a:ext uri="28A0092B-C50C-407e-A947-70E740481C1C">
-                <a14:useLocalDpi xmlns:a14="http://schemas.microsoft.com/office/drawing/2007/7/7/main" xmlns="" val="0"/>
+                <a14:useLocalDpi xmlns="" xmlns:a14="http://schemas.microsoft.com/office/drawing/2007/7/7/main" val="0"/>
               </a:ext>
             </a:extLst>
           </a:blip>
@@ -10994,14 +10887,14 @@
           <a:noFill/>
           <a:extLst>
             <a:ext uri="{909E8E84-426E-40dd-AFC4-6F175D3DCCD1}">
-              <a14:hiddenFill xmlns:a14="http://schemas.microsoft.com/office/drawing/2007/7/7/main" xmlns="">
+              <a14:hiddenFill xmlns="" xmlns:a14="http://schemas.microsoft.com/office/drawing/2007/7/7/main">
                 <a:solidFill>
                   <a:srgbClr xmlns:mc="http://schemas.openxmlformats.org/markup-compatibility/2006" val="FFFFFF" mc:Ignorable=""/>
                 </a:solidFill>
               </a14:hiddenFill>
             </a:ext>
             <a:ext uri="{53640926-AAD7-44d8-BBD7-CCE9431645EC}">
-              <a14:shadowObscured xmlns:a14="http://schemas.microsoft.com/office/drawing/2007/7/7/main" xmlns="" val="1"/>
+              <a14:shadowObscured xmlns="" xmlns:a14="http://schemas.microsoft.com/office/drawing/2007/7/7/main" val="1"/>
             </a:ext>
           </a:extLst>
         </p:spPr>
@@ -11009,7 +10902,7 @@
     </p:spTree>
     <p:extLst>
       <p:ext uri="{BB962C8B-B14F-4D97-AF65-F5344CB8AC3E}">
-        <p14:creationId xmlns:p14="http://schemas.microsoft.com/office/powerpoint/2007/7/12/main" xmlns="" val="4241276353"/>
+        <p14:creationId xmlns="" xmlns:p14="http://schemas.microsoft.com/office/powerpoint/2007/7/12/main" val="4241276353"/>
       </p:ext>
     </p:extLst>
   </p:cSld>
@@ -11121,7 +11014,7 @@
           <a:blip r:embed="rId2">
             <a:extLst>
               <a:ext uri="28A0092B-C50C-407e-A947-70E740481C1C">
-                <a14:useLocalDpi xmlns:a14="http://schemas.microsoft.com/office/drawing/2007/7/7/main" xmlns="" val="0"/>
+                <a14:useLocalDpi xmlns="" xmlns:a14="http://schemas.microsoft.com/office/drawing/2007/7/7/main" val="0"/>
               </a:ext>
             </a:extLst>
           </a:blip>
@@ -11150,14 +11043,14 @@
           </a:effectLst>
           <a:extLst>
             <a:ext uri="{909E8E84-426E-40dd-AFC4-6F175D3DCCD1}">
-              <a14:hiddenFill xmlns:a14="http://schemas.microsoft.com/office/drawing/2007/7/7/main" xmlns="">
+              <a14:hiddenFill xmlns="" xmlns:a14="http://schemas.microsoft.com/office/drawing/2007/7/7/main">
                 <a:solidFill>
                   <a:srgbClr xmlns:mc="http://schemas.openxmlformats.org/markup-compatibility/2006" val="FFFFFF" mc:Ignorable=""/>
                 </a:solidFill>
               </a14:hiddenFill>
             </a:ext>
             <a:ext uri="{53640926-AAD7-44d8-BBD7-CCE9431645EC}">
-              <a14:shadowObscured xmlns:a14="http://schemas.microsoft.com/office/drawing/2007/7/7/main" xmlns="" val="1"/>
+              <a14:shadowObscured xmlns="" xmlns:a14="http://schemas.microsoft.com/office/drawing/2007/7/7/main" val="1"/>
             </a:ext>
           </a:extLst>
         </p:spPr>
@@ -11665,7 +11558,7 @@
     </p:spTree>
     <p:extLst>
       <p:ext uri="{BB962C8B-B14F-4D97-AF65-F5344CB8AC3E}">
-        <p14:creationId xmlns:p14="http://schemas.microsoft.com/office/powerpoint/2007/7/12/main" xmlns="" val="3699348174"/>
+        <p14:creationId xmlns="" xmlns:p14="http://schemas.microsoft.com/office/powerpoint/2007/7/12/main" val="3699348174"/>
       </p:ext>
     </p:extLst>
   </p:cSld>
@@ -11797,7 +11690,7 @@
           <a:blip r:embed="rId2">
             <a:extLst>
               <a:ext uri="28A0092B-C50C-407e-A947-70E740481C1C">
-                <a14:useLocalDpi xmlns:a14="http://schemas.microsoft.com/office/drawing/2007/7/7/main" xmlns="" val="0"/>
+                <a14:useLocalDpi xmlns="" xmlns:a14="http://schemas.microsoft.com/office/drawing/2007/7/7/main" val="0"/>
               </a:ext>
             </a:extLst>
           </a:blip>
@@ -11817,14 +11710,14 @@
           <a:noFill/>
           <a:extLst>
             <a:ext uri="{909E8E84-426E-40dd-AFC4-6F175D3DCCD1}">
-              <a14:hiddenFill xmlns:a14="http://schemas.microsoft.com/office/drawing/2007/7/7/main" xmlns="">
+              <a14:hiddenFill xmlns="" xmlns:a14="http://schemas.microsoft.com/office/drawing/2007/7/7/main">
                 <a:solidFill>
                   <a:srgbClr xmlns:mc="http://schemas.openxmlformats.org/markup-compatibility/2006" val="FFFFFF" mc:Ignorable=""/>
                 </a:solidFill>
               </a14:hiddenFill>
             </a:ext>
             <a:ext uri="{53640926-AAD7-44d8-BBD7-CCE9431645EC}">
-              <a14:shadowObscured xmlns:a14="http://schemas.microsoft.com/office/drawing/2007/7/7/main" xmlns="" val="1"/>
+              <a14:shadowObscured xmlns="" xmlns:a14="http://schemas.microsoft.com/office/drawing/2007/7/7/main" val="1"/>
             </a:ext>
           </a:extLst>
         </p:spPr>
@@ -11832,7 +11725,7 @@
     </p:spTree>
     <p:extLst>
       <p:ext uri="{BB962C8B-B14F-4D97-AF65-F5344CB8AC3E}">
-        <p14:creationId xmlns:p14="http://schemas.microsoft.com/office/powerpoint/2007/7/12/main" xmlns="" val="3246030475"/>
+        <p14:creationId xmlns="" xmlns:p14="http://schemas.microsoft.com/office/powerpoint/2007/7/12/main" val="3246030475"/>
       </p:ext>
     </p:extLst>
   </p:cSld>
@@ -12327,7 +12220,7 @@
     </p:spTree>
     <p:extLst>
       <p:ext uri="{BB962C8B-B14F-4D97-AF65-F5344CB8AC3E}">
-        <p14:creationId xmlns:p14="http://schemas.microsoft.com/office/powerpoint/2007/7/12/main" xmlns="" val="1603447579"/>
+        <p14:creationId xmlns="" xmlns:p14="http://schemas.microsoft.com/office/powerpoint/2007/7/12/main" val="1603447579"/>
       </p:ext>
     </p:extLst>
   </p:cSld>
@@ -12423,7 +12316,7 @@
           <a:blip r:embed="rId2" cstate="print">
             <a:extLst>
               <a:ext uri="28A0092B-C50C-407e-A947-70E740481C1C">
-                <a14:useLocalDpi xmlns:a14="http://schemas.microsoft.com/office/drawing/2007/7/7/main" xmlns="" val="0"/>
+                <a14:useLocalDpi xmlns="" xmlns:a14="http://schemas.microsoft.com/office/drawing/2007/7/7/main" val="0"/>
               </a:ext>
             </a:extLst>
           </a:blip>
@@ -12443,14 +12336,14 @@
           <a:noFill/>
           <a:extLst>
             <a:ext uri="{909E8E84-426E-40dd-AFC4-6F175D3DCCD1}">
-              <a14:hiddenFill xmlns:a14="http://schemas.microsoft.com/office/drawing/2007/7/7/main" xmlns="">
+              <a14:hiddenFill xmlns="" xmlns:a14="http://schemas.microsoft.com/office/drawing/2007/7/7/main">
                 <a:solidFill>
                   <a:schemeClr val="accent1"/>
                 </a:solidFill>
               </a14:hiddenFill>
             </a:ext>
             <a:ext uri="{91240B29-F687-4f45-9708-019B960494DF}">
-              <a14:hiddenLine xmlns:a14="http://schemas.microsoft.com/office/drawing/2007/7/7/main" xmlns="" w="9525">
+              <a14:hiddenLine xmlns="" xmlns:a14="http://schemas.microsoft.com/office/drawing/2007/7/7/main" w="9525">
                 <a:solidFill>
                   <a:schemeClr val="tx1"/>
                 </a:solidFill>
@@ -12460,7 +12353,7 @@
               </a14:hiddenLine>
             </a:ext>
             <a:ext uri="{AF507438-7753-43e0-B8FC-AC1667EBCBE1}">
-              <a14:hiddenEffects xmlns:a14="http://schemas.microsoft.com/office/drawing/2007/7/7/main" xmlns="">
+              <a14:hiddenEffects xmlns="" xmlns:a14="http://schemas.microsoft.com/office/drawing/2007/7/7/main">
                 <a:effectLst>
                   <a:outerShdw dist="35921" dir="2700000" algn="ctr" rotWithShape="0">
                     <a:schemeClr val="bg2"/>
@@ -12968,7 +12861,7 @@
     </p:spTree>
     <p:extLst>
       <p:ext uri="{BB962C8B-B14F-4D97-AF65-F5344CB8AC3E}">
-        <p14:creationId xmlns:p14="http://schemas.microsoft.com/office/powerpoint/2007/7/12/main" xmlns="" val="1394414490"/>
+        <p14:creationId xmlns="" xmlns:p14="http://schemas.microsoft.com/office/powerpoint/2007/7/12/main" val="1394414490"/>
       </p:ext>
     </p:extLst>
   </p:cSld>
@@ -13064,7 +12957,7 @@
           <a:blip r:embed="rId2">
             <a:extLst>
               <a:ext uri="28A0092B-C50C-407e-A947-70E740481C1C">
-                <a14:useLocalDpi xmlns:a14="http://schemas.microsoft.com/office/drawing/2007/7/7/main" xmlns="" val="0"/>
+                <a14:useLocalDpi xmlns="" xmlns:a14="http://schemas.microsoft.com/office/drawing/2007/7/7/main" val="0"/>
               </a:ext>
             </a:extLst>
           </a:blip>
@@ -13084,7 +12977,7 @@
           <a:noFill/>
           <a:extLst>
             <a:ext uri="{909E8E84-426E-40dd-AFC4-6F175D3DCCD1}">
-              <a14:hiddenFill xmlns:a14="http://schemas.microsoft.com/office/drawing/2007/7/7/main" xmlns="">
+              <a14:hiddenFill xmlns="" xmlns:a14="http://schemas.microsoft.com/office/drawing/2007/7/7/main">
                 <a:solidFill>
                   <a:srgbClr xmlns:mc="http://schemas.openxmlformats.org/markup-compatibility/2006" val="FFFFFF" mc:Ignorable=""/>
                 </a:solidFill>
@@ -13590,7 +13483,7 @@
     </p:spTree>
     <p:extLst>
       <p:ext uri="{BB962C8B-B14F-4D97-AF65-F5344CB8AC3E}">
-        <p14:creationId xmlns:p14="http://schemas.microsoft.com/office/powerpoint/2007/7/12/main" xmlns="" val="4280331692"/>
+        <p14:creationId xmlns="" xmlns:p14="http://schemas.microsoft.com/office/powerpoint/2007/7/12/main" val="4280331692"/>
       </p:ext>
     </p:extLst>
   </p:cSld>
@@ -13698,7 +13591,7 @@
           <a:blip r:embed="rId2">
             <a:extLst>
               <a:ext uri="28A0092B-C50C-407e-A947-70E740481C1C">
-                <a14:useLocalDpi xmlns:a14="http://schemas.microsoft.com/office/drawing/2007/7/7/main" xmlns="" val="0"/>
+                <a14:useLocalDpi xmlns="" xmlns:a14="http://schemas.microsoft.com/office/drawing/2007/7/7/main" val="0"/>
               </a:ext>
             </a:extLst>
           </a:blip>
@@ -13718,7 +13611,7 @@
           <a:noFill/>
           <a:extLst>
             <a:ext uri="{909E8E84-426E-40dd-AFC4-6F175D3DCCD1}">
-              <a14:hiddenFill xmlns:a14="http://schemas.microsoft.com/office/drawing/2007/7/7/main" xmlns="">
+              <a14:hiddenFill xmlns="" xmlns:a14="http://schemas.microsoft.com/office/drawing/2007/7/7/main">
                 <a:solidFill>
                   <a:srgbClr xmlns:mc="http://schemas.openxmlformats.org/markup-compatibility/2006" val="FFFFFF" mc:Ignorable=""/>
                 </a:solidFill>
@@ -14224,7 +14117,7 @@
     </p:spTree>
     <p:extLst>
       <p:ext uri="{BB962C8B-B14F-4D97-AF65-F5344CB8AC3E}">
-        <p14:creationId xmlns:p14="http://schemas.microsoft.com/office/powerpoint/2007/7/12/main" xmlns="" val="315467668"/>
+        <p14:creationId xmlns="" xmlns:p14="http://schemas.microsoft.com/office/powerpoint/2007/7/12/main" val="315467668"/>
       </p:ext>
     </p:extLst>
   </p:cSld>
@@ -14709,7 +14602,7 @@
     </p:spTree>
     <p:extLst>
       <p:ext uri="{BB962C8B-B14F-4D97-AF65-F5344CB8AC3E}">
-        <p14:creationId xmlns:p14="http://schemas.microsoft.com/office/powerpoint/2007/7/12/main" xmlns="" val="1603447579"/>
+        <p14:creationId xmlns="" xmlns:p14="http://schemas.microsoft.com/office/powerpoint/2007/7/12/main" val="1603447579"/>
       </p:ext>
     </p:extLst>
   </p:cSld>
@@ -15100,7 +14993,7 @@
             </a:clrChange>
             <a:extLst>
               <a:ext uri="28A0092B-C50C-407e-A947-70E740481C1C">
-                <a14:useLocalDpi xmlns:a14="http://schemas.microsoft.com/office/drawing/2007/7/7/main" xmlns="" val="0"/>
+                <a14:useLocalDpi xmlns="" xmlns:a14="http://schemas.microsoft.com/office/drawing/2007/7/7/main" val="0"/>
               </a:ext>
             </a:extLst>
           </a:blip>
@@ -15118,7 +15011,7 @@
           <a:noFill/>
           <a:extLst>
             <a:ext uri="{909E8E84-426E-40dd-AFC4-6F175D3DCCD1}">
-              <a14:hiddenFill xmlns:a14="http://schemas.microsoft.com/office/drawing/2007/7/7/main" xmlns="">
+              <a14:hiddenFill xmlns="" xmlns:a14="http://schemas.microsoft.com/office/drawing/2007/7/7/main">
                 <a:solidFill>
                   <a:srgbClr xmlns:mc="http://schemas.openxmlformats.org/markup-compatibility/2006" val="FFFFFF" mc:Ignorable=""/>
                 </a:solidFill>
@@ -16020,7 +15913,7 @@
     </p:spTree>
     <p:extLst>
       <p:ext uri="{BB962C8B-B14F-4D97-AF65-F5344CB8AC3E}">
-        <p14:creationId xmlns:p14="http://schemas.microsoft.com/office/powerpoint/2007/7/12/main" xmlns="" val="578897846"/>
+        <p14:creationId xmlns="" xmlns:p14="http://schemas.microsoft.com/office/powerpoint/2007/7/12/main" val="578897846"/>
       </p:ext>
     </p:extLst>
   </p:cSld>
@@ -16152,7 +16045,7 @@
           <a:blip r:embed="rId2">
             <a:extLst>
               <a:ext uri="28A0092B-C50C-407e-A947-70E740481C1C">
-                <a14:useLocalDpi xmlns:a14="http://schemas.microsoft.com/office/drawing/2007/7/7/main" xmlns="" val="0"/>
+                <a14:useLocalDpi xmlns="" xmlns:a14="http://schemas.microsoft.com/office/drawing/2007/7/7/main" val="0"/>
               </a:ext>
             </a:extLst>
           </a:blip>
@@ -16172,7 +16065,7 @@
           <a:noFill/>
           <a:extLst>
             <a:ext uri="{909E8E84-426E-40dd-AFC4-6F175D3DCCD1}">
-              <a14:hiddenFill xmlns:a14="http://schemas.microsoft.com/office/drawing/2007/7/7/main" xmlns="">
+              <a14:hiddenFill xmlns="" xmlns:a14="http://schemas.microsoft.com/office/drawing/2007/7/7/main">
                 <a:solidFill>
                   <a:srgbClr xmlns:mc="http://schemas.openxmlformats.org/markup-compatibility/2006" val="FFFFFF" mc:Ignorable=""/>
                 </a:solidFill>
@@ -16184,7 +16077,7 @@
     </p:spTree>
     <p:extLst>
       <p:ext uri="{BB962C8B-B14F-4D97-AF65-F5344CB8AC3E}">
-        <p14:creationId xmlns:p14="http://schemas.microsoft.com/office/powerpoint/2007/7/12/main" xmlns="" val="2278854831"/>
+        <p14:creationId xmlns="" xmlns:p14="http://schemas.microsoft.com/office/powerpoint/2007/7/12/main" val="2278854831"/>
       </p:ext>
     </p:extLst>
   </p:cSld>
@@ -16316,7 +16209,7 @@
           <a:blip r:embed="rId2">
             <a:extLst>
               <a:ext uri="28A0092B-C50C-407e-A947-70E740481C1C">
-                <a14:useLocalDpi xmlns:a14="http://schemas.microsoft.com/office/drawing/2007/7/7/main" xmlns="" val="0"/>
+                <a14:useLocalDpi xmlns="" xmlns:a14="http://schemas.microsoft.com/office/drawing/2007/7/7/main" val="0"/>
               </a:ext>
             </a:extLst>
           </a:blip>
@@ -16336,14 +16229,14 @@
           <a:noFill/>
           <a:extLst>
             <a:ext uri="{909E8E84-426E-40dd-AFC4-6F175D3DCCD1}">
-              <a14:hiddenFill xmlns:a14="http://schemas.microsoft.com/office/drawing/2007/7/7/main" xmlns="">
+              <a14:hiddenFill xmlns="" xmlns:a14="http://schemas.microsoft.com/office/drawing/2007/7/7/main">
                 <a:solidFill>
                   <a:srgbClr xmlns:mc="http://schemas.openxmlformats.org/markup-compatibility/2006" val="FFFFFF" mc:Ignorable=""/>
                 </a:solidFill>
               </a14:hiddenFill>
             </a:ext>
             <a:ext uri="{53640926-AAD7-44d8-BBD7-CCE9431645EC}">
-              <a14:shadowObscured xmlns:a14="http://schemas.microsoft.com/office/drawing/2007/7/7/main" xmlns="" val="1"/>
+              <a14:shadowObscured xmlns="" xmlns:a14="http://schemas.microsoft.com/office/drawing/2007/7/7/main" val="1"/>
             </a:ext>
           </a:extLst>
         </p:spPr>
@@ -16351,7 +16244,7 @@
     </p:spTree>
     <p:extLst>
       <p:ext uri="{BB962C8B-B14F-4D97-AF65-F5344CB8AC3E}">
-        <p14:creationId xmlns:p14="http://schemas.microsoft.com/office/powerpoint/2007/7/12/main" xmlns="" val="1829070041"/>
+        <p14:creationId xmlns="" xmlns:p14="http://schemas.microsoft.com/office/powerpoint/2007/7/12/main" val="1829070041"/>
       </p:ext>
     </p:extLst>
   </p:cSld>
@@ -16483,7 +16376,7 @@
           <a:blip r:embed="rId2">
             <a:extLst>
               <a:ext uri="28A0092B-C50C-407e-A947-70E740481C1C">
-                <a14:useLocalDpi xmlns:a14="http://schemas.microsoft.com/office/drawing/2007/7/7/main" xmlns="" val="0"/>
+                <a14:useLocalDpi xmlns="" xmlns:a14="http://schemas.microsoft.com/office/drawing/2007/7/7/main" val="0"/>
               </a:ext>
             </a:extLst>
           </a:blip>
@@ -16503,7 +16396,7 @@
           <a:noFill/>
           <a:extLst>
             <a:ext uri="{909E8E84-426E-40dd-AFC4-6F175D3DCCD1}">
-              <a14:hiddenFill xmlns:a14="http://schemas.microsoft.com/office/drawing/2007/7/7/main" xmlns="">
+              <a14:hiddenFill xmlns="" xmlns:a14="http://schemas.microsoft.com/office/drawing/2007/7/7/main">
                 <a:solidFill>
                   <a:srgbClr xmlns:mc="http://schemas.openxmlformats.org/markup-compatibility/2006" val="FFFFFF" mc:Ignorable=""/>
                 </a:solidFill>
@@ -16515,7 +16408,7 @@
     </p:spTree>
     <p:extLst>
       <p:ext uri="{BB962C8B-B14F-4D97-AF65-F5344CB8AC3E}">
-        <p14:creationId xmlns:p14="http://schemas.microsoft.com/office/powerpoint/2007/7/12/main" xmlns="" val="1829070041"/>
+        <p14:creationId xmlns="" xmlns:p14="http://schemas.microsoft.com/office/powerpoint/2007/7/12/main" val="1829070041"/>
       </p:ext>
     </p:extLst>
   </p:cSld>
@@ -17351,7 +17244,7 @@
     </p:spTree>
     <p:extLst>
       <p:ext uri="{BB962C8B-B14F-4D97-AF65-F5344CB8AC3E}">
-        <p14:creationId xmlns:p14="http://schemas.microsoft.com/office/powerpoint/2007/7/12/main" xmlns="" val="1215991128"/>
+        <p14:creationId xmlns="" xmlns:p14="http://schemas.microsoft.com/office/powerpoint/2007/7/12/main" val="1215991128"/>
       </p:ext>
     </p:extLst>
   </p:cSld>
@@ -17500,7 +17393,7 @@
     </p:spTree>
     <p:extLst>
       <p:ext uri="{BB962C8B-B14F-4D97-AF65-F5344CB8AC3E}">
-        <p14:creationId xmlns:p14="http://schemas.microsoft.com/office/powerpoint/2007/7/12/main" xmlns="" val="1829070041"/>
+        <p14:creationId xmlns="" xmlns:p14="http://schemas.microsoft.com/office/powerpoint/2007/7/12/main" val="1829070041"/>
       </p:ext>
     </p:extLst>
   </p:cSld>
@@ -17616,7 +17509,7 @@
           <p:nvPr>
             <p:extLst>
               <p:ext uri="{D42A27DB-BD31-4B8C-83A1-F6EECF244321}">
-                <p14:modId xmlns:p14="http://schemas.microsoft.com/office/powerpoint/2007/7/12/main" xmlns="" val="2631559223"/>
+                <p14:modId xmlns="" xmlns:p14="http://schemas.microsoft.com/office/powerpoint/2007/7/12/main" val="2631559223"/>
               </p:ext>
             </p:extLst>
           </p:nvPr>
@@ -17634,7 +17527,7 @@
     </p:spTree>
     <p:extLst>
       <p:ext uri="{BB962C8B-B14F-4D97-AF65-F5344CB8AC3E}">
-        <p14:creationId xmlns:p14="http://schemas.microsoft.com/office/powerpoint/2007/7/12/main" xmlns="" val="454031538"/>
+        <p14:creationId xmlns="" xmlns:p14="http://schemas.microsoft.com/office/powerpoint/2007/7/12/main" val="454031538"/>
       </p:ext>
     </p:extLst>
   </p:cSld>
@@ -18787,7 +18680,7 @@
     </p:spTree>
     <p:extLst>
       <p:ext uri="{BB962C8B-B14F-4D97-AF65-F5344CB8AC3E}">
-        <p14:creationId xmlns:p14="http://schemas.microsoft.com/office/powerpoint/2007/7/12/main" xmlns="" val="2996111515"/>
+        <p14:creationId xmlns="" xmlns:p14="http://schemas.microsoft.com/office/powerpoint/2007/7/12/main" val="2996111515"/>
       </p:ext>
     </p:extLst>
   </p:cSld>
@@ -19575,7 +19468,7 @@
     </p:spTree>
     <p:extLst>
       <p:ext uri="{BB962C8B-B14F-4D97-AF65-F5344CB8AC3E}">
-        <p14:creationId xmlns:p14="http://schemas.microsoft.com/office/powerpoint/2007/7/12/main" xmlns="" val="3707259682"/>
+        <p14:creationId xmlns="" xmlns:p14="http://schemas.microsoft.com/office/powerpoint/2007/7/12/main" val="3707259682"/>
       </p:ext>
     </p:extLst>
   </p:cSld>
@@ -21764,7 +21657,7 @@
     </p:spTree>
     <p:extLst>
       <p:ext uri="{BB962C8B-B14F-4D97-AF65-F5344CB8AC3E}">
-        <p14:creationId xmlns:p14="http://schemas.microsoft.com/office/powerpoint/2007/7/12/main" xmlns="" val="1726127084"/>
+        <p14:creationId xmlns="" xmlns:p14="http://schemas.microsoft.com/office/powerpoint/2007/7/12/main" val="1726127084"/>
       </p:ext>
     </p:extLst>
   </p:cSld>
@@ -24133,7 +24026,7 @@
     </p:spTree>
     <p:extLst>
       <p:ext uri="{BB962C8B-B14F-4D97-AF65-F5344CB8AC3E}">
-        <p14:creationId xmlns:p14="http://schemas.microsoft.com/office/powerpoint/2007/7/12/main" xmlns="" val="2769818375"/>
+        <p14:creationId xmlns="" xmlns:p14="http://schemas.microsoft.com/office/powerpoint/2007/7/12/main" val="2769818375"/>
       </p:ext>
     </p:extLst>
   </p:cSld>
@@ -26526,7 +26419,7 @@
     </p:spTree>
     <p:extLst>
       <p:ext uri="{BB962C8B-B14F-4D97-AF65-F5344CB8AC3E}">
-        <p14:creationId xmlns:p14="http://schemas.microsoft.com/office/powerpoint/2007/7/12/main" xmlns="" val="2463560530"/>
+        <p14:creationId xmlns="" xmlns:p14="http://schemas.microsoft.com/office/powerpoint/2007/7/12/main" val="2463560530"/>
       </p:ext>
     </p:extLst>
   </p:cSld>
@@ -26606,7 +26499,7 @@
           <p:nvPr>
             <p:extLst>
               <p:ext uri="{D42A27DB-BD31-4B8C-83A1-F6EECF244321}">
-                <p14:modId xmlns:p14="http://schemas.microsoft.com/office/powerpoint/2007/7/12/main" xmlns="" val="1786889323"/>
+                <p14:modId xmlns="" xmlns:p14="http://schemas.microsoft.com/office/powerpoint/2007/7/12/main" val="1786889323"/>
               </p:ext>
             </p:extLst>
           </p:nvPr>
@@ -27152,7 +27045,7 @@
     </p:spTree>
     <p:extLst>
       <p:ext uri="{BB962C8B-B14F-4D97-AF65-F5344CB8AC3E}">
-        <p14:creationId xmlns:p14="http://schemas.microsoft.com/office/powerpoint/2007/7/12/main" xmlns="" val="4039325657"/>
+        <p14:creationId xmlns="" xmlns:p14="http://schemas.microsoft.com/office/powerpoint/2007/7/12/main" val="4039325657"/>
       </p:ext>
     </p:extLst>
   </p:cSld>
@@ -27631,7 +27524,7 @@
     </p:spTree>
     <p:extLst>
       <p:ext uri="{BB962C8B-B14F-4D97-AF65-F5344CB8AC3E}">
-        <p14:creationId xmlns:p14="http://schemas.microsoft.com/office/powerpoint/2007/7/12/main" xmlns="" val="2737251238"/>
+        <p14:creationId xmlns="" xmlns:p14="http://schemas.microsoft.com/office/powerpoint/2007/7/12/main" val="2737251238"/>
       </p:ext>
     </p:extLst>
   </p:cSld>
